--- a/DsDotNet/src/UnitTest/UnitTest.Model/ImportOfficeExample/exportDS/testA/testMy/my.pptx
+++ b/DsDotNet/src/UnitTest/UnitTest.Model/ImportOfficeExample/exportDS/testA/testMy/my.pptx
@@ -7,6 +7,7 @@
   <p:sldIdLst>
     <p:sldId id="258" r:id="rId2"/>
     <p:sldId id="257" r:id="rId3"/>
+    <p:sldId id="259" r:id="rId4"/>
   </p:sldIdLst>
   <p:sldSz cx="12192000" cy="6858000"/>
   <p:notesSz cx="6858000" cy="9144000"/>
@@ -260,7 +261,7 @@
           <a:p>
             <a:fld id="{E31A602F-9409-4B9A-9D14-798E704D8577}" type="datetimeFigureOut">
               <a:rPr lang="ko-KR" altLang="en-US" smtClean="0"/>
-              <a:t>2023-11-02</a:t>
+              <a:t>2023-11-04</a:t>
             </a:fld>
             <a:endParaRPr lang="ko-KR" altLang="en-US"/>
           </a:p>
@@ -458,7 +459,7 @@
           <a:p>
             <a:fld id="{E31A602F-9409-4B9A-9D14-798E704D8577}" type="datetimeFigureOut">
               <a:rPr lang="ko-KR" altLang="en-US" smtClean="0"/>
-              <a:t>2023-11-02</a:t>
+              <a:t>2023-11-04</a:t>
             </a:fld>
             <a:endParaRPr lang="ko-KR" altLang="en-US"/>
           </a:p>
@@ -666,7 +667,7 @@
           <a:p>
             <a:fld id="{E31A602F-9409-4B9A-9D14-798E704D8577}" type="datetimeFigureOut">
               <a:rPr lang="ko-KR" altLang="en-US" smtClean="0"/>
-              <a:t>2023-11-02</a:t>
+              <a:t>2023-11-04</a:t>
             </a:fld>
             <a:endParaRPr lang="ko-KR" altLang="en-US"/>
           </a:p>
@@ -864,7 +865,7 @@
           <a:p>
             <a:fld id="{E31A602F-9409-4B9A-9D14-798E704D8577}" type="datetimeFigureOut">
               <a:rPr lang="ko-KR" altLang="en-US" smtClean="0"/>
-              <a:t>2023-11-02</a:t>
+              <a:t>2023-11-04</a:t>
             </a:fld>
             <a:endParaRPr lang="ko-KR" altLang="en-US"/>
           </a:p>
@@ -1139,7 +1140,7 @@
           <a:p>
             <a:fld id="{E31A602F-9409-4B9A-9D14-798E704D8577}" type="datetimeFigureOut">
               <a:rPr lang="ko-KR" altLang="en-US" smtClean="0"/>
-              <a:t>2023-11-02</a:t>
+              <a:t>2023-11-04</a:t>
             </a:fld>
             <a:endParaRPr lang="ko-KR" altLang="en-US"/>
           </a:p>
@@ -1404,7 +1405,7 @@
           <a:p>
             <a:fld id="{E31A602F-9409-4B9A-9D14-798E704D8577}" type="datetimeFigureOut">
               <a:rPr lang="ko-KR" altLang="en-US" smtClean="0"/>
-              <a:t>2023-11-02</a:t>
+              <a:t>2023-11-04</a:t>
             </a:fld>
             <a:endParaRPr lang="ko-KR" altLang="en-US"/>
           </a:p>
@@ -1816,7 +1817,7 @@
           <a:p>
             <a:fld id="{E31A602F-9409-4B9A-9D14-798E704D8577}" type="datetimeFigureOut">
               <a:rPr lang="ko-KR" altLang="en-US" smtClean="0"/>
-              <a:t>2023-11-02</a:t>
+              <a:t>2023-11-04</a:t>
             </a:fld>
             <a:endParaRPr lang="ko-KR" altLang="en-US"/>
           </a:p>
@@ -1957,7 +1958,7 @@
           <a:p>
             <a:fld id="{E31A602F-9409-4B9A-9D14-798E704D8577}" type="datetimeFigureOut">
               <a:rPr lang="ko-KR" altLang="en-US" smtClean="0"/>
-              <a:t>2023-11-02</a:t>
+              <a:t>2023-11-04</a:t>
             </a:fld>
             <a:endParaRPr lang="ko-KR" altLang="en-US"/>
           </a:p>
@@ -2070,7 +2071,7 @@
           <a:p>
             <a:fld id="{E31A602F-9409-4B9A-9D14-798E704D8577}" type="datetimeFigureOut">
               <a:rPr lang="ko-KR" altLang="en-US" smtClean="0"/>
-              <a:t>2023-11-02</a:t>
+              <a:t>2023-11-04</a:t>
             </a:fld>
             <a:endParaRPr lang="ko-KR" altLang="en-US"/>
           </a:p>
@@ -2381,7 +2382,7 @@
           <a:p>
             <a:fld id="{E31A602F-9409-4B9A-9D14-798E704D8577}" type="datetimeFigureOut">
               <a:rPr lang="ko-KR" altLang="en-US" smtClean="0"/>
-              <a:t>2023-11-02</a:t>
+              <a:t>2023-11-04</a:t>
             </a:fld>
             <a:endParaRPr lang="ko-KR" altLang="en-US"/>
           </a:p>
@@ -2669,7 +2670,7 @@
           <a:p>
             <a:fld id="{E31A602F-9409-4B9A-9D14-798E704D8577}" type="datetimeFigureOut">
               <a:rPr lang="ko-KR" altLang="en-US" smtClean="0"/>
-              <a:t>2023-11-02</a:t>
+              <a:t>2023-11-04</a:t>
             </a:fld>
             <a:endParaRPr lang="ko-KR" altLang="en-US"/>
           </a:p>
@@ -2910,7 +2911,7 @@
           <a:p>
             <a:fld id="{E31A602F-9409-4B9A-9D14-798E704D8577}" type="datetimeFigureOut">
               <a:rPr lang="ko-KR" altLang="en-US" smtClean="0"/>
-              <a:t>2023-11-02</a:t>
+              <a:t>2023-11-04</a:t>
             </a:fld>
             <a:endParaRPr lang="ko-KR" altLang="en-US"/>
           </a:p>
@@ -3715,19 +3716,19 @@
           <a:p>
             <a:pPr algn="ctr"/>
             <a:r>
+              <a:rPr lang="en-US" altLang="ko-KR" dirty="0"/>
+              <a:t>../lib/dev</a:t>
+            </a:r>
+          </a:p>
+          <a:p>
+            <a:pPr algn="ctr"/>
+            <a:r>
               <a:rPr lang="en-US" altLang="ko-KR"/>
-              <a:t>../lib</a:t>
+              <a:t>[Pin</a:t>
             </a:r>
             <a:r>
               <a:rPr lang="en-US" altLang="ko-KR" dirty="0"/>
-              <a:t>/dev</a:t>
-            </a:r>
-          </a:p>
-          <a:p>
-            <a:pPr algn="ctr"/>
-            <a:r>
-              <a:rPr lang="en-US" altLang="ko-KR" dirty="0"/>
-              <a:t>[Pin]</a:t>
+              <a:t>]</a:t>
             </a:r>
             <a:endParaRPr lang="ko-KR" altLang="en-US" dirty="0"/>
           </a:p>
@@ -3846,7 +3847,7 @@
             <a:p>
               <a:pPr algn="ctr"/>
               <a:r>
-                <a:rPr lang="en-US" altLang="ko-KR"/>
+                <a:rPr lang="en-US" altLang="ko-KR" dirty="0"/>
                 <a:t>Pin.+</a:t>
               </a:r>
               <a:endParaRPr lang="ko-KR" altLang="en-US" dirty="0"/>
@@ -3950,6 +3951,1150 @@
     <p:extLst>
       <p:ext uri="{BB962C8B-B14F-4D97-AF65-F5344CB8AC3E}">
         <p14:creationId xmlns:p14="http://schemas.microsoft.com/office/powerpoint/2010/main" val="925881008"/>
+      </p:ext>
+    </p:extLst>
+  </p:cSld>
+  <p:clrMapOvr>
+    <a:masterClrMapping/>
+  </p:clrMapOvr>
+</p:sld>
+</file>
+
+<file path=ppt/slides/slide3.xml><?xml version="1.0" encoding="utf-8"?>
+<p:sld xmlns:a="http://schemas.openxmlformats.org/drawingml/2006/main" xmlns:r="http://schemas.openxmlformats.org/officeDocument/2006/relationships" xmlns:p="http://schemas.openxmlformats.org/presentationml/2006/main">
+  <p:cSld>
+    <p:bg>
+      <p:bgPr>
+        <a:solidFill>
+          <a:srgbClr val="FFFFFF"/>
+        </a:solidFill>
+        <a:effectLst/>
+      </p:bgPr>
+    </p:bg>
+    <p:spTree>
+      <p:nvGrpSpPr>
+        <p:cNvPr id="1" name=""/>
+        <p:cNvGrpSpPr/>
+        <p:nvPr/>
+      </p:nvGrpSpPr>
+      <p:grpSpPr>
+        <a:xfrm>
+          <a:off x="0" y="0"/>
+          <a:ext cx="0" cy="0"/>
+          <a:chOff x="0" y="0"/>
+          <a:chExt cx="0" cy="0"/>
+        </a:xfrm>
+      </p:grpSpPr>
+      <p:sp>
+        <p:nvSpPr>
+          <p:cNvPr id="2" name="TextBox 1">
+            <a:extLst>
+              <a:ext uri="{FF2B5EF4-FFF2-40B4-BE49-F238E27FC236}">
+                <a16:creationId xmlns:a16="http://schemas.microsoft.com/office/drawing/2014/main" id="{88B7FDB3-EFEF-9DFF-6FC5-FF32C5A8994A}"/>
+              </a:ext>
+            </a:extLst>
+          </p:cNvPr>
+          <p:cNvSpPr txBox="1"/>
+          <p:nvPr/>
+        </p:nvSpPr>
+        <p:spPr>
+          <a:xfrm>
+            <a:off x="254000" y="254000"/>
+            <a:ext cx="1270000" cy="381000"/>
+          </a:xfrm>
+          <a:prstGeom prst="rect">
+            <a:avLst/>
+          </a:prstGeom>
+          <a:noFill/>
+        </p:spPr>
+        <p:txBody>
+          <a:bodyPr vert="horz" rtlCol="0">
+            <a:spAutoFit/>
+          </a:bodyPr>
+          <a:lstStyle/>
+          <a:p>
+            <a:r>
+              <a:rPr lang="en-US" altLang="ko-KR"/>
+              <a:t>IO TABLE</a:t>
+            </a:r>
+            <a:endParaRPr lang="ko-KR" altLang="en-US"/>
+          </a:p>
+        </p:txBody>
+      </p:sp>
+      <p:graphicFrame>
+        <p:nvGraphicFramePr>
+          <p:cNvPr id="3" name="표 2">
+            <a:extLst>
+              <a:ext uri="{FF2B5EF4-FFF2-40B4-BE49-F238E27FC236}">
+                <a16:creationId xmlns:a16="http://schemas.microsoft.com/office/drawing/2014/main" id="{85AEBF23-47EC-67D7-7958-30A7ED88C889}"/>
+              </a:ext>
+            </a:extLst>
+          </p:cNvPr>
+          <p:cNvGraphicFramePr>
+            <a:graphicFrameLocks noGrp="1"/>
+          </p:cNvGraphicFramePr>
+          <p:nvPr>
+            <p:extLst>
+              <p:ext uri="{D42A27DB-BD31-4B8C-83A1-F6EECF244321}">
+                <p14:modId xmlns:p14="http://schemas.microsoft.com/office/powerpoint/2010/main" val="4139675245"/>
+              </p:ext>
+            </p:extLst>
+          </p:nvPr>
+        </p:nvGraphicFramePr>
+        <p:xfrm>
+          <a:off x="254000" y="635000"/>
+          <a:ext cx="11684001" cy="3916680"/>
+        </p:xfrm>
+        <a:graphic>
+          <a:graphicData uri="http://schemas.openxmlformats.org/drawingml/2006/table">
+            <a:tbl>
+              <a:tblPr firstRow="1" bandRow="1">
+                <a:tableStyleId>{5C22544A-7EE6-4342-B048-85BDC9FD1C3A}</a:tableStyleId>
+              </a:tblPr>
+              <a:tblGrid>
+                <a:gridCol w="1669143">
+                  <a:extLst>
+                    <a:ext uri="{9D8B030D-6E8A-4147-A177-3AD203B41FA5}">
+                      <a16:colId xmlns:a16="http://schemas.microsoft.com/office/drawing/2014/main" val="3935387688"/>
+                    </a:ext>
+                  </a:extLst>
+                </a:gridCol>
+                <a:gridCol w="1669143">
+                  <a:extLst>
+                    <a:ext uri="{9D8B030D-6E8A-4147-A177-3AD203B41FA5}">
+                      <a16:colId xmlns:a16="http://schemas.microsoft.com/office/drawing/2014/main" val="3792823313"/>
+                    </a:ext>
+                  </a:extLst>
+                </a:gridCol>
+                <a:gridCol w="1669143">
+                  <a:extLst>
+                    <a:ext uri="{9D8B030D-6E8A-4147-A177-3AD203B41FA5}">
+                      <a16:colId xmlns:a16="http://schemas.microsoft.com/office/drawing/2014/main" val="2272098803"/>
+                    </a:ext>
+                  </a:extLst>
+                </a:gridCol>
+                <a:gridCol w="1669143">
+                  <a:extLst>
+                    <a:ext uri="{9D8B030D-6E8A-4147-A177-3AD203B41FA5}">
+                      <a16:colId xmlns:a16="http://schemas.microsoft.com/office/drawing/2014/main" val="3106565977"/>
+                    </a:ext>
+                  </a:extLst>
+                </a:gridCol>
+                <a:gridCol w="1669143">
+                  <a:extLst>
+                    <a:ext uri="{9D8B030D-6E8A-4147-A177-3AD203B41FA5}">
+                      <a16:colId xmlns:a16="http://schemas.microsoft.com/office/drawing/2014/main" val="4044141084"/>
+                    </a:ext>
+                  </a:extLst>
+                </a:gridCol>
+                <a:gridCol w="1669143">
+                  <a:extLst>
+                    <a:ext uri="{9D8B030D-6E8A-4147-A177-3AD203B41FA5}">
+                      <a16:colId xmlns:a16="http://schemas.microsoft.com/office/drawing/2014/main" val="1267529450"/>
+                    </a:ext>
+                  </a:extLst>
+                </a:gridCol>
+                <a:gridCol w="1669143">
+                  <a:extLst>
+                    <a:ext uri="{9D8B030D-6E8A-4147-A177-3AD203B41FA5}">
+                      <a16:colId xmlns:a16="http://schemas.microsoft.com/office/drawing/2014/main" val="924546924"/>
+                    </a:ext>
+                  </a:extLst>
+                </a:gridCol>
+              </a:tblGrid>
+              <a:tr h="0">
+                <a:tc>
+                  <a:txBody>
+                    <a:bodyPr/>
+                    <a:lstStyle/>
+                    <a:p>
+                      <a:pPr latinLnBrk="1"/>
+                      <a:r>
+                        <a:rPr lang="en-US" altLang="ko-KR" sz="1100"/>
+                        <a:t>Case</a:t>
+                      </a:r>
+                      <a:endParaRPr lang="ko-KR" altLang="en-US" sz="1100"/>
+                    </a:p>
+                  </a:txBody>
+                  <a:tcPr/>
+                </a:tc>
+                <a:tc>
+                  <a:txBody>
+                    <a:bodyPr/>
+                    <a:lstStyle/>
+                    <a:p>
+                      <a:pPr latinLnBrk="1"/>
+                      <a:r>
+                        <a:rPr lang="en-US" altLang="ko-KR" sz="1100"/>
+                        <a:t>Name</a:t>
+                      </a:r>
+                      <a:endParaRPr lang="ko-KR" altLang="en-US" sz="1100"/>
+                    </a:p>
+                  </a:txBody>
+                  <a:tcPr/>
+                </a:tc>
+                <a:tc>
+                  <a:txBody>
+                    <a:bodyPr/>
+                    <a:lstStyle/>
+                    <a:p>
+                      <a:pPr latinLnBrk="1"/>
+                      <a:r>
+                        <a:rPr lang="en-US" altLang="ko-KR" sz="1100"/>
+                        <a:t>DataType</a:t>
+                      </a:r>
+                      <a:endParaRPr lang="ko-KR" altLang="en-US" sz="1100"/>
+                    </a:p>
+                  </a:txBody>
+                  <a:tcPr/>
+                </a:tc>
+                <a:tc>
+                  <a:txBody>
+                    <a:bodyPr/>
+                    <a:lstStyle/>
+                    <a:p>
+                      <a:pPr latinLnBrk="1"/>
+                      <a:r>
+                        <a:rPr lang="en-US" altLang="ko-KR" sz="1100"/>
+                        <a:t>Input</a:t>
+                      </a:r>
+                      <a:endParaRPr lang="ko-KR" altLang="en-US" sz="1100"/>
+                    </a:p>
+                  </a:txBody>
+                  <a:tcPr/>
+                </a:tc>
+                <a:tc>
+                  <a:txBody>
+                    <a:bodyPr/>
+                    <a:lstStyle/>
+                    <a:p>
+                      <a:pPr latinLnBrk="1"/>
+                      <a:r>
+                        <a:rPr lang="en-US" altLang="ko-KR" sz="1100"/>
+                        <a:t>Output</a:t>
+                      </a:r>
+                      <a:endParaRPr lang="ko-KR" altLang="en-US" sz="1100"/>
+                    </a:p>
+                  </a:txBody>
+                  <a:tcPr/>
+                </a:tc>
+                <a:tc>
+                  <a:txBody>
+                    <a:bodyPr/>
+                    <a:lstStyle/>
+                    <a:p>
+                      <a:pPr latinLnBrk="1"/>
+                      <a:r>
+                        <a:rPr lang="en-US" altLang="ko-KR" sz="1100"/>
+                        <a:t>Job</a:t>
+                      </a:r>
+                      <a:endParaRPr lang="ko-KR" altLang="en-US" sz="1100"/>
+                    </a:p>
+                  </a:txBody>
+                  <a:tcPr/>
+                </a:tc>
+                <a:tc>
+                  <a:txBody>
+                    <a:bodyPr/>
+                    <a:lstStyle/>
+                    <a:p>
+                      <a:pPr latinLnBrk="1"/>
+                      <a:r>
+                        <a:rPr lang="en-US" altLang="ko-KR" sz="1100"/>
+                        <a:t>Func</a:t>
+                      </a:r>
+                      <a:endParaRPr lang="ko-KR" altLang="en-US" sz="1100"/>
+                    </a:p>
+                  </a:txBody>
+                  <a:tcPr/>
+                </a:tc>
+                <a:extLst>
+                  <a:ext uri="{0D108BD9-81ED-4DB2-BD59-A6C34878D82A}">
+                    <a16:rowId xmlns:a16="http://schemas.microsoft.com/office/drawing/2014/main" val="2190507266"/>
+                  </a:ext>
+                </a:extLst>
+              </a:tr>
+              <a:tr h="0">
+                <a:tc>
+                  <a:txBody>
+                    <a:bodyPr/>
+                    <a:lstStyle/>
+                    <a:p>
+                      <a:pPr latinLnBrk="1"/>
+                      <a:r>
+                        <a:rPr lang="ko-KR" altLang="en-US" sz="1100"/>
+                        <a:t>외부주소</a:t>
+                      </a:r>
+                    </a:p>
+                  </a:txBody>
+                  <a:tcPr/>
+                </a:tc>
+                <a:tc>
+                  <a:txBody>
+                    <a:bodyPr/>
+                    <a:lstStyle/>
+                    <a:p>
+                      <a:pPr latinLnBrk="1"/>
+                      <a:r>
+                        <a:rPr lang="en-US" altLang="ko-KR" sz="1100"/>
+                        <a:t>STN01_Pin."+"</a:t>
+                      </a:r>
+                      <a:endParaRPr lang="ko-KR" altLang="en-US" sz="1100"/>
+                    </a:p>
+                  </a:txBody>
+                  <a:tcPr/>
+                </a:tc>
+                <a:tc>
+                  <a:txBody>
+                    <a:bodyPr/>
+                    <a:lstStyle/>
+                    <a:p>
+                      <a:pPr latinLnBrk="1"/>
+                      <a:r>
+                        <a:rPr lang="en-US" altLang="ko-KR" sz="1100"/>
+                        <a:t>bool</a:t>
+                      </a:r>
+                      <a:endParaRPr lang="ko-KR" altLang="en-US" sz="1100"/>
+                    </a:p>
+                  </a:txBody>
+                  <a:tcPr/>
+                </a:tc>
+                <a:tc>
+                  <a:txBody>
+                    <a:bodyPr/>
+                    <a:lstStyle/>
+                    <a:p>
+                      <a:pPr latinLnBrk="1"/>
+                      <a:endParaRPr lang="ko-KR" altLang="en-US" sz="1100"/>
+                    </a:p>
+                  </a:txBody>
+                  <a:tcPr/>
+                </a:tc>
+                <a:tc>
+                  <a:txBody>
+                    <a:bodyPr/>
+                    <a:lstStyle/>
+                    <a:p>
+                      <a:pPr latinLnBrk="1"/>
+                      <a:endParaRPr lang="ko-KR" altLang="en-US" sz="1100"/>
+                    </a:p>
+                  </a:txBody>
+                  <a:tcPr/>
+                </a:tc>
+                <a:tc>
+                  <a:txBody>
+                    <a:bodyPr/>
+                    <a:lstStyle/>
+                    <a:p>
+                      <a:pPr latinLnBrk="1"/>
+                      <a:r>
+                        <a:rPr lang="en-US" altLang="ko-KR" sz="1100"/>
+                        <a:t>STN01_Pin_+</a:t>
+                      </a:r>
+                      <a:endParaRPr lang="ko-KR" altLang="en-US" sz="1100"/>
+                    </a:p>
+                  </a:txBody>
+                  <a:tcPr/>
+                </a:tc>
+                <a:tc>
+                  <a:txBody>
+                    <a:bodyPr/>
+                    <a:lstStyle/>
+                    <a:p>
+                      <a:pPr latinLnBrk="1"/>
+                      <a:endParaRPr lang="ko-KR" altLang="en-US" sz="1100"/>
+                    </a:p>
+                  </a:txBody>
+                  <a:tcPr/>
+                </a:tc>
+                <a:extLst>
+                  <a:ext uri="{0D108BD9-81ED-4DB2-BD59-A6C34878D82A}">
+                    <a16:rowId xmlns:a16="http://schemas.microsoft.com/office/drawing/2014/main" val="1958814581"/>
+                  </a:ext>
+                </a:extLst>
+              </a:tr>
+              <a:tr h="0">
+                <a:tc>
+                  <a:txBody>
+                    <a:bodyPr/>
+                    <a:lstStyle/>
+                    <a:p>
+                      <a:pPr latinLnBrk="1"/>
+                      <a:r>
+                        <a:rPr lang="ko-KR" altLang="en-US" sz="1100"/>
+                        <a:t>외부주소</a:t>
+                      </a:r>
+                    </a:p>
+                  </a:txBody>
+                  <a:tcPr/>
+                </a:tc>
+                <a:tc>
+                  <a:txBody>
+                    <a:bodyPr/>
+                    <a:lstStyle/>
+                    <a:p>
+                      <a:pPr latinLnBrk="1"/>
+                      <a:r>
+                        <a:rPr lang="en-US" altLang="ko-KR" sz="1100"/>
+                        <a:t>STN01_Pin."-"</a:t>
+                      </a:r>
+                      <a:endParaRPr lang="ko-KR" altLang="en-US" sz="1100"/>
+                    </a:p>
+                  </a:txBody>
+                  <a:tcPr/>
+                </a:tc>
+                <a:tc>
+                  <a:txBody>
+                    <a:bodyPr/>
+                    <a:lstStyle/>
+                    <a:p>
+                      <a:pPr latinLnBrk="1"/>
+                      <a:r>
+                        <a:rPr lang="en-US" altLang="ko-KR" sz="1100"/>
+                        <a:t>bool</a:t>
+                      </a:r>
+                      <a:endParaRPr lang="ko-KR" altLang="en-US" sz="1100"/>
+                    </a:p>
+                  </a:txBody>
+                  <a:tcPr/>
+                </a:tc>
+                <a:tc>
+                  <a:txBody>
+                    <a:bodyPr/>
+                    <a:lstStyle/>
+                    <a:p>
+                      <a:pPr latinLnBrk="1"/>
+                      <a:endParaRPr lang="ko-KR" altLang="en-US" sz="1100"/>
+                    </a:p>
+                  </a:txBody>
+                  <a:tcPr/>
+                </a:tc>
+                <a:tc>
+                  <a:txBody>
+                    <a:bodyPr/>
+                    <a:lstStyle/>
+                    <a:p>
+                      <a:pPr latinLnBrk="1"/>
+                      <a:endParaRPr lang="ko-KR" altLang="en-US" sz="1100"/>
+                    </a:p>
+                  </a:txBody>
+                  <a:tcPr/>
+                </a:tc>
+                <a:tc>
+                  <a:txBody>
+                    <a:bodyPr/>
+                    <a:lstStyle/>
+                    <a:p>
+                      <a:pPr latinLnBrk="1"/>
+                      <a:r>
+                        <a:rPr lang="en-US" altLang="ko-KR" sz="1100"/>
+                        <a:t>STN01_Pin_-</a:t>
+                      </a:r>
+                      <a:endParaRPr lang="ko-KR" altLang="en-US" sz="1100"/>
+                    </a:p>
+                  </a:txBody>
+                  <a:tcPr/>
+                </a:tc>
+                <a:tc>
+                  <a:txBody>
+                    <a:bodyPr/>
+                    <a:lstStyle/>
+                    <a:p>
+                      <a:pPr latinLnBrk="1"/>
+                      <a:endParaRPr lang="ko-KR" altLang="en-US" sz="1100"/>
+                    </a:p>
+                  </a:txBody>
+                  <a:tcPr/>
+                </a:tc>
+                <a:extLst>
+                  <a:ext uri="{0D108BD9-81ED-4DB2-BD59-A6C34878D82A}">
+                    <a16:rowId xmlns:a16="http://schemas.microsoft.com/office/drawing/2014/main" val="1220848603"/>
+                  </a:ext>
+                </a:extLst>
+              </a:tr>
+              <a:tr h="0">
+                <a:tc>
+                  <a:txBody>
+                    <a:bodyPr/>
+                    <a:lstStyle/>
+                    <a:p>
+                      <a:pPr latinLnBrk="1"/>
+                      <a:endParaRPr lang="ko-KR" altLang="en-US" sz="1100"/>
+                    </a:p>
+                  </a:txBody>
+                  <a:tcPr/>
+                </a:tc>
+                <a:tc>
+                  <a:txBody>
+                    <a:bodyPr/>
+                    <a:lstStyle/>
+                    <a:p>
+                      <a:pPr latinLnBrk="1"/>
+                      <a:endParaRPr lang="ko-KR" altLang="en-US" sz="1100"/>
+                    </a:p>
+                  </a:txBody>
+                  <a:tcPr/>
+                </a:tc>
+                <a:tc>
+                  <a:txBody>
+                    <a:bodyPr/>
+                    <a:lstStyle/>
+                    <a:p>
+                      <a:pPr latinLnBrk="1"/>
+                      <a:endParaRPr lang="ko-KR" altLang="en-US" sz="1100"/>
+                    </a:p>
+                  </a:txBody>
+                  <a:tcPr/>
+                </a:tc>
+                <a:tc>
+                  <a:txBody>
+                    <a:bodyPr/>
+                    <a:lstStyle/>
+                    <a:p>
+                      <a:pPr latinLnBrk="1"/>
+                      <a:endParaRPr lang="ko-KR" altLang="en-US" sz="1100"/>
+                    </a:p>
+                  </a:txBody>
+                  <a:tcPr/>
+                </a:tc>
+                <a:tc>
+                  <a:txBody>
+                    <a:bodyPr/>
+                    <a:lstStyle/>
+                    <a:p>
+                      <a:pPr latinLnBrk="1"/>
+                      <a:endParaRPr lang="ko-KR" altLang="en-US" sz="1100"/>
+                    </a:p>
+                  </a:txBody>
+                  <a:tcPr/>
+                </a:tc>
+                <a:tc>
+                  <a:txBody>
+                    <a:bodyPr/>
+                    <a:lstStyle/>
+                    <a:p>
+                      <a:pPr latinLnBrk="1"/>
+                      <a:endParaRPr lang="ko-KR" altLang="en-US" sz="1100"/>
+                    </a:p>
+                  </a:txBody>
+                  <a:tcPr/>
+                </a:tc>
+                <a:tc>
+                  <a:txBody>
+                    <a:bodyPr/>
+                    <a:lstStyle/>
+                    <a:p>
+                      <a:pPr latinLnBrk="1"/>
+                      <a:endParaRPr lang="ko-KR" altLang="en-US" sz="1100"/>
+                    </a:p>
+                  </a:txBody>
+                  <a:tcPr/>
+                </a:tc>
+                <a:extLst>
+                  <a:ext uri="{0D108BD9-81ED-4DB2-BD59-A6C34878D82A}">
+                    <a16:rowId xmlns:a16="http://schemas.microsoft.com/office/drawing/2014/main" val="1784163466"/>
+                  </a:ext>
+                </a:extLst>
+              </a:tr>
+              <a:tr h="0">
+                <a:tc>
+                  <a:txBody>
+                    <a:bodyPr/>
+                    <a:lstStyle/>
+                    <a:p>
+                      <a:pPr latinLnBrk="1"/>
+                      <a:endParaRPr lang="ko-KR" altLang="en-US" sz="1100"/>
+                    </a:p>
+                  </a:txBody>
+                  <a:tcPr/>
+                </a:tc>
+                <a:tc>
+                  <a:txBody>
+                    <a:bodyPr/>
+                    <a:lstStyle/>
+                    <a:p>
+                      <a:pPr latinLnBrk="1"/>
+                      <a:endParaRPr lang="ko-KR" altLang="en-US" sz="1100"/>
+                    </a:p>
+                  </a:txBody>
+                  <a:tcPr/>
+                </a:tc>
+                <a:tc>
+                  <a:txBody>
+                    <a:bodyPr/>
+                    <a:lstStyle/>
+                    <a:p>
+                      <a:pPr latinLnBrk="1"/>
+                      <a:endParaRPr lang="ko-KR" altLang="en-US" sz="1100"/>
+                    </a:p>
+                  </a:txBody>
+                  <a:tcPr/>
+                </a:tc>
+                <a:tc>
+                  <a:txBody>
+                    <a:bodyPr/>
+                    <a:lstStyle/>
+                    <a:p>
+                      <a:pPr latinLnBrk="1"/>
+                      <a:endParaRPr lang="ko-KR" altLang="en-US" sz="1100"/>
+                    </a:p>
+                  </a:txBody>
+                  <a:tcPr/>
+                </a:tc>
+                <a:tc>
+                  <a:txBody>
+                    <a:bodyPr/>
+                    <a:lstStyle/>
+                    <a:p>
+                      <a:pPr latinLnBrk="1"/>
+                      <a:endParaRPr lang="ko-KR" altLang="en-US" sz="1100"/>
+                    </a:p>
+                  </a:txBody>
+                  <a:tcPr/>
+                </a:tc>
+                <a:tc>
+                  <a:txBody>
+                    <a:bodyPr/>
+                    <a:lstStyle/>
+                    <a:p>
+                      <a:pPr latinLnBrk="1"/>
+                      <a:endParaRPr lang="ko-KR" altLang="en-US" sz="1100"/>
+                    </a:p>
+                  </a:txBody>
+                  <a:tcPr/>
+                </a:tc>
+                <a:tc>
+                  <a:txBody>
+                    <a:bodyPr/>
+                    <a:lstStyle/>
+                    <a:p>
+                      <a:pPr latinLnBrk="1"/>
+                      <a:endParaRPr lang="ko-KR" altLang="en-US" sz="1100"/>
+                    </a:p>
+                  </a:txBody>
+                  <a:tcPr/>
+                </a:tc>
+                <a:extLst>
+                  <a:ext uri="{0D108BD9-81ED-4DB2-BD59-A6C34878D82A}">
+                    <a16:rowId xmlns:a16="http://schemas.microsoft.com/office/drawing/2014/main" val="694136157"/>
+                  </a:ext>
+                </a:extLst>
+              </a:tr>
+              <a:tr h="0">
+                <a:tc>
+                  <a:txBody>
+                    <a:bodyPr/>
+                    <a:lstStyle/>
+                    <a:p>
+                      <a:pPr latinLnBrk="1"/>
+                      <a:endParaRPr lang="ko-KR" altLang="en-US" sz="1100"/>
+                    </a:p>
+                  </a:txBody>
+                  <a:tcPr/>
+                </a:tc>
+                <a:tc>
+                  <a:txBody>
+                    <a:bodyPr/>
+                    <a:lstStyle/>
+                    <a:p>
+                      <a:pPr latinLnBrk="1"/>
+                      <a:endParaRPr lang="ko-KR" altLang="en-US" sz="1100"/>
+                    </a:p>
+                  </a:txBody>
+                  <a:tcPr/>
+                </a:tc>
+                <a:tc>
+                  <a:txBody>
+                    <a:bodyPr/>
+                    <a:lstStyle/>
+                    <a:p>
+                      <a:pPr latinLnBrk="1"/>
+                      <a:endParaRPr lang="ko-KR" altLang="en-US" sz="1100"/>
+                    </a:p>
+                  </a:txBody>
+                  <a:tcPr/>
+                </a:tc>
+                <a:tc>
+                  <a:txBody>
+                    <a:bodyPr/>
+                    <a:lstStyle/>
+                    <a:p>
+                      <a:pPr latinLnBrk="1"/>
+                      <a:endParaRPr lang="ko-KR" altLang="en-US" sz="1100"/>
+                    </a:p>
+                  </a:txBody>
+                  <a:tcPr/>
+                </a:tc>
+                <a:tc>
+                  <a:txBody>
+                    <a:bodyPr/>
+                    <a:lstStyle/>
+                    <a:p>
+                      <a:pPr latinLnBrk="1"/>
+                      <a:endParaRPr lang="ko-KR" altLang="en-US" sz="1100"/>
+                    </a:p>
+                  </a:txBody>
+                  <a:tcPr/>
+                </a:tc>
+                <a:tc>
+                  <a:txBody>
+                    <a:bodyPr/>
+                    <a:lstStyle/>
+                    <a:p>
+                      <a:pPr latinLnBrk="1"/>
+                      <a:endParaRPr lang="ko-KR" altLang="en-US" sz="1100"/>
+                    </a:p>
+                  </a:txBody>
+                  <a:tcPr/>
+                </a:tc>
+                <a:tc>
+                  <a:txBody>
+                    <a:bodyPr/>
+                    <a:lstStyle/>
+                    <a:p>
+                      <a:pPr latinLnBrk="1"/>
+                      <a:endParaRPr lang="ko-KR" altLang="en-US" sz="1100"/>
+                    </a:p>
+                  </a:txBody>
+                  <a:tcPr/>
+                </a:tc>
+                <a:extLst>
+                  <a:ext uri="{0D108BD9-81ED-4DB2-BD59-A6C34878D82A}">
+                    <a16:rowId xmlns:a16="http://schemas.microsoft.com/office/drawing/2014/main" val="3877709120"/>
+                  </a:ext>
+                </a:extLst>
+              </a:tr>
+              <a:tr h="0">
+                <a:tc>
+                  <a:txBody>
+                    <a:bodyPr/>
+                    <a:lstStyle/>
+                    <a:p>
+                      <a:pPr latinLnBrk="1"/>
+                      <a:endParaRPr lang="ko-KR" altLang="en-US" sz="1100"/>
+                    </a:p>
+                  </a:txBody>
+                  <a:tcPr/>
+                </a:tc>
+                <a:tc>
+                  <a:txBody>
+                    <a:bodyPr/>
+                    <a:lstStyle/>
+                    <a:p>
+                      <a:pPr latinLnBrk="1"/>
+                      <a:endParaRPr lang="ko-KR" altLang="en-US" sz="1100"/>
+                    </a:p>
+                  </a:txBody>
+                  <a:tcPr/>
+                </a:tc>
+                <a:tc>
+                  <a:txBody>
+                    <a:bodyPr/>
+                    <a:lstStyle/>
+                    <a:p>
+                      <a:pPr latinLnBrk="1"/>
+                      <a:endParaRPr lang="ko-KR" altLang="en-US" sz="1100"/>
+                    </a:p>
+                  </a:txBody>
+                  <a:tcPr/>
+                </a:tc>
+                <a:tc>
+                  <a:txBody>
+                    <a:bodyPr/>
+                    <a:lstStyle/>
+                    <a:p>
+                      <a:pPr latinLnBrk="1"/>
+                      <a:endParaRPr lang="ko-KR" altLang="en-US" sz="1100"/>
+                    </a:p>
+                  </a:txBody>
+                  <a:tcPr/>
+                </a:tc>
+                <a:tc>
+                  <a:txBody>
+                    <a:bodyPr/>
+                    <a:lstStyle/>
+                    <a:p>
+                      <a:pPr latinLnBrk="1"/>
+                      <a:endParaRPr lang="ko-KR" altLang="en-US" sz="1100"/>
+                    </a:p>
+                  </a:txBody>
+                  <a:tcPr/>
+                </a:tc>
+                <a:tc>
+                  <a:txBody>
+                    <a:bodyPr/>
+                    <a:lstStyle/>
+                    <a:p>
+                      <a:pPr latinLnBrk="1"/>
+                      <a:endParaRPr lang="ko-KR" altLang="en-US" sz="1100"/>
+                    </a:p>
+                  </a:txBody>
+                  <a:tcPr/>
+                </a:tc>
+                <a:tc>
+                  <a:txBody>
+                    <a:bodyPr/>
+                    <a:lstStyle/>
+                    <a:p>
+                      <a:pPr latinLnBrk="1"/>
+                      <a:endParaRPr lang="ko-KR" altLang="en-US" sz="1100"/>
+                    </a:p>
+                  </a:txBody>
+                  <a:tcPr/>
+                </a:tc>
+                <a:extLst>
+                  <a:ext uri="{0D108BD9-81ED-4DB2-BD59-A6C34878D82A}">
+                    <a16:rowId xmlns:a16="http://schemas.microsoft.com/office/drawing/2014/main" val="1021690957"/>
+                  </a:ext>
+                </a:extLst>
+              </a:tr>
+              <a:tr h="0">
+                <a:tc>
+                  <a:txBody>
+                    <a:bodyPr/>
+                    <a:lstStyle/>
+                    <a:p>
+                      <a:pPr latinLnBrk="1"/>
+                      <a:endParaRPr lang="ko-KR" altLang="en-US" sz="1100"/>
+                    </a:p>
+                  </a:txBody>
+                  <a:tcPr/>
+                </a:tc>
+                <a:tc>
+                  <a:txBody>
+                    <a:bodyPr/>
+                    <a:lstStyle/>
+                    <a:p>
+                      <a:pPr latinLnBrk="1"/>
+                      <a:endParaRPr lang="ko-KR" altLang="en-US" sz="1100"/>
+                    </a:p>
+                  </a:txBody>
+                  <a:tcPr/>
+                </a:tc>
+                <a:tc>
+                  <a:txBody>
+                    <a:bodyPr/>
+                    <a:lstStyle/>
+                    <a:p>
+                      <a:pPr latinLnBrk="1"/>
+                      <a:endParaRPr lang="ko-KR" altLang="en-US" sz="1100"/>
+                    </a:p>
+                  </a:txBody>
+                  <a:tcPr/>
+                </a:tc>
+                <a:tc>
+                  <a:txBody>
+                    <a:bodyPr/>
+                    <a:lstStyle/>
+                    <a:p>
+                      <a:pPr latinLnBrk="1"/>
+                      <a:endParaRPr lang="ko-KR" altLang="en-US" sz="1100"/>
+                    </a:p>
+                  </a:txBody>
+                  <a:tcPr/>
+                </a:tc>
+                <a:tc>
+                  <a:txBody>
+                    <a:bodyPr/>
+                    <a:lstStyle/>
+                    <a:p>
+                      <a:pPr latinLnBrk="1"/>
+                      <a:endParaRPr lang="ko-KR" altLang="en-US" sz="1100"/>
+                    </a:p>
+                  </a:txBody>
+                  <a:tcPr/>
+                </a:tc>
+                <a:tc>
+                  <a:txBody>
+                    <a:bodyPr/>
+                    <a:lstStyle/>
+                    <a:p>
+                      <a:pPr latinLnBrk="1"/>
+                      <a:endParaRPr lang="ko-KR" altLang="en-US" sz="1100"/>
+                    </a:p>
+                  </a:txBody>
+                  <a:tcPr/>
+                </a:tc>
+                <a:tc>
+                  <a:txBody>
+                    <a:bodyPr/>
+                    <a:lstStyle/>
+                    <a:p>
+                      <a:pPr latinLnBrk="1"/>
+                      <a:endParaRPr lang="ko-KR" altLang="en-US" sz="1100"/>
+                    </a:p>
+                  </a:txBody>
+                  <a:tcPr/>
+                </a:tc>
+                <a:extLst>
+                  <a:ext uri="{0D108BD9-81ED-4DB2-BD59-A6C34878D82A}">
+                    <a16:rowId xmlns:a16="http://schemas.microsoft.com/office/drawing/2014/main" val="2513020849"/>
+                  </a:ext>
+                </a:extLst>
+              </a:tr>
+              <a:tr h="0">
+                <a:tc>
+                  <a:txBody>
+                    <a:bodyPr/>
+                    <a:lstStyle/>
+                    <a:p>
+                      <a:pPr latinLnBrk="1"/>
+                      <a:endParaRPr lang="ko-KR" altLang="en-US" sz="1100"/>
+                    </a:p>
+                  </a:txBody>
+                  <a:tcPr/>
+                </a:tc>
+                <a:tc>
+                  <a:txBody>
+                    <a:bodyPr/>
+                    <a:lstStyle/>
+                    <a:p>
+                      <a:pPr latinLnBrk="1"/>
+                      <a:endParaRPr lang="ko-KR" altLang="en-US" sz="1100"/>
+                    </a:p>
+                  </a:txBody>
+                  <a:tcPr/>
+                </a:tc>
+                <a:tc>
+                  <a:txBody>
+                    <a:bodyPr/>
+                    <a:lstStyle/>
+                    <a:p>
+                      <a:pPr latinLnBrk="1"/>
+                      <a:endParaRPr lang="ko-KR" altLang="en-US" sz="1100"/>
+                    </a:p>
+                  </a:txBody>
+                  <a:tcPr/>
+                </a:tc>
+                <a:tc>
+                  <a:txBody>
+                    <a:bodyPr/>
+                    <a:lstStyle/>
+                    <a:p>
+                      <a:pPr latinLnBrk="1"/>
+                      <a:endParaRPr lang="ko-KR" altLang="en-US" sz="1100"/>
+                    </a:p>
+                  </a:txBody>
+                  <a:tcPr/>
+                </a:tc>
+                <a:tc>
+                  <a:txBody>
+                    <a:bodyPr/>
+                    <a:lstStyle/>
+                    <a:p>
+                      <a:pPr latinLnBrk="1"/>
+                      <a:endParaRPr lang="ko-KR" altLang="en-US" sz="1100"/>
+                    </a:p>
+                  </a:txBody>
+                  <a:tcPr/>
+                </a:tc>
+                <a:tc>
+                  <a:txBody>
+                    <a:bodyPr/>
+                    <a:lstStyle/>
+                    <a:p>
+                      <a:pPr latinLnBrk="1"/>
+                      <a:endParaRPr lang="ko-KR" altLang="en-US" sz="1100"/>
+                    </a:p>
+                  </a:txBody>
+                  <a:tcPr/>
+                </a:tc>
+                <a:tc>
+                  <a:txBody>
+                    <a:bodyPr/>
+                    <a:lstStyle/>
+                    <a:p>
+                      <a:pPr latinLnBrk="1"/>
+                      <a:endParaRPr lang="ko-KR" altLang="en-US" sz="1100"/>
+                    </a:p>
+                  </a:txBody>
+                  <a:tcPr/>
+                </a:tc>
+                <a:extLst>
+                  <a:ext uri="{0D108BD9-81ED-4DB2-BD59-A6C34878D82A}">
+                    <a16:rowId xmlns:a16="http://schemas.microsoft.com/office/drawing/2014/main" val="923906770"/>
+                  </a:ext>
+                </a:extLst>
+              </a:tr>
+              <a:tr h="0">
+                <a:tc>
+                  <a:txBody>
+                    <a:bodyPr/>
+                    <a:lstStyle/>
+                    <a:p>
+                      <a:pPr latinLnBrk="1"/>
+                      <a:r>
+                        <a:rPr lang="ko-KR" altLang="en-US" sz="1100"/>
+                        <a:t>내부변수</a:t>
+                      </a:r>
+                    </a:p>
+                  </a:txBody>
+                  <a:tcPr/>
+                </a:tc>
+                <a:tc>
+                  <a:txBody>
+                    <a:bodyPr/>
+                    <a:lstStyle/>
+                    <a:p>
+                      <a:pPr latinLnBrk="1"/>
+                      <a:endParaRPr lang="ko-KR" altLang="en-US" sz="1100"/>
+                    </a:p>
+                  </a:txBody>
+                  <a:tcPr/>
+                </a:tc>
+                <a:tc>
+                  <a:txBody>
+                    <a:bodyPr/>
+                    <a:lstStyle/>
+                    <a:p>
+                      <a:pPr latinLnBrk="1"/>
+                      <a:endParaRPr lang="ko-KR" altLang="en-US" sz="1100"/>
+                    </a:p>
+                  </a:txBody>
+                  <a:tcPr/>
+                </a:tc>
+                <a:tc>
+                  <a:txBody>
+                    <a:bodyPr/>
+                    <a:lstStyle/>
+                    <a:p>
+                      <a:pPr latinLnBrk="1"/>
+                      <a:endParaRPr lang="ko-KR" altLang="en-US" sz="1100"/>
+                    </a:p>
+                  </a:txBody>
+                  <a:tcPr/>
+                </a:tc>
+                <a:tc>
+                  <a:txBody>
+                    <a:bodyPr/>
+                    <a:lstStyle/>
+                    <a:p>
+                      <a:pPr latinLnBrk="1"/>
+                      <a:endParaRPr lang="ko-KR" altLang="en-US" sz="1100"/>
+                    </a:p>
+                  </a:txBody>
+                  <a:tcPr/>
+                </a:tc>
+                <a:tc>
+                  <a:txBody>
+                    <a:bodyPr/>
+                    <a:lstStyle/>
+                    <a:p>
+                      <a:pPr latinLnBrk="1"/>
+                      <a:endParaRPr lang="ko-KR" altLang="en-US" sz="1100"/>
+                    </a:p>
+                  </a:txBody>
+                  <a:tcPr/>
+                </a:tc>
+                <a:tc>
+                  <a:txBody>
+                    <a:bodyPr/>
+                    <a:lstStyle/>
+                    <a:p>
+                      <a:pPr latinLnBrk="1"/>
+                      <a:endParaRPr lang="ko-KR" altLang="en-US" sz="1100"/>
+                    </a:p>
+                  </a:txBody>
+                  <a:tcPr/>
+                </a:tc>
+                <a:extLst>
+                  <a:ext uri="{0D108BD9-81ED-4DB2-BD59-A6C34878D82A}">
+                    <a16:rowId xmlns:a16="http://schemas.microsoft.com/office/drawing/2014/main" val="4276894873"/>
+                  </a:ext>
+                </a:extLst>
+              </a:tr>
+              <a:tr h="0">
+                <a:tc>
+                  <a:txBody>
+                    <a:bodyPr/>
+                    <a:lstStyle/>
+                    <a:p>
+                      <a:pPr latinLnBrk="1"/>
+                      <a:endParaRPr lang="ko-KR" altLang="en-US" sz="1100"/>
+                    </a:p>
+                  </a:txBody>
+                  <a:tcPr/>
+                </a:tc>
+                <a:tc>
+                  <a:txBody>
+                    <a:bodyPr/>
+                    <a:lstStyle/>
+                    <a:p>
+                      <a:pPr latinLnBrk="1"/>
+                      <a:endParaRPr lang="ko-KR" altLang="en-US" sz="1100"/>
+                    </a:p>
+                  </a:txBody>
+                  <a:tcPr/>
+                </a:tc>
+                <a:tc>
+                  <a:txBody>
+                    <a:bodyPr/>
+                    <a:lstStyle/>
+                    <a:p>
+                      <a:pPr latinLnBrk="1"/>
+                      <a:endParaRPr lang="ko-KR" altLang="en-US" sz="1100"/>
+                    </a:p>
+                  </a:txBody>
+                  <a:tcPr/>
+                </a:tc>
+                <a:tc>
+                  <a:txBody>
+                    <a:bodyPr/>
+                    <a:lstStyle/>
+                    <a:p>
+                      <a:pPr latinLnBrk="1"/>
+                      <a:endParaRPr lang="ko-KR" altLang="en-US" sz="1100"/>
+                    </a:p>
+                  </a:txBody>
+                  <a:tcPr/>
+                </a:tc>
+                <a:tc>
+                  <a:txBody>
+                    <a:bodyPr/>
+                    <a:lstStyle/>
+                    <a:p>
+                      <a:pPr latinLnBrk="1"/>
+                      <a:endParaRPr lang="ko-KR" altLang="en-US" sz="1100"/>
+                    </a:p>
+                  </a:txBody>
+                  <a:tcPr/>
+                </a:tc>
+                <a:tc>
+                  <a:txBody>
+                    <a:bodyPr/>
+                    <a:lstStyle/>
+                    <a:p>
+                      <a:pPr latinLnBrk="1"/>
+                      <a:endParaRPr lang="ko-KR" altLang="en-US" sz="1100"/>
+                    </a:p>
+                  </a:txBody>
+                  <a:tcPr/>
+                </a:tc>
+                <a:tc>
+                  <a:txBody>
+                    <a:bodyPr/>
+                    <a:lstStyle/>
+                    <a:p>
+                      <a:pPr latinLnBrk="1"/>
+                      <a:endParaRPr lang="ko-KR" altLang="en-US" sz="1100"/>
+                    </a:p>
+                  </a:txBody>
+                  <a:tcPr/>
+                </a:tc>
+                <a:extLst>
+                  <a:ext uri="{0D108BD9-81ED-4DB2-BD59-A6C34878D82A}">
+                    <a16:rowId xmlns:a16="http://schemas.microsoft.com/office/drawing/2014/main" val="332331750"/>
+                  </a:ext>
+                </a:extLst>
+              </a:tr>
+            </a:tbl>
+          </a:graphicData>
+        </a:graphic>
+      </p:graphicFrame>
+    </p:spTree>
+    <p:extLst>
+      <p:ext uri="{BB962C8B-B14F-4D97-AF65-F5344CB8AC3E}">
+        <p14:creationId xmlns:p14="http://schemas.microsoft.com/office/powerpoint/2010/main" val="1776986456"/>
       </p:ext>
     </p:extLst>
   </p:cSld>

--- a/DsDotNet/src/UnitTest/UnitTest.Model/ImportOfficeExample/exportDS/testA/testMy/my.pptx
+++ b/DsDotNet/src/UnitTest/UnitTest.Model/ImportOfficeExample/exportDS/testA/testMy/my.pptx
@@ -3396,7 +3396,7 @@
 </file>
 
 <file path=ppt/slides/slide2.xml><?xml version="1.0" encoding="utf-8"?>
-<p:sld xmlns:a="http://schemas.openxmlformats.org/drawingml/2006/main" xmlns:r="http://schemas.openxmlformats.org/officeDocument/2006/relationships" xmlns:p="http://schemas.openxmlformats.org/presentationml/2006/main">
+<p:sld xmlns:a="http://schemas.openxmlformats.org/drawingml/2006/main" xmlns:r="http://schemas.openxmlformats.org/officeDocument/2006/relationships" xmlns:p="http://schemas.openxmlformats.org/presentationml/2006/main" show="0">
   <p:cSld>
     <p:spTree>
       <p:nvGrpSpPr>
@@ -3687,7 +3687,7 @@
         </p:nvSpPr>
         <p:spPr>
           <a:xfrm>
-            <a:off x="9495579" y="3172213"/>
+            <a:off x="8563595" y="3291393"/>
             <a:ext cx="2102477" cy="944339"/>
           </a:xfrm>
           <a:prstGeom prst="foldedCorner">
@@ -3963,14 +3963,6 @@
 <file path=ppt/slides/slide3.xml><?xml version="1.0" encoding="utf-8"?>
 <p:sld xmlns:a="http://schemas.openxmlformats.org/drawingml/2006/main" xmlns:r="http://schemas.openxmlformats.org/officeDocument/2006/relationships" xmlns:p="http://schemas.openxmlformats.org/presentationml/2006/main">
   <p:cSld>
-    <p:bg>
-      <p:bgPr>
-        <a:solidFill>
-          <a:srgbClr val="FFFFFF"/>
-        </a:solidFill>
-        <a:effectLst/>
-      </p:bgPr>
-    </p:bg>
     <p:spTree>
       <p:nvGrpSpPr>
         <p:cNvPr id="1" name=""/>
@@ -3987,1114 +3979,482 @@
       </p:grpSpPr>
       <p:sp>
         <p:nvSpPr>
-          <p:cNvPr id="2" name="TextBox 1">
-            <a:extLst>
-              <a:ext uri="{FF2B5EF4-FFF2-40B4-BE49-F238E27FC236}">
-                <a16:creationId xmlns:a16="http://schemas.microsoft.com/office/drawing/2014/main" id="{88B7FDB3-EFEF-9DFF-6FC5-FF32C5A8994A}"/>
-              </a:ext>
-            </a:extLst>
-          </p:cNvPr>
-          <p:cNvSpPr txBox="1"/>
+          <p:cNvPr id="2" name="제목 1">
+            <a:extLst>
+              <a:ext uri="{FF2B5EF4-FFF2-40B4-BE49-F238E27FC236}">
+                <a16:creationId xmlns:a16="http://schemas.microsoft.com/office/drawing/2014/main" id="{1A69DDD8-5545-A829-82DF-051DB1771928}"/>
+              </a:ext>
+            </a:extLst>
+          </p:cNvPr>
+          <p:cNvSpPr>
+            <a:spLocks noGrp="1"/>
+          </p:cNvSpPr>
+          <p:nvPr>
+            <p:ph type="title"/>
+          </p:nvPr>
+        </p:nvSpPr>
+        <p:spPr/>
+        <p:txBody>
+          <a:bodyPr/>
+          <a:lstStyle/>
+          <a:p>
+            <a:r>
+              <a:rPr lang="en-US" altLang="ko-KR" dirty="0"/>
+              <a:t>STN01</a:t>
+            </a:r>
+            <a:endParaRPr lang="ko-KR" altLang="en-US" dirty="0"/>
+          </a:p>
+        </p:txBody>
+      </p:sp>
+      <p:sp>
+        <p:nvSpPr>
+          <p:cNvPr id="14" name="직사각형 13">
+            <a:extLst>
+              <a:ext uri="{FF2B5EF4-FFF2-40B4-BE49-F238E27FC236}">
+                <a16:creationId xmlns:a16="http://schemas.microsoft.com/office/drawing/2014/main" id="{78565F04-A60A-85F4-8AB1-6C866A335E90}"/>
+              </a:ext>
+            </a:extLst>
+          </p:cNvPr>
+          <p:cNvSpPr/>
           <p:nvPr/>
         </p:nvSpPr>
         <p:spPr>
           <a:xfrm>
-            <a:off x="254000" y="254000"/>
-            <a:ext cx="1270000" cy="381000"/>
+            <a:off x="9739835" y="473298"/>
+            <a:ext cx="2348061" cy="1727161"/>
           </a:xfrm>
           <a:prstGeom prst="rect">
             <a:avLst/>
           </a:prstGeom>
-          <a:noFill/>
         </p:spPr>
-        <p:txBody>
-          <a:bodyPr vert="horz" rtlCol="0">
-            <a:spAutoFit/>
-          </a:bodyPr>
-          <a:lstStyle/>
-          <a:p>
-            <a:r>
-              <a:rPr lang="en-US" altLang="ko-KR"/>
-              <a:t>IO TABLE</a:t>
-            </a:r>
-            <a:endParaRPr lang="ko-KR" altLang="en-US"/>
-          </a:p>
-        </p:txBody>
-      </p:sp>
-      <p:graphicFrame>
-        <p:nvGraphicFramePr>
-          <p:cNvPr id="3" name="표 2">
-            <a:extLst>
-              <a:ext uri="{FF2B5EF4-FFF2-40B4-BE49-F238E27FC236}">
-                <a16:creationId xmlns:a16="http://schemas.microsoft.com/office/drawing/2014/main" id="{85AEBF23-47EC-67D7-7958-30A7ED88C889}"/>
-              </a:ext>
-            </a:extLst>
-          </p:cNvPr>
-          <p:cNvGraphicFramePr>
-            <a:graphicFrameLocks noGrp="1"/>
-          </p:cNvGraphicFramePr>
-          <p:nvPr>
-            <p:extLst>
-              <p:ext uri="{D42A27DB-BD31-4B8C-83A1-F6EECF244321}">
-                <p14:modId xmlns:p14="http://schemas.microsoft.com/office/powerpoint/2010/main" val="4139675245"/>
-              </p:ext>
-            </p:extLst>
-          </p:nvPr>
-        </p:nvGraphicFramePr>
-        <p:xfrm>
-          <a:off x="254000" y="635000"/>
-          <a:ext cx="11684001" cy="3916680"/>
-        </p:xfrm>
-        <a:graphic>
-          <a:graphicData uri="http://schemas.openxmlformats.org/drawingml/2006/table">
-            <a:tbl>
-              <a:tblPr firstRow="1" bandRow="1">
-                <a:tableStyleId>{5C22544A-7EE6-4342-B048-85BDC9FD1C3A}</a:tableStyleId>
-              </a:tblPr>
-              <a:tblGrid>
-                <a:gridCol w="1669143">
-                  <a:extLst>
-                    <a:ext uri="{9D8B030D-6E8A-4147-A177-3AD203B41FA5}">
-                      <a16:colId xmlns:a16="http://schemas.microsoft.com/office/drawing/2014/main" val="3935387688"/>
-                    </a:ext>
-                  </a:extLst>
-                </a:gridCol>
-                <a:gridCol w="1669143">
-                  <a:extLst>
-                    <a:ext uri="{9D8B030D-6E8A-4147-A177-3AD203B41FA5}">
-                      <a16:colId xmlns:a16="http://schemas.microsoft.com/office/drawing/2014/main" val="3792823313"/>
-                    </a:ext>
-                  </a:extLst>
-                </a:gridCol>
-                <a:gridCol w="1669143">
-                  <a:extLst>
-                    <a:ext uri="{9D8B030D-6E8A-4147-A177-3AD203B41FA5}">
-                      <a16:colId xmlns:a16="http://schemas.microsoft.com/office/drawing/2014/main" val="2272098803"/>
-                    </a:ext>
-                  </a:extLst>
-                </a:gridCol>
-                <a:gridCol w="1669143">
-                  <a:extLst>
-                    <a:ext uri="{9D8B030D-6E8A-4147-A177-3AD203B41FA5}">
-                      <a16:colId xmlns:a16="http://schemas.microsoft.com/office/drawing/2014/main" val="3106565977"/>
-                    </a:ext>
-                  </a:extLst>
-                </a:gridCol>
-                <a:gridCol w="1669143">
-                  <a:extLst>
-                    <a:ext uri="{9D8B030D-6E8A-4147-A177-3AD203B41FA5}">
-                      <a16:colId xmlns:a16="http://schemas.microsoft.com/office/drawing/2014/main" val="4044141084"/>
-                    </a:ext>
-                  </a:extLst>
-                </a:gridCol>
-                <a:gridCol w="1669143">
-                  <a:extLst>
-                    <a:ext uri="{9D8B030D-6E8A-4147-A177-3AD203B41FA5}">
-                      <a16:colId xmlns:a16="http://schemas.microsoft.com/office/drawing/2014/main" val="1267529450"/>
-                    </a:ext>
-                  </a:extLst>
-                </a:gridCol>
-                <a:gridCol w="1669143">
-                  <a:extLst>
-                    <a:ext uri="{9D8B030D-6E8A-4147-A177-3AD203B41FA5}">
-                      <a16:colId xmlns:a16="http://schemas.microsoft.com/office/drawing/2014/main" val="924546924"/>
-                    </a:ext>
-                  </a:extLst>
-                </a:gridCol>
-              </a:tblGrid>
-              <a:tr h="0">
-                <a:tc>
-                  <a:txBody>
-                    <a:bodyPr/>
-                    <a:lstStyle/>
-                    <a:p>
-                      <a:pPr latinLnBrk="1"/>
-                      <a:r>
-                        <a:rPr lang="en-US" altLang="ko-KR" sz="1100"/>
-                        <a:t>Case</a:t>
-                      </a:r>
-                      <a:endParaRPr lang="ko-KR" altLang="en-US" sz="1100"/>
-                    </a:p>
-                  </a:txBody>
-                  <a:tcPr/>
-                </a:tc>
-                <a:tc>
-                  <a:txBody>
-                    <a:bodyPr/>
-                    <a:lstStyle/>
-                    <a:p>
-                      <a:pPr latinLnBrk="1"/>
-                      <a:r>
-                        <a:rPr lang="en-US" altLang="ko-KR" sz="1100"/>
-                        <a:t>Name</a:t>
-                      </a:r>
-                      <a:endParaRPr lang="ko-KR" altLang="en-US" sz="1100"/>
-                    </a:p>
-                  </a:txBody>
-                  <a:tcPr/>
-                </a:tc>
-                <a:tc>
-                  <a:txBody>
-                    <a:bodyPr/>
-                    <a:lstStyle/>
-                    <a:p>
-                      <a:pPr latinLnBrk="1"/>
-                      <a:r>
-                        <a:rPr lang="en-US" altLang="ko-KR" sz="1100"/>
-                        <a:t>DataType</a:t>
-                      </a:r>
-                      <a:endParaRPr lang="ko-KR" altLang="en-US" sz="1100"/>
-                    </a:p>
-                  </a:txBody>
-                  <a:tcPr/>
-                </a:tc>
-                <a:tc>
-                  <a:txBody>
-                    <a:bodyPr/>
-                    <a:lstStyle/>
-                    <a:p>
-                      <a:pPr latinLnBrk="1"/>
-                      <a:r>
-                        <a:rPr lang="en-US" altLang="ko-KR" sz="1100"/>
-                        <a:t>Input</a:t>
-                      </a:r>
-                      <a:endParaRPr lang="ko-KR" altLang="en-US" sz="1100"/>
-                    </a:p>
-                  </a:txBody>
-                  <a:tcPr/>
-                </a:tc>
-                <a:tc>
-                  <a:txBody>
-                    <a:bodyPr/>
-                    <a:lstStyle/>
-                    <a:p>
-                      <a:pPr latinLnBrk="1"/>
-                      <a:r>
-                        <a:rPr lang="en-US" altLang="ko-KR" sz="1100"/>
-                        <a:t>Output</a:t>
-                      </a:r>
-                      <a:endParaRPr lang="ko-KR" altLang="en-US" sz="1100"/>
-                    </a:p>
-                  </a:txBody>
-                  <a:tcPr/>
-                </a:tc>
-                <a:tc>
-                  <a:txBody>
-                    <a:bodyPr/>
-                    <a:lstStyle/>
-                    <a:p>
-                      <a:pPr latinLnBrk="1"/>
-                      <a:r>
-                        <a:rPr lang="en-US" altLang="ko-KR" sz="1100"/>
-                        <a:t>Job</a:t>
-                      </a:r>
-                      <a:endParaRPr lang="ko-KR" altLang="en-US" sz="1100"/>
-                    </a:p>
-                  </a:txBody>
-                  <a:tcPr/>
-                </a:tc>
-                <a:tc>
-                  <a:txBody>
-                    <a:bodyPr/>
-                    <a:lstStyle/>
-                    <a:p>
-                      <a:pPr latinLnBrk="1"/>
-                      <a:r>
-                        <a:rPr lang="en-US" altLang="ko-KR" sz="1100"/>
-                        <a:t>Func</a:t>
-                      </a:r>
-                      <a:endParaRPr lang="ko-KR" altLang="en-US" sz="1100"/>
-                    </a:p>
-                  </a:txBody>
-                  <a:tcPr/>
-                </a:tc>
-                <a:extLst>
-                  <a:ext uri="{0D108BD9-81ED-4DB2-BD59-A6C34878D82A}">
-                    <a16:rowId xmlns:a16="http://schemas.microsoft.com/office/drawing/2014/main" val="2190507266"/>
-                  </a:ext>
-                </a:extLst>
-              </a:tr>
-              <a:tr h="0">
-                <a:tc>
-                  <a:txBody>
-                    <a:bodyPr/>
-                    <a:lstStyle/>
-                    <a:p>
-                      <a:pPr latinLnBrk="1"/>
-                      <a:r>
-                        <a:rPr lang="ko-KR" altLang="en-US" sz="1100"/>
-                        <a:t>외부주소</a:t>
-                      </a:r>
-                    </a:p>
-                  </a:txBody>
-                  <a:tcPr/>
-                </a:tc>
-                <a:tc>
-                  <a:txBody>
-                    <a:bodyPr/>
-                    <a:lstStyle/>
-                    <a:p>
-                      <a:pPr latinLnBrk="1"/>
-                      <a:r>
-                        <a:rPr lang="en-US" altLang="ko-KR" sz="1100"/>
-                        <a:t>STN01_Pin."+"</a:t>
-                      </a:r>
-                      <a:endParaRPr lang="ko-KR" altLang="en-US" sz="1100"/>
-                    </a:p>
-                  </a:txBody>
-                  <a:tcPr/>
-                </a:tc>
-                <a:tc>
-                  <a:txBody>
-                    <a:bodyPr/>
-                    <a:lstStyle/>
-                    <a:p>
-                      <a:pPr latinLnBrk="1"/>
-                      <a:r>
-                        <a:rPr lang="en-US" altLang="ko-KR" sz="1100"/>
-                        <a:t>bool</a:t>
-                      </a:r>
-                      <a:endParaRPr lang="ko-KR" altLang="en-US" sz="1100"/>
-                    </a:p>
-                  </a:txBody>
-                  <a:tcPr/>
-                </a:tc>
-                <a:tc>
-                  <a:txBody>
-                    <a:bodyPr/>
-                    <a:lstStyle/>
-                    <a:p>
-                      <a:pPr latinLnBrk="1"/>
-                      <a:endParaRPr lang="ko-KR" altLang="en-US" sz="1100"/>
-                    </a:p>
-                  </a:txBody>
-                  <a:tcPr/>
-                </a:tc>
-                <a:tc>
-                  <a:txBody>
-                    <a:bodyPr/>
-                    <a:lstStyle/>
-                    <a:p>
-                      <a:pPr latinLnBrk="1"/>
-                      <a:endParaRPr lang="ko-KR" altLang="en-US" sz="1100"/>
-                    </a:p>
-                  </a:txBody>
-                  <a:tcPr/>
-                </a:tc>
-                <a:tc>
-                  <a:txBody>
-                    <a:bodyPr/>
-                    <a:lstStyle/>
-                    <a:p>
-                      <a:pPr latinLnBrk="1"/>
-                      <a:r>
-                        <a:rPr lang="en-US" altLang="ko-KR" sz="1100"/>
-                        <a:t>STN01_Pin_+</a:t>
-                      </a:r>
-                      <a:endParaRPr lang="ko-KR" altLang="en-US" sz="1100"/>
-                    </a:p>
-                  </a:txBody>
-                  <a:tcPr/>
-                </a:tc>
-                <a:tc>
-                  <a:txBody>
-                    <a:bodyPr/>
-                    <a:lstStyle/>
-                    <a:p>
-                      <a:pPr latinLnBrk="1"/>
-                      <a:endParaRPr lang="ko-KR" altLang="en-US" sz="1100"/>
-                    </a:p>
-                  </a:txBody>
-                  <a:tcPr/>
-                </a:tc>
-                <a:extLst>
-                  <a:ext uri="{0D108BD9-81ED-4DB2-BD59-A6C34878D82A}">
-                    <a16:rowId xmlns:a16="http://schemas.microsoft.com/office/drawing/2014/main" val="1958814581"/>
-                  </a:ext>
-                </a:extLst>
-              </a:tr>
-              <a:tr h="0">
-                <a:tc>
-                  <a:txBody>
-                    <a:bodyPr/>
-                    <a:lstStyle/>
-                    <a:p>
-                      <a:pPr latinLnBrk="1"/>
-                      <a:r>
-                        <a:rPr lang="ko-KR" altLang="en-US" sz="1100"/>
-                        <a:t>외부주소</a:t>
-                      </a:r>
-                    </a:p>
-                  </a:txBody>
-                  <a:tcPr/>
-                </a:tc>
-                <a:tc>
-                  <a:txBody>
-                    <a:bodyPr/>
-                    <a:lstStyle/>
-                    <a:p>
-                      <a:pPr latinLnBrk="1"/>
-                      <a:r>
-                        <a:rPr lang="en-US" altLang="ko-KR" sz="1100"/>
-                        <a:t>STN01_Pin."-"</a:t>
-                      </a:r>
-                      <a:endParaRPr lang="ko-KR" altLang="en-US" sz="1100"/>
-                    </a:p>
-                  </a:txBody>
-                  <a:tcPr/>
-                </a:tc>
-                <a:tc>
-                  <a:txBody>
-                    <a:bodyPr/>
-                    <a:lstStyle/>
-                    <a:p>
-                      <a:pPr latinLnBrk="1"/>
-                      <a:r>
-                        <a:rPr lang="en-US" altLang="ko-KR" sz="1100"/>
-                        <a:t>bool</a:t>
-                      </a:r>
-                      <a:endParaRPr lang="ko-KR" altLang="en-US" sz="1100"/>
-                    </a:p>
-                  </a:txBody>
-                  <a:tcPr/>
-                </a:tc>
-                <a:tc>
-                  <a:txBody>
-                    <a:bodyPr/>
-                    <a:lstStyle/>
-                    <a:p>
-                      <a:pPr latinLnBrk="1"/>
-                      <a:endParaRPr lang="ko-KR" altLang="en-US" sz="1100"/>
-                    </a:p>
-                  </a:txBody>
-                  <a:tcPr/>
-                </a:tc>
-                <a:tc>
-                  <a:txBody>
-                    <a:bodyPr/>
-                    <a:lstStyle/>
-                    <a:p>
-                      <a:pPr latinLnBrk="1"/>
-                      <a:endParaRPr lang="ko-KR" altLang="en-US" sz="1100"/>
-                    </a:p>
-                  </a:txBody>
-                  <a:tcPr/>
-                </a:tc>
-                <a:tc>
-                  <a:txBody>
-                    <a:bodyPr/>
-                    <a:lstStyle/>
-                    <a:p>
-                      <a:pPr latinLnBrk="1"/>
-                      <a:r>
-                        <a:rPr lang="en-US" altLang="ko-KR" sz="1100"/>
-                        <a:t>STN01_Pin_-</a:t>
-                      </a:r>
-                      <a:endParaRPr lang="ko-KR" altLang="en-US" sz="1100"/>
-                    </a:p>
-                  </a:txBody>
-                  <a:tcPr/>
-                </a:tc>
-                <a:tc>
-                  <a:txBody>
-                    <a:bodyPr/>
-                    <a:lstStyle/>
-                    <a:p>
-                      <a:pPr latinLnBrk="1"/>
-                      <a:endParaRPr lang="ko-KR" altLang="en-US" sz="1100"/>
-                    </a:p>
-                  </a:txBody>
-                  <a:tcPr/>
-                </a:tc>
-                <a:extLst>
-                  <a:ext uri="{0D108BD9-81ED-4DB2-BD59-A6C34878D82A}">
-                    <a16:rowId xmlns:a16="http://schemas.microsoft.com/office/drawing/2014/main" val="1220848603"/>
-                  </a:ext>
-                </a:extLst>
-              </a:tr>
-              <a:tr h="0">
-                <a:tc>
-                  <a:txBody>
-                    <a:bodyPr/>
-                    <a:lstStyle/>
-                    <a:p>
-                      <a:pPr latinLnBrk="1"/>
-                      <a:endParaRPr lang="ko-KR" altLang="en-US" sz="1100"/>
-                    </a:p>
-                  </a:txBody>
-                  <a:tcPr/>
-                </a:tc>
-                <a:tc>
-                  <a:txBody>
-                    <a:bodyPr/>
-                    <a:lstStyle/>
-                    <a:p>
-                      <a:pPr latinLnBrk="1"/>
-                      <a:endParaRPr lang="ko-KR" altLang="en-US" sz="1100"/>
-                    </a:p>
-                  </a:txBody>
-                  <a:tcPr/>
-                </a:tc>
-                <a:tc>
-                  <a:txBody>
-                    <a:bodyPr/>
-                    <a:lstStyle/>
-                    <a:p>
-                      <a:pPr latinLnBrk="1"/>
-                      <a:endParaRPr lang="ko-KR" altLang="en-US" sz="1100"/>
-                    </a:p>
-                  </a:txBody>
-                  <a:tcPr/>
-                </a:tc>
-                <a:tc>
-                  <a:txBody>
-                    <a:bodyPr/>
-                    <a:lstStyle/>
-                    <a:p>
-                      <a:pPr latinLnBrk="1"/>
-                      <a:endParaRPr lang="ko-KR" altLang="en-US" sz="1100"/>
-                    </a:p>
-                  </a:txBody>
-                  <a:tcPr/>
-                </a:tc>
-                <a:tc>
-                  <a:txBody>
-                    <a:bodyPr/>
-                    <a:lstStyle/>
-                    <a:p>
-                      <a:pPr latinLnBrk="1"/>
-                      <a:endParaRPr lang="ko-KR" altLang="en-US" sz="1100"/>
-                    </a:p>
-                  </a:txBody>
-                  <a:tcPr/>
-                </a:tc>
-                <a:tc>
-                  <a:txBody>
-                    <a:bodyPr/>
-                    <a:lstStyle/>
-                    <a:p>
-                      <a:pPr latinLnBrk="1"/>
-                      <a:endParaRPr lang="ko-KR" altLang="en-US" sz="1100"/>
-                    </a:p>
-                  </a:txBody>
-                  <a:tcPr/>
-                </a:tc>
-                <a:tc>
-                  <a:txBody>
-                    <a:bodyPr/>
-                    <a:lstStyle/>
-                    <a:p>
-                      <a:pPr latinLnBrk="1"/>
-                      <a:endParaRPr lang="ko-KR" altLang="en-US" sz="1100"/>
-                    </a:p>
-                  </a:txBody>
-                  <a:tcPr/>
-                </a:tc>
-                <a:extLst>
-                  <a:ext uri="{0D108BD9-81ED-4DB2-BD59-A6C34878D82A}">
-                    <a16:rowId xmlns:a16="http://schemas.microsoft.com/office/drawing/2014/main" val="1784163466"/>
-                  </a:ext>
-                </a:extLst>
-              </a:tr>
-              <a:tr h="0">
-                <a:tc>
-                  <a:txBody>
-                    <a:bodyPr/>
-                    <a:lstStyle/>
-                    <a:p>
-                      <a:pPr latinLnBrk="1"/>
-                      <a:endParaRPr lang="ko-KR" altLang="en-US" sz="1100"/>
-                    </a:p>
-                  </a:txBody>
-                  <a:tcPr/>
-                </a:tc>
-                <a:tc>
-                  <a:txBody>
-                    <a:bodyPr/>
-                    <a:lstStyle/>
-                    <a:p>
-                      <a:pPr latinLnBrk="1"/>
-                      <a:endParaRPr lang="ko-KR" altLang="en-US" sz="1100"/>
-                    </a:p>
-                  </a:txBody>
-                  <a:tcPr/>
-                </a:tc>
-                <a:tc>
-                  <a:txBody>
-                    <a:bodyPr/>
-                    <a:lstStyle/>
-                    <a:p>
-                      <a:pPr latinLnBrk="1"/>
-                      <a:endParaRPr lang="ko-KR" altLang="en-US" sz="1100"/>
-                    </a:p>
-                  </a:txBody>
-                  <a:tcPr/>
-                </a:tc>
-                <a:tc>
-                  <a:txBody>
-                    <a:bodyPr/>
-                    <a:lstStyle/>
-                    <a:p>
-                      <a:pPr latinLnBrk="1"/>
-                      <a:endParaRPr lang="ko-KR" altLang="en-US" sz="1100"/>
-                    </a:p>
-                  </a:txBody>
-                  <a:tcPr/>
-                </a:tc>
-                <a:tc>
-                  <a:txBody>
-                    <a:bodyPr/>
-                    <a:lstStyle/>
-                    <a:p>
-                      <a:pPr latinLnBrk="1"/>
-                      <a:endParaRPr lang="ko-KR" altLang="en-US" sz="1100"/>
-                    </a:p>
-                  </a:txBody>
-                  <a:tcPr/>
-                </a:tc>
-                <a:tc>
-                  <a:txBody>
-                    <a:bodyPr/>
-                    <a:lstStyle/>
-                    <a:p>
-                      <a:pPr latinLnBrk="1"/>
-                      <a:endParaRPr lang="ko-KR" altLang="en-US" sz="1100"/>
-                    </a:p>
-                  </a:txBody>
-                  <a:tcPr/>
-                </a:tc>
-                <a:tc>
-                  <a:txBody>
-                    <a:bodyPr/>
-                    <a:lstStyle/>
-                    <a:p>
-                      <a:pPr latinLnBrk="1"/>
-                      <a:endParaRPr lang="ko-KR" altLang="en-US" sz="1100"/>
-                    </a:p>
-                  </a:txBody>
-                  <a:tcPr/>
-                </a:tc>
-                <a:extLst>
-                  <a:ext uri="{0D108BD9-81ED-4DB2-BD59-A6C34878D82A}">
-                    <a16:rowId xmlns:a16="http://schemas.microsoft.com/office/drawing/2014/main" val="694136157"/>
-                  </a:ext>
-                </a:extLst>
-              </a:tr>
-              <a:tr h="0">
-                <a:tc>
-                  <a:txBody>
-                    <a:bodyPr/>
-                    <a:lstStyle/>
-                    <a:p>
-                      <a:pPr latinLnBrk="1"/>
-                      <a:endParaRPr lang="ko-KR" altLang="en-US" sz="1100"/>
-                    </a:p>
-                  </a:txBody>
-                  <a:tcPr/>
-                </a:tc>
-                <a:tc>
-                  <a:txBody>
-                    <a:bodyPr/>
-                    <a:lstStyle/>
-                    <a:p>
-                      <a:pPr latinLnBrk="1"/>
-                      <a:endParaRPr lang="ko-KR" altLang="en-US" sz="1100"/>
-                    </a:p>
-                  </a:txBody>
-                  <a:tcPr/>
-                </a:tc>
-                <a:tc>
-                  <a:txBody>
-                    <a:bodyPr/>
-                    <a:lstStyle/>
-                    <a:p>
-                      <a:pPr latinLnBrk="1"/>
-                      <a:endParaRPr lang="ko-KR" altLang="en-US" sz="1100"/>
-                    </a:p>
-                  </a:txBody>
-                  <a:tcPr/>
-                </a:tc>
-                <a:tc>
-                  <a:txBody>
-                    <a:bodyPr/>
-                    <a:lstStyle/>
-                    <a:p>
-                      <a:pPr latinLnBrk="1"/>
-                      <a:endParaRPr lang="ko-KR" altLang="en-US" sz="1100"/>
-                    </a:p>
-                  </a:txBody>
-                  <a:tcPr/>
-                </a:tc>
-                <a:tc>
-                  <a:txBody>
-                    <a:bodyPr/>
-                    <a:lstStyle/>
-                    <a:p>
-                      <a:pPr latinLnBrk="1"/>
-                      <a:endParaRPr lang="ko-KR" altLang="en-US" sz="1100"/>
-                    </a:p>
-                  </a:txBody>
-                  <a:tcPr/>
-                </a:tc>
-                <a:tc>
-                  <a:txBody>
-                    <a:bodyPr/>
-                    <a:lstStyle/>
-                    <a:p>
-                      <a:pPr latinLnBrk="1"/>
-                      <a:endParaRPr lang="ko-KR" altLang="en-US" sz="1100"/>
-                    </a:p>
-                  </a:txBody>
-                  <a:tcPr/>
-                </a:tc>
-                <a:tc>
-                  <a:txBody>
-                    <a:bodyPr/>
-                    <a:lstStyle/>
-                    <a:p>
-                      <a:pPr latinLnBrk="1"/>
-                      <a:endParaRPr lang="ko-KR" altLang="en-US" sz="1100"/>
-                    </a:p>
-                  </a:txBody>
-                  <a:tcPr/>
-                </a:tc>
-                <a:extLst>
-                  <a:ext uri="{0D108BD9-81ED-4DB2-BD59-A6C34878D82A}">
-                    <a16:rowId xmlns:a16="http://schemas.microsoft.com/office/drawing/2014/main" val="3877709120"/>
-                  </a:ext>
-                </a:extLst>
-              </a:tr>
-              <a:tr h="0">
-                <a:tc>
-                  <a:txBody>
-                    <a:bodyPr/>
-                    <a:lstStyle/>
-                    <a:p>
-                      <a:pPr latinLnBrk="1"/>
-                      <a:endParaRPr lang="ko-KR" altLang="en-US" sz="1100"/>
-                    </a:p>
-                  </a:txBody>
-                  <a:tcPr/>
-                </a:tc>
-                <a:tc>
-                  <a:txBody>
-                    <a:bodyPr/>
-                    <a:lstStyle/>
-                    <a:p>
-                      <a:pPr latinLnBrk="1"/>
-                      <a:endParaRPr lang="ko-KR" altLang="en-US" sz="1100"/>
-                    </a:p>
-                  </a:txBody>
-                  <a:tcPr/>
-                </a:tc>
-                <a:tc>
-                  <a:txBody>
-                    <a:bodyPr/>
-                    <a:lstStyle/>
-                    <a:p>
-                      <a:pPr latinLnBrk="1"/>
-                      <a:endParaRPr lang="ko-KR" altLang="en-US" sz="1100"/>
-                    </a:p>
-                  </a:txBody>
-                  <a:tcPr/>
-                </a:tc>
-                <a:tc>
-                  <a:txBody>
-                    <a:bodyPr/>
-                    <a:lstStyle/>
-                    <a:p>
-                      <a:pPr latinLnBrk="1"/>
-                      <a:endParaRPr lang="ko-KR" altLang="en-US" sz="1100"/>
-                    </a:p>
-                  </a:txBody>
-                  <a:tcPr/>
-                </a:tc>
-                <a:tc>
-                  <a:txBody>
-                    <a:bodyPr/>
-                    <a:lstStyle/>
-                    <a:p>
-                      <a:pPr latinLnBrk="1"/>
-                      <a:endParaRPr lang="ko-KR" altLang="en-US" sz="1100"/>
-                    </a:p>
-                  </a:txBody>
-                  <a:tcPr/>
-                </a:tc>
-                <a:tc>
-                  <a:txBody>
-                    <a:bodyPr/>
-                    <a:lstStyle/>
-                    <a:p>
-                      <a:pPr latinLnBrk="1"/>
-                      <a:endParaRPr lang="ko-KR" altLang="en-US" sz="1100"/>
-                    </a:p>
-                  </a:txBody>
-                  <a:tcPr/>
-                </a:tc>
-                <a:tc>
-                  <a:txBody>
-                    <a:bodyPr/>
-                    <a:lstStyle/>
-                    <a:p>
-                      <a:pPr latinLnBrk="1"/>
-                      <a:endParaRPr lang="ko-KR" altLang="en-US" sz="1100"/>
-                    </a:p>
-                  </a:txBody>
-                  <a:tcPr/>
-                </a:tc>
-                <a:extLst>
-                  <a:ext uri="{0D108BD9-81ED-4DB2-BD59-A6C34878D82A}">
-                    <a16:rowId xmlns:a16="http://schemas.microsoft.com/office/drawing/2014/main" val="1021690957"/>
-                  </a:ext>
-                </a:extLst>
-              </a:tr>
-              <a:tr h="0">
-                <a:tc>
-                  <a:txBody>
-                    <a:bodyPr/>
-                    <a:lstStyle/>
-                    <a:p>
-                      <a:pPr latinLnBrk="1"/>
-                      <a:endParaRPr lang="ko-KR" altLang="en-US" sz="1100"/>
-                    </a:p>
-                  </a:txBody>
-                  <a:tcPr/>
-                </a:tc>
-                <a:tc>
-                  <a:txBody>
-                    <a:bodyPr/>
-                    <a:lstStyle/>
-                    <a:p>
-                      <a:pPr latinLnBrk="1"/>
-                      <a:endParaRPr lang="ko-KR" altLang="en-US" sz="1100"/>
-                    </a:p>
-                  </a:txBody>
-                  <a:tcPr/>
-                </a:tc>
-                <a:tc>
-                  <a:txBody>
-                    <a:bodyPr/>
-                    <a:lstStyle/>
-                    <a:p>
-                      <a:pPr latinLnBrk="1"/>
-                      <a:endParaRPr lang="ko-KR" altLang="en-US" sz="1100"/>
-                    </a:p>
-                  </a:txBody>
-                  <a:tcPr/>
-                </a:tc>
-                <a:tc>
-                  <a:txBody>
-                    <a:bodyPr/>
-                    <a:lstStyle/>
-                    <a:p>
-                      <a:pPr latinLnBrk="1"/>
-                      <a:endParaRPr lang="ko-KR" altLang="en-US" sz="1100"/>
-                    </a:p>
-                  </a:txBody>
-                  <a:tcPr/>
-                </a:tc>
-                <a:tc>
-                  <a:txBody>
-                    <a:bodyPr/>
-                    <a:lstStyle/>
-                    <a:p>
-                      <a:pPr latinLnBrk="1"/>
-                      <a:endParaRPr lang="ko-KR" altLang="en-US" sz="1100"/>
-                    </a:p>
-                  </a:txBody>
-                  <a:tcPr/>
-                </a:tc>
-                <a:tc>
-                  <a:txBody>
-                    <a:bodyPr/>
-                    <a:lstStyle/>
-                    <a:p>
-                      <a:pPr latinLnBrk="1"/>
-                      <a:endParaRPr lang="ko-KR" altLang="en-US" sz="1100"/>
-                    </a:p>
-                  </a:txBody>
-                  <a:tcPr/>
-                </a:tc>
-                <a:tc>
-                  <a:txBody>
-                    <a:bodyPr/>
-                    <a:lstStyle/>
-                    <a:p>
-                      <a:pPr latinLnBrk="1"/>
-                      <a:endParaRPr lang="ko-KR" altLang="en-US" sz="1100"/>
-                    </a:p>
-                  </a:txBody>
-                  <a:tcPr/>
-                </a:tc>
-                <a:extLst>
-                  <a:ext uri="{0D108BD9-81ED-4DB2-BD59-A6C34878D82A}">
-                    <a16:rowId xmlns:a16="http://schemas.microsoft.com/office/drawing/2014/main" val="2513020849"/>
-                  </a:ext>
-                </a:extLst>
-              </a:tr>
-              <a:tr h="0">
-                <a:tc>
-                  <a:txBody>
-                    <a:bodyPr/>
-                    <a:lstStyle/>
-                    <a:p>
-                      <a:pPr latinLnBrk="1"/>
-                      <a:endParaRPr lang="ko-KR" altLang="en-US" sz="1100"/>
-                    </a:p>
-                  </a:txBody>
-                  <a:tcPr/>
-                </a:tc>
-                <a:tc>
-                  <a:txBody>
-                    <a:bodyPr/>
-                    <a:lstStyle/>
-                    <a:p>
-                      <a:pPr latinLnBrk="1"/>
-                      <a:endParaRPr lang="ko-KR" altLang="en-US" sz="1100"/>
-                    </a:p>
-                  </a:txBody>
-                  <a:tcPr/>
-                </a:tc>
-                <a:tc>
-                  <a:txBody>
-                    <a:bodyPr/>
-                    <a:lstStyle/>
-                    <a:p>
-                      <a:pPr latinLnBrk="1"/>
-                      <a:endParaRPr lang="ko-KR" altLang="en-US" sz="1100"/>
-                    </a:p>
-                  </a:txBody>
-                  <a:tcPr/>
-                </a:tc>
-                <a:tc>
-                  <a:txBody>
-                    <a:bodyPr/>
-                    <a:lstStyle/>
-                    <a:p>
-                      <a:pPr latinLnBrk="1"/>
-                      <a:endParaRPr lang="ko-KR" altLang="en-US" sz="1100"/>
-                    </a:p>
-                  </a:txBody>
-                  <a:tcPr/>
-                </a:tc>
-                <a:tc>
-                  <a:txBody>
-                    <a:bodyPr/>
-                    <a:lstStyle/>
-                    <a:p>
-                      <a:pPr latinLnBrk="1"/>
-                      <a:endParaRPr lang="ko-KR" altLang="en-US" sz="1100"/>
-                    </a:p>
-                  </a:txBody>
-                  <a:tcPr/>
-                </a:tc>
-                <a:tc>
-                  <a:txBody>
-                    <a:bodyPr/>
-                    <a:lstStyle/>
-                    <a:p>
-                      <a:pPr latinLnBrk="1"/>
-                      <a:endParaRPr lang="ko-KR" altLang="en-US" sz="1100"/>
-                    </a:p>
-                  </a:txBody>
-                  <a:tcPr/>
-                </a:tc>
-                <a:tc>
-                  <a:txBody>
-                    <a:bodyPr/>
-                    <a:lstStyle/>
-                    <a:p>
-                      <a:pPr latinLnBrk="1"/>
-                      <a:endParaRPr lang="ko-KR" altLang="en-US" sz="1100"/>
-                    </a:p>
-                  </a:txBody>
-                  <a:tcPr/>
-                </a:tc>
-                <a:extLst>
-                  <a:ext uri="{0D108BD9-81ED-4DB2-BD59-A6C34878D82A}">
-                    <a16:rowId xmlns:a16="http://schemas.microsoft.com/office/drawing/2014/main" val="923906770"/>
-                  </a:ext>
-                </a:extLst>
-              </a:tr>
-              <a:tr h="0">
-                <a:tc>
-                  <a:txBody>
-                    <a:bodyPr/>
-                    <a:lstStyle/>
-                    <a:p>
-                      <a:pPr latinLnBrk="1"/>
-                      <a:r>
-                        <a:rPr lang="ko-KR" altLang="en-US" sz="1100"/>
-                        <a:t>내부변수</a:t>
-                      </a:r>
-                    </a:p>
-                  </a:txBody>
-                  <a:tcPr/>
-                </a:tc>
-                <a:tc>
-                  <a:txBody>
-                    <a:bodyPr/>
-                    <a:lstStyle/>
-                    <a:p>
-                      <a:pPr latinLnBrk="1"/>
-                      <a:endParaRPr lang="ko-KR" altLang="en-US" sz="1100"/>
-                    </a:p>
-                  </a:txBody>
-                  <a:tcPr/>
-                </a:tc>
-                <a:tc>
-                  <a:txBody>
-                    <a:bodyPr/>
-                    <a:lstStyle/>
-                    <a:p>
-                      <a:pPr latinLnBrk="1"/>
-                      <a:endParaRPr lang="ko-KR" altLang="en-US" sz="1100"/>
-                    </a:p>
-                  </a:txBody>
-                  <a:tcPr/>
-                </a:tc>
-                <a:tc>
-                  <a:txBody>
-                    <a:bodyPr/>
-                    <a:lstStyle/>
-                    <a:p>
-                      <a:pPr latinLnBrk="1"/>
-                      <a:endParaRPr lang="ko-KR" altLang="en-US" sz="1100"/>
-                    </a:p>
-                  </a:txBody>
-                  <a:tcPr/>
-                </a:tc>
-                <a:tc>
-                  <a:txBody>
-                    <a:bodyPr/>
-                    <a:lstStyle/>
-                    <a:p>
-                      <a:pPr latinLnBrk="1"/>
-                      <a:endParaRPr lang="ko-KR" altLang="en-US" sz="1100"/>
-                    </a:p>
-                  </a:txBody>
-                  <a:tcPr/>
-                </a:tc>
-                <a:tc>
-                  <a:txBody>
-                    <a:bodyPr/>
-                    <a:lstStyle/>
-                    <a:p>
-                      <a:pPr latinLnBrk="1"/>
-                      <a:endParaRPr lang="ko-KR" altLang="en-US" sz="1100"/>
-                    </a:p>
-                  </a:txBody>
-                  <a:tcPr/>
-                </a:tc>
-                <a:tc>
-                  <a:txBody>
-                    <a:bodyPr/>
-                    <a:lstStyle/>
-                    <a:p>
-                      <a:pPr latinLnBrk="1"/>
-                      <a:endParaRPr lang="ko-KR" altLang="en-US" sz="1100"/>
-                    </a:p>
-                  </a:txBody>
-                  <a:tcPr/>
-                </a:tc>
-                <a:extLst>
-                  <a:ext uri="{0D108BD9-81ED-4DB2-BD59-A6C34878D82A}">
-                    <a16:rowId xmlns:a16="http://schemas.microsoft.com/office/drawing/2014/main" val="4276894873"/>
-                  </a:ext>
-                </a:extLst>
-              </a:tr>
-              <a:tr h="0">
-                <a:tc>
-                  <a:txBody>
-                    <a:bodyPr/>
-                    <a:lstStyle/>
-                    <a:p>
-                      <a:pPr latinLnBrk="1"/>
-                      <a:endParaRPr lang="ko-KR" altLang="en-US" sz="1100"/>
-                    </a:p>
-                  </a:txBody>
-                  <a:tcPr/>
-                </a:tc>
-                <a:tc>
-                  <a:txBody>
-                    <a:bodyPr/>
-                    <a:lstStyle/>
-                    <a:p>
-                      <a:pPr latinLnBrk="1"/>
-                      <a:endParaRPr lang="ko-KR" altLang="en-US" sz="1100"/>
-                    </a:p>
-                  </a:txBody>
-                  <a:tcPr/>
-                </a:tc>
-                <a:tc>
-                  <a:txBody>
-                    <a:bodyPr/>
-                    <a:lstStyle/>
-                    <a:p>
-                      <a:pPr latinLnBrk="1"/>
-                      <a:endParaRPr lang="ko-KR" altLang="en-US" sz="1100"/>
-                    </a:p>
-                  </a:txBody>
-                  <a:tcPr/>
-                </a:tc>
-                <a:tc>
-                  <a:txBody>
-                    <a:bodyPr/>
-                    <a:lstStyle/>
-                    <a:p>
-                      <a:pPr latinLnBrk="1"/>
-                      <a:endParaRPr lang="ko-KR" altLang="en-US" sz="1100"/>
-                    </a:p>
-                  </a:txBody>
-                  <a:tcPr/>
-                </a:tc>
-                <a:tc>
-                  <a:txBody>
-                    <a:bodyPr/>
-                    <a:lstStyle/>
-                    <a:p>
-                      <a:pPr latinLnBrk="1"/>
-                      <a:endParaRPr lang="ko-KR" altLang="en-US" sz="1100"/>
-                    </a:p>
-                  </a:txBody>
-                  <a:tcPr/>
-                </a:tc>
-                <a:tc>
-                  <a:txBody>
-                    <a:bodyPr/>
-                    <a:lstStyle/>
-                    <a:p>
-                      <a:pPr latinLnBrk="1"/>
-                      <a:endParaRPr lang="ko-KR" altLang="en-US" sz="1100"/>
-                    </a:p>
-                  </a:txBody>
-                  <a:tcPr/>
-                </a:tc>
-                <a:tc>
-                  <a:txBody>
-                    <a:bodyPr/>
-                    <a:lstStyle/>
-                    <a:p>
-                      <a:pPr latinLnBrk="1"/>
-                      <a:endParaRPr lang="ko-KR" altLang="en-US" sz="1100"/>
-                    </a:p>
-                  </a:txBody>
-                  <a:tcPr/>
-                </a:tc>
-                <a:extLst>
-                  <a:ext uri="{0D108BD9-81ED-4DB2-BD59-A6C34878D82A}">
-                    <a16:rowId xmlns:a16="http://schemas.microsoft.com/office/drawing/2014/main" val="332331750"/>
-                  </a:ext>
-                </a:extLst>
-              </a:tr>
-            </a:tbl>
-          </a:graphicData>
-        </a:graphic>
-      </p:graphicFrame>
+        <p:style>
+          <a:lnRef idx="2">
+            <a:schemeClr val="accent1">
+              <a:shade val="15000"/>
+            </a:schemeClr>
+          </a:lnRef>
+          <a:fillRef idx="1">
+            <a:schemeClr val="accent1"/>
+          </a:fillRef>
+          <a:effectRef idx="0">
+            <a:schemeClr val="accent1"/>
+          </a:effectRef>
+          <a:fontRef idx="minor">
+            <a:schemeClr val="lt1"/>
+          </a:fontRef>
+        </p:style>
+        <p:txBody>
+          <a:bodyPr rtlCol="0" anchor="ctr"/>
+          <a:lstStyle/>
+          <a:p>
+            <a:pPr algn="ctr"/>
+            <a:r>
+              <a:rPr lang="en-US" altLang="ko-KR" dirty="0"/>
+              <a:t>WORK2</a:t>
+            </a:r>
+            <a:endParaRPr lang="ko-KR" altLang="en-US" dirty="0"/>
+          </a:p>
+        </p:txBody>
+      </p:sp>
+      <p:cxnSp>
+        <p:nvCxnSpPr>
+          <p:cNvPr id="16" name="직선 화살표 연결선 15">
+            <a:extLst>
+              <a:ext uri="{FF2B5EF4-FFF2-40B4-BE49-F238E27FC236}">
+                <a16:creationId xmlns:a16="http://schemas.microsoft.com/office/drawing/2014/main" id="{8E6D053D-C283-F69E-DF80-3DFC4387EBE1}"/>
+              </a:ext>
+            </a:extLst>
+          </p:cNvPr>
+          <p:cNvCxnSpPr>
+            <a:cxnSpLocks/>
+            <a:stCxn id="13" idx="3"/>
+            <a:endCxn id="14" idx="1"/>
+          </p:cNvCxnSpPr>
+          <p:nvPr/>
+        </p:nvCxnSpPr>
+        <p:spPr>
+          <a:xfrm flipV="1">
+            <a:off x="7886164" y="1336879"/>
+            <a:ext cx="1853671" cy="2323774"/>
+          </a:xfrm>
+          <a:prstGeom prst="straightConnector1">
+            <a:avLst/>
+          </a:prstGeom>
+          <a:ln>
+            <a:headEnd type="diamond" w="med" len="med"/>
+            <a:tailEnd type="triangle" w="med" len="med"/>
+          </a:ln>
+        </p:spPr>
+        <p:style>
+          <a:lnRef idx="1">
+            <a:schemeClr val="accent1"/>
+          </a:lnRef>
+          <a:fillRef idx="0">
+            <a:schemeClr val="accent1"/>
+          </a:fillRef>
+          <a:effectRef idx="0">
+            <a:schemeClr val="accent1"/>
+          </a:effectRef>
+          <a:fontRef idx="minor">
+            <a:schemeClr val="tx1"/>
+          </a:fontRef>
+        </p:style>
+      </p:cxnSp>
+      <p:cxnSp>
+        <p:nvCxnSpPr>
+          <p:cNvPr id="18" name="연결선: 꺾임 17">
+            <a:extLst>
+              <a:ext uri="{FF2B5EF4-FFF2-40B4-BE49-F238E27FC236}">
+                <a16:creationId xmlns:a16="http://schemas.microsoft.com/office/drawing/2014/main" id="{AACAD804-CF79-95A8-71B5-4672A5238242}"/>
+              </a:ext>
+            </a:extLst>
+          </p:cNvPr>
+          <p:cNvCxnSpPr>
+            <a:cxnSpLocks/>
+            <a:stCxn id="23" idx="1"/>
+            <a:endCxn id="13" idx="2"/>
+          </p:cNvCxnSpPr>
+          <p:nvPr/>
+        </p:nvCxnSpPr>
+        <p:spPr>
+          <a:xfrm rot="10800000">
+            <a:off x="4235004" y="5730765"/>
+            <a:ext cx="5237408" cy="272859"/>
+          </a:xfrm>
+          <a:prstGeom prst="bentConnector2">
+            <a:avLst/>
+          </a:prstGeom>
+          <a:ln>
+            <a:headEnd type="diamond" w="med" len="med"/>
+            <a:tailEnd type="triangle" w="med" len="med"/>
+          </a:ln>
+        </p:spPr>
+        <p:style>
+          <a:lnRef idx="1">
+            <a:schemeClr val="accent1"/>
+          </a:lnRef>
+          <a:fillRef idx="0">
+            <a:schemeClr val="accent1"/>
+          </a:fillRef>
+          <a:effectRef idx="0">
+            <a:schemeClr val="accent1"/>
+          </a:effectRef>
+          <a:fontRef idx="minor">
+            <a:schemeClr val="tx1"/>
+          </a:fontRef>
+        </p:style>
+      </p:cxnSp>
+      <p:sp>
+        <p:nvSpPr>
+          <p:cNvPr id="23" name="직사각형 22">
+            <a:extLst>
+              <a:ext uri="{FF2B5EF4-FFF2-40B4-BE49-F238E27FC236}">
+                <a16:creationId xmlns:a16="http://schemas.microsoft.com/office/drawing/2014/main" id="{64BF95D5-9500-3CD0-04B5-EB7179282DCD}"/>
+              </a:ext>
+            </a:extLst>
+          </p:cNvPr>
+          <p:cNvSpPr/>
+          <p:nvPr/>
+        </p:nvSpPr>
+        <p:spPr>
+          <a:xfrm>
+            <a:off x="9472412" y="5326666"/>
+            <a:ext cx="2197994" cy="1353914"/>
+          </a:xfrm>
+          <a:prstGeom prst="rect">
+            <a:avLst/>
+          </a:prstGeom>
+        </p:spPr>
+        <p:style>
+          <a:lnRef idx="2">
+            <a:schemeClr val="accent1">
+              <a:shade val="15000"/>
+            </a:schemeClr>
+          </a:lnRef>
+          <a:fillRef idx="1">
+            <a:schemeClr val="accent1"/>
+          </a:fillRef>
+          <a:effectRef idx="0">
+            <a:schemeClr val="accent1"/>
+          </a:effectRef>
+          <a:fontRef idx="minor">
+            <a:schemeClr val="lt1"/>
+          </a:fontRef>
+        </p:style>
+        <p:txBody>
+          <a:bodyPr rtlCol="0" anchor="ctr"/>
+          <a:lstStyle/>
+          <a:p>
+            <a:pPr algn="ctr"/>
+            <a:r>
+              <a:rPr lang="en-US" altLang="ko-KR" dirty="0"/>
+              <a:t>WORK3</a:t>
+            </a:r>
+            <a:endParaRPr lang="ko-KR" altLang="en-US" dirty="0"/>
+          </a:p>
+        </p:txBody>
+      </p:sp>
+      <p:cxnSp>
+        <p:nvCxnSpPr>
+          <p:cNvPr id="28" name="직선 화살표 연결선 27">
+            <a:extLst>
+              <a:ext uri="{FF2B5EF4-FFF2-40B4-BE49-F238E27FC236}">
+                <a16:creationId xmlns:a16="http://schemas.microsoft.com/office/drawing/2014/main" id="{B492F78C-4A54-2E49-3A6B-E35A1172A0C2}"/>
+              </a:ext>
+            </a:extLst>
+          </p:cNvPr>
+          <p:cNvCxnSpPr>
+            <a:cxnSpLocks/>
+            <a:stCxn id="14" idx="2"/>
+            <a:endCxn id="23" idx="0"/>
+          </p:cNvCxnSpPr>
+          <p:nvPr/>
+        </p:nvCxnSpPr>
+        <p:spPr>
+          <a:xfrm flipH="1">
+            <a:off x="10571409" y="2200459"/>
+            <a:ext cx="342457" cy="3126207"/>
+          </a:xfrm>
+          <a:prstGeom prst="straightConnector1">
+            <a:avLst/>
+          </a:prstGeom>
+          <a:ln>
+            <a:headEnd type="diamond" w="med" len="med"/>
+            <a:tailEnd type="triangle" w="med" len="med"/>
+          </a:ln>
+        </p:spPr>
+        <p:style>
+          <a:lnRef idx="1">
+            <a:schemeClr val="accent1"/>
+          </a:lnRef>
+          <a:fillRef idx="0">
+            <a:schemeClr val="accent1"/>
+          </a:fillRef>
+          <a:effectRef idx="0">
+            <a:schemeClr val="accent1"/>
+          </a:effectRef>
+          <a:fontRef idx="minor">
+            <a:schemeClr val="tx1"/>
+          </a:fontRef>
+        </p:style>
+      </p:cxnSp>
+      <p:grpSp>
+        <p:nvGrpSpPr>
+          <p:cNvPr id="62" name="그룹 61">
+            <a:extLst>
+              <a:ext uri="{FF2B5EF4-FFF2-40B4-BE49-F238E27FC236}">
+                <a16:creationId xmlns:a16="http://schemas.microsoft.com/office/drawing/2014/main" id="{23E9B09A-44CD-4975-6D29-15D0EF0AEA6D}"/>
+              </a:ext>
+            </a:extLst>
+          </p:cNvPr>
+          <p:cNvGrpSpPr/>
+          <p:nvPr/>
+        </p:nvGrpSpPr>
+        <p:grpSpPr>
+          <a:xfrm>
+            <a:off x="583844" y="1590542"/>
+            <a:ext cx="7302320" cy="4140222"/>
+            <a:chOff x="936941" y="1358889"/>
+            <a:chExt cx="7302320" cy="4140222"/>
+          </a:xfrm>
+        </p:grpSpPr>
+        <p:sp>
+          <p:nvSpPr>
+            <p:cNvPr id="13" name="직사각형 12">
+              <a:extLst>
+                <a:ext uri="{FF2B5EF4-FFF2-40B4-BE49-F238E27FC236}">
+                  <a16:creationId xmlns:a16="http://schemas.microsoft.com/office/drawing/2014/main" id="{5EC5A213-423F-05C3-41B1-56752BB443E3}"/>
+                </a:ext>
+              </a:extLst>
+            </p:cNvPr>
+            <p:cNvSpPr/>
+            <p:nvPr/>
+          </p:nvSpPr>
+          <p:spPr>
+            <a:xfrm>
+              <a:off x="936941" y="1358889"/>
+              <a:ext cx="7302320" cy="4140222"/>
+            </a:xfrm>
+            <a:prstGeom prst="rect">
+              <a:avLst/>
+            </a:prstGeom>
+          </p:spPr>
+          <p:style>
+            <a:lnRef idx="2">
+              <a:schemeClr val="accent5">
+                <a:shade val="15000"/>
+              </a:schemeClr>
+            </a:lnRef>
+            <a:fillRef idx="1">
+              <a:schemeClr val="accent5"/>
+            </a:fillRef>
+            <a:effectRef idx="0">
+              <a:schemeClr val="accent5"/>
+            </a:effectRef>
+            <a:fontRef idx="minor">
+              <a:schemeClr val="lt1"/>
+            </a:fontRef>
+          </p:style>
+          <p:txBody>
+            <a:bodyPr rtlCol="0" anchor="ctr"/>
+            <a:lstStyle/>
+            <a:p>
+              <a:pPr algn="ctr"/>
+              <a:r>
+                <a:rPr lang="en-US" altLang="ko-KR" dirty="0"/>
+                <a:t>WORK1</a:t>
+              </a:r>
+              <a:endParaRPr lang="ko-KR" altLang="en-US" dirty="0"/>
+            </a:p>
+          </p:txBody>
+        </p:sp>
+        <p:sp>
+          <p:nvSpPr>
+            <p:cNvPr id="46" name="타원 45">
+              <a:extLst>
+                <a:ext uri="{FF2B5EF4-FFF2-40B4-BE49-F238E27FC236}">
+                  <a16:creationId xmlns:a16="http://schemas.microsoft.com/office/drawing/2014/main" id="{372359AD-9A8C-5210-B8A4-166BAF7C4BFC}"/>
+                </a:ext>
+              </a:extLst>
+            </p:cNvPr>
+            <p:cNvSpPr/>
+            <p:nvPr/>
+          </p:nvSpPr>
+          <p:spPr>
+            <a:xfrm>
+              <a:off x="1551904" y="2256302"/>
+              <a:ext cx="1506828" cy="944098"/>
+            </a:xfrm>
+            <a:prstGeom prst="ellipse">
+              <a:avLst/>
+            </a:prstGeom>
+          </p:spPr>
+          <p:style>
+            <a:lnRef idx="2">
+              <a:schemeClr val="accent1">
+                <a:shade val="15000"/>
+              </a:schemeClr>
+            </a:lnRef>
+            <a:fillRef idx="1">
+              <a:schemeClr val="accent1"/>
+            </a:fillRef>
+            <a:effectRef idx="0">
+              <a:schemeClr val="accent1"/>
+            </a:effectRef>
+            <a:fontRef idx="minor">
+              <a:schemeClr val="lt1"/>
+            </a:fontRef>
+          </p:style>
+          <p:txBody>
+            <a:bodyPr rtlCol="0" anchor="ctr"/>
+            <a:lstStyle/>
+            <a:p>
+              <a:pPr algn="ctr"/>
+              <a:r>
+                <a:rPr lang="en-US" altLang="ko-KR" dirty="0"/>
+                <a:t>Pin.+</a:t>
+              </a:r>
+              <a:endParaRPr lang="ko-KR" altLang="en-US" dirty="0"/>
+            </a:p>
+          </p:txBody>
+        </p:sp>
+        <p:sp>
+          <p:nvSpPr>
+            <p:cNvPr id="47" name="타원 46">
+              <a:extLst>
+                <a:ext uri="{FF2B5EF4-FFF2-40B4-BE49-F238E27FC236}">
+                  <a16:creationId xmlns:a16="http://schemas.microsoft.com/office/drawing/2014/main" id="{1379FCA7-DCCD-3FEB-40C4-10D7022062C7}"/>
+                </a:ext>
+              </a:extLst>
+            </p:cNvPr>
+            <p:cNvSpPr/>
+            <p:nvPr/>
+          </p:nvSpPr>
+          <p:spPr>
+            <a:xfrm>
+              <a:off x="5632361" y="3640781"/>
+              <a:ext cx="1506828" cy="944098"/>
+            </a:xfrm>
+            <a:prstGeom prst="ellipse">
+              <a:avLst/>
+            </a:prstGeom>
+          </p:spPr>
+          <p:style>
+            <a:lnRef idx="2">
+              <a:schemeClr val="accent1">
+                <a:shade val="15000"/>
+              </a:schemeClr>
+            </a:lnRef>
+            <a:fillRef idx="1">
+              <a:schemeClr val="accent1"/>
+            </a:fillRef>
+            <a:effectRef idx="0">
+              <a:schemeClr val="accent1"/>
+            </a:effectRef>
+            <a:fontRef idx="minor">
+              <a:schemeClr val="lt1"/>
+            </a:fontRef>
+          </p:style>
+          <p:txBody>
+            <a:bodyPr rtlCol="0" anchor="ctr"/>
+            <a:lstStyle/>
+            <a:p>
+              <a:pPr algn="ctr"/>
+              <a:r>
+                <a:rPr lang="en-US" altLang="ko-KR" dirty="0"/>
+                <a:t>Pin.-</a:t>
+              </a:r>
+              <a:endParaRPr lang="ko-KR" altLang="en-US" dirty="0"/>
+            </a:p>
+          </p:txBody>
+        </p:sp>
+        <p:cxnSp>
+          <p:nvCxnSpPr>
+            <p:cNvPr id="49" name="연결선: 꺾임 48">
+              <a:extLst>
+                <a:ext uri="{FF2B5EF4-FFF2-40B4-BE49-F238E27FC236}">
+                  <a16:creationId xmlns:a16="http://schemas.microsoft.com/office/drawing/2014/main" id="{061DF60F-9629-5C85-3C1D-9477895782B3}"/>
+                </a:ext>
+              </a:extLst>
+            </p:cNvPr>
+            <p:cNvCxnSpPr>
+              <a:stCxn id="46" idx="6"/>
+              <a:endCxn id="47" idx="2"/>
+            </p:cNvCxnSpPr>
+            <p:nvPr/>
+          </p:nvCxnSpPr>
+          <p:spPr>
+            <a:xfrm>
+              <a:off x="3058732" y="2728351"/>
+              <a:ext cx="2573629" cy="1384479"/>
+            </a:xfrm>
+            <a:prstGeom prst="bentConnector3">
+              <a:avLst/>
+            </a:prstGeom>
+            <a:ln>
+              <a:tailEnd type="triangle"/>
+            </a:ln>
+          </p:spPr>
+          <p:style>
+            <a:lnRef idx="1">
+              <a:schemeClr val="accent1"/>
+            </a:lnRef>
+            <a:fillRef idx="0">
+              <a:schemeClr val="accent1"/>
+            </a:fillRef>
+            <a:effectRef idx="0">
+              <a:schemeClr val="accent1"/>
+            </a:effectRef>
+            <a:fontRef idx="minor">
+              <a:schemeClr val="tx1"/>
+            </a:fontRef>
+          </p:style>
+        </p:cxnSp>
+      </p:grpSp>
     </p:spTree>
     <p:extLst>
       <p:ext uri="{BB962C8B-B14F-4D97-AF65-F5344CB8AC3E}">
-        <p14:creationId xmlns:p14="http://schemas.microsoft.com/office/powerpoint/2010/main" val="1776986456"/>
+        <p14:creationId xmlns:p14="http://schemas.microsoft.com/office/powerpoint/2010/main" val="2589817974"/>
       </p:ext>
     </p:extLst>
   </p:cSld>

--- a/DsDotNet/src/UnitTest/UnitTest.Model/ImportOfficeExample/exportDS/testA/testMy/my.pptx
+++ b/DsDotNet/src/UnitTest/UnitTest.Model/ImportOfficeExample/exportDS/testA/testMy/my.pptx
@@ -8,6 +8,8 @@
     <p:sldId id="258" r:id="rId2"/>
     <p:sldId id="257" r:id="rId3"/>
     <p:sldId id="259" r:id="rId4"/>
+    <p:sldId id="261" r:id="rId5"/>
+    <p:sldId id="262" r:id="rId6"/>
   </p:sldIdLst>
   <p:sldSz cx="12192000" cy="6858000"/>
   <p:notesSz cx="6858000" cy="9144000"/>
@@ -261,7 +263,7 @@
           <a:p>
             <a:fld id="{E31A602F-9409-4B9A-9D14-798E704D8577}" type="datetimeFigureOut">
               <a:rPr lang="ko-KR" altLang="en-US" smtClean="0"/>
-              <a:t>2023-11-04</a:t>
+              <a:t>2023-11-05</a:t>
             </a:fld>
             <a:endParaRPr lang="ko-KR" altLang="en-US"/>
           </a:p>
@@ -459,7 +461,7 @@
           <a:p>
             <a:fld id="{E31A602F-9409-4B9A-9D14-798E704D8577}" type="datetimeFigureOut">
               <a:rPr lang="ko-KR" altLang="en-US" smtClean="0"/>
-              <a:t>2023-11-04</a:t>
+              <a:t>2023-11-05</a:t>
             </a:fld>
             <a:endParaRPr lang="ko-KR" altLang="en-US"/>
           </a:p>
@@ -667,7 +669,7 @@
           <a:p>
             <a:fld id="{E31A602F-9409-4B9A-9D14-798E704D8577}" type="datetimeFigureOut">
               <a:rPr lang="ko-KR" altLang="en-US" smtClean="0"/>
-              <a:t>2023-11-04</a:t>
+              <a:t>2023-11-05</a:t>
             </a:fld>
             <a:endParaRPr lang="ko-KR" altLang="en-US"/>
           </a:p>
@@ -865,7 +867,7 @@
           <a:p>
             <a:fld id="{E31A602F-9409-4B9A-9D14-798E704D8577}" type="datetimeFigureOut">
               <a:rPr lang="ko-KR" altLang="en-US" smtClean="0"/>
-              <a:t>2023-11-04</a:t>
+              <a:t>2023-11-05</a:t>
             </a:fld>
             <a:endParaRPr lang="ko-KR" altLang="en-US"/>
           </a:p>
@@ -1140,7 +1142,7 @@
           <a:p>
             <a:fld id="{E31A602F-9409-4B9A-9D14-798E704D8577}" type="datetimeFigureOut">
               <a:rPr lang="ko-KR" altLang="en-US" smtClean="0"/>
-              <a:t>2023-11-04</a:t>
+              <a:t>2023-11-05</a:t>
             </a:fld>
             <a:endParaRPr lang="ko-KR" altLang="en-US"/>
           </a:p>
@@ -1405,7 +1407,7 @@
           <a:p>
             <a:fld id="{E31A602F-9409-4B9A-9D14-798E704D8577}" type="datetimeFigureOut">
               <a:rPr lang="ko-KR" altLang="en-US" smtClean="0"/>
-              <a:t>2023-11-04</a:t>
+              <a:t>2023-11-05</a:t>
             </a:fld>
             <a:endParaRPr lang="ko-KR" altLang="en-US"/>
           </a:p>
@@ -1817,7 +1819,7 @@
           <a:p>
             <a:fld id="{E31A602F-9409-4B9A-9D14-798E704D8577}" type="datetimeFigureOut">
               <a:rPr lang="ko-KR" altLang="en-US" smtClean="0"/>
-              <a:t>2023-11-04</a:t>
+              <a:t>2023-11-05</a:t>
             </a:fld>
             <a:endParaRPr lang="ko-KR" altLang="en-US"/>
           </a:p>
@@ -1958,7 +1960,7 @@
           <a:p>
             <a:fld id="{E31A602F-9409-4B9A-9D14-798E704D8577}" type="datetimeFigureOut">
               <a:rPr lang="ko-KR" altLang="en-US" smtClean="0"/>
-              <a:t>2023-11-04</a:t>
+              <a:t>2023-11-05</a:t>
             </a:fld>
             <a:endParaRPr lang="ko-KR" altLang="en-US"/>
           </a:p>
@@ -2071,7 +2073,7 @@
           <a:p>
             <a:fld id="{E31A602F-9409-4B9A-9D14-798E704D8577}" type="datetimeFigureOut">
               <a:rPr lang="ko-KR" altLang="en-US" smtClean="0"/>
-              <a:t>2023-11-04</a:t>
+              <a:t>2023-11-05</a:t>
             </a:fld>
             <a:endParaRPr lang="ko-KR" altLang="en-US"/>
           </a:p>
@@ -2382,7 +2384,7 @@
           <a:p>
             <a:fld id="{E31A602F-9409-4B9A-9D14-798E704D8577}" type="datetimeFigureOut">
               <a:rPr lang="ko-KR" altLang="en-US" smtClean="0"/>
-              <a:t>2023-11-04</a:t>
+              <a:t>2023-11-05</a:t>
             </a:fld>
             <a:endParaRPr lang="ko-KR" altLang="en-US"/>
           </a:p>
@@ -2670,7 +2672,7 @@
           <a:p>
             <a:fld id="{E31A602F-9409-4B9A-9D14-798E704D8577}" type="datetimeFigureOut">
               <a:rPr lang="ko-KR" altLang="en-US" smtClean="0"/>
-              <a:t>2023-11-04</a:t>
+              <a:t>2023-11-05</a:t>
             </a:fld>
             <a:endParaRPr lang="ko-KR" altLang="en-US"/>
           </a:p>
@@ -2911,7 +2913,7 @@
           <a:p>
             <a:fld id="{E31A602F-9409-4B9A-9D14-798E704D8577}" type="datetimeFigureOut">
               <a:rPr lang="ko-KR" altLang="en-US" smtClean="0"/>
-              <a:t>2023-11-04</a:t>
+              <a:t>2023-11-05</a:t>
             </a:fld>
             <a:endParaRPr lang="ko-KR" altLang="en-US"/>
           </a:p>
@@ -3396,7 +3398,7 @@
 </file>
 
 <file path=ppt/slides/slide2.xml><?xml version="1.0" encoding="utf-8"?>
-<p:sld xmlns:a="http://schemas.openxmlformats.org/drawingml/2006/main" xmlns:r="http://schemas.openxmlformats.org/officeDocument/2006/relationships" xmlns:p="http://schemas.openxmlformats.org/presentationml/2006/main" show="0">
+<p:sld xmlns:a="http://schemas.openxmlformats.org/drawingml/2006/main" xmlns:r="http://schemas.openxmlformats.org/officeDocument/2006/relationships" xmlns:p="http://schemas.openxmlformats.org/presentationml/2006/main">
   <p:cSld>
     <p:spTree>
       <p:nvGrpSpPr>
@@ -3428,7 +3430,12 @@
             <p:ph type="title"/>
           </p:nvPr>
         </p:nvSpPr>
-        <p:spPr/>
+        <p:spPr>
+          <a:xfrm>
+            <a:off x="838200" y="365125"/>
+            <a:ext cx="10515600" cy="1325563"/>
+          </a:xfrm>
+        </p:spPr>
         <p:txBody>
           <a:bodyPr/>
           <a:lstStyle/>
@@ -3438,6 +3445,31 @@
               <a:t>STN01</a:t>
             </a:r>
             <a:endParaRPr lang="ko-KR" altLang="en-US" dirty="0"/>
+          </a:p>
+        </p:txBody>
+      </p:sp>
+      <p:sp>
+        <p:nvSpPr>
+          <p:cNvPr id="4" name="내용 개체 틀 3">
+            <a:extLst>
+              <a:ext uri="{FF2B5EF4-FFF2-40B4-BE49-F238E27FC236}">
+                <a16:creationId xmlns:a16="http://schemas.microsoft.com/office/drawing/2014/main" id="{F4AF75C0-EC0C-75E0-95AE-75A4C437345D}"/>
+              </a:ext>
+            </a:extLst>
+          </p:cNvPr>
+          <p:cNvSpPr>
+            <a:spLocks noGrp="1"/>
+          </p:cNvSpPr>
+          <p:nvPr>
+            <p:ph idx="1"/>
+          </p:nvPr>
+        </p:nvSpPr>
+        <p:spPr/>
+        <p:txBody>
+          <a:bodyPr/>
+          <a:lstStyle/>
+          <a:p>
+            <a:endParaRPr lang="ko-KR" altLang="en-US"/>
           </a:p>
         </p:txBody>
       </p:sp>
@@ -3687,7 +3719,7 @@
         </p:nvSpPr>
         <p:spPr>
           <a:xfrm>
-            <a:off x="8563595" y="3291393"/>
+            <a:off x="8373951" y="3429000"/>
             <a:ext cx="2102477" cy="944339"/>
           </a:xfrm>
           <a:prstGeom prst="foldedCorner">
@@ -3993,257 +4025,55 @@
             <p:ph type="title"/>
           </p:nvPr>
         </p:nvSpPr>
+        <p:spPr>
+          <a:xfrm>
+            <a:off x="838200" y="365125"/>
+            <a:ext cx="10515600" cy="1325563"/>
+          </a:xfrm>
+        </p:spPr>
+        <p:txBody>
+          <a:bodyPr/>
+          <a:lstStyle/>
+          <a:p>
+            <a:r>
+              <a:rPr lang="en-US" altLang="ko-KR" dirty="0"/>
+              <a:t>STN01_UsingLIB</a:t>
+            </a:r>
+            <a:endParaRPr lang="ko-KR" altLang="en-US" dirty="0"/>
+          </a:p>
+        </p:txBody>
+      </p:sp>
+      <p:sp>
+        <p:nvSpPr>
+          <p:cNvPr id="18" name="내용 개체 틀 17">
+            <a:extLst>
+              <a:ext uri="{FF2B5EF4-FFF2-40B4-BE49-F238E27FC236}">
+                <a16:creationId xmlns:a16="http://schemas.microsoft.com/office/drawing/2014/main" id="{38169D36-59DD-CA7E-9C07-41007F3878DC}"/>
+              </a:ext>
+            </a:extLst>
+          </p:cNvPr>
+          <p:cNvSpPr>
+            <a:spLocks noGrp="1"/>
+          </p:cNvSpPr>
+          <p:nvPr>
+            <p:ph idx="1"/>
+          </p:nvPr>
+        </p:nvSpPr>
         <p:spPr/>
         <p:txBody>
           <a:bodyPr/>
           <a:lstStyle/>
           <a:p>
-            <a:r>
-              <a:rPr lang="en-US" altLang="ko-KR" dirty="0"/>
-              <a:t>STN01</a:t>
-            </a:r>
-            <a:endParaRPr lang="ko-KR" altLang="en-US" dirty="0"/>
+            <a:endParaRPr lang="ko-KR" altLang="en-US"/>
           </a:p>
         </p:txBody>
       </p:sp>
-      <p:sp>
-        <p:nvSpPr>
-          <p:cNvPr id="14" name="직사각형 13">
-            <a:extLst>
-              <a:ext uri="{FF2B5EF4-FFF2-40B4-BE49-F238E27FC236}">
-                <a16:creationId xmlns:a16="http://schemas.microsoft.com/office/drawing/2014/main" id="{78565F04-A60A-85F4-8AB1-6C866A335E90}"/>
-              </a:ext>
-            </a:extLst>
-          </p:cNvPr>
-          <p:cNvSpPr/>
-          <p:nvPr/>
-        </p:nvSpPr>
-        <p:spPr>
-          <a:xfrm>
-            <a:off x="9739835" y="473298"/>
-            <a:ext cx="2348061" cy="1727161"/>
-          </a:xfrm>
-          <a:prstGeom prst="rect">
-            <a:avLst/>
-          </a:prstGeom>
-        </p:spPr>
-        <p:style>
-          <a:lnRef idx="2">
-            <a:schemeClr val="accent1">
-              <a:shade val="15000"/>
-            </a:schemeClr>
-          </a:lnRef>
-          <a:fillRef idx="1">
-            <a:schemeClr val="accent1"/>
-          </a:fillRef>
-          <a:effectRef idx="0">
-            <a:schemeClr val="accent1"/>
-          </a:effectRef>
-          <a:fontRef idx="minor">
-            <a:schemeClr val="lt1"/>
-          </a:fontRef>
-        </p:style>
-        <p:txBody>
-          <a:bodyPr rtlCol="0" anchor="ctr"/>
-          <a:lstStyle/>
-          <a:p>
-            <a:pPr algn="ctr"/>
-            <a:r>
-              <a:rPr lang="en-US" altLang="ko-KR" dirty="0"/>
-              <a:t>WORK2</a:t>
-            </a:r>
-            <a:endParaRPr lang="ko-KR" altLang="en-US" dirty="0"/>
-          </a:p>
-        </p:txBody>
-      </p:sp>
-      <p:cxnSp>
-        <p:nvCxnSpPr>
-          <p:cNvPr id="16" name="직선 화살표 연결선 15">
-            <a:extLst>
-              <a:ext uri="{FF2B5EF4-FFF2-40B4-BE49-F238E27FC236}">
-                <a16:creationId xmlns:a16="http://schemas.microsoft.com/office/drawing/2014/main" id="{8E6D053D-C283-F69E-DF80-3DFC4387EBE1}"/>
-              </a:ext>
-            </a:extLst>
-          </p:cNvPr>
-          <p:cNvCxnSpPr>
-            <a:cxnSpLocks/>
-            <a:stCxn id="13" idx="3"/>
-            <a:endCxn id="14" idx="1"/>
-          </p:cNvCxnSpPr>
-          <p:nvPr/>
-        </p:nvCxnSpPr>
-        <p:spPr>
-          <a:xfrm flipV="1">
-            <a:off x="7886164" y="1336879"/>
-            <a:ext cx="1853671" cy="2323774"/>
-          </a:xfrm>
-          <a:prstGeom prst="straightConnector1">
-            <a:avLst/>
-          </a:prstGeom>
-          <a:ln>
-            <a:headEnd type="diamond" w="med" len="med"/>
-            <a:tailEnd type="triangle" w="med" len="med"/>
-          </a:ln>
-        </p:spPr>
-        <p:style>
-          <a:lnRef idx="1">
-            <a:schemeClr val="accent1"/>
-          </a:lnRef>
-          <a:fillRef idx="0">
-            <a:schemeClr val="accent1"/>
-          </a:fillRef>
-          <a:effectRef idx="0">
-            <a:schemeClr val="accent1"/>
-          </a:effectRef>
-          <a:fontRef idx="minor">
-            <a:schemeClr val="tx1"/>
-          </a:fontRef>
-        </p:style>
-      </p:cxnSp>
-      <p:cxnSp>
-        <p:nvCxnSpPr>
-          <p:cNvPr id="18" name="연결선: 꺾임 17">
-            <a:extLst>
-              <a:ext uri="{FF2B5EF4-FFF2-40B4-BE49-F238E27FC236}">
-                <a16:creationId xmlns:a16="http://schemas.microsoft.com/office/drawing/2014/main" id="{AACAD804-CF79-95A8-71B5-4672A5238242}"/>
-              </a:ext>
-            </a:extLst>
-          </p:cNvPr>
-          <p:cNvCxnSpPr>
-            <a:cxnSpLocks/>
-            <a:stCxn id="23" idx="1"/>
-            <a:endCxn id="13" idx="2"/>
-          </p:cNvCxnSpPr>
-          <p:nvPr/>
-        </p:nvCxnSpPr>
-        <p:spPr>
-          <a:xfrm rot="10800000">
-            <a:off x="4235004" y="5730765"/>
-            <a:ext cx="5237408" cy="272859"/>
-          </a:xfrm>
-          <a:prstGeom prst="bentConnector2">
-            <a:avLst/>
-          </a:prstGeom>
-          <a:ln>
-            <a:headEnd type="diamond" w="med" len="med"/>
-            <a:tailEnd type="triangle" w="med" len="med"/>
-          </a:ln>
-        </p:spPr>
-        <p:style>
-          <a:lnRef idx="1">
-            <a:schemeClr val="accent1"/>
-          </a:lnRef>
-          <a:fillRef idx="0">
-            <a:schemeClr val="accent1"/>
-          </a:fillRef>
-          <a:effectRef idx="0">
-            <a:schemeClr val="accent1"/>
-          </a:effectRef>
-          <a:fontRef idx="minor">
-            <a:schemeClr val="tx1"/>
-          </a:fontRef>
-        </p:style>
-      </p:cxnSp>
-      <p:sp>
-        <p:nvSpPr>
-          <p:cNvPr id="23" name="직사각형 22">
-            <a:extLst>
-              <a:ext uri="{FF2B5EF4-FFF2-40B4-BE49-F238E27FC236}">
-                <a16:creationId xmlns:a16="http://schemas.microsoft.com/office/drawing/2014/main" id="{64BF95D5-9500-3CD0-04B5-EB7179282DCD}"/>
-              </a:ext>
-            </a:extLst>
-          </p:cNvPr>
-          <p:cNvSpPr/>
-          <p:nvPr/>
-        </p:nvSpPr>
-        <p:spPr>
-          <a:xfrm>
-            <a:off x="9472412" y="5326666"/>
-            <a:ext cx="2197994" cy="1353914"/>
-          </a:xfrm>
-          <a:prstGeom prst="rect">
-            <a:avLst/>
-          </a:prstGeom>
-        </p:spPr>
-        <p:style>
-          <a:lnRef idx="2">
-            <a:schemeClr val="accent1">
-              <a:shade val="15000"/>
-            </a:schemeClr>
-          </a:lnRef>
-          <a:fillRef idx="1">
-            <a:schemeClr val="accent1"/>
-          </a:fillRef>
-          <a:effectRef idx="0">
-            <a:schemeClr val="accent1"/>
-          </a:effectRef>
-          <a:fontRef idx="minor">
-            <a:schemeClr val="lt1"/>
-          </a:fontRef>
-        </p:style>
-        <p:txBody>
-          <a:bodyPr rtlCol="0" anchor="ctr"/>
-          <a:lstStyle/>
-          <a:p>
-            <a:pPr algn="ctr"/>
-            <a:r>
-              <a:rPr lang="en-US" altLang="ko-KR" dirty="0"/>
-              <a:t>WORK3</a:t>
-            </a:r>
-            <a:endParaRPr lang="ko-KR" altLang="en-US" dirty="0"/>
-          </a:p>
-        </p:txBody>
-      </p:sp>
-      <p:cxnSp>
-        <p:nvCxnSpPr>
-          <p:cNvPr id="28" name="직선 화살표 연결선 27">
-            <a:extLst>
-              <a:ext uri="{FF2B5EF4-FFF2-40B4-BE49-F238E27FC236}">
-                <a16:creationId xmlns:a16="http://schemas.microsoft.com/office/drawing/2014/main" id="{B492F78C-4A54-2E49-3A6B-E35A1172A0C2}"/>
-              </a:ext>
-            </a:extLst>
-          </p:cNvPr>
-          <p:cNvCxnSpPr>
-            <a:cxnSpLocks/>
-            <a:stCxn id="14" idx="2"/>
-            <a:endCxn id="23" idx="0"/>
-          </p:cNvCxnSpPr>
-          <p:nvPr/>
-        </p:nvCxnSpPr>
-        <p:spPr>
-          <a:xfrm flipH="1">
-            <a:off x="10571409" y="2200459"/>
-            <a:ext cx="342457" cy="3126207"/>
-          </a:xfrm>
-          <a:prstGeom prst="straightConnector1">
-            <a:avLst/>
-          </a:prstGeom>
-          <a:ln>
-            <a:headEnd type="diamond" w="med" len="med"/>
-            <a:tailEnd type="triangle" w="med" len="med"/>
-          </a:ln>
-        </p:spPr>
-        <p:style>
-          <a:lnRef idx="1">
-            <a:schemeClr val="accent1"/>
-          </a:lnRef>
-          <a:fillRef idx="0">
-            <a:schemeClr val="accent1"/>
-          </a:fillRef>
-          <a:effectRef idx="0">
-            <a:schemeClr val="accent1"/>
-          </a:effectRef>
-          <a:fontRef idx="minor">
-            <a:schemeClr val="tx1"/>
-          </a:fontRef>
-        </p:style>
-      </p:cxnSp>
       <p:grpSp>
         <p:nvGrpSpPr>
-          <p:cNvPr id="62" name="그룹 61">
-            <a:extLst>
-              <a:ext uri="{FF2B5EF4-FFF2-40B4-BE49-F238E27FC236}">
-                <a16:creationId xmlns:a16="http://schemas.microsoft.com/office/drawing/2014/main" id="{23E9B09A-44CD-4975-6D29-15D0EF0AEA6D}"/>
+          <p:cNvPr id="29" name="그룹 28">
+            <a:extLst>
+              <a:ext uri="{FF2B5EF4-FFF2-40B4-BE49-F238E27FC236}">
+                <a16:creationId xmlns:a16="http://schemas.microsoft.com/office/drawing/2014/main" id="{53FA60C8-02CB-E9DF-0DE0-59EFF8B1F222}"/>
               </a:ext>
             </a:extLst>
           </p:cNvPr>
@@ -4252,10 +4082,10 @@
         </p:nvGrpSpPr>
         <p:grpSpPr>
           <a:xfrm>
-            <a:off x="583844" y="1590542"/>
-            <a:ext cx="7302320" cy="4140222"/>
-            <a:chOff x="936941" y="1358889"/>
-            <a:chExt cx="7302320" cy="4140222"/>
+            <a:off x="1041400" y="1919288"/>
+            <a:ext cx="5994400" cy="4116879"/>
+            <a:chOff x="838200" y="2029920"/>
+            <a:chExt cx="5994400" cy="4116879"/>
           </a:xfrm>
         </p:grpSpPr>
         <p:sp>
@@ -4272,8 +4102,8 @@
           </p:nvSpPr>
           <p:spPr>
             <a:xfrm>
-              <a:off x="936941" y="1358889"/>
-              <a:ext cx="7302320" cy="4140222"/>
+              <a:off x="838200" y="2029920"/>
+              <a:ext cx="5994400" cy="4116879"/>
             </a:xfrm>
             <a:prstGeom prst="rect">
               <a:avLst/>
@@ -4322,8 +4152,8 @@
           </p:nvSpPr>
           <p:spPr>
             <a:xfrm>
-              <a:off x="1551904" y="2256302"/>
-              <a:ext cx="1506828" cy="944098"/>
+              <a:off x="1292217" y="2490225"/>
+              <a:ext cx="1236940" cy="938775"/>
             </a:xfrm>
             <a:prstGeom prst="ellipse">
               <a:avLst/>
@@ -4352,7 +4182,7 @@
               <a:pPr algn="ctr"/>
               <a:r>
                 <a:rPr lang="en-US" altLang="ko-KR" dirty="0"/>
-                <a:t>Pin.+</a:t>
+                <a:t>1.+</a:t>
               </a:r>
               <a:endParaRPr lang="ko-KR" altLang="en-US" dirty="0"/>
             </a:p>
@@ -4372,8 +4202,8 @@
           </p:nvSpPr>
           <p:spPr>
             <a:xfrm>
-              <a:off x="5632361" y="3640781"/>
-              <a:ext cx="1506828" cy="944098"/>
+              <a:off x="3216930" y="2660646"/>
+              <a:ext cx="1236940" cy="938775"/>
             </a:xfrm>
             <a:prstGeom prst="ellipse">
               <a:avLst/>
@@ -4402,7 +4232,7 @@
               <a:pPr algn="ctr"/>
               <a:r>
                 <a:rPr lang="en-US" altLang="ko-KR" dirty="0"/>
-                <a:t>Pin.-</a:t>
+                <a:t>1.-</a:t>
               </a:r>
               <a:endParaRPr lang="ko-KR" altLang="en-US" dirty="0"/>
             </a:p>
@@ -4425,11 +4255,244 @@
           </p:nvCxnSpPr>
           <p:spPr>
             <a:xfrm>
-              <a:off x="3058732" y="2728351"/>
-              <a:ext cx="2573629" cy="1384479"/>
+              <a:off x="2529157" y="2959613"/>
+              <a:ext cx="687773" cy="170421"/>
             </a:xfrm>
             <a:prstGeom prst="bentConnector3">
+              <a:avLst>
+                <a:gd name="adj1" fmla="val 50000"/>
+              </a:avLst>
+            </a:prstGeom>
+            <a:ln>
+              <a:tailEnd type="triangle"/>
+            </a:ln>
+          </p:spPr>
+          <p:style>
+            <a:lnRef idx="1">
+              <a:schemeClr val="accent1"/>
+            </a:lnRef>
+            <a:fillRef idx="0">
+              <a:schemeClr val="accent1"/>
+            </a:fillRef>
+            <a:effectRef idx="0">
+              <a:schemeClr val="accent1"/>
+            </a:effectRef>
+            <a:fontRef idx="minor">
+              <a:schemeClr val="tx1"/>
+            </a:fontRef>
+          </p:style>
+        </p:cxnSp>
+        <p:sp>
+          <p:nvSpPr>
+            <p:cNvPr id="9" name="타원 8">
+              <a:extLst>
+                <a:ext uri="{FF2B5EF4-FFF2-40B4-BE49-F238E27FC236}">
+                  <a16:creationId xmlns:a16="http://schemas.microsoft.com/office/drawing/2014/main" id="{46888E4C-42DB-ABC9-C132-71CA4AD80CEE}"/>
+                </a:ext>
+              </a:extLst>
+            </p:cNvPr>
+            <p:cNvSpPr/>
+            <p:nvPr/>
+          </p:nvSpPr>
+          <p:spPr>
+            <a:xfrm>
+              <a:off x="3089930" y="4230147"/>
+              <a:ext cx="1236940" cy="938775"/>
+            </a:xfrm>
+            <a:prstGeom prst="ellipse">
               <a:avLst/>
+            </a:prstGeom>
+          </p:spPr>
+          <p:style>
+            <a:lnRef idx="2">
+              <a:schemeClr val="accent1">
+                <a:shade val="15000"/>
+              </a:schemeClr>
+            </a:lnRef>
+            <a:fillRef idx="1">
+              <a:schemeClr val="accent1"/>
+            </a:fillRef>
+            <a:effectRef idx="0">
+              <a:schemeClr val="accent1"/>
+            </a:effectRef>
+            <a:fontRef idx="minor">
+              <a:schemeClr val="lt1"/>
+            </a:fontRef>
+          </p:style>
+          <p:txBody>
+            <a:bodyPr rtlCol="0" anchor="ctr"/>
+            <a:lstStyle/>
+            <a:p>
+              <a:pPr algn="ctr"/>
+              <a:r>
+                <a:rPr lang="en-US" altLang="ko-KR"/>
+                <a:t>2.+</a:t>
+              </a:r>
+              <a:endParaRPr lang="ko-KR" altLang="en-US" dirty="0"/>
+            </a:p>
+          </p:txBody>
+        </p:sp>
+        <p:sp>
+          <p:nvSpPr>
+            <p:cNvPr id="10" name="타원 9">
+              <a:extLst>
+                <a:ext uri="{FF2B5EF4-FFF2-40B4-BE49-F238E27FC236}">
+                  <a16:creationId xmlns:a16="http://schemas.microsoft.com/office/drawing/2014/main" id="{41DDADBD-54A9-2989-E4C9-30546B088469}"/>
+                </a:ext>
+              </a:extLst>
+            </p:cNvPr>
+            <p:cNvSpPr/>
+            <p:nvPr/>
+          </p:nvSpPr>
+          <p:spPr>
+            <a:xfrm>
+              <a:off x="4859060" y="4699534"/>
+              <a:ext cx="1236940" cy="938775"/>
+            </a:xfrm>
+            <a:prstGeom prst="ellipse">
+              <a:avLst/>
+            </a:prstGeom>
+          </p:spPr>
+          <p:style>
+            <a:lnRef idx="2">
+              <a:schemeClr val="accent1">
+                <a:shade val="15000"/>
+              </a:schemeClr>
+            </a:lnRef>
+            <a:fillRef idx="1">
+              <a:schemeClr val="accent1"/>
+            </a:fillRef>
+            <a:effectRef idx="0">
+              <a:schemeClr val="accent1"/>
+            </a:effectRef>
+            <a:fontRef idx="minor">
+              <a:schemeClr val="lt1"/>
+            </a:fontRef>
+          </p:style>
+          <p:txBody>
+            <a:bodyPr rtlCol="0" anchor="ctr"/>
+            <a:lstStyle/>
+            <a:p>
+              <a:pPr algn="ctr"/>
+              <a:r>
+                <a:rPr lang="en-US" altLang="ko-KR" dirty="0"/>
+                <a:t>2.-</a:t>
+              </a:r>
+              <a:endParaRPr lang="ko-KR" altLang="en-US" dirty="0"/>
+            </a:p>
+          </p:txBody>
+        </p:sp>
+        <p:cxnSp>
+          <p:nvCxnSpPr>
+            <p:cNvPr id="11" name="연결선: 꺾임 10">
+              <a:extLst>
+                <a:ext uri="{FF2B5EF4-FFF2-40B4-BE49-F238E27FC236}">
+                  <a16:creationId xmlns:a16="http://schemas.microsoft.com/office/drawing/2014/main" id="{D2D1A329-ABA6-73C1-36EB-C59DE4C8ADBA}"/>
+                </a:ext>
+              </a:extLst>
+            </p:cNvPr>
+            <p:cNvCxnSpPr>
+              <a:cxnSpLocks/>
+              <a:stCxn id="46" idx="4"/>
+              <a:endCxn id="9" idx="2"/>
+            </p:cNvCxnSpPr>
+            <p:nvPr/>
+          </p:nvCxnSpPr>
+          <p:spPr>
+            <a:xfrm rot="16200000" flipH="1">
+              <a:off x="1865041" y="3474645"/>
+              <a:ext cx="1270535" cy="1179243"/>
+            </a:xfrm>
+            <a:prstGeom prst="bentConnector2">
+              <a:avLst/>
+            </a:prstGeom>
+            <a:ln>
+              <a:tailEnd type="triangle"/>
+            </a:ln>
+          </p:spPr>
+          <p:style>
+            <a:lnRef idx="1">
+              <a:schemeClr val="accent1"/>
+            </a:lnRef>
+            <a:fillRef idx="0">
+              <a:schemeClr val="accent1"/>
+            </a:fillRef>
+            <a:effectRef idx="0">
+              <a:schemeClr val="accent1"/>
+            </a:effectRef>
+            <a:fontRef idx="minor">
+              <a:schemeClr val="tx1"/>
+            </a:fontRef>
+          </p:style>
+        </p:cxnSp>
+        <p:cxnSp>
+          <p:nvCxnSpPr>
+            <p:cNvPr id="20" name="연결선: 꺾임 19">
+              <a:extLst>
+                <a:ext uri="{FF2B5EF4-FFF2-40B4-BE49-F238E27FC236}">
+                  <a16:creationId xmlns:a16="http://schemas.microsoft.com/office/drawing/2014/main" id="{842E0B22-6800-3D03-85EE-B99A55FC321E}"/>
+                </a:ext>
+              </a:extLst>
+            </p:cNvPr>
+            <p:cNvCxnSpPr>
+              <a:cxnSpLocks/>
+              <a:stCxn id="47" idx="6"/>
+              <a:endCxn id="10" idx="0"/>
+            </p:cNvCxnSpPr>
+            <p:nvPr/>
+          </p:nvCxnSpPr>
+          <p:spPr>
+            <a:xfrm>
+              <a:off x="4453870" y="3130034"/>
+              <a:ext cx="1023660" cy="1569500"/>
+            </a:xfrm>
+            <a:prstGeom prst="bentConnector2">
+              <a:avLst/>
+            </a:prstGeom>
+            <a:ln>
+              <a:tailEnd type="triangle"/>
+            </a:ln>
+          </p:spPr>
+          <p:style>
+            <a:lnRef idx="1">
+              <a:schemeClr val="accent1"/>
+            </a:lnRef>
+            <a:fillRef idx="0">
+              <a:schemeClr val="accent1"/>
+            </a:fillRef>
+            <a:effectRef idx="0">
+              <a:schemeClr val="accent1"/>
+            </a:effectRef>
+            <a:fontRef idx="minor">
+              <a:schemeClr val="tx1"/>
+            </a:fontRef>
+          </p:style>
+        </p:cxnSp>
+        <p:cxnSp>
+          <p:nvCxnSpPr>
+            <p:cNvPr id="21" name="연결선: 꺾임 20">
+              <a:extLst>
+                <a:ext uri="{FF2B5EF4-FFF2-40B4-BE49-F238E27FC236}">
+                  <a16:creationId xmlns:a16="http://schemas.microsoft.com/office/drawing/2014/main" id="{2D69A2BA-A12B-066A-E9D0-7D0EA79EBCBC}"/>
+                </a:ext>
+              </a:extLst>
+            </p:cNvPr>
+            <p:cNvCxnSpPr>
+              <a:cxnSpLocks/>
+              <a:stCxn id="9" idx="6"/>
+              <a:endCxn id="10" idx="2"/>
+            </p:cNvCxnSpPr>
+            <p:nvPr/>
+          </p:nvCxnSpPr>
+          <p:spPr>
+            <a:xfrm>
+              <a:off x="4326870" y="4699535"/>
+              <a:ext cx="532190" cy="469387"/>
+            </a:xfrm>
+            <a:prstGeom prst="bentConnector3">
+              <a:avLst>
+                <a:gd name="adj1" fmla="val 50000"/>
+              </a:avLst>
             </a:prstGeom>
             <a:ln>
               <a:tailEnd type="triangle"/>
@@ -4455,6 +4518,3524 @@
     <p:extLst>
       <p:ext uri="{BB962C8B-B14F-4D97-AF65-F5344CB8AC3E}">
         <p14:creationId xmlns:p14="http://schemas.microsoft.com/office/powerpoint/2010/main" val="2589817974"/>
+      </p:ext>
+    </p:extLst>
+  </p:cSld>
+  <p:clrMapOvr>
+    <a:masterClrMapping/>
+  </p:clrMapOvr>
+</p:sld>
+</file>
+
+<file path=ppt/slides/slide4.xml><?xml version="1.0" encoding="utf-8"?>
+<p:sld xmlns:a="http://schemas.openxmlformats.org/drawingml/2006/main" xmlns:r="http://schemas.openxmlformats.org/officeDocument/2006/relationships" xmlns:p="http://schemas.openxmlformats.org/presentationml/2006/main">
+  <p:cSld>
+    <p:spTree>
+      <p:nvGrpSpPr>
+        <p:cNvPr id="1" name=""/>
+        <p:cNvGrpSpPr/>
+        <p:nvPr/>
+      </p:nvGrpSpPr>
+      <p:grpSpPr>
+        <a:xfrm>
+          <a:off x="0" y="0"/>
+          <a:ext cx="0" cy="0"/>
+          <a:chOff x="0" y="0"/>
+          <a:chExt cx="0" cy="0"/>
+        </a:xfrm>
+      </p:grpSpPr>
+      <p:sp>
+        <p:nvSpPr>
+          <p:cNvPr id="2" name="제목 1">
+            <a:extLst>
+              <a:ext uri="{FF2B5EF4-FFF2-40B4-BE49-F238E27FC236}">
+                <a16:creationId xmlns:a16="http://schemas.microsoft.com/office/drawing/2014/main" id="{1A69DDD8-5545-A829-82DF-051DB1771928}"/>
+              </a:ext>
+            </a:extLst>
+          </p:cNvPr>
+          <p:cNvSpPr>
+            <a:spLocks noGrp="1"/>
+          </p:cNvSpPr>
+          <p:nvPr>
+            <p:ph type="title"/>
+          </p:nvPr>
+        </p:nvSpPr>
+        <p:spPr>
+          <a:xfrm>
+            <a:off x="838200" y="365125"/>
+            <a:ext cx="10515600" cy="1325563"/>
+          </a:xfrm>
+        </p:spPr>
+        <p:txBody>
+          <a:bodyPr/>
+          <a:lstStyle/>
+          <a:p>
+            <a:r>
+              <a:rPr lang="en-US" altLang="ko-KR" dirty="0"/>
+              <a:t>STN01</a:t>
+            </a:r>
+            <a:r>
+              <a:rPr lang="en-US" altLang="ko-KR"/>
+              <a:t>_UsingLIB2</a:t>
+            </a:r>
+            <a:endParaRPr lang="ko-KR" altLang="en-US" dirty="0"/>
+          </a:p>
+        </p:txBody>
+      </p:sp>
+      <p:sp>
+        <p:nvSpPr>
+          <p:cNvPr id="24" name="내용 개체 틀 23">
+            <a:extLst>
+              <a:ext uri="{FF2B5EF4-FFF2-40B4-BE49-F238E27FC236}">
+                <a16:creationId xmlns:a16="http://schemas.microsoft.com/office/drawing/2014/main" id="{5328F27B-751C-120A-8A48-BFBAC2FE53D6}"/>
+              </a:ext>
+            </a:extLst>
+          </p:cNvPr>
+          <p:cNvSpPr>
+            <a:spLocks noGrp="1"/>
+          </p:cNvSpPr>
+          <p:nvPr>
+            <p:ph idx="1"/>
+          </p:nvPr>
+        </p:nvSpPr>
+        <p:spPr/>
+        <p:txBody>
+          <a:bodyPr/>
+          <a:lstStyle/>
+          <a:p>
+            <a:endParaRPr lang="ko-KR" altLang="en-US"/>
+          </a:p>
+        </p:txBody>
+      </p:sp>
+      <p:grpSp>
+        <p:nvGrpSpPr>
+          <p:cNvPr id="29" name="그룹 28">
+            <a:extLst>
+              <a:ext uri="{FF2B5EF4-FFF2-40B4-BE49-F238E27FC236}">
+                <a16:creationId xmlns:a16="http://schemas.microsoft.com/office/drawing/2014/main" id="{53FA60C8-02CB-E9DF-0DE0-59EFF8B1F222}"/>
+              </a:ext>
+            </a:extLst>
+          </p:cNvPr>
+          <p:cNvGrpSpPr/>
+          <p:nvPr/>
+        </p:nvGrpSpPr>
+        <p:grpSpPr>
+          <a:xfrm>
+            <a:off x="1041400" y="1919288"/>
+            <a:ext cx="5994400" cy="4116879"/>
+            <a:chOff x="838200" y="2029920"/>
+            <a:chExt cx="5994400" cy="4116879"/>
+          </a:xfrm>
+        </p:grpSpPr>
+        <p:sp>
+          <p:nvSpPr>
+            <p:cNvPr id="13" name="직사각형 12">
+              <a:extLst>
+                <a:ext uri="{FF2B5EF4-FFF2-40B4-BE49-F238E27FC236}">
+                  <a16:creationId xmlns:a16="http://schemas.microsoft.com/office/drawing/2014/main" id="{5EC5A213-423F-05C3-41B1-56752BB443E3}"/>
+                </a:ext>
+              </a:extLst>
+            </p:cNvPr>
+            <p:cNvSpPr/>
+            <p:nvPr/>
+          </p:nvSpPr>
+          <p:spPr>
+            <a:xfrm>
+              <a:off x="838200" y="2029920"/>
+              <a:ext cx="5994400" cy="4116879"/>
+            </a:xfrm>
+            <a:prstGeom prst="rect">
+              <a:avLst/>
+            </a:prstGeom>
+          </p:spPr>
+          <p:style>
+            <a:lnRef idx="2">
+              <a:schemeClr val="accent5">
+                <a:shade val="15000"/>
+              </a:schemeClr>
+            </a:lnRef>
+            <a:fillRef idx="1">
+              <a:schemeClr val="accent5"/>
+            </a:fillRef>
+            <a:effectRef idx="0">
+              <a:schemeClr val="accent5"/>
+            </a:effectRef>
+            <a:fontRef idx="minor">
+              <a:schemeClr val="lt1"/>
+            </a:fontRef>
+          </p:style>
+          <p:txBody>
+            <a:bodyPr rtlCol="0" anchor="ctr"/>
+            <a:lstStyle/>
+            <a:p>
+              <a:pPr algn="ctr"/>
+              <a:r>
+                <a:rPr lang="en-US" altLang="ko-KR" dirty="0"/>
+                <a:t>WORK1</a:t>
+              </a:r>
+              <a:endParaRPr lang="ko-KR" altLang="en-US" dirty="0"/>
+            </a:p>
+          </p:txBody>
+        </p:sp>
+        <p:sp>
+          <p:nvSpPr>
+            <p:cNvPr id="46" name="타원 45">
+              <a:extLst>
+                <a:ext uri="{FF2B5EF4-FFF2-40B4-BE49-F238E27FC236}">
+                  <a16:creationId xmlns:a16="http://schemas.microsoft.com/office/drawing/2014/main" id="{372359AD-9A8C-5210-B8A4-166BAF7C4BFC}"/>
+                </a:ext>
+              </a:extLst>
+            </p:cNvPr>
+            <p:cNvSpPr/>
+            <p:nvPr/>
+          </p:nvSpPr>
+          <p:spPr>
+            <a:xfrm>
+              <a:off x="1292217" y="2490225"/>
+              <a:ext cx="1236940" cy="938775"/>
+            </a:xfrm>
+            <a:prstGeom prst="ellipse">
+              <a:avLst/>
+            </a:prstGeom>
+          </p:spPr>
+          <p:style>
+            <a:lnRef idx="2">
+              <a:schemeClr val="accent1">
+                <a:shade val="15000"/>
+              </a:schemeClr>
+            </a:lnRef>
+            <a:fillRef idx="1">
+              <a:schemeClr val="accent1"/>
+            </a:fillRef>
+            <a:effectRef idx="0">
+              <a:schemeClr val="accent1"/>
+            </a:effectRef>
+            <a:fontRef idx="minor">
+              <a:schemeClr val="lt1"/>
+            </a:fontRef>
+          </p:style>
+          <p:txBody>
+            <a:bodyPr rtlCol="0" anchor="ctr"/>
+            <a:lstStyle/>
+            <a:p>
+              <a:pPr algn="ctr"/>
+              <a:r>
+                <a:rPr lang="en-US" altLang="ko-KR" dirty="0"/>
+                <a:t>1.+</a:t>
+              </a:r>
+              <a:endParaRPr lang="ko-KR" altLang="en-US" dirty="0"/>
+            </a:p>
+          </p:txBody>
+        </p:sp>
+        <p:sp>
+          <p:nvSpPr>
+            <p:cNvPr id="47" name="타원 46">
+              <a:extLst>
+                <a:ext uri="{FF2B5EF4-FFF2-40B4-BE49-F238E27FC236}">
+                  <a16:creationId xmlns:a16="http://schemas.microsoft.com/office/drawing/2014/main" id="{1379FCA7-DCCD-3FEB-40C4-10D7022062C7}"/>
+                </a:ext>
+              </a:extLst>
+            </p:cNvPr>
+            <p:cNvSpPr/>
+            <p:nvPr/>
+          </p:nvSpPr>
+          <p:spPr>
+            <a:xfrm>
+              <a:off x="3216930" y="2660646"/>
+              <a:ext cx="1236940" cy="938775"/>
+            </a:xfrm>
+            <a:prstGeom prst="ellipse">
+              <a:avLst/>
+            </a:prstGeom>
+          </p:spPr>
+          <p:style>
+            <a:lnRef idx="2">
+              <a:schemeClr val="accent1">
+                <a:shade val="15000"/>
+              </a:schemeClr>
+            </a:lnRef>
+            <a:fillRef idx="1">
+              <a:schemeClr val="accent1"/>
+            </a:fillRef>
+            <a:effectRef idx="0">
+              <a:schemeClr val="accent1"/>
+            </a:effectRef>
+            <a:fontRef idx="minor">
+              <a:schemeClr val="lt1"/>
+            </a:fontRef>
+          </p:style>
+          <p:txBody>
+            <a:bodyPr rtlCol="0" anchor="ctr"/>
+            <a:lstStyle/>
+            <a:p>
+              <a:pPr algn="ctr"/>
+              <a:r>
+                <a:rPr lang="en-US" altLang="ko-KR" dirty="0"/>
+                <a:t>1.-</a:t>
+              </a:r>
+              <a:endParaRPr lang="ko-KR" altLang="en-US" dirty="0"/>
+            </a:p>
+          </p:txBody>
+        </p:sp>
+        <p:cxnSp>
+          <p:nvCxnSpPr>
+            <p:cNvPr id="49" name="연결선: 꺾임 48">
+              <a:extLst>
+                <a:ext uri="{FF2B5EF4-FFF2-40B4-BE49-F238E27FC236}">
+                  <a16:creationId xmlns:a16="http://schemas.microsoft.com/office/drawing/2014/main" id="{061DF60F-9629-5C85-3C1D-9477895782B3}"/>
+                </a:ext>
+              </a:extLst>
+            </p:cNvPr>
+            <p:cNvCxnSpPr>
+              <a:stCxn id="46" idx="6"/>
+              <a:endCxn id="47" idx="2"/>
+            </p:cNvCxnSpPr>
+            <p:nvPr/>
+          </p:nvCxnSpPr>
+          <p:spPr>
+            <a:xfrm>
+              <a:off x="2529157" y="2959613"/>
+              <a:ext cx="687773" cy="170421"/>
+            </a:xfrm>
+            <a:prstGeom prst="bentConnector3">
+              <a:avLst>
+                <a:gd name="adj1" fmla="val 50000"/>
+              </a:avLst>
+            </a:prstGeom>
+            <a:ln>
+              <a:tailEnd type="triangle"/>
+            </a:ln>
+          </p:spPr>
+          <p:style>
+            <a:lnRef idx="1">
+              <a:schemeClr val="accent1"/>
+            </a:lnRef>
+            <a:fillRef idx="0">
+              <a:schemeClr val="accent1"/>
+            </a:fillRef>
+            <a:effectRef idx="0">
+              <a:schemeClr val="accent1"/>
+            </a:effectRef>
+            <a:fontRef idx="minor">
+              <a:schemeClr val="tx1"/>
+            </a:fontRef>
+          </p:style>
+        </p:cxnSp>
+        <p:sp>
+          <p:nvSpPr>
+            <p:cNvPr id="9" name="타원 8">
+              <a:extLst>
+                <a:ext uri="{FF2B5EF4-FFF2-40B4-BE49-F238E27FC236}">
+                  <a16:creationId xmlns:a16="http://schemas.microsoft.com/office/drawing/2014/main" id="{46888E4C-42DB-ABC9-C132-71CA4AD80CEE}"/>
+                </a:ext>
+              </a:extLst>
+            </p:cNvPr>
+            <p:cNvSpPr/>
+            <p:nvPr/>
+          </p:nvSpPr>
+          <p:spPr>
+            <a:xfrm>
+              <a:off x="3089930" y="4230147"/>
+              <a:ext cx="1236940" cy="938775"/>
+            </a:xfrm>
+            <a:prstGeom prst="ellipse">
+              <a:avLst/>
+            </a:prstGeom>
+          </p:spPr>
+          <p:style>
+            <a:lnRef idx="2">
+              <a:schemeClr val="accent1">
+                <a:shade val="15000"/>
+              </a:schemeClr>
+            </a:lnRef>
+            <a:fillRef idx="1">
+              <a:schemeClr val="accent1"/>
+            </a:fillRef>
+            <a:effectRef idx="0">
+              <a:schemeClr val="accent1"/>
+            </a:effectRef>
+            <a:fontRef idx="minor">
+              <a:schemeClr val="lt1"/>
+            </a:fontRef>
+          </p:style>
+          <p:txBody>
+            <a:bodyPr rtlCol="0" anchor="ctr"/>
+            <a:lstStyle/>
+            <a:p>
+              <a:pPr algn="ctr"/>
+              <a:r>
+                <a:rPr lang="en-US" altLang="ko-KR"/>
+                <a:t>2.+</a:t>
+              </a:r>
+              <a:endParaRPr lang="ko-KR" altLang="en-US" dirty="0"/>
+            </a:p>
+          </p:txBody>
+        </p:sp>
+        <p:sp>
+          <p:nvSpPr>
+            <p:cNvPr id="10" name="타원 9">
+              <a:extLst>
+                <a:ext uri="{FF2B5EF4-FFF2-40B4-BE49-F238E27FC236}">
+                  <a16:creationId xmlns:a16="http://schemas.microsoft.com/office/drawing/2014/main" id="{41DDADBD-54A9-2989-E4C9-30546B088469}"/>
+                </a:ext>
+              </a:extLst>
+            </p:cNvPr>
+            <p:cNvSpPr/>
+            <p:nvPr/>
+          </p:nvSpPr>
+          <p:spPr>
+            <a:xfrm>
+              <a:off x="4859060" y="4699534"/>
+              <a:ext cx="1236940" cy="938775"/>
+            </a:xfrm>
+            <a:prstGeom prst="ellipse">
+              <a:avLst/>
+            </a:prstGeom>
+          </p:spPr>
+          <p:style>
+            <a:lnRef idx="2">
+              <a:schemeClr val="accent1">
+                <a:shade val="15000"/>
+              </a:schemeClr>
+            </a:lnRef>
+            <a:fillRef idx="1">
+              <a:schemeClr val="accent1"/>
+            </a:fillRef>
+            <a:effectRef idx="0">
+              <a:schemeClr val="accent1"/>
+            </a:effectRef>
+            <a:fontRef idx="minor">
+              <a:schemeClr val="lt1"/>
+            </a:fontRef>
+          </p:style>
+          <p:txBody>
+            <a:bodyPr rtlCol="0" anchor="ctr"/>
+            <a:lstStyle/>
+            <a:p>
+              <a:pPr algn="ctr"/>
+              <a:r>
+                <a:rPr lang="en-US" altLang="ko-KR" dirty="0"/>
+                <a:t>2.-</a:t>
+              </a:r>
+              <a:endParaRPr lang="ko-KR" altLang="en-US" dirty="0"/>
+            </a:p>
+          </p:txBody>
+        </p:sp>
+        <p:cxnSp>
+          <p:nvCxnSpPr>
+            <p:cNvPr id="11" name="연결선: 꺾임 10">
+              <a:extLst>
+                <a:ext uri="{FF2B5EF4-FFF2-40B4-BE49-F238E27FC236}">
+                  <a16:creationId xmlns:a16="http://schemas.microsoft.com/office/drawing/2014/main" id="{D2D1A329-ABA6-73C1-36EB-C59DE4C8ADBA}"/>
+                </a:ext>
+              </a:extLst>
+            </p:cNvPr>
+            <p:cNvCxnSpPr>
+              <a:cxnSpLocks/>
+              <a:stCxn id="46" idx="4"/>
+              <a:endCxn id="9" idx="2"/>
+            </p:cNvCxnSpPr>
+            <p:nvPr/>
+          </p:nvCxnSpPr>
+          <p:spPr>
+            <a:xfrm rot="16200000" flipH="1">
+              <a:off x="1865041" y="3474645"/>
+              <a:ext cx="1270535" cy="1179243"/>
+            </a:xfrm>
+            <a:prstGeom prst="bentConnector2">
+              <a:avLst/>
+            </a:prstGeom>
+            <a:ln>
+              <a:tailEnd type="triangle"/>
+            </a:ln>
+          </p:spPr>
+          <p:style>
+            <a:lnRef idx="1">
+              <a:schemeClr val="accent1"/>
+            </a:lnRef>
+            <a:fillRef idx="0">
+              <a:schemeClr val="accent1"/>
+            </a:fillRef>
+            <a:effectRef idx="0">
+              <a:schemeClr val="accent1"/>
+            </a:effectRef>
+            <a:fontRef idx="minor">
+              <a:schemeClr val="tx1"/>
+            </a:fontRef>
+          </p:style>
+        </p:cxnSp>
+        <p:cxnSp>
+          <p:nvCxnSpPr>
+            <p:cNvPr id="20" name="연결선: 꺾임 19">
+              <a:extLst>
+                <a:ext uri="{FF2B5EF4-FFF2-40B4-BE49-F238E27FC236}">
+                  <a16:creationId xmlns:a16="http://schemas.microsoft.com/office/drawing/2014/main" id="{842E0B22-6800-3D03-85EE-B99A55FC321E}"/>
+                </a:ext>
+              </a:extLst>
+            </p:cNvPr>
+            <p:cNvCxnSpPr>
+              <a:cxnSpLocks/>
+              <a:stCxn id="47" idx="6"/>
+              <a:endCxn id="10" idx="0"/>
+            </p:cNvCxnSpPr>
+            <p:nvPr/>
+          </p:nvCxnSpPr>
+          <p:spPr>
+            <a:xfrm>
+              <a:off x="4453870" y="3130034"/>
+              <a:ext cx="1023660" cy="1569500"/>
+            </a:xfrm>
+            <a:prstGeom prst="bentConnector2">
+              <a:avLst/>
+            </a:prstGeom>
+            <a:ln>
+              <a:tailEnd type="triangle"/>
+            </a:ln>
+          </p:spPr>
+          <p:style>
+            <a:lnRef idx="1">
+              <a:schemeClr val="accent1"/>
+            </a:lnRef>
+            <a:fillRef idx="0">
+              <a:schemeClr val="accent1"/>
+            </a:fillRef>
+            <a:effectRef idx="0">
+              <a:schemeClr val="accent1"/>
+            </a:effectRef>
+            <a:fontRef idx="minor">
+              <a:schemeClr val="tx1"/>
+            </a:fontRef>
+          </p:style>
+        </p:cxnSp>
+        <p:cxnSp>
+          <p:nvCxnSpPr>
+            <p:cNvPr id="21" name="연결선: 꺾임 20">
+              <a:extLst>
+                <a:ext uri="{FF2B5EF4-FFF2-40B4-BE49-F238E27FC236}">
+                  <a16:creationId xmlns:a16="http://schemas.microsoft.com/office/drawing/2014/main" id="{2D69A2BA-A12B-066A-E9D0-7D0EA79EBCBC}"/>
+                </a:ext>
+              </a:extLst>
+            </p:cNvPr>
+            <p:cNvCxnSpPr>
+              <a:cxnSpLocks/>
+              <a:stCxn id="9" idx="6"/>
+              <a:endCxn id="10" idx="2"/>
+            </p:cNvCxnSpPr>
+            <p:nvPr/>
+          </p:nvCxnSpPr>
+          <p:spPr>
+            <a:xfrm>
+              <a:off x="4326870" y="4699535"/>
+              <a:ext cx="532190" cy="469387"/>
+            </a:xfrm>
+            <a:prstGeom prst="bentConnector3">
+              <a:avLst>
+                <a:gd name="adj1" fmla="val 50000"/>
+              </a:avLst>
+            </a:prstGeom>
+            <a:ln>
+              <a:tailEnd type="triangle"/>
+            </a:ln>
+          </p:spPr>
+          <p:style>
+            <a:lnRef idx="1">
+              <a:schemeClr val="accent1"/>
+            </a:lnRef>
+            <a:fillRef idx="0">
+              <a:schemeClr val="accent1"/>
+            </a:fillRef>
+            <a:effectRef idx="0">
+              <a:schemeClr val="accent1"/>
+            </a:effectRef>
+            <a:fontRef idx="minor">
+              <a:schemeClr val="tx1"/>
+            </a:fontRef>
+          </p:style>
+        </p:cxnSp>
+      </p:grpSp>
+      <p:grpSp>
+        <p:nvGrpSpPr>
+          <p:cNvPr id="4" name="그룹 3">
+            <a:extLst>
+              <a:ext uri="{FF2B5EF4-FFF2-40B4-BE49-F238E27FC236}">
+                <a16:creationId xmlns:a16="http://schemas.microsoft.com/office/drawing/2014/main" id="{3156BD3C-1370-190D-D980-F472E9A79EB8}"/>
+              </a:ext>
+            </a:extLst>
+          </p:cNvPr>
+          <p:cNvGrpSpPr/>
+          <p:nvPr/>
+        </p:nvGrpSpPr>
+        <p:grpSpPr>
+          <a:xfrm>
+            <a:off x="9443760" y="33777"/>
+            <a:ext cx="5994400" cy="4116879"/>
+            <a:chOff x="838200" y="2029920"/>
+            <a:chExt cx="5994400" cy="4116879"/>
+          </a:xfrm>
+        </p:grpSpPr>
+        <p:sp>
+          <p:nvSpPr>
+            <p:cNvPr id="5" name="직사각형 4">
+              <a:extLst>
+                <a:ext uri="{FF2B5EF4-FFF2-40B4-BE49-F238E27FC236}">
+                  <a16:creationId xmlns:a16="http://schemas.microsoft.com/office/drawing/2014/main" id="{24D233F6-27AB-BC1D-BADF-2AE7FE8261EF}"/>
+                </a:ext>
+              </a:extLst>
+            </p:cNvPr>
+            <p:cNvSpPr/>
+            <p:nvPr/>
+          </p:nvSpPr>
+          <p:spPr>
+            <a:xfrm>
+              <a:off x="838200" y="2029920"/>
+              <a:ext cx="5994400" cy="4116879"/>
+            </a:xfrm>
+            <a:prstGeom prst="rect">
+              <a:avLst/>
+            </a:prstGeom>
+          </p:spPr>
+          <p:style>
+            <a:lnRef idx="2">
+              <a:schemeClr val="accent5">
+                <a:shade val="15000"/>
+              </a:schemeClr>
+            </a:lnRef>
+            <a:fillRef idx="1">
+              <a:schemeClr val="accent5"/>
+            </a:fillRef>
+            <a:effectRef idx="0">
+              <a:schemeClr val="accent5"/>
+            </a:effectRef>
+            <a:fontRef idx="minor">
+              <a:schemeClr val="lt1"/>
+            </a:fontRef>
+          </p:style>
+          <p:txBody>
+            <a:bodyPr rtlCol="0" anchor="ctr"/>
+            <a:lstStyle/>
+            <a:p>
+              <a:pPr algn="ctr"/>
+              <a:r>
+                <a:rPr lang="en-US" altLang="ko-KR" dirty="0"/>
+                <a:t>WORK2</a:t>
+              </a:r>
+              <a:endParaRPr lang="ko-KR" altLang="en-US" dirty="0"/>
+            </a:p>
+          </p:txBody>
+        </p:sp>
+        <p:sp>
+          <p:nvSpPr>
+            <p:cNvPr id="6" name="타원 5">
+              <a:extLst>
+                <a:ext uri="{FF2B5EF4-FFF2-40B4-BE49-F238E27FC236}">
+                  <a16:creationId xmlns:a16="http://schemas.microsoft.com/office/drawing/2014/main" id="{86CD32AF-260C-2724-65AA-1E6C25609E2A}"/>
+                </a:ext>
+              </a:extLst>
+            </p:cNvPr>
+            <p:cNvSpPr/>
+            <p:nvPr/>
+          </p:nvSpPr>
+          <p:spPr>
+            <a:xfrm>
+              <a:off x="1292217" y="2490225"/>
+              <a:ext cx="1236940" cy="938775"/>
+            </a:xfrm>
+            <a:prstGeom prst="ellipse">
+              <a:avLst/>
+            </a:prstGeom>
+          </p:spPr>
+          <p:style>
+            <a:lnRef idx="2">
+              <a:schemeClr val="accent1">
+                <a:shade val="15000"/>
+              </a:schemeClr>
+            </a:lnRef>
+            <a:fillRef idx="1">
+              <a:schemeClr val="accent1"/>
+            </a:fillRef>
+            <a:effectRef idx="0">
+              <a:schemeClr val="accent1"/>
+            </a:effectRef>
+            <a:fontRef idx="minor">
+              <a:schemeClr val="lt1"/>
+            </a:fontRef>
+          </p:style>
+          <p:txBody>
+            <a:bodyPr rtlCol="0" anchor="ctr"/>
+            <a:lstStyle/>
+            <a:p>
+              <a:pPr algn="ctr"/>
+              <a:r>
+                <a:rPr lang="en-US" altLang="ko-KR" dirty="0"/>
+                <a:t>3.+</a:t>
+              </a:r>
+              <a:endParaRPr lang="ko-KR" altLang="en-US" dirty="0"/>
+            </a:p>
+          </p:txBody>
+        </p:sp>
+        <p:sp>
+          <p:nvSpPr>
+            <p:cNvPr id="7" name="타원 6">
+              <a:extLst>
+                <a:ext uri="{FF2B5EF4-FFF2-40B4-BE49-F238E27FC236}">
+                  <a16:creationId xmlns:a16="http://schemas.microsoft.com/office/drawing/2014/main" id="{6E97971F-4615-0BA2-F9F1-98488B14253A}"/>
+                </a:ext>
+              </a:extLst>
+            </p:cNvPr>
+            <p:cNvSpPr/>
+            <p:nvPr/>
+          </p:nvSpPr>
+          <p:spPr>
+            <a:xfrm>
+              <a:off x="3216930" y="2660646"/>
+              <a:ext cx="1236940" cy="938775"/>
+            </a:xfrm>
+            <a:prstGeom prst="ellipse">
+              <a:avLst/>
+            </a:prstGeom>
+          </p:spPr>
+          <p:style>
+            <a:lnRef idx="2">
+              <a:schemeClr val="accent1">
+                <a:shade val="15000"/>
+              </a:schemeClr>
+            </a:lnRef>
+            <a:fillRef idx="1">
+              <a:schemeClr val="accent1"/>
+            </a:fillRef>
+            <a:effectRef idx="0">
+              <a:schemeClr val="accent1"/>
+            </a:effectRef>
+            <a:fontRef idx="minor">
+              <a:schemeClr val="lt1"/>
+            </a:fontRef>
+          </p:style>
+          <p:txBody>
+            <a:bodyPr rtlCol="0" anchor="ctr"/>
+            <a:lstStyle/>
+            <a:p>
+              <a:pPr algn="ctr"/>
+              <a:r>
+                <a:rPr lang="en-US" altLang="ko-KR" dirty="0"/>
+                <a:t>4.+</a:t>
+              </a:r>
+              <a:endParaRPr lang="ko-KR" altLang="en-US" dirty="0"/>
+            </a:p>
+          </p:txBody>
+        </p:sp>
+        <p:cxnSp>
+          <p:nvCxnSpPr>
+            <p:cNvPr id="8" name="연결선: 꺾임 7">
+              <a:extLst>
+                <a:ext uri="{FF2B5EF4-FFF2-40B4-BE49-F238E27FC236}">
+                  <a16:creationId xmlns:a16="http://schemas.microsoft.com/office/drawing/2014/main" id="{4C515D5C-0A01-14B0-0611-AAEC234DC04A}"/>
+                </a:ext>
+              </a:extLst>
+            </p:cNvPr>
+            <p:cNvCxnSpPr>
+              <a:stCxn id="6" idx="6"/>
+              <a:endCxn id="7" idx="2"/>
+            </p:cNvCxnSpPr>
+            <p:nvPr/>
+          </p:nvCxnSpPr>
+          <p:spPr>
+            <a:xfrm>
+              <a:off x="2529157" y="2959613"/>
+              <a:ext cx="687773" cy="170421"/>
+            </a:xfrm>
+            <a:prstGeom prst="bentConnector3">
+              <a:avLst>
+                <a:gd name="adj1" fmla="val 50000"/>
+              </a:avLst>
+            </a:prstGeom>
+            <a:ln>
+              <a:tailEnd type="triangle"/>
+            </a:ln>
+          </p:spPr>
+          <p:style>
+            <a:lnRef idx="1">
+              <a:schemeClr val="accent1"/>
+            </a:lnRef>
+            <a:fillRef idx="0">
+              <a:schemeClr val="accent1"/>
+            </a:fillRef>
+            <a:effectRef idx="0">
+              <a:schemeClr val="accent1"/>
+            </a:effectRef>
+            <a:fontRef idx="minor">
+              <a:schemeClr val="tx1"/>
+            </a:fontRef>
+          </p:style>
+        </p:cxnSp>
+        <p:sp>
+          <p:nvSpPr>
+            <p:cNvPr id="12" name="타원 11">
+              <a:extLst>
+                <a:ext uri="{FF2B5EF4-FFF2-40B4-BE49-F238E27FC236}">
+                  <a16:creationId xmlns:a16="http://schemas.microsoft.com/office/drawing/2014/main" id="{F8841CBE-965A-F248-D8ED-078D4B4B183D}"/>
+                </a:ext>
+              </a:extLst>
+            </p:cNvPr>
+            <p:cNvSpPr/>
+            <p:nvPr/>
+          </p:nvSpPr>
+          <p:spPr>
+            <a:xfrm>
+              <a:off x="3089930" y="4230147"/>
+              <a:ext cx="1236940" cy="938775"/>
+            </a:xfrm>
+            <a:prstGeom prst="ellipse">
+              <a:avLst/>
+            </a:prstGeom>
+          </p:spPr>
+          <p:style>
+            <a:lnRef idx="2">
+              <a:schemeClr val="accent1">
+                <a:shade val="15000"/>
+              </a:schemeClr>
+            </a:lnRef>
+            <a:fillRef idx="1">
+              <a:schemeClr val="accent1"/>
+            </a:fillRef>
+            <a:effectRef idx="0">
+              <a:schemeClr val="accent1"/>
+            </a:effectRef>
+            <a:fontRef idx="minor">
+              <a:schemeClr val="lt1"/>
+            </a:fontRef>
+          </p:style>
+          <p:txBody>
+            <a:bodyPr rtlCol="0" anchor="ctr"/>
+            <a:lstStyle/>
+            <a:p>
+              <a:pPr algn="ctr"/>
+              <a:r>
+                <a:rPr lang="en-US" altLang="ko-KR" dirty="0"/>
+                <a:t>3.-</a:t>
+              </a:r>
+              <a:endParaRPr lang="ko-KR" altLang="en-US" dirty="0"/>
+            </a:p>
+          </p:txBody>
+        </p:sp>
+        <p:sp>
+          <p:nvSpPr>
+            <p:cNvPr id="14" name="타원 13">
+              <a:extLst>
+                <a:ext uri="{FF2B5EF4-FFF2-40B4-BE49-F238E27FC236}">
+                  <a16:creationId xmlns:a16="http://schemas.microsoft.com/office/drawing/2014/main" id="{02C7BFDC-B946-704F-A880-B2B07F28A797}"/>
+                </a:ext>
+              </a:extLst>
+            </p:cNvPr>
+            <p:cNvSpPr/>
+            <p:nvPr/>
+          </p:nvSpPr>
+          <p:spPr>
+            <a:xfrm>
+              <a:off x="4859060" y="4699534"/>
+              <a:ext cx="1236940" cy="938775"/>
+            </a:xfrm>
+            <a:prstGeom prst="ellipse">
+              <a:avLst/>
+            </a:prstGeom>
+          </p:spPr>
+          <p:style>
+            <a:lnRef idx="2">
+              <a:schemeClr val="accent1">
+                <a:shade val="15000"/>
+              </a:schemeClr>
+            </a:lnRef>
+            <a:fillRef idx="1">
+              <a:schemeClr val="accent1"/>
+            </a:fillRef>
+            <a:effectRef idx="0">
+              <a:schemeClr val="accent1"/>
+            </a:effectRef>
+            <a:fontRef idx="minor">
+              <a:schemeClr val="lt1"/>
+            </a:fontRef>
+          </p:style>
+          <p:txBody>
+            <a:bodyPr rtlCol="0" anchor="ctr"/>
+            <a:lstStyle/>
+            <a:p>
+              <a:pPr algn="ctr"/>
+              <a:r>
+                <a:rPr lang="en-US" altLang="ko-KR" dirty="0"/>
+                <a:t>4.-</a:t>
+              </a:r>
+              <a:endParaRPr lang="ko-KR" altLang="en-US" dirty="0"/>
+            </a:p>
+          </p:txBody>
+        </p:sp>
+        <p:cxnSp>
+          <p:nvCxnSpPr>
+            <p:cNvPr id="15" name="연결선: 꺾임 14">
+              <a:extLst>
+                <a:ext uri="{FF2B5EF4-FFF2-40B4-BE49-F238E27FC236}">
+                  <a16:creationId xmlns:a16="http://schemas.microsoft.com/office/drawing/2014/main" id="{EEE9541C-F5BC-C13A-E373-37FC9A305428}"/>
+                </a:ext>
+              </a:extLst>
+            </p:cNvPr>
+            <p:cNvCxnSpPr>
+              <a:cxnSpLocks/>
+              <a:stCxn id="6" idx="4"/>
+              <a:endCxn id="12" idx="2"/>
+            </p:cNvCxnSpPr>
+            <p:nvPr/>
+          </p:nvCxnSpPr>
+          <p:spPr>
+            <a:xfrm rot="16200000" flipH="1">
+              <a:off x="1865041" y="3474645"/>
+              <a:ext cx="1270535" cy="1179243"/>
+            </a:xfrm>
+            <a:prstGeom prst="bentConnector2">
+              <a:avLst/>
+            </a:prstGeom>
+            <a:ln>
+              <a:tailEnd type="triangle"/>
+            </a:ln>
+          </p:spPr>
+          <p:style>
+            <a:lnRef idx="1">
+              <a:schemeClr val="accent1"/>
+            </a:lnRef>
+            <a:fillRef idx="0">
+              <a:schemeClr val="accent1"/>
+            </a:fillRef>
+            <a:effectRef idx="0">
+              <a:schemeClr val="accent1"/>
+            </a:effectRef>
+            <a:fontRef idx="minor">
+              <a:schemeClr val="tx1"/>
+            </a:fontRef>
+          </p:style>
+        </p:cxnSp>
+        <p:cxnSp>
+          <p:nvCxnSpPr>
+            <p:cNvPr id="16" name="연결선: 꺾임 15">
+              <a:extLst>
+                <a:ext uri="{FF2B5EF4-FFF2-40B4-BE49-F238E27FC236}">
+                  <a16:creationId xmlns:a16="http://schemas.microsoft.com/office/drawing/2014/main" id="{906FA52F-4A26-31EE-DAFE-B5D0BAC5BCA4}"/>
+                </a:ext>
+              </a:extLst>
+            </p:cNvPr>
+            <p:cNvCxnSpPr>
+              <a:cxnSpLocks/>
+              <a:stCxn id="7" idx="6"/>
+              <a:endCxn id="14" idx="0"/>
+            </p:cNvCxnSpPr>
+            <p:nvPr/>
+          </p:nvCxnSpPr>
+          <p:spPr>
+            <a:xfrm>
+              <a:off x="4453870" y="3130034"/>
+              <a:ext cx="1023660" cy="1569500"/>
+            </a:xfrm>
+            <a:prstGeom prst="bentConnector2">
+              <a:avLst/>
+            </a:prstGeom>
+            <a:ln>
+              <a:tailEnd type="triangle"/>
+            </a:ln>
+          </p:spPr>
+          <p:style>
+            <a:lnRef idx="1">
+              <a:schemeClr val="accent1"/>
+            </a:lnRef>
+            <a:fillRef idx="0">
+              <a:schemeClr val="accent1"/>
+            </a:fillRef>
+            <a:effectRef idx="0">
+              <a:schemeClr val="accent1"/>
+            </a:effectRef>
+            <a:fontRef idx="minor">
+              <a:schemeClr val="tx1"/>
+            </a:fontRef>
+          </p:style>
+        </p:cxnSp>
+        <p:cxnSp>
+          <p:nvCxnSpPr>
+            <p:cNvPr id="17" name="연결선: 꺾임 16">
+              <a:extLst>
+                <a:ext uri="{FF2B5EF4-FFF2-40B4-BE49-F238E27FC236}">
+                  <a16:creationId xmlns:a16="http://schemas.microsoft.com/office/drawing/2014/main" id="{A1C615B3-9E89-B22D-104C-918027AA417A}"/>
+                </a:ext>
+              </a:extLst>
+            </p:cNvPr>
+            <p:cNvCxnSpPr>
+              <a:cxnSpLocks/>
+              <a:stCxn id="12" idx="6"/>
+              <a:endCxn id="14" idx="2"/>
+            </p:cNvCxnSpPr>
+            <p:nvPr/>
+          </p:nvCxnSpPr>
+          <p:spPr>
+            <a:xfrm>
+              <a:off x="4326870" y="4699535"/>
+              <a:ext cx="532190" cy="469387"/>
+            </a:xfrm>
+            <a:prstGeom prst="bentConnector3">
+              <a:avLst>
+                <a:gd name="adj1" fmla="val 50000"/>
+              </a:avLst>
+            </a:prstGeom>
+            <a:ln>
+              <a:tailEnd type="triangle"/>
+            </a:ln>
+          </p:spPr>
+          <p:style>
+            <a:lnRef idx="1">
+              <a:schemeClr val="accent1"/>
+            </a:lnRef>
+            <a:fillRef idx="0">
+              <a:schemeClr val="accent1"/>
+            </a:fillRef>
+            <a:effectRef idx="0">
+              <a:schemeClr val="accent1"/>
+            </a:effectRef>
+            <a:fontRef idx="minor">
+              <a:schemeClr val="tx1"/>
+            </a:fontRef>
+          </p:style>
+        </p:cxnSp>
+      </p:grpSp>
+      <p:cxnSp>
+        <p:nvCxnSpPr>
+          <p:cNvPr id="19" name="연결선: 꺾임 18">
+            <a:extLst>
+              <a:ext uri="{FF2B5EF4-FFF2-40B4-BE49-F238E27FC236}">
+                <a16:creationId xmlns:a16="http://schemas.microsoft.com/office/drawing/2014/main" id="{C2B72B74-ADFB-67F9-5138-6CB08A09691F}"/>
+              </a:ext>
+            </a:extLst>
+          </p:cNvPr>
+          <p:cNvCxnSpPr>
+            <a:stCxn id="13" idx="3"/>
+            <a:endCxn id="5" idx="1"/>
+          </p:cNvCxnSpPr>
+          <p:nvPr/>
+        </p:nvCxnSpPr>
+        <p:spPr>
+          <a:xfrm flipV="1">
+            <a:off x="7035800" y="2092217"/>
+            <a:ext cx="2407960" cy="1885511"/>
+          </a:xfrm>
+          <a:prstGeom prst="bentConnector3">
+            <a:avLst/>
+          </a:prstGeom>
+          <a:ln>
+            <a:headEnd type="diamond" w="med" len="med"/>
+            <a:tailEnd type="triangle" w="med" len="med"/>
+          </a:ln>
+        </p:spPr>
+        <p:style>
+          <a:lnRef idx="1">
+            <a:schemeClr val="accent1"/>
+          </a:lnRef>
+          <a:fillRef idx="0">
+            <a:schemeClr val="accent1"/>
+          </a:fillRef>
+          <a:effectRef idx="0">
+            <a:schemeClr val="accent1"/>
+          </a:effectRef>
+          <a:fontRef idx="minor">
+            <a:schemeClr val="tx1"/>
+          </a:fontRef>
+        </p:style>
+      </p:cxnSp>
+      <p:cxnSp>
+        <p:nvCxnSpPr>
+          <p:cNvPr id="22" name="연결선: 꺾임 21">
+            <a:extLst>
+              <a:ext uri="{FF2B5EF4-FFF2-40B4-BE49-F238E27FC236}">
+                <a16:creationId xmlns:a16="http://schemas.microsoft.com/office/drawing/2014/main" id="{FFF78A1F-4602-D490-1B75-EB0EB4DAEDFA}"/>
+              </a:ext>
+            </a:extLst>
+          </p:cNvPr>
+          <p:cNvCxnSpPr>
+            <a:cxnSpLocks/>
+            <a:stCxn id="5" idx="2"/>
+            <a:endCxn id="13" idx="2"/>
+          </p:cNvCxnSpPr>
+          <p:nvPr/>
+        </p:nvCxnSpPr>
+        <p:spPr>
+          <a:xfrm rot="5400000">
+            <a:off x="7297025" y="892231"/>
+            <a:ext cx="1885511" cy="8402360"/>
+          </a:xfrm>
+          <a:prstGeom prst="bentConnector3">
+            <a:avLst>
+              <a:gd name="adj1" fmla="val 112124"/>
+            </a:avLst>
+          </a:prstGeom>
+          <a:ln>
+            <a:headEnd type="diamond" w="med" len="med"/>
+            <a:tailEnd type="triangle" w="med" len="med"/>
+          </a:ln>
+        </p:spPr>
+        <p:style>
+          <a:lnRef idx="1">
+            <a:schemeClr val="accent1"/>
+          </a:lnRef>
+          <a:fillRef idx="0">
+            <a:schemeClr val="accent1"/>
+          </a:fillRef>
+          <a:effectRef idx="0">
+            <a:schemeClr val="accent1"/>
+          </a:effectRef>
+          <a:fontRef idx="minor">
+            <a:schemeClr val="tx1"/>
+          </a:fontRef>
+        </p:style>
+      </p:cxnSp>
+    </p:spTree>
+    <p:extLst>
+      <p:ext uri="{BB962C8B-B14F-4D97-AF65-F5344CB8AC3E}">
+        <p14:creationId xmlns:p14="http://schemas.microsoft.com/office/powerpoint/2010/main" val="3209872182"/>
+      </p:ext>
+    </p:extLst>
+  </p:cSld>
+  <p:clrMapOvr>
+    <a:masterClrMapping/>
+  </p:clrMapOvr>
+</p:sld>
+</file>
+
+<file path=ppt/slides/slide5.xml><?xml version="1.0" encoding="utf-8"?>
+<p:sld xmlns:a="http://schemas.openxmlformats.org/drawingml/2006/main" xmlns:r="http://schemas.openxmlformats.org/officeDocument/2006/relationships" xmlns:p="http://schemas.openxmlformats.org/presentationml/2006/main">
+  <p:cSld>
+    <p:bg>
+      <p:bgPr>
+        <a:solidFill>
+          <a:srgbClr val="FFFFFF"/>
+        </a:solidFill>
+        <a:effectLst/>
+      </p:bgPr>
+    </p:bg>
+    <p:spTree>
+      <p:nvGrpSpPr>
+        <p:cNvPr id="1" name=""/>
+        <p:cNvGrpSpPr/>
+        <p:nvPr/>
+      </p:nvGrpSpPr>
+      <p:grpSpPr>
+        <a:xfrm>
+          <a:off x="0" y="0"/>
+          <a:ext cx="0" cy="0"/>
+          <a:chOff x="0" y="0"/>
+          <a:chExt cx="0" cy="0"/>
+        </a:xfrm>
+      </p:grpSpPr>
+      <p:sp>
+        <p:nvSpPr>
+          <p:cNvPr id="2" name="TextBox 1">
+            <a:extLst>
+              <a:ext uri="{FF2B5EF4-FFF2-40B4-BE49-F238E27FC236}">
+                <a16:creationId xmlns:a16="http://schemas.microsoft.com/office/drawing/2014/main" id="{F50FE34A-D366-D82D-74CE-D43D28E59C89}"/>
+              </a:ext>
+            </a:extLst>
+          </p:cNvPr>
+          <p:cNvSpPr txBox="1"/>
+          <p:nvPr/>
+        </p:nvSpPr>
+        <p:spPr>
+          <a:xfrm>
+            <a:off x="254000" y="254000"/>
+            <a:ext cx="1270000" cy="381000"/>
+          </a:xfrm>
+          <a:prstGeom prst="rect">
+            <a:avLst/>
+          </a:prstGeom>
+          <a:noFill/>
+        </p:spPr>
+        <p:txBody>
+          <a:bodyPr vert="horz" rtlCol="0">
+            <a:spAutoFit/>
+          </a:bodyPr>
+          <a:lstStyle/>
+          <a:p>
+            <a:r>
+              <a:rPr lang="en-US" altLang="ko-KR"/>
+              <a:t>IO TABLE</a:t>
+            </a:r>
+            <a:endParaRPr lang="ko-KR" altLang="en-US"/>
+          </a:p>
+        </p:txBody>
+      </p:sp>
+      <p:graphicFrame>
+        <p:nvGraphicFramePr>
+          <p:cNvPr id="3" name="표 2">
+            <a:extLst>
+              <a:ext uri="{FF2B5EF4-FFF2-40B4-BE49-F238E27FC236}">
+                <a16:creationId xmlns:a16="http://schemas.microsoft.com/office/drawing/2014/main" id="{595220C8-7B6B-8E6F-EDC7-2E5ACC812CE4}"/>
+              </a:ext>
+            </a:extLst>
+          </p:cNvPr>
+          <p:cNvGraphicFramePr>
+            <a:graphicFrameLocks noGrp="1"/>
+          </p:cNvGraphicFramePr>
+          <p:nvPr>
+            <p:extLst>
+              <p:ext uri="{D42A27DB-BD31-4B8C-83A1-F6EECF244321}">
+                <p14:modId xmlns:p14="http://schemas.microsoft.com/office/powerpoint/2010/main" val="1934127975"/>
+              </p:ext>
+            </p:extLst>
+          </p:nvPr>
+        </p:nvGraphicFramePr>
+        <p:xfrm>
+          <a:off x="254000" y="635000"/>
+          <a:ext cx="11684001" cy="5958840"/>
+        </p:xfrm>
+        <a:graphic>
+          <a:graphicData uri="http://schemas.openxmlformats.org/drawingml/2006/table">
+            <a:tbl>
+              <a:tblPr firstRow="1" bandRow="1">
+                <a:tableStyleId>{5C22544A-7EE6-4342-B048-85BDC9FD1C3A}</a:tableStyleId>
+              </a:tblPr>
+              <a:tblGrid>
+                <a:gridCol w="1669143">
+                  <a:extLst>
+                    <a:ext uri="{9D8B030D-6E8A-4147-A177-3AD203B41FA5}">
+                      <a16:colId xmlns:a16="http://schemas.microsoft.com/office/drawing/2014/main" val="4253551241"/>
+                    </a:ext>
+                  </a:extLst>
+                </a:gridCol>
+                <a:gridCol w="1669143">
+                  <a:extLst>
+                    <a:ext uri="{9D8B030D-6E8A-4147-A177-3AD203B41FA5}">
+                      <a16:colId xmlns:a16="http://schemas.microsoft.com/office/drawing/2014/main" val="481098657"/>
+                    </a:ext>
+                  </a:extLst>
+                </a:gridCol>
+                <a:gridCol w="1669143">
+                  <a:extLst>
+                    <a:ext uri="{9D8B030D-6E8A-4147-A177-3AD203B41FA5}">
+                      <a16:colId xmlns:a16="http://schemas.microsoft.com/office/drawing/2014/main" val="2092958625"/>
+                    </a:ext>
+                  </a:extLst>
+                </a:gridCol>
+                <a:gridCol w="1669143">
+                  <a:extLst>
+                    <a:ext uri="{9D8B030D-6E8A-4147-A177-3AD203B41FA5}">
+                      <a16:colId xmlns:a16="http://schemas.microsoft.com/office/drawing/2014/main" val="2194983168"/>
+                    </a:ext>
+                  </a:extLst>
+                </a:gridCol>
+                <a:gridCol w="1669143">
+                  <a:extLst>
+                    <a:ext uri="{9D8B030D-6E8A-4147-A177-3AD203B41FA5}">
+                      <a16:colId xmlns:a16="http://schemas.microsoft.com/office/drawing/2014/main" val="364633610"/>
+                    </a:ext>
+                  </a:extLst>
+                </a:gridCol>
+                <a:gridCol w="1669143">
+                  <a:extLst>
+                    <a:ext uri="{9D8B030D-6E8A-4147-A177-3AD203B41FA5}">
+                      <a16:colId xmlns:a16="http://schemas.microsoft.com/office/drawing/2014/main" val="315359961"/>
+                    </a:ext>
+                  </a:extLst>
+                </a:gridCol>
+                <a:gridCol w="1669143">
+                  <a:extLst>
+                    <a:ext uri="{9D8B030D-6E8A-4147-A177-3AD203B41FA5}">
+                      <a16:colId xmlns:a16="http://schemas.microsoft.com/office/drawing/2014/main" val="1491305179"/>
+                    </a:ext>
+                  </a:extLst>
+                </a:gridCol>
+              </a:tblGrid>
+              <a:tr h="0">
+                <a:tc>
+                  <a:txBody>
+                    <a:bodyPr/>
+                    <a:lstStyle/>
+                    <a:p>
+                      <a:pPr latinLnBrk="1"/>
+                      <a:r>
+                        <a:rPr lang="en-US" altLang="ko-KR" sz="1100"/>
+                        <a:t>Case</a:t>
+                      </a:r>
+                      <a:endParaRPr lang="ko-KR" altLang="en-US" sz="1100"/>
+                    </a:p>
+                  </a:txBody>
+                  <a:tcPr/>
+                </a:tc>
+                <a:tc>
+                  <a:txBody>
+                    <a:bodyPr/>
+                    <a:lstStyle/>
+                    <a:p>
+                      <a:pPr latinLnBrk="1"/>
+                      <a:r>
+                        <a:rPr lang="en-US" altLang="ko-KR" sz="1100"/>
+                        <a:t>Name</a:t>
+                      </a:r>
+                      <a:endParaRPr lang="ko-KR" altLang="en-US" sz="1100"/>
+                    </a:p>
+                  </a:txBody>
+                  <a:tcPr/>
+                </a:tc>
+                <a:tc>
+                  <a:txBody>
+                    <a:bodyPr/>
+                    <a:lstStyle/>
+                    <a:p>
+                      <a:pPr latinLnBrk="1"/>
+                      <a:r>
+                        <a:rPr lang="en-US" altLang="ko-KR" sz="1100"/>
+                        <a:t>DataType</a:t>
+                      </a:r>
+                      <a:endParaRPr lang="ko-KR" altLang="en-US" sz="1100"/>
+                    </a:p>
+                  </a:txBody>
+                  <a:tcPr/>
+                </a:tc>
+                <a:tc>
+                  <a:txBody>
+                    <a:bodyPr/>
+                    <a:lstStyle/>
+                    <a:p>
+                      <a:pPr latinLnBrk="1"/>
+                      <a:r>
+                        <a:rPr lang="en-US" altLang="ko-KR" sz="1100"/>
+                        <a:t>Input</a:t>
+                      </a:r>
+                      <a:endParaRPr lang="ko-KR" altLang="en-US" sz="1100"/>
+                    </a:p>
+                  </a:txBody>
+                  <a:tcPr/>
+                </a:tc>
+                <a:tc>
+                  <a:txBody>
+                    <a:bodyPr/>
+                    <a:lstStyle/>
+                    <a:p>
+                      <a:pPr latinLnBrk="1"/>
+                      <a:r>
+                        <a:rPr lang="en-US" altLang="ko-KR" sz="1100"/>
+                        <a:t>Output</a:t>
+                      </a:r>
+                      <a:endParaRPr lang="ko-KR" altLang="en-US" sz="1100"/>
+                    </a:p>
+                  </a:txBody>
+                  <a:tcPr/>
+                </a:tc>
+                <a:tc>
+                  <a:txBody>
+                    <a:bodyPr/>
+                    <a:lstStyle/>
+                    <a:p>
+                      <a:pPr latinLnBrk="1"/>
+                      <a:r>
+                        <a:rPr lang="en-US" altLang="ko-KR" sz="1100"/>
+                        <a:t>Job</a:t>
+                      </a:r>
+                      <a:endParaRPr lang="ko-KR" altLang="en-US" sz="1100"/>
+                    </a:p>
+                  </a:txBody>
+                  <a:tcPr/>
+                </a:tc>
+                <a:tc>
+                  <a:txBody>
+                    <a:bodyPr/>
+                    <a:lstStyle/>
+                    <a:p>
+                      <a:pPr latinLnBrk="1"/>
+                      <a:r>
+                        <a:rPr lang="en-US" altLang="ko-KR" sz="1100" dirty="0"/>
+                        <a:t>Func</a:t>
+                      </a:r>
+                      <a:endParaRPr lang="ko-KR" altLang="en-US" sz="1100" dirty="0"/>
+                    </a:p>
+                  </a:txBody>
+                  <a:tcPr/>
+                </a:tc>
+                <a:extLst>
+                  <a:ext uri="{0D108BD9-81ED-4DB2-BD59-A6C34878D82A}">
+                    <a16:rowId xmlns:a16="http://schemas.microsoft.com/office/drawing/2014/main" val="2432878939"/>
+                  </a:ext>
+                </a:extLst>
+              </a:tr>
+              <a:tr h="0">
+                <a:tc>
+                  <a:txBody>
+                    <a:bodyPr/>
+                    <a:lstStyle/>
+                    <a:p>
+                      <a:pPr latinLnBrk="1"/>
+                      <a:r>
+                        <a:rPr lang="ko-KR" altLang="en-US" sz="1100"/>
+                        <a:t>외부주소</a:t>
+                      </a:r>
+                    </a:p>
+                  </a:txBody>
+                  <a:tcPr/>
+                </a:tc>
+                <a:tc>
+                  <a:txBody>
+                    <a:bodyPr/>
+                    <a:lstStyle/>
+                    <a:p>
+                      <a:pPr latinLnBrk="1"/>
+                      <a:r>
+                        <a:rPr lang="en-US" altLang="ko-KR" sz="1100"/>
+                        <a:t>STN01_Pin."+"</a:t>
+                      </a:r>
+                      <a:endParaRPr lang="ko-KR" altLang="en-US" sz="1100"/>
+                    </a:p>
+                  </a:txBody>
+                  <a:tcPr/>
+                </a:tc>
+                <a:tc>
+                  <a:txBody>
+                    <a:bodyPr/>
+                    <a:lstStyle/>
+                    <a:p>
+                      <a:pPr latinLnBrk="1"/>
+                      <a:r>
+                        <a:rPr lang="en-US" altLang="ko-KR" sz="1100"/>
+                        <a:t>bool</a:t>
+                      </a:r>
+                      <a:endParaRPr lang="ko-KR" altLang="en-US" sz="1100"/>
+                    </a:p>
+                  </a:txBody>
+                  <a:tcPr/>
+                </a:tc>
+                <a:tc>
+                  <a:txBody>
+                    <a:bodyPr/>
+                    <a:lstStyle/>
+                    <a:p>
+                      <a:pPr latinLnBrk="1"/>
+                      <a:r>
+                        <a:rPr lang="en-US" altLang="ko-KR" sz="1100"/>
+                        <a:t>I625.1</a:t>
+                      </a:r>
+                      <a:endParaRPr lang="ko-KR" altLang="en-US" sz="1100"/>
+                    </a:p>
+                  </a:txBody>
+                  <a:tcPr/>
+                </a:tc>
+                <a:tc>
+                  <a:txBody>
+                    <a:bodyPr/>
+                    <a:lstStyle/>
+                    <a:p>
+                      <a:pPr latinLnBrk="1"/>
+                      <a:r>
+                        <a:rPr lang="en-US" altLang="ko-KR" sz="1100"/>
+                        <a:t>O625.1</a:t>
+                      </a:r>
+                      <a:endParaRPr lang="ko-KR" altLang="en-US" sz="1100"/>
+                    </a:p>
+                  </a:txBody>
+                  <a:tcPr/>
+                </a:tc>
+                <a:tc>
+                  <a:txBody>
+                    <a:bodyPr/>
+                    <a:lstStyle/>
+                    <a:p>
+                      <a:pPr latinLnBrk="1"/>
+                      <a:r>
+                        <a:rPr lang="en-US" altLang="ko-KR" sz="1100"/>
+                        <a:t>STN01_Pin_+</a:t>
+                      </a:r>
+                      <a:endParaRPr lang="ko-KR" altLang="en-US" sz="1100"/>
+                    </a:p>
+                  </a:txBody>
+                  <a:tcPr/>
+                </a:tc>
+                <a:tc>
+                  <a:txBody>
+                    <a:bodyPr/>
+                    <a:lstStyle/>
+                    <a:p>
+                      <a:pPr latinLnBrk="1"/>
+                      <a:endParaRPr lang="ko-KR" altLang="en-US" sz="1100" dirty="0"/>
+                    </a:p>
+                  </a:txBody>
+                  <a:tcPr/>
+                </a:tc>
+                <a:extLst>
+                  <a:ext uri="{0D108BD9-81ED-4DB2-BD59-A6C34878D82A}">
+                    <a16:rowId xmlns:a16="http://schemas.microsoft.com/office/drawing/2014/main" val="820117659"/>
+                  </a:ext>
+                </a:extLst>
+              </a:tr>
+              <a:tr h="0">
+                <a:tc>
+                  <a:txBody>
+                    <a:bodyPr/>
+                    <a:lstStyle/>
+                    <a:p>
+                      <a:pPr latinLnBrk="1"/>
+                      <a:r>
+                        <a:rPr lang="ko-KR" altLang="en-US" sz="1100"/>
+                        <a:t>외부주소</a:t>
+                      </a:r>
+                    </a:p>
+                  </a:txBody>
+                  <a:tcPr/>
+                </a:tc>
+                <a:tc>
+                  <a:txBody>
+                    <a:bodyPr/>
+                    <a:lstStyle/>
+                    <a:p>
+                      <a:pPr latinLnBrk="1"/>
+                      <a:r>
+                        <a:rPr lang="en-US" altLang="ko-KR" sz="1100"/>
+                        <a:t>STN01_Pin."-"</a:t>
+                      </a:r>
+                      <a:endParaRPr lang="ko-KR" altLang="en-US" sz="1100"/>
+                    </a:p>
+                  </a:txBody>
+                  <a:tcPr/>
+                </a:tc>
+                <a:tc>
+                  <a:txBody>
+                    <a:bodyPr/>
+                    <a:lstStyle/>
+                    <a:p>
+                      <a:pPr latinLnBrk="1"/>
+                      <a:r>
+                        <a:rPr lang="en-US" altLang="ko-KR" sz="1100"/>
+                        <a:t>bool</a:t>
+                      </a:r>
+                      <a:endParaRPr lang="ko-KR" altLang="en-US" sz="1100"/>
+                    </a:p>
+                  </a:txBody>
+                  <a:tcPr/>
+                </a:tc>
+                <a:tc>
+                  <a:txBody>
+                    <a:bodyPr/>
+                    <a:lstStyle/>
+                    <a:p>
+                      <a:pPr latinLnBrk="1"/>
+                      <a:r>
+                        <a:rPr lang="en-US" altLang="ko-KR" sz="1100"/>
+                        <a:t>I625.2</a:t>
+                      </a:r>
+                      <a:endParaRPr lang="ko-KR" altLang="en-US" sz="1100"/>
+                    </a:p>
+                  </a:txBody>
+                  <a:tcPr/>
+                </a:tc>
+                <a:tc>
+                  <a:txBody>
+                    <a:bodyPr/>
+                    <a:lstStyle/>
+                    <a:p>
+                      <a:pPr latinLnBrk="1"/>
+                      <a:r>
+                        <a:rPr lang="en-US" altLang="ko-KR" sz="1100"/>
+                        <a:t>O625.2</a:t>
+                      </a:r>
+                      <a:endParaRPr lang="ko-KR" altLang="en-US" sz="1100"/>
+                    </a:p>
+                  </a:txBody>
+                  <a:tcPr/>
+                </a:tc>
+                <a:tc>
+                  <a:txBody>
+                    <a:bodyPr/>
+                    <a:lstStyle/>
+                    <a:p>
+                      <a:pPr latinLnBrk="1"/>
+                      <a:r>
+                        <a:rPr lang="en-US" altLang="ko-KR" sz="1100"/>
+                        <a:t>STN01_Pin_-</a:t>
+                      </a:r>
+                      <a:endParaRPr lang="ko-KR" altLang="en-US" sz="1100"/>
+                    </a:p>
+                  </a:txBody>
+                  <a:tcPr/>
+                </a:tc>
+                <a:tc>
+                  <a:txBody>
+                    <a:bodyPr/>
+                    <a:lstStyle/>
+                    <a:p>
+                      <a:pPr latinLnBrk="1"/>
+                      <a:endParaRPr lang="ko-KR" altLang="en-US" sz="1100"/>
+                    </a:p>
+                  </a:txBody>
+                  <a:tcPr/>
+                </a:tc>
+                <a:extLst>
+                  <a:ext uri="{0D108BD9-81ED-4DB2-BD59-A6C34878D82A}">
+                    <a16:rowId xmlns:a16="http://schemas.microsoft.com/office/drawing/2014/main" val="3811160959"/>
+                  </a:ext>
+                </a:extLst>
+              </a:tr>
+              <a:tr h="0">
+                <a:tc>
+                  <a:txBody>
+                    <a:bodyPr/>
+                    <a:lstStyle/>
+                    <a:p>
+                      <a:pPr latinLnBrk="1"/>
+                      <a:r>
+                        <a:rPr lang="ko-KR" altLang="en-US" sz="1100" dirty="0"/>
+                        <a:t>외부주소</a:t>
+                      </a:r>
+                    </a:p>
+                  </a:txBody>
+                  <a:tcPr/>
+                </a:tc>
+                <a:tc>
+                  <a:txBody>
+                    <a:bodyPr/>
+                    <a:lstStyle/>
+                    <a:p>
+                      <a:pPr latinLnBrk="1"/>
+                      <a:r>
+                        <a:rPr lang="en-US" altLang="ko-KR" sz="1100"/>
+                        <a:t>STN01_UsingLIB2_1."+"</a:t>
+                      </a:r>
+                      <a:endParaRPr lang="ko-KR" altLang="en-US" sz="1100"/>
+                    </a:p>
+                  </a:txBody>
+                  <a:tcPr/>
+                </a:tc>
+                <a:tc>
+                  <a:txBody>
+                    <a:bodyPr/>
+                    <a:lstStyle/>
+                    <a:p>
+                      <a:pPr latinLnBrk="1"/>
+                      <a:r>
+                        <a:rPr lang="en-US" altLang="ko-KR" sz="1100"/>
+                        <a:t>bool</a:t>
+                      </a:r>
+                      <a:endParaRPr lang="ko-KR" altLang="en-US" sz="1100"/>
+                    </a:p>
+                  </a:txBody>
+                  <a:tcPr/>
+                </a:tc>
+                <a:tc>
+                  <a:txBody>
+                    <a:bodyPr/>
+                    <a:lstStyle/>
+                    <a:p>
+                      <a:pPr latinLnBrk="1"/>
+                      <a:r>
+                        <a:rPr lang="en-US" altLang="ko-KR" sz="1100"/>
+                        <a:t>I625.3</a:t>
+                      </a:r>
+                      <a:endParaRPr lang="ko-KR" altLang="en-US" sz="1100"/>
+                    </a:p>
+                  </a:txBody>
+                  <a:tcPr/>
+                </a:tc>
+                <a:tc>
+                  <a:txBody>
+                    <a:bodyPr/>
+                    <a:lstStyle/>
+                    <a:p>
+                      <a:pPr latinLnBrk="1"/>
+                      <a:r>
+                        <a:rPr lang="en-US" altLang="ko-KR" sz="1100"/>
+                        <a:t>O625.3</a:t>
+                      </a:r>
+                      <a:endParaRPr lang="ko-KR" altLang="en-US" sz="1100"/>
+                    </a:p>
+                  </a:txBody>
+                  <a:tcPr/>
+                </a:tc>
+                <a:tc>
+                  <a:txBody>
+                    <a:bodyPr/>
+                    <a:lstStyle/>
+                    <a:p>
+                      <a:pPr latinLnBrk="1"/>
+                      <a:r>
+                        <a:rPr lang="en-US" altLang="ko-KR" sz="1100"/>
+                        <a:t>STN01_UsingLIB2_1_+</a:t>
+                      </a:r>
+                      <a:endParaRPr lang="ko-KR" altLang="en-US" sz="1100"/>
+                    </a:p>
+                  </a:txBody>
+                  <a:tcPr/>
+                </a:tc>
+                <a:tc>
+                  <a:txBody>
+                    <a:bodyPr/>
+                    <a:lstStyle/>
+                    <a:p>
+                      <a:pPr latinLnBrk="1"/>
+                      <a:endParaRPr lang="ko-KR" altLang="en-US" sz="1100"/>
+                    </a:p>
+                  </a:txBody>
+                  <a:tcPr/>
+                </a:tc>
+                <a:extLst>
+                  <a:ext uri="{0D108BD9-81ED-4DB2-BD59-A6C34878D82A}">
+                    <a16:rowId xmlns:a16="http://schemas.microsoft.com/office/drawing/2014/main" val="2747721206"/>
+                  </a:ext>
+                </a:extLst>
+              </a:tr>
+              <a:tr h="0">
+                <a:tc>
+                  <a:txBody>
+                    <a:bodyPr/>
+                    <a:lstStyle/>
+                    <a:p>
+                      <a:pPr latinLnBrk="1"/>
+                      <a:r>
+                        <a:rPr lang="ko-KR" altLang="en-US" sz="1100"/>
+                        <a:t>외부주소</a:t>
+                      </a:r>
+                    </a:p>
+                  </a:txBody>
+                  <a:tcPr/>
+                </a:tc>
+                <a:tc>
+                  <a:txBody>
+                    <a:bodyPr/>
+                    <a:lstStyle/>
+                    <a:p>
+                      <a:pPr latinLnBrk="1"/>
+                      <a:r>
+                        <a:rPr lang="en-US" altLang="ko-KR" sz="1100"/>
+                        <a:t>STN01_UsingLIB2_1."-"</a:t>
+                      </a:r>
+                      <a:endParaRPr lang="ko-KR" altLang="en-US" sz="1100"/>
+                    </a:p>
+                  </a:txBody>
+                  <a:tcPr/>
+                </a:tc>
+                <a:tc>
+                  <a:txBody>
+                    <a:bodyPr/>
+                    <a:lstStyle/>
+                    <a:p>
+                      <a:pPr latinLnBrk="1"/>
+                      <a:r>
+                        <a:rPr lang="en-US" altLang="ko-KR" sz="1100"/>
+                        <a:t>bool</a:t>
+                      </a:r>
+                      <a:endParaRPr lang="ko-KR" altLang="en-US" sz="1100"/>
+                    </a:p>
+                  </a:txBody>
+                  <a:tcPr/>
+                </a:tc>
+                <a:tc>
+                  <a:txBody>
+                    <a:bodyPr/>
+                    <a:lstStyle/>
+                    <a:p>
+                      <a:pPr latinLnBrk="1"/>
+                      <a:r>
+                        <a:rPr lang="en-US" altLang="ko-KR" sz="1100"/>
+                        <a:t>I625.4</a:t>
+                      </a:r>
+                      <a:endParaRPr lang="ko-KR" altLang="en-US" sz="1100"/>
+                    </a:p>
+                  </a:txBody>
+                  <a:tcPr/>
+                </a:tc>
+                <a:tc>
+                  <a:txBody>
+                    <a:bodyPr/>
+                    <a:lstStyle/>
+                    <a:p>
+                      <a:pPr latinLnBrk="1"/>
+                      <a:r>
+                        <a:rPr lang="en-US" altLang="ko-KR" sz="1100"/>
+                        <a:t>O625.4</a:t>
+                      </a:r>
+                      <a:endParaRPr lang="ko-KR" altLang="en-US" sz="1100"/>
+                    </a:p>
+                  </a:txBody>
+                  <a:tcPr/>
+                </a:tc>
+                <a:tc>
+                  <a:txBody>
+                    <a:bodyPr/>
+                    <a:lstStyle/>
+                    <a:p>
+                      <a:pPr latinLnBrk="1"/>
+                      <a:r>
+                        <a:rPr lang="en-US" altLang="ko-KR" sz="1100"/>
+                        <a:t>STN01_UsingLIB2_1_-</a:t>
+                      </a:r>
+                      <a:endParaRPr lang="ko-KR" altLang="en-US" sz="1100"/>
+                    </a:p>
+                  </a:txBody>
+                  <a:tcPr/>
+                </a:tc>
+                <a:tc>
+                  <a:txBody>
+                    <a:bodyPr/>
+                    <a:lstStyle/>
+                    <a:p>
+                      <a:pPr latinLnBrk="1"/>
+                      <a:endParaRPr lang="ko-KR" altLang="en-US" sz="1100"/>
+                    </a:p>
+                  </a:txBody>
+                  <a:tcPr/>
+                </a:tc>
+                <a:extLst>
+                  <a:ext uri="{0D108BD9-81ED-4DB2-BD59-A6C34878D82A}">
+                    <a16:rowId xmlns:a16="http://schemas.microsoft.com/office/drawing/2014/main" val="545596359"/>
+                  </a:ext>
+                </a:extLst>
+              </a:tr>
+              <a:tr h="0">
+                <a:tc>
+                  <a:txBody>
+                    <a:bodyPr/>
+                    <a:lstStyle/>
+                    <a:p>
+                      <a:pPr latinLnBrk="1"/>
+                      <a:r>
+                        <a:rPr lang="ko-KR" altLang="en-US" sz="1100"/>
+                        <a:t>외부주소</a:t>
+                      </a:r>
+                    </a:p>
+                  </a:txBody>
+                  <a:tcPr/>
+                </a:tc>
+                <a:tc>
+                  <a:txBody>
+                    <a:bodyPr/>
+                    <a:lstStyle/>
+                    <a:p>
+                      <a:pPr latinLnBrk="1"/>
+                      <a:r>
+                        <a:rPr lang="en-US" altLang="ko-KR" sz="1100"/>
+                        <a:t>STN01_UsingLIB2_2."+"</a:t>
+                      </a:r>
+                      <a:endParaRPr lang="ko-KR" altLang="en-US" sz="1100"/>
+                    </a:p>
+                  </a:txBody>
+                  <a:tcPr/>
+                </a:tc>
+                <a:tc>
+                  <a:txBody>
+                    <a:bodyPr/>
+                    <a:lstStyle/>
+                    <a:p>
+                      <a:pPr latinLnBrk="1"/>
+                      <a:r>
+                        <a:rPr lang="en-US" altLang="ko-KR" sz="1100"/>
+                        <a:t>bool</a:t>
+                      </a:r>
+                      <a:endParaRPr lang="ko-KR" altLang="en-US" sz="1100"/>
+                    </a:p>
+                  </a:txBody>
+                  <a:tcPr/>
+                </a:tc>
+                <a:tc>
+                  <a:txBody>
+                    <a:bodyPr/>
+                    <a:lstStyle/>
+                    <a:p>
+                      <a:pPr latinLnBrk="1"/>
+                      <a:r>
+                        <a:rPr lang="en-US" altLang="ko-KR" sz="1100"/>
+                        <a:t>I625.5</a:t>
+                      </a:r>
+                      <a:endParaRPr lang="ko-KR" altLang="en-US" sz="1100"/>
+                    </a:p>
+                  </a:txBody>
+                  <a:tcPr/>
+                </a:tc>
+                <a:tc>
+                  <a:txBody>
+                    <a:bodyPr/>
+                    <a:lstStyle/>
+                    <a:p>
+                      <a:pPr latinLnBrk="1"/>
+                      <a:r>
+                        <a:rPr lang="en-US" altLang="ko-KR" sz="1100"/>
+                        <a:t>O625.5</a:t>
+                      </a:r>
+                      <a:endParaRPr lang="ko-KR" altLang="en-US" sz="1100"/>
+                    </a:p>
+                  </a:txBody>
+                  <a:tcPr/>
+                </a:tc>
+                <a:tc>
+                  <a:txBody>
+                    <a:bodyPr/>
+                    <a:lstStyle/>
+                    <a:p>
+                      <a:pPr latinLnBrk="1"/>
+                      <a:r>
+                        <a:rPr lang="en-US" altLang="ko-KR" sz="1100"/>
+                        <a:t>STN01_UsingLIB2_2_+</a:t>
+                      </a:r>
+                      <a:endParaRPr lang="ko-KR" altLang="en-US" sz="1100"/>
+                    </a:p>
+                  </a:txBody>
+                  <a:tcPr/>
+                </a:tc>
+                <a:tc>
+                  <a:txBody>
+                    <a:bodyPr/>
+                    <a:lstStyle/>
+                    <a:p>
+                      <a:pPr latinLnBrk="1"/>
+                      <a:endParaRPr lang="ko-KR" altLang="en-US" sz="1100"/>
+                    </a:p>
+                  </a:txBody>
+                  <a:tcPr/>
+                </a:tc>
+                <a:extLst>
+                  <a:ext uri="{0D108BD9-81ED-4DB2-BD59-A6C34878D82A}">
+                    <a16:rowId xmlns:a16="http://schemas.microsoft.com/office/drawing/2014/main" val="87791120"/>
+                  </a:ext>
+                </a:extLst>
+              </a:tr>
+              <a:tr h="0">
+                <a:tc>
+                  <a:txBody>
+                    <a:bodyPr/>
+                    <a:lstStyle/>
+                    <a:p>
+                      <a:pPr latinLnBrk="1"/>
+                      <a:r>
+                        <a:rPr lang="ko-KR" altLang="en-US" sz="1100"/>
+                        <a:t>외부주소</a:t>
+                      </a:r>
+                    </a:p>
+                  </a:txBody>
+                  <a:tcPr/>
+                </a:tc>
+                <a:tc>
+                  <a:txBody>
+                    <a:bodyPr/>
+                    <a:lstStyle/>
+                    <a:p>
+                      <a:pPr latinLnBrk="1"/>
+                      <a:r>
+                        <a:rPr lang="en-US" altLang="ko-KR" sz="1100"/>
+                        <a:t>STN01_UsingLIB2_2."-"</a:t>
+                      </a:r>
+                      <a:endParaRPr lang="ko-KR" altLang="en-US" sz="1100"/>
+                    </a:p>
+                  </a:txBody>
+                  <a:tcPr/>
+                </a:tc>
+                <a:tc>
+                  <a:txBody>
+                    <a:bodyPr/>
+                    <a:lstStyle/>
+                    <a:p>
+                      <a:pPr latinLnBrk="1"/>
+                      <a:r>
+                        <a:rPr lang="en-US" altLang="ko-KR" sz="1100"/>
+                        <a:t>bool</a:t>
+                      </a:r>
+                      <a:endParaRPr lang="ko-KR" altLang="en-US" sz="1100"/>
+                    </a:p>
+                  </a:txBody>
+                  <a:tcPr/>
+                </a:tc>
+                <a:tc>
+                  <a:txBody>
+                    <a:bodyPr/>
+                    <a:lstStyle/>
+                    <a:p>
+                      <a:pPr latinLnBrk="1"/>
+                      <a:r>
+                        <a:rPr lang="en-US" altLang="ko-KR" sz="1100"/>
+                        <a:t>I625.6</a:t>
+                      </a:r>
+                      <a:endParaRPr lang="ko-KR" altLang="en-US" sz="1100"/>
+                    </a:p>
+                  </a:txBody>
+                  <a:tcPr/>
+                </a:tc>
+                <a:tc>
+                  <a:txBody>
+                    <a:bodyPr/>
+                    <a:lstStyle/>
+                    <a:p>
+                      <a:pPr latinLnBrk="1"/>
+                      <a:r>
+                        <a:rPr lang="en-US" altLang="ko-KR" sz="1100"/>
+                        <a:t>O625.6</a:t>
+                      </a:r>
+                      <a:endParaRPr lang="ko-KR" altLang="en-US" sz="1100"/>
+                    </a:p>
+                  </a:txBody>
+                  <a:tcPr/>
+                </a:tc>
+                <a:tc>
+                  <a:txBody>
+                    <a:bodyPr/>
+                    <a:lstStyle/>
+                    <a:p>
+                      <a:pPr latinLnBrk="1"/>
+                      <a:r>
+                        <a:rPr lang="en-US" altLang="ko-KR" sz="1100"/>
+                        <a:t>STN01_UsingLIB2_2_-</a:t>
+                      </a:r>
+                      <a:endParaRPr lang="ko-KR" altLang="en-US" sz="1100"/>
+                    </a:p>
+                  </a:txBody>
+                  <a:tcPr/>
+                </a:tc>
+                <a:tc>
+                  <a:txBody>
+                    <a:bodyPr/>
+                    <a:lstStyle/>
+                    <a:p>
+                      <a:pPr latinLnBrk="1"/>
+                      <a:endParaRPr lang="ko-KR" altLang="en-US" sz="1100"/>
+                    </a:p>
+                  </a:txBody>
+                  <a:tcPr/>
+                </a:tc>
+                <a:extLst>
+                  <a:ext uri="{0D108BD9-81ED-4DB2-BD59-A6C34878D82A}">
+                    <a16:rowId xmlns:a16="http://schemas.microsoft.com/office/drawing/2014/main" val="229330752"/>
+                  </a:ext>
+                </a:extLst>
+              </a:tr>
+              <a:tr h="0">
+                <a:tc>
+                  <a:txBody>
+                    <a:bodyPr/>
+                    <a:lstStyle/>
+                    <a:p>
+                      <a:pPr latinLnBrk="1"/>
+                      <a:r>
+                        <a:rPr lang="ko-KR" altLang="en-US" sz="1100"/>
+                        <a:t>외부주소</a:t>
+                      </a:r>
+                    </a:p>
+                  </a:txBody>
+                  <a:tcPr/>
+                </a:tc>
+                <a:tc>
+                  <a:txBody>
+                    <a:bodyPr/>
+                    <a:lstStyle/>
+                    <a:p>
+                      <a:pPr latinLnBrk="1"/>
+                      <a:r>
+                        <a:rPr lang="en-US" altLang="ko-KR" sz="1100" dirty="0"/>
+                        <a:t>STN01_UsingLIB2_3."+"</a:t>
+                      </a:r>
+                      <a:endParaRPr lang="ko-KR" altLang="en-US" sz="1100" dirty="0"/>
+                    </a:p>
+                  </a:txBody>
+                  <a:tcPr/>
+                </a:tc>
+                <a:tc>
+                  <a:txBody>
+                    <a:bodyPr/>
+                    <a:lstStyle/>
+                    <a:p>
+                      <a:pPr latinLnBrk="1"/>
+                      <a:r>
+                        <a:rPr lang="en-US" altLang="ko-KR" sz="1100"/>
+                        <a:t>bool</a:t>
+                      </a:r>
+                      <a:endParaRPr lang="ko-KR" altLang="en-US" sz="1100"/>
+                    </a:p>
+                  </a:txBody>
+                  <a:tcPr/>
+                </a:tc>
+                <a:tc>
+                  <a:txBody>
+                    <a:bodyPr/>
+                    <a:lstStyle/>
+                    <a:p>
+                      <a:pPr latinLnBrk="1"/>
+                      <a:r>
+                        <a:rPr lang="en-US" altLang="ko-KR" sz="1100"/>
+                        <a:t>I625.7</a:t>
+                      </a:r>
+                      <a:endParaRPr lang="ko-KR" altLang="en-US" sz="1100"/>
+                    </a:p>
+                  </a:txBody>
+                  <a:tcPr/>
+                </a:tc>
+                <a:tc>
+                  <a:txBody>
+                    <a:bodyPr/>
+                    <a:lstStyle/>
+                    <a:p>
+                      <a:pPr latinLnBrk="1"/>
+                      <a:r>
+                        <a:rPr lang="en-US" altLang="ko-KR" sz="1100"/>
+                        <a:t>O625.7</a:t>
+                      </a:r>
+                      <a:endParaRPr lang="ko-KR" altLang="en-US" sz="1100"/>
+                    </a:p>
+                  </a:txBody>
+                  <a:tcPr/>
+                </a:tc>
+                <a:tc>
+                  <a:txBody>
+                    <a:bodyPr/>
+                    <a:lstStyle/>
+                    <a:p>
+                      <a:pPr latinLnBrk="1"/>
+                      <a:r>
+                        <a:rPr lang="en-US" altLang="ko-KR" sz="1100"/>
+                        <a:t>STN01_UsingLIB2_3_+</a:t>
+                      </a:r>
+                      <a:endParaRPr lang="ko-KR" altLang="en-US" sz="1100"/>
+                    </a:p>
+                  </a:txBody>
+                  <a:tcPr/>
+                </a:tc>
+                <a:tc>
+                  <a:txBody>
+                    <a:bodyPr/>
+                    <a:lstStyle/>
+                    <a:p>
+                      <a:pPr latinLnBrk="1"/>
+                      <a:endParaRPr lang="ko-KR" altLang="en-US" sz="1100"/>
+                    </a:p>
+                  </a:txBody>
+                  <a:tcPr/>
+                </a:tc>
+                <a:extLst>
+                  <a:ext uri="{0D108BD9-81ED-4DB2-BD59-A6C34878D82A}">
+                    <a16:rowId xmlns:a16="http://schemas.microsoft.com/office/drawing/2014/main" val="1353888088"/>
+                  </a:ext>
+                </a:extLst>
+              </a:tr>
+              <a:tr h="0">
+                <a:tc>
+                  <a:txBody>
+                    <a:bodyPr/>
+                    <a:lstStyle/>
+                    <a:p>
+                      <a:pPr latinLnBrk="1"/>
+                      <a:r>
+                        <a:rPr lang="ko-KR" altLang="en-US" sz="1100"/>
+                        <a:t>외부주소</a:t>
+                      </a:r>
+                    </a:p>
+                  </a:txBody>
+                  <a:tcPr/>
+                </a:tc>
+                <a:tc>
+                  <a:txBody>
+                    <a:bodyPr/>
+                    <a:lstStyle/>
+                    <a:p>
+                      <a:pPr latinLnBrk="1"/>
+                      <a:r>
+                        <a:rPr lang="en-US" altLang="ko-KR" sz="1100"/>
+                        <a:t>STN01_UsingLIB2_3."-"</a:t>
+                      </a:r>
+                      <a:endParaRPr lang="ko-KR" altLang="en-US" sz="1100"/>
+                    </a:p>
+                  </a:txBody>
+                  <a:tcPr/>
+                </a:tc>
+                <a:tc>
+                  <a:txBody>
+                    <a:bodyPr/>
+                    <a:lstStyle/>
+                    <a:p>
+                      <a:pPr latinLnBrk="1"/>
+                      <a:r>
+                        <a:rPr lang="en-US" altLang="ko-KR" sz="1100"/>
+                        <a:t>bool</a:t>
+                      </a:r>
+                      <a:endParaRPr lang="ko-KR" altLang="en-US" sz="1100"/>
+                    </a:p>
+                  </a:txBody>
+                  <a:tcPr/>
+                </a:tc>
+                <a:tc>
+                  <a:txBody>
+                    <a:bodyPr/>
+                    <a:lstStyle/>
+                    <a:p>
+                      <a:pPr latinLnBrk="1"/>
+                      <a:r>
+                        <a:rPr lang="en-US" altLang="ko-KR" sz="1100"/>
+                        <a:t>I625.8</a:t>
+                      </a:r>
+                      <a:endParaRPr lang="ko-KR" altLang="en-US" sz="1100"/>
+                    </a:p>
+                  </a:txBody>
+                  <a:tcPr/>
+                </a:tc>
+                <a:tc>
+                  <a:txBody>
+                    <a:bodyPr/>
+                    <a:lstStyle/>
+                    <a:p>
+                      <a:pPr latinLnBrk="1"/>
+                      <a:r>
+                        <a:rPr lang="en-US" altLang="ko-KR" sz="1100"/>
+                        <a:t>O625.8</a:t>
+                      </a:r>
+                      <a:endParaRPr lang="ko-KR" altLang="en-US" sz="1100"/>
+                    </a:p>
+                  </a:txBody>
+                  <a:tcPr/>
+                </a:tc>
+                <a:tc>
+                  <a:txBody>
+                    <a:bodyPr/>
+                    <a:lstStyle/>
+                    <a:p>
+                      <a:pPr latinLnBrk="1"/>
+                      <a:r>
+                        <a:rPr lang="en-US" altLang="ko-KR" sz="1100"/>
+                        <a:t>STN01_UsingLIB2_3_-</a:t>
+                      </a:r>
+                      <a:endParaRPr lang="ko-KR" altLang="en-US" sz="1100"/>
+                    </a:p>
+                  </a:txBody>
+                  <a:tcPr/>
+                </a:tc>
+                <a:tc>
+                  <a:txBody>
+                    <a:bodyPr/>
+                    <a:lstStyle/>
+                    <a:p>
+                      <a:pPr latinLnBrk="1"/>
+                      <a:endParaRPr lang="ko-KR" altLang="en-US" sz="1100"/>
+                    </a:p>
+                  </a:txBody>
+                  <a:tcPr/>
+                </a:tc>
+                <a:extLst>
+                  <a:ext uri="{0D108BD9-81ED-4DB2-BD59-A6C34878D82A}">
+                    <a16:rowId xmlns:a16="http://schemas.microsoft.com/office/drawing/2014/main" val="2231971222"/>
+                  </a:ext>
+                </a:extLst>
+              </a:tr>
+              <a:tr h="0">
+                <a:tc>
+                  <a:txBody>
+                    <a:bodyPr/>
+                    <a:lstStyle/>
+                    <a:p>
+                      <a:pPr latinLnBrk="1"/>
+                      <a:r>
+                        <a:rPr lang="ko-KR" altLang="en-US" sz="1100"/>
+                        <a:t>외부주소</a:t>
+                      </a:r>
+                    </a:p>
+                  </a:txBody>
+                  <a:tcPr/>
+                </a:tc>
+                <a:tc>
+                  <a:txBody>
+                    <a:bodyPr/>
+                    <a:lstStyle/>
+                    <a:p>
+                      <a:pPr latinLnBrk="1"/>
+                      <a:r>
+                        <a:rPr lang="en-US" altLang="ko-KR" sz="1100"/>
+                        <a:t>STN01_UsingLIB2_4."+"</a:t>
+                      </a:r>
+                      <a:endParaRPr lang="ko-KR" altLang="en-US" sz="1100"/>
+                    </a:p>
+                  </a:txBody>
+                  <a:tcPr/>
+                </a:tc>
+                <a:tc>
+                  <a:txBody>
+                    <a:bodyPr/>
+                    <a:lstStyle/>
+                    <a:p>
+                      <a:pPr latinLnBrk="1"/>
+                      <a:r>
+                        <a:rPr lang="en-US" altLang="ko-KR" sz="1100"/>
+                        <a:t>bool</a:t>
+                      </a:r>
+                      <a:endParaRPr lang="ko-KR" altLang="en-US" sz="1100"/>
+                    </a:p>
+                  </a:txBody>
+                  <a:tcPr/>
+                </a:tc>
+                <a:tc>
+                  <a:txBody>
+                    <a:bodyPr/>
+                    <a:lstStyle/>
+                    <a:p>
+                      <a:pPr latinLnBrk="1"/>
+                      <a:r>
+                        <a:rPr lang="en-US" altLang="ko-KR" sz="1100"/>
+                        <a:t>I625.9</a:t>
+                      </a:r>
+                      <a:endParaRPr lang="ko-KR" altLang="en-US" sz="1100"/>
+                    </a:p>
+                  </a:txBody>
+                  <a:tcPr/>
+                </a:tc>
+                <a:tc>
+                  <a:txBody>
+                    <a:bodyPr/>
+                    <a:lstStyle/>
+                    <a:p>
+                      <a:pPr latinLnBrk="1"/>
+                      <a:r>
+                        <a:rPr lang="en-US" altLang="ko-KR" sz="1100"/>
+                        <a:t>O625.9</a:t>
+                      </a:r>
+                      <a:endParaRPr lang="ko-KR" altLang="en-US" sz="1100"/>
+                    </a:p>
+                  </a:txBody>
+                  <a:tcPr/>
+                </a:tc>
+                <a:tc>
+                  <a:txBody>
+                    <a:bodyPr/>
+                    <a:lstStyle/>
+                    <a:p>
+                      <a:pPr latinLnBrk="1"/>
+                      <a:r>
+                        <a:rPr lang="en-US" altLang="ko-KR" sz="1100"/>
+                        <a:t>STN01_UsingLIB2_4_+</a:t>
+                      </a:r>
+                      <a:endParaRPr lang="ko-KR" altLang="en-US" sz="1100"/>
+                    </a:p>
+                  </a:txBody>
+                  <a:tcPr/>
+                </a:tc>
+                <a:tc>
+                  <a:txBody>
+                    <a:bodyPr/>
+                    <a:lstStyle/>
+                    <a:p>
+                      <a:pPr latinLnBrk="1"/>
+                      <a:endParaRPr lang="ko-KR" altLang="en-US" sz="1100"/>
+                    </a:p>
+                  </a:txBody>
+                  <a:tcPr/>
+                </a:tc>
+                <a:extLst>
+                  <a:ext uri="{0D108BD9-81ED-4DB2-BD59-A6C34878D82A}">
+                    <a16:rowId xmlns:a16="http://schemas.microsoft.com/office/drawing/2014/main" val="767962007"/>
+                  </a:ext>
+                </a:extLst>
+              </a:tr>
+              <a:tr h="0">
+                <a:tc>
+                  <a:txBody>
+                    <a:bodyPr/>
+                    <a:lstStyle/>
+                    <a:p>
+                      <a:pPr latinLnBrk="1"/>
+                      <a:r>
+                        <a:rPr lang="ko-KR" altLang="en-US" sz="1100"/>
+                        <a:t>외부주소</a:t>
+                      </a:r>
+                    </a:p>
+                  </a:txBody>
+                  <a:tcPr/>
+                </a:tc>
+                <a:tc>
+                  <a:txBody>
+                    <a:bodyPr/>
+                    <a:lstStyle/>
+                    <a:p>
+                      <a:pPr latinLnBrk="1"/>
+                      <a:r>
+                        <a:rPr lang="en-US" altLang="ko-KR" sz="1100"/>
+                        <a:t>STN01_UsingLIB2_4."-"</a:t>
+                      </a:r>
+                      <a:endParaRPr lang="ko-KR" altLang="en-US" sz="1100"/>
+                    </a:p>
+                  </a:txBody>
+                  <a:tcPr/>
+                </a:tc>
+                <a:tc>
+                  <a:txBody>
+                    <a:bodyPr/>
+                    <a:lstStyle/>
+                    <a:p>
+                      <a:pPr latinLnBrk="1"/>
+                      <a:r>
+                        <a:rPr lang="en-US" altLang="ko-KR" sz="1100"/>
+                        <a:t>bool</a:t>
+                      </a:r>
+                      <a:endParaRPr lang="ko-KR" altLang="en-US" sz="1100"/>
+                    </a:p>
+                  </a:txBody>
+                  <a:tcPr/>
+                </a:tc>
+                <a:tc>
+                  <a:txBody>
+                    <a:bodyPr/>
+                    <a:lstStyle/>
+                    <a:p>
+                      <a:pPr latinLnBrk="1"/>
+                      <a:r>
+                        <a:rPr lang="en-US" altLang="ko-KR" sz="1100"/>
+                        <a:t>I625.10</a:t>
+                      </a:r>
+                      <a:endParaRPr lang="ko-KR" altLang="en-US" sz="1100"/>
+                    </a:p>
+                  </a:txBody>
+                  <a:tcPr/>
+                </a:tc>
+                <a:tc>
+                  <a:txBody>
+                    <a:bodyPr/>
+                    <a:lstStyle/>
+                    <a:p>
+                      <a:pPr latinLnBrk="1"/>
+                      <a:r>
+                        <a:rPr lang="en-US" altLang="ko-KR" sz="1100"/>
+                        <a:t>O625.10</a:t>
+                      </a:r>
+                      <a:endParaRPr lang="ko-KR" altLang="en-US" sz="1100"/>
+                    </a:p>
+                  </a:txBody>
+                  <a:tcPr/>
+                </a:tc>
+                <a:tc>
+                  <a:txBody>
+                    <a:bodyPr/>
+                    <a:lstStyle/>
+                    <a:p>
+                      <a:pPr latinLnBrk="1"/>
+                      <a:r>
+                        <a:rPr lang="en-US" altLang="ko-KR" sz="1100"/>
+                        <a:t>STN01_UsingLIB2_4_-</a:t>
+                      </a:r>
+                      <a:endParaRPr lang="ko-KR" altLang="en-US" sz="1100"/>
+                    </a:p>
+                  </a:txBody>
+                  <a:tcPr/>
+                </a:tc>
+                <a:tc>
+                  <a:txBody>
+                    <a:bodyPr/>
+                    <a:lstStyle/>
+                    <a:p>
+                      <a:pPr latinLnBrk="1"/>
+                      <a:endParaRPr lang="ko-KR" altLang="en-US" sz="1100"/>
+                    </a:p>
+                  </a:txBody>
+                  <a:tcPr/>
+                </a:tc>
+                <a:extLst>
+                  <a:ext uri="{0D108BD9-81ED-4DB2-BD59-A6C34878D82A}">
+                    <a16:rowId xmlns:a16="http://schemas.microsoft.com/office/drawing/2014/main" val="3885855682"/>
+                  </a:ext>
+                </a:extLst>
+              </a:tr>
+              <a:tr h="0">
+                <a:tc>
+                  <a:txBody>
+                    <a:bodyPr/>
+                    <a:lstStyle/>
+                    <a:p>
+                      <a:pPr latinLnBrk="1"/>
+                      <a:r>
+                        <a:rPr lang="ko-KR" altLang="en-US" sz="1100"/>
+                        <a:t>외부주소</a:t>
+                      </a:r>
+                    </a:p>
+                  </a:txBody>
+                  <a:tcPr/>
+                </a:tc>
+                <a:tc>
+                  <a:txBody>
+                    <a:bodyPr/>
+                    <a:lstStyle/>
+                    <a:p>
+                      <a:pPr latinLnBrk="1"/>
+                      <a:r>
+                        <a:rPr lang="en-US" altLang="ko-KR" sz="1100"/>
+                        <a:t>STN01_UsingLIB_1."+"</a:t>
+                      </a:r>
+                      <a:endParaRPr lang="ko-KR" altLang="en-US" sz="1100"/>
+                    </a:p>
+                  </a:txBody>
+                  <a:tcPr/>
+                </a:tc>
+                <a:tc>
+                  <a:txBody>
+                    <a:bodyPr/>
+                    <a:lstStyle/>
+                    <a:p>
+                      <a:pPr latinLnBrk="1"/>
+                      <a:r>
+                        <a:rPr lang="en-US" altLang="ko-KR" sz="1100"/>
+                        <a:t>bool</a:t>
+                      </a:r>
+                      <a:endParaRPr lang="ko-KR" altLang="en-US" sz="1100"/>
+                    </a:p>
+                  </a:txBody>
+                  <a:tcPr/>
+                </a:tc>
+                <a:tc>
+                  <a:txBody>
+                    <a:bodyPr/>
+                    <a:lstStyle/>
+                    <a:p>
+                      <a:pPr latinLnBrk="1"/>
+                      <a:r>
+                        <a:rPr lang="en-US" altLang="ko-KR" sz="1100"/>
+                        <a:t>I625.11</a:t>
+                      </a:r>
+                      <a:endParaRPr lang="ko-KR" altLang="en-US" sz="1100"/>
+                    </a:p>
+                  </a:txBody>
+                  <a:tcPr/>
+                </a:tc>
+                <a:tc>
+                  <a:txBody>
+                    <a:bodyPr/>
+                    <a:lstStyle/>
+                    <a:p>
+                      <a:pPr latinLnBrk="1"/>
+                      <a:r>
+                        <a:rPr lang="en-US" altLang="ko-KR" sz="1100"/>
+                        <a:t>O625.11</a:t>
+                      </a:r>
+                      <a:endParaRPr lang="ko-KR" altLang="en-US" sz="1100"/>
+                    </a:p>
+                  </a:txBody>
+                  <a:tcPr/>
+                </a:tc>
+                <a:tc>
+                  <a:txBody>
+                    <a:bodyPr/>
+                    <a:lstStyle/>
+                    <a:p>
+                      <a:pPr latinLnBrk="1"/>
+                      <a:r>
+                        <a:rPr lang="en-US" altLang="ko-KR" sz="1100"/>
+                        <a:t>STN01_UsingLIB_1_+</a:t>
+                      </a:r>
+                      <a:endParaRPr lang="ko-KR" altLang="en-US" sz="1100"/>
+                    </a:p>
+                  </a:txBody>
+                  <a:tcPr/>
+                </a:tc>
+                <a:tc>
+                  <a:txBody>
+                    <a:bodyPr/>
+                    <a:lstStyle/>
+                    <a:p>
+                      <a:pPr latinLnBrk="1"/>
+                      <a:endParaRPr lang="ko-KR" altLang="en-US" sz="1100"/>
+                    </a:p>
+                  </a:txBody>
+                  <a:tcPr/>
+                </a:tc>
+                <a:extLst>
+                  <a:ext uri="{0D108BD9-81ED-4DB2-BD59-A6C34878D82A}">
+                    <a16:rowId xmlns:a16="http://schemas.microsoft.com/office/drawing/2014/main" val="3254289481"/>
+                  </a:ext>
+                </a:extLst>
+              </a:tr>
+              <a:tr h="0">
+                <a:tc>
+                  <a:txBody>
+                    <a:bodyPr/>
+                    <a:lstStyle/>
+                    <a:p>
+                      <a:pPr latinLnBrk="1"/>
+                      <a:r>
+                        <a:rPr lang="ko-KR" altLang="en-US" sz="1100"/>
+                        <a:t>외부주소</a:t>
+                      </a:r>
+                    </a:p>
+                  </a:txBody>
+                  <a:tcPr/>
+                </a:tc>
+                <a:tc>
+                  <a:txBody>
+                    <a:bodyPr/>
+                    <a:lstStyle/>
+                    <a:p>
+                      <a:pPr latinLnBrk="1"/>
+                      <a:r>
+                        <a:rPr lang="en-US" altLang="ko-KR" sz="1100"/>
+                        <a:t>STN01_UsingLIB_1."-"</a:t>
+                      </a:r>
+                      <a:endParaRPr lang="ko-KR" altLang="en-US" sz="1100"/>
+                    </a:p>
+                  </a:txBody>
+                  <a:tcPr/>
+                </a:tc>
+                <a:tc>
+                  <a:txBody>
+                    <a:bodyPr/>
+                    <a:lstStyle/>
+                    <a:p>
+                      <a:pPr latinLnBrk="1"/>
+                      <a:r>
+                        <a:rPr lang="en-US" altLang="ko-KR" sz="1100" dirty="0"/>
+                        <a:t>bool</a:t>
+                      </a:r>
+                      <a:endParaRPr lang="ko-KR" altLang="en-US" sz="1100" dirty="0"/>
+                    </a:p>
+                  </a:txBody>
+                  <a:tcPr/>
+                </a:tc>
+                <a:tc>
+                  <a:txBody>
+                    <a:bodyPr/>
+                    <a:lstStyle/>
+                    <a:p>
+                      <a:pPr latinLnBrk="1"/>
+                      <a:r>
+                        <a:rPr lang="en-US" altLang="ko-KR" sz="1100"/>
+                        <a:t>I625.12</a:t>
+                      </a:r>
+                      <a:endParaRPr lang="ko-KR" altLang="en-US" sz="1100"/>
+                    </a:p>
+                  </a:txBody>
+                  <a:tcPr/>
+                </a:tc>
+                <a:tc>
+                  <a:txBody>
+                    <a:bodyPr/>
+                    <a:lstStyle/>
+                    <a:p>
+                      <a:pPr latinLnBrk="1"/>
+                      <a:r>
+                        <a:rPr lang="en-US" altLang="ko-KR" sz="1100"/>
+                        <a:t>O625.12</a:t>
+                      </a:r>
+                      <a:endParaRPr lang="ko-KR" altLang="en-US" sz="1100"/>
+                    </a:p>
+                  </a:txBody>
+                  <a:tcPr/>
+                </a:tc>
+                <a:tc>
+                  <a:txBody>
+                    <a:bodyPr/>
+                    <a:lstStyle/>
+                    <a:p>
+                      <a:pPr latinLnBrk="1"/>
+                      <a:r>
+                        <a:rPr lang="en-US" altLang="ko-KR" sz="1100"/>
+                        <a:t>STN01_UsingLIB_1_-</a:t>
+                      </a:r>
+                      <a:endParaRPr lang="ko-KR" altLang="en-US" sz="1100"/>
+                    </a:p>
+                  </a:txBody>
+                  <a:tcPr/>
+                </a:tc>
+                <a:tc>
+                  <a:txBody>
+                    <a:bodyPr/>
+                    <a:lstStyle/>
+                    <a:p>
+                      <a:pPr latinLnBrk="1"/>
+                      <a:endParaRPr lang="ko-KR" altLang="en-US" sz="1100"/>
+                    </a:p>
+                  </a:txBody>
+                  <a:tcPr/>
+                </a:tc>
+                <a:extLst>
+                  <a:ext uri="{0D108BD9-81ED-4DB2-BD59-A6C34878D82A}">
+                    <a16:rowId xmlns:a16="http://schemas.microsoft.com/office/drawing/2014/main" val="2492755005"/>
+                  </a:ext>
+                </a:extLst>
+              </a:tr>
+              <a:tr h="0">
+                <a:tc>
+                  <a:txBody>
+                    <a:bodyPr/>
+                    <a:lstStyle/>
+                    <a:p>
+                      <a:pPr latinLnBrk="1"/>
+                      <a:r>
+                        <a:rPr lang="ko-KR" altLang="en-US" sz="1100"/>
+                        <a:t>외부주소</a:t>
+                      </a:r>
+                    </a:p>
+                  </a:txBody>
+                  <a:tcPr/>
+                </a:tc>
+                <a:tc>
+                  <a:txBody>
+                    <a:bodyPr/>
+                    <a:lstStyle/>
+                    <a:p>
+                      <a:pPr latinLnBrk="1"/>
+                      <a:r>
+                        <a:rPr lang="en-US" altLang="ko-KR" sz="1100"/>
+                        <a:t>STN01_UsingLIB_2."+"</a:t>
+                      </a:r>
+                      <a:endParaRPr lang="ko-KR" altLang="en-US" sz="1100"/>
+                    </a:p>
+                  </a:txBody>
+                  <a:tcPr/>
+                </a:tc>
+                <a:tc>
+                  <a:txBody>
+                    <a:bodyPr/>
+                    <a:lstStyle/>
+                    <a:p>
+                      <a:pPr latinLnBrk="1"/>
+                      <a:r>
+                        <a:rPr lang="en-US" altLang="ko-KR" sz="1100"/>
+                        <a:t>bool</a:t>
+                      </a:r>
+                      <a:endParaRPr lang="ko-KR" altLang="en-US" sz="1100"/>
+                    </a:p>
+                  </a:txBody>
+                  <a:tcPr/>
+                </a:tc>
+                <a:tc>
+                  <a:txBody>
+                    <a:bodyPr/>
+                    <a:lstStyle/>
+                    <a:p>
+                      <a:pPr latinLnBrk="1"/>
+                      <a:r>
+                        <a:rPr lang="en-US" altLang="ko-KR" sz="1100"/>
+                        <a:t>I625.13</a:t>
+                      </a:r>
+                      <a:endParaRPr lang="ko-KR" altLang="en-US" sz="1100"/>
+                    </a:p>
+                  </a:txBody>
+                  <a:tcPr/>
+                </a:tc>
+                <a:tc>
+                  <a:txBody>
+                    <a:bodyPr/>
+                    <a:lstStyle/>
+                    <a:p>
+                      <a:pPr latinLnBrk="1"/>
+                      <a:r>
+                        <a:rPr lang="en-US" altLang="ko-KR" sz="1100"/>
+                        <a:t>O625.13</a:t>
+                      </a:r>
+                      <a:endParaRPr lang="ko-KR" altLang="en-US" sz="1100"/>
+                    </a:p>
+                  </a:txBody>
+                  <a:tcPr/>
+                </a:tc>
+                <a:tc>
+                  <a:txBody>
+                    <a:bodyPr/>
+                    <a:lstStyle/>
+                    <a:p>
+                      <a:pPr latinLnBrk="1"/>
+                      <a:r>
+                        <a:rPr lang="en-US" altLang="ko-KR" sz="1100"/>
+                        <a:t>STN01_UsingLIB_2_+</a:t>
+                      </a:r>
+                      <a:endParaRPr lang="ko-KR" altLang="en-US" sz="1100"/>
+                    </a:p>
+                  </a:txBody>
+                  <a:tcPr/>
+                </a:tc>
+                <a:tc>
+                  <a:txBody>
+                    <a:bodyPr/>
+                    <a:lstStyle/>
+                    <a:p>
+                      <a:pPr latinLnBrk="1"/>
+                      <a:endParaRPr lang="ko-KR" altLang="en-US" sz="1100"/>
+                    </a:p>
+                  </a:txBody>
+                  <a:tcPr/>
+                </a:tc>
+                <a:extLst>
+                  <a:ext uri="{0D108BD9-81ED-4DB2-BD59-A6C34878D82A}">
+                    <a16:rowId xmlns:a16="http://schemas.microsoft.com/office/drawing/2014/main" val="1941799077"/>
+                  </a:ext>
+                </a:extLst>
+              </a:tr>
+              <a:tr h="0">
+                <a:tc>
+                  <a:txBody>
+                    <a:bodyPr/>
+                    <a:lstStyle/>
+                    <a:p>
+                      <a:pPr latinLnBrk="1"/>
+                      <a:r>
+                        <a:rPr lang="ko-KR" altLang="en-US" sz="1100"/>
+                        <a:t>외부주소</a:t>
+                      </a:r>
+                    </a:p>
+                  </a:txBody>
+                  <a:tcPr/>
+                </a:tc>
+                <a:tc>
+                  <a:txBody>
+                    <a:bodyPr/>
+                    <a:lstStyle/>
+                    <a:p>
+                      <a:pPr latinLnBrk="1"/>
+                      <a:r>
+                        <a:rPr lang="en-US" altLang="ko-KR" sz="1100"/>
+                        <a:t>STN01_UsingLIB_2."-"</a:t>
+                      </a:r>
+                      <a:endParaRPr lang="ko-KR" altLang="en-US" sz="1100"/>
+                    </a:p>
+                  </a:txBody>
+                  <a:tcPr/>
+                </a:tc>
+                <a:tc>
+                  <a:txBody>
+                    <a:bodyPr/>
+                    <a:lstStyle/>
+                    <a:p>
+                      <a:pPr latinLnBrk="1"/>
+                      <a:r>
+                        <a:rPr lang="en-US" altLang="ko-KR" sz="1100"/>
+                        <a:t>bool</a:t>
+                      </a:r>
+                      <a:endParaRPr lang="ko-KR" altLang="en-US" sz="1100"/>
+                    </a:p>
+                  </a:txBody>
+                  <a:tcPr/>
+                </a:tc>
+                <a:tc>
+                  <a:txBody>
+                    <a:bodyPr/>
+                    <a:lstStyle/>
+                    <a:p>
+                      <a:pPr latinLnBrk="1"/>
+                      <a:r>
+                        <a:rPr lang="en-US" altLang="ko-KR" sz="1100"/>
+                        <a:t>I625.14</a:t>
+                      </a:r>
+                      <a:endParaRPr lang="ko-KR" altLang="en-US" sz="1100"/>
+                    </a:p>
+                  </a:txBody>
+                  <a:tcPr/>
+                </a:tc>
+                <a:tc>
+                  <a:txBody>
+                    <a:bodyPr/>
+                    <a:lstStyle/>
+                    <a:p>
+                      <a:pPr latinLnBrk="1"/>
+                      <a:r>
+                        <a:rPr lang="en-US" altLang="ko-KR" sz="1100"/>
+                        <a:t>O625.14</a:t>
+                      </a:r>
+                      <a:endParaRPr lang="ko-KR" altLang="en-US" sz="1100"/>
+                    </a:p>
+                  </a:txBody>
+                  <a:tcPr/>
+                </a:tc>
+                <a:tc>
+                  <a:txBody>
+                    <a:bodyPr/>
+                    <a:lstStyle/>
+                    <a:p>
+                      <a:pPr latinLnBrk="1"/>
+                      <a:r>
+                        <a:rPr lang="en-US" altLang="ko-KR" sz="1100"/>
+                        <a:t>STN01_UsingLIB_2_-</a:t>
+                      </a:r>
+                      <a:endParaRPr lang="ko-KR" altLang="en-US" sz="1100"/>
+                    </a:p>
+                  </a:txBody>
+                  <a:tcPr/>
+                </a:tc>
+                <a:tc>
+                  <a:txBody>
+                    <a:bodyPr/>
+                    <a:lstStyle/>
+                    <a:p>
+                      <a:pPr latinLnBrk="1"/>
+                      <a:endParaRPr lang="ko-KR" altLang="en-US" sz="1100"/>
+                    </a:p>
+                  </a:txBody>
+                  <a:tcPr/>
+                </a:tc>
+                <a:extLst>
+                  <a:ext uri="{0D108BD9-81ED-4DB2-BD59-A6C34878D82A}">
+                    <a16:rowId xmlns:a16="http://schemas.microsoft.com/office/drawing/2014/main" val="1333376853"/>
+                  </a:ext>
+                </a:extLst>
+              </a:tr>
+              <a:tr h="0">
+                <a:tc>
+                  <a:txBody>
+                    <a:bodyPr/>
+                    <a:lstStyle/>
+                    <a:p>
+                      <a:pPr latinLnBrk="1"/>
+                      <a:endParaRPr lang="ko-KR" altLang="en-US" sz="1100"/>
+                    </a:p>
+                  </a:txBody>
+                  <a:tcPr/>
+                </a:tc>
+                <a:tc>
+                  <a:txBody>
+                    <a:bodyPr/>
+                    <a:lstStyle/>
+                    <a:p>
+                      <a:pPr latinLnBrk="1"/>
+                      <a:endParaRPr lang="ko-KR" altLang="en-US" sz="1100"/>
+                    </a:p>
+                  </a:txBody>
+                  <a:tcPr/>
+                </a:tc>
+                <a:tc>
+                  <a:txBody>
+                    <a:bodyPr/>
+                    <a:lstStyle/>
+                    <a:p>
+                      <a:pPr latinLnBrk="1"/>
+                      <a:endParaRPr lang="ko-KR" altLang="en-US" sz="1100"/>
+                    </a:p>
+                  </a:txBody>
+                  <a:tcPr/>
+                </a:tc>
+                <a:tc>
+                  <a:txBody>
+                    <a:bodyPr/>
+                    <a:lstStyle/>
+                    <a:p>
+                      <a:pPr latinLnBrk="1"/>
+                      <a:endParaRPr lang="ko-KR" altLang="en-US" sz="1100"/>
+                    </a:p>
+                  </a:txBody>
+                  <a:tcPr/>
+                </a:tc>
+                <a:tc>
+                  <a:txBody>
+                    <a:bodyPr/>
+                    <a:lstStyle/>
+                    <a:p>
+                      <a:pPr latinLnBrk="1"/>
+                      <a:endParaRPr lang="ko-KR" altLang="en-US" sz="1100"/>
+                    </a:p>
+                  </a:txBody>
+                  <a:tcPr/>
+                </a:tc>
+                <a:tc>
+                  <a:txBody>
+                    <a:bodyPr/>
+                    <a:lstStyle/>
+                    <a:p>
+                      <a:pPr latinLnBrk="1"/>
+                      <a:endParaRPr lang="ko-KR" altLang="en-US" sz="1100"/>
+                    </a:p>
+                  </a:txBody>
+                  <a:tcPr/>
+                </a:tc>
+                <a:tc>
+                  <a:txBody>
+                    <a:bodyPr/>
+                    <a:lstStyle/>
+                    <a:p>
+                      <a:pPr latinLnBrk="1"/>
+                      <a:endParaRPr lang="ko-KR" altLang="en-US" sz="1100"/>
+                    </a:p>
+                  </a:txBody>
+                  <a:tcPr/>
+                </a:tc>
+                <a:extLst>
+                  <a:ext uri="{0D108BD9-81ED-4DB2-BD59-A6C34878D82A}">
+                    <a16:rowId xmlns:a16="http://schemas.microsoft.com/office/drawing/2014/main" val="389928861"/>
+                  </a:ext>
+                </a:extLst>
+              </a:tr>
+              <a:tr h="0">
+                <a:tc>
+                  <a:txBody>
+                    <a:bodyPr/>
+                    <a:lstStyle/>
+                    <a:p>
+                      <a:pPr latinLnBrk="1"/>
+                      <a:endParaRPr lang="ko-KR" altLang="en-US" sz="1100"/>
+                    </a:p>
+                  </a:txBody>
+                  <a:tcPr/>
+                </a:tc>
+                <a:tc>
+                  <a:txBody>
+                    <a:bodyPr/>
+                    <a:lstStyle/>
+                    <a:p>
+                      <a:pPr latinLnBrk="1"/>
+                      <a:endParaRPr lang="ko-KR" altLang="en-US" sz="1100"/>
+                    </a:p>
+                  </a:txBody>
+                  <a:tcPr/>
+                </a:tc>
+                <a:tc>
+                  <a:txBody>
+                    <a:bodyPr/>
+                    <a:lstStyle/>
+                    <a:p>
+                      <a:pPr latinLnBrk="1"/>
+                      <a:endParaRPr lang="ko-KR" altLang="en-US" sz="1100"/>
+                    </a:p>
+                  </a:txBody>
+                  <a:tcPr/>
+                </a:tc>
+                <a:tc>
+                  <a:txBody>
+                    <a:bodyPr/>
+                    <a:lstStyle/>
+                    <a:p>
+                      <a:pPr latinLnBrk="1"/>
+                      <a:endParaRPr lang="ko-KR" altLang="en-US" sz="1100"/>
+                    </a:p>
+                  </a:txBody>
+                  <a:tcPr/>
+                </a:tc>
+                <a:tc>
+                  <a:txBody>
+                    <a:bodyPr/>
+                    <a:lstStyle/>
+                    <a:p>
+                      <a:pPr latinLnBrk="1"/>
+                      <a:endParaRPr lang="ko-KR" altLang="en-US" sz="1100"/>
+                    </a:p>
+                  </a:txBody>
+                  <a:tcPr/>
+                </a:tc>
+                <a:tc>
+                  <a:txBody>
+                    <a:bodyPr/>
+                    <a:lstStyle/>
+                    <a:p>
+                      <a:pPr latinLnBrk="1"/>
+                      <a:endParaRPr lang="ko-KR" altLang="en-US" sz="1100"/>
+                    </a:p>
+                  </a:txBody>
+                  <a:tcPr/>
+                </a:tc>
+                <a:tc>
+                  <a:txBody>
+                    <a:bodyPr/>
+                    <a:lstStyle/>
+                    <a:p>
+                      <a:pPr latinLnBrk="1"/>
+                      <a:endParaRPr lang="ko-KR" altLang="en-US" sz="1100"/>
+                    </a:p>
+                  </a:txBody>
+                  <a:tcPr/>
+                </a:tc>
+                <a:extLst>
+                  <a:ext uri="{0D108BD9-81ED-4DB2-BD59-A6C34878D82A}">
+                    <a16:rowId xmlns:a16="http://schemas.microsoft.com/office/drawing/2014/main" val="3504586823"/>
+                  </a:ext>
+                </a:extLst>
+              </a:tr>
+              <a:tr h="0">
+                <a:tc>
+                  <a:txBody>
+                    <a:bodyPr/>
+                    <a:lstStyle/>
+                    <a:p>
+                      <a:pPr latinLnBrk="1"/>
+                      <a:endParaRPr lang="ko-KR" altLang="en-US" sz="1100"/>
+                    </a:p>
+                  </a:txBody>
+                  <a:tcPr/>
+                </a:tc>
+                <a:tc>
+                  <a:txBody>
+                    <a:bodyPr/>
+                    <a:lstStyle/>
+                    <a:p>
+                      <a:pPr latinLnBrk="1"/>
+                      <a:endParaRPr lang="ko-KR" altLang="en-US" sz="1100"/>
+                    </a:p>
+                  </a:txBody>
+                  <a:tcPr/>
+                </a:tc>
+                <a:tc>
+                  <a:txBody>
+                    <a:bodyPr/>
+                    <a:lstStyle/>
+                    <a:p>
+                      <a:pPr latinLnBrk="1"/>
+                      <a:endParaRPr lang="ko-KR" altLang="en-US" sz="1100"/>
+                    </a:p>
+                  </a:txBody>
+                  <a:tcPr/>
+                </a:tc>
+                <a:tc>
+                  <a:txBody>
+                    <a:bodyPr/>
+                    <a:lstStyle/>
+                    <a:p>
+                      <a:pPr latinLnBrk="1"/>
+                      <a:endParaRPr lang="ko-KR" altLang="en-US" sz="1100"/>
+                    </a:p>
+                  </a:txBody>
+                  <a:tcPr/>
+                </a:tc>
+                <a:tc>
+                  <a:txBody>
+                    <a:bodyPr/>
+                    <a:lstStyle/>
+                    <a:p>
+                      <a:pPr latinLnBrk="1"/>
+                      <a:endParaRPr lang="ko-KR" altLang="en-US" sz="1100"/>
+                    </a:p>
+                  </a:txBody>
+                  <a:tcPr/>
+                </a:tc>
+                <a:tc>
+                  <a:txBody>
+                    <a:bodyPr/>
+                    <a:lstStyle/>
+                    <a:p>
+                      <a:pPr latinLnBrk="1"/>
+                      <a:endParaRPr lang="ko-KR" altLang="en-US" sz="1100"/>
+                    </a:p>
+                  </a:txBody>
+                  <a:tcPr/>
+                </a:tc>
+                <a:tc>
+                  <a:txBody>
+                    <a:bodyPr/>
+                    <a:lstStyle/>
+                    <a:p>
+                      <a:pPr latinLnBrk="1"/>
+                      <a:endParaRPr lang="ko-KR" altLang="en-US" sz="1100"/>
+                    </a:p>
+                  </a:txBody>
+                  <a:tcPr/>
+                </a:tc>
+                <a:extLst>
+                  <a:ext uri="{0D108BD9-81ED-4DB2-BD59-A6C34878D82A}">
+                    <a16:rowId xmlns:a16="http://schemas.microsoft.com/office/drawing/2014/main" val="2985985298"/>
+                  </a:ext>
+                </a:extLst>
+              </a:tr>
+              <a:tr h="0">
+                <a:tc>
+                  <a:txBody>
+                    <a:bodyPr/>
+                    <a:lstStyle/>
+                    <a:p>
+                      <a:pPr latinLnBrk="1"/>
+                      <a:endParaRPr lang="ko-KR" altLang="en-US" sz="1100"/>
+                    </a:p>
+                  </a:txBody>
+                  <a:tcPr/>
+                </a:tc>
+                <a:tc>
+                  <a:txBody>
+                    <a:bodyPr/>
+                    <a:lstStyle/>
+                    <a:p>
+                      <a:pPr latinLnBrk="1"/>
+                      <a:endParaRPr lang="ko-KR" altLang="en-US" sz="1100"/>
+                    </a:p>
+                  </a:txBody>
+                  <a:tcPr/>
+                </a:tc>
+                <a:tc>
+                  <a:txBody>
+                    <a:bodyPr/>
+                    <a:lstStyle/>
+                    <a:p>
+                      <a:pPr latinLnBrk="1"/>
+                      <a:endParaRPr lang="ko-KR" altLang="en-US" sz="1100"/>
+                    </a:p>
+                  </a:txBody>
+                  <a:tcPr/>
+                </a:tc>
+                <a:tc>
+                  <a:txBody>
+                    <a:bodyPr/>
+                    <a:lstStyle/>
+                    <a:p>
+                      <a:pPr latinLnBrk="1"/>
+                      <a:endParaRPr lang="ko-KR" altLang="en-US" sz="1100"/>
+                    </a:p>
+                  </a:txBody>
+                  <a:tcPr/>
+                </a:tc>
+                <a:tc>
+                  <a:txBody>
+                    <a:bodyPr/>
+                    <a:lstStyle/>
+                    <a:p>
+                      <a:pPr latinLnBrk="1"/>
+                      <a:endParaRPr lang="ko-KR" altLang="en-US" sz="1100"/>
+                    </a:p>
+                  </a:txBody>
+                  <a:tcPr/>
+                </a:tc>
+                <a:tc>
+                  <a:txBody>
+                    <a:bodyPr/>
+                    <a:lstStyle/>
+                    <a:p>
+                      <a:pPr latinLnBrk="1"/>
+                      <a:endParaRPr lang="ko-KR" altLang="en-US" sz="1100"/>
+                    </a:p>
+                  </a:txBody>
+                  <a:tcPr/>
+                </a:tc>
+                <a:tc>
+                  <a:txBody>
+                    <a:bodyPr/>
+                    <a:lstStyle/>
+                    <a:p>
+                      <a:pPr latinLnBrk="1"/>
+                      <a:endParaRPr lang="ko-KR" altLang="en-US" sz="1100"/>
+                    </a:p>
+                  </a:txBody>
+                  <a:tcPr/>
+                </a:tc>
+                <a:extLst>
+                  <a:ext uri="{0D108BD9-81ED-4DB2-BD59-A6C34878D82A}">
+                    <a16:rowId xmlns:a16="http://schemas.microsoft.com/office/drawing/2014/main" val="1096835016"/>
+                  </a:ext>
+                </a:extLst>
+              </a:tr>
+              <a:tr h="0">
+                <a:tc>
+                  <a:txBody>
+                    <a:bodyPr/>
+                    <a:lstStyle/>
+                    <a:p>
+                      <a:pPr latinLnBrk="1"/>
+                      <a:endParaRPr lang="ko-KR" altLang="en-US" sz="1100"/>
+                    </a:p>
+                  </a:txBody>
+                  <a:tcPr/>
+                </a:tc>
+                <a:tc>
+                  <a:txBody>
+                    <a:bodyPr/>
+                    <a:lstStyle/>
+                    <a:p>
+                      <a:pPr latinLnBrk="1"/>
+                      <a:endParaRPr lang="ko-KR" altLang="en-US" sz="1100"/>
+                    </a:p>
+                  </a:txBody>
+                  <a:tcPr/>
+                </a:tc>
+                <a:tc>
+                  <a:txBody>
+                    <a:bodyPr/>
+                    <a:lstStyle/>
+                    <a:p>
+                      <a:pPr latinLnBrk="1"/>
+                      <a:endParaRPr lang="ko-KR" altLang="en-US" sz="1100"/>
+                    </a:p>
+                  </a:txBody>
+                  <a:tcPr/>
+                </a:tc>
+                <a:tc>
+                  <a:txBody>
+                    <a:bodyPr/>
+                    <a:lstStyle/>
+                    <a:p>
+                      <a:pPr latinLnBrk="1"/>
+                      <a:endParaRPr lang="ko-KR" altLang="en-US" sz="1100"/>
+                    </a:p>
+                  </a:txBody>
+                  <a:tcPr/>
+                </a:tc>
+                <a:tc>
+                  <a:txBody>
+                    <a:bodyPr/>
+                    <a:lstStyle/>
+                    <a:p>
+                      <a:pPr latinLnBrk="1"/>
+                      <a:endParaRPr lang="ko-KR" altLang="en-US" sz="1100"/>
+                    </a:p>
+                  </a:txBody>
+                  <a:tcPr/>
+                </a:tc>
+                <a:tc>
+                  <a:txBody>
+                    <a:bodyPr/>
+                    <a:lstStyle/>
+                    <a:p>
+                      <a:pPr latinLnBrk="1"/>
+                      <a:endParaRPr lang="ko-KR" altLang="en-US" sz="1100"/>
+                    </a:p>
+                  </a:txBody>
+                  <a:tcPr/>
+                </a:tc>
+                <a:tc>
+                  <a:txBody>
+                    <a:bodyPr/>
+                    <a:lstStyle/>
+                    <a:p>
+                      <a:pPr latinLnBrk="1"/>
+                      <a:endParaRPr lang="ko-KR" altLang="en-US" sz="1100"/>
+                    </a:p>
+                  </a:txBody>
+                  <a:tcPr/>
+                </a:tc>
+                <a:extLst>
+                  <a:ext uri="{0D108BD9-81ED-4DB2-BD59-A6C34878D82A}">
+                    <a16:rowId xmlns:a16="http://schemas.microsoft.com/office/drawing/2014/main" val="2274652905"/>
+                  </a:ext>
+                </a:extLst>
+              </a:tr>
+              <a:tr h="0">
+                <a:tc>
+                  <a:txBody>
+                    <a:bodyPr/>
+                    <a:lstStyle/>
+                    <a:p>
+                      <a:pPr latinLnBrk="1"/>
+                      <a:endParaRPr lang="ko-KR" altLang="en-US" sz="1100"/>
+                    </a:p>
+                  </a:txBody>
+                  <a:tcPr/>
+                </a:tc>
+                <a:tc>
+                  <a:txBody>
+                    <a:bodyPr/>
+                    <a:lstStyle/>
+                    <a:p>
+                      <a:pPr latinLnBrk="1"/>
+                      <a:endParaRPr lang="ko-KR" altLang="en-US" sz="1100"/>
+                    </a:p>
+                  </a:txBody>
+                  <a:tcPr/>
+                </a:tc>
+                <a:tc>
+                  <a:txBody>
+                    <a:bodyPr/>
+                    <a:lstStyle/>
+                    <a:p>
+                      <a:pPr latinLnBrk="1"/>
+                      <a:endParaRPr lang="ko-KR" altLang="en-US" sz="1100"/>
+                    </a:p>
+                  </a:txBody>
+                  <a:tcPr/>
+                </a:tc>
+                <a:tc>
+                  <a:txBody>
+                    <a:bodyPr/>
+                    <a:lstStyle/>
+                    <a:p>
+                      <a:pPr latinLnBrk="1"/>
+                      <a:endParaRPr lang="ko-KR" altLang="en-US" sz="1100"/>
+                    </a:p>
+                  </a:txBody>
+                  <a:tcPr/>
+                </a:tc>
+                <a:tc>
+                  <a:txBody>
+                    <a:bodyPr/>
+                    <a:lstStyle/>
+                    <a:p>
+                      <a:pPr latinLnBrk="1"/>
+                      <a:endParaRPr lang="ko-KR" altLang="en-US" sz="1100"/>
+                    </a:p>
+                  </a:txBody>
+                  <a:tcPr/>
+                </a:tc>
+                <a:tc>
+                  <a:txBody>
+                    <a:bodyPr/>
+                    <a:lstStyle/>
+                    <a:p>
+                      <a:pPr latinLnBrk="1"/>
+                      <a:endParaRPr lang="ko-KR" altLang="en-US" sz="1100"/>
+                    </a:p>
+                  </a:txBody>
+                  <a:tcPr/>
+                </a:tc>
+                <a:tc>
+                  <a:txBody>
+                    <a:bodyPr/>
+                    <a:lstStyle/>
+                    <a:p>
+                      <a:pPr latinLnBrk="1"/>
+                      <a:endParaRPr lang="ko-KR" altLang="en-US" sz="1100"/>
+                    </a:p>
+                  </a:txBody>
+                  <a:tcPr/>
+                </a:tc>
+                <a:extLst>
+                  <a:ext uri="{0D108BD9-81ED-4DB2-BD59-A6C34878D82A}">
+                    <a16:rowId xmlns:a16="http://schemas.microsoft.com/office/drawing/2014/main" val="2110456893"/>
+                  </a:ext>
+                </a:extLst>
+              </a:tr>
+              <a:tr h="0">
+                <a:tc>
+                  <a:txBody>
+                    <a:bodyPr/>
+                    <a:lstStyle/>
+                    <a:p>
+                      <a:pPr latinLnBrk="1"/>
+                      <a:r>
+                        <a:rPr lang="ko-KR" altLang="en-US" sz="1100"/>
+                        <a:t>내부변수</a:t>
+                      </a:r>
+                    </a:p>
+                  </a:txBody>
+                  <a:tcPr/>
+                </a:tc>
+                <a:tc>
+                  <a:txBody>
+                    <a:bodyPr/>
+                    <a:lstStyle/>
+                    <a:p>
+                      <a:pPr latinLnBrk="1"/>
+                      <a:endParaRPr lang="ko-KR" altLang="en-US" sz="1100"/>
+                    </a:p>
+                  </a:txBody>
+                  <a:tcPr/>
+                </a:tc>
+                <a:tc>
+                  <a:txBody>
+                    <a:bodyPr/>
+                    <a:lstStyle/>
+                    <a:p>
+                      <a:pPr latinLnBrk="1"/>
+                      <a:endParaRPr lang="ko-KR" altLang="en-US" sz="1100"/>
+                    </a:p>
+                  </a:txBody>
+                  <a:tcPr/>
+                </a:tc>
+                <a:tc>
+                  <a:txBody>
+                    <a:bodyPr/>
+                    <a:lstStyle/>
+                    <a:p>
+                      <a:pPr latinLnBrk="1"/>
+                      <a:endParaRPr lang="ko-KR" altLang="en-US" sz="1100"/>
+                    </a:p>
+                  </a:txBody>
+                  <a:tcPr/>
+                </a:tc>
+                <a:tc>
+                  <a:txBody>
+                    <a:bodyPr/>
+                    <a:lstStyle/>
+                    <a:p>
+                      <a:pPr latinLnBrk="1"/>
+                      <a:endParaRPr lang="ko-KR" altLang="en-US" sz="1100"/>
+                    </a:p>
+                  </a:txBody>
+                  <a:tcPr/>
+                </a:tc>
+                <a:tc>
+                  <a:txBody>
+                    <a:bodyPr/>
+                    <a:lstStyle/>
+                    <a:p>
+                      <a:pPr latinLnBrk="1"/>
+                      <a:endParaRPr lang="ko-KR" altLang="en-US" sz="1100"/>
+                    </a:p>
+                  </a:txBody>
+                  <a:tcPr/>
+                </a:tc>
+                <a:tc>
+                  <a:txBody>
+                    <a:bodyPr/>
+                    <a:lstStyle/>
+                    <a:p>
+                      <a:pPr latinLnBrk="1"/>
+                      <a:endParaRPr lang="ko-KR" altLang="en-US" sz="1100"/>
+                    </a:p>
+                  </a:txBody>
+                  <a:tcPr/>
+                </a:tc>
+                <a:extLst>
+                  <a:ext uri="{0D108BD9-81ED-4DB2-BD59-A6C34878D82A}">
+                    <a16:rowId xmlns:a16="http://schemas.microsoft.com/office/drawing/2014/main" val="328689863"/>
+                  </a:ext>
+                </a:extLst>
+              </a:tr>
+              <a:tr h="0">
+                <a:tc>
+                  <a:txBody>
+                    <a:bodyPr/>
+                    <a:lstStyle/>
+                    <a:p>
+                      <a:pPr latinLnBrk="1"/>
+                      <a:endParaRPr lang="ko-KR" altLang="en-US" sz="1100"/>
+                    </a:p>
+                  </a:txBody>
+                  <a:tcPr/>
+                </a:tc>
+                <a:tc>
+                  <a:txBody>
+                    <a:bodyPr/>
+                    <a:lstStyle/>
+                    <a:p>
+                      <a:pPr latinLnBrk="1"/>
+                      <a:endParaRPr lang="ko-KR" altLang="en-US" sz="1100"/>
+                    </a:p>
+                  </a:txBody>
+                  <a:tcPr/>
+                </a:tc>
+                <a:tc>
+                  <a:txBody>
+                    <a:bodyPr/>
+                    <a:lstStyle/>
+                    <a:p>
+                      <a:pPr latinLnBrk="1"/>
+                      <a:endParaRPr lang="ko-KR" altLang="en-US" sz="1100"/>
+                    </a:p>
+                  </a:txBody>
+                  <a:tcPr/>
+                </a:tc>
+                <a:tc>
+                  <a:txBody>
+                    <a:bodyPr/>
+                    <a:lstStyle/>
+                    <a:p>
+                      <a:pPr latinLnBrk="1"/>
+                      <a:endParaRPr lang="ko-KR" altLang="en-US" sz="1100"/>
+                    </a:p>
+                  </a:txBody>
+                  <a:tcPr/>
+                </a:tc>
+                <a:tc>
+                  <a:txBody>
+                    <a:bodyPr/>
+                    <a:lstStyle/>
+                    <a:p>
+                      <a:pPr latinLnBrk="1"/>
+                      <a:endParaRPr lang="ko-KR" altLang="en-US" sz="1100"/>
+                    </a:p>
+                  </a:txBody>
+                  <a:tcPr/>
+                </a:tc>
+                <a:tc>
+                  <a:txBody>
+                    <a:bodyPr/>
+                    <a:lstStyle/>
+                    <a:p>
+                      <a:pPr latinLnBrk="1"/>
+                      <a:endParaRPr lang="ko-KR" altLang="en-US" sz="1100"/>
+                    </a:p>
+                  </a:txBody>
+                  <a:tcPr/>
+                </a:tc>
+                <a:tc>
+                  <a:txBody>
+                    <a:bodyPr/>
+                    <a:lstStyle/>
+                    <a:p>
+                      <a:pPr latinLnBrk="1"/>
+                      <a:endParaRPr lang="ko-KR" altLang="en-US" sz="1100" dirty="0"/>
+                    </a:p>
+                  </a:txBody>
+                  <a:tcPr/>
+                </a:tc>
+                <a:extLst>
+                  <a:ext uri="{0D108BD9-81ED-4DB2-BD59-A6C34878D82A}">
+                    <a16:rowId xmlns:a16="http://schemas.microsoft.com/office/drawing/2014/main" val="2906129826"/>
+                  </a:ext>
+                </a:extLst>
+              </a:tr>
+            </a:tbl>
+          </a:graphicData>
+        </a:graphic>
+      </p:graphicFrame>
+    </p:spTree>
+    <p:extLst>
+      <p:ext uri="{BB962C8B-B14F-4D97-AF65-F5344CB8AC3E}">
+        <p14:creationId xmlns:p14="http://schemas.microsoft.com/office/powerpoint/2010/main" val="3776002970"/>
       </p:ext>
     </p:extLst>
   </p:cSld>

--- a/DsDotNet/src/UnitTest/UnitTest.Model/ImportOfficeExample/exportDS/testA/testMy/my.pptx
+++ b/DsDotNet/src/UnitTest/UnitTest.Model/ImportOfficeExample/exportDS/testA/testMy/my.pptx
@@ -9,7 +9,6 @@
     <p:sldId id="257" r:id="rId3"/>
     <p:sldId id="259" r:id="rId4"/>
     <p:sldId id="261" r:id="rId5"/>
-    <p:sldId id="262" r:id="rId6"/>
   </p:sldIdLst>
   <p:sldSz cx="12192000" cy="6858000"/>
   <p:notesSz cx="6858000" cy="9144000"/>
@@ -3398,7 +3397,7 @@
 </file>
 
 <file path=ppt/slides/slide2.xml><?xml version="1.0" encoding="utf-8"?>
-<p:sld xmlns:a="http://schemas.openxmlformats.org/drawingml/2006/main" xmlns:r="http://schemas.openxmlformats.org/officeDocument/2006/relationships" xmlns:p="http://schemas.openxmlformats.org/presentationml/2006/main">
+<p:sld xmlns:a="http://schemas.openxmlformats.org/drawingml/2006/main" xmlns:r="http://schemas.openxmlformats.org/officeDocument/2006/relationships" xmlns:p="http://schemas.openxmlformats.org/presentationml/2006/main" show="0">
   <p:cSld>
     <p:spTree>
       <p:nvGrpSpPr>
@@ -4043,12 +4042,527 @@
           </a:p>
         </p:txBody>
       </p:sp>
-      <p:sp>
-        <p:nvSpPr>
-          <p:cNvPr id="18" name="내용 개체 틀 17">
-            <a:extLst>
-              <a:ext uri="{FF2B5EF4-FFF2-40B4-BE49-F238E27FC236}">
-                <a16:creationId xmlns:a16="http://schemas.microsoft.com/office/drawing/2014/main" id="{38169D36-59DD-CA7E-9C07-41007F3878DC}"/>
+      <p:grpSp>
+        <p:nvGrpSpPr>
+          <p:cNvPr id="29" name="그룹 28">
+            <a:extLst>
+              <a:ext uri="{FF2B5EF4-FFF2-40B4-BE49-F238E27FC236}">
+                <a16:creationId xmlns:a16="http://schemas.microsoft.com/office/drawing/2014/main" id="{53FA60C8-02CB-E9DF-0DE0-59EFF8B1F222}"/>
+              </a:ext>
+            </a:extLst>
+          </p:cNvPr>
+          <p:cNvGrpSpPr/>
+          <p:nvPr/>
+        </p:nvGrpSpPr>
+        <p:grpSpPr>
+          <a:xfrm>
+            <a:off x="1041400" y="1919288"/>
+            <a:ext cx="5994400" cy="4116879"/>
+            <a:chOff x="838200" y="2029920"/>
+            <a:chExt cx="5994400" cy="4116879"/>
+          </a:xfrm>
+        </p:grpSpPr>
+        <p:sp>
+          <p:nvSpPr>
+            <p:cNvPr id="13" name="직사각형 12">
+              <a:extLst>
+                <a:ext uri="{FF2B5EF4-FFF2-40B4-BE49-F238E27FC236}">
+                  <a16:creationId xmlns:a16="http://schemas.microsoft.com/office/drawing/2014/main" id="{5EC5A213-423F-05C3-41B1-56752BB443E3}"/>
+                </a:ext>
+              </a:extLst>
+            </p:cNvPr>
+            <p:cNvSpPr/>
+            <p:nvPr/>
+          </p:nvSpPr>
+          <p:spPr>
+            <a:xfrm>
+              <a:off x="838200" y="2029920"/>
+              <a:ext cx="5994400" cy="4116879"/>
+            </a:xfrm>
+            <a:prstGeom prst="rect">
+              <a:avLst/>
+            </a:prstGeom>
+          </p:spPr>
+          <p:style>
+            <a:lnRef idx="2">
+              <a:schemeClr val="accent5">
+                <a:shade val="15000"/>
+              </a:schemeClr>
+            </a:lnRef>
+            <a:fillRef idx="1">
+              <a:schemeClr val="accent5"/>
+            </a:fillRef>
+            <a:effectRef idx="0">
+              <a:schemeClr val="accent5"/>
+            </a:effectRef>
+            <a:fontRef idx="minor">
+              <a:schemeClr val="lt1"/>
+            </a:fontRef>
+          </p:style>
+          <p:txBody>
+            <a:bodyPr rtlCol="0" anchor="ctr"/>
+            <a:lstStyle/>
+            <a:p>
+              <a:pPr algn="ctr"/>
+              <a:r>
+                <a:rPr lang="en-US" altLang="ko-KR" dirty="0"/>
+                <a:t>WORK1</a:t>
+              </a:r>
+              <a:endParaRPr lang="ko-KR" altLang="en-US" dirty="0"/>
+            </a:p>
+          </p:txBody>
+        </p:sp>
+        <p:sp>
+          <p:nvSpPr>
+            <p:cNvPr id="46" name="타원 45">
+              <a:extLst>
+                <a:ext uri="{FF2B5EF4-FFF2-40B4-BE49-F238E27FC236}">
+                  <a16:creationId xmlns:a16="http://schemas.microsoft.com/office/drawing/2014/main" id="{372359AD-9A8C-5210-B8A4-166BAF7C4BFC}"/>
+                </a:ext>
+              </a:extLst>
+            </p:cNvPr>
+            <p:cNvSpPr/>
+            <p:nvPr/>
+          </p:nvSpPr>
+          <p:spPr>
+            <a:xfrm>
+              <a:off x="1048248" y="2358340"/>
+              <a:ext cx="1958634" cy="938775"/>
+            </a:xfrm>
+            <a:prstGeom prst="ellipse">
+              <a:avLst/>
+            </a:prstGeom>
+          </p:spPr>
+          <p:style>
+            <a:lnRef idx="2">
+              <a:schemeClr val="accent1">
+                <a:shade val="15000"/>
+              </a:schemeClr>
+            </a:lnRef>
+            <a:fillRef idx="1">
+              <a:schemeClr val="accent1"/>
+            </a:fillRef>
+            <a:effectRef idx="0">
+              <a:schemeClr val="accent1"/>
+            </a:effectRef>
+            <a:fontRef idx="minor">
+              <a:schemeClr val="lt1"/>
+            </a:fontRef>
+          </p:style>
+          <p:txBody>
+            <a:bodyPr rtlCol="0" anchor="ctr"/>
+            <a:lstStyle/>
+            <a:p>
+              <a:pPr algn="ctr"/>
+              <a:r>
+                <a:rPr lang="en-US" altLang="ko-KR" dirty="0"/>
+                <a:t>1.FWD[P]</a:t>
+              </a:r>
+              <a:endParaRPr lang="ko-KR" altLang="en-US" dirty="0"/>
+            </a:p>
+          </p:txBody>
+        </p:sp>
+        <p:sp>
+          <p:nvSpPr>
+            <p:cNvPr id="47" name="타원 46">
+              <a:extLst>
+                <a:ext uri="{FF2B5EF4-FFF2-40B4-BE49-F238E27FC236}">
+                  <a16:creationId xmlns:a16="http://schemas.microsoft.com/office/drawing/2014/main" id="{1379FCA7-DCCD-3FEB-40C4-10D7022062C7}"/>
+                </a:ext>
+              </a:extLst>
+            </p:cNvPr>
+            <p:cNvSpPr/>
+            <p:nvPr/>
+          </p:nvSpPr>
+          <p:spPr>
+            <a:xfrm>
+              <a:off x="3577776" y="2587291"/>
+              <a:ext cx="1236940" cy="938775"/>
+            </a:xfrm>
+            <a:prstGeom prst="ellipse">
+              <a:avLst/>
+            </a:prstGeom>
+          </p:spPr>
+          <p:style>
+            <a:lnRef idx="2">
+              <a:schemeClr val="accent1">
+                <a:shade val="15000"/>
+              </a:schemeClr>
+            </a:lnRef>
+            <a:fillRef idx="1">
+              <a:schemeClr val="accent1"/>
+            </a:fillRef>
+            <a:effectRef idx="0">
+              <a:schemeClr val="accent1"/>
+            </a:effectRef>
+            <a:fontRef idx="minor">
+              <a:schemeClr val="lt1"/>
+            </a:fontRef>
+          </p:style>
+          <p:txBody>
+            <a:bodyPr rtlCol="0" anchor="ctr"/>
+            <a:lstStyle/>
+            <a:p>
+              <a:pPr algn="ctr"/>
+              <a:r>
+                <a:rPr lang="en-US" altLang="ko-KR" dirty="0"/>
+                <a:t>1.-</a:t>
+              </a:r>
+              <a:endParaRPr lang="ko-KR" altLang="en-US" dirty="0"/>
+            </a:p>
+          </p:txBody>
+        </p:sp>
+        <p:cxnSp>
+          <p:nvCxnSpPr>
+            <p:cNvPr id="49" name="연결선: 꺾임 48">
+              <a:extLst>
+                <a:ext uri="{FF2B5EF4-FFF2-40B4-BE49-F238E27FC236}">
+                  <a16:creationId xmlns:a16="http://schemas.microsoft.com/office/drawing/2014/main" id="{061DF60F-9629-5C85-3C1D-9477895782B3}"/>
+                </a:ext>
+              </a:extLst>
+            </p:cNvPr>
+            <p:cNvCxnSpPr>
+              <a:cxnSpLocks/>
+              <a:stCxn id="46" idx="6"/>
+              <a:endCxn id="47" idx="2"/>
+            </p:cNvCxnSpPr>
+            <p:nvPr/>
+          </p:nvCxnSpPr>
+          <p:spPr>
+            <a:xfrm>
+              <a:off x="3006882" y="2827728"/>
+              <a:ext cx="570894" cy="228951"/>
+            </a:xfrm>
+            <a:prstGeom prst="bentConnector3">
+              <a:avLst>
+                <a:gd name="adj1" fmla="val 50000"/>
+              </a:avLst>
+            </a:prstGeom>
+            <a:ln>
+              <a:tailEnd type="triangle"/>
+            </a:ln>
+          </p:spPr>
+          <p:style>
+            <a:lnRef idx="1">
+              <a:schemeClr val="accent1"/>
+            </a:lnRef>
+            <a:fillRef idx="0">
+              <a:schemeClr val="accent1"/>
+            </a:fillRef>
+            <a:effectRef idx="0">
+              <a:schemeClr val="accent1"/>
+            </a:effectRef>
+            <a:fontRef idx="minor">
+              <a:schemeClr val="tx1"/>
+            </a:fontRef>
+          </p:style>
+        </p:cxnSp>
+        <p:sp>
+          <p:nvSpPr>
+            <p:cNvPr id="9" name="타원 8">
+              <a:extLst>
+                <a:ext uri="{FF2B5EF4-FFF2-40B4-BE49-F238E27FC236}">
+                  <a16:creationId xmlns:a16="http://schemas.microsoft.com/office/drawing/2014/main" id="{46888E4C-42DB-ABC9-C132-71CA4AD80CEE}"/>
+                </a:ext>
+              </a:extLst>
+            </p:cNvPr>
+            <p:cNvSpPr/>
+            <p:nvPr/>
+          </p:nvSpPr>
+          <p:spPr>
+            <a:xfrm>
+              <a:off x="3089930" y="4230147"/>
+              <a:ext cx="1236940" cy="938775"/>
+            </a:xfrm>
+            <a:prstGeom prst="ellipse">
+              <a:avLst/>
+            </a:prstGeom>
+          </p:spPr>
+          <p:style>
+            <a:lnRef idx="2">
+              <a:schemeClr val="accent1">
+                <a:shade val="15000"/>
+              </a:schemeClr>
+            </a:lnRef>
+            <a:fillRef idx="1">
+              <a:schemeClr val="accent1"/>
+            </a:fillRef>
+            <a:effectRef idx="0">
+              <a:schemeClr val="accent1"/>
+            </a:effectRef>
+            <a:fontRef idx="minor">
+              <a:schemeClr val="lt1"/>
+            </a:fontRef>
+          </p:style>
+          <p:txBody>
+            <a:bodyPr rtlCol="0" anchor="ctr"/>
+            <a:lstStyle/>
+            <a:p>
+              <a:pPr algn="ctr"/>
+              <a:r>
+                <a:rPr lang="en-US" altLang="ko-KR"/>
+                <a:t>2.+</a:t>
+              </a:r>
+              <a:endParaRPr lang="ko-KR" altLang="en-US" dirty="0"/>
+            </a:p>
+          </p:txBody>
+        </p:sp>
+        <p:sp>
+          <p:nvSpPr>
+            <p:cNvPr id="10" name="타원 9">
+              <a:extLst>
+                <a:ext uri="{FF2B5EF4-FFF2-40B4-BE49-F238E27FC236}">
+                  <a16:creationId xmlns:a16="http://schemas.microsoft.com/office/drawing/2014/main" id="{41DDADBD-54A9-2989-E4C9-30546B088469}"/>
+                </a:ext>
+              </a:extLst>
+            </p:cNvPr>
+            <p:cNvSpPr/>
+            <p:nvPr/>
+          </p:nvSpPr>
+          <p:spPr>
+            <a:xfrm>
+              <a:off x="4859060" y="4699534"/>
+              <a:ext cx="1236940" cy="938775"/>
+            </a:xfrm>
+            <a:prstGeom prst="ellipse">
+              <a:avLst/>
+            </a:prstGeom>
+          </p:spPr>
+          <p:style>
+            <a:lnRef idx="2">
+              <a:schemeClr val="accent1">
+                <a:shade val="15000"/>
+              </a:schemeClr>
+            </a:lnRef>
+            <a:fillRef idx="1">
+              <a:schemeClr val="accent1"/>
+            </a:fillRef>
+            <a:effectRef idx="0">
+              <a:schemeClr val="accent1"/>
+            </a:effectRef>
+            <a:fontRef idx="minor">
+              <a:schemeClr val="lt1"/>
+            </a:fontRef>
+          </p:style>
+          <p:txBody>
+            <a:bodyPr rtlCol="0" anchor="ctr"/>
+            <a:lstStyle/>
+            <a:p>
+              <a:pPr algn="ctr"/>
+              <a:r>
+                <a:rPr lang="en-US" altLang="ko-KR" dirty="0"/>
+                <a:t>2.-</a:t>
+              </a:r>
+              <a:endParaRPr lang="ko-KR" altLang="en-US" dirty="0"/>
+            </a:p>
+          </p:txBody>
+        </p:sp>
+        <p:cxnSp>
+          <p:nvCxnSpPr>
+            <p:cNvPr id="11" name="연결선: 꺾임 10">
+              <a:extLst>
+                <a:ext uri="{FF2B5EF4-FFF2-40B4-BE49-F238E27FC236}">
+                  <a16:creationId xmlns:a16="http://schemas.microsoft.com/office/drawing/2014/main" id="{D2D1A329-ABA6-73C1-36EB-C59DE4C8ADBA}"/>
+                </a:ext>
+              </a:extLst>
+            </p:cNvPr>
+            <p:cNvCxnSpPr>
+              <a:cxnSpLocks/>
+              <a:stCxn id="46" idx="4"/>
+              <a:endCxn id="9" idx="2"/>
+            </p:cNvCxnSpPr>
+            <p:nvPr/>
+          </p:nvCxnSpPr>
+          <p:spPr>
+            <a:xfrm rot="16200000" flipH="1">
+              <a:off x="1857537" y="3467142"/>
+              <a:ext cx="1402420" cy="1062365"/>
+            </a:xfrm>
+            <a:prstGeom prst="bentConnector2">
+              <a:avLst/>
+            </a:prstGeom>
+            <a:ln>
+              <a:tailEnd type="triangle"/>
+            </a:ln>
+          </p:spPr>
+          <p:style>
+            <a:lnRef idx="1">
+              <a:schemeClr val="accent1"/>
+            </a:lnRef>
+            <a:fillRef idx="0">
+              <a:schemeClr val="accent1"/>
+            </a:fillRef>
+            <a:effectRef idx="0">
+              <a:schemeClr val="accent1"/>
+            </a:effectRef>
+            <a:fontRef idx="minor">
+              <a:schemeClr val="tx1"/>
+            </a:fontRef>
+          </p:style>
+        </p:cxnSp>
+        <p:cxnSp>
+          <p:nvCxnSpPr>
+            <p:cNvPr id="20" name="연결선: 꺾임 19">
+              <a:extLst>
+                <a:ext uri="{FF2B5EF4-FFF2-40B4-BE49-F238E27FC236}">
+                  <a16:creationId xmlns:a16="http://schemas.microsoft.com/office/drawing/2014/main" id="{842E0B22-6800-3D03-85EE-B99A55FC321E}"/>
+                </a:ext>
+              </a:extLst>
+            </p:cNvPr>
+            <p:cNvCxnSpPr>
+              <a:cxnSpLocks/>
+              <a:stCxn id="47" idx="6"/>
+              <a:endCxn id="10" idx="0"/>
+            </p:cNvCxnSpPr>
+            <p:nvPr/>
+          </p:nvCxnSpPr>
+          <p:spPr>
+            <a:xfrm>
+              <a:off x="4814716" y="3056679"/>
+              <a:ext cx="662814" cy="1642855"/>
+            </a:xfrm>
+            <a:prstGeom prst="bentConnector2">
+              <a:avLst/>
+            </a:prstGeom>
+            <a:ln>
+              <a:tailEnd type="triangle"/>
+            </a:ln>
+          </p:spPr>
+          <p:style>
+            <a:lnRef idx="1">
+              <a:schemeClr val="accent1"/>
+            </a:lnRef>
+            <a:fillRef idx="0">
+              <a:schemeClr val="accent1"/>
+            </a:fillRef>
+            <a:effectRef idx="0">
+              <a:schemeClr val="accent1"/>
+            </a:effectRef>
+            <a:fontRef idx="minor">
+              <a:schemeClr val="tx1"/>
+            </a:fontRef>
+          </p:style>
+        </p:cxnSp>
+        <p:cxnSp>
+          <p:nvCxnSpPr>
+            <p:cNvPr id="21" name="연결선: 꺾임 20">
+              <a:extLst>
+                <a:ext uri="{FF2B5EF4-FFF2-40B4-BE49-F238E27FC236}">
+                  <a16:creationId xmlns:a16="http://schemas.microsoft.com/office/drawing/2014/main" id="{2D69A2BA-A12B-066A-E9D0-7D0EA79EBCBC}"/>
+                </a:ext>
+              </a:extLst>
+            </p:cNvPr>
+            <p:cNvCxnSpPr>
+              <a:cxnSpLocks/>
+              <a:stCxn id="9" idx="6"/>
+              <a:endCxn id="10" idx="2"/>
+            </p:cNvCxnSpPr>
+            <p:nvPr/>
+          </p:nvCxnSpPr>
+          <p:spPr>
+            <a:xfrm>
+              <a:off x="4326870" y="4699535"/>
+              <a:ext cx="532190" cy="469387"/>
+            </a:xfrm>
+            <a:prstGeom prst="bentConnector3">
+              <a:avLst>
+                <a:gd name="adj1" fmla="val 50000"/>
+              </a:avLst>
+            </a:prstGeom>
+            <a:ln>
+              <a:tailEnd type="triangle"/>
+            </a:ln>
+          </p:spPr>
+          <p:style>
+            <a:lnRef idx="1">
+              <a:schemeClr val="accent1"/>
+            </a:lnRef>
+            <a:fillRef idx="0">
+              <a:schemeClr val="accent1"/>
+            </a:fillRef>
+            <a:effectRef idx="0">
+              <a:schemeClr val="accent1"/>
+            </a:effectRef>
+            <a:fontRef idx="minor">
+              <a:schemeClr val="tx1"/>
+            </a:fontRef>
+          </p:style>
+        </p:cxnSp>
+      </p:grpSp>
+    </p:spTree>
+    <p:extLst>
+      <p:ext uri="{BB962C8B-B14F-4D97-AF65-F5344CB8AC3E}">
+        <p14:creationId xmlns:p14="http://schemas.microsoft.com/office/powerpoint/2010/main" val="2589817974"/>
+      </p:ext>
+    </p:extLst>
+  </p:cSld>
+  <p:clrMapOvr>
+    <a:masterClrMapping/>
+  </p:clrMapOvr>
+</p:sld>
+</file>
+
+<file path=ppt/slides/slide4.xml><?xml version="1.0" encoding="utf-8"?>
+<p:sld xmlns:a="http://schemas.openxmlformats.org/drawingml/2006/main" xmlns:r="http://schemas.openxmlformats.org/officeDocument/2006/relationships" xmlns:p="http://schemas.openxmlformats.org/presentationml/2006/main" show="0">
+  <p:cSld>
+    <p:spTree>
+      <p:nvGrpSpPr>
+        <p:cNvPr id="1" name=""/>
+        <p:cNvGrpSpPr/>
+        <p:nvPr/>
+      </p:nvGrpSpPr>
+      <p:grpSpPr>
+        <a:xfrm>
+          <a:off x="0" y="0"/>
+          <a:ext cx="0" cy="0"/>
+          <a:chOff x="0" y="0"/>
+          <a:chExt cx="0" cy="0"/>
+        </a:xfrm>
+      </p:grpSpPr>
+      <p:sp>
+        <p:nvSpPr>
+          <p:cNvPr id="2" name="제목 1">
+            <a:extLst>
+              <a:ext uri="{FF2B5EF4-FFF2-40B4-BE49-F238E27FC236}">
+                <a16:creationId xmlns:a16="http://schemas.microsoft.com/office/drawing/2014/main" id="{1A69DDD8-5545-A829-82DF-051DB1771928}"/>
+              </a:ext>
+            </a:extLst>
+          </p:cNvPr>
+          <p:cNvSpPr>
+            <a:spLocks noGrp="1"/>
+          </p:cNvSpPr>
+          <p:nvPr>
+            <p:ph type="title"/>
+          </p:nvPr>
+        </p:nvSpPr>
+        <p:spPr>
+          <a:xfrm>
+            <a:off x="838200" y="365125"/>
+            <a:ext cx="10515600" cy="1325563"/>
+          </a:xfrm>
+        </p:spPr>
+        <p:txBody>
+          <a:bodyPr/>
+          <a:lstStyle/>
+          <a:p>
+            <a:r>
+              <a:rPr lang="en-US" altLang="ko-KR" dirty="0"/>
+              <a:t>STN01</a:t>
+            </a:r>
+            <a:r>
+              <a:rPr lang="en-US" altLang="ko-KR"/>
+              <a:t>_UsingLIB2</a:t>
+            </a:r>
+            <a:endParaRPr lang="ko-KR" altLang="en-US" dirty="0"/>
+          </a:p>
+        </p:txBody>
+      </p:sp>
+      <p:sp>
+        <p:nvSpPr>
+          <p:cNvPr id="24" name="내용 개체 틀 23">
+            <a:extLst>
+              <a:ext uri="{FF2B5EF4-FFF2-40B4-BE49-F238E27FC236}">
+                <a16:creationId xmlns:a16="http://schemas.microsoft.com/office/drawing/2014/main" id="{5328F27B-751C-120A-8A48-BFBAC2FE53D6}"/>
               </a:ext>
             </a:extLst>
           </p:cNvPr>
@@ -4514,545 +5028,6 @@
           </p:style>
         </p:cxnSp>
       </p:grpSp>
-    </p:spTree>
-    <p:extLst>
-      <p:ext uri="{BB962C8B-B14F-4D97-AF65-F5344CB8AC3E}">
-        <p14:creationId xmlns:p14="http://schemas.microsoft.com/office/powerpoint/2010/main" val="2589817974"/>
-      </p:ext>
-    </p:extLst>
-  </p:cSld>
-  <p:clrMapOvr>
-    <a:masterClrMapping/>
-  </p:clrMapOvr>
-</p:sld>
-</file>
-
-<file path=ppt/slides/slide4.xml><?xml version="1.0" encoding="utf-8"?>
-<p:sld xmlns:a="http://schemas.openxmlformats.org/drawingml/2006/main" xmlns:r="http://schemas.openxmlformats.org/officeDocument/2006/relationships" xmlns:p="http://schemas.openxmlformats.org/presentationml/2006/main">
-  <p:cSld>
-    <p:spTree>
-      <p:nvGrpSpPr>
-        <p:cNvPr id="1" name=""/>
-        <p:cNvGrpSpPr/>
-        <p:nvPr/>
-      </p:nvGrpSpPr>
-      <p:grpSpPr>
-        <a:xfrm>
-          <a:off x="0" y="0"/>
-          <a:ext cx="0" cy="0"/>
-          <a:chOff x="0" y="0"/>
-          <a:chExt cx="0" cy="0"/>
-        </a:xfrm>
-      </p:grpSpPr>
-      <p:sp>
-        <p:nvSpPr>
-          <p:cNvPr id="2" name="제목 1">
-            <a:extLst>
-              <a:ext uri="{FF2B5EF4-FFF2-40B4-BE49-F238E27FC236}">
-                <a16:creationId xmlns:a16="http://schemas.microsoft.com/office/drawing/2014/main" id="{1A69DDD8-5545-A829-82DF-051DB1771928}"/>
-              </a:ext>
-            </a:extLst>
-          </p:cNvPr>
-          <p:cNvSpPr>
-            <a:spLocks noGrp="1"/>
-          </p:cNvSpPr>
-          <p:nvPr>
-            <p:ph type="title"/>
-          </p:nvPr>
-        </p:nvSpPr>
-        <p:spPr>
-          <a:xfrm>
-            <a:off x="838200" y="365125"/>
-            <a:ext cx="10515600" cy="1325563"/>
-          </a:xfrm>
-        </p:spPr>
-        <p:txBody>
-          <a:bodyPr/>
-          <a:lstStyle/>
-          <a:p>
-            <a:r>
-              <a:rPr lang="en-US" altLang="ko-KR" dirty="0"/>
-              <a:t>STN01</a:t>
-            </a:r>
-            <a:r>
-              <a:rPr lang="en-US" altLang="ko-KR"/>
-              <a:t>_UsingLIB2</a:t>
-            </a:r>
-            <a:endParaRPr lang="ko-KR" altLang="en-US" dirty="0"/>
-          </a:p>
-        </p:txBody>
-      </p:sp>
-      <p:sp>
-        <p:nvSpPr>
-          <p:cNvPr id="24" name="내용 개체 틀 23">
-            <a:extLst>
-              <a:ext uri="{FF2B5EF4-FFF2-40B4-BE49-F238E27FC236}">
-                <a16:creationId xmlns:a16="http://schemas.microsoft.com/office/drawing/2014/main" id="{5328F27B-751C-120A-8A48-BFBAC2FE53D6}"/>
-              </a:ext>
-            </a:extLst>
-          </p:cNvPr>
-          <p:cNvSpPr>
-            <a:spLocks noGrp="1"/>
-          </p:cNvSpPr>
-          <p:nvPr>
-            <p:ph idx="1"/>
-          </p:nvPr>
-        </p:nvSpPr>
-        <p:spPr/>
-        <p:txBody>
-          <a:bodyPr/>
-          <a:lstStyle/>
-          <a:p>
-            <a:endParaRPr lang="ko-KR" altLang="en-US"/>
-          </a:p>
-        </p:txBody>
-      </p:sp>
-      <p:grpSp>
-        <p:nvGrpSpPr>
-          <p:cNvPr id="29" name="그룹 28">
-            <a:extLst>
-              <a:ext uri="{FF2B5EF4-FFF2-40B4-BE49-F238E27FC236}">
-                <a16:creationId xmlns:a16="http://schemas.microsoft.com/office/drawing/2014/main" id="{53FA60C8-02CB-E9DF-0DE0-59EFF8B1F222}"/>
-              </a:ext>
-            </a:extLst>
-          </p:cNvPr>
-          <p:cNvGrpSpPr/>
-          <p:nvPr/>
-        </p:nvGrpSpPr>
-        <p:grpSpPr>
-          <a:xfrm>
-            <a:off x="1041400" y="1919288"/>
-            <a:ext cx="5994400" cy="4116879"/>
-            <a:chOff x="838200" y="2029920"/>
-            <a:chExt cx="5994400" cy="4116879"/>
-          </a:xfrm>
-        </p:grpSpPr>
-        <p:sp>
-          <p:nvSpPr>
-            <p:cNvPr id="13" name="직사각형 12">
-              <a:extLst>
-                <a:ext uri="{FF2B5EF4-FFF2-40B4-BE49-F238E27FC236}">
-                  <a16:creationId xmlns:a16="http://schemas.microsoft.com/office/drawing/2014/main" id="{5EC5A213-423F-05C3-41B1-56752BB443E3}"/>
-                </a:ext>
-              </a:extLst>
-            </p:cNvPr>
-            <p:cNvSpPr/>
-            <p:nvPr/>
-          </p:nvSpPr>
-          <p:spPr>
-            <a:xfrm>
-              <a:off x="838200" y="2029920"/>
-              <a:ext cx="5994400" cy="4116879"/>
-            </a:xfrm>
-            <a:prstGeom prst="rect">
-              <a:avLst/>
-            </a:prstGeom>
-          </p:spPr>
-          <p:style>
-            <a:lnRef idx="2">
-              <a:schemeClr val="accent5">
-                <a:shade val="15000"/>
-              </a:schemeClr>
-            </a:lnRef>
-            <a:fillRef idx="1">
-              <a:schemeClr val="accent5"/>
-            </a:fillRef>
-            <a:effectRef idx="0">
-              <a:schemeClr val="accent5"/>
-            </a:effectRef>
-            <a:fontRef idx="minor">
-              <a:schemeClr val="lt1"/>
-            </a:fontRef>
-          </p:style>
-          <p:txBody>
-            <a:bodyPr rtlCol="0" anchor="ctr"/>
-            <a:lstStyle/>
-            <a:p>
-              <a:pPr algn="ctr"/>
-              <a:r>
-                <a:rPr lang="en-US" altLang="ko-KR" dirty="0"/>
-                <a:t>WORK1</a:t>
-              </a:r>
-              <a:endParaRPr lang="ko-KR" altLang="en-US" dirty="0"/>
-            </a:p>
-          </p:txBody>
-        </p:sp>
-        <p:sp>
-          <p:nvSpPr>
-            <p:cNvPr id="46" name="타원 45">
-              <a:extLst>
-                <a:ext uri="{FF2B5EF4-FFF2-40B4-BE49-F238E27FC236}">
-                  <a16:creationId xmlns:a16="http://schemas.microsoft.com/office/drawing/2014/main" id="{372359AD-9A8C-5210-B8A4-166BAF7C4BFC}"/>
-                </a:ext>
-              </a:extLst>
-            </p:cNvPr>
-            <p:cNvSpPr/>
-            <p:nvPr/>
-          </p:nvSpPr>
-          <p:spPr>
-            <a:xfrm>
-              <a:off x="1292217" y="2490225"/>
-              <a:ext cx="1236940" cy="938775"/>
-            </a:xfrm>
-            <a:prstGeom prst="ellipse">
-              <a:avLst/>
-            </a:prstGeom>
-          </p:spPr>
-          <p:style>
-            <a:lnRef idx="2">
-              <a:schemeClr val="accent1">
-                <a:shade val="15000"/>
-              </a:schemeClr>
-            </a:lnRef>
-            <a:fillRef idx="1">
-              <a:schemeClr val="accent1"/>
-            </a:fillRef>
-            <a:effectRef idx="0">
-              <a:schemeClr val="accent1"/>
-            </a:effectRef>
-            <a:fontRef idx="minor">
-              <a:schemeClr val="lt1"/>
-            </a:fontRef>
-          </p:style>
-          <p:txBody>
-            <a:bodyPr rtlCol="0" anchor="ctr"/>
-            <a:lstStyle/>
-            <a:p>
-              <a:pPr algn="ctr"/>
-              <a:r>
-                <a:rPr lang="en-US" altLang="ko-KR" dirty="0"/>
-                <a:t>1.+</a:t>
-              </a:r>
-              <a:endParaRPr lang="ko-KR" altLang="en-US" dirty="0"/>
-            </a:p>
-          </p:txBody>
-        </p:sp>
-        <p:sp>
-          <p:nvSpPr>
-            <p:cNvPr id="47" name="타원 46">
-              <a:extLst>
-                <a:ext uri="{FF2B5EF4-FFF2-40B4-BE49-F238E27FC236}">
-                  <a16:creationId xmlns:a16="http://schemas.microsoft.com/office/drawing/2014/main" id="{1379FCA7-DCCD-3FEB-40C4-10D7022062C7}"/>
-                </a:ext>
-              </a:extLst>
-            </p:cNvPr>
-            <p:cNvSpPr/>
-            <p:nvPr/>
-          </p:nvSpPr>
-          <p:spPr>
-            <a:xfrm>
-              <a:off x="3216930" y="2660646"/>
-              <a:ext cx="1236940" cy="938775"/>
-            </a:xfrm>
-            <a:prstGeom prst="ellipse">
-              <a:avLst/>
-            </a:prstGeom>
-          </p:spPr>
-          <p:style>
-            <a:lnRef idx="2">
-              <a:schemeClr val="accent1">
-                <a:shade val="15000"/>
-              </a:schemeClr>
-            </a:lnRef>
-            <a:fillRef idx="1">
-              <a:schemeClr val="accent1"/>
-            </a:fillRef>
-            <a:effectRef idx="0">
-              <a:schemeClr val="accent1"/>
-            </a:effectRef>
-            <a:fontRef idx="minor">
-              <a:schemeClr val="lt1"/>
-            </a:fontRef>
-          </p:style>
-          <p:txBody>
-            <a:bodyPr rtlCol="0" anchor="ctr"/>
-            <a:lstStyle/>
-            <a:p>
-              <a:pPr algn="ctr"/>
-              <a:r>
-                <a:rPr lang="en-US" altLang="ko-KR" dirty="0"/>
-                <a:t>1.-</a:t>
-              </a:r>
-              <a:endParaRPr lang="ko-KR" altLang="en-US" dirty="0"/>
-            </a:p>
-          </p:txBody>
-        </p:sp>
-        <p:cxnSp>
-          <p:nvCxnSpPr>
-            <p:cNvPr id="49" name="연결선: 꺾임 48">
-              <a:extLst>
-                <a:ext uri="{FF2B5EF4-FFF2-40B4-BE49-F238E27FC236}">
-                  <a16:creationId xmlns:a16="http://schemas.microsoft.com/office/drawing/2014/main" id="{061DF60F-9629-5C85-3C1D-9477895782B3}"/>
-                </a:ext>
-              </a:extLst>
-            </p:cNvPr>
-            <p:cNvCxnSpPr>
-              <a:stCxn id="46" idx="6"/>
-              <a:endCxn id="47" idx="2"/>
-            </p:cNvCxnSpPr>
-            <p:nvPr/>
-          </p:nvCxnSpPr>
-          <p:spPr>
-            <a:xfrm>
-              <a:off x="2529157" y="2959613"/>
-              <a:ext cx="687773" cy="170421"/>
-            </a:xfrm>
-            <a:prstGeom prst="bentConnector3">
-              <a:avLst>
-                <a:gd name="adj1" fmla="val 50000"/>
-              </a:avLst>
-            </a:prstGeom>
-            <a:ln>
-              <a:tailEnd type="triangle"/>
-            </a:ln>
-          </p:spPr>
-          <p:style>
-            <a:lnRef idx="1">
-              <a:schemeClr val="accent1"/>
-            </a:lnRef>
-            <a:fillRef idx="0">
-              <a:schemeClr val="accent1"/>
-            </a:fillRef>
-            <a:effectRef idx="0">
-              <a:schemeClr val="accent1"/>
-            </a:effectRef>
-            <a:fontRef idx="minor">
-              <a:schemeClr val="tx1"/>
-            </a:fontRef>
-          </p:style>
-        </p:cxnSp>
-        <p:sp>
-          <p:nvSpPr>
-            <p:cNvPr id="9" name="타원 8">
-              <a:extLst>
-                <a:ext uri="{FF2B5EF4-FFF2-40B4-BE49-F238E27FC236}">
-                  <a16:creationId xmlns:a16="http://schemas.microsoft.com/office/drawing/2014/main" id="{46888E4C-42DB-ABC9-C132-71CA4AD80CEE}"/>
-                </a:ext>
-              </a:extLst>
-            </p:cNvPr>
-            <p:cNvSpPr/>
-            <p:nvPr/>
-          </p:nvSpPr>
-          <p:spPr>
-            <a:xfrm>
-              <a:off x="3089930" y="4230147"/>
-              <a:ext cx="1236940" cy="938775"/>
-            </a:xfrm>
-            <a:prstGeom prst="ellipse">
-              <a:avLst/>
-            </a:prstGeom>
-          </p:spPr>
-          <p:style>
-            <a:lnRef idx="2">
-              <a:schemeClr val="accent1">
-                <a:shade val="15000"/>
-              </a:schemeClr>
-            </a:lnRef>
-            <a:fillRef idx="1">
-              <a:schemeClr val="accent1"/>
-            </a:fillRef>
-            <a:effectRef idx="0">
-              <a:schemeClr val="accent1"/>
-            </a:effectRef>
-            <a:fontRef idx="minor">
-              <a:schemeClr val="lt1"/>
-            </a:fontRef>
-          </p:style>
-          <p:txBody>
-            <a:bodyPr rtlCol="0" anchor="ctr"/>
-            <a:lstStyle/>
-            <a:p>
-              <a:pPr algn="ctr"/>
-              <a:r>
-                <a:rPr lang="en-US" altLang="ko-KR"/>
-                <a:t>2.+</a:t>
-              </a:r>
-              <a:endParaRPr lang="ko-KR" altLang="en-US" dirty="0"/>
-            </a:p>
-          </p:txBody>
-        </p:sp>
-        <p:sp>
-          <p:nvSpPr>
-            <p:cNvPr id="10" name="타원 9">
-              <a:extLst>
-                <a:ext uri="{FF2B5EF4-FFF2-40B4-BE49-F238E27FC236}">
-                  <a16:creationId xmlns:a16="http://schemas.microsoft.com/office/drawing/2014/main" id="{41DDADBD-54A9-2989-E4C9-30546B088469}"/>
-                </a:ext>
-              </a:extLst>
-            </p:cNvPr>
-            <p:cNvSpPr/>
-            <p:nvPr/>
-          </p:nvSpPr>
-          <p:spPr>
-            <a:xfrm>
-              <a:off x="4859060" y="4699534"/>
-              <a:ext cx="1236940" cy="938775"/>
-            </a:xfrm>
-            <a:prstGeom prst="ellipse">
-              <a:avLst/>
-            </a:prstGeom>
-          </p:spPr>
-          <p:style>
-            <a:lnRef idx="2">
-              <a:schemeClr val="accent1">
-                <a:shade val="15000"/>
-              </a:schemeClr>
-            </a:lnRef>
-            <a:fillRef idx="1">
-              <a:schemeClr val="accent1"/>
-            </a:fillRef>
-            <a:effectRef idx="0">
-              <a:schemeClr val="accent1"/>
-            </a:effectRef>
-            <a:fontRef idx="minor">
-              <a:schemeClr val="lt1"/>
-            </a:fontRef>
-          </p:style>
-          <p:txBody>
-            <a:bodyPr rtlCol="0" anchor="ctr"/>
-            <a:lstStyle/>
-            <a:p>
-              <a:pPr algn="ctr"/>
-              <a:r>
-                <a:rPr lang="en-US" altLang="ko-KR" dirty="0"/>
-                <a:t>2.-</a:t>
-              </a:r>
-              <a:endParaRPr lang="ko-KR" altLang="en-US" dirty="0"/>
-            </a:p>
-          </p:txBody>
-        </p:sp>
-        <p:cxnSp>
-          <p:nvCxnSpPr>
-            <p:cNvPr id="11" name="연결선: 꺾임 10">
-              <a:extLst>
-                <a:ext uri="{FF2B5EF4-FFF2-40B4-BE49-F238E27FC236}">
-                  <a16:creationId xmlns:a16="http://schemas.microsoft.com/office/drawing/2014/main" id="{D2D1A329-ABA6-73C1-36EB-C59DE4C8ADBA}"/>
-                </a:ext>
-              </a:extLst>
-            </p:cNvPr>
-            <p:cNvCxnSpPr>
-              <a:cxnSpLocks/>
-              <a:stCxn id="46" idx="4"/>
-              <a:endCxn id="9" idx="2"/>
-            </p:cNvCxnSpPr>
-            <p:nvPr/>
-          </p:nvCxnSpPr>
-          <p:spPr>
-            <a:xfrm rot="16200000" flipH="1">
-              <a:off x="1865041" y="3474645"/>
-              <a:ext cx="1270535" cy="1179243"/>
-            </a:xfrm>
-            <a:prstGeom prst="bentConnector2">
-              <a:avLst/>
-            </a:prstGeom>
-            <a:ln>
-              <a:tailEnd type="triangle"/>
-            </a:ln>
-          </p:spPr>
-          <p:style>
-            <a:lnRef idx="1">
-              <a:schemeClr val="accent1"/>
-            </a:lnRef>
-            <a:fillRef idx="0">
-              <a:schemeClr val="accent1"/>
-            </a:fillRef>
-            <a:effectRef idx="0">
-              <a:schemeClr val="accent1"/>
-            </a:effectRef>
-            <a:fontRef idx="minor">
-              <a:schemeClr val="tx1"/>
-            </a:fontRef>
-          </p:style>
-        </p:cxnSp>
-        <p:cxnSp>
-          <p:nvCxnSpPr>
-            <p:cNvPr id="20" name="연결선: 꺾임 19">
-              <a:extLst>
-                <a:ext uri="{FF2B5EF4-FFF2-40B4-BE49-F238E27FC236}">
-                  <a16:creationId xmlns:a16="http://schemas.microsoft.com/office/drawing/2014/main" id="{842E0B22-6800-3D03-85EE-B99A55FC321E}"/>
-                </a:ext>
-              </a:extLst>
-            </p:cNvPr>
-            <p:cNvCxnSpPr>
-              <a:cxnSpLocks/>
-              <a:stCxn id="47" idx="6"/>
-              <a:endCxn id="10" idx="0"/>
-            </p:cNvCxnSpPr>
-            <p:nvPr/>
-          </p:nvCxnSpPr>
-          <p:spPr>
-            <a:xfrm>
-              <a:off x="4453870" y="3130034"/>
-              <a:ext cx="1023660" cy="1569500"/>
-            </a:xfrm>
-            <a:prstGeom prst="bentConnector2">
-              <a:avLst/>
-            </a:prstGeom>
-            <a:ln>
-              <a:tailEnd type="triangle"/>
-            </a:ln>
-          </p:spPr>
-          <p:style>
-            <a:lnRef idx="1">
-              <a:schemeClr val="accent1"/>
-            </a:lnRef>
-            <a:fillRef idx="0">
-              <a:schemeClr val="accent1"/>
-            </a:fillRef>
-            <a:effectRef idx="0">
-              <a:schemeClr val="accent1"/>
-            </a:effectRef>
-            <a:fontRef idx="minor">
-              <a:schemeClr val="tx1"/>
-            </a:fontRef>
-          </p:style>
-        </p:cxnSp>
-        <p:cxnSp>
-          <p:nvCxnSpPr>
-            <p:cNvPr id="21" name="연결선: 꺾임 20">
-              <a:extLst>
-                <a:ext uri="{FF2B5EF4-FFF2-40B4-BE49-F238E27FC236}">
-                  <a16:creationId xmlns:a16="http://schemas.microsoft.com/office/drawing/2014/main" id="{2D69A2BA-A12B-066A-E9D0-7D0EA79EBCBC}"/>
-                </a:ext>
-              </a:extLst>
-            </p:cNvPr>
-            <p:cNvCxnSpPr>
-              <a:cxnSpLocks/>
-              <a:stCxn id="9" idx="6"/>
-              <a:endCxn id="10" idx="2"/>
-            </p:cNvCxnSpPr>
-            <p:nvPr/>
-          </p:nvCxnSpPr>
-          <p:spPr>
-            <a:xfrm>
-              <a:off x="4326870" y="4699535"/>
-              <a:ext cx="532190" cy="469387"/>
-            </a:xfrm>
-            <a:prstGeom prst="bentConnector3">
-              <a:avLst>
-                <a:gd name="adj1" fmla="val 50000"/>
-              </a:avLst>
-            </a:prstGeom>
-            <a:ln>
-              <a:tailEnd type="triangle"/>
-            </a:ln>
-          </p:spPr>
-          <p:style>
-            <a:lnRef idx="1">
-              <a:schemeClr val="accent1"/>
-            </a:lnRef>
-            <a:fillRef idx="0">
-              <a:schemeClr val="accent1"/>
-            </a:fillRef>
-            <a:effectRef idx="0">
-              <a:schemeClr val="accent1"/>
-            </a:effectRef>
-            <a:fontRef idx="minor">
-              <a:schemeClr val="tx1"/>
-            </a:fontRef>
-          </p:style>
-        </p:cxnSp>
-      </p:grpSp>
       <p:grpSp>
         <p:nvGrpSpPr>
           <p:cNvPr id="4" name="그룹 3">
@@ -5592,2450 +5567,6 @@
     <p:extLst>
       <p:ext uri="{BB962C8B-B14F-4D97-AF65-F5344CB8AC3E}">
         <p14:creationId xmlns:p14="http://schemas.microsoft.com/office/powerpoint/2010/main" val="3209872182"/>
-      </p:ext>
-    </p:extLst>
-  </p:cSld>
-  <p:clrMapOvr>
-    <a:masterClrMapping/>
-  </p:clrMapOvr>
-</p:sld>
-</file>
-
-<file path=ppt/slides/slide5.xml><?xml version="1.0" encoding="utf-8"?>
-<p:sld xmlns:a="http://schemas.openxmlformats.org/drawingml/2006/main" xmlns:r="http://schemas.openxmlformats.org/officeDocument/2006/relationships" xmlns:p="http://schemas.openxmlformats.org/presentationml/2006/main">
-  <p:cSld>
-    <p:bg>
-      <p:bgPr>
-        <a:solidFill>
-          <a:srgbClr val="FFFFFF"/>
-        </a:solidFill>
-        <a:effectLst/>
-      </p:bgPr>
-    </p:bg>
-    <p:spTree>
-      <p:nvGrpSpPr>
-        <p:cNvPr id="1" name=""/>
-        <p:cNvGrpSpPr/>
-        <p:nvPr/>
-      </p:nvGrpSpPr>
-      <p:grpSpPr>
-        <a:xfrm>
-          <a:off x="0" y="0"/>
-          <a:ext cx="0" cy="0"/>
-          <a:chOff x="0" y="0"/>
-          <a:chExt cx="0" cy="0"/>
-        </a:xfrm>
-      </p:grpSpPr>
-      <p:sp>
-        <p:nvSpPr>
-          <p:cNvPr id="2" name="TextBox 1">
-            <a:extLst>
-              <a:ext uri="{FF2B5EF4-FFF2-40B4-BE49-F238E27FC236}">
-                <a16:creationId xmlns:a16="http://schemas.microsoft.com/office/drawing/2014/main" id="{F50FE34A-D366-D82D-74CE-D43D28E59C89}"/>
-              </a:ext>
-            </a:extLst>
-          </p:cNvPr>
-          <p:cNvSpPr txBox="1"/>
-          <p:nvPr/>
-        </p:nvSpPr>
-        <p:spPr>
-          <a:xfrm>
-            <a:off x="254000" y="254000"/>
-            <a:ext cx="1270000" cy="381000"/>
-          </a:xfrm>
-          <a:prstGeom prst="rect">
-            <a:avLst/>
-          </a:prstGeom>
-          <a:noFill/>
-        </p:spPr>
-        <p:txBody>
-          <a:bodyPr vert="horz" rtlCol="0">
-            <a:spAutoFit/>
-          </a:bodyPr>
-          <a:lstStyle/>
-          <a:p>
-            <a:r>
-              <a:rPr lang="en-US" altLang="ko-KR"/>
-              <a:t>IO TABLE</a:t>
-            </a:r>
-            <a:endParaRPr lang="ko-KR" altLang="en-US"/>
-          </a:p>
-        </p:txBody>
-      </p:sp>
-      <p:graphicFrame>
-        <p:nvGraphicFramePr>
-          <p:cNvPr id="3" name="표 2">
-            <a:extLst>
-              <a:ext uri="{FF2B5EF4-FFF2-40B4-BE49-F238E27FC236}">
-                <a16:creationId xmlns:a16="http://schemas.microsoft.com/office/drawing/2014/main" id="{595220C8-7B6B-8E6F-EDC7-2E5ACC812CE4}"/>
-              </a:ext>
-            </a:extLst>
-          </p:cNvPr>
-          <p:cNvGraphicFramePr>
-            <a:graphicFrameLocks noGrp="1"/>
-          </p:cNvGraphicFramePr>
-          <p:nvPr>
-            <p:extLst>
-              <p:ext uri="{D42A27DB-BD31-4B8C-83A1-F6EECF244321}">
-                <p14:modId xmlns:p14="http://schemas.microsoft.com/office/powerpoint/2010/main" val="1934127975"/>
-              </p:ext>
-            </p:extLst>
-          </p:nvPr>
-        </p:nvGraphicFramePr>
-        <p:xfrm>
-          <a:off x="254000" y="635000"/>
-          <a:ext cx="11684001" cy="5958840"/>
-        </p:xfrm>
-        <a:graphic>
-          <a:graphicData uri="http://schemas.openxmlformats.org/drawingml/2006/table">
-            <a:tbl>
-              <a:tblPr firstRow="1" bandRow="1">
-                <a:tableStyleId>{5C22544A-7EE6-4342-B048-85BDC9FD1C3A}</a:tableStyleId>
-              </a:tblPr>
-              <a:tblGrid>
-                <a:gridCol w="1669143">
-                  <a:extLst>
-                    <a:ext uri="{9D8B030D-6E8A-4147-A177-3AD203B41FA5}">
-                      <a16:colId xmlns:a16="http://schemas.microsoft.com/office/drawing/2014/main" val="4253551241"/>
-                    </a:ext>
-                  </a:extLst>
-                </a:gridCol>
-                <a:gridCol w="1669143">
-                  <a:extLst>
-                    <a:ext uri="{9D8B030D-6E8A-4147-A177-3AD203B41FA5}">
-                      <a16:colId xmlns:a16="http://schemas.microsoft.com/office/drawing/2014/main" val="481098657"/>
-                    </a:ext>
-                  </a:extLst>
-                </a:gridCol>
-                <a:gridCol w="1669143">
-                  <a:extLst>
-                    <a:ext uri="{9D8B030D-6E8A-4147-A177-3AD203B41FA5}">
-                      <a16:colId xmlns:a16="http://schemas.microsoft.com/office/drawing/2014/main" val="2092958625"/>
-                    </a:ext>
-                  </a:extLst>
-                </a:gridCol>
-                <a:gridCol w="1669143">
-                  <a:extLst>
-                    <a:ext uri="{9D8B030D-6E8A-4147-A177-3AD203B41FA5}">
-                      <a16:colId xmlns:a16="http://schemas.microsoft.com/office/drawing/2014/main" val="2194983168"/>
-                    </a:ext>
-                  </a:extLst>
-                </a:gridCol>
-                <a:gridCol w="1669143">
-                  <a:extLst>
-                    <a:ext uri="{9D8B030D-6E8A-4147-A177-3AD203B41FA5}">
-                      <a16:colId xmlns:a16="http://schemas.microsoft.com/office/drawing/2014/main" val="364633610"/>
-                    </a:ext>
-                  </a:extLst>
-                </a:gridCol>
-                <a:gridCol w="1669143">
-                  <a:extLst>
-                    <a:ext uri="{9D8B030D-6E8A-4147-A177-3AD203B41FA5}">
-                      <a16:colId xmlns:a16="http://schemas.microsoft.com/office/drawing/2014/main" val="315359961"/>
-                    </a:ext>
-                  </a:extLst>
-                </a:gridCol>
-                <a:gridCol w="1669143">
-                  <a:extLst>
-                    <a:ext uri="{9D8B030D-6E8A-4147-A177-3AD203B41FA5}">
-                      <a16:colId xmlns:a16="http://schemas.microsoft.com/office/drawing/2014/main" val="1491305179"/>
-                    </a:ext>
-                  </a:extLst>
-                </a:gridCol>
-              </a:tblGrid>
-              <a:tr h="0">
-                <a:tc>
-                  <a:txBody>
-                    <a:bodyPr/>
-                    <a:lstStyle/>
-                    <a:p>
-                      <a:pPr latinLnBrk="1"/>
-                      <a:r>
-                        <a:rPr lang="en-US" altLang="ko-KR" sz="1100"/>
-                        <a:t>Case</a:t>
-                      </a:r>
-                      <a:endParaRPr lang="ko-KR" altLang="en-US" sz="1100"/>
-                    </a:p>
-                  </a:txBody>
-                  <a:tcPr/>
-                </a:tc>
-                <a:tc>
-                  <a:txBody>
-                    <a:bodyPr/>
-                    <a:lstStyle/>
-                    <a:p>
-                      <a:pPr latinLnBrk="1"/>
-                      <a:r>
-                        <a:rPr lang="en-US" altLang="ko-KR" sz="1100"/>
-                        <a:t>Name</a:t>
-                      </a:r>
-                      <a:endParaRPr lang="ko-KR" altLang="en-US" sz="1100"/>
-                    </a:p>
-                  </a:txBody>
-                  <a:tcPr/>
-                </a:tc>
-                <a:tc>
-                  <a:txBody>
-                    <a:bodyPr/>
-                    <a:lstStyle/>
-                    <a:p>
-                      <a:pPr latinLnBrk="1"/>
-                      <a:r>
-                        <a:rPr lang="en-US" altLang="ko-KR" sz="1100"/>
-                        <a:t>DataType</a:t>
-                      </a:r>
-                      <a:endParaRPr lang="ko-KR" altLang="en-US" sz="1100"/>
-                    </a:p>
-                  </a:txBody>
-                  <a:tcPr/>
-                </a:tc>
-                <a:tc>
-                  <a:txBody>
-                    <a:bodyPr/>
-                    <a:lstStyle/>
-                    <a:p>
-                      <a:pPr latinLnBrk="1"/>
-                      <a:r>
-                        <a:rPr lang="en-US" altLang="ko-KR" sz="1100"/>
-                        <a:t>Input</a:t>
-                      </a:r>
-                      <a:endParaRPr lang="ko-KR" altLang="en-US" sz="1100"/>
-                    </a:p>
-                  </a:txBody>
-                  <a:tcPr/>
-                </a:tc>
-                <a:tc>
-                  <a:txBody>
-                    <a:bodyPr/>
-                    <a:lstStyle/>
-                    <a:p>
-                      <a:pPr latinLnBrk="1"/>
-                      <a:r>
-                        <a:rPr lang="en-US" altLang="ko-KR" sz="1100"/>
-                        <a:t>Output</a:t>
-                      </a:r>
-                      <a:endParaRPr lang="ko-KR" altLang="en-US" sz="1100"/>
-                    </a:p>
-                  </a:txBody>
-                  <a:tcPr/>
-                </a:tc>
-                <a:tc>
-                  <a:txBody>
-                    <a:bodyPr/>
-                    <a:lstStyle/>
-                    <a:p>
-                      <a:pPr latinLnBrk="1"/>
-                      <a:r>
-                        <a:rPr lang="en-US" altLang="ko-KR" sz="1100"/>
-                        <a:t>Job</a:t>
-                      </a:r>
-                      <a:endParaRPr lang="ko-KR" altLang="en-US" sz="1100"/>
-                    </a:p>
-                  </a:txBody>
-                  <a:tcPr/>
-                </a:tc>
-                <a:tc>
-                  <a:txBody>
-                    <a:bodyPr/>
-                    <a:lstStyle/>
-                    <a:p>
-                      <a:pPr latinLnBrk="1"/>
-                      <a:r>
-                        <a:rPr lang="en-US" altLang="ko-KR" sz="1100" dirty="0"/>
-                        <a:t>Func</a:t>
-                      </a:r>
-                      <a:endParaRPr lang="ko-KR" altLang="en-US" sz="1100" dirty="0"/>
-                    </a:p>
-                  </a:txBody>
-                  <a:tcPr/>
-                </a:tc>
-                <a:extLst>
-                  <a:ext uri="{0D108BD9-81ED-4DB2-BD59-A6C34878D82A}">
-                    <a16:rowId xmlns:a16="http://schemas.microsoft.com/office/drawing/2014/main" val="2432878939"/>
-                  </a:ext>
-                </a:extLst>
-              </a:tr>
-              <a:tr h="0">
-                <a:tc>
-                  <a:txBody>
-                    <a:bodyPr/>
-                    <a:lstStyle/>
-                    <a:p>
-                      <a:pPr latinLnBrk="1"/>
-                      <a:r>
-                        <a:rPr lang="ko-KR" altLang="en-US" sz="1100"/>
-                        <a:t>외부주소</a:t>
-                      </a:r>
-                    </a:p>
-                  </a:txBody>
-                  <a:tcPr/>
-                </a:tc>
-                <a:tc>
-                  <a:txBody>
-                    <a:bodyPr/>
-                    <a:lstStyle/>
-                    <a:p>
-                      <a:pPr latinLnBrk="1"/>
-                      <a:r>
-                        <a:rPr lang="en-US" altLang="ko-KR" sz="1100"/>
-                        <a:t>STN01_Pin."+"</a:t>
-                      </a:r>
-                      <a:endParaRPr lang="ko-KR" altLang="en-US" sz="1100"/>
-                    </a:p>
-                  </a:txBody>
-                  <a:tcPr/>
-                </a:tc>
-                <a:tc>
-                  <a:txBody>
-                    <a:bodyPr/>
-                    <a:lstStyle/>
-                    <a:p>
-                      <a:pPr latinLnBrk="1"/>
-                      <a:r>
-                        <a:rPr lang="en-US" altLang="ko-KR" sz="1100"/>
-                        <a:t>bool</a:t>
-                      </a:r>
-                      <a:endParaRPr lang="ko-KR" altLang="en-US" sz="1100"/>
-                    </a:p>
-                  </a:txBody>
-                  <a:tcPr/>
-                </a:tc>
-                <a:tc>
-                  <a:txBody>
-                    <a:bodyPr/>
-                    <a:lstStyle/>
-                    <a:p>
-                      <a:pPr latinLnBrk="1"/>
-                      <a:r>
-                        <a:rPr lang="en-US" altLang="ko-KR" sz="1100"/>
-                        <a:t>I625.1</a:t>
-                      </a:r>
-                      <a:endParaRPr lang="ko-KR" altLang="en-US" sz="1100"/>
-                    </a:p>
-                  </a:txBody>
-                  <a:tcPr/>
-                </a:tc>
-                <a:tc>
-                  <a:txBody>
-                    <a:bodyPr/>
-                    <a:lstStyle/>
-                    <a:p>
-                      <a:pPr latinLnBrk="1"/>
-                      <a:r>
-                        <a:rPr lang="en-US" altLang="ko-KR" sz="1100"/>
-                        <a:t>O625.1</a:t>
-                      </a:r>
-                      <a:endParaRPr lang="ko-KR" altLang="en-US" sz="1100"/>
-                    </a:p>
-                  </a:txBody>
-                  <a:tcPr/>
-                </a:tc>
-                <a:tc>
-                  <a:txBody>
-                    <a:bodyPr/>
-                    <a:lstStyle/>
-                    <a:p>
-                      <a:pPr latinLnBrk="1"/>
-                      <a:r>
-                        <a:rPr lang="en-US" altLang="ko-KR" sz="1100"/>
-                        <a:t>STN01_Pin_+</a:t>
-                      </a:r>
-                      <a:endParaRPr lang="ko-KR" altLang="en-US" sz="1100"/>
-                    </a:p>
-                  </a:txBody>
-                  <a:tcPr/>
-                </a:tc>
-                <a:tc>
-                  <a:txBody>
-                    <a:bodyPr/>
-                    <a:lstStyle/>
-                    <a:p>
-                      <a:pPr latinLnBrk="1"/>
-                      <a:endParaRPr lang="ko-KR" altLang="en-US" sz="1100" dirty="0"/>
-                    </a:p>
-                  </a:txBody>
-                  <a:tcPr/>
-                </a:tc>
-                <a:extLst>
-                  <a:ext uri="{0D108BD9-81ED-4DB2-BD59-A6C34878D82A}">
-                    <a16:rowId xmlns:a16="http://schemas.microsoft.com/office/drawing/2014/main" val="820117659"/>
-                  </a:ext>
-                </a:extLst>
-              </a:tr>
-              <a:tr h="0">
-                <a:tc>
-                  <a:txBody>
-                    <a:bodyPr/>
-                    <a:lstStyle/>
-                    <a:p>
-                      <a:pPr latinLnBrk="1"/>
-                      <a:r>
-                        <a:rPr lang="ko-KR" altLang="en-US" sz="1100"/>
-                        <a:t>외부주소</a:t>
-                      </a:r>
-                    </a:p>
-                  </a:txBody>
-                  <a:tcPr/>
-                </a:tc>
-                <a:tc>
-                  <a:txBody>
-                    <a:bodyPr/>
-                    <a:lstStyle/>
-                    <a:p>
-                      <a:pPr latinLnBrk="1"/>
-                      <a:r>
-                        <a:rPr lang="en-US" altLang="ko-KR" sz="1100"/>
-                        <a:t>STN01_Pin."-"</a:t>
-                      </a:r>
-                      <a:endParaRPr lang="ko-KR" altLang="en-US" sz="1100"/>
-                    </a:p>
-                  </a:txBody>
-                  <a:tcPr/>
-                </a:tc>
-                <a:tc>
-                  <a:txBody>
-                    <a:bodyPr/>
-                    <a:lstStyle/>
-                    <a:p>
-                      <a:pPr latinLnBrk="1"/>
-                      <a:r>
-                        <a:rPr lang="en-US" altLang="ko-KR" sz="1100"/>
-                        <a:t>bool</a:t>
-                      </a:r>
-                      <a:endParaRPr lang="ko-KR" altLang="en-US" sz="1100"/>
-                    </a:p>
-                  </a:txBody>
-                  <a:tcPr/>
-                </a:tc>
-                <a:tc>
-                  <a:txBody>
-                    <a:bodyPr/>
-                    <a:lstStyle/>
-                    <a:p>
-                      <a:pPr latinLnBrk="1"/>
-                      <a:r>
-                        <a:rPr lang="en-US" altLang="ko-KR" sz="1100"/>
-                        <a:t>I625.2</a:t>
-                      </a:r>
-                      <a:endParaRPr lang="ko-KR" altLang="en-US" sz="1100"/>
-                    </a:p>
-                  </a:txBody>
-                  <a:tcPr/>
-                </a:tc>
-                <a:tc>
-                  <a:txBody>
-                    <a:bodyPr/>
-                    <a:lstStyle/>
-                    <a:p>
-                      <a:pPr latinLnBrk="1"/>
-                      <a:r>
-                        <a:rPr lang="en-US" altLang="ko-KR" sz="1100"/>
-                        <a:t>O625.2</a:t>
-                      </a:r>
-                      <a:endParaRPr lang="ko-KR" altLang="en-US" sz="1100"/>
-                    </a:p>
-                  </a:txBody>
-                  <a:tcPr/>
-                </a:tc>
-                <a:tc>
-                  <a:txBody>
-                    <a:bodyPr/>
-                    <a:lstStyle/>
-                    <a:p>
-                      <a:pPr latinLnBrk="1"/>
-                      <a:r>
-                        <a:rPr lang="en-US" altLang="ko-KR" sz="1100"/>
-                        <a:t>STN01_Pin_-</a:t>
-                      </a:r>
-                      <a:endParaRPr lang="ko-KR" altLang="en-US" sz="1100"/>
-                    </a:p>
-                  </a:txBody>
-                  <a:tcPr/>
-                </a:tc>
-                <a:tc>
-                  <a:txBody>
-                    <a:bodyPr/>
-                    <a:lstStyle/>
-                    <a:p>
-                      <a:pPr latinLnBrk="1"/>
-                      <a:endParaRPr lang="ko-KR" altLang="en-US" sz="1100"/>
-                    </a:p>
-                  </a:txBody>
-                  <a:tcPr/>
-                </a:tc>
-                <a:extLst>
-                  <a:ext uri="{0D108BD9-81ED-4DB2-BD59-A6C34878D82A}">
-                    <a16:rowId xmlns:a16="http://schemas.microsoft.com/office/drawing/2014/main" val="3811160959"/>
-                  </a:ext>
-                </a:extLst>
-              </a:tr>
-              <a:tr h="0">
-                <a:tc>
-                  <a:txBody>
-                    <a:bodyPr/>
-                    <a:lstStyle/>
-                    <a:p>
-                      <a:pPr latinLnBrk="1"/>
-                      <a:r>
-                        <a:rPr lang="ko-KR" altLang="en-US" sz="1100" dirty="0"/>
-                        <a:t>외부주소</a:t>
-                      </a:r>
-                    </a:p>
-                  </a:txBody>
-                  <a:tcPr/>
-                </a:tc>
-                <a:tc>
-                  <a:txBody>
-                    <a:bodyPr/>
-                    <a:lstStyle/>
-                    <a:p>
-                      <a:pPr latinLnBrk="1"/>
-                      <a:r>
-                        <a:rPr lang="en-US" altLang="ko-KR" sz="1100"/>
-                        <a:t>STN01_UsingLIB2_1."+"</a:t>
-                      </a:r>
-                      <a:endParaRPr lang="ko-KR" altLang="en-US" sz="1100"/>
-                    </a:p>
-                  </a:txBody>
-                  <a:tcPr/>
-                </a:tc>
-                <a:tc>
-                  <a:txBody>
-                    <a:bodyPr/>
-                    <a:lstStyle/>
-                    <a:p>
-                      <a:pPr latinLnBrk="1"/>
-                      <a:r>
-                        <a:rPr lang="en-US" altLang="ko-KR" sz="1100"/>
-                        <a:t>bool</a:t>
-                      </a:r>
-                      <a:endParaRPr lang="ko-KR" altLang="en-US" sz="1100"/>
-                    </a:p>
-                  </a:txBody>
-                  <a:tcPr/>
-                </a:tc>
-                <a:tc>
-                  <a:txBody>
-                    <a:bodyPr/>
-                    <a:lstStyle/>
-                    <a:p>
-                      <a:pPr latinLnBrk="1"/>
-                      <a:r>
-                        <a:rPr lang="en-US" altLang="ko-KR" sz="1100"/>
-                        <a:t>I625.3</a:t>
-                      </a:r>
-                      <a:endParaRPr lang="ko-KR" altLang="en-US" sz="1100"/>
-                    </a:p>
-                  </a:txBody>
-                  <a:tcPr/>
-                </a:tc>
-                <a:tc>
-                  <a:txBody>
-                    <a:bodyPr/>
-                    <a:lstStyle/>
-                    <a:p>
-                      <a:pPr latinLnBrk="1"/>
-                      <a:r>
-                        <a:rPr lang="en-US" altLang="ko-KR" sz="1100"/>
-                        <a:t>O625.3</a:t>
-                      </a:r>
-                      <a:endParaRPr lang="ko-KR" altLang="en-US" sz="1100"/>
-                    </a:p>
-                  </a:txBody>
-                  <a:tcPr/>
-                </a:tc>
-                <a:tc>
-                  <a:txBody>
-                    <a:bodyPr/>
-                    <a:lstStyle/>
-                    <a:p>
-                      <a:pPr latinLnBrk="1"/>
-                      <a:r>
-                        <a:rPr lang="en-US" altLang="ko-KR" sz="1100"/>
-                        <a:t>STN01_UsingLIB2_1_+</a:t>
-                      </a:r>
-                      <a:endParaRPr lang="ko-KR" altLang="en-US" sz="1100"/>
-                    </a:p>
-                  </a:txBody>
-                  <a:tcPr/>
-                </a:tc>
-                <a:tc>
-                  <a:txBody>
-                    <a:bodyPr/>
-                    <a:lstStyle/>
-                    <a:p>
-                      <a:pPr latinLnBrk="1"/>
-                      <a:endParaRPr lang="ko-KR" altLang="en-US" sz="1100"/>
-                    </a:p>
-                  </a:txBody>
-                  <a:tcPr/>
-                </a:tc>
-                <a:extLst>
-                  <a:ext uri="{0D108BD9-81ED-4DB2-BD59-A6C34878D82A}">
-                    <a16:rowId xmlns:a16="http://schemas.microsoft.com/office/drawing/2014/main" val="2747721206"/>
-                  </a:ext>
-                </a:extLst>
-              </a:tr>
-              <a:tr h="0">
-                <a:tc>
-                  <a:txBody>
-                    <a:bodyPr/>
-                    <a:lstStyle/>
-                    <a:p>
-                      <a:pPr latinLnBrk="1"/>
-                      <a:r>
-                        <a:rPr lang="ko-KR" altLang="en-US" sz="1100"/>
-                        <a:t>외부주소</a:t>
-                      </a:r>
-                    </a:p>
-                  </a:txBody>
-                  <a:tcPr/>
-                </a:tc>
-                <a:tc>
-                  <a:txBody>
-                    <a:bodyPr/>
-                    <a:lstStyle/>
-                    <a:p>
-                      <a:pPr latinLnBrk="1"/>
-                      <a:r>
-                        <a:rPr lang="en-US" altLang="ko-KR" sz="1100"/>
-                        <a:t>STN01_UsingLIB2_1."-"</a:t>
-                      </a:r>
-                      <a:endParaRPr lang="ko-KR" altLang="en-US" sz="1100"/>
-                    </a:p>
-                  </a:txBody>
-                  <a:tcPr/>
-                </a:tc>
-                <a:tc>
-                  <a:txBody>
-                    <a:bodyPr/>
-                    <a:lstStyle/>
-                    <a:p>
-                      <a:pPr latinLnBrk="1"/>
-                      <a:r>
-                        <a:rPr lang="en-US" altLang="ko-KR" sz="1100"/>
-                        <a:t>bool</a:t>
-                      </a:r>
-                      <a:endParaRPr lang="ko-KR" altLang="en-US" sz="1100"/>
-                    </a:p>
-                  </a:txBody>
-                  <a:tcPr/>
-                </a:tc>
-                <a:tc>
-                  <a:txBody>
-                    <a:bodyPr/>
-                    <a:lstStyle/>
-                    <a:p>
-                      <a:pPr latinLnBrk="1"/>
-                      <a:r>
-                        <a:rPr lang="en-US" altLang="ko-KR" sz="1100"/>
-                        <a:t>I625.4</a:t>
-                      </a:r>
-                      <a:endParaRPr lang="ko-KR" altLang="en-US" sz="1100"/>
-                    </a:p>
-                  </a:txBody>
-                  <a:tcPr/>
-                </a:tc>
-                <a:tc>
-                  <a:txBody>
-                    <a:bodyPr/>
-                    <a:lstStyle/>
-                    <a:p>
-                      <a:pPr latinLnBrk="1"/>
-                      <a:r>
-                        <a:rPr lang="en-US" altLang="ko-KR" sz="1100"/>
-                        <a:t>O625.4</a:t>
-                      </a:r>
-                      <a:endParaRPr lang="ko-KR" altLang="en-US" sz="1100"/>
-                    </a:p>
-                  </a:txBody>
-                  <a:tcPr/>
-                </a:tc>
-                <a:tc>
-                  <a:txBody>
-                    <a:bodyPr/>
-                    <a:lstStyle/>
-                    <a:p>
-                      <a:pPr latinLnBrk="1"/>
-                      <a:r>
-                        <a:rPr lang="en-US" altLang="ko-KR" sz="1100"/>
-                        <a:t>STN01_UsingLIB2_1_-</a:t>
-                      </a:r>
-                      <a:endParaRPr lang="ko-KR" altLang="en-US" sz="1100"/>
-                    </a:p>
-                  </a:txBody>
-                  <a:tcPr/>
-                </a:tc>
-                <a:tc>
-                  <a:txBody>
-                    <a:bodyPr/>
-                    <a:lstStyle/>
-                    <a:p>
-                      <a:pPr latinLnBrk="1"/>
-                      <a:endParaRPr lang="ko-KR" altLang="en-US" sz="1100"/>
-                    </a:p>
-                  </a:txBody>
-                  <a:tcPr/>
-                </a:tc>
-                <a:extLst>
-                  <a:ext uri="{0D108BD9-81ED-4DB2-BD59-A6C34878D82A}">
-                    <a16:rowId xmlns:a16="http://schemas.microsoft.com/office/drawing/2014/main" val="545596359"/>
-                  </a:ext>
-                </a:extLst>
-              </a:tr>
-              <a:tr h="0">
-                <a:tc>
-                  <a:txBody>
-                    <a:bodyPr/>
-                    <a:lstStyle/>
-                    <a:p>
-                      <a:pPr latinLnBrk="1"/>
-                      <a:r>
-                        <a:rPr lang="ko-KR" altLang="en-US" sz="1100"/>
-                        <a:t>외부주소</a:t>
-                      </a:r>
-                    </a:p>
-                  </a:txBody>
-                  <a:tcPr/>
-                </a:tc>
-                <a:tc>
-                  <a:txBody>
-                    <a:bodyPr/>
-                    <a:lstStyle/>
-                    <a:p>
-                      <a:pPr latinLnBrk="1"/>
-                      <a:r>
-                        <a:rPr lang="en-US" altLang="ko-KR" sz="1100"/>
-                        <a:t>STN01_UsingLIB2_2."+"</a:t>
-                      </a:r>
-                      <a:endParaRPr lang="ko-KR" altLang="en-US" sz="1100"/>
-                    </a:p>
-                  </a:txBody>
-                  <a:tcPr/>
-                </a:tc>
-                <a:tc>
-                  <a:txBody>
-                    <a:bodyPr/>
-                    <a:lstStyle/>
-                    <a:p>
-                      <a:pPr latinLnBrk="1"/>
-                      <a:r>
-                        <a:rPr lang="en-US" altLang="ko-KR" sz="1100"/>
-                        <a:t>bool</a:t>
-                      </a:r>
-                      <a:endParaRPr lang="ko-KR" altLang="en-US" sz="1100"/>
-                    </a:p>
-                  </a:txBody>
-                  <a:tcPr/>
-                </a:tc>
-                <a:tc>
-                  <a:txBody>
-                    <a:bodyPr/>
-                    <a:lstStyle/>
-                    <a:p>
-                      <a:pPr latinLnBrk="1"/>
-                      <a:r>
-                        <a:rPr lang="en-US" altLang="ko-KR" sz="1100"/>
-                        <a:t>I625.5</a:t>
-                      </a:r>
-                      <a:endParaRPr lang="ko-KR" altLang="en-US" sz="1100"/>
-                    </a:p>
-                  </a:txBody>
-                  <a:tcPr/>
-                </a:tc>
-                <a:tc>
-                  <a:txBody>
-                    <a:bodyPr/>
-                    <a:lstStyle/>
-                    <a:p>
-                      <a:pPr latinLnBrk="1"/>
-                      <a:r>
-                        <a:rPr lang="en-US" altLang="ko-KR" sz="1100"/>
-                        <a:t>O625.5</a:t>
-                      </a:r>
-                      <a:endParaRPr lang="ko-KR" altLang="en-US" sz="1100"/>
-                    </a:p>
-                  </a:txBody>
-                  <a:tcPr/>
-                </a:tc>
-                <a:tc>
-                  <a:txBody>
-                    <a:bodyPr/>
-                    <a:lstStyle/>
-                    <a:p>
-                      <a:pPr latinLnBrk="1"/>
-                      <a:r>
-                        <a:rPr lang="en-US" altLang="ko-KR" sz="1100"/>
-                        <a:t>STN01_UsingLIB2_2_+</a:t>
-                      </a:r>
-                      <a:endParaRPr lang="ko-KR" altLang="en-US" sz="1100"/>
-                    </a:p>
-                  </a:txBody>
-                  <a:tcPr/>
-                </a:tc>
-                <a:tc>
-                  <a:txBody>
-                    <a:bodyPr/>
-                    <a:lstStyle/>
-                    <a:p>
-                      <a:pPr latinLnBrk="1"/>
-                      <a:endParaRPr lang="ko-KR" altLang="en-US" sz="1100"/>
-                    </a:p>
-                  </a:txBody>
-                  <a:tcPr/>
-                </a:tc>
-                <a:extLst>
-                  <a:ext uri="{0D108BD9-81ED-4DB2-BD59-A6C34878D82A}">
-                    <a16:rowId xmlns:a16="http://schemas.microsoft.com/office/drawing/2014/main" val="87791120"/>
-                  </a:ext>
-                </a:extLst>
-              </a:tr>
-              <a:tr h="0">
-                <a:tc>
-                  <a:txBody>
-                    <a:bodyPr/>
-                    <a:lstStyle/>
-                    <a:p>
-                      <a:pPr latinLnBrk="1"/>
-                      <a:r>
-                        <a:rPr lang="ko-KR" altLang="en-US" sz="1100"/>
-                        <a:t>외부주소</a:t>
-                      </a:r>
-                    </a:p>
-                  </a:txBody>
-                  <a:tcPr/>
-                </a:tc>
-                <a:tc>
-                  <a:txBody>
-                    <a:bodyPr/>
-                    <a:lstStyle/>
-                    <a:p>
-                      <a:pPr latinLnBrk="1"/>
-                      <a:r>
-                        <a:rPr lang="en-US" altLang="ko-KR" sz="1100"/>
-                        <a:t>STN01_UsingLIB2_2."-"</a:t>
-                      </a:r>
-                      <a:endParaRPr lang="ko-KR" altLang="en-US" sz="1100"/>
-                    </a:p>
-                  </a:txBody>
-                  <a:tcPr/>
-                </a:tc>
-                <a:tc>
-                  <a:txBody>
-                    <a:bodyPr/>
-                    <a:lstStyle/>
-                    <a:p>
-                      <a:pPr latinLnBrk="1"/>
-                      <a:r>
-                        <a:rPr lang="en-US" altLang="ko-KR" sz="1100"/>
-                        <a:t>bool</a:t>
-                      </a:r>
-                      <a:endParaRPr lang="ko-KR" altLang="en-US" sz="1100"/>
-                    </a:p>
-                  </a:txBody>
-                  <a:tcPr/>
-                </a:tc>
-                <a:tc>
-                  <a:txBody>
-                    <a:bodyPr/>
-                    <a:lstStyle/>
-                    <a:p>
-                      <a:pPr latinLnBrk="1"/>
-                      <a:r>
-                        <a:rPr lang="en-US" altLang="ko-KR" sz="1100"/>
-                        <a:t>I625.6</a:t>
-                      </a:r>
-                      <a:endParaRPr lang="ko-KR" altLang="en-US" sz="1100"/>
-                    </a:p>
-                  </a:txBody>
-                  <a:tcPr/>
-                </a:tc>
-                <a:tc>
-                  <a:txBody>
-                    <a:bodyPr/>
-                    <a:lstStyle/>
-                    <a:p>
-                      <a:pPr latinLnBrk="1"/>
-                      <a:r>
-                        <a:rPr lang="en-US" altLang="ko-KR" sz="1100"/>
-                        <a:t>O625.6</a:t>
-                      </a:r>
-                      <a:endParaRPr lang="ko-KR" altLang="en-US" sz="1100"/>
-                    </a:p>
-                  </a:txBody>
-                  <a:tcPr/>
-                </a:tc>
-                <a:tc>
-                  <a:txBody>
-                    <a:bodyPr/>
-                    <a:lstStyle/>
-                    <a:p>
-                      <a:pPr latinLnBrk="1"/>
-                      <a:r>
-                        <a:rPr lang="en-US" altLang="ko-KR" sz="1100"/>
-                        <a:t>STN01_UsingLIB2_2_-</a:t>
-                      </a:r>
-                      <a:endParaRPr lang="ko-KR" altLang="en-US" sz="1100"/>
-                    </a:p>
-                  </a:txBody>
-                  <a:tcPr/>
-                </a:tc>
-                <a:tc>
-                  <a:txBody>
-                    <a:bodyPr/>
-                    <a:lstStyle/>
-                    <a:p>
-                      <a:pPr latinLnBrk="1"/>
-                      <a:endParaRPr lang="ko-KR" altLang="en-US" sz="1100"/>
-                    </a:p>
-                  </a:txBody>
-                  <a:tcPr/>
-                </a:tc>
-                <a:extLst>
-                  <a:ext uri="{0D108BD9-81ED-4DB2-BD59-A6C34878D82A}">
-                    <a16:rowId xmlns:a16="http://schemas.microsoft.com/office/drawing/2014/main" val="229330752"/>
-                  </a:ext>
-                </a:extLst>
-              </a:tr>
-              <a:tr h="0">
-                <a:tc>
-                  <a:txBody>
-                    <a:bodyPr/>
-                    <a:lstStyle/>
-                    <a:p>
-                      <a:pPr latinLnBrk="1"/>
-                      <a:r>
-                        <a:rPr lang="ko-KR" altLang="en-US" sz="1100"/>
-                        <a:t>외부주소</a:t>
-                      </a:r>
-                    </a:p>
-                  </a:txBody>
-                  <a:tcPr/>
-                </a:tc>
-                <a:tc>
-                  <a:txBody>
-                    <a:bodyPr/>
-                    <a:lstStyle/>
-                    <a:p>
-                      <a:pPr latinLnBrk="1"/>
-                      <a:r>
-                        <a:rPr lang="en-US" altLang="ko-KR" sz="1100" dirty="0"/>
-                        <a:t>STN01_UsingLIB2_3."+"</a:t>
-                      </a:r>
-                      <a:endParaRPr lang="ko-KR" altLang="en-US" sz="1100" dirty="0"/>
-                    </a:p>
-                  </a:txBody>
-                  <a:tcPr/>
-                </a:tc>
-                <a:tc>
-                  <a:txBody>
-                    <a:bodyPr/>
-                    <a:lstStyle/>
-                    <a:p>
-                      <a:pPr latinLnBrk="1"/>
-                      <a:r>
-                        <a:rPr lang="en-US" altLang="ko-KR" sz="1100"/>
-                        <a:t>bool</a:t>
-                      </a:r>
-                      <a:endParaRPr lang="ko-KR" altLang="en-US" sz="1100"/>
-                    </a:p>
-                  </a:txBody>
-                  <a:tcPr/>
-                </a:tc>
-                <a:tc>
-                  <a:txBody>
-                    <a:bodyPr/>
-                    <a:lstStyle/>
-                    <a:p>
-                      <a:pPr latinLnBrk="1"/>
-                      <a:r>
-                        <a:rPr lang="en-US" altLang="ko-KR" sz="1100"/>
-                        <a:t>I625.7</a:t>
-                      </a:r>
-                      <a:endParaRPr lang="ko-KR" altLang="en-US" sz="1100"/>
-                    </a:p>
-                  </a:txBody>
-                  <a:tcPr/>
-                </a:tc>
-                <a:tc>
-                  <a:txBody>
-                    <a:bodyPr/>
-                    <a:lstStyle/>
-                    <a:p>
-                      <a:pPr latinLnBrk="1"/>
-                      <a:r>
-                        <a:rPr lang="en-US" altLang="ko-KR" sz="1100"/>
-                        <a:t>O625.7</a:t>
-                      </a:r>
-                      <a:endParaRPr lang="ko-KR" altLang="en-US" sz="1100"/>
-                    </a:p>
-                  </a:txBody>
-                  <a:tcPr/>
-                </a:tc>
-                <a:tc>
-                  <a:txBody>
-                    <a:bodyPr/>
-                    <a:lstStyle/>
-                    <a:p>
-                      <a:pPr latinLnBrk="1"/>
-                      <a:r>
-                        <a:rPr lang="en-US" altLang="ko-KR" sz="1100"/>
-                        <a:t>STN01_UsingLIB2_3_+</a:t>
-                      </a:r>
-                      <a:endParaRPr lang="ko-KR" altLang="en-US" sz="1100"/>
-                    </a:p>
-                  </a:txBody>
-                  <a:tcPr/>
-                </a:tc>
-                <a:tc>
-                  <a:txBody>
-                    <a:bodyPr/>
-                    <a:lstStyle/>
-                    <a:p>
-                      <a:pPr latinLnBrk="1"/>
-                      <a:endParaRPr lang="ko-KR" altLang="en-US" sz="1100"/>
-                    </a:p>
-                  </a:txBody>
-                  <a:tcPr/>
-                </a:tc>
-                <a:extLst>
-                  <a:ext uri="{0D108BD9-81ED-4DB2-BD59-A6C34878D82A}">
-                    <a16:rowId xmlns:a16="http://schemas.microsoft.com/office/drawing/2014/main" val="1353888088"/>
-                  </a:ext>
-                </a:extLst>
-              </a:tr>
-              <a:tr h="0">
-                <a:tc>
-                  <a:txBody>
-                    <a:bodyPr/>
-                    <a:lstStyle/>
-                    <a:p>
-                      <a:pPr latinLnBrk="1"/>
-                      <a:r>
-                        <a:rPr lang="ko-KR" altLang="en-US" sz="1100"/>
-                        <a:t>외부주소</a:t>
-                      </a:r>
-                    </a:p>
-                  </a:txBody>
-                  <a:tcPr/>
-                </a:tc>
-                <a:tc>
-                  <a:txBody>
-                    <a:bodyPr/>
-                    <a:lstStyle/>
-                    <a:p>
-                      <a:pPr latinLnBrk="1"/>
-                      <a:r>
-                        <a:rPr lang="en-US" altLang="ko-KR" sz="1100"/>
-                        <a:t>STN01_UsingLIB2_3."-"</a:t>
-                      </a:r>
-                      <a:endParaRPr lang="ko-KR" altLang="en-US" sz="1100"/>
-                    </a:p>
-                  </a:txBody>
-                  <a:tcPr/>
-                </a:tc>
-                <a:tc>
-                  <a:txBody>
-                    <a:bodyPr/>
-                    <a:lstStyle/>
-                    <a:p>
-                      <a:pPr latinLnBrk="1"/>
-                      <a:r>
-                        <a:rPr lang="en-US" altLang="ko-KR" sz="1100"/>
-                        <a:t>bool</a:t>
-                      </a:r>
-                      <a:endParaRPr lang="ko-KR" altLang="en-US" sz="1100"/>
-                    </a:p>
-                  </a:txBody>
-                  <a:tcPr/>
-                </a:tc>
-                <a:tc>
-                  <a:txBody>
-                    <a:bodyPr/>
-                    <a:lstStyle/>
-                    <a:p>
-                      <a:pPr latinLnBrk="1"/>
-                      <a:r>
-                        <a:rPr lang="en-US" altLang="ko-KR" sz="1100"/>
-                        <a:t>I625.8</a:t>
-                      </a:r>
-                      <a:endParaRPr lang="ko-KR" altLang="en-US" sz="1100"/>
-                    </a:p>
-                  </a:txBody>
-                  <a:tcPr/>
-                </a:tc>
-                <a:tc>
-                  <a:txBody>
-                    <a:bodyPr/>
-                    <a:lstStyle/>
-                    <a:p>
-                      <a:pPr latinLnBrk="1"/>
-                      <a:r>
-                        <a:rPr lang="en-US" altLang="ko-KR" sz="1100"/>
-                        <a:t>O625.8</a:t>
-                      </a:r>
-                      <a:endParaRPr lang="ko-KR" altLang="en-US" sz="1100"/>
-                    </a:p>
-                  </a:txBody>
-                  <a:tcPr/>
-                </a:tc>
-                <a:tc>
-                  <a:txBody>
-                    <a:bodyPr/>
-                    <a:lstStyle/>
-                    <a:p>
-                      <a:pPr latinLnBrk="1"/>
-                      <a:r>
-                        <a:rPr lang="en-US" altLang="ko-KR" sz="1100"/>
-                        <a:t>STN01_UsingLIB2_3_-</a:t>
-                      </a:r>
-                      <a:endParaRPr lang="ko-KR" altLang="en-US" sz="1100"/>
-                    </a:p>
-                  </a:txBody>
-                  <a:tcPr/>
-                </a:tc>
-                <a:tc>
-                  <a:txBody>
-                    <a:bodyPr/>
-                    <a:lstStyle/>
-                    <a:p>
-                      <a:pPr latinLnBrk="1"/>
-                      <a:endParaRPr lang="ko-KR" altLang="en-US" sz="1100"/>
-                    </a:p>
-                  </a:txBody>
-                  <a:tcPr/>
-                </a:tc>
-                <a:extLst>
-                  <a:ext uri="{0D108BD9-81ED-4DB2-BD59-A6C34878D82A}">
-                    <a16:rowId xmlns:a16="http://schemas.microsoft.com/office/drawing/2014/main" val="2231971222"/>
-                  </a:ext>
-                </a:extLst>
-              </a:tr>
-              <a:tr h="0">
-                <a:tc>
-                  <a:txBody>
-                    <a:bodyPr/>
-                    <a:lstStyle/>
-                    <a:p>
-                      <a:pPr latinLnBrk="1"/>
-                      <a:r>
-                        <a:rPr lang="ko-KR" altLang="en-US" sz="1100"/>
-                        <a:t>외부주소</a:t>
-                      </a:r>
-                    </a:p>
-                  </a:txBody>
-                  <a:tcPr/>
-                </a:tc>
-                <a:tc>
-                  <a:txBody>
-                    <a:bodyPr/>
-                    <a:lstStyle/>
-                    <a:p>
-                      <a:pPr latinLnBrk="1"/>
-                      <a:r>
-                        <a:rPr lang="en-US" altLang="ko-KR" sz="1100"/>
-                        <a:t>STN01_UsingLIB2_4."+"</a:t>
-                      </a:r>
-                      <a:endParaRPr lang="ko-KR" altLang="en-US" sz="1100"/>
-                    </a:p>
-                  </a:txBody>
-                  <a:tcPr/>
-                </a:tc>
-                <a:tc>
-                  <a:txBody>
-                    <a:bodyPr/>
-                    <a:lstStyle/>
-                    <a:p>
-                      <a:pPr latinLnBrk="1"/>
-                      <a:r>
-                        <a:rPr lang="en-US" altLang="ko-KR" sz="1100"/>
-                        <a:t>bool</a:t>
-                      </a:r>
-                      <a:endParaRPr lang="ko-KR" altLang="en-US" sz="1100"/>
-                    </a:p>
-                  </a:txBody>
-                  <a:tcPr/>
-                </a:tc>
-                <a:tc>
-                  <a:txBody>
-                    <a:bodyPr/>
-                    <a:lstStyle/>
-                    <a:p>
-                      <a:pPr latinLnBrk="1"/>
-                      <a:r>
-                        <a:rPr lang="en-US" altLang="ko-KR" sz="1100"/>
-                        <a:t>I625.9</a:t>
-                      </a:r>
-                      <a:endParaRPr lang="ko-KR" altLang="en-US" sz="1100"/>
-                    </a:p>
-                  </a:txBody>
-                  <a:tcPr/>
-                </a:tc>
-                <a:tc>
-                  <a:txBody>
-                    <a:bodyPr/>
-                    <a:lstStyle/>
-                    <a:p>
-                      <a:pPr latinLnBrk="1"/>
-                      <a:r>
-                        <a:rPr lang="en-US" altLang="ko-KR" sz="1100"/>
-                        <a:t>O625.9</a:t>
-                      </a:r>
-                      <a:endParaRPr lang="ko-KR" altLang="en-US" sz="1100"/>
-                    </a:p>
-                  </a:txBody>
-                  <a:tcPr/>
-                </a:tc>
-                <a:tc>
-                  <a:txBody>
-                    <a:bodyPr/>
-                    <a:lstStyle/>
-                    <a:p>
-                      <a:pPr latinLnBrk="1"/>
-                      <a:r>
-                        <a:rPr lang="en-US" altLang="ko-KR" sz="1100"/>
-                        <a:t>STN01_UsingLIB2_4_+</a:t>
-                      </a:r>
-                      <a:endParaRPr lang="ko-KR" altLang="en-US" sz="1100"/>
-                    </a:p>
-                  </a:txBody>
-                  <a:tcPr/>
-                </a:tc>
-                <a:tc>
-                  <a:txBody>
-                    <a:bodyPr/>
-                    <a:lstStyle/>
-                    <a:p>
-                      <a:pPr latinLnBrk="1"/>
-                      <a:endParaRPr lang="ko-KR" altLang="en-US" sz="1100"/>
-                    </a:p>
-                  </a:txBody>
-                  <a:tcPr/>
-                </a:tc>
-                <a:extLst>
-                  <a:ext uri="{0D108BD9-81ED-4DB2-BD59-A6C34878D82A}">
-                    <a16:rowId xmlns:a16="http://schemas.microsoft.com/office/drawing/2014/main" val="767962007"/>
-                  </a:ext>
-                </a:extLst>
-              </a:tr>
-              <a:tr h="0">
-                <a:tc>
-                  <a:txBody>
-                    <a:bodyPr/>
-                    <a:lstStyle/>
-                    <a:p>
-                      <a:pPr latinLnBrk="1"/>
-                      <a:r>
-                        <a:rPr lang="ko-KR" altLang="en-US" sz="1100"/>
-                        <a:t>외부주소</a:t>
-                      </a:r>
-                    </a:p>
-                  </a:txBody>
-                  <a:tcPr/>
-                </a:tc>
-                <a:tc>
-                  <a:txBody>
-                    <a:bodyPr/>
-                    <a:lstStyle/>
-                    <a:p>
-                      <a:pPr latinLnBrk="1"/>
-                      <a:r>
-                        <a:rPr lang="en-US" altLang="ko-KR" sz="1100"/>
-                        <a:t>STN01_UsingLIB2_4."-"</a:t>
-                      </a:r>
-                      <a:endParaRPr lang="ko-KR" altLang="en-US" sz="1100"/>
-                    </a:p>
-                  </a:txBody>
-                  <a:tcPr/>
-                </a:tc>
-                <a:tc>
-                  <a:txBody>
-                    <a:bodyPr/>
-                    <a:lstStyle/>
-                    <a:p>
-                      <a:pPr latinLnBrk="1"/>
-                      <a:r>
-                        <a:rPr lang="en-US" altLang="ko-KR" sz="1100"/>
-                        <a:t>bool</a:t>
-                      </a:r>
-                      <a:endParaRPr lang="ko-KR" altLang="en-US" sz="1100"/>
-                    </a:p>
-                  </a:txBody>
-                  <a:tcPr/>
-                </a:tc>
-                <a:tc>
-                  <a:txBody>
-                    <a:bodyPr/>
-                    <a:lstStyle/>
-                    <a:p>
-                      <a:pPr latinLnBrk="1"/>
-                      <a:r>
-                        <a:rPr lang="en-US" altLang="ko-KR" sz="1100"/>
-                        <a:t>I625.10</a:t>
-                      </a:r>
-                      <a:endParaRPr lang="ko-KR" altLang="en-US" sz="1100"/>
-                    </a:p>
-                  </a:txBody>
-                  <a:tcPr/>
-                </a:tc>
-                <a:tc>
-                  <a:txBody>
-                    <a:bodyPr/>
-                    <a:lstStyle/>
-                    <a:p>
-                      <a:pPr latinLnBrk="1"/>
-                      <a:r>
-                        <a:rPr lang="en-US" altLang="ko-KR" sz="1100"/>
-                        <a:t>O625.10</a:t>
-                      </a:r>
-                      <a:endParaRPr lang="ko-KR" altLang="en-US" sz="1100"/>
-                    </a:p>
-                  </a:txBody>
-                  <a:tcPr/>
-                </a:tc>
-                <a:tc>
-                  <a:txBody>
-                    <a:bodyPr/>
-                    <a:lstStyle/>
-                    <a:p>
-                      <a:pPr latinLnBrk="1"/>
-                      <a:r>
-                        <a:rPr lang="en-US" altLang="ko-KR" sz="1100"/>
-                        <a:t>STN01_UsingLIB2_4_-</a:t>
-                      </a:r>
-                      <a:endParaRPr lang="ko-KR" altLang="en-US" sz="1100"/>
-                    </a:p>
-                  </a:txBody>
-                  <a:tcPr/>
-                </a:tc>
-                <a:tc>
-                  <a:txBody>
-                    <a:bodyPr/>
-                    <a:lstStyle/>
-                    <a:p>
-                      <a:pPr latinLnBrk="1"/>
-                      <a:endParaRPr lang="ko-KR" altLang="en-US" sz="1100"/>
-                    </a:p>
-                  </a:txBody>
-                  <a:tcPr/>
-                </a:tc>
-                <a:extLst>
-                  <a:ext uri="{0D108BD9-81ED-4DB2-BD59-A6C34878D82A}">
-                    <a16:rowId xmlns:a16="http://schemas.microsoft.com/office/drawing/2014/main" val="3885855682"/>
-                  </a:ext>
-                </a:extLst>
-              </a:tr>
-              <a:tr h="0">
-                <a:tc>
-                  <a:txBody>
-                    <a:bodyPr/>
-                    <a:lstStyle/>
-                    <a:p>
-                      <a:pPr latinLnBrk="1"/>
-                      <a:r>
-                        <a:rPr lang="ko-KR" altLang="en-US" sz="1100"/>
-                        <a:t>외부주소</a:t>
-                      </a:r>
-                    </a:p>
-                  </a:txBody>
-                  <a:tcPr/>
-                </a:tc>
-                <a:tc>
-                  <a:txBody>
-                    <a:bodyPr/>
-                    <a:lstStyle/>
-                    <a:p>
-                      <a:pPr latinLnBrk="1"/>
-                      <a:r>
-                        <a:rPr lang="en-US" altLang="ko-KR" sz="1100"/>
-                        <a:t>STN01_UsingLIB_1."+"</a:t>
-                      </a:r>
-                      <a:endParaRPr lang="ko-KR" altLang="en-US" sz="1100"/>
-                    </a:p>
-                  </a:txBody>
-                  <a:tcPr/>
-                </a:tc>
-                <a:tc>
-                  <a:txBody>
-                    <a:bodyPr/>
-                    <a:lstStyle/>
-                    <a:p>
-                      <a:pPr latinLnBrk="1"/>
-                      <a:r>
-                        <a:rPr lang="en-US" altLang="ko-KR" sz="1100"/>
-                        <a:t>bool</a:t>
-                      </a:r>
-                      <a:endParaRPr lang="ko-KR" altLang="en-US" sz="1100"/>
-                    </a:p>
-                  </a:txBody>
-                  <a:tcPr/>
-                </a:tc>
-                <a:tc>
-                  <a:txBody>
-                    <a:bodyPr/>
-                    <a:lstStyle/>
-                    <a:p>
-                      <a:pPr latinLnBrk="1"/>
-                      <a:r>
-                        <a:rPr lang="en-US" altLang="ko-KR" sz="1100"/>
-                        <a:t>I625.11</a:t>
-                      </a:r>
-                      <a:endParaRPr lang="ko-KR" altLang="en-US" sz="1100"/>
-                    </a:p>
-                  </a:txBody>
-                  <a:tcPr/>
-                </a:tc>
-                <a:tc>
-                  <a:txBody>
-                    <a:bodyPr/>
-                    <a:lstStyle/>
-                    <a:p>
-                      <a:pPr latinLnBrk="1"/>
-                      <a:r>
-                        <a:rPr lang="en-US" altLang="ko-KR" sz="1100"/>
-                        <a:t>O625.11</a:t>
-                      </a:r>
-                      <a:endParaRPr lang="ko-KR" altLang="en-US" sz="1100"/>
-                    </a:p>
-                  </a:txBody>
-                  <a:tcPr/>
-                </a:tc>
-                <a:tc>
-                  <a:txBody>
-                    <a:bodyPr/>
-                    <a:lstStyle/>
-                    <a:p>
-                      <a:pPr latinLnBrk="1"/>
-                      <a:r>
-                        <a:rPr lang="en-US" altLang="ko-KR" sz="1100"/>
-                        <a:t>STN01_UsingLIB_1_+</a:t>
-                      </a:r>
-                      <a:endParaRPr lang="ko-KR" altLang="en-US" sz="1100"/>
-                    </a:p>
-                  </a:txBody>
-                  <a:tcPr/>
-                </a:tc>
-                <a:tc>
-                  <a:txBody>
-                    <a:bodyPr/>
-                    <a:lstStyle/>
-                    <a:p>
-                      <a:pPr latinLnBrk="1"/>
-                      <a:endParaRPr lang="ko-KR" altLang="en-US" sz="1100"/>
-                    </a:p>
-                  </a:txBody>
-                  <a:tcPr/>
-                </a:tc>
-                <a:extLst>
-                  <a:ext uri="{0D108BD9-81ED-4DB2-BD59-A6C34878D82A}">
-                    <a16:rowId xmlns:a16="http://schemas.microsoft.com/office/drawing/2014/main" val="3254289481"/>
-                  </a:ext>
-                </a:extLst>
-              </a:tr>
-              <a:tr h="0">
-                <a:tc>
-                  <a:txBody>
-                    <a:bodyPr/>
-                    <a:lstStyle/>
-                    <a:p>
-                      <a:pPr latinLnBrk="1"/>
-                      <a:r>
-                        <a:rPr lang="ko-KR" altLang="en-US" sz="1100"/>
-                        <a:t>외부주소</a:t>
-                      </a:r>
-                    </a:p>
-                  </a:txBody>
-                  <a:tcPr/>
-                </a:tc>
-                <a:tc>
-                  <a:txBody>
-                    <a:bodyPr/>
-                    <a:lstStyle/>
-                    <a:p>
-                      <a:pPr latinLnBrk="1"/>
-                      <a:r>
-                        <a:rPr lang="en-US" altLang="ko-KR" sz="1100"/>
-                        <a:t>STN01_UsingLIB_1."-"</a:t>
-                      </a:r>
-                      <a:endParaRPr lang="ko-KR" altLang="en-US" sz="1100"/>
-                    </a:p>
-                  </a:txBody>
-                  <a:tcPr/>
-                </a:tc>
-                <a:tc>
-                  <a:txBody>
-                    <a:bodyPr/>
-                    <a:lstStyle/>
-                    <a:p>
-                      <a:pPr latinLnBrk="1"/>
-                      <a:r>
-                        <a:rPr lang="en-US" altLang="ko-KR" sz="1100" dirty="0"/>
-                        <a:t>bool</a:t>
-                      </a:r>
-                      <a:endParaRPr lang="ko-KR" altLang="en-US" sz="1100" dirty="0"/>
-                    </a:p>
-                  </a:txBody>
-                  <a:tcPr/>
-                </a:tc>
-                <a:tc>
-                  <a:txBody>
-                    <a:bodyPr/>
-                    <a:lstStyle/>
-                    <a:p>
-                      <a:pPr latinLnBrk="1"/>
-                      <a:r>
-                        <a:rPr lang="en-US" altLang="ko-KR" sz="1100"/>
-                        <a:t>I625.12</a:t>
-                      </a:r>
-                      <a:endParaRPr lang="ko-KR" altLang="en-US" sz="1100"/>
-                    </a:p>
-                  </a:txBody>
-                  <a:tcPr/>
-                </a:tc>
-                <a:tc>
-                  <a:txBody>
-                    <a:bodyPr/>
-                    <a:lstStyle/>
-                    <a:p>
-                      <a:pPr latinLnBrk="1"/>
-                      <a:r>
-                        <a:rPr lang="en-US" altLang="ko-KR" sz="1100"/>
-                        <a:t>O625.12</a:t>
-                      </a:r>
-                      <a:endParaRPr lang="ko-KR" altLang="en-US" sz="1100"/>
-                    </a:p>
-                  </a:txBody>
-                  <a:tcPr/>
-                </a:tc>
-                <a:tc>
-                  <a:txBody>
-                    <a:bodyPr/>
-                    <a:lstStyle/>
-                    <a:p>
-                      <a:pPr latinLnBrk="1"/>
-                      <a:r>
-                        <a:rPr lang="en-US" altLang="ko-KR" sz="1100"/>
-                        <a:t>STN01_UsingLIB_1_-</a:t>
-                      </a:r>
-                      <a:endParaRPr lang="ko-KR" altLang="en-US" sz="1100"/>
-                    </a:p>
-                  </a:txBody>
-                  <a:tcPr/>
-                </a:tc>
-                <a:tc>
-                  <a:txBody>
-                    <a:bodyPr/>
-                    <a:lstStyle/>
-                    <a:p>
-                      <a:pPr latinLnBrk="1"/>
-                      <a:endParaRPr lang="ko-KR" altLang="en-US" sz="1100"/>
-                    </a:p>
-                  </a:txBody>
-                  <a:tcPr/>
-                </a:tc>
-                <a:extLst>
-                  <a:ext uri="{0D108BD9-81ED-4DB2-BD59-A6C34878D82A}">
-                    <a16:rowId xmlns:a16="http://schemas.microsoft.com/office/drawing/2014/main" val="2492755005"/>
-                  </a:ext>
-                </a:extLst>
-              </a:tr>
-              <a:tr h="0">
-                <a:tc>
-                  <a:txBody>
-                    <a:bodyPr/>
-                    <a:lstStyle/>
-                    <a:p>
-                      <a:pPr latinLnBrk="1"/>
-                      <a:r>
-                        <a:rPr lang="ko-KR" altLang="en-US" sz="1100"/>
-                        <a:t>외부주소</a:t>
-                      </a:r>
-                    </a:p>
-                  </a:txBody>
-                  <a:tcPr/>
-                </a:tc>
-                <a:tc>
-                  <a:txBody>
-                    <a:bodyPr/>
-                    <a:lstStyle/>
-                    <a:p>
-                      <a:pPr latinLnBrk="1"/>
-                      <a:r>
-                        <a:rPr lang="en-US" altLang="ko-KR" sz="1100"/>
-                        <a:t>STN01_UsingLIB_2."+"</a:t>
-                      </a:r>
-                      <a:endParaRPr lang="ko-KR" altLang="en-US" sz="1100"/>
-                    </a:p>
-                  </a:txBody>
-                  <a:tcPr/>
-                </a:tc>
-                <a:tc>
-                  <a:txBody>
-                    <a:bodyPr/>
-                    <a:lstStyle/>
-                    <a:p>
-                      <a:pPr latinLnBrk="1"/>
-                      <a:r>
-                        <a:rPr lang="en-US" altLang="ko-KR" sz="1100"/>
-                        <a:t>bool</a:t>
-                      </a:r>
-                      <a:endParaRPr lang="ko-KR" altLang="en-US" sz="1100"/>
-                    </a:p>
-                  </a:txBody>
-                  <a:tcPr/>
-                </a:tc>
-                <a:tc>
-                  <a:txBody>
-                    <a:bodyPr/>
-                    <a:lstStyle/>
-                    <a:p>
-                      <a:pPr latinLnBrk="1"/>
-                      <a:r>
-                        <a:rPr lang="en-US" altLang="ko-KR" sz="1100"/>
-                        <a:t>I625.13</a:t>
-                      </a:r>
-                      <a:endParaRPr lang="ko-KR" altLang="en-US" sz="1100"/>
-                    </a:p>
-                  </a:txBody>
-                  <a:tcPr/>
-                </a:tc>
-                <a:tc>
-                  <a:txBody>
-                    <a:bodyPr/>
-                    <a:lstStyle/>
-                    <a:p>
-                      <a:pPr latinLnBrk="1"/>
-                      <a:r>
-                        <a:rPr lang="en-US" altLang="ko-KR" sz="1100"/>
-                        <a:t>O625.13</a:t>
-                      </a:r>
-                      <a:endParaRPr lang="ko-KR" altLang="en-US" sz="1100"/>
-                    </a:p>
-                  </a:txBody>
-                  <a:tcPr/>
-                </a:tc>
-                <a:tc>
-                  <a:txBody>
-                    <a:bodyPr/>
-                    <a:lstStyle/>
-                    <a:p>
-                      <a:pPr latinLnBrk="1"/>
-                      <a:r>
-                        <a:rPr lang="en-US" altLang="ko-KR" sz="1100"/>
-                        <a:t>STN01_UsingLIB_2_+</a:t>
-                      </a:r>
-                      <a:endParaRPr lang="ko-KR" altLang="en-US" sz="1100"/>
-                    </a:p>
-                  </a:txBody>
-                  <a:tcPr/>
-                </a:tc>
-                <a:tc>
-                  <a:txBody>
-                    <a:bodyPr/>
-                    <a:lstStyle/>
-                    <a:p>
-                      <a:pPr latinLnBrk="1"/>
-                      <a:endParaRPr lang="ko-KR" altLang="en-US" sz="1100"/>
-                    </a:p>
-                  </a:txBody>
-                  <a:tcPr/>
-                </a:tc>
-                <a:extLst>
-                  <a:ext uri="{0D108BD9-81ED-4DB2-BD59-A6C34878D82A}">
-                    <a16:rowId xmlns:a16="http://schemas.microsoft.com/office/drawing/2014/main" val="1941799077"/>
-                  </a:ext>
-                </a:extLst>
-              </a:tr>
-              <a:tr h="0">
-                <a:tc>
-                  <a:txBody>
-                    <a:bodyPr/>
-                    <a:lstStyle/>
-                    <a:p>
-                      <a:pPr latinLnBrk="1"/>
-                      <a:r>
-                        <a:rPr lang="ko-KR" altLang="en-US" sz="1100"/>
-                        <a:t>외부주소</a:t>
-                      </a:r>
-                    </a:p>
-                  </a:txBody>
-                  <a:tcPr/>
-                </a:tc>
-                <a:tc>
-                  <a:txBody>
-                    <a:bodyPr/>
-                    <a:lstStyle/>
-                    <a:p>
-                      <a:pPr latinLnBrk="1"/>
-                      <a:r>
-                        <a:rPr lang="en-US" altLang="ko-KR" sz="1100"/>
-                        <a:t>STN01_UsingLIB_2."-"</a:t>
-                      </a:r>
-                      <a:endParaRPr lang="ko-KR" altLang="en-US" sz="1100"/>
-                    </a:p>
-                  </a:txBody>
-                  <a:tcPr/>
-                </a:tc>
-                <a:tc>
-                  <a:txBody>
-                    <a:bodyPr/>
-                    <a:lstStyle/>
-                    <a:p>
-                      <a:pPr latinLnBrk="1"/>
-                      <a:r>
-                        <a:rPr lang="en-US" altLang="ko-KR" sz="1100"/>
-                        <a:t>bool</a:t>
-                      </a:r>
-                      <a:endParaRPr lang="ko-KR" altLang="en-US" sz="1100"/>
-                    </a:p>
-                  </a:txBody>
-                  <a:tcPr/>
-                </a:tc>
-                <a:tc>
-                  <a:txBody>
-                    <a:bodyPr/>
-                    <a:lstStyle/>
-                    <a:p>
-                      <a:pPr latinLnBrk="1"/>
-                      <a:r>
-                        <a:rPr lang="en-US" altLang="ko-KR" sz="1100"/>
-                        <a:t>I625.14</a:t>
-                      </a:r>
-                      <a:endParaRPr lang="ko-KR" altLang="en-US" sz="1100"/>
-                    </a:p>
-                  </a:txBody>
-                  <a:tcPr/>
-                </a:tc>
-                <a:tc>
-                  <a:txBody>
-                    <a:bodyPr/>
-                    <a:lstStyle/>
-                    <a:p>
-                      <a:pPr latinLnBrk="1"/>
-                      <a:r>
-                        <a:rPr lang="en-US" altLang="ko-KR" sz="1100"/>
-                        <a:t>O625.14</a:t>
-                      </a:r>
-                      <a:endParaRPr lang="ko-KR" altLang="en-US" sz="1100"/>
-                    </a:p>
-                  </a:txBody>
-                  <a:tcPr/>
-                </a:tc>
-                <a:tc>
-                  <a:txBody>
-                    <a:bodyPr/>
-                    <a:lstStyle/>
-                    <a:p>
-                      <a:pPr latinLnBrk="1"/>
-                      <a:r>
-                        <a:rPr lang="en-US" altLang="ko-KR" sz="1100"/>
-                        <a:t>STN01_UsingLIB_2_-</a:t>
-                      </a:r>
-                      <a:endParaRPr lang="ko-KR" altLang="en-US" sz="1100"/>
-                    </a:p>
-                  </a:txBody>
-                  <a:tcPr/>
-                </a:tc>
-                <a:tc>
-                  <a:txBody>
-                    <a:bodyPr/>
-                    <a:lstStyle/>
-                    <a:p>
-                      <a:pPr latinLnBrk="1"/>
-                      <a:endParaRPr lang="ko-KR" altLang="en-US" sz="1100"/>
-                    </a:p>
-                  </a:txBody>
-                  <a:tcPr/>
-                </a:tc>
-                <a:extLst>
-                  <a:ext uri="{0D108BD9-81ED-4DB2-BD59-A6C34878D82A}">
-                    <a16:rowId xmlns:a16="http://schemas.microsoft.com/office/drawing/2014/main" val="1333376853"/>
-                  </a:ext>
-                </a:extLst>
-              </a:tr>
-              <a:tr h="0">
-                <a:tc>
-                  <a:txBody>
-                    <a:bodyPr/>
-                    <a:lstStyle/>
-                    <a:p>
-                      <a:pPr latinLnBrk="1"/>
-                      <a:endParaRPr lang="ko-KR" altLang="en-US" sz="1100"/>
-                    </a:p>
-                  </a:txBody>
-                  <a:tcPr/>
-                </a:tc>
-                <a:tc>
-                  <a:txBody>
-                    <a:bodyPr/>
-                    <a:lstStyle/>
-                    <a:p>
-                      <a:pPr latinLnBrk="1"/>
-                      <a:endParaRPr lang="ko-KR" altLang="en-US" sz="1100"/>
-                    </a:p>
-                  </a:txBody>
-                  <a:tcPr/>
-                </a:tc>
-                <a:tc>
-                  <a:txBody>
-                    <a:bodyPr/>
-                    <a:lstStyle/>
-                    <a:p>
-                      <a:pPr latinLnBrk="1"/>
-                      <a:endParaRPr lang="ko-KR" altLang="en-US" sz="1100"/>
-                    </a:p>
-                  </a:txBody>
-                  <a:tcPr/>
-                </a:tc>
-                <a:tc>
-                  <a:txBody>
-                    <a:bodyPr/>
-                    <a:lstStyle/>
-                    <a:p>
-                      <a:pPr latinLnBrk="1"/>
-                      <a:endParaRPr lang="ko-KR" altLang="en-US" sz="1100"/>
-                    </a:p>
-                  </a:txBody>
-                  <a:tcPr/>
-                </a:tc>
-                <a:tc>
-                  <a:txBody>
-                    <a:bodyPr/>
-                    <a:lstStyle/>
-                    <a:p>
-                      <a:pPr latinLnBrk="1"/>
-                      <a:endParaRPr lang="ko-KR" altLang="en-US" sz="1100"/>
-                    </a:p>
-                  </a:txBody>
-                  <a:tcPr/>
-                </a:tc>
-                <a:tc>
-                  <a:txBody>
-                    <a:bodyPr/>
-                    <a:lstStyle/>
-                    <a:p>
-                      <a:pPr latinLnBrk="1"/>
-                      <a:endParaRPr lang="ko-KR" altLang="en-US" sz="1100"/>
-                    </a:p>
-                  </a:txBody>
-                  <a:tcPr/>
-                </a:tc>
-                <a:tc>
-                  <a:txBody>
-                    <a:bodyPr/>
-                    <a:lstStyle/>
-                    <a:p>
-                      <a:pPr latinLnBrk="1"/>
-                      <a:endParaRPr lang="ko-KR" altLang="en-US" sz="1100"/>
-                    </a:p>
-                  </a:txBody>
-                  <a:tcPr/>
-                </a:tc>
-                <a:extLst>
-                  <a:ext uri="{0D108BD9-81ED-4DB2-BD59-A6C34878D82A}">
-                    <a16:rowId xmlns:a16="http://schemas.microsoft.com/office/drawing/2014/main" val="389928861"/>
-                  </a:ext>
-                </a:extLst>
-              </a:tr>
-              <a:tr h="0">
-                <a:tc>
-                  <a:txBody>
-                    <a:bodyPr/>
-                    <a:lstStyle/>
-                    <a:p>
-                      <a:pPr latinLnBrk="1"/>
-                      <a:endParaRPr lang="ko-KR" altLang="en-US" sz="1100"/>
-                    </a:p>
-                  </a:txBody>
-                  <a:tcPr/>
-                </a:tc>
-                <a:tc>
-                  <a:txBody>
-                    <a:bodyPr/>
-                    <a:lstStyle/>
-                    <a:p>
-                      <a:pPr latinLnBrk="1"/>
-                      <a:endParaRPr lang="ko-KR" altLang="en-US" sz="1100"/>
-                    </a:p>
-                  </a:txBody>
-                  <a:tcPr/>
-                </a:tc>
-                <a:tc>
-                  <a:txBody>
-                    <a:bodyPr/>
-                    <a:lstStyle/>
-                    <a:p>
-                      <a:pPr latinLnBrk="1"/>
-                      <a:endParaRPr lang="ko-KR" altLang="en-US" sz="1100"/>
-                    </a:p>
-                  </a:txBody>
-                  <a:tcPr/>
-                </a:tc>
-                <a:tc>
-                  <a:txBody>
-                    <a:bodyPr/>
-                    <a:lstStyle/>
-                    <a:p>
-                      <a:pPr latinLnBrk="1"/>
-                      <a:endParaRPr lang="ko-KR" altLang="en-US" sz="1100"/>
-                    </a:p>
-                  </a:txBody>
-                  <a:tcPr/>
-                </a:tc>
-                <a:tc>
-                  <a:txBody>
-                    <a:bodyPr/>
-                    <a:lstStyle/>
-                    <a:p>
-                      <a:pPr latinLnBrk="1"/>
-                      <a:endParaRPr lang="ko-KR" altLang="en-US" sz="1100"/>
-                    </a:p>
-                  </a:txBody>
-                  <a:tcPr/>
-                </a:tc>
-                <a:tc>
-                  <a:txBody>
-                    <a:bodyPr/>
-                    <a:lstStyle/>
-                    <a:p>
-                      <a:pPr latinLnBrk="1"/>
-                      <a:endParaRPr lang="ko-KR" altLang="en-US" sz="1100"/>
-                    </a:p>
-                  </a:txBody>
-                  <a:tcPr/>
-                </a:tc>
-                <a:tc>
-                  <a:txBody>
-                    <a:bodyPr/>
-                    <a:lstStyle/>
-                    <a:p>
-                      <a:pPr latinLnBrk="1"/>
-                      <a:endParaRPr lang="ko-KR" altLang="en-US" sz="1100"/>
-                    </a:p>
-                  </a:txBody>
-                  <a:tcPr/>
-                </a:tc>
-                <a:extLst>
-                  <a:ext uri="{0D108BD9-81ED-4DB2-BD59-A6C34878D82A}">
-                    <a16:rowId xmlns:a16="http://schemas.microsoft.com/office/drawing/2014/main" val="3504586823"/>
-                  </a:ext>
-                </a:extLst>
-              </a:tr>
-              <a:tr h="0">
-                <a:tc>
-                  <a:txBody>
-                    <a:bodyPr/>
-                    <a:lstStyle/>
-                    <a:p>
-                      <a:pPr latinLnBrk="1"/>
-                      <a:endParaRPr lang="ko-KR" altLang="en-US" sz="1100"/>
-                    </a:p>
-                  </a:txBody>
-                  <a:tcPr/>
-                </a:tc>
-                <a:tc>
-                  <a:txBody>
-                    <a:bodyPr/>
-                    <a:lstStyle/>
-                    <a:p>
-                      <a:pPr latinLnBrk="1"/>
-                      <a:endParaRPr lang="ko-KR" altLang="en-US" sz="1100"/>
-                    </a:p>
-                  </a:txBody>
-                  <a:tcPr/>
-                </a:tc>
-                <a:tc>
-                  <a:txBody>
-                    <a:bodyPr/>
-                    <a:lstStyle/>
-                    <a:p>
-                      <a:pPr latinLnBrk="1"/>
-                      <a:endParaRPr lang="ko-KR" altLang="en-US" sz="1100"/>
-                    </a:p>
-                  </a:txBody>
-                  <a:tcPr/>
-                </a:tc>
-                <a:tc>
-                  <a:txBody>
-                    <a:bodyPr/>
-                    <a:lstStyle/>
-                    <a:p>
-                      <a:pPr latinLnBrk="1"/>
-                      <a:endParaRPr lang="ko-KR" altLang="en-US" sz="1100"/>
-                    </a:p>
-                  </a:txBody>
-                  <a:tcPr/>
-                </a:tc>
-                <a:tc>
-                  <a:txBody>
-                    <a:bodyPr/>
-                    <a:lstStyle/>
-                    <a:p>
-                      <a:pPr latinLnBrk="1"/>
-                      <a:endParaRPr lang="ko-KR" altLang="en-US" sz="1100"/>
-                    </a:p>
-                  </a:txBody>
-                  <a:tcPr/>
-                </a:tc>
-                <a:tc>
-                  <a:txBody>
-                    <a:bodyPr/>
-                    <a:lstStyle/>
-                    <a:p>
-                      <a:pPr latinLnBrk="1"/>
-                      <a:endParaRPr lang="ko-KR" altLang="en-US" sz="1100"/>
-                    </a:p>
-                  </a:txBody>
-                  <a:tcPr/>
-                </a:tc>
-                <a:tc>
-                  <a:txBody>
-                    <a:bodyPr/>
-                    <a:lstStyle/>
-                    <a:p>
-                      <a:pPr latinLnBrk="1"/>
-                      <a:endParaRPr lang="ko-KR" altLang="en-US" sz="1100"/>
-                    </a:p>
-                  </a:txBody>
-                  <a:tcPr/>
-                </a:tc>
-                <a:extLst>
-                  <a:ext uri="{0D108BD9-81ED-4DB2-BD59-A6C34878D82A}">
-                    <a16:rowId xmlns:a16="http://schemas.microsoft.com/office/drawing/2014/main" val="2985985298"/>
-                  </a:ext>
-                </a:extLst>
-              </a:tr>
-              <a:tr h="0">
-                <a:tc>
-                  <a:txBody>
-                    <a:bodyPr/>
-                    <a:lstStyle/>
-                    <a:p>
-                      <a:pPr latinLnBrk="1"/>
-                      <a:endParaRPr lang="ko-KR" altLang="en-US" sz="1100"/>
-                    </a:p>
-                  </a:txBody>
-                  <a:tcPr/>
-                </a:tc>
-                <a:tc>
-                  <a:txBody>
-                    <a:bodyPr/>
-                    <a:lstStyle/>
-                    <a:p>
-                      <a:pPr latinLnBrk="1"/>
-                      <a:endParaRPr lang="ko-KR" altLang="en-US" sz="1100"/>
-                    </a:p>
-                  </a:txBody>
-                  <a:tcPr/>
-                </a:tc>
-                <a:tc>
-                  <a:txBody>
-                    <a:bodyPr/>
-                    <a:lstStyle/>
-                    <a:p>
-                      <a:pPr latinLnBrk="1"/>
-                      <a:endParaRPr lang="ko-KR" altLang="en-US" sz="1100"/>
-                    </a:p>
-                  </a:txBody>
-                  <a:tcPr/>
-                </a:tc>
-                <a:tc>
-                  <a:txBody>
-                    <a:bodyPr/>
-                    <a:lstStyle/>
-                    <a:p>
-                      <a:pPr latinLnBrk="1"/>
-                      <a:endParaRPr lang="ko-KR" altLang="en-US" sz="1100"/>
-                    </a:p>
-                  </a:txBody>
-                  <a:tcPr/>
-                </a:tc>
-                <a:tc>
-                  <a:txBody>
-                    <a:bodyPr/>
-                    <a:lstStyle/>
-                    <a:p>
-                      <a:pPr latinLnBrk="1"/>
-                      <a:endParaRPr lang="ko-KR" altLang="en-US" sz="1100"/>
-                    </a:p>
-                  </a:txBody>
-                  <a:tcPr/>
-                </a:tc>
-                <a:tc>
-                  <a:txBody>
-                    <a:bodyPr/>
-                    <a:lstStyle/>
-                    <a:p>
-                      <a:pPr latinLnBrk="1"/>
-                      <a:endParaRPr lang="ko-KR" altLang="en-US" sz="1100"/>
-                    </a:p>
-                  </a:txBody>
-                  <a:tcPr/>
-                </a:tc>
-                <a:tc>
-                  <a:txBody>
-                    <a:bodyPr/>
-                    <a:lstStyle/>
-                    <a:p>
-                      <a:pPr latinLnBrk="1"/>
-                      <a:endParaRPr lang="ko-KR" altLang="en-US" sz="1100"/>
-                    </a:p>
-                  </a:txBody>
-                  <a:tcPr/>
-                </a:tc>
-                <a:extLst>
-                  <a:ext uri="{0D108BD9-81ED-4DB2-BD59-A6C34878D82A}">
-                    <a16:rowId xmlns:a16="http://schemas.microsoft.com/office/drawing/2014/main" val="1096835016"/>
-                  </a:ext>
-                </a:extLst>
-              </a:tr>
-              <a:tr h="0">
-                <a:tc>
-                  <a:txBody>
-                    <a:bodyPr/>
-                    <a:lstStyle/>
-                    <a:p>
-                      <a:pPr latinLnBrk="1"/>
-                      <a:endParaRPr lang="ko-KR" altLang="en-US" sz="1100"/>
-                    </a:p>
-                  </a:txBody>
-                  <a:tcPr/>
-                </a:tc>
-                <a:tc>
-                  <a:txBody>
-                    <a:bodyPr/>
-                    <a:lstStyle/>
-                    <a:p>
-                      <a:pPr latinLnBrk="1"/>
-                      <a:endParaRPr lang="ko-KR" altLang="en-US" sz="1100"/>
-                    </a:p>
-                  </a:txBody>
-                  <a:tcPr/>
-                </a:tc>
-                <a:tc>
-                  <a:txBody>
-                    <a:bodyPr/>
-                    <a:lstStyle/>
-                    <a:p>
-                      <a:pPr latinLnBrk="1"/>
-                      <a:endParaRPr lang="ko-KR" altLang="en-US" sz="1100"/>
-                    </a:p>
-                  </a:txBody>
-                  <a:tcPr/>
-                </a:tc>
-                <a:tc>
-                  <a:txBody>
-                    <a:bodyPr/>
-                    <a:lstStyle/>
-                    <a:p>
-                      <a:pPr latinLnBrk="1"/>
-                      <a:endParaRPr lang="ko-KR" altLang="en-US" sz="1100"/>
-                    </a:p>
-                  </a:txBody>
-                  <a:tcPr/>
-                </a:tc>
-                <a:tc>
-                  <a:txBody>
-                    <a:bodyPr/>
-                    <a:lstStyle/>
-                    <a:p>
-                      <a:pPr latinLnBrk="1"/>
-                      <a:endParaRPr lang="ko-KR" altLang="en-US" sz="1100"/>
-                    </a:p>
-                  </a:txBody>
-                  <a:tcPr/>
-                </a:tc>
-                <a:tc>
-                  <a:txBody>
-                    <a:bodyPr/>
-                    <a:lstStyle/>
-                    <a:p>
-                      <a:pPr latinLnBrk="1"/>
-                      <a:endParaRPr lang="ko-KR" altLang="en-US" sz="1100"/>
-                    </a:p>
-                  </a:txBody>
-                  <a:tcPr/>
-                </a:tc>
-                <a:tc>
-                  <a:txBody>
-                    <a:bodyPr/>
-                    <a:lstStyle/>
-                    <a:p>
-                      <a:pPr latinLnBrk="1"/>
-                      <a:endParaRPr lang="ko-KR" altLang="en-US" sz="1100"/>
-                    </a:p>
-                  </a:txBody>
-                  <a:tcPr/>
-                </a:tc>
-                <a:extLst>
-                  <a:ext uri="{0D108BD9-81ED-4DB2-BD59-A6C34878D82A}">
-                    <a16:rowId xmlns:a16="http://schemas.microsoft.com/office/drawing/2014/main" val="2274652905"/>
-                  </a:ext>
-                </a:extLst>
-              </a:tr>
-              <a:tr h="0">
-                <a:tc>
-                  <a:txBody>
-                    <a:bodyPr/>
-                    <a:lstStyle/>
-                    <a:p>
-                      <a:pPr latinLnBrk="1"/>
-                      <a:endParaRPr lang="ko-KR" altLang="en-US" sz="1100"/>
-                    </a:p>
-                  </a:txBody>
-                  <a:tcPr/>
-                </a:tc>
-                <a:tc>
-                  <a:txBody>
-                    <a:bodyPr/>
-                    <a:lstStyle/>
-                    <a:p>
-                      <a:pPr latinLnBrk="1"/>
-                      <a:endParaRPr lang="ko-KR" altLang="en-US" sz="1100"/>
-                    </a:p>
-                  </a:txBody>
-                  <a:tcPr/>
-                </a:tc>
-                <a:tc>
-                  <a:txBody>
-                    <a:bodyPr/>
-                    <a:lstStyle/>
-                    <a:p>
-                      <a:pPr latinLnBrk="1"/>
-                      <a:endParaRPr lang="ko-KR" altLang="en-US" sz="1100"/>
-                    </a:p>
-                  </a:txBody>
-                  <a:tcPr/>
-                </a:tc>
-                <a:tc>
-                  <a:txBody>
-                    <a:bodyPr/>
-                    <a:lstStyle/>
-                    <a:p>
-                      <a:pPr latinLnBrk="1"/>
-                      <a:endParaRPr lang="ko-KR" altLang="en-US" sz="1100"/>
-                    </a:p>
-                  </a:txBody>
-                  <a:tcPr/>
-                </a:tc>
-                <a:tc>
-                  <a:txBody>
-                    <a:bodyPr/>
-                    <a:lstStyle/>
-                    <a:p>
-                      <a:pPr latinLnBrk="1"/>
-                      <a:endParaRPr lang="ko-KR" altLang="en-US" sz="1100"/>
-                    </a:p>
-                  </a:txBody>
-                  <a:tcPr/>
-                </a:tc>
-                <a:tc>
-                  <a:txBody>
-                    <a:bodyPr/>
-                    <a:lstStyle/>
-                    <a:p>
-                      <a:pPr latinLnBrk="1"/>
-                      <a:endParaRPr lang="ko-KR" altLang="en-US" sz="1100"/>
-                    </a:p>
-                  </a:txBody>
-                  <a:tcPr/>
-                </a:tc>
-                <a:tc>
-                  <a:txBody>
-                    <a:bodyPr/>
-                    <a:lstStyle/>
-                    <a:p>
-                      <a:pPr latinLnBrk="1"/>
-                      <a:endParaRPr lang="ko-KR" altLang="en-US" sz="1100"/>
-                    </a:p>
-                  </a:txBody>
-                  <a:tcPr/>
-                </a:tc>
-                <a:extLst>
-                  <a:ext uri="{0D108BD9-81ED-4DB2-BD59-A6C34878D82A}">
-                    <a16:rowId xmlns:a16="http://schemas.microsoft.com/office/drawing/2014/main" val="2110456893"/>
-                  </a:ext>
-                </a:extLst>
-              </a:tr>
-              <a:tr h="0">
-                <a:tc>
-                  <a:txBody>
-                    <a:bodyPr/>
-                    <a:lstStyle/>
-                    <a:p>
-                      <a:pPr latinLnBrk="1"/>
-                      <a:r>
-                        <a:rPr lang="ko-KR" altLang="en-US" sz="1100"/>
-                        <a:t>내부변수</a:t>
-                      </a:r>
-                    </a:p>
-                  </a:txBody>
-                  <a:tcPr/>
-                </a:tc>
-                <a:tc>
-                  <a:txBody>
-                    <a:bodyPr/>
-                    <a:lstStyle/>
-                    <a:p>
-                      <a:pPr latinLnBrk="1"/>
-                      <a:endParaRPr lang="ko-KR" altLang="en-US" sz="1100"/>
-                    </a:p>
-                  </a:txBody>
-                  <a:tcPr/>
-                </a:tc>
-                <a:tc>
-                  <a:txBody>
-                    <a:bodyPr/>
-                    <a:lstStyle/>
-                    <a:p>
-                      <a:pPr latinLnBrk="1"/>
-                      <a:endParaRPr lang="ko-KR" altLang="en-US" sz="1100"/>
-                    </a:p>
-                  </a:txBody>
-                  <a:tcPr/>
-                </a:tc>
-                <a:tc>
-                  <a:txBody>
-                    <a:bodyPr/>
-                    <a:lstStyle/>
-                    <a:p>
-                      <a:pPr latinLnBrk="1"/>
-                      <a:endParaRPr lang="ko-KR" altLang="en-US" sz="1100"/>
-                    </a:p>
-                  </a:txBody>
-                  <a:tcPr/>
-                </a:tc>
-                <a:tc>
-                  <a:txBody>
-                    <a:bodyPr/>
-                    <a:lstStyle/>
-                    <a:p>
-                      <a:pPr latinLnBrk="1"/>
-                      <a:endParaRPr lang="ko-KR" altLang="en-US" sz="1100"/>
-                    </a:p>
-                  </a:txBody>
-                  <a:tcPr/>
-                </a:tc>
-                <a:tc>
-                  <a:txBody>
-                    <a:bodyPr/>
-                    <a:lstStyle/>
-                    <a:p>
-                      <a:pPr latinLnBrk="1"/>
-                      <a:endParaRPr lang="ko-KR" altLang="en-US" sz="1100"/>
-                    </a:p>
-                  </a:txBody>
-                  <a:tcPr/>
-                </a:tc>
-                <a:tc>
-                  <a:txBody>
-                    <a:bodyPr/>
-                    <a:lstStyle/>
-                    <a:p>
-                      <a:pPr latinLnBrk="1"/>
-                      <a:endParaRPr lang="ko-KR" altLang="en-US" sz="1100"/>
-                    </a:p>
-                  </a:txBody>
-                  <a:tcPr/>
-                </a:tc>
-                <a:extLst>
-                  <a:ext uri="{0D108BD9-81ED-4DB2-BD59-A6C34878D82A}">
-                    <a16:rowId xmlns:a16="http://schemas.microsoft.com/office/drawing/2014/main" val="328689863"/>
-                  </a:ext>
-                </a:extLst>
-              </a:tr>
-              <a:tr h="0">
-                <a:tc>
-                  <a:txBody>
-                    <a:bodyPr/>
-                    <a:lstStyle/>
-                    <a:p>
-                      <a:pPr latinLnBrk="1"/>
-                      <a:endParaRPr lang="ko-KR" altLang="en-US" sz="1100"/>
-                    </a:p>
-                  </a:txBody>
-                  <a:tcPr/>
-                </a:tc>
-                <a:tc>
-                  <a:txBody>
-                    <a:bodyPr/>
-                    <a:lstStyle/>
-                    <a:p>
-                      <a:pPr latinLnBrk="1"/>
-                      <a:endParaRPr lang="ko-KR" altLang="en-US" sz="1100"/>
-                    </a:p>
-                  </a:txBody>
-                  <a:tcPr/>
-                </a:tc>
-                <a:tc>
-                  <a:txBody>
-                    <a:bodyPr/>
-                    <a:lstStyle/>
-                    <a:p>
-                      <a:pPr latinLnBrk="1"/>
-                      <a:endParaRPr lang="ko-KR" altLang="en-US" sz="1100"/>
-                    </a:p>
-                  </a:txBody>
-                  <a:tcPr/>
-                </a:tc>
-                <a:tc>
-                  <a:txBody>
-                    <a:bodyPr/>
-                    <a:lstStyle/>
-                    <a:p>
-                      <a:pPr latinLnBrk="1"/>
-                      <a:endParaRPr lang="ko-KR" altLang="en-US" sz="1100"/>
-                    </a:p>
-                  </a:txBody>
-                  <a:tcPr/>
-                </a:tc>
-                <a:tc>
-                  <a:txBody>
-                    <a:bodyPr/>
-                    <a:lstStyle/>
-                    <a:p>
-                      <a:pPr latinLnBrk="1"/>
-                      <a:endParaRPr lang="ko-KR" altLang="en-US" sz="1100"/>
-                    </a:p>
-                  </a:txBody>
-                  <a:tcPr/>
-                </a:tc>
-                <a:tc>
-                  <a:txBody>
-                    <a:bodyPr/>
-                    <a:lstStyle/>
-                    <a:p>
-                      <a:pPr latinLnBrk="1"/>
-                      <a:endParaRPr lang="ko-KR" altLang="en-US" sz="1100"/>
-                    </a:p>
-                  </a:txBody>
-                  <a:tcPr/>
-                </a:tc>
-                <a:tc>
-                  <a:txBody>
-                    <a:bodyPr/>
-                    <a:lstStyle/>
-                    <a:p>
-                      <a:pPr latinLnBrk="1"/>
-                      <a:endParaRPr lang="ko-KR" altLang="en-US" sz="1100" dirty="0"/>
-                    </a:p>
-                  </a:txBody>
-                  <a:tcPr/>
-                </a:tc>
-                <a:extLst>
-                  <a:ext uri="{0D108BD9-81ED-4DB2-BD59-A6C34878D82A}">
-                    <a16:rowId xmlns:a16="http://schemas.microsoft.com/office/drawing/2014/main" val="2906129826"/>
-                  </a:ext>
-                </a:extLst>
-              </a:tr>
-            </a:tbl>
-          </a:graphicData>
-        </a:graphic>
-      </p:graphicFrame>
-    </p:spTree>
-    <p:extLst>
-      <p:ext uri="{BB962C8B-B14F-4D97-AF65-F5344CB8AC3E}">
-        <p14:creationId xmlns:p14="http://schemas.microsoft.com/office/powerpoint/2010/main" val="3776002970"/>
       </p:ext>
     </p:extLst>
   </p:cSld>

--- a/DsDotNet/src/UnitTest/UnitTest.Model/ImportOfficeExample/exportDS/testA/testMy/my.pptx
+++ b/DsDotNet/src/UnitTest/UnitTest.Model/ImportOfficeExample/exportDS/testA/testMy/my.pptx
@@ -3379,6 +3379,56 @@
           <a:bodyPr/>
           <a:lstStyle/>
           <a:p>
+            <a:endParaRPr lang="ko-KR" altLang="en-US"/>
+          </a:p>
+        </p:txBody>
+      </p:sp>
+      <p:sp>
+        <p:nvSpPr>
+          <p:cNvPr id="4" name="Work1">
+            <a:extLst>
+              <a:ext uri="{FF2B5EF4-FFF2-40B4-BE49-F238E27FC236}">
+                <a16:creationId xmlns:a16="http://schemas.microsoft.com/office/drawing/2014/main" id="{BB3801F4-7653-5E5C-A674-9E1621708A2B}"/>
+              </a:ext>
+            </a:extLst>
+          </p:cNvPr>
+          <p:cNvSpPr/>
+          <p:nvPr/>
+        </p:nvSpPr>
+        <p:spPr>
+          <a:xfrm>
+            <a:off x="127000" y="635000"/>
+            <a:ext cx="1270000" cy="635000"/>
+          </a:xfrm>
+          <a:prstGeom prst="rect">
+            <a:avLst/>
+          </a:prstGeom>
+        </p:spPr>
+        <p:style>
+          <a:lnRef idx="2">
+            <a:schemeClr val="accent1">
+              <a:shade val="15000"/>
+            </a:schemeClr>
+          </a:lnRef>
+          <a:fillRef idx="1">
+            <a:schemeClr val="accent1"/>
+          </a:fillRef>
+          <a:effectRef idx="0">
+            <a:schemeClr val="accent1"/>
+          </a:effectRef>
+          <a:fontRef idx="minor">
+            <a:schemeClr val="lt1"/>
+          </a:fontRef>
+        </p:style>
+        <p:txBody>
+          <a:bodyPr rtlCol="0" anchor="ctr"/>
+          <a:lstStyle/>
+          <a:p>
+            <a:pPr algn="ctr"/>
+            <a:r>
+              <a:rPr lang="en-US" altLang="ko-KR"/>
+              <a:t>Work1</a:t>
+            </a:r>
             <a:endParaRPr lang="ko-KR" altLang="en-US"/>
           </a:p>
         </p:txBody>

--- a/DsDotNet/src/UnitTest/UnitTest.Model/ImportOfficeExample/exportDS/testA/testMy/my.pptx
+++ b/DsDotNet/src/UnitTest/UnitTest.Model/ImportOfficeExample/exportDS/testA/testMy/my.pptx
@@ -262,7 +262,7 @@
           <a:p>
             <a:fld id="{E31A602F-9409-4B9A-9D14-798E704D8577}" type="datetimeFigureOut">
               <a:rPr lang="ko-KR" altLang="en-US" smtClean="0"/>
-              <a:t>2023-11-05</a:t>
+              <a:t>2023-11-06</a:t>
             </a:fld>
             <a:endParaRPr lang="ko-KR" altLang="en-US"/>
           </a:p>
@@ -460,7 +460,7 @@
           <a:p>
             <a:fld id="{E31A602F-9409-4B9A-9D14-798E704D8577}" type="datetimeFigureOut">
               <a:rPr lang="ko-KR" altLang="en-US" smtClean="0"/>
-              <a:t>2023-11-05</a:t>
+              <a:t>2023-11-06</a:t>
             </a:fld>
             <a:endParaRPr lang="ko-KR" altLang="en-US"/>
           </a:p>
@@ -668,7 +668,7 @@
           <a:p>
             <a:fld id="{E31A602F-9409-4B9A-9D14-798E704D8577}" type="datetimeFigureOut">
               <a:rPr lang="ko-KR" altLang="en-US" smtClean="0"/>
-              <a:t>2023-11-05</a:t>
+              <a:t>2023-11-06</a:t>
             </a:fld>
             <a:endParaRPr lang="ko-KR" altLang="en-US"/>
           </a:p>
@@ -866,7 +866,7 @@
           <a:p>
             <a:fld id="{E31A602F-9409-4B9A-9D14-798E704D8577}" type="datetimeFigureOut">
               <a:rPr lang="ko-KR" altLang="en-US" smtClean="0"/>
-              <a:t>2023-11-05</a:t>
+              <a:t>2023-11-06</a:t>
             </a:fld>
             <a:endParaRPr lang="ko-KR" altLang="en-US"/>
           </a:p>
@@ -1141,7 +1141,7 @@
           <a:p>
             <a:fld id="{E31A602F-9409-4B9A-9D14-798E704D8577}" type="datetimeFigureOut">
               <a:rPr lang="ko-KR" altLang="en-US" smtClean="0"/>
-              <a:t>2023-11-05</a:t>
+              <a:t>2023-11-06</a:t>
             </a:fld>
             <a:endParaRPr lang="ko-KR" altLang="en-US"/>
           </a:p>
@@ -1406,7 +1406,7 @@
           <a:p>
             <a:fld id="{E31A602F-9409-4B9A-9D14-798E704D8577}" type="datetimeFigureOut">
               <a:rPr lang="ko-KR" altLang="en-US" smtClean="0"/>
-              <a:t>2023-11-05</a:t>
+              <a:t>2023-11-06</a:t>
             </a:fld>
             <a:endParaRPr lang="ko-KR" altLang="en-US"/>
           </a:p>
@@ -1818,7 +1818,7 @@
           <a:p>
             <a:fld id="{E31A602F-9409-4B9A-9D14-798E704D8577}" type="datetimeFigureOut">
               <a:rPr lang="ko-KR" altLang="en-US" smtClean="0"/>
-              <a:t>2023-11-05</a:t>
+              <a:t>2023-11-06</a:t>
             </a:fld>
             <a:endParaRPr lang="ko-KR" altLang="en-US"/>
           </a:p>
@@ -1959,7 +1959,7 @@
           <a:p>
             <a:fld id="{E31A602F-9409-4B9A-9D14-798E704D8577}" type="datetimeFigureOut">
               <a:rPr lang="ko-KR" altLang="en-US" smtClean="0"/>
-              <a:t>2023-11-05</a:t>
+              <a:t>2023-11-06</a:t>
             </a:fld>
             <a:endParaRPr lang="ko-KR" altLang="en-US"/>
           </a:p>
@@ -2072,7 +2072,7 @@
           <a:p>
             <a:fld id="{E31A602F-9409-4B9A-9D14-798E704D8577}" type="datetimeFigureOut">
               <a:rPr lang="ko-KR" altLang="en-US" smtClean="0"/>
-              <a:t>2023-11-05</a:t>
+              <a:t>2023-11-06</a:t>
             </a:fld>
             <a:endParaRPr lang="ko-KR" altLang="en-US"/>
           </a:p>
@@ -2383,7 +2383,7 @@
           <a:p>
             <a:fld id="{E31A602F-9409-4B9A-9D14-798E704D8577}" type="datetimeFigureOut">
               <a:rPr lang="ko-KR" altLang="en-US" smtClean="0"/>
-              <a:t>2023-11-05</a:t>
+              <a:t>2023-11-06</a:t>
             </a:fld>
             <a:endParaRPr lang="ko-KR" altLang="en-US"/>
           </a:p>
@@ -2671,7 +2671,7 @@
           <a:p>
             <a:fld id="{E31A602F-9409-4B9A-9D14-798E704D8577}" type="datetimeFigureOut">
               <a:rPr lang="ko-KR" altLang="en-US" smtClean="0"/>
-              <a:t>2023-11-05</a:t>
+              <a:t>2023-11-06</a:t>
             </a:fld>
             <a:endParaRPr lang="ko-KR" altLang="en-US"/>
           </a:p>
@@ -2912,7 +2912,7 @@
           <a:p>
             <a:fld id="{E31A602F-9409-4B9A-9D14-798E704D8577}" type="datetimeFigureOut">
               <a:rPr lang="ko-KR" altLang="en-US" smtClean="0"/>
-              <a:t>2023-11-05</a:t>
+              <a:t>2023-11-06</a:t>
             </a:fld>
             <a:endParaRPr lang="ko-KR" altLang="en-US"/>
           </a:p>
@@ -3447,7 +3447,7 @@
 </file>
 
 <file path=ppt/slides/slide2.xml><?xml version="1.0" encoding="utf-8"?>
-<p:sld xmlns:a="http://schemas.openxmlformats.org/drawingml/2006/main" xmlns:r="http://schemas.openxmlformats.org/officeDocument/2006/relationships" xmlns:p="http://schemas.openxmlformats.org/presentationml/2006/main" show="0">
+<p:sld xmlns:a="http://schemas.openxmlformats.org/drawingml/2006/main" xmlns:r="http://schemas.openxmlformats.org/officeDocument/2006/relationships" xmlns:p="http://schemas.openxmlformats.org/presentationml/2006/main">
   <p:cSld>
     <p:spTree>
       <p:nvGrpSpPr>
@@ -3768,7 +3768,7 @@
         </p:nvSpPr>
         <p:spPr>
           <a:xfrm>
-            <a:off x="8373951" y="3429000"/>
+            <a:off x="8250065" y="3484011"/>
             <a:ext cx="2102477" cy="944339"/>
           </a:xfrm>
           <a:prstGeom prst="foldedCorner">
@@ -3804,12 +3804,8 @@
           <a:p>
             <a:pPr algn="ctr"/>
             <a:r>
-              <a:rPr lang="en-US" altLang="ko-KR"/>
-              <a:t>[Pin</a:t>
-            </a:r>
-            <a:r>
               <a:rPr lang="en-US" altLang="ko-KR" dirty="0"/>
-              <a:t>]</a:t>
+              <a:t>[Pin]</a:t>
             </a:r>
             <a:endParaRPr lang="ko-KR" altLang="en-US" dirty="0"/>
           </a:p>
@@ -4553,7 +4549,7 @@
 </file>
 
 <file path=ppt/slides/slide4.xml><?xml version="1.0" encoding="utf-8"?>
-<p:sld xmlns:a="http://schemas.openxmlformats.org/drawingml/2006/main" xmlns:r="http://schemas.openxmlformats.org/officeDocument/2006/relationships" xmlns:p="http://schemas.openxmlformats.org/presentationml/2006/main" show="0">
+<p:sld xmlns:a="http://schemas.openxmlformats.org/drawingml/2006/main" xmlns:r="http://schemas.openxmlformats.org/officeDocument/2006/relationships" xmlns:p="http://schemas.openxmlformats.org/presentationml/2006/main">
   <p:cSld>
     <p:spTree>
       <p:nvGrpSpPr>

--- a/DsDotNet/src/UnitTest/UnitTest.Model/ImportOfficeExample/exportDS/testA/testMy/my.pptx
+++ b/DsDotNet/src/UnitTest/UnitTest.Model/ImportOfficeExample/exportDS/testA/testMy/my.pptx
@@ -7,8 +7,10 @@
   <p:sldIdLst>
     <p:sldId id="258" r:id="rId2"/>
     <p:sldId id="257" r:id="rId3"/>
-    <p:sldId id="259" r:id="rId4"/>
-    <p:sldId id="261" r:id="rId5"/>
+    <p:sldId id="262" r:id="rId4"/>
+    <p:sldId id="263" r:id="rId5"/>
+    <p:sldId id="259" r:id="rId6"/>
+    <p:sldId id="261" r:id="rId7"/>
   </p:sldIdLst>
   <p:sldSz cx="12192000" cy="6858000"/>
   <p:notesSz cx="6858000" cy="9144000"/>
@@ -3383,56 +3385,6 @@
           </a:p>
         </p:txBody>
       </p:sp>
-      <p:sp>
-        <p:nvSpPr>
-          <p:cNvPr id="4" name="Work1">
-            <a:extLst>
-              <a:ext uri="{FF2B5EF4-FFF2-40B4-BE49-F238E27FC236}">
-                <a16:creationId xmlns:a16="http://schemas.microsoft.com/office/drawing/2014/main" id="{BB3801F4-7653-5E5C-A674-9E1621708A2B}"/>
-              </a:ext>
-            </a:extLst>
-          </p:cNvPr>
-          <p:cNvSpPr/>
-          <p:nvPr/>
-        </p:nvSpPr>
-        <p:spPr>
-          <a:xfrm>
-            <a:off x="127000" y="635000"/>
-            <a:ext cx="1270000" cy="635000"/>
-          </a:xfrm>
-          <a:prstGeom prst="rect">
-            <a:avLst/>
-          </a:prstGeom>
-        </p:spPr>
-        <p:style>
-          <a:lnRef idx="2">
-            <a:schemeClr val="accent1">
-              <a:shade val="15000"/>
-            </a:schemeClr>
-          </a:lnRef>
-          <a:fillRef idx="1">
-            <a:schemeClr val="accent1"/>
-          </a:fillRef>
-          <a:effectRef idx="0">
-            <a:schemeClr val="accent1"/>
-          </a:effectRef>
-          <a:fontRef idx="minor">
-            <a:schemeClr val="lt1"/>
-          </a:fontRef>
-        </p:style>
-        <p:txBody>
-          <a:bodyPr rtlCol="0" anchor="ctr"/>
-          <a:lstStyle/>
-          <a:p>
-            <a:pPr algn="ctr"/>
-            <a:r>
-              <a:rPr lang="en-US" altLang="ko-KR"/>
-              <a:t>Work1</a:t>
-            </a:r>
-            <a:endParaRPr lang="ko-KR" altLang="en-US"/>
-          </a:p>
-        </p:txBody>
-      </p:sp>
     </p:spTree>
     <p:extLst>
       <p:ext uri="{BB962C8B-B14F-4D97-AF65-F5344CB8AC3E}">
@@ -3536,7 +3488,7 @@
         </p:nvSpPr>
         <p:spPr>
           <a:xfrm>
-            <a:off x="9739835" y="473298"/>
+            <a:off x="9397378" y="164325"/>
             <a:ext cx="2348061" cy="1727161"/>
           </a:xfrm>
           <a:prstGeom prst="rect">
@@ -3565,10 +3517,10 @@
           <a:p>
             <a:pPr algn="ctr"/>
             <a:r>
-              <a:rPr lang="en-US" altLang="ko-KR" dirty="0"/>
+              <a:rPr lang="en-US" altLang="ko-KR" u="sng" dirty="0"/>
               <a:t>WORK2</a:t>
             </a:r>
-            <a:endParaRPr lang="ko-KR" altLang="en-US" dirty="0"/>
+            <a:endParaRPr lang="ko-KR" altLang="en-US" u="sng" dirty="0"/>
           </a:p>
         </p:txBody>
       </p:sp>
@@ -3590,8 +3542,8 @@
         </p:nvCxnSpPr>
         <p:spPr>
           <a:xfrm flipV="1">
-            <a:off x="7886164" y="1336879"/>
-            <a:ext cx="1853671" cy="2323774"/>
+            <a:off x="7886164" y="1027906"/>
+            <a:ext cx="1511214" cy="2632747"/>
           </a:xfrm>
           <a:prstGeom prst="straightConnector1">
             <a:avLst/>
@@ -3727,9 +3679,9 @@
           <p:nvPr/>
         </p:nvCxnSpPr>
         <p:spPr>
-          <a:xfrm flipH="1">
-            <a:off x="10571409" y="2200459"/>
-            <a:ext cx="342457" cy="3126207"/>
+          <a:xfrm>
+            <a:off x="10571409" y="1891486"/>
+            <a:ext cx="0" cy="3435180"/>
           </a:xfrm>
           <a:prstGeom prst="straightConnector1">
             <a:avLst/>
@@ -4082,6 +4034,1188 @@
           <a:p>
             <a:r>
               <a:rPr lang="en-US" altLang="ko-KR" dirty="0"/>
+              <a:t>STN02</a:t>
+            </a:r>
+            <a:endParaRPr lang="ko-KR" altLang="en-US" dirty="0"/>
+          </a:p>
+        </p:txBody>
+      </p:sp>
+      <p:sp>
+        <p:nvSpPr>
+          <p:cNvPr id="4" name="내용 개체 틀 3">
+            <a:extLst>
+              <a:ext uri="{FF2B5EF4-FFF2-40B4-BE49-F238E27FC236}">
+                <a16:creationId xmlns:a16="http://schemas.microsoft.com/office/drawing/2014/main" id="{F4AF75C0-EC0C-75E0-95AE-75A4C437345D}"/>
+              </a:ext>
+            </a:extLst>
+          </p:cNvPr>
+          <p:cNvSpPr>
+            <a:spLocks noGrp="1"/>
+          </p:cNvSpPr>
+          <p:nvPr>
+            <p:ph idx="1"/>
+          </p:nvPr>
+        </p:nvSpPr>
+        <p:spPr/>
+        <p:txBody>
+          <a:bodyPr/>
+          <a:lstStyle/>
+          <a:p>
+            <a:endParaRPr lang="ko-KR" altLang="en-US"/>
+          </a:p>
+        </p:txBody>
+      </p:sp>
+      <p:sp>
+        <p:nvSpPr>
+          <p:cNvPr id="14" name="직사각형 13">
+            <a:extLst>
+              <a:ext uri="{FF2B5EF4-FFF2-40B4-BE49-F238E27FC236}">
+                <a16:creationId xmlns:a16="http://schemas.microsoft.com/office/drawing/2014/main" id="{78565F04-A60A-85F4-8AB1-6C866A335E90}"/>
+              </a:ext>
+            </a:extLst>
+          </p:cNvPr>
+          <p:cNvSpPr/>
+          <p:nvPr/>
+        </p:nvSpPr>
+        <p:spPr>
+          <a:xfrm>
+            <a:off x="9739835" y="473298"/>
+            <a:ext cx="2348061" cy="1727161"/>
+          </a:xfrm>
+          <a:prstGeom prst="rect">
+            <a:avLst/>
+          </a:prstGeom>
+        </p:spPr>
+        <p:style>
+          <a:lnRef idx="2">
+            <a:schemeClr val="accent1">
+              <a:shade val="15000"/>
+            </a:schemeClr>
+          </a:lnRef>
+          <a:fillRef idx="1">
+            <a:schemeClr val="accent1"/>
+          </a:fillRef>
+          <a:effectRef idx="0">
+            <a:schemeClr val="accent1"/>
+          </a:effectRef>
+          <a:fontRef idx="minor">
+            <a:schemeClr val="lt1"/>
+          </a:fontRef>
+        </p:style>
+        <p:txBody>
+          <a:bodyPr rtlCol="0" anchor="ctr"/>
+          <a:lstStyle/>
+          <a:p>
+            <a:pPr algn="ctr"/>
+            <a:r>
+              <a:rPr lang="en-US" altLang="ko-KR" dirty="0"/>
+              <a:t>WORK2</a:t>
+            </a:r>
+            <a:endParaRPr lang="ko-KR" altLang="en-US" dirty="0"/>
+          </a:p>
+        </p:txBody>
+      </p:sp>
+      <p:cxnSp>
+        <p:nvCxnSpPr>
+          <p:cNvPr id="16" name="직선 화살표 연결선 15">
+            <a:extLst>
+              <a:ext uri="{FF2B5EF4-FFF2-40B4-BE49-F238E27FC236}">
+                <a16:creationId xmlns:a16="http://schemas.microsoft.com/office/drawing/2014/main" id="{8E6D053D-C283-F69E-DF80-3DFC4387EBE1}"/>
+              </a:ext>
+            </a:extLst>
+          </p:cNvPr>
+          <p:cNvCxnSpPr>
+            <a:cxnSpLocks/>
+            <a:stCxn id="13" idx="3"/>
+            <a:endCxn id="14" idx="1"/>
+          </p:cNvCxnSpPr>
+          <p:nvPr/>
+        </p:nvCxnSpPr>
+        <p:spPr>
+          <a:xfrm flipV="1">
+            <a:off x="7886164" y="1336879"/>
+            <a:ext cx="1853671" cy="2323774"/>
+          </a:xfrm>
+          <a:prstGeom prst="straightConnector1">
+            <a:avLst/>
+          </a:prstGeom>
+          <a:ln>
+            <a:headEnd type="diamond" w="med" len="med"/>
+            <a:tailEnd type="triangle" w="med" len="med"/>
+          </a:ln>
+        </p:spPr>
+        <p:style>
+          <a:lnRef idx="1">
+            <a:schemeClr val="accent1"/>
+          </a:lnRef>
+          <a:fillRef idx="0">
+            <a:schemeClr val="accent1"/>
+          </a:fillRef>
+          <a:effectRef idx="0">
+            <a:schemeClr val="accent1"/>
+          </a:effectRef>
+          <a:fontRef idx="minor">
+            <a:schemeClr val="tx1"/>
+          </a:fontRef>
+        </p:style>
+      </p:cxnSp>
+      <p:cxnSp>
+        <p:nvCxnSpPr>
+          <p:cNvPr id="18" name="연결선: 꺾임 17">
+            <a:extLst>
+              <a:ext uri="{FF2B5EF4-FFF2-40B4-BE49-F238E27FC236}">
+                <a16:creationId xmlns:a16="http://schemas.microsoft.com/office/drawing/2014/main" id="{AACAD804-CF79-95A8-71B5-4672A5238242}"/>
+              </a:ext>
+            </a:extLst>
+          </p:cNvPr>
+          <p:cNvCxnSpPr>
+            <a:cxnSpLocks/>
+            <a:stCxn id="23" idx="1"/>
+            <a:endCxn id="13" idx="2"/>
+          </p:cNvCxnSpPr>
+          <p:nvPr/>
+        </p:nvCxnSpPr>
+        <p:spPr>
+          <a:xfrm rot="10800000">
+            <a:off x="4235004" y="5730765"/>
+            <a:ext cx="5237408" cy="272859"/>
+          </a:xfrm>
+          <a:prstGeom prst="bentConnector2">
+            <a:avLst/>
+          </a:prstGeom>
+          <a:ln>
+            <a:headEnd type="diamond" w="med" len="med"/>
+            <a:tailEnd type="triangle" w="med" len="med"/>
+          </a:ln>
+        </p:spPr>
+        <p:style>
+          <a:lnRef idx="1">
+            <a:schemeClr val="accent1"/>
+          </a:lnRef>
+          <a:fillRef idx="0">
+            <a:schemeClr val="accent1"/>
+          </a:fillRef>
+          <a:effectRef idx="0">
+            <a:schemeClr val="accent1"/>
+          </a:effectRef>
+          <a:fontRef idx="minor">
+            <a:schemeClr val="tx1"/>
+          </a:fontRef>
+        </p:style>
+      </p:cxnSp>
+      <p:sp>
+        <p:nvSpPr>
+          <p:cNvPr id="23" name="직사각형 22">
+            <a:extLst>
+              <a:ext uri="{FF2B5EF4-FFF2-40B4-BE49-F238E27FC236}">
+                <a16:creationId xmlns:a16="http://schemas.microsoft.com/office/drawing/2014/main" id="{64BF95D5-9500-3CD0-04B5-EB7179282DCD}"/>
+              </a:ext>
+            </a:extLst>
+          </p:cNvPr>
+          <p:cNvSpPr/>
+          <p:nvPr/>
+        </p:nvSpPr>
+        <p:spPr>
+          <a:xfrm>
+            <a:off x="9472412" y="5326666"/>
+            <a:ext cx="2197994" cy="1353914"/>
+          </a:xfrm>
+          <a:prstGeom prst="rect">
+            <a:avLst/>
+          </a:prstGeom>
+        </p:spPr>
+        <p:style>
+          <a:lnRef idx="2">
+            <a:schemeClr val="accent1">
+              <a:shade val="15000"/>
+            </a:schemeClr>
+          </a:lnRef>
+          <a:fillRef idx="1">
+            <a:schemeClr val="accent1"/>
+          </a:fillRef>
+          <a:effectRef idx="0">
+            <a:schemeClr val="accent1"/>
+          </a:effectRef>
+          <a:fontRef idx="minor">
+            <a:schemeClr val="lt1"/>
+          </a:fontRef>
+        </p:style>
+        <p:txBody>
+          <a:bodyPr rtlCol="0" anchor="ctr"/>
+          <a:lstStyle/>
+          <a:p>
+            <a:pPr algn="ctr"/>
+            <a:r>
+              <a:rPr lang="en-US" altLang="ko-KR" dirty="0"/>
+              <a:t>WORK3</a:t>
+            </a:r>
+            <a:endParaRPr lang="ko-KR" altLang="en-US" dirty="0"/>
+          </a:p>
+        </p:txBody>
+      </p:sp>
+      <p:cxnSp>
+        <p:nvCxnSpPr>
+          <p:cNvPr id="28" name="직선 화살표 연결선 27">
+            <a:extLst>
+              <a:ext uri="{FF2B5EF4-FFF2-40B4-BE49-F238E27FC236}">
+                <a16:creationId xmlns:a16="http://schemas.microsoft.com/office/drawing/2014/main" id="{B492F78C-4A54-2E49-3A6B-E35A1172A0C2}"/>
+              </a:ext>
+            </a:extLst>
+          </p:cNvPr>
+          <p:cNvCxnSpPr>
+            <a:cxnSpLocks/>
+            <a:stCxn id="14" idx="2"/>
+            <a:endCxn id="23" idx="0"/>
+          </p:cNvCxnSpPr>
+          <p:nvPr/>
+        </p:nvCxnSpPr>
+        <p:spPr>
+          <a:xfrm flipH="1">
+            <a:off x="10571409" y="2200459"/>
+            <a:ext cx="342457" cy="3126207"/>
+          </a:xfrm>
+          <a:prstGeom prst="straightConnector1">
+            <a:avLst/>
+          </a:prstGeom>
+          <a:ln>
+            <a:headEnd type="diamond" w="med" len="med"/>
+            <a:tailEnd type="triangle" w="med" len="med"/>
+          </a:ln>
+        </p:spPr>
+        <p:style>
+          <a:lnRef idx="1">
+            <a:schemeClr val="accent1"/>
+          </a:lnRef>
+          <a:fillRef idx="0">
+            <a:schemeClr val="accent1"/>
+          </a:fillRef>
+          <a:effectRef idx="0">
+            <a:schemeClr val="accent1"/>
+          </a:effectRef>
+          <a:fontRef idx="minor">
+            <a:schemeClr val="tx1"/>
+          </a:fontRef>
+        </p:style>
+      </p:cxnSp>
+      <p:sp>
+        <p:nvSpPr>
+          <p:cNvPr id="45" name="사각형: 모서리가 접힌 도형 44">
+            <a:extLst>
+              <a:ext uri="{FF2B5EF4-FFF2-40B4-BE49-F238E27FC236}">
+                <a16:creationId xmlns:a16="http://schemas.microsoft.com/office/drawing/2014/main" id="{271B5E93-C098-0482-886A-612EF1743551}"/>
+              </a:ext>
+            </a:extLst>
+          </p:cNvPr>
+          <p:cNvSpPr/>
+          <p:nvPr/>
+        </p:nvSpPr>
+        <p:spPr>
+          <a:xfrm>
+            <a:off x="8250065" y="3484011"/>
+            <a:ext cx="2102477" cy="944339"/>
+          </a:xfrm>
+          <a:prstGeom prst="foldedCorner">
+            <a:avLst/>
+          </a:prstGeom>
+        </p:spPr>
+        <p:style>
+          <a:lnRef idx="2">
+            <a:schemeClr val="accent1">
+              <a:shade val="15000"/>
+            </a:schemeClr>
+          </a:lnRef>
+          <a:fillRef idx="1">
+            <a:schemeClr val="accent1"/>
+          </a:fillRef>
+          <a:effectRef idx="0">
+            <a:schemeClr val="accent1"/>
+          </a:effectRef>
+          <a:fontRef idx="minor">
+            <a:schemeClr val="lt1"/>
+          </a:fontRef>
+        </p:style>
+        <p:txBody>
+          <a:bodyPr rtlCol="0" anchor="ctr"/>
+          <a:lstStyle/>
+          <a:p>
+            <a:pPr algn="ctr"/>
+            <a:r>
+              <a:rPr lang="en-US" altLang="ko-KR" dirty="0"/>
+              <a:t>../lib/dev</a:t>
+            </a:r>
+          </a:p>
+          <a:p>
+            <a:pPr algn="ctr"/>
+            <a:r>
+              <a:rPr lang="en-US" altLang="ko-KR" dirty="0"/>
+              <a:t>[Pin]</a:t>
+            </a:r>
+            <a:endParaRPr lang="ko-KR" altLang="en-US" dirty="0"/>
+          </a:p>
+        </p:txBody>
+      </p:sp>
+      <p:grpSp>
+        <p:nvGrpSpPr>
+          <p:cNvPr id="62" name="그룹 61">
+            <a:extLst>
+              <a:ext uri="{FF2B5EF4-FFF2-40B4-BE49-F238E27FC236}">
+                <a16:creationId xmlns:a16="http://schemas.microsoft.com/office/drawing/2014/main" id="{23E9B09A-44CD-4975-6D29-15D0EF0AEA6D}"/>
+              </a:ext>
+            </a:extLst>
+          </p:cNvPr>
+          <p:cNvGrpSpPr/>
+          <p:nvPr/>
+        </p:nvGrpSpPr>
+        <p:grpSpPr>
+          <a:xfrm>
+            <a:off x="583844" y="1590542"/>
+            <a:ext cx="7302320" cy="4140222"/>
+            <a:chOff x="936941" y="1358889"/>
+            <a:chExt cx="7302320" cy="4140222"/>
+          </a:xfrm>
+        </p:grpSpPr>
+        <p:sp>
+          <p:nvSpPr>
+            <p:cNvPr id="13" name="직사각형 12">
+              <a:extLst>
+                <a:ext uri="{FF2B5EF4-FFF2-40B4-BE49-F238E27FC236}">
+                  <a16:creationId xmlns:a16="http://schemas.microsoft.com/office/drawing/2014/main" id="{5EC5A213-423F-05C3-41B1-56752BB443E3}"/>
+                </a:ext>
+              </a:extLst>
+            </p:cNvPr>
+            <p:cNvSpPr/>
+            <p:nvPr/>
+          </p:nvSpPr>
+          <p:spPr>
+            <a:xfrm>
+              <a:off x="936941" y="1358889"/>
+              <a:ext cx="7302320" cy="4140222"/>
+            </a:xfrm>
+            <a:prstGeom prst="rect">
+              <a:avLst/>
+            </a:prstGeom>
+          </p:spPr>
+          <p:style>
+            <a:lnRef idx="2">
+              <a:schemeClr val="accent5">
+                <a:shade val="15000"/>
+              </a:schemeClr>
+            </a:lnRef>
+            <a:fillRef idx="1">
+              <a:schemeClr val="accent5"/>
+            </a:fillRef>
+            <a:effectRef idx="0">
+              <a:schemeClr val="accent5"/>
+            </a:effectRef>
+            <a:fontRef idx="minor">
+              <a:schemeClr val="lt1"/>
+            </a:fontRef>
+          </p:style>
+          <p:txBody>
+            <a:bodyPr rtlCol="0" anchor="ctr"/>
+            <a:lstStyle/>
+            <a:p>
+              <a:pPr algn="ctr"/>
+              <a:r>
+                <a:rPr lang="en-US" altLang="ko-KR" dirty="0"/>
+                <a:t>WORK1</a:t>
+              </a:r>
+              <a:endParaRPr lang="ko-KR" altLang="en-US" dirty="0"/>
+            </a:p>
+          </p:txBody>
+        </p:sp>
+        <p:sp>
+          <p:nvSpPr>
+            <p:cNvPr id="46" name="타원 45">
+              <a:extLst>
+                <a:ext uri="{FF2B5EF4-FFF2-40B4-BE49-F238E27FC236}">
+                  <a16:creationId xmlns:a16="http://schemas.microsoft.com/office/drawing/2014/main" id="{372359AD-9A8C-5210-B8A4-166BAF7C4BFC}"/>
+                </a:ext>
+              </a:extLst>
+            </p:cNvPr>
+            <p:cNvSpPr/>
+            <p:nvPr/>
+          </p:nvSpPr>
+          <p:spPr>
+            <a:xfrm>
+              <a:off x="1551904" y="2256302"/>
+              <a:ext cx="1506828" cy="944098"/>
+            </a:xfrm>
+            <a:prstGeom prst="ellipse">
+              <a:avLst/>
+            </a:prstGeom>
+          </p:spPr>
+          <p:style>
+            <a:lnRef idx="2">
+              <a:schemeClr val="accent1">
+                <a:shade val="15000"/>
+              </a:schemeClr>
+            </a:lnRef>
+            <a:fillRef idx="1">
+              <a:schemeClr val="accent1"/>
+            </a:fillRef>
+            <a:effectRef idx="0">
+              <a:schemeClr val="accent1"/>
+            </a:effectRef>
+            <a:fontRef idx="minor">
+              <a:schemeClr val="lt1"/>
+            </a:fontRef>
+          </p:style>
+          <p:txBody>
+            <a:bodyPr rtlCol="0" anchor="ctr"/>
+            <a:lstStyle/>
+            <a:p>
+              <a:pPr algn="ctr"/>
+              <a:r>
+                <a:rPr lang="en-US" altLang="ko-KR" dirty="0"/>
+                <a:t>Pin.+</a:t>
+              </a:r>
+              <a:endParaRPr lang="ko-KR" altLang="en-US" dirty="0"/>
+            </a:p>
+          </p:txBody>
+        </p:sp>
+        <p:sp>
+          <p:nvSpPr>
+            <p:cNvPr id="47" name="타원 46">
+              <a:extLst>
+                <a:ext uri="{FF2B5EF4-FFF2-40B4-BE49-F238E27FC236}">
+                  <a16:creationId xmlns:a16="http://schemas.microsoft.com/office/drawing/2014/main" id="{1379FCA7-DCCD-3FEB-40C4-10D7022062C7}"/>
+                </a:ext>
+              </a:extLst>
+            </p:cNvPr>
+            <p:cNvSpPr/>
+            <p:nvPr/>
+          </p:nvSpPr>
+          <p:spPr>
+            <a:xfrm>
+              <a:off x="5632361" y="3640781"/>
+              <a:ext cx="1506828" cy="944098"/>
+            </a:xfrm>
+            <a:prstGeom prst="ellipse">
+              <a:avLst/>
+            </a:prstGeom>
+          </p:spPr>
+          <p:style>
+            <a:lnRef idx="2">
+              <a:schemeClr val="accent1">
+                <a:shade val="15000"/>
+              </a:schemeClr>
+            </a:lnRef>
+            <a:fillRef idx="1">
+              <a:schemeClr val="accent1"/>
+            </a:fillRef>
+            <a:effectRef idx="0">
+              <a:schemeClr val="accent1"/>
+            </a:effectRef>
+            <a:fontRef idx="minor">
+              <a:schemeClr val="lt1"/>
+            </a:fontRef>
+          </p:style>
+          <p:txBody>
+            <a:bodyPr rtlCol="0" anchor="ctr"/>
+            <a:lstStyle/>
+            <a:p>
+              <a:pPr algn="ctr"/>
+              <a:r>
+                <a:rPr lang="en-US" altLang="ko-KR" dirty="0"/>
+                <a:t>Pin.-</a:t>
+              </a:r>
+              <a:endParaRPr lang="ko-KR" altLang="en-US" dirty="0"/>
+            </a:p>
+          </p:txBody>
+        </p:sp>
+        <p:cxnSp>
+          <p:nvCxnSpPr>
+            <p:cNvPr id="49" name="연결선: 꺾임 48">
+              <a:extLst>
+                <a:ext uri="{FF2B5EF4-FFF2-40B4-BE49-F238E27FC236}">
+                  <a16:creationId xmlns:a16="http://schemas.microsoft.com/office/drawing/2014/main" id="{061DF60F-9629-5C85-3C1D-9477895782B3}"/>
+                </a:ext>
+              </a:extLst>
+            </p:cNvPr>
+            <p:cNvCxnSpPr>
+              <a:stCxn id="46" idx="6"/>
+              <a:endCxn id="47" idx="2"/>
+            </p:cNvCxnSpPr>
+            <p:nvPr/>
+          </p:nvCxnSpPr>
+          <p:spPr>
+            <a:xfrm>
+              <a:off x="3058732" y="2728351"/>
+              <a:ext cx="2573629" cy="1384479"/>
+            </a:xfrm>
+            <a:prstGeom prst="bentConnector3">
+              <a:avLst/>
+            </a:prstGeom>
+            <a:ln>
+              <a:tailEnd type="triangle"/>
+            </a:ln>
+          </p:spPr>
+          <p:style>
+            <a:lnRef idx="1">
+              <a:schemeClr val="accent1"/>
+            </a:lnRef>
+            <a:fillRef idx="0">
+              <a:schemeClr val="accent1"/>
+            </a:fillRef>
+            <a:effectRef idx="0">
+              <a:schemeClr val="accent1"/>
+            </a:effectRef>
+            <a:fontRef idx="minor">
+              <a:schemeClr val="tx1"/>
+            </a:fontRef>
+          </p:style>
+        </p:cxnSp>
+      </p:grpSp>
+    </p:spTree>
+    <p:extLst>
+      <p:ext uri="{BB962C8B-B14F-4D97-AF65-F5344CB8AC3E}">
+        <p14:creationId xmlns:p14="http://schemas.microsoft.com/office/powerpoint/2010/main" val="3853443393"/>
+      </p:ext>
+    </p:extLst>
+  </p:cSld>
+  <p:clrMapOvr>
+    <a:masterClrMapping/>
+  </p:clrMapOvr>
+</p:sld>
+</file>
+
+<file path=ppt/slides/slide4.xml><?xml version="1.0" encoding="utf-8"?>
+<p:sld xmlns:a="http://schemas.openxmlformats.org/drawingml/2006/main" xmlns:r="http://schemas.openxmlformats.org/officeDocument/2006/relationships" xmlns:p="http://schemas.openxmlformats.org/presentationml/2006/main">
+  <p:cSld>
+    <p:spTree>
+      <p:nvGrpSpPr>
+        <p:cNvPr id="1" name=""/>
+        <p:cNvGrpSpPr/>
+        <p:nvPr/>
+      </p:nvGrpSpPr>
+      <p:grpSpPr>
+        <a:xfrm>
+          <a:off x="0" y="0"/>
+          <a:ext cx="0" cy="0"/>
+          <a:chOff x="0" y="0"/>
+          <a:chExt cx="0" cy="0"/>
+        </a:xfrm>
+      </p:grpSpPr>
+      <p:sp>
+        <p:nvSpPr>
+          <p:cNvPr id="2" name="제목 1">
+            <a:extLst>
+              <a:ext uri="{FF2B5EF4-FFF2-40B4-BE49-F238E27FC236}">
+                <a16:creationId xmlns:a16="http://schemas.microsoft.com/office/drawing/2014/main" id="{1A69DDD8-5545-A829-82DF-051DB1771928}"/>
+              </a:ext>
+            </a:extLst>
+          </p:cNvPr>
+          <p:cNvSpPr>
+            <a:spLocks noGrp="1"/>
+          </p:cNvSpPr>
+          <p:nvPr>
+            <p:ph type="title"/>
+          </p:nvPr>
+        </p:nvSpPr>
+        <p:spPr>
+          <a:xfrm>
+            <a:off x="838200" y="365125"/>
+            <a:ext cx="10515600" cy="1325563"/>
+          </a:xfrm>
+        </p:spPr>
+        <p:txBody>
+          <a:bodyPr/>
+          <a:lstStyle/>
+          <a:p>
+            <a:r>
+              <a:rPr lang="en-US" altLang="ko-KR" dirty="0"/>
+              <a:t>STN03</a:t>
+            </a:r>
+            <a:endParaRPr lang="ko-KR" altLang="en-US" dirty="0"/>
+          </a:p>
+        </p:txBody>
+      </p:sp>
+      <p:sp>
+        <p:nvSpPr>
+          <p:cNvPr id="4" name="내용 개체 틀 3">
+            <a:extLst>
+              <a:ext uri="{FF2B5EF4-FFF2-40B4-BE49-F238E27FC236}">
+                <a16:creationId xmlns:a16="http://schemas.microsoft.com/office/drawing/2014/main" id="{F4AF75C0-EC0C-75E0-95AE-75A4C437345D}"/>
+              </a:ext>
+            </a:extLst>
+          </p:cNvPr>
+          <p:cNvSpPr>
+            <a:spLocks noGrp="1"/>
+          </p:cNvSpPr>
+          <p:nvPr>
+            <p:ph idx="1"/>
+          </p:nvPr>
+        </p:nvSpPr>
+        <p:spPr/>
+        <p:txBody>
+          <a:bodyPr/>
+          <a:lstStyle/>
+          <a:p>
+            <a:endParaRPr lang="ko-KR" altLang="en-US"/>
+          </a:p>
+        </p:txBody>
+      </p:sp>
+      <p:sp>
+        <p:nvSpPr>
+          <p:cNvPr id="14" name="직사각형 13">
+            <a:extLst>
+              <a:ext uri="{FF2B5EF4-FFF2-40B4-BE49-F238E27FC236}">
+                <a16:creationId xmlns:a16="http://schemas.microsoft.com/office/drawing/2014/main" id="{78565F04-A60A-85F4-8AB1-6C866A335E90}"/>
+              </a:ext>
+            </a:extLst>
+          </p:cNvPr>
+          <p:cNvSpPr/>
+          <p:nvPr/>
+        </p:nvSpPr>
+        <p:spPr>
+          <a:xfrm>
+            <a:off x="9739835" y="473298"/>
+            <a:ext cx="2348061" cy="1727161"/>
+          </a:xfrm>
+          <a:prstGeom prst="rect">
+            <a:avLst/>
+          </a:prstGeom>
+        </p:spPr>
+        <p:style>
+          <a:lnRef idx="2">
+            <a:schemeClr val="accent1">
+              <a:shade val="15000"/>
+            </a:schemeClr>
+          </a:lnRef>
+          <a:fillRef idx="1">
+            <a:schemeClr val="accent1"/>
+          </a:fillRef>
+          <a:effectRef idx="0">
+            <a:schemeClr val="accent1"/>
+          </a:effectRef>
+          <a:fontRef idx="minor">
+            <a:schemeClr val="lt1"/>
+          </a:fontRef>
+        </p:style>
+        <p:txBody>
+          <a:bodyPr rtlCol="0" anchor="ctr"/>
+          <a:lstStyle/>
+          <a:p>
+            <a:pPr algn="ctr"/>
+            <a:r>
+              <a:rPr lang="en-US" altLang="ko-KR" dirty="0"/>
+              <a:t>WORK2</a:t>
+            </a:r>
+            <a:endParaRPr lang="ko-KR" altLang="en-US" dirty="0"/>
+          </a:p>
+        </p:txBody>
+      </p:sp>
+      <p:cxnSp>
+        <p:nvCxnSpPr>
+          <p:cNvPr id="16" name="직선 화살표 연결선 15">
+            <a:extLst>
+              <a:ext uri="{FF2B5EF4-FFF2-40B4-BE49-F238E27FC236}">
+                <a16:creationId xmlns:a16="http://schemas.microsoft.com/office/drawing/2014/main" id="{8E6D053D-C283-F69E-DF80-3DFC4387EBE1}"/>
+              </a:ext>
+            </a:extLst>
+          </p:cNvPr>
+          <p:cNvCxnSpPr>
+            <a:cxnSpLocks/>
+            <a:stCxn id="13" idx="3"/>
+            <a:endCxn id="14" idx="1"/>
+          </p:cNvCxnSpPr>
+          <p:nvPr/>
+        </p:nvCxnSpPr>
+        <p:spPr>
+          <a:xfrm flipV="1">
+            <a:off x="7886164" y="1336879"/>
+            <a:ext cx="1853671" cy="2323774"/>
+          </a:xfrm>
+          <a:prstGeom prst="straightConnector1">
+            <a:avLst/>
+          </a:prstGeom>
+          <a:ln>
+            <a:headEnd type="diamond" w="med" len="med"/>
+            <a:tailEnd type="triangle" w="med" len="med"/>
+          </a:ln>
+        </p:spPr>
+        <p:style>
+          <a:lnRef idx="1">
+            <a:schemeClr val="accent1"/>
+          </a:lnRef>
+          <a:fillRef idx="0">
+            <a:schemeClr val="accent1"/>
+          </a:fillRef>
+          <a:effectRef idx="0">
+            <a:schemeClr val="accent1"/>
+          </a:effectRef>
+          <a:fontRef idx="minor">
+            <a:schemeClr val="tx1"/>
+          </a:fontRef>
+        </p:style>
+      </p:cxnSp>
+      <p:cxnSp>
+        <p:nvCxnSpPr>
+          <p:cNvPr id="18" name="연결선: 꺾임 17">
+            <a:extLst>
+              <a:ext uri="{FF2B5EF4-FFF2-40B4-BE49-F238E27FC236}">
+                <a16:creationId xmlns:a16="http://schemas.microsoft.com/office/drawing/2014/main" id="{AACAD804-CF79-95A8-71B5-4672A5238242}"/>
+              </a:ext>
+            </a:extLst>
+          </p:cNvPr>
+          <p:cNvCxnSpPr>
+            <a:cxnSpLocks/>
+            <a:stCxn id="23" idx="1"/>
+            <a:endCxn id="13" idx="2"/>
+          </p:cNvCxnSpPr>
+          <p:nvPr/>
+        </p:nvCxnSpPr>
+        <p:spPr>
+          <a:xfrm rot="10800000">
+            <a:off x="4235004" y="5730765"/>
+            <a:ext cx="5237408" cy="272859"/>
+          </a:xfrm>
+          <a:prstGeom prst="bentConnector2">
+            <a:avLst/>
+          </a:prstGeom>
+          <a:ln>
+            <a:headEnd type="diamond" w="med" len="med"/>
+            <a:tailEnd type="triangle" w="med" len="med"/>
+          </a:ln>
+        </p:spPr>
+        <p:style>
+          <a:lnRef idx="1">
+            <a:schemeClr val="accent1"/>
+          </a:lnRef>
+          <a:fillRef idx="0">
+            <a:schemeClr val="accent1"/>
+          </a:fillRef>
+          <a:effectRef idx="0">
+            <a:schemeClr val="accent1"/>
+          </a:effectRef>
+          <a:fontRef idx="minor">
+            <a:schemeClr val="tx1"/>
+          </a:fontRef>
+        </p:style>
+      </p:cxnSp>
+      <p:sp>
+        <p:nvSpPr>
+          <p:cNvPr id="23" name="직사각형 22">
+            <a:extLst>
+              <a:ext uri="{FF2B5EF4-FFF2-40B4-BE49-F238E27FC236}">
+                <a16:creationId xmlns:a16="http://schemas.microsoft.com/office/drawing/2014/main" id="{64BF95D5-9500-3CD0-04B5-EB7179282DCD}"/>
+              </a:ext>
+            </a:extLst>
+          </p:cNvPr>
+          <p:cNvSpPr/>
+          <p:nvPr/>
+        </p:nvSpPr>
+        <p:spPr>
+          <a:xfrm>
+            <a:off x="9472412" y="5326666"/>
+            <a:ext cx="2197994" cy="1353914"/>
+          </a:xfrm>
+          <a:prstGeom prst="rect">
+            <a:avLst/>
+          </a:prstGeom>
+        </p:spPr>
+        <p:style>
+          <a:lnRef idx="2">
+            <a:schemeClr val="accent1">
+              <a:shade val="15000"/>
+            </a:schemeClr>
+          </a:lnRef>
+          <a:fillRef idx="1">
+            <a:schemeClr val="accent1"/>
+          </a:fillRef>
+          <a:effectRef idx="0">
+            <a:schemeClr val="accent1"/>
+          </a:effectRef>
+          <a:fontRef idx="minor">
+            <a:schemeClr val="lt1"/>
+          </a:fontRef>
+        </p:style>
+        <p:txBody>
+          <a:bodyPr rtlCol="0" anchor="ctr"/>
+          <a:lstStyle/>
+          <a:p>
+            <a:pPr algn="ctr"/>
+            <a:r>
+              <a:rPr lang="en-US" altLang="ko-KR" dirty="0"/>
+              <a:t>WORK3</a:t>
+            </a:r>
+            <a:endParaRPr lang="ko-KR" altLang="en-US" dirty="0"/>
+          </a:p>
+        </p:txBody>
+      </p:sp>
+      <p:cxnSp>
+        <p:nvCxnSpPr>
+          <p:cNvPr id="28" name="직선 화살표 연결선 27">
+            <a:extLst>
+              <a:ext uri="{FF2B5EF4-FFF2-40B4-BE49-F238E27FC236}">
+                <a16:creationId xmlns:a16="http://schemas.microsoft.com/office/drawing/2014/main" id="{B492F78C-4A54-2E49-3A6B-E35A1172A0C2}"/>
+              </a:ext>
+            </a:extLst>
+          </p:cNvPr>
+          <p:cNvCxnSpPr>
+            <a:cxnSpLocks/>
+            <a:stCxn id="14" idx="2"/>
+            <a:endCxn id="23" idx="0"/>
+          </p:cNvCxnSpPr>
+          <p:nvPr/>
+        </p:nvCxnSpPr>
+        <p:spPr>
+          <a:xfrm flipH="1">
+            <a:off x="10571409" y="2200459"/>
+            <a:ext cx="342457" cy="3126207"/>
+          </a:xfrm>
+          <a:prstGeom prst="straightConnector1">
+            <a:avLst/>
+          </a:prstGeom>
+          <a:ln>
+            <a:headEnd type="diamond" w="med" len="med"/>
+            <a:tailEnd type="triangle" w="med" len="med"/>
+          </a:ln>
+        </p:spPr>
+        <p:style>
+          <a:lnRef idx="1">
+            <a:schemeClr val="accent1"/>
+          </a:lnRef>
+          <a:fillRef idx="0">
+            <a:schemeClr val="accent1"/>
+          </a:fillRef>
+          <a:effectRef idx="0">
+            <a:schemeClr val="accent1"/>
+          </a:effectRef>
+          <a:fontRef idx="minor">
+            <a:schemeClr val="tx1"/>
+          </a:fontRef>
+        </p:style>
+      </p:cxnSp>
+      <p:sp>
+        <p:nvSpPr>
+          <p:cNvPr id="45" name="사각형: 모서리가 접힌 도형 44">
+            <a:extLst>
+              <a:ext uri="{FF2B5EF4-FFF2-40B4-BE49-F238E27FC236}">
+                <a16:creationId xmlns:a16="http://schemas.microsoft.com/office/drawing/2014/main" id="{271B5E93-C098-0482-886A-612EF1743551}"/>
+              </a:ext>
+            </a:extLst>
+          </p:cNvPr>
+          <p:cNvSpPr/>
+          <p:nvPr/>
+        </p:nvSpPr>
+        <p:spPr>
+          <a:xfrm>
+            <a:off x="8250065" y="3484011"/>
+            <a:ext cx="2102477" cy="944339"/>
+          </a:xfrm>
+          <a:prstGeom prst="foldedCorner">
+            <a:avLst/>
+          </a:prstGeom>
+        </p:spPr>
+        <p:style>
+          <a:lnRef idx="2">
+            <a:schemeClr val="accent1">
+              <a:shade val="15000"/>
+            </a:schemeClr>
+          </a:lnRef>
+          <a:fillRef idx="1">
+            <a:schemeClr val="accent1"/>
+          </a:fillRef>
+          <a:effectRef idx="0">
+            <a:schemeClr val="accent1"/>
+          </a:effectRef>
+          <a:fontRef idx="minor">
+            <a:schemeClr val="lt1"/>
+          </a:fontRef>
+        </p:style>
+        <p:txBody>
+          <a:bodyPr rtlCol="0" anchor="ctr"/>
+          <a:lstStyle/>
+          <a:p>
+            <a:pPr algn="ctr"/>
+            <a:r>
+              <a:rPr lang="en-US" altLang="ko-KR" dirty="0"/>
+              <a:t>../lib/dev</a:t>
+            </a:r>
+          </a:p>
+          <a:p>
+            <a:pPr algn="ctr"/>
+            <a:r>
+              <a:rPr lang="en-US" altLang="ko-KR" dirty="0"/>
+              <a:t>[Pin]</a:t>
+            </a:r>
+            <a:endParaRPr lang="ko-KR" altLang="en-US" dirty="0"/>
+          </a:p>
+        </p:txBody>
+      </p:sp>
+      <p:grpSp>
+        <p:nvGrpSpPr>
+          <p:cNvPr id="62" name="그룹 61">
+            <a:extLst>
+              <a:ext uri="{FF2B5EF4-FFF2-40B4-BE49-F238E27FC236}">
+                <a16:creationId xmlns:a16="http://schemas.microsoft.com/office/drawing/2014/main" id="{23E9B09A-44CD-4975-6D29-15D0EF0AEA6D}"/>
+              </a:ext>
+            </a:extLst>
+          </p:cNvPr>
+          <p:cNvGrpSpPr/>
+          <p:nvPr/>
+        </p:nvGrpSpPr>
+        <p:grpSpPr>
+          <a:xfrm>
+            <a:off x="583844" y="1590542"/>
+            <a:ext cx="7302320" cy="4140222"/>
+            <a:chOff x="936941" y="1358889"/>
+            <a:chExt cx="7302320" cy="4140222"/>
+          </a:xfrm>
+        </p:grpSpPr>
+        <p:sp>
+          <p:nvSpPr>
+            <p:cNvPr id="13" name="직사각형 12">
+              <a:extLst>
+                <a:ext uri="{FF2B5EF4-FFF2-40B4-BE49-F238E27FC236}">
+                  <a16:creationId xmlns:a16="http://schemas.microsoft.com/office/drawing/2014/main" id="{5EC5A213-423F-05C3-41B1-56752BB443E3}"/>
+                </a:ext>
+              </a:extLst>
+            </p:cNvPr>
+            <p:cNvSpPr/>
+            <p:nvPr/>
+          </p:nvSpPr>
+          <p:spPr>
+            <a:xfrm>
+              <a:off x="936941" y="1358889"/>
+              <a:ext cx="7302320" cy="4140222"/>
+            </a:xfrm>
+            <a:prstGeom prst="rect">
+              <a:avLst/>
+            </a:prstGeom>
+          </p:spPr>
+          <p:style>
+            <a:lnRef idx="2">
+              <a:schemeClr val="accent5">
+                <a:shade val="15000"/>
+              </a:schemeClr>
+            </a:lnRef>
+            <a:fillRef idx="1">
+              <a:schemeClr val="accent5"/>
+            </a:fillRef>
+            <a:effectRef idx="0">
+              <a:schemeClr val="accent5"/>
+            </a:effectRef>
+            <a:fontRef idx="minor">
+              <a:schemeClr val="lt1"/>
+            </a:fontRef>
+          </p:style>
+          <p:txBody>
+            <a:bodyPr rtlCol="0" anchor="ctr"/>
+            <a:lstStyle/>
+            <a:p>
+              <a:pPr algn="ctr"/>
+              <a:r>
+                <a:rPr lang="en-US" altLang="ko-KR" dirty="0"/>
+                <a:t>WORK1</a:t>
+              </a:r>
+              <a:endParaRPr lang="ko-KR" altLang="en-US" dirty="0"/>
+            </a:p>
+          </p:txBody>
+        </p:sp>
+        <p:sp>
+          <p:nvSpPr>
+            <p:cNvPr id="46" name="타원 45">
+              <a:extLst>
+                <a:ext uri="{FF2B5EF4-FFF2-40B4-BE49-F238E27FC236}">
+                  <a16:creationId xmlns:a16="http://schemas.microsoft.com/office/drawing/2014/main" id="{372359AD-9A8C-5210-B8A4-166BAF7C4BFC}"/>
+                </a:ext>
+              </a:extLst>
+            </p:cNvPr>
+            <p:cNvSpPr/>
+            <p:nvPr/>
+          </p:nvSpPr>
+          <p:spPr>
+            <a:xfrm>
+              <a:off x="1551904" y="2256302"/>
+              <a:ext cx="1506828" cy="944098"/>
+            </a:xfrm>
+            <a:prstGeom prst="ellipse">
+              <a:avLst/>
+            </a:prstGeom>
+          </p:spPr>
+          <p:style>
+            <a:lnRef idx="2">
+              <a:schemeClr val="accent1">
+                <a:shade val="15000"/>
+              </a:schemeClr>
+            </a:lnRef>
+            <a:fillRef idx="1">
+              <a:schemeClr val="accent1"/>
+            </a:fillRef>
+            <a:effectRef idx="0">
+              <a:schemeClr val="accent1"/>
+            </a:effectRef>
+            <a:fontRef idx="minor">
+              <a:schemeClr val="lt1"/>
+            </a:fontRef>
+          </p:style>
+          <p:txBody>
+            <a:bodyPr rtlCol="0" anchor="ctr"/>
+            <a:lstStyle/>
+            <a:p>
+              <a:pPr algn="ctr"/>
+              <a:r>
+                <a:rPr lang="en-US" altLang="ko-KR" dirty="0"/>
+                <a:t>Pin.+</a:t>
+              </a:r>
+              <a:endParaRPr lang="ko-KR" altLang="en-US" dirty="0"/>
+            </a:p>
+          </p:txBody>
+        </p:sp>
+        <p:sp>
+          <p:nvSpPr>
+            <p:cNvPr id="47" name="타원 46">
+              <a:extLst>
+                <a:ext uri="{FF2B5EF4-FFF2-40B4-BE49-F238E27FC236}">
+                  <a16:creationId xmlns:a16="http://schemas.microsoft.com/office/drawing/2014/main" id="{1379FCA7-DCCD-3FEB-40C4-10D7022062C7}"/>
+                </a:ext>
+              </a:extLst>
+            </p:cNvPr>
+            <p:cNvSpPr/>
+            <p:nvPr/>
+          </p:nvSpPr>
+          <p:spPr>
+            <a:xfrm>
+              <a:off x="5632361" y="3640781"/>
+              <a:ext cx="1506828" cy="944098"/>
+            </a:xfrm>
+            <a:prstGeom prst="ellipse">
+              <a:avLst/>
+            </a:prstGeom>
+          </p:spPr>
+          <p:style>
+            <a:lnRef idx="2">
+              <a:schemeClr val="accent1">
+                <a:shade val="15000"/>
+              </a:schemeClr>
+            </a:lnRef>
+            <a:fillRef idx="1">
+              <a:schemeClr val="accent1"/>
+            </a:fillRef>
+            <a:effectRef idx="0">
+              <a:schemeClr val="accent1"/>
+            </a:effectRef>
+            <a:fontRef idx="minor">
+              <a:schemeClr val="lt1"/>
+            </a:fontRef>
+          </p:style>
+          <p:txBody>
+            <a:bodyPr rtlCol="0" anchor="ctr"/>
+            <a:lstStyle/>
+            <a:p>
+              <a:pPr algn="ctr"/>
+              <a:r>
+                <a:rPr lang="en-US" altLang="ko-KR" dirty="0"/>
+                <a:t>Pin.-</a:t>
+              </a:r>
+              <a:endParaRPr lang="ko-KR" altLang="en-US" dirty="0"/>
+            </a:p>
+          </p:txBody>
+        </p:sp>
+        <p:cxnSp>
+          <p:nvCxnSpPr>
+            <p:cNvPr id="49" name="연결선: 꺾임 48">
+              <a:extLst>
+                <a:ext uri="{FF2B5EF4-FFF2-40B4-BE49-F238E27FC236}">
+                  <a16:creationId xmlns:a16="http://schemas.microsoft.com/office/drawing/2014/main" id="{061DF60F-9629-5C85-3C1D-9477895782B3}"/>
+                </a:ext>
+              </a:extLst>
+            </p:cNvPr>
+            <p:cNvCxnSpPr>
+              <a:stCxn id="46" idx="6"/>
+              <a:endCxn id="47" idx="2"/>
+            </p:cNvCxnSpPr>
+            <p:nvPr/>
+          </p:nvCxnSpPr>
+          <p:spPr>
+            <a:xfrm>
+              <a:off x="3058732" y="2728351"/>
+              <a:ext cx="2573629" cy="1384479"/>
+            </a:xfrm>
+            <a:prstGeom prst="bentConnector3">
+              <a:avLst/>
+            </a:prstGeom>
+            <a:ln>
+              <a:tailEnd type="triangle"/>
+            </a:ln>
+          </p:spPr>
+          <p:style>
+            <a:lnRef idx="1">
+              <a:schemeClr val="accent1"/>
+            </a:lnRef>
+            <a:fillRef idx="0">
+              <a:schemeClr val="accent1"/>
+            </a:fillRef>
+            <a:effectRef idx="0">
+              <a:schemeClr val="accent1"/>
+            </a:effectRef>
+            <a:fontRef idx="minor">
+              <a:schemeClr val="tx1"/>
+            </a:fontRef>
+          </p:style>
+        </p:cxnSp>
+      </p:grpSp>
+    </p:spTree>
+    <p:extLst>
+      <p:ext uri="{BB962C8B-B14F-4D97-AF65-F5344CB8AC3E}">
+        <p14:creationId xmlns:p14="http://schemas.microsoft.com/office/powerpoint/2010/main" val="25004735"/>
+      </p:ext>
+    </p:extLst>
+  </p:cSld>
+  <p:clrMapOvr>
+    <a:masterClrMapping/>
+  </p:clrMapOvr>
+</p:sld>
+</file>
+
+<file path=ppt/slides/slide5.xml><?xml version="1.0" encoding="utf-8"?>
+<p:sld xmlns:a="http://schemas.openxmlformats.org/drawingml/2006/main" xmlns:r="http://schemas.openxmlformats.org/officeDocument/2006/relationships" xmlns:p="http://schemas.openxmlformats.org/presentationml/2006/main">
+  <p:cSld>
+    <p:spTree>
+      <p:nvGrpSpPr>
+        <p:cNvPr id="1" name=""/>
+        <p:cNvGrpSpPr/>
+        <p:nvPr/>
+      </p:nvGrpSpPr>
+      <p:grpSpPr>
+        <a:xfrm>
+          <a:off x="0" y="0"/>
+          <a:ext cx="0" cy="0"/>
+          <a:chOff x="0" y="0"/>
+          <a:chExt cx="0" cy="0"/>
+        </a:xfrm>
+      </p:grpSpPr>
+      <p:sp>
+        <p:nvSpPr>
+          <p:cNvPr id="2" name="제목 1">
+            <a:extLst>
+              <a:ext uri="{FF2B5EF4-FFF2-40B4-BE49-F238E27FC236}">
+                <a16:creationId xmlns:a16="http://schemas.microsoft.com/office/drawing/2014/main" id="{1A69DDD8-5545-A829-82DF-051DB1771928}"/>
+              </a:ext>
+            </a:extLst>
+          </p:cNvPr>
+          <p:cNvSpPr>
+            <a:spLocks noGrp="1"/>
+          </p:cNvSpPr>
+          <p:nvPr>
+            <p:ph type="title"/>
+          </p:nvPr>
+        </p:nvSpPr>
+        <p:spPr>
+          <a:xfrm>
+            <a:off x="838200" y="365125"/>
+            <a:ext cx="10515600" cy="1325563"/>
+          </a:xfrm>
+        </p:spPr>
+        <p:txBody>
+          <a:bodyPr/>
+          <a:lstStyle/>
+          <a:p>
+            <a:r>
+              <a:rPr lang="en-US" altLang="ko-KR" dirty="0"/>
               <a:t>STN01_UsingLIB</a:t>
             </a:r>
             <a:endParaRPr lang="ko-KR" altLang="en-US" dirty="0"/>
@@ -4548,7 +5682,7 @@
 </p:sld>
 </file>
 
-<file path=ppt/slides/slide4.xml><?xml version="1.0" encoding="utf-8"?>
+<file path=ppt/slides/slide6.xml><?xml version="1.0" encoding="utf-8"?>
 <p:sld xmlns:a="http://schemas.openxmlformats.org/drawingml/2006/main" xmlns:r="http://schemas.openxmlformats.org/officeDocument/2006/relationships" xmlns:p="http://schemas.openxmlformats.org/presentationml/2006/main">
   <p:cSld>
     <p:spTree>

--- a/DsDotNet/src/UnitTest/UnitTest.Model/ImportOfficeExample/exportDS/testA/testMy/my.pptx
+++ b/DsDotNet/src/UnitTest/UnitTest.Model/ImportOfficeExample/exportDS/testA/testMy/my.pptx
@@ -11,6 +11,7 @@
     <p:sldId id="263" r:id="rId5"/>
     <p:sldId id="259" r:id="rId6"/>
     <p:sldId id="261" r:id="rId7"/>
+    <p:sldId id="264" r:id="rId8"/>
   </p:sldIdLst>
   <p:sldSz cx="12192000" cy="6858000"/>
   <p:notesSz cx="6858000" cy="9144000"/>
@@ -264,7 +265,7 @@
           <a:p>
             <a:fld id="{E31A602F-9409-4B9A-9D14-798E704D8577}" type="datetimeFigureOut">
               <a:rPr lang="ko-KR" altLang="en-US" smtClean="0"/>
-              <a:t>2023-11-06</a:t>
+              <a:t>2023-11-16</a:t>
             </a:fld>
             <a:endParaRPr lang="ko-KR" altLang="en-US"/>
           </a:p>
@@ -462,7 +463,7 @@
           <a:p>
             <a:fld id="{E31A602F-9409-4B9A-9D14-798E704D8577}" type="datetimeFigureOut">
               <a:rPr lang="ko-KR" altLang="en-US" smtClean="0"/>
-              <a:t>2023-11-06</a:t>
+              <a:t>2023-11-16</a:t>
             </a:fld>
             <a:endParaRPr lang="ko-KR" altLang="en-US"/>
           </a:p>
@@ -670,7 +671,7 @@
           <a:p>
             <a:fld id="{E31A602F-9409-4B9A-9D14-798E704D8577}" type="datetimeFigureOut">
               <a:rPr lang="ko-KR" altLang="en-US" smtClean="0"/>
-              <a:t>2023-11-06</a:t>
+              <a:t>2023-11-16</a:t>
             </a:fld>
             <a:endParaRPr lang="ko-KR" altLang="en-US"/>
           </a:p>
@@ -868,7 +869,7 @@
           <a:p>
             <a:fld id="{E31A602F-9409-4B9A-9D14-798E704D8577}" type="datetimeFigureOut">
               <a:rPr lang="ko-KR" altLang="en-US" smtClean="0"/>
-              <a:t>2023-11-06</a:t>
+              <a:t>2023-11-16</a:t>
             </a:fld>
             <a:endParaRPr lang="ko-KR" altLang="en-US"/>
           </a:p>
@@ -1143,7 +1144,7 @@
           <a:p>
             <a:fld id="{E31A602F-9409-4B9A-9D14-798E704D8577}" type="datetimeFigureOut">
               <a:rPr lang="ko-KR" altLang="en-US" smtClean="0"/>
-              <a:t>2023-11-06</a:t>
+              <a:t>2023-11-16</a:t>
             </a:fld>
             <a:endParaRPr lang="ko-KR" altLang="en-US"/>
           </a:p>
@@ -1408,7 +1409,7 @@
           <a:p>
             <a:fld id="{E31A602F-9409-4B9A-9D14-798E704D8577}" type="datetimeFigureOut">
               <a:rPr lang="ko-KR" altLang="en-US" smtClean="0"/>
-              <a:t>2023-11-06</a:t>
+              <a:t>2023-11-16</a:t>
             </a:fld>
             <a:endParaRPr lang="ko-KR" altLang="en-US"/>
           </a:p>
@@ -1820,7 +1821,7 @@
           <a:p>
             <a:fld id="{E31A602F-9409-4B9A-9D14-798E704D8577}" type="datetimeFigureOut">
               <a:rPr lang="ko-KR" altLang="en-US" smtClean="0"/>
-              <a:t>2023-11-06</a:t>
+              <a:t>2023-11-16</a:t>
             </a:fld>
             <a:endParaRPr lang="ko-KR" altLang="en-US"/>
           </a:p>
@@ -1961,7 +1962,7 @@
           <a:p>
             <a:fld id="{E31A602F-9409-4B9A-9D14-798E704D8577}" type="datetimeFigureOut">
               <a:rPr lang="ko-KR" altLang="en-US" smtClean="0"/>
-              <a:t>2023-11-06</a:t>
+              <a:t>2023-11-16</a:t>
             </a:fld>
             <a:endParaRPr lang="ko-KR" altLang="en-US"/>
           </a:p>
@@ -2074,7 +2075,7 @@
           <a:p>
             <a:fld id="{E31A602F-9409-4B9A-9D14-798E704D8577}" type="datetimeFigureOut">
               <a:rPr lang="ko-KR" altLang="en-US" smtClean="0"/>
-              <a:t>2023-11-06</a:t>
+              <a:t>2023-11-16</a:t>
             </a:fld>
             <a:endParaRPr lang="ko-KR" altLang="en-US"/>
           </a:p>
@@ -2385,7 +2386,7 @@
           <a:p>
             <a:fld id="{E31A602F-9409-4B9A-9D14-798E704D8577}" type="datetimeFigureOut">
               <a:rPr lang="ko-KR" altLang="en-US" smtClean="0"/>
-              <a:t>2023-11-06</a:t>
+              <a:t>2023-11-16</a:t>
             </a:fld>
             <a:endParaRPr lang="ko-KR" altLang="en-US"/>
           </a:p>
@@ -2673,7 +2674,7 @@
           <a:p>
             <a:fld id="{E31A602F-9409-4B9A-9D14-798E704D8577}" type="datetimeFigureOut">
               <a:rPr lang="ko-KR" altLang="en-US" smtClean="0"/>
-              <a:t>2023-11-06</a:t>
+              <a:t>2023-11-16</a:t>
             </a:fld>
             <a:endParaRPr lang="ko-KR" altLang="en-US"/>
           </a:p>
@@ -2914,7 +2915,7 @@
           <a:p>
             <a:fld id="{E31A602F-9409-4B9A-9D14-798E704D8577}" type="datetimeFigureOut">
               <a:rPr lang="ko-KR" altLang="en-US" smtClean="0"/>
-              <a:t>2023-11-06</a:t>
+              <a:t>2023-11-16</a:t>
             </a:fld>
             <a:endParaRPr lang="ko-KR" altLang="en-US"/>
           </a:p>
@@ -6756,6 +6757,2878 @@
 </p:sld>
 </file>
 
+<file path=ppt/slides/slide7.xml><?xml version="1.0" encoding="utf-8"?>
+<p:sld xmlns:a="http://schemas.openxmlformats.org/drawingml/2006/main" xmlns:r="http://schemas.openxmlformats.org/officeDocument/2006/relationships" xmlns:p="http://schemas.openxmlformats.org/presentationml/2006/main">
+  <p:cSld>
+    <p:bg>
+      <p:bgPr>
+        <a:solidFill>
+          <a:srgbClr val="FFFFFF"/>
+        </a:solidFill>
+        <a:effectLst/>
+      </p:bgPr>
+    </p:bg>
+    <p:spTree>
+      <p:nvGrpSpPr>
+        <p:cNvPr id="1" name=""/>
+        <p:cNvGrpSpPr/>
+        <p:nvPr/>
+      </p:nvGrpSpPr>
+      <p:grpSpPr>
+        <a:xfrm>
+          <a:off x="0" y="0"/>
+          <a:ext cx="0" cy="0"/>
+          <a:chOff x="0" y="0"/>
+          <a:chExt cx="0" cy="0"/>
+        </a:xfrm>
+      </p:grpSpPr>
+      <p:sp>
+        <p:nvSpPr>
+          <p:cNvPr id="2" name="TextBox 1">
+            <a:extLst>
+              <a:ext uri="{FF2B5EF4-FFF2-40B4-BE49-F238E27FC236}">
+                <a16:creationId xmlns:a16="http://schemas.microsoft.com/office/drawing/2014/main" id="{0779F18A-54A8-85B0-C1D7-E0BE9F4C9DB9}"/>
+              </a:ext>
+            </a:extLst>
+          </p:cNvPr>
+          <p:cNvSpPr txBox="1"/>
+          <p:nvPr/>
+        </p:nvSpPr>
+        <p:spPr>
+          <a:xfrm>
+            <a:off x="254000" y="254000"/>
+            <a:ext cx="1270000" cy="381000"/>
+          </a:xfrm>
+          <a:prstGeom prst="rect">
+            <a:avLst/>
+          </a:prstGeom>
+          <a:noFill/>
+        </p:spPr>
+        <p:txBody>
+          <a:bodyPr vert="horz" rtlCol="0">
+            <a:spAutoFit/>
+          </a:bodyPr>
+          <a:lstStyle/>
+          <a:p>
+            <a:r>
+              <a:rPr lang="en-US" altLang="ko-KR"/>
+              <a:t>IO TABLE</a:t>
+            </a:r>
+            <a:endParaRPr lang="ko-KR" altLang="en-US"/>
+          </a:p>
+        </p:txBody>
+      </p:sp>
+      <p:graphicFrame>
+        <p:nvGraphicFramePr>
+          <p:cNvPr id="3" name="표 2">
+            <a:extLst>
+              <a:ext uri="{FF2B5EF4-FFF2-40B4-BE49-F238E27FC236}">
+                <a16:creationId xmlns:a16="http://schemas.microsoft.com/office/drawing/2014/main" id="{84CAD0D1-799A-9174-F0AE-4585AB466FFB}"/>
+              </a:ext>
+            </a:extLst>
+          </p:cNvPr>
+          <p:cNvGraphicFramePr>
+            <a:graphicFrameLocks noGrp="1"/>
+          </p:cNvGraphicFramePr>
+          <p:nvPr>
+            <p:extLst>
+              <p:ext uri="{D42A27DB-BD31-4B8C-83A1-F6EECF244321}">
+                <p14:modId xmlns:p14="http://schemas.microsoft.com/office/powerpoint/2010/main" val="3064604648"/>
+              </p:ext>
+            </p:extLst>
+          </p:nvPr>
+        </p:nvGraphicFramePr>
+        <p:xfrm>
+          <a:off x="254000" y="635000"/>
+          <a:ext cx="11684001" cy="7162800"/>
+        </p:xfrm>
+        <a:graphic>
+          <a:graphicData uri="http://schemas.openxmlformats.org/drawingml/2006/table">
+            <a:tbl>
+              <a:tblPr firstRow="1" bandRow="1">
+                <a:tableStyleId>{5C22544A-7EE6-4342-B048-85BDC9FD1C3A}</a:tableStyleId>
+              </a:tblPr>
+              <a:tblGrid>
+                <a:gridCol w="1669143">
+                  <a:extLst>
+                    <a:ext uri="{9D8B030D-6E8A-4147-A177-3AD203B41FA5}">
+                      <a16:colId xmlns:a16="http://schemas.microsoft.com/office/drawing/2014/main" val="1989807507"/>
+                    </a:ext>
+                  </a:extLst>
+                </a:gridCol>
+                <a:gridCol w="1669143">
+                  <a:extLst>
+                    <a:ext uri="{9D8B030D-6E8A-4147-A177-3AD203B41FA5}">
+                      <a16:colId xmlns:a16="http://schemas.microsoft.com/office/drawing/2014/main" val="2241129589"/>
+                    </a:ext>
+                  </a:extLst>
+                </a:gridCol>
+                <a:gridCol w="1669143">
+                  <a:extLst>
+                    <a:ext uri="{9D8B030D-6E8A-4147-A177-3AD203B41FA5}">
+                      <a16:colId xmlns:a16="http://schemas.microsoft.com/office/drawing/2014/main" val="731983540"/>
+                    </a:ext>
+                  </a:extLst>
+                </a:gridCol>
+                <a:gridCol w="1669143">
+                  <a:extLst>
+                    <a:ext uri="{9D8B030D-6E8A-4147-A177-3AD203B41FA5}">
+                      <a16:colId xmlns:a16="http://schemas.microsoft.com/office/drawing/2014/main" val="811258764"/>
+                    </a:ext>
+                  </a:extLst>
+                </a:gridCol>
+                <a:gridCol w="1669143">
+                  <a:extLst>
+                    <a:ext uri="{9D8B030D-6E8A-4147-A177-3AD203B41FA5}">
+                      <a16:colId xmlns:a16="http://schemas.microsoft.com/office/drawing/2014/main" val="943663082"/>
+                    </a:ext>
+                  </a:extLst>
+                </a:gridCol>
+                <a:gridCol w="1669143">
+                  <a:extLst>
+                    <a:ext uri="{9D8B030D-6E8A-4147-A177-3AD203B41FA5}">
+                      <a16:colId xmlns:a16="http://schemas.microsoft.com/office/drawing/2014/main" val="1066635922"/>
+                    </a:ext>
+                  </a:extLst>
+                </a:gridCol>
+                <a:gridCol w="1669143">
+                  <a:extLst>
+                    <a:ext uri="{9D8B030D-6E8A-4147-A177-3AD203B41FA5}">
+                      <a16:colId xmlns:a16="http://schemas.microsoft.com/office/drawing/2014/main" val="2331691743"/>
+                    </a:ext>
+                  </a:extLst>
+                </a:gridCol>
+              </a:tblGrid>
+              <a:tr h="0">
+                <a:tc>
+                  <a:txBody>
+                    <a:bodyPr/>
+                    <a:lstStyle/>
+                    <a:p>
+                      <a:pPr latinLnBrk="1"/>
+                      <a:r>
+                        <a:rPr lang="en-US" altLang="ko-KR" sz="1100"/>
+                        <a:t>Case</a:t>
+                      </a:r>
+                      <a:endParaRPr lang="ko-KR" altLang="en-US" sz="1100"/>
+                    </a:p>
+                  </a:txBody>
+                  <a:tcPr/>
+                </a:tc>
+                <a:tc>
+                  <a:txBody>
+                    <a:bodyPr/>
+                    <a:lstStyle/>
+                    <a:p>
+                      <a:pPr latinLnBrk="1"/>
+                      <a:r>
+                        <a:rPr lang="en-US" altLang="ko-KR" sz="1100"/>
+                        <a:t>Name</a:t>
+                      </a:r>
+                      <a:endParaRPr lang="ko-KR" altLang="en-US" sz="1100"/>
+                    </a:p>
+                  </a:txBody>
+                  <a:tcPr/>
+                </a:tc>
+                <a:tc>
+                  <a:txBody>
+                    <a:bodyPr/>
+                    <a:lstStyle/>
+                    <a:p>
+                      <a:pPr latinLnBrk="1"/>
+                      <a:r>
+                        <a:rPr lang="en-US" altLang="ko-KR" sz="1100"/>
+                        <a:t>DataType</a:t>
+                      </a:r>
+                      <a:endParaRPr lang="ko-KR" altLang="en-US" sz="1100"/>
+                    </a:p>
+                  </a:txBody>
+                  <a:tcPr/>
+                </a:tc>
+                <a:tc>
+                  <a:txBody>
+                    <a:bodyPr/>
+                    <a:lstStyle/>
+                    <a:p>
+                      <a:pPr latinLnBrk="1"/>
+                      <a:r>
+                        <a:rPr lang="en-US" altLang="ko-KR" sz="1100"/>
+                        <a:t>Input</a:t>
+                      </a:r>
+                      <a:endParaRPr lang="ko-KR" altLang="en-US" sz="1100"/>
+                    </a:p>
+                  </a:txBody>
+                  <a:tcPr/>
+                </a:tc>
+                <a:tc>
+                  <a:txBody>
+                    <a:bodyPr/>
+                    <a:lstStyle/>
+                    <a:p>
+                      <a:pPr latinLnBrk="1"/>
+                      <a:r>
+                        <a:rPr lang="en-US" altLang="ko-KR" sz="1100"/>
+                        <a:t>Output</a:t>
+                      </a:r>
+                      <a:endParaRPr lang="ko-KR" altLang="en-US" sz="1100"/>
+                    </a:p>
+                  </a:txBody>
+                  <a:tcPr/>
+                </a:tc>
+                <a:tc>
+                  <a:txBody>
+                    <a:bodyPr/>
+                    <a:lstStyle/>
+                    <a:p>
+                      <a:pPr latinLnBrk="1"/>
+                      <a:r>
+                        <a:rPr lang="en-US" altLang="ko-KR" sz="1100"/>
+                        <a:t>Job</a:t>
+                      </a:r>
+                      <a:endParaRPr lang="ko-KR" altLang="en-US" sz="1100"/>
+                    </a:p>
+                  </a:txBody>
+                  <a:tcPr/>
+                </a:tc>
+                <a:tc>
+                  <a:txBody>
+                    <a:bodyPr/>
+                    <a:lstStyle/>
+                    <a:p>
+                      <a:pPr latinLnBrk="1"/>
+                      <a:r>
+                        <a:rPr lang="en-US" altLang="ko-KR" sz="1100"/>
+                        <a:t>Func</a:t>
+                      </a:r>
+                      <a:endParaRPr lang="ko-KR" altLang="en-US" sz="1100"/>
+                    </a:p>
+                  </a:txBody>
+                  <a:tcPr/>
+                </a:tc>
+                <a:extLst>
+                  <a:ext uri="{0D108BD9-81ED-4DB2-BD59-A6C34878D82A}">
+                    <a16:rowId xmlns:a16="http://schemas.microsoft.com/office/drawing/2014/main" val="3155242808"/>
+                  </a:ext>
+                </a:extLst>
+              </a:tr>
+              <a:tr h="0">
+                <a:tc>
+                  <a:txBody>
+                    <a:bodyPr/>
+                    <a:lstStyle/>
+                    <a:p>
+                      <a:pPr latinLnBrk="1"/>
+                      <a:r>
+                        <a:rPr lang="ko-KR" altLang="en-US" sz="1100"/>
+                        <a:t>외부주소</a:t>
+                      </a:r>
+                    </a:p>
+                  </a:txBody>
+                  <a:tcPr/>
+                </a:tc>
+                <a:tc>
+                  <a:txBody>
+                    <a:bodyPr/>
+                    <a:lstStyle/>
+                    <a:p>
+                      <a:pPr latinLnBrk="1"/>
+                      <a:r>
+                        <a:rPr lang="en-US" altLang="ko-KR" sz="1100"/>
+                        <a:t>STN01_Pin."+"</a:t>
+                      </a:r>
+                      <a:endParaRPr lang="ko-KR" altLang="en-US" sz="1100"/>
+                    </a:p>
+                  </a:txBody>
+                  <a:tcPr/>
+                </a:tc>
+                <a:tc>
+                  <a:txBody>
+                    <a:bodyPr/>
+                    <a:lstStyle/>
+                    <a:p>
+                      <a:pPr latinLnBrk="1"/>
+                      <a:r>
+                        <a:rPr lang="en-US" altLang="ko-KR" sz="1100"/>
+                        <a:t>bool</a:t>
+                      </a:r>
+                      <a:endParaRPr lang="ko-KR" altLang="en-US" sz="1100"/>
+                    </a:p>
+                  </a:txBody>
+                  <a:tcPr/>
+                </a:tc>
+                <a:tc>
+                  <a:txBody>
+                    <a:bodyPr/>
+                    <a:lstStyle/>
+                    <a:p>
+                      <a:pPr latinLnBrk="1"/>
+                      <a:r>
+                        <a:rPr lang="en-US" altLang="ko-KR" sz="1100"/>
+                        <a:t>I625.1</a:t>
+                      </a:r>
+                      <a:endParaRPr lang="ko-KR" altLang="en-US" sz="1100"/>
+                    </a:p>
+                  </a:txBody>
+                  <a:tcPr/>
+                </a:tc>
+                <a:tc>
+                  <a:txBody>
+                    <a:bodyPr/>
+                    <a:lstStyle/>
+                    <a:p>
+                      <a:pPr latinLnBrk="1"/>
+                      <a:r>
+                        <a:rPr lang="en-US" altLang="ko-KR" sz="1100"/>
+                        <a:t>O625.1</a:t>
+                      </a:r>
+                      <a:endParaRPr lang="ko-KR" altLang="en-US" sz="1100"/>
+                    </a:p>
+                  </a:txBody>
+                  <a:tcPr/>
+                </a:tc>
+                <a:tc>
+                  <a:txBody>
+                    <a:bodyPr/>
+                    <a:lstStyle/>
+                    <a:p>
+                      <a:pPr latinLnBrk="1"/>
+                      <a:r>
+                        <a:rPr lang="en-US" altLang="ko-KR" sz="1100"/>
+                        <a:t>STN01_Pin_+</a:t>
+                      </a:r>
+                      <a:endParaRPr lang="ko-KR" altLang="en-US" sz="1100"/>
+                    </a:p>
+                  </a:txBody>
+                  <a:tcPr/>
+                </a:tc>
+                <a:tc>
+                  <a:txBody>
+                    <a:bodyPr/>
+                    <a:lstStyle/>
+                    <a:p>
+                      <a:pPr latinLnBrk="1"/>
+                      <a:endParaRPr lang="ko-KR" altLang="en-US" sz="1100"/>
+                    </a:p>
+                  </a:txBody>
+                  <a:tcPr/>
+                </a:tc>
+                <a:extLst>
+                  <a:ext uri="{0D108BD9-81ED-4DB2-BD59-A6C34878D82A}">
+                    <a16:rowId xmlns:a16="http://schemas.microsoft.com/office/drawing/2014/main" val="1917690284"/>
+                  </a:ext>
+                </a:extLst>
+              </a:tr>
+              <a:tr h="0">
+                <a:tc>
+                  <a:txBody>
+                    <a:bodyPr/>
+                    <a:lstStyle/>
+                    <a:p>
+                      <a:pPr latinLnBrk="1"/>
+                      <a:r>
+                        <a:rPr lang="ko-KR" altLang="en-US" sz="1100"/>
+                        <a:t>외부주소</a:t>
+                      </a:r>
+                    </a:p>
+                  </a:txBody>
+                  <a:tcPr/>
+                </a:tc>
+                <a:tc>
+                  <a:txBody>
+                    <a:bodyPr/>
+                    <a:lstStyle/>
+                    <a:p>
+                      <a:pPr latinLnBrk="1"/>
+                      <a:r>
+                        <a:rPr lang="en-US" altLang="ko-KR" sz="1100"/>
+                        <a:t>STN01_Pin."-"</a:t>
+                      </a:r>
+                      <a:endParaRPr lang="ko-KR" altLang="en-US" sz="1100"/>
+                    </a:p>
+                  </a:txBody>
+                  <a:tcPr/>
+                </a:tc>
+                <a:tc>
+                  <a:txBody>
+                    <a:bodyPr/>
+                    <a:lstStyle/>
+                    <a:p>
+                      <a:pPr latinLnBrk="1"/>
+                      <a:r>
+                        <a:rPr lang="en-US" altLang="ko-KR" sz="1100"/>
+                        <a:t>bool</a:t>
+                      </a:r>
+                      <a:endParaRPr lang="ko-KR" altLang="en-US" sz="1100"/>
+                    </a:p>
+                  </a:txBody>
+                  <a:tcPr/>
+                </a:tc>
+                <a:tc>
+                  <a:txBody>
+                    <a:bodyPr/>
+                    <a:lstStyle/>
+                    <a:p>
+                      <a:pPr latinLnBrk="1"/>
+                      <a:r>
+                        <a:rPr lang="en-US" altLang="ko-KR" sz="1100"/>
+                        <a:t>I625.2</a:t>
+                      </a:r>
+                      <a:endParaRPr lang="ko-KR" altLang="en-US" sz="1100"/>
+                    </a:p>
+                  </a:txBody>
+                  <a:tcPr/>
+                </a:tc>
+                <a:tc>
+                  <a:txBody>
+                    <a:bodyPr/>
+                    <a:lstStyle/>
+                    <a:p>
+                      <a:pPr latinLnBrk="1"/>
+                      <a:r>
+                        <a:rPr lang="en-US" altLang="ko-KR" sz="1100"/>
+                        <a:t>O625.2</a:t>
+                      </a:r>
+                      <a:endParaRPr lang="ko-KR" altLang="en-US" sz="1100"/>
+                    </a:p>
+                  </a:txBody>
+                  <a:tcPr/>
+                </a:tc>
+                <a:tc>
+                  <a:txBody>
+                    <a:bodyPr/>
+                    <a:lstStyle/>
+                    <a:p>
+                      <a:pPr latinLnBrk="1"/>
+                      <a:r>
+                        <a:rPr lang="en-US" altLang="ko-KR" sz="1100"/>
+                        <a:t>STN01_Pin_-</a:t>
+                      </a:r>
+                      <a:endParaRPr lang="ko-KR" altLang="en-US" sz="1100"/>
+                    </a:p>
+                  </a:txBody>
+                  <a:tcPr/>
+                </a:tc>
+                <a:tc>
+                  <a:txBody>
+                    <a:bodyPr/>
+                    <a:lstStyle/>
+                    <a:p>
+                      <a:pPr latinLnBrk="1"/>
+                      <a:endParaRPr lang="ko-KR" altLang="en-US" sz="1100"/>
+                    </a:p>
+                  </a:txBody>
+                  <a:tcPr/>
+                </a:tc>
+                <a:extLst>
+                  <a:ext uri="{0D108BD9-81ED-4DB2-BD59-A6C34878D82A}">
+                    <a16:rowId xmlns:a16="http://schemas.microsoft.com/office/drawing/2014/main" val="1400202190"/>
+                  </a:ext>
+                </a:extLst>
+              </a:tr>
+              <a:tr h="0">
+                <a:tc>
+                  <a:txBody>
+                    <a:bodyPr/>
+                    <a:lstStyle/>
+                    <a:p>
+                      <a:pPr latinLnBrk="1"/>
+                      <a:r>
+                        <a:rPr lang="ko-KR" altLang="en-US" sz="1100"/>
+                        <a:t>외부주소</a:t>
+                      </a:r>
+                    </a:p>
+                  </a:txBody>
+                  <a:tcPr/>
+                </a:tc>
+                <a:tc>
+                  <a:txBody>
+                    <a:bodyPr/>
+                    <a:lstStyle/>
+                    <a:p>
+                      <a:pPr latinLnBrk="1"/>
+                      <a:r>
+                        <a:rPr lang="en-US" altLang="ko-KR" sz="1100"/>
+                        <a:t>STN01_UsingLIB2_1."+"</a:t>
+                      </a:r>
+                      <a:endParaRPr lang="ko-KR" altLang="en-US" sz="1100"/>
+                    </a:p>
+                  </a:txBody>
+                  <a:tcPr/>
+                </a:tc>
+                <a:tc>
+                  <a:txBody>
+                    <a:bodyPr/>
+                    <a:lstStyle/>
+                    <a:p>
+                      <a:pPr latinLnBrk="1"/>
+                      <a:r>
+                        <a:rPr lang="en-US" altLang="ko-KR" sz="1100"/>
+                        <a:t>bool</a:t>
+                      </a:r>
+                      <a:endParaRPr lang="ko-KR" altLang="en-US" sz="1100"/>
+                    </a:p>
+                  </a:txBody>
+                  <a:tcPr/>
+                </a:tc>
+                <a:tc>
+                  <a:txBody>
+                    <a:bodyPr/>
+                    <a:lstStyle/>
+                    <a:p>
+                      <a:pPr latinLnBrk="1"/>
+                      <a:r>
+                        <a:rPr lang="en-US" altLang="ko-KR" sz="1100"/>
+                        <a:t>I625.3</a:t>
+                      </a:r>
+                      <a:endParaRPr lang="ko-KR" altLang="en-US" sz="1100"/>
+                    </a:p>
+                  </a:txBody>
+                  <a:tcPr/>
+                </a:tc>
+                <a:tc>
+                  <a:txBody>
+                    <a:bodyPr/>
+                    <a:lstStyle/>
+                    <a:p>
+                      <a:pPr latinLnBrk="1"/>
+                      <a:r>
+                        <a:rPr lang="en-US" altLang="ko-KR" sz="1100"/>
+                        <a:t>O625.3</a:t>
+                      </a:r>
+                      <a:endParaRPr lang="ko-KR" altLang="en-US" sz="1100"/>
+                    </a:p>
+                  </a:txBody>
+                  <a:tcPr/>
+                </a:tc>
+                <a:tc>
+                  <a:txBody>
+                    <a:bodyPr/>
+                    <a:lstStyle/>
+                    <a:p>
+                      <a:pPr latinLnBrk="1"/>
+                      <a:r>
+                        <a:rPr lang="en-US" altLang="ko-KR" sz="1100"/>
+                        <a:t>STN01_UsingLIB2_1_+</a:t>
+                      </a:r>
+                      <a:endParaRPr lang="ko-KR" altLang="en-US" sz="1100"/>
+                    </a:p>
+                  </a:txBody>
+                  <a:tcPr/>
+                </a:tc>
+                <a:tc>
+                  <a:txBody>
+                    <a:bodyPr/>
+                    <a:lstStyle/>
+                    <a:p>
+                      <a:pPr latinLnBrk="1"/>
+                      <a:endParaRPr lang="ko-KR" altLang="en-US" sz="1100"/>
+                    </a:p>
+                  </a:txBody>
+                  <a:tcPr/>
+                </a:tc>
+                <a:extLst>
+                  <a:ext uri="{0D108BD9-81ED-4DB2-BD59-A6C34878D82A}">
+                    <a16:rowId xmlns:a16="http://schemas.microsoft.com/office/drawing/2014/main" val="2739910703"/>
+                  </a:ext>
+                </a:extLst>
+              </a:tr>
+              <a:tr h="0">
+                <a:tc>
+                  <a:txBody>
+                    <a:bodyPr/>
+                    <a:lstStyle/>
+                    <a:p>
+                      <a:pPr latinLnBrk="1"/>
+                      <a:r>
+                        <a:rPr lang="ko-KR" altLang="en-US" sz="1100"/>
+                        <a:t>외부주소</a:t>
+                      </a:r>
+                    </a:p>
+                  </a:txBody>
+                  <a:tcPr/>
+                </a:tc>
+                <a:tc>
+                  <a:txBody>
+                    <a:bodyPr/>
+                    <a:lstStyle/>
+                    <a:p>
+                      <a:pPr latinLnBrk="1"/>
+                      <a:r>
+                        <a:rPr lang="en-US" altLang="ko-KR" sz="1100"/>
+                        <a:t>STN01_UsingLIB2_1."-"</a:t>
+                      </a:r>
+                      <a:endParaRPr lang="ko-KR" altLang="en-US" sz="1100"/>
+                    </a:p>
+                  </a:txBody>
+                  <a:tcPr/>
+                </a:tc>
+                <a:tc>
+                  <a:txBody>
+                    <a:bodyPr/>
+                    <a:lstStyle/>
+                    <a:p>
+                      <a:pPr latinLnBrk="1"/>
+                      <a:r>
+                        <a:rPr lang="en-US" altLang="ko-KR" sz="1100"/>
+                        <a:t>bool</a:t>
+                      </a:r>
+                      <a:endParaRPr lang="ko-KR" altLang="en-US" sz="1100"/>
+                    </a:p>
+                  </a:txBody>
+                  <a:tcPr/>
+                </a:tc>
+                <a:tc>
+                  <a:txBody>
+                    <a:bodyPr/>
+                    <a:lstStyle/>
+                    <a:p>
+                      <a:pPr latinLnBrk="1"/>
+                      <a:r>
+                        <a:rPr lang="en-US" altLang="ko-KR" sz="1100"/>
+                        <a:t>I625.4</a:t>
+                      </a:r>
+                      <a:endParaRPr lang="ko-KR" altLang="en-US" sz="1100"/>
+                    </a:p>
+                  </a:txBody>
+                  <a:tcPr/>
+                </a:tc>
+                <a:tc>
+                  <a:txBody>
+                    <a:bodyPr/>
+                    <a:lstStyle/>
+                    <a:p>
+                      <a:pPr latinLnBrk="1"/>
+                      <a:r>
+                        <a:rPr lang="en-US" altLang="ko-KR" sz="1100"/>
+                        <a:t>O625.4</a:t>
+                      </a:r>
+                      <a:endParaRPr lang="ko-KR" altLang="en-US" sz="1100"/>
+                    </a:p>
+                  </a:txBody>
+                  <a:tcPr/>
+                </a:tc>
+                <a:tc>
+                  <a:txBody>
+                    <a:bodyPr/>
+                    <a:lstStyle/>
+                    <a:p>
+                      <a:pPr latinLnBrk="1"/>
+                      <a:r>
+                        <a:rPr lang="en-US" altLang="ko-KR" sz="1100"/>
+                        <a:t>STN01_UsingLIB2_1_-</a:t>
+                      </a:r>
+                      <a:endParaRPr lang="ko-KR" altLang="en-US" sz="1100"/>
+                    </a:p>
+                  </a:txBody>
+                  <a:tcPr/>
+                </a:tc>
+                <a:tc>
+                  <a:txBody>
+                    <a:bodyPr/>
+                    <a:lstStyle/>
+                    <a:p>
+                      <a:pPr latinLnBrk="1"/>
+                      <a:endParaRPr lang="ko-KR" altLang="en-US" sz="1100"/>
+                    </a:p>
+                  </a:txBody>
+                  <a:tcPr/>
+                </a:tc>
+                <a:extLst>
+                  <a:ext uri="{0D108BD9-81ED-4DB2-BD59-A6C34878D82A}">
+                    <a16:rowId xmlns:a16="http://schemas.microsoft.com/office/drawing/2014/main" val="2382959734"/>
+                  </a:ext>
+                </a:extLst>
+              </a:tr>
+              <a:tr h="0">
+                <a:tc>
+                  <a:txBody>
+                    <a:bodyPr/>
+                    <a:lstStyle/>
+                    <a:p>
+                      <a:pPr latinLnBrk="1"/>
+                      <a:r>
+                        <a:rPr lang="ko-KR" altLang="en-US" sz="1100"/>
+                        <a:t>외부주소</a:t>
+                      </a:r>
+                    </a:p>
+                  </a:txBody>
+                  <a:tcPr/>
+                </a:tc>
+                <a:tc>
+                  <a:txBody>
+                    <a:bodyPr/>
+                    <a:lstStyle/>
+                    <a:p>
+                      <a:pPr latinLnBrk="1"/>
+                      <a:r>
+                        <a:rPr lang="en-US" altLang="ko-KR" sz="1100"/>
+                        <a:t>STN01_UsingLIB2_2."+"</a:t>
+                      </a:r>
+                      <a:endParaRPr lang="ko-KR" altLang="en-US" sz="1100"/>
+                    </a:p>
+                  </a:txBody>
+                  <a:tcPr/>
+                </a:tc>
+                <a:tc>
+                  <a:txBody>
+                    <a:bodyPr/>
+                    <a:lstStyle/>
+                    <a:p>
+                      <a:pPr latinLnBrk="1"/>
+                      <a:r>
+                        <a:rPr lang="en-US" altLang="ko-KR" sz="1100"/>
+                        <a:t>bool</a:t>
+                      </a:r>
+                      <a:endParaRPr lang="ko-KR" altLang="en-US" sz="1100"/>
+                    </a:p>
+                  </a:txBody>
+                  <a:tcPr/>
+                </a:tc>
+                <a:tc>
+                  <a:txBody>
+                    <a:bodyPr/>
+                    <a:lstStyle/>
+                    <a:p>
+                      <a:pPr latinLnBrk="1"/>
+                      <a:r>
+                        <a:rPr lang="en-US" altLang="ko-KR" sz="1100"/>
+                        <a:t>I625.5</a:t>
+                      </a:r>
+                      <a:endParaRPr lang="ko-KR" altLang="en-US" sz="1100"/>
+                    </a:p>
+                  </a:txBody>
+                  <a:tcPr/>
+                </a:tc>
+                <a:tc>
+                  <a:txBody>
+                    <a:bodyPr/>
+                    <a:lstStyle/>
+                    <a:p>
+                      <a:pPr latinLnBrk="1"/>
+                      <a:r>
+                        <a:rPr lang="en-US" altLang="ko-KR" sz="1100"/>
+                        <a:t>O625.5</a:t>
+                      </a:r>
+                      <a:endParaRPr lang="ko-KR" altLang="en-US" sz="1100"/>
+                    </a:p>
+                  </a:txBody>
+                  <a:tcPr/>
+                </a:tc>
+                <a:tc>
+                  <a:txBody>
+                    <a:bodyPr/>
+                    <a:lstStyle/>
+                    <a:p>
+                      <a:pPr latinLnBrk="1"/>
+                      <a:r>
+                        <a:rPr lang="en-US" altLang="ko-KR" sz="1100"/>
+                        <a:t>STN01_UsingLIB2_2_+</a:t>
+                      </a:r>
+                      <a:endParaRPr lang="ko-KR" altLang="en-US" sz="1100"/>
+                    </a:p>
+                  </a:txBody>
+                  <a:tcPr/>
+                </a:tc>
+                <a:tc>
+                  <a:txBody>
+                    <a:bodyPr/>
+                    <a:lstStyle/>
+                    <a:p>
+                      <a:pPr latinLnBrk="1"/>
+                      <a:endParaRPr lang="ko-KR" altLang="en-US" sz="1100"/>
+                    </a:p>
+                  </a:txBody>
+                  <a:tcPr/>
+                </a:tc>
+                <a:extLst>
+                  <a:ext uri="{0D108BD9-81ED-4DB2-BD59-A6C34878D82A}">
+                    <a16:rowId xmlns:a16="http://schemas.microsoft.com/office/drawing/2014/main" val="787595547"/>
+                  </a:ext>
+                </a:extLst>
+              </a:tr>
+              <a:tr h="0">
+                <a:tc>
+                  <a:txBody>
+                    <a:bodyPr/>
+                    <a:lstStyle/>
+                    <a:p>
+                      <a:pPr latinLnBrk="1"/>
+                      <a:r>
+                        <a:rPr lang="ko-KR" altLang="en-US" sz="1100"/>
+                        <a:t>외부주소</a:t>
+                      </a:r>
+                    </a:p>
+                  </a:txBody>
+                  <a:tcPr/>
+                </a:tc>
+                <a:tc>
+                  <a:txBody>
+                    <a:bodyPr/>
+                    <a:lstStyle/>
+                    <a:p>
+                      <a:pPr latinLnBrk="1"/>
+                      <a:r>
+                        <a:rPr lang="en-US" altLang="ko-KR" sz="1100"/>
+                        <a:t>STN01_UsingLIB2_2."-"</a:t>
+                      </a:r>
+                      <a:endParaRPr lang="ko-KR" altLang="en-US" sz="1100"/>
+                    </a:p>
+                  </a:txBody>
+                  <a:tcPr/>
+                </a:tc>
+                <a:tc>
+                  <a:txBody>
+                    <a:bodyPr/>
+                    <a:lstStyle/>
+                    <a:p>
+                      <a:pPr latinLnBrk="1"/>
+                      <a:r>
+                        <a:rPr lang="en-US" altLang="ko-KR" sz="1100"/>
+                        <a:t>bool</a:t>
+                      </a:r>
+                      <a:endParaRPr lang="ko-KR" altLang="en-US" sz="1100"/>
+                    </a:p>
+                  </a:txBody>
+                  <a:tcPr/>
+                </a:tc>
+                <a:tc>
+                  <a:txBody>
+                    <a:bodyPr/>
+                    <a:lstStyle/>
+                    <a:p>
+                      <a:pPr latinLnBrk="1"/>
+                      <a:r>
+                        <a:rPr lang="en-US" altLang="ko-KR" sz="1100"/>
+                        <a:t>I625.6</a:t>
+                      </a:r>
+                      <a:endParaRPr lang="ko-KR" altLang="en-US" sz="1100"/>
+                    </a:p>
+                  </a:txBody>
+                  <a:tcPr/>
+                </a:tc>
+                <a:tc>
+                  <a:txBody>
+                    <a:bodyPr/>
+                    <a:lstStyle/>
+                    <a:p>
+                      <a:pPr latinLnBrk="1"/>
+                      <a:r>
+                        <a:rPr lang="en-US" altLang="ko-KR" sz="1100"/>
+                        <a:t>O625.6</a:t>
+                      </a:r>
+                      <a:endParaRPr lang="ko-KR" altLang="en-US" sz="1100"/>
+                    </a:p>
+                  </a:txBody>
+                  <a:tcPr/>
+                </a:tc>
+                <a:tc>
+                  <a:txBody>
+                    <a:bodyPr/>
+                    <a:lstStyle/>
+                    <a:p>
+                      <a:pPr latinLnBrk="1"/>
+                      <a:r>
+                        <a:rPr lang="en-US" altLang="ko-KR" sz="1100"/>
+                        <a:t>STN01_UsingLIB2_2_-</a:t>
+                      </a:r>
+                      <a:endParaRPr lang="ko-KR" altLang="en-US" sz="1100"/>
+                    </a:p>
+                  </a:txBody>
+                  <a:tcPr/>
+                </a:tc>
+                <a:tc>
+                  <a:txBody>
+                    <a:bodyPr/>
+                    <a:lstStyle/>
+                    <a:p>
+                      <a:pPr latinLnBrk="1"/>
+                      <a:endParaRPr lang="ko-KR" altLang="en-US" sz="1100"/>
+                    </a:p>
+                  </a:txBody>
+                  <a:tcPr/>
+                </a:tc>
+                <a:extLst>
+                  <a:ext uri="{0D108BD9-81ED-4DB2-BD59-A6C34878D82A}">
+                    <a16:rowId xmlns:a16="http://schemas.microsoft.com/office/drawing/2014/main" val="635399833"/>
+                  </a:ext>
+                </a:extLst>
+              </a:tr>
+              <a:tr h="0">
+                <a:tc>
+                  <a:txBody>
+                    <a:bodyPr/>
+                    <a:lstStyle/>
+                    <a:p>
+                      <a:pPr latinLnBrk="1"/>
+                      <a:r>
+                        <a:rPr lang="ko-KR" altLang="en-US" sz="1100"/>
+                        <a:t>외부주소</a:t>
+                      </a:r>
+                    </a:p>
+                  </a:txBody>
+                  <a:tcPr/>
+                </a:tc>
+                <a:tc>
+                  <a:txBody>
+                    <a:bodyPr/>
+                    <a:lstStyle/>
+                    <a:p>
+                      <a:pPr latinLnBrk="1"/>
+                      <a:r>
+                        <a:rPr lang="en-US" altLang="ko-KR" sz="1100"/>
+                        <a:t>STN01_UsingLIB2_3."+"</a:t>
+                      </a:r>
+                      <a:endParaRPr lang="ko-KR" altLang="en-US" sz="1100"/>
+                    </a:p>
+                  </a:txBody>
+                  <a:tcPr/>
+                </a:tc>
+                <a:tc>
+                  <a:txBody>
+                    <a:bodyPr/>
+                    <a:lstStyle/>
+                    <a:p>
+                      <a:pPr latinLnBrk="1"/>
+                      <a:r>
+                        <a:rPr lang="en-US" altLang="ko-KR" sz="1100"/>
+                        <a:t>bool</a:t>
+                      </a:r>
+                      <a:endParaRPr lang="ko-KR" altLang="en-US" sz="1100"/>
+                    </a:p>
+                  </a:txBody>
+                  <a:tcPr/>
+                </a:tc>
+                <a:tc>
+                  <a:txBody>
+                    <a:bodyPr/>
+                    <a:lstStyle/>
+                    <a:p>
+                      <a:pPr latinLnBrk="1"/>
+                      <a:r>
+                        <a:rPr lang="en-US" altLang="ko-KR" sz="1100"/>
+                        <a:t>I625.7</a:t>
+                      </a:r>
+                      <a:endParaRPr lang="ko-KR" altLang="en-US" sz="1100"/>
+                    </a:p>
+                  </a:txBody>
+                  <a:tcPr/>
+                </a:tc>
+                <a:tc>
+                  <a:txBody>
+                    <a:bodyPr/>
+                    <a:lstStyle/>
+                    <a:p>
+                      <a:pPr latinLnBrk="1"/>
+                      <a:r>
+                        <a:rPr lang="en-US" altLang="ko-KR" sz="1100"/>
+                        <a:t>O625.7</a:t>
+                      </a:r>
+                      <a:endParaRPr lang="ko-KR" altLang="en-US" sz="1100"/>
+                    </a:p>
+                  </a:txBody>
+                  <a:tcPr/>
+                </a:tc>
+                <a:tc>
+                  <a:txBody>
+                    <a:bodyPr/>
+                    <a:lstStyle/>
+                    <a:p>
+                      <a:pPr latinLnBrk="1"/>
+                      <a:r>
+                        <a:rPr lang="en-US" altLang="ko-KR" sz="1100"/>
+                        <a:t>STN01_UsingLIB2_3_+</a:t>
+                      </a:r>
+                      <a:endParaRPr lang="ko-KR" altLang="en-US" sz="1100"/>
+                    </a:p>
+                  </a:txBody>
+                  <a:tcPr/>
+                </a:tc>
+                <a:tc>
+                  <a:txBody>
+                    <a:bodyPr/>
+                    <a:lstStyle/>
+                    <a:p>
+                      <a:pPr latinLnBrk="1"/>
+                      <a:endParaRPr lang="ko-KR" altLang="en-US" sz="1100"/>
+                    </a:p>
+                  </a:txBody>
+                  <a:tcPr/>
+                </a:tc>
+                <a:extLst>
+                  <a:ext uri="{0D108BD9-81ED-4DB2-BD59-A6C34878D82A}">
+                    <a16:rowId xmlns:a16="http://schemas.microsoft.com/office/drawing/2014/main" val="3498566371"/>
+                  </a:ext>
+                </a:extLst>
+              </a:tr>
+              <a:tr h="0">
+                <a:tc>
+                  <a:txBody>
+                    <a:bodyPr/>
+                    <a:lstStyle/>
+                    <a:p>
+                      <a:pPr latinLnBrk="1"/>
+                      <a:r>
+                        <a:rPr lang="ko-KR" altLang="en-US" sz="1100"/>
+                        <a:t>외부주소</a:t>
+                      </a:r>
+                    </a:p>
+                  </a:txBody>
+                  <a:tcPr/>
+                </a:tc>
+                <a:tc>
+                  <a:txBody>
+                    <a:bodyPr/>
+                    <a:lstStyle/>
+                    <a:p>
+                      <a:pPr latinLnBrk="1"/>
+                      <a:r>
+                        <a:rPr lang="en-US" altLang="ko-KR" sz="1100"/>
+                        <a:t>STN01_UsingLIB2_3."-"</a:t>
+                      </a:r>
+                      <a:endParaRPr lang="ko-KR" altLang="en-US" sz="1100"/>
+                    </a:p>
+                  </a:txBody>
+                  <a:tcPr/>
+                </a:tc>
+                <a:tc>
+                  <a:txBody>
+                    <a:bodyPr/>
+                    <a:lstStyle/>
+                    <a:p>
+                      <a:pPr latinLnBrk="1"/>
+                      <a:r>
+                        <a:rPr lang="en-US" altLang="ko-KR" sz="1100"/>
+                        <a:t>bool</a:t>
+                      </a:r>
+                      <a:endParaRPr lang="ko-KR" altLang="en-US" sz="1100"/>
+                    </a:p>
+                  </a:txBody>
+                  <a:tcPr/>
+                </a:tc>
+                <a:tc>
+                  <a:txBody>
+                    <a:bodyPr/>
+                    <a:lstStyle/>
+                    <a:p>
+                      <a:pPr latinLnBrk="1"/>
+                      <a:r>
+                        <a:rPr lang="en-US" altLang="ko-KR" sz="1100"/>
+                        <a:t>I625.8</a:t>
+                      </a:r>
+                      <a:endParaRPr lang="ko-KR" altLang="en-US" sz="1100"/>
+                    </a:p>
+                  </a:txBody>
+                  <a:tcPr/>
+                </a:tc>
+                <a:tc>
+                  <a:txBody>
+                    <a:bodyPr/>
+                    <a:lstStyle/>
+                    <a:p>
+                      <a:pPr latinLnBrk="1"/>
+                      <a:r>
+                        <a:rPr lang="en-US" altLang="ko-KR" sz="1100"/>
+                        <a:t>O625.8</a:t>
+                      </a:r>
+                      <a:endParaRPr lang="ko-KR" altLang="en-US" sz="1100"/>
+                    </a:p>
+                  </a:txBody>
+                  <a:tcPr/>
+                </a:tc>
+                <a:tc>
+                  <a:txBody>
+                    <a:bodyPr/>
+                    <a:lstStyle/>
+                    <a:p>
+                      <a:pPr latinLnBrk="1"/>
+                      <a:r>
+                        <a:rPr lang="en-US" altLang="ko-KR" sz="1100"/>
+                        <a:t>STN01_UsingLIB2_3_-</a:t>
+                      </a:r>
+                      <a:endParaRPr lang="ko-KR" altLang="en-US" sz="1100"/>
+                    </a:p>
+                  </a:txBody>
+                  <a:tcPr/>
+                </a:tc>
+                <a:tc>
+                  <a:txBody>
+                    <a:bodyPr/>
+                    <a:lstStyle/>
+                    <a:p>
+                      <a:pPr latinLnBrk="1"/>
+                      <a:endParaRPr lang="ko-KR" altLang="en-US" sz="1100"/>
+                    </a:p>
+                  </a:txBody>
+                  <a:tcPr/>
+                </a:tc>
+                <a:extLst>
+                  <a:ext uri="{0D108BD9-81ED-4DB2-BD59-A6C34878D82A}">
+                    <a16:rowId xmlns:a16="http://schemas.microsoft.com/office/drawing/2014/main" val="4237126868"/>
+                  </a:ext>
+                </a:extLst>
+              </a:tr>
+              <a:tr h="0">
+                <a:tc>
+                  <a:txBody>
+                    <a:bodyPr/>
+                    <a:lstStyle/>
+                    <a:p>
+                      <a:pPr latinLnBrk="1"/>
+                      <a:r>
+                        <a:rPr lang="ko-KR" altLang="en-US" sz="1100"/>
+                        <a:t>외부주소</a:t>
+                      </a:r>
+                    </a:p>
+                  </a:txBody>
+                  <a:tcPr/>
+                </a:tc>
+                <a:tc>
+                  <a:txBody>
+                    <a:bodyPr/>
+                    <a:lstStyle/>
+                    <a:p>
+                      <a:pPr latinLnBrk="1"/>
+                      <a:r>
+                        <a:rPr lang="en-US" altLang="ko-KR" sz="1100"/>
+                        <a:t>STN01_UsingLIB2_4."+"</a:t>
+                      </a:r>
+                      <a:endParaRPr lang="ko-KR" altLang="en-US" sz="1100"/>
+                    </a:p>
+                  </a:txBody>
+                  <a:tcPr/>
+                </a:tc>
+                <a:tc>
+                  <a:txBody>
+                    <a:bodyPr/>
+                    <a:lstStyle/>
+                    <a:p>
+                      <a:pPr latinLnBrk="1"/>
+                      <a:r>
+                        <a:rPr lang="en-US" altLang="ko-KR" sz="1100"/>
+                        <a:t>bool</a:t>
+                      </a:r>
+                      <a:endParaRPr lang="ko-KR" altLang="en-US" sz="1100"/>
+                    </a:p>
+                  </a:txBody>
+                  <a:tcPr/>
+                </a:tc>
+                <a:tc>
+                  <a:txBody>
+                    <a:bodyPr/>
+                    <a:lstStyle/>
+                    <a:p>
+                      <a:pPr latinLnBrk="1"/>
+                      <a:r>
+                        <a:rPr lang="en-US" altLang="ko-KR" sz="1100"/>
+                        <a:t>I625.9</a:t>
+                      </a:r>
+                      <a:endParaRPr lang="ko-KR" altLang="en-US" sz="1100"/>
+                    </a:p>
+                  </a:txBody>
+                  <a:tcPr/>
+                </a:tc>
+                <a:tc>
+                  <a:txBody>
+                    <a:bodyPr/>
+                    <a:lstStyle/>
+                    <a:p>
+                      <a:pPr latinLnBrk="1"/>
+                      <a:r>
+                        <a:rPr lang="en-US" altLang="ko-KR" sz="1100"/>
+                        <a:t>O625.9</a:t>
+                      </a:r>
+                      <a:endParaRPr lang="ko-KR" altLang="en-US" sz="1100"/>
+                    </a:p>
+                  </a:txBody>
+                  <a:tcPr/>
+                </a:tc>
+                <a:tc>
+                  <a:txBody>
+                    <a:bodyPr/>
+                    <a:lstStyle/>
+                    <a:p>
+                      <a:pPr latinLnBrk="1"/>
+                      <a:r>
+                        <a:rPr lang="en-US" altLang="ko-KR" sz="1100"/>
+                        <a:t>STN01_UsingLIB2_4_+</a:t>
+                      </a:r>
+                      <a:endParaRPr lang="ko-KR" altLang="en-US" sz="1100"/>
+                    </a:p>
+                  </a:txBody>
+                  <a:tcPr/>
+                </a:tc>
+                <a:tc>
+                  <a:txBody>
+                    <a:bodyPr/>
+                    <a:lstStyle/>
+                    <a:p>
+                      <a:pPr latinLnBrk="1"/>
+                      <a:endParaRPr lang="ko-KR" altLang="en-US" sz="1100"/>
+                    </a:p>
+                  </a:txBody>
+                  <a:tcPr/>
+                </a:tc>
+                <a:extLst>
+                  <a:ext uri="{0D108BD9-81ED-4DB2-BD59-A6C34878D82A}">
+                    <a16:rowId xmlns:a16="http://schemas.microsoft.com/office/drawing/2014/main" val="899030615"/>
+                  </a:ext>
+                </a:extLst>
+              </a:tr>
+              <a:tr h="0">
+                <a:tc>
+                  <a:txBody>
+                    <a:bodyPr/>
+                    <a:lstStyle/>
+                    <a:p>
+                      <a:pPr latinLnBrk="1"/>
+                      <a:r>
+                        <a:rPr lang="ko-KR" altLang="en-US" sz="1100"/>
+                        <a:t>외부주소</a:t>
+                      </a:r>
+                    </a:p>
+                  </a:txBody>
+                  <a:tcPr/>
+                </a:tc>
+                <a:tc>
+                  <a:txBody>
+                    <a:bodyPr/>
+                    <a:lstStyle/>
+                    <a:p>
+                      <a:pPr latinLnBrk="1"/>
+                      <a:r>
+                        <a:rPr lang="en-US" altLang="ko-KR" sz="1100"/>
+                        <a:t>STN01_UsingLIB2_4."-"</a:t>
+                      </a:r>
+                      <a:endParaRPr lang="ko-KR" altLang="en-US" sz="1100"/>
+                    </a:p>
+                  </a:txBody>
+                  <a:tcPr/>
+                </a:tc>
+                <a:tc>
+                  <a:txBody>
+                    <a:bodyPr/>
+                    <a:lstStyle/>
+                    <a:p>
+                      <a:pPr latinLnBrk="1"/>
+                      <a:r>
+                        <a:rPr lang="en-US" altLang="ko-KR" sz="1100"/>
+                        <a:t>bool</a:t>
+                      </a:r>
+                      <a:endParaRPr lang="ko-KR" altLang="en-US" sz="1100"/>
+                    </a:p>
+                  </a:txBody>
+                  <a:tcPr/>
+                </a:tc>
+                <a:tc>
+                  <a:txBody>
+                    <a:bodyPr/>
+                    <a:lstStyle/>
+                    <a:p>
+                      <a:pPr latinLnBrk="1"/>
+                      <a:r>
+                        <a:rPr lang="en-US" altLang="ko-KR" sz="1100"/>
+                        <a:t>I625.10</a:t>
+                      </a:r>
+                      <a:endParaRPr lang="ko-KR" altLang="en-US" sz="1100"/>
+                    </a:p>
+                  </a:txBody>
+                  <a:tcPr/>
+                </a:tc>
+                <a:tc>
+                  <a:txBody>
+                    <a:bodyPr/>
+                    <a:lstStyle/>
+                    <a:p>
+                      <a:pPr latinLnBrk="1"/>
+                      <a:r>
+                        <a:rPr lang="en-US" altLang="ko-KR" sz="1100"/>
+                        <a:t>O625.10</a:t>
+                      </a:r>
+                      <a:endParaRPr lang="ko-KR" altLang="en-US" sz="1100"/>
+                    </a:p>
+                  </a:txBody>
+                  <a:tcPr/>
+                </a:tc>
+                <a:tc>
+                  <a:txBody>
+                    <a:bodyPr/>
+                    <a:lstStyle/>
+                    <a:p>
+                      <a:pPr latinLnBrk="1"/>
+                      <a:r>
+                        <a:rPr lang="en-US" altLang="ko-KR" sz="1100"/>
+                        <a:t>STN01_UsingLIB2_4_-</a:t>
+                      </a:r>
+                      <a:endParaRPr lang="ko-KR" altLang="en-US" sz="1100"/>
+                    </a:p>
+                  </a:txBody>
+                  <a:tcPr/>
+                </a:tc>
+                <a:tc>
+                  <a:txBody>
+                    <a:bodyPr/>
+                    <a:lstStyle/>
+                    <a:p>
+                      <a:pPr latinLnBrk="1"/>
+                      <a:endParaRPr lang="ko-KR" altLang="en-US" sz="1100"/>
+                    </a:p>
+                  </a:txBody>
+                  <a:tcPr/>
+                </a:tc>
+                <a:extLst>
+                  <a:ext uri="{0D108BD9-81ED-4DB2-BD59-A6C34878D82A}">
+                    <a16:rowId xmlns:a16="http://schemas.microsoft.com/office/drawing/2014/main" val="3790352410"/>
+                  </a:ext>
+                </a:extLst>
+              </a:tr>
+              <a:tr h="0">
+                <a:tc>
+                  <a:txBody>
+                    <a:bodyPr/>
+                    <a:lstStyle/>
+                    <a:p>
+                      <a:pPr latinLnBrk="1"/>
+                      <a:r>
+                        <a:rPr lang="ko-KR" altLang="en-US" sz="1100"/>
+                        <a:t>외부주소</a:t>
+                      </a:r>
+                    </a:p>
+                  </a:txBody>
+                  <a:tcPr/>
+                </a:tc>
+                <a:tc>
+                  <a:txBody>
+                    <a:bodyPr/>
+                    <a:lstStyle/>
+                    <a:p>
+                      <a:pPr latinLnBrk="1"/>
+                      <a:r>
+                        <a:rPr lang="en-US" altLang="ko-KR" sz="1100"/>
+                        <a:t>STN01_UsingLIB_1."-"</a:t>
+                      </a:r>
+                      <a:endParaRPr lang="ko-KR" altLang="en-US" sz="1100"/>
+                    </a:p>
+                  </a:txBody>
+                  <a:tcPr/>
+                </a:tc>
+                <a:tc>
+                  <a:txBody>
+                    <a:bodyPr/>
+                    <a:lstStyle/>
+                    <a:p>
+                      <a:pPr latinLnBrk="1"/>
+                      <a:r>
+                        <a:rPr lang="en-US" altLang="ko-KR" sz="1100"/>
+                        <a:t>bool</a:t>
+                      </a:r>
+                      <a:endParaRPr lang="ko-KR" altLang="en-US" sz="1100"/>
+                    </a:p>
+                  </a:txBody>
+                  <a:tcPr/>
+                </a:tc>
+                <a:tc>
+                  <a:txBody>
+                    <a:bodyPr/>
+                    <a:lstStyle/>
+                    <a:p>
+                      <a:pPr latinLnBrk="1"/>
+                      <a:r>
+                        <a:rPr lang="en-US" altLang="ko-KR" sz="1100"/>
+                        <a:t>I625.11</a:t>
+                      </a:r>
+                      <a:endParaRPr lang="ko-KR" altLang="en-US" sz="1100"/>
+                    </a:p>
+                  </a:txBody>
+                  <a:tcPr/>
+                </a:tc>
+                <a:tc>
+                  <a:txBody>
+                    <a:bodyPr/>
+                    <a:lstStyle/>
+                    <a:p>
+                      <a:pPr latinLnBrk="1"/>
+                      <a:r>
+                        <a:rPr lang="en-US" altLang="ko-KR" sz="1100"/>
+                        <a:t>O625.11</a:t>
+                      </a:r>
+                      <a:endParaRPr lang="ko-KR" altLang="en-US" sz="1100"/>
+                    </a:p>
+                  </a:txBody>
+                  <a:tcPr/>
+                </a:tc>
+                <a:tc>
+                  <a:txBody>
+                    <a:bodyPr/>
+                    <a:lstStyle/>
+                    <a:p>
+                      <a:pPr latinLnBrk="1"/>
+                      <a:r>
+                        <a:rPr lang="en-US" altLang="ko-KR" sz="1100"/>
+                        <a:t>STN01_UsingLIB_1_-</a:t>
+                      </a:r>
+                      <a:endParaRPr lang="ko-KR" altLang="en-US" sz="1100"/>
+                    </a:p>
+                  </a:txBody>
+                  <a:tcPr/>
+                </a:tc>
+                <a:tc>
+                  <a:txBody>
+                    <a:bodyPr/>
+                    <a:lstStyle/>
+                    <a:p>
+                      <a:pPr latinLnBrk="1"/>
+                      <a:endParaRPr lang="ko-KR" altLang="en-US" sz="1100"/>
+                    </a:p>
+                  </a:txBody>
+                  <a:tcPr/>
+                </a:tc>
+                <a:extLst>
+                  <a:ext uri="{0D108BD9-81ED-4DB2-BD59-A6C34878D82A}">
+                    <a16:rowId xmlns:a16="http://schemas.microsoft.com/office/drawing/2014/main" val="58257006"/>
+                  </a:ext>
+                </a:extLst>
+              </a:tr>
+              <a:tr h="0">
+                <a:tc>
+                  <a:txBody>
+                    <a:bodyPr/>
+                    <a:lstStyle/>
+                    <a:p>
+                      <a:pPr latinLnBrk="1"/>
+                      <a:r>
+                        <a:rPr lang="ko-KR" altLang="en-US" sz="1100"/>
+                        <a:t>외부주소</a:t>
+                      </a:r>
+                    </a:p>
+                  </a:txBody>
+                  <a:tcPr/>
+                </a:tc>
+                <a:tc>
+                  <a:txBody>
+                    <a:bodyPr/>
+                    <a:lstStyle/>
+                    <a:p>
+                      <a:pPr latinLnBrk="1"/>
+                      <a:r>
+                        <a:rPr lang="en-US" altLang="ko-KR" sz="1100"/>
+                        <a:t>STN01_UsingLIB_1."FWD[P]"</a:t>
+                      </a:r>
+                      <a:endParaRPr lang="ko-KR" altLang="en-US" sz="1100"/>
+                    </a:p>
+                  </a:txBody>
+                  <a:tcPr/>
+                </a:tc>
+                <a:tc>
+                  <a:txBody>
+                    <a:bodyPr/>
+                    <a:lstStyle/>
+                    <a:p>
+                      <a:pPr latinLnBrk="1"/>
+                      <a:r>
+                        <a:rPr lang="en-US" altLang="ko-KR" sz="1100"/>
+                        <a:t>bool</a:t>
+                      </a:r>
+                      <a:endParaRPr lang="ko-KR" altLang="en-US" sz="1100"/>
+                    </a:p>
+                  </a:txBody>
+                  <a:tcPr/>
+                </a:tc>
+                <a:tc>
+                  <a:txBody>
+                    <a:bodyPr/>
+                    <a:lstStyle/>
+                    <a:p>
+                      <a:pPr latinLnBrk="1"/>
+                      <a:r>
+                        <a:rPr lang="en-US" altLang="ko-KR" sz="1100"/>
+                        <a:t>I625.12</a:t>
+                      </a:r>
+                      <a:endParaRPr lang="ko-KR" altLang="en-US" sz="1100"/>
+                    </a:p>
+                  </a:txBody>
+                  <a:tcPr/>
+                </a:tc>
+                <a:tc>
+                  <a:txBody>
+                    <a:bodyPr/>
+                    <a:lstStyle/>
+                    <a:p>
+                      <a:pPr latinLnBrk="1"/>
+                      <a:r>
+                        <a:rPr lang="en-US" altLang="ko-KR" sz="1100"/>
+                        <a:t>O625.12</a:t>
+                      </a:r>
+                      <a:endParaRPr lang="ko-KR" altLang="en-US" sz="1100"/>
+                    </a:p>
+                  </a:txBody>
+                  <a:tcPr/>
+                </a:tc>
+                <a:tc>
+                  <a:txBody>
+                    <a:bodyPr/>
+                    <a:lstStyle/>
+                    <a:p>
+                      <a:pPr latinLnBrk="1"/>
+                      <a:r>
+                        <a:rPr lang="en-US" altLang="ko-KR" sz="1100"/>
+                        <a:t>STN01_UsingLIB_1_FWD[P]</a:t>
+                      </a:r>
+                      <a:endParaRPr lang="ko-KR" altLang="en-US" sz="1100"/>
+                    </a:p>
+                  </a:txBody>
+                  <a:tcPr/>
+                </a:tc>
+                <a:tc>
+                  <a:txBody>
+                    <a:bodyPr/>
+                    <a:lstStyle/>
+                    <a:p>
+                      <a:pPr latinLnBrk="1"/>
+                      <a:endParaRPr lang="ko-KR" altLang="en-US" sz="1100"/>
+                    </a:p>
+                  </a:txBody>
+                  <a:tcPr/>
+                </a:tc>
+                <a:extLst>
+                  <a:ext uri="{0D108BD9-81ED-4DB2-BD59-A6C34878D82A}">
+                    <a16:rowId xmlns:a16="http://schemas.microsoft.com/office/drawing/2014/main" val="3022948316"/>
+                  </a:ext>
+                </a:extLst>
+              </a:tr>
+              <a:tr h="0">
+                <a:tc>
+                  <a:txBody>
+                    <a:bodyPr/>
+                    <a:lstStyle/>
+                    <a:p>
+                      <a:pPr latinLnBrk="1"/>
+                      <a:r>
+                        <a:rPr lang="ko-KR" altLang="en-US" sz="1100"/>
+                        <a:t>외부주소</a:t>
+                      </a:r>
+                    </a:p>
+                  </a:txBody>
+                  <a:tcPr/>
+                </a:tc>
+                <a:tc>
+                  <a:txBody>
+                    <a:bodyPr/>
+                    <a:lstStyle/>
+                    <a:p>
+                      <a:pPr latinLnBrk="1"/>
+                      <a:r>
+                        <a:rPr lang="en-US" altLang="ko-KR" sz="1100"/>
+                        <a:t>STN01_UsingLIB_2."+"</a:t>
+                      </a:r>
+                      <a:endParaRPr lang="ko-KR" altLang="en-US" sz="1100"/>
+                    </a:p>
+                  </a:txBody>
+                  <a:tcPr/>
+                </a:tc>
+                <a:tc>
+                  <a:txBody>
+                    <a:bodyPr/>
+                    <a:lstStyle/>
+                    <a:p>
+                      <a:pPr latinLnBrk="1"/>
+                      <a:r>
+                        <a:rPr lang="en-US" altLang="ko-KR" sz="1100"/>
+                        <a:t>bool</a:t>
+                      </a:r>
+                      <a:endParaRPr lang="ko-KR" altLang="en-US" sz="1100"/>
+                    </a:p>
+                  </a:txBody>
+                  <a:tcPr/>
+                </a:tc>
+                <a:tc>
+                  <a:txBody>
+                    <a:bodyPr/>
+                    <a:lstStyle/>
+                    <a:p>
+                      <a:pPr latinLnBrk="1"/>
+                      <a:r>
+                        <a:rPr lang="en-US" altLang="ko-KR" sz="1100"/>
+                        <a:t>I625.13</a:t>
+                      </a:r>
+                      <a:endParaRPr lang="ko-KR" altLang="en-US" sz="1100"/>
+                    </a:p>
+                  </a:txBody>
+                  <a:tcPr/>
+                </a:tc>
+                <a:tc>
+                  <a:txBody>
+                    <a:bodyPr/>
+                    <a:lstStyle/>
+                    <a:p>
+                      <a:pPr latinLnBrk="1"/>
+                      <a:r>
+                        <a:rPr lang="en-US" altLang="ko-KR" sz="1100"/>
+                        <a:t>O625.13</a:t>
+                      </a:r>
+                      <a:endParaRPr lang="ko-KR" altLang="en-US" sz="1100"/>
+                    </a:p>
+                  </a:txBody>
+                  <a:tcPr/>
+                </a:tc>
+                <a:tc>
+                  <a:txBody>
+                    <a:bodyPr/>
+                    <a:lstStyle/>
+                    <a:p>
+                      <a:pPr latinLnBrk="1"/>
+                      <a:r>
+                        <a:rPr lang="en-US" altLang="ko-KR" sz="1100"/>
+                        <a:t>STN01_UsingLIB_2_+</a:t>
+                      </a:r>
+                      <a:endParaRPr lang="ko-KR" altLang="en-US" sz="1100"/>
+                    </a:p>
+                  </a:txBody>
+                  <a:tcPr/>
+                </a:tc>
+                <a:tc>
+                  <a:txBody>
+                    <a:bodyPr/>
+                    <a:lstStyle/>
+                    <a:p>
+                      <a:pPr latinLnBrk="1"/>
+                      <a:endParaRPr lang="ko-KR" altLang="en-US" sz="1100"/>
+                    </a:p>
+                  </a:txBody>
+                  <a:tcPr/>
+                </a:tc>
+                <a:extLst>
+                  <a:ext uri="{0D108BD9-81ED-4DB2-BD59-A6C34878D82A}">
+                    <a16:rowId xmlns:a16="http://schemas.microsoft.com/office/drawing/2014/main" val="1579520016"/>
+                  </a:ext>
+                </a:extLst>
+              </a:tr>
+              <a:tr h="0">
+                <a:tc>
+                  <a:txBody>
+                    <a:bodyPr/>
+                    <a:lstStyle/>
+                    <a:p>
+                      <a:pPr latinLnBrk="1"/>
+                      <a:r>
+                        <a:rPr lang="ko-KR" altLang="en-US" sz="1100"/>
+                        <a:t>외부주소</a:t>
+                      </a:r>
+                    </a:p>
+                  </a:txBody>
+                  <a:tcPr/>
+                </a:tc>
+                <a:tc>
+                  <a:txBody>
+                    <a:bodyPr/>
+                    <a:lstStyle/>
+                    <a:p>
+                      <a:pPr latinLnBrk="1"/>
+                      <a:r>
+                        <a:rPr lang="en-US" altLang="ko-KR" sz="1100"/>
+                        <a:t>STN01_UsingLIB_2."-"</a:t>
+                      </a:r>
+                      <a:endParaRPr lang="ko-KR" altLang="en-US" sz="1100"/>
+                    </a:p>
+                  </a:txBody>
+                  <a:tcPr/>
+                </a:tc>
+                <a:tc>
+                  <a:txBody>
+                    <a:bodyPr/>
+                    <a:lstStyle/>
+                    <a:p>
+                      <a:pPr latinLnBrk="1"/>
+                      <a:r>
+                        <a:rPr lang="en-US" altLang="ko-KR" sz="1100"/>
+                        <a:t>bool</a:t>
+                      </a:r>
+                      <a:endParaRPr lang="ko-KR" altLang="en-US" sz="1100"/>
+                    </a:p>
+                  </a:txBody>
+                  <a:tcPr/>
+                </a:tc>
+                <a:tc>
+                  <a:txBody>
+                    <a:bodyPr/>
+                    <a:lstStyle/>
+                    <a:p>
+                      <a:pPr latinLnBrk="1"/>
+                      <a:r>
+                        <a:rPr lang="en-US" altLang="ko-KR" sz="1100"/>
+                        <a:t>I625.14</a:t>
+                      </a:r>
+                      <a:endParaRPr lang="ko-KR" altLang="en-US" sz="1100"/>
+                    </a:p>
+                  </a:txBody>
+                  <a:tcPr/>
+                </a:tc>
+                <a:tc>
+                  <a:txBody>
+                    <a:bodyPr/>
+                    <a:lstStyle/>
+                    <a:p>
+                      <a:pPr latinLnBrk="1"/>
+                      <a:r>
+                        <a:rPr lang="en-US" altLang="ko-KR" sz="1100"/>
+                        <a:t>O625.14</a:t>
+                      </a:r>
+                      <a:endParaRPr lang="ko-KR" altLang="en-US" sz="1100"/>
+                    </a:p>
+                  </a:txBody>
+                  <a:tcPr/>
+                </a:tc>
+                <a:tc>
+                  <a:txBody>
+                    <a:bodyPr/>
+                    <a:lstStyle/>
+                    <a:p>
+                      <a:pPr latinLnBrk="1"/>
+                      <a:r>
+                        <a:rPr lang="en-US" altLang="ko-KR" sz="1100"/>
+                        <a:t>STN01_UsingLIB_2_-</a:t>
+                      </a:r>
+                      <a:endParaRPr lang="ko-KR" altLang="en-US" sz="1100"/>
+                    </a:p>
+                  </a:txBody>
+                  <a:tcPr/>
+                </a:tc>
+                <a:tc>
+                  <a:txBody>
+                    <a:bodyPr/>
+                    <a:lstStyle/>
+                    <a:p>
+                      <a:pPr latinLnBrk="1"/>
+                      <a:endParaRPr lang="ko-KR" altLang="en-US" sz="1100"/>
+                    </a:p>
+                  </a:txBody>
+                  <a:tcPr/>
+                </a:tc>
+                <a:extLst>
+                  <a:ext uri="{0D108BD9-81ED-4DB2-BD59-A6C34878D82A}">
+                    <a16:rowId xmlns:a16="http://schemas.microsoft.com/office/drawing/2014/main" val="2992647607"/>
+                  </a:ext>
+                </a:extLst>
+              </a:tr>
+              <a:tr h="0">
+                <a:tc>
+                  <a:txBody>
+                    <a:bodyPr/>
+                    <a:lstStyle/>
+                    <a:p>
+                      <a:pPr latinLnBrk="1"/>
+                      <a:r>
+                        <a:rPr lang="ko-KR" altLang="en-US" sz="1100"/>
+                        <a:t>외부주소</a:t>
+                      </a:r>
+                    </a:p>
+                  </a:txBody>
+                  <a:tcPr/>
+                </a:tc>
+                <a:tc>
+                  <a:txBody>
+                    <a:bodyPr/>
+                    <a:lstStyle/>
+                    <a:p>
+                      <a:pPr latinLnBrk="1"/>
+                      <a:r>
+                        <a:rPr lang="en-US" altLang="ko-KR" sz="1100"/>
+                        <a:t>STN02_Pin."+"</a:t>
+                      </a:r>
+                      <a:endParaRPr lang="ko-KR" altLang="en-US" sz="1100"/>
+                    </a:p>
+                  </a:txBody>
+                  <a:tcPr/>
+                </a:tc>
+                <a:tc>
+                  <a:txBody>
+                    <a:bodyPr/>
+                    <a:lstStyle/>
+                    <a:p>
+                      <a:pPr latinLnBrk="1"/>
+                      <a:r>
+                        <a:rPr lang="en-US" altLang="ko-KR" sz="1100"/>
+                        <a:t>bool</a:t>
+                      </a:r>
+                      <a:endParaRPr lang="ko-KR" altLang="en-US" sz="1100"/>
+                    </a:p>
+                  </a:txBody>
+                  <a:tcPr/>
+                </a:tc>
+                <a:tc>
+                  <a:txBody>
+                    <a:bodyPr/>
+                    <a:lstStyle/>
+                    <a:p>
+                      <a:pPr latinLnBrk="1"/>
+                      <a:r>
+                        <a:rPr lang="en-US" altLang="ko-KR" sz="1100"/>
+                        <a:t>I625.15</a:t>
+                      </a:r>
+                      <a:endParaRPr lang="ko-KR" altLang="en-US" sz="1100"/>
+                    </a:p>
+                  </a:txBody>
+                  <a:tcPr/>
+                </a:tc>
+                <a:tc>
+                  <a:txBody>
+                    <a:bodyPr/>
+                    <a:lstStyle/>
+                    <a:p>
+                      <a:pPr latinLnBrk="1"/>
+                      <a:r>
+                        <a:rPr lang="en-US" altLang="ko-KR" sz="1100"/>
+                        <a:t>O625.15</a:t>
+                      </a:r>
+                      <a:endParaRPr lang="ko-KR" altLang="en-US" sz="1100"/>
+                    </a:p>
+                  </a:txBody>
+                  <a:tcPr/>
+                </a:tc>
+                <a:tc>
+                  <a:txBody>
+                    <a:bodyPr/>
+                    <a:lstStyle/>
+                    <a:p>
+                      <a:pPr latinLnBrk="1"/>
+                      <a:r>
+                        <a:rPr lang="en-US" altLang="ko-KR" sz="1100"/>
+                        <a:t>STN02_Pin_+</a:t>
+                      </a:r>
+                      <a:endParaRPr lang="ko-KR" altLang="en-US" sz="1100"/>
+                    </a:p>
+                  </a:txBody>
+                  <a:tcPr/>
+                </a:tc>
+                <a:tc>
+                  <a:txBody>
+                    <a:bodyPr/>
+                    <a:lstStyle/>
+                    <a:p>
+                      <a:pPr latinLnBrk="1"/>
+                      <a:endParaRPr lang="ko-KR" altLang="en-US" sz="1100"/>
+                    </a:p>
+                  </a:txBody>
+                  <a:tcPr/>
+                </a:tc>
+                <a:extLst>
+                  <a:ext uri="{0D108BD9-81ED-4DB2-BD59-A6C34878D82A}">
+                    <a16:rowId xmlns:a16="http://schemas.microsoft.com/office/drawing/2014/main" val="2054088725"/>
+                  </a:ext>
+                </a:extLst>
+              </a:tr>
+              <a:tr h="0">
+                <a:tc>
+                  <a:txBody>
+                    <a:bodyPr/>
+                    <a:lstStyle/>
+                    <a:p>
+                      <a:pPr latinLnBrk="1"/>
+                      <a:r>
+                        <a:rPr lang="ko-KR" altLang="en-US" sz="1100"/>
+                        <a:t>외부주소</a:t>
+                      </a:r>
+                    </a:p>
+                  </a:txBody>
+                  <a:tcPr/>
+                </a:tc>
+                <a:tc>
+                  <a:txBody>
+                    <a:bodyPr/>
+                    <a:lstStyle/>
+                    <a:p>
+                      <a:pPr latinLnBrk="1"/>
+                      <a:r>
+                        <a:rPr lang="en-US" altLang="ko-KR" sz="1100"/>
+                        <a:t>STN02_Pin."-"</a:t>
+                      </a:r>
+                      <a:endParaRPr lang="ko-KR" altLang="en-US" sz="1100"/>
+                    </a:p>
+                  </a:txBody>
+                  <a:tcPr/>
+                </a:tc>
+                <a:tc>
+                  <a:txBody>
+                    <a:bodyPr/>
+                    <a:lstStyle/>
+                    <a:p>
+                      <a:pPr latinLnBrk="1"/>
+                      <a:r>
+                        <a:rPr lang="en-US" altLang="ko-KR" sz="1100"/>
+                        <a:t>bool</a:t>
+                      </a:r>
+                      <a:endParaRPr lang="ko-KR" altLang="en-US" sz="1100"/>
+                    </a:p>
+                  </a:txBody>
+                  <a:tcPr/>
+                </a:tc>
+                <a:tc>
+                  <a:txBody>
+                    <a:bodyPr/>
+                    <a:lstStyle/>
+                    <a:p>
+                      <a:pPr latinLnBrk="1"/>
+                      <a:r>
+                        <a:rPr lang="en-US" altLang="ko-KR" sz="1100"/>
+                        <a:t>I626.0</a:t>
+                      </a:r>
+                      <a:endParaRPr lang="ko-KR" altLang="en-US" sz="1100"/>
+                    </a:p>
+                  </a:txBody>
+                  <a:tcPr/>
+                </a:tc>
+                <a:tc>
+                  <a:txBody>
+                    <a:bodyPr/>
+                    <a:lstStyle/>
+                    <a:p>
+                      <a:pPr latinLnBrk="1"/>
+                      <a:r>
+                        <a:rPr lang="en-US" altLang="ko-KR" sz="1100"/>
+                        <a:t>O626.0</a:t>
+                      </a:r>
+                      <a:endParaRPr lang="ko-KR" altLang="en-US" sz="1100"/>
+                    </a:p>
+                  </a:txBody>
+                  <a:tcPr/>
+                </a:tc>
+                <a:tc>
+                  <a:txBody>
+                    <a:bodyPr/>
+                    <a:lstStyle/>
+                    <a:p>
+                      <a:pPr latinLnBrk="1"/>
+                      <a:r>
+                        <a:rPr lang="en-US" altLang="ko-KR" sz="1100"/>
+                        <a:t>STN02_Pin_-</a:t>
+                      </a:r>
+                      <a:endParaRPr lang="ko-KR" altLang="en-US" sz="1100"/>
+                    </a:p>
+                  </a:txBody>
+                  <a:tcPr/>
+                </a:tc>
+                <a:tc>
+                  <a:txBody>
+                    <a:bodyPr/>
+                    <a:lstStyle/>
+                    <a:p>
+                      <a:pPr latinLnBrk="1"/>
+                      <a:endParaRPr lang="ko-KR" altLang="en-US" sz="1100"/>
+                    </a:p>
+                  </a:txBody>
+                  <a:tcPr/>
+                </a:tc>
+                <a:extLst>
+                  <a:ext uri="{0D108BD9-81ED-4DB2-BD59-A6C34878D82A}">
+                    <a16:rowId xmlns:a16="http://schemas.microsoft.com/office/drawing/2014/main" val="783359852"/>
+                  </a:ext>
+                </a:extLst>
+              </a:tr>
+              <a:tr h="0">
+                <a:tc>
+                  <a:txBody>
+                    <a:bodyPr/>
+                    <a:lstStyle/>
+                    <a:p>
+                      <a:pPr latinLnBrk="1"/>
+                      <a:r>
+                        <a:rPr lang="ko-KR" altLang="en-US" sz="1100"/>
+                        <a:t>외부주소</a:t>
+                      </a:r>
+                    </a:p>
+                  </a:txBody>
+                  <a:tcPr/>
+                </a:tc>
+                <a:tc>
+                  <a:txBody>
+                    <a:bodyPr/>
+                    <a:lstStyle/>
+                    <a:p>
+                      <a:pPr latinLnBrk="1"/>
+                      <a:r>
+                        <a:rPr lang="en-US" altLang="ko-KR" sz="1100"/>
+                        <a:t>STN03_Pin."+"</a:t>
+                      </a:r>
+                      <a:endParaRPr lang="ko-KR" altLang="en-US" sz="1100"/>
+                    </a:p>
+                  </a:txBody>
+                  <a:tcPr/>
+                </a:tc>
+                <a:tc>
+                  <a:txBody>
+                    <a:bodyPr/>
+                    <a:lstStyle/>
+                    <a:p>
+                      <a:pPr latinLnBrk="1"/>
+                      <a:r>
+                        <a:rPr lang="en-US" altLang="ko-KR" sz="1100"/>
+                        <a:t>bool</a:t>
+                      </a:r>
+                      <a:endParaRPr lang="ko-KR" altLang="en-US" sz="1100"/>
+                    </a:p>
+                  </a:txBody>
+                  <a:tcPr/>
+                </a:tc>
+                <a:tc>
+                  <a:txBody>
+                    <a:bodyPr/>
+                    <a:lstStyle/>
+                    <a:p>
+                      <a:pPr latinLnBrk="1"/>
+                      <a:r>
+                        <a:rPr lang="en-US" altLang="ko-KR" sz="1100"/>
+                        <a:t>I626.1</a:t>
+                      </a:r>
+                      <a:endParaRPr lang="ko-KR" altLang="en-US" sz="1100"/>
+                    </a:p>
+                  </a:txBody>
+                  <a:tcPr/>
+                </a:tc>
+                <a:tc>
+                  <a:txBody>
+                    <a:bodyPr/>
+                    <a:lstStyle/>
+                    <a:p>
+                      <a:pPr latinLnBrk="1"/>
+                      <a:r>
+                        <a:rPr lang="en-US" altLang="ko-KR" sz="1100"/>
+                        <a:t>O626.1</a:t>
+                      </a:r>
+                      <a:endParaRPr lang="ko-KR" altLang="en-US" sz="1100"/>
+                    </a:p>
+                  </a:txBody>
+                  <a:tcPr/>
+                </a:tc>
+                <a:tc>
+                  <a:txBody>
+                    <a:bodyPr/>
+                    <a:lstStyle/>
+                    <a:p>
+                      <a:pPr latinLnBrk="1"/>
+                      <a:r>
+                        <a:rPr lang="en-US" altLang="ko-KR" sz="1100"/>
+                        <a:t>STN03_Pin_+</a:t>
+                      </a:r>
+                      <a:endParaRPr lang="ko-KR" altLang="en-US" sz="1100"/>
+                    </a:p>
+                  </a:txBody>
+                  <a:tcPr/>
+                </a:tc>
+                <a:tc>
+                  <a:txBody>
+                    <a:bodyPr/>
+                    <a:lstStyle/>
+                    <a:p>
+                      <a:pPr latinLnBrk="1"/>
+                      <a:endParaRPr lang="ko-KR" altLang="en-US" sz="1100"/>
+                    </a:p>
+                  </a:txBody>
+                  <a:tcPr/>
+                </a:tc>
+                <a:extLst>
+                  <a:ext uri="{0D108BD9-81ED-4DB2-BD59-A6C34878D82A}">
+                    <a16:rowId xmlns:a16="http://schemas.microsoft.com/office/drawing/2014/main" val="1102675528"/>
+                  </a:ext>
+                </a:extLst>
+              </a:tr>
+              <a:tr h="0">
+                <a:tc>
+                  <a:txBody>
+                    <a:bodyPr/>
+                    <a:lstStyle/>
+                    <a:p>
+                      <a:pPr latinLnBrk="1"/>
+                      <a:r>
+                        <a:rPr lang="ko-KR" altLang="en-US" sz="1100"/>
+                        <a:t>외부주소</a:t>
+                      </a:r>
+                    </a:p>
+                  </a:txBody>
+                  <a:tcPr/>
+                </a:tc>
+                <a:tc>
+                  <a:txBody>
+                    <a:bodyPr/>
+                    <a:lstStyle/>
+                    <a:p>
+                      <a:pPr latinLnBrk="1"/>
+                      <a:r>
+                        <a:rPr lang="en-US" altLang="ko-KR" sz="1100"/>
+                        <a:t>STN03_Pin."-"</a:t>
+                      </a:r>
+                      <a:endParaRPr lang="ko-KR" altLang="en-US" sz="1100"/>
+                    </a:p>
+                  </a:txBody>
+                  <a:tcPr/>
+                </a:tc>
+                <a:tc>
+                  <a:txBody>
+                    <a:bodyPr/>
+                    <a:lstStyle/>
+                    <a:p>
+                      <a:pPr latinLnBrk="1"/>
+                      <a:r>
+                        <a:rPr lang="en-US" altLang="ko-KR" sz="1100"/>
+                        <a:t>bool</a:t>
+                      </a:r>
+                      <a:endParaRPr lang="ko-KR" altLang="en-US" sz="1100"/>
+                    </a:p>
+                  </a:txBody>
+                  <a:tcPr/>
+                </a:tc>
+                <a:tc>
+                  <a:txBody>
+                    <a:bodyPr/>
+                    <a:lstStyle/>
+                    <a:p>
+                      <a:pPr latinLnBrk="1"/>
+                      <a:r>
+                        <a:rPr lang="en-US" altLang="ko-KR" sz="1100"/>
+                        <a:t>I626.2</a:t>
+                      </a:r>
+                      <a:endParaRPr lang="ko-KR" altLang="en-US" sz="1100"/>
+                    </a:p>
+                  </a:txBody>
+                  <a:tcPr/>
+                </a:tc>
+                <a:tc>
+                  <a:txBody>
+                    <a:bodyPr/>
+                    <a:lstStyle/>
+                    <a:p>
+                      <a:pPr latinLnBrk="1"/>
+                      <a:r>
+                        <a:rPr lang="en-US" altLang="ko-KR" sz="1100"/>
+                        <a:t>O626.2</a:t>
+                      </a:r>
+                      <a:endParaRPr lang="ko-KR" altLang="en-US" sz="1100"/>
+                    </a:p>
+                  </a:txBody>
+                  <a:tcPr/>
+                </a:tc>
+                <a:tc>
+                  <a:txBody>
+                    <a:bodyPr/>
+                    <a:lstStyle/>
+                    <a:p>
+                      <a:pPr latinLnBrk="1"/>
+                      <a:r>
+                        <a:rPr lang="en-US" altLang="ko-KR" sz="1100"/>
+                        <a:t>STN03_Pin_-</a:t>
+                      </a:r>
+                      <a:endParaRPr lang="ko-KR" altLang="en-US" sz="1100"/>
+                    </a:p>
+                  </a:txBody>
+                  <a:tcPr/>
+                </a:tc>
+                <a:tc>
+                  <a:txBody>
+                    <a:bodyPr/>
+                    <a:lstStyle/>
+                    <a:p>
+                      <a:pPr latinLnBrk="1"/>
+                      <a:endParaRPr lang="ko-KR" altLang="en-US" sz="1100"/>
+                    </a:p>
+                  </a:txBody>
+                  <a:tcPr/>
+                </a:tc>
+                <a:extLst>
+                  <a:ext uri="{0D108BD9-81ED-4DB2-BD59-A6C34878D82A}">
+                    <a16:rowId xmlns:a16="http://schemas.microsoft.com/office/drawing/2014/main" val="3130169193"/>
+                  </a:ext>
+                </a:extLst>
+              </a:tr>
+              <a:tr h="0">
+                <a:tc>
+                  <a:txBody>
+                    <a:bodyPr/>
+                    <a:lstStyle/>
+                    <a:p>
+                      <a:pPr latinLnBrk="1"/>
+                      <a:endParaRPr lang="ko-KR" altLang="en-US" sz="1100"/>
+                    </a:p>
+                  </a:txBody>
+                  <a:tcPr/>
+                </a:tc>
+                <a:tc>
+                  <a:txBody>
+                    <a:bodyPr/>
+                    <a:lstStyle/>
+                    <a:p>
+                      <a:pPr latinLnBrk="1"/>
+                      <a:endParaRPr lang="ko-KR" altLang="en-US" sz="1100"/>
+                    </a:p>
+                  </a:txBody>
+                  <a:tcPr/>
+                </a:tc>
+                <a:tc>
+                  <a:txBody>
+                    <a:bodyPr/>
+                    <a:lstStyle/>
+                    <a:p>
+                      <a:pPr latinLnBrk="1"/>
+                      <a:endParaRPr lang="ko-KR" altLang="en-US" sz="1100"/>
+                    </a:p>
+                  </a:txBody>
+                  <a:tcPr/>
+                </a:tc>
+                <a:tc>
+                  <a:txBody>
+                    <a:bodyPr/>
+                    <a:lstStyle/>
+                    <a:p>
+                      <a:pPr latinLnBrk="1"/>
+                      <a:endParaRPr lang="ko-KR" altLang="en-US" sz="1100"/>
+                    </a:p>
+                  </a:txBody>
+                  <a:tcPr/>
+                </a:tc>
+                <a:tc>
+                  <a:txBody>
+                    <a:bodyPr/>
+                    <a:lstStyle/>
+                    <a:p>
+                      <a:pPr latinLnBrk="1"/>
+                      <a:endParaRPr lang="ko-KR" altLang="en-US" sz="1100"/>
+                    </a:p>
+                  </a:txBody>
+                  <a:tcPr/>
+                </a:tc>
+                <a:tc>
+                  <a:txBody>
+                    <a:bodyPr/>
+                    <a:lstStyle/>
+                    <a:p>
+                      <a:pPr latinLnBrk="1"/>
+                      <a:endParaRPr lang="ko-KR" altLang="en-US" sz="1100"/>
+                    </a:p>
+                  </a:txBody>
+                  <a:tcPr/>
+                </a:tc>
+                <a:tc>
+                  <a:txBody>
+                    <a:bodyPr/>
+                    <a:lstStyle/>
+                    <a:p>
+                      <a:pPr latinLnBrk="1"/>
+                      <a:endParaRPr lang="ko-KR" altLang="en-US" sz="1100"/>
+                    </a:p>
+                  </a:txBody>
+                  <a:tcPr/>
+                </a:tc>
+                <a:extLst>
+                  <a:ext uri="{0D108BD9-81ED-4DB2-BD59-A6C34878D82A}">
+                    <a16:rowId xmlns:a16="http://schemas.microsoft.com/office/drawing/2014/main" val="3965509972"/>
+                  </a:ext>
+                </a:extLst>
+              </a:tr>
+              <a:tr h="0">
+                <a:tc>
+                  <a:txBody>
+                    <a:bodyPr/>
+                    <a:lstStyle/>
+                    <a:p>
+                      <a:pPr latinLnBrk="1"/>
+                      <a:endParaRPr lang="ko-KR" altLang="en-US" sz="1100"/>
+                    </a:p>
+                  </a:txBody>
+                  <a:tcPr/>
+                </a:tc>
+                <a:tc>
+                  <a:txBody>
+                    <a:bodyPr/>
+                    <a:lstStyle/>
+                    <a:p>
+                      <a:pPr latinLnBrk="1"/>
+                      <a:endParaRPr lang="ko-KR" altLang="en-US" sz="1100"/>
+                    </a:p>
+                  </a:txBody>
+                  <a:tcPr/>
+                </a:tc>
+                <a:tc>
+                  <a:txBody>
+                    <a:bodyPr/>
+                    <a:lstStyle/>
+                    <a:p>
+                      <a:pPr latinLnBrk="1"/>
+                      <a:endParaRPr lang="ko-KR" altLang="en-US" sz="1100"/>
+                    </a:p>
+                  </a:txBody>
+                  <a:tcPr/>
+                </a:tc>
+                <a:tc>
+                  <a:txBody>
+                    <a:bodyPr/>
+                    <a:lstStyle/>
+                    <a:p>
+                      <a:pPr latinLnBrk="1"/>
+                      <a:endParaRPr lang="ko-KR" altLang="en-US" sz="1100"/>
+                    </a:p>
+                  </a:txBody>
+                  <a:tcPr/>
+                </a:tc>
+                <a:tc>
+                  <a:txBody>
+                    <a:bodyPr/>
+                    <a:lstStyle/>
+                    <a:p>
+                      <a:pPr latinLnBrk="1"/>
+                      <a:endParaRPr lang="ko-KR" altLang="en-US" sz="1100"/>
+                    </a:p>
+                  </a:txBody>
+                  <a:tcPr/>
+                </a:tc>
+                <a:tc>
+                  <a:txBody>
+                    <a:bodyPr/>
+                    <a:lstStyle/>
+                    <a:p>
+                      <a:pPr latinLnBrk="1"/>
+                      <a:endParaRPr lang="ko-KR" altLang="en-US" sz="1100"/>
+                    </a:p>
+                  </a:txBody>
+                  <a:tcPr/>
+                </a:tc>
+                <a:tc>
+                  <a:txBody>
+                    <a:bodyPr/>
+                    <a:lstStyle/>
+                    <a:p>
+                      <a:pPr latinLnBrk="1"/>
+                      <a:endParaRPr lang="ko-KR" altLang="en-US" sz="1100"/>
+                    </a:p>
+                  </a:txBody>
+                  <a:tcPr/>
+                </a:tc>
+                <a:extLst>
+                  <a:ext uri="{0D108BD9-81ED-4DB2-BD59-A6C34878D82A}">
+                    <a16:rowId xmlns:a16="http://schemas.microsoft.com/office/drawing/2014/main" val="416719521"/>
+                  </a:ext>
+                </a:extLst>
+              </a:tr>
+              <a:tr h="0">
+                <a:tc>
+                  <a:txBody>
+                    <a:bodyPr/>
+                    <a:lstStyle/>
+                    <a:p>
+                      <a:pPr latinLnBrk="1"/>
+                      <a:endParaRPr lang="ko-KR" altLang="en-US" sz="1100"/>
+                    </a:p>
+                  </a:txBody>
+                  <a:tcPr/>
+                </a:tc>
+                <a:tc>
+                  <a:txBody>
+                    <a:bodyPr/>
+                    <a:lstStyle/>
+                    <a:p>
+                      <a:pPr latinLnBrk="1"/>
+                      <a:endParaRPr lang="ko-KR" altLang="en-US" sz="1100"/>
+                    </a:p>
+                  </a:txBody>
+                  <a:tcPr/>
+                </a:tc>
+                <a:tc>
+                  <a:txBody>
+                    <a:bodyPr/>
+                    <a:lstStyle/>
+                    <a:p>
+                      <a:pPr latinLnBrk="1"/>
+                      <a:endParaRPr lang="ko-KR" altLang="en-US" sz="1100"/>
+                    </a:p>
+                  </a:txBody>
+                  <a:tcPr/>
+                </a:tc>
+                <a:tc>
+                  <a:txBody>
+                    <a:bodyPr/>
+                    <a:lstStyle/>
+                    <a:p>
+                      <a:pPr latinLnBrk="1"/>
+                      <a:endParaRPr lang="ko-KR" altLang="en-US" sz="1100"/>
+                    </a:p>
+                  </a:txBody>
+                  <a:tcPr/>
+                </a:tc>
+                <a:tc>
+                  <a:txBody>
+                    <a:bodyPr/>
+                    <a:lstStyle/>
+                    <a:p>
+                      <a:pPr latinLnBrk="1"/>
+                      <a:endParaRPr lang="ko-KR" altLang="en-US" sz="1100"/>
+                    </a:p>
+                  </a:txBody>
+                  <a:tcPr/>
+                </a:tc>
+                <a:tc>
+                  <a:txBody>
+                    <a:bodyPr/>
+                    <a:lstStyle/>
+                    <a:p>
+                      <a:pPr latinLnBrk="1"/>
+                      <a:endParaRPr lang="ko-KR" altLang="en-US" sz="1100"/>
+                    </a:p>
+                  </a:txBody>
+                  <a:tcPr/>
+                </a:tc>
+                <a:tc>
+                  <a:txBody>
+                    <a:bodyPr/>
+                    <a:lstStyle/>
+                    <a:p>
+                      <a:pPr latinLnBrk="1"/>
+                      <a:endParaRPr lang="ko-KR" altLang="en-US" sz="1100"/>
+                    </a:p>
+                  </a:txBody>
+                  <a:tcPr/>
+                </a:tc>
+                <a:extLst>
+                  <a:ext uri="{0D108BD9-81ED-4DB2-BD59-A6C34878D82A}">
+                    <a16:rowId xmlns:a16="http://schemas.microsoft.com/office/drawing/2014/main" val="16820631"/>
+                  </a:ext>
+                </a:extLst>
+              </a:tr>
+              <a:tr h="0">
+                <a:tc>
+                  <a:txBody>
+                    <a:bodyPr/>
+                    <a:lstStyle/>
+                    <a:p>
+                      <a:pPr latinLnBrk="1"/>
+                      <a:endParaRPr lang="ko-KR" altLang="en-US" sz="1100"/>
+                    </a:p>
+                  </a:txBody>
+                  <a:tcPr/>
+                </a:tc>
+                <a:tc>
+                  <a:txBody>
+                    <a:bodyPr/>
+                    <a:lstStyle/>
+                    <a:p>
+                      <a:pPr latinLnBrk="1"/>
+                      <a:endParaRPr lang="ko-KR" altLang="en-US" sz="1100"/>
+                    </a:p>
+                  </a:txBody>
+                  <a:tcPr/>
+                </a:tc>
+                <a:tc>
+                  <a:txBody>
+                    <a:bodyPr/>
+                    <a:lstStyle/>
+                    <a:p>
+                      <a:pPr latinLnBrk="1"/>
+                      <a:endParaRPr lang="ko-KR" altLang="en-US" sz="1100"/>
+                    </a:p>
+                  </a:txBody>
+                  <a:tcPr/>
+                </a:tc>
+                <a:tc>
+                  <a:txBody>
+                    <a:bodyPr/>
+                    <a:lstStyle/>
+                    <a:p>
+                      <a:pPr latinLnBrk="1"/>
+                      <a:endParaRPr lang="ko-KR" altLang="en-US" sz="1100"/>
+                    </a:p>
+                  </a:txBody>
+                  <a:tcPr/>
+                </a:tc>
+                <a:tc>
+                  <a:txBody>
+                    <a:bodyPr/>
+                    <a:lstStyle/>
+                    <a:p>
+                      <a:pPr latinLnBrk="1"/>
+                      <a:endParaRPr lang="ko-KR" altLang="en-US" sz="1100"/>
+                    </a:p>
+                  </a:txBody>
+                  <a:tcPr/>
+                </a:tc>
+                <a:tc>
+                  <a:txBody>
+                    <a:bodyPr/>
+                    <a:lstStyle/>
+                    <a:p>
+                      <a:pPr latinLnBrk="1"/>
+                      <a:endParaRPr lang="ko-KR" altLang="en-US" sz="1100"/>
+                    </a:p>
+                  </a:txBody>
+                  <a:tcPr/>
+                </a:tc>
+                <a:tc>
+                  <a:txBody>
+                    <a:bodyPr/>
+                    <a:lstStyle/>
+                    <a:p>
+                      <a:pPr latinLnBrk="1"/>
+                      <a:endParaRPr lang="ko-KR" altLang="en-US" sz="1100"/>
+                    </a:p>
+                  </a:txBody>
+                  <a:tcPr/>
+                </a:tc>
+                <a:extLst>
+                  <a:ext uri="{0D108BD9-81ED-4DB2-BD59-A6C34878D82A}">
+                    <a16:rowId xmlns:a16="http://schemas.microsoft.com/office/drawing/2014/main" val="2334881841"/>
+                  </a:ext>
+                </a:extLst>
+              </a:tr>
+              <a:tr h="0">
+                <a:tc>
+                  <a:txBody>
+                    <a:bodyPr/>
+                    <a:lstStyle/>
+                    <a:p>
+                      <a:pPr latinLnBrk="1"/>
+                      <a:endParaRPr lang="ko-KR" altLang="en-US" sz="1100"/>
+                    </a:p>
+                  </a:txBody>
+                  <a:tcPr/>
+                </a:tc>
+                <a:tc>
+                  <a:txBody>
+                    <a:bodyPr/>
+                    <a:lstStyle/>
+                    <a:p>
+                      <a:pPr latinLnBrk="1"/>
+                      <a:endParaRPr lang="ko-KR" altLang="en-US" sz="1100"/>
+                    </a:p>
+                  </a:txBody>
+                  <a:tcPr/>
+                </a:tc>
+                <a:tc>
+                  <a:txBody>
+                    <a:bodyPr/>
+                    <a:lstStyle/>
+                    <a:p>
+                      <a:pPr latinLnBrk="1"/>
+                      <a:endParaRPr lang="ko-KR" altLang="en-US" sz="1100"/>
+                    </a:p>
+                  </a:txBody>
+                  <a:tcPr/>
+                </a:tc>
+                <a:tc>
+                  <a:txBody>
+                    <a:bodyPr/>
+                    <a:lstStyle/>
+                    <a:p>
+                      <a:pPr latinLnBrk="1"/>
+                      <a:endParaRPr lang="ko-KR" altLang="en-US" sz="1100"/>
+                    </a:p>
+                  </a:txBody>
+                  <a:tcPr/>
+                </a:tc>
+                <a:tc>
+                  <a:txBody>
+                    <a:bodyPr/>
+                    <a:lstStyle/>
+                    <a:p>
+                      <a:pPr latinLnBrk="1"/>
+                      <a:endParaRPr lang="ko-KR" altLang="en-US" sz="1100"/>
+                    </a:p>
+                  </a:txBody>
+                  <a:tcPr/>
+                </a:tc>
+                <a:tc>
+                  <a:txBody>
+                    <a:bodyPr/>
+                    <a:lstStyle/>
+                    <a:p>
+                      <a:pPr latinLnBrk="1"/>
+                      <a:endParaRPr lang="ko-KR" altLang="en-US" sz="1100"/>
+                    </a:p>
+                  </a:txBody>
+                  <a:tcPr/>
+                </a:tc>
+                <a:tc>
+                  <a:txBody>
+                    <a:bodyPr/>
+                    <a:lstStyle/>
+                    <a:p>
+                      <a:pPr latinLnBrk="1"/>
+                      <a:endParaRPr lang="ko-KR" altLang="en-US" sz="1100"/>
+                    </a:p>
+                  </a:txBody>
+                  <a:tcPr/>
+                </a:tc>
+                <a:extLst>
+                  <a:ext uri="{0D108BD9-81ED-4DB2-BD59-A6C34878D82A}">
+                    <a16:rowId xmlns:a16="http://schemas.microsoft.com/office/drawing/2014/main" val="1909010680"/>
+                  </a:ext>
+                </a:extLst>
+              </a:tr>
+              <a:tr h="0">
+                <a:tc>
+                  <a:txBody>
+                    <a:bodyPr/>
+                    <a:lstStyle/>
+                    <a:p>
+                      <a:pPr latinLnBrk="1"/>
+                      <a:endParaRPr lang="ko-KR" altLang="en-US" sz="1100"/>
+                    </a:p>
+                  </a:txBody>
+                  <a:tcPr/>
+                </a:tc>
+                <a:tc>
+                  <a:txBody>
+                    <a:bodyPr/>
+                    <a:lstStyle/>
+                    <a:p>
+                      <a:pPr latinLnBrk="1"/>
+                      <a:endParaRPr lang="ko-KR" altLang="en-US" sz="1100"/>
+                    </a:p>
+                  </a:txBody>
+                  <a:tcPr/>
+                </a:tc>
+                <a:tc>
+                  <a:txBody>
+                    <a:bodyPr/>
+                    <a:lstStyle/>
+                    <a:p>
+                      <a:pPr latinLnBrk="1"/>
+                      <a:endParaRPr lang="ko-KR" altLang="en-US" sz="1100"/>
+                    </a:p>
+                  </a:txBody>
+                  <a:tcPr/>
+                </a:tc>
+                <a:tc>
+                  <a:txBody>
+                    <a:bodyPr/>
+                    <a:lstStyle/>
+                    <a:p>
+                      <a:pPr latinLnBrk="1"/>
+                      <a:endParaRPr lang="ko-KR" altLang="en-US" sz="1100"/>
+                    </a:p>
+                  </a:txBody>
+                  <a:tcPr/>
+                </a:tc>
+                <a:tc>
+                  <a:txBody>
+                    <a:bodyPr/>
+                    <a:lstStyle/>
+                    <a:p>
+                      <a:pPr latinLnBrk="1"/>
+                      <a:endParaRPr lang="ko-KR" altLang="en-US" sz="1100"/>
+                    </a:p>
+                  </a:txBody>
+                  <a:tcPr/>
+                </a:tc>
+                <a:tc>
+                  <a:txBody>
+                    <a:bodyPr/>
+                    <a:lstStyle/>
+                    <a:p>
+                      <a:pPr latinLnBrk="1"/>
+                      <a:endParaRPr lang="ko-KR" altLang="en-US" sz="1100"/>
+                    </a:p>
+                  </a:txBody>
+                  <a:tcPr/>
+                </a:tc>
+                <a:tc>
+                  <a:txBody>
+                    <a:bodyPr/>
+                    <a:lstStyle/>
+                    <a:p>
+                      <a:pPr latinLnBrk="1"/>
+                      <a:endParaRPr lang="ko-KR" altLang="en-US" sz="1100"/>
+                    </a:p>
+                  </a:txBody>
+                  <a:tcPr/>
+                </a:tc>
+                <a:extLst>
+                  <a:ext uri="{0D108BD9-81ED-4DB2-BD59-A6C34878D82A}">
+                    <a16:rowId xmlns:a16="http://schemas.microsoft.com/office/drawing/2014/main" val="1153600402"/>
+                  </a:ext>
+                </a:extLst>
+              </a:tr>
+              <a:tr h="0">
+                <a:tc>
+                  <a:txBody>
+                    <a:bodyPr/>
+                    <a:lstStyle/>
+                    <a:p>
+                      <a:pPr latinLnBrk="1"/>
+                      <a:r>
+                        <a:rPr lang="ko-KR" altLang="en-US" sz="1100"/>
+                        <a:t>내부변수</a:t>
+                      </a:r>
+                    </a:p>
+                  </a:txBody>
+                  <a:tcPr/>
+                </a:tc>
+                <a:tc>
+                  <a:txBody>
+                    <a:bodyPr/>
+                    <a:lstStyle/>
+                    <a:p>
+                      <a:pPr latinLnBrk="1"/>
+                      <a:endParaRPr lang="ko-KR" altLang="en-US" sz="1100"/>
+                    </a:p>
+                  </a:txBody>
+                  <a:tcPr/>
+                </a:tc>
+                <a:tc>
+                  <a:txBody>
+                    <a:bodyPr/>
+                    <a:lstStyle/>
+                    <a:p>
+                      <a:pPr latinLnBrk="1"/>
+                      <a:endParaRPr lang="ko-KR" altLang="en-US" sz="1100"/>
+                    </a:p>
+                  </a:txBody>
+                  <a:tcPr/>
+                </a:tc>
+                <a:tc>
+                  <a:txBody>
+                    <a:bodyPr/>
+                    <a:lstStyle/>
+                    <a:p>
+                      <a:pPr latinLnBrk="1"/>
+                      <a:endParaRPr lang="ko-KR" altLang="en-US" sz="1100"/>
+                    </a:p>
+                  </a:txBody>
+                  <a:tcPr/>
+                </a:tc>
+                <a:tc>
+                  <a:txBody>
+                    <a:bodyPr/>
+                    <a:lstStyle/>
+                    <a:p>
+                      <a:pPr latinLnBrk="1"/>
+                      <a:endParaRPr lang="ko-KR" altLang="en-US" sz="1100"/>
+                    </a:p>
+                  </a:txBody>
+                  <a:tcPr/>
+                </a:tc>
+                <a:tc>
+                  <a:txBody>
+                    <a:bodyPr/>
+                    <a:lstStyle/>
+                    <a:p>
+                      <a:pPr latinLnBrk="1"/>
+                      <a:endParaRPr lang="ko-KR" altLang="en-US" sz="1100"/>
+                    </a:p>
+                  </a:txBody>
+                  <a:tcPr/>
+                </a:tc>
+                <a:tc>
+                  <a:txBody>
+                    <a:bodyPr/>
+                    <a:lstStyle/>
+                    <a:p>
+                      <a:pPr latinLnBrk="1"/>
+                      <a:endParaRPr lang="ko-KR" altLang="en-US" sz="1100"/>
+                    </a:p>
+                  </a:txBody>
+                  <a:tcPr/>
+                </a:tc>
+                <a:extLst>
+                  <a:ext uri="{0D108BD9-81ED-4DB2-BD59-A6C34878D82A}">
+                    <a16:rowId xmlns:a16="http://schemas.microsoft.com/office/drawing/2014/main" val="1394497521"/>
+                  </a:ext>
+                </a:extLst>
+              </a:tr>
+              <a:tr h="0">
+                <a:tc>
+                  <a:txBody>
+                    <a:bodyPr/>
+                    <a:lstStyle/>
+                    <a:p>
+                      <a:pPr latinLnBrk="1"/>
+                      <a:endParaRPr lang="ko-KR" altLang="en-US" sz="1100"/>
+                    </a:p>
+                  </a:txBody>
+                  <a:tcPr/>
+                </a:tc>
+                <a:tc>
+                  <a:txBody>
+                    <a:bodyPr/>
+                    <a:lstStyle/>
+                    <a:p>
+                      <a:pPr latinLnBrk="1"/>
+                      <a:endParaRPr lang="ko-KR" altLang="en-US" sz="1100"/>
+                    </a:p>
+                  </a:txBody>
+                  <a:tcPr/>
+                </a:tc>
+                <a:tc>
+                  <a:txBody>
+                    <a:bodyPr/>
+                    <a:lstStyle/>
+                    <a:p>
+                      <a:pPr latinLnBrk="1"/>
+                      <a:endParaRPr lang="ko-KR" altLang="en-US" sz="1100"/>
+                    </a:p>
+                  </a:txBody>
+                  <a:tcPr/>
+                </a:tc>
+                <a:tc>
+                  <a:txBody>
+                    <a:bodyPr/>
+                    <a:lstStyle/>
+                    <a:p>
+                      <a:pPr latinLnBrk="1"/>
+                      <a:endParaRPr lang="ko-KR" altLang="en-US" sz="1100"/>
+                    </a:p>
+                  </a:txBody>
+                  <a:tcPr/>
+                </a:tc>
+                <a:tc>
+                  <a:txBody>
+                    <a:bodyPr/>
+                    <a:lstStyle/>
+                    <a:p>
+                      <a:pPr latinLnBrk="1"/>
+                      <a:endParaRPr lang="ko-KR" altLang="en-US" sz="1100"/>
+                    </a:p>
+                  </a:txBody>
+                  <a:tcPr/>
+                </a:tc>
+                <a:tc>
+                  <a:txBody>
+                    <a:bodyPr/>
+                    <a:lstStyle/>
+                    <a:p>
+                      <a:pPr latinLnBrk="1"/>
+                      <a:endParaRPr lang="ko-KR" altLang="en-US" sz="1100"/>
+                    </a:p>
+                  </a:txBody>
+                  <a:tcPr/>
+                </a:tc>
+                <a:tc>
+                  <a:txBody>
+                    <a:bodyPr/>
+                    <a:lstStyle/>
+                    <a:p>
+                      <a:pPr latinLnBrk="1"/>
+                      <a:endParaRPr lang="ko-KR" altLang="en-US" sz="1100"/>
+                    </a:p>
+                  </a:txBody>
+                  <a:tcPr/>
+                </a:tc>
+                <a:extLst>
+                  <a:ext uri="{0D108BD9-81ED-4DB2-BD59-A6C34878D82A}">
+                    <a16:rowId xmlns:a16="http://schemas.microsoft.com/office/drawing/2014/main" val="3431537967"/>
+                  </a:ext>
+                </a:extLst>
+              </a:tr>
+            </a:tbl>
+          </a:graphicData>
+        </a:graphic>
+      </p:graphicFrame>
+    </p:spTree>
+    <p:extLst>
+      <p:ext uri="{BB962C8B-B14F-4D97-AF65-F5344CB8AC3E}">
+        <p14:creationId xmlns:p14="http://schemas.microsoft.com/office/powerpoint/2010/main" val="501297352"/>
+      </p:ext>
+    </p:extLst>
+  </p:cSld>
+  <p:clrMapOvr>
+    <a:masterClrMapping/>
+  </p:clrMapOvr>
+</p:sld>
+</file>
+
 <file path=ppt/theme/theme1.xml><?xml version="1.0" encoding="utf-8"?>
 <a:theme xmlns:a="http://schemas.openxmlformats.org/drawingml/2006/main" name="Office 테마">
   <a:themeElements>

--- a/DsDotNet/src/UnitTest/UnitTest.Model/ImportOfficeExample/exportDS/testA/testMy/my.pptx
+++ b/DsDotNet/src/UnitTest/UnitTest.Model/ImportOfficeExample/exportDS/testA/testMy/my.pptx
@@ -11,6 +11,7 @@
     <p:sldId id="263" r:id="rId5"/>
     <p:sldId id="259" r:id="rId6"/>
     <p:sldId id="261" r:id="rId7"/>
+    <p:sldId id="264" r:id="rId8"/>
   </p:sldIdLst>
   <p:sldSz cx="12192000" cy="6858000"/>
   <p:notesSz cx="6858000" cy="9144000"/>
@@ -264,7 +265,7 @@
           <a:p>
             <a:fld id="{E31A602F-9409-4B9A-9D14-798E704D8577}" type="datetimeFigureOut">
               <a:rPr lang="ko-KR" altLang="en-US" smtClean="0"/>
-              <a:t>2023-11-06</a:t>
+              <a:t>2023-11-16</a:t>
             </a:fld>
             <a:endParaRPr lang="ko-KR" altLang="en-US"/>
           </a:p>
@@ -462,7 +463,7 @@
           <a:p>
             <a:fld id="{E31A602F-9409-4B9A-9D14-798E704D8577}" type="datetimeFigureOut">
               <a:rPr lang="ko-KR" altLang="en-US" smtClean="0"/>
-              <a:t>2023-11-06</a:t>
+              <a:t>2023-11-16</a:t>
             </a:fld>
             <a:endParaRPr lang="ko-KR" altLang="en-US"/>
           </a:p>
@@ -670,7 +671,7 @@
           <a:p>
             <a:fld id="{E31A602F-9409-4B9A-9D14-798E704D8577}" type="datetimeFigureOut">
               <a:rPr lang="ko-KR" altLang="en-US" smtClean="0"/>
-              <a:t>2023-11-06</a:t>
+              <a:t>2023-11-16</a:t>
             </a:fld>
             <a:endParaRPr lang="ko-KR" altLang="en-US"/>
           </a:p>
@@ -868,7 +869,7 @@
           <a:p>
             <a:fld id="{E31A602F-9409-4B9A-9D14-798E704D8577}" type="datetimeFigureOut">
               <a:rPr lang="ko-KR" altLang="en-US" smtClean="0"/>
-              <a:t>2023-11-06</a:t>
+              <a:t>2023-11-16</a:t>
             </a:fld>
             <a:endParaRPr lang="ko-KR" altLang="en-US"/>
           </a:p>
@@ -1143,7 +1144,7 @@
           <a:p>
             <a:fld id="{E31A602F-9409-4B9A-9D14-798E704D8577}" type="datetimeFigureOut">
               <a:rPr lang="ko-KR" altLang="en-US" smtClean="0"/>
-              <a:t>2023-11-06</a:t>
+              <a:t>2023-11-16</a:t>
             </a:fld>
             <a:endParaRPr lang="ko-KR" altLang="en-US"/>
           </a:p>
@@ -1408,7 +1409,7 @@
           <a:p>
             <a:fld id="{E31A602F-9409-4B9A-9D14-798E704D8577}" type="datetimeFigureOut">
               <a:rPr lang="ko-KR" altLang="en-US" smtClean="0"/>
-              <a:t>2023-11-06</a:t>
+              <a:t>2023-11-16</a:t>
             </a:fld>
             <a:endParaRPr lang="ko-KR" altLang="en-US"/>
           </a:p>
@@ -1820,7 +1821,7 @@
           <a:p>
             <a:fld id="{E31A602F-9409-4B9A-9D14-798E704D8577}" type="datetimeFigureOut">
               <a:rPr lang="ko-KR" altLang="en-US" smtClean="0"/>
-              <a:t>2023-11-06</a:t>
+              <a:t>2023-11-16</a:t>
             </a:fld>
             <a:endParaRPr lang="ko-KR" altLang="en-US"/>
           </a:p>
@@ -1961,7 +1962,7 @@
           <a:p>
             <a:fld id="{E31A602F-9409-4B9A-9D14-798E704D8577}" type="datetimeFigureOut">
               <a:rPr lang="ko-KR" altLang="en-US" smtClean="0"/>
-              <a:t>2023-11-06</a:t>
+              <a:t>2023-11-16</a:t>
             </a:fld>
             <a:endParaRPr lang="ko-KR" altLang="en-US"/>
           </a:p>
@@ -2074,7 +2075,7 @@
           <a:p>
             <a:fld id="{E31A602F-9409-4B9A-9D14-798E704D8577}" type="datetimeFigureOut">
               <a:rPr lang="ko-KR" altLang="en-US" smtClean="0"/>
-              <a:t>2023-11-06</a:t>
+              <a:t>2023-11-16</a:t>
             </a:fld>
             <a:endParaRPr lang="ko-KR" altLang="en-US"/>
           </a:p>
@@ -2385,7 +2386,7 @@
           <a:p>
             <a:fld id="{E31A602F-9409-4B9A-9D14-798E704D8577}" type="datetimeFigureOut">
               <a:rPr lang="ko-KR" altLang="en-US" smtClean="0"/>
-              <a:t>2023-11-06</a:t>
+              <a:t>2023-11-16</a:t>
             </a:fld>
             <a:endParaRPr lang="ko-KR" altLang="en-US"/>
           </a:p>
@@ -2673,7 +2674,7 @@
           <a:p>
             <a:fld id="{E31A602F-9409-4B9A-9D14-798E704D8577}" type="datetimeFigureOut">
               <a:rPr lang="ko-KR" altLang="en-US" smtClean="0"/>
-              <a:t>2023-11-06</a:t>
+              <a:t>2023-11-16</a:t>
             </a:fld>
             <a:endParaRPr lang="ko-KR" altLang="en-US"/>
           </a:p>
@@ -2914,7 +2915,7 @@
           <a:p>
             <a:fld id="{E31A602F-9409-4B9A-9D14-798E704D8577}" type="datetimeFigureOut">
               <a:rPr lang="ko-KR" altLang="en-US" smtClean="0"/>
-              <a:t>2023-11-06</a:t>
+              <a:t>2023-11-16</a:t>
             </a:fld>
             <a:endParaRPr lang="ko-KR" altLang="en-US"/>
           </a:p>
@@ -6756,6 +6757,2878 @@
 </p:sld>
 </file>
 
+<file path=ppt/slides/slide7.xml><?xml version="1.0" encoding="utf-8"?>
+<p:sld xmlns:a="http://schemas.openxmlformats.org/drawingml/2006/main" xmlns:r="http://schemas.openxmlformats.org/officeDocument/2006/relationships" xmlns:p="http://schemas.openxmlformats.org/presentationml/2006/main">
+  <p:cSld>
+    <p:bg>
+      <p:bgPr>
+        <a:solidFill>
+          <a:srgbClr val="FFFFFF"/>
+        </a:solidFill>
+        <a:effectLst/>
+      </p:bgPr>
+    </p:bg>
+    <p:spTree>
+      <p:nvGrpSpPr>
+        <p:cNvPr id="1" name=""/>
+        <p:cNvGrpSpPr/>
+        <p:nvPr/>
+      </p:nvGrpSpPr>
+      <p:grpSpPr>
+        <a:xfrm>
+          <a:off x="0" y="0"/>
+          <a:ext cx="0" cy="0"/>
+          <a:chOff x="0" y="0"/>
+          <a:chExt cx="0" cy="0"/>
+        </a:xfrm>
+      </p:grpSpPr>
+      <p:sp>
+        <p:nvSpPr>
+          <p:cNvPr id="2" name="TextBox 1">
+            <a:extLst>
+              <a:ext uri="{FF2B5EF4-FFF2-40B4-BE49-F238E27FC236}">
+                <a16:creationId xmlns:a16="http://schemas.microsoft.com/office/drawing/2014/main" id="{137711CD-9820-019B-EC63-D5300891C371}"/>
+              </a:ext>
+            </a:extLst>
+          </p:cNvPr>
+          <p:cNvSpPr txBox="1"/>
+          <p:nvPr/>
+        </p:nvSpPr>
+        <p:spPr>
+          <a:xfrm>
+            <a:off x="254000" y="254000"/>
+            <a:ext cx="1270000" cy="381000"/>
+          </a:xfrm>
+          <a:prstGeom prst="rect">
+            <a:avLst/>
+          </a:prstGeom>
+          <a:noFill/>
+        </p:spPr>
+        <p:txBody>
+          <a:bodyPr vert="horz" rtlCol="0">
+            <a:spAutoFit/>
+          </a:bodyPr>
+          <a:lstStyle/>
+          <a:p>
+            <a:r>
+              <a:rPr lang="en-US" altLang="ko-KR"/>
+              <a:t>IO TABLE</a:t>
+            </a:r>
+            <a:endParaRPr lang="ko-KR" altLang="en-US"/>
+          </a:p>
+        </p:txBody>
+      </p:sp>
+      <p:graphicFrame>
+        <p:nvGraphicFramePr>
+          <p:cNvPr id="3" name="표 2">
+            <a:extLst>
+              <a:ext uri="{FF2B5EF4-FFF2-40B4-BE49-F238E27FC236}">
+                <a16:creationId xmlns:a16="http://schemas.microsoft.com/office/drawing/2014/main" id="{67E94EBF-9FCC-18B4-7937-22A4DC1F3CDC}"/>
+              </a:ext>
+            </a:extLst>
+          </p:cNvPr>
+          <p:cNvGraphicFramePr>
+            <a:graphicFrameLocks noGrp="1"/>
+          </p:cNvGraphicFramePr>
+          <p:nvPr>
+            <p:extLst>
+              <p:ext uri="{D42A27DB-BD31-4B8C-83A1-F6EECF244321}">
+                <p14:modId xmlns:p14="http://schemas.microsoft.com/office/powerpoint/2010/main" val="1170031276"/>
+              </p:ext>
+            </p:extLst>
+          </p:nvPr>
+        </p:nvGraphicFramePr>
+        <p:xfrm>
+          <a:off x="254000" y="635000"/>
+          <a:ext cx="11684001" cy="7162800"/>
+        </p:xfrm>
+        <a:graphic>
+          <a:graphicData uri="http://schemas.openxmlformats.org/drawingml/2006/table">
+            <a:tbl>
+              <a:tblPr firstRow="1" bandRow="1">
+                <a:tableStyleId>{5C22544A-7EE6-4342-B048-85BDC9FD1C3A}</a:tableStyleId>
+              </a:tblPr>
+              <a:tblGrid>
+                <a:gridCol w="1669143">
+                  <a:extLst>
+                    <a:ext uri="{9D8B030D-6E8A-4147-A177-3AD203B41FA5}">
+                      <a16:colId xmlns:a16="http://schemas.microsoft.com/office/drawing/2014/main" val="2201095739"/>
+                    </a:ext>
+                  </a:extLst>
+                </a:gridCol>
+                <a:gridCol w="1669143">
+                  <a:extLst>
+                    <a:ext uri="{9D8B030D-6E8A-4147-A177-3AD203B41FA5}">
+                      <a16:colId xmlns:a16="http://schemas.microsoft.com/office/drawing/2014/main" val="1523031747"/>
+                    </a:ext>
+                  </a:extLst>
+                </a:gridCol>
+                <a:gridCol w="1669143">
+                  <a:extLst>
+                    <a:ext uri="{9D8B030D-6E8A-4147-A177-3AD203B41FA5}">
+                      <a16:colId xmlns:a16="http://schemas.microsoft.com/office/drawing/2014/main" val="1119847624"/>
+                    </a:ext>
+                  </a:extLst>
+                </a:gridCol>
+                <a:gridCol w="1669143">
+                  <a:extLst>
+                    <a:ext uri="{9D8B030D-6E8A-4147-A177-3AD203B41FA5}">
+                      <a16:colId xmlns:a16="http://schemas.microsoft.com/office/drawing/2014/main" val="3660190692"/>
+                    </a:ext>
+                  </a:extLst>
+                </a:gridCol>
+                <a:gridCol w="1669143">
+                  <a:extLst>
+                    <a:ext uri="{9D8B030D-6E8A-4147-A177-3AD203B41FA5}">
+                      <a16:colId xmlns:a16="http://schemas.microsoft.com/office/drawing/2014/main" val="3287773901"/>
+                    </a:ext>
+                  </a:extLst>
+                </a:gridCol>
+                <a:gridCol w="1669143">
+                  <a:extLst>
+                    <a:ext uri="{9D8B030D-6E8A-4147-A177-3AD203B41FA5}">
+                      <a16:colId xmlns:a16="http://schemas.microsoft.com/office/drawing/2014/main" val="723327171"/>
+                    </a:ext>
+                  </a:extLst>
+                </a:gridCol>
+                <a:gridCol w="1669143">
+                  <a:extLst>
+                    <a:ext uri="{9D8B030D-6E8A-4147-A177-3AD203B41FA5}">
+                      <a16:colId xmlns:a16="http://schemas.microsoft.com/office/drawing/2014/main" val="1569729814"/>
+                    </a:ext>
+                  </a:extLst>
+                </a:gridCol>
+              </a:tblGrid>
+              <a:tr h="0">
+                <a:tc>
+                  <a:txBody>
+                    <a:bodyPr/>
+                    <a:lstStyle/>
+                    <a:p>
+                      <a:pPr latinLnBrk="1"/>
+                      <a:r>
+                        <a:rPr lang="en-US" altLang="ko-KR" sz="1100"/>
+                        <a:t>Case</a:t>
+                      </a:r>
+                      <a:endParaRPr lang="ko-KR" altLang="en-US" sz="1100"/>
+                    </a:p>
+                  </a:txBody>
+                  <a:tcPr/>
+                </a:tc>
+                <a:tc>
+                  <a:txBody>
+                    <a:bodyPr/>
+                    <a:lstStyle/>
+                    <a:p>
+                      <a:pPr latinLnBrk="1"/>
+                      <a:r>
+                        <a:rPr lang="en-US" altLang="ko-KR" sz="1100"/>
+                        <a:t>Name</a:t>
+                      </a:r>
+                      <a:endParaRPr lang="ko-KR" altLang="en-US" sz="1100"/>
+                    </a:p>
+                  </a:txBody>
+                  <a:tcPr/>
+                </a:tc>
+                <a:tc>
+                  <a:txBody>
+                    <a:bodyPr/>
+                    <a:lstStyle/>
+                    <a:p>
+                      <a:pPr latinLnBrk="1"/>
+                      <a:r>
+                        <a:rPr lang="en-US" altLang="ko-KR" sz="1100"/>
+                        <a:t>DataType</a:t>
+                      </a:r>
+                      <a:endParaRPr lang="ko-KR" altLang="en-US" sz="1100"/>
+                    </a:p>
+                  </a:txBody>
+                  <a:tcPr/>
+                </a:tc>
+                <a:tc>
+                  <a:txBody>
+                    <a:bodyPr/>
+                    <a:lstStyle/>
+                    <a:p>
+                      <a:pPr latinLnBrk="1"/>
+                      <a:r>
+                        <a:rPr lang="en-US" altLang="ko-KR" sz="1100"/>
+                        <a:t>Input</a:t>
+                      </a:r>
+                      <a:endParaRPr lang="ko-KR" altLang="en-US" sz="1100"/>
+                    </a:p>
+                  </a:txBody>
+                  <a:tcPr/>
+                </a:tc>
+                <a:tc>
+                  <a:txBody>
+                    <a:bodyPr/>
+                    <a:lstStyle/>
+                    <a:p>
+                      <a:pPr latinLnBrk="1"/>
+                      <a:r>
+                        <a:rPr lang="en-US" altLang="ko-KR" sz="1100"/>
+                        <a:t>Output</a:t>
+                      </a:r>
+                      <a:endParaRPr lang="ko-KR" altLang="en-US" sz="1100"/>
+                    </a:p>
+                  </a:txBody>
+                  <a:tcPr/>
+                </a:tc>
+                <a:tc>
+                  <a:txBody>
+                    <a:bodyPr/>
+                    <a:lstStyle/>
+                    <a:p>
+                      <a:pPr latinLnBrk="1"/>
+                      <a:r>
+                        <a:rPr lang="en-US" altLang="ko-KR" sz="1100"/>
+                        <a:t>Job</a:t>
+                      </a:r>
+                      <a:endParaRPr lang="ko-KR" altLang="en-US" sz="1100"/>
+                    </a:p>
+                  </a:txBody>
+                  <a:tcPr/>
+                </a:tc>
+                <a:tc>
+                  <a:txBody>
+                    <a:bodyPr/>
+                    <a:lstStyle/>
+                    <a:p>
+                      <a:pPr latinLnBrk="1"/>
+                      <a:r>
+                        <a:rPr lang="en-US" altLang="ko-KR" sz="1100"/>
+                        <a:t>Func</a:t>
+                      </a:r>
+                      <a:endParaRPr lang="ko-KR" altLang="en-US" sz="1100"/>
+                    </a:p>
+                  </a:txBody>
+                  <a:tcPr/>
+                </a:tc>
+                <a:extLst>
+                  <a:ext uri="{0D108BD9-81ED-4DB2-BD59-A6C34878D82A}">
+                    <a16:rowId xmlns:a16="http://schemas.microsoft.com/office/drawing/2014/main" val="1023525321"/>
+                  </a:ext>
+                </a:extLst>
+              </a:tr>
+              <a:tr h="0">
+                <a:tc>
+                  <a:txBody>
+                    <a:bodyPr/>
+                    <a:lstStyle/>
+                    <a:p>
+                      <a:pPr latinLnBrk="1"/>
+                      <a:r>
+                        <a:rPr lang="ko-KR" altLang="en-US" sz="1100"/>
+                        <a:t>외부주소</a:t>
+                      </a:r>
+                    </a:p>
+                  </a:txBody>
+                  <a:tcPr/>
+                </a:tc>
+                <a:tc>
+                  <a:txBody>
+                    <a:bodyPr/>
+                    <a:lstStyle/>
+                    <a:p>
+                      <a:pPr latinLnBrk="1"/>
+                      <a:r>
+                        <a:rPr lang="en-US" altLang="ko-KR" sz="1100"/>
+                        <a:t>STN01_Pin."+"</a:t>
+                      </a:r>
+                      <a:endParaRPr lang="ko-KR" altLang="en-US" sz="1100"/>
+                    </a:p>
+                  </a:txBody>
+                  <a:tcPr/>
+                </a:tc>
+                <a:tc>
+                  <a:txBody>
+                    <a:bodyPr/>
+                    <a:lstStyle/>
+                    <a:p>
+                      <a:pPr latinLnBrk="1"/>
+                      <a:r>
+                        <a:rPr lang="en-US" altLang="ko-KR" sz="1100"/>
+                        <a:t>bool</a:t>
+                      </a:r>
+                      <a:endParaRPr lang="ko-KR" altLang="en-US" sz="1100"/>
+                    </a:p>
+                  </a:txBody>
+                  <a:tcPr/>
+                </a:tc>
+                <a:tc>
+                  <a:txBody>
+                    <a:bodyPr/>
+                    <a:lstStyle/>
+                    <a:p>
+                      <a:pPr latinLnBrk="1"/>
+                      <a:r>
+                        <a:rPr lang="en-US" altLang="ko-KR" sz="1100"/>
+                        <a:t>I625.1</a:t>
+                      </a:r>
+                      <a:endParaRPr lang="ko-KR" altLang="en-US" sz="1100"/>
+                    </a:p>
+                  </a:txBody>
+                  <a:tcPr/>
+                </a:tc>
+                <a:tc>
+                  <a:txBody>
+                    <a:bodyPr/>
+                    <a:lstStyle/>
+                    <a:p>
+                      <a:pPr latinLnBrk="1"/>
+                      <a:r>
+                        <a:rPr lang="en-US" altLang="ko-KR" sz="1100"/>
+                        <a:t>O625.1</a:t>
+                      </a:r>
+                      <a:endParaRPr lang="ko-KR" altLang="en-US" sz="1100"/>
+                    </a:p>
+                  </a:txBody>
+                  <a:tcPr/>
+                </a:tc>
+                <a:tc>
+                  <a:txBody>
+                    <a:bodyPr/>
+                    <a:lstStyle/>
+                    <a:p>
+                      <a:pPr latinLnBrk="1"/>
+                      <a:r>
+                        <a:rPr lang="en-US" altLang="ko-KR" sz="1100"/>
+                        <a:t>STN01_Pin_+</a:t>
+                      </a:r>
+                      <a:endParaRPr lang="ko-KR" altLang="en-US" sz="1100"/>
+                    </a:p>
+                  </a:txBody>
+                  <a:tcPr/>
+                </a:tc>
+                <a:tc>
+                  <a:txBody>
+                    <a:bodyPr/>
+                    <a:lstStyle/>
+                    <a:p>
+                      <a:pPr latinLnBrk="1"/>
+                      <a:endParaRPr lang="ko-KR" altLang="en-US" sz="1100"/>
+                    </a:p>
+                  </a:txBody>
+                  <a:tcPr/>
+                </a:tc>
+                <a:extLst>
+                  <a:ext uri="{0D108BD9-81ED-4DB2-BD59-A6C34878D82A}">
+                    <a16:rowId xmlns:a16="http://schemas.microsoft.com/office/drawing/2014/main" val="245907380"/>
+                  </a:ext>
+                </a:extLst>
+              </a:tr>
+              <a:tr h="0">
+                <a:tc>
+                  <a:txBody>
+                    <a:bodyPr/>
+                    <a:lstStyle/>
+                    <a:p>
+                      <a:pPr latinLnBrk="1"/>
+                      <a:r>
+                        <a:rPr lang="ko-KR" altLang="en-US" sz="1100"/>
+                        <a:t>외부주소</a:t>
+                      </a:r>
+                    </a:p>
+                  </a:txBody>
+                  <a:tcPr/>
+                </a:tc>
+                <a:tc>
+                  <a:txBody>
+                    <a:bodyPr/>
+                    <a:lstStyle/>
+                    <a:p>
+                      <a:pPr latinLnBrk="1"/>
+                      <a:r>
+                        <a:rPr lang="en-US" altLang="ko-KR" sz="1100"/>
+                        <a:t>STN01_Pin."-"</a:t>
+                      </a:r>
+                      <a:endParaRPr lang="ko-KR" altLang="en-US" sz="1100"/>
+                    </a:p>
+                  </a:txBody>
+                  <a:tcPr/>
+                </a:tc>
+                <a:tc>
+                  <a:txBody>
+                    <a:bodyPr/>
+                    <a:lstStyle/>
+                    <a:p>
+                      <a:pPr latinLnBrk="1"/>
+                      <a:r>
+                        <a:rPr lang="en-US" altLang="ko-KR" sz="1100"/>
+                        <a:t>bool</a:t>
+                      </a:r>
+                      <a:endParaRPr lang="ko-KR" altLang="en-US" sz="1100"/>
+                    </a:p>
+                  </a:txBody>
+                  <a:tcPr/>
+                </a:tc>
+                <a:tc>
+                  <a:txBody>
+                    <a:bodyPr/>
+                    <a:lstStyle/>
+                    <a:p>
+                      <a:pPr latinLnBrk="1"/>
+                      <a:r>
+                        <a:rPr lang="en-US" altLang="ko-KR" sz="1100"/>
+                        <a:t>I625.2</a:t>
+                      </a:r>
+                      <a:endParaRPr lang="ko-KR" altLang="en-US" sz="1100"/>
+                    </a:p>
+                  </a:txBody>
+                  <a:tcPr/>
+                </a:tc>
+                <a:tc>
+                  <a:txBody>
+                    <a:bodyPr/>
+                    <a:lstStyle/>
+                    <a:p>
+                      <a:pPr latinLnBrk="1"/>
+                      <a:r>
+                        <a:rPr lang="en-US" altLang="ko-KR" sz="1100"/>
+                        <a:t>O625.2</a:t>
+                      </a:r>
+                      <a:endParaRPr lang="ko-KR" altLang="en-US" sz="1100"/>
+                    </a:p>
+                  </a:txBody>
+                  <a:tcPr/>
+                </a:tc>
+                <a:tc>
+                  <a:txBody>
+                    <a:bodyPr/>
+                    <a:lstStyle/>
+                    <a:p>
+                      <a:pPr latinLnBrk="1"/>
+                      <a:r>
+                        <a:rPr lang="en-US" altLang="ko-KR" sz="1100"/>
+                        <a:t>STN01_Pin_-</a:t>
+                      </a:r>
+                      <a:endParaRPr lang="ko-KR" altLang="en-US" sz="1100"/>
+                    </a:p>
+                  </a:txBody>
+                  <a:tcPr/>
+                </a:tc>
+                <a:tc>
+                  <a:txBody>
+                    <a:bodyPr/>
+                    <a:lstStyle/>
+                    <a:p>
+                      <a:pPr latinLnBrk="1"/>
+                      <a:endParaRPr lang="ko-KR" altLang="en-US" sz="1100"/>
+                    </a:p>
+                  </a:txBody>
+                  <a:tcPr/>
+                </a:tc>
+                <a:extLst>
+                  <a:ext uri="{0D108BD9-81ED-4DB2-BD59-A6C34878D82A}">
+                    <a16:rowId xmlns:a16="http://schemas.microsoft.com/office/drawing/2014/main" val="2735796543"/>
+                  </a:ext>
+                </a:extLst>
+              </a:tr>
+              <a:tr h="0">
+                <a:tc>
+                  <a:txBody>
+                    <a:bodyPr/>
+                    <a:lstStyle/>
+                    <a:p>
+                      <a:pPr latinLnBrk="1"/>
+                      <a:r>
+                        <a:rPr lang="ko-KR" altLang="en-US" sz="1100"/>
+                        <a:t>외부주소</a:t>
+                      </a:r>
+                    </a:p>
+                  </a:txBody>
+                  <a:tcPr/>
+                </a:tc>
+                <a:tc>
+                  <a:txBody>
+                    <a:bodyPr/>
+                    <a:lstStyle/>
+                    <a:p>
+                      <a:pPr latinLnBrk="1"/>
+                      <a:r>
+                        <a:rPr lang="en-US" altLang="ko-KR" sz="1100"/>
+                        <a:t>STN01_UsingLIB2_1."+"</a:t>
+                      </a:r>
+                      <a:endParaRPr lang="ko-KR" altLang="en-US" sz="1100"/>
+                    </a:p>
+                  </a:txBody>
+                  <a:tcPr/>
+                </a:tc>
+                <a:tc>
+                  <a:txBody>
+                    <a:bodyPr/>
+                    <a:lstStyle/>
+                    <a:p>
+                      <a:pPr latinLnBrk="1"/>
+                      <a:r>
+                        <a:rPr lang="en-US" altLang="ko-KR" sz="1100"/>
+                        <a:t>bool</a:t>
+                      </a:r>
+                      <a:endParaRPr lang="ko-KR" altLang="en-US" sz="1100"/>
+                    </a:p>
+                  </a:txBody>
+                  <a:tcPr/>
+                </a:tc>
+                <a:tc>
+                  <a:txBody>
+                    <a:bodyPr/>
+                    <a:lstStyle/>
+                    <a:p>
+                      <a:pPr latinLnBrk="1"/>
+                      <a:r>
+                        <a:rPr lang="en-US" altLang="ko-KR" sz="1100"/>
+                        <a:t>I625.3</a:t>
+                      </a:r>
+                      <a:endParaRPr lang="ko-KR" altLang="en-US" sz="1100"/>
+                    </a:p>
+                  </a:txBody>
+                  <a:tcPr/>
+                </a:tc>
+                <a:tc>
+                  <a:txBody>
+                    <a:bodyPr/>
+                    <a:lstStyle/>
+                    <a:p>
+                      <a:pPr latinLnBrk="1"/>
+                      <a:r>
+                        <a:rPr lang="en-US" altLang="ko-KR" sz="1100"/>
+                        <a:t>O625.3</a:t>
+                      </a:r>
+                      <a:endParaRPr lang="ko-KR" altLang="en-US" sz="1100"/>
+                    </a:p>
+                  </a:txBody>
+                  <a:tcPr/>
+                </a:tc>
+                <a:tc>
+                  <a:txBody>
+                    <a:bodyPr/>
+                    <a:lstStyle/>
+                    <a:p>
+                      <a:pPr latinLnBrk="1"/>
+                      <a:r>
+                        <a:rPr lang="en-US" altLang="ko-KR" sz="1100"/>
+                        <a:t>STN01_UsingLIB2_1_+</a:t>
+                      </a:r>
+                      <a:endParaRPr lang="ko-KR" altLang="en-US" sz="1100"/>
+                    </a:p>
+                  </a:txBody>
+                  <a:tcPr/>
+                </a:tc>
+                <a:tc>
+                  <a:txBody>
+                    <a:bodyPr/>
+                    <a:lstStyle/>
+                    <a:p>
+                      <a:pPr latinLnBrk="1"/>
+                      <a:endParaRPr lang="ko-KR" altLang="en-US" sz="1100"/>
+                    </a:p>
+                  </a:txBody>
+                  <a:tcPr/>
+                </a:tc>
+                <a:extLst>
+                  <a:ext uri="{0D108BD9-81ED-4DB2-BD59-A6C34878D82A}">
+                    <a16:rowId xmlns:a16="http://schemas.microsoft.com/office/drawing/2014/main" val="3614567098"/>
+                  </a:ext>
+                </a:extLst>
+              </a:tr>
+              <a:tr h="0">
+                <a:tc>
+                  <a:txBody>
+                    <a:bodyPr/>
+                    <a:lstStyle/>
+                    <a:p>
+                      <a:pPr latinLnBrk="1"/>
+                      <a:r>
+                        <a:rPr lang="ko-KR" altLang="en-US" sz="1100"/>
+                        <a:t>외부주소</a:t>
+                      </a:r>
+                    </a:p>
+                  </a:txBody>
+                  <a:tcPr/>
+                </a:tc>
+                <a:tc>
+                  <a:txBody>
+                    <a:bodyPr/>
+                    <a:lstStyle/>
+                    <a:p>
+                      <a:pPr latinLnBrk="1"/>
+                      <a:r>
+                        <a:rPr lang="en-US" altLang="ko-KR" sz="1100"/>
+                        <a:t>STN01_UsingLIB2_1."-"</a:t>
+                      </a:r>
+                      <a:endParaRPr lang="ko-KR" altLang="en-US" sz="1100"/>
+                    </a:p>
+                  </a:txBody>
+                  <a:tcPr/>
+                </a:tc>
+                <a:tc>
+                  <a:txBody>
+                    <a:bodyPr/>
+                    <a:lstStyle/>
+                    <a:p>
+                      <a:pPr latinLnBrk="1"/>
+                      <a:r>
+                        <a:rPr lang="en-US" altLang="ko-KR" sz="1100"/>
+                        <a:t>bool</a:t>
+                      </a:r>
+                      <a:endParaRPr lang="ko-KR" altLang="en-US" sz="1100"/>
+                    </a:p>
+                  </a:txBody>
+                  <a:tcPr/>
+                </a:tc>
+                <a:tc>
+                  <a:txBody>
+                    <a:bodyPr/>
+                    <a:lstStyle/>
+                    <a:p>
+                      <a:pPr latinLnBrk="1"/>
+                      <a:r>
+                        <a:rPr lang="en-US" altLang="ko-KR" sz="1100"/>
+                        <a:t>I625.4</a:t>
+                      </a:r>
+                      <a:endParaRPr lang="ko-KR" altLang="en-US" sz="1100"/>
+                    </a:p>
+                  </a:txBody>
+                  <a:tcPr/>
+                </a:tc>
+                <a:tc>
+                  <a:txBody>
+                    <a:bodyPr/>
+                    <a:lstStyle/>
+                    <a:p>
+                      <a:pPr latinLnBrk="1"/>
+                      <a:r>
+                        <a:rPr lang="en-US" altLang="ko-KR" sz="1100"/>
+                        <a:t>O625.4</a:t>
+                      </a:r>
+                      <a:endParaRPr lang="ko-KR" altLang="en-US" sz="1100"/>
+                    </a:p>
+                  </a:txBody>
+                  <a:tcPr/>
+                </a:tc>
+                <a:tc>
+                  <a:txBody>
+                    <a:bodyPr/>
+                    <a:lstStyle/>
+                    <a:p>
+                      <a:pPr latinLnBrk="1"/>
+                      <a:r>
+                        <a:rPr lang="en-US" altLang="ko-KR" sz="1100"/>
+                        <a:t>STN01_UsingLIB2_1_-</a:t>
+                      </a:r>
+                      <a:endParaRPr lang="ko-KR" altLang="en-US" sz="1100"/>
+                    </a:p>
+                  </a:txBody>
+                  <a:tcPr/>
+                </a:tc>
+                <a:tc>
+                  <a:txBody>
+                    <a:bodyPr/>
+                    <a:lstStyle/>
+                    <a:p>
+                      <a:pPr latinLnBrk="1"/>
+                      <a:endParaRPr lang="ko-KR" altLang="en-US" sz="1100"/>
+                    </a:p>
+                  </a:txBody>
+                  <a:tcPr/>
+                </a:tc>
+                <a:extLst>
+                  <a:ext uri="{0D108BD9-81ED-4DB2-BD59-A6C34878D82A}">
+                    <a16:rowId xmlns:a16="http://schemas.microsoft.com/office/drawing/2014/main" val="2408060119"/>
+                  </a:ext>
+                </a:extLst>
+              </a:tr>
+              <a:tr h="0">
+                <a:tc>
+                  <a:txBody>
+                    <a:bodyPr/>
+                    <a:lstStyle/>
+                    <a:p>
+                      <a:pPr latinLnBrk="1"/>
+                      <a:r>
+                        <a:rPr lang="ko-KR" altLang="en-US" sz="1100"/>
+                        <a:t>외부주소</a:t>
+                      </a:r>
+                    </a:p>
+                  </a:txBody>
+                  <a:tcPr/>
+                </a:tc>
+                <a:tc>
+                  <a:txBody>
+                    <a:bodyPr/>
+                    <a:lstStyle/>
+                    <a:p>
+                      <a:pPr latinLnBrk="1"/>
+                      <a:r>
+                        <a:rPr lang="en-US" altLang="ko-KR" sz="1100"/>
+                        <a:t>STN01_UsingLIB2_2."+"</a:t>
+                      </a:r>
+                      <a:endParaRPr lang="ko-KR" altLang="en-US" sz="1100"/>
+                    </a:p>
+                  </a:txBody>
+                  <a:tcPr/>
+                </a:tc>
+                <a:tc>
+                  <a:txBody>
+                    <a:bodyPr/>
+                    <a:lstStyle/>
+                    <a:p>
+                      <a:pPr latinLnBrk="1"/>
+                      <a:r>
+                        <a:rPr lang="en-US" altLang="ko-KR" sz="1100"/>
+                        <a:t>bool</a:t>
+                      </a:r>
+                      <a:endParaRPr lang="ko-KR" altLang="en-US" sz="1100"/>
+                    </a:p>
+                  </a:txBody>
+                  <a:tcPr/>
+                </a:tc>
+                <a:tc>
+                  <a:txBody>
+                    <a:bodyPr/>
+                    <a:lstStyle/>
+                    <a:p>
+                      <a:pPr latinLnBrk="1"/>
+                      <a:r>
+                        <a:rPr lang="en-US" altLang="ko-KR" sz="1100"/>
+                        <a:t>I625.5</a:t>
+                      </a:r>
+                      <a:endParaRPr lang="ko-KR" altLang="en-US" sz="1100"/>
+                    </a:p>
+                  </a:txBody>
+                  <a:tcPr/>
+                </a:tc>
+                <a:tc>
+                  <a:txBody>
+                    <a:bodyPr/>
+                    <a:lstStyle/>
+                    <a:p>
+                      <a:pPr latinLnBrk="1"/>
+                      <a:r>
+                        <a:rPr lang="en-US" altLang="ko-KR" sz="1100"/>
+                        <a:t>O625.5</a:t>
+                      </a:r>
+                      <a:endParaRPr lang="ko-KR" altLang="en-US" sz="1100"/>
+                    </a:p>
+                  </a:txBody>
+                  <a:tcPr/>
+                </a:tc>
+                <a:tc>
+                  <a:txBody>
+                    <a:bodyPr/>
+                    <a:lstStyle/>
+                    <a:p>
+                      <a:pPr latinLnBrk="1"/>
+                      <a:r>
+                        <a:rPr lang="en-US" altLang="ko-KR" sz="1100"/>
+                        <a:t>STN01_UsingLIB2_2_+</a:t>
+                      </a:r>
+                      <a:endParaRPr lang="ko-KR" altLang="en-US" sz="1100"/>
+                    </a:p>
+                  </a:txBody>
+                  <a:tcPr/>
+                </a:tc>
+                <a:tc>
+                  <a:txBody>
+                    <a:bodyPr/>
+                    <a:lstStyle/>
+                    <a:p>
+                      <a:pPr latinLnBrk="1"/>
+                      <a:endParaRPr lang="ko-KR" altLang="en-US" sz="1100"/>
+                    </a:p>
+                  </a:txBody>
+                  <a:tcPr/>
+                </a:tc>
+                <a:extLst>
+                  <a:ext uri="{0D108BD9-81ED-4DB2-BD59-A6C34878D82A}">
+                    <a16:rowId xmlns:a16="http://schemas.microsoft.com/office/drawing/2014/main" val="1081375750"/>
+                  </a:ext>
+                </a:extLst>
+              </a:tr>
+              <a:tr h="0">
+                <a:tc>
+                  <a:txBody>
+                    <a:bodyPr/>
+                    <a:lstStyle/>
+                    <a:p>
+                      <a:pPr latinLnBrk="1"/>
+                      <a:r>
+                        <a:rPr lang="ko-KR" altLang="en-US" sz="1100"/>
+                        <a:t>외부주소</a:t>
+                      </a:r>
+                    </a:p>
+                  </a:txBody>
+                  <a:tcPr/>
+                </a:tc>
+                <a:tc>
+                  <a:txBody>
+                    <a:bodyPr/>
+                    <a:lstStyle/>
+                    <a:p>
+                      <a:pPr latinLnBrk="1"/>
+                      <a:r>
+                        <a:rPr lang="en-US" altLang="ko-KR" sz="1100"/>
+                        <a:t>STN01_UsingLIB2_2."-"</a:t>
+                      </a:r>
+                      <a:endParaRPr lang="ko-KR" altLang="en-US" sz="1100"/>
+                    </a:p>
+                  </a:txBody>
+                  <a:tcPr/>
+                </a:tc>
+                <a:tc>
+                  <a:txBody>
+                    <a:bodyPr/>
+                    <a:lstStyle/>
+                    <a:p>
+                      <a:pPr latinLnBrk="1"/>
+                      <a:r>
+                        <a:rPr lang="en-US" altLang="ko-KR" sz="1100"/>
+                        <a:t>bool</a:t>
+                      </a:r>
+                      <a:endParaRPr lang="ko-KR" altLang="en-US" sz="1100"/>
+                    </a:p>
+                  </a:txBody>
+                  <a:tcPr/>
+                </a:tc>
+                <a:tc>
+                  <a:txBody>
+                    <a:bodyPr/>
+                    <a:lstStyle/>
+                    <a:p>
+                      <a:pPr latinLnBrk="1"/>
+                      <a:r>
+                        <a:rPr lang="en-US" altLang="ko-KR" sz="1100"/>
+                        <a:t>I625.6</a:t>
+                      </a:r>
+                      <a:endParaRPr lang="ko-KR" altLang="en-US" sz="1100"/>
+                    </a:p>
+                  </a:txBody>
+                  <a:tcPr/>
+                </a:tc>
+                <a:tc>
+                  <a:txBody>
+                    <a:bodyPr/>
+                    <a:lstStyle/>
+                    <a:p>
+                      <a:pPr latinLnBrk="1"/>
+                      <a:r>
+                        <a:rPr lang="en-US" altLang="ko-KR" sz="1100"/>
+                        <a:t>O625.6</a:t>
+                      </a:r>
+                      <a:endParaRPr lang="ko-KR" altLang="en-US" sz="1100"/>
+                    </a:p>
+                  </a:txBody>
+                  <a:tcPr/>
+                </a:tc>
+                <a:tc>
+                  <a:txBody>
+                    <a:bodyPr/>
+                    <a:lstStyle/>
+                    <a:p>
+                      <a:pPr latinLnBrk="1"/>
+                      <a:r>
+                        <a:rPr lang="en-US" altLang="ko-KR" sz="1100"/>
+                        <a:t>STN01_UsingLIB2_2_-</a:t>
+                      </a:r>
+                      <a:endParaRPr lang="ko-KR" altLang="en-US" sz="1100"/>
+                    </a:p>
+                  </a:txBody>
+                  <a:tcPr/>
+                </a:tc>
+                <a:tc>
+                  <a:txBody>
+                    <a:bodyPr/>
+                    <a:lstStyle/>
+                    <a:p>
+                      <a:pPr latinLnBrk="1"/>
+                      <a:endParaRPr lang="ko-KR" altLang="en-US" sz="1100"/>
+                    </a:p>
+                  </a:txBody>
+                  <a:tcPr/>
+                </a:tc>
+                <a:extLst>
+                  <a:ext uri="{0D108BD9-81ED-4DB2-BD59-A6C34878D82A}">
+                    <a16:rowId xmlns:a16="http://schemas.microsoft.com/office/drawing/2014/main" val="2710936181"/>
+                  </a:ext>
+                </a:extLst>
+              </a:tr>
+              <a:tr h="0">
+                <a:tc>
+                  <a:txBody>
+                    <a:bodyPr/>
+                    <a:lstStyle/>
+                    <a:p>
+                      <a:pPr latinLnBrk="1"/>
+                      <a:r>
+                        <a:rPr lang="ko-KR" altLang="en-US" sz="1100"/>
+                        <a:t>외부주소</a:t>
+                      </a:r>
+                    </a:p>
+                  </a:txBody>
+                  <a:tcPr/>
+                </a:tc>
+                <a:tc>
+                  <a:txBody>
+                    <a:bodyPr/>
+                    <a:lstStyle/>
+                    <a:p>
+                      <a:pPr latinLnBrk="1"/>
+                      <a:r>
+                        <a:rPr lang="en-US" altLang="ko-KR" sz="1100"/>
+                        <a:t>STN01_UsingLIB2_3."+"</a:t>
+                      </a:r>
+                      <a:endParaRPr lang="ko-KR" altLang="en-US" sz="1100"/>
+                    </a:p>
+                  </a:txBody>
+                  <a:tcPr/>
+                </a:tc>
+                <a:tc>
+                  <a:txBody>
+                    <a:bodyPr/>
+                    <a:lstStyle/>
+                    <a:p>
+                      <a:pPr latinLnBrk="1"/>
+                      <a:r>
+                        <a:rPr lang="en-US" altLang="ko-KR" sz="1100"/>
+                        <a:t>bool</a:t>
+                      </a:r>
+                      <a:endParaRPr lang="ko-KR" altLang="en-US" sz="1100"/>
+                    </a:p>
+                  </a:txBody>
+                  <a:tcPr/>
+                </a:tc>
+                <a:tc>
+                  <a:txBody>
+                    <a:bodyPr/>
+                    <a:lstStyle/>
+                    <a:p>
+                      <a:pPr latinLnBrk="1"/>
+                      <a:r>
+                        <a:rPr lang="en-US" altLang="ko-KR" sz="1100"/>
+                        <a:t>I625.7</a:t>
+                      </a:r>
+                      <a:endParaRPr lang="ko-KR" altLang="en-US" sz="1100"/>
+                    </a:p>
+                  </a:txBody>
+                  <a:tcPr/>
+                </a:tc>
+                <a:tc>
+                  <a:txBody>
+                    <a:bodyPr/>
+                    <a:lstStyle/>
+                    <a:p>
+                      <a:pPr latinLnBrk="1"/>
+                      <a:r>
+                        <a:rPr lang="en-US" altLang="ko-KR" sz="1100"/>
+                        <a:t>O625.7</a:t>
+                      </a:r>
+                      <a:endParaRPr lang="ko-KR" altLang="en-US" sz="1100"/>
+                    </a:p>
+                  </a:txBody>
+                  <a:tcPr/>
+                </a:tc>
+                <a:tc>
+                  <a:txBody>
+                    <a:bodyPr/>
+                    <a:lstStyle/>
+                    <a:p>
+                      <a:pPr latinLnBrk="1"/>
+                      <a:r>
+                        <a:rPr lang="en-US" altLang="ko-KR" sz="1100"/>
+                        <a:t>STN01_UsingLIB2_3_+</a:t>
+                      </a:r>
+                      <a:endParaRPr lang="ko-KR" altLang="en-US" sz="1100"/>
+                    </a:p>
+                  </a:txBody>
+                  <a:tcPr/>
+                </a:tc>
+                <a:tc>
+                  <a:txBody>
+                    <a:bodyPr/>
+                    <a:lstStyle/>
+                    <a:p>
+                      <a:pPr latinLnBrk="1"/>
+                      <a:endParaRPr lang="ko-KR" altLang="en-US" sz="1100"/>
+                    </a:p>
+                  </a:txBody>
+                  <a:tcPr/>
+                </a:tc>
+                <a:extLst>
+                  <a:ext uri="{0D108BD9-81ED-4DB2-BD59-A6C34878D82A}">
+                    <a16:rowId xmlns:a16="http://schemas.microsoft.com/office/drawing/2014/main" val="3431848491"/>
+                  </a:ext>
+                </a:extLst>
+              </a:tr>
+              <a:tr h="0">
+                <a:tc>
+                  <a:txBody>
+                    <a:bodyPr/>
+                    <a:lstStyle/>
+                    <a:p>
+                      <a:pPr latinLnBrk="1"/>
+                      <a:r>
+                        <a:rPr lang="ko-KR" altLang="en-US" sz="1100"/>
+                        <a:t>외부주소</a:t>
+                      </a:r>
+                    </a:p>
+                  </a:txBody>
+                  <a:tcPr/>
+                </a:tc>
+                <a:tc>
+                  <a:txBody>
+                    <a:bodyPr/>
+                    <a:lstStyle/>
+                    <a:p>
+                      <a:pPr latinLnBrk="1"/>
+                      <a:r>
+                        <a:rPr lang="en-US" altLang="ko-KR" sz="1100"/>
+                        <a:t>STN01_UsingLIB2_3."-"</a:t>
+                      </a:r>
+                      <a:endParaRPr lang="ko-KR" altLang="en-US" sz="1100"/>
+                    </a:p>
+                  </a:txBody>
+                  <a:tcPr/>
+                </a:tc>
+                <a:tc>
+                  <a:txBody>
+                    <a:bodyPr/>
+                    <a:lstStyle/>
+                    <a:p>
+                      <a:pPr latinLnBrk="1"/>
+                      <a:r>
+                        <a:rPr lang="en-US" altLang="ko-KR" sz="1100"/>
+                        <a:t>bool</a:t>
+                      </a:r>
+                      <a:endParaRPr lang="ko-KR" altLang="en-US" sz="1100"/>
+                    </a:p>
+                  </a:txBody>
+                  <a:tcPr/>
+                </a:tc>
+                <a:tc>
+                  <a:txBody>
+                    <a:bodyPr/>
+                    <a:lstStyle/>
+                    <a:p>
+                      <a:pPr latinLnBrk="1"/>
+                      <a:r>
+                        <a:rPr lang="en-US" altLang="ko-KR" sz="1100"/>
+                        <a:t>I625.8</a:t>
+                      </a:r>
+                      <a:endParaRPr lang="ko-KR" altLang="en-US" sz="1100"/>
+                    </a:p>
+                  </a:txBody>
+                  <a:tcPr/>
+                </a:tc>
+                <a:tc>
+                  <a:txBody>
+                    <a:bodyPr/>
+                    <a:lstStyle/>
+                    <a:p>
+                      <a:pPr latinLnBrk="1"/>
+                      <a:r>
+                        <a:rPr lang="en-US" altLang="ko-KR" sz="1100"/>
+                        <a:t>O625.8</a:t>
+                      </a:r>
+                      <a:endParaRPr lang="ko-KR" altLang="en-US" sz="1100"/>
+                    </a:p>
+                  </a:txBody>
+                  <a:tcPr/>
+                </a:tc>
+                <a:tc>
+                  <a:txBody>
+                    <a:bodyPr/>
+                    <a:lstStyle/>
+                    <a:p>
+                      <a:pPr latinLnBrk="1"/>
+                      <a:r>
+                        <a:rPr lang="en-US" altLang="ko-KR" sz="1100"/>
+                        <a:t>STN01_UsingLIB2_3_-</a:t>
+                      </a:r>
+                      <a:endParaRPr lang="ko-KR" altLang="en-US" sz="1100"/>
+                    </a:p>
+                  </a:txBody>
+                  <a:tcPr/>
+                </a:tc>
+                <a:tc>
+                  <a:txBody>
+                    <a:bodyPr/>
+                    <a:lstStyle/>
+                    <a:p>
+                      <a:pPr latinLnBrk="1"/>
+                      <a:endParaRPr lang="ko-KR" altLang="en-US" sz="1100"/>
+                    </a:p>
+                  </a:txBody>
+                  <a:tcPr/>
+                </a:tc>
+                <a:extLst>
+                  <a:ext uri="{0D108BD9-81ED-4DB2-BD59-A6C34878D82A}">
+                    <a16:rowId xmlns:a16="http://schemas.microsoft.com/office/drawing/2014/main" val="1774489398"/>
+                  </a:ext>
+                </a:extLst>
+              </a:tr>
+              <a:tr h="0">
+                <a:tc>
+                  <a:txBody>
+                    <a:bodyPr/>
+                    <a:lstStyle/>
+                    <a:p>
+                      <a:pPr latinLnBrk="1"/>
+                      <a:r>
+                        <a:rPr lang="ko-KR" altLang="en-US" sz="1100"/>
+                        <a:t>외부주소</a:t>
+                      </a:r>
+                    </a:p>
+                  </a:txBody>
+                  <a:tcPr/>
+                </a:tc>
+                <a:tc>
+                  <a:txBody>
+                    <a:bodyPr/>
+                    <a:lstStyle/>
+                    <a:p>
+                      <a:pPr latinLnBrk="1"/>
+                      <a:r>
+                        <a:rPr lang="en-US" altLang="ko-KR" sz="1100"/>
+                        <a:t>STN01_UsingLIB2_4."+"</a:t>
+                      </a:r>
+                      <a:endParaRPr lang="ko-KR" altLang="en-US" sz="1100"/>
+                    </a:p>
+                  </a:txBody>
+                  <a:tcPr/>
+                </a:tc>
+                <a:tc>
+                  <a:txBody>
+                    <a:bodyPr/>
+                    <a:lstStyle/>
+                    <a:p>
+                      <a:pPr latinLnBrk="1"/>
+                      <a:r>
+                        <a:rPr lang="en-US" altLang="ko-KR" sz="1100"/>
+                        <a:t>bool</a:t>
+                      </a:r>
+                      <a:endParaRPr lang="ko-KR" altLang="en-US" sz="1100"/>
+                    </a:p>
+                  </a:txBody>
+                  <a:tcPr/>
+                </a:tc>
+                <a:tc>
+                  <a:txBody>
+                    <a:bodyPr/>
+                    <a:lstStyle/>
+                    <a:p>
+                      <a:pPr latinLnBrk="1"/>
+                      <a:r>
+                        <a:rPr lang="en-US" altLang="ko-KR" sz="1100"/>
+                        <a:t>I625.9</a:t>
+                      </a:r>
+                      <a:endParaRPr lang="ko-KR" altLang="en-US" sz="1100"/>
+                    </a:p>
+                  </a:txBody>
+                  <a:tcPr/>
+                </a:tc>
+                <a:tc>
+                  <a:txBody>
+                    <a:bodyPr/>
+                    <a:lstStyle/>
+                    <a:p>
+                      <a:pPr latinLnBrk="1"/>
+                      <a:r>
+                        <a:rPr lang="en-US" altLang="ko-KR" sz="1100"/>
+                        <a:t>O625.9</a:t>
+                      </a:r>
+                      <a:endParaRPr lang="ko-KR" altLang="en-US" sz="1100"/>
+                    </a:p>
+                  </a:txBody>
+                  <a:tcPr/>
+                </a:tc>
+                <a:tc>
+                  <a:txBody>
+                    <a:bodyPr/>
+                    <a:lstStyle/>
+                    <a:p>
+                      <a:pPr latinLnBrk="1"/>
+                      <a:r>
+                        <a:rPr lang="en-US" altLang="ko-KR" sz="1100"/>
+                        <a:t>STN01_UsingLIB2_4_+</a:t>
+                      </a:r>
+                      <a:endParaRPr lang="ko-KR" altLang="en-US" sz="1100"/>
+                    </a:p>
+                  </a:txBody>
+                  <a:tcPr/>
+                </a:tc>
+                <a:tc>
+                  <a:txBody>
+                    <a:bodyPr/>
+                    <a:lstStyle/>
+                    <a:p>
+                      <a:pPr latinLnBrk="1"/>
+                      <a:endParaRPr lang="ko-KR" altLang="en-US" sz="1100"/>
+                    </a:p>
+                  </a:txBody>
+                  <a:tcPr/>
+                </a:tc>
+                <a:extLst>
+                  <a:ext uri="{0D108BD9-81ED-4DB2-BD59-A6C34878D82A}">
+                    <a16:rowId xmlns:a16="http://schemas.microsoft.com/office/drawing/2014/main" val="3739377329"/>
+                  </a:ext>
+                </a:extLst>
+              </a:tr>
+              <a:tr h="0">
+                <a:tc>
+                  <a:txBody>
+                    <a:bodyPr/>
+                    <a:lstStyle/>
+                    <a:p>
+                      <a:pPr latinLnBrk="1"/>
+                      <a:r>
+                        <a:rPr lang="ko-KR" altLang="en-US" sz="1100"/>
+                        <a:t>외부주소</a:t>
+                      </a:r>
+                    </a:p>
+                  </a:txBody>
+                  <a:tcPr/>
+                </a:tc>
+                <a:tc>
+                  <a:txBody>
+                    <a:bodyPr/>
+                    <a:lstStyle/>
+                    <a:p>
+                      <a:pPr latinLnBrk="1"/>
+                      <a:r>
+                        <a:rPr lang="en-US" altLang="ko-KR" sz="1100"/>
+                        <a:t>STN01_UsingLIB2_4."-"</a:t>
+                      </a:r>
+                      <a:endParaRPr lang="ko-KR" altLang="en-US" sz="1100"/>
+                    </a:p>
+                  </a:txBody>
+                  <a:tcPr/>
+                </a:tc>
+                <a:tc>
+                  <a:txBody>
+                    <a:bodyPr/>
+                    <a:lstStyle/>
+                    <a:p>
+                      <a:pPr latinLnBrk="1"/>
+                      <a:r>
+                        <a:rPr lang="en-US" altLang="ko-KR" sz="1100"/>
+                        <a:t>bool</a:t>
+                      </a:r>
+                      <a:endParaRPr lang="ko-KR" altLang="en-US" sz="1100"/>
+                    </a:p>
+                  </a:txBody>
+                  <a:tcPr/>
+                </a:tc>
+                <a:tc>
+                  <a:txBody>
+                    <a:bodyPr/>
+                    <a:lstStyle/>
+                    <a:p>
+                      <a:pPr latinLnBrk="1"/>
+                      <a:r>
+                        <a:rPr lang="en-US" altLang="ko-KR" sz="1100"/>
+                        <a:t>I625.10</a:t>
+                      </a:r>
+                      <a:endParaRPr lang="ko-KR" altLang="en-US" sz="1100"/>
+                    </a:p>
+                  </a:txBody>
+                  <a:tcPr/>
+                </a:tc>
+                <a:tc>
+                  <a:txBody>
+                    <a:bodyPr/>
+                    <a:lstStyle/>
+                    <a:p>
+                      <a:pPr latinLnBrk="1"/>
+                      <a:r>
+                        <a:rPr lang="en-US" altLang="ko-KR" sz="1100"/>
+                        <a:t>O625.10</a:t>
+                      </a:r>
+                      <a:endParaRPr lang="ko-KR" altLang="en-US" sz="1100"/>
+                    </a:p>
+                  </a:txBody>
+                  <a:tcPr/>
+                </a:tc>
+                <a:tc>
+                  <a:txBody>
+                    <a:bodyPr/>
+                    <a:lstStyle/>
+                    <a:p>
+                      <a:pPr latinLnBrk="1"/>
+                      <a:r>
+                        <a:rPr lang="en-US" altLang="ko-KR" sz="1100"/>
+                        <a:t>STN01_UsingLIB2_4_-</a:t>
+                      </a:r>
+                      <a:endParaRPr lang="ko-KR" altLang="en-US" sz="1100"/>
+                    </a:p>
+                  </a:txBody>
+                  <a:tcPr/>
+                </a:tc>
+                <a:tc>
+                  <a:txBody>
+                    <a:bodyPr/>
+                    <a:lstStyle/>
+                    <a:p>
+                      <a:pPr latinLnBrk="1"/>
+                      <a:endParaRPr lang="ko-KR" altLang="en-US" sz="1100"/>
+                    </a:p>
+                  </a:txBody>
+                  <a:tcPr/>
+                </a:tc>
+                <a:extLst>
+                  <a:ext uri="{0D108BD9-81ED-4DB2-BD59-A6C34878D82A}">
+                    <a16:rowId xmlns:a16="http://schemas.microsoft.com/office/drawing/2014/main" val="126416412"/>
+                  </a:ext>
+                </a:extLst>
+              </a:tr>
+              <a:tr h="0">
+                <a:tc>
+                  <a:txBody>
+                    <a:bodyPr/>
+                    <a:lstStyle/>
+                    <a:p>
+                      <a:pPr latinLnBrk="1"/>
+                      <a:r>
+                        <a:rPr lang="ko-KR" altLang="en-US" sz="1100"/>
+                        <a:t>외부주소</a:t>
+                      </a:r>
+                    </a:p>
+                  </a:txBody>
+                  <a:tcPr/>
+                </a:tc>
+                <a:tc>
+                  <a:txBody>
+                    <a:bodyPr/>
+                    <a:lstStyle/>
+                    <a:p>
+                      <a:pPr latinLnBrk="1"/>
+                      <a:r>
+                        <a:rPr lang="en-US" altLang="ko-KR" sz="1100"/>
+                        <a:t>STN01_UsingLIB_1."-"</a:t>
+                      </a:r>
+                      <a:endParaRPr lang="ko-KR" altLang="en-US" sz="1100"/>
+                    </a:p>
+                  </a:txBody>
+                  <a:tcPr/>
+                </a:tc>
+                <a:tc>
+                  <a:txBody>
+                    <a:bodyPr/>
+                    <a:lstStyle/>
+                    <a:p>
+                      <a:pPr latinLnBrk="1"/>
+                      <a:r>
+                        <a:rPr lang="en-US" altLang="ko-KR" sz="1100"/>
+                        <a:t>bool</a:t>
+                      </a:r>
+                      <a:endParaRPr lang="ko-KR" altLang="en-US" sz="1100"/>
+                    </a:p>
+                  </a:txBody>
+                  <a:tcPr/>
+                </a:tc>
+                <a:tc>
+                  <a:txBody>
+                    <a:bodyPr/>
+                    <a:lstStyle/>
+                    <a:p>
+                      <a:pPr latinLnBrk="1"/>
+                      <a:r>
+                        <a:rPr lang="en-US" altLang="ko-KR" sz="1100"/>
+                        <a:t>I625.11</a:t>
+                      </a:r>
+                      <a:endParaRPr lang="ko-KR" altLang="en-US" sz="1100"/>
+                    </a:p>
+                  </a:txBody>
+                  <a:tcPr/>
+                </a:tc>
+                <a:tc>
+                  <a:txBody>
+                    <a:bodyPr/>
+                    <a:lstStyle/>
+                    <a:p>
+                      <a:pPr latinLnBrk="1"/>
+                      <a:r>
+                        <a:rPr lang="en-US" altLang="ko-KR" sz="1100"/>
+                        <a:t>O625.11</a:t>
+                      </a:r>
+                      <a:endParaRPr lang="ko-KR" altLang="en-US" sz="1100"/>
+                    </a:p>
+                  </a:txBody>
+                  <a:tcPr/>
+                </a:tc>
+                <a:tc>
+                  <a:txBody>
+                    <a:bodyPr/>
+                    <a:lstStyle/>
+                    <a:p>
+                      <a:pPr latinLnBrk="1"/>
+                      <a:r>
+                        <a:rPr lang="en-US" altLang="ko-KR" sz="1100"/>
+                        <a:t>STN01_UsingLIB_1_-</a:t>
+                      </a:r>
+                      <a:endParaRPr lang="ko-KR" altLang="en-US" sz="1100"/>
+                    </a:p>
+                  </a:txBody>
+                  <a:tcPr/>
+                </a:tc>
+                <a:tc>
+                  <a:txBody>
+                    <a:bodyPr/>
+                    <a:lstStyle/>
+                    <a:p>
+                      <a:pPr latinLnBrk="1"/>
+                      <a:endParaRPr lang="ko-KR" altLang="en-US" sz="1100"/>
+                    </a:p>
+                  </a:txBody>
+                  <a:tcPr/>
+                </a:tc>
+                <a:extLst>
+                  <a:ext uri="{0D108BD9-81ED-4DB2-BD59-A6C34878D82A}">
+                    <a16:rowId xmlns:a16="http://schemas.microsoft.com/office/drawing/2014/main" val="1985184972"/>
+                  </a:ext>
+                </a:extLst>
+              </a:tr>
+              <a:tr h="0">
+                <a:tc>
+                  <a:txBody>
+                    <a:bodyPr/>
+                    <a:lstStyle/>
+                    <a:p>
+                      <a:pPr latinLnBrk="1"/>
+                      <a:r>
+                        <a:rPr lang="ko-KR" altLang="en-US" sz="1100"/>
+                        <a:t>외부주소</a:t>
+                      </a:r>
+                    </a:p>
+                  </a:txBody>
+                  <a:tcPr/>
+                </a:tc>
+                <a:tc>
+                  <a:txBody>
+                    <a:bodyPr/>
+                    <a:lstStyle/>
+                    <a:p>
+                      <a:pPr latinLnBrk="1"/>
+                      <a:r>
+                        <a:rPr lang="en-US" altLang="ko-KR" sz="1100"/>
+                        <a:t>STN01_UsingLIB_1."FWD[P]"</a:t>
+                      </a:r>
+                      <a:endParaRPr lang="ko-KR" altLang="en-US" sz="1100"/>
+                    </a:p>
+                  </a:txBody>
+                  <a:tcPr/>
+                </a:tc>
+                <a:tc>
+                  <a:txBody>
+                    <a:bodyPr/>
+                    <a:lstStyle/>
+                    <a:p>
+                      <a:pPr latinLnBrk="1"/>
+                      <a:r>
+                        <a:rPr lang="en-US" altLang="ko-KR" sz="1100"/>
+                        <a:t>bool</a:t>
+                      </a:r>
+                      <a:endParaRPr lang="ko-KR" altLang="en-US" sz="1100"/>
+                    </a:p>
+                  </a:txBody>
+                  <a:tcPr/>
+                </a:tc>
+                <a:tc>
+                  <a:txBody>
+                    <a:bodyPr/>
+                    <a:lstStyle/>
+                    <a:p>
+                      <a:pPr latinLnBrk="1"/>
+                      <a:r>
+                        <a:rPr lang="en-US" altLang="ko-KR" sz="1100"/>
+                        <a:t>I625.12</a:t>
+                      </a:r>
+                      <a:endParaRPr lang="ko-KR" altLang="en-US" sz="1100"/>
+                    </a:p>
+                  </a:txBody>
+                  <a:tcPr/>
+                </a:tc>
+                <a:tc>
+                  <a:txBody>
+                    <a:bodyPr/>
+                    <a:lstStyle/>
+                    <a:p>
+                      <a:pPr latinLnBrk="1"/>
+                      <a:r>
+                        <a:rPr lang="en-US" altLang="ko-KR" sz="1100"/>
+                        <a:t>O625.12</a:t>
+                      </a:r>
+                      <a:endParaRPr lang="ko-KR" altLang="en-US" sz="1100"/>
+                    </a:p>
+                  </a:txBody>
+                  <a:tcPr/>
+                </a:tc>
+                <a:tc>
+                  <a:txBody>
+                    <a:bodyPr/>
+                    <a:lstStyle/>
+                    <a:p>
+                      <a:pPr latinLnBrk="1"/>
+                      <a:r>
+                        <a:rPr lang="en-US" altLang="ko-KR" sz="1100"/>
+                        <a:t>STN01_UsingLIB_1_FWD[P]</a:t>
+                      </a:r>
+                      <a:endParaRPr lang="ko-KR" altLang="en-US" sz="1100"/>
+                    </a:p>
+                  </a:txBody>
+                  <a:tcPr/>
+                </a:tc>
+                <a:tc>
+                  <a:txBody>
+                    <a:bodyPr/>
+                    <a:lstStyle/>
+                    <a:p>
+                      <a:pPr latinLnBrk="1"/>
+                      <a:endParaRPr lang="ko-KR" altLang="en-US" sz="1100"/>
+                    </a:p>
+                  </a:txBody>
+                  <a:tcPr/>
+                </a:tc>
+                <a:extLst>
+                  <a:ext uri="{0D108BD9-81ED-4DB2-BD59-A6C34878D82A}">
+                    <a16:rowId xmlns:a16="http://schemas.microsoft.com/office/drawing/2014/main" val="771162797"/>
+                  </a:ext>
+                </a:extLst>
+              </a:tr>
+              <a:tr h="0">
+                <a:tc>
+                  <a:txBody>
+                    <a:bodyPr/>
+                    <a:lstStyle/>
+                    <a:p>
+                      <a:pPr latinLnBrk="1"/>
+                      <a:r>
+                        <a:rPr lang="ko-KR" altLang="en-US" sz="1100"/>
+                        <a:t>외부주소</a:t>
+                      </a:r>
+                    </a:p>
+                  </a:txBody>
+                  <a:tcPr/>
+                </a:tc>
+                <a:tc>
+                  <a:txBody>
+                    <a:bodyPr/>
+                    <a:lstStyle/>
+                    <a:p>
+                      <a:pPr latinLnBrk="1"/>
+                      <a:r>
+                        <a:rPr lang="en-US" altLang="ko-KR" sz="1100"/>
+                        <a:t>STN01_UsingLIB_2."+"</a:t>
+                      </a:r>
+                      <a:endParaRPr lang="ko-KR" altLang="en-US" sz="1100"/>
+                    </a:p>
+                  </a:txBody>
+                  <a:tcPr/>
+                </a:tc>
+                <a:tc>
+                  <a:txBody>
+                    <a:bodyPr/>
+                    <a:lstStyle/>
+                    <a:p>
+                      <a:pPr latinLnBrk="1"/>
+                      <a:r>
+                        <a:rPr lang="en-US" altLang="ko-KR" sz="1100"/>
+                        <a:t>bool</a:t>
+                      </a:r>
+                      <a:endParaRPr lang="ko-KR" altLang="en-US" sz="1100"/>
+                    </a:p>
+                  </a:txBody>
+                  <a:tcPr/>
+                </a:tc>
+                <a:tc>
+                  <a:txBody>
+                    <a:bodyPr/>
+                    <a:lstStyle/>
+                    <a:p>
+                      <a:pPr latinLnBrk="1"/>
+                      <a:r>
+                        <a:rPr lang="en-US" altLang="ko-KR" sz="1100"/>
+                        <a:t>I625.13</a:t>
+                      </a:r>
+                      <a:endParaRPr lang="ko-KR" altLang="en-US" sz="1100"/>
+                    </a:p>
+                  </a:txBody>
+                  <a:tcPr/>
+                </a:tc>
+                <a:tc>
+                  <a:txBody>
+                    <a:bodyPr/>
+                    <a:lstStyle/>
+                    <a:p>
+                      <a:pPr latinLnBrk="1"/>
+                      <a:r>
+                        <a:rPr lang="en-US" altLang="ko-KR" sz="1100"/>
+                        <a:t>O625.13</a:t>
+                      </a:r>
+                      <a:endParaRPr lang="ko-KR" altLang="en-US" sz="1100"/>
+                    </a:p>
+                  </a:txBody>
+                  <a:tcPr/>
+                </a:tc>
+                <a:tc>
+                  <a:txBody>
+                    <a:bodyPr/>
+                    <a:lstStyle/>
+                    <a:p>
+                      <a:pPr latinLnBrk="1"/>
+                      <a:r>
+                        <a:rPr lang="en-US" altLang="ko-KR" sz="1100"/>
+                        <a:t>STN01_UsingLIB_2_+</a:t>
+                      </a:r>
+                      <a:endParaRPr lang="ko-KR" altLang="en-US" sz="1100"/>
+                    </a:p>
+                  </a:txBody>
+                  <a:tcPr/>
+                </a:tc>
+                <a:tc>
+                  <a:txBody>
+                    <a:bodyPr/>
+                    <a:lstStyle/>
+                    <a:p>
+                      <a:pPr latinLnBrk="1"/>
+                      <a:endParaRPr lang="ko-KR" altLang="en-US" sz="1100"/>
+                    </a:p>
+                  </a:txBody>
+                  <a:tcPr/>
+                </a:tc>
+                <a:extLst>
+                  <a:ext uri="{0D108BD9-81ED-4DB2-BD59-A6C34878D82A}">
+                    <a16:rowId xmlns:a16="http://schemas.microsoft.com/office/drawing/2014/main" val="833285610"/>
+                  </a:ext>
+                </a:extLst>
+              </a:tr>
+              <a:tr h="0">
+                <a:tc>
+                  <a:txBody>
+                    <a:bodyPr/>
+                    <a:lstStyle/>
+                    <a:p>
+                      <a:pPr latinLnBrk="1"/>
+                      <a:r>
+                        <a:rPr lang="ko-KR" altLang="en-US" sz="1100"/>
+                        <a:t>외부주소</a:t>
+                      </a:r>
+                    </a:p>
+                  </a:txBody>
+                  <a:tcPr/>
+                </a:tc>
+                <a:tc>
+                  <a:txBody>
+                    <a:bodyPr/>
+                    <a:lstStyle/>
+                    <a:p>
+                      <a:pPr latinLnBrk="1"/>
+                      <a:r>
+                        <a:rPr lang="en-US" altLang="ko-KR" sz="1100"/>
+                        <a:t>STN01_UsingLIB_2."-"</a:t>
+                      </a:r>
+                      <a:endParaRPr lang="ko-KR" altLang="en-US" sz="1100"/>
+                    </a:p>
+                  </a:txBody>
+                  <a:tcPr/>
+                </a:tc>
+                <a:tc>
+                  <a:txBody>
+                    <a:bodyPr/>
+                    <a:lstStyle/>
+                    <a:p>
+                      <a:pPr latinLnBrk="1"/>
+                      <a:r>
+                        <a:rPr lang="en-US" altLang="ko-KR" sz="1100"/>
+                        <a:t>bool</a:t>
+                      </a:r>
+                      <a:endParaRPr lang="ko-KR" altLang="en-US" sz="1100"/>
+                    </a:p>
+                  </a:txBody>
+                  <a:tcPr/>
+                </a:tc>
+                <a:tc>
+                  <a:txBody>
+                    <a:bodyPr/>
+                    <a:lstStyle/>
+                    <a:p>
+                      <a:pPr latinLnBrk="1"/>
+                      <a:r>
+                        <a:rPr lang="en-US" altLang="ko-KR" sz="1100"/>
+                        <a:t>I625.14</a:t>
+                      </a:r>
+                      <a:endParaRPr lang="ko-KR" altLang="en-US" sz="1100"/>
+                    </a:p>
+                  </a:txBody>
+                  <a:tcPr/>
+                </a:tc>
+                <a:tc>
+                  <a:txBody>
+                    <a:bodyPr/>
+                    <a:lstStyle/>
+                    <a:p>
+                      <a:pPr latinLnBrk="1"/>
+                      <a:r>
+                        <a:rPr lang="en-US" altLang="ko-KR" sz="1100"/>
+                        <a:t>O625.14</a:t>
+                      </a:r>
+                      <a:endParaRPr lang="ko-KR" altLang="en-US" sz="1100"/>
+                    </a:p>
+                  </a:txBody>
+                  <a:tcPr/>
+                </a:tc>
+                <a:tc>
+                  <a:txBody>
+                    <a:bodyPr/>
+                    <a:lstStyle/>
+                    <a:p>
+                      <a:pPr latinLnBrk="1"/>
+                      <a:r>
+                        <a:rPr lang="en-US" altLang="ko-KR" sz="1100"/>
+                        <a:t>STN01_UsingLIB_2_-</a:t>
+                      </a:r>
+                      <a:endParaRPr lang="ko-KR" altLang="en-US" sz="1100"/>
+                    </a:p>
+                  </a:txBody>
+                  <a:tcPr/>
+                </a:tc>
+                <a:tc>
+                  <a:txBody>
+                    <a:bodyPr/>
+                    <a:lstStyle/>
+                    <a:p>
+                      <a:pPr latinLnBrk="1"/>
+                      <a:endParaRPr lang="ko-KR" altLang="en-US" sz="1100"/>
+                    </a:p>
+                  </a:txBody>
+                  <a:tcPr/>
+                </a:tc>
+                <a:extLst>
+                  <a:ext uri="{0D108BD9-81ED-4DB2-BD59-A6C34878D82A}">
+                    <a16:rowId xmlns:a16="http://schemas.microsoft.com/office/drawing/2014/main" val="3237793518"/>
+                  </a:ext>
+                </a:extLst>
+              </a:tr>
+              <a:tr h="0">
+                <a:tc>
+                  <a:txBody>
+                    <a:bodyPr/>
+                    <a:lstStyle/>
+                    <a:p>
+                      <a:pPr latinLnBrk="1"/>
+                      <a:r>
+                        <a:rPr lang="ko-KR" altLang="en-US" sz="1100"/>
+                        <a:t>외부주소</a:t>
+                      </a:r>
+                    </a:p>
+                  </a:txBody>
+                  <a:tcPr/>
+                </a:tc>
+                <a:tc>
+                  <a:txBody>
+                    <a:bodyPr/>
+                    <a:lstStyle/>
+                    <a:p>
+                      <a:pPr latinLnBrk="1"/>
+                      <a:r>
+                        <a:rPr lang="en-US" altLang="ko-KR" sz="1100"/>
+                        <a:t>STN02_Pin."+"</a:t>
+                      </a:r>
+                      <a:endParaRPr lang="ko-KR" altLang="en-US" sz="1100"/>
+                    </a:p>
+                  </a:txBody>
+                  <a:tcPr/>
+                </a:tc>
+                <a:tc>
+                  <a:txBody>
+                    <a:bodyPr/>
+                    <a:lstStyle/>
+                    <a:p>
+                      <a:pPr latinLnBrk="1"/>
+                      <a:r>
+                        <a:rPr lang="en-US" altLang="ko-KR" sz="1100"/>
+                        <a:t>bool</a:t>
+                      </a:r>
+                      <a:endParaRPr lang="ko-KR" altLang="en-US" sz="1100"/>
+                    </a:p>
+                  </a:txBody>
+                  <a:tcPr/>
+                </a:tc>
+                <a:tc>
+                  <a:txBody>
+                    <a:bodyPr/>
+                    <a:lstStyle/>
+                    <a:p>
+                      <a:pPr latinLnBrk="1"/>
+                      <a:r>
+                        <a:rPr lang="en-US" altLang="ko-KR" sz="1100"/>
+                        <a:t>I625.15</a:t>
+                      </a:r>
+                      <a:endParaRPr lang="ko-KR" altLang="en-US" sz="1100"/>
+                    </a:p>
+                  </a:txBody>
+                  <a:tcPr/>
+                </a:tc>
+                <a:tc>
+                  <a:txBody>
+                    <a:bodyPr/>
+                    <a:lstStyle/>
+                    <a:p>
+                      <a:pPr latinLnBrk="1"/>
+                      <a:r>
+                        <a:rPr lang="en-US" altLang="ko-KR" sz="1100"/>
+                        <a:t>O625.15</a:t>
+                      </a:r>
+                      <a:endParaRPr lang="ko-KR" altLang="en-US" sz="1100"/>
+                    </a:p>
+                  </a:txBody>
+                  <a:tcPr/>
+                </a:tc>
+                <a:tc>
+                  <a:txBody>
+                    <a:bodyPr/>
+                    <a:lstStyle/>
+                    <a:p>
+                      <a:pPr latinLnBrk="1"/>
+                      <a:r>
+                        <a:rPr lang="en-US" altLang="ko-KR" sz="1100"/>
+                        <a:t>STN02_Pin_+</a:t>
+                      </a:r>
+                      <a:endParaRPr lang="ko-KR" altLang="en-US" sz="1100"/>
+                    </a:p>
+                  </a:txBody>
+                  <a:tcPr/>
+                </a:tc>
+                <a:tc>
+                  <a:txBody>
+                    <a:bodyPr/>
+                    <a:lstStyle/>
+                    <a:p>
+                      <a:pPr latinLnBrk="1"/>
+                      <a:endParaRPr lang="ko-KR" altLang="en-US" sz="1100"/>
+                    </a:p>
+                  </a:txBody>
+                  <a:tcPr/>
+                </a:tc>
+                <a:extLst>
+                  <a:ext uri="{0D108BD9-81ED-4DB2-BD59-A6C34878D82A}">
+                    <a16:rowId xmlns:a16="http://schemas.microsoft.com/office/drawing/2014/main" val="3927176985"/>
+                  </a:ext>
+                </a:extLst>
+              </a:tr>
+              <a:tr h="0">
+                <a:tc>
+                  <a:txBody>
+                    <a:bodyPr/>
+                    <a:lstStyle/>
+                    <a:p>
+                      <a:pPr latinLnBrk="1"/>
+                      <a:r>
+                        <a:rPr lang="ko-KR" altLang="en-US" sz="1100"/>
+                        <a:t>외부주소</a:t>
+                      </a:r>
+                    </a:p>
+                  </a:txBody>
+                  <a:tcPr/>
+                </a:tc>
+                <a:tc>
+                  <a:txBody>
+                    <a:bodyPr/>
+                    <a:lstStyle/>
+                    <a:p>
+                      <a:pPr latinLnBrk="1"/>
+                      <a:r>
+                        <a:rPr lang="en-US" altLang="ko-KR" sz="1100"/>
+                        <a:t>STN02_Pin."-"</a:t>
+                      </a:r>
+                      <a:endParaRPr lang="ko-KR" altLang="en-US" sz="1100"/>
+                    </a:p>
+                  </a:txBody>
+                  <a:tcPr/>
+                </a:tc>
+                <a:tc>
+                  <a:txBody>
+                    <a:bodyPr/>
+                    <a:lstStyle/>
+                    <a:p>
+                      <a:pPr latinLnBrk="1"/>
+                      <a:r>
+                        <a:rPr lang="en-US" altLang="ko-KR" sz="1100"/>
+                        <a:t>bool</a:t>
+                      </a:r>
+                      <a:endParaRPr lang="ko-KR" altLang="en-US" sz="1100"/>
+                    </a:p>
+                  </a:txBody>
+                  <a:tcPr/>
+                </a:tc>
+                <a:tc>
+                  <a:txBody>
+                    <a:bodyPr/>
+                    <a:lstStyle/>
+                    <a:p>
+                      <a:pPr latinLnBrk="1"/>
+                      <a:r>
+                        <a:rPr lang="en-US" altLang="ko-KR" sz="1100"/>
+                        <a:t>I626.0</a:t>
+                      </a:r>
+                      <a:endParaRPr lang="ko-KR" altLang="en-US" sz="1100"/>
+                    </a:p>
+                  </a:txBody>
+                  <a:tcPr/>
+                </a:tc>
+                <a:tc>
+                  <a:txBody>
+                    <a:bodyPr/>
+                    <a:lstStyle/>
+                    <a:p>
+                      <a:pPr latinLnBrk="1"/>
+                      <a:r>
+                        <a:rPr lang="en-US" altLang="ko-KR" sz="1100"/>
+                        <a:t>O626.0</a:t>
+                      </a:r>
+                      <a:endParaRPr lang="ko-KR" altLang="en-US" sz="1100"/>
+                    </a:p>
+                  </a:txBody>
+                  <a:tcPr/>
+                </a:tc>
+                <a:tc>
+                  <a:txBody>
+                    <a:bodyPr/>
+                    <a:lstStyle/>
+                    <a:p>
+                      <a:pPr latinLnBrk="1"/>
+                      <a:r>
+                        <a:rPr lang="en-US" altLang="ko-KR" sz="1100"/>
+                        <a:t>STN02_Pin_-</a:t>
+                      </a:r>
+                      <a:endParaRPr lang="ko-KR" altLang="en-US" sz="1100"/>
+                    </a:p>
+                  </a:txBody>
+                  <a:tcPr/>
+                </a:tc>
+                <a:tc>
+                  <a:txBody>
+                    <a:bodyPr/>
+                    <a:lstStyle/>
+                    <a:p>
+                      <a:pPr latinLnBrk="1"/>
+                      <a:endParaRPr lang="ko-KR" altLang="en-US" sz="1100"/>
+                    </a:p>
+                  </a:txBody>
+                  <a:tcPr/>
+                </a:tc>
+                <a:extLst>
+                  <a:ext uri="{0D108BD9-81ED-4DB2-BD59-A6C34878D82A}">
+                    <a16:rowId xmlns:a16="http://schemas.microsoft.com/office/drawing/2014/main" val="3001397425"/>
+                  </a:ext>
+                </a:extLst>
+              </a:tr>
+              <a:tr h="0">
+                <a:tc>
+                  <a:txBody>
+                    <a:bodyPr/>
+                    <a:lstStyle/>
+                    <a:p>
+                      <a:pPr latinLnBrk="1"/>
+                      <a:r>
+                        <a:rPr lang="ko-KR" altLang="en-US" sz="1100"/>
+                        <a:t>외부주소</a:t>
+                      </a:r>
+                    </a:p>
+                  </a:txBody>
+                  <a:tcPr/>
+                </a:tc>
+                <a:tc>
+                  <a:txBody>
+                    <a:bodyPr/>
+                    <a:lstStyle/>
+                    <a:p>
+                      <a:pPr latinLnBrk="1"/>
+                      <a:r>
+                        <a:rPr lang="en-US" altLang="ko-KR" sz="1100"/>
+                        <a:t>STN03_Pin."+"</a:t>
+                      </a:r>
+                      <a:endParaRPr lang="ko-KR" altLang="en-US" sz="1100"/>
+                    </a:p>
+                  </a:txBody>
+                  <a:tcPr/>
+                </a:tc>
+                <a:tc>
+                  <a:txBody>
+                    <a:bodyPr/>
+                    <a:lstStyle/>
+                    <a:p>
+                      <a:pPr latinLnBrk="1"/>
+                      <a:r>
+                        <a:rPr lang="en-US" altLang="ko-KR" sz="1100"/>
+                        <a:t>bool</a:t>
+                      </a:r>
+                      <a:endParaRPr lang="ko-KR" altLang="en-US" sz="1100"/>
+                    </a:p>
+                  </a:txBody>
+                  <a:tcPr/>
+                </a:tc>
+                <a:tc>
+                  <a:txBody>
+                    <a:bodyPr/>
+                    <a:lstStyle/>
+                    <a:p>
+                      <a:pPr latinLnBrk="1"/>
+                      <a:r>
+                        <a:rPr lang="en-US" altLang="ko-KR" sz="1100"/>
+                        <a:t>I626.1</a:t>
+                      </a:r>
+                      <a:endParaRPr lang="ko-KR" altLang="en-US" sz="1100"/>
+                    </a:p>
+                  </a:txBody>
+                  <a:tcPr/>
+                </a:tc>
+                <a:tc>
+                  <a:txBody>
+                    <a:bodyPr/>
+                    <a:lstStyle/>
+                    <a:p>
+                      <a:pPr latinLnBrk="1"/>
+                      <a:r>
+                        <a:rPr lang="en-US" altLang="ko-KR" sz="1100"/>
+                        <a:t>O626.1</a:t>
+                      </a:r>
+                      <a:endParaRPr lang="ko-KR" altLang="en-US" sz="1100"/>
+                    </a:p>
+                  </a:txBody>
+                  <a:tcPr/>
+                </a:tc>
+                <a:tc>
+                  <a:txBody>
+                    <a:bodyPr/>
+                    <a:lstStyle/>
+                    <a:p>
+                      <a:pPr latinLnBrk="1"/>
+                      <a:r>
+                        <a:rPr lang="en-US" altLang="ko-KR" sz="1100"/>
+                        <a:t>STN03_Pin_+</a:t>
+                      </a:r>
+                      <a:endParaRPr lang="ko-KR" altLang="en-US" sz="1100"/>
+                    </a:p>
+                  </a:txBody>
+                  <a:tcPr/>
+                </a:tc>
+                <a:tc>
+                  <a:txBody>
+                    <a:bodyPr/>
+                    <a:lstStyle/>
+                    <a:p>
+                      <a:pPr latinLnBrk="1"/>
+                      <a:endParaRPr lang="ko-KR" altLang="en-US" sz="1100"/>
+                    </a:p>
+                  </a:txBody>
+                  <a:tcPr/>
+                </a:tc>
+                <a:extLst>
+                  <a:ext uri="{0D108BD9-81ED-4DB2-BD59-A6C34878D82A}">
+                    <a16:rowId xmlns:a16="http://schemas.microsoft.com/office/drawing/2014/main" val="2044835138"/>
+                  </a:ext>
+                </a:extLst>
+              </a:tr>
+              <a:tr h="0">
+                <a:tc>
+                  <a:txBody>
+                    <a:bodyPr/>
+                    <a:lstStyle/>
+                    <a:p>
+                      <a:pPr latinLnBrk="1"/>
+                      <a:r>
+                        <a:rPr lang="ko-KR" altLang="en-US" sz="1100"/>
+                        <a:t>외부주소</a:t>
+                      </a:r>
+                    </a:p>
+                  </a:txBody>
+                  <a:tcPr/>
+                </a:tc>
+                <a:tc>
+                  <a:txBody>
+                    <a:bodyPr/>
+                    <a:lstStyle/>
+                    <a:p>
+                      <a:pPr latinLnBrk="1"/>
+                      <a:r>
+                        <a:rPr lang="en-US" altLang="ko-KR" sz="1100"/>
+                        <a:t>STN03_Pin."-"</a:t>
+                      </a:r>
+                      <a:endParaRPr lang="ko-KR" altLang="en-US" sz="1100"/>
+                    </a:p>
+                  </a:txBody>
+                  <a:tcPr/>
+                </a:tc>
+                <a:tc>
+                  <a:txBody>
+                    <a:bodyPr/>
+                    <a:lstStyle/>
+                    <a:p>
+                      <a:pPr latinLnBrk="1"/>
+                      <a:r>
+                        <a:rPr lang="en-US" altLang="ko-KR" sz="1100"/>
+                        <a:t>bool</a:t>
+                      </a:r>
+                      <a:endParaRPr lang="ko-KR" altLang="en-US" sz="1100"/>
+                    </a:p>
+                  </a:txBody>
+                  <a:tcPr/>
+                </a:tc>
+                <a:tc>
+                  <a:txBody>
+                    <a:bodyPr/>
+                    <a:lstStyle/>
+                    <a:p>
+                      <a:pPr latinLnBrk="1"/>
+                      <a:r>
+                        <a:rPr lang="en-US" altLang="ko-KR" sz="1100"/>
+                        <a:t>I626.2</a:t>
+                      </a:r>
+                      <a:endParaRPr lang="ko-KR" altLang="en-US" sz="1100"/>
+                    </a:p>
+                  </a:txBody>
+                  <a:tcPr/>
+                </a:tc>
+                <a:tc>
+                  <a:txBody>
+                    <a:bodyPr/>
+                    <a:lstStyle/>
+                    <a:p>
+                      <a:pPr latinLnBrk="1"/>
+                      <a:r>
+                        <a:rPr lang="en-US" altLang="ko-KR" sz="1100"/>
+                        <a:t>O626.2</a:t>
+                      </a:r>
+                      <a:endParaRPr lang="ko-KR" altLang="en-US" sz="1100"/>
+                    </a:p>
+                  </a:txBody>
+                  <a:tcPr/>
+                </a:tc>
+                <a:tc>
+                  <a:txBody>
+                    <a:bodyPr/>
+                    <a:lstStyle/>
+                    <a:p>
+                      <a:pPr latinLnBrk="1"/>
+                      <a:r>
+                        <a:rPr lang="en-US" altLang="ko-KR" sz="1100"/>
+                        <a:t>STN03_Pin_-</a:t>
+                      </a:r>
+                      <a:endParaRPr lang="ko-KR" altLang="en-US" sz="1100"/>
+                    </a:p>
+                  </a:txBody>
+                  <a:tcPr/>
+                </a:tc>
+                <a:tc>
+                  <a:txBody>
+                    <a:bodyPr/>
+                    <a:lstStyle/>
+                    <a:p>
+                      <a:pPr latinLnBrk="1"/>
+                      <a:endParaRPr lang="ko-KR" altLang="en-US" sz="1100"/>
+                    </a:p>
+                  </a:txBody>
+                  <a:tcPr/>
+                </a:tc>
+                <a:extLst>
+                  <a:ext uri="{0D108BD9-81ED-4DB2-BD59-A6C34878D82A}">
+                    <a16:rowId xmlns:a16="http://schemas.microsoft.com/office/drawing/2014/main" val="201646035"/>
+                  </a:ext>
+                </a:extLst>
+              </a:tr>
+              <a:tr h="0">
+                <a:tc>
+                  <a:txBody>
+                    <a:bodyPr/>
+                    <a:lstStyle/>
+                    <a:p>
+                      <a:pPr latinLnBrk="1"/>
+                      <a:endParaRPr lang="ko-KR" altLang="en-US" sz="1100"/>
+                    </a:p>
+                  </a:txBody>
+                  <a:tcPr/>
+                </a:tc>
+                <a:tc>
+                  <a:txBody>
+                    <a:bodyPr/>
+                    <a:lstStyle/>
+                    <a:p>
+                      <a:pPr latinLnBrk="1"/>
+                      <a:endParaRPr lang="ko-KR" altLang="en-US" sz="1100"/>
+                    </a:p>
+                  </a:txBody>
+                  <a:tcPr/>
+                </a:tc>
+                <a:tc>
+                  <a:txBody>
+                    <a:bodyPr/>
+                    <a:lstStyle/>
+                    <a:p>
+                      <a:pPr latinLnBrk="1"/>
+                      <a:endParaRPr lang="ko-KR" altLang="en-US" sz="1100"/>
+                    </a:p>
+                  </a:txBody>
+                  <a:tcPr/>
+                </a:tc>
+                <a:tc>
+                  <a:txBody>
+                    <a:bodyPr/>
+                    <a:lstStyle/>
+                    <a:p>
+                      <a:pPr latinLnBrk="1"/>
+                      <a:endParaRPr lang="ko-KR" altLang="en-US" sz="1100"/>
+                    </a:p>
+                  </a:txBody>
+                  <a:tcPr/>
+                </a:tc>
+                <a:tc>
+                  <a:txBody>
+                    <a:bodyPr/>
+                    <a:lstStyle/>
+                    <a:p>
+                      <a:pPr latinLnBrk="1"/>
+                      <a:endParaRPr lang="ko-KR" altLang="en-US" sz="1100"/>
+                    </a:p>
+                  </a:txBody>
+                  <a:tcPr/>
+                </a:tc>
+                <a:tc>
+                  <a:txBody>
+                    <a:bodyPr/>
+                    <a:lstStyle/>
+                    <a:p>
+                      <a:pPr latinLnBrk="1"/>
+                      <a:endParaRPr lang="ko-KR" altLang="en-US" sz="1100"/>
+                    </a:p>
+                  </a:txBody>
+                  <a:tcPr/>
+                </a:tc>
+                <a:tc>
+                  <a:txBody>
+                    <a:bodyPr/>
+                    <a:lstStyle/>
+                    <a:p>
+                      <a:pPr latinLnBrk="1"/>
+                      <a:endParaRPr lang="ko-KR" altLang="en-US" sz="1100"/>
+                    </a:p>
+                  </a:txBody>
+                  <a:tcPr/>
+                </a:tc>
+                <a:extLst>
+                  <a:ext uri="{0D108BD9-81ED-4DB2-BD59-A6C34878D82A}">
+                    <a16:rowId xmlns:a16="http://schemas.microsoft.com/office/drawing/2014/main" val="2586275622"/>
+                  </a:ext>
+                </a:extLst>
+              </a:tr>
+              <a:tr h="0">
+                <a:tc>
+                  <a:txBody>
+                    <a:bodyPr/>
+                    <a:lstStyle/>
+                    <a:p>
+                      <a:pPr latinLnBrk="1"/>
+                      <a:endParaRPr lang="ko-KR" altLang="en-US" sz="1100"/>
+                    </a:p>
+                  </a:txBody>
+                  <a:tcPr/>
+                </a:tc>
+                <a:tc>
+                  <a:txBody>
+                    <a:bodyPr/>
+                    <a:lstStyle/>
+                    <a:p>
+                      <a:pPr latinLnBrk="1"/>
+                      <a:endParaRPr lang="ko-KR" altLang="en-US" sz="1100"/>
+                    </a:p>
+                  </a:txBody>
+                  <a:tcPr/>
+                </a:tc>
+                <a:tc>
+                  <a:txBody>
+                    <a:bodyPr/>
+                    <a:lstStyle/>
+                    <a:p>
+                      <a:pPr latinLnBrk="1"/>
+                      <a:endParaRPr lang="ko-KR" altLang="en-US" sz="1100"/>
+                    </a:p>
+                  </a:txBody>
+                  <a:tcPr/>
+                </a:tc>
+                <a:tc>
+                  <a:txBody>
+                    <a:bodyPr/>
+                    <a:lstStyle/>
+                    <a:p>
+                      <a:pPr latinLnBrk="1"/>
+                      <a:endParaRPr lang="ko-KR" altLang="en-US" sz="1100"/>
+                    </a:p>
+                  </a:txBody>
+                  <a:tcPr/>
+                </a:tc>
+                <a:tc>
+                  <a:txBody>
+                    <a:bodyPr/>
+                    <a:lstStyle/>
+                    <a:p>
+                      <a:pPr latinLnBrk="1"/>
+                      <a:endParaRPr lang="ko-KR" altLang="en-US" sz="1100"/>
+                    </a:p>
+                  </a:txBody>
+                  <a:tcPr/>
+                </a:tc>
+                <a:tc>
+                  <a:txBody>
+                    <a:bodyPr/>
+                    <a:lstStyle/>
+                    <a:p>
+                      <a:pPr latinLnBrk="1"/>
+                      <a:endParaRPr lang="ko-KR" altLang="en-US" sz="1100"/>
+                    </a:p>
+                  </a:txBody>
+                  <a:tcPr/>
+                </a:tc>
+                <a:tc>
+                  <a:txBody>
+                    <a:bodyPr/>
+                    <a:lstStyle/>
+                    <a:p>
+                      <a:pPr latinLnBrk="1"/>
+                      <a:endParaRPr lang="ko-KR" altLang="en-US" sz="1100"/>
+                    </a:p>
+                  </a:txBody>
+                  <a:tcPr/>
+                </a:tc>
+                <a:extLst>
+                  <a:ext uri="{0D108BD9-81ED-4DB2-BD59-A6C34878D82A}">
+                    <a16:rowId xmlns:a16="http://schemas.microsoft.com/office/drawing/2014/main" val="1548247785"/>
+                  </a:ext>
+                </a:extLst>
+              </a:tr>
+              <a:tr h="0">
+                <a:tc>
+                  <a:txBody>
+                    <a:bodyPr/>
+                    <a:lstStyle/>
+                    <a:p>
+                      <a:pPr latinLnBrk="1"/>
+                      <a:endParaRPr lang="ko-KR" altLang="en-US" sz="1100"/>
+                    </a:p>
+                  </a:txBody>
+                  <a:tcPr/>
+                </a:tc>
+                <a:tc>
+                  <a:txBody>
+                    <a:bodyPr/>
+                    <a:lstStyle/>
+                    <a:p>
+                      <a:pPr latinLnBrk="1"/>
+                      <a:endParaRPr lang="ko-KR" altLang="en-US" sz="1100"/>
+                    </a:p>
+                  </a:txBody>
+                  <a:tcPr/>
+                </a:tc>
+                <a:tc>
+                  <a:txBody>
+                    <a:bodyPr/>
+                    <a:lstStyle/>
+                    <a:p>
+                      <a:pPr latinLnBrk="1"/>
+                      <a:endParaRPr lang="ko-KR" altLang="en-US" sz="1100"/>
+                    </a:p>
+                  </a:txBody>
+                  <a:tcPr/>
+                </a:tc>
+                <a:tc>
+                  <a:txBody>
+                    <a:bodyPr/>
+                    <a:lstStyle/>
+                    <a:p>
+                      <a:pPr latinLnBrk="1"/>
+                      <a:endParaRPr lang="ko-KR" altLang="en-US" sz="1100"/>
+                    </a:p>
+                  </a:txBody>
+                  <a:tcPr/>
+                </a:tc>
+                <a:tc>
+                  <a:txBody>
+                    <a:bodyPr/>
+                    <a:lstStyle/>
+                    <a:p>
+                      <a:pPr latinLnBrk="1"/>
+                      <a:endParaRPr lang="ko-KR" altLang="en-US" sz="1100"/>
+                    </a:p>
+                  </a:txBody>
+                  <a:tcPr/>
+                </a:tc>
+                <a:tc>
+                  <a:txBody>
+                    <a:bodyPr/>
+                    <a:lstStyle/>
+                    <a:p>
+                      <a:pPr latinLnBrk="1"/>
+                      <a:endParaRPr lang="ko-KR" altLang="en-US" sz="1100"/>
+                    </a:p>
+                  </a:txBody>
+                  <a:tcPr/>
+                </a:tc>
+                <a:tc>
+                  <a:txBody>
+                    <a:bodyPr/>
+                    <a:lstStyle/>
+                    <a:p>
+                      <a:pPr latinLnBrk="1"/>
+                      <a:endParaRPr lang="ko-KR" altLang="en-US" sz="1100"/>
+                    </a:p>
+                  </a:txBody>
+                  <a:tcPr/>
+                </a:tc>
+                <a:extLst>
+                  <a:ext uri="{0D108BD9-81ED-4DB2-BD59-A6C34878D82A}">
+                    <a16:rowId xmlns:a16="http://schemas.microsoft.com/office/drawing/2014/main" val="936440917"/>
+                  </a:ext>
+                </a:extLst>
+              </a:tr>
+              <a:tr h="0">
+                <a:tc>
+                  <a:txBody>
+                    <a:bodyPr/>
+                    <a:lstStyle/>
+                    <a:p>
+                      <a:pPr latinLnBrk="1"/>
+                      <a:endParaRPr lang="ko-KR" altLang="en-US" sz="1100"/>
+                    </a:p>
+                  </a:txBody>
+                  <a:tcPr/>
+                </a:tc>
+                <a:tc>
+                  <a:txBody>
+                    <a:bodyPr/>
+                    <a:lstStyle/>
+                    <a:p>
+                      <a:pPr latinLnBrk="1"/>
+                      <a:endParaRPr lang="ko-KR" altLang="en-US" sz="1100"/>
+                    </a:p>
+                  </a:txBody>
+                  <a:tcPr/>
+                </a:tc>
+                <a:tc>
+                  <a:txBody>
+                    <a:bodyPr/>
+                    <a:lstStyle/>
+                    <a:p>
+                      <a:pPr latinLnBrk="1"/>
+                      <a:endParaRPr lang="ko-KR" altLang="en-US" sz="1100"/>
+                    </a:p>
+                  </a:txBody>
+                  <a:tcPr/>
+                </a:tc>
+                <a:tc>
+                  <a:txBody>
+                    <a:bodyPr/>
+                    <a:lstStyle/>
+                    <a:p>
+                      <a:pPr latinLnBrk="1"/>
+                      <a:endParaRPr lang="ko-KR" altLang="en-US" sz="1100"/>
+                    </a:p>
+                  </a:txBody>
+                  <a:tcPr/>
+                </a:tc>
+                <a:tc>
+                  <a:txBody>
+                    <a:bodyPr/>
+                    <a:lstStyle/>
+                    <a:p>
+                      <a:pPr latinLnBrk="1"/>
+                      <a:endParaRPr lang="ko-KR" altLang="en-US" sz="1100"/>
+                    </a:p>
+                  </a:txBody>
+                  <a:tcPr/>
+                </a:tc>
+                <a:tc>
+                  <a:txBody>
+                    <a:bodyPr/>
+                    <a:lstStyle/>
+                    <a:p>
+                      <a:pPr latinLnBrk="1"/>
+                      <a:endParaRPr lang="ko-KR" altLang="en-US" sz="1100"/>
+                    </a:p>
+                  </a:txBody>
+                  <a:tcPr/>
+                </a:tc>
+                <a:tc>
+                  <a:txBody>
+                    <a:bodyPr/>
+                    <a:lstStyle/>
+                    <a:p>
+                      <a:pPr latinLnBrk="1"/>
+                      <a:endParaRPr lang="ko-KR" altLang="en-US" sz="1100"/>
+                    </a:p>
+                  </a:txBody>
+                  <a:tcPr/>
+                </a:tc>
+                <a:extLst>
+                  <a:ext uri="{0D108BD9-81ED-4DB2-BD59-A6C34878D82A}">
+                    <a16:rowId xmlns:a16="http://schemas.microsoft.com/office/drawing/2014/main" val="4234296516"/>
+                  </a:ext>
+                </a:extLst>
+              </a:tr>
+              <a:tr h="0">
+                <a:tc>
+                  <a:txBody>
+                    <a:bodyPr/>
+                    <a:lstStyle/>
+                    <a:p>
+                      <a:pPr latinLnBrk="1"/>
+                      <a:endParaRPr lang="ko-KR" altLang="en-US" sz="1100"/>
+                    </a:p>
+                  </a:txBody>
+                  <a:tcPr/>
+                </a:tc>
+                <a:tc>
+                  <a:txBody>
+                    <a:bodyPr/>
+                    <a:lstStyle/>
+                    <a:p>
+                      <a:pPr latinLnBrk="1"/>
+                      <a:endParaRPr lang="ko-KR" altLang="en-US" sz="1100"/>
+                    </a:p>
+                  </a:txBody>
+                  <a:tcPr/>
+                </a:tc>
+                <a:tc>
+                  <a:txBody>
+                    <a:bodyPr/>
+                    <a:lstStyle/>
+                    <a:p>
+                      <a:pPr latinLnBrk="1"/>
+                      <a:endParaRPr lang="ko-KR" altLang="en-US" sz="1100"/>
+                    </a:p>
+                  </a:txBody>
+                  <a:tcPr/>
+                </a:tc>
+                <a:tc>
+                  <a:txBody>
+                    <a:bodyPr/>
+                    <a:lstStyle/>
+                    <a:p>
+                      <a:pPr latinLnBrk="1"/>
+                      <a:endParaRPr lang="ko-KR" altLang="en-US" sz="1100"/>
+                    </a:p>
+                  </a:txBody>
+                  <a:tcPr/>
+                </a:tc>
+                <a:tc>
+                  <a:txBody>
+                    <a:bodyPr/>
+                    <a:lstStyle/>
+                    <a:p>
+                      <a:pPr latinLnBrk="1"/>
+                      <a:endParaRPr lang="ko-KR" altLang="en-US" sz="1100"/>
+                    </a:p>
+                  </a:txBody>
+                  <a:tcPr/>
+                </a:tc>
+                <a:tc>
+                  <a:txBody>
+                    <a:bodyPr/>
+                    <a:lstStyle/>
+                    <a:p>
+                      <a:pPr latinLnBrk="1"/>
+                      <a:endParaRPr lang="ko-KR" altLang="en-US" sz="1100"/>
+                    </a:p>
+                  </a:txBody>
+                  <a:tcPr/>
+                </a:tc>
+                <a:tc>
+                  <a:txBody>
+                    <a:bodyPr/>
+                    <a:lstStyle/>
+                    <a:p>
+                      <a:pPr latinLnBrk="1"/>
+                      <a:endParaRPr lang="ko-KR" altLang="en-US" sz="1100"/>
+                    </a:p>
+                  </a:txBody>
+                  <a:tcPr/>
+                </a:tc>
+                <a:extLst>
+                  <a:ext uri="{0D108BD9-81ED-4DB2-BD59-A6C34878D82A}">
+                    <a16:rowId xmlns:a16="http://schemas.microsoft.com/office/drawing/2014/main" val="526971523"/>
+                  </a:ext>
+                </a:extLst>
+              </a:tr>
+              <a:tr h="0">
+                <a:tc>
+                  <a:txBody>
+                    <a:bodyPr/>
+                    <a:lstStyle/>
+                    <a:p>
+                      <a:pPr latinLnBrk="1"/>
+                      <a:endParaRPr lang="ko-KR" altLang="en-US" sz="1100"/>
+                    </a:p>
+                  </a:txBody>
+                  <a:tcPr/>
+                </a:tc>
+                <a:tc>
+                  <a:txBody>
+                    <a:bodyPr/>
+                    <a:lstStyle/>
+                    <a:p>
+                      <a:pPr latinLnBrk="1"/>
+                      <a:endParaRPr lang="ko-KR" altLang="en-US" sz="1100"/>
+                    </a:p>
+                  </a:txBody>
+                  <a:tcPr/>
+                </a:tc>
+                <a:tc>
+                  <a:txBody>
+                    <a:bodyPr/>
+                    <a:lstStyle/>
+                    <a:p>
+                      <a:pPr latinLnBrk="1"/>
+                      <a:endParaRPr lang="ko-KR" altLang="en-US" sz="1100"/>
+                    </a:p>
+                  </a:txBody>
+                  <a:tcPr/>
+                </a:tc>
+                <a:tc>
+                  <a:txBody>
+                    <a:bodyPr/>
+                    <a:lstStyle/>
+                    <a:p>
+                      <a:pPr latinLnBrk="1"/>
+                      <a:endParaRPr lang="ko-KR" altLang="en-US" sz="1100"/>
+                    </a:p>
+                  </a:txBody>
+                  <a:tcPr/>
+                </a:tc>
+                <a:tc>
+                  <a:txBody>
+                    <a:bodyPr/>
+                    <a:lstStyle/>
+                    <a:p>
+                      <a:pPr latinLnBrk="1"/>
+                      <a:endParaRPr lang="ko-KR" altLang="en-US" sz="1100"/>
+                    </a:p>
+                  </a:txBody>
+                  <a:tcPr/>
+                </a:tc>
+                <a:tc>
+                  <a:txBody>
+                    <a:bodyPr/>
+                    <a:lstStyle/>
+                    <a:p>
+                      <a:pPr latinLnBrk="1"/>
+                      <a:endParaRPr lang="ko-KR" altLang="en-US" sz="1100"/>
+                    </a:p>
+                  </a:txBody>
+                  <a:tcPr/>
+                </a:tc>
+                <a:tc>
+                  <a:txBody>
+                    <a:bodyPr/>
+                    <a:lstStyle/>
+                    <a:p>
+                      <a:pPr latinLnBrk="1"/>
+                      <a:endParaRPr lang="ko-KR" altLang="en-US" sz="1100"/>
+                    </a:p>
+                  </a:txBody>
+                  <a:tcPr/>
+                </a:tc>
+                <a:extLst>
+                  <a:ext uri="{0D108BD9-81ED-4DB2-BD59-A6C34878D82A}">
+                    <a16:rowId xmlns:a16="http://schemas.microsoft.com/office/drawing/2014/main" val="1097332570"/>
+                  </a:ext>
+                </a:extLst>
+              </a:tr>
+              <a:tr h="0">
+                <a:tc>
+                  <a:txBody>
+                    <a:bodyPr/>
+                    <a:lstStyle/>
+                    <a:p>
+                      <a:pPr latinLnBrk="1"/>
+                      <a:r>
+                        <a:rPr lang="ko-KR" altLang="en-US" sz="1100"/>
+                        <a:t>내부변수</a:t>
+                      </a:r>
+                    </a:p>
+                  </a:txBody>
+                  <a:tcPr/>
+                </a:tc>
+                <a:tc>
+                  <a:txBody>
+                    <a:bodyPr/>
+                    <a:lstStyle/>
+                    <a:p>
+                      <a:pPr latinLnBrk="1"/>
+                      <a:endParaRPr lang="ko-KR" altLang="en-US" sz="1100"/>
+                    </a:p>
+                  </a:txBody>
+                  <a:tcPr/>
+                </a:tc>
+                <a:tc>
+                  <a:txBody>
+                    <a:bodyPr/>
+                    <a:lstStyle/>
+                    <a:p>
+                      <a:pPr latinLnBrk="1"/>
+                      <a:endParaRPr lang="ko-KR" altLang="en-US" sz="1100"/>
+                    </a:p>
+                  </a:txBody>
+                  <a:tcPr/>
+                </a:tc>
+                <a:tc>
+                  <a:txBody>
+                    <a:bodyPr/>
+                    <a:lstStyle/>
+                    <a:p>
+                      <a:pPr latinLnBrk="1"/>
+                      <a:endParaRPr lang="ko-KR" altLang="en-US" sz="1100"/>
+                    </a:p>
+                  </a:txBody>
+                  <a:tcPr/>
+                </a:tc>
+                <a:tc>
+                  <a:txBody>
+                    <a:bodyPr/>
+                    <a:lstStyle/>
+                    <a:p>
+                      <a:pPr latinLnBrk="1"/>
+                      <a:endParaRPr lang="ko-KR" altLang="en-US" sz="1100"/>
+                    </a:p>
+                  </a:txBody>
+                  <a:tcPr/>
+                </a:tc>
+                <a:tc>
+                  <a:txBody>
+                    <a:bodyPr/>
+                    <a:lstStyle/>
+                    <a:p>
+                      <a:pPr latinLnBrk="1"/>
+                      <a:endParaRPr lang="ko-KR" altLang="en-US" sz="1100"/>
+                    </a:p>
+                  </a:txBody>
+                  <a:tcPr/>
+                </a:tc>
+                <a:tc>
+                  <a:txBody>
+                    <a:bodyPr/>
+                    <a:lstStyle/>
+                    <a:p>
+                      <a:pPr latinLnBrk="1"/>
+                      <a:endParaRPr lang="ko-KR" altLang="en-US" sz="1100"/>
+                    </a:p>
+                  </a:txBody>
+                  <a:tcPr/>
+                </a:tc>
+                <a:extLst>
+                  <a:ext uri="{0D108BD9-81ED-4DB2-BD59-A6C34878D82A}">
+                    <a16:rowId xmlns:a16="http://schemas.microsoft.com/office/drawing/2014/main" val="3088364642"/>
+                  </a:ext>
+                </a:extLst>
+              </a:tr>
+              <a:tr h="0">
+                <a:tc>
+                  <a:txBody>
+                    <a:bodyPr/>
+                    <a:lstStyle/>
+                    <a:p>
+                      <a:pPr latinLnBrk="1"/>
+                      <a:endParaRPr lang="ko-KR" altLang="en-US" sz="1100"/>
+                    </a:p>
+                  </a:txBody>
+                  <a:tcPr/>
+                </a:tc>
+                <a:tc>
+                  <a:txBody>
+                    <a:bodyPr/>
+                    <a:lstStyle/>
+                    <a:p>
+                      <a:pPr latinLnBrk="1"/>
+                      <a:endParaRPr lang="ko-KR" altLang="en-US" sz="1100"/>
+                    </a:p>
+                  </a:txBody>
+                  <a:tcPr/>
+                </a:tc>
+                <a:tc>
+                  <a:txBody>
+                    <a:bodyPr/>
+                    <a:lstStyle/>
+                    <a:p>
+                      <a:pPr latinLnBrk="1"/>
+                      <a:endParaRPr lang="ko-KR" altLang="en-US" sz="1100"/>
+                    </a:p>
+                  </a:txBody>
+                  <a:tcPr/>
+                </a:tc>
+                <a:tc>
+                  <a:txBody>
+                    <a:bodyPr/>
+                    <a:lstStyle/>
+                    <a:p>
+                      <a:pPr latinLnBrk="1"/>
+                      <a:endParaRPr lang="ko-KR" altLang="en-US" sz="1100"/>
+                    </a:p>
+                  </a:txBody>
+                  <a:tcPr/>
+                </a:tc>
+                <a:tc>
+                  <a:txBody>
+                    <a:bodyPr/>
+                    <a:lstStyle/>
+                    <a:p>
+                      <a:pPr latinLnBrk="1"/>
+                      <a:endParaRPr lang="ko-KR" altLang="en-US" sz="1100"/>
+                    </a:p>
+                  </a:txBody>
+                  <a:tcPr/>
+                </a:tc>
+                <a:tc>
+                  <a:txBody>
+                    <a:bodyPr/>
+                    <a:lstStyle/>
+                    <a:p>
+                      <a:pPr latinLnBrk="1"/>
+                      <a:endParaRPr lang="ko-KR" altLang="en-US" sz="1100"/>
+                    </a:p>
+                  </a:txBody>
+                  <a:tcPr/>
+                </a:tc>
+                <a:tc>
+                  <a:txBody>
+                    <a:bodyPr/>
+                    <a:lstStyle/>
+                    <a:p>
+                      <a:pPr latinLnBrk="1"/>
+                      <a:endParaRPr lang="ko-KR" altLang="en-US" sz="1100"/>
+                    </a:p>
+                  </a:txBody>
+                  <a:tcPr/>
+                </a:tc>
+                <a:extLst>
+                  <a:ext uri="{0D108BD9-81ED-4DB2-BD59-A6C34878D82A}">
+                    <a16:rowId xmlns:a16="http://schemas.microsoft.com/office/drawing/2014/main" val="3698143137"/>
+                  </a:ext>
+                </a:extLst>
+              </a:tr>
+            </a:tbl>
+          </a:graphicData>
+        </a:graphic>
+      </p:graphicFrame>
+    </p:spTree>
+    <p:extLst>
+      <p:ext uri="{BB962C8B-B14F-4D97-AF65-F5344CB8AC3E}">
+        <p14:creationId xmlns:p14="http://schemas.microsoft.com/office/powerpoint/2010/main" val="1881709790"/>
+      </p:ext>
+    </p:extLst>
+  </p:cSld>
+  <p:clrMapOvr>
+    <a:masterClrMapping/>
+  </p:clrMapOvr>
+</p:sld>
+</file>
+
 <file path=ppt/theme/theme1.xml><?xml version="1.0" encoding="utf-8"?>
 <a:theme xmlns:a="http://schemas.openxmlformats.org/drawingml/2006/main" name="Office 테마">
   <a:themeElements>

--- a/DsDotNet/src/UnitTest/UnitTest.Model/ImportOfficeExample/exportDS/testA/testMy/my.pptx
+++ b/DsDotNet/src/UnitTest/UnitTest.Model/ImportOfficeExample/exportDS/testA/testMy/my.pptx
@@ -11,7 +11,6 @@
     <p:sldId id="263" r:id="rId5"/>
     <p:sldId id="259" r:id="rId6"/>
     <p:sldId id="261" r:id="rId7"/>
-    <p:sldId id="264" r:id="rId8"/>
   </p:sldIdLst>
   <p:sldSz cx="12192000" cy="6858000"/>
   <p:notesSz cx="6858000" cy="9144000"/>
@@ -265,7 +264,7 @@
           <a:p>
             <a:fld id="{E31A602F-9409-4B9A-9D14-798E704D8577}" type="datetimeFigureOut">
               <a:rPr lang="ko-KR" altLang="en-US" smtClean="0"/>
-              <a:t>2023-11-16</a:t>
+              <a:t>2023-11-06</a:t>
             </a:fld>
             <a:endParaRPr lang="ko-KR" altLang="en-US"/>
           </a:p>
@@ -463,7 +462,7 @@
           <a:p>
             <a:fld id="{E31A602F-9409-4B9A-9D14-798E704D8577}" type="datetimeFigureOut">
               <a:rPr lang="ko-KR" altLang="en-US" smtClean="0"/>
-              <a:t>2023-11-16</a:t>
+              <a:t>2023-11-06</a:t>
             </a:fld>
             <a:endParaRPr lang="ko-KR" altLang="en-US"/>
           </a:p>
@@ -671,7 +670,7 @@
           <a:p>
             <a:fld id="{E31A602F-9409-4B9A-9D14-798E704D8577}" type="datetimeFigureOut">
               <a:rPr lang="ko-KR" altLang="en-US" smtClean="0"/>
-              <a:t>2023-11-16</a:t>
+              <a:t>2023-11-06</a:t>
             </a:fld>
             <a:endParaRPr lang="ko-KR" altLang="en-US"/>
           </a:p>
@@ -869,7 +868,7 @@
           <a:p>
             <a:fld id="{E31A602F-9409-4B9A-9D14-798E704D8577}" type="datetimeFigureOut">
               <a:rPr lang="ko-KR" altLang="en-US" smtClean="0"/>
-              <a:t>2023-11-16</a:t>
+              <a:t>2023-11-06</a:t>
             </a:fld>
             <a:endParaRPr lang="ko-KR" altLang="en-US"/>
           </a:p>
@@ -1144,7 +1143,7 @@
           <a:p>
             <a:fld id="{E31A602F-9409-4B9A-9D14-798E704D8577}" type="datetimeFigureOut">
               <a:rPr lang="ko-KR" altLang="en-US" smtClean="0"/>
-              <a:t>2023-11-16</a:t>
+              <a:t>2023-11-06</a:t>
             </a:fld>
             <a:endParaRPr lang="ko-KR" altLang="en-US"/>
           </a:p>
@@ -1409,7 +1408,7 @@
           <a:p>
             <a:fld id="{E31A602F-9409-4B9A-9D14-798E704D8577}" type="datetimeFigureOut">
               <a:rPr lang="ko-KR" altLang="en-US" smtClean="0"/>
-              <a:t>2023-11-16</a:t>
+              <a:t>2023-11-06</a:t>
             </a:fld>
             <a:endParaRPr lang="ko-KR" altLang="en-US"/>
           </a:p>
@@ -1821,7 +1820,7 @@
           <a:p>
             <a:fld id="{E31A602F-9409-4B9A-9D14-798E704D8577}" type="datetimeFigureOut">
               <a:rPr lang="ko-KR" altLang="en-US" smtClean="0"/>
-              <a:t>2023-11-16</a:t>
+              <a:t>2023-11-06</a:t>
             </a:fld>
             <a:endParaRPr lang="ko-KR" altLang="en-US"/>
           </a:p>
@@ -1962,7 +1961,7 @@
           <a:p>
             <a:fld id="{E31A602F-9409-4B9A-9D14-798E704D8577}" type="datetimeFigureOut">
               <a:rPr lang="ko-KR" altLang="en-US" smtClean="0"/>
-              <a:t>2023-11-16</a:t>
+              <a:t>2023-11-06</a:t>
             </a:fld>
             <a:endParaRPr lang="ko-KR" altLang="en-US"/>
           </a:p>
@@ -2075,7 +2074,7 @@
           <a:p>
             <a:fld id="{E31A602F-9409-4B9A-9D14-798E704D8577}" type="datetimeFigureOut">
               <a:rPr lang="ko-KR" altLang="en-US" smtClean="0"/>
-              <a:t>2023-11-16</a:t>
+              <a:t>2023-11-06</a:t>
             </a:fld>
             <a:endParaRPr lang="ko-KR" altLang="en-US"/>
           </a:p>
@@ -2386,7 +2385,7 @@
           <a:p>
             <a:fld id="{E31A602F-9409-4B9A-9D14-798E704D8577}" type="datetimeFigureOut">
               <a:rPr lang="ko-KR" altLang="en-US" smtClean="0"/>
-              <a:t>2023-11-16</a:t>
+              <a:t>2023-11-06</a:t>
             </a:fld>
             <a:endParaRPr lang="ko-KR" altLang="en-US"/>
           </a:p>
@@ -2674,7 +2673,7 @@
           <a:p>
             <a:fld id="{E31A602F-9409-4B9A-9D14-798E704D8577}" type="datetimeFigureOut">
               <a:rPr lang="ko-KR" altLang="en-US" smtClean="0"/>
-              <a:t>2023-11-16</a:t>
+              <a:t>2023-11-06</a:t>
             </a:fld>
             <a:endParaRPr lang="ko-KR" altLang="en-US"/>
           </a:p>
@@ -2915,7 +2914,7 @@
           <a:p>
             <a:fld id="{E31A602F-9409-4B9A-9D14-798E704D8577}" type="datetimeFigureOut">
               <a:rPr lang="ko-KR" altLang="en-US" smtClean="0"/>
-              <a:t>2023-11-16</a:t>
+              <a:t>2023-11-06</a:t>
             </a:fld>
             <a:endParaRPr lang="ko-KR" altLang="en-US"/>
           </a:p>
@@ -6757,2878 +6756,6 @@
 </p:sld>
 </file>
 
-<file path=ppt/slides/slide7.xml><?xml version="1.0" encoding="utf-8"?>
-<p:sld xmlns:a="http://schemas.openxmlformats.org/drawingml/2006/main" xmlns:r="http://schemas.openxmlformats.org/officeDocument/2006/relationships" xmlns:p="http://schemas.openxmlformats.org/presentationml/2006/main">
-  <p:cSld>
-    <p:bg>
-      <p:bgPr>
-        <a:solidFill>
-          <a:srgbClr val="FFFFFF"/>
-        </a:solidFill>
-        <a:effectLst/>
-      </p:bgPr>
-    </p:bg>
-    <p:spTree>
-      <p:nvGrpSpPr>
-        <p:cNvPr id="1" name=""/>
-        <p:cNvGrpSpPr/>
-        <p:nvPr/>
-      </p:nvGrpSpPr>
-      <p:grpSpPr>
-        <a:xfrm>
-          <a:off x="0" y="0"/>
-          <a:ext cx="0" cy="0"/>
-          <a:chOff x="0" y="0"/>
-          <a:chExt cx="0" cy="0"/>
-        </a:xfrm>
-      </p:grpSpPr>
-      <p:sp>
-        <p:nvSpPr>
-          <p:cNvPr id="2" name="TextBox 1">
-            <a:extLst>
-              <a:ext uri="{FF2B5EF4-FFF2-40B4-BE49-F238E27FC236}">
-                <a16:creationId xmlns:a16="http://schemas.microsoft.com/office/drawing/2014/main" id="{137711CD-9820-019B-EC63-D5300891C371}"/>
-              </a:ext>
-            </a:extLst>
-          </p:cNvPr>
-          <p:cNvSpPr txBox="1"/>
-          <p:nvPr/>
-        </p:nvSpPr>
-        <p:spPr>
-          <a:xfrm>
-            <a:off x="254000" y="254000"/>
-            <a:ext cx="1270000" cy="381000"/>
-          </a:xfrm>
-          <a:prstGeom prst="rect">
-            <a:avLst/>
-          </a:prstGeom>
-          <a:noFill/>
-        </p:spPr>
-        <p:txBody>
-          <a:bodyPr vert="horz" rtlCol="0">
-            <a:spAutoFit/>
-          </a:bodyPr>
-          <a:lstStyle/>
-          <a:p>
-            <a:r>
-              <a:rPr lang="en-US" altLang="ko-KR"/>
-              <a:t>IO TABLE</a:t>
-            </a:r>
-            <a:endParaRPr lang="ko-KR" altLang="en-US"/>
-          </a:p>
-        </p:txBody>
-      </p:sp>
-      <p:graphicFrame>
-        <p:nvGraphicFramePr>
-          <p:cNvPr id="3" name="표 2">
-            <a:extLst>
-              <a:ext uri="{FF2B5EF4-FFF2-40B4-BE49-F238E27FC236}">
-                <a16:creationId xmlns:a16="http://schemas.microsoft.com/office/drawing/2014/main" id="{67E94EBF-9FCC-18B4-7937-22A4DC1F3CDC}"/>
-              </a:ext>
-            </a:extLst>
-          </p:cNvPr>
-          <p:cNvGraphicFramePr>
-            <a:graphicFrameLocks noGrp="1"/>
-          </p:cNvGraphicFramePr>
-          <p:nvPr>
-            <p:extLst>
-              <p:ext uri="{D42A27DB-BD31-4B8C-83A1-F6EECF244321}">
-                <p14:modId xmlns:p14="http://schemas.microsoft.com/office/powerpoint/2010/main" val="1170031276"/>
-              </p:ext>
-            </p:extLst>
-          </p:nvPr>
-        </p:nvGraphicFramePr>
-        <p:xfrm>
-          <a:off x="254000" y="635000"/>
-          <a:ext cx="11684001" cy="7162800"/>
-        </p:xfrm>
-        <a:graphic>
-          <a:graphicData uri="http://schemas.openxmlformats.org/drawingml/2006/table">
-            <a:tbl>
-              <a:tblPr firstRow="1" bandRow="1">
-                <a:tableStyleId>{5C22544A-7EE6-4342-B048-85BDC9FD1C3A}</a:tableStyleId>
-              </a:tblPr>
-              <a:tblGrid>
-                <a:gridCol w="1669143">
-                  <a:extLst>
-                    <a:ext uri="{9D8B030D-6E8A-4147-A177-3AD203B41FA5}">
-                      <a16:colId xmlns:a16="http://schemas.microsoft.com/office/drawing/2014/main" val="2201095739"/>
-                    </a:ext>
-                  </a:extLst>
-                </a:gridCol>
-                <a:gridCol w="1669143">
-                  <a:extLst>
-                    <a:ext uri="{9D8B030D-6E8A-4147-A177-3AD203B41FA5}">
-                      <a16:colId xmlns:a16="http://schemas.microsoft.com/office/drawing/2014/main" val="1523031747"/>
-                    </a:ext>
-                  </a:extLst>
-                </a:gridCol>
-                <a:gridCol w="1669143">
-                  <a:extLst>
-                    <a:ext uri="{9D8B030D-6E8A-4147-A177-3AD203B41FA5}">
-                      <a16:colId xmlns:a16="http://schemas.microsoft.com/office/drawing/2014/main" val="1119847624"/>
-                    </a:ext>
-                  </a:extLst>
-                </a:gridCol>
-                <a:gridCol w="1669143">
-                  <a:extLst>
-                    <a:ext uri="{9D8B030D-6E8A-4147-A177-3AD203B41FA5}">
-                      <a16:colId xmlns:a16="http://schemas.microsoft.com/office/drawing/2014/main" val="3660190692"/>
-                    </a:ext>
-                  </a:extLst>
-                </a:gridCol>
-                <a:gridCol w="1669143">
-                  <a:extLst>
-                    <a:ext uri="{9D8B030D-6E8A-4147-A177-3AD203B41FA5}">
-                      <a16:colId xmlns:a16="http://schemas.microsoft.com/office/drawing/2014/main" val="3287773901"/>
-                    </a:ext>
-                  </a:extLst>
-                </a:gridCol>
-                <a:gridCol w="1669143">
-                  <a:extLst>
-                    <a:ext uri="{9D8B030D-6E8A-4147-A177-3AD203B41FA5}">
-                      <a16:colId xmlns:a16="http://schemas.microsoft.com/office/drawing/2014/main" val="723327171"/>
-                    </a:ext>
-                  </a:extLst>
-                </a:gridCol>
-                <a:gridCol w="1669143">
-                  <a:extLst>
-                    <a:ext uri="{9D8B030D-6E8A-4147-A177-3AD203B41FA5}">
-                      <a16:colId xmlns:a16="http://schemas.microsoft.com/office/drawing/2014/main" val="1569729814"/>
-                    </a:ext>
-                  </a:extLst>
-                </a:gridCol>
-              </a:tblGrid>
-              <a:tr h="0">
-                <a:tc>
-                  <a:txBody>
-                    <a:bodyPr/>
-                    <a:lstStyle/>
-                    <a:p>
-                      <a:pPr latinLnBrk="1"/>
-                      <a:r>
-                        <a:rPr lang="en-US" altLang="ko-KR" sz="1100"/>
-                        <a:t>Case</a:t>
-                      </a:r>
-                      <a:endParaRPr lang="ko-KR" altLang="en-US" sz="1100"/>
-                    </a:p>
-                  </a:txBody>
-                  <a:tcPr/>
-                </a:tc>
-                <a:tc>
-                  <a:txBody>
-                    <a:bodyPr/>
-                    <a:lstStyle/>
-                    <a:p>
-                      <a:pPr latinLnBrk="1"/>
-                      <a:r>
-                        <a:rPr lang="en-US" altLang="ko-KR" sz="1100"/>
-                        <a:t>Name</a:t>
-                      </a:r>
-                      <a:endParaRPr lang="ko-KR" altLang="en-US" sz="1100"/>
-                    </a:p>
-                  </a:txBody>
-                  <a:tcPr/>
-                </a:tc>
-                <a:tc>
-                  <a:txBody>
-                    <a:bodyPr/>
-                    <a:lstStyle/>
-                    <a:p>
-                      <a:pPr latinLnBrk="1"/>
-                      <a:r>
-                        <a:rPr lang="en-US" altLang="ko-KR" sz="1100"/>
-                        <a:t>DataType</a:t>
-                      </a:r>
-                      <a:endParaRPr lang="ko-KR" altLang="en-US" sz="1100"/>
-                    </a:p>
-                  </a:txBody>
-                  <a:tcPr/>
-                </a:tc>
-                <a:tc>
-                  <a:txBody>
-                    <a:bodyPr/>
-                    <a:lstStyle/>
-                    <a:p>
-                      <a:pPr latinLnBrk="1"/>
-                      <a:r>
-                        <a:rPr lang="en-US" altLang="ko-KR" sz="1100"/>
-                        <a:t>Input</a:t>
-                      </a:r>
-                      <a:endParaRPr lang="ko-KR" altLang="en-US" sz="1100"/>
-                    </a:p>
-                  </a:txBody>
-                  <a:tcPr/>
-                </a:tc>
-                <a:tc>
-                  <a:txBody>
-                    <a:bodyPr/>
-                    <a:lstStyle/>
-                    <a:p>
-                      <a:pPr latinLnBrk="1"/>
-                      <a:r>
-                        <a:rPr lang="en-US" altLang="ko-KR" sz="1100"/>
-                        <a:t>Output</a:t>
-                      </a:r>
-                      <a:endParaRPr lang="ko-KR" altLang="en-US" sz="1100"/>
-                    </a:p>
-                  </a:txBody>
-                  <a:tcPr/>
-                </a:tc>
-                <a:tc>
-                  <a:txBody>
-                    <a:bodyPr/>
-                    <a:lstStyle/>
-                    <a:p>
-                      <a:pPr latinLnBrk="1"/>
-                      <a:r>
-                        <a:rPr lang="en-US" altLang="ko-KR" sz="1100"/>
-                        <a:t>Job</a:t>
-                      </a:r>
-                      <a:endParaRPr lang="ko-KR" altLang="en-US" sz="1100"/>
-                    </a:p>
-                  </a:txBody>
-                  <a:tcPr/>
-                </a:tc>
-                <a:tc>
-                  <a:txBody>
-                    <a:bodyPr/>
-                    <a:lstStyle/>
-                    <a:p>
-                      <a:pPr latinLnBrk="1"/>
-                      <a:r>
-                        <a:rPr lang="en-US" altLang="ko-KR" sz="1100"/>
-                        <a:t>Func</a:t>
-                      </a:r>
-                      <a:endParaRPr lang="ko-KR" altLang="en-US" sz="1100"/>
-                    </a:p>
-                  </a:txBody>
-                  <a:tcPr/>
-                </a:tc>
-                <a:extLst>
-                  <a:ext uri="{0D108BD9-81ED-4DB2-BD59-A6C34878D82A}">
-                    <a16:rowId xmlns:a16="http://schemas.microsoft.com/office/drawing/2014/main" val="1023525321"/>
-                  </a:ext>
-                </a:extLst>
-              </a:tr>
-              <a:tr h="0">
-                <a:tc>
-                  <a:txBody>
-                    <a:bodyPr/>
-                    <a:lstStyle/>
-                    <a:p>
-                      <a:pPr latinLnBrk="1"/>
-                      <a:r>
-                        <a:rPr lang="ko-KR" altLang="en-US" sz="1100"/>
-                        <a:t>외부주소</a:t>
-                      </a:r>
-                    </a:p>
-                  </a:txBody>
-                  <a:tcPr/>
-                </a:tc>
-                <a:tc>
-                  <a:txBody>
-                    <a:bodyPr/>
-                    <a:lstStyle/>
-                    <a:p>
-                      <a:pPr latinLnBrk="1"/>
-                      <a:r>
-                        <a:rPr lang="en-US" altLang="ko-KR" sz="1100"/>
-                        <a:t>STN01_Pin."+"</a:t>
-                      </a:r>
-                      <a:endParaRPr lang="ko-KR" altLang="en-US" sz="1100"/>
-                    </a:p>
-                  </a:txBody>
-                  <a:tcPr/>
-                </a:tc>
-                <a:tc>
-                  <a:txBody>
-                    <a:bodyPr/>
-                    <a:lstStyle/>
-                    <a:p>
-                      <a:pPr latinLnBrk="1"/>
-                      <a:r>
-                        <a:rPr lang="en-US" altLang="ko-KR" sz="1100"/>
-                        <a:t>bool</a:t>
-                      </a:r>
-                      <a:endParaRPr lang="ko-KR" altLang="en-US" sz="1100"/>
-                    </a:p>
-                  </a:txBody>
-                  <a:tcPr/>
-                </a:tc>
-                <a:tc>
-                  <a:txBody>
-                    <a:bodyPr/>
-                    <a:lstStyle/>
-                    <a:p>
-                      <a:pPr latinLnBrk="1"/>
-                      <a:r>
-                        <a:rPr lang="en-US" altLang="ko-KR" sz="1100"/>
-                        <a:t>I625.1</a:t>
-                      </a:r>
-                      <a:endParaRPr lang="ko-KR" altLang="en-US" sz="1100"/>
-                    </a:p>
-                  </a:txBody>
-                  <a:tcPr/>
-                </a:tc>
-                <a:tc>
-                  <a:txBody>
-                    <a:bodyPr/>
-                    <a:lstStyle/>
-                    <a:p>
-                      <a:pPr latinLnBrk="1"/>
-                      <a:r>
-                        <a:rPr lang="en-US" altLang="ko-KR" sz="1100"/>
-                        <a:t>O625.1</a:t>
-                      </a:r>
-                      <a:endParaRPr lang="ko-KR" altLang="en-US" sz="1100"/>
-                    </a:p>
-                  </a:txBody>
-                  <a:tcPr/>
-                </a:tc>
-                <a:tc>
-                  <a:txBody>
-                    <a:bodyPr/>
-                    <a:lstStyle/>
-                    <a:p>
-                      <a:pPr latinLnBrk="1"/>
-                      <a:r>
-                        <a:rPr lang="en-US" altLang="ko-KR" sz="1100"/>
-                        <a:t>STN01_Pin_+</a:t>
-                      </a:r>
-                      <a:endParaRPr lang="ko-KR" altLang="en-US" sz="1100"/>
-                    </a:p>
-                  </a:txBody>
-                  <a:tcPr/>
-                </a:tc>
-                <a:tc>
-                  <a:txBody>
-                    <a:bodyPr/>
-                    <a:lstStyle/>
-                    <a:p>
-                      <a:pPr latinLnBrk="1"/>
-                      <a:endParaRPr lang="ko-KR" altLang="en-US" sz="1100"/>
-                    </a:p>
-                  </a:txBody>
-                  <a:tcPr/>
-                </a:tc>
-                <a:extLst>
-                  <a:ext uri="{0D108BD9-81ED-4DB2-BD59-A6C34878D82A}">
-                    <a16:rowId xmlns:a16="http://schemas.microsoft.com/office/drawing/2014/main" val="245907380"/>
-                  </a:ext>
-                </a:extLst>
-              </a:tr>
-              <a:tr h="0">
-                <a:tc>
-                  <a:txBody>
-                    <a:bodyPr/>
-                    <a:lstStyle/>
-                    <a:p>
-                      <a:pPr latinLnBrk="1"/>
-                      <a:r>
-                        <a:rPr lang="ko-KR" altLang="en-US" sz="1100"/>
-                        <a:t>외부주소</a:t>
-                      </a:r>
-                    </a:p>
-                  </a:txBody>
-                  <a:tcPr/>
-                </a:tc>
-                <a:tc>
-                  <a:txBody>
-                    <a:bodyPr/>
-                    <a:lstStyle/>
-                    <a:p>
-                      <a:pPr latinLnBrk="1"/>
-                      <a:r>
-                        <a:rPr lang="en-US" altLang="ko-KR" sz="1100"/>
-                        <a:t>STN01_Pin."-"</a:t>
-                      </a:r>
-                      <a:endParaRPr lang="ko-KR" altLang="en-US" sz="1100"/>
-                    </a:p>
-                  </a:txBody>
-                  <a:tcPr/>
-                </a:tc>
-                <a:tc>
-                  <a:txBody>
-                    <a:bodyPr/>
-                    <a:lstStyle/>
-                    <a:p>
-                      <a:pPr latinLnBrk="1"/>
-                      <a:r>
-                        <a:rPr lang="en-US" altLang="ko-KR" sz="1100"/>
-                        <a:t>bool</a:t>
-                      </a:r>
-                      <a:endParaRPr lang="ko-KR" altLang="en-US" sz="1100"/>
-                    </a:p>
-                  </a:txBody>
-                  <a:tcPr/>
-                </a:tc>
-                <a:tc>
-                  <a:txBody>
-                    <a:bodyPr/>
-                    <a:lstStyle/>
-                    <a:p>
-                      <a:pPr latinLnBrk="1"/>
-                      <a:r>
-                        <a:rPr lang="en-US" altLang="ko-KR" sz="1100"/>
-                        <a:t>I625.2</a:t>
-                      </a:r>
-                      <a:endParaRPr lang="ko-KR" altLang="en-US" sz="1100"/>
-                    </a:p>
-                  </a:txBody>
-                  <a:tcPr/>
-                </a:tc>
-                <a:tc>
-                  <a:txBody>
-                    <a:bodyPr/>
-                    <a:lstStyle/>
-                    <a:p>
-                      <a:pPr latinLnBrk="1"/>
-                      <a:r>
-                        <a:rPr lang="en-US" altLang="ko-KR" sz="1100"/>
-                        <a:t>O625.2</a:t>
-                      </a:r>
-                      <a:endParaRPr lang="ko-KR" altLang="en-US" sz="1100"/>
-                    </a:p>
-                  </a:txBody>
-                  <a:tcPr/>
-                </a:tc>
-                <a:tc>
-                  <a:txBody>
-                    <a:bodyPr/>
-                    <a:lstStyle/>
-                    <a:p>
-                      <a:pPr latinLnBrk="1"/>
-                      <a:r>
-                        <a:rPr lang="en-US" altLang="ko-KR" sz="1100"/>
-                        <a:t>STN01_Pin_-</a:t>
-                      </a:r>
-                      <a:endParaRPr lang="ko-KR" altLang="en-US" sz="1100"/>
-                    </a:p>
-                  </a:txBody>
-                  <a:tcPr/>
-                </a:tc>
-                <a:tc>
-                  <a:txBody>
-                    <a:bodyPr/>
-                    <a:lstStyle/>
-                    <a:p>
-                      <a:pPr latinLnBrk="1"/>
-                      <a:endParaRPr lang="ko-KR" altLang="en-US" sz="1100"/>
-                    </a:p>
-                  </a:txBody>
-                  <a:tcPr/>
-                </a:tc>
-                <a:extLst>
-                  <a:ext uri="{0D108BD9-81ED-4DB2-BD59-A6C34878D82A}">
-                    <a16:rowId xmlns:a16="http://schemas.microsoft.com/office/drawing/2014/main" val="2735796543"/>
-                  </a:ext>
-                </a:extLst>
-              </a:tr>
-              <a:tr h="0">
-                <a:tc>
-                  <a:txBody>
-                    <a:bodyPr/>
-                    <a:lstStyle/>
-                    <a:p>
-                      <a:pPr latinLnBrk="1"/>
-                      <a:r>
-                        <a:rPr lang="ko-KR" altLang="en-US" sz="1100"/>
-                        <a:t>외부주소</a:t>
-                      </a:r>
-                    </a:p>
-                  </a:txBody>
-                  <a:tcPr/>
-                </a:tc>
-                <a:tc>
-                  <a:txBody>
-                    <a:bodyPr/>
-                    <a:lstStyle/>
-                    <a:p>
-                      <a:pPr latinLnBrk="1"/>
-                      <a:r>
-                        <a:rPr lang="en-US" altLang="ko-KR" sz="1100"/>
-                        <a:t>STN01_UsingLIB2_1."+"</a:t>
-                      </a:r>
-                      <a:endParaRPr lang="ko-KR" altLang="en-US" sz="1100"/>
-                    </a:p>
-                  </a:txBody>
-                  <a:tcPr/>
-                </a:tc>
-                <a:tc>
-                  <a:txBody>
-                    <a:bodyPr/>
-                    <a:lstStyle/>
-                    <a:p>
-                      <a:pPr latinLnBrk="1"/>
-                      <a:r>
-                        <a:rPr lang="en-US" altLang="ko-KR" sz="1100"/>
-                        <a:t>bool</a:t>
-                      </a:r>
-                      <a:endParaRPr lang="ko-KR" altLang="en-US" sz="1100"/>
-                    </a:p>
-                  </a:txBody>
-                  <a:tcPr/>
-                </a:tc>
-                <a:tc>
-                  <a:txBody>
-                    <a:bodyPr/>
-                    <a:lstStyle/>
-                    <a:p>
-                      <a:pPr latinLnBrk="1"/>
-                      <a:r>
-                        <a:rPr lang="en-US" altLang="ko-KR" sz="1100"/>
-                        <a:t>I625.3</a:t>
-                      </a:r>
-                      <a:endParaRPr lang="ko-KR" altLang="en-US" sz="1100"/>
-                    </a:p>
-                  </a:txBody>
-                  <a:tcPr/>
-                </a:tc>
-                <a:tc>
-                  <a:txBody>
-                    <a:bodyPr/>
-                    <a:lstStyle/>
-                    <a:p>
-                      <a:pPr latinLnBrk="1"/>
-                      <a:r>
-                        <a:rPr lang="en-US" altLang="ko-KR" sz="1100"/>
-                        <a:t>O625.3</a:t>
-                      </a:r>
-                      <a:endParaRPr lang="ko-KR" altLang="en-US" sz="1100"/>
-                    </a:p>
-                  </a:txBody>
-                  <a:tcPr/>
-                </a:tc>
-                <a:tc>
-                  <a:txBody>
-                    <a:bodyPr/>
-                    <a:lstStyle/>
-                    <a:p>
-                      <a:pPr latinLnBrk="1"/>
-                      <a:r>
-                        <a:rPr lang="en-US" altLang="ko-KR" sz="1100"/>
-                        <a:t>STN01_UsingLIB2_1_+</a:t>
-                      </a:r>
-                      <a:endParaRPr lang="ko-KR" altLang="en-US" sz="1100"/>
-                    </a:p>
-                  </a:txBody>
-                  <a:tcPr/>
-                </a:tc>
-                <a:tc>
-                  <a:txBody>
-                    <a:bodyPr/>
-                    <a:lstStyle/>
-                    <a:p>
-                      <a:pPr latinLnBrk="1"/>
-                      <a:endParaRPr lang="ko-KR" altLang="en-US" sz="1100"/>
-                    </a:p>
-                  </a:txBody>
-                  <a:tcPr/>
-                </a:tc>
-                <a:extLst>
-                  <a:ext uri="{0D108BD9-81ED-4DB2-BD59-A6C34878D82A}">
-                    <a16:rowId xmlns:a16="http://schemas.microsoft.com/office/drawing/2014/main" val="3614567098"/>
-                  </a:ext>
-                </a:extLst>
-              </a:tr>
-              <a:tr h="0">
-                <a:tc>
-                  <a:txBody>
-                    <a:bodyPr/>
-                    <a:lstStyle/>
-                    <a:p>
-                      <a:pPr latinLnBrk="1"/>
-                      <a:r>
-                        <a:rPr lang="ko-KR" altLang="en-US" sz="1100"/>
-                        <a:t>외부주소</a:t>
-                      </a:r>
-                    </a:p>
-                  </a:txBody>
-                  <a:tcPr/>
-                </a:tc>
-                <a:tc>
-                  <a:txBody>
-                    <a:bodyPr/>
-                    <a:lstStyle/>
-                    <a:p>
-                      <a:pPr latinLnBrk="1"/>
-                      <a:r>
-                        <a:rPr lang="en-US" altLang="ko-KR" sz="1100"/>
-                        <a:t>STN01_UsingLIB2_1."-"</a:t>
-                      </a:r>
-                      <a:endParaRPr lang="ko-KR" altLang="en-US" sz="1100"/>
-                    </a:p>
-                  </a:txBody>
-                  <a:tcPr/>
-                </a:tc>
-                <a:tc>
-                  <a:txBody>
-                    <a:bodyPr/>
-                    <a:lstStyle/>
-                    <a:p>
-                      <a:pPr latinLnBrk="1"/>
-                      <a:r>
-                        <a:rPr lang="en-US" altLang="ko-KR" sz="1100"/>
-                        <a:t>bool</a:t>
-                      </a:r>
-                      <a:endParaRPr lang="ko-KR" altLang="en-US" sz="1100"/>
-                    </a:p>
-                  </a:txBody>
-                  <a:tcPr/>
-                </a:tc>
-                <a:tc>
-                  <a:txBody>
-                    <a:bodyPr/>
-                    <a:lstStyle/>
-                    <a:p>
-                      <a:pPr latinLnBrk="1"/>
-                      <a:r>
-                        <a:rPr lang="en-US" altLang="ko-KR" sz="1100"/>
-                        <a:t>I625.4</a:t>
-                      </a:r>
-                      <a:endParaRPr lang="ko-KR" altLang="en-US" sz="1100"/>
-                    </a:p>
-                  </a:txBody>
-                  <a:tcPr/>
-                </a:tc>
-                <a:tc>
-                  <a:txBody>
-                    <a:bodyPr/>
-                    <a:lstStyle/>
-                    <a:p>
-                      <a:pPr latinLnBrk="1"/>
-                      <a:r>
-                        <a:rPr lang="en-US" altLang="ko-KR" sz="1100"/>
-                        <a:t>O625.4</a:t>
-                      </a:r>
-                      <a:endParaRPr lang="ko-KR" altLang="en-US" sz="1100"/>
-                    </a:p>
-                  </a:txBody>
-                  <a:tcPr/>
-                </a:tc>
-                <a:tc>
-                  <a:txBody>
-                    <a:bodyPr/>
-                    <a:lstStyle/>
-                    <a:p>
-                      <a:pPr latinLnBrk="1"/>
-                      <a:r>
-                        <a:rPr lang="en-US" altLang="ko-KR" sz="1100"/>
-                        <a:t>STN01_UsingLIB2_1_-</a:t>
-                      </a:r>
-                      <a:endParaRPr lang="ko-KR" altLang="en-US" sz="1100"/>
-                    </a:p>
-                  </a:txBody>
-                  <a:tcPr/>
-                </a:tc>
-                <a:tc>
-                  <a:txBody>
-                    <a:bodyPr/>
-                    <a:lstStyle/>
-                    <a:p>
-                      <a:pPr latinLnBrk="1"/>
-                      <a:endParaRPr lang="ko-KR" altLang="en-US" sz="1100"/>
-                    </a:p>
-                  </a:txBody>
-                  <a:tcPr/>
-                </a:tc>
-                <a:extLst>
-                  <a:ext uri="{0D108BD9-81ED-4DB2-BD59-A6C34878D82A}">
-                    <a16:rowId xmlns:a16="http://schemas.microsoft.com/office/drawing/2014/main" val="2408060119"/>
-                  </a:ext>
-                </a:extLst>
-              </a:tr>
-              <a:tr h="0">
-                <a:tc>
-                  <a:txBody>
-                    <a:bodyPr/>
-                    <a:lstStyle/>
-                    <a:p>
-                      <a:pPr latinLnBrk="1"/>
-                      <a:r>
-                        <a:rPr lang="ko-KR" altLang="en-US" sz="1100"/>
-                        <a:t>외부주소</a:t>
-                      </a:r>
-                    </a:p>
-                  </a:txBody>
-                  <a:tcPr/>
-                </a:tc>
-                <a:tc>
-                  <a:txBody>
-                    <a:bodyPr/>
-                    <a:lstStyle/>
-                    <a:p>
-                      <a:pPr latinLnBrk="1"/>
-                      <a:r>
-                        <a:rPr lang="en-US" altLang="ko-KR" sz="1100"/>
-                        <a:t>STN01_UsingLIB2_2."+"</a:t>
-                      </a:r>
-                      <a:endParaRPr lang="ko-KR" altLang="en-US" sz="1100"/>
-                    </a:p>
-                  </a:txBody>
-                  <a:tcPr/>
-                </a:tc>
-                <a:tc>
-                  <a:txBody>
-                    <a:bodyPr/>
-                    <a:lstStyle/>
-                    <a:p>
-                      <a:pPr latinLnBrk="1"/>
-                      <a:r>
-                        <a:rPr lang="en-US" altLang="ko-KR" sz="1100"/>
-                        <a:t>bool</a:t>
-                      </a:r>
-                      <a:endParaRPr lang="ko-KR" altLang="en-US" sz="1100"/>
-                    </a:p>
-                  </a:txBody>
-                  <a:tcPr/>
-                </a:tc>
-                <a:tc>
-                  <a:txBody>
-                    <a:bodyPr/>
-                    <a:lstStyle/>
-                    <a:p>
-                      <a:pPr latinLnBrk="1"/>
-                      <a:r>
-                        <a:rPr lang="en-US" altLang="ko-KR" sz="1100"/>
-                        <a:t>I625.5</a:t>
-                      </a:r>
-                      <a:endParaRPr lang="ko-KR" altLang="en-US" sz="1100"/>
-                    </a:p>
-                  </a:txBody>
-                  <a:tcPr/>
-                </a:tc>
-                <a:tc>
-                  <a:txBody>
-                    <a:bodyPr/>
-                    <a:lstStyle/>
-                    <a:p>
-                      <a:pPr latinLnBrk="1"/>
-                      <a:r>
-                        <a:rPr lang="en-US" altLang="ko-KR" sz="1100"/>
-                        <a:t>O625.5</a:t>
-                      </a:r>
-                      <a:endParaRPr lang="ko-KR" altLang="en-US" sz="1100"/>
-                    </a:p>
-                  </a:txBody>
-                  <a:tcPr/>
-                </a:tc>
-                <a:tc>
-                  <a:txBody>
-                    <a:bodyPr/>
-                    <a:lstStyle/>
-                    <a:p>
-                      <a:pPr latinLnBrk="1"/>
-                      <a:r>
-                        <a:rPr lang="en-US" altLang="ko-KR" sz="1100"/>
-                        <a:t>STN01_UsingLIB2_2_+</a:t>
-                      </a:r>
-                      <a:endParaRPr lang="ko-KR" altLang="en-US" sz="1100"/>
-                    </a:p>
-                  </a:txBody>
-                  <a:tcPr/>
-                </a:tc>
-                <a:tc>
-                  <a:txBody>
-                    <a:bodyPr/>
-                    <a:lstStyle/>
-                    <a:p>
-                      <a:pPr latinLnBrk="1"/>
-                      <a:endParaRPr lang="ko-KR" altLang="en-US" sz="1100"/>
-                    </a:p>
-                  </a:txBody>
-                  <a:tcPr/>
-                </a:tc>
-                <a:extLst>
-                  <a:ext uri="{0D108BD9-81ED-4DB2-BD59-A6C34878D82A}">
-                    <a16:rowId xmlns:a16="http://schemas.microsoft.com/office/drawing/2014/main" val="1081375750"/>
-                  </a:ext>
-                </a:extLst>
-              </a:tr>
-              <a:tr h="0">
-                <a:tc>
-                  <a:txBody>
-                    <a:bodyPr/>
-                    <a:lstStyle/>
-                    <a:p>
-                      <a:pPr latinLnBrk="1"/>
-                      <a:r>
-                        <a:rPr lang="ko-KR" altLang="en-US" sz="1100"/>
-                        <a:t>외부주소</a:t>
-                      </a:r>
-                    </a:p>
-                  </a:txBody>
-                  <a:tcPr/>
-                </a:tc>
-                <a:tc>
-                  <a:txBody>
-                    <a:bodyPr/>
-                    <a:lstStyle/>
-                    <a:p>
-                      <a:pPr latinLnBrk="1"/>
-                      <a:r>
-                        <a:rPr lang="en-US" altLang="ko-KR" sz="1100"/>
-                        <a:t>STN01_UsingLIB2_2."-"</a:t>
-                      </a:r>
-                      <a:endParaRPr lang="ko-KR" altLang="en-US" sz="1100"/>
-                    </a:p>
-                  </a:txBody>
-                  <a:tcPr/>
-                </a:tc>
-                <a:tc>
-                  <a:txBody>
-                    <a:bodyPr/>
-                    <a:lstStyle/>
-                    <a:p>
-                      <a:pPr latinLnBrk="1"/>
-                      <a:r>
-                        <a:rPr lang="en-US" altLang="ko-KR" sz="1100"/>
-                        <a:t>bool</a:t>
-                      </a:r>
-                      <a:endParaRPr lang="ko-KR" altLang="en-US" sz="1100"/>
-                    </a:p>
-                  </a:txBody>
-                  <a:tcPr/>
-                </a:tc>
-                <a:tc>
-                  <a:txBody>
-                    <a:bodyPr/>
-                    <a:lstStyle/>
-                    <a:p>
-                      <a:pPr latinLnBrk="1"/>
-                      <a:r>
-                        <a:rPr lang="en-US" altLang="ko-KR" sz="1100"/>
-                        <a:t>I625.6</a:t>
-                      </a:r>
-                      <a:endParaRPr lang="ko-KR" altLang="en-US" sz="1100"/>
-                    </a:p>
-                  </a:txBody>
-                  <a:tcPr/>
-                </a:tc>
-                <a:tc>
-                  <a:txBody>
-                    <a:bodyPr/>
-                    <a:lstStyle/>
-                    <a:p>
-                      <a:pPr latinLnBrk="1"/>
-                      <a:r>
-                        <a:rPr lang="en-US" altLang="ko-KR" sz="1100"/>
-                        <a:t>O625.6</a:t>
-                      </a:r>
-                      <a:endParaRPr lang="ko-KR" altLang="en-US" sz="1100"/>
-                    </a:p>
-                  </a:txBody>
-                  <a:tcPr/>
-                </a:tc>
-                <a:tc>
-                  <a:txBody>
-                    <a:bodyPr/>
-                    <a:lstStyle/>
-                    <a:p>
-                      <a:pPr latinLnBrk="1"/>
-                      <a:r>
-                        <a:rPr lang="en-US" altLang="ko-KR" sz="1100"/>
-                        <a:t>STN01_UsingLIB2_2_-</a:t>
-                      </a:r>
-                      <a:endParaRPr lang="ko-KR" altLang="en-US" sz="1100"/>
-                    </a:p>
-                  </a:txBody>
-                  <a:tcPr/>
-                </a:tc>
-                <a:tc>
-                  <a:txBody>
-                    <a:bodyPr/>
-                    <a:lstStyle/>
-                    <a:p>
-                      <a:pPr latinLnBrk="1"/>
-                      <a:endParaRPr lang="ko-KR" altLang="en-US" sz="1100"/>
-                    </a:p>
-                  </a:txBody>
-                  <a:tcPr/>
-                </a:tc>
-                <a:extLst>
-                  <a:ext uri="{0D108BD9-81ED-4DB2-BD59-A6C34878D82A}">
-                    <a16:rowId xmlns:a16="http://schemas.microsoft.com/office/drawing/2014/main" val="2710936181"/>
-                  </a:ext>
-                </a:extLst>
-              </a:tr>
-              <a:tr h="0">
-                <a:tc>
-                  <a:txBody>
-                    <a:bodyPr/>
-                    <a:lstStyle/>
-                    <a:p>
-                      <a:pPr latinLnBrk="1"/>
-                      <a:r>
-                        <a:rPr lang="ko-KR" altLang="en-US" sz="1100"/>
-                        <a:t>외부주소</a:t>
-                      </a:r>
-                    </a:p>
-                  </a:txBody>
-                  <a:tcPr/>
-                </a:tc>
-                <a:tc>
-                  <a:txBody>
-                    <a:bodyPr/>
-                    <a:lstStyle/>
-                    <a:p>
-                      <a:pPr latinLnBrk="1"/>
-                      <a:r>
-                        <a:rPr lang="en-US" altLang="ko-KR" sz="1100"/>
-                        <a:t>STN01_UsingLIB2_3."+"</a:t>
-                      </a:r>
-                      <a:endParaRPr lang="ko-KR" altLang="en-US" sz="1100"/>
-                    </a:p>
-                  </a:txBody>
-                  <a:tcPr/>
-                </a:tc>
-                <a:tc>
-                  <a:txBody>
-                    <a:bodyPr/>
-                    <a:lstStyle/>
-                    <a:p>
-                      <a:pPr latinLnBrk="1"/>
-                      <a:r>
-                        <a:rPr lang="en-US" altLang="ko-KR" sz="1100"/>
-                        <a:t>bool</a:t>
-                      </a:r>
-                      <a:endParaRPr lang="ko-KR" altLang="en-US" sz="1100"/>
-                    </a:p>
-                  </a:txBody>
-                  <a:tcPr/>
-                </a:tc>
-                <a:tc>
-                  <a:txBody>
-                    <a:bodyPr/>
-                    <a:lstStyle/>
-                    <a:p>
-                      <a:pPr latinLnBrk="1"/>
-                      <a:r>
-                        <a:rPr lang="en-US" altLang="ko-KR" sz="1100"/>
-                        <a:t>I625.7</a:t>
-                      </a:r>
-                      <a:endParaRPr lang="ko-KR" altLang="en-US" sz="1100"/>
-                    </a:p>
-                  </a:txBody>
-                  <a:tcPr/>
-                </a:tc>
-                <a:tc>
-                  <a:txBody>
-                    <a:bodyPr/>
-                    <a:lstStyle/>
-                    <a:p>
-                      <a:pPr latinLnBrk="1"/>
-                      <a:r>
-                        <a:rPr lang="en-US" altLang="ko-KR" sz="1100"/>
-                        <a:t>O625.7</a:t>
-                      </a:r>
-                      <a:endParaRPr lang="ko-KR" altLang="en-US" sz="1100"/>
-                    </a:p>
-                  </a:txBody>
-                  <a:tcPr/>
-                </a:tc>
-                <a:tc>
-                  <a:txBody>
-                    <a:bodyPr/>
-                    <a:lstStyle/>
-                    <a:p>
-                      <a:pPr latinLnBrk="1"/>
-                      <a:r>
-                        <a:rPr lang="en-US" altLang="ko-KR" sz="1100"/>
-                        <a:t>STN01_UsingLIB2_3_+</a:t>
-                      </a:r>
-                      <a:endParaRPr lang="ko-KR" altLang="en-US" sz="1100"/>
-                    </a:p>
-                  </a:txBody>
-                  <a:tcPr/>
-                </a:tc>
-                <a:tc>
-                  <a:txBody>
-                    <a:bodyPr/>
-                    <a:lstStyle/>
-                    <a:p>
-                      <a:pPr latinLnBrk="1"/>
-                      <a:endParaRPr lang="ko-KR" altLang="en-US" sz="1100"/>
-                    </a:p>
-                  </a:txBody>
-                  <a:tcPr/>
-                </a:tc>
-                <a:extLst>
-                  <a:ext uri="{0D108BD9-81ED-4DB2-BD59-A6C34878D82A}">
-                    <a16:rowId xmlns:a16="http://schemas.microsoft.com/office/drawing/2014/main" val="3431848491"/>
-                  </a:ext>
-                </a:extLst>
-              </a:tr>
-              <a:tr h="0">
-                <a:tc>
-                  <a:txBody>
-                    <a:bodyPr/>
-                    <a:lstStyle/>
-                    <a:p>
-                      <a:pPr latinLnBrk="1"/>
-                      <a:r>
-                        <a:rPr lang="ko-KR" altLang="en-US" sz="1100"/>
-                        <a:t>외부주소</a:t>
-                      </a:r>
-                    </a:p>
-                  </a:txBody>
-                  <a:tcPr/>
-                </a:tc>
-                <a:tc>
-                  <a:txBody>
-                    <a:bodyPr/>
-                    <a:lstStyle/>
-                    <a:p>
-                      <a:pPr latinLnBrk="1"/>
-                      <a:r>
-                        <a:rPr lang="en-US" altLang="ko-KR" sz="1100"/>
-                        <a:t>STN01_UsingLIB2_3."-"</a:t>
-                      </a:r>
-                      <a:endParaRPr lang="ko-KR" altLang="en-US" sz="1100"/>
-                    </a:p>
-                  </a:txBody>
-                  <a:tcPr/>
-                </a:tc>
-                <a:tc>
-                  <a:txBody>
-                    <a:bodyPr/>
-                    <a:lstStyle/>
-                    <a:p>
-                      <a:pPr latinLnBrk="1"/>
-                      <a:r>
-                        <a:rPr lang="en-US" altLang="ko-KR" sz="1100"/>
-                        <a:t>bool</a:t>
-                      </a:r>
-                      <a:endParaRPr lang="ko-KR" altLang="en-US" sz="1100"/>
-                    </a:p>
-                  </a:txBody>
-                  <a:tcPr/>
-                </a:tc>
-                <a:tc>
-                  <a:txBody>
-                    <a:bodyPr/>
-                    <a:lstStyle/>
-                    <a:p>
-                      <a:pPr latinLnBrk="1"/>
-                      <a:r>
-                        <a:rPr lang="en-US" altLang="ko-KR" sz="1100"/>
-                        <a:t>I625.8</a:t>
-                      </a:r>
-                      <a:endParaRPr lang="ko-KR" altLang="en-US" sz="1100"/>
-                    </a:p>
-                  </a:txBody>
-                  <a:tcPr/>
-                </a:tc>
-                <a:tc>
-                  <a:txBody>
-                    <a:bodyPr/>
-                    <a:lstStyle/>
-                    <a:p>
-                      <a:pPr latinLnBrk="1"/>
-                      <a:r>
-                        <a:rPr lang="en-US" altLang="ko-KR" sz="1100"/>
-                        <a:t>O625.8</a:t>
-                      </a:r>
-                      <a:endParaRPr lang="ko-KR" altLang="en-US" sz="1100"/>
-                    </a:p>
-                  </a:txBody>
-                  <a:tcPr/>
-                </a:tc>
-                <a:tc>
-                  <a:txBody>
-                    <a:bodyPr/>
-                    <a:lstStyle/>
-                    <a:p>
-                      <a:pPr latinLnBrk="1"/>
-                      <a:r>
-                        <a:rPr lang="en-US" altLang="ko-KR" sz="1100"/>
-                        <a:t>STN01_UsingLIB2_3_-</a:t>
-                      </a:r>
-                      <a:endParaRPr lang="ko-KR" altLang="en-US" sz="1100"/>
-                    </a:p>
-                  </a:txBody>
-                  <a:tcPr/>
-                </a:tc>
-                <a:tc>
-                  <a:txBody>
-                    <a:bodyPr/>
-                    <a:lstStyle/>
-                    <a:p>
-                      <a:pPr latinLnBrk="1"/>
-                      <a:endParaRPr lang="ko-KR" altLang="en-US" sz="1100"/>
-                    </a:p>
-                  </a:txBody>
-                  <a:tcPr/>
-                </a:tc>
-                <a:extLst>
-                  <a:ext uri="{0D108BD9-81ED-4DB2-BD59-A6C34878D82A}">
-                    <a16:rowId xmlns:a16="http://schemas.microsoft.com/office/drawing/2014/main" val="1774489398"/>
-                  </a:ext>
-                </a:extLst>
-              </a:tr>
-              <a:tr h="0">
-                <a:tc>
-                  <a:txBody>
-                    <a:bodyPr/>
-                    <a:lstStyle/>
-                    <a:p>
-                      <a:pPr latinLnBrk="1"/>
-                      <a:r>
-                        <a:rPr lang="ko-KR" altLang="en-US" sz="1100"/>
-                        <a:t>외부주소</a:t>
-                      </a:r>
-                    </a:p>
-                  </a:txBody>
-                  <a:tcPr/>
-                </a:tc>
-                <a:tc>
-                  <a:txBody>
-                    <a:bodyPr/>
-                    <a:lstStyle/>
-                    <a:p>
-                      <a:pPr latinLnBrk="1"/>
-                      <a:r>
-                        <a:rPr lang="en-US" altLang="ko-KR" sz="1100"/>
-                        <a:t>STN01_UsingLIB2_4."+"</a:t>
-                      </a:r>
-                      <a:endParaRPr lang="ko-KR" altLang="en-US" sz="1100"/>
-                    </a:p>
-                  </a:txBody>
-                  <a:tcPr/>
-                </a:tc>
-                <a:tc>
-                  <a:txBody>
-                    <a:bodyPr/>
-                    <a:lstStyle/>
-                    <a:p>
-                      <a:pPr latinLnBrk="1"/>
-                      <a:r>
-                        <a:rPr lang="en-US" altLang="ko-KR" sz="1100"/>
-                        <a:t>bool</a:t>
-                      </a:r>
-                      <a:endParaRPr lang="ko-KR" altLang="en-US" sz="1100"/>
-                    </a:p>
-                  </a:txBody>
-                  <a:tcPr/>
-                </a:tc>
-                <a:tc>
-                  <a:txBody>
-                    <a:bodyPr/>
-                    <a:lstStyle/>
-                    <a:p>
-                      <a:pPr latinLnBrk="1"/>
-                      <a:r>
-                        <a:rPr lang="en-US" altLang="ko-KR" sz="1100"/>
-                        <a:t>I625.9</a:t>
-                      </a:r>
-                      <a:endParaRPr lang="ko-KR" altLang="en-US" sz="1100"/>
-                    </a:p>
-                  </a:txBody>
-                  <a:tcPr/>
-                </a:tc>
-                <a:tc>
-                  <a:txBody>
-                    <a:bodyPr/>
-                    <a:lstStyle/>
-                    <a:p>
-                      <a:pPr latinLnBrk="1"/>
-                      <a:r>
-                        <a:rPr lang="en-US" altLang="ko-KR" sz="1100"/>
-                        <a:t>O625.9</a:t>
-                      </a:r>
-                      <a:endParaRPr lang="ko-KR" altLang="en-US" sz="1100"/>
-                    </a:p>
-                  </a:txBody>
-                  <a:tcPr/>
-                </a:tc>
-                <a:tc>
-                  <a:txBody>
-                    <a:bodyPr/>
-                    <a:lstStyle/>
-                    <a:p>
-                      <a:pPr latinLnBrk="1"/>
-                      <a:r>
-                        <a:rPr lang="en-US" altLang="ko-KR" sz="1100"/>
-                        <a:t>STN01_UsingLIB2_4_+</a:t>
-                      </a:r>
-                      <a:endParaRPr lang="ko-KR" altLang="en-US" sz="1100"/>
-                    </a:p>
-                  </a:txBody>
-                  <a:tcPr/>
-                </a:tc>
-                <a:tc>
-                  <a:txBody>
-                    <a:bodyPr/>
-                    <a:lstStyle/>
-                    <a:p>
-                      <a:pPr latinLnBrk="1"/>
-                      <a:endParaRPr lang="ko-KR" altLang="en-US" sz="1100"/>
-                    </a:p>
-                  </a:txBody>
-                  <a:tcPr/>
-                </a:tc>
-                <a:extLst>
-                  <a:ext uri="{0D108BD9-81ED-4DB2-BD59-A6C34878D82A}">
-                    <a16:rowId xmlns:a16="http://schemas.microsoft.com/office/drawing/2014/main" val="3739377329"/>
-                  </a:ext>
-                </a:extLst>
-              </a:tr>
-              <a:tr h="0">
-                <a:tc>
-                  <a:txBody>
-                    <a:bodyPr/>
-                    <a:lstStyle/>
-                    <a:p>
-                      <a:pPr latinLnBrk="1"/>
-                      <a:r>
-                        <a:rPr lang="ko-KR" altLang="en-US" sz="1100"/>
-                        <a:t>외부주소</a:t>
-                      </a:r>
-                    </a:p>
-                  </a:txBody>
-                  <a:tcPr/>
-                </a:tc>
-                <a:tc>
-                  <a:txBody>
-                    <a:bodyPr/>
-                    <a:lstStyle/>
-                    <a:p>
-                      <a:pPr latinLnBrk="1"/>
-                      <a:r>
-                        <a:rPr lang="en-US" altLang="ko-KR" sz="1100"/>
-                        <a:t>STN01_UsingLIB2_4."-"</a:t>
-                      </a:r>
-                      <a:endParaRPr lang="ko-KR" altLang="en-US" sz="1100"/>
-                    </a:p>
-                  </a:txBody>
-                  <a:tcPr/>
-                </a:tc>
-                <a:tc>
-                  <a:txBody>
-                    <a:bodyPr/>
-                    <a:lstStyle/>
-                    <a:p>
-                      <a:pPr latinLnBrk="1"/>
-                      <a:r>
-                        <a:rPr lang="en-US" altLang="ko-KR" sz="1100"/>
-                        <a:t>bool</a:t>
-                      </a:r>
-                      <a:endParaRPr lang="ko-KR" altLang="en-US" sz="1100"/>
-                    </a:p>
-                  </a:txBody>
-                  <a:tcPr/>
-                </a:tc>
-                <a:tc>
-                  <a:txBody>
-                    <a:bodyPr/>
-                    <a:lstStyle/>
-                    <a:p>
-                      <a:pPr latinLnBrk="1"/>
-                      <a:r>
-                        <a:rPr lang="en-US" altLang="ko-KR" sz="1100"/>
-                        <a:t>I625.10</a:t>
-                      </a:r>
-                      <a:endParaRPr lang="ko-KR" altLang="en-US" sz="1100"/>
-                    </a:p>
-                  </a:txBody>
-                  <a:tcPr/>
-                </a:tc>
-                <a:tc>
-                  <a:txBody>
-                    <a:bodyPr/>
-                    <a:lstStyle/>
-                    <a:p>
-                      <a:pPr latinLnBrk="1"/>
-                      <a:r>
-                        <a:rPr lang="en-US" altLang="ko-KR" sz="1100"/>
-                        <a:t>O625.10</a:t>
-                      </a:r>
-                      <a:endParaRPr lang="ko-KR" altLang="en-US" sz="1100"/>
-                    </a:p>
-                  </a:txBody>
-                  <a:tcPr/>
-                </a:tc>
-                <a:tc>
-                  <a:txBody>
-                    <a:bodyPr/>
-                    <a:lstStyle/>
-                    <a:p>
-                      <a:pPr latinLnBrk="1"/>
-                      <a:r>
-                        <a:rPr lang="en-US" altLang="ko-KR" sz="1100"/>
-                        <a:t>STN01_UsingLIB2_4_-</a:t>
-                      </a:r>
-                      <a:endParaRPr lang="ko-KR" altLang="en-US" sz="1100"/>
-                    </a:p>
-                  </a:txBody>
-                  <a:tcPr/>
-                </a:tc>
-                <a:tc>
-                  <a:txBody>
-                    <a:bodyPr/>
-                    <a:lstStyle/>
-                    <a:p>
-                      <a:pPr latinLnBrk="1"/>
-                      <a:endParaRPr lang="ko-KR" altLang="en-US" sz="1100"/>
-                    </a:p>
-                  </a:txBody>
-                  <a:tcPr/>
-                </a:tc>
-                <a:extLst>
-                  <a:ext uri="{0D108BD9-81ED-4DB2-BD59-A6C34878D82A}">
-                    <a16:rowId xmlns:a16="http://schemas.microsoft.com/office/drawing/2014/main" val="126416412"/>
-                  </a:ext>
-                </a:extLst>
-              </a:tr>
-              <a:tr h="0">
-                <a:tc>
-                  <a:txBody>
-                    <a:bodyPr/>
-                    <a:lstStyle/>
-                    <a:p>
-                      <a:pPr latinLnBrk="1"/>
-                      <a:r>
-                        <a:rPr lang="ko-KR" altLang="en-US" sz="1100"/>
-                        <a:t>외부주소</a:t>
-                      </a:r>
-                    </a:p>
-                  </a:txBody>
-                  <a:tcPr/>
-                </a:tc>
-                <a:tc>
-                  <a:txBody>
-                    <a:bodyPr/>
-                    <a:lstStyle/>
-                    <a:p>
-                      <a:pPr latinLnBrk="1"/>
-                      <a:r>
-                        <a:rPr lang="en-US" altLang="ko-KR" sz="1100"/>
-                        <a:t>STN01_UsingLIB_1."-"</a:t>
-                      </a:r>
-                      <a:endParaRPr lang="ko-KR" altLang="en-US" sz="1100"/>
-                    </a:p>
-                  </a:txBody>
-                  <a:tcPr/>
-                </a:tc>
-                <a:tc>
-                  <a:txBody>
-                    <a:bodyPr/>
-                    <a:lstStyle/>
-                    <a:p>
-                      <a:pPr latinLnBrk="1"/>
-                      <a:r>
-                        <a:rPr lang="en-US" altLang="ko-KR" sz="1100"/>
-                        <a:t>bool</a:t>
-                      </a:r>
-                      <a:endParaRPr lang="ko-KR" altLang="en-US" sz="1100"/>
-                    </a:p>
-                  </a:txBody>
-                  <a:tcPr/>
-                </a:tc>
-                <a:tc>
-                  <a:txBody>
-                    <a:bodyPr/>
-                    <a:lstStyle/>
-                    <a:p>
-                      <a:pPr latinLnBrk="1"/>
-                      <a:r>
-                        <a:rPr lang="en-US" altLang="ko-KR" sz="1100"/>
-                        <a:t>I625.11</a:t>
-                      </a:r>
-                      <a:endParaRPr lang="ko-KR" altLang="en-US" sz="1100"/>
-                    </a:p>
-                  </a:txBody>
-                  <a:tcPr/>
-                </a:tc>
-                <a:tc>
-                  <a:txBody>
-                    <a:bodyPr/>
-                    <a:lstStyle/>
-                    <a:p>
-                      <a:pPr latinLnBrk="1"/>
-                      <a:r>
-                        <a:rPr lang="en-US" altLang="ko-KR" sz="1100"/>
-                        <a:t>O625.11</a:t>
-                      </a:r>
-                      <a:endParaRPr lang="ko-KR" altLang="en-US" sz="1100"/>
-                    </a:p>
-                  </a:txBody>
-                  <a:tcPr/>
-                </a:tc>
-                <a:tc>
-                  <a:txBody>
-                    <a:bodyPr/>
-                    <a:lstStyle/>
-                    <a:p>
-                      <a:pPr latinLnBrk="1"/>
-                      <a:r>
-                        <a:rPr lang="en-US" altLang="ko-KR" sz="1100"/>
-                        <a:t>STN01_UsingLIB_1_-</a:t>
-                      </a:r>
-                      <a:endParaRPr lang="ko-KR" altLang="en-US" sz="1100"/>
-                    </a:p>
-                  </a:txBody>
-                  <a:tcPr/>
-                </a:tc>
-                <a:tc>
-                  <a:txBody>
-                    <a:bodyPr/>
-                    <a:lstStyle/>
-                    <a:p>
-                      <a:pPr latinLnBrk="1"/>
-                      <a:endParaRPr lang="ko-KR" altLang="en-US" sz="1100"/>
-                    </a:p>
-                  </a:txBody>
-                  <a:tcPr/>
-                </a:tc>
-                <a:extLst>
-                  <a:ext uri="{0D108BD9-81ED-4DB2-BD59-A6C34878D82A}">
-                    <a16:rowId xmlns:a16="http://schemas.microsoft.com/office/drawing/2014/main" val="1985184972"/>
-                  </a:ext>
-                </a:extLst>
-              </a:tr>
-              <a:tr h="0">
-                <a:tc>
-                  <a:txBody>
-                    <a:bodyPr/>
-                    <a:lstStyle/>
-                    <a:p>
-                      <a:pPr latinLnBrk="1"/>
-                      <a:r>
-                        <a:rPr lang="ko-KR" altLang="en-US" sz="1100"/>
-                        <a:t>외부주소</a:t>
-                      </a:r>
-                    </a:p>
-                  </a:txBody>
-                  <a:tcPr/>
-                </a:tc>
-                <a:tc>
-                  <a:txBody>
-                    <a:bodyPr/>
-                    <a:lstStyle/>
-                    <a:p>
-                      <a:pPr latinLnBrk="1"/>
-                      <a:r>
-                        <a:rPr lang="en-US" altLang="ko-KR" sz="1100"/>
-                        <a:t>STN01_UsingLIB_1."FWD[P]"</a:t>
-                      </a:r>
-                      <a:endParaRPr lang="ko-KR" altLang="en-US" sz="1100"/>
-                    </a:p>
-                  </a:txBody>
-                  <a:tcPr/>
-                </a:tc>
-                <a:tc>
-                  <a:txBody>
-                    <a:bodyPr/>
-                    <a:lstStyle/>
-                    <a:p>
-                      <a:pPr latinLnBrk="1"/>
-                      <a:r>
-                        <a:rPr lang="en-US" altLang="ko-KR" sz="1100"/>
-                        <a:t>bool</a:t>
-                      </a:r>
-                      <a:endParaRPr lang="ko-KR" altLang="en-US" sz="1100"/>
-                    </a:p>
-                  </a:txBody>
-                  <a:tcPr/>
-                </a:tc>
-                <a:tc>
-                  <a:txBody>
-                    <a:bodyPr/>
-                    <a:lstStyle/>
-                    <a:p>
-                      <a:pPr latinLnBrk="1"/>
-                      <a:r>
-                        <a:rPr lang="en-US" altLang="ko-KR" sz="1100"/>
-                        <a:t>I625.12</a:t>
-                      </a:r>
-                      <a:endParaRPr lang="ko-KR" altLang="en-US" sz="1100"/>
-                    </a:p>
-                  </a:txBody>
-                  <a:tcPr/>
-                </a:tc>
-                <a:tc>
-                  <a:txBody>
-                    <a:bodyPr/>
-                    <a:lstStyle/>
-                    <a:p>
-                      <a:pPr latinLnBrk="1"/>
-                      <a:r>
-                        <a:rPr lang="en-US" altLang="ko-KR" sz="1100"/>
-                        <a:t>O625.12</a:t>
-                      </a:r>
-                      <a:endParaRPr lang="ko-KR" altLang="en-US" sz="1100"/>
-                    </a:p>
-                  </a:txBody>
-                  <a:tcPr/>
-                </a:tc>
-                <a:tc>
-                  <a:txBody>
-                    <a:bodyPr/>
-                    <a:lstStyle/>
-                    <a:p>
-                      <a:pPr latinLnBrk="1"/>
-                      <a:r>
-                        <a:rPr lang="en-US" altLang="ko-KR" sz="1100"/>
-                        <a:t>STN01_UsingLIB_1_FWD[P]</a:t>
-                      </a:r>
-                      <a:endParaRPr lang="ko-KR" altLang="en-US" sz="1100"/>
-                    </a:p>
-                  </a:txBody>
-                  <a:tcPr/>
-                </a:tc>
-                <a:tc>
-                  <a:txBody>
-                    <a:bodyPr/>
-                    <a:lstStyle/>
-                    <a:p>
-                      <a:pPr latinLnBrk="1"/>
-                      <a:endParaRPr lang="ko-KR" altLang="en-US" sz="1100"/>
-                    </a:p>
-                  </a:txBody>
-                  <a:tcPr/>
-                </a:tc>
-                <a:extLst>
-                  <a:ext uri="{0D108BD9-81ED-4DB2-BD59-A6C34878D82A}">
-                    <a16:rowId xmlns:a16="http://schemas.microsoft.com/office/drawing/2014/main" val="771162797"/>
-                  </a:ext>
-                </a:extLst>
-              </a:tr>
-              <a:tr h="0">
-                <a:tc>
-                  <a:txBody>
-                    <a:bodyPr/>
-                    <a:lstStyle/>
-                    <a:p>
-                      <a:pPr latinLnBrk="1"/>
-                      <a:r>
-                        <a:rPr lang="ko-KR" altLang="en-US" sz="1100"/>
-                        <a:t>외부주소</a:t>
-                      </a:r>
-                    </a:p>
-                  </a:txBody>
-                  <a:tcPr/>
-                </a:tc>
-                <a:tc>
-                  <a:txBody>
-                    <a:bodyPr/>
-                    <a:lstStyle/>
-                    <a:p>
-                      <a:pPr latinLnBrk="1"/>
-                      <a:r>
-                        <a:rPr lang="en-US" altLang="ko-KR" sz="1100"/>
-                        <a:t>STN01_UsingLIB_2."+"</a:t>
-                      </a:r>
-                      <a:endParaRPr lang="ko-KR" altLang="en-US" sz="1100"/>
-                    </a:p>
-                  </a:txBody>
-                  <a:tcPr/>
-                </a:tc>
-                <a:tc>
-                  <a:txBody>
-                    <a:bodyPr/>
-                    <a:lstStyle/>
-                    <a:p>
-                      <a:pPr latinLnBrk="1"/>
-                      <a:r>
-                        <a:rPr lang="en-US" altLang="ko-KR" sz="1100"/>
-                        <a:t>bool</a:t>
-                      </a:r>
-                      <a:endParaRPr lang="ko-KR" altLang="en-US" sz="1100"/>
-                    </a:p>
-                  </a:txBody>
-                  <a:tcPr/>
-                </a:tc>
-                <a:tc>
-                  <a:txBody>
-                    <a:bodyPr/>
-                    <a:lstStyle/>
-                    <a:p>
-                      <a:pPr latinLnBrk="1"/>
-                      <a:r>
-                        <a:rPr lang="en-US" altLang="ko-KR" sz="1100"/>
-                        <a:t>I625.13</a:t>
-                      </a:r>
-                      <a:endParaRPr lang="ko-KR" altLang="en-US" sz="1100"/>
-                    </a:p>
-                  </a:txBody>
-                  <a:tcPr/>
-                </a:tc>
-                <a:tc>
-                  <a:txBody>
-                    <a:bodyPr/>
-                    <a:lstStyle/>
-                    <a:p>
-                      <a:pPr latinLnBrk="1"/>
-                      <a:r>
-                        <a:rPr lang="en-US" altLang="ko-KR" sz="1100"/>
-                        <a:t>O625.13</a:t>
-                      </a:r>
-                      <a:endParaRPr lang="ko-KR" altLang="en-US" sz="1100"/>
-                    </a:p>
-                  </a:txBody>
-                  <a:tcPr/>
-                </a:tc>
-                <a:tc>
-                  <a:txBody>
-                    <a:bodyPr/>
-                    <a:lstStyle/>
-                    <a:p>
-                      <a:pPr latinLnBrk="1"/>
-                      <a:r>
-                        <a:rPr lang="en-US" altLang="ko-KR" sz="1100"/>
-                        <a:t>STN01_UsingLIB_2_+</a:t>
-                      </a:r>
-                      <a:endParaRPr lang="ko-KR" altLang="en-US" sz="1100"/>
-                    </a:p>
-                  </a:txBody>
-                  <a:tcPr/>
-                </a:tc>
-                <a:tc>
-                  <a:txBody>
-                    <a:bodyPr/>
-                    <a:lstStyle/>
-                    <a:p>
-                      <a:pPr latinLnBrk="1"/>
-                      <a:endParaRPr lang="ko-KR" altLang="en-US" sz="1100"/>
-                    </a:p>
-                  </a:txBody>
-                  <a:tcPr/>
-                </a:tc>
-                <a:extLst>
-                  <a:ext uri="{0D108BD9-81ED-4DB2-BD59-A6C34878D82A}">
-                    <a16:rowId xmlns:a16="http://schemas.microsoft.com/office/drawing/2014/main" val="833285610"/>
-                  </a:ext>
-                </a:extLst>
-              </a:tr>
-              <a:tr h="0">
-                <a:tc>
-                  <a:txBody>
-                    <a:bodyPr/>
-                    <a:lstStyle/>
-                    <a:p>
-                      <a:pPr latinLnBrk="1"/>
-                      <a:r>
-                        <a:rPr lang="ko-KR" altLang="en-US" sz="1100"/>
-                        <a:t>외부주소</a:t>
-                      </a:r>
-                    </a:p>
-                  </a:txBody>
-                  <a:tcPr/>
-                </a:tc>
-                <a:tc>
-                  <a:txBody>
-                    <a:bodyPr/>
-                    <a:lstStyle/>
-                    <a:p>
-                      <a:pPr latinLnBrk="1"/>
-                      <a:r>
-                        <a:rPr lang="en-US" altLang="ko-KR" sz="1100"/>
-                        <a:t>STN01_UsingLIB_2."-"</a:t>
-                      </a:r>
-                      <a:endParaRPr lang="ko-KR" altLang="en-US" sz="1100"/>
-                    </a:p>
-                  </a:txBody>
-                  <a:tcPr/>
-                </a:tc>
-                <a:tc>
-                  <a:txBody>
-                    <a:bodyPr/>
-                    <a:lstStyle/>
-                    <a:p>
-                      <a:pPr latinLnBrk="1"/>
-                      <a:r>
-                        <a:rPr lang="en-US" altLang="ko-KR" sz="1100"/>
-                        <a:t>bool</a:t>
-                      </a:r>
-                      <a:endParaRPr lang="ko-KR" altLang="en-US" sz="1100"/>
-                    </a:p>
-                  </a:txBody>
-                  <a:tcPr/>
-                </a:tc>
-                <a:tc>
-                  <a:txBody>
-                    <a:bodyPr/>
-                    <a:lstStyle/>
-                    <a:p>
-                      <a:pPr latinLnBrk="1"/>
-                      <a:r>
-                        <a:rPr lang="en-US" altLang="ko-KR" sz="1100"/>
-                        <a:t>I625.14</a:t>
-                      </a:r>
-                      <a:endParaRPr lang="ko-KR" altLang="en-US" sz="1100"/>
-                    </a:p>
-                  </a:txBody>
-                  <a:tcPr/>
-                </a:tc>
-                <a:tc>
-                  <a:txBody>
-                    <a:bodyPr/>
-                    <a:lstStyle/>
-                    <a:p>
-                      <a:pPr latinLnBrk="1"/>
-                      <a:r>
-                        <a:rPr lang="en-US" altLang="ko-KR" sz="1100"/>
-                        <a:t>O625.14</a:t>
-                      </a:r>
-                      <a:endParaRPr lang="ko-KR" altLang="en-US" sz="1100"/>
-                    </a:p>
-                  </a:txBody>
-                  <a:tcPr/>
-                </a:tc>
-                <a:tc>
-                  <a:txBody>
-                    <a:bodyPr/>
-                    <a:lstStyle/>
-                    <a:p>
-                      <a:pPr latinLnBrk="1"/>
-                      <a:r>
-                        <a:rPr lang="en-US" altLang="ko-KR" sz="1100"/>
-                        <a:t>STN01_UsingLIB_2_-</a:t>
-                      </a:r>
-                      <a:endParaRPr lang="ko-KR" altLang="en-US" sz="1100"/>
-                    </a:p>
-                  </a:txBody>
-                  <a:tcPr/>
-                </a:tc>
-                <a:tc>
-                  <a:txBody>
-                    <a:bodyPr/>
-                    <a:lstStyle/>
-                    <a:p>
-                      <a:pPr latinLnBrk="1"/>
-                      <a:endParaRPr lang="ko-KR" altLang="en-US" sz="1100"/>
-                    </a:p>
-                  </a:txBody>
-                  <a:tcPr/>
-                </a:tc>
-                <a:extLst>
-                  <a:ext uri="{0D108BD9-81ED-4DB2-BD59-A6C34878D82A}">
-                    <a16:rowId xmlns:a16="http://schemas.microsoft.com/office/drawing/2014/main" val="3237793518"/>
-                  </a:ext>
-                </a:extLst>
-              </a:tr>
-              <a:tr h="0">
-                <a:tc>
-                  <a:txBody>
-                    <a:bodyPr/>
-                    <a:lstStyle/>
-                    <a:p>
-                      <a:pPr latinLnBrk="1"/>
-                      <a:r>
-                        <a:rPr lang="ko-KR" altLang="en-US" sz="1100"/>
-                        <a:t>외부주소</a:t>
-                      </a:r>
-                    </a:p>
-                  </a:txBody>
-                  <a:tcPr/>
-                </a:tc>
-                <a:tc>
-                  <a:txBody>
-                    <a:bodyPr/>
-                    <a:lstStyle/>
-                    <a:p>
-                      <a:pPr latinLnBrk="1"/>
-                      <a:r>
-                        <a:rPr lang="en-US" altLang="ko-KR" sz="1100"/>
-                        <a:t>STN02_Pin."+"</a:t>
-                      </a:r>
-                      <a:endParaRPr lang="ko-KR" altLang="en-US" sz="1100"/>
-                    </a:p>
-                  </a:txBody>
-                  <a:tcPr/>
-                </a:tc>
-                <a:tc>
-                  <a:txBody>
-                    <a:bodyPr/>
-                    <a:lstStyle/>
-                    <a:p>
-                      <a:pPr latinLnBrk="1"/>
-                      <a:r>
-                        <a:rPr lang="en-US" altLang="ko-KR" sz="1100"/>
-                        <a:t>bool</a:t>
-                      </a:r>
-                      <a:endParaRPr lang="ko-KR" altLang="en-US" sz="1100"/>
-                    </a:p>
-                  </a:txBody>
-                  <a:tcPr/>
-                </a:tc>
-                <a:tc>
-                  <a:txBody>
-                    <a:bodyPr/>
-                    <a:lstStyle/>
-                    <a:p>
-                      <a:pPr latinLnBrk="1"/>
-                      <a:r>
-                        <a:rPr lang="en-US" altLang="ko-KR" sz="1100"/>
-                        <a:t>I625.15</a:t>
-                      </a:r>
-                      <a:endParaRPr lang="ko-KR" altLang="en-US" sz="1100"/>
-                    </a:p>
-                  </a:txBody>
-                  <a:tcPr/>
-                </a:tc>
-                <a:tc>
-                  <a:txBody>
-                    <a:bodyPr/>
-                    <a:lstStyle/>
-                    <a:p>
-                      <a:pPr latinLnBrk="1"/>
-                      <a:r>
-                        <a:rPr lang="en-US" altLang="ko-KR" sz="1100"/>
-                        <a:t>O625.15</a:t>
-                      </a:r>
-                      <a:endParaRPr lang="ko-KR" altLang="en-US" sz="1100"/>
-                    </a:p>
-                  </a:txBody>
-                  <a:tcPr/>
-                </a:tc>
-                <a:tc>
-                  <a:txBody>
-                    <a:bodyPr/>
-                    <a:lstStyle/>
-                    <a:p>
-                      <a:pPr latinLnBrk="1"/>
-                      <a:r>
-                        <a:rPr lang="en-US" altLang="ko-KR" sz="1100"/>
-                        <a:t>STN02_Pin_+</a:t>
-                      </a:r>
-                      <a:endParaRPr lang="ko-KR" altLang="en-US" sz="1100"/>
-                    </a:p>
-                  </a:txBody>
-                  <a:tcPr/>
-                </a:tc>
-                <a:tc>
-                  <a:txBody>
-                    <a:bodyPr/>
-                    <a:lstStyle/>
-                    <a:p>
-                      <a:pPr latinLnBrk="1"/>
-                      <a:endParaRPr lang="ko-KR" altLang="en-US" sz="1100"/>
-                    </a:p>
-                  </a:txBody>
-                  <a:tcPr/>
-                </a:tc>
-                <a:extLst>
-                  <a:ext uri="{0D108BD9-81ED-4DB2-BD59-A6C34878D82A}">
-                    <a16:rowId xmlns:a16="http://schemas.microsoft.com/office/drawing/2014/main" val="3927176985"/>
-                  </a:ext>
-                </a:extLst>
-              </a:tr>
-              <a:tr h="0">
-                <a:tc>
-                  <a:txBody>
-                    <a:bodyPr/>
-                    <a:lstStyle/>
-                    <a:p>
-                      <a:pPr latinLnBrk="1"/>
-                      <a:r>
-                        <a:rPr lang="ko-KR" altLang="en-US" sz="1100"/>
-                        <a:t>외부주소</a:t>
-                      </a:r>
-                    </a:p>
-                  </a:txBody>
-                  <a:tcPr/>
-                </a:tc>
-                <a:tc>
-                  <a:txBody>
-                    <a:bodyPr/>
-                    <a:lstStyle/>
-                    <a:p>
-                      <a:pPr latinLnBrk="1"/>
-                      <a:r>
-                        <a:rPr lang="en-US" altLang="ko-KR" sz="1100"/>
-                        <a:t>STN02_Pin."-"</a:t>
-                      </a:r>
-                      <a:endParaRPr lang="ko-KR" altLang="en-US" sz="1100"/>
-                    </a:p>
-                  </a:txBody>
-                  <a:tcPr/>
-                </a:tc>
-                <a:tc>
-                  <a:txBody>
-                    <a:bodyPr/>
-                    <a:lstStyle/>
-                    <a:p>
-                      <a:pPr latinLnBrk="1"/>
-                      <a:r>
-                        <a:rPr lang="en-US" altLang="ko-KR" sz="1100"/>
-                        <a:t>bool</a:t>
-                      </a:r>
-                      <a:endParaRPr lang="ko-KR" altLang="en-US" sz="1100"/>
-                    </a:p>
-                  </a:txBody>
-                  <a:tcPr/>
-                </a:tc>
-                <a:tc>
-                  <a:txBody>
-                    <a:bodyPr/>
-                    <a:lstStyle/>
-                    <a:p>
-                      <a:pPr latinLnBrk="1"/>
-                      <a:r>
-                        <a:rPr lang="en-US" altLang="ko-KR" sz="1100"/>
-                        <a:t>I626.0</a:t>
-                      </a:r>
-                      <a:endParaRPr lang="ko-KR" altLang="en-US" sz="1100"/>
-                    </a:p>
-                  </a:txBody>
-                  <a:tcPr/>
-                </a:tc>
-                <a:tc>
-                  <a:txBody>
-                    <a:bodyPr/>
-                    <a:lstStyle/>
-                    <a:p>
-                      <a:pPr latinLnBrk="1"/>
-                      <a:r>
-                        <a:rPr lang="en-US" altLang="ko-KR" sz="1100"/>
-                        <a:t>O626.0</a:t>
-                      </a:r>
-                      <a:endParaRPr lang="ko-KR" altLang="en-US" sz="1100"/>
-                    </a:p>
-                  </a:txBody>
-                  <a:tcPr/>
-                </a:tc>
-                <a:tc>
-                  <a:txBody>
-                    <a:bodyPr/>
-                    <a:lstStyle/>
-                    <a:p>
-                      <a:pPr latinLnBrk="1"/>
-                      <a:r>
-                        <a:rPr lang="en-US" altLang="ko-KR" sz="1100"/>
-                        <a:t>STN02_Pin_-</a:t>
-                      </a:r>
-                      <a:endParaRPr lang="ko-KR" altLang="en-US" sz="1100"/>
-                    </a:p>
-                  </a:txBody>
-                  <a:tcPr/>
-                </a:tc>
-                <a:tc>
-                  <a:txBody>
-                    <a:bodyPr/>
-                    <a:lstStyle/>
-                    <a:p>
-                      <a:pPr latinLnBrk="1"/>
-                      <a:endParaRPr lang="ko-KR" altLang="en-US" sz="1100"/>
-                    </a:p>
-                  </a:txBody>
-                  <a:tcPr/>
-                </a:tc>
-                <a:extLst>
-                  <a:ext uri="{0D108BD9-81ED-4DB2-BD59-A6C34878D82A}">
-                    <a16:rowId xmlns:a16="http://schemas.microsoft.com/office/drawing/2014/main" val="3001397425"/>
-                  </a:ext>
-                </a:extLst>
-              </a:tr>
-              <a:tr h="0">
-                <a:tc>
-                  <a:txBody>
-                    <a:bodyPr/>
-                    <a:lstStyle/>
-                    <a:p>
-                      <a:pPr latinLnBrk="1"/>
-                      <a:r>
-                        <a:rPr lang="ko-KR" altLang="en-US" sz="1100"/>
-                        <a:t>외부주소</a:t>
-                      </a:r>
-                    </a:p>
-                  </a:txBody>
-                  <a:tcPr/>
-                </a:tc>
-                <a:tc>
-                  <a:txBody>
-                    <a:bodyPr/>
-                    <a:lstStyle/>
-                    <a:p>
-                      <a:pPr latinLnBrk="1"/>
-                      <a:r>
-                        <a:rPr lang="en-US" altLang="ko-KR" sz="1100"/>
-                        <a:t>STN03_Pin."+"</a:t>
-                      </a:r>
-                      <a:endParaRPr lang="ko-KR" altLang="en-US" sz="1100"/>
-                    </a:p>
-                  </a:txBody>
-                  <a:tcPr/>
-                </a:tc>
-                <a:tc>
-                  <a:txBody>
-                    <a:bodyPr/>
-                    <a:lstStyle/>
-                    <a:p>
-                      <a:pPr latinLnBrk="1"/>
-                      <a:r>
-                        <a:rPr lang="en-US" altLang="ko-KR" sz="1100"/>
-                        <a:t>bool</a:t>
-                      </a:r>
-                      <a:endParaRPr lang="ko-KR" altLang="en-US" sz="1100"/>
-                    </a:p>
-                  </a:txBody>
-                  <a:tcPr/>
-                </a:tc>
-                <a:tc>
-                  <a:txBody>
-                    <a:bodyPr/>
-                    <a:lstStyle/>
-                    <a:p>
-                      <a:pPr latinLnBrk="1"/>
-                      <a:r>
-                        <a:rPr lang="en-US" altLang="ko-KR" sz="1100"/>
-                        <a:t>I626.1</a:t>
-                      </a:r>
-                      <a:endParaRPr lang="ko-KR" altLang="en-US" sz="1100"/>
-                    </a:p>
-                  </a:txBody>
-                  <a:tcPr/>
-                </a:tc>
-                <a:tc>
-                  <a:txBody>
-                    <a:bodyPr/>
-                    <a:lstStyle/>
-                    <a:p>
-                      <a:pPr latinLnBrk="1"/>
-                      <a:r>
-                        <a:rPr lang="en-US" altLang="ko-KR" sz="1100"/>
-                        <a:t>O626.1</a:t>
-                      </a:r>
-                      <a:endParaRPr lang="ko-KR" altLang="en-US" sz="1100"/>
-                    </a:p>
-                  </a:txBody>
-                  <a:tcPr/>
-                </a:tc>
-                <a:tc>
-                  <a:txBody>
-                    <a:bodyPr/>
-                    <a:lstStyle/>
-                    <a:p>
-                      <a:pPr latinLnBrk="1"/>
-                      <a:r>
-                        <a:rPr lang="en-US" altLang="ko-KR" sz="1100"/>
-                        <a:t>STN03_Pin_+</a:t>
-                      </a:r>
-                      <a:endParaRPr lang="ko-KR" altLang="en-US" sz="1100"/>
-                    </a:p>
-                  </a:txBody>
-                  <a:tcPr/>
-                </a:tc>
-                <a:tc>
-                  <a:txBody>
-                    <a:bodyPr/>
-                    <a:lstStyle/>
-                    <a:p>
-                      <a:pPr latinLnBrk="1"/>
-                      <a:endParaRPr lang="ko-KR" altLang="en-US" sz="1100"/>
-                    </a:p>
-                  </a:txBody>
-                  <a:tcPr/>
-                </a:tc>
-                <a:extLst>
-                  <a:ext uri="{0D108BD9-81ED-4DB2-BD59-A6C34878D82A}">
-                    <a16:rowId xmlns:a16="http://schemas.microsoft.com/office/drawing/2014/main" val="2044835138"/>
-                  </a:ext>
-                </a:extLst>
-              </a:tr>
-              <a:tr h="0">
-                <a:tc>
-                  <a:txBody>
-                    <a:bodyPr/>
-                    <a:lstStyle/>
-                    <a:p>
-                      <a:pPr latinLnBrk="1"/>
-                      <a:r>
-                        <a:rPr lang="ko-KR" altLang="en-US" sz="1100"/>
-                        <a:t>외부주소</a:t>
-                      </a:r>
-                    </a:p>
-                  </a:txBody>
-                  <a:tcPr/>
-                </a:tc>
-                <a:tc>
-                  <a:txBody>
-                    <a:bodyPr/>
-                    <a:lstStyle/>
-                    <a:p>
-                      <a:pPr latinLnBrk="1"/>
-                      <a:r>
-                        <a:rPr lang="en-US" altLang="ko-KR" sz="1100"/>
-                        <a:t>STN03_Pin."-"</a:t>
-                      </a:r>
-                      <a:endParaRPr lang="ko-KR" altLang="en-US" sz="1100"/>
-                    </a:p>
-                  </a:txBody>
-                  <a:tcPr/>
-                </a:tc>
-                <a:tc>
-                  <a:txBody>
-                    <a:bodyPr/>
-                    <a:lstStyle/>
-                    <a:p>
-                      <a:pPr latinLnBrk="1"/>
-                      <a:r>
-                        <a:rPr lang="en-US" altLang="ko-KR" sz="1100"/>
-                        <a:t>bool</a:t>
-                      </a:r>
-                      <a:endParaRPr lang="ko-KR" altLang="en-US" sz="1100"/>
-                    </a:p>
-                  </a:txBody>
-                  <a:tcPr/>
-                </a:tc>
-                <a:tc>
-                  <a:txBody>
-                    <a:bodyPr/>
-                    <a:lstStyle/>
-                    <a:p>
-                      <a:pPr latinLnBrk="1"/>
-                      <a:r>
-                        <a:rPr lang="en-US" altLang="ko-KR" sz="1100"/>
-                        <a:t>I626.2</a:t>
-                      </a:r>
-                      <a:endParaRPr lang="ko-KR" altLang="en-US" sz="1100"/>
-                    </a:p>
-                  </a:txBody>
-                  <a:tcPr/>
-                </a:tc>
-                <a:tc>
-                  <a:txBody>
-                    <a:bodyPr/>
-                    <a:lstStyle/>
-                    <a:p>
-                      <a:pPr latinLnBrk="1"/>
-                      <a:r>
-                        <a:rPr lang="en-US" altLang="ko-KR" sz="1100"/>
-                        <a:t>O626.2</a:t>
-                      </a:r>
-                      <a:endParaRPr lang="ko-KR" altLang="en-US" sz="1100"/>
-                    </a:p>
-                  </a:txBody>
-                  <a:tcPr/>
-                </a:tc>
-                <a:tc>
-                  <a:txBody>
-                    <a:bodyPr/>
-                    <a:lstStyle/>
-                    <a:p>
-                      <a:pPr latinLnBrk="1"/>
-                      <a:r>
-                        <a:rPr lang="en-US" altLang="ko-KR" sz="1100"/>
-                        <a:t>STN03_Pin_-</a:t>
-                      </a:r>
-                      <a:endParaRPr lang="ko-KR" altLang="en-US" sz="1100"/>
-                    </a:p>
-                  </a:txBody>
-                  <a:tcPr/>
-                </a:tc>
-                <a:tc>
-                  <a:txBody>
-                    <a:bodyPr/>
-                    <a:lstStyle/>
-                    <a:p>
-                      <a:pPr latinLnBrk="1"/>
-                      <a:endParaRPr lang="ko-KR" altLang="en-US" sz="1100"/>
-                    </a:p>
-                  </a:txBody>
-                  <a:tcPr/>
-                </a:tc>
-                <a:extLst>
-                  <a:ext uri="{0D108BD9-81ED-4DB2-BD59-A6C34878D82A}">
-                    <a16:rowId xmlns:a16="http://schemas.microsoft.com/office/drawing/2014/main" val="201646035"/>
-                  </a:ext>
-                </a:extLst>
-              </a:tr>
-              <a:tr h="0">
-                <a:tc>
-                  <a:txBody>
-                    <a:bodyPr/>
-                    <a:lstStyle/>
-                    <a:p>
-                      <a:pPr latinLnBrk="1"/>
-                      <a:endParaRPr lang="ko-KR" altLang="en-US" sz="1100"/>
-                    </a:p>
-                  </a:txBody>
-                  <a:tcPr/>
-                </a:tc>
-                <a:tc>
-                  <a:txBody>
-                    <a:bodyPr/>
-                    <a:lstStyle/>
-                    <a:p>
-                      <a:pPr latinLnBrk="1"/>
-                      <a:endParaRPr lang="ko-KR" altLang="en-US" sz="1100"/>
-                    </a:p>
-                  </a:txBody>
-                  <a:tcPr/>
-                </a:tc>
-                <a:tc>
-                  <a:txBody>
-                    <a:bodyPr/>
-                    <a:lstStyle/>
-                    <a:p>
-                      <a:pPr latinLnBrk="1"/>
-                      <a:endParaRPr lang="ko-KR" altLang="en-US" sz="1100"/>
-                    </a:p>
-                  </a:txBody>
-                  <a:tcPr/>
-                </a:tc>
-                <a:tc>
-                  <a:txBody>
-                    <a:bodyPr/>
-                    <a:lstStyle/>
-                    <a:p>
-                      <a:pPr latinLnBrk="1"/>
-                      <a:endParaRPr lang="ko-KR" altLang="en-US" sz="1100"/>
-                    </a:p>
-                  </a:txBody>
-                  <a:tcPr/>
-                </a:tc>
-                <a:tc>
-                  <a:txBody>
-                    <a:bodyPr/>
-                    <a:lstStyle/>
-                    <a:p>
-                      <a:pPr latinLnBrk="1"/>
-                      <a:endParaRPr lang="ko-KR" altLang="en-US" sz="1100"/>
-                    </a:p>
-                  </a:txBody>
-                  <a:tcPr/>
-                </a:tc>
-                <a:tc>
-                  <a:txBody>
-                    <a:bodyPr/>
-                    <a:lstStyle/>
-                    <a:p>
-                      <a:pPr latinLnBrk="1"/>
-                      <a:endParaRPr lang="ko-KR" altLang="en-US" sz="1100"/>
-                    </a:p>
-                  </a:txBody>
-                  <a:tcPr/>
-                </a:tc>
-                <a:tc>
-                  <a:txBody>
-                    <a:bodyPr/>
-                    <a:lstStyle/>
-                    <a:p>
-                      <a:pPr latinLnBrk="1"/>
-                      <a:endParaRPr lang="ko-KR" altLang="en-US" sz="1100"/>
-                    </a:p>
-                  </a:txBody>
-                  <a:tcPr/>
-                </a:tc>
-                <a:extLst>
-                  <a:ext uri="{0D108BD9-81ED-4DB2-BD59-A6C34878D82A}">
-                    <a16:rowId xmlns:a16="http://schemas.microsoft.com/office/drawing/2014/main" val="2586275622"/>
-                  </a:ext>
-                </a:extLst>
-              </a:tr>
-              <a:tr h="0">
-                <a:tc>
-                  <a:txBody>
-                    <a:bodyPr/>
-                    <a:lstStyle/>
-                    <a:p>
-                      <a:pPr latinLnBrk="1"/>
-                      <a:endParaRPr lang="ko-KR" altLang="en-US" sz="1100"/>
-                    </a:p>
-                  </a:txBody>
-                  <a:tcPr/>
-                </a:tc>
-                <a:tc>
-                  <a:txBody>
-                    <a:bodyPr/>
-                    <a:lstStyle/>
-                    <a:p>
-                      <a:pPr latinLnBrk="1"/>
-                      <a:endParaRPr lang="ko-KR" altLang="en-US" sz="1100"/>
-                    </a:p>
-                  </a:txBody>
-                  <a:tcPr/>
-                </a:tc>
-                <a:tc>
-                  <a:txBody>
-                    <a:bodyPr/>
-                    <a:lstStyle/>
-                    <a:p>
-                      <a:pPr latinLnBrk="1"/>
-                      <a:endParaRPr lang="ko-KR" altLang="en-US" sz="1100"/>
-                    </a:p>
-                  </a:txBody>
-                  <a:tcPr/>
-                </a:tc>
-                <a:tc>
-                  <a:txBody>
-                    <a:bodyPr/>
-                    <a:lstStyle/>
-                    <a:p>
-                      <a:pPr latinLnBrk="1"/>
-                      <a:endParaRPr lang="ko-KR" altLang="en-US" sz="1100"/>
-                    </a:p>
-                  </a:txBody>
-                  <a:tcPr/>
-                </a:tc>
-                <a:tc>
-                  <a:txBody>
-                    <a:bodyPr/>
-                    <a:lstStyle/>
-                    <a:p>
-                      <a:pPr latinLnBrk="1"/>
-                      <a:endParaRPr lang="ko-KR" altLang="en-US" sz="1100"/>
-                    </a:p>
-                  </a:txBody>
-                  <a:tcPr/>
-                </a:tc>
-                <a:tc>
-                  <a:txBody>
-                    <a:bodyPr/>
-                    <a:lstStyle/>
-                    <a:p>
-                      <a:pPr latinLnBrk="1"/>
-                      <a:endParaRPr lang="ko-KR" altLang="en-US" sz="1100"/>
-                    </a:p>
-                  </a:txBody>
-                  <a:tcPr/>
-                </a:tc>
-                <a:tc>
-                  <a:txBody>
-                    <a:bodyPr/>
-                    <a:lstStyle/>
-                    <a:p>
-                      <a:pPr latinLnBrk="1"/>
-                      <a:endParaRPr lang="ko-KR" altLang="en-US" sz="1100"/>
-                    </a:p>
-                  </a:txBody>
-                  <a:tcPr/>
-                </a:tc>
-                <a:extLst>
-                  <a:ext uri="{0D108BD9-81ED-4DB2-BD59-A6C34878D82A}">
-                    <a16:rowId xmlns:a16="http://schemas.microsoft.com/office/drawing/2014/main" val="1548247785"/>
-                  </a:ext>
-                </a:extLst>
-              </a:tr>
-              <a:tr h="0">
-                <a:tc>
-                  <a:txBody>
-                    <a:bodyPr/>
-                    <a:lstStyle/>
-                    <a:p>
-                      <a:pPr latinLnBrk="1"/>
-                      <a:endParaRPr lang="ko-KR" altLang="en-US" sz="1100"/>
-                    </a:p>
-                  </a:txBody>
-                  <a:tcPr/>
-                </a:tc>
-                <a:tc>
-                  <a:txBody>
-                    <a:bodyPr/>
-                    <a:lstStyle/>
-                    <a:p>
-                      <a:pPr latinLnBrk="1"/>
-                      <a:endParaRPr lang="ko-KR" altLang="en-US" sz="1100"/>
-                    </a:p>
-                  </a:txBody>
-                  <a:tcPr/>
-                </a:tc>
-                <a:tc>
-                  <a:txBody>
-                    <a:bodyPr/>
-                    <a:lstStyle/>
-                    <a:p>
-                      <a:pPr latinLnBrk="1"/>
-                      <a:endParaRPr lang="ko-KR" altLang="en-US" sz="1100"/>
-                    </a:p>
-                  </a:txBody>
-                  <a:tcPr/>
-                </a:tc>
-                <a:tc>
-                  <a:txBody>
-                    <a:bodyPr/>
-                    <a:lstStyle/>
-                    <a:p>
-                      <a:pPr latinLnBrk="1"/>
-                      <a:endParaRPr lang="ko-KR" altLang="en-US" sz="1100"/>
-                    </a:p>
-                  </a:txBody>
-                  <a:tcPr/>
-                </a:tc>
-                <a:tc>
-                  <a:txBody>
-                    <a:bodyPr/>
-                    <a:lstStyle/>
-                    <a:p>
-                      <a:pPr latinLnBrk="1"/>
-                      <a:endParaRPr lang="ko-KR" altLang="en-US" sz="1100"/>
-                    </a:p>
-                  </a:txBody>
-                  <a:tcPr/>
-                </a:tc>
-                <a:tc>
-                  <a:txBody>
-                    <a:bodyPr/>
-                    <a:lstStyle/>
-                    <a:p>
-                      <a:pPr latinLnBrk="1"/>
-                      <a:endParaRPr lang="ko-KR" altLang="en-US" sz="1100"/>
-                    </a:p>
-                  </a:txBody>
-                  <a:tcPr/>
-                </a:tc>
-                <a:tc>
-                  <a:txBody>
-                    <a:bodyPr/>
-                    <a:lstStyle/>
-                    <a:p>
-                      <a:pPr latinLnBrk="1"/>
-                      <a:endParaRPr lang="ko-KR" altLang="en-US" sz="1100"/>
-                    </a:p>
-                  </a:txBody>
-                  <a:tcPr/>
-                </a:tc>
-                <a:extLst>
-                  <a:ext uri="{0D108BD9-81ED-4DB2-BD59-A6C34878D82A}">
-                    <a16:rowId xmlns:a16="http://schemas.microsoft.com/office/drawing/2014/main" val="936440917"/>
-                  </a:ext>
-                </a:extLst>
-              </a:tr>
-              <a:tr h="0">
-                <a:tc>
-                  <a:txBody>
-                    <a:bodyPr/>
-                    <a:lstStyle/>
-                    <a:p>
-                      <a:pPr latinLnBrk="1"/>
-                      <a:endParaRPr lang="ko-KR" altLang="en-US" sz="1100"/>
-                    </a:p>
-                  </a:txBody>
-                  <a:tcPr/>
-                </a:tc>
-                <a:tc>
-                  <a:txBody>
-                    <a:bodyPr/>
-                    <a:lstStyle/>
-                    <a:p>
-                      <a:pPr latinLnBrk="1"/>
-                      <a:endParaRPr lang="ko-KR" altLang="en-US" sz="1100"/>
-                    </a:p>
-                  </a:txBody>
-                  <a:tcPr/>
-                </a:tc>
-                <a:tc>
-                  <a:txBody>
-                    <a:bodyPr/>
-                    <a:lstStyle/>
-                    <a:p>
-                      <a:pPr latinLnBrk="1"/>
-                      <a:endParaRPr lang="ko-KR" altLang="en-US" sz="1100"/>
-                    </a:p>
-                  </a:txBody>
-                  <a:tcPr/>
-                </a:tc>
-                <a:tc>
-                  <a:txBody>
-                    <a:bodyPr/>
-                    <a:lstStyle/>
-                    <a:p>
-                      <a:pPr latinLnBrk="1"/>
-                      <a:endParaRPr lang="ko-KR" altLang="en-US" sz="1100"/>
-                    </a:p>
-                  </a:txBody>
-                  <a:tcPr/>
-                </a:tc>
-                <a:tc>
-                  <a:txBody>
-                    <a:bodyPr/>
-                    <a:lstStyle/>
-                    <a:p>
-                      <a:pPr latinLnBrk="1"/>
-                      <a:endParaRPr lang="ko-KR" altLang="en-US" sz="1100"/>
-                    </a:p>
-                  </a:txBody>
-                  <a:tcPr/>
-                </a:tc>
-                <a:tc>
-                  <a:txBody>
-                    <a:bodyPr/>
-                    <a:lstStyle/>
-                    <a:p>
-                      <a:pPr latinLnBrk="1"/>
-                      <a:endParaRPr lang="ko-KR" altLang="en-US" sz="1100"/>
-                    </a:p>
-                  </a:txBody>
-                  <a:tcPr/>
-                </a:tc>
-                <a:tc>
-                  <a:txBody>
-                    <a:bodyPr/>
-                    <a:lstStyle/>
-                    <a:p>
-                      <a:pPr latinLnBrk="1"/>
-                      <a:endParaRPr lang="ko-KR" altLang="en-US" sz="1100"/>
-                    </a:p>
-                  </a:txBody>
-                  <a:tcPr/>
-                </a:tc>
-                <a:extLst>
-                  <a:ext uri="{0D108BD9-81ED-4DB2-BD59-A6C34878D82A}">
-                    <a16:rowId xmlns:a16="http://schemas.microsoft.com/office/drawing/2014/main" val="4234296516"/>
-                  </a:ext>
-                </a:extLst>
-              </a:tr>
-              <a:tr h="0">
-                <a:tc>
-                  <a:txBody>
-                    <a:bodyPr/>
-                    <a:lstStyle/>
-                    <a:p>
-                      <a:pPr latinLnBrk="1"/>
-                      <a:endParaRPr lang="ko-KR" altLang="en-US" sz="1100"/>
-                    </a:p>
-                  </a:txBody>
-                  <a:tcPr/>
-                </a:tc>
-                <a:tc>
-                  <a:txBody>
-                    <a:bodyPr/>
-                    <a:lstStyle/>
-                    <a:p>
-                      <a:pPr latinLnBrk="1"/>
-                      <a:endParaRPr lang="ko-KR" altLang="en-US" sz="1100"/>
-                    </a:p>
-                  </a:txBody>
-                  <a:tcPr/>
-                </a:tc>
-                <a:tc>
-                  <a:txBody>
-                    <a:bodyPr/>
-                    <a:lstStyle/>
-                    <a:p>
-                      <a:pPr latinLnBrk="1"/>
-                      <a:endParaRPr lang="ko-KR" altLang="en-US" sz="1100"/>
-                    </a:p>
-                  </a:txBody>
-                  <a:tcPr/>
-                </a:tc>
-                <a:tc>
-                  <a:txBody>
-                    <a:bodyPr/>
-                    <a:lstStyle/>
-                    <a:p>
-                      <a:pPr latinLnBrk="1"/>
-                      <a:endParaRPr lang="ko-KR" altLang="en-US" sz="1100"/>
-                    </a:p>
-                  </a:txBody>
-                  <a:tcPr/>
-                </a:tc>
-                <a:tc>
-                  <a:txBody>
-                    <a:bodyPr/>
-                    <a:lstStyle/>
-                    <a:p>
-                      <a:pPr latinLnBrk="1"/>
-                      <a:endParaRPr lang="ko-KR" altLang="en-US" sz="1100"/>
-                    </a:p>
-                  </a:txBody>
-                  <a:tcPr/>
-                </a:tc>
-                <a:tc>
-                  <a:txBody>
-                    <a:bodyPr/>
-                    <a:lstStyle/>
-                    <a:p>
-                      <a:pPr latinLnBrk="1"/>
-                      <a:endParaRPr lang="ko-KR" altLang="en-US" sz="1100"/>
-                    </a:p>
-                  </a:txBody>
-                  <a:tcPr/>
-                </a:tc>
-                <a:tc>
-                  <a:txBody>
-                    <a:bodyPr/>
-                    <a:lstStyle/>
-                    <a:p>
-                      <a:pPr latinLnBrk="1"/>
-                      <a:endParaRPr lang="ko-KR" altLang="en-US" sz="1100"/>
-                    </a:p>
-                  </a:txBody>
-                  <a:tcPr/>
-                </a:tc>
-                <a:extLst>
-                  <a:ext uri="{0D108BD9-81ED-4DB2-BD59-A6C34878D82A}">
-                    <a16:rowId xmlns:a16="http://schemas.microsoft.com/office/drawing/2014/main" val="526971523"/>
-                  </a:ext>
-                </a:extLst>
-              </a:tr>
-              <a:tr h="0">
-                <a:tc>
-                  <a:txBody>
-                    <a:bodyPr/>
-                    <a:lstStyle/>
-                    <a:p>
-                      <a:pPr latinLnBrk="1"/>
-                      <a:endParaRPr lang="ko-KR" altLang="en-US" sz="1100"/>
-                    </a:p>
-                  </a:txBody>
-                  <a:tcPr/>
-                </a:tc>
-                <a:tc>
-                  <a:txBody>
-                    <a:bodyPr/>
-                    <a:lstStyle/>
-                    <a:p>
-                      <a:pPr latinLnBrk="1"/>
-                      <a:endParaRPr lang="ko-KR" altLang="en-US" sz="1100"/>
-                    </a:p>
-                  </a:txBody>
-                  <a:tcPr/>
-                </a:tc>
-                <a:tc>
-                  <a:txBody>
-                    <a:bodyPr/>
-                    <a:lstStyle/>
-                    <a:p>
-                      <a:pPr latinLnBrk="1"/>
-                      <a:endParaRPr lang="ko-KR" altLang="en-US" sz="1100"/>
-                    </a:p>
-                  </a:txBody>
-                  <a:tcPr/>
-                </a:tc>
-                <a:tc>
-                  <a:txBody>
-                    <a:bodyPr/>
-                    <a:lstStyle/>
-                    <a:p>
-                      <a:pPr latinLnBrk="1"/>
-                      <a:endParaRPr lang="ko-KR" altLang="en-US" sz="1100"/>
-                    </a:p>
-                  </a:txBody>
-                  <a:tcPr/>
-                </a:tc>
-                <a:tc>
-                  <a:txBody>
-                    <a:bodyPr/>
-                    <a:lstStyle/>
-                    <a:p>
-                      <a:pPr latinLnBrk="1"/>
-                      <a:endParaRPr lang="ko-KR" altLang="en-US" sz="1100"/>
-                    </a:p>
-                  </a:txBody>
-                  <a:tcPr/>
-                </a:tc>
-                <a:tc>
-                  <a:txBody>
-                    <a:bodyPr/>
-                    <a:lstStyle/>
-                    <a:p>
-                      <a:pPr latinLnBrk="1"/>
-                      <a:endParaRPr lang="ko-KR" altLang="en-US" sz="1100"/>
-                    </a:p>
-                  </a:txBody>
-                  <a:tcPr/>
-                </a:tc>
-                <a:tc>
-                  <a:txBody>
-                    <a:bodyPr/>
-                    <a:lstStyle/>
-                    <a:p>
-                      <a:pPr latinLnBrk="1"/>
-                      <a:endParaRPr lang="ko-KR" altLang="en-US" sz="1100"/>
-                    </a:p>
-                  </a:txBody>
-                  <a:tcPr/>
-                </a:tc>
-                <a:extLst>
-                  <a:ext uri="{0D108BD9-81ED-4DB2-BD59-A6C34878D82A}">
-                    <a16:rowId xmlns:a16="http://schemas.microsoft.com/office/drawing/2014/main" val="1097332570"/>
-                  </a:ext>
-                </a:extLst>
-              </a:tr>
-              <a:tr h="0">
-                <a:tc>
-                  <a:txBody>
-                    <a:bodyPr/>
-                    <a:lstStyle/>
-                    <a:p>
-                      <a:pPr latinLnBrk="1"/>
-                      <a:r>
-                        <a:rPr lang="ko-KR" altLang="en-US" sz="1100"/>
-                        <a:t>내부변수</a:t>
-                      </a:r>
-                    </a:p>
-                  </a:txBody>
-                  <a:tcPr/>
-                </a:tc>
-                <a:tc>
-                  <a:txBody>
-                    <a:bodyPr/>
-                    <a:lstStyle/>
-                    <a:p>
-                      <a:pPr latinLnBrk="1"/>
-                      <a:endParaRPr lang="ko-KR" altLang="en-US" sz="1100"/>
-                    </a:p>
-                  </a:txBody>
-                  <a:tcPr/>
-                </a:tc>
-                <a:tc>
-                  <a:txBody>
-                    <a:bodyPr/>
-                    <a:lstStyle/>
-                    <a:p>
-                      <a:pPr latinLnBrk="1"/>
-                      <a:endParaRPr lang="ko-KR" altLang="en-US" sz="1100"/>
-                    </a:p>
-                  </a:txBody>
-                  <a:tcPr/>
-                </a:tc>
-                <a:tc>
-                  <a:txBody>
-                    <a:bodyPr/>
-                    <a:lstStyle/>
-                    <a:p>
-                      <a:pPr latinLnBrk="1"/>
-                      <a:endParaRPr lang="ko-KR" altLang="en-US" sz="1100"/>
-                    </a:p>
-                  </a:txBody>
-                  <a:tcPr/>
-                </a:tc>
-                <a:tc>
-                  <a:txBody>
-                    <a:bodyPr/>
-                    <a:lstStyle/>
-                    <a:p>
-                      <a:pPr latinLnBrk="1"/>
-                      <a:endParaRPr lang="ko-KR" altLang="en-US" sz="1100"/>
-                    </a:p>
-                  </a:txBody>
-                  <a:tcPr/>
-                </a:tc>
-                <a:tc>
-                  <a:txBody>
-                    <a:bodyPr/>
-                    <a:lstStyle/>
-                    <a:p>
-                      <a:pPr latinLnBrk="1"/>
-                      <a:endParaRPr lang="ko-KR" altLang="en-US" sz="1100"/>
-                    </a:p>
-                  </a:txBody>
-                  <a:tcPr/>
-                </a:tc>
-                <a:tc>
-                  <a:txBody>
-                    <a:bodyPr/>
-                    <a:lstStyle/>
-                    <a:p>
-                      <a:pPr latinLnBrk="1"/>
-                      <a:endParaRPr lang="ko-KR" altLang="en-US" sz="1100"/>
-                    </a:p>
-                  </a:txBody>
-                  <a:tcPr/>
-                </a:tc>
-                <a:extLst>
-                  <a:ext uri="{0D108BD9-81ED-4DB2-BD59-A6C34878D82A}">
-                    <a16:rowId xmlns:a16="http://schemas.microsoft.com/office/drawing/2014/main" val="3088364642"/>
-                  </a:ext>
-                </a:extLst>
-              </a:tr>
-              <a:tr h="0">
-                <a:tc>
-                  <a:txBody>
-                    <a:bodyPr/>
-                    <a:lstStyle/>
-                    <a:p>
-                      <a:pPr latinLnBrk="1"/>
-                      <a:endParaRPr lang="ko-KR" altLang="en-US" sz="1100"/>
-                    </a:p>
-                  </a:txBody>
-                  <a:tcPr/>
-                </a:tc>
-                <a:tc>
-                  <a:txBody>
-                    <a:bodyPr/>
-                    <a:lstStyle/>
-                    <a:p>
-                      <a:pPr latinLnBrk="1"/>
-                      <a:endParaRPr lang="ko-KR" altLang="en-US" sz="1100"/>
-                    </a:p>
-                  </a:txBody>
-                  <a:tcPr/>
-                </a:tc>
-                <a:tc>
-                  <a:txBody>
-                    <a:bodyPr/>
-                    <a:lstStyle/>
-                    <a:p>
-                      <a:pPr latinLnBrk="1"/>
-                      <a:endParaRPr lang="ko-KR" altLang="en-US" sz="1100"/>
-                    </a:p>
-                  </a:txBody>
-                  <a:tcPr/>
-                </a:tc>
-                <a:tc>
-                  <a:txBody>
-                    <a:bodyPr/>
-                    <a:lstStyle/>
-                    <a:p>
-                      <a:pPr latinLnBrk="1"/>
-                      <a:endParaRPr lang="ko-KR" altLang="en-US" sz="1100"/>
-                    </a:p>
-                  </a:txBody>
-                  <a:tcPr/>
-                </a:tc>
-                <a:tc>
-                  <a:txBody>
-                    <a:bodyPr/>
-                    <a:lstStyle/>
-                    <a:p>
-                      <a:pPr latinLnBrk="1"/>
-                      <a:endParaRPr lang="ko-KR" altLang="en-US" sz="1100"/>
-                    </a:p>
-                  </a:txBody>
-                  <a:tcPr/>
-                </a:tc>
-                <a:tc>
-                  <a:txBody>
-                    <a:bodyPr/>
-                    <a:lstStyle/>
-                    <a:p>
-                      <a:pPr latinLnBrk="1"/>
-                      <a:endParaRPr lang="ko-KR" altLang="en-US" sz="1100"/>
-                    </a:p>
-                  </a:txBody>
-                  <a:tcPr/>
-                </a:tc>
-                <a:tc>
-                  <a:txBody>
-                    <a:bodyPr/>
-                    <a:lstStyle/>
-                    <a:p>
-                      <a:pPr latinLnBrk="1"/>
-                      <a:endParaRPr lang="ko-KR" altLang="en-US" sz="1100"/>
-                    </a:p>
-                  </a:txBody>
-                  <a:tcPr/>
-                </a:tc>
-                <a:extLst>
-                  <a:ext uri="{0D108BD9-81ED-4DB2-BD59-A6C34878D82A}">
-                    <a16:rowId xmlns:a16="http://schemas.microsoft.com/office/drawing/2014/main" val="3698143137"/>
-                  </a:ext>
-                </a:extLst>
-              </a:tr>
-            </a:tbl>
-          </a:graphicData>
-        </a:graphic>
-      </p:graphicFrame>
-    </p:spTree>
-    <p:extLst>
-      <p:ext uri="{BB962C8B-B14F-4D97-AF65-F5344CB8AC3E}">
-        <p14:creationId xmlns:p14="http://schemas.microsoft.com/office/powerpoint/2010/main" val="1881709790"/>
-      </p:ext>
-    </p:extLst>
-  </p:cSld>
-  <p:clrMapOvr>
-    <a:masterClrMapping/>
-  </p:clrMapOvr>
-</p:sld>
-</file>
-
 <file path=ppt/theme/theme1.xml><?xml version="1.0" encoding="utf-8"?>
 <a:theme xmlns:a="http://schemas.openxmlformats.org/drawingml/2006/main" name="Office 테마">
   <a:themeElements>

--- a/DsDotNet/src/UnitTest/UnitTest.Model/ImportOfficeExample/exportDS/testA/testMy/my.pptx
+++ b/DsDotNet/src/UnitTest/UnitTest.Model/ImportOfficeExample/exportDS/testA/testMy/my.pptx
@@ -265,7 +265,7 @@
           <a:p>
             <a:fld id="{E31A602F-9409-4B9A-9D14-798E704D8577}" type="datetimeFigureOut">
               <a:rPr lang="ko-KR" altLang="en-US" smtClean="0"/>
-              <a:t>2023-11-16</a:t>
+              <a:t>2023-11-17</a:t>
             </a:fld>
             <a:endParaRPr lang="ko-KR" altLang="en-US"/>
           </a:p>
@@ -463,7 +463,7 @@
           <a:p>
             <a:fld id="{E31A602F-9409-4B9A-9D14-798E704D8577}" type="datetimeFigureOut">
               <a:rPr lang="ko-KR" altLang="en-US" smtClean="0"/>
-              <a:t>2023-11-16</a:t>
+              <a:t>2023-11-17</a:t>
             </a:fld>
             <a:endParaRPr lang="ko-KR" altLang="en-US"/>
           </a:p>
@@ -671,7 +671,7 @@
           <a:p>
             <a:fld id="{E31A602F-9409-4B9A-9D14-798E704D8577}" type="datetimeFigureOut">
               <a:rPr lang="ko-KR" altLang="en-US" smtClean="0"/>
-              <a:t>2023-11-16</a:t>
+              <a:t>2023-11-17</a:t>
             </a:fld>
             <a:endParaRPr lang="ko-KR" altLang="en-US"/>
           </a:p>
@@ -869,7 +869,7 @@
           <a:p>
             <a:fld id="{E31A602F-9409-4B9A-9D14-798E704D8577}" type="datetimeFigureOut">
               <a:rPr lang="ko-KR" altLang="en-US" smtClean="0"/>
-              <a:t>2023-11-16</a:t>
+              <a:t>2023-11-17</a:t>
             </a:fld>
             <a:endParaRPr lang="ko-KR" altLang="en-US"/>
           </a:p>
@@ -1144,7 +1144,7 @@
           <a:p>
             <a:fld id="{E31A602F-9409-4B9A-9D14-798E704D8577}" type="datetimeFigureOut">
               <a:rPr lang="ko-KR" altLang="en-US" smtClean="0"/>
-              <a:t>2023-11-16</a:t>
+              <a:t>2023-11-17</a:t>
             </a:fld>
             <a:endParaRPr lang="ko-KR" altLang="en-US"/>
           </a:p>
@@ -1409,7 +1409,7 @@
           <a:p>
             <a:fld id="{E31A602F-9409-4B9A-9D14-798E704D8577}" type="datetimeFigureOut">
               <a:rPr lang="ko-KR" altLang="en-US" smtClean="0"/>
-              <a:t>2023-11-16</a:t>
+              <a:t>2023-11-17</a:t>
             </a:fld>
             <a:endParaRPr lang="ko-KR" altLang="en-US"/>
           </a:p>
@@ -1821,7 +1821,7 @@
           <a:p>
             <a:fld id="{E31A602F-9409-4B9A-9D14-798E704D8577}" type="datetimeFigureOut">
               <a:rPr lang="ko-KR" altLang="en-US" smtClean="0"/>
-              <a:t>2023-11-16</a:t>
+              <a:t>2023-11-17</a:t>
             </a:fld>
             <a:endParaRPr lang="ko-KR" altLang="en-US"/>
           </a:p>
@@ -1962,7 +1962,7 @@
           <a:p>
             <a:fld id="{E31A602F-9409-4B9A-9D14-798E704D8577}" type="datetimeFigureOut">
               <a:rPr lang="ko-KR" altLang="en-US" smtClean="0"/>
-              <a:t>2023-11-16</a:t>
+              <a:t>2023-11-17</a:t>
             </a:fld>
             <a:endParaRPr lang="ko-KR" altLang="en-US"/>
           </a:p>
@@ -2075,7 +2075,7 @@
           <a:p>
             <a:fld id="{E31A602F-9409-4B9A-9D14-798E704D8577}" type="datetimeFigureOut">
               <a:rPr lang="ko-KR" altLang="en-US" smtClean="0"/>
-              <a:t>2023-11-16</a:t>
+              <a:t>2023-11-17</a:t>
             </a:fld>
             <a:endParaRPr lang="ko-KR" altLang="en-US"/>
           </a:p>
@@ -2386,7 +2386,7 @@
           <a:p>
             <a:fld id="{E31A602F-9409-4B9A-9D14-798E704D8577}" type="datetimeFigureOut">
               <a:rPr lang="ko-KR" altLang="en-US" smtClean="0"/>
-              <a:t>2023-11-16</a:t>
+              <a:t>2023-11-17</a:t>
             </a:fld>
             <a:endParaRPr lang="ko-KR" altLang="en-US"/>
           </a:p>
@@ -2674,7 +2674,7 @@
           <a:p>
             <a:fld id="{E31A602F-9409-4B9A-9D14-798E704D8577}" type="datetimeFigureOut">
               <a:rPr lang="ko-KR" altLang="en-US" smtClean="0"/>
-              <a:t>2023-11-16</a:t>
+              <a:t>2023-11-17</a:t>
             </a:fld>
             <a:endParaRPr lang="ko-KR" altLang="en-US"/>
           </a:p>
@@ -2915,7 +2915,7 @@
           <a:p>
             <a:fld id="{E31A602F-9409-4B9A-9D14-798E704D8577}" type="datetimeFigureOut">
               <a:rPr lang="ko-KR" altLang="en-US" smtClean="0"/>
-              <a:t>2023-11-16</a:t>
+              <a:t>2023-11-17</a:t>
             </a:fld>
             <a:endParaRPr lang="ko-KR" altLang="en-US"/>
           </a:p>
@@ -3977,6 +3977,159 @@
           </p:style>
         </p:cxnSp>
       </p:grpSp>
+      <p:sp>
+        <p:nvSpPr>
+          <p:cNvPr id="3" name="사각형: 빗면 2">
+            <a:extLst>
+              <a:ext uri="{FF2B5EF4-FFF2-40B4-BE49-F238E27FC236}">
+                <a16:creationId xmlns:a16="http://schemas.microsoft.com/office/drawing/2014/main" id="{6CF2A28C-0E53-97DA-48FB-6A68E4377E52}"/>
+              </a:ext>
+            </a:extLst>
+          </p:cNvPr>
+          <p:cNvSpPr/>
+          <p:nvPr/>
+        </p:nvSpPr>
+        <p:spPr>
+          <a:xfrm>
+            <a:off x="4452912" y="-76661"/>
+            <a:ext cx="3591555" cy="3534697"/>
+          </a:xfrm>
+          <a:prstGeom prst="bevel">
+            <a:avLst>
+              <a:gd name="adj" fmla="val 16754"/>
+            </a:avLst>
+          </a:prstGeom>
+          <a:ln>
+            <a:solidFill>
+              <a:schemeClr val="tx1"/>
+            </a:solidFill>
+          </a:ln>
+        </p:spPr>
+        <p:style>
+          <a:lnRef idx="2">
+            <a:schemeClr val="accent1">
+              <a:shade val="50000"/>
+            </a:schemeClr>
+          </a:lnRef>
+          <a:fillRef idx="1">
+            <a:schemeClr val="accent1"/>
+          </a:fillRef>
+          <a:effectRef idx="0">
+            <a:schemeClr val="accent1"/>
+          </a:effectRef>
+          <a:fontRef idx="minor">
+            <a:schemeClr val="lt1"/>
+          </a:fontRef>
+        </p:style>
+        <p:txBody>
+          <a:bodyPr rtlCol="0" anchor="ctr"/>
+          <a:lstStyle/>
+          <a:p>
+            <a:pPr algn="ctr"/>
+            <a:r>
+              <a:rPr lang="en-US" altLang="ko-KR" sz="1400" dirty="0">
+                <a:solidFill>
+                  <a:schemeClr val="bg2"/>
+                </a:solidFill>
+              </a:rPr>
+              <a:t>[A]autoSTN01_02</a:t>
+            </a:r>
+          </a:p>
+          <a:p>
+            <a:pPr algn="ctr"/>
+            <a:r>
+              <a:rPr lang="en-US" altLang="ko-KR" sz="1400" dirty="0">
+                <a:solidFill>
+                  <a:schemeClr val="bg2"/>
+                </a:solidFill>
+              </a:rPr>
+              <a:t>[M]manualSTN01_02</a:t>
+            </a:r>
+          </a:p>
+          <a:p>
+            <a:pPr algn="ctr"/>
+            <a:r>
+              <a:rPr lang="en-US" altLang="ko-KR" sz="1400" dirty="0">
+                <a:solidFill>
+                  <a:schemeClr val="bg2"/>
+                </a:solidFill>
+              </a:rPr>
+              <a:t>[D] driveSTN01_02</a:t>
+            </a:r>
+          </a:p>
+          <a:p>
+            <a:pPr algn="ctr"/>
+            <a:r>
+              <a:rPr lang="en-US" altLang="ko-KR" sz="1400" dirty="0">
+                <a:solidFill>
+                  <a:schemeClr val="bg2"/>
+                </a:solidFill>
+              </a:rPr>
+              <a:t>[S]stopSTN01_02</a:t>
+            </a:r>
+          </a:p>
+          <a:p>
+            <a:pPr algn="ctr"/>
+            <a:r>
+              <a:rPr lang="en-US" altLang="ko-KR" sz="1400" dirty="0">
+                <a:solidFill>
+                  <a:schemeClr val="bg2"/>
+                </a:solidFill>
+              </a:rPr>
+              <a:t>[E] emgSTN01_02</a:t>
+            </a:r>
+          </a:p>
+          <a:p>
+            <a:pPr algn="ctr"/>
+            <a:r>
+              <a:rPr lang="en-US" altLang="ko-KR" sz="1400" dirty="0">
+                <a:solidFill>
+                  <a:schemeClr val="bg2"/>
+                </a:solidFill>
+              </a:rPr>
+              <a:t>[T] testrunSTN01_02</a:t>
+            </a:r>
+          </a:p>
+          <a:p>
+            <a:pPr algn="ctr"/>
+            <a:r>
+              <a:rPr lang="en-US" altLang="ko-KR" sz="1400" dirty="0">
+                <a:solidFill>
+                  <a:schemeClr val="bg2"/>
+                </a:solidFill>
+              </a:rPr>
+              <a:t>[R] readySTN01_02</a:t>
+            </a:r>
+          </a:p>
+          <a:p>
+            <a:pPr algn="ctr"/>
+            <a:r>
+              <a:rPr lang="en-US" altLang="ko-KR" sz="1400" dirty="0">
+                <a:solidFill>
+                  <a:schemeClr val="bg2"/>
+                </a:solidFill>
+              </a:rPr>
+              <a:t>[C] clearSTN01_02</a:t>
+            </a:r>
+          </a:p>
+          <a:p>
+            <a:pPr algn="ctr"/>
+            <a:r>
+              <a:rPr lang="en-US" altLang="ko-KR" sz="1400" dirty="0">
+                <a:solidFill>
+                  <a:schemeClr val="bg2"/>
+                </a:solidFill>
+              </a:rPr>
+              <a:t>[H] homeSTN01_02</a:t>
+            </a:r>
+            <a:endParaRPr lang="en-US" altLang="ko-KR" sz="1100" dirty="0">
+              <a:solidFill>
+                <a:schemeClr val="bg2"/>
+              </a:solidFill>
+            </a:endParaRPr>
+          </a:p>
+        </p:txBody>
+      </p:sp>
     </p:spTree>
     <p:extLst>
       <p:ext uri="{BB962C8B-B14F-4D97-AF65-F5344CB8AC3E}">
@@ -4568,6 +4721,159 @@
           </p:style>
         </p:cxnSp>
       </p:grpSp>
+      <p:sp>
+        <p:nvSpPr>
+          <p:cNvPr id="5" name="사각형: 빗면 4">
+            <a:extLst>
+              <a:ext uri="{FF2B5EF4-FFF2-40B4-BE49-F238E27FC236}">
+                <a16:creationId xmlns:a16="http://schemas.microsoft.com/office/drawing/2014/main" id="{1BD24E4E-4BE5-D026-6F45-DA6C48BD80EF}"/>
+              </a:ext>
+            </a:extLst>
+          </p:cNvPr>
+          <p:cNvSpPr/>
+          <p:nvPr/>
+        </p:nvSpPr>
+        <p:spPr>
+          <a:xfrm>
+            <a:off x="4452912" y="-76661"/>
+            <a:ext cx="3591555" cy="3534697"/>
+          </a:xfrm>
+          <a:prstGeom prst="bevel">
+            <a:avLst>
+              <a:gd name="adj" fmla="val 16754"/>
+            </a:avLst>
+          </a:prstGeom>
+          <a:ln>
+            <a:solidFill>
+              <a:schemeClr val="tx1"/>
+            </a:solidFill>
+          </a:ln>
+        </p:spPr>
+        <p:style>
+          <a:lnRef idx="2">
+            <a:schemeClr val="accent1">
+              <a:shade val="50000"/>
+            </a:schemeClr>
+          </a:lnRef>
+          <a:fillRef idx="1">
+            <a:schemeClr val="accent1"/>
+          </a:fillRef>
+          <a:effectRef idx="0">
+            <a:schemeClr val="accent1"/>
+          </a:effectRef>
+          <a:fontRef idx="minor">
+            <a:schemeClr val="lt1"/>
+          </a:fontRef>
+        </p:style>
+        <p:txBody>
+          <a:bodyPr rtlCol="0" anchor="ctr"/>
+          <a:lstStyle/>
+          <a:p>
+            <a:pPr algn="ctr"/>
+            <a:r>
+              <a:rPr lang="en-US" altLang="ko-KR" sz="1400" dirty="0">
+                <a:solidFill>
+                  <a:schemeClr val="bg2"/>
+                </a:solidFill>
+              </a:rPr>
+              <a:t>[A]autoSTN01_02</a:t>
+            </a:r>
+          </a:p>
+          <a:p>
+            <a:pPr algn="ctr"/>
+            <a:r>
+              <a:rPr lang="en-US" altLang="ko-KR" sz="1400" dirty="0">
+                <a:solidFill>
+                  <a:schemeClr val="bg2"/>
+                </a:solidFill>
+              </a:rPr>
+              <a:t>[M]manualSTN01_02</a:t>
+            </a:r>
+          </a:p>
+          <a:p>
+            <a:pPr algn="ctr"/>
+            <a:r>
+              <a:rPr lang="en-US" altLang="ko-KR" sz="1400" dirty="0">
+                <a:solidFill>
+                  <a:schemeClr val="bg2"/>
+                </a:solidFill>
+              </a:rPr>
+              <a:t>[D] driveSTN01_02</a:t>
+            </a:r>
+          </a:p>
+          <a:p>
+            <a:pPr algn="ctr"/>
+            <a:r>
+              <a:rPr lang="en-US" altLang="ko-KR" sz="1400" dirty="0">
+                <a:solidFill>
+                  <a:schemeClr val="bg2"/>
+                </a:solidFill>
+              </a:rPr>
+              <a:t>[S]stopSTN01_02</a:t>
+            </a:r>
+          </a:p>
+          <a:p>
+            <a:pPr algn="ctr"/>
+            <a:r>
+              <a:rPr lang="en-US" altLang="ko-KR" sz="1400" dirty="0">
+                <a:solidFill>
+                  <a:schemeClr val="bg2"/>
+                </a:solidFill>
+              </a:rPr>
+              <a:t>[E] emgSTN01_02</a:t>
+            </a:r>
+          </a:p>
+          <a:p>
+            <a:pPr algn="ctr"/>
+            <a:r>
+              <a:rPr lang="en-US" altLang="ko-KR" sz="1400" dirty="0">
+                <a:solidFill>
+                  <a:schemeClr val="bg2"/>
+                </a:solidFill>
+              </a:rPr>
+              <a:t>[T] testrunSTN01_02</a:t>
+            </a:r>
+          </a:p>
+          <a:p>
+            <a:pPr algn="ctr"/>
+            <a:r>
+              <a:rPr lang="en-US" altLang="ko-KR" sz="1400" dirty="0">
+                <a:solidFill>
+                  <a:schemeClr val="bg2"/>
+                </a:solidFill>
+              </a:rPr>
+              <a:t>[R] readySTN01_02</a:t>
+            </a:r>
+          </a:p>
+          <a:p>
+            <a:pPr algn="ctr"/>
+            <a:r>
+              <a:rPr lang="en-US" altLang="ko-KR" sz="1400" dirty="0">
+                <a:solidFill>
+                  <a:schemeClr val="bg2"/>
+                </a:solidFill>
+              </a:rPr>
+              <a:t>[C] clearSTN01_02</a:t>
+            </a:r>
+          </a:p>
+          <a:p>
+            <a:pPr algn="ctr"/>
+            <a:r>
+              <a:rPr lang="en-US" altLang="ko-KR" sz="1400" dirty="0">
+                <a:solidFill>
+                  <a:schemeClr val="bg2"/>
+                </a:solidFill>
+              </a:rPr>
+              <a:t>[H] homeSTN01_02</a:t>
+            </a:r>
+            <a:endParaRPr lang="en-US" altLang="ko-KR" sz="1100" dirty="0">
+              <a:solidFill>
+                <a:schemeClr val="bg2"/>
+              </a:solidFill>
+            </a:endParaRPr>
+          </a:p>
+        </p:txBody>
+      </p:sp>
     </p:spTree>
     <p:extLst>
       <p:ext uri="{BB962C8B-B14F-4D97-AF65-F5344CB8AC3E}">
@@ -5670,6 +5976,258 @@
           </p:style>
         </p:cxnSp>
       </p:grpSp>
+      <p:sp>
+        <p:nvSpPr>
+          <p:cNvPr id="4" name="사각형: 빗면 3">
+            <a:extLst>
+              <a:ext uri="{FF2B5EF4-FFF2-40B4-BE49-F238E27FC236}">
+                <a16:creationId xmlns:a16="http://schemas.microsoft.com/office/drawing/2014/main" id="{08E12982-EC35-05A3-E0B2-35103A61E666}"/>
+              </a:ext>
+            </a:extLst>
+          </p:cNvPr>
+          <p:cNvSpPr/>
+          <p:nvPr/>
+        </p:nvSpPr>
+        <p:spPr>
+          <a:xfrm>
+            <a:off x="7174086" y="821833"/>
+            <a:ext cx="3831194" cy="2489903"/>
+          </a:xfrm>
+          <a:prstGeom prst="bevel">
+            <a:avLst>
+              <a:gd name="adj" fmla="val 0"/>
+            </a:avLst>
+          </a:prstGeom>
+          <a:ln>
+            <a:solidFill>
+              <a:schemeClr val="tx1"/>
+            </a:solidFill>
+          </a:ln>
+        </p:spPr>
+        <p:style>
+          <a:lnRef idx="2">
+            <a:schemeClr val="accent1">
+              <a:shade val="50000"/>
+            </a:schemeClr>
+          </a:lnRef>
+          <a:fillRef idx="1">
+            <a:schemeClr val="accent1"/>
+          </a:fillRef>
+          <a:effectRef idx="0">
+            <a:schemeClr val="accent1"/>
+          </a:effectRef>
+          <a:fontRef idx="minor">
+            <a:schemeClr val="lt1"/>
+          </a:fontRef>
+        </p:style>
+        <p:txBody>
+          <a:bodyPr rtlCol="0" anchor="ctr"/>
+          <a:lstStyle/>
+          <a:p>
+            <a:pPr algn="ctr"/>
+            <a:r>
+              <a:rPr lang="en-US" altLang="ko-KR" dirty="0">
+                <a:solidFill>
+                  <a:schemeClr val="bg2"/>
+                </a:solidFill>
+              </a:rPr>
+              <a:t>[A] </a:t>
+            </a:r>
+            <a:r>
+              <a:rPr lang="en-US" altLang="ko-KR" dirty="0" err="1">
+                <a:solidFill>
+                  <a:schemeClr val="bg2"/>
+                </a:solidFill>
+              </a:rPr>
+              <a:t>autoLamp</a:t>
+            </a:r>
+            <a:endParaRPr lang="en-US" altLang="ko-KR" dirty="0">
+              <a:solidFill>
+                <a:schemeClr val="bg2"/>
+              </a:solidFill>
+            </a:endParaRPr>
+          </a:p>
+          <a:p>
+            <a:pPr algn="ctr"/>
+            <a:r>
+              <a:rPr lang="en-US" altLang="ko-KR" dirty="0">
+                <a:solidFill>
+                  <a:schemeClr val="bg2"/>
+                </a:solidFill>
+              </a:rPr>
+              <a:t>[M] </a:t>
+            </a:r>
+            <a:r>
+              <a:rPr lang="en-US" altLang="ko-KR" dirty="0" err="1">
+                <a:solidFill>
+                  <a:schemeClr val="bg2"/>
+                </a:solidFill>
+              </a:rPr>
+              <a:t>manualLamp</a:t>
+            </a:r>
+            <a:endParaRPr lang="en-US" altLang="ko-KR" dirty="0">
+              <a:solidFill>
+                <a:schemeClr val="bg2"/>
+              </a:solidFill>
+            </a:endParaRPr>
+          </a:p>
+          <a:p>
+            <a:pPr algn="ctr"/>
+            <a:r>
+              <a:rPr lang="en-US" altLang="ko-KR" dirty="0">
+                <a:solidFill>
+                  <a:schemeClr val="bg2"/>
+                </a:solidFill>
+              </a:rPr>
+              <a:t>[D] </a:t>
+            </a:r>
+            <a:r>
+              <a:rPr lang="en-US" altLang="ko-KR" dirty="0" err="1">
+                <a:solidFill>
+                  <a:schemeClr val="bg2"/>
+                </a:solidFill>
+              </a:rPr>
+              <a:t>driveLamp</a:t>
+            </a:r>
+            <a:endParaRPr lang="en-US" altLang="ko-KR" dirty="0">
+              <a:solidFill>
+                <a:schemeClr val="bg2"/>
+              </a:solidFill>
+            </a:endParaRPr>
+          </a:p>
+          <a:p>
+            <a:pPr algn="ctr"/>
+            <a:r>
+              <a:rPr lang="en-US" altLang="ko-KR" dirty="0">
+                <a:solidFill>
+                  <a:schemeClr val="bg2"/>
+                </a:solidFill>
+              </a:rPr>
+              <a:t>[S] </a:t>
+            </a:r>
+            <a:r>
+              <a:rPr lang="en-US" altLang="ko-KR" dirty="0" err="1">
+                <a:solidFill>
+                  <a:schemeClr val="bg2"/>
+                </a:solidFill>
+              </a:rPr>
+              <a:t>stopLamp</a:t>
+            </a:r>
+            <a:r>
+              <a:rPr lang="en-US" altLang="ko-KR" dirty="0">
+                <a:solidFill>
+                  <a:schemeClr val="bg2"/>
+                </a:solidFill>
+              </a:rPr>
+              <a:t> </a:t>
+            </a:r>
+          </a:p>
+          <a:p>
+            <a:pPr algn="ctr"/>
+            <a:r>
+              <a:rPr lang="en-US" altLang="ko-KR" dirty="0">
+                <a:solidFill>
+                  <a:schemeClr val="bg2"/>
+                </a:solidFill>
+              </a:rPr>
+              <a:t>[E] </a:t>
+            </a:r>
+            <a:r>
+              <a:rPr lang="en-US" altLang="ko-KR" dirty="0" err="1">
+                <a:solidFill>
+                  <a:schemeClr val="bg2"/>
+                </a:solidFill>
+              </a:rPr>
+              <a:t>emgLamp</a:t>
+            </a:r>
+            <a:endParaRPr lang="en-US" altLang="ko-KR" dirty="0">
+              <a:solidFill>
+                <a:schemeClr val="bg2"/>
+              </a:solidFill>
+            </a:endParaRPr>
+          </a:p>
+          <a:p>
+            <a:pPr algn="ctr"/>
+            <a:r>
+              <a:rPr lang="en-US" altLang="ko-KR" dirty="0">
+                <a:solidFill>
+                  <a:schemeClr val="bg2"/>
+                </a:solidFill>
+              </a:rPr>
+              <a:t>[T] </a:t>
+            </a:r>
+            <a:r>
+              <a:rPr lang="en-US" altLang="ko-KR" dirty="0" err="1">
+                <a:solidFill>
+                  <a:schemeClr val="bg2"/>
+                </a:solidFill>
+              </a:rPr>
+              <a:t>testrunLamp</a:t>
+            </a:r>
+            <a:endParaRPr lang="en-US" altLang="ko-KR" dirty="0">
+              <a:solidFill>
+                <a:schemeClr val="bg2"/>
+              </a:solidFill>
+            </a:endParaRPr>
+          </a:p>
+          <a:p>
+            <a:pPr algn="ctr"/>
+            <a:r>
+              <a:rPr lang="en-US" altLang="ko-KR" dirty="0">
+                <a:solidFill>
+                  <a:schemeClr val="bg2"/>
+                </a:solidFill>
+              </a:rPr>
+              <a:t>[R] </a:t>
+            </a:r>
+            <a:r>
+              <a:rPr lang="en-US" altLang="ko-KR" dirty="0" err="1">
+                <a:solidFill>
+                  <a:schemeClr val="bg2"/>
+                </a:solidFill>
+              </a:rPr>
+              <a:t>readyLamp</a:t>
+            </a:r>
+            <a:endParaRPr lang="en-US" altLang="ko-KR" dirty="0">
+              <a:solidFill>
+                <a:schemeClr val="bg2"/>
+              </a:solidFill>
+            </a:endParaRPr>
+          </a:p>
+          <a:p>
+            <a:pPr algn="ctr"/>
+            <a:r>
+              <a:rPr lang="en-US" altLang="ko-KR" dirty="0">
+                <a:solidFill>
+                  <a:schemeClr val="bg2"/>
+                </a:solidFill>
+              </a:rPr>
+              <a:t>[I] </a:t>
+            </a:r>
+            <a:r>
+              <a:rPr lang="en-US" altLang="ko-KR" dirty="0" err="1">
+                <a:solidFill>
+                  <a:schemeClr val="bg2"/>
+                </a:solidFill>
+              </a:rPr>
+              <a:t>idleLamp</a:t>
+            </a:r>
+            <a:endParaRPr lang="en-US" altLang="ko-KR" dirty="0">
+              <a:solidFill>
+                <a:schemeClr val="bg2"/>
+              </a:solidFill>
+            </a:endParaRPr>
+          </a:p>
+          <a:p>
+            <a:pPr algn="ctr"/>
+            <a:endParaRPr lang="en-US" altLang="ko-KR" dirty="0">
+              <a:solidFill>
+                <a:schemeClr val="bg2"/>
+              </a:solidFill>
+            </a:endParaRPr>
+          </a:p>
+        </p:txBody>
+      </p:sp>
     </p:spTree>
     <p:extLst>
       <p:ext uri="{BB962C8B-B14F-4D97-AF65-F5344CB8AC3E}">
@@ -6787,7 +7345,7 @@
           <p:cNvPr id="2" name="TextBox 1">
             <a:extLst>
               <a:ext uri="{FF2B5EF4-FFF2-40B4-BE49-F238E27FC236}">
-                <a16:creationId xmlns:a16="http://schemas.microsoft.com/office/drawing/2014/main" id="{0779F18A-54A8-85B0-C1D7-E0BE9F4C9DB9}"/>
+                <a16:creationId xmlns:a16="http://schemas.microsoft.com/office/drawing/2014/main" id="{5D81B133-158A-D4F7-EB04-221C00289E33}"/>
               </a:ext>
             </a:extLst>
           </p:cNvPr>
@@ -6823,7 +7381,7 @@
           <p:cNvPr id="3" name="표 2">
             <a:extLst>
               <a:ext uri="{FF2B5EF4-FFF2-40B4-BE49-F238E27FC236}">
-                <a16:creationId xmlns:a16="http://schemas.microsoft.com/office/drawing/2014/main" id="{84CAD0D1-799A-9174-F0AE-4585AB466FFB}"/>
+                <a16:creationId xmlns:a16="http://schemas.microsoft.com/office/drawing/2014/main" id="{4303EC4C-3CF5-8F05-6B6B-0280B22C47A5}"/>
               </a:ext>
             </a:extLst>
           </p:cNvPr>
@@ -6833,14 +7391,14 @@
           <p:nvPr>
             <p:extLst>
               <p:ext uri="{D42A27DB-BD31-4B8C-83A1-F6EECF244321}">
-                <p14:modId xmlns:p14="http://schemas.microsoft.com/office/powerpoint/2010/main" val="3064604648"/>
+                <p14:modId xmlns:p14="http://schemas.microsoft.com/office/powerpoint/2010/main" val="4274237101"/>
               </p:ext>
             </p:extLst>
           </p:nvPr>
         </p:nvGraphicFramePr>
         <p:xfrm>
-          <a:off x="254000" y="635000"/>
-          <a:ext cx="11684001" cy="7162800"/>
+          <a:off x="254000" y="634999"/>
+          <a:ext cx="11684001" cy="11308080"/>
         </p:xfrm>
         <a:graphic>
           <a:graphicData uri="http://schemas.openxmlformats.org/drawingml/2006/table">
@@ -6852,54 +7410,54 @@
                 <a:gridCol w="1669143">
                   <a:extLst>
                     <a:ext uri="{9D8B030D-6E8A-4147-A177-3AD203B41FA5}">
-                      <a16:colId xmlns:a16="http://schemas.microsoft.com/office/drawing/2014/main" val="1989807507"/>
+                      <a16:colId xmlns:a16="http://schemas.microsoft.com/office/drawing/2014/main" val="2038811983"/>
                     </a:ext>
                   </a:extLst>
                 </a:gridCol>
                 <a:gridCol w="1669143">
                   <a:extLst>
                     <a:ext uri="{9D8B030D-6E8A-4147-A177-3AD203B41FA5}">
-                      <a16:colId xmlns:a16="http://schemas.microsoft.com/office/drawing/2014/main" val="2241129589"/>
+                      <a16:colId xmlns:a16="http://schemas.microsoft.com/office/drawing/2014/main" val="2561100211"/>
                     </a:ext>
                   </a:extLst>
                 </a:gridCol>
                 <a:gridCol w="1669143">
                   <a:extLst>
                     <a:ext uri="{9D8B030D-6E8A-4147-A177-3AD203B41FA5}">
-                      <a16:colId xmlns:a16="http://schemas.microsoft.com/office/drawing/2014/main" val="731983540"/>
+                      <a16:colId xmlns:a16="http://schemas.microsoft.com/office/drawing/2014/main" val="3831195407"/>
                     </a:ext>
                   </a:extLst>
                 </a:gridCol>
                 <a:gridCol w="1669143">
                   <a:extLst>
                     <a:ext uri="{9D8B030D-6E8A-4147-A177-3AD203B41FA5}">
-                      <a16:colId xmlns:a16="http://schemas.microsoft.com/office/drawing/2014/main" val="811258764"/>
+                      <a16:colId xmlns:a16="http://schemas.microsoft.com/office/drawing/2014/main" val="2215095967"/>
                     </a:ext>
                   </a:extLst>
                 </a:gridCol>
                 <a:gridCol w="1669143">
                   <a:extLst>
                     <a:ext uri="{9D8B030D-6E8A-4147-A177-3AD203B41FA5}">
-                      <a16:colId xmlns:a16="http://schemas.microsoft.com/office/drawing/2014/main" val="943663082"/>
+                      <a16:colId xmlns:a16="http://schemas.microsoft.com/office/drawing/2014/main" val="1606623354"/>
                     </a:ext>
                   </a:extLst>
                 </a:gridCol>
                 <a:gridCol w="1669143">
                   <a:extLst>
                     <a:ext uri="{9D8B030D-6E8A-4147-A177-3AD203B41FA5}">
-                      <a16:colId xmlns:a16="http://schemas.microsoft.com/office/drawing/2014/main" val="1066635922"/>
+                      <a16:colId xmlns:a16="http://schemas.microsoft.com/office/drawing/2014/main" val="245280265"/>
                     </a:ext>
                   </a:extLst>
                 </a:gridCol>
                 <a:gridCol w="1669143">
                   <a:extLst>
                     <a:ext uri="{9D8B030D-6E8A-4147-A177-3AD203B41FA5}">
-                      <a16:colId xmlns:a16="http://schemas.microsoft.com/office/drawing/2014/main" val="2331691743"/>
+                      <a16:colId xmlns:a16="http://schemas.microsoft.com/office/drawing/2014/main" val="3009386370"/>
                     </a:ext>
                   </a:extLst>
                 </a:gridCol>
               </a:tblGrid>
-              <a:tr h="0">
+              <a:tr h="138814">
                 <a:tc>
                   <a:txBody>
                     <a:bodyPr/>
@@ -7007,11 +7565,11 @@
                 </a:tc>
                 <a:extLst>
                   <a:ext uri="{0D108BD9-81ED-4DB2-BD59-A6C34878D82A}">
-                    <a16:rowId xmlns:a16="http://schemas.microsoft.com/office/drawing/2014/main" val="3155242808"/>
+                    <a16:rowId xmlns:a16="http://schemas.microsoft.com/office/drawing/2014/main" val="812397399"/>
                   </a:ext>
                 </a:extLst>
               </a:tr>
-              <a:tr h="0">
+              <a:tr h="138814">
                 <a:tc>
                   <a:txBody>
                     <a:bodyPr/>
@@ -7064,22 +7622,22 @@
                       <a:pPr latinLnBrk="1"/>
                       <a:r>
                         <a:rPr lang="en-US" altLang="ko-KR" sz="1100"/>
-                        <a:t>I625.1</a:t>
-                      </a:r>
-                      <a:endParaRPr lang="ko-KR" altLang="en-US" sz="1100"/>
-                    </a:p>
-                  </a:txBody>
-                  <a:tcPr/>
-                </a:tc>
-                <a:tc>
-                  <a:txBody>
-                    <a:bodyPr/>
-                    <a:lstStyle/>
-                    <a:p>
-                      <a:pPr latinLnBrk="1"/>
-                      <a:r>
-                        <a:rPr lang="en-US" altLang="ko-KR" sz="1100"/>
-                        <a:t>O625.1</a:t>
+                        <a:t>%IX0.0.0</a:t>
+                      </a:r>
+                      <a:endParaRPr lang="ko-KR" altLang="en-US" sz="1100"/>
+                    </a:p>
+                  </a:txBody>
+                  <a:tcPr/>
+                </a:tc>
+                <a:tc>
+                  <a:txBody>
+                    <a:bodyPr/>
+                    <a:lstStyle/>
+                    <a:p>
+                      <a:pPr latinLnBrk="1"/>
+                      <a:r>
+                        <a:rPr lang="en-US" altLang="ko-KR" sz="1100"/>
+                        <a:t>%QX0.1.0</a:t>
                       </a:r>
                       <a:endParaRPr lang="ko-KR" altLang="en-US" sz="1100"/>
                     </a:p>
@@ -7114,11 +7672,11 @@
                 </a:tc>
                 <a:extLst>
                   <a:ext uri="{0D108BD9-81ED-4DB2-BD59-A6C34878D82A}">
-                    <a16:rowId xmlns:a16="http://schemas.microsoft.com/office/drawing/2014/main" val="1917690284"/>
+                    <a16:rowId xmlns:a16="http://schemas.microsoft.com/office/drawing/2014/main" val="4270558751"/>
                   </a:ext>
                 </a:extLst>
               </a:tr>
-              <a:tr h="0">
+              <a:tr h="138814">
                 <a:tc>
                   <a:txBody>
                     <a:bodyPr/>
@@ -7171,22 +7729,22 @@
                       <a:pPr latinLnBrk="1"/>
                       <a:r>
                         <a:rPr lang="en-US" altLang="ko-KR" sz="1100"/>
-                        <a:t>I625.2</a:t>
-                      </a:r>
-                      <a:endParaRPr lang="ko-KR" altLang="en-US" sz="1100"/>
-                    </a:p>
-                  </a:txBody>
-                  <a:tcPr/>
-                </a:tc>
-                <a:tc>
-                  <a:txBody>
-                    <a:bodyPr/>
-                    <a:lstStyle/>
-                    <a:p>
-                      <a:pPr latinLnBrk="1"/>
-                      <a:r>
-                        <a:rPr lang="en-US" altLang="ko-KR" sz="1100"/>
-                        <a:t>O625.2</a:t>
+                        <a:t>%IX0.0.1</a:t>
+                      </a:r>
+                      <a:endParaRPr lang="ko-KR" altLang="en-US" sz="1100"/>
+                    </a:p>
+                  </a:txBody>
+                  <a:tcPr/>
+                </a:tc>
+                <a:tc>
+                  <a:txBody>
+                    <a:bodyPr/>
+                    <a:lstStyle/>
+                    <a:p>
+                      <a:pPr latinLnBrk="1"/>
+                      <a:r>
+                        <a:rPr lang="en-US" altLang="ko-KR" sz="1100"/>
+                        <a:t>%QX0.1.1</a:t>
                       </a:r>
                       <a:endParaRPr lang="ko-KR" altLang="en-US" sz="1100"/>
                     </a:p>
@@ -7221,11 +7779,11 @@
                 </a:tc>
                 <a:extLst>
                   <a:ext uri="{0D108BD9-81ED-4DB2-BD59-A6C34878D82A}">
-                    <a16:rowId xmlns:a16="http://schemas.microsoft.com/office/drawing/2014/main" val="1400202190"/>
+                    <a16:rowId xmlns:a16="http://schemas.microsoft.com/office/drawing/2014/main" val="1906562655"/>
                   </a:ext>
                 </a:extLst>
               </a:tr>
-              <a:tr h="0">
+              <a:tr h="138814">
                 <a:tc>
                   <a:txBody>
                     <a:bodyPr/>
@@ -7278,22 +7836,22 @@
                       <a:pPr latinLnBrk="1"/>
                       <a:r>
                         <a:rPr lang="en-US" altLang="ko-KR" sz="1100"/>
-                        <a:t>I625.3</a:t>
-                      </a:r>
-                      <a:endParaRPr lang="ko-KR" altLang="en-US" sz="1100"/>
-                    </a:p>
-                  </a:txBody>
-                  <a:tcPr/>
-                </a:tc>
-                <a:tc>
-                  <a:txBody>
-                    <a:bodyPr/>
-                    <a:lstStyle/>
-                    <a:p>
-                      <a:pPr latinLnBrk="1"/>
-                      <a:r>
-                        <a:rPr lang="en-US" altLang="ko-KR" sz="1100"/>
-                        <a:t>O625.3</a:t>
+                        <a:t>%IX0.0.2</a:t>
+                      </a:r>
+                      <a:endParaRPr lang="ko-KR" altLang="en-US" sz="1100"/>
+                    </a:p>
+                  </a:txBody>
+                  <a:tcPr/>
+                </a:tc>
+                <a:tc>
+                  <a:txBody>
+                    <a:bodyPr/>
+                    <a:lstStyle/>
+                    <a:p>
+                      <a:pPr latinLnBrk="1"/>
+                      <a:r>
+                        <a:rPr lang="en-US" altLang="ko-KR" sz="1100"/>
+                        <a:t>%QX0.1.2</a:t>
                       </a:r>
                       <a:endParaRPr lang="ko-KR" altLang="en-US" sz="1100"/>
                     </a:p>
@@ -7328,11 +7886,11 @@
                 </a:tc>
                 <a:extLst>
                   <a:ext uri="{0D108BD9-81ED-4DB2-BD59-A6C34878D82A}">
-                    <a16:rowId xmlns:a16="http://schemas.microsoft.com/office/drawing/2014/main" val="2739910703"/>
+                    <a16:rowId xmlns:a16="http://schemas.microsoft.com/office/drawing/2014/main" val="2986716199"/>
                   </a:ext>
                 </a:extLst>
               </a:tr>
-              <a:tr h="0">
+              <a:tr h="138814">
                 <a:tc>
                   <a:txBody>
                     <a:bodyPr/>
@@ -7385,22 +7943,22 @@
                       <a:pPr latinLnBrk="1"/>
                       <a:r>
                         <a:rPr lang="en-US" altLang="ko-KR" sz="1100"/>
-                        <a:t>I625.4</a:t>
-                      </a:r>
-                      <a:endParaRPr lang="ko-KR" altLang="en-US" sz="1100"/>
-                    </a:p>
-                  </a:txBody>
-                  <a:tcPr/>
-                </a:tc>
-                <a:tc>
-                  <a:txBody>
-                    <a:bodyPr/>
-                    <a:lstStyle/>
-                    <a:p>
-                      <a:pPr latinLnBrk="1"/>
-                      <a:r>
-                        <a:rPr lang="en-US" altLang="ko-KR" sz="1100"/>
-                        <a:t>O625.4</a:t>
+                        <a:t>%IX0.0.3</a:t>
+                      </a:r>
+                      <a:endParaRPr lang="ko-KR" altLang="en-US" sz="1100"/>
+                    </a:p>
+                  </a:txBody>
+                  <a:tcPr/>
+                </a:tc>
+                <a:tc>
+                  <a:txBody>
+                    <a:bodyPr/>
+                    <a:lstStyle/>
+                    <a:p>
+                      <a:pPr latinLnBrk="1"/>
+                      <a:r>
+                        <a:rPr lang="en-US" altLang="ko-KR" sz="1100"/>
+                        <a:t>%QX0.1.3</a:t>
                       </a:r>
                       <a:endParaRPr lang="ko-KR" altLang="en-US" sz="1100"/>
                     </a:p>
@@ -7435,11 +7993,11 @@
                 </a:tc>
                 <a:extLst>
                   <a:ext uri="{0D108BD9-81ED-4DB2-BD59-A6C34878D82A}">
-                    <a16:rowId xmlns:a16="http://schemas.microsoft.com/office/drawing/2014/main" val="2382959734"/>
+                    <a16:rowId xmlns:a16="http://schemas.microsoft.com/office/drawing/2014/main" val="3589375858"/>
                   </a:ext>
                 </a:extLst>
               </a:tr>
-              <a:tr h="0">
+              <a:tr h="138814">
                 <a:tc>
                   <a:txBody>
                     <a:bodyPr/>
@@ -7492,22 +8050,22 @@
                       <a:pPr latinLnBrk="1"/>
                       <a:r>
                         <a:rPr lang="en-US" altLang="ko-KR" sz="1100"/>
-                        <a:t>I625.5</a:t>
-                      </a:r>
-                      <a:endParaRPr lang="ko-KR" altLang="en-US" sz="1100"/>
-                    </a:p>
-                  </a:txBody>
-                  <a:tcPr/>
-                </a:tc>
-                <a:tc>
-                  <a:txBody>
-                    <a:bodyPr/>
-                    <a:lstStyle/>
-                    <a:p>
-                      <a:pPr latinLnBrk="1"/>
-                      <a:r>
-                        <a:rPr lang="en-US" altLang="ko-KR" sz="1100"/>
-                        <a:t>O625.5</a:t>
+                        <a:t>%IX0.0.4</a:t>
+                      </a:r>
+                      <a:endParaRPr lang="ko-KR" altLang="en-US" sz="1100"/>
+                    </a:p>
+                  </a:txBody>
+                  <a:tcPr/>
+                </a:tc>
+                <a:tc>
+                  <a:txBody>
+                    <a:bodyPr/>
+                    <a:lstStyle/>
+                    <a:p>
+                      <a:pPr latinLnBrk="1"/>
+                      <a:r>
+                        <a:rPr lang="en-US" altLang="ko-KR" sz="1100"/>
+                        <a:t>%QX0.1.4</a:t>
                       </a:r>
                       <a:endParaRPr lang="ko-KR" altLang="en-US" sz="1100"/>
                     </a:p>
@@ -7542,11 +8100,11 @@
                 </a:tc>
                 <a:extLst>
                   <a:ext uri="{0D108BD9-81ED-4DB2-BD59-A6C34878D82A}">
-                    <a16:rowId xmlns:a16="http://schemas.microsoft.com/office/drawing/2014/main" val="787595547"/>
+                    <a16:rowId xmlns:a16="http://schemas.microsoft.com/office/drawing/2014/main" val="4058582815"/>
                   </a:ext>
                 </a:extLst>
               </a:tr>
-              <a:tr h="0">
+              <a:tr h="138814">
                 <a:tc>
                   <a:txBody>
                     <a:bodyPr/>
@@ -7599,22 +8157,22 @@
                       <a:pPr latinLnBrk="1"/>
                       <a:r>
                         <a:rPr lang="en-US" altLang="ko-KR" sz="1100"/>
-                        <a:t>I625.6</a:t>
-                      </a:r>
-                      <a:endParaRPr lang="ko-KR" altLang="en-US" sz="1100"/>
-                    </a:p>
-                  </a:txBody>
-                  <a:tcPr/>
-                </a:tc>
-                <a:tc>
-                  <a:txBody>
-                    <a:bodyPr/>
-                    <a:lstStyle/>
-                    <a:p>
-                      <a:pPr latinLnBrk="1"/>
-                      <a:r>
-                        <a:rPr lang="en-US" altLang="ko-KR" sz="1100"/>
-                        <a:t>O625.6</a:t>
+                        <a:t>%IX0.0.5</a:t>
+                      </a:r>
+                      <a:endParaRPr lang="ko-KR" altLang="en-US" sz="1100"/>
+                    </a:p>
+                  </a:txBody>
+                  <a:tcPr/>
+                </a:tc>
+                <a:tc>
+                  <a:txBody>
+                    <a:bodyPr/>
+                    <a:lstStyle/>
+                    <a:p>
+                      <a:pPr latinLnBrk="1"/>
+                      <a:r>
+                        <a:rPr lang="en-US" altLang="ko-KR" sz="1100"/>
+                        <a:t>%QX0.1.5</a:t>
                       </a:r>
                       <a:endParaRPr lang="ko-KR" altLang="en-US" sz="1100"/>
                     </a:p>
@@ -7649,11 +8207,11 @@
                 </a:tc>
                 <a:extLst>
                   <a:ext uri="{0D108BD9-81ED-4DB2-BD59-A6C34878D82A}">
-                    <a16:rowId xmlns:a16="http://schemas.microsoft.com/office/drawing/2014/main" val="635399833"/>
+                    <a16:rowId xmlns:a16="http://schemas.microsoft.com/office/drawing/2014/main" val="937170838"/>
                   </a:ext>
                 </a:extLst>
               </a:tr>
-              <a:tr h="0">
+              <a:tr h="138814">
                 <a:tc>
                   <a:txBody>
                     <a:bodyPr/>
@@ -7706,22 +8264,22 @@
                       <a:pPr latinLnBrk="1"/>
                       <a:r>
                         <a:rPr lang="en-US" altLang="ko-KR" sz="1100"/>
-                        <a:t>I625.7</a:t>
-                      </a:r>
-                      <a:endParaRPr lang="ko-KR" altLang="en-US" sz="1100"/>
-                    </a:p>
-                  </a:txBody>
-                  <a:tcPr/>
-                </a:tc>
-                <a:tc>
-                  <a:txBody>
-                    <a:bodyPr/>
-                    <a:lstStyle/>
-                    <a:p>
-                      <a:pPr latinLnBrk="1"/>
-                      <a:r>
-                        <a:rPr lang="en-US" altLang="ko-KR" sz="1100"/>
-                        <a:t>O625.7</a:t>
+                        <a:t>%IX0.0.6</a:t>
+                      </a:r>
+                      <a:endParaRPr lang="ko-KR" altLang="en-US" sz="1100"/>
+                    </a:p>
+                  </a:txBody>
+                  <a:tcPr/>
+                </a:tc>
+                <a:tc>
+                  <a:txBody>
+                    <a:bodyPr/>
+                    <a:lstStyle/>
+                    <a:p>
+                      <a:pPr latinLnBrk="1"/>
+                      <a:r>
+                        <a:rPr lang="en-US" altLang="ko-KR" sz="1100"/>
+                        <a:t>%QX0.1.6</a:t>
                       </a:r>
                       <a:endParaRPr lang="ko-KR" altLang="en-US" sz="1100"/>
                     </a:p>
@@ -7756,11 +8314,11 @@
                 </a:tc>
                 <a:extLst>
                   <a:ext uri="{0D108BD9-81ED-4DB2-BD59-A6C34878D82A}">
-                    <a16:rowId xmlns:a16="http://schemas.microsoft.com/office/drawing/2014/main" val="3498566371"/>
+                    <a16:rowId xmlns:a16="http://schemas.microsoft.com/office/drawing/2014/main" val="1668104212"/>
                   </a:ext>
                 </a:extLst>
               </a:tr>
-              <a:tr h="0">
+              <a:tr h="138814">
                 <a:tc>
                   <a:txBody>
                     <a:bodyPr/>
@@ -7813,22 +8371,22 @@
                       <a:pPr latinLnBrk="1"/>
                       <a:r>
                         <a:rPr lang="en-US" altLang="ko-KR" sz="1100"/>
-                        <a:t>I625.8</a:t>
-                      </a:r>
-                      <a:endParaRPr lang="ko-KR" altLang="en-US" sz="1100"/>
-                    </a:p>
-                  </a:txBody>
-                  <a:tcPr/>
-                </a:tc>
-                <a:tc>
-                  <a:txBody>
-                    <a:bodyPr/>
-                    <a:lstStyle/>
-                    <a:p>
-                      <a:pPr latinLnBrk="1"/>
-                      <a:r>
-                        <a:rPr lang="en-US" altLang="ko-KR" sz="1100"/>
-                        <a:t>O625.8</a:t>
+                        <a:t>%IX0.0.7</a:t>
+                      </a:r>
+                      <a:endParaRPr lang="ko-KR" altLang="en-US" sz="1100"/>
+                    </a:p>
+                  </a:txBody>
+                  <a:tcPr/>
+                </a:tc>
+                <a:tc>
+                  <a:txBody>
+                    <a:bodyPr/>
+                    <a:lstStyle/>
+                    <a:p>
+                      <a:pPr latinLnBrk="1"/>
+                      <a:r>
+                        <a:rPr lang="en-US" altLang="ko-KR" sz="1100"/>
+                        <a:t>%QX0.1.7</a:t>
                       </a:r>
                       <a:endParaRPr lang="ko-KR" altLang="en-US" sz="1100"/>
                     </a:p>
@@ -7863,11 +8421,11 @@
                 </a:tc>
                 <a:extLst>
                   <a:ext uri="{0D108BD9-81ED-4DB2-BD59-A6C34878D82A}">
-                    <a16:rowId xmlns:a16="http://schemas.microsoft.com/office/drawing/2014/main" val="4237126868"/>
+                    <a16:rowId xmlns:a16="http://schemas.microsoft.com/office/drawing/2014/main" val="3443340355"/>
                   </a:ext>
                 </a:extLst>
               </a:tr>
-              <a:tr h="0">
+              <a:tr h="138814">
                 <a:tc>
                   <a:txBody>
                     <a:bodyPr/>
@@ -7920,22 +8478,22 @@
                       <a:pPr latinLnBrk="1"/>
                       <a:r>
                         <a:rPr lang="en-US" altLang="ko-KR" sz="1100"/>
-                        <a:t>I625.9</a:t>
-                      </a:r>
-                      <a:endParaRPr lang="ko-KR" altLang="en-US" sz="1100"/>
-                    </a:p>
-                  </a:txBody>
-                  <a:tcPr/>
-                </a:tc>
-                <a:tc>
-                  <a:txBody>
-                    <a:bodyPr/>
-                    <a:lstStyle/>
-                    <a:p>
-                      <a:pPr latinLnBrk="1"/>
-                      <a:r>
-                        <a:rPr lang="en-US" altLang="ko-KR" sz="1100"/>
-                        <a:t>O625.9</a:t>
+                        <a:t>%IX0.0.8</a:t>
+                      </a:r>
+                      <a:endParaRPr lang="ko-KR" altLang="en-US" sz="1100"/>
+                    </a:p>
+                  </a:txBody>
+                  <a:tcPr/>
+                </a:tc>
+                <a:tc>
+                  <a:txBody>
+                    <a:bodyPr/>
+                    <a:lstStyle/>
+                    <a:p>
+                      <a:pPr latinLnBrk="1"/>
+                      <a:r>
+                        <a:rPr lang="en-US" altLang="ko-KR" sz="1100"/>
+                        <a:t>%QX0.1.8</a:t>
                       </a:r>
                       <a:endParaRPr lang="ko-KR" altLang="en-US" sz="1100"/>
                     </a:p>
@@ -7970,11 +8528,11 @@
                 </a:tc>
                 <a:extLst>
                   <a:ext uri="{0D108BD9-81ED-4DB2-BD59-A6C34878D82A}">
-                    <a16:rowId xmlns:a16="http://schemas.microsoft.com/office/drawing/2014/main" val="899030615"/>
+                    <a16:rowId xmlns:a16="http://schemas.microsoft.com/office/drawing/2014/main" val="600427208"/>
                   </a:ext>
                 </a:extLst>
               </a:tr>
-              <a:tr h="0">
+              <a:tr h="138814">
                 <a:tc>
                   <a:txBody>
                     <a:bodyPr/>
@@ -8027,22 +8585,22 @@
                       <a:pPr latinLnBrk="1"/>
                       <a:r>
                         <a:rPr lang="en-US" altLang="ko-KR" sz="1100"/>
-                        <a:t>I625.10</a:t>
-                      </a:r>
-                      <a:endParaRPr lang="ko-KR" altLang="en-US" sz="1100"/>
-                    </a:p>
-                  </a:txBody>
-                  <a:tcPr/>
-                </a:tc>
-                <a:tc>
-                  <a:txBody>
-                    <a:bodyPr/>
-                    <a:lstStyle/>
-                    <a:p>
-                      <a:pPr latinLnBrk="1"/>
-                      <a:r>
-                        <a:rPr lang="en-US" altLang="ko-KR" sz="1100"/>
-                        <a:t>O625.10</a:t>
+                        <a:t>%IX0.0.9</a:t>
+                      </a:r>
+                      <a:endParaRPr lang="ko-KR" altLang="en-US" sz="1100"/>
+                    </a:p>
+                  </a:txBody>
+                  <a:tcPr/>
+                </a:tc>
+                <a:tc>
+                  <a:txBody>
+                    <a:bodyPr/>
+                    <a:lstStyle/>
+                    <a:p>
+                      <a:pPr latinLnBrk="1"/>
+                      <a:r>
+                        <a:rPr lang="en-US" altLang="ko-KR" sz="1100"/>
+                        <a:t>%QX0.1.9</a:t>
                       </a:r>
                       <a:endParaRPr lang="ko-KR" altLang="en-US" sz="1100"/>
                     </a:p>
@@ -8077,11 +8635,11 @@
                 </a:tc>
                 <a:extLst>
                   <a:ext uri="{0D108BD9-81ED-4DB2-BD59-A6C34878D82A}">
-                    <a16:rowId xmlns:a16="http://schemas.microsoft.com/office/drawing/2014/main" val="3790352410"/>
+                    <a16:rowId xmlns:a16="http://schemas.microsoft.com/office/drawing/2014/main" val="3294686593"/>
                   </a:ext>
                 </a:extLst>
               </a:tr>
-              <a:tr h="0">
+              <a:tr h="138814">
                 <a:tc>
                   <a:txBody>
                     <a:bodyPr/>
@@ -8134,22 +8692,22 @@
                       <a:pPr latinLnBrk="1"/>
                       <a:r>
                         <a:rPr lang="en-US" altLang="ko-KR" sz="1100"/>
-                        <a:t>I625.11</a:t>
-                      </a:r>
-                      <a:endParaRPr lang="ko-KR" altLang="en-US" sz="1100"/>
-                    </a:p>
-                  </a:txBody>
-                  <a:tcPr/>
-                </a:tc>
-                <a:tc>
-                  <a:txBody>
-                    <a:bodyPr/>
-                    <a:lstStyle/>
-                    <a:p>
-                      <a:pPr latinLnBrk="1"/>
-                      <a:r>
-                        <a:rPr lang="en-US" altLang="ko-KR" sz="1100"/>
-                        <a:t>O625.11</a:t>
+                        <a:t>%IX0.0.10</a:t>
+                      </a:r>
+                      <a:endParaRPr lang="ko-KR" altLang="en-US" sz="1100"/>
+                    </a:p>
+                  </a:txBody>
+                  <a:tcPr/>
+                </a:tc>
+                <a:tc>
+                  <a:txBody>
+                    <a:bodyPr/>
+                    <a:lstStyle/>
+                    <a:p>
+                      <a:pPr latinLnBrk="1"/>
+                      <a:r>
+                        <a:rPr lang="en-US" altLang="ko-KR" sz="1100"/>
+                        <a:t>%QX0.1.10</a:t>
                       </a:r>
                       <a:endParaRPr lang="ko-KR" altLang="en-US" sz="1100"/>
                     </a:p>
@@ -8184,11 +8742,11 @@
                 </a:tc>
                 <a:extLst>
                   <a:ext uri="{0D108BD9-81ED-4DB2-BD59-A6C34878D82A}">
-                    <a16:rowId xmlns:a16="http://schemas.microsoft.com/office/drawing/2014/main" val="58257006"/>
+                    <a16:rowId xmlns:a16="http://schemas.microsoft.com/office/drawing/2014/main" val="3286884880"/>
                   </a:ext>
                 </a:extLst>
               </a:tr>
-              <a:tr h="0">
+              <a:tr h="138814">
                 <a:tc>
                   <a:txBody>
                     <a:bodyPr/>
@@ -8241,22 +8799,22 @@
                       <a:pPr latinLnBrk="1"/>
                       <a:r>
                         <a:rPr lang="en-US" altLang="ko-KR" sz="1100"/>
-                        <a:t>I625.12</a:t>
-                      </a:r>
-                      <a:endParaRPr lang="ko-KR" altLang="en-US" sz="1100"/>
-                    </a:p>
-                  </a:txBody>
-                  <a:tcPr/>
-                </a:tc>
-                <a:tc>
-                  <a:txBody>
-                    <a:bodyPr/>
-                    <a:lstStyle/>
-                    <a:p>
-                      <a:pPr latinLnBrk="1"/>
-                      <a:r>
-                        <a:rPr lang="en-US" altLang="ko-KR" sz="1100"/>
-                        <a:t>O625.12</a:t>
+                        <a:t>%IX0.0.11</a:t>
+                      </a:r>
+                      <a:endParaRPr lang="ko-KR" altLang="en-US" sz="1100"/>
+                    </a:p>
+                  </a:txBody>
+                  <a:tcPr/>
+                </a:tc>
+                <a:tc>
+                  <a:txBody>
+                    <a:bodyPr/>
+                    <a:lstStyle/>
+                    <a:p>
+                      <a:pPr latinLnBrk="1"/>
+                      <a:r>
+                        <a:rPr lang="en-US" altLang="ko-KR" sz="1100"/>
+                        <a:t>%QX0.1.11</a:t>
                       </a:r>
                       <a:endParaRPr lang="ko-KR" altLang="en-US" sz="1100"/>
                     </a:p>
@@ -8291,11 +8849,11 @@
                 </a:tc>
                 <a:extLst>
                   <a:ext uri="{0D108BD9-81ED-4DB2-BD59-A6C34878D82A}">
-                    <a16:rowId xmlns:a16="http://schemas.microsoft.com/office/drawing/2014/main" val="3022948316"/>
+                    <a16:rowId xmlns:a16="http://schemas.microsoft.com/office/drawing/2014/main" val="3438685920"/>
                   </a:ext>
                 </a:extLst>
               </a:tr>
-              <a:tr h="0">
+              <a:tr h="138814">
                 <a:tc>
                   <a:txBody>
                     <a:bodyPr/>
@@ -8348,22 +8906,22 @@
                       <a:pPr latinLnBrk="1"/>
                       <a:r>
                         <a:rPr lang="en-US" altLang="ko-KR" sz="1100"/>
-                        <a:t>I625.13</a:t>
-                      </a:r>
-                      <a:endParaRPr lang="ko-KR" altLang="en-US" sz="1100"/>
-                    </a:p>
-                  </a:txBody>
-                  <a:tcPr/>
-                </a:tc>
-                <a:tc>
-                  <a:txBody>
-                    <a:bodyPr/>
-                    <a:lstStyle/>
-                    <a:p>
-                      <a:pPr latinLnBrk="1"/>
-                      <a:r>
-                        <a:rPr lang="en-US" altLang="ko-KR" sz="1100"/>
-                        <a:t>O625.13</a:t>
+                        <a:t>%IX0.0.12</a:t>
+                      </a:r>
+                      <a:endParaRPr lang="ko-KR" altLang="en-US" sz="1100"/>
+                    </a:p>
+                  </a:txBody>
+                  <a:tcPr/>
+                </a:tc>
+                <a:tc>
+                  <a:txBody>
+                    <a:bodyPr/>
+                    <a:lstStyle/>
+                    <a:p>
+                      <a:pPr latinLnBrk="1"/>
+                      <a:r>
+                        <a:rPr lang="en-US" altLang="ko-KR" sz="1100"/>
+                        <a:t>%QX0.1.12</a:t>
                       </a:r>
                       <a:endParaRPr lang="ko-KR" altLang="en-US" sz="1100"/>
                     </a:p>
@@ -8398,11 +8956,11 @@
                 </a:tc>
                 <a:extLst>
                   <a:ext uri="{0D108BD9-81ED-4DB2-BD59-A6C34878D82A}">
-                    <a16:rowId xmlns:a16="http://schemas.microsoft.com/office/drawing/2014/main" val="1579520016"/>
+                    <a16:rowId xmlns:a16="http://schemas.microsoft.com/office/drawing/2014/main" val="3403601550"/>
                   </a:ext>
                 </a:extLst>
               </a:tr>
-              <a:tr h="0">
+              <a:tr h="138814">
                 <a:tc>
                   <a:txBody>
                     <a:bodyPr/>
@@ -8455,22 +9013,22 @@
                       <a:pPr latinLnBrk="1"/>
                       <a:r>
                         <a:rPr lang="en-US" altLang="ko-KR" sz="1100"/>
-                        <a:t>I625.14</a:t>
-                      </a:r>
-                      <a:endParaRPr lang="ko-KR" altLang="en-US" sz="1100"/>
-                    </a:p>
-                  </a:txBody>
-                  <a:tcPr/>
-                </a:tc>
-                <a:tc>
-                  <a:txBody>
-                    <a:bodyPr/>
-                    <a:lstStyle/>
-                    <a:p>
-                      <a:pPr latinLnBrk="1"/>
-                      <a:r>
-                        <a:rPr lang="en-US" altLang="ko-KR" sz="1100"/>
-                        <a:t>O625.14</a:t>
+                        <a:t>%IX0.0.13</a:t>
+                      </a:r>
+                      <a:endParaRPr lang="ko-KR" altLang="en-US" sz="1100"/>
+                    </a:p>
+                  </a:txBody>
+                  <a:tcPr/>
+                </a:tc>
+                <a:tc>
+                  <a:txBody>
+                    <a:bodyPr/>
+                    <a:lstStyle/>
+                    <a:p>
+                      <a:pPr latinLnBrk="1"/>
+                      <a:r>
+                        <a:rPr lang="en-US" altLang="ko-KR" sz="1100"/>
+                        <a:t>%QX0.1.13</a:t>
                       </a:r>
                       <a:endParaRPr lang="ko-KR" altLang="en-US" sz="1100"/>
                     </a:p>
@@ -8505,11 +9063,11 @@
                 </a:tc>
                 <a:extLst>
                   <a:ext uri="{0D108BD9-81ED-4DB2-BD59-A6C34878D82A}">
-                    <a16:rowId xmlns:a16="http://schemas.microsoft.com/office/drawing/2014/main" val="2992647607"/>
+                    <a16:rowId xmlns:a16="http://schemas.microsoft.com/office/drawing/2014/main" val="1666460496"/>
                   </a:ext>
                 </a:extLst>
               </a:tr>
-              <a:tr h="0">
+              <a:tr h="138814">
                 <a:tc>
                   <a:txBody>
                     <a:bodyPr/>
@@ -8562,22 +9120,22 @@
                       <a:pPr latinLnBrk="1"/>
                       <a:r>
                         <a:rPr lang="en-US" altLang="ko-KR" sz="1100"/>
-                        <a:t>I625.15</a:t>
-                      </a:r>
-                      <a:endParaRPr lang="ko-KR" altLang="en-US" sz="1100"/>
-                    </a:p>
-                  </a:txBody>
-                  <a:tcPr/>
-                </a:tc>
-                <a:tc>
-                  <a:txBody>
-                    <a:bodyPr/>
-                    <a:lstStyle/>
-                    <a:p>
-                      <a:pPr latinLnBrk="1"/>
-                      <a:r>
-                        <a:rPr lang="en-US" altLang="ko-KR" sz="1100"/>
-                        <a:t>O625.15</a:t>
+                        <a:t>%IX0.0.14</a:t>
+                      </a:r>
+                      <a:endParaRPr lang="ko-KR" altLang="en-US" sz="1100"/>
+                    </a:p>
+                  </a:txBody>
+                  <a:tcPr/>
+                </a:tc>
+                <a:tc>
+                  <a:txBody>
+                    <a:bodyPr/>
+                    <a:lstStyle/>
+                    <a:p>
+                      <a:pPr latinLnBrk="1"/>
+                      <a:r>
+                        <a:rPr lang="en-US" altLang="ko-KR" sz="1100"/>
+                        <a:t>%QX0.1.14</a:t>
                       </a:r>
                       <a:endParaRPr lang="ko-KR" altLang="en-US" sz="1100"/>
                     </a:p>
@@ -8612,11 +9170,11 @@
                 </a:tc>
                 <a:extLst>
                   <a:ext uri="{0D108BD9-81ED-4DB2-BD59-A6C34878D82A}">
-                    <a16:rowId xmlns:a16="http://schemas.microsoft.com/office/drawing/2014/main" val="2054088725"/>
+                    <a16:rowId xmlns:a16="http://schemas.microsoft.com/office/drawing/2014/main" val="2123559909"/>
                   </a:ext>
                 </a:extLst>
               </a:tr>
-              <a:tr h="0">
+              <a:tr h="138814">
                 <a:tc>
                   <a:txBody>
                     <a:bodyPr/>
@@ -8669,22 +9227,22 @@
                       <a:pPr latinLnBrk="1"/>
                       <a:r>
                         <a:rPr lang="en-US" altLang="ko-KR" sz="1100"/>
-                        <a:t>I626.0</a:t>
-                      </a:r>
-                      <a:endParaRPr lang="ko-KR" altLang="en-US" sz="1100"/>
-                    </a:p>
-                  </a:txBody>
-                  <a:tcPr/>
-                </a:tc>
-                <a:tc>
-                  <a:txBody>
-                    <a:bodyPr/>
-                    <a:lstStyle/>
-                    <a:p>
-                      <a:pPr latinLnBrk="1"/>
-                      <a:r>
-                        <a:rPr lang="en-US" altLang="ko-KR" sz="1100"/>
-                        <a:t>O626.0</a:t>
+                        <a:t>%IX0.0.15</a:t>
+                      </a:r>
+                      <a:endParaRPr lang="ko-KR" altLang="en-US" sz="1100"/>
+                    </a:p>
+                  </a:txBody>
+                  <a:tcPr/>
+                </a:tc>
+                <a:tc>
+                  <a:txBody>
+                    <a:bodyPr/>
+                    <a:lstStyle/>
+                    <a:p>
+                      <a:pPr latinLnBrk="1"/>
+                      <a:r>
+                        <a:rPr lang="en-US" altLang="ko-KR" sz="1100"/>
+                        <a:t>%QX0.1.15</a:t>
                       </a:r>
                       <a:endParaRPr lang="ko-KR" altLang="en-US" sz="1100"/>
                     </a:p>
@@ -8719,11 +9277,11 @@
                 </a:tc>
                 <a:extLst>
                   <a:ext uri="{0D108BD9-81ED-4DB2-BD59-A6C34878D82A}">
-                    <a16:rowId xmlns:a16="http://schemas.microsoft.com/office/drawing/2014/main" val="783359852"/>
+                    <a16:rowId xmlns:a16="http://schemas.microsoft.com/office/drawing/2014/main" val="939270184"/>
                   </a:ext>
                 </a:extLst>
               </a:tr>
-              <a:tr h="0">
+              <a:tr h="138814">
                 <a:tc>
                   <a:txBody>
                     <a:bodyPr/>
@@ -8776,22 +9334,22 @@
                       <a:pPr latinLnBrk="1"/>
                       <a:r>
                         <a:rPr lang="en-US" altLang="ko-KR" sz="1100"/>
-                        <a:t>I626.1</a:t>
-                      </a:r>
-                      <a:endParaRPr lang="ko-KR" altLang="en-US" sz="1100"/>
-                    </a:p>
-                  </a:txBody>
-                  <a:tcPr/>
-                </a:tc>
-                <a:tc>
-                  <a:txBody>
-                    <a:bodyPr/>
-                    <a:lstStyle/>
-                    <a:p>
-                      <a:pPr latinLnBrk="1"/>
-                      <a:r>
-                        <a:rPr lang="en-US" altLang="ko-KR" sz="1100"/>
-                        <a:t>O626.1</a:t>
+                        <a:t>%IX0.0.16</a:t>
+                      </a:r>
+                      <a:endParaRPr lang="ko-KR" altLang="en-US" sz="1100"/>
+                    </a:p>
+                  </a:txBody>
+                  <a:tcPr/>
+                </a:tc>
+                <a:tc>
+                  <a:txBody>
+                    <a:bodyPr/>
+                    <a:lstStyle/>
+                    <a:p>
+                      <a:pPr latinLnBrk="1"/>
+                      <a:r>
+                        <a:rPr lang="en-US" altLang="ko-KR" sz="1100"/>
+                        <a:t>%QX0.1.16</a:t>
                       </a:r>
                       <a:endParaRPr lang="ko-KR" altLang="en-US" sz="1100"/>
                     </a:p>
@@ -8826,11 +9384,11 @@
                 </a:tc>
                 <a:extLst>
                   <a:ext uri="{0D108BD9-81ED-4DB2-BD59-A6C34878D82A}">
-                    <a16:rowId xmlns:a16="http://schemas.microsoft.com/office/drawing/2014/main" val="1102675528"/>
+                    <a16:rowId xmlns:a16="http://schemas.microsoft.com/office/drawing/2014/main" val="682822100"/>
                   </a:ext>
                 </a:extLst>
               </a:tr>
-              <a:tr h="0">
+              <a:tr h="138814">
                 <a:tc>
                   <a:txBody>
                     <a:bodyPr/>
@@ -8883,22 +9441,22 @@
                       <a:pPr latinLnBrk="1"/>
                       <a:r>
                         <a:rPr lang="en-US" altLang="ko-KR" sz="1100"/>
-                        <a:t>I626.2</a:t>
-                      </a:r>
-                      <a:endParaRPr lang="ko-KR" altLang="en-US" sz="1100"/>
-                    </a:p>
-                  </a:txBody>
-                  <a:tcPr/>
-                </a:tc>
-                <a:tc>
-                  <a:txBody>
-                    <a:bodyPr/>
-                    <a:lstStyle/>
-                    <a:p>
-                      <a:pPr latinLnBrk="1"/>
-                      <a:r>
-                        <a:rPr lang="en-US" altLang="ko-KR" sz="1100"/>
-                        <a:t>O626.2</a:t>
+                        <a:t>%IX0.0.17</a:t>
+                      </a:r>
+                      <a:endParaRPr lang="ko-KR" altLang="en-US" sz="1100"/>
+                    </a:p>
+                  </a:txBody>
+                  <a:tcPr/>
+                </a:tc>
+                <a:tc>
+                  <a:txBody>
+                    <a:bodyPr/>
+                    <a:lstStyle/>
+                    <a:p>
+                      <a:pPr latinLnBrk="1"/>
+                      <a:r>
+                        <a:rPr lang="en-US" altLang="ko-KR" sz="1100"/>
+                        <a:t>%QX0.1.17</a:t>
                       </a:r>
                       <a:endParaRPr lang="ko-KR" altLang="en-US" sz="1100"/>
                     </a:p>
@@ -8933,11 +9491,11 @@
                 </a:tc>
                 <a:extLst>
                   <a:ext uri="{0D108BD9-81ED-4DB2-BD59-A6C34878D82A}">
-                    <a16:rowId xmlns:a16="http://schemas.microsoft.com/office/drawing/2014/main" val="3130169193"/>
+                    <a16:rowId xmlns:a16="http://schemas.microsoft.com/office/drawing/2014/main" val="4129773005"/>
                   </a:ext>
                 </a:extLst>
               </a:tr>
-              <a:tr h="0">
+              <a:tr h="138814">
                 <a:tc>
                   <a:txBody>
                     <a:bodyPr/>
@@ -9017,11 +9575,11 @@
                 </a:tc>
                 <a:extLst>
                   <a:ext uri="{0D108BD9-81ED-4DB2-BD59-A6C34878D82A}">
-                    <a16:rowId xmlns:a16="http://schemas.microsoft.com/office/drawing/2014/main" val="3965509972"/>
+                    <a16:rowId xmlns:a16="http://schemas.microsoft.com/office/drawing/2014/main" val="3635401287"/>
                   </a:ext>
                 </a:extLst>
               </a:tr>
-              <a:tr h="0">
+              <a:tr h="138814">
                 <a:tc>
                   <a:txBody>
                     <a:bodyPr/>
@@ -9101,61 +9659,80 @@
                 </a:tc>
                 <a:extLst>
                   <a:ext uri="{0D108BD9-81ED-4DB2-BD59-A6C34878D82A}">
-                    <a16:rowId xmlns:a16="http://schemas.microsoft.com/office/drawing/2014/main" val="416719521"/>
+                    <a16:rowId xmlns:a16="http://schemas.microsoft.com/office/drawing/2014/main" val="1979443432"/>
                   </a:ext>
                 </a:extLst>
               </a:tr>
-              <a:tr h="0">
-                <a:tc>
-                  <a:txBody>
-                    <a:bodyPr/>
-                    <a:lstStyle/>
-                    <a:p>
-                      <a:pPr latinLnBrk="1"/>
-                      <a:endParaRPr lang="ko-KR" altLang="en-US" sz="1100"/>
-                    </a:p>
-                  </a:txBody>
-                  <a:tcPr/>
-                </a:tc>
-                <a:tc>
-                  <a:txBody>
-                    <a:bodyPr/>
-                    <a:lstStyle/>
-                    <a:p>
-                      <a:pPr latinLnBrk="1"/>
-                      <a:endParaRPr lang="ko-KR" altLang="en-US" sz="1100"/>
-                    </a:p>
-                  </a:txBody>
-                  <a:tcPr/>
-                </a:tc>
-                <a:tc>
-                  <a:txBody>
-                    <a:bodyPr/>
-                    <a:lstStyle/>
-                    <a:p>
-                      <a:pPr latinLnBrk="1"/>
-                      <a:endParaRPr lang="ko-KR" altLang="en-US" sz="1100"/>
-                    </a:p>
-                  </a:txBody>
-                  <a:tcPr/>
-                </a:tc>
-                <a:tc>
-                  <a:txBody>
-                    <a:bodyPr/>
-                    <a:lstStyle/>
-                    <a:p>
-                      <a:pPr latinLnBrk="1"/>
-                      <a:endParaRPr lang="ko-KR" altLang="en-US" sz="1100"/>
-                    </a:p>
-                  </a:txBody>
-                  <a:tcPr/>
-                </a:tc>
-                <a:tc>
-                  <a:txBody>
-                    <a:bodyPr/>
-                    <a:lstStyle/>
-                    <a:p>
-                      <a:pPr latinLnBrk="1"/>
+              <a:tr h="138814">
+                <a:tc>
+                  <a:txBody>
+                    <a:bodyPr/>
+                    <a:lstStyle/>
+                    <a:p>
+                      <a:pPr latinLnBrk="1"/>
+                      <a:r>
+                        <a:rPr lang="ko-KR" altLang="en-US" sz="1100"/>
+                        <a:t>자동선택</a:t>
+                      </a:r>
+                    </a:p>
+                  </a:txBody>
+                  <a:tcPr/>
+                </a:tc>
+                <a:tc>
+                  <a:txBody>
+                    <a:bodyPr/>
+                    <a:lstStyle/>
+                    <a:p>
+                      <a:pPr latinLnBrk="1"/>
+                      <a:r>
+                        <a:rPr lang="en-US" altLang="ko-KR" sz="1100"/>
+                        <a:t>autoSTN01_02</a:t>
+                      </a:r>
+                      <a:endParaRPr lang="ko-KR" altLang="en-US" sz="1100"/>
+                    </a:p>
+                  </a:txBody>
+                  <a:tcPr/>
+                </a:tc>
+                <a:tc>
+                  <a:txBody>
+                    <a:bodyPr/>
+                    <a:lstStyle/>
+                    <a:p>
+                      <a:pPr latinLnBrk="1"/>
+                      <a:r>
+                        <a:rPr lang="en-US" altLang="ko-KR" sz="1100"/>
+                        <a:t>bool</a:t>
+                      </a:r>
+                      <a:endParaRPr lang="ko-KR" altLang="en-US" sz="1100"/>
+                    </a:p>
+                  </a:txBody>
+                  <a:tcPr/>
+                </a:tc>
+                <a:tc>
+                  <a:txBody>
+                    <a:bodyPr/>
+                    <a:lstStyle/>
+                    <a:p>
+                      <a:pPr latinLnBrk="1"/>
+                      <a:r>
+                        <a:rPr lang="en-US" altLang="ko-KR" sz="1100"/>
+                        <a:t>%IX0.0.18</a:t>
+                      </a:r>
+                      <a:endParaRPr lang="ko-KR" altLang="en-US" sz="1100"/>
+                    </a:p>
+                  </a:txBody>
+                  <a:tcPr/>
+                </a:tc>
+                <a:tc>
+                  <a:txBody>
+                    <a:bodyPr/>
+                    <a:lstStyle/>
+                    <a:p>
+                      <a:pPr latinLnBrk="1"/>
+                      <a:r>
+                        <a:rPr lang="en-US" altLang="ko-KR" sz="1100"/>
+                        <a:t>%QX0.1.18</a:t>
+                      </a:r>
                       <a:endParaRPr lang="ko-KR" altLang="en-US" sz="1100"/>
                     </a:p>
                   </a:txBody>
@@ -9185,61 +9762,80 @@
                 </a:tc>
                 <a:extLst>
                   <a:ext uri="{0D108BD9-81ED-4DB2-BD59-A6C34878D82A}">
-                    <a16:rowId xmlns:a16="http://schemas.microsoft.com/office/drawing/2014/main" val="16820631"/>
+                    <a16:rowId xmlns:a16="http://schemas.microsoft.com/office/drawing/2014/main" val="3056882574"/>
                   </a:ext>
                 </a:extLst>
               </a:tr>
-              <a:tr h="0">
-                <a:tc>
-                  <a:txBody>
-                    <a:bodyPr/>
-                    <a:lstStyle/>
-                    <a:p>
-                      <a:pPr latinLnBrk="1"/>
-                      <a:endParaRPr lang="ko-KR" altLang="en-US" sz="1100"/>
-                    </a:p>
-                  </a:txBody>
-                  <a:tcPr/>
-                </a:tc>
-                <a:tc>
-                  <a:txBody>
-                    <a:bodyPr/>
-                    <a:lstStyle/>
-                    <a:p>
-                      <a:pPr latinLnBrk="1"/>
-                      <a:endParaRPr lang="ko-KR" altLang="en-US" sz="1100"/>
-                    </a:p>
-                  </a:txBody>
-                  <a:tcPr/>
-                </a:tc>
-                <a:tc>
-                  <a:txBody>
-                    <a:bodyPr/>
-                    <a:lstStyle/>
-                    <a:p>
-                      <a:pPr latinLnBrk="1"/>
-                      <a:endParaRPr lang="ko-KR" altLang="en-US" sz="1100"/>
-                    </a:p>
-                  </a:txBody>
-                  <a:tcPr/>
-                </a:tc>
-                <a:tc>
-                  <a:txBody>
-                    <a:bodyPr/>
-                    <a:lstStyle/>
-                    <a:p>
-                      <a:pPr latinLnBrk="1"/>
-                      <a:endParaRPr lang="ko-KR" altLang="en-US" sz="1100"/>
-                    </a:p>
-                  </a:txBody>
-                  <a:tcPr/>
-                </a:tc>
-                <a:tc>
-                  <a:txBody>
-                    <a:bodyPr/>
-                    <a:lstStyle/>
-                    <a:p>
-                      <a:pPr latinLnBrk="1"/>
+              <a:tr h="138814">
+                <a:tc>
+                  <a:txBody>
+                    <a:bodyPr/>
+                    <a:lstStyle/>
+                    <a:p>
+                      <a:pPr latinLnBrk="1"/>
+                      <a:r>
+                        <a:rPr lang="ko-KR" altLang="en-US" sz="1100"/>
+                        <a:t>수동선택</a:t>
+                      </a:r>
+                    </a:p>
+                  </a:txBody>
+                  <a:tcPr/>
+                </a:tc>
+                <a:tc>
+                  <a:txBody>
+                    <a:bodyPr/>
+                    <a:lstStyle/>
+                    <a:p>
+                      <a:pPr latinLnBrk="1"/>
+                      <a:r>
+                        <a:rPr lang="en-US" altLang="ko-KR" sz="1100"/>
+                        <a:t>manualSTN01_02</a:t>
+                      </a:r>
+                      <a:endParaRPr lang="ko-KR" altLang="en-US" sz="1100"/>
+                    </a:p>
+                  </a:txBody>
+                  <a:tcPr/>
+                </a:tc>
+                <a:tc>
+                  <a:txBody>
+                    <a:bodyPr/>
+                    <a:lstStyle/>
+                    <a:p>
+                      <a:pPr latinLnBrk="1"/>
+                      <a:r>
+                        <a:rPr lang="en-US" altLang="ko-KR" sz="1100"/>
+                        <a:t>bool</a:t>
+                      </a:r>
+                      <a:endParaRPr lang="ko-KR" altLang="en-US" sz="1100"/>
+                    </a:p>
+                  </a:txBody>
+                  <a:tcPr/>
+                </a:tc>
+                <a:tc>
+                  <a:txBody>
+                    <a:bodyPr/>
+                    <a:lstStyle/>
+                    <a:p>
+                      <a:pPr latinLnBrk="1"/>
+                      <a:r>
+                        <a:rPr lang="en-US" altLang="ko-KR" sz="1100"/>
+                        <a:t>%IX0.0.19</a:t>
+                      </a:r>
+                      <a:endParaRPr lang="ko-KR" altLang="en-US" sz="1100"/>
+                    </a:p>
+                  </a:txBody>
+                  <a:tcPr/>
+                </a:tc>
+                <a:tc>
+                  <a:txBody>
+                    <a:bodyPr/>
+                    <a:lstStyle/>
+                    <a:p>
+                      <a:pPr latinLnBrk="1"/>
+                      <a:r>
+                        <a:rPr lang="en-US" altLang="ko-KR" sz="1100"/>
+                        <a:t>%QX0.1.19</a:t>
+                      </a:r>
                       <a:endParaRPr lang="ko-KR" altLang="en-US" sz="1100"/>
                     </a:p>
                   </a:txBody>
@@ -9269,61 +9865,80 @@
                 </a:tc>
                 <a:extLst>
                   <a:ext uri="{0D108BD9-81ED-4DB2-BD59-A6C34878D82A}">
-                    <a16:rowId xmlns:a16="http://schemas.microsoft.com/office/drawing/2014/main" val="2334881841"/>
+                    <a16:rowId xmlns:a16="http://schemas.microsoft.com/office/drawing/2014/main" val="4089045705"/>
                   </a:ext>
                 </a:extLst>
               </a:tr>
-              <a:tr h="0">
-                <a:tc>
-                  <a:txBody>
-                    <a:bodyPr/>
-                    <a:lstStyle/>
-                    <a:p>
-                      <a:pPr latinLnBrk="1"/>
-                      <a:endParaRPr lang="ko-KR" altLang="en-US" sz="1100"/>
-                    </a:p>
-                  </a:txBody>
-                  <a:tcPr/>
-                </a:tc>
-                <a:tc>
-                  <a:txBody>
-                    <a:bodyPr/>
-                    <a:lstStyle/>
-                    <a:p>
-                      <a:pPr latinLnBrk="1"/>
-                      <a:endParaRPr lang="ko-KR" altLang="en-US" sz="1100"/>
-                    </a:p>
-                  </a:txBody>
-                  <a:tcPr/>
-                </a:tc>
-                <a:tc>
-                  <a:txBody>
-                    <a:bodyPr/>
-                    <a:lstStyle/>
-                    <a:p>
-                      <a:pPr latinLnBrk="1"/>
-                      <a:endParaRPr lang="ko-KR" altLang="en-US" sz="1100"/>
-                    </a:p>
-                  </a:txBody>
-                  <a:tcPr/>
-                </a:tc>
-                <a:tc>
-                  <a:txBody>
-                    <a:bodyPr/>
-                    <a:lstStyle/>
-                    <a:p>
-                      <a:pPr latinLnBrk="1"/>
-                      <a:endParaRPr lang="ko-KR" altLang="en-US" sz="1100"/>
-                    </a:p>
-                  </a:txBody>
-                  <a:tcPr/>
-                </a:tc>
-                <a:tc>
-                  <a:txBody>
-                    <a:bodyPr/>
-                    <a:lstStyle/>
-                    <a:p>
-                      <a:pPr latinLnBrk="1"/>
+              <a:tr h="138814">
+                <a:tc>
+                  <a:txBody>
+                    <a:bodyPr/>
+                    <a:lstStyle/>
+                    <a:p>
+                      <a:pPr latinLnBrk="1"/>
+                      <a:r>
+                        <a:rPr lang="ko-KR" altLang="en-US" sz="1100"/>
+                        <a:t>운전푸쉬</a:t>
+                      </a:r>
+                    </a:p>
+                  </a:txBody>
+                  <a:tcPr/>
+                </a:tc>
+                <a:tc>
+                  <a:txBody>
+                    <a:bodyPr/>
+                    <a:lstStyle/>
+                    <a:p>
+                      <a:pPr latinLnBrk="1"/>
+                      <a:r>
+                        <a:rPr lang="en-US" altLang="ko-KR" sz="1100"/>
+                        <a:t>driveSTN01_02</a:t>
+                      </a:r>
+                      <a:endParaRPr lang="ko-KR" altLang="en-US" sz="1100"/>
+                    </a:p>
+                  </a:txBody>
+                  <a:tcPr/>
+                </a:tc>
+                <a:tc>
+                  <a:txBody>
+                    <a:bodyPr/>
+                    <a:lstStyle/>
+                    <a:p>
+                      <a:pPr latinLnBrk="1"/>
+                      <a:r>
+                        <a:rPr lang="en-US" altLang="ko-KR" sz="1100"/>
+                        <a:t>bool</a:t>
+                      </a:r>
+                      <a:endParaRPr lang="ko-KR" altLang="en-US" sz="1100"/>
+                    </a:p>
+                  </a:txBody>
+                  <a:tcPr/>
+                </a:tc>
+                <a:tc>
+                  <a:txBody>
+                    <a:bodyPr/>
+                    <a:lstStyle/>
+                    <a:p>
+                      <a:pPr latinLnBrk="1"/>
+                      <a:r>
+                        <a:rPr lang="en-US" altLang="ko-KR" sz="1100"/>
+                        <a:t>%IX0.0.20</a:t>
+                      </a:r>
+                      <a:endParaRPr lang="ko-KR" altLang="en-US" sz="1100"/>
+                    </a:p>
+                  </a:txBody>
+                  <a:tcPr/>
+                </a:tc>
+                <a:tc>
+                  <a:txBody>
+                    <a:bodyPr/>
+                    <a:lstStyle/>
+                    <a:p>
+                      <a:pPr latinLnBrk="1"/>
+                      <a:r>
+                        <a:rPr lang="en-US" altLang="ko-KR" sz="1100"/>
+                        <a:t>%QX0.1.20</a:t>
+                      </a:r>
                       <a:endParaRPr lang="ko-KR" altLang="en-US" sz="1100"/>
                     </a:p>
                   </a:txBody>
@@ -9353,61 +9968,80 @@
                 </a:tc>
                 <a:extLst>
                   <a:ext uri="{0D108BD9-81ED-4DB2-BD59-A6C34878D82A}">
-                    <a16:rowId xmlns:a16="http://schemas.microsoft.com/office/drawing/2014/main" val="1909010680"/>
+                    <a16:rowId xmlns:a16="http://schemas.microsoft.com/office/drawing/2014/main" val="2046383628"/>
                   </a:ext>
                 </a:extLst>
               </a:tr>
-              <a:tr h="0">
-                <a:tc>
-                  <a:txBody>
-                    <a:bodyPr/>
-                    <a:lstStyle/>
-                    <a:p>
-                      <a:pPr latinLnBrk="1"/>
-                      <a:endParaRPr lang="ko-KR" altLang="en-US" sz="1100"/>
-                    </a:p>
-                  </a:txBody>
-                  <a:tcPr/>
-                </a:tc>
-                <a:tc>
-                  <a:txBody>
-                    <a:bodyPr/>
-                    <a:lstStyle/>
-                    <a:p>
-                      <a:pPr latinLnBrk="1"/>
-                      <a:endParaRPr lang="ko-KR" altLang="en-US" sz="1100"/>
-                    </a:p>
-                  </a:txBody>
-                  <a:tcPr/>
-                </a:tc>
-                <a:tc>
-                  <a:txBody>
-                    <a:bodyPr/>
-                    <a:lstStyle/>
-                    <a:p>
-                      <a:pPr latinLnBrk="1"/>
-                      <a:endParaRPr lang="ko-KR" altLang="en-US" sz="1100"/>
-                    </a:p>
-                  </a:txBody>
-                  <a:tcPr/>
-                </a:tc>
-                <a:tc>
-                  <a:txBody>
-                    <a:bodyPr/>
-                    <a:lstStyle/>
-                    <a:p>
-                      <a:pPr latinLnBrk="1"/>
-                      <a:endParaRPr lang="ko-KR" altLang="en-US" sz="1100"/>
-                    </a:p>
-                  </a:txBody>
-                  <a:tcPr/>
-                </a:tc>
-                <a:tc>
-                  <a:txBody>
-                    <a:bodyPr/>
-                    <a:lstStyle/>
-                    <a:p>
-                      <a:pPr latinLnBrk="1"/>
+              <a:tr h="138814">
+                <a:tc>
+                  <a:txBody>
+                    <a:bodyPr/>
+                    <a:lstStyle/>
+                    <a:p>
+                      <a:pPr latinLnBrk="1"/>
+                      <a:r>
+                        <a:rPr lang="ko-KR" altLang="en-US" sz="1100"/>
+                        <a:t>정지푸쉬</a:t>
+                      </a:r>
+                    </a:p>
+                  </a:txBody>
+                  <a:tcPr/>
+                </a:tc>
+                <a:tc>
+                  <a:txBody>
+                    <a:bodyPr/>
+                    <a:lstStyle/>
+                    <a:p>
+                      <a:pPr latinLnBrk="1"/>
+                      <a:r>
+                        <a:rPr lang="en-US" altLang="ko-KR" sz="1100"/>
+                        <a:t>stopSTN01_02</a:t>
+                      </a:r>
+                      <a:endParaRPr lang="ko-KR" altLang="en-US" sz="1100"/>
+                    </a:p>
+                  </a:txBody>
+                  <a:tcPr/>
+                </a:tc>
+                <a:tc>
+                  <a:txBody>
+                    <a:bodyPr/>
+                    <a:lstStyle/>
+                    <a:p>
+                      <a:pPr latinLnBrk="1"/>
+                      <a:r>
+                        <a:rPr lang="en-US" altLang="ko-KR" sz="1100"/>
+                        <a:t>bool</a:t>
+                      </a:r>
+                      <a:endParaRPr lang="ko-KR" altLang="en-US" sz="1100"/>
+                    </a:p>
+                  </a:txBody>
+                  <a:tcPr/>
+                </a:tc>
+                <a:tc>
+                  <a:txBody>
+                    <a:bodyPr/>
+                    <a:lstStyle/>
+                    <a:p>
+                      <a:pPr latinLnBrk="1"/>
+                      <a:r>
+                        <a:rPr lang="en-US" altLang="ko-KR" sz="1100"/>
+                        <a:t>%IX0.0.21</a:t>
+                      </a:r>
+                      <a:endParaRPr lang="ko-KR" altLang="en-US" sz="1100"/>
+                    </a:p>
+                  </a:txBody>
+                  <a:tcPr/>
+                </a:tc>
+                <a:tc>
+                  <a:txBody>
+                    <a:bodyPr/>
+                    <a:lstStyle/>
+                    <a:p>
+                      <a:pPr latinLnBrk="1"/>
+                      <a:r>
+                        <a:rPr lang="en-US" altLang="ko-KR" sz="1100"/>
+                        <a:t>%QX0.1.21</a:t>
+                      </a:r>
                       <a:endParaRPr lang="ko-KR" altLang="en-US" sz="1100"/>
                     </a:p>
                   </a:txBody>
@@ -9437,11 +10071,11 @@
                 </a:tc>
                 <a:extLst>
                   <a:ext uri="{0D108BD9-81ED-4DB2-BD59-A6C34878D82A}">
-                    <a16:rowId xmlns:a16="http://schemas.microsoft.com/office/drawing/2014/main" val="1153600402"/>
+                    <a16:rowId xmlns:a16="http://schemas.microsoft.com/office/drawing/2014/main" val="831549969"/>
                   </a:ext>
                 </a:extLst>
               </a:tr>
-              <a:tr h="0">
+              <a:tr h="138814">
                 <a:tc>
                   <a:txBody>
                     <a:bodyPr/>
@@ -9450,51 +10084,67 @@
                       <a:pPr latinLnBrk="1"/>
                       <a:r>
                         <a:rPr lang="ko-KR" altLang="en-US" sz="1100"/>
-                        <a:t>내부변수</a:t>
-                      </a:r>
-                    </a:p>
-                  </a:txBody>
-                  <a:tcPr/>
-                </a:tc>
-                <a:tc>
-                  <a:txBody>
-                    <a:bodyPr/>
-                    <a:lstStyle/>
-                    <a:p>
-                      <a:pPr latinLnBrk="1"/>
-                      <a:endParaRPr lang="ko-KR" altLang="en-US" sz="1100"/>
-                    </a:p>
-                  </a:txBody>
-                  <a:tcPr/>
-                </a:tc>
-                <a:tc>
-                  <a:txBody>
-                    <a:bodyPr/>
-                    <a:lstStyle/>
-                    <a:p>
-                      <a:pPr latinLnBrk="1"/>
-                      <a:endParaRPr lang="ko-KR" altLang="en-US" sz="1100"/>
-                    </a:p>
-                  </a:txBody>
-                  <a:tcPr/>
-                </a:tc>
-                <a:tc>
-                  <a:txBody>
-                    <a:bodyPr/>
-                    <a:lstStyle/>
-                    <a:p>
-                      <a:pPr latinLnBrk="1"/>
-                      <a:endParaRPr lang="ko-KR" altLang="en-US" sz="1100"/>
-                    </a:p>
-                  </a:txBody>
-                  <a:tcPr/>
-                </a:tc>
-                <a:tc>
-                  <a:txBody>
-                    <a:bodyPr/>
-                    <a:lstStyle/>
-                    <a:p>
-                      <a:pPr latinLnBrk="1"/>
+                        <a:t>비상푸쉬</a:t>
+                      </a:r>
+                    </a:p>
+                  </a:txBody>
+                  <a:tcPr/>
+                </a:tc>
+                <a:tc>
+                  <a:txBody>
+                    <a:bodyPr/>
+                    <a:lstStyle/>
+                    <a:p>
+                      <a:pPr latinLnBrk="1"/>
+                      <a:r>
+                        <a:rPr lang="en-US" altLang="ko-KR" sz="1100"/>
+                        <a:t>emgSTN01_02</a:t>
+                      </a:r>
+                      <a:endParaRPr lang="ko-KR" altLang="en-US" sz="1100"/>
+                    </a:p>
+                  </a:txBody>
+                  <a:tcPr/>
+                </a:tc>
+                <a:tc>
+                  <a:txBody>
+                    <a:bodyPr/>
+                    <a:lstStyle/>
+                    <a:p>
+                      <a:pPr latinLnBrk="1"/>
+                      <a:r>
+                        <a:rPr lang="en-US" altLang="ko-KR" sz="1100"/>
+                        <a:t>bool</a:t>
+                      </a:r>
+                      <a:endParaRPr lang="ko-KR" altLang="en-US" sz="1100"/>
+                    </a:p>
+                  </a:txBody>
+                  <a:tcPr/>
+                </a:tc>
+                <a:tc>
+                  <a:txBody>
+                    <a:bodyPr/>
+                    <a:lstStyle/>
+                    <a:p>
+                      <a:pPr latinLnBrk="1"/>
+                      <a:r>
+                        <a:rPr lang="en-US" altLang="ko-KR" sz="1100"/>
+                        <a:t>%IX0.0.22</a:t>
+                      </a:r>
+                      <a:endParaRPr lang="ko-KR" altLang="en-US" sz="1100"/>
+                    </a:p>
+                  </a:txBody>
+                  <a:tcPr/>
+                </a:tc>
+                <a:tc>
+                  <a:txBody>
+                    <a:bodyPr/>
+                    <a:lstStyle/>
+                    <a:p>
+                      <a:pPr latinLnBrk="1"/>
+                      <a:r>
+                        <a:rPr lang="en-US" altLang="ko-KR" sz="1100"/>
+                        <a:t>%QX0.1.22</a:t>
+                      </a:r>
                       <a:endParaRPr lang="ko-KR" altLang="en-US" sz="1100"/>
                     </a:p>
                   </a:txBody>
@@ -9524,61 +10174,80 @@
                 </a:tc>
                 <a:extLst>
                   <a:ext uri="{0D108BD9-81ED-4DB2-BD59-A6C34878D82A}">
-                    <a16:rowId xmlns:a16="http://schemas.microsoft.com/office/drawing/2014/main" val="1394497521"/>
+                    <a16:rowId xmlns:a16="http://schemas.microsoft.com/office/drawing/2014/main" val="2222945011"/>
                   </a:ext>
                 </a:extLst>
               </a:tr>
-              <a:tr h="0">
-                <a:tc>
-                  <a:txBody>
-                    <a:bodyPr/>
-                    <a:lstStyle/>
-                    <a:p>
-                      <a:pPr latinLnBrk="1"/>
-                      <a:endParaRPr lang="ko-KR" altLang="en-US" sz="1100"/>
-                    </a:p>
-                  </a:txBody>
-                  <a:tcPr/>
-                </a:tc>
-                <a:tc>
-                  <a:txBody>
-                    <a:bodyPr/>
-                    <a:lstStyle/>
-                    <a:p>
-                      <a:pPr latinLnBrk="1"/>
-                      <a:endParaRPr lang="ko-KR" altLang="en-US" sz="1100"/>
-                    </a:p>
-                  </a:txBody>
-                  <a:tcPr/>
-                </a:tc>
-                <a:tc>
-                  <a:txBody>
-                    <a:bodyPr/>
-                    <a:lstStyle/>
-                    <a:p>
-                      <a:pPr latinLnBrk="1"/>
-                      <a:endParaRPr lang="ko-KR" altLang="en-US" sz="1100"/>
-                    </a:p>
-                  </a:txBody>
-                  <a:tcPr/>
-                </a:tc>
-                <a:tc>
-                  <a:txBody>
-                    <a:bodyPr/>
-                    <a:lstStyle/>
-                    <a:p>
-                      <a:pPr latinLnBrk="1"/>
-                      <a:endParaRPr lang="ko-KR" altLang="en-US" sz="1100"/>
-                    </a:p>
-                  </a:txBody>
-                  <a:tcPr/>
-                </a:tc>
-                <a:tc>
-                  <a:txBody>
-                    <a:bodyPr/>
-                    <a:lstStyle/>
-                    <a:p>
-                      <a:pPr latinLnBrk="1"/>
+              <a:tr h="138814">
+                <a:tc>
+                  <a:txBody>
+                    <a:bodyPr/>
+                    <a:lstStyle/>
+                    <a:p>
+                      <a:pPr latinLnBrk="1"/>
+                      <a:r>
+                        <a:rPr lang="ko-KR" altLang="en-US" sz="1100"/>
+                        <a:t>시운전푸쉬</a:t>
+                      </a:r>
+                    </a:p>
+                  </a:txBody>
+                  <a:tcPr/>
+                </a:tc>
+                <a:tc>
+                  <a:txBody>
+                    <a:bodyPr/>
+                    <a:lstStyle/>
+                    <a:p>
+                      <a:pPr latinLnBrk="1"/>
+                      <a:r>
+                        <a:rPr lang="en-US" altLang="ko-KR" sz="1100"/>
+                        <a:t>testrunSTN01_02</a:t>
+                      </a:r>
+                      <a:endParaRPr lang="ko-KR" altLang="en-US" sz="1100"/>
+                    </a:p>
+                  </a:txBody>
+                  <a:tcPr/>
+                </a:tc>
+                <a:tc>
+                  <a:txBody>
+                    <a:bodyPr/>
+                    <a:lstStyle/>
+                    <a:p>
+                      <a:pPr latinLnBrk="1"/>
+                      <a:r>
+                        <a:rPr lang="en-US" altLang="ko-KR" sz="1100"/>
+                        <a:t>bool</a:t>
+                      </a:r>
+                      <a:endParaRPr lang="ko-KR" altLang="en-US" sz="1100"/>
+                    </a:p>
+                  </a:txBody>
+                  <a:tcPr/>
+                </a:tc>
+                <a:tc>
+                  <a:txBody>
+                    <a:bodyPr/>
+                    <a:lstStyle/>
+                    <a:p>
+                      <a:pPr latinLnBrk="1"/>
+                      <a:r>
+                        <a:rPr lang="en-US" altLang="ko-KR" sz="1100"/>
+                        <a:t>%IX0.0.23</a:t>
+                      </a:r>
+                      <a:endParaRPr lang="ko-KR" altLang="en-US" sz="1100"/>
+                    </a:p>
+                  </a:txBody>
+                  <a:tcPr/>
+                </a:tc>
+                <a:tc>
+                  <a:txBody>
+                    <a:bodyPr/>
+                    <a:lstStyle/>
+                    <a:p>
+                      <a:pPr latinLnBrk="1"/>
+                      <a:r>
+                        <a:rPr lang="en-US" altLang="ko-KR" sz="1100"/>
+                        <a:t>%QX0.1.23</a:t>
+                      </a:r>
                       <a:endParaRPr lang="ko-KR" altLang="en-US" sz="1100"/>
                     </a:p>
                   </a:txBody>
@@ -9608,7 +10277,1513 @@
                 </a:tc>
                 <a:extLst>
                   <a:ext uri="{0D108BD9-81ED-4DB2-BD59-A6C34878D82A}">
-                    <a16:rowId xmlns:a16="http://schemas.microsoft.com/office/drawing/2014/main" val="3431537967"/>
+                    <a16:rowId xmlns:a16="http://schemas.microsoft.com/office/drawing/2014/main" val="1831564440"/>
+                  </a:ext>
+                </a:extLst>
+              </a:tr>
+              <a:tr h="138814">
+                <a:tc>
+                  <a:txBody>
+                    <a:bodyPr/>
+                    <a:lstStyle/>
+                    <a:p>
+                      <a:pPr latinLnBrk="1"/>
+                      <a:r>
+                        <a:rPr lang="ko-KR" altLang="en-US" sz="1100" dirty="0" err="1"/>
+                        <a:t>해지푸쉬</a:t>
+                      </a:r>
+                      <a:endParaRPr lang="ko-KR" altLang="en-US" sz="1100" dirty="0"/>
+                    </a:p>
+                  </a:txBody>
+                  <a:tcPr/>
+                </a:tc>
+                <a:tc>
+                  <a:txBody>
+                    <a:bodyPr/>
+                    <a:lstStyle/>
+                    <a:p>
+                      <a:pPr latinLnBrk="1"/>
+                      <a:r>
+                        <a:rPr lang="en-US" altLang="ko-KR" sz="1100"/>
+                        <a:t>clearSTN01_02</a:t>
+                      </a:r>
+                      <a:endParaRPr lang="ko-KR" altLang="en-US" sz="1100"/>
+                    </a:p>
+                  </a:txBody>
+                  <a:tcPr/>
+                </a:tc>
+                <a:tc>
+                  <a:txBody>
+                    <a:bodyPr/>
+                    <a:lstStyle/>
+                    <a:p>
+                      <a:pPr latinLnBrk="1"/>
+                      <a:r>
+                        <a:rPr lang="en-US" altLang="ko-KR" sz="1100"/>
+                        <a:t>bool</a:t>
+                      </a:r>
+                      <a:endParaRPr lang="ko-KR" altLang="en-US" sz="1100"/>
+                    </a:p>
+                  </a:txBody>
+                  <a:tcPr/>
+                </a:tc>
+                <a:tc>
+                  <a:txBody>
+                    <a:bodyPr/>
+                    <a:lstStyle/>
+                    <a:p>
+                      <a:pPr latinLnBrk="1"/>
+                      <a:r>
+                        <a:rPr lang="en-US" altLang="ko-KR" sz="1100"/>
+                        <a:t>%IX0.0.24</a:t>
+                      </a:r>
+                      <a:endParaRPr lang="ko-KR" altLang="en-US" sz="1100"/>
+                    </a:p>
+                  </a:txBody>
+                  <a:tcPr/>
+                </a:tc>
+                <a:tc>
+                  <a:txBody>
+                    <a:bodyPr/>
+                    <a:lstStyle/>
+                    <a:p>
+                      <a:pPr latinLnBrk="1"/>
+                      <a:r>
+                        <a:rPr lang="en-US" altLang="ko-KR" sz="1100"/>
+                        <a:t>%QX0.1.24</a:t>
+                      </a:r>
+                      <a:endParaRPr lang="ko-KR" altLang="en-US" sz="1100"/>
+                    </a:p>
+                  </a:txBody>
+                  <a:tcPr/>
+                </a:tc>
+                <a:tc>
+                  <a:txBody>
+                    <a:bodyPr/>
+                    <a:lstStyle/>
+                    <a:p>
+                      <a:pPr latinLnBrk="1"/>
+                      <a:endParaRPr lang="ko-KR" altLang="en-US" sz="1100"/>
+                    </a:p>
+                  </a:txBody>
+                  <a:tcPr/>
+                </a:tc>
+                <a:tc>
+                  <a:txBody>
+                    <a:bodyPr/>
+                    <a:lstStyle/>
+                    <a:p>
+                      <a:pPr latinLnBrk="1"/>
+                      <a:endParaRPr lang="ko-KR" altLang="en-US" sz="1100"/>
+                    </a:p>
+                  </a:txBody>
+                  <a:tcPr/>
+                </a:tc>
+                <a:extLst>
+                  <a:ext uri="{0D108BD9-81ED-4DB2-BD59-A6C34878D82A}">
+                    <a16:rowId xmlns:a16="http://schemas.microsoft.com/office/drawing/2014/main" val="3490263719"/>
+                  </a:ext>
+                </a:extLst>
+              </a:tr>
+              <a:tr h="138814">
+                <a:tc>
+                  <a:txBody>
+                    <a:bodyPr/>
+                    <a:lstStyle/>
+                    <a:p>
+                      <a:pPr latinLnBrk="1"/>
+                      <a:r>
+                        <a:rPr lang="ko-KR" altLang="en-US" sz="1100"/>
+                        <a:t>복귀푸쉬</a:t>
+                      </a:r>
+                    </a:p>
+                  </a:txBody>
+                  <a:tcPr/>
+                </a:tc>
+                <a:tc>
+                  <a:txBody>
+                    <a:bodyPr/>
+                    <a:lstStyle/>
+                    <a:p>
+                      <a:pPr latinLnBrk="1"/>
+                      <a:r>
+                        <a:rPr lang="en-US" altLang="ko-KR" sz="1100"/>
+                        <a:t>homeSTN01_02</a:t>
+                      </a:r>
+                      <a:endParaRPr lang="ko-KR" altLang="en-US" sz="1100"/>
+                    </a:p>
+                  </a:txBody>
+                  <a:tcPr/>
+                </a:tc>
+                <a:tc>
+                  <a:txBody>
+                    <a:bodyPr/>
+                    <a:lstStyle/>
+                    <a:p>
+                      <a:pPr latinLnBrk="1"/>
+                      <a:r>
+                        <a:rPr lang="en-US" altLang="ko-KR" sz="1100"/>
+                        <a:t>bool</a:t>
+                      </a:r>
+                      <a:endParaRPr lang="ko-KR" altLang="en-US" sz="1100"/>
+                    </a:p>
+                  </a:txBody>
+                  <a:tcPr/>
+                </a:tc>
+                <a:tc>
+                  <a:txBody>
+                    <a:bodyPr/>
+                    <a:lstStyle/>
+                    <a:p>
+                      <a:pPr latinLnBrk="1"/>
+                      <a:r>
+                        <a:rPr lang="en-US" altLang="ko-KR" sz="1100"/>
+                        <a:t>%IX0.0.25</a:t>
+                      </a:r>
+                      <a:endParaRPr lang="ko-KR" altLang="en-US" sz="1100"/>
+                    </a:p>
+                  </a:txBody>
+                  <a:tcPr/>
+                </a:tc>
+                <a:tc>
+                  <a:txBody>
+                    <a:bodyPr/>
+                    <a:lstStyle/>
+                    <a:p>
+                      <a:pPr latinLnBrk="1"/>
+                      <a:r>
+                        <a:rPr lang="en-US" altLang="ko-KR" sz="1100"/>
+                        <a:t>%QX0.1.25</a:t>
+                      </a:r>
+                      <a:endParaRPr lang="ko-KR" altLang="en-US" sz="1100"/>
+                    </a:p>
+                  </a:txBody>
+                  <a:tcPr/>
+                </a:tc>
+                <a:tc>
+                  <a:txBody>
+                    <a:bodyPr/>
+                    <a:lstStyle/>
+                    <a:p>
+                      <a:pPr latinLnBrk="1"/>
+                      <a:endParaRPr lang="ko-KR" altLang="en-US" sz="1100"/>
+                    </a:p>
+                  </a:txBody>
+                  <a:tcPr/>
+                </a:tc>
+                <a:tc>
+                  <a:txBody>
+                    <a:bodyPr/>
+                    <a:lstStyle/>
+                    <a:p>
+                      <a:pPr latinLnBrk="1"/>
+                      <a:endParaRPr lang="ko-KR" altLang="en-US" sz="1100"/>
+                    </a:p>
+                  </a:txBody>
+                  <a:tcPr/>
+                </a:tc>
+                <a:extLst>
+                  <a:ext uri="{0D108BD9-81ED-4DB2-BD59-A6C34878D82A}">
+                    <a16:rowId xmlns:a16="http://schemas.microsoft.com/office/drawing/2014/main" val="1074727233"/>
+                  </a:ext>
+                </a:extLst>
+              </a:tr>
+              <a:tr h="138814">
+                <a:tc>
+                  <a:txBody>
+                    <a:bodyPr/>
+                    <a:lstStyle/>
+                    <a:p>
+                      <a:pPr latinLnBrk="1"/>
+                      <a:endParaRPr lang="ko-KR" altLang="en-US" sz="1100"/>
+                    </a:p>
+                  </a:txBody>
+                  <a:tcPr/>
+                </a:tc>
+                <a:tc>
+                  <a:txBody>
+                    <a:bodyPr/>
+                    <a:lstStyle/>
+                    <a:p>
+                      <a:pPr latinLnBrk="1"/>
+                      <a:endParaRPr lang="ko-KR" altLang="en-US" sz="1100"/>
+                    </a:p>
+                  </a:txBody>
+                  <a:tcPr/>
+                </a:tc>
+                <a:tc>
+                  <a:txBody>
+                    <a:bodyPr/>
+                    <a:lstStyle/>
+                    <a:p>
+                      <a:pPr latinLnBrk="1"/>
+                      <a:endParaRPr lang="ko-KR" altLang="en-US" sz="1100"/>
+                    </a:p>
+                  </a:txBody>
+                  <a:tcPr/>
+                </a:tc>
+                <a:tc>
+                  <a:txBody>
+                    <a:bodyPr/>
+                    <a:lstStyle/>
+                    <a:p>
+                      <a:pPr latinLnBrk="1"/>
+                      <a:endParaRPr lang="ko-KR" altLang="en-US" sz="1100"/>
+                    </a:p>
+                  </a:txBody>
+                  <a:tcPr/>
+                </a:tc>
+                <a:tc>
+                  <a:txBody>
+                    <a:bodyPr/>
+                    <a:lstStyle/>
+                    <a:p>
+                      <a:pPr latinLnBrk="1"/>
+                      <a:endParaRPr lang="ko-KR" altLang="en-US" sz="1100"/>
+                    </a:p>
+                  </a:txBody>
+                  <a:tcPr/>
+                </a:tc>
+                <a:tc>
+                  <a:txBody>
+                    <a:bodyPr/>
+                    <a:lstStyle/>
+                    <a:p>
+                      <a:pPr latinLnBrk="1"/>
+                      <a:endParaRPr lang="ko-KR" altLang="en-US" sz="1100"/>
+                    </a:p>
+                  </a:txBody>
+                  <a:tcPr/>
+                </a:tc>
+                <a:tc>
+                  <a:txBody>
+                    <a:bodyPr/>
+                    <a:lstStyle/>
+                    <a:p>
+                      <a:pPr latinLnBrk="1"/>
+                      <a:endParaRPr lang="ko-KR" altLang="en-US" sz="1100"/>
+                    </a:p>
+                  </a:txBody>
+                  <a:tcPr/>
+                </a:tc>
+                <a:extLst>
+                  <a:ext uri="{0D108BD9-81ED-4DB2-BD59-A6C34878D82A}">
+                    <a16:rowId xmlns:a16="http://schemas.microsoft.com/office/drawing/2014/main" val="1792484229"/>
+                  </a:ext>
+                </a:extLst>
+              </a:tr>
+              <a:tr h="138814">
+                <a:tc>
+                  <a:txBody>
+                    <a:bodyPr/>
+                    <a:lstStyle/>
+                    <a:p>
+                      <a:pPr latinLnBrk="1"/>
+                      <a:endParaRPr lang="ko-KR" altLang="en-US" sz="1100"/>
+                    </a:p>
+                  </a:txBody>
+                  <a:tcPr/>
+                </a:tc>
+                <a:tc>
+                  <a:txBody>
+                    <a:bodyPr/>
+                    <a:lstStyle/>
+                    <a:p>
+                      <a:pPr latinLnBrk="1"/>
+                      <a:endParaRPr lang="ko-KR" altLang="en-US" sz="1100"/>
+                    </a:p>
+                  </a:txBody>
+                  <a:tcPr/>
+                </a:tc>
+                <a:tc>
+                  <a:txBody>
+                    <a:bodyPr/>
+                    <a:lstStyle/>
+                    <a:p>
+                      <a:pPr latinLnBrk="1"/>
+                      <a:endParaRPr lang="ko-KR" altLang="en-US" sz="1100"/>
+                    </a:p>
+                  </a:txBody>
+                  <a:tcPr/>
+                </a:tc>
+                <a:tc>
+                  <a:txBody>
+                    <a:bodyPr/>
+                    <a:lstStyle/>
+                    <a:p>
+                      <a:pPr latinLnBrk="1"/>
+                      <a:endParaRPr lang="ko-KR" altLang="en-US" sz="1100"/>
+                    </a:p>
+                  </a:txBody>
+                  <a:tcPr/>
+                </a:tc>
+                <a:tc>
+                  <a:txBody>
+                    <a:bodyPr/>
+                    <a:lstStyle/>
+                    <a:p>
+                      <a:pPr latinLnBrk="1"/>
+                      <a:endParaRPr lang="ko-KR" altLang="en-US" sz="1100"/>
+                    </a:p>
+                  </a:txBody>
+                  <a:tcPr/>
+                </a:tc>
+                <a:tc>
+                  <a:txBody>
+                    <a:bodyPr/>
+                    <a:lstStyle/>
+                    <a:p>
+                      <a:pPr latinLnBrk="1"/>
+                      <a:endParaRPr lang="ko-KR" altLang="en-US" sz="1100"/>
+                    </a:p>
+                  </a:txBody>
+                  <a:tcPr/>
+                </a:tc>
+                <a:tc>
+                  <a:txBody>
+                    <a:bodyPr/>
+                    <a:lstStyle/>
+                    <a:p>
+                      <a:pPr latinLnBrk="1"/>
+                      <a:endParaRPr lang="ko-KR" altLang="en-US" sz="1100"/>
+                    </a:p>
+                  </a:txBody>
+                  <a:tcPr/>
+                </a:tc>
+                <a:extLst>
+                  <a:ext uri="{0D108BD9-81ED-4DB2-BD59-A6C34878D82A}">
+                    <a16:rowId xmlns:a16="http://schemas.microsoft.com/office/drawing/2014/main" val="1730575481"/>
+                  </a:ext>
+                </a:extLst>
+              </a:tr>
+              <a:tr h="138814">
+                <a:tc>
+                  <a:txBody>
+                    <a:bodyPr/>
+                    <a:lstStyle/>
+                    <a:p>
+                      <a:pPr latinLnBrk="1"/>
+                      <a:r>
+                        <a:rPr lang="ko-KR" altLang="en-US" sz="1100"/>
+                        <a:t>운전램프</a:t>
+                      </a:r>
+                    </a:p>
+                  </a:txBody>
+                  <a:tcPr/>
+                </a:tc>
+                <a:tc>
+                  <a:txBody>
+                    <a:bodyPr/>
+                    <a:lstStyle/>
+                    <a:p>
+                      <a:pPr latinLnBrk="1"/>
+                      <a:r>
+                        <a:rPr lang="en-US" altLang="ko-KR" sz="1100"/>
+                        <a:t>driveLamp</a:t>
+                      </a:r>
+                      <a:endParaRPr lang="ko-KR" altLang="en-US" sz="1100"/>
+                    </a:p>
+                  </a:txBody>
+                  <a:tcPr/>
+                </a:tc>
+                <a:tc>
+                  <a:txBody>
+                    <a:bodyPr/>
+                    <a:lstStyle/>
+                    <a:p>
+                      <a:pPr latinLnBrk="1"/>
+                      <a:r>
+                        <a:rPr lang="en-US" altLang="ko-KR" sz="1100"/>
+                        <a:t>bool</a:t>
+                      </a:r>
+                      <a:endParaRPr lang="ko-KR" altLang="en-US" sz="1100"/>
+                    </a:p>
+                  </a:txBody>
+                  <a:tcPr/>
+                </a:tc>
+                <a:tc>
+                  <a:txBody>
+                    <a:bodyPr/>
+                    <a:lstStyle/>
+                    <a:p>
+                      <a:pPr latinLnBrk="1"/>
+                      <a:endParaRPr lang="ko-KR" altLang="en-US" sz="1100"/>
+                    </a:p>
+                  </a:txBody>
+                  <a:tcPr/>
+                </a:tc>
+                <a:tc>
+                  <a:txBody>
+                    <a:bodyPr/>
+                    <a:lstStyle/>
+                    <a:p>
+                      <a:pPr latinLnBrk="1"/>
+                      <a:r>
+                        <a:rPr lang="en-US" altLang="ko-KR" sz="1100"/>
+                        <a:t>%QX0.1.26</a:t>
+                      </a:r>
+                      <a:endParaRPr lang="ko-KR" altLang="en-US" sz="1100"/>
+                    </a:p>
+                  </a:txBody>
+                  <a:tcPr/>
+                </a:tc>
+                <a:tc>
+                  <a:txBody>
+                    <a:bodyPr/>
+                    <a:lstStyle/>
+                    <a:p>
+                      <a:pPr latinLnBrk="1"/>
+                      <a:endParaRPr lang="ko-KR" altLang="en-US" sz="1100"/>
+                    </a:p>
+                  </a:txBody>
+                  <a:tcPr/>
+                </a:tc>
+                <a:tc>
+                  <a:txBody>
+                    <a:bodyPr/>
+                    <a:lstStyle/>
+                    <a:p>
+                      <a:pPr latinLnBrk="1"/>
+                      <a:endParaRPr lang="ko-KR" altLang="en-US" sz="1100"/>
+                    </a:p>
+                  </a:txBody>
+                  <a:tcPr/>
+                </a:tc>
+                <a:extLst>
+                  <a:ext uri="{0D108BD9-81ED-4DB2-BD59-A6C34878D82A}">
+                    <a16:rowId xmlns:a16="http://schemas.microsoft.com/office/drawing/2014/main" val="818321908"/>
+                  </a:ext>
+                </a:extLst>
+              </a:tr>
+              <a:tr h="138814">
+                <a:tc>
+                  <a:txBody>
+                    <a:bodyPr/>
+                    <a:lstStyle/>
+                    <a:p>
+                      <a:pPr latinLnBrk="1"/>
+                      <a:r>
+                        <a:rPr lang="ko-KR" altLang="en-US" sz="1100"/>
+                        <a:t>자동램프</a:t>
+                      </a:r>
+                    </a:p>
+                  </a:txBody>
+                  <a:tcPr/>
+                </a:tc>
+                <a:tc>
+                  <a:txBody>
+                    <a:bodyPr/>
+                    <a:lstStyle/>
+                    <a:p>
+                      <a:pPr latinLnBrk="1"/>
+                      <a:r>
+                        <a:rPr lang="en-US" altLang="ko-KR" sz="1100"/>
+                        <a:t>autoLamp</a:t>
+                      </a:r>
+                      <a:endParaRPr lang="ko-KR" altLang="en-US" sz="1100"/>
+                    </a:p>
+                  </a:txBody>
+                  <a:tcPr/>
+                </a:tc>
+                <a:tc>
+                  <a:txBody>
+                    <a:bodyPr/>
+                    <a:lstStyle/>
+                    <a:p>
+                      <a:pPr latinLnBrk="1"/>
+                      <a:r>
+                        <a:rPr lang="en-US" altLang="ko-KR" sz="1100"/>
+                        <a:t>bool</a:t>
+                      </a:r>
+                      <a:endParaRPr lang="ko-KR" altLang="en-US" sz="1100"/>
+                    </a:p>
+                  </a:txBody>
+                  <a:tcPr/>
+                </a:tc>
+                <a:tc>
+                  <a:txBody>
+                    <a:bodyPr/>
+                    <a:lstStyle/>
+                    <a:p>
+                      <a:pPr latinLnBrk="1"/>
+                      <a:endParaRPr lang="ko-KR" altLang="en-US" sz="1100"/>
+                    </a:p>
+                  </a:txBody>
+                  <a:tcPr/>
+                </a:tc>
+                <a:tc>
+                  <a:txBody>
+                    <a:bodyPr/>
+                    <a:lstStyle/>
+                    <a:p>
+                      <a:pPr latinLnBrk="1"/>
+                      <a:r>
+                        <a:rPr lang="en-US" altLang="ko-KR" sz="1100"/>
+                        <a:t>%QX0.1.27</a:t>
+                      </a:r>
+                      <a:endParaRPr lang="ko-KR" altLang="en-US" sz="1100"/>
+                    </a:p>
+                  </a:txBody>
+                  <a:tcPr/>
+                </a:tc>
+                <a:tc>
+                  <a:txBody>
+                    <a:bodyPr/>
+                    <a:lstStyle/>
+                    <a:p>
+                      <a:pPr latinLnBrk="1"/>
+                      <a:endParaRPr lang="ko-KR" altLang="en-US" sz="1100"/>
+                    </a:p>
+                  </a:txBody>
+                  <a:tcPr/>
+                </a:tc>
+                <a:tc>
+                  <a:txBody>
+                    <a:bodyPr/>
+                    <a:lstStyle/>
+                    <a:p>
+                      <a:pPr latinLnBrk="1"/>
+                      <a:endParaRPr lang="ko-KR" altLang="en-US" sz="1100"/>
+                    </a:p>
+                  </a:txBody>
+                  <a:tcPr/>
+                </a:tc>
+                <a:extLst>
+                  <a:ext uri="{0D108BD9-81ED-4DB2-BD59-A6C34878D82A}">
+                    <a16:rowId xmlns:a16="http://schemas.microsoft.com/office/drawing/2014/main" val="3194479050"/>
+                  </a:ext>
+                </a:extLst>
+              </a:tr>
+              <a:tr h="138814">
+                <a:tc>
+                  <a:txBody>
+                    <a:bodyPr/>
+                    <a:lstStyle/>
+                    <a:p>
+                      <a:pPr latinLnBrk="1"/>
+                      <a:r>
+                        <a:rPr lang="ko-KR" altLang="en-US" sz="1100"/>
+                        <a:t>수동램프</a:t>
+                      </a:r>
+                    </a:p>
+                  </a:txBody>
+                  <a:tcPr/>
+                </a:tc>
+                <a:tc>
+                  <a:txBody>
+                    <a:bodyPr/>
+                    <a:lstStyle/>
+                    <a:p>
+                      <a:pPr latinLnBrk="1"/>
+                      <a:r>
+                        <a:rPr lang="en-US" altLang="ko-KR" sz="1100"/>
+                        <a:t>manualLamp</a:t>
+                      </a:r>
+                      <a:endParaRPr lang="ko-KR" altLang="en-US" sz="1100"/>
+                    </a:p>
+                  </a:txBody>
+                  <a:tcPr/>
+                </a:tc>
+                <a:tc>
+                  <a:txBody>
+                    <a:bodyPr/>
+                    <a:lstStyle/>
+                    <a:p>
+                      <a:pPr latinLnBrk="1"/>
+                      <a:r>
+                        <a:rPr lang="en-US" altLang="ko-KR" sz="1100"/>
+                        <a:t>bool</a:t>
+                      </a:r>
+                      <a:endParaRPr lang="ko-KR" altLang="en-US" sz="1100"/>
+                    </a:p>
+                  </a:txBody>
+                  <a:tcPr/>
+                </a:tc>
+                <a:tc>
+                  <a:txBody>
+                    <a:bodyPr/>
+                    <a:lstStyle/>
+                    <a:p>
+                      <a:pPr latinLnBrk="1"/>
+                      <a:endParaRPr lang="ko-KR" altLang="en-US" sz="1100"/>
+                    </a:p>
+                  </a:txBody>
+                  <a:tcPr/>
+                </a:tc>
+                <a:tc>
+                  <a:txBody>
+                    <a:bodyPr/>
+                    <a:lstStyle/>
+                    <a:p>
+                      <a:pPr latinLnBrk="1"/>
+                      <a:r>
+                        <a:rPr lang="en-US" altLang="ko-KR" sz="1100"/>
+                        <a:t>%QX0.1.28</a:t>
+                      </a:r>
+                      <a:endParaRPr lang="ko-KR" altLang="en-US" sz="1100"/>
+                    </a:p>
+                  </a:txBody>
+                  <a:tcPr/>
+                </a:tc>
+                <a:tc>
+                  <a:txBody>
+                    <a:bodyPr/>
+                    <a:lstStyle/>
+                    <a:p>
+                      <a:pPr latinLnBrk="1"/>
+                      <a:endParaRPr lang="ko-KR" altLang="en-US" sz="1100"/>
+                    </a:p>
+                  </a:txBody>
+                  <a:tcPr/>
+                </a:tc>
+                <a:tc>
+                  <a:txBody>
+                    <a:bodyPr/>
+                    <a:lstStyle/>
+                    <a:p>
+                      <a:pPr latinLnBrk="1"/>
+                      <a:endParaRPr lang="ko-KR" altLang="en-US" sz="1100"/>
+                    </a:p>
+                  </a:txBody>
+                  <a:tcPr/>
+                </a:tc>
+                <a:extLst>
+                  <a:ext uri="{0D108BD9-81ED-4DB2-BD59-A6C34878D82A}">
+                    <a16:rowId xmlns:a16="http://schemas.microsoft.com/office/drawing/2014/main" val="555306716"/>
+                  </a:ext>
+                </a:extLst>
+              </a:tr>
+              <a:tr h="138814">
+                <a:tc>
+                  <a:txBody>
+                    <a:bodyPr/>
+                    <a:lstStyle/>
+                    <a:p>
+                      <a:pPr latinLnBrk="1"/>
+                      <a:r>
+                        <a:rPr lang="ko-KR" altLang="en-US" sz="1100"/>
+                        <a:t>시운전램프</a:t>
+                      </a:r>
+                    </a:p>
+                  </a:txBody>
+                  <a:tcPr/>
+                </a:tc>
+                <a:tc>
+                  <a:txBody>
+                    <a:bodyPr/>
+                    <a:lstStyle/>
+                    <a:p>
+                      <a:pPr latinLnBrk="1"/>
+                      <a:r>
+                        <a:rPr lang="en-US" altLang="ko-KR" sz="1100"/>
+                        <a:t>testrunLamp</a:t>
+                      </a:r>
+                      <a:endParaRPr lang="ko-KR" altLang="en-US" sz="1100"/>
+                    </a:p>
+                  </a:txBody>
+                  <a:tcPr/>
+                </a:tc>
+                <a:tc>
+                  <a:txBody>
+                    <a:bodyPr/>
+                    <a:lstStyle/>
+                    <a:p>
+                      <a:pPr latinLnBrk="1"/>
+                      <a:r>
+                        <a:rPr lang="en-US" altLang="ko-KR" sz="1100"/>
+                        <a:t>bool</a:t>
+                      </a:r>
+                      <a:endParaRPr lang="ko-KR" altLang="en-US" sz="1100"/>
+                    </a:p>
+                  </a:txBody>
+                  <a:tcPr/>
+                </a:tc>
+                <a:tc>
+                  <a:txBody>
+                    <a:bodyPr/>
+                    <a:lstStyle/>
+                    <a:p>
+                      <a:pPr latinLnBrk="1"/>
+                      <a:endParaRPr lang="ko-KR" altLang="en-US" sz="1100"/>
+                    </a:p>
+                  </a:txBody>
+                  <a:tcPr/>
+                </a:tc>
+                <a:tc>
+                  <a:txBody>
+                    <a:bodyPr/>
+                    <a:lstStyle/>
+                    <a:p>
+                      <a:pPr latinLnBrk="1"/>
+                      <a:r>
+                        <a:rPr lang="en-US" altLang="ko-KR" sz="1100"/>
+                        <a:t>%QX0.1.29</a:t>
+                      </a:r>
+                      <a:endParaRPr lang="ko-KR" altLang="en-US" sz="1100"/>
+                    </a:p>
+                  </a:txBody>
+                  <a:tcPr/>
+                </a:tc>
+                <a:tc>
+                  <a:txBody>
+                    <a:bodyPr/>
+                    <a:lstStyle/>
+                    <a:p>
+                      <a:pPr latinLnBrk="1"/>
+                      <a:endParaRPr lang="ko-KR" altLang="en-US" sz="1100"/>
+                    </a:p>
+                  </a:txBody>
+                  <a:tcPr/>
+                </a:tc>
+                <a:tc>
+                  <a:txBody>
+                    <a:bodyPr/>
+                    <a:lstStyle/>
+                    <a:p>
+                      <a:pPr latinLnBrk="1"/>
+                      <a:endParaRPr lang="ko-KR" altLang="en-US" sz="1100"/>
+                    </a:p>
+                  </a:txBody>
+                  <a:tcPr/>
+                </a:tc>
+                <a:extLst>
+                  <a:ext uri="{0D108BD9-81ED-4DB2-BD59-A6C34878D82A}">
+                    <a16:rowId xmlns:a16="http://schemas.microsoft.com/office/drawing/2014/main" val="2398931908"/>
+                  </a:ext>
+                </a:extLst>
+              </a:tr>
+              <a:tr h="138814">
+                <a:tc>
+                  <a:txBody>
+                    <a:bodyPr/>
+                    <a:lstStyle/>
+                    <a:p>
+                      <a:pPr latinLnBrk="1"/>
+                      <a:r>
+                        <a:rPr lang="ko-KR" altLang="en-US" sz="1100"/>
+                        <a:t>정지램프</a:t>
+                      </a:r>
+                    </a:p>
+                  </a:txBody>
+                  <a:tcPr/>
+                </a:tc>
+                <a:tc>
+                  <a:txBody>
+                    <a:bodyPr/>
+                    <a:lstStyle/>
+                    <a:p>
+                      <a:pPr latinLnBrk="1"/>
+                      <a:r>
+                        <a:rPr lang="en-US" altLang="ko-KR" sz="1100"/>
+                        <a:t>stopLamp</a:t>
+                      </a:r>
+                      <a:endParaRPr lang="ko-KR" altLang="en-US" sz="1100"/>
+                    </a:p>
+                  </a:txBody>
+                  <a:tcPr/>
+                </a:tc>
+                <a:tc>
+                  <a:txBody>
+                    <a:bodyPr/>
+                    <a:lstStyle/>
+                    <a:p>
+                      <a:pPr latinLnBrk="1"/>
+                      <a:r>
+                        <a:rPr lang="en-US" altLang="ko-KR" sz="1100"/>
+                        <a:t>bool</a:t>
+                      </a:r>
+                      <a:endParaRPr lang="ko-KR" altLang="en-US" sz="1100"/>
+                    </a:p>
+                  </a:txBody>
+                  <a:tcPr/>
+                </a:tc>
+                <a:tc>
+                  <a:txBody>
+                    <a:bodyPr/>
+                    <a:lstStyle/>
+                    <a:p>
+                      <a:pPr latinLnBrk="1"/>
+                      <a:endParaRPr lang="ko-KR" altLang="en-US" sz="1100"/>
+                    </a:p>
+                  </a:txBody>
+                  <a:tcPr/>
+                </a:tc>
+                <a:tc>
+                  <a:txBody>
+                    <a:bodyPr/>
+                    <a:lstStyle/>
+                    <a:p>
+                      <a:pPr latinLnBrk="1"/>
+                      <a:r>
+                        <a:rPr lang="en-US" altLang="ko-KR" sz="1100"/>
+                        <a:t>%QX0.1.30</a:t>
+                      </a:r>
+                      <a:endParaRPr lang="ko-KR" altLang="en-US" sz="1100"/>
+                    </a:p>
+                  </a:txBody>
+                  <a:tcPr/>
+                </a:tc>
+                <a:tc>
+                  <a:txBody>
+                    <a:bodyPr/>
+                    <a:lstStyle/>
+                    <a:p>
+                      <a:pPr latinLnBrk="1"/>
+                      <a:endParaRPr lang="ko-KR" altLang="en-US" sz="1100"/>
+                    </a:p>
+                  </a:txBody>
+                  <a:tcPr/>
+                </a:tc>
+                <a:tc>
+                  <a:txBody>
+                    <a:bodyPr/>
+                    <a:lstStyle/>
+                    <a:p>
+                      <a:pPr latinLnBrk="1"/>
+                      <a:endParaRPr lang="ko-KR" altLang="en-US" sz="1100"/>
+                    </a:p>
+                  </a:txBody>
+                  <a:tcPr/>
+                </a:tc>
+                <a:extLst>
+                  <a:ext uri="{0D108BD9-81ED-4DB2-BD59-A6C34878D82A}">
+                    <a16:rowId xmlns:a16="http://schemas.microsoft.com/office/drawing/2014/main" val="2205839795"/>
+                  </a:ext>
+                </a:extLst>
+              </a:tr>
+              <a:tr h="138814">
+                <a:tc>
+                  <a:txBody>
+                    <a:bodyPr/>
+                    <a:lstStyle/>
+                    <a:p>
+                      <a:pPr latinLnBrk="1"/>
+                      <a:r>
+                        <a:rPr lang="ko-KR" altLang="en-US" sz="1100"/>
+                        <a:t>준비램프</a:t>
+                      </a:r>
+                    </a:p>
+                  </a:txBody>
+                  <a:tcPr/>
+                </a:tc>
+                <a:tc>
+                  <a:txBody>
+                    <a:bodyPr/>
+                    <a:lstStyle/>
+                    <a:p>
+                      <a:pPr latinLnBrk="1"/>
+                      <a:r>
+                        <a:rPr lang="en-US" altLang="ko-KR" sz="1100"/>
+                        <a:t>readyLamp</a:t>
+                      </a:r>
+                      <a:endParaRPr lang="ko-KR" altLang="en-US" sz="1100"/>
+                    </a:p>
+                  </a:txBody>
+                  <a:tcPr/>
+                </a:tc>
+                <a:tc>
+                  <a:txBody>
+                    <a:bodyPr/>
+                    <a:lstStyle/>
+                    <a:p>
+                      <a:pPr latinLnBrk="1"/>
+                      <a:r>
+                        <a:rPr lang="en-US" altLang="ko-KR" sz="1100"/>
+                        <a:t>bool</a:t>
+                      </a:r>
+                      <a:endParaRPr lang="ko-KR" altLang="en-US" sz="1100"/>
+                    </a:p>
+                  </a:txBody>
+                  <a:tcPr/>
+                </a:tc>
+                <a:tc>
+                  <a:txBody>
+                    <a:bodyPr/>
+                    <a:lstStyle/>
+                    <a:p>
+                      <a:pPr latinLnBrk="1"/>
+                      <a:endParaRPr lang="ko-KR" altLang="en-US" sz="1100"/>
+                    </a:p>
+                  </a:txBody>
+                  <a:tcPr/>
+                </a:tc>
+                <a:tc>
+                  <a:txBody>
+                    <a:bodyPr/>
+                    <a:lstStyle/>
+                    <a:p>
+                      <a:pPr latinLnBrk="1"/>
+                      <a:r>
+                        <a:rPr lang="en-US" altLang="ko-KR" sz="1100"/>
+                        <a:t>%QX0.1.31</a:t>
+                      </a:r>
+                      <a:endParaRPr lang="ko-KR" altLang="en-US" sz="1100"/>
+                    </a:p>
+                  </a:txBody>
+                  <a:tcPr/>
+                </a:tc>
+                <a:tc>
+                  <a:txBody>
+                    <a:bodyPr/>
+                    <a:lstStyle/>
+                    <a:p>
+                      <a:pPr latinLnBrk="1"/>
+                      <a:endParaRPr lang="ko-KR" altLang="en-US" sz="1100"/>
+                    </a:p>
+                  </a:txBody>
+                  <a:tcPr/>
+                </a:tc>
+                <a:tc>
+                  <a:txBody>
+                    <a:bodyPr/>
+                    <a:lstStyle/>
+                    <a:p>
+                      <a:pPr latinLnBrk="1"/>
+                      <a:endParaRPr lang="ko-KR" altLang="en-US" sz="1100"/>
+                    </a:p>
+                  </a:txBody>
+                  <a:tcPr/>
+                </a:tc>
+                <a:extLst>
+                  <a:ext uri="{0D108BD9-81ED-4DB2-BD59-A6C34878D82A}">
+                    <a16:rowId xmlns:a16="http://schemas.microsoft.com/office/drawing/2014/main" val="761613937"/>
+                  </a:ext>
+                </a:extLst>
+              </a:tr>
+              <a:tr h="138814">
+                <a:tc>
+                  <a:txBody>
+                    <a:bodyPr/>
+                    <a:lstStyle/>
+                    <a:p>
+                      <a:pPr latinLnBrk="1"/>
+                      <a:r>
+                        <a:rPr lang="ko-KR" altLang="en-US" sz="1100"/>
+                        <a:t>대기램프</a:t>
+                      </a:r>
+                    </a:p>
+                  </a:txBody>
+                  <a:tcPr/>
+                </a:tc>
+                <a:tc>
+                  <a:txBody>
+                    <a:bodyPr/>
+                    <a:lstStyle/>
+                    <a:p>
+                      <a:pPr latinLnBrk="1"/>
+                      <a:r>
+                        <a:rPr lang="en-US" altLang="ko-KR" sz="1100"/>
+                        <a:t>idleLamp</a:t>
+                      </a:r>
+                      <a:endParaRPr lang="ko-KR" altLang="en-US" sz="1100"/>
+                    </a:p>
+                  </a:txBody>
+                  <a:tcPr/>
+                </a:tc>
+                <a:tc>
+                  <a:txBody>
+                    <a:bodyPr/>
+                    <a:lstStyle/>
+                    <a:p>
+                      <a:pPr latinLnBrk="1"/>
+                      <a:r>
+                        <a:rPr lang="en-US" altLang="ko-KR" sz="1100"/>
+                        <a:t>bool</a:t>
+                      </a:r>
+                      <a:endParaRPr lang="ko-KR" altLang="en-US" sz="1100"/>
+                    </a:p>
+                  </a:txBody>
+                  <a:tcPr/>
+                </a:tc>
+                <a:tc>
+                  <a:txBody>
+                    <a:bodyPr/>
+                    <a:lstStyle/>
+                    <a:p>
+                      <a:pPr latinLnBrk="1"/>
+                      <a:endParaRPr lang="ko-KR" altLang="en-US" sz="1100"/>
+                    </a:p>
+                  </a:txBody>
+                  <a:tcPr/>
+                </a:tc>
+                <a:tc>
+                  <a:txBody>
+                    <a:bodyPr/>
+                    <a:lstStyle/>
+                    <a:p>
+                      <a:pPr latinLnBrk="1"/>
+                      <a:r>
+                        <a:rPr lang="en-US" altLang="ko-KR" sz="1100"/>
+                        <a:t>%QX0.1.32</a:t>
+                      </a:r>
+                      <a:endParaRPr lang="ko-KR" altLang="en-US" sz="1100"/>
+                    </a:p>
+                  </a:txBody>
+                  <a:tcPr/>
+                </a:tc>
+                <a:tc>
+                  <a:txBody>
+                    <a:bodyPr/>
+                    <a:lstStyle/>
+                    <a:p>
+                      <a:pPr latinLnBrk="1"/>
+                      <a:endParaRPr lang="ko-KR" altLang="en-US" sz="1100"/>
+                    </a:p>
+                  </a:txBody>
+                  <a:tcPr/>
+                </a:tc>
+                <a:tc>
+                  <a:txBody>
+                    <a:bodyPr/>
+                    <a:lstStyle/>
+                    <a:p>
+                      <a:pPr latinLnBrk="1"/>
+                      <a:endParaRPr lang="ko-KR" altLang="en-US" sz="1100"/>
+                    </a:p>
+                  </a:txBody>
+                  <a:tcPr/>
+                </a:tc>
+                <a:extLst>
+                  <a:ext uri="{0D108BD9-81ED-4DB2-BD59-A6C34878D82A}">
+                    <a16:rowId xmlns:a16="http://schemas.microsoft.com/office/drawing/2014/main" val="1356383543"/>
+                  </a:ext>
+                </a:extLst>
+              </a:tr>
+              <a:tr h="138814">
+                <a:tc>
+                  <a:txBody>
+                    <a:bodyPr/>
+                    <a:lstStyle/>
+                    <a:p>
+                      <a:pPr latinLnBrk="1"/>
+                      <a:r>
+                        <a:rPr lang="ko-KR" altLang="en-US" sz="1100"/>
+                        <a:t>비상램프</a:t>
+                      </a:r>
+                    </a:p>
+                  </a:txBody>
+                  <a:tcPr/>
+                </a:tc>
+                <a:tc>
+                  <a:txBody>
+                    <a:bodyPr/>
+                    <a:lstStyle/>
+                    <a:p>
+                      <a:pPr latinLnBrk="1"/>
+                      <a:r>
+                        <a:rPr lang="en-US" altLang="ko-KR" sz="1100"/>
+                        <a:t>emgLamp</a:t>
+                      </a:r>
+                      <a:endParaRPr lang="ko-KR" altLang="en-US" sz="1100"/>
+                    </a:p>
+                  </a:txBody>
+                  <a:tcPr/>
+                </a:tc>
+                <a:tc>
+                  <a:txBody>
+                    <a:bodyPr/>
+                    <a:lstStyle/>
+                    <a:p>
+                      <a:pPr latinLnBrk="1"/>
+                      <a:r>
+                        <a:rPr lang="en-US" altLang="ko-KR" sz="1100"/>
+                        <a:t>bool</a:t>
+                      </a:r>
+                      <a:endParaRPr lang="ko-KR" altLang="en-US" sz="1100"/>
+                    </a:p>
+                  </a:txBody>
+                  <a:tcPr/>
+                </a:tc>
+                <a:tc>
+                  <a:txBody>
+                    <a:bodyPr/>
+                    <a:lstStyle/>
+                    <a:p>
+                      <a:pPr latinLnBrk="1"/>
+                      <a:endParaRPr lang="ko-KR" altLang="en-US" sz="1100"/>
+                    </a:p>
+                  </a:txBody>
+                  <a:tcPr/>
+                </a:tc>
+                <a:tc>
+                  <a:txBody>
+                    <a:bodyPr/>
+                    <a:lstStyle/>
+                    <a:p>
+                      <a:pPr latinLnBrk="1"/>
+                      <a:r>
+                        <a:rPr lang="en-US" altLang="ko-KR" sz="1100"/>
+                        <a:t>%QX0.1.33</a:t>
+                      </a:r>
+                      <a:endParaRPr lang="ko-KR" altLang="en-US" sz="1100"/>
+                    </a:p>
+                  </a:txBody>
+                  <a:tcPr/>
+                </a:tc>
+                <a:tc>
+                  <a:txBody>
+                    <a:bodyPr/>
+                    <a:lstStyle/>
+                    <a:p>
+                      <a:pPr latinLnBrk="1"/>
+                      <a:endParaRPr lang="ko-KR" altLang="en-US" sz="1100"/>
+                    </a:p>
+                  </a:txBody>
+                  <a:tcPr/>
+                </a:tc>
+                <a:tc>
+                  <a:txBody>
+                    <a:bodyPr/>
+                    <a:lstStyle/>
+                    <a:p>
+                      <a:pPr latinLnBrk="1"/>
+                      <a:endParaRPr lang="ko-KR" altLang="en-US" sz="1100"/>
+                    </a:p>
+                  </a:txBody>
+                  <a:tcPr/>
+                </a:tc>
+                <a:extLst>
+                  <a:ext uri="{0D108BD9-81ED-4DB2-BD59-A6C34878D82A}">
+                    <a16:rowId xmlns:a16="http://schemas.microsoft.com/office/drawing/2014/main" val="1426315911"/>
+                  </a:ext>
+                </a:extLst>
+              </a:tr>
+              <a:tr h="138814">
+                <a:tc>
+                  <a:txBody>
+                    <a:bodyPr/>
+                    <a:lstStyle/>
+                    <a:p>
+                      <a:pPr latinLnBrk="1"/>
+                      <a:endParaRPr lang="ko-KR" altLang="en-US" sz="1100"/>
+                    </a:p>
+                  </a:txBody>
+                  <a:tcPr/>
+                </a:tc>
+                <a:tc>
+                  <a:txBody>
+                    <a:bodyPr/>
+                    <a:lstStyle/>
+                    <a:p>
+                      <a:pPr latinLnBrk="1"/>
+                      <a:endParaRPr lang="ko-KR" altLang="en-US" sz="1100"/>
+                    </a:p>
+                  </a:txBody>
+                  <a:tcPr/>
+                </a:tc>
+                <a:tc>
+                  <a:txBody>
+                    <a:bodyPr/>
+                    <a:lstStyle/>
+                    <a:p>
+                      <a:pPr latinLnBrk="1"/>
+                      <a:endParaRPr lang="ko-KR" altLang="en-US" sz="1100"/>
+                    </a:p>
+                  </a:txBody>
+                  <a:tcPr/>
+                </a:tc>
+                <a:tc>
+                  <a:txBody>
+                    <a:bodyPr/>
+                    <a:lstStyle/>
+                    <a:p>
+                      <a:pPr latinLnBrk="1"/>
+                      <a:endParaRPr lang="ko-KR" altLang="en-US" sz="1100"/>
+                    </a:p>
+                  </a:txBody>
+                  <a:tcPr/>
+                </a:tc>
+                <a:tc>
+                  <a:txBody>
+                    <a:bodyPr/>
+                    <a:lstStyle/>
+                    <a:p>
+                      <a:pPr latinLnBrk="1"/>
+                      <a:endParaRPr lang="ko-KR" altLang="en-US" sz="1100"/>
+                    </a:p>
+                  </a:txBody>
+                  <a:tcPr/>
+                </a:tc>
+                <a:tc>
+                  <a:txBody>
+                    <a:bodyPr/>
+                    <a:lstStyle/>
+                    <a:p>
+                      <a:pPr latinLnBrk="1"/>
+                      <a:endParaRPr lang="ko-KR" altLang="en-US" sz="1100"/>
+                    </a:p>
+                  </a:txBody>
+                  <a:tcPr/>
+                </a:tc>
+                <a:tc>
+                  <a:txBody>
+                    <a:bodyPr/>
+                    <a:lstStyle/>
+                    <a:p>
+                      <a:pPr latinLnBrk="1"/>
+                      <a:endParaRPr lang="ko-KR" altLang="en-US" sz="1100"/>
+                    </a:p>
+                  </a:txBody>
+                  <a:tcPr/>
+                </a:tc>
+                <a:extLst>
+                  <a:ext uri="{0D108BD9-81ED-4DB2-BD59-A6C34878D82A}">
+                    <a16:rowId xmlns:a16="http://schemas.microsoft.com/office/drawing/2014/main" val="2818206697"/>
+                  </a:ext>
+                </a:extLst>
+              </a:tr>
+              <a:tr h="138814">
+                <a:tc>
+                  <a:txBody>
+                    <a:bodyPr/>
+                    <a:lstStyle/>
+                    <a:p>
+                      <a:pPr latinLnBrk="1"/>
+                      <a:endParaRPr lang="ko-KR" altLang="en-US" sz="1100"/>
+                    </a:p>
+                  </a:txBody>
+                  <a:tcPr/>
+                </a:tc>
+                <a:tc>
+                  <a:txBody>
+                    <a:bodyPr/>
+                    <a:lstStyle/>
+                    <a:p>
+                      <a:pPr latinLnBrk="1"/>
+                      <a:endParaRPr lang="ko-KR" altLang="en-US" sz="1100"/>
+                    </a:p>
+                  </a:txBody>
+                  <a:tcPr/>
+                </a:tc>
+                <a:tc>
+                  <a:txBody>
+                    <a:bodyPr/>
+                    <a:lstStyle/>
+                    <a:p>
+                      <a:pPr latinLnBrk="1"/>
+                      <a:endParaRPr lang="ko-KR" altLang="en-US" sz="1100"/>
+                    </a:p>
+                  </a:txBody>
+                  <a:tcPr/>
+                </a:tc>
+                <a:tc>
+                  <a:txBody>
+                    <a:bodyPr/>
+                    <a:lstStyle/>
+                    <a:p>
+                      <a:pPr latinLnBrk="1"/>
+                      <a:endParaRPr lang="ko-KR" altLang="en-US" sz="1100"/>
+                    </a:p>
+                  </a:txBody>
+                  <a:tcPr/>
+                </a:tc>
+                <a:tc>
+                  <a:txBody>
+                    <a:bodyPr/>
+                    <a:lstStyle/>
+                    <a:p>
+                      <a:pPr latinLnBrk="1"/>
+                      <a:endParaRPr lang="ko-KR" altLang="en-US" sz="1100"/>
+                    </a:p>
+                  </a:txBody>
+                  <a:tcPr/>
+                </a:tc>
+                <a:tc>
+                  <a:txBody>
+                    <a:bodyPr/>
+                    <a:lstStyle/>
+                    <a:p>
+                      <a:pPr latinLnBrk="1"/>
+                      <a:endParaRPr lang="ko-KR" altLang="en-US" sz="1100"/>
+                    </a:p>
+                  </a:txBody>
+                  <a:tcPr/>
+                </a:tc>
+                <a:tc>
+                  <a:txBody>
+                    <a:bodyPr/>
+                    <a:lstStyle/>
+                    <a:p>
+                      <a:pPr latinLnBrk="1"/>
+                      <a:endParaRPr lang="ko-KR" altLang="en-US" sz="1100"/>
+                    </a:p>
+                  </a:txBody>
+                  <a:tcPr/>
+                </a:tc>
+                <a:extLst>
+                  <a:ext uri="{0D108BD9-81ED-4DB2-BD59-A6C34878D82A}">
+                    <a16:rowId xmlns:a16="http://schemas.microsoft.com/office/drawing/2014/main" val="3014727132"/>
+                  </a:ext>
+                </a:extLst>
+              </a:tr>
+              <a:tr h="138814">
+                <a:tc>
+                  <a:txBody>
+                    <a:bodyPr/>
+                    <a:lstStyle/>
+                    <a:p>
+                      <a:pPr latinLnBrk="1"/>
+                      <a:r>
+                        <a:rPr lang="ko-KR" altLang="en-US" sz="1100"/>
+                        <a:t>내부변수</a:t>
+                      </a:r>
+                    </a:p>
+                  </a:txBody>
+                  <a:tcPr/>
+                </a:tc>
+                <a:tc>
+                  <a:txBody>
+                    <a:bodyPr/>
+                    <a:lstStyle/>
+                    <a:p>
+                      <a:pPr latinLnBrk="1"/>
+                      <a:endParaRPr lang="ko-KR" altLang="en-US" sz="1100"/>
+                    </a:p>
+                  </a:txBody>
+                  <a:tcPr/>
+                </a:tc>
+                <a:tc>
+                  <a:txBody>
+                    <a:bodyPr/>
+                    <a:lstStyle/>
+                    <a:p>
+                      <a:pPr latinLnBrk="1"/>
+                      <a:endParaRPr lang="ko-KR" altLang="en-US" sz="1100"/>
+                    </a:p>
+                  </a:txBody>
+                  <a:tcPr/>
+                </a:tc>
+                <a:tc>
+                  <a:txBody>
+                    <a:bodyPr/>
+                    <a:lstStyle/>
+                    <a:p>
+                      <a:pPr latinLnBrk="1"/>
+                      <a:endParaRPr lang="ko-KR" altLang="en-US" sz="1100"/>
+                    </a:p>
+                  </a:txBody>
+                  <a:tcPr/>
+                </a:tc>
+                <a:tc>
+                  <a:txBody>
+                    <a:bodyPr/>
+                    <a:lstStyle/>
+                    <a:p>
+                      <a:pPr latinLnBrk="1"/>
+                      <a:endParaRPr lang="ko-KR" altLang="en-US" sz="1100"/>
+                    </a:p>
+                  </a:txBody>
+                  <a:tcPr/>
+                </a:tc>
+                <a:tc>
+                  <a:txBody>
+                    <a:bodyPr/>
+                    <a:lstStyle/>
+                    <a:p>
+                      <a:pPr latinLnBrk="1"/>
+                      <a:endParaRPr lang="ko-KR" altLang="en-US" sz="1100"/>
+                    </a:p>
+                  </a:txBody>
+                  <a:tcPr/>
+                </a:tc>
+                <a:tc>
+                  <a:txBody>
+                    <a:bodyPr/>
+                    <a:lstStyle/>
+                    <a:p>
+                      <a:pPr latinLnBrk="1"/>
+                      <a:endParaRPr lang="ko-KR" altLang="en-US" sz="1100"/>
+                    </a:p>
+                  </a:txBody>
+                  <a:tcPr/>
+                </a:tc>
+                <a:extLst>
+                  <a:ext uri="{0D108BD9-81ED-4DB2-BD59-A6C34878D82A}">
+                    <a16:rowId xmlns:a16="http://schemas.microsoft.com/office/drawing/2014/main" val="266361049"/>
+                  </a:ext>
+                </a:extLst>
+              </a:tr>
+              <a:tr h="138814">
+                <a:tc>
+                  <a:txBody>
+                    <a:bodyPr/>
+                    <a:lstStyle/>
+                    <a:p>
+                      <a:pPr latinLnBrk="1"/>
+                      <a:endParaRPr lang="ko-KR" altLang="en-US" sz="1100"/>
+                    </a:p>
+                  </a:txBody>
+                  <a:tcPr/>
+                </a:tc>
+                <a:tc>
+                  <a:txBody>
+                    <a:bodyPr/>
+                    <a:lstStyle/>
+                    <a:p>
+                      <a:pPr latinLnBrk="1"/>
+                      <a:endParaRPr lang="ko-KR" altLang="en-US" sz="1100"/>
+                    </a:p>
+                  </a:txBody>
+                  <a:tcPr/>
+                </a:tc>
+                <a:tc>
+                  <a:txBody>
+                    <a:bodyPr/>
+                    <a:lstStyle/>
+                    <a:p>
+                      <a:pPr latinLnBrk="1"/>
+                      <a:endParaRPr lang="ko-KR" altLang="en-US" sz="1100"/>
+                    </a:p>
+                  </a:txBody>
+                  <a:tcPr/>
+                </a:tc>
+                <a:tc>
+                  <a:txBody>
+                    <a:bodyPr/>
+                    <a:lstStyle/>
+                    <a:p>
+                      <a:pPr latinLnBrk="1"/>
+                      <a:endParaRPr lang="ko-KR" altLang="en-US" sz="1100"/>
+                    </a:p>
+                  </a:txBody>
+                  <a:tcPr/>
+                </a:tc>
+                <a:tc>
+                  <a:txBody>
+                    <a:bodyPr/>
+                    <a:lstStyle/>
+                    <a:p>
+                      <a:pPr latinLnBrk="1"/>
+                      <a:endParaRPr lang="ko-KR" altLang="en-US" sz="1100"/>
+                    </a:p>
+                  </a:txBody>
+                  <a:tcPr/>
+                </a:tc>
+                <a:tc>
+                  <a:txBody>
+                    <a:bodyPr/>
+                    <a:lstStyle/>
+                    <a:p>
+                      <a:pPr latinLnBrk="1"/>
+                      <a:endParaRPr lang="ko-KR" altLang="en-US" sz="1100"/>
+                    </a:p>
+                  </a:txBody>
+                  <a:tcPr/>
+                </a:tc>
+                <a:tc>
+                  <a:txBody>
+                    <a:bodyPr/>
+                    <a:lstStyle/>
+                    <a:p>
+                      <a:pPr latinLnBrk="1"/>
+                      <a:endParaRPr lang="ko-KR" altLang="en-US" sz="1100" dirty="0"/>
+                    </a:p>
+                  </a:txBody>
+                  <a:tcPr/>
+                </a:tc>
+                <a:extLst>
+                  <a:ext uri="{0D108BD9-81ED-4DB2-BD59-A6C34878D82A}">
+                    <a16:rowId xmlns:a16="http://schemas.microsoft.com/office/drawing/2014/main" val="4142880173"/>
                   </a:ext>
                 </a:extLst>
               </a:tr>
@@ -9619,7 +11794,7 @@
     </p:spTree>
     <p:extLst>
       <p:ext uri="{BB962C8B-B14F-4D97-AF65-F5344CB8AC3E}">
-        <p14:creationId xmlns:p14="http://schemas.microsoft.com/office/powerpoint/2010/main" val="501297352"/>
+        <p14:creationId xmlns:p14="http://schemas.microsoft.com/office/powerpoint/2010/main" val="400577736"/>
       </p:ext>
     </p:extLst>
   </p:cSld>

--- a/DsDotNet/src/UnitTest/UnitTest.Model/ImportOfficeExample/exportDS/testA/testMy/my.pptx
+++ b/DsDotNet/src/UnitTest/UnitTest.Model/ImportOfficeExample/exportDS/testA/testMy/my.pptx
@@ -11,7 +11,6 @@
     <p:sldId id="263" r:id="rId5"/>
     <p:sldId id="259" r:id="rId6"/>
     <p:sldId id="261" r:id="rId7"/>
-    <p:sldId id="264" r:id="rId8"/>
   </p:sldIdLst>
   <p:sldSz cx="12192000" cy="6858000"/>
   <p:notesSz cx="6858000" cy="9144000"/>
@@ -265,7 +264,7 @@
           <a:p>
             <a:fld id="{E31A602F-9409-4B9A-9D14-798E704D8577}" type="datetimeFigureOut">
               <a:rPr lang="ko-KR" altLang="en-US" smtClean="0"/>
-              <a:t>2023-11-17</a:t>
+              <a:t>2023-11-20</a:t>
             </a:fld>
             <a:endParaRPr lang="ko-KR" altLang="en-US"/>
           </a:p>
@@ -463,7 +462,7 @@
           <a:p>
             <a:fld id="{E31A602F-9409-4B9A-9D14-798E704D8577}" type="datetimeFigureOut">
               <a:rPr lang="ko-KR" altLang="en-US" smtClean="0"/>
-              <a:t>2023-11-17</a:t>
+              <a:t>2023-11-20</a:t>
             </a:fld>
             <a:endParaRPr lang="ko-KR" altLang="en-US"/>
           </a:p>
@@ -671,7 +670,7 @@
           <a:p>
             <a:fld id="{E31A602F-9409-4B9A-9D14-798E704D8577}" type="datetimeFigureOut">
               <a:rPr lang="ko-KR" altLang="en-US" smtClean="0"/>
-              <a:t>2023-11-17</a:t>
+              <a:t>2023-11-20</a:t>
             </a:fld>
             <a:endParaRPr lang="ko-KR" altLang="en-US"/>
           </a:p>
@@ -869,7 +868,7 @@
           <a:p>
             <a:fld id="{E31A602F-9409-4B9A-9D14-798E704D8577}" type="datetimeFigureOut">
               <a:rPr lang="ko-KR" altLang="en-US" smtClean="0"/>
-              <a:t>2023-11-17</a:t>
+              <a:t>2023-11-20</a:t>
             </a:fld>
             <a:endParaRPr lang="ko-KR" altLang="en-US"/>
           </a:p>
@@ -1144,7 +1143,7 @@
           <a:p>
             <a:fld id="{E31A602F-9409-4B9A-9D14-798E704D8577}" type="datetimeFigureOut">
               <a:rPr lang="ko-KR" altLang="en-US" smtClean="0"/>
-              <a:t>2023-11-17</a:t>
+              <a:t>2023-11-20</a:t>
             </a:fld>
             <a:endParaRPr lang="ko-KR" altLang="en-US"/>
           </a:p>
@@ -1409,7 +1408,7 @@
           <a:p>
             <a:fld id="{E31A602F-9409-4B9A-9D14-798E704D8577}" type="datetimeFigureOut">
               <a:rPr lang="ko-KR" altLang="en-US" smtClean="0"/>
-              <a:t>2023-11-17</a:t>
+              <a:t>2023-11-20</a:t>
             </a:fld>
             <a:endParaRPr lang="ko-KR" altLang="en-US"/>
           </a:p>
@@ -1821,7 +1820,7 @@
           <a:p>
             <a:fld id="{E31A602F-9409-4B9A-9D14-798E704D8577}" type="datetimeFigureOut">
               <a:rPr lang="ko-KR" altLang="en-US" smtClean="0"/>
-              <a:t>2023-11-17</a:t>
+              <a:t>2023-11-20</a:t>
             </a:fld>
             <a:endParaRPr lang="ko-KR" altLang="en-US"/>
           </a:p>
@@ -1962,7 +1961,7 @@
           <a:p>
             <a:fld id="{E31A602F-9409-4B9A-9D14-798E704D8577}" type="datetimeFigureOut">
               <a:rPr lang="ko-KR" altLang="en-US" smtClean="0"/>
-              <a:t>2023-11-17</a:t>
+              <a:t>2023-11-20</a:t>
             </a:fld>
             <a:endParaRPr lang="ko-KR" altLang="en-US"/>
           </a:p>
@@ -2075,7 +2074,7 @@
           <a:p>
             <a:fld id="{E31A602F-9409-4B9A-9D14-798E704D8577}" type="datetimeFigureOut">
               <a:rPr lang="ko-KR" altLang="en-US" smtClean="0"/>
-              <a:t>2023-11-17</a:t>
+              <a:t>2023-11-20</a:t>
             </a:fld>
             <a:endParaRPr lang="ko-KR" altLang="en-US"/>
           </a:p>
@@ -2386,7 +2385,7 @@
           <a:p>
             <a:fld id="{E31A602F-9409-4B9A-9D14-798E704D8577}" type="datetimeFigureOut">
               <a:rPr lang="ko-KR" altLang="en-US" smtClean="0"/>
-              <a:t>2023-11-17</a:t>
+              <a:t>2023-11-20</a:t>
             </a:fld>
             <a:endParaRPr lang="ko-KR" altLang="en-US"/>
           </a:p>
@@ -2674,7 +2673,7 @@
           <a:p>
             <a:fld id="{E31A602F-9409-4B9A-9D14-798E704D8577}" type="datetimeFigureOut">
               <a:rPr lang="ko-KR" altLang="en-US" smtClean="0"/>
-              <a:t>2023-11-17</a:t>
+              <a:t>2023-11-20</a:t>
             </a:fld>
             <a:endParaRPr lang="ko-KR" altLang="en-US"/>
           </a:p>
@@ -2915,7 +2914,7 @@
           <a:p>
             <a:fld id="{E31A602F-9409-4B9A-9D14-798E704D8577}" type="datetimeFigureOut">
               <a:rPr lang="ko-KR" altLang="en-US" smtClean="0"/>
-              <a:t>2023-11-17</a:t>
+              <a:t>2023-11-20</a:t>
             </a:fld>
             <a:endParaRPr lang="ko-KR" altLang="en-US"/>
           </a:p>
@@ -7315,4495 +7314,6 @@
 </p:sld>
 </file>
 
-<file path=ppt/slides/slide7.xml><?xml version="1.0" encoding="utf-8"?>
-<p:sld xmlns:a="http://schemas.openxmlformats.org/drawingml/2006/main" xmlns:r="http://schemas.openxmlformats.org/officeDocument/2006/relationships" xmlns:p="http://schemas.openxmlformats.org/presentationml/2006/main">
-  <p:cSld>
-    <p:bg>
-      <p:bgPr>
-        <a:solidFill>
-          <a:srgbClr val="FFFFFF"/>
-        </a:solidFill>
-        <a:effectLst/>
-      </p:bgPr>
-    </p:bg>
-    <p:spTree>
-      <p:nvGrpSpPr>
-        <p:cNvPr id="1" name=""/>
-        <p:cNvGrpSpPr/>
-        <p:nvPr/>
-      </p:nvGrpSpPr>
-      <p:grpSpPr>
-        <a:xfrm>
-          <a:off x="0" y="0"/>
-          <a:ext cx="0" cy="0"/>
-          <a:chOff x="0" y="0"/>
-          <a:chExt cx="0" cy="0"/>
-        </a:xfrm>
-      </p:grpSpPr>
-      <p:sp>
-        <p:nvSpPr>
-          <p:cNvPr id="2" name="TextBox 1">
-            <a:extLst>
-              <a:ext uri="{FF2B5EF4-FFF2-40B4-BE49-F238E27FC236}">
-                <a16:creationId xmlns:a16="http://schemas.microsoft.com/office/drawing/2014/main" id="{5D81B133-158A-D4F7-EB04-221C00289E33}"/>
-              </a:ext>
-            </a:extLst>
-          </p:cNvPr>
-          <p:cNvSpPr txBox="1"/>
-          <p:nvPr/>
-        </p:nvSpPr>
-        <p:spPr>
-          <a:xfrm>
-            <a:off x="254000" y="254000"/>
-            <a:ext cx="1270000" cy="381000"/>
-          </a:xfrm>
-          <a:prstGeom prst="rect">
-            <a:avLst/>
-          </a:prstGeom>
-          <a:noFill/>
-        </p:spPr>
-        <p:txBody>
-          <a:bodyPr vert="horz" rtlCol="0">
-            <a:spAutoFit/>
-          </a:bodyPr>
-          <a:lstStyle/>
-          <a:p>
-            <a:r>
-              <a:rPr lang="en-US" altLang="ko-KR"/>
-              <a:t>IO TABLE</a:t>
-            </a:r>
-            <a:endParaRPr lang="ko-KR" altLang="en-US"/>
-          </a:p>
-        </p:txBody>
-      </p:sp>
-      <p:graphicFrame>
-        <p:nvGraphicFramePr>
-          <p:cNvPr id="3" name="표 2">
-            <a:extLst>
-              <a:ext uri="{FF2B5EF4-FFF2-40B4-BE49-F238E27FC236}">
-                <a16:creationId xmlns:a16="http://schemas.microsoft.com/office/drawing/2014/main" id="{4303EC4C-3CF5-8F05-6B6B-0280B22C47A5}"/>
-              </a:ext>
-            </a:extLst>
-          </p:cNvPr>
-          <p:cNvGraphicFramePr>
-            <a:graphicFrameLocks noGrp="1"/>
-          </p:cNvGraphicFramePr>
-          <p:nvPr>
-            <p:extLst>
-              <p:ext uri="{D42A27DB-BD31-4B8C-83A1-F6EECF244321}">
-                <p14:modId xmlns:p14="http://schemas.microsoft.com/office/powerpoint/2010/main" val="4274237101"/>
-              </p:ext>
-            </p:extLst>
-          </p:nvPr>
-        </p:nvGraphicFramePr>
-        <p:xfrm>
-          <a:off x="254000" y="634999"/>
-          <a:ext cx="11684001" cy="11308080"/>
-        </p:xfrm>
-        <a:graphic>
-          <a:graphicData uri="http://schemas.openxmlformats.org/drawingml/2006/table">
-            <a:tbl>
-              <a:tblPr firstRow="1" bandRow="1">
-                <a:tableStyleId>{5C22544A-7EE6-4342-B048-85BDC9FD1C3A}</a:tableStyleId>
-              </a:tblPr>
-              <a:tblGrid>
-                <a:gridCol w="1669143">
-                  <a:extLst>
-                    <a:ext uri="{9D8B030D-6E8A-4147-A177-3AD203B41FA5}">
-                      <a16:colId xmlns:a16="http://schemas.microsoft.com/office/drawing/2014/main" val="2038811983"/>
-                    </a:ext>
-                  </a:extLst>
-                </a:gridCol>
-                <a:gridCol w="1669143">
-                  <a:extLst>
-                    <a:ext uri="{9D8B030D-6E8A-4147-A177-3AD203B41FA5}">
-                      <a16:colId xmlns:a16="http://schemas.microsoft.com/office/drawing/2014/main" val="2561100211"/>
-                    </a:ext>
-                  </a:extLst>
-                </a:gridCol>
-                <a:gridCol w="1669143">
-                  <a:extLst>
-                    <a:ext uri="{9D8B030D-6E8A-4147-A177-3AD203B41FA5}">
-                      <a16:colId xmlns:a16="http://schemas.microsoft.com/office/drawing/2014/main" val="3831195407"/>
-                    </a:ext>
-                  </a:extLst>
-                </a:gridCol>
-                <a:gridCol w="1669143">
-                  <a:extLst>
-                    <a:ext uri="{9D8B030D-6E8A-4147-A177-3AD203B41FA5}">
-                      <a16:colId xmlns:a16="http://schemas.microsoft.com/office/drawing/2014/main" val="2215095967"/>
-                    </a:ext>
-                  </a:extLst>
-                </a:gridCol>
-                <a:gridCol w="1669143">
-                  <a:extLst>
-                    <a:ext uri="{9D8B030D-6E8A-4147-A177-3AD203B41FA5}">
-                      <a16:colId xmlns:a16="http://schemas.microsoft.com/office/drawing/2014/main" val="1606623354"/>
-                    </a:ext>
-                  </a:extLst>
-                </a:gridCol>
-                <a:gridCol w="1669143">
-                  <a:extLst>
-                    <a:ext uri="{9D8B030D-6E8A-4147-A177-3AD203B41FA5}">
-                      <a16:colId xmlns:a16="http://schemas.microsoft.com/office/drawing/2014/main" val="245280265"/>
-                    </a:ext>
-                  </a:extLst>
-                </a:gridCol>
-                <a:gridCol w="1669143">
-                  <a:extLst>
-                    <a:ext uri="{9D8B030D-6E8A-4147-A177-3AD203B41FA5}">
-                      <a16:colId xmlns:a16="http://schemas.microsoft.com/office/drawing/2014/main" val="3009386370"/>
-                    </a:ext>
-                  </a:extLst>
-                </a:gridCol>
-              </a:tblGrid>
-              <a:tr h="138814">
-                <a:tc>
-                  <a:txBody>
-                    <a:bodyPr/>
-                    <a:lstStyle/>
-                    <a:p>
-                      <a:pPr latinLnBrk="1"/>
-                      <a:r>
-                        <a:rPr lang="en-US" altLang="ko-KR" sz="1100"/>
-                        <a:t>Case</a:t>
-                      </a:r>
-                      <a:endParaRPr lang="ko-KR" altLang="en-US" sz="1100"/>
-                    </a:p>
-                  </a:txBody>
-                  <a:tcPr/>
-                </a:tc>
-                <a:tc>
-                  <a:txBody>
-                    <a:bodyPr/>
-                    <a:lstStyle/>
-                    <a:p>
-                      <a:pPr latinLnBrk="1"/>
-                      <a:r>
-                        <a:rPr lang="en-US" altLang="ko-KR" sz="1100"/>
-                        <a:t>Name</a:t>
-                      </a:r>
-                      <a:endParaRPr lang="ko-KR" altLang="en-US" sz="1100"/>
-                    </a:p>
-                  </a:txBody>
-                  <a:tcPr/>
-                </a:tc>
-                <a:tc>
-                  <a:txBody>
-                    <a:bodyPr/>
-                    <a:lstStyle/>
-                    <a:p>
-                      <a:pPr latinLnBrk="1"/>
-                      <a:r>
-                        <a:rPr lang="en-US" altLang="ko-KR" sz="1100"/>
-                        <a:t>DataType</a:t>
-                      </a:r>
-                      <a:endParaRPr lang="ko-KR" altLang="en-US" sz="1100"/>
-                    </a:p>
-                  </a:txBody>
-                  <a:tcPr/>
-                </a:tc>
-                <a:tc>
-                  <a:txBody>
-                    <a:bodyPr/>
-                    <a:lstStyle/>
-                    <a:p>
-                      <a:pPr latinLnBrk="1"/>
-                      <a:r>
-                        <a:rPr lang="en-US" altLang="ko-KR" sz="1100"/>
-                        <a:t>Input</a:t>
-                      </a:r>
-                      <a:endParaRPr lang="ko-KR" altLang="en-US" sz="1100"/>
-                    </a:p>
-                  </a:txBody>
-                  <a:tcPr/>
-                </a:tc>
-                <a:tc>
-                  <a:txBody>
-                    <a:bodyPr/>
-                    <a:lstStyle/>
-                    <a:p>
-                      <a:pPr latinLnBrk="1"/>
-                      <a:r>
-                        <a:rPr lang="en-US" altLang="ko-KR" sz="1100"/>
-                        <a:t>Output</a:t>
-                      </a:r>
-                      <a:endParaRPr lang="ko-KR" altLang="en-US" sz="1100"/>
-                    </a:p>
-                  </a:txBody>
-                  <a:tcPr/>
-                </a:tc>
-                <a:tc>
-                  <a:txBody>
-                    <a:bodyPr/>
-                    <a:lstStyle/>
-                    <a:p>
-                      <a:pPr latinLnBrk="1"/>
-                      <a:r>
-                        <a:rPr lang="en-US" altLang="ko-KR" sz="1100"/>
-                        <a:t>Job</a:t>
-                      </a:r>
-                      <a:endParaRPr lang="ko-KR" altLang="en-US" sz="1100"/>
-                    </a:p>
-                  </a:txBody>
-                  <a:tcPr/>
-                </a:tc>
-                <a:tc>
-                  <a:txBody>
-                    <a:bodyPr/>
-                    <a:lstStyle/>
-                    <a:p>
-                      <a:pPr latinLnBrk="1"/>
-                      <a:r>
-                        <a:rPr lang="en-US" altLang="ko-KR" sz="1100"/>
-                        <a:t>Func</a:t>
-                      </a:r>
-                      <a:endParaRPr lang="ko-KR" altLang="en-US" sz="1100"/>
-                    </a:p>
-                  </a:txBody>
-                  <a:tcPr/>
-                </a:tc>
-                <a:extLst>
-                  <a:ext uri="{0D108BD9-81ED-4DB2-BD59-A6C34878D82A}">
-                    <a16:rowId xmlns:a16="http://schemas.microsoft.com/office/drawing/2014/main" val="812397399"/>
-                  </a:ext>
-                </a:extLst>
-              </a:tr>
-              <a:tr h="138814">
-                <a:tc>
-                  <a:txBody>
-                    <a:bodyPr/>
-                    <a:lstStyle/>
-                    <a:p>
-                      <a:pPr latinLnBrk="1"/>
-                      <a:r>
-                        <a:rPr lang="ko-KR" altLang="en-US" sz="1100"/>
-                        <a:t>외부주소</a:t>
-                      </a:r>
-                    </a:p>
-                  </a:txBody>
-                  <a:tcPr/>
-                </a:tc>
-                <a:tc>
-                  <a:txBody>
-                    <a:bodyPr/>
-                    <a:lstStyle/>
-                    <a:p>
-                      <a:pPr latinLnBrk="1"/>
-                      <a:r>
-                        <a:rPr lang="en-US" altLang="ko-KR" sz="1100"/>
-                        <a:t>STN01_Pin."+"</a:t>
-                      </a:r>
-                      <a:endParaRPr lang="ko-KR" altLang="en-US" sz="1100"/>
-                    </a:p>
-                  </a:txBody>
-                  <a:tcPr/>
-                </a:tc>
-                <a:tc>
-                  <a:txBody>
-                    <a:bodyPr/>
-                    <a:lstStyle/>
-                    <a:p>
-                      <a:pPr latinLnBrk="1"/>
-                      <a:r>
-                        <a:rPr lang="en-US" altLang="ko-KR" sz="1100"/>
-                        <a:t>bool</a:t>
-                      </a:r>
-                      <a:endParaRPr lang="ko-KR" altLang="en-US" sz="1100"/>
-                    </a:p>
-                  </a:txBody>
-                  <a:tcPr/>
-                </a:tc>
-                <a:tc>
-                  <a:txBody>
-                    <a:bodyPr/>
-                    <a:lstStyle/>
-                    <a:p>
-                      <a:pPr latinLnBrk="1"/>
-                      <a:r>
-                        <a:rPr lang="en-US" altLang="ko-KR" sz="1100"/>
-                        <a:t>%IX0.0.0</a:t>
-                      </a:r>
-                      <a:endParaRPr lang="ko-KR" altLang="en-US" sz="1100"/>
-                    </a:p>
-                  </a:txBody>
-                  <a:tcPr/>
-                </a:tc>
-                <a:tc>
-                  <a:txBody>
-                    <a:bodyPr/>
-                    <a:lstStyle/>
-                    <a:p>
-                      <a:pPr latinLnBrk="1"/>
-                      <a:r>
-                        <a:rPr lang="en-US" altLang="ko-KR" sz="1100"/>
-                        <a:t>%QX0.1.0</a:t>
-                      </a:r>
-                      <a:endParaRPr lang="ko-KR" altLang="en-US" sz="1100"/>
-                    </a:p>
-                  </a:txBody>
-                  <a:tcPr/>
-                </a:tc>
-                <a:tc>
-                  <a:txBody>
-                    <a:bodyPr/>
-                    <a:lstStyle/>
-                    <a:p>
-                      <a:pPr latinLnBrk="1"/>
-                      <a:r>
-                        <a:rPr lang="en-US" altLang="ko-KR" sz="1100"/>
-                        <a:t>STN01_Pin_+</a:t>
-                      </a:r>
-                      <a:endParaRPr lang="ko-KR" altLang="en-US" sz="1100"/>
-                    </a:p>
-                  </a:txBody>
-                  <a:tcPr/>
-                </a:tc>
-                <a:tc>
-                  <a:txBody>
-                    <a:bodyPr/>
-                    <a:lstStyle/>
-                    <a:p>
-                      <a:pPr latinLnBrk="1"/>
-                      <a:endParaRPr lang="ko-KR" altLang="en-US" sz="1100"/>
-                    </a:p>
-                  </a:txBody>
-                  <a:tcPr/>
-                </a:tc>
-                <a:extLst>
-                  <a:ext uri="{0D108BD9-81ED-4DB2-BD59-A6C34878D82A}">
-                    <a16:rowId xmlns:a16="http://schemas.microsoft.com/office/drawing/2014/main" val="4270558751"/>
-                  </a:ext>
-                </a:extLst>
-              </a:tr>
-              <a:tr h="138814">
-                <a:tc>
-                  <a:txBody>
-                    <a:bodyPr/>
-                    <a:lstStyle/>
-                    <a:p>
-                      <a:pPr latinLnBrk="1"/>
-                      <a:r>
-                        <a:rPr lang="ko-KR" altLang="en-US" sz="1100"/>
-                        <a:t>외부주소</a:t>
-                      </a:r>
-                    </a:p>
-                  </a:txBody>
-                  <a:tcPr/>
-                </a:tc>
-                <a:tc>
-                  <a:txBody>
-                    <a:bodyPr/>
-                    <a:lstStyle/>
-                    <a:p>
-                      <a:pPr latinLnBrk="1"/>
-                      <a:r>
-                        <a:rPr lang="en-US" altLang="ko-KR" sz="1100"/>
-                        <a:t>STN01_Pin."-"</a:t>
-                      </a:r>
-                      <a:endParaRPr lang="ko-KR" altLang="en-US" sz="1100"/>
-                    </a:p>
-                  </a:txBody>
-                  <a:tcPr/>
-                </a:tc>
-                <a:tc>
-                  <a:txBody>
-                    <a:bodyPr/>
-                    <a:lstStyle/>
-                    <a:p>
-                      <a:pPr latinLnBrk="1"/>
-                      <a:r>
-                        <a:rPr lang="en-US" altLang="ko-KR" sz="1100"/>
-                        <a:t>bool</a:t>
-                      </a:r>
-                      <a:endParaRPr lang="ko-KR" altLang="en-US" sz="1100"/>
-                    </a:p>
-                  </a:txBody>
-                  <a:tcPr/>
-                </a:tc>
-                <a:tc>
-                  <a:txBody>
-                    <a:bodyPr/>
-                    <a:lstStyle/>
-                    <a:p>
-                      <a:pPr latinLnBrk="1"/>
-                      <a:r>
-                        <a:rPr lang="en-US" altLang="ko-KR" sz="1100"/>
-                        <a:t>%IX0.0.1</a:t>
-                      </a:r>
-                      <a:endParaRPr lang="ko-KR" altLang="en-US" sz="1100"/>
-                    </a:p>
-                  </a:txBody>
-                  <a:tcPr/>
-                </a:tc>
-                <a:tc>
-                  <a:txBody>
-                    <a:bodyPr/>
-                    <a:lstStyle/>
-                    <a:p>
-                      <a:pPr latinLnBrk="1"/>
-                      <a:r>
-                        <a:rPr lang="en-US" altLang="ko-KR" sz="1100"/>
-                        <a:t>%QX0.1.1</a:t>
-                      </a:r>
-                      <a:endParaRPr lang="ko-KR" altLang="en-US" sz="1100"/>
-                    </a:p>
-                  </a:txBody>
-                  <a:tcPr/>
-                </a:tc>
-                <a:tc>
-                  <a:txBody>
-                    <a:bodyPr/>
-                    <a:lstStyle/>
-                    <a:p>
-                      <a:pPr latinLnBrk="1"/>
-                      <a:r>
-                        <a:rPr lang="en-US" altLang="ko-KR" sz="1100"/>
-                        <a:t>STN01_Pin_-</a:t>
-                      </a:r>
-                      <a:endParaRPr lang="ko-KR" altLang="en-US" sz="1100"/>
-                    </a:p>
-                  </a:txBody>
-                  <a:tcPr/>
-                </a:tc>
-                <a:tc>
-                  <a:txBody>
-                    <a:bodyPr/>
-                    <a:lstStyle/>
-                    <a:p>
-                      <a:pPr latinLnBrk="1"/>
-                      <a:endParaRPr lang="ko-KR" altLang="en-US" sz="1100"/>
-                    </a:p>
-                  </a:txBody>
-                  <a:tcPr/>
-                </a:tc>
-                <a:extLst>
-                  <a:ext uri="{0D108BD9-81ED-4DB2-BD59-A6C34878D82A}">
-                    <a16:rowId xmlns:a16="http://schemas.microsoft.com/office/drawing/2014/main" val="1906562655"/>
-                  </a:ext>
-                </a:extLst>
-              </a:tr>
-              <a:tr h="138814">
-                <a:tc>
-                  <a:txBody>
-                    <a:bodyPr/>
-                    <a:lstStyle/>
-                    <a:p>
-                      <a:pPr latinLnBrk="1"/>
-                      <a:r>
-                        <a:rPr lang="ko-KR" altLang="en-US" sz="1100"/>
-                        <a:t>외부주소</a:t>
-                      </a:r>
-                    </a:p>
-                  </a:txBody>
-                  <a:tcPr/>
-                </a:tc>
-                <a:tc>
-                  <a:txBody>
-                    <a:bodyPr/>
-                    <a:lstStyle/>
-                    <a:p>
-                      <a:pPr latinLnBrk="1"/>
-                      <a:r>
-                        <a:rPr lang="en-US" altLang="ko-KR" sz="1100"/>
-                        <a:t>STN01_UsingLIB2_1."+"</a:t>
-                      </a:r>
-                      <a:endParaRPr lang="ko-KR" altLang="en-US" sz="1100"/>
-                    </a:p>
-                  </a:txBody>
-                  <a:tcPr/>
-                </a:tc>
-                <a:tc>
-                  <a:txBody>
-                    <a:bodyPr/>
-                    <a:lstStyle/>
-                    <a:p>
-                      <a:pPr latinLnBrk="1"/>
-                      <a:r>
-                        <a:rPr lang="en-US" altLang="ko-KR" sz="1100"/>
-                        <a:t>bool</a:t>
-                      </a:r>
-                      <a:endParaRPr lang="ko-KR" altLang="en-US" sz="1100"/>
-                    </a:p>
-                  </a:txBody>
-                  <a:tcPr/>
-                </a:tc>
-                <a:tc>
-                  <a:txBody>
-                    <a:bodyPr/>
-                    <a:lstStyle/>
-                    <a:p>
-                      <a:pPr latinLnBrk="1"/>
-                      <a:r>
-                        <a:rPr lang="en-US" altLang="ko-KR" sz="1100"/>
-                        <a:t>%IX0.0.2</a:t>
-                      </a:r>
-                      <a:endParaRPr lang="ko-KR" altLang="en-US" sz="1100"/>
-                    </a:p>
-                  </a:txBody>
-                  <a:tcPr/>
-                </a:tc>
-                <a:tc>
-                  <a:txBody>
-                    <a:bodyPr/>
-                    <a:lstStyle/>
-                    <a:p>
-                      <a:pPr latinLnBrk="1"/>
-                      <a:r>
-                        <a:rPr lang="en-US" altLang="ko-KR" sz="1100"/>
-                        <a:t>%QX0.1.2</a:t>
-                      </a:r>
-                      <a:endParaRPr lang="ko-KR" altLang="en-US" sz="1100"/>
-                    </a:p>
-                  </a:txBody>
-                  <a:tcPr/>
-                </a:tc>
-                <a:tc>
-                  <a:txBody>
-                    <a:bodyPr/>
-                    <a:lstStyle/>
-                    <a:p>
-                      <a:pPr latinLnBrk="1"/>
-                      <a:r>
-                        <a:rPr lang="en-US" altLang="ko-KR" sz="1100"/>
-                        <a:t>STN01_UsingLIB2_1_+</a:t>
-                      </a:r>
-                      <a:endParaRPr lang="ko-KR" altLang="en-US" sz="1100"/>
-                    </a:p>
-                  </a:txBody>
-                  <a:tcPr/>
-                </a:tc>
-                <a:tc>
-                  <a:txBody>
-                    <a:bodyPr/>
-                    <a:lstStyle/>
-                    <a:p>
-                      <a:pPr latinLnBrk="1"/>
-                      <a:endParaRPr lang="ko-KR" altLang="en-US" sz="1100"/>
-                    </a:p>
-                  </a:txBody>
-                  <a:tcPr/>
-                </a:tc>
-                <a:extLst>
-                  <a:ext uri="{0D108BD9-81ED-4DB2-BD59-A6C34878D82A}">
-                    <a16:rowId xmlns:a16="http://schemas.microsoft.com/office/drawing/2014/main" val="2986716199"/>
-                  </a:ext>
-                </a:extLst>
-              </a:tr>
-              <a:tr h="138814">
-                <a:tc>
-                  <a:txBody>
-                    <a:bodyPr/>
-                    <a:lstStyle/>
-                    <a:p>
-                      <a:pPr latinLnBrk="1"/>
-                      <a:r>
-                        <a:rPr lang="ko-KR" altLang="en-US" sz="1100"/>
-                        <a:t>외부주소</a:t>
-                      </a:r>
-                    </a:p>
-                  </a:txBody>
-                  <a:tcPr/>
-                </a:tc>
-                <a:tc>
-                  <a:txBody>
-                    <a:bodyPr/>
-                    <a:lstStyle/>
-                    <a:p>
-                      <a:pPr latinLnBrk="1"/>
-                      <a:r>
-                        <a:rPr lang="en-US" altLang="ko-KR" sz="1100"/>
-                        <a:t>STN01_UsingLIB2_1."-"</a:t>
-                      </a:r>
-                      <a:endParaRPr lang="ko-KR" altLang="en-US" sz="1100"/>
-                    </a:p>
-                  </a:txBody>
-                  <a:tcPr/>
-                </a:tc>
-                <a:tc>
-                  <a:txBody>
-                    <a:bodyPr/>
-                    <a:lstStyle/>
-                    <a:p>
-                      <a:pPr latinLnBrk="1"/>
-                      <a:r>
-                        <a:rPr lang="en-US" altLang="ko-KR" sz="1100"/>
-                        <a:t>bool</a:t>
-                      </a:r>
-                      <a:endParaRPr lang="ko-KR" altLang="en-US" sz="1100"/>
-                    </a:p>
-                  </a:txBody>
-                  <a:tcPr/>
-                </a:tc>
-                <a:tc>
-                  <a:txBody>
-                    <a:bodyPr/>
-                    <a:lstStyle/>
-                    <a:p>
-                      <a:pPr latinLnBrk="1"/>
-                      <a:r>
-                        <a:rPr lang="en-US" altLang="ko-KR" sz="1100"/>
-                        <a:t>%IX0.0.3</a:t>
-                      </a:r>
-                      <a:endParaRPr lang="ko-KR" altLang="en-US" sz="1100"/>
-                    </a:p>
-                  </a:txBody>
-                  <a:tcPr/>
-                </a:tc>
-                <a:tc>
-                  <a:txBody>
-                    <a:bodyPr/>
-                    <a:lstStyle/>
-                    <a:p>
-                      <a:pPr latinLnBrk="1"/>
-                      <a:r>
-                        <a:rPr lang="en-US" altLang="ko-KR" sz="1100"/>
-                        <a:t>%QX0.1.3</a:t>
-                      </a:r>
-                      <a:endParaRPr lang="ko-KR" altLang="en-US" sz="1100"/>
-                    </a:p>
-                  </a:txBody>
-                  <a:tcPr/>
-                </a:tc>
-                <a:tc>
-                  <a:txBody>
-                    <a:bodyPr/>
-                    <a:lstStyle/>
-                    <a:p>
-                      <a:pPr latinLnBrk="1"/>
-                      <a:r>
-                        <a:rPr lang="en-US" altLang="ko-KR" sz="1100"/>
-                        <a:t>STN01_UsingLIB2_1_-</a:t>
-                      </a:r>
-                      <a:endParaRPr lang="ko-KR" altLang="en-US" sz="1100"/>
-                    </a:p>
-                  </a:txBody>
-                  <a:tcPr/>
-                </a:tc>
-                <a:tc>
-                  <a:txBody>
-                    <a:bodyPr/>
-                    <a:lstStyle/>
-                    <a:p>
-                      <a:pPr latinLnBrk="1"/>
-                      <a:endParaRPr lang="ko-KR" altLang="en-US" sz="1100"/>
-                    </a:p>
-                  </a:txBody>
-                  <a:tcPr/>
-                </a:tc>
-                <a:extLst>
-                  <a:ext uri="{0D108BD9-81ED-4DB2-BD59-A6C34878D82A}">
-                    <a16:rowId xmlns:a16="http://schemas.microsoft.com/office/drawing/2014/main" val="3589375858"/>
-                  </a:ext>
-                </a:extLst>
-              </a:tr>
-              <a:tr h="138814">
-                <a:tc>
-                  <a:txBody>
-                    <a:bodyPr/>
-                    <a:lstStyle/>
-                    <a:p>
-                      <a:pPr latinLnBrk="1"/>
-                      <a:r>
-                        <a:rPr lang="ko-KR" altLang="en-US" sz="1100"/>
-                        <a:t>외부주소</a:t>
-                      </a:r>
-                    </a:p>
-                  </a:txBody>
-                  <a:tcPr/>
-                </a:tc>
-                <a:tc>
-                  <a:txBody>
-                    <a:bodyPr/>
-                    <a:lstStyle/>
-                    <a:p>
-                      <a:pPr latinLnBrk="1"/>
-                      <a:r>
-                        <a:rPr lang="en-US" altLang="ko-KR" sz="1100"/>
-                        <a:t>STN01_UsingLIB2_2."+"</a:t>
-                      </a:r>
-                      <a:endParaRPr lang="ko-KR" altLang="en-US" sz="1100"/>
-                    </a:p>
-                  </a:txBody>
-                  <a:tcPr/>
-                </a:tc>
-                <a:tc>
-                  <a:txBody>
-                    <a:bodyPr/>
-                    <a:lstStyle/>
-                    <a:p>
-                      <a:pPr latinLnBrk="1"/>
-                      <a:r>
-                        <a:rPr lang="en-US" altLang="ko-KR" sz="1100"/>
-                        <a:t>bool</a:t>
-                      </a:r>
-                      <a:endParaRPr lang="ko-KR" altLang="en-US" sz="1100"/>
-                    </a:p>
-                  </a:txBody>
-                  <a:tcPr/>
-                </a:tc>
-                <a:tc>
-                  <a:txBody>
-                    <a:bodyPr/>
-                    <a:lstStyle/>
-                    <a:p>
-                      <a:pPr latinLnBrk="1"/>
-                      <a:r>
-                        <a:rPr lang="en-US" altLang="ko-KR" sz="1100"/>
-                        <a:t>%IX0.0.4</a:t>
-                      </a:r>
-                      <a:endParaRPr lang="ko-KR" altLang="en-US" sz="1100"/>
-                    </a:p>
-                  </a:txBody>
-                  <a:tcPr/>
-                </a:tc>
-                <a:tc>
-                  <a:txBody>
-                    <a:bodyPr/>
-                    <a:lstStyle/>
-                    <a:p>
-                      <a:pPr latinLnBrk="1"/>
-                      <a:r>
-                        <a:rPr lang="en-US" altLang="ko-KR" sz="1100"/>
-                        <a:t>%QX0.1.4</a:t>
-                      </a:r>
-                      <a:endParaRPr lang="ko-KR" altLang="en-US" sz="1100"/>
-                    </a:p>
-                  </a:txBody>
-                  <a:tcPr/>
-                </a:tc>
-                <a:tc>
-                  <a:txBody>
-                    <a:bodyPr/>
-                    <a:lstStyle/>
-                    <a:p>
-                      <a:pPr latinLnBrk="1"/>
-                      <a:r>
-                        <a:rPr lang="en-US" altLang="ko-KR" sz="1100"/>
-                        <a:t>STN01_UsingLIB2_2_+</a:t>
-                      </a:r>
-                      <a:endParaRPr lang="ko-KR" altLang="en-US" sz="1100"/>
-                    </a:p>
-                  </a:txBody>
-                  <a:tcPr/>
-                </a:tc>
-                <a:tc>
-                  <a:txBody>
-                    <a:bodyPr/>
-                    <a:lstStyle/>
-                    <a:p>
-                      <a:pPr latinLnBrk="1"/>
-                      <a:endParaRPr lang="ko-KR" altLang="en-US" sz="1100"/>
-                    </a:p>
-                  </a:txBody>
-                  <a:tcPr/>
-                </a:tc>
-                <a:extLst>
-                  <a:ext uri="{0D108BD9-81ED-4DB2-BD59-A6C34878D82A}">
-                    <a16:rowId xmlns:a16="http://schemas.microsoft.com/office/drawing/2014/main" val="4058582815"/>
-                  </a:ext>
-                </a:extLst>
-              </a:tr>
-              <a:tr h="138814">
-                <a:tc>
-                  <a:txBody>
-                    <a:bodyPr/>
-                    <a:lstStyle/>
-                    <a:p>
-                      <a:pPr latinLnBrk="1"/>
-                      <a:r>
-                        <a:rPr lang="ko-KR" altLang="en-US" sz="1100"/>
-                        <a:t>외부주소</a:t>
-                      </a:r>
-                    </a:p>
-                  </a:txBody>
-                  <a:tcPr/>
-                </a:tc>
-                <a:tc>
-                  <a:txBody>
-                    <a:bodyPr/>
-                    <a:lstStyle/>
-                    <a:p>
-                      <a:pPr latinLnBrk="1"/>
-                      <a:r>
-                        <a:rPr lang="en-US" altLang="ko-KR" sz="1100"/>
-                        <a:t>STN01_UsingLIB2_2."-"</a:t>
-                      </a:r>
-                      <a:endParaRPr lang="ko-KR" altLang="en-US" sz="1100"/>
-                    </a:p>
-                  </a:txBody>
-                  <a:tcPr/>
-                </a:tc>
-                <a:tc>
-                  <a:txBody>
-                    <a:bodyPr/>
-                    <a:lstStyle/>
-                    <a:p>
-                      <a:pPr latinLnBrk="1"/>
-                      <a:r>
-                        <a:rPr lang="en-US" altLang="ko-KR" sz="1100"/>
-                        <a:t>bool</a:t>
-                      </a:r>
-                      <a:endParaRPr lang="ko-KR" altLang="en-US" sz="1100"/>
-                    </a:p>
-                  </a:txBody>
-                  <a:tcPr/>
-                </a:tc>
-                <a:tc>
-                  <a:txBody>
-                    <a:bodyPr/>
-                    <a:lstStyle/>
-                    <a:p>
-                      <a:pPr latinLnBrk="1"/>
-                      <a:r>
-                        <a:rPr lang="en-US" altLang="ko-KR" sz="1100"/>
-                        <a:t>%IX0.0.5</a:t>
-                      </a:r>
-                      <a:endParaRPr lang="ko-KR" altLang="en-US" sz="1100"/>
-                    </a:p>
-                  </a:txBody>
-                  <a:tcPr/>
-                </a:tc>
-                <a:tc>
-                  <a:txBody>
-                    <a:bodyPr/>
-                    <a:lstStyle/>
-                    <a:p>
-                      <a:pPr latinLnBrk="1"/>
-                      <a:r>
-                        <a:rPr lang="en-US" altLang="ko-KR" sz="1100"/>
-                        <a:t>%QX0.1.5</a:t>
-                      </a:r>
-                      <a:endParaRPr lang="ko-KR" altLang="en-US" sz="1100"/>
-                    </a:p>
-                  </a:txBody>
-                  <a:tcPr/>
-                </a:tc>
-                <a:tc>
-                  <a:txBody>
-                    <a:bodyPr/>
-                    <a:lstStyle/>
-                    <a:p>
-                      <a:pPr latinLnBrk="1"/>
-                      <a:r>
-                        <a:rPr lang="en-US" altLang="ko-KR" sz="1100"/>
-                        <a:t>STN01_UsingLIB2_2_-</a:t>
-                      </a:r>
-                      <a:endParaRPr lang="ko-KR" altLang="en-US" sz="1100"/>
-                    </a:p>
-                  </a:txBody>
-                  <a:tcPr/>
-                </a:tc>
-                <a:tc>
-                  <a:txBody>
-                    <a:bodyPr/>
-                    <a:lstStyle/>
-                    <a:p>
-                      <a:pPr latinLnBrk="1"/>
-                      <a:endParaRPr lang="ko-KR" altLang="en-US" sz="1100"/>
-                    </a:p>
-                  </a:txBody>
-                  <a:tcPr/>
-                </a:tc>
-                <a:extLst>
-                  <a:ext uri="{0D108BD9-81ED-4DB2-BD59-A6C34878D82A}">
-                    <a16:rowId xmlns:a16="http://schemas.microsoft.com/office/drawing/2014/main" val="937170838"/>
-                  </a:ext>
-                </a:extLst>
-              </a:tr>
-              <a:tr h="138814">
-                <a:tc>
-                  <a:txBody>
-                    <a:bodyPr/>
-                    <a:lstStyle/>
-                    <a:p>
-                      <a:pPr latinLnBrk="1"/>
-                      <a:r>
-                        <a:rPr lang="ko-KR" altLang="en-US" sz="1100"/>
-                        <a:t>외부주소</a:t>
-                      </a:r>
-                    </a:p>
-                  </a:txBody>
-                  <a:tcPr/>
-                </a:tc>
-                <a:tc>
-                  <a:txBody>
-                    <a:bodyPr/>
-                    <a:lstStyle/>
-                    <a:p>
-                      <a:pPr latinLnBrk="1"/>
-                      <a:r>
-                        <a:rPr lang="en-US" altLang="ko-KR" sz="1100"/>
-                        <a:t>STN01_UsingLIB2_3."+"</a:t>
-                      </a:r>
-                      <a:endParaRPr lang="ko-KR" altLang="en-US" sz="1100"/>
-                    </a:p>
-                  </a:txBody>
-                  <a:tcPr/>
-                </a:tc>
-                <a:tc>
-                  <a:txBody>
-                    <a:bodyPr/>
-                    <a:lstStyle/>
-                    <a:p>
-                      <a:pPr latinLnBrk="1"/>
-                      <a:r>
-                        <a:rPr lang="en-US" altLang="ko-KR" sz="1100"/>
-                        <a:t>bool</a:t>
-                      </a:r>
-                      <a:endParaRPr lang="ko-KR" altLang="en-US" sz="1100"/>
-                    </a:p>
-                  </a:txBody>
-                  <a:tcPr/>
-                </a:tc>
-                <a:tc>
-                  <a:txBody>
-                    <a:bodyPr/>
-                    <a:lstStyle/>
-                    <a:p>
-                      <a:pPr latinLnBrk="1"/>
-                      <a:r>
-                        <a:rPr lang="en-US" altLang="ko-KR" sz="1100"/>
-                        <a:t>%IX0.0.6</a:t>
-                      </a:r>
-                      <a:endParaRPr lang="ko-KR" altLang="en-US" sz="1100"/>
-                    </a:p>
-                  </a:txBody>
-                  <a:tcPr/>
-                </a:tc>
-                <a:tc>
-                  <a:txBody>
-                    <a:bodyPr/>
-                    <a:lstStyle/>
-                    <a:p>
-                      <a:pPr latinLnBrk="1"/>
-                      <a:r>
-                        <a:rPr lang="en-US" altLang="ko-KR" sz="1100"/>
-                        <a:t>%QX0.1.6</a:t>
-                      </a:r>
-                      <a:endParaRPr lang="ko-KR" altLang="en-US" sz="1100"/>
-                    </a:p>
-                  </a:txBody>
-                  <a:tcPr/>
-                </a:tc>
-                <a:tc>
-                  <a:txBody>
-                    <a:bodyPr/>
-                    <a:lstStyle/>
-                    <a:p>
-                      <a:pPr latinLnBrk="1"/>
-                      <a:r>
-                        <a:rPr lang="en-US" altLang="ko-KR" sz="1100"/>
-                        <a:t>STN01_UsingLIB2_3_+</a:t>
-                      </a:r>
-                      <a:endParaRPr lang="ko-KR" altLang="en-US" sz="1100"/>
-                    </a:p>
-                  </a:txBody>
-                  <a:tcPr/>
-                </a:tc>
-                <a:tc>
-                  <a:txBody>
-                    <a:bodyPr/>
-                    <a:lstStyle/>
-                    <a:p>
-                      <a:pPr latinLnBrk="1"/>
-                      <a:endParaRPr lang="ko-KR" altLang="en-US" sz="1100"/>
-                    </a:p>
-                  </a:txBody>
-                  <a:tcPr/>
-                </a:tc>
-                <a:extLst>
-                  <a:ext uri="{0D108BD9-81ED-4DB2-BD59-A6C34878D82A}">
-                    <a16:rowId xmlns:a16="http://schemas.microsoft.com/office/drawing/2014/main" val="1668104212"/>
-                  </a:ext>
-                </a:extLst>
-              </a:tr>
-              <a:tr h="138814">
-                <a:tc>
-                  <a:txBody>
-                    <a:bodyPr/>
-                    <a:lstStyle/>
-                    <a:p>
-                      <a:pPr latinLnBrk="1"/>
-                      <a:r>
-                        <a:rPr lang="ko-KR" altLang="en-US" sz="1100"/>
-                        <a:t>외부주소</a:t>
-                      </a:r>
-                    </a:p>
-                  </a:txBody>
-                  <a:tcPr/>
-                </a:tc>
-                <a:tc>
-                  <a:txBody>
-                    <a:bodyPr/>
-                    <a:lstStyle/>
-                    <a:p>
-                      <a:pPr latinLnBrk="1"/>
-                      <a:r>
-                        <a:rPr lang="en-US" altLang="ko-KR" sz="1100"/>
-                        <a:t>STN01_UsingLIB2_3."-"</a:t>
-                      </a:r>
-                      <a:endParaRPr lang="ko-KR" altLang="en-US" sz="1100"/>
-                    </a:p>
-                  </a:txBody>
-                  <a:tcPr/>
-                </a:tc>
-                <a:tc>
-                  <a:txBody>
-                    <a:bodyPr/>
-                    <a:lstStyle/>
-                    <a:p>
-                      <a:pPr latinLnBrk="1"/>
-                      <a:r>
-                        <a:rPr lang="en-US" altLang="ko-KR" sz="1100"/>
-                        <a:t>bool</a:t>
-                      </a:r>
-                      <a:endParaRPr lang="ko-KR" altLang="en-US" sz="1100"/>
-                    </a:p>
-                  </a:txBody>
-                  <a:tcPr/>
-                </a:tc>
-                <a:tc>
-                  <a:txBody>
-                    <a:bodyPr/>
-                    <a:lstStyle/>
-                    <a:p>
-                      <a:pPr latinLnBrk="1"/>
-                      <a:r>
-                        <a:rPr lang="en-US" altLang="ko-KR" sz="1100"/>
-                        <a:t>%IX0.0.7</a:t>
-                      </a:r>
-                      <a:endParaRPr lang="ko-KR" altLang="en-US" sz="1100"/>
-                    </a:p>
-                  </a:txBody>
-                  <a:tcPr/>
-                </a:tc>
-                <a:tc>
-                  <a:txBody>
-                    <a:bodyPr/>
-                    <a:lstStyle/>
-                    <a:p>
-                      <a:pPr latinLnBrk="1"/>
-                      <a:r>
-                        <a:rPr lang="en-US" altLang="ko-KR" sz="1100"/>
-                        <a:t>%QX0.1.7</a:t>
-                      </a:r>
-                      <a:endParaRPr lang="ko-KR" altLang="en-US" sz="1100"/>
-                    </a:p>
-                  </a:txBody>
-                  <a:tcPr/>
-                </a:tc>
-                <a:tc>
-                  <a:txBody>
-                    <a:bodyPr/>
-                    <a:lstStyle/>
-                    <a:p>
-                      <a:pPr latinLnBrk="1"/>
-                      <a:r>
-                        <a:rPr lang="en-US" altLang="ko-KR" sz="1100"/>
-                        <a:t>STN01_UsingLIB2_3_-</a:t>
-                      </a:r>
-                      <a:endParaRPr lang="ko-KR" altLang="en-US" sz="1100"/>
-                    </a:p>
-                  </a:txBody>
-                  <a:tcPr/>
-                </a:tc>
-                <a:tc>
-                  <a:txBody>
-                    <a:bodyPr/>
-                    <a:lstStyle/>
-                    <a:p>
-                      <a:pPr latinLnBrk="1"/>
-                      <a:endParaRPr lang="ko-KR" altLang="en-US" sz="1100"/>
-                    </a:p>
-                  </a:txBody>
-                  <a:tcPr/>
-                </a:tc>
-                <a:extLst>
-                  <a:ext uri="{0D108BD9-81ED-4DB2-BD59-A6C34878D82A}">
-                    <a16:rowId xmlns:a16="http://schemas.microsoft.com/office/drawing/2014/main" val="3443340355"/>
-                  </a:ext>
-                </a:extLst>
-              </a:tr>
-              <a:tr h="138814">
-                <a:tc>
-                  <a:txBody>
-                    <a:bodyPr/>
-                    <a:lstStyle/>
-                    <a:p>
-                      <a:pPr latinLnBrk="1"/>
-                      <a:r>
-                        <a:rPr lang="ko-KR" altLang="en-US" sz="1100"/>
-                        <a:t>외부주소</a:t>
-                      </a:r>
-                    </a:p>
-                  </a:txBody>
-                  <a:tcPr/>
-                </a:tc>
-                <a:tc>
-                  <a:txBody>
-                    <a:bodyPr/>
-                    <a:lstStyle/>
-                    <a:p>
-                      <a:pPr latinLnBrk="1"/>
-                      <a:r>
-                        <a:rPr lang="en-US" altLang="ko-KR" sz="1100"/>
-                        <a:t>STN01_UsingLIB2_4."+"</a:t>
-                      </a:r>
-                      <a:endParaRPr lang="ko-KR" altLang="en-US" sz="1100"/>
-                    </a:p>
-                  </a:txBody>
-                  <a:tcPr/>
-                </a:tc>
-                <a:tc>
-                  <a:txBody>
-                    <a:bodyPr/>
-                    <a:lstStyle/>
-                    <a:p>
-                      <a:pPr latinLnBrk="1"/>
-                      <a:r>
-                        <a:rPr lang="en-US" altLang="ko-KR" sz="1100"/>
-                        <a:t>bool</a:t>
-                      </a:r>
-                      <a:endParaRPr lang="ko-KR" altLang="en-US" sz="1100"/>
-                    </a:p>
-                  </a:txBody>
-                  <a:tcPr/>
-                </a:tc>
-                <a:tc>
-                  <a:txBody>
-                    <a:bodyPr/>
-                    <a:lstStyle/>
-                    <a:p>
-                      <a:pPr latinLnBrk="1"/>
-                      <a:r>
-                        <a:rPr lang="en-US" altLang="ko-KR" sz="1100"/>
-                        <a:t>%IX0.0.8</a:t>
-                      </a:r>
-                      <a:endParaRPr lang="ko-KR" altLang="en-US" sz="1100"/>
-                    </a:p>
-                  </a:txBody>
-                  <a:tcPr/>
-                </a:tc>
-                <a:tc>
-                  <a:txBody>
-                    <a:bodyPr/>
-                    <a:lstStyle/>
-                    <a:p>
-                      <a:pPr latinLnBrk="1"/>
-                      <a:r>
-                        <a:rPr lang="en-US" altLang="ko-KR" sz="1100"/>
-                        <a:t>%QX0.1.8</a:t>
-                      </a:r>
-                      <a:endParaRPr lang="ko-KR" altLang="en-US" sz="1100"/>
-                    </a:p>
-                  </a:txBody>
-                  <a:tcPr/>
-                </a:tc>
-                <a:tc>
-                  <a:txBody>
-                    <a:bodyPr/>
-                    <a:lstStyle/>
-                    <a:p>
-                      <a:pPr latinLnBrk="1"/>
-                      <a:r>
-                        <a:rPr lang="en-US" altLang="ko-KR" sz="1100"/>
-                        <a:t>STN01_UsingLIB2_4_+</a:t>
-                      </a:r>
-                      <a:endParaRPr lang="ko-KR" altLang="en-US" sz="1100"/>
-                    </a:p>
-                  </a:txBody>
-                  <a:tcPr/>
-                </a:tc>
-                <a:tc>
-                  <a:txBody>
-                    <a:bodyPr/>
-                    <a:lstStyle/>
-                    <a:p>
-                      <a:pPr latinLnBrk="1"/>
-                      <a:endParaRPr lang="ko-KR" altLang="en-US" sz="1100"/>
-                    </a:p>
-                  </a:txBody>
-                  <a:tcPr/>
-                </a:tc>
-                <a:extLst>
-                  <a:ext uri="{0D108BD9-81ED-4DB2-BD59-A6C34878D82A}">
-                    <a16:rowId xmlns:a16="http://schemas.microsoft.com/office/drawing/2014/main" val="600427208"/>
-                  </a:ext>
-                </a:extLst>
-              </a:tr>
-              <a:tr h="138814">
-                <a:tc>
-                  <a:txBody>
-                    <a:bodyPr/>
-                    <a:lstStyle/>
-                    <a:p>
-                      <a:pPr latinLnBrk="1"/>
-                      <a:r>
-                        <a:rPr lang="ko-KR" altLang="en-US" sz="1100"/>
-                        <a:t>외부주소</a:t>
-                      </a:r>
-                    </a:p>
-                  </a:txBody>
-                  <a:tcPr/>
-                </a:tc>
-                <a:tc>
-                  <a:txBody>
-                    <a:bodyPr/>
-                    <a:lstStyle/>
-                    <a:p>
-                      <a:pPr latinLnBrk="1"/>
-                      <a:r>
-                        <a:rPr lang="en-US" altLang="ko-KR" sz="1100"/>
-                        <a:t>STN01_UsingLIB2_4."-"</a:t>
-                      </a:r>
-                      <a:endParaRPr lang="ko-KR" altLang="en-US" sz="1100"/>
-                    </a:p>
-                  </a:txBody>
-                  <a:tcPr/>
-                </a:tc>
-                <a:tc>
-                  <a:txBody>
-                    <a:bodyPr/>
-                    <a:lstStyle/>
-                    <a:p>
-                      <a:pPr latinLnBrk="1"/>
-                      <a:r>
-                        <a:rPr lang="en-US" altLang="ko-KR" sz="1100"/>
-                        <a:t>bool</a:t>
-                      </a:r>
-                      <a:endParaRPr lang="ko-KR" altLang="en-US" sz="1100"/>
-                    </a:p>
-                  </a:txBody>
-                  <a:tcPr/>
-                </a:tc>
-                <a:tc>
-                  <a:txBody>
-                    <a:bodyPr/>
-                    <a:lstStyle/>
-                    <a:p>
-                      <a:pPr latinLnBrk="1"/>
-                      <a:r>
-                        <a:rPr lang="en-US" altLang="ko-KR" sz="1100"/>
-                        <a:t>%IX0.0.9</a:t>
-                      </a:r>
-                      <a:endParaRPr lang="ko-KR" altLang="en-US" sz="1100"/>
-                    </a:p>
-                  </a:txBody>
-                  <a:tcPr/>
-                </a:tc>
-                <a:tc>
-                  <a:txBody>
-                    <a:bodyPr/>
-                    <a:lstStyle/>
-                    <a:p>
-                      <a:pPr latinLnBrk="1"/>
-                      <a:r>
-                        <a:rPr lang="en-US" altLang="ko-KR" sz="1100"/>
-                        <a:t>%QX0.1.9</a:t>
-                      </a:r>
-                      <a:endParaRPr lang="ko-KR" altLang="en-US" sz="1100"/>
-                    </a:p>
-                  </a:txBody>
-                  <a:tcPr/>
-                </a:tc>
-                <a:tc>
-                  <a:txBody>
-                    <a:bodyPr/>
-                    <a:lstStyle/>
-                    <a:p>
-                      <a:pPr latinLnBrk="1"/>
-                      <a:r>
-                        <a:rPr lang="en-US" altLang="ko-KR" sz="1100"/>
-                        <a:t>STN01_UsingLIB2_4_-</a:t>
-                      </a:r>
-                      <a:endParaRPr lang="ko-KR" altLang="en-US" sz="1100"/>
-                    </a:p>
-                  </a:txBody>
-                  <a:tcPr/>
-                </a:tc>
-                <a:tc>
-                  <a:txBody>
-                    <a:bodyPr/>
-                    <a:lstStyle/>
-                    <a:p>
-                      <a:pPr latinLnBrk="1"/>
-                      <a:endParaRPr lang="ko-KR" altLang="en-US" sz="1100"/>
-                    </a:p>
-                  </a:txBody>
-                  <a:tcPr/>
-                </a:tc>
-                <a:extLst>
-                  <a:ext uri="{0D108BD9-81ED-4DB2-BD59-A6C34878D82A}">
-                    <a16:rowId xmlns:a16="http://schemas.microsoft.com/office/drawing/2014/main" val="3294686593"/>
-                  </a:ext>
-                </a:extLst>
-              </a:tr>
-              <a:tr h="138814">
-                <a:tc>
-                  <a:txBody>
-                    <a:bodyPr/>
-                    <a:lstStyle/>
-                    <a:p>
-                      <a:pPr latinLnBrk="1"/>
-                      <a:r>
-                        <a:rPr lang="ko-KR" altLang="en-US" sz="1100"/>
-                        <a:t>외부주소</a:t>
-                      </a:r>
-                    </a:p>
-                  </a:txBody>
-                  <a:tcPr/>
-                </a:tc>
-                <a:tc>
-                  <a:txBody>
-                    <a:bodyPr/>
-                    <a:lstStyle/>
-                    <a:p>
-                      <a:pPr latinLnBrk="1"/>
-                      <a:r>
-                        <a:rPr lang="en-US" altLang="ko-KR" sz="1100"/>
-                        <a:t>STN01_UsingLIB_1."-"</a:t>
-                      </a:r>
-                      <a:endParaRPr lang="ko-KR" altLang="en-US" sz="1100"/>
-                    </a:p>
-                  </a:txBody>
-                  <a:tcPr/>
-                </a:tc>
-                <a:tc>
-                  <a:txBody>
-                    <a:bodyPr/>
-                    <a:lstStyle/>
-                    <a:p>
-                      <a:pPr latinLnBrk="1"/>
-                      <a:r>
-                        <a:rPr lang="en-US" altLang="ko-KR" sz="1100"/>
-                        <a:t>bool</a:t>
-                      </a:r>
-                      <a:endParaRPr lang="ko-KR" altLang="en-US" sz="1100"/>
-                    </a:p>
-                  </a:txBody>
-                  <a:tcPr/>
-                </a:tc>
-                <a:tc>
-                  <a:txBody>
-                    <a:bodyPr/>
-                    <a:lstStyle/>
-                    <a:p>
-                      <a:pPr latinLnBrk="1"/>
-                      <a:r>
-                        <a:rPr lang="en-US" altLang="ko-KR" sz="1100"/>
-                        <a:t>%IX0.0.10</a:t>
-                      </a:r>
-                      <a:endParaRPr lang="ko-KR" altLang="en-US" sz="1100"/>
-                    </a:p>
-                  </a:txBody>
-                  <a:tcPr/>
-                </a:tc>
-                <a:tc>
-                  <a:txBody>
-                    <a:bodyPr/>
-                    <a:lstStyle/>
-                    <a:p>
-                      <a:pPr latinLnBrk="1"/>
-                      <a:r>
-                        <a:rPr lang="en-US" altLang="ko-KR" sz="1100"/>
-                        <a:t>%QX0.1.10</a:t>
-                      </a:r>
-                      <a:endParaRPr lang="ko-KR" altLang="en-US" sz="1100"/>
-                    </a:p>
-                  </a:txBody>
-                  <a:tcPr/>
-                </a:tc>
-                <a:tc>
-                  <a:txBody>
-                    <a:bodyPr/>
-                    <a:lstStyle/>
-                    <a:p>
-                      <a:pPr latinLnBrk="1"/>
-                      <a:r>
-                        <a:rPr lang="en-US" altLang="ko-KR" sz="1100"/>
-                        <a:t>STN01_UsingLIB_1_-</a:t>
-                      </a:r>
-                      <a:endParaRPr lang="ko-KR" altLang="en-US" sz="1100"/>
-                    </a:p>
-                  </a:txBody>
-                  <a:tcPr/>
-                </a:tc>
-                <a:tc>
-                  <a:txBody>
-                    <a:bodyPr/>
-                    <a:lstStyle/>
-                    <a:p>
-                      <a:pPr latinLnBrk="1"/>
-                      <a:endParaRPr lang="ko-KR" altLang="en-US" sz="1100"/>
-                    </a:p>
-                  </a:txBody>
-                  <a:tcPr/>
-                </a:tc>
-                <a:extLst>
-                  <a:ext uri="{0D108BD9-81ED-4DB2-BD59-A6C34878D82A}">
-                    <a16:rowId xmlns:a16="http://schemas.microsoft.com/office/drawing/2014/main" val="3286884880"/>
-                  </a:ext>
-                </a:extLst>
-              </a:tr>
-              <a:tr h="138814">
-                <a:tc>
-                  <a:txBody>
-                    <a:bodyPr/>
-                    <a:lstStyle/>
-                    <a:p>
-                      <a:pPr latinLnBrk="1"/>
-                      <a:r>
-                        <a:rPr lang="ko-KR" altLang="en-US" sz="1100"/>
-                        <a:t>외부주소</a:t>
-                      </a:r>
-                    </a:p>
-                  </a:txBody>
-                  <a:tcPr/>
-                </a:tc>
-                <a:tc>
-                  <a:txBody>
-                    <a:bodyPr/>
-                    <a:lstStyle/>
-                    <a:p>
-                      <a:pPr latinLnBrk="1"/>
-                      <a:r>
-                        <a:rPr lang="en-US" altLang="ko-KR" sz="1100"/>
-                        <a:t>STN01_UsingLIB_1."FWD[P]"</a:t>
-                      </a:r>
-                      <a:endParaRPr lang="ko-KR" altLang="en-US" sz="1100"/>
-                    </a:p>
-                  </a:txBody>
-                  <a:tcPr/>
-                </a:tc>
-                <a:tc>
-                  <a:txBody>
-                    <a:bodyPr/>
-                    <a:lstStyle/>
-                    <a:p>
-                      <a:pPr latinLnBrk="1"/>
-                      <a:r>
-                        <a:rPr lang="en-US" altLang="ko-KR" sz="1100"/>
-                        <a:t>bool</a:t>
-                      </a:r>
-                      <a:endParaRPr lang="ko-KR" altLang="en-US" sz="1100"/>
-                    </a:p>
-                  </a:txBody>
-                  <a:tcPr/>
-                </a:tc>
-                <a:tc>
-                  <a:txBody>
-                    <a:bodyPr/>
-                    <a:lstStyle/>
-                    <a:p>
-                      <a:pPr latinLnBrk="1"/>
-                      <a:r>
-                        <a:rPr lang="en-US" altLang="ko-KR" sz="1100"/>
-                        <a:t>%IX0.0.11</a:t>
-                      </a:r>
-                      <a:endParaRPr lang="ko-KR" altLang="en-US" sz="1100"/>
-                    </a:p>
-                  </a:txBody>
-                  <a:tcPr/>
-                </a:tc>
-                <a:tc>
-                  <a:txBody>
-                    <a:bodyPr/>
-                    <a:lstStyle/>
-                    <a:p>
-                      <a:pPr latinLnBrk="1"/>
-                      <a:r>
-                        <a:rPr lang="en-US" altLang="ko-KR" sz="1100"/>
-                        <a:t>%QX0.1.11</a:t>
-                      </a:r>
-                      <a:endParaRPr lang="ko-KR" altLang="en-US" sz="1100"/>
-                    </a:p>
-                  </a:txBody>
-                  <a:tcPr/>
-                </a:tc>
-                <a:tc>
-                  <a:txBody>
-                    <a:bodyPr/>
-                    <a:lstStyle/>
-                    <a:p>
-                      <a:pPr latinLnBrk="1"/>
-                      <a:r>
-                        <a:rPr lang="en-US" altLang="ko-KR" sz="1100"/>
-                        <a:t>STN01_UsingLIB_1_FWD[P]</a:t>
-                      </a:r>
-                      <a:endParaRPr lang="ko-KR" altLang="en-US" sz="1100"/>
-                    </a:p>
-                  </a:txBody>
-                  <a:tcPr/>
-                </a:tc>
-                <a:tc>
-                  <a:txBody>
-                    <a:bodyPr/>
-                    <a:lstStyle/>
-                    <a:p>
-                      <a:pPr latinLnBrk="1"/>
-                      <a:endParaRPr lang="ko-KR" altLang="en-US" sz="1100"/>
-                    </a:p>
-                  </a:txBody>
-                  <a:tcPr/>
-                </a:tc>
-                <a:extLst>
-                  <a:ext uri="{0D108BD9-81ED-4DB2-BD59-A6C34878D82A}">
-                    <a16:rowId xmlns:a16="http://schemas.microsoft.com/office/drawing/2014/main" val="3438685920"/>
-                  </a:ext>
-                </a:extLst>
-              </a:tr>
-              <a:tr h="138814">
-                <a:tc>
-                  <a:txBody>
-                    <a:bodyPr/>
-                    <a:lstStyle/>
-                    <a:p>
-                      <a:pPr latinLnBrk="1"/>
-                      <a:r>
-                        <a:rPr lang="ko-KR" altLang="en-US" sz="1100"/>
-                        <a:t>외부주소</a:t>
-                      </a:r>
-                    </a:p>
-                  </a:txBody>
-                  <a:tcPr/>
-                </a:tc>
-                <a:tc>
-                  <a:txBody>
-                    <a:bodyPr/>
-                    <a:lstStyle/>
-                    <a:p>
-                      <a:pPr latinLnBrk="1"/>
-                      <a:r>
-                        <a:rPr lang="en-US" altLang="ko-KR" sz="1100"/>
-                        <a:t>STN01_UsingLIB_2."+"</a:t>
-                      </a:r>
-                      <a:endParaRPr lang="ko-KR" altLang="en-US" sz="1100"/>
-                    </a:p>
-                  </a:txBody>
-                  <a:tcPr/>
-                </a:tc>
-                <a:tc>
-                  <a:txBody>
-                    <a:bodyPr/>
-                    <a:lstStyle/>
-                    <a:p>
-                      <a:pPr latinLnBrk="1"/>
-                      <a:r>
-                        <a:rPr lang="en-US" altLang="ko-KR" sz="1100"/>
-                        <a:t>bool</a:t>
-                      </a:r>
-                      <a:endParaRPr lang="ko-KR" altLang="en-US" sz="1100"/>
-                    </a:p>
-                  </a:txBody>
-                  <a:tcPr/>
-                </a:tc>
-                <a:tc>
-                  <a:txBody>
-                    <a:bodyPr/>
-                    <a:lstStyle/>
-                    <a:p>
-                      <a:pPr latinLnBrk="1"/>
-                      <a:r>
-                        <a:rPr lang="en-US" altLang="ko-KR" sz="1100"/>
-                        <a:t>%IX0.0.12</a:t>
-                      </a:r>
-                      <a:endParaRPr lang="ko-KR" altLang="en-US" sz="1100"/>
-                    </a:p>
-                  </a:txBody>
-                  <a:tcPr/>
-                </a:tc>
-                <a:tc>
-                  <a:txBody>
-                    <a:bodyPr/>
-                    <a:lstStyle/>
-                    <a:p>
-                      <a:pPr latinLnBrk="1"/>
-                      <a:r>
-                        <a:rPr lang="en-US" altLang="ko-KR" sz="1100"/>
-                        <a:t>%QX0.1.12</a:t>
-                      </a:r>
-                      <a:endParaRPr lang="ko-KR" altLang="en-US" sz="1100"/>
-                    </a:p>
-                  </a:txBody>
-                  <a:tcPr/>
-                </a:tc>
-                <a:tc>
-                  <a:txBody>
-                    <a:bodyPr/>
-                    <a:lstStyle/>
-                    <a:p>
-                      <a:pPr latinLnBrk="1"/>
-                      <a:r>
-                        <a:rPr lang="en-US" altLang="ko-KR" sz="1100"/>
-                        <a:t>STN01_UsingLIB_2_+</a:t>
-                      </a:r>
-                      <a:endParaRPr lang="ko-KR" altLang="en-US" sz="1100"/>
-                    </a:p>
-                  </a:txBody>
-                  <a:tcPr/>
-                </a:tc>
-                <a:tc>
-                  <a:txBody>
-                    <a:bodyPr/>
-                    <a:lstStyle/>
-                    <a:p>
-                      <a:pPr latinLnBrk="1"/>
-                      <a:endParaRPr lang="ko-KR" altLang="en-US" sz="1100"/>
-                    </a:p>
-                  </a:txBody>
-                  <a:tcPr/>
-                </a:tc>
-                <a:extLst>
-                  <a:ext uri="{0D108BD9-81ED-4DB2-BD59-A6C34878D82A}">
-                    <a16:rowId xmlns:a16="http://schemas.microsoft.com/office/drawing/2014/main" val="3403601550"/>
-                  </a:ext>
-                </a:extLst>
-              </a:tr>
-              <a:tr h="138814">
-                <a:tc>
-                  <a:txBody>
-                    <a:bodyPr/>
-                    <a:lstStyle/>
-                    <a:p>
-                      <a:pPr latinLnBrk="1"/>
-                      <a:r>
-                        <a:rPr lang="ko-KR" altLang="en-US" sz="1100"/>
-                        <a:t>외부주소</a:t>
-                      </a:r>
-                    </a:p>
-                  </a:txBody>
-                  <a:tcPr/>
-                </a:tc>
-                <a:tc>
-                  <a:txBody>
-                    <a:bodyPr/>
-                    <a:lstStyle/>
-                    <a:p>
-                      <a:pPr latinLnBrk="1"/>
-                      <a:r>
-                        <a:rPr lang="en-US" altLang="ko-KR" sz="1100"/>
-                        <a:t>STN01_UsingLIB_2."-"</a:t>
-                      </a:r>
-                      <a:endParaRPr lang="ko-KR" altLang="en-US" sz="1100"/>
-                    </a:p>
-                  </a:txBody>
-                  <a:tcPr/>
-                </a:tc>
-                <a:tc>
-                  <a:txBody>
-                    <a:bodyPr/>
-                    <a:lstStyle/>
-                    <a:p>
-                      <a:pPr latinLnBrk="1"/>
-                      <a:r>
-                        <a:rPr lang="en-US" altLang="ko-KR" sz="1100"/>
-                        <a:t>bool</a:t>
-                      </a:r>
-                      <a:endParaRPr lang="ko-KR" altLang="en-US" sz="1100"/>
-                    </a:p>
-                  </a:txBody>
-                  <a:tcPr/>
-                </a:tc>
-                <a:tc>
-                  <a:txBody>
-                    <a:bodyPr/>
-                    <a:lstStyle/>
-                    <a:p>
-                      <a:pPr latinLnBrk="1"/>
-                      <a:r>
-                        <a:rPr lang="en-US" altLang="ko-KR" sz="1100"/>
-                        <a:t>%IX0.0.13</a:t>
-                      </a:r>
-                      <a:endParaRPr lang="ko-KR" altLang="en-US" sz="1100"/>
-                    </a:p>
-                  </a:txBody>
-                  <a:tcPr/>
-                </a:tc>
-                <a:tc>
-                  <a:txBody>
-                    <a:bodyPr/>
-                    <a:lstStyle/>
-                    <a:p>
-                      <a:pPr latinLnBrk="1"/>
-                      <a:r>
-                        <a:rPr lang="en-US" altLang="ko-KR" sz="1100"/>
-                        <a:t>%QX0.1.13</a:t>
-                      </a:r>
-                      <a:endParaRPr lang="ko-KR" altLang="en-US" sz="1100"/>
-                    </a:p>
-                  </a:txBody>
-                  <a:tcPr/>
-                </a:tc>
-                <a:tc>
-                  <a:txBody>
-                    <a:bodyPr/>
-                    <a:lstStyle/>
-                    <a:p>
-                      <a:pPr latinLnBrk="1"/>
-                      <a:r>
-                        <a:rPr lang="en-US" altLang="ko-KR" sz="1100"/>
-                        <a:t>STN01_UsingLIB_2_-</a:t>
-                      </a:r>
-                      <a:endParaRPr lang="ko-KR" altLang="en-US" sz="1100"/>
-                    </a:p>
-                  </a:txBody>
-                  <a:tcPr/>
-                </a:tc>
-                <a:tc>
-                  <a:txBody>
-                    <a:bodyPr/>
-                    <a:lstStyle/>
-                    <a:p>
-                      <a:pPr latinLnBrk="1"/>
-                      <a:endParaRPr lang="ko-KR" altLang="en-US" sz="1100"/>
-                    </a:p>
-                  </a:txBody>
-                  <a:tcPr/>
-                </a:tc>
-                <a:extLst>
-                  <a:ext uri="{0D108BD9-81ED-4DB2-BD59-A6C34878D82A}">
-                    <a16:rowId xmlns:a16="http://schemas.microsoft.com/office/drawing/2014/main" val="1666460496"/>
-                  </a:ext>
-                </a:extLst>
-              </a:tr>
-              <a:tr h="138814">
-                <a:tc>
-                  <a:txBody>
-                    <a:bodyPr/>
-                    <a:lstStyle/>
-                    <a:p>
-                      <a:pPr latinLnBrk="1"/>
-                      <a:r>
-                        <a:rPr lang="ko-KR" altLang="en-US" sz="1100"/>
-                        <a:t>외부주소</a:t>
-                      </a:r>
-                    </a:p>
-                  </a:txBody>
-                  <a:tcPr/>
-                </a:tc>
-                <a:tc>
-                  <a:txBody>
-                    <a:bodyPr/>
-                    <a:lstStyle/>
-                    <a:p>
-                      <a:pPr latinLnBrk="1"/>
-                      <a:r>
-                        <a:rPr lang="en-US" altLang="ko-KR" sz="1100"/>
-                        <a:t>STN02_Pin."+"</a:t>
-                      </a:r>
-                      <a:endParaRPr lang="ko-KR" altLang="en-US" sz="1100"/>
-                    </a:p>
-                  </a:txBody>
-                  <a:tcPr/>
-                </a:tc>
-                <a:tc>
-                  <a:txBody>
-                    <a:bodyPr/>
-                    <a:lstStyle/>
-                    <a:p>
-                      <a:pPr latinLnBrk="1"/>
-                      <a:r>
-                        <a:rPr lang="en-US" altLang="ko-KR" sz="1100"/>
-                        <a:t>bool</a:t>
-                      </a:r>
-                      <a:endParaRPr lang="ko-KR" altLang="en-US" sz="1100"/>
-                    </a:p>
-                  </a:txBody>
-                  <a:tcPr/>
-                </a:tc>
-                <a:tc>
-                  <a:txBody>
-                    <a:bodyPr/>
-                    <a:lstStyle/>
-                    <a:p>
-                      <a:pPr latinLnBrk="1"/>
-                      <a:r>
-                        <a:rPr lang="en-US" altLang="ko-KR" sz="1100"/>
-                        <a:t>%IX0.0.14</a:t>
-                      </a:r>
-                      <a:endParaRPr lang="ko-KR" altLang="en-US" sz="1100"/>
-                    </a:p>
-                  </a:txBody>
-                  <a:tcPr/>
-                </a:tc>
-                <a:tc>
-                  <a:txBody>
-                    <a:bodyPr/>
-                    <a:lstStyle/>
-                    <a:p>
-                      <a:pPr latinLnBrk="1"/>
-                      <a:r>
-                        <a:rPr lang="en-US" altLang="ko-KR" sz="1100"/>
-                        <a:t>%QX0.1.14</a:t>
-                      </a:r>
-                      <a:endParaRPr lang="ko-KR" altLang="en-US" sz="1100"/>
-                    </a:p>
-                  </a:txBody>
-                  <a:tcPr/>
-                </a:tc>
-                <a:tc>
-                  <a:txBody>
-                    <a:bodyPr/>
-                    <a:lstStyle/>
-                    <a:p>
-                      <a:pPr latinLnBrk="1"/>
-                      <a:r>
-                        <a:rPr lang="en-US" altLang="ko-KR" sz="1100"/>
-                        <a:t>STN02_Pin_+</a:t>
-                      </a:r>
-                      <a:endParaRPr lang="ko-KR" altLang="en-US" sz="1100"/>
-                    </a:p>
-                  </a:txBody>
-                  <a:tcPr/>
-                </a:tc>
-                <a:tc>
-                  <a:txBody>
-                    <a:bodyPr/>
-                    <a:lstStyle/>
-                    <a:p>
-                      <a:pPr latinLnBrk="1"/>
-                      <a:endParaRPr lang="ko-KR" altLang="en-US" sz="1100"/>
-                    </a:p>
-                  </a:txBody>
-                  <a:tcPr/>
-                </a:tc>
-                <a:extLst>
-                  <a:ext uri="{0D108BD9-81ED-4DB2-BD59-A6C34878D82A}">
-                    <a16:rowId xmlns:a16="http://schemas.microsoft.com/office/drawing/2014/main" val="2123559909"/>
-                  </a:ext>
-                </a:extLst>
-              </a:tr>
-              <a:tr h="138814">
-                <a:tc>
-                  <a:txBody>
-                    <a:bodyPr/>
-                    <a:lstStyle/>
-                    <a:p>
-                      <a:pPr latinLnBrk="1"/>
-                      <a:r>
-                        <a:rPr lang="ko-KR" altLang="en-US" sz="1100"/>
-                        <a:t>외부주소</a:t>
-                      </a:r>
-                    </a:p>
-                  </a:txBody>
-                  <a:tcPr/>
-                </a:tc>
-                <a:tc>
-                  <a:txBody>
-                    <a:bodyPr/>
-                    <a:lstStyle/>
-                    <a:p>
-                      <a:pPr latinLnBrk="1"/>
-                      <a:r>
-                        <a:rPr lang="en-US" altLang="ko-KR" sz="1100"/>
-                        <a:t>STN02_Pin."-"</a:t>
-                      </a:r>
-                      <a:endParaRPr lang="ko-KR" altLang="en-US" sz="1100"/>
-                    </a:p>
-                  </a:txBody>
-                  <a:tcPr/>
-                </a:tc>
-                <a:tc>
-                  <a:txBody>
-                    <a:bodyPr/>
-                    <a:lstStyle/>
-                    <a:p>
-                      <a:pPr latinLnBrk="1"/>
-                      <a:r>
-                        <a:rPr lang="en-US" altLang="ko-KR" sz="1100"/>
-                        <a:t>bool</a:t>
-                      </a:r>
-                      <a:endParaRPr lang="ko-KR" altLang="en-US" sz="1100"/>
-                    </a:p>
-                  </a:txBody>
-                  <a:tcPr/>
-                </a:tc>
-                <a:tc>
-                  <a:txBody>
-                    <a:bodyPr/>
-                    <a:lstStyle/>
-                    <a:p>
-                      <a:pPr latinLnBrk="1"/>
-                      <a:r>
-                        <a:rPr lang="en-US" altLang="ko-KR" sz="1100"/>
-                        <a:t>%IX0.0.15</a:t>
-                      </a:r>
-                      <a:endParaRPr lang="ko-KR" altLang="en-US" sz="1100"/>
-                    </a:p>
-                  </a:txBody>
-                  <a:tcPr/>
-                </a:tc>
-                <a:tc>
-                  <a:txBody>
-                    <a:bodyPr/>
-                    <a:lstStyle/>
-                    <a:p>
-                      <a:pPr latinLnBrk="1"/>
-                      <a:r>
-                        <a:rPr lang="en-US" altLang="ko-KR" sz="1100"/>
-                        <a:t>%QX0.1.15</a:t>
-                      </a:r>
-                      <a:endParaRPr lang="ko-KR" altLang="en-US" sz="1100"/>
-                    </a:p>
-                  </a:txBody>
-                  <a:tcPr/>
-                </a:tc>
-                <a:tc>
-                  <a:txBody>
-                    <a:bodyPr/>
-                    <a:lstStyle/>
-                    <a:p>
-                      <a:pPr latinLnBrk="1"/>
-                      <a:r>
-                        <a:rPr lang="en-US" altLang="ko-KR" sz="1100"/>
-                        <a:t>STN02_Pin_-</a:t>
-                      </a:r>
-                      <a:endParaRPr lang="ko-KR" altLang="en-US" sz="1100"/>
-                    </a:p>
-                  </a:txBody>
-                  <a:tcPr/>
-                </a:tc>
-                <a:tc>
-                  <a:txBody>
-                    <a:bodyPr/>
-                    <a:lstStyle/>
-                    <a:p>
-                      <a:pPr latinLnBrk="1"/>
-                      <a:endParaRPr lang="ko-KR" altLang="en-US" sz="1100"/>
-                    </a:p>
-                  </a:txBody>
-                  <a:tcPr/>
-                </a:tc>
-                <a:extLst>
-                  <a:ext uri="{0D108BD9-81ED-4DB2-BD59-A6C34878D82A}">
-                    <a16:rowId xmlns:a16="http://schemas.microsoft.com/office/drawing/2014/main" val="939270184"/>
-                  </a:ext>
-                </a:extLst>
-              </a:tr>
-              <a:tr h="138814">
-                <a:tc>
-                  <a:txBody>
-                    <a:bodyPr/>
-                    <a:lstStyle/>
-                    <a:p>
-                      <a:pPr latinLnBrk="1"/>
-                      <a:r>
-                        <a:rPr lang="ko-KR" altLang="en-US" sz="1100"/>
-                        <a:t>외부주소</a:t>
-                      </a:r>
-                    </a:p>
-                  </a:txBody>
-                  <a:tcPr/>
-                </a:tc>
-                <a:tc>
-                  <a:txBody>
-                    <a:bodyPr/>
-                    <a:lstStyle/>
-                    <a:p>
-                      <a:pPr latinLnBrk="1"/>
-                      <a:r>
-                        <a:rPr lang="en-US" altLang="ko-KR" sz="1100"/>
-                        <a:t>STN03_Pin."+"</a:t>
-                      </a:r>
-                      <a:endParaRPr lang="ko-KR" altLang="en-US" sz="1100"/>
-                    </a:p>
-                  </a:txBody>
-                  <a:tcPr/>
-                </a:tc>
-                <a:tc>
-                  <a:txBody>
-                    <a:bodyPr/>
-                    <a:lstStyle/>
-                    <a:p>
-                      <a:pPr latinLnBrk="1"/>
-                      <a:r>
-                        <a:rPr lang="en-US" altLang="ko-KR" sz="1100"/>
-                        <a:t>bool</a:t>
-                      </a:r>
-                      <a:endParaRPr lang="ko-KR" altLang="en-US" sz="1100"/>
-                    </a:p>
-                  </a:txBody>
-                  <a:tcPr/>
-                </a:tc>
-                <a:tc>
-                  <a:txBody>
-                    <a:bodyPr/>
-                    <a:lstStyle/>
-                    <a:p>
-                      <a:pPr latinLnBrk="1"/>
-                      <a:r>
-                        <a:rPr lang="en-US" altLang="ko-KR" sz="1100"/>
-                        <a:t>%IX0.0.16</a:t>
-                      </a:r>
-                      <a:endParaRPr lang="ko-KR" altLang="en-US" sz="1100"/>
-                    </a:p>
-                  </a:txBody>
-                  <a:tcPr/>
-                </a:tc>
-                <a:tc>
-                  <a:txBody>
-                    <a:bodyPr/>
-                    <a:lstStyle/>
-                    <a:p>
-                      <a:pPr latinLnBrk="1"/>
-                      <a:r>
-                        <a:rPr lang="en-US" altLang="ko-KR" sz="1100"/>
-                        <a:t>%QX0.1.16</a:t>
-                      </a:r>
-                      <a:endParaRPr lang="ko-KR" altLang="en-US" sz="1100"/>
-                    </a:p>
-                  </a:txBody>
-                  <a:tcPr/>
-                </a:tc>
-                <a:tc>
-                  <a:txBody>
-                    <a:bodyPr/>
-                    <a:lstStyle/>
-                    <a:p>
-                      <a:pPr latinLnBrk="1"/>
-                      <a:r>
-                        <a:rPr lang="en-US" altLang="ko-KR" sz="1100"/>
-                        <a:t>STN03_Pin_+</a:t>
-                      </a:r>
-                      <a:endParaRPr lang="ko-KR" altLang="en-US" sz="1100"/>
-                    </a:p>
-                  </a:txBody>
-                  <a:tcPr/>
-                </a:tc>
-                <a:tc>
-                  <a:txBody>
-                    <a:bodyPr/>
-                    <a:lstStyle/>
-                    <a:p>
-                      <a:pPr latinLnBrk="1"/>
-                      <a:endParaRPr lang="ko-KR" altLang="en-US" sz="1100"/>
-                    </a:p>
-                  </a:txBody>
-                  <a:tcPr/>
-                </a:tc>
-                <a:extLst>
-                  <a:ext uri="{0D108BD9-81ED-4DB2-BD59-A6C34878D82A}">
-                    <a16:rowId xmlns:a16="http://schemas.microsoft.com/office/drawing/2014/main" val="682822100"/>
-                  </a:ext>
-                </a:extLst>
-              </a:tr>
-              <a:tr h="138814">
-                <a:tc>
-                  <a:txBody>
-                    <a:bodyPr/>
-                    <a:lstStyle/>
-                    <a:p>
-                      <a:pPr latinLnBrk="1"/>
-                      <a:r>
-                        <a:rPr lang="ko-KR" altLang="en-US" sz="1100"/>
-                        <a:t>외부주소</a:t>
-                      </a:r>
-                    </a:p>
-                  </a:txBody>
-                  <a:tcPr/>
-                </a:tc>
-                <a:tc>
-                  <a:txBody>
-                    <a:bodyPr/>
-                    <a:lstStyle/>
-                    <a:p>
-                      <a:pPr latinLnBrk="1"/>
-                      <a:r>
-                        <a:rPr lang="en-US" altLang="ko-KR" sz="1100"/>
-                        <a:t>STN03_Pin."-"</a:t>
-                      </a:r>
-                      <a:endParaRPr lang="ko-KR" altLang="en-US" sz="1100"/>
-                    </a:p>
-                  </a:txBody>
-                  <a:tcPr/>
-                </a:tc>
-                <a:tc>
-                  <a:txBody>
-                    <a:bodyPr/>
-                    <a:lstStyle/>
-                    <a:p>
-                      <a:pPr latinLnBrk="1"/>
-                      <a:r>
-                        <a:rPr lang="en-US" altLang="ko-KR" sz="1100"/>
-                        <a:t>bool</a:t>
-                      </a:r>
-                      <a:endParaRPr lang="ko-KR" altLang="en-US" sz="1100"/>
-                    </a:p>
-                  </a:txBody>
-                  <a:tcPr/>
-                </a:tc>
-                <a:tc>
-                  <a:txBody>
-                    <a:bodyPr/>
-                    <a:lstStyle/>
-                    <a:p>
-                      <a:pPr latinLnBrk="1"/>
-                      <a:r>
-                        <a:rPr lang="en-US" altLang="ko-KR" sz="1100"/>
-                        <a:t>%IX0.0.17</a:t>
-                      </a:r>
-                      <a:endParaRPr lang="ko-KR" altLang="en-US" sz="1100"/>
-                    </a:p>
-                  </a:txBody>
-                  <a:tcPr/>
-                </a:tc>
-                <a:tc>
-                  <a:txBody>
-                    <a:bodyPr/>
-                    <a:lstStyle/>
-                    <a:p>
-                      <a:pPr latinLnBrk="1"/>
-                      <a:r>
-                        <a:rPr lang="en-US" altLang="ko-KR" sz="1100"/>
-                        <a:t>%QX0.1.17</a:t>
-                      </a:r>
-                      <a:endParaRPr lang="ko-KR" altLang="en-US" sz="1100"/>
-                    </a:p>
-                  </a:txBody>
-                  <a:tcPr/>
-                </a:tc>
-                <a:tc>
-                  <a:txBody>
-                    <a:bodyPr/>
-                    <a:lstStyle/>
-                    <a:p>
-                      <a:pPr latinLnBrk="1"/>
-                      <a:r>
-                        <a:rPr lang="en-US" altLang="ko-KR" sz="1100"/>
-                        <a:t>STN03_Pin_-</a:t>
-                      </a:r>
-                      <a:endParaRPr lang="ko-KR" altLang="en-US" sz="1100"/>
-                    </a:p>
-                  </a:txBody>
-                  <a:tcPr/>
-                </a:tc>
-                <a:tc>
-                  <a:txBody>
-                    <a:bodyPr/>
-                    <a:lstStyle/>
-                    <a:p>
-                      <a:pPr latinLnBrk="1"/>
-                      <a:endParaRPr lang="ko-KR" altLang="en-US" sz="1100"/>
-                    </a:p>
-                  </a:txBody>
-                  <a:tcPr/>
-                </a:tc>
-                <a:extLst>
-                  <a:ext uri="{0D108BD9-81ED-4DB2-BD59-A6C34878D82A}">
-                    <a16:rowId xmlns:a16="http://schemas.microsoft.com/office/drawing/2014/main" val="4129773005"/>
-                  </a:ext>
-                </a:extLst>
-              </a:tr>
-              <a:tr h="138814">
-                <a:tc>
-                  <a:txBody>
-                    <a:bodyPr/>
-                    <a:lstStyle/>
-                    <a:p>
-                      <a:pPr latinLnBrk="1"/>
-                      <a:endParaRPr lang="ko-KR" altLang="en-US" sz="1100"/>
-                    </a:p>
-                  </a:txBody>
-                  <a:tcPr/>
-                </a:tc>
-                <a:tc>
-                  <a:txBody>
-                    <a:bodyPr/>
-                    <a:lstStyle/>
-                    <a:p>
-                      <a:pPr latinLnBrk="1"/>
-                      <a:endParaRPr lang="ko-KR" altLang="en-US" sz="1100"/>
-                    </a:p>
-                  </a:txBody>
-                  <a:tcPr/>
-                </a:tc>
-                <a:tc>
-                  <a:txBody>
-                    <a:bodyPr/>
-                    <a:lstStyle/>
-                    <a:p>
-                      <a:pPr latinLnBrk="1"/>
-                      <a:endParaRPr lang="ko-KR" altLang="en-US" sz="1100"/>
-                    </a:p>
-                  </a:txBody>
-                  <a:tcPr/>
-                </a:tc>
-                <a:tc>
-                  <a:txBody>
-                    <a:bodyPr/>
-                    <a:lstStyle/>
-                    <a:p>
-                      <a:pPr latinLnBrk="1"/>
-                      <a:endParaRPr lang="ko-KR" altLang="en-US" sz="1100"/>
-                    </a:p>
-                  </a:txBody>
-                  <a:tcPr/>
-                </a:tc>
-                <a:tc>
-                  <a:txBody>
-                    <a:bodyPr/>
-                    <a:lstStyle/>
-                    <a:p>
-                      <a:pPr latinLnBrk="1"/>
-                      <a:endParaRPr lang="ko-KR" altLang="en-US" sz="1100"/>
-                    </a:p>
-                  </a:txBody>
-                  <a:tcPr/>
-                </a:tc>
-                <a:tc>
-                  <a:txBody>
-                    <a:bodyPr/>
-                    <a:lstStyle/>
-                    <a:p>
-                      <a:pPr latinLnBrk="1"/>
-                      <a:endParaRPr lang="ko-KR" altLang="en-US" sz="1100"/>
-                    </a:p>
-                  </a:txBody>
-                  <a:tcPr/>
-                </a:tc>
-                <a:tc>
-                  <a:txBody>
-                    <a:bodyPr/>
-                    <a:lstStyle/>
-                    <a:p>
-                      <a:pPr latinLnBrk="1"/>
-                      <a:endParaRPr lang="ko-KR" altLang="en-US" sz="1100"/>
-                    </a:p>
-                  </a:txBody>
-                  <a:tcPr/>
-                </a:tc>
-                <a:extLst>
-                  <a:ext uri="{0D108BD9-81ED-4DB2-BD59-A6C34878D82A}">
-                    <a16:rowId xmlns:a16="http://schemas.microsoft.com/office/drawing/2014/main" val="3635401287"/>
-                  </a:ext>
-                </a:extLst>
-              </a:tr>
-              <a:tr h="138814">
-                <a:tc>
-                  <a:txBody>
-                    <a:bodyPr/>
-                    <a:lstStyle/>
-                    <a:p>
-                      <a:pPr latinLnBrk="1"/>
-                      <a:endParaRPr lang="ko-KR" altLang="en-US" sz="1100"/>
-                    </a:p>
-                  </a:txBody>
-                  <a:tcPr/>
-                </a:tc>
-                <a:tc>
-                  <a:txBody>
-                    <a:bodyPr/>
-                    <a:lstStyle/>
-                    <a:p>
-                      <a:pPr latinLnBrk="1"/>
-                      <a:endParaRPr lang="ko-KR" altLang="en-US" sz="1100"/>
-                    </a:p>
-                  </a:txBody>
-                  <a:tcPr/>
-                </a:tc>
-                <a:tc>
-                  <a:txBody>
-                    <a:bodyPr/>
-                    <a:lstStyle/>
-                    <a:p>
-                      <a:pPr latinLnBrk="1"/>
-                      <a:endParaRPr lang="ko-KR" altLang="en-US" sz="1100"/>
-                    </a:p>
-                  </a:txBody>
-                  <a:tcPr/>
-                </a:tc>
-                <a:tc>
-                  <a:txBody>
-                    <a:bodyPr/>
-                    <a:lstStyle/>
-                    <a:p>
-                      <a:pPr latinLnBrk="1"/>
-                      <a:endParaRPr lang="ko-KR" altLang="en-US" sz="1100"/>
-                    </a:p>
-                  </a:txBody>
-                  <a:tcPr/>
-                </a:tc>
-                <a:tc>
-                  <a:txBody>
-                    <a:bodyPr/>
-                    <a:lstStyle/>
-                    <a:p>
-                      <a:pPr latinLnBrk="1"/>
-                      <a:endParaRPr lang="ko-KR" altLang="en-US" sz="1100"/>
-                    </a:p>
-                  </a:txBody>
-                  <a:tcPr/>
-                </a:tc>
-                <a:tc>
-                  <a:txBody>
-                    <a:bodyPr/>
-                    <a:lstStyle/>
-                    <a:p>
-                      <a:pPr latinLnBrk="1"/>
-                      <a:endParaRPr lang="ko-KR" altLang="en-US" sz="1100"/>
-                    </a:p>
-                  </a:txBody>
-                  <a:tcPr/>
-                </a:tc>
-                <a:tc>
-                  <a:txBody>
-                    <a:bodyPr/>
-                    <a:lstStyle/>
-                    <a:p>
-                      <a:pPr latinLnBrk="1"/>
-                      <a:endParaRPr lang="ko-KR" altLang="en-US" sz="1100"/>
-                    </a:p>
-                  </a:txBody>
-                  <a:tcPr/>
-                </a:tc>
-                <a:extLst>
-                  <a:ext uri="{0D108BD9-81ED-4DB2-BD59-A6C34878D82A}">
-                    <a16:rowId xmlns:a16="http://schemas.microsoft.com/office/drawing/2014/main" val="1979443432"/>
-                  </a:ext>
-                </a:extLst>
-              </a:tr>
-              <a:tr h="138814">
-                <a:tc>
-                  <a:txBody>
-                    <a:bodyPr/>
-                    <a:lstStyle/>
-                    <a:p>
-                      <a:pPr latinLnBrk="1"/>
-                      <a:r>
-                        <a:rPr lang="ko-KR" altLang="en-US" sz="1100"/>
-                        <a:t>자동선택</a:t>
-                      </a:r>
-                    </a:p>
-                  </a:txBody>
-                  <a:tcPr/>
-                </a:tc>
-                <a:tc>
-                  <a:txBody>
-                    <a:bodyPr/>
-                    <a:lstStyle/>
-                    <a:p>
-                      <a:pPr latinLnBrk="1"/>
-                      <a:r>
-                        <a:rPr lang="en-US" altLang="ko-KR" sz="1100"/>
-                        <a:t>autoSTN01_02</a:t>
-                      </a:r>
-                      <a:endParaRPr lang="ko-KR" altLang="en-US" sz="1100"/>
-                    </a:p>
-                  </a:txBody>
-                  <a:tcPr/>
-                </a:tc>
-                <a:tc>
-                  <a:txBody>
-                    <a:bodyPr/>
-                    <a:lstStyle/>
-                    <a:p>
-                      <a:pPr latinLnBrk="1"/>
-                      <a:r>
-                        <a:rPr lang="en-US" altLang="ko-KR" sz="1100"/>
-                        <a:t>bool</a:t>
-                      </a:r>
-                      <a:endParaRPr lang="ko-KR" altLang="en-US" sz="1100"/>
-                    </a:p>
-                  </a:txBody>
-                  <a:tcPr/>
-                </a:tc>
-                <a:tc>
-                  <a:txBody>
-                    <a:bodyPr/>
-                    <a:lstStyle/>
-                    <a:p>
-                      <a:pPr latinLnBrk="1"/>
-                      <a:r>
-                        <a:rPr lang="en-US" altLang="ko-KR" sz="1100"/>
-                        <a:t>%IX0.0.18</a:t>
-                      </a:r>
-                      <a:endParaRPr lang="ko-KR" altLang="en-US" sz="1100"/>
-                    </a:p>
-                  </a:txBody>
-                  <a:tcPr/>
-                </a:tc>
-                <a:tc>
-                  <a:txBody>
-                    <a:bodyPr/>
-                    <a:lstStyle/>
-                    <a:p>
-                      <a:pPr latinLnBrk="1"/>
-                      <a:r>
-                        <a:rPr lang="en-US" altLang="ko-KR" sz="1100"/>
-                        <a:t>%QX0.1.18</a:t>
-                      </a:r>
-                      <a:endParaRPr lang="ko-KR" altLang="en-US" sz="1100"/>
-                    </a:p>
-                  </a:txBody>
-                  <a:tcPr/>
-                </a:tc>
-                <a:tc>
-                  <a:txBody>
-                    <a:bodyPr/>
-                    <a:lstStyle/>
-                    <a:p>
-                      <a:pPr latinLnBrk="1"/>
-                      <a:endParaRPr lang="ko-KR" altLang="en-US" sz="1100"/>
-                    </a:p>
-                  </a:txBody>
-                  <a:tcPr/>
-                </a:tc>
-                <a:tc>
-                  <a:txBody>
-                    <a:bodyPr/>
-                    <a:lstStyle/>
-                    <a:p>
-                      <a:pPr latinLnBrk="1"/>
-                      <a:endParaRPr lang="ko-KR" altLang="en-US" sz="1100"/>
-                    </a:p>
-                  </a:txBody>
-                  <a:tcPr/>
-                </a:tc>
-                <a:extLst>
-                  <a:ext uri="{0D108BD9-81ED-4DB2-BD59-A6C34878D82A}">
-                    <a16:rowId xmlns:a16="http://schemas.microsoft.com/office/drawing/2014/main" val="3056882574"/>
-                  </a:ext>
-                </a:extLst>
-              </a:tr>
-              <a:tr h="138814">
-                <a:tc>
-                  <a:txBody>
-                    <a:bodyPr/>
-                    <a:lstStyle/>
-                    <a:p>
-                      <a:pPr latinLnBrk="1"/>
-                      <a:r>
-                        <a:rPr lang="ko-KR" altLang="en-US" sz="1100"/>
-                        <a:t>수동선택</a:t>
-                      </a:r>
-                    </a:p>
-                  </a:txBody>
-                  <a:tcPr/>
-                </a:tc>
-                <a:tc>
-                  <a:txBody>
-                    <a:bodyPr/>
-                    <a:lstStyle/>
-                    <a:p>
-                      <a:pPr latinLnBrk="1"/>
-                      <a:r>
-                        <a:rPr lang="en-US" altLang="ko-KR" sz="1100"/>
-                        <a:t>manualSTN01_02</a:t>
-                      </a:r>
-                      <a:endParaRPr lang="ko-KR" altLang="en-US" sz="1100"/>
-                    </a:p>
-                  </a:txBody>
-                  <a:tcPr/>
-                </a:tc>
-                <a:tc>
-                  <a:txBody>
-                    <a:bodyPr/>
-                    <a:lstStyle/>
-                    <a:p>
-                      <a:pPr latinLnBrk="1"/>
-                      <a:r>
-                        <a:rPr lang="en-US" altLang="ko-KR" sz="1100"/>
-                        <a:t>bool</a:t>
-                      </a:r>
-                      <a:endParaRPr lang="ko-KR" altLang="en-US" sz="1100"/>
-                    </a:p>
-                  </a:txBody>
-                  <a:tcPr/>
-                </a:tc>
-                <a:tc>
-                  <a:txBody>
-                    <a:bodyPr/>
-                    <a:lstStyle/>
-                    <a:p>
-                      <a:pPr latinLnBrk="1"/>
-                      <a:r>
-                        <a:rPr lang="en-US" altLang="ko-KR" sz="1100"/>
-                        <a:t>%IX0.0.19</a:t>
-                      </a:r>
-                      <a:endParaRPr lang="ko-KR" altLang="en-US" sz="1100"/>
-                    </a:p>
-                  </a:txBody>
-                  <a:tcPr/>
-                </a:tc>
-                <a:tc>
-                  <a:txBody>
-                    <a:bodyPr/>
-                    <a:lstStyle/>
-                    <a:p>
-                      <a:pPr latinLnBrk="1"/>
-                      <a:r>
-                        <a:rPr lang="en-US" altLang="ko-KR" sz="1100"/>
-                        <a:t>%QX0.1.19</a:t>
-                      </a:r>
-                      <a:endParaRPr lang="ko-KR" altLang="en-US" sz="1100"/>
-                    </a:p>
-                  </a:txBody>
-                  <a:tcPr/>
-                </a:tc>
-                <a:tc>
-                  <a:txBody>
-                    <a:bodyPr/>
-                    <a:lstStyle/>
-                    <a:p>
-                      <a:pPr latinLnBrk="1"/>
-                      <a:endParaRPr lang="ko-KR" altLang="en-US" sz="1100"/>
-                    </a:p>
-                  </a:txBody>
-                  <a:tcPr/>
-                </a:tc>
-                <a:tc>
-                  <a:txBody>
-                    <a:bodyPr/>
-                    <a:lstStyle/>
-                    <a:p>
-                      <a:pPr latinLnBrk="1"/>
-                      <a:endParaRPr lang="ko-KR" altLang="en-US" sz="1100"/>
-                    </a:p>
-                  </a:txBody>
-                  <a:tcPr/>
-                </a:tc>
-                <a:extLst>
-                  <a:ext uri="{0D108BD9-81ED-4DB2-BD59-A6C34878D82A}">
-                    <a16:rowId xmlns:a16="http://schemas.microsoft.com/office/drawing/2014/main" val="4089045705"/>
-                  </a:ext>
-                </a:extLst>
-              </a:tr>
-              <a:tr h="138814">
-                <a:tc>
-                  <a:txBody>
-                    <a:bodyPr/>
-                    <a:lstStyle/>
-                    <a:p>
-                      <a:pPr latinLnBrk="1"/>
-                      <a:r>
-                        <a:rPr lang="ko-KR" altLang="en-US" sz="1100"/>
-                        <a:t>운전푸쉬</a:t>
-                      </a:r>
-                    </a:p>
-                  </a:txBody>
-                  <a:tcPr/>
-                </a:tc>
-                <a:tc>
-                  <a:txBody>
-                    <a:bodyPr/>
-                    <a:lstStyle/>
-                    <a:p>
-                      <a:pPr latinLnBrk="1"/>
-                      <a:r>
-                        <a:rPr lang="en-US" altLang="ko-KR" sz="1100"/>
-                        <a:t>driveSTN01_02</a:t>
-                      </a:r>
-                      <a:endParaRPr lang="ko-KR" altLang="en-US" sz="1100"/>
-                    </a:p>
-                  </a:txBody>
-                  <a:tcPr/>
-                </a:tc>
-                <a:tc>
-                  <a:txBody>
-                    <a:bodyPr/>
-                    <a:lstStyle/>
-                    <a:p>
-                      <a:pPr latinLnBrk="1"/>
-                      <a:r>
-                        <a:rPr lang="en-US" altLang="ko-KR" sz="1100"/>
-                        <a:t>bool</a:t>
-                      </a:r>
-                      <a:endParaRPr lang="ko-KR" altLang="en-US" sz="1100"/>
-                    </a:p>
-                  </a:txBody>
-                  <a:tcPr/>
-                </a:tc>
-                <a:tc>
-                  <a:txBody>
-                    <a:bodyPr/>
-                    <a:lstStyle/>
-                    <a:p>
-                      <a:pPr latinLnBrk="1"/>
-                      <a:r>
-                        <a:rPr lang="en-US" altLang="ko-KR" sz="1100"/>
-                        <a:t>%IX0.0.20</a:t>
-                      </a:r>
-                      <a:endParaRPr lang="ko-KR" altLang="en-US" sz="1100"/>
-                    </a:p>
-                  </a:txBody>
-                  <a:tcPr/>
-                </a:tc>
-                <a:tc>
-                  <a:txBody>
-                    <a:bodyPr/>
-                    <a:lstStyle/>
-                    <a:p>
-                      <a:pPr latinLnBrk="1"/>
-                      <a:r>
-                        <a:rPr lang="en-US" altLang="ko-KR" sz="1100"/>
-                        <a:t>%QX0.1.20</a:t>
-                      </a:r>
-                      <a:endParaRPr lang="ko-KR" altLang="en-US" sz="1100"/>
-                    </a:p>
-                  </a:txBody>
-                  <a:tcPr/>
-                </a:tc>
-                <a:tc>
-                  <a:txBody>
-                    <a:bodyPr/>
-                    <a:lstStyle/>
-                    <a:p>
-                      <a:pPr latinLnBrk="1"/>
-                      <a:endParaRPr lang="ko-KR" altLang="en-US" sz="1100"/>
-                    </a:p>
-                  </a:txBody>
-                  <a:tcPr/>
-                </a:tc>
-                <a:tc>
-                  <a:txBody>
-                    <a:bodyPr/>
-                    <a:lstStyle/>
-                    <a:p>
-                      <a:pPr latinLnBrk="1"/>
-                      <a:endParaRPr lang="ko-KR" altLang="en-US" sz="1100"/>
-                    </a:p>
-                  </a:txBody>
-                  <a:tcPr/>
-                </a:tc>
-                <a:extLst>
-                  <a:ext uri="{0D108BD9-81ED-4DB2-BD59-A6C34878D82A}">
-                    <a16:rowId xmlns:a16="http://schemas.microsoft.com/office/drawing/2014/main" val="2046383628"/>
-                  </a:ext>
-                </a:extLst>
-              </a:tr>
-              <a:tr h="138814">
-                <a:tc>
-                  <a:txBody>
-                    <a:bodyPr/>
-                    <a:lstStyle/>
-                    <a:p>
-                      <a:pPr latinLnBrk="1"/>
-                      <a:r>
-                        <a:rPr lang="ko-KR" altLang="en-US" sz="1100"/>
-                        <a:t>정지푸쉬</a:t>
-                      </a:r>
-                    </a:p>
-                  </a:txBody>
-                  <a:tcPr/>
-                </a:tc>
-                <a:tc>
-                  <a:txBody>
-                    <a:bodyPr/>
-                    <a:lstStyle/>
-                    <a:p>
-                      <a:pPr latinLnBrk="1"/>
-                      <a:r>
-                        <a:rPr lang="en-US" altLang="ko-KR" sz="1100"/>
-                        <a:t>stopSTN01_02</a:t>
-                      </a:r>
-                      <a:endParaRPr lang="ko-KR" altLang="en-US" sz="1100"/>
-                    </a:p>
-                  </a:txBody>
-                  <a:tcPr/>
-                </a:tc>
-                <a:tc>
-                  <a:txBody>
-                    <a:bodyPr/>
-                    <a:lstStyle/>
-                    <a:p>
-                      <a:pPr latinLnBrk="1"/>
-                      <a:r>
-                        <a:rPr lang="en-US" altLang="ko-KR" sz="1100"/>
-                        <a:t>bool</a:t>
-                      </a:r>
-                      <a:endParaRPr lang="ko-KR" altLang="en-US" sz="1100"/>
-                    </a:p>
-                  </a:txBody>
-                  <a:tcPr/>
-                </a:tc>
-                <a:tc>
-                  <a:txBody>
-                    <a:bodyPr/>
-                    <a:lstStyle/>
-                    <a:p>
-                      <a:pPr latinLnBrk="1"/>
-                      <a:r>
-                        <a:rPr lang="en-US" altLang="ko-KR" sz="1100"/>
-                        <a:t>%IX0.0.21</a:t>
-                      </a:r>
-                      <a:endParaRPr lang="ko-KR" altLang="en-US" sz="1100"/>
-                    </a:p>
-                  </a:txBody>
-                  <a:tcPr/>
-                </a:tc>
-                <a:tc>
-                  <a:txBody>
-                    <a:bodyPr/>
-                    <a:lstStyle/>
-                    <a:p>
-                      <a:pPr latinLnBrk="1"/>
-                      <a:r>
-                        <a:rPr lang="en-US" altLang="ko-KR" sz="1100"/>
-                        <a:t>%QX0.1.21</a:t>
-                      </a:r>
-                      <a:endParaRPr lang="ko-KR" altLang="en-US" sz="1100"/>
-                    </a:p>
-                  </a:txBody>
-                  <a:tcPr/>
-                </a:tc>
-                <a:tc>
-                  <a:txBody>
-                    <a:bodyPr/>
-                    <a:lstStyle/>
-                    <a:p>
-                      <a:pPr latinLnBrk="1"/>
-                      <a:endParaRPr lang="ko-KR" altLang="en-US" sz="1100"/>
-                    </a:p>
-                  </a:txBody>
-                  <a:tcPr/>
-                </a:tc>
-                <a:tc>
-                  <a:txBody>
-                    <a:bodyPr/>
-                    <a:lstStyle/>
-                    <a:p>
-                      <a:pPr latinLnBrk="1"/>
-                      <a:endParaRPr lang="ko-KR" altLang="en-US" sz="1100"/>
-                    </a:p>
-                  </a:txBody>
-                  <a:tcPr/>
-                </a:tc>
-                <a:extLst>
-                  <a:ext uri="{0D108BD9-81ED-4DB2-BD59-A6C34878D82A}">
-                    <a16:rowId xmlns:a16="http://schemas.microsoft.com/office/drawing/2014/main" val="831549969"/>
-                  </a:ext>
-                </a:extLst>
-              </a:tr>
-              <a:tr h="138814">
-                <a:tc>
-                  <a:txBody>
-                    <a:bodyPr/>
-                    <a:lstStyle/>
-                    <a:p>
-                      <a:pPr latinLnBrk="1"/>
-                      <a:r>
-                        <a:rPr lang="ko-KR" altLang="en-US" sz="1100"/>
-                        <a:t>비상푸쉬</a:t>
-                      </a:r>
-                    </a:p>
-                  </a:txBody>
-                  <a:tcPr/>
-                </a:tc>
-                <a:tc>
-                  <a:txBody>
-                    <a:bodyPr/>
-                    <a:lstStyle/>
-                    <a:p>
-                      <a:pPr latinLnBrk="1"/>
-                      <a:r>
-                        <a:rPr lang="en-US" altLang="ko-KR" sz="1100"/>
-                        <a:t>emgSTN01_02</a:t>
-                      </a:r>
-                      <a:endParaRPr lang="ko-KR" altLang="en-US" sz="1100"/>
-                    </a:p>
-                  </a:txBody>
-                  <a:tcPr/>
-                </a:tc>
-                <a:tc>
-                  <a:txBody>
-                    <a:bodyPr/>
-                    <a:lstStyle/>
-                    <a:p>
-                      <a:pPr latinLnBrk="1"/>
-                      <a:r>
-                        <a:rPr lang="en-US" altLang="ko-KR" sz="1100"/>
-                        <a:t>bool</a:t>
-                      </a:r>
-                      <a:endParaRPr lang="ko-KR" altLang="en-US" sz="1100"/>
-                    </a:p>
-                  </a:txBody>
-                  <a:tcPr/>
-                </a:tc>
-                <a:tc>
-                  <a:txBody>
-                    <a:bodyPr/>
-                    <a:lstStyle/>
-                    <a:p>
-                      <a:pPr latinLnBrk="1"/>
-                      <a:r>
-                        <a:rPr lang="en-US" altLang="ko-KR" sz="1100"/>
-                        <a:t>%IX0.0.22</a:t>
-                      </a:r>
-                      <a:endParaRPr lang="ko-KR" altLang="en-US" sz="1100"/>
-                    </a:p>
-                  </a:txBody>
-                  <a:tcPr/>
-                </a:tc>
-                <a:tc>
-                  <a:txBody>
-                    <a:bodyPr/>
-                    <a:lstStyle/>
-                    <a:p>
-                      <a:pPr latinLnBrk="1"/>
-                      <a:r>
-                        <a:rPr lang="en-US" altLang="ko-KR" sz="1100"/>
-                        <a:t>%QX0.1.22</a:t>
-                      </a:r>
-                      <a:endParaRPr lang="ko-KR" altLang="en-US" sz="1100"/>
-                    </a:p>
-                  </a:txBody>
-                  <a:tcPr/>
-                </a:tc>
-                <a:tc>
-                  <a:txBody>
-                    <a:bodyPr/>
-                    <a:lstStyle/>
-                    <a:p>
-                      <a:pPr latinLnBrk="1"/>
-                      <a:endParaRPr lang="ko-KR" altLang="en-US" sz="1100"/>
-                    </a:p>
-                  </a:txBody>
-                  <a:tcPr/>
-                </a:tc>
-                <a:tc>
-                  <a:txBody>
-                    <a:bodyPr/>
-                    <a:lstStyle/>
-                    <a:p>
-                      <a:pPr latinLnBrk="1"/>
-                      <a:endParaRPr lang="ko-KR" altLang="en-US" sz="1100"/>
-                    </a:p>
-                  </a:txBody>
-                  <a:tcPr/>
-                </a:tc>
-                <a:extLst>
-                  <a:ext uri="{0D108BD9-81ED-4DB2-BD59-A6C34878D82A}">
-                    <a16:rowId xmlns:a16="http://schemas.microsoft.com/office/drawing/2014/main" val="2222945011"/>
-                  </a:ext>
-                </a:extLst>
-              </a:tr>
-              <a:tr h="138814">
-                <a:tc>
-                  <a:txBody>
-                    <a:bodyPr/>
-                    <a:lstStyle/>
-                    <a:p>
-                      <a:pPr latinLnBrk="1"/>
-                      <a:r>
-                        <a:rPr lang="ko-KR" altLang="en-US" sz="1100"/>
-                        <a:t>시운전푸쉬</a:t>
-                      </a:r>
-                    </a:p>
-                  </a:txBody>
-                  <a:tcPr/>
-                </a:tc>
-                <a:tc>
-                  <a:txBody>
-                    <a:bodyPr/>
-                    <a:lstStyle/>
-                    <a:p>
-                      <a:pPr latinLnBrk="1"/>
-                      <a:r>
-                        <a:rPr lang="en-US" altLang="ko-KR" sz="1100"/>
-                        <a:t>testrunSTN01_02</a:t>
-                      </a:r>
-                      <a:endParaRPr lang="ko-KR" altLang="en-US" sz="1100"/>
-                    </a:p>
-                  </a:txBody>
-                  <a:tcPr/>
-                </a:tc>
-                <a:tc>
-                  <a:txBody>
-                    <a:bodyPr/>
-                    <a:lstStyle/>
-                    <a:p>
-                      <a:pPr latinLnBrk="1"/>
-                      <a:r>
-                        <a:rPr lang="en-US" altLang="ko-KR" sz="1100"/>
-                        <a:t>bool</a:t>
-                      </a:r>
-                      <a:endParaRPr lang="ko-KR" altLang="en-US" sz="1100"/>
-                    </a:p>
-                  </a:txBody>
-                  <a:tcPr/>
-                </a:tc>
-                <a:tc>
-                  <a:txBody>
-                    <a:bodyPr/>
-                    <a:lstStyle/>
-                    <a:p>
-                      <a:pPr latinLnBrk="1"/>
-                      <a:r>
-                        <a:rPr lang="en-US" altLang="ko-KR" sz="1100"/>
-                        <a:t>%IX0.0.23</a:t>
-                      </a:r>
-                      <a:endParaRPr lang="ko-KR" altLang="en-US" sz="1100"/>
-                    </a:p>
-                  </a:txBody>
-                  <a:tcPr/>
-                </a:tc>
-                <a:tc>
-                  <a:txBody>
-                    <a:bodyPr/>
-                    <a:lstStyle/>
-                    <a:p>
-                      <a:pPr latinLnBrk="1"/>
-                      <a:r>
-                        <a:rPr lang="en-US" altLang="ko-KR" sz="1100"/>
-                        <a:t>%QX0.1.23</a:t>
-                      </a:r>
-                      <a:endParaRPr lang="ko-KR" altLang="en-US" sz="1100"/>
-                    </a:p>
-                  </a:txBody>
-                  <a:tcPr/>
-                </a:tc>
-                <a:tc>
-                  <a:txBody>
-                    <a:bodyPr/>
-                    <a:lstStyle/>
-                    <a:p>
-                      <a:pPr latinLnBrk="1"/>
-                      <a:endParaRPr lang="ko-KR" altLang="en-US" sz="1100"/>
-                    </a:p>
-                  </a:txBody>
-                  <a:tcPr/>
-                </a:tc>
-                <a:tc>
-                  <a:txBody>
-                    <a:bodyPr/>
-                    <a:lstStyle/>
-                    <a:p>
-                      <a:pPr latinLnBrk="1"/>
-                      <a:endParaRPr lang="ko-KR" altLang="en-US" sz="1100"/>
-                    </a:p>
-                  </a:txBody>
-                  <a:tcPr/>
-                </a:tc>
-                <a:extLst>
-                  <a:ext uri="{0D108BD9-81ED-4DB2-BD59-A6C34878D82A}">
-                    <a16:rowId xmlns:a16="http://schemas.microsoft.com/office/drawing/2014/main" val="1831564440"/>
-                  </a:ext>
-                </a:extLst>
-              </a:tr>
-              <a:tr h="138814">
-                <a:tc>
-                  <a:txBody>
-                    <a:bodyPr/>
-                    <a:lstStyle/>
-                    <a:p>
-                      <a:pPr latinLnBrk="1"/>
-                      <a:r>
-                        <a:rPr lang="ko-KR" altLang="en-US" sz="1100" dirty="0" err="1"/>
-                        <a:t>해지푸쉬</a:t>
-                      </a:r>
-                      <a:endParaRPr lang="ko-KR" altLang="en-US" sz="1100" dirty="0"/>
-                    </a:p>
-                  </a:txBody>
-                  <a:tcPr/>
-                </a:tc>
-                <a:tc>
-                  <a:txBody>
-                    <a:bodyPr/>
-                    <a:lstStyle/>
-                    <a:p>
-                      <a:pPr latinLnBrk="1"/>
-                      <a:r>
-                        <a:rPr lang="en-US" altLang="ko-KR" sz="1100"/>
-                        <a:t>clearSTN01_02</a:t>
-                      </a:r>
-                      <a:endParaRPr lang="ko-KR" altLang="en-US" sz="1100"/>
-                    </a:p>
-                  </a:txBody>
-                  <a:tcPr/>
-                </a:tc>
-                <a:tc>
-                  <a:txBody>
-                    <a:bodyPr/>
-                    <a:lstStyle/>
-                    <a:p>
-                      <a:pPr latinLnBrk="1"/>
-                      <a:r>
-                        <a:rPr lang="en-US" altLang="ko-KR" sz="1100"/>
-                        <a:t>bool</a:t>
-                      </a:r>
-                      <a:endParaRPr lang="ko-KR" altLang="en-US" sz="1100"/>
-                    </a:p>
-                  </a:txBody>
-                  <a:tcPr/>
-                </a:tc>
-                <a:tc>
-                  <a:txBody>
-                    <a:bodyPr/>
-                    <a:lstStyle/>
-                    <a:p>
-                      <a:pPr latinLnBrk="1"/>
-                      <a:r>
-                        <a:rPr lang="en-US" altLang="ko-KR" sz="1100"/>
-                        <a:t>%IX0.0.24</a:t>
-                      </a:r>
-                      <a:endParaRPr lang="ko-KR" altLang="en-US" sz="1100"/>
-                    </a:p>
-                  </a:txBody>
-                  <a:tcPr/>
-                </a:tc>
-                <a:tc>
-                  <a:txBody>
-                    <a:bodyPr/>
-                    <a:lstStyle/>
-                    <a:p>
-                      <a:pPr latinLnBrk="1"/>
-                      <a:r>
-                        <a:rPr lang="en-US" altLang="ko-KR" sz="1100"/>
-                        <a:t>%QX0.1.24</a:t>
-                      </a:r>
-                      <a:endParaRPr lang="ko-KR" altLang="en-US" sz="1100"/>
-                    </a:p>
-                  </a:txBody>
-                  <a:tcPr/>
-                </a:tc>
-                <a:tc>
-                  <a:txBody>
-                    <a:bodyPr/>
-                    <a:lstStyle/>
-                    <a:p>
-                      <a:pPr latinLnBrk="1"/>
-                      <a:endParaRPr lang="ko-KR" altLang="en-US" sz="1100"/>
-                    </a:p>
-                  </a:txBody>
-                  <a:tcPr/>
-                </a:tc>
-                <a:tc>
-                  <a:txBody>
-                    <a:bodyPr/>
-                    <a:lstStyle/>
-                    <a:p>
-                      <a:pPr latinLnBrk="1"/>
-                      <a:endParaRPr lang="ko-KR" altLang="en-US" sz="1100"/>
-                    </a:p>
-                  </a:txBody>
-                  <a:tcPr/>
-                </a:tc>
-                <a:extLst>
-                  <a:ext uri="{0D108BD9-81ED-4DB2-BD59-A6C34878D82A}">
-                    <a16:rowId xmlns:a16="http://schemas.microsoft.com/office/drawing/2014/main" val="3490263719"/>
-                  </a:ext>
-                </a:extLst>
-              </a:tr>
-              <a:tr h="138814">
-                <a:tc>
-                  <a:txBody>
-                    <a:bodyPr/>
-                    <a:lstStyle/>
-                    <a:p>
-                      <a:pPr latinLnBrk="1"/>
-                      <a:r>
-                        <a:rPr lang="ko-KR" altLang="en-US" sz="1100"/>
-                        <a:t>복귀푸쉬</a:t>
-                      </a:r>
-                    </a:p>
-                  </a:txBody>
-                  <a:tcPr/>
-                </a:tc>
-                <a:tc>
-                  <a:txBody>
-                    <a:bodyPr/>
-                    <a:lstStyle/>
-                    <a:p>
-                      <a:pPr latinLnBrk="1"/>
-                      <a:r>
-                        <a:rPr lang="en-US" altLang="ko-KR" sz="1100"/>
-                        <a:t>homeSTN01_02</a:t>
-                      </a:r>
-                      <a:endParaRPr lang="ko-KR" altLang="en-US" sz="1100"/>
-                    </a:p>
-                  </a:txBody>
-                  <a:tcPr/>
-                </a:tc>
-                <a:tc>
-                  <a:txBody>
-                    <a:bodyPr/>
-                    <a:lstStyle/>
-                    <a:p>
-                      <a:pPr latinLnBrk="1"/>
-                      <a:r>
-                        <a:rPr lang="en-US" altLang="ko-KR" sz="1100"/>
-                        <a:t>bool</a:t>
-                      </a:r>
-                      <a:endParaRPr lang="ko-KR" altLang="en-US" sz="1100"/>
-                    </a:p>
-                  </a:txBody>
-                  <a:tcPr/>
-                </a:tc>
-                <a:tc>
-                  <a:txBody>
-                    <a:bodyPr/>
-                    <a:lstStyle/>
-                    <a:p>
-                      <a:pPr latinLnBrk="1"/>
-                      <a:r>
-                        <a:rPr lang="en-US" altLang="ko-KR" sz="1100"/>
-                        <a:t>%IX0.0.25</a:t>
-                      </a:r>
-                      <a:endParaRPr lang="ko-KR" altLang="en-US" sz="1100"/>
-                    </a:p>
-                  </a:txBody>
-                  <a:tcPr/>
-                </a:tc>
-                <a:tc>
-                  <a:txBody>
-                    <a:bodyPr/>
-                    <a:lstStyle/>
-                    <a:p>
-                      <a:pPr latinLnBrk="1"/>
-                      <a:r>
-                        <a:rPr lang="en-US" altLang="ko-KR" sz="1100"/>
-                        <a:t>%QX0.1.25</a:t>
-                      </a:r>
-                      <a:endParaRPr lang="ko-KR" altLang="en-US" sz="1100"/>
-                    </a:p>
-                  </a:txBody>
-                  <a:tcPr/>
-                </a:tc>
-                <a:tc>
-                  <a:txBody>
-                    <a:bodyPr/>
-                    <a:lstStyle/>
-                    <a:p>
-                      <a:pPr latinLnBrk="1"/>
-                      <a:endParaRPr lang="ko-KR" altLang="en-US" sz="1100"/>
-                    </a:p>
-                  </a:txBody>
-                  <a:tcPr/>
-                </a:tc>
-                <a:tc>
-                  <a:txBody>
-                    <a:bodyPr/>
-                    <a:lstStyle/>
-                    <a:p>
-                      <a:pPr latinLnBrk="1"/>
-                      <a:endParaRPr lang="ko-KR" altLang="en-US" sz="1100"/>
-                    </a:p>
-                  </a:txBody>
-                  <a:tcPr/>
-                </a:tc>
-                <a:extLst>
-                  <a:ext uri="{0D108BD9-81ED-4DB2-BD59-A6C34878D82A}">
-                    <a16:rowId xmlns:a16="http://schemas.microsoft.com/office/drawing/2014/main" val="1074727233"/>
-                  </a:ext>
-                </a:extLst>
-              </a:tr>
-              <a:tr h="138814">
-                <a:tc>
-                  <a:txBody>
-                    <a:bodyPr/>
-                    <a:lstStyle/>
-                    <a:p>
-                      <a:pPr latinLnBrk="1"/>
-                      <a:endParaRPr lang="ko-KR" altLang="en-US" sz="1100"/>
-                    </a:p>
-                  </a:txBody>
-                  <a:tcPr/>
-                </a:tc>
-                <a:tc>
-                  <a:txBody>
-                    <a:bodyPr/>
-                    <a:lstStyle/>
-                    <a:p>
-                      <a:pPr latinLnBrk="1"/>
-                      <a:endParaRPr lang="ko-KR" altLang="en-US" sz="1100"/>
-                    </a:p>
-                  </a:txBody>
-                  <a:tcPr/>
-                </a:tc>
-                <a:tc>
-                  <a:txBody>
-                    <a:bodyPr/>
-                    <a:lstStyle/>
-                    <a:p>
-                      <a:pPr latinLnBrk="1"/>
-                      <a:endParaRPr lang="ko-KR" altLang="en-US" sz="1100"/>
-                    </a:p>
-                  </a:txBody>
-                  <a:tcPr/>
-                </a:tc>
-                <a:tc>
-                  <a:txBody>
-                    <a:bodyPr/>
-                    <a:lstStyle/>
-                    <a:p>
-                      <a:pPr latinLnBrk="1"/>
-                      <a:endParaRPr lang="ko-KR" altLang="en-US" sz="1100"/>
-                    </a:p>
-                  </a:txBody>
-                  <a:tcPr/>
-                </a:tc>
-                <a:tc>
-                  <a:txBody>
-                    <a:bodyPr/>
-                    <a:lstStyle/>
-                    <a:p>
-                      <a:pPr latinLnBrk="1"/>
-                      <a:endParaRPr lang="ko-KR" altLang="en-US" sz="1100"/>
-                    </a:p>
-                  </a:txBody>
-                  <a:tcPr/>
-                </a:tc>
-                <a:tc>
-                  <a:txBody>
-                    <a:bodyPr/>
-                    <a:lstStyle/>
-                    <a:p>
-                      <a:pPr latinLnBrk="1"/>
-                      <a:endParaRPr lang="ko-KR" altLang="en-US" sz="1100"/>
-                    </a:p>
-                  </a:txBody>
-                  <a:tcPr/>
-                </a:tc>
-                <a:tc>
-                  <a:txBody>
-                    <a:bodyPr/>
-                    <a:lstStyle/>
-                    <a:p>
-                      <a:pPr latinLnBrk="1"/>
-                      <a:endParaRPr lang="ko-KR" altLang="en-US" sz="1100"/>
-                    </a:p>
-                  </a:txBody>
-                  <a:tcPr/>
-                </a:tc>
-                <a:extLst>
-                  <a:ext uri="{0D108BD9-81ED-4DB2-BD59-A6C34878D82A}">
-                    <a16:rowId xmlns:a16="http://schemas.microsoft.com/office/drawing/2014/main" val="1792484229"/>
-                  </a:ext>
-                </a:extLst>
-              </a:tr>
-              <a:tr h="138814">
-                <a:tc>
-                  <a:txBody>
-                    <a:bodyPr/>
-                    <a:lstStyle/>
-                    <a:p>
-                      <a:pPr latinLnBrk="1"/>
-                      <a:endParaRPr lang="ko-KR" altLang="en-US" sz="1100"/>
-                    </a:p>
-                  </a:txBody>
-                  <a:tcPr/>
-                </a:tc>
-                <a:tc>
-                  <a:txBody>
-                    <a:bodyPr/>
-                    <a:lstStyle/>
-                    <a:p>
-                      <a:pPr latinLnBrk="1"/>
-                      <a:endParaRPr lang="ko-KR" altLang="en-US" sz="1100"/>
-                    </a:p>
-                  </a:txBody>
-                  <a:tcPr/>
-                </a:tc>
-                <a:tc>
-                  <a:txBody>
-                    <a:bodyPr/>
-                    <a:lstStyle/>
-                    <a:p>
-                      <a:pPr latinLnBrk="1"/>
-                      <a:endParaRPr lang="ko-KR" altLang="en-US" sz="1100"/>
-                    </a:p>
-                  </a:txBody>
-                  <a:tcPr/>
-                </a:tc>
-                <a:tc>
-                  <a:txBody>
-                    <a:bodyPr/>
-                    <a:lstStyle/>
-                    <a:p>
-                      <a:pPr latinLnBrk="1"/>
-                      <a:endParaRPr lang="ko-KR" altLang="en-US" sz="1100"/>
-                    </a:p>
-                  </a:txBody>
-                  <a:tcPr/>
-                </a:tc>
-                <a:tc>
-                  <a:txBody>
-                    <a:bodyPr/>
-                    <a:lstStyle/>
-                    <a:p>
-                      <a:pPr latinLnBrk="1"/>
-                      <a:endParaRPr lang="ko-KR" altLang="en-US" sz="1100"/>
-                    </a:p>
-                  </a:txBody>
-                  <a:tcPr/>
-                </a:tc>
-                <a:tc>
-                  <a:txBody>
-                    <a:bodyPr/>
-                    <a:lstStyle/>
-                    <a:p>
-                      <a:pPr latinLnBrk="1"/>
-                      <a:endParaRPr lang="ko-KR" altLang="en-US" sz="1100"/>
-                    </a:p>
-                  </a:txBody>
-                  <a:tcPr/>
-                </a:tc>
-                <a:tc>
-                  <a:txBody>
-                    <a:bodyPr/>
-                    <a:lstStyle/>
-                    <a:p>
-                      <a:pPr latinLnBrk="1"/>
-                      <a:endParaRPr lang="ko-KR" altLang="en-US" sz="1100"/>
-                    </a:p>
-                  </a:txBody>
-                  <a:tcPr/>
-                </a:tc>
-                <a:extLst>
-                  <a:ext uri="{0D108BD9-81ED-4DB2-BD59-A6C34878D82A}">
-                    <a16:rowId xmlns:a16="http://schemas.microsoft.com/office/drawing/2014/main" val="1730575481"/>
-                  </a:ext>
-                </a:extLst>
-              </a:tr>
-              <a:tr h="138814">
-                <a:tc>
-                  <a:txBody>
-                    <a:bodyPr/>
-                    <a:lstStyle/>
-                    <a:p>
-                      <a:pPr latinLnBrk="1"/>
-                      <a:r>
-                        <a:rPr lang="ko-KR" altLang="en-US" sz="1100"/>
-                        <a:t>운전램프</a:t>
-                      </a:r>
-                    </a:p>
-                  </a:txBody>
-                  <a:tcPr/>
-                </a:tc>
-                <a:tc>
-                  <a:txBody>
-                    <a:bodyPr/>
-                    <a:lstStyle/>
-                    <a:p>
-                      <a:pPr latinLnBrk="1"/>
-                      <a:r>
-                        <a:rPr lang="en-US" altLang="ko-KR" sz="1100"/>
-                        <a:t>driveLamp</a:t>
-                      </a:r>
-                      <a:endParaRPr lang="ko-KR" altLang="en-US" sz="1100"/>
-                    </a:p>
-                  </a:txBody>
-                  <a:tcPr/>
-                </a:tc>
-                <a:tc>
-                  <a:txBody>
-                    <a:bodyPr/>
-                    <a:lstStyle/>
-                    <a:p>
-                      <a:pPr latinLnBrk="1"/>
-                      <a:r>
-                        <a:rPr lang="en-US" altLang="ko-KR" sz="1100"/>
-                        <a:t>bool</a:t>
-                      </a:r>
-                      <a:endParaRPr lang="ko-KR" altLang="en-US" sz="1100"/>
-                    </a:p>
-                  </a:txBody>
-                  <a:tcPr/>
-                </a:tc>
-                <a:tc>
-                  <a:txBody>
-                    <a:bodyPr/>
-                    <a:lstStyle/>
-                    <a:p>
-                      <a:pPr latinLnBrk="1"/>
-                      <a:endParaRPr lang="ko-KR" altLang="en-US" sz="1100"/>
-                    </a:p>
-                  </a:txBody>
-                  <a:tcPr/>
-                </a:tc>
-                <a:tc>
-                  <a:txBody>
-                    <a:bodyPr/>
-                    <a:lstStyle/>
-                    <a:p>
-                      <a:pPr latinLnBrk="1"/>
-                      <a:r>
-                        <a:rPr lang="en-US" altLang="ko-KR" sz="1100"/>
-                        <a:t>%QX0.1.26</a:t>
-                      </a:r>
-                      <a:endParaRPr lang="ko-KR" altLang="en-US" sz="1100"/>
-                    </a:p>
-                  </a:txBody>
-                  <a:tcPr/>
-                </a:tc>
-                <a:tc>
-                  <a:txBody>
-                    <a:bodyPr/>
-                    <a:lstStyle/>
-                    <a:p>
-                      <a:pPr latinLnBrk="1"/>
-                      <a:endParaRPr lang="ko-KR" altLang="en-US" sz="1100"/>
-                    </a:p>
-                  </a:txBody>
-                  <a:tcPr/>
-                </a:tc>
-                <a:tc>
-                  <a:txBody>
-                    <a:bodyPr/>
-                    <a:lstStyle/>
-                    <a:p>
-                      <a:pPr latinLnBrk="1"/>
-                      <a:endParaRPr lang="ko-KR" altLang="en-US" sz="1100"/>
-                    </a:p>
-                  </a:txBody>
-                  <a:tcPr/>
-                </a:tc>
-                <a:extLst>
-                  <a:ext uri="{0D108BD9-81ED-4DB2-BD59-A6C34878D82A}">
-                    <a16:rowId xmlns:a16="http://schemas.microsoft.com/office/drawing/2014/main" val="818321908"/>
-                  </a:ext>
-                </a:extLst>
-              </a:tr>
-              <a:tr h="138814">
-                <a:tc>
-                  <a:txBody>
-                    <a:bodyPr/>
-                    <a:lstStyle/>
-                    <a:p>
-                      <a:pPr latinLnBrk="1"/>
-                      <a:r>
-                        <a:rPr lang="ko-KR" altLang="en-US" sz="1100"/>
-                        <a:t>자동램프</a:t>
-                      </a:r>
-                    </a:p>
-                  </a:txBody>
-                  <a:tcPr/>
-                </a:tc>
-                <a:tc>
-                  <a:txBody>
-                    <a:bodyPr/>
-                    <a:lstStyle/>
-                    <a:p>
-                      <a:pPr latinLnBrk="1"/>
-                      <a:r>
-                        <a:rPr lang="en-US" altLang="ko-KR" sz="1100"/>
-                        <a:t>autoLamp</a:t>
-                      </a:r>
-                      <a:endParaRPr lang="ko-KR" altLang="en-US" sz="1100"/>
-                    </a:p>
-                  </a:txBody>
-                  <a:tcPr/>
-                </a:tc>
-                <a:tc>
-                  <a:txBody>
-                    <a:bodyPr/>
-                    <a:lstStyle/>
-                    <a:p>
-                      <a:pPr latinLnBrk="1"/>
-                      <a:r>
-                        <a:rPr lang="en-US" altLang="ko-KR" sz="1100"/>
-                        <a:t>bool</a:t>
-                      </a:r>
-                      <a:endParaRPr lang="ko-KR" altLang="en-US" sz="1100"/>
-                    </a:p>
-                  </a:txBody>
-                  <a:tcPr/>
-                </a:tc>
-                <a:tc>
-                  <a:txBody>
-                    <a:bodyPr/>
-                    <a:lstStyle/>
-                    <a:p>
-                      <a:pPr latinLnBrk="1"/>
-                      <a:endParaRPr lang="ko-KR" altLang="en-US" sz="1100"/>
-                    </a:p>
-                  </a:txBody>
-                  <a:tcPr/>
-                </a:tc>
-                <a:tc>
-                  <a:txBody>
-                    <a:bodyPr/>
-                    <a:lstStyle/>
-                    <a:p>
-                      <a:pPr latinLnBrk="1"/>
-                      <a:r>
-                        <a:rPr lang="en-US" altLang="ko-KR" sz="1100"/>
-                        <a:t>%QX0.1.27</a:t>
-                      </a:r>
-                      <a:endParaRPr lang="ko-KR" altLang="en-US" sz="1100"/>
-                    </a:p>
-                  </a:txBody>
-                  <a:tcPr/>
-                </a:tc>
-                <a:tc>
-                  <a:txBody>
-                    <a:bodyPr/>
-                    <a:lstStyle/>
-                    <a:p>
-                      <a:pPr latinLnBrk="1"/>
-                      <a:endParaRPr lang="ko-KR" altLang="en-US" sz="1100"/>
-                    </a:p>
-                  </a:txBody>
-                  <a:tcPr/>
-                </a:tc>
-                <a:tc>
-                  <a:txBody>
-                    <a:bodyPr/>
-                    <a:lstStyle/>
-                    <a:p>
-                      <a:pPr latinLnBrk="1"/>
-                      <a:endParaRPr lang="ko-KR" altLang="en-US" sz="1100"/>
-                    </a:p>
-                  </a:txBody>
-                  <a:tcPr/>
-                </a:tc>
-                <a:extLst>
-                  <a:ext uri="{0D108BD9-81ED-4DB2-BD59-A6C34878D82A}">
-                    <a16:rowId xmlns:a16="http://schemas.microsoft.com/office/drawing/2014/main" val="3194479050"/>
-                  </a:ext>
-                </a:extLst>
-              </a:tr>
-              <a:tr h="138814">
-                <a:tc>
-                  <a:txBody>
-                    <a:bodyPr/>
-                    <a:lstStyle/>
-                    <a:p>
-                      <a:pPr latinLnBrk="1"/>
-                      <a:r>
-                        <a:rPr lang="ko-KR" altLang="en-US" sz="1100"/>
-                        <a:t>수동램프</a:t>
-                      </a:r>
-                    </a:p>
-                  </a:txBody>
-                  <a:tcPr/>
-                </a:tc>
-                <a:tc>
-                  <a:txBody>
-                    <a:bodyPr/>
-                    <a:lstStyle/>
-                    <a:p>
-                      <a:pPr latinLnBrk="1"/>
-                      <a:r>
-                        <a:rPr lang="en-US" altLang="ko-KR" sz="1100"/>
-                        <a:t>manualLamp</a:t>
-                      </a:r>
-                      <a:endParaRPr lang="ko-KR" altLang="en-US" sz="1100"/>
-                    </a:p>
-                  </a:txBody>
-                  <a:tcPr/>
-                </a:tc>
-                <a:tc>
-                  <a:txBody>
-                    <a:bodyPr/>
-                    <a:lstStyle/>
-                    <a:p>
-                      <a:pPr latinLnBrk="1"/>
-                      <a:r>
-                        <a:rPr lang="en-US" altLang="ko-KR" sz="1100"/>
-                        <a:t>bool</a:t>
-                      </a:r>
-                      <a:endParaRPr lang="ko-KR" altLang="en-US" sz="1100"/>
-                    </a:p>
-                  </a:txBody>
-                  <a:tcPr/>
-                </a:tc>
-                <a:tc>
-                  <a:txBody>
-                    <a:bodyPr/>
-                    <a:lstStyle/>
-                    <a:p>
-                      <a:pPr latinLnBrk="1"/>
-                      <a:endParaRPr lang="ko-KR" altLang="en-US" sz="1100"/>
-                    </a:p>
-                  </a:txBody>
-                  <a:tcPr/>
-                </a:tc>
-                <a:tc>
-                  <a:txBody>
-                    <a:bodyPr/>
-                    <a:lstStyle/>
-                    <a:p>
-                      <a:pPr latinLnBrk="1"/>
-                      <a:r>
-                        <a:rPr lang="en-US" altLang="ko-KR" sz="1100"/>
-                        <a:t>%QX0.1.28</a:t>
-                      </a:r>
-                      <a:endParaRPr lang="ko-KR" altLang="en-US" sz="1100"/>
-                    </a:p>
-                  </a:txBody>
-                  <a:tcPr/>
-                </a:tc>
-                <a:tc>
-                  <a:txBody>
-                    <a:bodyPr/>
-                    <a:lstStyle/>
-                    <a:p>
-                      <a:pPr latinLnBrk="1"/>
-                      <a:endParaRPr lang="ko-KR" altLang="en-US" sz="1100"/>
-                    </a:p>
-                  </a:txBody>
-                  <a:tcPr/>
-                </a:tc>
-                <a:tc>
-                  <a:txBody>
-                    <a:bodyPr/>
-                    <a:lstStyle/>
-                    <a:p>
-                      <a:pPr latinLnBrk="1"/>
-                      <a:endParaRPr lang="ko-KR" altLang="en-US" sz="1100"/>
-                    </a:p>
-                  </a:txBody>
-                  <a:tcPr/>
-                </a:tc>
-                <a:extLst>
-                  <a:ext uri="{0D108BD9-81ED-4DB2-BD59-A6C34878D82A}">
-                    <a16:rowId xmlns:a16="http://schemas.microsoft.com/office/drawing/2014/main" val="555306716"/>
-                  </a:ext>
-                </a:extLst>
-              </a:tr>
-              <a:tr h="138814">
-                <a:tc>
-                  <a:txBody>
-                    <a:bodyPr/>
-                    <a:lstStyle/>
-                    <a:p>
-                      <a:pPr latinLnBrk="1"/>
-                      <a:r>
-                        <a:rPr lang="ko-KR" altLang="en-US" sz="1100"/>
-                        <a:t>시운전램프</a:t>
-                      </a:r>
-                    </a:p>
-                  </a:txBody>
-                  <a:tcPr/>
-                </a:tc>
-                <a:tc>
-                  <a:txBody>
-                    <a:bodyPr/>
-                    <a:lstStyle/>
-                    <a:p>
-                      <a:pPr latinLnBrk="1"/>
-                      <a:r>
-                        <a:rPr lang="en-US" altLang="ko-KR" sz="1100"/>
-                        <a:t>testrunLamp</a:t>
-                      </a:r>
-                      <a:endParaRPr lang="ko-KR" altLang="en-US" sz="1100"/>
-                    </a:p>
-                  </a:txBody>
-                  <a:tcPr/>
-                </a:tc>
-                <a:tc>
-                  <a:txBody>
-                    <a:bodyPr/>
-                    <a:lstStyle/>
-                    <a:p>
-                      <a:pPr latinLnBrk="1"/>
-                      <a:r>
-                        <a:rPr lang="en-US" altLang="ko-KR" sz="1100"/>
-                        <a:t>bool</a:t>
-                      </a:r>
-                      <a:endParaRPr lang="ko-KR" altLang="en-US" sz="1100"/>
-                    </a:p>
-                  </a:txBody>
-                  <a:tcPr/>
-                </a:tc>
-                <a:tc>
-                  <a:txBody>
-                    <a:bodyPr/>
-                    <a:lstStyle/>
-                    <a:p>
-                      <a:pPr latinLnBrk="1"/>
-                      <a:endParaRPr lang="ko-KR" altLang="en-US" sz="1100"/>
-                    </a:p>
-                  </a:txBody>
-                  <a:tcPr/>
-                </a:tc>
-                <a:tc>
-                  <a:txBody>
-                    <a:bodyPr/>
-                    <a:lstStyle/>
-                    <a:p>
-                      <a:pPr latinLnBrk="1"/>
-                      <a:r>
-                        <a:rPr lang="en-US" altLang="ko-KR" sz="1100"/>
-                        <a:t>%QX0.1.29</a:t>
-                      </a:r>
-                      <a:endParaRPr lang="ko-KR" altLang="en-US" sz="1100"/>
-                    </a:p>
-                  </a:txBody>
-                  <a:tcPr/>
-                </a:tc>
-                <a:tc>
-                  <a:txBody>
-                    <a:bodyPr/>
-                    <a:lstStyle/>
-                    <a:p>
-                      <a:pPr latinLnBrk="1"/>
-                      <a:endParaRPr lang="ko-KR" altLang="en-US" sz="1100"/>
-                    </a:p>
-                  </a:txBody>
-                  <a:tcPr/>
-                </a:tc>
-                <a:tc>
-                  <a:txBody>
-                    <a:bodyPr/>
-                    <a:lstStyle/>
-                    <a:p>
-                      <a:pPr latinLnBrk="1"/>
-                      <a:endParaRPr lang="ko-KR" altLang="en-US" sz="1100"/>
-                    </a:p>
-                  </a:txBody>
-                  <a:tcPr/>
-                </a:tc>
-                <a:extLst>
-                  <a:ext uri="{0D108BD9-81ED-4DB2-BD59-A6C34878D82A}">
-                    <a16:rowId xmlns:a16="http://schemas.microsoft.com/office/drawing/2014/main" val="2398931908"/>
-                  </a:ext>
-                </a:extLst>
-              </a:tr>
-              <a:tr h="138814">
-                <a:tc>
-                  <a:txBody>
-                    <a:bodyPr/>
-                    <a:lstStyle/>
-                    <a:p>
-                      <a:pPr latinLnBrk="1"/>
-                      <a:r>
-                        <a:rPr lang="ko-KR" altLang="en-US" sz="1100"/>
-                        <a:t>정지램프</a:t>
-                      </a:r>
-                    </a:p>
-                  </a:txBody>
-                  <a:tcPr/>
-                </a:tc>
-                <a:tc>
-                  <a:txBody>
-                    <a:bodyPr/>
-                    <a:lstStyle/>
-                    <a:p>
-                      <a:pPr latinLnBrk="1"/>
-                      <a:r>
-                        <a:rPr lang="en-US" altLang="ko-KR" sz="1100"/>
-                        <a:t>stopLamp</a:t>
-                      </a:r>
-                      <a:endParaRPr lang="ko-KR" altLang="en-US" sz="1100"/>
-                    </a:p>
-                  </a:txBody>
-                  <a:tcPr/>
-                </a:tc>
-                <a:tc>
-                  <a:txBody>
-                    <a:bodyPr/>
-                    <a:lstStyle/>
-                    <a:p>
-                      <a:pPr latinLnBrk="1"/>
-                      <a:r>
-                        <a:rPr lang="en-US" altLang="ko-KR" sz="1100"/>
-                        <a:t>bool</a:t>
-                      </a:r>
-                      <a:endParaRPr lang="ko-KR" altLang="en-US" sz="1100"/>
-                    </a:p>
-                  </a:txBody>
-                  <a:tcPr/>
-                </a:tc>
-                <a:tc>
-                  <a:txBody>
-                    <a:bodyPr/>
-                    <a:lstStyle/>
-                    <a:p>
-                      <a:pPr latinLnBrk="1"/>
-                      <a:endParaRPr lang="ko-KR" altLang="en-US" sz="1100"/>
-                    </a:p>
-                  </a:txBody>
-                  <a:tcPr/>
-                </a:tc>
-                <a:tc>
-                  <a:txBody>
-                    <a:bodyPr/>
-                    <a:lstStyle/>
-                    <a:p>
-                      <a:pPr latinLnBrk="1"/>
-                      <a:r>
-                        <a:rPr lang="en-US" altLang="ko-KR" sz="1100"/>
-                        <a:t>%QX0.1.30</a:t>
-                      </a:r>
-                      <a:endParaRPr lang="ko-KR" altLang="en-US" sz="1100"/>
-                    </a:p>
-                  </a:txBody>
-                  <a:tcPr/>
-                </a:tc>
-                <a:tc>
-                  <a:txBody>
-                    <a:bodyPr/>
-                    <a:lstStyle/>
-                    <a:p>
-                      <a:pPr latinLnBrk="1"/>
-                      <a:endParaRPr lang="ko-KR" altLang="en-US" sz="1100"/>
-                    </a:p>
-                  </a:txBody>
-                  <a:tcPr/>
-                </a:tc>
-                <a:tc>
-                  <a:txBody>
-                    <a:bodyPr/>
-                    <a:lstStyle/>
-                    <a:p>
-                      <a:pPr latinLnBrk="1"/>
-                      <a:endParaRPr lang="ko-KR" altLang="en-US" sz="1100"/>
-                    </a:p>
-                  </a:txBody>
-                  <a:tcPr/>
-                </a:tc>
-                <a:extLst>
-                  <a:ext uri="{0D108BD9-81ED-4DB2-BD59-A6C34878D82A}">
-                    <a16:rowId xmlns:a16="http://schemas.microsoft.com/office/drawing/2014/main" val="2205839795"/>
-                  </a:ext>
-                </a:extLst>
-              </a:tr>
-              <a:tr h="138814">
-                <a:tc>
-                  <a:txBody>
-                    <a:bodyPr/>
-                    <a:lstStyle/>
-                    <a:p>
-                      <a:pPr latinLnBrk="1"/>
-                      <a:r>
-                        <a:rPr lang="ko-KR" altLang="en-US" sz="1100"/>
-                        <a:t>준비램프</a:t>
-                      </a:r>
-                    </a:p>
-                  </a:txBody>
-                  <a:tcPr/>
-                </a:tc>
-                <a:tc>
-                  <a:txBody>
-                    <a:bodyPr/>
-                    <a:lstStyle/>
-                    <a:p>
-                      <a:pPr latinLnBrk="1"/>
-                      <a:r>
-                        <a:rPr lang="en-US" altLang="ko-KR" sz="1100"/>
-                        <a:t>readyLamp</a:t>
-                      </a:r>
-                      <a:endParaRPr lang="ko-KR" altLang="en-US" sz="1100"/>
-                    </a:p>
-                  </a:txBody>
-                  <a:tcPr/>
-                </a:tc>
-                <a:tc>
-                  <a:txBody>
-                    <a:bodyPr/>
-                    <a:lstStyle/>
-                    <a:p>
-                      <a:pPr latinLnBrk="1"/>
-                      <a:r>
-                        <a:rPr lang="en-US" altLang="ko-KR" sz="1100"/>
-                        <a:t>bool</a:t>
-                      </a:r>
-                      <a:endParaRPr lang="ko-KR" altLang="en-US" sz="1100"/>
-                    </a:p>
-                  </a:txBody>
-                  <a:tcPr/>
-                </a:tc>
-                <a:tc>
-                  <a:txBody>
-                    <a:bodyPr/>
-                    <a:lstStyle/>
-                    <a:p>
-                      <a:pPr latinLnBrk="1"/>
-                      <a:endParaRPr lang="ko-KR" altLang="en-US" sz="1100"/>
-                    </a:p>
-                  </a:txBody>
-                  <a:tcPr/>
-                </a:tc>
-                <a:tc>
-                  <a:txBody>
-                    <a:bodyPr/>
-                    <a:lstStyle/>
-                    <a:p>
-                      <a:pPr latinLnBrk="1"/>
-                      <a:r>
-                        <a:rPr lang="en-US" altLang="ko-KR" sz="1100"/>
-                        <a:t>%QX0.1.31</a:t>
-                      </a:r>
-                      <a:endParaRPr lang="ko-KR" altLang="en-US" sz="1100"/>
-                    </a:p>
-                  </a:txBody>
-                  <a:tcPr/>
-                </a:tc>
-                <a:tc>
-                  <a:txBody>
-                    <a:bodyPr/>
-                    <a:lstStyle/>
-                    <a:p>
-                      <a:pPr latinLnBrk="1"/>
-                      <a:endParaRPr lang="ko-KR" altLang="en-US" sz="1100"/>
-                    </a:p>
-                  </a:txBody>
-                  <a:tcPr/>
-                </a:tc>
-                <a:tc>
-                  <a:txBody>
-                    <a:bodyPr/>
-                    <a:lstStyle/>
-                    <a:p>
-                      <a:pPr latinLnBrk="1"/>
-                      <a:endParaRPr lang="ko-KR" altLang="en-US" sz="1100"/>
-                    </a:p>
-                  </a:txBody>
-                  <a:tcPr/>
-                </a:tc>
-                <a:extLst>
-                  <a:ext uri="{0D108BD9-81ED-4DB2-BD59-A6C34878D82A}">
-                    <a16:rowId xmlns:a16="http://schemas.microsoft.com/office/drawing/2014/main" val="761613937"/>
-                  </a:ext>
-                </a:extLst>
-              </a:tr>
-              <a:tr h="138814">
-                <a:tc>
-                  <a:txBody>
-                    <a:bodyPr/>
-                    <a:lstStyle/>
-                    <a:p>
-                      <a:pPr latinLnBrk="1"/>
-                      <a:r>
-                        <a:rPr lang="ko-KR" altLang="en-US" sz="1100"/>
-                        <a:t>대기램프</a:t>
-                      </a:r>
-                    </a:p>
-                  </a:txBody>
-                  <a:tcPr/>
-                </a:tc>
-                <a:tc>
-                  <a:txBody>
-                    <a:bodyPr/>
-                    <a:lstStyle/>
-                    <a:p>
-                      <a:pPr latinLnBrk="1"/>
-                      <a:r>
-                        <a:rPr lang="en-US" altLang="ko-KR" sz="1100"/>
-                        <a:t>idleLamp</a:t>
-                      </a:r>
-                      <a:endParaRPr lang="ko-KR" altLang="en-US" sz="1100"/>
-                    </a:p>
-                  </a:txBody>
-                  <a:tcPr/>
-                </a:tc>
-                <a:tc>
-                  <a:txBody>
-                    <a:bodyPr/>
-                    <a:lstStyle/>
-                    <a:p>
-                      <a:pPr latinLnBrk="1"/>
-                      <a:r>
-                        <a:rPr lang="en-US" altLang="ko-KR" sz="1100"/>
-                        <a:t>bool</a:t>
-                      </a:r>
-                      <a:endParaRPr lang="ko-KR" altLang="en-US" sz="1100"/>
-                    </a:p>
-                  </a:txBody>
-                  <a:tcPr/>
-                </a:tc>
-                <a:tc>
-                  <a:txBody>
-                    <a:bodyPr/>
-                    <a:lstStyle/>
-                    <a:p>
-                      <a:pPr latinLnBrk="1"/>
-                      <a:endParaRPr lang="ko-KR" altLang="en-US" sz="1100"/>
-                    </a:p>
-                  </a:txBody>
-                  <a:tcPr/>
-                </a:tc>
-                <a:tc>
-                  <a:txBody>
-                    <a:bodyPr/>
-                    <a:lstStyle/>
-                    <a:p>
-                      <a:pPr latinLnBrk="1"/>
-                      <a:r>
-                        <a:rPr lang="en-US" altLang="ko-KR" sz="1100"/>
-                        <a:t>%QX0.1.32</a:t>
-                      </a:r>
-                      <a:endParaRPr lang="ko-KR" altLang="en-US" sz="1100"/>
-                    </a:p>
-                  </a:txBody>
-                  <a:tcPr/>
-                </a:tc>
-                <a:tc>
-                  <a:txBody>
-                    <a:bodyPr/>
-                    <a:lstStyle/>
-                    <a:p>
-                      <a:pPr latinLnBrk="1"/>
-                      <a:endParaRPr lang="ko-KR" altLang="en-US" sz="1100"/>
-                    </a:p>
-                  </a:txBody>
-                  <a:tcPr/>
-                </a:tc>
-                <a:tc>
-                  <a:txBody>
-                    <a:bodyPr/>
-                    <a:lstStyle/>
-                    <a:p>
-                      <a:pPr latinLnBrk="1"/>
-                      <a:endParaRPr lang="ko-KR" altLang="en-US" sz="1100"/>
-                    </a:p>
-                  </a:txBody>
-                  <a:tcPr/>
-                </a:tc>
-                <a:extLst>
-                  <a:ext uri="{0D108BD9-81ED-4DB2-BD59-A6C34878D82A}">
-                    <a16:rowId xmlns:a16="http://schemas.microsoft.com/office/drawing/2014/main" val="1356383543"/>
-                  </a:ext>
-                </a:extLst>
-              </a:tr>
-              <a:tr h="138814">
-                <a:tc>
-                  <a:txBody>
-                    <a:bodyPr/>
-                    <a:lstStyle/>
-                    <a:p>
-                      <a:pPr latinLnBrk="1"/>
-                      <a:r>
-                        <a:rPr lang="ko-KR" altLang="en-US" sz="1100"/>
-                        <a:t>비상램프</a:t>
-                      </a:r>
-                    </a:p>
-                  </a:txBody>
-                  <a:tcPr/>
-                </a:tc>
-                <a:tc>
-                  <a:txBody>
-                    <a:bodyPr/>
-                    <a:lstStyle/>
-                    <a:p>
-                      <a:pPr latinLnBrk="1"/>
-                      <a:r>
-                        <a:rPr lang="en-US" altLang="ko-KR" sz="1100"/>
-                        <a:t>emgLamp</a:t>
-                      </a:r>
-                      <a:endParaRPr lang="ko-KR" altLang="en-US" sz="1100"/>
-                    </a:p>
-                  </a:txBody>
-                  <a:tcPr/>
-                </a:tc>
-                <a:tc>
-                  <a:txBody>
-                    <a:bodyPr/>
-                    <a:lstStyle/>
-                    <a:p>
-                      <a:pPr latinLnBrk="1"/>
-                      <a:r>
-                        <a:rPr lang="en-US" altLang="ko-KR" sz="1100"/>
-                        <a:t>bool</a:t>
-                      </a:r>
-                      <a:endParaRPr lang="ko-KR" altLang="en-US" sz="1100"/>
-                    </a:p>
-                  </a:txBody>
-                  <a:tcPr/>
-                </a:tc>
-                <a:tc>
-                  <a:txBody>
-                    <a:bodyPr/>
-                    <a:lstStyle/>
-                    <a:p>
-                      <a:pPr latinLnBrk="1"/>
-                      <a:endParaRPr lang="ko-KR" altLang="en-US" sz="1100"/>
-                    </a:p>
-                  </a:txBody>
-                  <a:tcPr/>
-                </a:tc>
-                <a:tc>
-                  <a:txBody>
-                    <a:bodyPr/>
-                    <a:lstStyle/>
-                    <a:p>
-                      <a:pPr latinLnBrk="1"/>
-                      <a:r>
-                        <a:rPr lang="en-US" altLang="ko-KR" sz="1100"/>
-                        <a:t>%QX0.1.33</a:t>
-                      </a:r>
-                      <a:endParaRPr lang="ko-KR" altLang="en-US" sz="1100"/>
-                    </a:p>
-                  </a:txBody>
-                  <a:tcPr/>
-                </a:tc>
-                <a:tc>
-                  <a:txBody>
-                    <a:bodyPr/>
-                    <a:lstStyle/>
-                    <a:p>
-                      <a:pPr latinLnBrk="1"/>
-                      <a:endParaRPr lang="ko-KR" altLang="en-US" sz="1100"/>
-                    </a:p>
-                  </a:txBody>
-                  <a:tcPr/>
-                </a:tc>
-                <a:tc>
-                  <a:txBody>
-                    <a:bodyPr/>
-                    <a:lstStyle/>
-                    <a:p>
-                      <a:pPr latinLnBrk="1"/>
-                      <a:endParaRPr lang="ko-KR" altLang="en-US" sz="1100"/>
-                    </a:p>
-                  </a:txBody>
-                  <a:tcPr/>
-                </a:tc>
-                <a:extLst>
-                  <a:ext uri="{0D108BD9-81ED-4DB2-BD59-A6C34878D82A}">
-                    <a16:rowId xmlns:a16="http://schemas.microsoft.com/office/drawing/2014/main" val="1426315911"/>
-                  </a:ext>
-                </a:extLst>
-              </a:tr>
-              <a:tr h="138814">
-                <a:tc>
-                  <a:txBody>
-                    <a:bodyPr/>
-                    <a:lstStyle/>
-                    <a:p>
-                      <a:pPr latinLnBrk="1"/>
-                      <a:endParaRPr lang="ko-KR" altLang="en-US" sz="1100"/>
-                    </a:p>
-                  </a:txBody>
-                  <a:tcPr/>
-                </a:tc>
-                <a:tc>
-                  <a:txBody>
-                    <a:bodyPr/>
-                    <a:lstStyle/>
-                    <a:p>
-                      <a:pPr latinLnBrk="1"/>
-                      <a:endParaRPr lang="ko-KR" altLang="en-US" sz="1100"/>
-                    </a:p>
-                  </a:txBody>
-                  <a:tcPr/>
-                </a:tc>
-                <a:tc>
-                  <a:txBody>
-                    <a:bodyPr/>
-                    <a:lstStyle/>
-                    <a:p>
-                      <a:pPr latinLnBrk="1"/>
-                      <a:endParaRPr lang="ko-KR" altLang="en-US" sz="1100"/>
-                    </a:p>
-                  </a:txBody>
-                  <a:tcPr/>
-                </a:tc>
-                <a:tc>
-                  <a:txBody>
-                    <a:bodyPr/>
-                    <a:lstStyle/>
-                    <a:p>
-                      <a:pPr latinLnBrk="1"/>
-                      <a:endParaRPr lang="ko-KR" altLang="en-US" sz="1100"/>
-                    </a:p>
-                  </a:txBody>
-                  <a:tcPr/>
-                </a:tc>
-                <a:tc>
-                  <a:txBody>
-                    <a:bodyPr/>
-                    <a:lstStyle/>
-                    <a:p>
-                      <a:pPr latinLnBrk="1"/>
-                      <a:endParaRPr lang="ko-KR" altLang="en-US" sz="1100"/>
-                    </a:p>
-                  </a:txBody>
-                  <a:tcPr/>
-                </a:tc>
-                <a:tc>
-                  <a:txBody>
-                    <a:bodyPr/>
-                    <a:lstStyle/>
-                    <a:p>
-                      <a:pPr latinLnBrk="1"/>
-                      <a:endParaRPr lang="ko-KR" altLang="en-US" sz="1100"/>
-                    </a:p>
-                  </a:txBody>
-                  <a:tcPr/>
-                </a:tc>
-                <a:tc>
-                  <a:txBody>
-                    <a:bodyPr/>
-                    <a:lstStyle/>
-                    <a:p>
-                      <a:pPr latinLnBrk="1"/>
-                      <a:endParaRPr lang="ko-KR" altLang="en-US" sz="1100"/>
-                    </a:p>
-                  </a:txBody>
-                  <a:tcPr/>
-                </a:tc>
-                <a:extLst>
-                  <a:ext uri="{0D108BD9-81ED-4DB2-BD59-A6C34878D82A}">
-                    <a16:rowId xmlns:a16="http://schemas.microsoft.com/office/drawing/2014/main" val="2818206697"/>
-                  </a:ext>
-                </a:extLst>
-              </a:tr>
-              <a:tr h="138814">
-                <a:tc>
-                  <a:txBody>
-                    <a:bodyPr/>
-                    <a:lstStyle/>
-                    <a:p>
-                      <a:pPr latinLnBrk="1"/>
-                      <a:endParaRPr lang="ko-KR" altLang="en-US" sz="1100"/>
-                    </a:p>
-                  </a:txBody>
-                  <a:tcPr/>
-                </a:tc>
-                <a:tc>
-                  <a:txBody>
-                    <a:bodyPr/>
-                    <a:lstStyle/>
-                    <a:p>
-                      <a:pPr latinLnBrk="1"/>
-                      <a:endParaRPr lang="ko-KR" altLang="en-US" sz="1100"/>
-                    </a:p>
-                  </a:txBody>
-                  <a:tcPr/>
-                </a:tc>
-                <a:tc>
-                  <a:txBody>
-                    <a:bodyPr/>
-                    <a:lstStyle/>
-                    <a:p>
-                      <a:pPr latinLnBrk="1"/>
-                      <a:endParaRPr lang="ko-KR" altLang="en-US" sz="1100"/>
-                    </a:p>
-                  </a:txBody>
-                  <a:tcPr/>
-                </a:tc>
-                <a:tc>
-                  <a:txBody>
-                    <a:bodyPr/>
-                    <a:lstStyle/>
-                    <a:p>
-                      <a:pPr latinLnBrk="1"/>
-                      <a:endParaRPr lang="ko-KR" altLang="en-US" sz="1100"/>
-                    </a:p>
-                  </a:txBody>
-                  <a:tcPr/>
-                </a:tc>
-                <a:tc>
-                  <a:txBody>
-                    <a:bodyPr/>
-                    <a:lstStyle/>
-                    <a:p>
-                      <a:pPr latinLnBrk="1"/>
-                      <a:endParaRPr lang="ko-KR" altLang="en-US" sz="1100"/>
-                    </a:p>
-                  </a:txBody>
-                  <a:tcPr/>
-                </a:tc>
-                <a:tc>
-                  <a:txBody>
-                    <a:bodyPr/>
-                    <a:lstStyle/>
-                    <a:p>
-                      <a:pPr latinLnBrk="1"/>
-                      <a:endParaRPr lang="ko-KR" altLang="en-US" sz="1100"/>
-                    </a:p>
-                  </a:txBody>
-                  <a:tcPr/>
-                </a:tc>
-                <a:tc>
-                  <a:txBody>
-                    <a:bodyPr/>
-                    <a:lstStyle/>
-                    <a:p>
-                      <a:pPr latinLnBrk="1"/>
-                      <a:endParaRPr lang="ko-KR" altLang="en-US" sz="1100"/>
-                    </a:p>
-                  </a:txBody>
-                  <a:tcPr/>
-                </a:tc>
-                <a:extLst>
-                  <a:ext uri="{0D108BD9-81ED-4DB2-BD59-A6C34878D82A}">
-                    <a16:rowId xmlns:a16="http://schemas.microsoft.com/office/drawing/2014/main" val="3014727132"/>
-                  </a:ext>
-                </a:extLst>
-              </a:tr>
-              <a:tr h="138814">
-                <a:tc>
-                  <a:txBody>
-                    <a:bodyPr/>
-                    <a:lstStyle/>
-                    <a:p>
-                      <a:pPr latinLnBrk="1"/>
-                      <a:r>
-                        <a:rPr lang="ko-KR" altLang="en-US" sz="1100"/>
-                        <a:t>내부변수</a:t>
-                      </a:r>
-                    </a:p>
-                  </a:txBody>
-                  <a:tcPr/>
-                </a:tc>
-                <a:tc>
-                  <a:txBody>
-                    <a:bodyPr/>
-                    <a:lstStyle/>
-                    <a:p>
-                      <a:pPr latinLnBrk="1"/>
-                      <a:endParaRPr lang="ko-KR" altLang="en-US" sz="1100"/>
-                    </a:p>
-                  </a:txBody>
-                  <a:tcPr/>
-                </a:tc>
-                <a:tc>
-                  <a:txBody>
-                    <a:bodyPr/>
-                    <a:lstStyle/>
-                    <a:p>
-                      <a:pPr latinLnBrk="1"/>
-                      <a:endParaRPr lang="ko-KR" altLang="en-US" sz="1100"/>
-                    </a:p>
-                  </a:txBody>
-                  <a:tcPr/>
-                </a:tc>
-                <a:tc>
-                  <a:txBody>
-                    <a:bodyPr/>
-                    <a:lstStyle/>
-                    <a:p>
-                      <a:pPr latinLnBrk="1"/>
-                      <a:endParaRPr lang="ko-KR" altLang="en-US" sz="1100"/>
-                    </a:p>
-                  </a:txBody>
-                  <a:tcPr/>
-                </a:tc>
-                <a:tc>
-                  <a:txBody>
-                    <a:bodyPr/>
-                    <a:lstStyle/>
-                    <a:p>
-                      <a:pPr latinLnBrk="1"/>
-                      <a:endParaRPr lang="ko-KR" altLang="en-US" sz="1100"/>
-                    </a:p>
-                  </a:txBody>
-                  <a:tcPr/>
-                </a:tc>
-                <a:tc>
-                  <a:txBody>
-                    <a:bodyPr/>
-                    <a:lstStyle/>
-                    <a:p>
-                      <a:pPr latinLnBrk="1"/>
-                      <a:endParaRPr lang="ko-KR" altLang="en-US" sz="1100"/>
-                    </a:p>
-                  </a:txBody>
-                  <a:tcPr/>
-                </a:tc>
-                <a:tc>
-                  <a:txBody>
-                    <a:bodyPr/>
-                    <a:lstStyle/>
-                    <a:p>
-                      <a:pPr latinLnBrk="1"/>
-                      <a:endParaRPr lang="ko-KR" altLang="en-US" sz="1100"/>
-                    </a:p>
-                  </a:txBody>
-                  <a:tcPr/>
-                </a:tc>
-                <a:extLst>
-                  <a:ext uri="{0D108BD9-81ED-4DB2-BD59-A6C34878D82A}">
-                    <a16:rowId xmlns:a16="http://schemas.microsoft.com/office/drawing/2014/main" val="266361049"/>
-                  </a:ext>
-                </a:extLst>
-              </a:tr>
-              <a:tr h="138814">
-                <a:tc>
-                  <a:txBody>
-                    <a:bodyPr/>
-                    <a:lstStyle/>
-                    <a:p>
-                      <a:pPr latinLnBrk="1"/>
-                      <a:endParaRPr lang="ko-KR" altLang="en-US" sz="1100"/>
-                    </a:p>
-                  </a:txBody>
-                  <a:tcPr/>
-                </a:tc>
-                <a:tc>
-                  <a:txBody>
-                    <a:bodyPr/>
-                    <a:lstStyle/>
-                    <a:p>
-                      <a:pPr latinLnBrk="1"/>
-                      <a:endParaRPr lang="ko-KR" altLang="en-US" sz="1100"/>
-                    </a:p>
-                  </a:txBody>
-                  <a:tcPr/>
-                </a:tc>
-                <a:tc>
-                  <a:txBody>
-                    <a:bodyPr/>
-                    <a:lstStyle/>
-                    <a:p>
-                      <a:pPr latinLnBrk="1"/>
-                      <a:endParaRPr lang="ko-KR" altLang="en-US" sz="1100"/>
-                    </a:p>
-                  </a:txBody>
-                  <a:tcPr/>
-                </a:tc>
-                <a:tc>
-                  <a:txBody>
-                    <a:bodyPr/>
-                    <a:lstStyle/>
-                    <a:p>
-                      <a:pPr latinLnBrk="1"/>
-                      <a:endParaRPr lang="ko-KR" altLang="en-US" sz="1100"/>
-                    </a:p>
-                  </a:txBody>
-                  <a:tcPr/>
-                </a:tc>
-                <a:tc>
-                  <a:txBody>
-                    <a:bodyPr/>
-                    <a:lstStyle/>
-                    <a:p>
-                      <a:pPr latinLnBrk="1"/>
-                      <a:endParaRPr lang="ko-KR" altLang="en-US" sz="1100"/>
-                    </a:p>
-                  </a:txBody>
-                  <a:tcPr/>
-                </a:tc>
-                <a:tc>
-                  <a:txBody>
-                    <a:bodyPr/>
-                    <a:lstStyle/>
-                    <a:p>
-                      <a:pPr latinLnBrk="1"/>
-                      <a:endParaRPr lang="ko-KR" altLang="en-US" sz="1100"/>
-                    </a:p>
-                  </a:txBody>
-                  <a:tcPr/>
-                </a:tc>
-                <a:tc>
-                  <a:txBody>
-                    <a:bodyPr/>
-                    <a:lstStyle/>
-                    <a:p>
-                      <a:pPr latinLnBrk="1"/>
-                      <a:endParaRPr lang="ko-KR" altLang="en-US" sz="1100" dirty="0"/>
-                    </a:p>
-                  </a:txBody>
-                  <a:tcPr/>
-                </a:tc>
-                <a:extLst>
-                  <a:ext uri="{0D108BD9-81ED-4DB2-BD59-A6C34878D82A}">
-                    <a16:rowId xmlns:a16="http://schemas.microsoft.com/office/drawing/2014/main" val="4142880173"/>
-                  </a:ext>
-                </a:extLst>
-              </a:tr>
-            </a:tbl>
-          </a:graphicData>
-        </a:graphic>
-      </p:graphicFrame>
-    </p:spTree>
-    <p:extLst>
-      <p:ext uri="{BB962C8B-B14F-4D97-AF65-F5344CB8AC3E}">
-        <p14:creationId xmlns:p14="http://schemas.microsoft.com/office/powerpoint/2010/main" val="400577736"/>
-      </p:ext>
-    </p:extLst>
-  </p:cSld>
-  <p:clrMapOvr>
-    <a:masterClrMapping/>
-  </p:clrMapOvr>
-</p:sld>
-</file>
-
 <file path=ppt/theme/theme1.xml><?xml version="1.0" encoding="utf-8"?>
 <a:theme xmlns:a="http://schemas.openxmlformats.org/drawingml/2006/main" name="Office 테마">
   <a:themeElements>

--- a/DsDotNet/src/UnitTest/UnitTest.Model/ImportOfficeExample/exportDS/testA/testMy/my.pptx
+++ b/DsDotNet/src/UnitTest/UnitTest.Model/ImportOfficeExample/exportDS/testA/testMy/my.pptx
@@ -5,7 +5,7 @@
     <p:sldMasterId id="2147483648" r:id="rId1"/>
   </p:sldMasterIdLst>
   <p:notesMasterIdLst>
-    <p:notesMasterId r:id="rId10"/>
+    <p:notesMasterId r:id="rId12"/>
   </p:notesMasterIdLst>
   <p:sldIdLst>
     <p:sldId id="258" r:id="rId2"/>
@@ -15,7 +15,9 @@
     <p:sldId id="262" r:id="rId6"/>
     <p:sldId id="263" r:id="rId7"/>
     <p:sldId id="733" r:id="rId8"/>
-    <p:sldId id="734" r:id="rId9"/>
+    <p:sldId id="736" r:id="rId9"/>
+    <p:sldId id="734" r:id="rId10"/>
+    <p:sldId id="735" r:id="rId11"/>
   </p:sldIdLst>
   <p:sldSz cx="12192000" cy="6858000"/>
   <p:notesSz cx="6858000" cy="9144000"/>
@@ -620,7 +622,7 @@
           <a:p>
             <a:fld id="{2978587B-688C-4F1D-9D92-1BF3667CE9B1}" type="slidenum">
               <a:rPr lang="ko-KR" altLang="en-US" smtClean="0"/>
-              <a:t>8</a:t>
+              <a:t>9</a:t>
             </a:fld>
             <a:endParaRPr lang="ko-KR" altLang="en-US" dirty="0"/>
           </a:p>
@@ -3920,6 +3922,895 @@
 </p:sld>
 </file>
 
+<file path=ppt/slides/slide10.xml><?xml version="1.0" encoding="utf-8"?>
+<p:sld xmlns:a="http://schemas.openxmlformats.org/drawingml/2006/main" xmlns:r="http://schemas.openxmlformats.org/officeDocument/2006/relationships" xmlns:p="http://schemas.openxmlformats.org/presentationml/2006/main">
+  <p:cSld>
+    <p:bg>
+      <p:bgPr>
+        <a:solidFill>
+          <a:srgbClr val="696969"/>
+        </a:solidFill>
+        <a:effectLst/>
+      </p:bgPr>
+    </p:bg>
+    <p:spTree>
+      <p:nvGrpSpPr>
+        <p:cNvPr id="1" name=""/>
+        <p:cNvGrpSpPr/>
+        <p:nvPr/>
+      </p:nvGrpSpPr>
+      <p:grpSpPr>
+        <a:xfrm>
+          <a:off x="0" y="0"/>
+          <a:ext cx="0" cy="0"/>
+          <a:chOff x="0" y="0"/>
+          <a:chExt cx="0" cy="0"/>
+        </a:xfrm>
+      </p:grpSpPr>
+      <p:sp>
+        <p:nvSpPr>
+          <p:cNvPr id="2" name="TextBox 1">
+            <a:extLst>
+              <a:ext uri="{FF2B5EF4-FFF2-40B4-BE49-F238E27FC236}">
+                <a16:creationId xmlns:a16="http://schemas.microsoft.com/office/drawing/2014/main" id="{7581056C-AAC4-7088-9F7D-894593DA92D1}"/>
+              </a:ext>
+            </a:extLst>
+          </p:cNvPr>
+          <p:cNvSpPr txBox="1"/>
+          <p:nvPr/>
+        </p:nvSpPr>
+        <p:spPr>
+          <a:xfrm>
+            <a:off x="254000" y="127000"/>
+            <a:ext cx="15240000" cy="381000"/>
+          </a:xfrm>
+          <a:prstGeom prst="rect">
+            <a:avLst/>
+          </a:prstGeom>
+          <a:noFill/>
+        </p:spPr>
+        <p:txBody>
+          <a:bodyPr vert="horz" rtlCol="0">
+            <a:spAutoFit/>
+          </a:bodyPr>
+          <a:lstStyle/>
+          <a:p>
+            <a:r>
+              <a:rPr lang="en-US" altLang="ko-KR"/>
+              <a:t>Layout : KIT2</a:t>
+            </a:r>
+            <a:endParaRPr lang="ko-KR" altLang="en-US"/>
+          </a:p>
+        </p:txBody>
+      </p:sp>
+      <p:sp>
+        <p:nvSpPr>
+          <p:cNvPr id="3" name="TextBox 2">
+            <a:extLst>
+              <a:ext uri="{FF2B5EF4-FFF2-40B4-BE49-F238E27FC236}">
+                <a16:creationId xmlns:a16="http://schemas.microsoft.com/office/drawing/2014/main" id="{1A515477-3039-21E8-84C1-B3EE6586BCD1}"/>
+              </a:ext>
+            </a:extLst>
+          </p:cNvPr>
+          <p:cNvSpPr txBox="1"/>
+          <p:nvPr/>
+        </p:nvSpPr>
+        <p:spPr>
+          <a:xfrm>
+            <a:off x="254000" y="508000"/>
+            <a:ext cx="15240000" cy="381000"/>
+          </a:xfrm>
+          <a:prstGeom prst="rect">
+            <a:avLst/>
+          </a:prstGeom>
+          <a:noFill/>
+        </p:spPr>
+        <p:txBody>
+          <a:bodyPr vert="horz" rtlCol="0">
+            <a:spAutoFit/>
+          </a:bodyPr>
+          <a:lstStyle/>
+          <a:p>
+            <a:r>
+              <a:rPr lang="en-US" altLang="ko-KR" dirty="0"/>
+              <a:t>[Path]C:/Windows/Web/Wallpaper/Windows/</a:t>
+            </a:r>
+            <a:r>
+              <a:rPr lang="en-US" altLang="ko-KR" dirty="0" err="1"/>
+              <a:t>img1.jpg</a:t>
+            </a:r>
+            <a:endParaRPr lang="ko-KR" altLang="en-US" dirty="0"/>
+          </a:p>
+        </p:txBody>
+      </p:sp>
+      <p:grpSp>
+        <p:nvGrpSpPr>
+          <p:cNvPr id="19" name="그룹 18">
+            <a:extLst>
+              <a:ext uri="{FF2B5EF4-FFF2-40B4-BE49-F238E27FC236}">
+                <a16:creationId xmlns:a16="http://schemas.microsoft.com/office/drawing/2014/main" id="{609F7EDE-910F-A3B2-CCFC-36E41F13DA32}"/>
+              </a:ext>
+            </a:extLst>
+          </p:cNvPr>
+          <p:cNvGrpSpPr/>
+          <p:nvPr/>
+        </p:nvGrpSpPr>
+        <p:grpSpPr>
+          <a:xfrm>
+            <a:off x="781170" y="317500"/>
+            <a:ext cx="10972800" cy="6261100"/>
+            <a:chOff x="781170" y="317500"/>
+            <a:chExt cx="10972800" cy="6261100"/>
+          </a:xfrm>
+        </p:grpSpPr>
+        <p:sp>
+          <p:nvSpPr>
+            <p:cNvPr id="4" name="액자 3">
+              <a:extLst>
+                <a:ext uri="{FF2B5EF4-FFF2-40B4-BE49-F238E27FC236}">
+                  <a16:creationId xmlns:a16="http://schemas.microsoft.com/office/drawing/2014/main" id="{B0F94BC9-2359-9160-1134-3896B3F04112}"/>
+                </a:ext>
+              </a:extLst>
+            </p:cNvPr>
+            <p:cNvSpPr/>
+            <p:nvPr/>
+          </p:nvSpPr>
+          <p:spPr>
+            <a:xfrm>
+              <a:off x="9747370" y="317500"/>
+              <a:ext cx="838200" cy="279400"/>
+            </a:xfrm>
+            <a:prstGeom prst="frame">
+              <a:avLst/>
+            </a:prstGeom>
+          </p:spPr>
+          <p:style>
+            <a:lnRef idx="2">
+              <a:schemeClr val="accent1">
+                <a:shade val="15000"/>
+              </a:schemeClr>
+            </a:lnRef>
+            <a:fillRef idx="1">
+              <a:schemeClr val="accent1"/>
+            </a:fillRef>
+            <a:effectRef idx="0">
+              <a:schemeClr val="accent1"/>
+            </a:effectRef>
+            <a:fontRef idx="minor">
+              <a:schemeClr val="lt1"/>
+            </a:fontRef>
+          </p:style>
+          <p:txBody>
+            <a:bodyPr rtlCol="0" anchor="ctr"/>
+            <a:lstStyle/>
+            <a:p>
+              <a:pPr algn="ctr"/>
+              <a:r>
+                <a:rPr lang="en-US" altLang="ko-KR" sz="900">
+                  <a:solidFill>
+                    <a:schemeClr val="tx1"/>
+                  </a:solidFill>
+                </a:rPr>
+                <a:t>KIT2_Cv_RR</a:t>
+              </a:r>
+              <a:endParaRPr lang="ko-KR" altLang="en-US" sz="900">
+                <a:solidFill>
+                  <a:schemeClr val="tx1"/>
+                </a:solidFill>
+              </a:endParaRPr>
+            </a:p>
+          </p:txBody>
+        </p:sp>
+        <p:sp>
+          <p:nvSpPr>
+            <p:cNvPr id="5" name="액자 4">
+              <a:extLst>
+                <a:ext uri="{FF2B5EF4-FFF2-40B4-BE49-F238E27FC236}">
+                  <a16:creationId xmlns:a16="http://schemas.microsoft.com/office/drawing/2014/main" id="{7D9E82D6-379E-907B-53F4-2B2256530D7A}"/>
+                </a:ext>
+              </a:extLst>
+            </p:cNvPr>
+            <p:cNvSpPr/>
+            <p:nvPr/>
+          </p:nvSpPr>
+          <p:spPr>
+            <a:xfrm>
+              <a:off x="11068170" y="1066800"/>
+              <a:ext cx="685800" cy="279400"/>
+            </a:xfrm>
+            <a:prstGeom prst="frame">
+              <a:avLst/>
+            </a:prstGeom>
+          </p:spPr>
+          <p:style>
+            <a:lnRef idx="2">
+              <a:schemeClr val="accent1">
+                <a:shade val="15000"/>
+              </a:schemeClr>
+            </a:lnRef>
+            <a:fillRef idx="1">
+              <a:schemeClr val="accent1"/>
+            </a:fillRef>
+            <a:effectRef idx="0">
+              <a:schemeClr val="accent1"/>
+            </a:effectRef>
+            <a:fontRef idx="minor">
+              <a:schemeClr val="lt1"/>
+            </a:fontRef>
+          </p:style>
+          <p:txBody>
+            <a:bodyPr rtlCol="0" anchor="ctr"/>
+            <a:lstStyle/>
+            <a:p>
+              <a:pPr algn="ctr"/>
+              <a:r>
+                <a:rPr lang="en-US" altLang="ko-KR" sz="900">
+                  <a:solidFill>
+                    <a:schemeClr val="tx1"/>
+                  </a:solidFill>
+                </a:rPr>
+                <a:t>KIT2_In</a:t>
+              </a:r>
+              <a:endParaRPr lang="ko-KR" altLang="en-US" sz="900">
+                <a:solidFill>
+                  <a:schemeClr val="tx1"/>
+                </a:solidFill>
+              </a:endParaRPr>
+            </a:p>
+          </p:txBody>
+        </p:sp>
+        <p:sp>
+          <p:nvSpPr>
+            <p:cNvPr id="6" name="액자 5">
+              <a:extLst>
+                <a:ext uri="{FF2B5EF4-FFF2-40B4-BE49-F238E27FC236}">
+                  <a16:creationId xmlns:a16="http://schemas.microsoft.com/office/drawing/2014/main" id="{BF059A6C-9EC9-B703-9A90-8959C806CB21}"/>
+                </a:ext>
+              </a:extLst>
+            </p:cNvPr>
+            <p:cNvSpPr/>
+            <p:nvPr/>
+          </p:nvSpPr>
+          <p:spPr>
+            <a:xfrm>
+              <a:off x="781170" y="5219700"/>
+              <a:ext cx="1270000" cy="355600"/>
+            </a:xfrm>
+            <a:prstGeom prst="frame">
+              <a:avLst/>
+            </a:prstGeom>
+          </p:spPr>
+          <p:style>
+            <a:lnRef idx="2">
+              <a:schemeClr val="accent1">
+                <a:shade val="15000"/>
+              </a:schemeClr>
+            </a:lnRef>
+            <a:fillRef idx="1">
+              <a:schemeClr val="accent1"/>
+            </a:fillRef>
+            <a:effectRef idx="0">
+              <a:schemeClr val="accent1"/>
+            </a:effectRef>
+            <a:fontRef idx="minor">
+              <a:schemeClr val="lt1"/>
+            </a:fontRef>
+          </p:style>
+          <p:txBody>
+            <a:bodyPr rtlCol="0" anchor="ctr"/>
+            <a:lstStyle/>
+            <a:p>
+              <a:pPr algn="ctr"/>
+              <a:r>
+                <a:rPr lang="en-US" altLang="ko-KR" sz="900">
+                  <a:solidFill>
+                    <a:schemeClr val="tx1"/>
+                  </a:solidFill>
+                </a:rPr>
+                <a:t>KIT2_Cv_Frt</a:t>
+              </a:r>
+              <a:endParaRPr lang="ko-KR" altLang="en-US" sz="900">
+                <a:solidFill>
+                  <a:schemeClr val="tx1"/>
+                </a:solidFill>
+              </a:endParaRPr>
+            </a:p>
+          </p:txBody>
+        </p:sp>
+        <p:sp>
+          <p:nvSpPr>
+            <p:cNvPr id="7" name="액자 6">
+              <a:extLst>
+                <a:ext uri="{FF2B5EF4-FFF2-40B4-BE49-F238E27FC236}">
+                  <a16:creationId xmlns:a16="http://schemas.microsoft.com/office/drawing/2014/main" id="{CAC771BD-F084-3E9B-3A94-0EDB9959CD43}"/>
+                </a:ext>
+              </a:extLst>
+            </p:cNvPr>
+            <p:cNvSpPr/>
+            <p:nvPr/>
+          </p:nvSpPr>
+          <p:spPr>
+            <a:xfrm>
+              <a:off x="3244970" y="1790700"/>
+              <a:ext cx="901700" cy="355600"/>
+            </a:xfrm>
+            <a:prstGeom prst="frame">
+              <a:avLst/>
+            </a:prstGeom>
+          </p:spPr>
+          <p:style>
+            <a:lnRef idx="2">
+              <a:schemeClr val="accent1">
+                <a:shade val="15000"/>
+              </a:schemeClr>
+            </a:lnRef>
+            <a:fillRef idx="1">
+              <a:schemeClr val="accent1"/>
+            </a:fillRef>
+            <a:effectRef idx="0">
+              <a:schemeClr val="accent1"/>
+            </a:effectRef>
+            <a:fontRef idx="minor">
+              <a:schemeClr val="lt1"/>
+            </a:fontRef>
+          </p:style>
+          <p:txBody>
+            <a:bodyPr rtlCol="0" anchor="ctr"/>
+            <a:lstStyle/>
+            <a:p>
+              <a:pPr algn="ctr"/>
+              <a:r>
+                <a:rPr lang="en-US" altLang="ko-KR" sz="900">
+                  <a:solidFill>
+                    <a:schemeClr val="tx1"/>
+                  </a:solidFill>
+                </a:rPr>
+                <a:t>KIT2_1st_usb</a:t>
+              </a:r>
+              <a:endParaRPr lang="ko-KR" altLang="en-US" sz="900">
+                <a:solidFill>
+                  <a:schemeClr val="tx1"/>
+                </a:solidFill>
+              </a:endParaRPr>
+            </a:p>
+          </p:txBody>
+        </p:sp>
+        <p:sp>
+          <p:nvSpPr>
+            <p:cNvPr id="8" name="액자 7">
+              <a:extLst>
+                <a:ext uri="{FF2B5EF4-FFF2-40B4-BE49-F238E27FC236}">
+                  <a16:creationId xmlns:a16="http://schemas.microsoft.com/office/drawing/2014/main" id="{99387EFE-8231-4C53-DE66-2F29B88158E0}"/>
+                </a:ext>
+              </a:extLst>
+            </p:cNvPr>
+            <p:cNvSpPr/>
+            <p:nvPr/>
+          </p:nvSpPr>
+          <p:spPr>
+            <a:xfrm>
+              <a:off x="3219570" y="2362200"/>
+              <a:ext cx="901700" cy="355600"/>
+            </a:xfrm>
+            <a:prstGeom prst="frame">
+              <a:avLst/>
+            </a:prstGeom>
+          </p:spPr>
+          <p:style>
+            <a:lnRef idx="2">
+              <a:schemeClr val="accent1">
+                <a:shade val="15000"/>
+              </a:schemeClr>
+            </a:lnRef>
+            <a:fillRef idx="1">
+              <a:schemeClr val="accent1"/>
+            </a:fillRef>
+            <a:effectRef idx="0">
+              <a:schemeClr val="accent1"/>
+            </a:effectRef>
+            <a:fontRef idx="minor">
+              <a:schemeClr val="lt1"/>
+            </a:fontRef>
+          </p:style>
+          <p:txBody>
+            <a:bodyPr rtlCol="0" anchor="ctr"/>
+            <a:lstStyle/>
+            <a:p>
+              <a:pPr algn="ctr"/>
+              <a:r>
+                <a:rPr lang="en-US" altLang="ko-KR" sz="900">
+                  <a:solidFill>
+                    <a:schemeClr val="tx1"/>
+                  </a:solidFill>
+                </a:rPr>
+                <a:t>KIT2_2nd_usb</a:t>
+              </a:r>
+              <a:endParaRPr lang="ko-KR" altLang="en-US" sz="900">
+                <a:solidFill>
+                  <a:schemeClr val="tx1"/>
+                </a:solidFill>
+              </a:endParaRPr>
+            </a:p>
+          </p:txBody>
+        </p:sp>
+        <p:sp>
+          <p:nvSpPr>
+            <p:cNvPr id="9" name="액자 8">
+              <a:extLst>
+                <a:ext uri="{FF2B5EF4-FFF2-40B4-BE49-F238E27FC236}">
+                  <a16:creationId xmlns:a16="http://schemas.microsoft.com/office/drawing/2014/main" id="{7722DD94-FC2F-7EE4-53CB-67D0E0DBDB75}"/>
+                </a:ext>
+              </a:extLst>
+            </p:cNvPr>
+            <p:cNvSpPr/>
+            <p:nvPr/>
+          </p:nvSpPr>
+          <p:spPr>
+            <a:xfrm>
+              <a:off x="3219570" y="2984500"/>
+              <a:ext cx="901700" cy="355600"/>
+            </a:xfrm>
+            <a:prstGeom prst="frame">
+              <a:avLst/>
+            </a:prstGeom>
+          </p:spPr>
+          <p:style>
+            <a:lnRef idx="2">
+              <a:schemeClr val="accent1">
+                <a:shade val="15000"/>
+              </a:schemeClr>
+            </a:lnRef>
+            <a:fillRef idx="1">
+              <a:schemeClr val="accent1"/>
+            </a:fillRef>
+            <a:effectRef idx="0">
+              <a:schemeClr val="accent1"/>
+            </a:effectRef>
+            <a:fontRef idx="minor">
+              <a:schemeClr val="lt1"/>
+            </a:fontRef>
+          </p:style>
+          <p:txBody>
+            <a:bodyPr rtlCol="0" anchor="ctr"/>
+            <a:lstStyle/>
+            <a:p>
+              <a:pPr algn="ctr"/>
+              <a:r>
+                <a:rPr lang="en-US" altLang="ko-KR" sz="900">
+                  <a:solidFill>
+                    <a:schemeClr val="tx1"/>
+                  </a:solidFill>
+                </a:rPr>
+                <a:t>KIT2_3rd_usb</a:t>
+              </a:r>
+              <a:endParaRPr lang="ko-KR" altLang="en-US" sz="900">
+                <a:solidFill>
+                  <a:schemeClr val="tx1"/>
+                </a:solidFill>
+              </a:endParaRPr>
+            </a:p>
+          </p:txBody>
+        </p:sp>
+        <p:sp>
+          <p:nvSpPr>
+            <p:cNvPr id="10" name="액자 9">
+              <a:extLst>
+                <a:ext uri="{FF2B5EF4-FFF2-40B4-BE49-F238E27FC236}">
+                  <a16:creationId xmlns:a16="http://schemas.microsoft.com/office/drawing/2014/main" id="{F3F2A677-CD94-3ED1-B953-590BF3593379}"/>
+                </a:ext>
+              </a:extLst>
+            </p:cNvPr>
+            <p:cNvSpPr/>
+            <p:nvPr/>
+          </p:nvSpPr>
+          <p:spPr>
+            <a:xfrm>
+              <a:off x="3206870" y="3644900"/>
+              <a:ext cx="901700" cy="355600"/>
+            </a:xfrm>
+            <a:prstGeom prst="frame">
+              <a:avLst/>
+            </a:prstGeom>
+          </p:spPr>
+          <p:style>
+            <a:lnRef idx="2">
+              <a:schemeClr val="accent1">
+                <a:shade val="15000"/>
+              </a:schemeClr>
+            </a:lnRef>
+            <a:fillRef idx="1">
+              <a:schemeClr val="accent1"/>
+            </a:fillRef>
+            <a:effectRef idx="0">
+              <a:schemeClr val="accent1"/>
+            </a:effectRef>
+            <a:fontRef idx="minor">
+              <a:schemeClr val="lt1"/>
+            </a:fontRef>
+          </p:style>
+          <p:txBody>
+            <a:bodyPr rtlCol="0" anchor="ctr"/>
+            <a:lstStyle/>
+            <a:p>
+              <a:pPr algn="ctr"/>
+              <a:r>
+                <a:rPr lang="en-US" altLang="ko-KR" sz="900">
+                  <a:solidFill>
+                    <a:schemeClr val="tx1"/>
+                  </a:solidFill>
+                </a:rPr>
+                <a:t>KIT2_4th_usb</a:t>
+              </a:r>
+              <a:endParaRPr lang="ko-KR" altLang="en-US" sz="900">
+                <a:solidFill>
+                  <a:schemeClr val="tx1"/>
+                </a:solidFill>
+              </a:endParaRPr>
+            </a:p>
+          </p:txBody>
+        </p:sp>
+        <p:sp>
+          <p:nvSpPr>
+            <p:cNvPr id="11" name="액자 10">
+              <a:extLst>
+                <a:ext uri="{FF2B5EF4-FFF2-40B4-BE49-F238E27FC236}">
+                  <a16:creationId xmlns:a16="http://schemas.microsoft.com/office/drawing/2014/main" id="{26D52992-4A90-0205-8B69-AB87A16EF97E}"/>
+                </a:ext>
+              </a:extLst>
+            </p:cNvPr>
+            <p:cNvSpPr/>
+            <p:nvPr/>
+          </p:nvSpPr>
+          <p:spPr>
+            <a:xfrm>
+              <a:off x="5937370" y="2984500"/>
+              <a:ext cx="901700" cy="355600"/>
+            </a:xfrm>
+            <a:prstGeom prst="frame">
+              <a:avLst/>
+            </a:prstGeom>
+          </p:spPr>
+          <p:style>
+            <a:lnRef idx="2">
+              <a:schemeClr val="accent1">
+                <a:shade val="15000"/>
+              </a:schemeClr>
+            </a:lnRef>
+            <a:fillRef idx="1">
+              <a:schemeClr val="accent1"/>
+            </a:fillRef>
+            <a:effectRef idx="0">
+              <a:schemeClr val="accent1"/>
+            </a:effectRef>
+            <a:fontRef idx="minor">
+              <a:schemeClr val="lt1"/>
+            </a:fontRef>
+          </p:style>
+          <p:txBody>
+            <a:bodyPr rtlCol="0" anchor="ctr"/>
+            <a:lstStyle/>
+            <a:p>
+              <a:pPr algn="ctr"/>
+              <a:r>
+                <a:rPr lang="en-US" altLang="ko-KR" sz="900">
+                  <a:solidFill>
+                    <a:schemeClr val="tx1"/>
+                  </a:solidFill>
+                </a:rPr>
+                <a:t>KIT2_3rd_stp</a:t>
+              </a:r>
+              <a:endParaRPr lang="ko-KR" altLang="en-US" sz="900">
+                <a:solidFill>
+                  <a:schemeClr val="tx1"/>
+                </a:solidFill>
+              </a:endParaRPr>
+            </a:p>
+          </p:txBody>
+        </p:sp>
+        <p:sp>
+          <p:nvSpPr>
+            <p:cNvPr id="12" name="액자 11">
+              <a:extLst>
+                <a:ext uri="{FF2B5EF4-FFF2-40B4-BE49-F238E27FC236}">
+                  <a16:creationId xmlns:a16="http://schemas.microsoft.com/office/drawing/2014/main" id="{C81361FF-B929-0248-9A50-6A4629C1A8AA}"/>
+                </a:ext>
+              </a:extLst>
+            </p:cNvPr>
+            <p:cNvSpPr/>
+            <p:nvPr/>
+          </p:nvSpPr>
+          <p:spPr>
+            <a:xfrm>
+              <a:off x="5975470" y="3619500"/>
+              <a:ext cx="901700" cy="355600"/>
+            </a:xfrm>
+            <a:prstGeom prst="frame">
+              <a:avLst/>
+            </a:prstGeom>
+          </p:spPr>
+          <p:style>
+            <a:lnRef idx="2">
+              <a:schemeClr val="accent1">
+                <a:shade val="15000"/>
+              </a:schemeClr>
+            </a:lnRef>
+            <a:fillRef idx="1">
+              <a:schemeClr val="accent1"/>
+            </a:fillRef>
+            <a:effectRef idx="0">
+              <a:schemeClr val="accent1"/>
+            </a:effectRef>
+            <a:fontRef idx="minor">
+              <a:schemeClr val="lt1"/>
+            </a:fontRef>
+          </p:style>
+          <p:txBody>
+            <a:bodyPr rtlCol="0" anchor="ctr"/>
+            <a:lstStyle/>
+            <a:p>
+              <a:pPr algn="ctr"/>
+              <a:r>
+                <a:rPr lang="en-US" altLang="ko-KR" sz="900">
+                  <a:solidFill>
+                    <a:schemeClr val="tx1"/>
+                  </a:solidFill>
+                </a:rPr>
+                <a:t>KIT2_4th_stp</a:t>
+              </a:r>
+              <a:endParaRPr lang="ko-KR" altLang="en-US" sz="900">
+                <a:solidFill>
+                  <a:schemeClr val="tx1"/>
+                </a:solidFill>
+              </a:endParaRPr>
+            </a:p>
+          </p:txBody>
+        </p:sp>
+        <p:sp>
+          <p:nvSpPr>
+            <p:cNvPr id="13" name="액자 12">
+              <a:extLst>
+                <a:ext uri="{FF2B5EF4-FFF2-40B4-BE49-F238E27FC236}">
+                  <a16:creationId xmlns:a16="http://schemas.microsoft.com/office/drawing/2014/main" id="{6D60948B-49DA-D70E-8519-98A49F9253FE}"/>
+                </a:ext>
+              </a:extLst>
+            </p:cNvPr>
+            <p:cNvSpPr/>
+            <p:nvPr/>
+          </p:nvSpPr>
+          <p:spPr>
+            <a:xfrm>
+              <a:off x="6000870" y="2413000"/>
+              <a:ext cx="901700" cy="355600"/>
+            </a:xfrm>
+            <a:prstGeom prst="frame">
+              <a:avLst/>
+            </a:prstGeom>
+          </p:spPr>
+          <p:style>
+            <a:lnRef idx="2">
+              <a:schemeClr val="accent1">
+                <a:shade val="15000"/>
+              </a:schemeClr>
+            </a:lnRef>
+            <a:fillRef idx="1">
+              <a:schemeClr val="accent1"/>
+            </a:fillRef>
+            <a:effectRef idx="0">
+              <a:schemeClr val="accent1"/>
+            </a:effectRef>
+            <a:fontRef idx="minor">
+              <a:schemeClr val="lt1"/>
+            </a:fontRef>
+          </p:style>
+          <p:txBody>
+            <a:bodyPr rtlCol="0" anchor="ctr"/>
+            <a:lstStyle/>
+            <a:p>
+              <a:pPr algn="ctr"/>
+              <a:r>
+                <a:rPr lang="en-US" altLang="ko-KR" sz="900">
+                  <a:solidFill>
+                    <a:schemeClr val="tx1"/>
+                  </a:solidFill>
+                </a:rPr>
+                <a:t>KIT2_2nd_stp</a:t>
+              </a:r>
+              <a:endParaRPr lang="ko-KR" altLang="en-US" sz="900">
+                <a:solidFill>
+                  <a:schemeClr val="tx1"/>
+                </a:solidFill>
+              </a:endParaRPr>
+            </a:p>
+          </p:txBody>
+        </p:sp>
+        <p:sp>
+          <p:nvSpPr>
+            <p:cNvPr id="14" name="액자 13">
+              <a:extLst>
+                <a:ext uri="{FF2B5EF4-FFF2-40B4-BE49-F238E27FC236}">
+                  <a16:creationId xmlns:a16="http://schemas.microsoft.com/office/drawing/2014/main" id="{AABEC37B-5C7B-1E9B-089B-DEA47E332312}"/>
+                </a:ext>
+              </a:extLst>
+            </p:cNvPr>
+            <p:cNvSpPr/>
+            <p:nvPr/>
+          </p:nvSpPr>
+          <p:spPr>
+            <a:xfrm>
+              <a:off x="6000870" y="1765300"/>
+              <a:ext cx="901700" cy="355600"/>
+            </a:xfrm>
+            <a:prstGeom prst="frame">
+              <a:avLst/>
+            </a:prstGeom>
+          </p:spPr>
+          <p:style>
+            <a:lnRef idx="2">
+              <a:schemeClr val="accent1">
+                <a:shade val="15000"/>
+              </a:schemeClr>
+            </a:lnRef>
+            <a:fillRef idx="1">
+              <a:schemeClr val="accent1"/>
+            </a:fillRef>
+            <a:effectRef idx="0">
+              <a:schemeClr val="accent1"/>
+            </a:effectRef>
+            <a:fontRef idx="minor">
+              <a:schemeClr val="lt1"/>
+            </a:fontRef>
+          </p:style>
+          <p:txBody>
+            <a:bodyPr rtlCol="0" anchor="ctr"/>
+            <a:lstStyle/>
+            <a:p>
+              <a:pPr algn="ctr"/>
+              <a:r>
+                <a:rPr lang="en-US" altLang="ko-KR" sz="900">
+                  <a:solidFill>
+                    <a:schemeClr val="tx1"/>
+                  </a:solidFill>
+                </a:rPr>
+                <a:t>KIT2_1st_stp</a:t>
+              </a:r>
+              <a:endParaRPr lang="ko-KR" altLang="en-US" sz="900">
+                <a:solidFill>
+                  <a:schemeClr val="tx1"/>
+                </a:solidFill>
+              </a:endParaRPr>
+            </a:p>
+          </p:txBody>
+        </p:sp>
+        <p:sp>
+          <p:nvSpPr>
+            <p:cNvPr id="15" name="액자 14">
+              <a:extLst>
+                <a:ext uri="{FF2B5EF4-FFF2-40B4-BE49-F238E27FC236}">
+                  <a16:creationId xmlns:a16="http://schemas.microsoft.com/office/drawing/2014/main" id="{4ADFCEC3-6652-79F2-C677-07C708CD5562}"/>
+                </a:ext>
+              </a:extLst>
+            </p:cNvPr>
+            <p:cNvSpPr/>
+            <p:nvPr/>
+          </p:nvSpPr>
+          <p:spPr>
+            <a:xfrm>
+              <a:off x="2330570" y="4940300"/>
+              <a:ext cx="660400" cy="355600"/>
+            </a:xfrm>
+            <a:prstGeom prst="frame">
+              <a:avLst/>
+            </a:prstGeom>
+          </p:spPr>
+          <p:style>
+            <a:lnRef idx="2">
+              <a:schemeClr val="accent1">
+                <a:shade val="15000"/>
+              </a:schemeClr>
+            </a:lnRef>
+            <a:fillRef idx="1">
+              <a:schemeClr val="accent1"/>
+            </a:fillRef>
+            <a:effectRef idx="0">
+              <a:schemeClr val="accent1"/>
+            </a:effectRef>
+            <a:fontRef idx="minor">
+              <a:schemeClr val="lt1"/>
+            </a:fontRef>
+          </p:style>
+          <p:txBody>
+            <a:bodyPr rtlCol="0" anchor="ctr"/>
+            <a:lstStyle/>
+            <a:p>
+              <a:pPr algn="ctr"/>
+              <a:r>
+                <a:rPr lang="en-US" altLang="ko-KR" sz="900">
+                  <a:solidFill>
+                    <a:schemeClr val="tx1"/>
+                  </a:solidFill>
+                </a:rPr>
+                <a:t>KIT2_Out</a:t>
+              </a:r>
+              <a:endParaRPr lang="ko-KR" altLang="en-US" sz="900">
+                <a:solidFill>
+                  <a:schemeClr val="tx1"/>
+                </a:solidFill>
+              </a:endParaRPr>
+            </a:p>
+          </p:txBody>
+        </p:sp>
+        <p:sp>
+          <p:nvSpPr>
+            <p:cNvPr id="16" name="액자 15">
+              <a:extLst>
+                <a:ext uri="{FF2B5EF4-FFF2-40B4-BE49-F238E27FC236}">
+                  <a16:creationId xmlns:a16="http://schemas.microsoft.com/office/drawing/2014/main" id="{B4C384C8-33A0-8FC6-1549-9A94C2504CAC}"/>
+                </a:ext>
+              </a:extLst>
+            </p:cNvPr>
+            <p:cNvSpPr/>
+            <p:nvPr/>
+          </p:nvSpPr>
+          <p:spPr>
+            <a:xfrm>
+              <a:off x="8680570" y="6223000"/>
+              <a:ext cx="1016000" cy="355600"/>
+            </a:xfrm>
+            <a:prstGeom prst="frame">
+              <a:avLst/>
+            </a:prstGeom>
+          </p:spPr>
+          <p:style>
+            <a:lnRef idx="2">
+              <a:schemeClr val="accent1">
+                <a:shade val="15000"/>
+              </a:schemeClr>
+            </a:lnRef>
+            <a:fillRef idx="1">
+              <a:schemeClr val="accent1"/>
+            </a:fillRef>
+            <a:effectRef idx="0">
+              <a:schemeClr val="accent1"/>
+            </a:effectRef>
+            <a:fontRef idx="minor">
+              <a:schemeClr val="lt1"/>
+            </a:fontRef>
+          </p:style>
+          <p:txBody>
+            <a:bodyPr rtlCol="0" anchor="ctr"/>
+            <a:lstStyle/>
+            <a:p>
+              <a:pPr algn="ctr"/>
+              <a:r>
+                <a:rPr lang="en-US" altLang="ko-KR" sz="900">
+                  <a:solidFill>
+                    <a:schemeClr val="tx1"/>
+                  </a:solidFill>
+                </a:rPr>
+                <a:t>KIT2_Part</a:t>
+              </a:r>
+              <a:endParaRPr lang="ko-KR" altLang="en-US" sz="900">
+                <a:solidFill>
+                  <a:schemeClr val="tx1"/>
+                </a:solidFill>
+              </a:endParaRPr>
+            </a:p>
+          </p:txBody>
+        </p:sp>
+      </p:grpSp>
+    </p:spTree>
+    <p:extLst>
+      <p:ext uri="{BB962C8B-B14F-4D97-AF65-F5344CB8AC3E}">
+        <p14:creationId xmlns:p14="http://schemas.microsoft.com/office/powerpoint/2010/main" val="3348884962"/>
+      </p:ext>
+    </p:extLst>
+  </p:cSld>
+  <p:clrMapOvr>
+    <a:masterClrMapping/>
+  </p:clrMapOvr>
+</p:sld>
+</file>
+
 <file path=ppt/slides/slide2.xml><?xml version="1.0" encoding="utf-8"?>
 <p:sld xmlns:a="http://schemas.openxmlformats.org/drawingml/2006/main" xmlns:r="http://schemas.openxmlformats.org/officeDocument/2006/relationships" xmlns:p="http://schemas.openxmlformats.org/presentationml/2006/main">
   <p:cSld>
@@ -3973,10 +4864,10 @@
       </p:sp>
       <p:grpSp>
         <p:nvGrpSpPr>
-          <p:cNvPr id="4" name="그룹 3">
+          <p:cNvPr id="27" name="그룹 26">
             <a:extLst>
               <a:ext uri="{FF2B5EF4-FFF2-40B4-BE49-F238E27FC236}">
-                <a16:creationId xmlns:a16="http://schemas.microsoft.com/office/drawing/2014/main" id="{219FC9F7-9A75-8FD1-E5D0-549A6FC03772}"/>
+                <a16:creationId xmlns:a16="http://schemas.microsoft.com/office/drawing/2014/main" id="{5E91EB8C-2D71-F3AB-2B8E-35B74D790A87}"/>
               </a:ext>
             </a:extLst>
           </p:cNvPr>
@@ -4419,10 +5310,10 @@
       </p:grpSp>
       <p:grpSp>
         <p:nvGrpSpPr>
-          <p:cNvPr id="3" name="그룹 2">
+          <p:cNvPr id="26" name="그룹 25">
             <a:extLst>
               <a:ext uri="{FF2B5EF4-FFF2-40B4-BE49-F238E27FC236}">
-                <a16:creationId xmlns:a16="http://schemas.microsoft.com/office/drawing/2014/main" id="{D2AE5A19-25BB-D433-2611-DF33001E1552}"/>
+                <a16:creationId xmlns:a16="http://schemas.microsoft.com/office/drawing/2014/main" id="{546FD5DE-8FEA-7543-FBC5-AACFE9EF2EB5}"/>
               </a:ext>
             </a:extLst>
           </p:cNvPr>
@@ -5020,10 +5911,10 @@
       </p:sp>
       <p:grpSp>
         <p:nvGrpSpPr>
-          <p:cNvPr id="3" name="그룹 2">
+          <p:cNvPr id="7" name="그룹 6">
             <a:extLst>
               <a:ext uri="{FF2B5EF4-FFF2-40B4-BE49-F238E27FC236}">
-                <a16:creationId xmlns:a16="http://schemas.microsoft.com/office/drawing/2014/main" id="{DC4FD8C7-4B03-AB8D-183F-6009DECE7B47}"/>
+                <a16:creationId xmlns:a16="http://schemas.microsoft.com/office/drawing/2014/main" id="{4616E303-6D28-0024-0578-4067EC2A3368}"/>
               </a:ext>
             </a:extLst>
           </p:cNvPr>
@@ -6097,10 +6988,10 @@
       </p:sp>
       <p:grpSp>
         <p:nvGrpSpPr>
-          <p:cNvPr id="3" name="그룹 2">
+          <p:cNvPr id="7" name="그룹 6">
             <a:extLst>
               <a:ext uri="{FF2B5EF4-FFF2-40B4-BE49-F238E27FC236}">
-                <a16:creationId xmlns:a16="http://schemas.microsoft.com/office/drawing/2014/main" id="{AFD4285D-6CAE-9C3B-8074-C74F9435170E}"/>
+                <a16:creationId xmlns:a16="http://schemas.microsoft.com/office/drawing/2014/main" id="{064E9CDD-D829-0130-9EFE-32567D3D9C31}"/>
               </a:ext>
             </a:extLst>
           </p:cNvPr>
@@ -6688,10 +7579,10 @@
       </p:sp>
       <p:grpSp>
         <p:nvGrpSpPr>
-          <p:cNvPr id="3" name="그룹 2">
+          <p:cNvPr id="7" name="그룹 6">
             <a:extLst>
               <a:ext uri="{FF2B5EF4-FFF2-40B4-BE49-F238E27FC236}">
-                <a16:creationId xmlns:a16="http://schemas.microsoft.com/office/drawing/2014/main" id="{5FA97485-3A23-028A-244C-68F980634F91}"/>
+                <a16:creationId xmlns:a16="http://schemas.microsoft.com/office/drawing/2014/main" id="{0C5357A9-CC9D-9AF0-A52D-4E880FFB1351}"/>
               </a:ext>
             </a:extLst>
           </p:cNvPr>
@@ -7279,10 +8170,10 @@
       </p:sp>
       <p:grpSp>
         <p:nvGrpSpPr>
-          <p:cNvPr id="3" name="그룹 2">
+          <p:cNvPr id="7" name="그룹 6">
             <a:extLst>
               <a:ext uri="{FF2B5EF4-FFF2-40B4-BE49-F238E27FC236}">
-                <a16:creationId xmlns:a16="http://schemas.microsoft.com/office/drawing/2014/main" id="{84642481-FB87-87CC-E013-D37DFAFC51C9}"/>
+                <a16:creationId xmlns:a16="http://schemas.microsoft.com/office/drawing/2014/main" id="{EAB6C64B-4CE4-CB3A-0DAB-915549714E78}"/>
               </a:ext>
             </a:extLst>
           </p:cNvPr>
@@ -7633,10 +8524,10 @@
       </p:sp>
       <p:grpSp>
         <p:nvGrpSpPr>
-          <p:cNvPr id="5" name="그룹 4">
+          <p:cNvPr id="15" name="그룹 14">
             <a:extLst>
               <a:ext uri="{FF2B5EF4-FFF2-40B4-BE49-F238E27FC236}">
-                <a16:creationId xmlns:a16="http://schemas.microsoft.com/office/drawing/2014/main" id="{ED9C6C4B-6E99-A117-C55E-9DE9DD399099}"/>
+                <a16:creationId xmlns:a16="http://schemas.microsoft.com/office/drawing/2014/main" id="{7D4D2EDF-E534-F8BD-3E81-4F95CD302AD4}"/>
               </a:ext>
             </a:extLst>
           </p:cNvPr>
@@ -9033,10 +9924,10 @@
       </p:sp>
       <p:grpSp>
         <p:nvGrpSpPr>
-          <p:cNvPr id="4" name="그룹 3">
+          <p:cNvPr id="14" name="그룹 13">
             <a:extLst>
               <a:ext uri="{FF2B5EF4-FFF2-40B4-BE49-F238E27FC236}">
-                <a16:creationId xmlns:a16="http://schemas.microsoft.com/office/drawing/2014/main" id="{6C895244-4B48-1ACF-779E-F95FF1AEDBC5}"/>
+                <a16:creationId xmlns:a16="http://schemas.microsoft.com/office/drawing/2014/main" id="{EF2E9954-B8B7-F812-AFAE-5FC492DFFE60}"/>
               </a:ext>
             </a:extLst>
           </p:cNvPr>
@@ -11360,10 +12251,10 @@
       </p:sp>
       <p:grpSp>
         <p:nvGrpSpPr>
-          <p:cNvPr id="3" name="그룹 2">
+          <p:cNvPr id="13" name="그룹 12">
             <a:extLst>
               <a:ext uri="{FF2B5EF4-FFF2-40B4-BE49-F238E27FC236}">
-                <a16:creationId xmlns:a16="http://schemas.microsoft.com/office/drawing/2014/main" id="{BD0D3E8E-5929-D26B-A881-9919602EEE83}"/>
+                <a16:creationId xmlns:a16="http://schemas.microsoft.com/office/drawing/2014/main" id="{451D8078-0BA5-1BDD-07AE-B2847C772632}"/>
               </a:ext>
             </a:extLst>
           </p:cNvPr>
@@ -12434,6 +13325,923 @@
 <file path=ppt/slides/slide8.xml><?xml version="1.0" encoding="utf-8"?>
 <p:sld xmlns:a="http://schemas.openxmlformats.org/drawingml/2006/main" xmlns:r="http://schemas.openxmlformats.org/officeDocument/2006/relationships" xmlns:p="http://schemas.openxmlformats.org/presentationml/2006/main">
   <p:cSld>
+    <p:bg>
+      <p:bgPr>
+        <a:solidFill>
+          <a:srgbClr val="696969"/>
+        </a:solidFill>
+        <a:effectLst/>
+      </p:bgPr>
+    </p:bg>
+    <p:spTree>
+      <p:nvGrpSpPr>
+        <p:cNvPr id="1" name=""/>
+        <p:cNvGrpSpPr/>
+        <p:nvPr/>
+      </p:nvGrpSpPr>
+      <p:grpSpPr>
+        <a:xfrm>
+          <a:off x="0" y="0"/>
+          <a:ext cx="0" cy="0"/>
+          <a:chOff x="0" y="0"/>
+          <a:chExt cx="0" cy="0"/>
+        </a:xfrm>
+      </p:grpSpPr>
+      <p:sp>
+        <p:nvSpPr>
+          <p:cNvPr id="2" name="TextBox 1">
+            <a:extLst>
+              <a:ext uri="{FF2B5EF4-FFF2-40B4-BE49-F238E27FC236}">
+                <a16:creationId xmlns:a16="http://schemas.microsoft.com/office/drawing/2014/main" id="{4605B32E-CF96-E689-D529-43FD9C15794A}"/>
+              </a:ext>
+            </a:extLst>
+          </p:cNvPr>
+          <p:cNvSpPr txBox="1"/>
+          <p:nvPr/>
+        </p:nvSpPr>
+        <p:spPr>
+          <a:xfrm>
+            <a:off x="254000" y="127000"/>
+            <a:ext cx="15240000" cy="381000"/>
+          </a:xfrm>
+          <a:prstGeom prst="rect">
+            <a:avLst/>
+          </a:prstGeom>
+          <a:noFill/>
+        </p:spPr>
+        <p:txBody>
+          <a:bodyPr vert="horz" rtlCol="0">
+            <a:spAutoFit/>
+          </a:bodyPr>
+          <a:lstStyle/>
+          <a:p>
+            <a:r>
+              <a:rPr lang="en-US" altLang="ko-KR"/>
+              <a:t>Layout : KIT1</a:t>
+            </a:r>
+            <a:endParaRPr lang="ko-KR" altLang="en-US"/>
+          </a:p>
+        </p:txBody>
+      </p:sp>
+      <p:sp>
+        <p:nvSpPr>
+          <p:cNvPr id="3" name="TextBox 2">
+            <a:extLst>
+              <a:ext uri="{FF2B5EF4-FFF2-40B4-BE49-F238E27FC236}">
+                <a16:creationId xmlns:a16="http://schemas.microsoft.com/office/drawing/2014/main" id="{A67F58B3-9E52-C4B0-C4A2-B7E1BBBEF8A6}"/>
+              </a:ext>
+            </a:extLst>
+          </p:cNvPr>
+          <p:cNvSpPr txBox="1"/>
+          <p:nvPr/>
+        </p:nvSpPr>
+        <p:spPr>
+          <a:xfrm>
+            <a:off x="254000" y="508000"/>
+            <a:ext cx="15240000" cy="381000"/>
+          </a:xfrm>
+          <a:prstGeom prst="rect">
+            <a:avLst/>
+          </a:prstGeom>
+          <a:noFill/>
+        </p:spPr>
+        <p:txBody>
+          <a:bodyPr vert="horz" rtlCol="0">
+            <a:spAutoFit/>
+          </a:bodyPr>
+          <a:lstStyle/>
+          <a:p>
+            <a:r>
+              <a:rPr lang="en-US" altLang="ko-KR" dirty="0">
+                <a:highlight>
+                  <a:srgbClr val="FFFF00"/>
+                </a:highlight>
+              </a:rPr>
+              <a:t>[Path]</a:t>
+            </a:r>
+            <a:r>
+              <a:rPr lang="en-US" altLang="ko-KR" dirty="0" err="1">
+                <a:highlight>
+                  <a:srgbClr val="FFFF00"/>
+                </a:highlight>
+              </a:rPr>
+              <a:t>rtsp</a:t>
+            </a:r>
+            <a:r>
+              <a:rPr lang="en-US" altLang="ko-KR" dirty="0">
+                <a:highlight>
+                  <a:srgbClr val="FFFF00"/>
+                </a:highlight>
+              </a:rPr>
+              <a:t>://210.99.70.120:1935/live/</a:t>
+            </a:r>
+            <a:r>
+              <a:rPr lang="en-US" altLang="ko-KR" dirty="0" err="1">
+                <a:highlight>
+                  <a:srgbClr val="FFFF00"/>
+                </a:highlight>
+              </a:rPr>
+              <a:t>cctv002.stream</a:t>
+            </a:r>
+            <a:endParaRPr lang="ko-KR" altLang="en-US" dirty="0">
+              <a:highlight>
+                <a:srgbClr val="FFFF00"/>
+              </a:highlight>
+            </a:endParaRPr>
+          </a:p>
+        </p:txBody>
+      </p:sp>
+      <p:grpSp>
+        <p:nvGrpSpPr>
+          <p:cNvPr id="18" name="그룹 17">
+            <a:extLst>
+              <a:ext uri="{FF2B5EF4-FFF2-40B4-BE49-F238E27FC236}">
+                <a16:creationId xmlns:a16="http://schemas.microsoft.com/office/drawing/2014/main" id="{40098B69-4786-2C6B-7562-6EEEDCA35370}"/>
+              </a:ext>
+            </a:extLst>
+          </p:cNvPr>
+          <p:cNvGrpSpPr/>
+          <p:nvPr/>
+        </p:nvGrpSpPr>
+        <p:grpSpPr>
+          <a:xfrm>
+            <a:off x="1117600" y="127000"/>
+            <a:ext cx="10972800" cy="6261100"/>
+            <a:chOff x="1117600" y="127000"/>
+            <a:chExt cx="10972800" cy="6261100"/>
+          </a:xfrm>
+        </p:grpSpPr>
+        <p:sp>
+          <p:nvSpPr>
+            <p:cNvPr id="4" name="액자 3">
+              <a:extLst>
+                <a:ext uri="{FF2B5EF4-FFF2-40B4-BE49-F238E27FC236}">
+                  <a16:creationId xmlns:a16="http://schemas.microsoft.com/office/drawing/2014/main" id="{A7831BBB-C685-9CCC-3CCC-03B330E3D6D6}"/>
+                </a:ext>
+              </a:extLst>
+            </p:cNvPr>
+            <p:cNvSpPr/>
+            <p:nvPr/>
+          </p:nvSpPr>
+          <p:spPr>
+            <a:xfrm>
+              <a:off x="10083800" y="127000"/>
+              <a:ext cx="838200" cy="279400"/>
+            </a:xfrm>
+            <a:prstGeom prst="frame">
+              <a:avLst/>
+            </a:prstGeom>
+          </p:spPr>
+          <p:style>
+            <a:lnRef idx="2">
+              <a:schemeClr val="accent1">
+                <a:shade val="15000"/>
+              </a:schemeClr>
+            </a:lnRef>
+            <a:fillRef idx="1">
+              <a:schemeClr val="accent1"/>
+            </a:fillRef>
+            <a:effectRef idx="0">
+              <a:schemeClr val="accent1"/>
+            </a:effectRef>
+            <a:fontRef idx="minor">
+              <a:schemeClr val="lt1"/>
+            </a:fontRef>
+          </p:style>
+          <p:txBody>
+            <a:bodyPr rtlCol="0" anchor="ctr"/>
+            <a:lstStyle/>
+            <a:p>
+              <a:pPr algn="ctr"/>
+              <a:r>
+                <a:rPr lang="en-US" altLang="ko-KR" sz="900">
+                  <a:solidFill>
+                    <a:schemeClr val="tx1"/>
+                  </a:solidFill>
+                </a:rPr>
+                <a:t>KIT1_Cv_RR</a:t>
+              </a:r>
+              <a:endParaRPr lang="ko-KR" altLang="en-US" sz="900">
+                <a:solidFill>
+                  <a:schemeClr val="tx1"/>
+                </a:solidFill>
+              </a:endParaRPr>
+            </a:p>
+          </p:txBody>
+        </p:sp>
+        <p:sp>
+          <p:nvSpPr>
+            <p:cNvPr id="5" name="액자 4">
+              <a:extLst>
+                <a:ext uri="{FF2B5EF4-FFF2-40B4-BE49-F238E27FC236}">
+                  <a16:creationId xmlns:a16="http://schemas.microsoft.com/office/drawing/2014/main" id="{6C2FE58A-C5C0-7ECA-38BE-1F5ED493939C}"/>
+                </a:ext>
+              </a:extLst>
+            </p:cNvPr>
+            <p:cNvSpPr/>
+            <p:nvPr/>
+          </p:nvSpPr>
+          <p:spPr>
+            <a:xfrm>
+              <a:off x="11404600" y="876300"/>
+              <a:ext cx="685800" cy="279400"/>
+            </a:xfrm>
+            <a:prstGeom prst="frame">
+              <a:avLst/>
+            </a:prstGeom>
+          </p:spPr>
+          <p:style>
+            <a:lnRef idx="2">
+              <a:schemeClr val="accent1">
+                <a:shade val="15000"/>
+              </a:schemeClr>
+            </a:lnRef>
+            <a:fillRef idx="1">
+              <a:schemeClr val="accent1"/>
+            </a:fillRef>
+            <a:effectRef idx="0">
+              <a:schemeClr val="accent1"/>
+            </a:effectRef>
+            <a:fontRef idx="minor">
+              <a:schemeClr val="lt1"/>
+            </a:fontRef>
+          </p:style>
+          <p:txBody>
+            <a:bodyPr rtlCol="0" anchor="ctr"/>
+            <a:lstStyle/>
+            <a:p>
+              <a:pPr algn="ctr"/>
+              <a:r>
+                <a:rPr lang="en-US" altLang="ko-KR" sz="900">
+                  <a:solidFill>
+                    <a:schemeClr val="tx1"/>
+                  </a:solidFill>
+                </a:rPr>
+                <a:t>KIT1_In</a:t>
+              </a:r>
+              <a:endParaRPr lang="ko-KR" altLang="en-US" sz="900">
+                <a:solidFill>
+                  <a:schemeClr val="tx1"/>
+                </a:solidFill>
+              </a:endParaRPr>
+            </a:p>
+          </p:txBody>
+        </p:sp>
+        <p:sp>
+          <p:nvSpPr>
+            <p:cNvPr id="6" name="액자 5">
+              <a:extLst>
+                <a:ext uri="{FF2B5EF4-FFF2-40B4-BE49-F238E27FC236}">
+                  <a16:creationId xmlns:a16="http://schemas.microsoft.com/office/drawing/2014/main" id="{D70C0531-4373-BF5B-B4EF-64706F8C87AD}"/>
+                </a:ext>
+              </a:extLst>
+            </p:cNvPr>
+            <p:cNvSpPr/>
+            <p:nvPr/>
+          </p:nvSpPr>
+          <p:spPr>
+            <a:xfrm>
+              <a:off x="1117600" y="5029200"/>
+              <a:ext cx="1270000" cy="355600"/>
+            </a:xfrm>
+            <a:prstGeom prst="frame">
+              <a:avLst/>
+            </a:prstGeom>
+          </p:spPr>
+          <p:style>
+            <a:lnRef idx="2">
+              <a:schemeClr val="accent1">
+                <a:shade val="15000"/>
+              </a:schemeClr>
+            </a:lnRef>
+            <a:fillRef idx="1">
+              <a:schemeClr val="accent1"/>
+            </a:fillRef>
+            <a:effectRef idx="0">
+              <a:schemeClr val="accent1"/>
+            </a:effectRef>
+            <a:fontRef idx="minor">
+              <a:schemeClr val="lt1"/>
+            </a:fontRef>
+          </p:style>
+          <p:txBody>
+            <a:bodyPr rtlCol="0" anchor="ctr"/>
+            <a:lstStyle/>
+            <a:p>
+              <a:pPr algn="ctr"/>
+              <a:r>
+                <a:rPr lang="en-US" altLang="ko-KR" sz="900">
+                  <a:solidFill>
+                    <a:schemeClr val="tx1"/>
+                  </a:solidFill>
+                </a:rPr>
+                <a:t>KIT1_Cv_Frt</a:t>
+              </a:r>
+              <a:endParaRPr lang="ko-KR" altLang="en-US" sz="900">
+                <a:solidFill>
+                  <a:schemeClr val="tx1"/>
+                </a:solidFill>
+              </a:endParaRPr>
+            </a:p>
+          </p:txBody>
+        </p:sp>
+        <p:sp>
+          <p:nvSpPr>
+            <p:cNvPr id="7" name="액자 6">
+              <a:extLst>
+                <a:ext uri="{FF2B5EF4-FFF2-40B4-BE49-F238E27FC236}">
+                  <a16:creationId xmlns:a16="http://schemas.microsoft.com/office/drawing/2014/main" id="{676F164D-3E1E-F9D5-1499-C7BA34A6676E}"/>
+                </a:ext>
+              </a:extLst>
+            </p:cNvPr>
+            <p:cNvSpPr/>
+            <p:nvPr/>
+          </p:nvSpPr>
+          <p:spPr>
+            <a:xfrm>
+              <a:off x="3581400" y="1600200"/>
+              <a:ext cx="901700" cy="355600"/>
+            </a:xfrm>
+            <a:prstGeom prst="frame">
+              <a:avLst/>
+            </a:prstGeom>
+          </p:spPr>
+          <p:style>
+            <a:lnRef idx="2">
+              <a:schemeClr val="accent1">
+                <a:shade val="15000"/>
+              </a:schemeClr>
+            </a:lnRef>
+            <a:fillRef idx="1">
+              <a:schemeClr val="accent1"/>
+            </a:fillRef>
+            <a:effectRef idx="0">
+              <a:schemeClr val="accent1"/>
+            </a:effectRef>
+            <a:fontRef idx="minor">
+              <a:schemeClr val="lt1"/>
+            </a:fontRef>
+          </p:style>
+          <p:txBody>
+            <a:bodyPr rtlCol="0" anchor="ctr"/>
+            <a:lstStyle/>
+            <a:p>
+              <a:pPr algn="ctr"/>
+              <a:r>
+                <a:rPr lang="en-US" altLang="ko-KR" sz="900">
+                  <a:solidFill>
+                    <a:schemeClr val="tx1"/>
+                  </a:solidFill>
+                </a:rPr>
+                <a:t>KIT1_1st_usb</a:t>
+              </a:r>
+              <a:endParaRPr lang="ko-KR" altLang="en-US" sz="900">
+                <a:solidFill>
+                  <a:schemeClr val="tx1"/>
+                </a:solidFill>
+              </a:endParaRPr>
+            </a:p>
+          </p:txBody>
+        </p:sp>
+        <p:sp>
+          <p:nvSpPr>
+            <p:cNvPr id="8" name="액자 7">
+              <a:extLst>
+                <a:ext uri="{FF2B5EF4-FFF2-40B4-BE49-F238E27FC236}">
+                  <a16:creationId xmlns:a16="http://schemas.microsoft.com/office/drawing/2014/main" id="{34A2F90D-0F1E-C272-FE8D-232D8848DA6A}"/>
+                </a:ext>
+              </a:extLst>
+            </p:cNvPr>
+            <p:cNvSpPr/>
+            <p:nvPr/>
+          </p:nvSpPr>
+          <p:spPr>
+            <a:xfrm>
+              <a:off x="3556000" y="2171700"/>
+              <a:ext cx="901700" cy="355600"/>
+            </a:xfrm>
+            <a:prstGeom prst="frame">
+              <a:avLst/>
+            </a:prstGeom>
+          </p:spPr>
+          <p:style>
+            <a:lnRef idx="2">
+              <a:schemeClr val="accent1">
+                <a:shade val="15000"/>
+              </a:schemeClr>
+            </a:lnRef>
+            <a:fillRef idx="1">
+              <a:schemeClr val="accent1"/>
+            </a:fillRef>
+            <a:effectRef idx="0">
+              <a:schemeClr val="accent1"/>
+            </a:effectRef>
+            <a:fontRef idx="minor">
+              <a:schemeClr val="lt1"/>
+            </a:fontRef>
+          </p:style>
+          <p:txBody>
+            <a:bodyPr rtlCol="0" anchor="ctr"/>
+            <a:lstStyle/>
+            <a:p>
+              <a:pPr algn="ctr"/>
+              <a:r>
+                <a:rPr lang="en-US" altLang="ko-KR" sz="900">
+                  <a:solidFill>
+                    <a:schemeClr val="tx1"/>
+                  </a:solidFill>
+                </a:rPr>
+                <a:t>KIT1_2nd_usb</a:t>
+              </a:r>
+              <a:endParaRPr lang="ko-KR" altLang="en-US" sz="900">
+                <a:solidFill>
+                  <a:schemeClr val="tx1"/>
+                </a:solidFill>
+              </a:endParaRPr>
+            </a:p>
+          </p:txBody>
+        </p:sp>
+        <p:sp>
+          <p:nvSpPr>
+            <p:cNvPr id="9" name="액자 8">
+              <a:extLst>
+                <a:ext uri="{FF2B5EF4-FFF2-40B4-BE49-F238E27FC236}">
+                  <a16:creationId xmlns:a16="http://schemas.microsoft.com/office/drawing/2014/main" id="{D0D073DA-9E34-348F-ACC4-F155601ED6F2}"/>
+                </a:ext>
+              </a:extLst>
+            </p:cNvPr>
+            <p:cNvSpPr/>
+            <p:nvPr/>
+          </p:nvSpPr>
+          <p:spPr>
+            <a:xfrm>
+              <a:off x="3556000" y="2794000"/>
+              <a:ext cx="901700" cy="355600"/>
+            </a:xfrm>
+            <a:prstGeom prst="frame">
+              <a:avLst/>
+            </a:prstGeom>
+          </p:spPr>
+          <p:style>
+            <a:lnRef idx="2">
+              <a:schemeClr val="accent1">
+                <a:shade val="15000"/>
+              </a:schemeClr>
+            </a:lnRef>
+            <a:fillRef idx="1">
+              <a:schemeClr val="accent1"/>
+            </a:fillRef>
+            <a:effectRef idx="0">
+              <a:schemeClr val="accent1"/>
+            </a:effectRef>
+            <a:fontRef idx="minor">
+              <a:schemeClr val="lt1"/>
+            </a:fontRef>
+          </p:style>
+          <p:txBody>
+            <a:bodyPr rtlCol="0" anchor="ctr"/>
+            <a:lstStyle/>
+            <a:p>
+              <a:pPr algn="ctr"/>
+              <a:r>
+                <a:rPr lang="en-US" altLang="ko-KR" sz="900">
+                  <a:solidFill>
+                    <a:schemeClr val="tx1"/>
+                  </a:solidFill>
+                </a:rPr>
+                <a:t>KIT1_3rd_usb</a:t>
+              </a:r>
+              <a:endParaRPr lang="ko-KR" altLang="en-US" sz="900">
+                <a:solidFill>
+                  <a:schemeClr val="tx1"/>
+                </a:solidFill>
+              </a:endParaRPr>
+            </a:p>
+          </p:txBody>
+        </p:sp>
+        <p:sp>
+          <p:nvSpPr>
+            <p:cNvPr id="10" name="액자 9">
+              <a:extLst>
+                <a:ext uri="{FF2B5EF4-FFF2-40B4-BE49-F238E27FC236}">
+                  <a16:creationId xmlns:a16="http://schemas.microsoft.com/office/drawing/2014/main" id="{19582EB3-0B0C-5F18-83EC-1D961B4DD2F5}"/>
+                </a:ext>
+              </a:extLst>
+            </p:cNvPr>
+            <p:cNvSpPr/>
+            <p:nvPr/>
+          </p:nvSpPr>
+          <p:spPr>
+            <a:xfrm>
+              <a:off x="3543300" y="3454400"/>
+              <a:ext cx="901700" cy="355600"/>
+            </a:xfrm>
+            <a:prstGeom prst="frame">
+              <a:avLst/>
+            </a:prstGeom>
+          </p:spPr>
+          <p:style>
+            <a:lnRef idx="2">
+              <a:schemeClr val="accent1">
+                <a:shade val="15000"/>
+              </a:schemeClr>
+            </a:lnRef>
+            <a:fillRef idx="1">
+              <a:schemeClr val="accent1"/>
+            </a:fillRef>
+            <a:effectRef idx="0">
+              <a:schemeClr val="accent1"/>
+            </a:effectRef>
+            <a:fontRef idx="minor">
+              <a:schemeClr val="lt1"/>
+            </a:fontRef>
+          </p:style>
+          <p:txBody>
+            <a:bodyPr rtlCol="0" anchor="ctr"/>
+            <a:lstStyle/>
+            <a:p>
+              <a:pPr algn="ctr"/>
+              <a:r>
+                <a:rPr lang="en-US" altLang="ko-KR" sz="900">
+                  <a:solidFill>
+                    <a:schemeClr val="tx1"/>
+                  </a:solidFill>
+                </a:rPr>
+                <a:t>KIT1_4th_usb</a:t>
+              </a:r>
+              <a:endParaRPr lang="ko-KR" altLang="en-US" sz="900">
+                <a:solidFill>
+                  <a:schemeClr val="tx1"/>
+                </a:solidFill>
+              </a:endParaRPr>
+            </a:p>
+          </p:txBody>
+        </p:sp>
+        <p:sp>
+          <p:nvSpPr>
+            <p:cNvPr id="11" name="액자 10">
+              <a:extLst>
+                <a:ext uri="{FF2B5EF4-FFF2-40B4-BE49-F238E27FC236}">
+                  <a16:creationId xmlns:a16="http://schemas.microsoft.com/office/drawing/2014/main" id="{BB2A45CF-B3D4-8E46-6B7E-15C177D13A51}"/>
+                </a:ext>
+              </a:extLst>
+            </p:cNvPr>
+            <p:cNvSpPr/>
+            <p:nvPr/>
+          </p:nvSpPr>
+          <p:spPr>
+            <a:xfrm>
+              <a:off x="6273800" y="2794000"/>
+              <a:ext cx="901700" cy="355600"/>
+            </a:xfrm>
+            <a:prstGeom prst="frame">
+              <a:avLst/>
+            </a:prstGeom>
+          </p:spPr>
+          <p:style>
+            <a:lnRef idx="2">
+              <a:schemeClr val="accent1">
+                <a:shade val="15000"/>
+              </a:schemeClr>
+            </a:lnRef>
+            <a:fillRef idx="1">
+              <a:schemeClr val="accent1"/>
+            </a:fillRef>
+            <a:effectRef idx="0">
+              <a:schemeClr val="accent1"/>
+            </a:effectRef>
+            <a:fontRef idx="minor">
+              <a:schemeClr val="lt1"/>
+            </a:fontRef>
+          </p:style>
+          <p:txBody>
+            <a:bodyPr rtlCol="0" anchor="ctr"/>
+            <a:lstStyle/>
+            <a:p>
+              <a:pPr algn="ctr"/>
+              <a:r>
+                <a:rPr lang="en-US" altLang="ko-KR" sz="900">
+                  <a:solidFill>
+                    <a:schemeClr val="tx1"/>
+                  </a:solidFill>
+                </a:rPr>
+                <a:t>KIT1_3rd_stp</a:t>
+              </a:r>
+              <a:endParaRPr lang="ko-KR" altLang="en-US" sz="900">
+                <a:solidFill>
+                  <a:schemeClr val="tx1"/>
+                </a:solidFill>
+              </a:endParaRPr>
+            </a:p>
+          </p:txBody>
+        </p:sp>
+        <p:sp>
+          <p:nvSpPr>
+            <p:cNvPr id="12" name="액자 11">
+              <a:extLst>
+                <a:ext uri="{FF2B5EF4-FFF2-40B4-BE49-F238E27FC236}">
+                  <a16:creationId xmlns:a16="http://schemas.microsoft.com/office/drawing/2014/main" id="{5155572F-3CB0-F234-052E-E486E6F86A0E}"/>
+                </a:ext>
+              </a:extLst>
+            </p:cNvPr>
+            <p:cNvSpPr/>
+            <p:nvPr/>
+          </p:nvSpPr>
+          <p:spPr>
+            <a:xfrm>
+              <a:off x="6311900" y="3429000"/>
+              <a:ext cx="901700" cy="355600"/>
+            </a:xfrm>
+            <a:prstGeom prst="frame">
+              <a:avLst/>
+            </a:prstGeom>
+          </p:spPr>
+          <p:style>
+            <a:lnRef idx="2">
+              <a:schemeClr val="accent1">
+                <a:shade val="15000"/>
+              </a:schemeClr>
+            </a:lnRef>
+            <a:fillRef idx="1">
+              <a:schemeClr val="accent1"/>
+            </a:fillRef>
+            <a:effectRef idx="0">
+              <a:schemeClr val="accent1"/>
+            </a:effectRef>
+            <a:fontRef idx="minor">
+              <a:schemeClr val="lt1"/>
+            </a:fontRef>
+          </p:style>
+          <p:txBody>
+            <a:bodyPr rtlCol="0" anchor="ctr"/>
+            <a:lstStyle/>
+            <a:p>
+              <a:pPr algn="ctr"/>
+              <a:r>
+                <a:rPr lang="en-US" altLang="ko-KR" sz="900">
+                  <a:solidFill>
+                    <a:schemeClr val="tx1"/>
+                  </a:solidFill>
+                </a:rPr>
+                <a:t>KIT1_4th_stp</a:t>
+              </a:r>
+              <a:endParaRPr lang="ko-KR" altLang="en-US" sz="900">
+                <a:solidFill>
+                  <a:schemeClr val="tx1"/>
+                </a:solidFill>
+              </a:endParaRPr>
+            </a:p>
+          </p:txBody>
+        </p:sp>
+        <p:sp>
+          <p:nvSpPr>
+            <p:cNvPr id="13" name="액자 12">
+              <a:extLst>
+                <a:ext uri="{FF2B5EF4-FFF2-40B4-BE49-F238E27FC236}">
+                  <a16:creationId xmlns:a16="http://schemas.microsoft.com/office/drawing/2014/main" id="{04228984-95CF-43C5-46B3-686D5AC4EB97}"/>
+                </a:ext>
+              </a:extLst>
+            </p:cNvPr>
+            <p:cNvSpPr/>
+            <p:nvPr/>
+          </p:nvSpPr>
+          <p:spPr>
+            <a:xfrm>
+              <a:off x="6337300" y="2222500"/>
+              <a:ext cx="901700" cy="355600"/>
+            </a:xfrm>
+            <a:prstGeom prst="frame">
+              <a:avLst/>
+            </a:prstGeom>
+          </p:spPr>
+          <p:style>
+            <a:lnRef idx="2">
+              <a:schemeClr val="accent1">
+                <a:shade val="15000"/>
+              </a:schemeClr>
+            </a:lnRef>
+            <a:fillRef idx="1">
+              <a:schemeClr val="accent1"/>
+            </a:fillRef>
+            <a:effectRef idx="0">
+              <a:schemeClr val="accent1"/>
+            </a:effectRef>
+            <a:fontRef idx="minor">
+              <a:schemeClr val="lt1"/>
+            </a:fontRef>
+          </p:style>
+          <p:txBody>
+            <a:bodyPr rtlCol="0" anchor="ctr"/>
+            <a:lstStyle/>
+            <a:p>
+              <a:pPr algn="ctr"/>
+              <a:r>
+                <a:rPr lang="en-US" altLang="ko-KR" sz="900">
+                  <a:solidFill>
+                    <a:schemeClr val="tx1"/>
+                  </a:solidFill>
+                </a:rPr>
+                <a:t>KIT1_2nd_stp</a:t>
+              </a:r>
+              <a:endParaRPr lang="ko-KR" altLang="en-US" sz="900">
+                <a:solidFill>
+                  <a:schemeClr val="tx1"/>
+                </a:solidFill>
+              </a:endParaRPr>
+            </a:p>
+          </p:txBody>
+        </p:sp>
+        <p:sp>
+          <p:nvSpPr>
+            <p:cNvPr id="14" name="액자 13">
+              <a:extLst>
+                <a:ext uri="{FF2B5EF4-FFF2-40B4-BE49-F238E27FC236}">
+                  <a16:creationId xmlns:a16="http://schemas.microsoft.com/office/drawing/2014/main" id="{CFC40BD9-229D-811D-756A-40661EF0FA6C}"/>
+                </a:ext>
+              </a:extLst>
+            </p:cNvPr>
+            <p:cNvSpPr/>
+            <p:nvPr/>
+          </p:nvSpPr>
+          <p:spPr>
+            <a:xfrm>
+              <a:off x="6337300" y="1574800"/>
+              <a:ext cx="901700" cy="355600"/>
+            </a:xfrm>
+            <a:prstGeom prst="frame">
+              <a:avLst/>
+            </a:prstGeom>
+          </p:spPr>
+          <p:style>
+            <a:lnRef idx="2">
+              <a:schemeClr val="accent1">
+                <a:shade val="15000"/>
+              </a:schemeClr>
+            </a:lnRef>
+            <a:fillRef idx="1">
+              <a:schemeClr val="accent1"/>
+            </a:fillRef>
+            <a:effectRef idx="0">
+              <a:schemeClr val="accent1"/>
+            </a:effectRef>
+            <a:fontRef idx="minor">
+              <a:schemeClr val="lt1"/>
+            </a:fontRef>
+          </p:style>
+          <p:txBody>
+            <a:bodyPr rtlCol="0" anchor="ctr"/>
+            <a:lstStyle/>
+            <a:p>
+              <a:pPr algn="ctr"/>
+              <a:r>
+                <a:rPr lang="en-US" altLang="ko-KR" sz="900">
+                  <a:solidFill>
+                    <a:schemeClr val="tx1"/>
+                  </a:solidFill>
+                </a:rPr>
+                <a:t>KIT1_1st_stp</a:t>
+              </a:r>
+              <a:endParaRPr lang="ko-KR" altLang="en-US" sz="900">
+                <a:solidFill>
+                  <a:schemeClr val="tx1"/>
+                </a:solidFill>
+              </a:endParaRPr>
+            </a:p>
+          </p:txBody>
+        </p:sp>
+        <p:sp>
+          <p:nvSpPr>
+            <p:cNvPr id="15" name="액자 14">
+              <a:extLst>
+                <a:ext uri="{FF2B5EF4-FFF2-40B4-BE49-F238E27FC236}">
+                  <a16:creationId xmlns:a16="http://schemas.microsoft.com/office/drawing/2014/main" id="{39C5F9C7-3EE5-9F3A-876F-2D4414915EB5}"/>
+                </a:ext>
+              </a:extLst>
+            </p:cNvPr>
+            <p:cNvSpPr/>
+            <p:nvPr/>
+          </p:nvSpPr>
+          <p:spPr>
+            <a:xfrm>
+              <a:off x="2667000" y="4749800"/>
+              <a:ext cx="660400" cy="355600"/>
+            </a:xfrm>
+            <a:prstGeom prst="frame">
+              <a:avLst/>
+            </a:prstGeom>
+          </p:spPr>
+          <p:style>
+            <a:lnRef idx="2">
+              <a:schemeClr val="accent1">
+                <a:shade val="15000"/>
+              </a:schemeClr>
+            </a:lnRef>
+            <a:fillRef idx="1">
+              <a:schemeClr val="accent1"/>
+            </a:fillRef>
+            <a:effectRef idx="0">
+              <a:schemeClr val="accent1"/>
+            </a:effectRef>
+            <a:fontRef idx="minor">
+              <a:schemeClr val="lt1"/>
+            </a:fontRef>
+          </p:style>
+          <p:txBody>
+            <a:bodyPr rtlCol="0" anchor="ctr"/>
+            <a:lstStyle/>
+            <a:p>
+              <a:pPr algn="ctr"/>
+              <a:r>
+                <a:rPr lang="en-US" altLang="ko-KR" sz="900">
+                  <a:solidFill>
+                    <a:schemeClr val="tx1"/>
+                  </a:solidFill>
+                </a:rPr>
+                <a:t>KIT1_Out</a:t>
+              </a:r>
+              <a:endParaRPr lang="ko-KR" altLang="en-US" sz="900">
+                <a:solidFill>
+                  <a:schemeClr val="tx1"/>
+                </a:solidFill>
+              </a:endParaRPr>
+            </a:p>
+          </p:txBody>
+        </p:sp>
+        <p:sp>
+          <p:nvSpPr>
+            <p:cNvPr id="16" name="액자 15">
+              <a:extLst>
+                <a:ext uri="{FF2B5EF4-FFF2-40B4-BE49-F238E27FC236}">
+                  <a16:creationId xmlns:a16="http://schemas.microsoft.com/office/drawing/2014/main" id="{92E47098-C59D-4EC7-157A-8C102210B148}"/>
+                </a:ext>
+              </a:extLst>
+            </p:cNvPr>
+            <p:cNvSpPr/>
+            <p:nvPr/>
+          </p:nvSpPr>
+          <p:spPr>
+            <a:xfrm>
+              <a:off x="9017000" y="6032500"/>
+              <a:ext cx="1016000" cy="355600"/>
+            </a:xfrm>
+            <a:prstGeom prst="frame">
+              <a:avLst/>
+            </a:prstGeom>
+          </p:spPr>
+          <p:style>
+            <a:lnRef idx="2">
+              <a:schemeClr val="accent1">
+                <a:shade val="15000"/>
+              </a:schemeClr>
+            </a:lnRef>
+            <a:fillRef idx="1">
+              <a:schemeClr val="accent1"/>
+            </a:fillRef>
+            <a:effectRef idx="0">
+              <a:schemeClr val="accent1"/>
+            </a:effectRef>
+            <a:fontRef idx="minor">
+              <a:schemeClr val="lt1"/>
+            </a:fontRef>
+          </p:style>
+          <p:txBody>
+            <a:bodyPr rtlCol="0" anchor="ctr"/>
+            <a:lstStyle/>
+            <a:p>
+              <a:pPr algn="ctr"/>
+              <a:r>
+                <a:rPr lang="en-US" altLang="ko-KR" sz="900">
+                  <a:solidFill>
+                    <a:schemeClr val="tx1"/>
+                  </a:solidFill>
+                </a:rPr>
+                <a:t>KIT1_Part</a:t>
+              </a:r>
+              <a:endParaRPr lang="ko-KR" altLang="en-US" sz="900">
+                <a:solidFill>
+                  <a:schemeClr val="tx1"/>
+                </a:solidFill>
+              </a:endParaRPr>
+            </a:p>
+          </p:txBody>
+        </p:sp>
+      </p:grpSp>
+    </p:spTree>
+    <p:extLst>
+      <p:ext uri="{BB962C8B-B14F-4D97-AF65-F5344CB8AC3E}">
+        <p14:creationId xmlns:p14="http://schemas.microsoft.com/office/powerpoint/2010/main" val="1000113340"/>
+      </p:ext>
+    </p:extLst>
+  </p:cSld>
+  <p:clrMapOvr>
+    <a:masterClrMapping/>
+  </p:clrMapOvr>
+</p:sld>
+</file>
+
+<file path=ppt/slides/slide9.xml><?xml version="1.0" encoding="utf-8"?>
+<p:sld xmlns:a="http://schemas.openxmlformats.org/drawingml/2006/main" xmlns:r="http://schemas.openxmlformats.org/officeDocument/2006/relationships" xmlns:p="http://schemas.openxmlformats.org/presentationml/2006/main">
+  <p:cSld>
     <p:spTree>
       <p:nvGrpSpPr>
         <p:cNvPr id="1" name=""/>
@@ -12561,10 +14369,10 @@
       </p:sp>
       <p:grpSp>
         <p:nvGrpSpPr>
-          <p:cNvPr id="5" name="그룹 4">
+          <p:cNvPr id="15" name="그룹 14">
             <a:extLst>
               <a:ext uri="{FF2B5EF4-FFF2-40B4-BE49-F238E27FC236}">
-                <a16:creationId xmlns:a16="http://schemas.microsoft.com/office/drawing/2014/main" id="{66B413EF-DBD8-E15F-2208-04FB959DF6D9}"/>
+                <a16:creationId xmlns:a16="http://schemas.microsoft.com/office/drawing/2014/main" id="{4A08CE03-7E9C-8310-E593-6C36D375E485}"/>
               </a:ext>
             </a:extLst>
           </p:cNvPr>
@@ -13961,10 +15769,10 @@
       </p:sp>
       <p:grpSp>
         <p:nvGrpSpPr>
-          <p:cNvPr id="4" name="그룹 3">
+          <p:cNvPr id="14" name="그룹 13">
             <a:extLst>
               <a:ext uri="{FF2B5EF4-FFF2-40B4-BE49-F238E27FC236}">
-                <a16:creationId xmlns:a16="http://schemas.microsoft.com/office/drawing/2014/main" id="{F75154CA-0181-337D-7107-4EEA6138A539}"/>
+                <a16:creationId xmlns:a16="http://schemas.microsoft.com/office/drawing/2014/main" id="{FA522579-DF86-49C6-437F-C73066D40B0D}"/>
               </a:ext>
             </a:extLst>
           </p:cNvPr>
@@ -16288,10 +18096,10 @@
       </p:sp>
       <p:grpSp>
         <p:nvGrpSpPr>
-          <p:cNvPr id="3" name="그룹 2">
+          <p:cNvPr id="13" name="그룹 12">
             <a:extLst>
               <a:ext uri="{FF2B5EF4-FFF2-40B4-BE49-F238E27FC236}">
-                <a16:creationId xmlns:a16="http://schemas.microsoft.com/office/drawing/2014/main" id="{7ECA3F6F-187C-060E-CDAA-F108FE99FFD8}"/>
+                <a16:creationId xmlns:a16="http://schemas.microsoft.com/office/drawing/2014/main" id="{2CF50B68-89A0-F05A-C1DA-1FBBAE31DD12}"/>
               </a:ext>
             </a:extLst>
           </p:cNvPr>

--- a/DsDotNet/src/UnitTest/UnitTest.Model/ImportOfficeExample/exportDS/testA/testMy/my.pptx
+++ b/DsDotNet/src/UnitTest/UnitTest.Model/ImportOfficeExample/exportDS/testA/testMy/my.pptx
@@ -207,7 +207,7 @@
           <a:p>
             <a:fld id="{42AE086C-D417-4A5A-8992-3959005D13E6}" type="datetimeFigureOut">
               <a:rPr lang="ko-KR" altLang="en-US" smtClean="0"/>
-              <a:t>2024-01-04</a:t>
+              <a:t>2024-01-06</a:t>
             </a:fld>
             <a:endParaRPr lang="ko-KR" altLang="en-US"/>
           </a:p>
@@ -789,7 +789,7 @@
           <a:p>
             <a:fld id="{E31A602F-9409-4B9A-9D14-798E704D8577}" type="datetimeFigureOut">
               <a:rPr lang="ko-KR" altLang="en-US" smtClean="0"/>
-              <a:t>2024-01-04</a:t>
+              <a:t>2024-01-06</a:t>
             </a:fld>
             <a:endParaRPr lang="ko-KR" altLang="en-US"/>
           </a:p>
@@ -987,7 +987,7 @@
           <a:p>
             <a:fld id="{E31A602F-9409-4B9A-9D14-798E704D8577}" type="datetimeFigureOut">
               <a:rPr lang="ko-KR" altLang="en-US" smtClean="0"/>
-              <a:t>2024-01-04</a:t>
+              <a:t>2024-01-06</a:t>
             </a:fld>
             <a:endParaRPr lang="ko-KR" altLang="en-US"/>
           </a:p>
@@ -1195,7 +1195,7 @@
           <a:p>
             <a:fld id="{E31A602F-9409-4B9A-9D14-798E704D8577}" type="datetimeFigureOut">
               <a:rPr lang="ko-KR" altLang="en-US" smtClean="0"/>
-              <a:t>2024-01-04</a:t>
+              <a:t>2024-01-06</a:t>
             </a:fld>
             <a:endParaRPr lang="ko-KR" altLang="en-US"/>
           </a:p>
@@ -1393,7 +1393,7 @@
           <a:p>
             <a:fld id="{E31A602F-9409-4B9A-9D14-798E704D8577}" type="datetimeFigureOut">
               <a:rPr lang="ko-KR" altLang="en-US" smtClean="0"/>
-              <a:t>2024-01-04</a:t>
+              <a:t>2024-01-06</a:t>
             </a:fld>
             <a:endParaRPr lang="ko-KR" altLang="en-US"/>
           </a:p>
@@ -1668,7 +1668,7 @@
           <a:p>
             <a:fld id="{E31A602F-9409-4B9A-9D14-798E704D8577}" type="datetimeFigureOut">
               <a:rPr lang="ko-KR" altLang="en-US" smtClean="0"/>
-              <a:t>2024-01-04</a:t>
+              <a:t>2024-01-06</a:t>
             </a:fld>
             <a:endParaRPr lang="ko-KR" altLang="en-US"/>
           </a:p>
@@ -1933,7 +1933,7 @@
           <a:p>
             <a:fld id="{E31A602F-9409-4B9A-9D14-798E704D8577}" type="datetimeFigureOut">
               <a:rPr lang="ko-KR" altLang="en-US" smtClean="0"/>
-              <a:t>2024-01-04</a:t>
+              <a:t>2024-01-06</a:t>
             </a:fld>
             <a:endParaRPr lang="ko-KR" altLang="en-US"/>
           </a:p>
@@ -2345,7 +2345,7 @@
           <a:p>
             <a:fld id="{E31A602F-9409-4B9A-9D14-798E704D8577}" type="datetimeFigureOut">
               <a:rPr lang="ko-KR" altLang="en-US" smtClean="0"/>
-              <a:t>2024-01-04</a:t>
+              <a:t>2024-01-06</a:t>
             </a:fld>
             <a:endParaRPr lang="ko-KR" altLang="en-US"/>
           </a:p>
@@ -2486,7 +2486,7 @@
           <a:p>
             <a:fld id="{E31A602F-9409-4B9A-9D14-798E704D8577}" type="datetimeFigureOut">
               <a:rPr lang="ko-KR" altLang="en-US" smtClean="0"/>
-              <a:t>2024-01-04</a:t>
+              <a:t>2024-01-06</a:t>
             </a:fld>
             <a:endParaRPr lang="ko-KR" altLang="en-US"/>
           </a:p>
@@ -2599,7 +2599,7 @@
           <a:p>
             <a:fld id="{E31A602F-9409-4B9A-9D14-798E704D8577}" type="datetimeFigureOut">
               <a:rPr lang="ko-KR" altLang="en-US" smtClean="0"/>
-              <a:t>2024-01-04</a:t>
+              <a:t>2024-01-06</a:t>
             </a:fld>
             <a:endParaRPr lang="ko-KR" altLang="en-US"/>
           </a:p>
@@ -2910,7 +2910,7 @@
           <a:p>
             <a:fld id="{E31A602F-9409-4B9A-9D14-798E704D8577}" type="datetimeFigureOut">
               <a:rPr lang="ko-KR" altLang="en-US" smtClean="0"/>
-              <a:t>2024-01-04</a:t>
+              <a:t>2024-01-06</a:t>
             </a:fld>
             <a:endParaRPr lang="ko-KR" altLang="en-US"/>
           </a:p>
@@ -3198,7 +3198,7 @@
           <a:p>
             <a:fld id="{E31A602F-9409-4B9A-9D14-798E704D8577}" type="datetimeFigureOut">
               <a:rPr lang="ko-KR" altLang="en-US" smtClean="0"/>
-              <a:t>2024-01-04</a:t>
+              <a:t>2024-01-06</a:t>
             </a:fld>
             <a:endParaRPr lang="ko-KR" altLang="en-US"/>
           </a:p>
@@ -3439,7 +3439,7 @@
           <a:p>
             <a:fld id="{E31A602F-9409-4B9A-9D14-798E704D8577}" type="datetimeFigureOut">
               <a:rPr lang="ko-KR" altLang="en-US" smtClean="0"/>
-              <a:t>2024-01-04</a:t>
+              <a:t>2024-01-06</a:t>
             </a:fld>
             <a:endParaRPr lang="ko-KR" altLang="en-US"/>
           </a:p>
@@ -18380,781 +18380,760 @@
           </a:p>
         </p:txBody>
       </p:sp>
-      <p:grpSp>
-        <p:nvGrpSpPr>
-          <p:cNvPr id="17" name="그룹 16">
+      <p:sp>
+        <p:nvSpPr>
+          <p:cNvPr id="4" name="액자 3">
             <a:extLst>
               <a:ext uri="{FF2B5EF4-FFF2-40B4-BE49-F238E27FC236}">
-                <a16:creationId xmlns:a16="http://schemas.microsoft.com/office/drawing/2014/main" id="{1CEC7A14-45A0-D13D-F758-3BBFFB26DA91}"/>
+                <a16:creationId xmlns:a16="http://schemas.microsoft.com/office/drawing/2014/main" id="{A7831BBB-C685-9CCC-3CCC-03B330E3D6D6}"/>
               </a:ext>
             </a:extLst>
           </p:cNvPr>
-          <p:cNvGrpSpPr/>
+          <p:cNvSpPr/>
           <p:nvPr/>
-        </p:nvGrpSpPr>
-        <p:grpSpPr>
+        </p:nvSpPr>
+        <p:spPr>
           <a:xfrm>
-            <a:off x="1117600" y="127000"/>
-            <a:ext cx="10972800" cy="6261100"/>
-            <a:chOff x="1117600" y="127000"/>
-            <a:chExt cx="10972800" cy="6261100"/>
+            <a:off x="10083800" y="127000"/>
+            <a:ext cx="838200" cy="409749"/>
           </a:xfrm>
-        </p:grpSpPr>
-        <p:sp>
-          <p:nvSpPr>
-            <p:cNvPr id="4" name="액자 3">
-              <a:extLst>
-                <a:ext uri="{FF2B5EF4-FFF2-40B4-BE49-F238E27FC236}">
-                  <a16:creationId xmlns:a16="http://schemas.microsoft.com/office/drawing/2014/main" id="{A7831BBB-C685-9CCC-3CCC-03B330E3D6D6}"/>
-                </a:ext>
-              </a:extLst>
-            </p:cNvPr>
-            <p:cNvSpPr/>
-            <p:nvPr/>
-          </p:nvSpPr>
-          <p:spPr>
-            <a:xfrm>
-              <a:off x="10083800" y="127000"/>
-              <a:ext cx="838200" cy="279400"/>
-            </a:xfrm>
-            <a:prstGeom prst="frame">
-              <a:avLst/>
-            </a:prstGeom>
-          </p:spPr>
-          <p:style>
-            <a:lnRef idx="2">
-              <a:schemeClr val="accent1">
-                <a:shade val="15000"/>
-              </a:schemeClr>
-            </a:lnRef>
-            <a:fillRef idx="1">
-              <a:schemeClr val="accent1"/>
-            </a:fillRef>
-            <a:effectRef idx="0">
-              <a:schemeClr val="accent1"/>
-            </a:effectRef>
-            <a:fontRef idx="minor">
-              <a:schemeClr val="lt1"/>
-            </a:fontRef>
-          </p:style>
-          <p:txBody>
-            <a:bodyPr rtlCol="0" anchor="ctr"/>
-            <a:lstStyle/>
-            <a:p>
-              <a:pPr algn="ctr"/>
-              <a:r>
-                <a:rPr lang="en-US" altLang="ko-KR" sz="900">
-                  <a:solidFill>
-                    <a:schemeClr val="tx1"/>
-                  </a:solidFill>
-                </a:rPr>
-                <a:t>KIT1_Cv_RR</a:t>
-              </a:r>
-              <a:endParaRPr lang="ko-KR" altLang="en-US" sz="900">
+          <a:prstGeom prst="frame">
+            <a:avLst/>
+          </a:prstGeom>
+        </p:spPr>
+        <p:style>
+          <a:lnRef idx="2">
+            <a:schemeClr val="accent1">
+              <a:shade val="15000"/>
+            </a:schemeClr>
+          </a:lnRef>
+          <a:fillRef idx="1">
+            <a:schemeClr val="accent1"/>
+          </a:fillRef>
+          <a:effectRef idx="0">
+            <a:schemeClr val="accent1"/>
+          </a:effectRef>
+          <a:fontRef idx="minor">
+            <a:schemeClr val="lt1"/>
+          </a:fontRef>
+        </p:style>
+        <p:txBody>
+          <a:bodyPr rtlCol="0" anchor="ctr"/>
+          <a:lstStyle/>
+          <a:p>
+            <a:pPr algn="ctr"/>
+            <a:r>
+              <a:rPr lang="en-US" altLang="ko-KR" sz="900">
                 <a:solidFill>
                   <a:schemeClr val="tx1"/>
                 </a:solidFill>
-              </a:endParaRPr>
-            </a:p>
-          </p:txBody>
-        </p:sp>
-        <p:sp>
-          <p:nvSpPr>
-            <p:cNvPr id="5" name="액자 4">
-              <a:extLst>
-                <a:ext uri="{FF2B5EF4-FFF2-40B4-BE49-F238E27FC236}">
-                  <a16:creationId xmlns:a16="http://schemas.microsoft.com/office/drawing/2014/main" id="{6C2FE58A-C5C0-7ECA-38BE-1F5ED493939C}"/>
-                </a:ext>
-              </a:extLst>
-            </p:cNvPr>
-            <p:cNvSpPr/>
-            <p:nvPr/>
-          </p:nvSpPr>
-          <p:spPr>
-            <a:xfrm>
-              <a:off x="11404600" y="876300"/>
-              <a:ext cx="685800" cy="279400"/>
-            </a:xfrm>
-            <a:prstGeom prst="frame">
-              <a:avLst/>
-            </a:prstGeom>
-          </p:spPr>
-          <p:style>
-            <a:lnRef idx="2">
-              <a:schemeClr val="accent1">
-                <a:shade val="15000"/>
-              </a:schemeClr>
-            </a:lnRef>
-            <a:fillRef idx="1">
-              <a:schemeClr val="accent1"/>
-            </a:fillRef>
-            <a:effectRef idx="0">
-              <a:schemeClr val="accent1"/>
-            </a:effectRef>
-            <a:fontRef idx="minor">
-              <a:schemeClr val="lt1"/>
-            </a:fontRef>
-          </p:style>
-          <p:txBody>
-            <a:bodyPr rtlCol="0" anchor="ctr"/>
-            <a:lstStyle/>
-            <a:p>
-              <a:pPr algn="ctr"/>
-              <a:r>
-                <a:rPr lang="en-US" altLang="ko-KR" sz="900">
-                  <a:solidFill>
-                    <a:schemeClr val="tx1"/>
-                  </a:solidFill>
-                </a:rPr>
-                <a:t>KIT1_In</a:t>
-              </a:r>
-              <a:endParaRPr lang="ko-KR" altLang="en-US" sz="900">
+              </a:rPr>
+              <a:t>KIT1_Cv_RR</a:t>
+            </a:r>
+            <a:endParaRPr lang="ko-KR" altLang="en-US" sz="900">
+              <a:solidFill>
+                <a:schemeClr val="tx1"/>
+              </a:solidFill>
+            </a:endParaRPr>
+          </a:p>
+        </p:txBody>
+      </p:sp>
+      <p:sp>
+        <p:nvSpPr>
+          <p:cNvPr id="5" name="액자 4">
+            <a:extLst>
+              <a:ext uri="{FF2B5EF4-FFF2-40B4-BE49-F238E27FC236}">
+                <a16:creationId xmlns:a16="http://schemas.microsoft.com/office/drawing/2014/main" id="{6C2FE58A-C5C0-7ECA-38BE-1F5ED493939C}"/>
+              </a:ext>
+            </a:extLst>
+          </p:cNvPr>
+          <p:cNvSpPr/>
+          <p:nvPr/>
+        </p:nvSpPr>
+        <p:spPr>
+          <a:xfrm>
+            <a:off x="11404600" y="1225872"/>
+            <a:ext cx="685800" cy="409749"/>
+          </a:xfrm>
+          <a:prstGeom prst="frame">
+            <a:avLst/>
+          </a:prstGeom>
+        </p:spPr>
+        <p:style>
+          <a:lnRef idx="2">
+            <a:schemeClr val="accent1">
+              <a:shade val="15000"/>
+            </a:schemeClr>
+          </a:lnRef>
+          <a:fillRef idx="1">
+            <a:schemeClr val="accent1"/>
+          </a:fillRef>
+          <a:effectRef idx="0">
+            <a:schemeClr val="accent1"/>
+          </a:effectRef>
+          <a:fontRef idx="minor">
+            <a:schemeClr val="lt1"/>
+          </a:fontRef>
+        </p:style>
+        <p:txBody>
+          <a:bodyPr rtlCol="0" anchor="ctr"/>
+          <a:lstStyle/>
+          <a:p>
+            <a:pPr algn="ctr"/>
+            <a:r>
+              <a:rPr lang="en-US" altLang="ko-KR" sz="900">
                 <a:solidFill>
                   <a:schemeClr val="tx1"/>
                 </a:solidFill>
-              </a:endParaRPr>
-            </a:p>
-          </p:txBody>
-        </p:sp>
-        <p:sp>
-          <p:nvSpPr>
-            <p:cNvPr id="6" name="액자 5">
-              <a:extLst>
-                <a:ext uri="{FF2B5EF4-FFF2-40B4-BE49-F238E27FC236}">
-                  <a16:creationId xmlns:a16="http://schemas.microsoft.com/office/drawing/2014/main" id="{D70C0531-4373-BF5B-B4EF-64706F8C87AD}"/>
-                </a:ext>
-              </a:extLst>
-            </p:cNvPr>
-            <p:cNvSpPr/>
-            <p:nvPr/>
-          </p:nvSpPr>
-          <p:spPr>
-            <a:xfrm>
-              <a:off x="1117600" y="5029200"/>
-              <a:ext cx="1270000" cy="355600"/>
-            </a:xfrm>
-            <a:prstGeom prst="frame">
-              <a:avLst/>
-            </a:prstGeom>
-          </p:spPr>
-          <p:style>
-            <a:lnRef idx="2">
-              <a:schemeClr val="accent1">
-                <a:shade val="15000"/>
-              </a:schemeClr>
-            </a:lnRef>
-            <a:fillRef idx="1">
-              <a:schemeClr val="accent1"/>
-            </a:fillRef>
-            <a:effectRef idx="0">
-              <a:schemeClr val="accent1"/>
-            </a:effectRef>
-            <a:fontRef idx="minor">
-              <a:schemeClr val="lt1"/>
-            </a:fontRef>
-          </p:style>
-          <p:txBody>
-            <a:bodyPr rtlCol="0" anchor="ctr"/>
-            <a:lstStyle/>
-            <a:p>
-              <a:pPr algn="ctr"/>
-              <a:r>
-                <a:rPr lang="en-US" altLang="ko-KR" sz="900">
-                  <a:solidFill>
-                    <a:schemeClr val="tx1"/>
-                  </a:solidFill>
-                </a:rPr>
-                <a:t>KIT1_Cv_Frt</a:t>
-              </a:r>
-              <a:endParaRPr lang="ko-KR" altLang="en-US" sz="900">
+              </a:rPr>
+              <a:t>KIT1_In</a:t>
+            </a:r>
+            <a:endParaRPr lang="ko-KR" altLang="en-US" sz="900">
+              <a:solidFill>
+                <a:schemeClr val="tx1"/>
+              </a:solidFill>
+            </a:endParaRPr>
+          </a:p>
+        </p:txBody>
+      </p:sp>
+      <p:sp>
+        <p:nvSpPr>
+          <p:cNvPr id="6" name="액자 5">
+            <a:extLst>
+              <a:ext uri="{FF2B5EF4-FFF2-40B4-BE49-F238E27FC236}">
+                <a16:creationId xmlns:a16="http://schemas.microsoft.com/office/drawing/2014/main" id="{D70C0531-4373-BF5B-B4EF-64706F8C87AD}"/>
+              </a:ext>
+            </a:extLst>
+          </p:cNvPr>
+          <p:cNvSpPr/>
+          <p:nvPr/>
+        </p:nvSpPr>
+        <p:spPr>
+          <a:xfrm>
+            <a:off x="127000" y="5900734"/>
+            <a:ext cx="1270000" cy="521499"/>
+          </a:xfrm>
+          <a:prstGeom prst="frame">
+            <a:avLst/>
+          </a:prstGeom>
+        </p:spPr>
+        <p:style>
+          <a:lnRef idx="2">
+            <a:schemeClr val="accent1">
+              <a:shade val="15000"/>
+            </a:schemeClr>
+          </a:lnRef>
+          <a:fillRef idx="1">
+            <a:schemeClr val="accent1"/>
+          </a:fillRef>
+          <a:effectRef idx="0">
+            <a:schemeClr val="accent1"/>
+          </a:effectRef>
+          <a:fontRef idx="minor">
+            <a:schemeClr val="lt1"/>
+          </a:fontRef>
+        </p:style>
+        <p:txBody>
+          <a:bodyPr rtlCol="0" anchor="ctr"/>
+          <a:lstStyle/>
+          <a:p>
+            <a:pPr algn="ctr"/>
+            <a:r>
+              <a:rPr lang="en-US" altLang="ko-KR" sz="900">
                 <a:solidFill>
                   <a:schemeClr val="tx1"/>
                 </a:solidFill>
-              </a:endParaRPr>
-            </a:p>
-          </p:txBody>
-        </p:sp>
-        <p:sp>
-          <p:nvSpPr>
-            <p:cNvPr id="7" name="액자 6">
-              <a:extLst>
-                <a:ext uri="{FF2B5EF4-FFF2-40B4-BE49-F238E27FC236}">
-                  <a16:creationId xmlns:a16="http://schemas.microsoft.com/office/drawing/2014/main" id="{676F164D-3E1E-F9D5-1499-C7BA34A6676E}"/>
-                </a:ext>
-              </a:extLst>
-            </p:cNvPr>
-            <p:cNvSpPr/>
-            <p:nvPr/>
-          </p:nvSpPr>
-          <p:spPr>
-            <a:xfrm>
-              <a:off x="3581400" y="1600200"/>
-              <a:ext cx="901700" cy="355600"/>
-            </a:xfrm>
-            <a:prstGeom prst="frame">
-              <a:avLst/>
-            </a:prstGeom>
-          </p:spPr>
-          <p:style>
-            <a:lnRef idx="2">
-              <a:schemeClr val="accent1">
-                <a:shade val="15000"/>
-              </a:schemeClr>
-            </a:lnRef>
-            <a:fillRef idx="1">
-              <a:schemeClr val="accent1"/>
-            </a:fillRef>
-            <a:effectRef idx="0">
-              <a:schemeClr val="accent1"/>
-            </a:effectRef>
-            <a:fontRef idx="minor">
-              <a:schemeClr val="lt1"/>
-            </a:fontRef>
-          </p:style>
-          <p:txBody>
-            <a:bodyPr rtlCol="0" anchor="ctr"/>
-            <a:lstStyle/>
-            <a:p>
-              <a:pPr algn="ctr"/>
-              <a:r>
-                <a:rPr lang="en-US" altLang="ko-KR" sz="900">
-                  <a:solidFill>
-                    <a:schemeClr val="tx1"/>
-                  </a:solidFill>
-                </a:rPr>
-                <a:t>KIT1_1st_usb</a:t>
-              </a:r>
-              <a:endParaRPr lang="ko-KR" altLang="en-US" sz="900">
+              </a:rPr>
+              <a:t>KIT1_Cv_Frt</a:t>
+            </a:r>
+            <a:endParaRPr lang="ko-KR" altLang="en-US" sz="900">
+              <a:solidFill>
+                <a:schemeClr val="tx1"/>
+              </a:solidFill>
+            </a:endParaRPr>
+          </a:p>
+        </p:txBody>
+      </p:sp>
+      <p:sp>
+        <p:nvSpPr>
+          <p:cNvPr id="7" name="액자 6">
+            <a:extLst>
+              <a:ext uri="{FF2B5EF4-FFF2-40B4-BE49-F238E27FC236}">
+                <a16:creationId xmlns:a16="http://schemas.microsoft.com/office/drawing/2014/main" id="{676F164D-3E1E-F9D5-1499-C7BA34A6676E}"/>
+              </a:ext>
+            </a:extLst>
+          </p:cNvPr>
+          <p:cNvSpPr/>
+          <p:nvPr/>
+        </p:nvSpPr>
+        <p:spPr>
+          <a:xfrm>
+            <a:off x="3581400" y="1792194"/>
+            <a:ext cx="1828800" cy="1179296"/>
+          </a:xfrm>
+          <a:prstGeom prst="frame">
+            <a:avLst/>
+          </a:prstGeom>
+        </p:spPr>
+        <p:style>
+          <a:lnRef idx="2">
+            <a:schemeClr val="accent1">
+              <a:shade val="15000"/>
+            </a:schemeClr>
+          </a:lnRef>
+          <a:fillRef idx="1">
+            <a:schemeClr val="accent1"/>
+          </a:fillRef>
+          <a:effectRef idx="0">
+            <a:schemeClr val="accent1"/>
+          </a:effectRef>
+          <a:fontRef idx="minor">
+            <a:schemeClr val="lt1"/>
+          </a:fontRef>
+        </p:style>
+        <p:txBody>
+          <a:bodyPr rtlCol="0" anchor="ctr"/>
+          <a:lstStyle/>
+          <a:p>
+            <a:pPr algn="ctr"/>
+            <a:r>
+              <a:rPr lang="en-US" altLang="ko-KR" sz="900">
                 <a:solidFill>
                   <a:schemeClr val="tx1"/>
                 </a:solidFill>
-              </a:endParaRPr>
-            </a:p>
-          </p:txBody>
-        </p:sp>
-        <p:sp>
-          <p:nvSpPr>
-            <p:cNvPr id="8" name="액자 7">
-              <a:extLst>
-                <a:ext uri="{FF2B5EF4-FFF2-40B4-BE49-F238E27FC236}">
-                  <a16:creationId xmlns:a16="http://schemas.microsoft.com/office/drawing/2014/main" id="{34A2F90D-0F1E-C272-FE8D-232D8848DA6A}"/>
-                </a:ext>
-              </a:extLst>
-            </p:cNvPr>
-            <p:cNvSpPr/>
-            <p:nvPr/>
-          </p:nvSpPr>
-          <p:spPr>
-            <a:xfrm>
-              <a:off x="3556000" y="2171700"/>
-              <a:ext cx="901700" cy="355600"/>
-            </a:xfrm>
-            <a:prstGeom prst="frame">
-              <a:avLst/>
-            </a:prstGeom>
-          </p:spPr>
-          <p:style>
-            <a:lnRef idx="2">
-              <a:schemeClr val="accent1">
-                <a:shade val="15000"/>
-              </a:schemeClr>
-            </a:lnRef>
-            <a:fillRef idx="1">
-              <a:schemeClr val="accent1"/>
-            </a:fillRef>
-            <a:effectRef idx="0">
-              <a:schemeClr val="accent1"/>
-            </a:effectRef>
-            <a:fontRef idx="minor">
-              <a:schemeClr val="lt1"/>
-            </a:fontRef>
-          </p:style>
-          <p:txBody>
-            <a:bodyPr rtlCol="0" anchor="ctr"/>
-            <a:lstStyle/>
-            <a:p>
-              <a:pPr algn="ctr"/>
-              <a:r>
-                <a:rPr lang="en-US" altLang="ko-KR" sz="900">
-                  <a:solidFill>
-                    <a:schemeClr val="tx1"/>
-                  </a:solidFill>
-                </a:rPr>
-                <a:t>KIT1_2nd_usb</a:t>
-              </a:r>
-              <a:endParaRPr lang="ko-KR" altLang="en-US" sz="900">
+              </a:rPr>
+              <a:t>KIT1_1st_usb</a:t>
+            </a:r>
+            <a:endParaRPr lang="ko-KR" altLang="en-US" sz="900">
+              <a:solidFill>
+                <a:schemeClr val="tx1"/>
+              </a:solidFill>
+            </a:endParaRPr>
+          </a:p>
+        </p:txBody>
+      </p:sp>
+      <p:sp>
+        <p:nvSpPr>
+          <p:cNvPr id="8" name="액자 7">
+            <a:extLst>
+              <a:ext uri="{FF2B5EF4-FFF2-40B4-BE49-F238E27FC236}">
+                <a16:creationId xmlns:a16="http://schemas.microsoft.com/office/drawing/2014/main" id="{34A2F90D-0F1E-C272-FE8D-232D8848DA6A}"/>
+              </a:ext>
+            </a:extLst>
+          </p:cNvPr>
+          <p:cNvSpPr/>
+          <p:nvPr/>
+        </p:nvSpPr>
+        <p:spPr>
+          <a:xfrm>
+            <a:off x="9766300" y="2594406"/>
+            <a:ext cx="1828800" cy="1179296"/>
+          </a:xfrm>
+          <a:prstGeom prst="frame">
+            <a:avLst/>
+          </a:prstGeom>
+        </p:spPr>
+        <p:style>
+          <a:lnRef idx="2">
+            <a:schemeClr val="accent1">
+              <a:shade val="15000"/>
+            </a:schemeClr>
+          </a:lnRef>
+          <a:fillRef idx="1">
+            <a:schemeClr val="accent1"/>
+          </a:fillRef>
+          <a:effectRef idx="0">
+            <a:schemeClr val="accent1"/>
+          </a:effectRef>
+          <a:fontRef idx="minor">
+            <a:schemeClr val="lt1"/>
+          </a:fontRef>
+        </p:style>
+        <p:txBody>
+          <a:bodyPr rtlCol="0" anchor="ctr"/>
+          <a:lstStyle/>
+          <a:p>
+            <a:pPr algn="ctr"/>
+            <a:r>
+              <a:rPr lang="en-US" altLang="ko-KR" sz="900">
                 <a:solidFill>
                   <a:schemeClr val="tx1"/>
                 </a:solidFill>
-              </a:endParaRPr>
-            </a:p>
-          </p:txBody>
-        </p:sp>
-        <p:sp>
-          <p:nvSpPr>
-            <p:cNvPr id="9" name="액자 8">
-              <a:extLst>
-                <a:ext uri="{FF2B5EF4-FFF2-40B4-BE49-F238E27FC236}">
-                  <a16:creationId xmlns:a16="http://schemas.microsoft.com/office/drawing/2014/main" id="{D0D073DA-9E34-348F-ACC4-F155601ED6F2}"/>
-                </a:ext>
-              </a:extLst>
-            </p:cNvPr>
-            <p:cNvSpPr/>
-            <p:nvPr/>
-          </p:nvSpPr>
-          <p:spPr>
-            <a:xfrm>
-              <a:off x="3556000" y="2794000"/>
-              <a:ext cx="901700" cy="355600"/>
-            </a:xfrm>
-            <a:prstGeom prst="frame">
-              <a:avLst/>
-            </a:prstGeom>
-          </p:spPr>
-          <p:style>
-            <a:lnRef idx="2">
-              <a:schemeClr val="accent1">
-                <a:shade val="15000"/>
-              </a:schemeClr>
-            </a:lnRef>
-            <a:fillRef idx="1">
-              <a:schemeClr val="accent1"/>
-            </a:fillRef>
-            <a:effectRef idx="0">
-              <a:schemeClr val="accent1"/>
-            </a:effectRef>
-            <a:fontRef idx="minor">
-              <a:schemeClr val="lt1"/>
-            </a:fontRef>
-          </p:style>
-          <p:txBody>
-            <a:bodyPr rtlCol="0" anchor="ctr"/>
-            <a:lstStyle/>
-            <a:p>
-              <a:pPr algn="ctr"/>
-              <a:r>
-                <a:rPr lang="en-US" altLang="ko-KR" sz="900">
-                  <a:solidFill>
-                    <a:schemeClr val="tx1"/>
-                  </a:solidFill>
-                </a:rPr>
-                <a:t>KIT1_3rd_usb</a:t>
-              </a:r>
-              <a:endParaRPr lang="ko-KR" altLang="en-US" sz="900">
+              </a:rPr>
+              <a:t>KIT1_2nd_usb</a:t>
+            </a:r>
+            <a:endParaRPr lang="ko-KR" altLang="en-US" sz="900">
+              <a:solidFill>
+                <a:schemeClr val="tx1"/>
+              </a:solidFill>
+            </a:endParaRPr>
+          </a:p>
+        </p:txBody>
+      </p:sp>
+      <p:sp>
+        <p:nvSpPr>
+          <p:cNvPr id="9" name="액자 8">
+            <a:extLst>
+              <a:ext uri="{FF2B5EF4-FFF2-40B4-BE49-F238E27FC236}">
+                <a16:creationId xmlns:a16="http://schemas.microsoft.com/office/drawing/2014/main" id="{D0D073DA-9E34-348F-ACC4-F155601ED6F2}"/>
+              </a:ext>
+            </a:extLst>
+          </p:cNvPr>
+          <p:cNvSpPr/>
+          <p:nvPr/>
+        </p:nvSpPr>
+        <p:spPr>
+          <a:xfrm>
+            <a:off x="3556000" y="3542939"/>
+            <a:ext cx="1828800" cy="1179296"/>
+          </a:xfrm>
+          <a:prstGeom prst="frame">
+            <a:avLst/>
+          </a:prstGeom>
+        </p:spPr>
+        <p:style>
+          <a:lnRef idx="2">
+            <a:schemeClr val="accent1">
+              <a:shade val="15000"/>
+            </a:schemeClr>
+          </a:lnRef>
+          <a:fillRef idx="1">
+            <a:schemeClr val="accent1"/>
+          </a:fillRef>
+          <a:effectRef idx="0">
+            <a:schemeClr val="accent1"/>
+          </a:effectRef>
+          <a:fontRef idx="minor">
+            <a:schemeClr val="lt1"/>
+          </a:fontRef>
+        </p:style>
+        <p:txBody>
+          <a:bodyPr rtlCol="0" anchor="ctr"/>
+          <a:lstStyle/>
+          <a:p>
+            <a:pPr algn="ctr"/>
+            <a:r>
+              <a:rPr lang="en-US" altLang="ko-KR" sz="900">
                 <a:solidFill>
                   <a:schemeClr val="tx1"/>
                 </a:solidFill>
-              </a:endParaRPr>
-            </a:p>
-          </p:txBody>
-        </p:sp>
-        <p:sp>
-          <p:nvSpPr>
-            <p:cNvPr id="10" name="액자 9">
-              <a:extLst>
-                <a:ext uri="{FF2B5EF4-FFF2-40B4-BE49-F238E27FC236}">
-                  <a16:creationId xmlns:a16="http://schemas.microsoft.com/office/drawing/2014/main" id="{19582EB3-0B0C-5F18-83EC-1D961B4DD2F5}"/>
-                </a:ext>
-              </a:extLst>
-            </p:cNvPr>
-            <p:cNvSpPr/>
-            <p:nvPr/>
-          </p:nvSpPr>
-          <p:spPr>
-            <a:xfrm>
-              <a:off x="3543300" y="3454400"/>
-              <a:ext cx="901700" cy="355600"/>
-            </a:xfrm>
-            <a:prstGeom prst="frame">
-              <a:avLst/>
-            </a:prstGeom>
-          </p:spPr>
-          <p:style>
-            <a:lnRef idx="2">
-              <a:schemeClr val="accent1">
-                <a:shade val="15000"/>
-              </a:schemeClr>
-            </a:lnRef>
-            <a:fillRef idx="1">
-              <a:schemeClr val="accent1"/>
-            </a:fillRef>
-            <a:effectRef idx="0">
-              <a:schemeClr val="accent1"/>
-            </a:effectRef>
-            <a:fontRef idx="minor">
-              <a:schemeClr val="lt1"/>
-            </a:fontRef>
-          </p:style>
-          <p:txBody>
-            <a:bodyPr rtlCol="0" anchor="ctr"/>
-            <a:lstStyle/>
-            <a:p>
-              <a:pPr algn="ctr"/>
-              <a:r>
-                <a:rPr lang="en-US" altLang="ko-KR" sz="900">
-                  <a:solidFill>
-                    <a:schemeClr val="tx1"/>
-                  </a:solidFill>
-                </a:rPr>
-                <a:t>KIT1_4th_usb</a:t>
-              </a:r>
-              <a:endParaRPr lang="ko-KR" altLang="en-US" sz="900">
+              </a:rPr>
+              <a:t>KIT1_3rd_usb</a:t>
+            </a:r>
+            <a:endParaRPr lang="ko-KR" altLang="en-US" sz="900">
+              <a:solidFill>
+                <a:schemeClr val="tx1"/>
+              </a:solidFill>
+            </a:endParaRPr>
+          </a:p>
+        </p:txBody>
+      </p:sp>
+      <p:sp>
+        <p:nvSpPr>
+          <p:cNvPr id="10" name="액자 9">
+            <a:extLst>
+              <a:ext uri="{FF2B5EF4-FFF2-40B4-BE49-F238E27FC236}">
+                <a16:creationId xmlns:a16="http://schemas.microsoft.com/office/drawing/2014/main" id="{19582EB3-0B0C-5F18-83EC-1D961B4DD2F5}"/>
+              </a:ext>
+            </a:extLst>
+          </p:cNvPr>
+          <p:cNvSpPr/>
+          <p:nvPr/>
+        </p:nvSpPr>
+        <p:spPr>
+          <a:xfrm>
+            <a:off x="3543300" y="5209937"/>
+            <a:ext cx="1828800" cy="1179296"/>
+          </a:xfrm>
+          <a:prstGeom prst="frame">
+            <a:avLst/>
+          </a:prstGeom>
+        </p:spPr>
+        <p:style>
+          <a:lnRef idx="2">
+            <a:schemeClr val="accent1">
+              <a:shade val="15000"/>
+            </a:schemeClr>
+          </a:lnRef>
+          <a:fillRef idx="1">
+            <a:schemeClr val="accent1"/>
+          </a:fillRef>
+          <a:effectRef idx="0">
+            <a:schemeClr val="accent1"/>
+          </a:effectRef>
+          <a:fontRef idx="minor">
+            <a:schemeClr val="lt1"/>
+          </a:fontRef>
+        </p:style>
+        <p:txBody>
+          <a:bodyPr rtlCol="0" anchor="ctr"/>
+          <a:lstStyle/>
+          <a:p>
+            <a:pPr algn="ctr"/>
+            <a:r>
+              <a:rPr lang="en-US" altLang="ko-KR" sz="900">
                 <a:solidFill>
                   <a:schemeClr val="tx1"/>
                 </a:solidFill>
-              </a:endParaRPr>
-            </a:p>
-          </p:txBody>
-        </p:sp>
-        <p:sp>
-          <p:nvSpPr>
-            <p:cNvPr id="11" name="액자 10">
-              <a:extLst>
-                <a:ext uri="{FF2B5EF4-FFF2-40B4-BE49-F238E27FC236}">
-                  <a16:creationId xmlns:a16="http://schemas.microsoft.com/office/drawing/2014/main" id="{BB2A45CF-B3D4-8E46-6B7E-15C177D13A51}"/>
-                </a:ext>
-              </a:extLst>
-            </p:cNvPr>
-            <p:cNvSpPr/>
-            <p:nvPr/>
-          </p:nvSpPr>
-          <p:spPr>
-            <a:xfrm>
-              <a:off x="6273800" y="2794000"/>
-              <a:ext cx="901700" cy="355600"/>
-            </a:xfrm>
-            <a:prstGeom prst="frame">
-              <a:avLst/>
-            </a:prstGeom>
-          </p:spPr>
-          <p:style>
-            <a:lnRef idx="2">
-              <a:schemeClr val="accent1">
-                <a:shade val="15000"/>
-              </a:schemeClr>
-            </a:lnRef>
-            <a:fillRef idx="1">
-              <a:schemeClr val="accent1"/>
-            </a:fillRef>
-            <a:effectRef idx="0">
-              <a:schemeClr val="accent1"/>
-            </a:effectRef>
-            <a:fontRef idx="minor">
-              <a:schemeClr val="lt1"/>
-            </a:fontRef>
-          </p:style>
-          <p:txBody>
-            <a:bodyPr rtlCol="0" anchor="ctr"/>
-            <a:lstStyle/>
-            <a:p>
-              <a:pPr algn="ctr"/>
-              <a:r>
-                <a:rPr lang="en-US" altLang="ko-KR" sz="900">
-                  <a:solidFill>
-                    <a:schemeClr val="tx1"/>
-                  </a:solidFill>
-                </a:rPr>
-                <a:t>KIT1_3rd_stp</a:t>
-              </a:r>
-              <a:endParaRPr lang="ko-KR" altLang="en-US" sz="900">
+              </a:rPr>
+              <a:t>KIT1_4th_usb</a:t>
+            </a:r>
+            <a:endParaRPr lang="ko-KR" altLang="en-US" sz="900">
+              <a:solidFill>
+                <a:schemeClr val="tx1"/>
+              </a:solidFill>
+            </a:endParaRPr>
+          </a:p>
+        </p:txBody>
+      </p:sp>
+      <p:sp>
+        <p:nvSpPr>
+          <p:cNvPr id="11" name="액자 10">
+            <a:extLst>
+              <a:ext uri="{FF2B5EF4-FFF2-40B4-BE49-F238E27FC236}">
+                <a16:creationId xmlns:a16="http://schemas.microsoft.com/office/drawing/2014/main" id="{BB2A45CF-B3D4-8E46-6B7E-15C177D13A51}"/>
+              </a:ext>
+            </a:extLst>
+          </p:cNvPr>
+          <p:cNvSpPr/>
+          <p:nvPr/>
+        </p:nvSpPr>
+        <p:spPr>
+          <a:xfrm>
+            <a:off x="6273800" y="3542939"/>
+            <a:ext cx="1828800" cy="1179296"/>
+          </a:xfrm>
+          <a:prstGeom prst="frame">
+            <a:avLst/>
+          </a:prstGeom>
+        </p:spPr>
+        <p:style>
+          <a:lnRef idx="2">
+            <a:schemeClr val="accent1">
+              <a:shade val="15000"/>
+            </a:schemeClr>
+          </a:lnRef>
+          <a:fillRef idx="1">
+            <a:schemeClr val="accent1"/>
+          </a:fillRef>
+          <a:effectRef idx="0">
+            <a:schemeClr val="accent1"/>
+          </a:effectRef>
+          <a:fontRef idx="minor">
+            <a:schemeClr val="lt1"/>
+          </a:fontRef>
+        </p:style>
+        <p:txBody>
+          <a:bodyPr rtlCol="0" anchor="ctr"/>
+          <a:lstStyle/>
+          <a:p>
+            <a:pPr algn="ctr"/>
+            <a:r>
+              <a:rPr lang="en-US" altLang="ko-KR" sz="900">
                 <a:solidFill>
                   <a:schemeClr val="tx1"/>
                 </a:solidFill>
-              </a:endParaRPr>
-            </a:p>
-          </p:txBody>
-        </p:sp>
-        <p:sp>
-          <p:nvSpPr>
-            <p:cNvPr id="12" name="액자 11">
-              <a:extLst>
-                <a:ext uri="{FF2B5EF4-FFF2-40B4-BE49-F238E27FC236}">
-                  <a16:creationId xmlns:a16="http://schemas.microsoft.com/office/drawing/2014/main" id="{5155572F-3CB0-F234-052E-E486E6F86A0E}"/>
-                </a:ext>
-              </a:extLst>
-            </p:cNvPr>
-            <p:cNvSpPr/>
-            <p:nvPr/>
-          </p:nvSpPr>
-          <p:spPr>
-            <a:xfrm>
-              <a:off x="6311900" y="3429000"/>
-              <a:ext cx="901700" cy="355600"/>
-            </a:xfrm>
-            <a:prstGeom prst="frame">
-              <a:avLst/>
-            </a:prstGeom>
-          </p:spPr>
-          <p:style>
-            <a:lnRef idx="2">
-              <a:schemeClr val="accent1">
-                <a:shade val="15000"/>
-              </a:schemeClr>
-            </a:lnRef>
-            <a:fillRef idx="1">
-              <a:schemeClr val="accent1"/>
-            </a:fillRef>
-            <a:effectRef idx="0">
-              <a:schemeClr val="accent1"/>
-            </a:effectRef>
-            <a:fontRef idx="minor">
-              <a:schemeClr val="lt1"/>
-            </a:fontRef>
-          </p:style>
-          <p:txBody>
-            <a:bodyPr rtlCol="0" anchor="ctr"/>
-            <a:lstStyle/>
-            <a:p>
-              <a:pPr algn="ctr"/>
-              <a:r>
-                <a:rPr lang="en-US" altLang="ko-KR" sz="900">
-                  <a:solidFill>
-                    <a:schemeClr val="tx1"/>
-                  </a:solidFill>
-                </a:rPr>
-                <a:t>KIT1_4th_stp</a:t>
-              </a:r>
-              <a:endParaRPr lang="ko-KR" altLang="en-US" sz="900">
+              </a:rPr>
+              <a:t>KIT1_3rd_stp</a:t>
+            </a:r>
+            <a:endParaRPr lang="ko-KR" altLang="en-US" sz="900">
+              <a:solidFill>
+                <a:schemeClr val="tx1"/>
+              </a:solidFill>
+            </a:endParaRPr>
+          </a:p>
+        </p:txBody>
+      </p:sp>
+      <p:sp>
+        <p:nvSpPr>
+          <p:cNvPr id="12" name="액자 11">
+            <a:extLst>
+              <a:ext uri="{FF2B5EF4-FFF2-40B4-BE49-F238E27FC236}">
+                <a16:creationId xmlns:a16="http://schemas.microsoft.com/office/drawing/2014/main" id="{5155572F-3CB0-F234-052E-E486E6F86A0E}"/>
+              </a:ext>
+            </a:extLst>
+          </p:cNvPr>
+          <p:cNvSpPr/>
+          <p:nvPr/>
+        </p:nvSpPr>
+        <p:spPr>
+          <a:xfrm>
+            <a:off x="6311900" y="5172687"/>
+            <a:ext cx="1828800" cy="1179296"/>
+          </a:xfrm>
+          <a:prstGeom prst="frame">
+            <a:avLst/>
+          </a:prstGeom>
+        </p:spPr>
+        <p:style>
+          <a:lnRef idx="2">
+            <a:schemeClr val="accent1">
+              <a:shade val="15000"/>
+            </a:schemeClr>
+          </a:lnRef>
+          <a:fillRef idx="1">
+            <a:schemeClr val="accent1"/>
+          </a:fillRef>
+          <a:effectRef idx="0">
+            <a:schemeClr val="accent1"/>
+          </a:effectRef>
+          <a:fontRef idx="minor">
+            <a:schemeClr val="lt1"/>
+          </a:fontRef>
+        </p:style>
+        <p:txBody>
+          <a:bodyPr rtlCol="0" anchor="ctr"/>
+          <a:lstStyle/>
+          <a:p>
+            <a:pPr algn="ctr"/>
+            <a:r>
+              <a:rPr lang="en-US" altLang="ko-KR" sz="900" dirty="0">
                 <a:solidFill>
                   <a:schemeClr val="tx1"/>
                 </a:solidFill>
-              </a:endParaRPr>
-            </a:p>
-          </p:txBody>
-        </p:sp>
-        <p:sp>
-          <p:nvSpPr>
-            <p:cNvPr id="13" name="액자 12">
-              <a:extLst>
-                <a:ext uri="{FF2B5EF4-FFF2-40B4-BE49-F238E27FC236}">
-                  <a16:creationId xmlns:a16="http://schemas.microsoft.com/office/drawing/2014/main" id="{04228984-95CF-43C5-46B3-686D5AC4EB97}"/>
-                </a:ext>
-              </a:extLst>
-            </p:cNvPr>
-            <p:cNvSpPr/>
-            <p:nvPr/>
-          </p:nvSpPr>
-          <p:spPr>
-            <a:xfrm>
-              <a:off x="6337300" y="2222500"/>
-              <a:ext cx="901700" cy="355600"/>
-            </a:xfrm>
-            <a:prstGeom prst="frame">
-              <a:avLst/>
-            </a:prstGeom>
-          </p:spPr>
-          <p:style>
-            <a:lnRef idx="2">
-              <a:schemeClr val="accent1">
-                <a:shade val="15000"/>
-              </a:schemeClr>
-            </a:lnRef>
-            <a:fillRef idx="1">
-              <a:schemeClr val="accent1"/>
-            </a:fillRef>
-            <a:effectRef idx="0">
-              <a:schemeClr val="accent1"/>
-            </a:effectRef>
-            <a:fontRef idx="minor">
-              <a:schemeClr val="lt1"/>
-            </a:fontRef>
-          </p:style>
-          <p:txBody>
-            <a:bodyPr rtlCol="0" anchor="ctr"/>
-            <a:lstStyle/>
-            <a:p>
-              <a:pPr algn="ctr"/>
-              <a:r>
-                <a:rPr lang="en-US" altLang="ko-KR" sz="900">
-                  <a:solidFill>
-                    <a:schemeClr val="tx1"/>
-                  </a:solidFill>
-                </a:rPr>
-                <a:t>KIT1_2nd_stp</a:t>
-              </a:r>
-              <a:endParaRPr lang="ko-KR" altLang="en-US" sz="900">
+              </a:rPr>
+              <a:t>KIT1_4th_stp</a:t>
+            </a:r>
+            <a:endParaRPr lang="ko-KR" altLang="en-US" sz="900" dirty="0">
+              <a:solidFill>
+                <a:schemeClr val="tx1"/>
+              </a:solidFill>
+            </a:endParaRPr>
+          </a:p>
+        </p:txBody>
+      </p:sp>
+      <p:sp>
+        <p:nvSpPr>
+          <p:cNvPr id="13" name="액자 12">
+            <a:extLst>
+              <a:ext uri="{FF2B5EF4-FFF2-40B4-BE49-F238E27FC236}">
+                <a16:creationId xmlns:a16="http://schemas.microsoft.com/office/drawing/2014/main" id="{04228984-95CF-43C5-46B3-686D5AC4EB97}"/>
+              </a:ext>
+            </a:extLst>
+          </p:cNvPr>
+          <p:cNvSpPr/>
+          <p:nvPr/>
+        </p:nvSpPr>
+        <p:spPr>
+          <a:xfrm>
+            <a:off x="330200" y="2614719"/>
+            <a:ext cx="1828800" cy="1179296"/>
+          </a:xfrm>
+          <a:prstGeom prst="frame">
+            <a:avLst/>
+          </a:prstGeom>
+        </p:spPr>
+        <p:style>
+          <a:lnRef idx="2">
+            <a:schemeClr val="accent1">
+              <a:shade val="15000"/>
+            </a:schemeClr>
+          </a:lnRef>
+          <a:fillRef idx="1">
+            <a:schemeClr val="accent1"/>
+          </a:fillRef>
+          <a:effectRef idx="0">
+            <a:schemeClr val="accent1"/>
+          </a:effectRef>
+          <a:fontRef idx="minor">
+            <a:schemeClr val="lt1"/>
+          </a:fontRef>
+        </p:style>
+        <p:txBody>
+          <a:bodyPr rtlCol="0" anchor="ctr"/>
+          <a:lstStyle/>
+          <a:p>
+            <a:pPr algn="ctr"/>
+            <a:r>
+              <a:rPr lang="en-US" altLang="ko-KR" sz="900">
                 <a:solidFill>
                   <a:schemeClr val="tx1"/>
                 </a:solidFill>
-              </a:endParaRPr>
-            </a:p>
-          </p:txBody>
-        </p:sp>
-        <p:sp>
-          <p:nvSpPr>
-            <p:cNvPr id="14" name="액자 13">
-              <a:extLst>
-                <a:ext uri="{FF2B5EF4-FFF2-40B4-BE49-F238E27FC236}">
-                  <a16:creationId xmlns:a16="http://schemas.microsoft.com/office/drawing/2014/main" id="{CFC40BD9-229D-811D-756A-40661EF0FA6C}"/>
-                </a:ext>
-              </a:extLst>
-            </p:cNvPr>
-            <p:cNvSpPr/>
-            <p:nvPr/>
-          </p:nvSpPr>
-          <p:spPr>
-            <a:xfrm>
-              <a:off x="6337300" y="1574800"/>
-              <a:ext cx="901700" cy="355600"/>
-            </a:xfrm>
-            <a:prstGeom prst="frame">
-              <a:avLst/>
-            </a:prstGeom>
-          </p:spPr>
-          <p:style>
-            <a:lnRef idx="2">
-              <a:schemeClr val="accent1">
-                <a:shade val="15000"/>
-              </a:schemeClr>
-            </a:lnRef>
-            <a:fillRef idx="1">
-              <a:schemeClr val="accent1"/>
-            </a:fillRef>
-            <a:effectRef idx="0">
-              <a:schemeClr val="accent1"/>
-            </a:effectRef>
-            <a:fontRef idx="minor">
-              <a:schemeClr val="lt1"/>
-            </a:fontRef>
-          </p:style>
-          <p:txBody>
-            <a:bodyPr rtlCol="0" anchor="ctr"/>
-            <a:lstStyle/>
-            <a:p>
-              <a:pPr algn="ctr"/>
-              <a:r>
-                <a:rPr lang="en-US" altLang="ko-KR" sz="900">
-                  <a:solidFill>
-                    <a:schemeClr val="tx1"/>
-                  </a:solidFill>
-                </a:rPr>
-                <a:t>KIT1_1st_stp</a:t>
-              </a:r>
-              <a:endParaRPr lang="ko-KR" altLang="en-US" sz="900">
+              </a:rPr>
+              <a:t>KIT1_2nd_stp</a:t>
+            </a:r>
+            <a:endParaRPr lang="ko-KR" altLang="en-US" sz="900">
+              <a:solidFill>
+                <a:schemeClr val="tx1"/>
+              </a:solidFill>
+            </a:endParaRPr>
+          </a:p>
+        </p:txBody>
+      </p:sp>
+      <p:sp>
+        <p:nvSpPr>
+          <p:cNvPr id="14" name="액자 13">
+            <a:extLst>
+              <a:ext uri="{FF2B5EF4-FFF2-40B4-BE49-F238E27FC236}">
+                <a16:creationId xmlns:a16="http://schemas.microsoft.com/office/drawing/2014/main" id="{CFC40BD9-229D-811D-756A-40661EF0FA6C}"/>
+              </a:ext>
+            </a:extLst>
+          </p:cNvPr>
+          <p:cNvSpPr/>
+          <p:nvPr/>
+        </p:nvSpPr>
+        <p:spPr>
+          <a:xfrm>
+            <a:off x="6337300" y="1754944"/>
+            <a:ext cx="1828800" cy="1179296"/>
+          </a:xfrm>
+          <a:prstGeom prst="frame">
+            <a:avLst/>
+          </a:prstGeom>
+        </p:spPr>
+        <p:style>
+          <a:lnRef idx="2">
+            <a:schemeClr val="accent1">
+              <a:shade val="15000"/>
+            </a:schemeClr>
+          </a:lnRef>
+          <a:fillRef idx="1">
+            <a:schemeClr val="accent1"/>
+          </a:fillRef>
+          <a:effectRef idx="0">
+            <a:schemeClr val="accent1"/>
+          </a:effectRef>
+          <a:fontRef idx="minor">
+            <a:schemeClr val="lt1"/>
+          </a:fontRef>
+        </p:style>
+        <p:txBody>
+          <a:bodyPr rtlCol="0" anchor="ctr"/>
+          <a:lstStyle/>
+          <a:p>
+            <a:pPr algn="ctr"/>
+            <a:r>
+              <a:rPr lang="en-US" altLang="ko-KR" sz="900">
                 <a:solidFill>
                   <a:schemeClr val="tx1"/>
                 </a:solidFill>
-              </a:endParaRPr>
-            </a:p>
-          </p:txBody>
-        </p:sp>
-        <p:sp>
-          <p:nvSpPr>
-            <p:cNvPr id="15" name="액자 14">
-              <a:extLst>
-                <a:ext uri="{FF2B5EF4-FFF2-40B4-BE49-F238E27FC236}">
-                  <a16:creationId xmlns:a16="http://schemas.microsoft.com/office/drawing/2014/main" id="{39C5F9C7-3EE5-9F3A-876F-2D4414915EB5}"/>
-                </a:ext>
-              </a:extLst>
-            </p:cNvPr>
-            <p:cNvSpPr/>
-            <p:nvPr/>
-          </p:nvSpPr>
-          <p:spPr>
-            <a:xfrm>
-              <a:off x="2667000" y="4749800"/>
-              <a:ext cx="660400" cy="355600"/>
-            </a:xfrm>
-            <a:prstGeom prst="frame">
-              <a:avLst/>
-            </a:prstGeom>
-          </p:spPr>
-          <p:style>
-            <a:lnRef idx="2">
-              <a:schemeClr val="accent1">
-                <a:shade val="15000"/>
-              </a:schemeClr>
-            </a:lnRef>
-            <a:fillRef idx="1">
-              <a:schemeClr val="accent1"/>
-            </a:fillRef>
-            <a:effectRef idx="0">
-              <a:schemeClr val="accent1"/>
-            </a:effectRef>
-            <a:fontRef idx="minor">
-              <a:schemeClr val="lt1"/>
-            </a:fontRef>
-          </p:style>
-          <p:txBody>
-            <a:bodyPr rtlCol="0" anchor="ctr"/>
-            <a:lstStyle/>
-            <a:p>
-              <a:pPr algn="ctr"/>
-              <a:r>
-                <a:rPr lang="en-US" altLang="ko-KR" sz="900">
-                  <a:solidFill>
-                    <a:schemeClr val="tx1"/>
-                  </a:solidFill>
-                </a:rPr>
-                <a:t>KIT1_Out</a:t>
-              </a:r>
-              <a:endParaRPr lang="ko-KR" altLang="en-US" sz="900">
+              </a:rPr>
+              <a:t>KIT1_1st_stp</a:t>
+            </a:r>
+            <a:endParaRPr lang="ko-KR" altLang="en-US" sz="900">
+              <a:solidFill>
+                <a:schemeClr val="tx1"/>
+              </a:solidFill>
+            </a:endParaRPr>
+          </a:p>
+        </p:txBody>
+      </p:sp>
+      <p:sp>
+        <p:nvSpPr>
+          <p:cNvPr id="15" name="액자 14">
+            <a:extLst>
+              <a:ext uri="{FF2B5EF4-FFF2-40B4-BE49-F238E27FC236}">
+                <a16:creationId xmlns:a16="http://schemas.microsoft.com/office/drawing/2014/main" id="{39C5F9C7-3EE5-9F3A-876F-2D4414915EB5}"/>
+              </a:ext>
+            </a:extLst>
+          </p:cNvPr>
+          <p:cNvSpPr/>
+          <p:nvPr/>
+        </p:nvSpPr>
+        <p:spPr>
+          <a:xfrm>
+            <a:off x="1676400" y="5490986"/>
+            <a:ext cx="660400" cy="521499"/>
+          </a:xfrm>
+          <a:prstGeom prst="frame">
+            <a:avLst/>
+          </a:prstGeom>
+        </p:spPr>
+        <p:style>
+          <a:lnRef idx="2">
+            <a:schemeClr val="accent1">
+              <a:shade val="15000"/>
+            </a:schemeClr>
+          </a:lnRef>
+          <a:fillRef idx="1">
+            <a:schemeClr val="accent1"/>
+          </a:fillRef>
+          <a:effectRef idx="0">
+            <a:schemeClr val="accent1"/>
+          </a:effectRef>
+          <a:fontRef idx="minor">
+            <a:schemeClr val="lt1"/>
+          </a:fontRef>
+        </p:style>
+        <p:txBody>
+          <a:bodyPr rtlCol="0" anchor="ctr"/>
+          <a:lstStyle/>
+          <a:p>
+            <a:pPr algn="ctr"/>
+            <a:r>
+              <a:rPr lang="en-US" altLang="ko-KR" sz="900">
                 <a:solidFill>
                   <a:schemeClr val="tx1"/>
                 </a:solidFill>
-              </a:endParaRPr>
-            </a:p>
-          </p:txBody>
-        </p:sp>
-        <p:sp>
-          <p:nvSpPr>
-            <p:cNvPr id="16" name="액자 15">
-              <a:extLst>
-                <a:ext uri="{FF2B5EF4-FFF2-40B4-BE49-F238E27FC236}">
-                  <a16:creationId xmlns:a16="http://schemas.microsoft.com/office/drawing/2014/main" id="{92E47098-C59D-4EC7-157A-8C102210B148}"/>
-                </a:ext>
-              </a:extLst>
-            </p:cNvPr>
-            <p:cNvSpPr/>
-            <p:nvPr/>
-          </p:nvSpPr>
-          <p:spPr>
-            <a:xfrm>
-              <a:off x="9017000" y="6032500"/>
-              <a:ext cx="1016000" cy="355600"/>
-            </a:xfrm>
-            <a:prstGeom prst="frame">
-              <a:avLst/>
-            </a:prstGeom>
-          </p:spPr>
-          <p:style>
-            <a:lnRef idx="2">
-              <a:schemeClr val="accent1">
-                <a:shade val="15000"/>
-              </a:schemeClr>
-            </a:lnRef>
-            <a:fillRef idx="1">
-              <a:schemeClr val="accent1"/>
-            </a:fillRef>
-            <a:effectRef idx="0">
-              <a:schemeClr val="accent1"/>
-            </a:effectRef>
-            <a:fontRef idx="minor">
-              <a:schemeClr val="lt1"/>
-            </a:fontRef>
-          </p:style>
-          <p:txBody>
-            <a:bodyPr rtlCol="0" anchor="ctr"/>
-            <a:lstStyle/>
-            <a:p>
-              <a:pPr algn="ctr"/>
-              <a:r>
-                <a:rPr lang="en-US" altLang="ko-KR" sz="900">
-                  <a:solidFill>
-                    <a:schemeClr val="tx1"/>
-                  </a:solidFill>
-                </a:rPr>
-                <a:t>KIT1_Part</a:t>
-              </a:r>
-              <a:endParaRPr lang="ko-KR" altLang="en-US" sz="900">
+              </a:rPr>
+              <a:t>KIT1_Out</a:t>
+            </a:r>
+            <a:endParaRPr lang="ko-KR" altLang="en-US" sz="900">
+              <a:solidFill>
+                <a:schemeClr val="tx1"/>
+              </a:solidFill>
+            </a:endParaRPr>
+          </a:p>
+        </p:txBody>
+      </p:sp>
+      <p:sp>
+        <p:nvSpPr>
+          <p:cNvPr id="16" name="액자 15">
+            <a:extLst>
+              <a:ext uri="{FF2B5EF4-FFF2-40B4-BE49-F238E27FC236}">
+                <a16:creationId xmlns:a16="http://schemas.microsoft.com/office/drawing/2014/main" id="{92E47098-C59D-4EC7-157A-8C102210B148}"/>
+              </a:ext>
+            </a:extLst>
+          </p:cNvPr>
+          <p:cNvSpPr/>
+          <p:nvPr/>
+        </p:nvSpPr>
+        <p:spPr>
+          <a:xfrm>
+            <a:off x="8750300" y="6148783"/>
+            <a:ext cx="1016000" cy="521499"/>
+          </a:xfrm>
+          <a:prstGeom prst="frame">
+            <a:avLst/>
+          </a:prstGeom>
+        </p:spPr>
+        <p:style>
+          <a:lnRef idx="2">
+            <a:schemeClr val="accent1">
+              <a:shade val="15000"/>
+            </a:schemeClr>
+          </a:lnRef>
+          <a:fillRef idx="1">
+            <a:schemeClr val="accent1"/>
+          </a:fillRef>
+          <a:effectRef idx="0">
+            <a:schemeClr val="accent1"/>
+          </a:effectRef>
+          <a:fontRef idx="minor">
+            <a:schemeClr val="lt1"/>
+          </a:fontRef>
+        </p:style>
+        <p:txBody>
+          <a:bodyPr rtlCol="0" anchor="ctr"/>
+          <a:lstStyle/>
+          <a:p>
+            <a:pPr algn="ctr"/>
+            <a:r>
+              <a:rPr lang="en-US" altLang="ko-KR" sz="900">
                 <a:solidFill>
                   <a:schemeClr val="tx1"/>
                 </a:solidFill>
-              </a:endParaRPr>
-            </a:p>
-          </p:txBody>
-        </p:sp>
-      </p:grpSp>
+              </a:rPr>
+              <a:t>KIT1_Part</a:t>
+            </a:r>
+            <a:endParaRPr lang="ko-KR" altLang="en-US" sz="900">
+              <a:solidFill>
+                <a:schemeClr val="tx1"/>
+              </a:solidFill>
+            </a:endParaRPr>
+          </a:p>
+        </p:txBody>
+      </p:sp>
     </p:spTree>
     <p:extLst>
       <p:ext uri="{BB962C8B-B14F-4D97-AF65-F5344CB8AC3E}">

--- a/DsDotNet/src/UnitTest/UnitTest.Model/ImportOfficeExample/exportDS/testA/testMy/my.pptx
+++ b/DsDotNet/src/UnitTest/UnitTest.Model/ImportOfficeExample/exportDS/testA/testMy/my.pptx
@@ -4053,10 +4053,10 @@
       </p:sp>
       <p:grpSp>
         <p:nvGrpSpPr>
-          <p:cNvPr id="5" name="그룹 4">
+          <p:cNvPr id="18" name="그룹 17">
             <a:extLst>
               <a:ext uri="{FF2B5EF4-FFF2-40B4-BE49-F238E27FC236}">
-                <a16:creationId xmlns:a16="http://schemas.microsoft.com/office/drawing/2014/main" id="{0FB0A360-7D63-B398-791D-EF283C8E12CF}"/>
+                <a16:creationId xmlns:a16="http://schemas.microsoft.com/office/drawing/2014/main" id="{2ABB5941-19ED-A19A-CBDA-64CD5E6E8F07}"/>
               </a:ext>
             </a:extLst>
           </p:cNvPr>
@@ -5453,10 +5453,10 @@
       </p:sp>
       <p:grpSp>
         <p:nvGrpSpPr>
-          <p:cNvPr id="4" name="그룹 3">
+          <p:cNvPr id="17" name="그룹 16">
             <a:extLst>
               <a:ext uri="{FF2B5EF4-FFF2-40B4-BE49-F238E27FC236}">
-                <a16:creationId xmlns:a16="http://schemas.microsoft.com/office/drawing/2014/main" id="{F20EB982-0895-E223-DD1F-15F4AD00CE2A}"/>
+                <a16:creationId xmlns:a16="http://schemas.microsoft.com/office/drawing/2014/main" id="{EB25DA85-FA78-38FC-AA94-8EF230DDE516}"/>
               </a:ext>
             </a:extLst>
           </p:cNvPr>
@@ -7780,10 +7780,10 @@
       </p:sp>
       <p:grpSp>
         <p:nvGrpSpPr>
-          <p:cNvPr id="3" name="그룹 2">
+          <p:cNvPr id="16" name="그룹 15">
             <a:extLst>
               <a:ext uri="{FF2B5EF4-FFF2-40B4-BE49-F238E27FC236}">
-                <a16:creationId xmlns:a16="http://schemas.microsoft.com/office/drawing/2014/main" id="{CBB34230-36FA-6390-4DBF-E0FC25EBCC67}"/>
+                <a16:creationId xmlns:a16="http://schemas.microsoft.com/office/drawing/2014/main" id="{5096CF01-3616-9E94-5037-A1B6A57EE851}"/>
               </a:ext>
             </a:extLst>
           </p:cNvPr>
@@ -8954,10 +8954,10 @@
       </p:sp>
       <p:grpSp>
         <p:nvGrpSpPr>
-          <p:cNvPr id="17" name="그룹 16">
+          <p:cNvPr id="21" name="그룹 20">
             <a:extLst>
               <a:ext uri="{FF2B5EF4-FFF2-40B4-BE49-F238E27FC236}">
-                <a16:creationId xmlns:a16="http://schemas.microsoft.com/office/drawing/2014/main" id="{5CC6F0F0-4A62-50E0-9932-86B8E740B03D}"/>
+                <a16:creationId xmlns:a16="http://schemas.microsoft.com/office/drawing/2014/main" id="{FDD65E47-C46C-9328-EE23-3CA70257E56A}"/>
               </a:ext>
             </a:extLst>
           </p:cNvPr>
@@ -9793,10 +9793,10 @@
       </p:sp>
       <p:grpSp>
         <p:nvGrpSpPr>
-          <p:cNvPr id="4" name="그룹 3">
+          <p:cNvPr id="29" name="그룹 28">
             <a:extLst>
               <a:ext uri="{FF2B5EF4-FFF2-40B4-BE49-F238E27FC236}">
-                <a16:creationId xmlns:a16="http://schemas.microsoft.com/office/drawing/2014/main" id="{9107B1A4-6144-B29D-D519-F866CB8D3FAF}"/>
+                <a16:creationId xmlns:a16="http://schemas.microsoft.com/office/drawing/2014/main" id="{B209E5F0-F6B9-2AA6-5413-CA349C378BD6}"/>
               </a:ext>
             </a:extLst>
           </p:cNvPr>
@@ -10239,10 +10239,10 @@
       </p:grpSp>
       <p:grpSp>
         <p:nvGrpSpPr>
-          <p:cNvPr id="3" name="그룹 2">
+          <p:cNvPr id="28" name="그룹 27">
             <a:extLst>
               <a:ext uri="{FF2B5EF4-FFF2-40B4-BE49-F238E27FC236}">
-                <a16:creationId xmlns:a16="http://schemas.microsoft.com/office/drawing/2014/main" id="{1C3D534B-48D5-64BF-A0B3-E2AA0EBC0C62}"/>
+                <a16:creationId xmlns:a16="http://schemas.microsoft.com/office/drawing/2014/main" id="{AAC4ACBD-E596-7E2F-43B1-04EB5E4D07A0}"/>
               </a:ext>
             </a:extLst>
           </p:cNvPr>
@@ -10840,10 +10840,10 @@
       </p:sp>
       <p:grpSp>
         <p:nvGrpSpPr>
-          <p:cNvPr id="3" name="그룹 2">
+          <p:cNvPr id="8" name="그룹 7">
             <a:extLst>
               <a:ext uri="{FF2B5EF4-FFF2-40B4-BE49-F238E27FC236}">
-                <a16:creationId xmlns:a16="http://schemas.microsoft.com/office/drawing/2014/main" id="{60376F52-96EC-02CA-E5E6-93A029EDD0D3}"/>
+                <a16:creationId xmlns:a16="http://schemas.microsoft.com/office/drawing/2014/main" id="{D7A1A40E-91DE-A4F8-83D5-08E4C304C78F}"/>
               </a:ext>
             </a:extLst>
           </p:cNvPr>
@@ -11917,10 +11917,10 @@
       </p:sp>
       <p:grpSp>
         <p:nvGrpSpPr>
-          <p:cNvPr id="3" name="그룹 2">
+          <p:cNvPr id="8" name="그룹 7">
             <a:extLst>
               <a:ext uri="{FF2B5EF4-FFF2-40B4-BE49-F238E27FC236}">
-                <a16:creationId xmlns:a16="http://schemas.microsoft.com/office/drawing/2014/main" id="{1B45B2B6-1CE9-4E99-C806-C24A790B9453}"/>
+                <a16:creationId xmlns:a16="http://schemas.microsoft.com/office/drawing/2014/main" id="{29F10551-785C-9B54-01B0-DB0F913619FE}"/>
               </a:ext>
             </a:extLst>
           </p:cNvPr>
@@ -12508,10 +12508,10 @@
       </p:sp>
       <p:grpSp>
         <p:nvGrpSpPr>
-          <p:cNvPr id="3" name="그룹 2">
+          <p:cNvPr id="8" name="그룹 7">
             <a:extLst>
               <a:ext uri="{FF2B5EF4-FFF2-40B4-BE49-F238E27FC236}">
-                <a16:creationId xmlns:a16="http://schemas.microsoft.com/office/drawing/2014/main" id="{1AF2BE95-5258-00EB-C49A-1C6493FCE6E9}"/>
+                <a16:creationId xmlns:a16="http://schemas.microsoft.com/office/drawing/2014/main" id="{69D0153F-1AAD-7D0E-385D-36DA69921721}"/>
               </a:ext>
             </a:extLst>
           </p:cNvPr>
@@ -13099,10 +13099,10 @@
       </p:sp>
       <p:grpSp>
         <p:nvGrpSpPr>
-          <p:cNvPr id="3" name="그룹 2">
+          <p:cNvPr id="8" name="그룹 7">
             <a:extLst>
               <a:ext uri="{FF2B5EF4-FFF2-40B4-BE49-F238E27FC236}">
-                <a16:creationId xmlns:a16="http://schemas.microsoft.com/office/drawing/2014/main" id="{E133C99E-ECE2-A605-58E9-DACB7162387D}"/>
+                <a16:creationId xmlns:a16="http://schemas.microsoft.com/office/drawing/2014/main" id="{8CBDADFA-600E-19CC-391D-238C94DDE2E8}"/>
               </a:ext>
             </a:extLst>
           </p:cNvPr>
@@ -13453,10 +13453,10 @@
       </p:sp>
       <p:grpSp>
         <p:nvGrpSpPr>
-          <p:cNvPr id="5" name="그룹 4">
+          <p:cNvPr id="18" name="그룹 17">
             <a:extLst>
               <a:ext uri="{FF2B5EF4-FFF2-40B4-BE49-F238E27FC236}">
-                <a16:creationId xmlns:a16="http://schemas.microsoft.com/office/drawing/2014/main" id="{C071D4EA-406C-944B-188E-D190B0ADE62D}"/>
+                <a16:creationId xmlns:a16="http://schemas.microsoft.com/office/drawing/2014/main" id="{F63E5630-E7BC-711B-90D2-1F92E2F661B1}"/>
               </a:ext>
             </a:extLst>
           </p:cNvPr>
@@ -14853,10 +14853,10 @@
       </p:sp>
       <p:grpSp>
         <p:nvGrpSpPr>
-          <p:cNvPr id="4" name="그룹 3">
+          <p:cNvPr id="17" name="그룹 16">
             <a:extLst>
               <a:ext uri="{FF2B5EF4-FFF2-40B4-BE49-F238E27FC236}">
-                <a16:creationId xmlns:a16="http://schemas.microsoft.com/office/drawing/2014/main" id="{D14BCEA3-B97E-22B3-F621-62E83479A250}"/>
+                <a16:creationId xmlns:a16="http://schemas.microsoft.com/office/drawing/2014/main" id="{9EFBE2B7-C46A-1327-3FFC-96446EE89DDA}"/>
               </a:ext>
             </a:extLst>
           </p:cNvPr>
@@ -17180,10 +17180,10 @@
       </p:sp>
       <p:grpSp>
         <p:nvGrpSpPr>
-          <p:cNvPr id="3" name="그룹 2">
+          <p:cNvPr id="16" name="그룹 15">
             <a:extLst>
               <a:ext uri="{FF2B5EF4-FFF2-40B4-BE49-F238E27FC236}">
-                <a16:creationId xmlns:a16="http://schemas.microsoft.com/office/drawing/2014/main" id="{E2155DF4-80EE-4333-657F-2ABCBB9A18C0}"/>
+                <a16:creationId xmlns:a16="http://schemas.microsoft.com/office/drawing/2014/main" id="{75079497-F2C4-F793-B5E9-9CECAD910550}"/>
               </a:ext>
             </a:extLst>
           </p:cNvPr>
@@ -19274,10 +19274,10 @@
       </p:sp>
       <p:grpSp>
         <p:nvGrpSpPr>
-          <p:cNvPr id="17" name="그룹 16">
+          <p:cNvPr id="21" name="그룹 20">
             <a:extLst>
               <a:ext uri="{FF2B5EF4-FFF2-40B4-BE49-F238E27FC236}">
-                <a16:creationId xmlns:a16="http://schemas.microsoft.com/office/drawing/2014/main" id="{237A96B5-A221-9F4C-B0FB-242FB2062F1C}"/>
+                <a16:creationId xmlns:a16="http://schemas.microsoft.com/office/drawing/2014/main" id="{58E41976-2680-753A-2D8B-E37223625410}"/>
               </a:ext>
             </a:extLst>
           </p:cNvPr>

--- a/DsDotNet/src/UnitTest/UnitTest.Model/ImportOfficeExample/exportDS/testA/testMy/my.pptx
+++ b/DsDotNet/src/UnitTest/UnitTest.Model/ImportOfficeExample/exportDS/testA/testMy/my.pptx
@@ -5,7 +5,7 @@
     <p:sldMasterId id="2147483648" r:id="rId1"/>
   </p:sldMasterIdLst>
   <p:notesMasterIdLst>
-    <p:notesMasterId r:id="rId13"/>
+    <p:notesMasterId r:id="rId14"/>
   </p:notesMasterIdLst>
   <p:sldIdLst>
     <p:sldId id="258" r:id="rId2"/>
@@ -19,6 +19,7 @@
     <p:sldId id="737" r:id="rId10"/>
     <p:sldId id="734" r:id="rId11"/>
     <p:sldId id="735" r:id="rId12"/>
+    <p:sldId id="738" r:id="rId13"/>
   </p:sldIdLst>
   <p:sldSz cx="12192000" cy="6858000"/>
   <p:notesSz cx="6858000" cy="9144000"/>
@@ -207,7 +208,7 @@
           <a:p>
             <a:fld id="{42AE086C-D417-4A5A-8992-3959005D13E6}" type="datetimeFigureOut">
               <a:rPr lang="ko-KR" altLang="en-US" smtClean="0"/>
-              <a:t>2024-01-06</a:t>
+              <a:t>2024-01-07</a:t>
             </a:fld>
             <a:endParaRPr lang="ko-KR" altLang="en-US"/>
           </a:p>
@@ -789,7 +790,7 @@
           <a:p>
             <a:fld id="{E31A602F-9409-4B9A-9D14-798E704D8577}" type="datetimeFigureOut">
               <a:rPr lang="ko-KR" altLang="en-US" smtClean="0"/>
-              <a:t>2024-01-06</a:t>
+              <a:t>2024-01-07</a:t>
             </a:fld>
             <a:endParaRPr lang="ko-KR" altLang="en-US"/>
           </a:p>
@@ -987,7 +988,7 @@
           <a:p>
             <a:fld id="{E31A602F-9409-4B9A-9D14-798E704D8577}" type="datetimeFigureOut">
               <a:rPr lang="ko-KR" altLang="en-US" smtClean="0"/>
-              <a:t>2024-01-06</a:t>
+              <a:t>2024-01-07</a:t>
             </a:fld>
             <a:endParaRPr lang="ko-KR" altLang="en-US"/>
           </a:p>
@@ -1195,7 +1196,7 @@
           <a:p>
             <a:fld id="{E31A602F-9409-4B9A-9D14-798E704D8577}" type="datetimeFigureOut">
               <a:rPr lang="ko-KR" altLang="en-US" smtClean="0"/>
-              <a:t>2024-01-06</a:t>
+              <a:t>2024-01-07</a:t>
             </a:fld>
             <a:endParaRPr lang="ko-KR" altLang="en-US"/>
           </a:p>
@@ -1393,7 +1394,7 @@
           <a:p>
             <a:fld id="{E31A602F-9409-4B9A-9D14-798E704D8577}" type="datetimeFigureOut">
               <a:rPr lang="ko-KR" altLang="en-US" smtClean="0"/>
-              <a:t>2024-01-06</a:t>
+              <a:t>2024-01-07</a:t>
             </a:fld>
             <a:endParaRPr lang="ko-KR" altLang="en-US"/>
           </a:p>
@@ -1668,7 +1669,7 @@
           <a:p>
             <a:fld id="{E31A602F-9409-4B9A-9D14-798E704D8577}" type="datetimeFigureOut">
               <a:rPr lang="ko-KR" altLang="en-US" smtClean="0"/>
-              <a:t>2024-01-06</a:t>
+              <a:t>2024-01-07</a:t>
             </a:fld>
             <a:endParaRPr lang="ko-KR" altLang="en-US"/>
           </a:p>
@@ -1933,7 +1934,7 @@
           <a:p>
             <a:fld id="{E31A602F-9409-4B9A-9D14-798E704D8577}" type="datetimeFigureOut">
               <a:rPr lang="ko-KR" altLang="en-US" smtClean="0"/>
-              <a:t>2024-01-06</a:t>
+              <a:t>2024-01-07</a:t>
             </a:fld>
             <a:endParaRPr lang="ko-KR" altLang="en-US"/>
           </a:p>
@@ -2345,7 +2346,7 @@
           <a:p>
             <a:fld id="{E31A602F-9409-4B9A-9D14-798E704D8577}" type="datetimeFigureOut">
               <a:rPr lang="ko-KR" altLang="en-US" smtClean="0"/>
-              <a:t>2024-01-06</a:t>
+              <a:t>2024-01-07</a:t>
             </a:fld>
             <a:endParaRPr lang="ko-KR" altLang="en-US"/>
           </a:p>
@@ -2486,7 +2487,7 @@
           <a:p>
             <a:fld id="{E31A602F-9409-4B9A-9D14-798E704D8577}" type="datetimeFigureOut">
               <a:rPr lang="ko-KR" altLang="en-US" smtClean="0"/>
-              <a:t>2024-01-06</a:t>
+              <a:t>2024-01-07</a:t>
             </a:fld>
             <a:endParaRPr lang="ko-KR" altLang="en-US"/>
           </a:p>
@@ -2599,7 +2600,7 @@
           <a:p>
             <a:fld id="{E31A602F-9409-4B9A-9D14-798E704D8577}" type="datetimeFigureOut">
               <a:rPr lang="ko-KR" altLang="en-US" smtClean="0"/>
-              <a:t>2024-01-06</a:t>
+              <a:t>2024-01-07</a:t>
             </a:fld>
             <a:endParaRPr lang="ko-KR" altLang="en-US"/>
           </a:p>
@@ -2910,7 +2911,7 @@
           <a:p>
             <a:fld id="{E31A602F-9409-4B9A-9D14-798E704D8577}" type="datetimeFigureOut">
               <a:rPr lang="ko-KR" altLang="en-US" smtClean="0"/>
-              <a:t>2024-01-06</a:t>
+              <a:t>2024-01-07</a:t>
             </a:fld>
             <a:endParaRPr lang="ko-KR" altLang="en-US"/>
           </a:p>
@@ -3198,7 +3199,7 @@
           <a:p>
             <a:fld id="{E31A602F-9409-4B9A-9D14-798E704D8577}" type="datetimeFigureOut">
               <a:rPr lang="ko-KR" altLang="en-US" smtClean="0"/>
-              <a:t>2024-01-06</a:t>
+              <a:t>2024-01-07</a:t>
             </a:fld>
             <a:endParaRPr lang="ko-KR" altLang="en-US"/>
           </a:p>
@@ -3439,7 +3440,7 @@
           <a:p>
             <a:fld id="{E31A602F-9409-4B9A-9D14-798E704D8577}" type="datetimeFigureOut">
               <a:rPr lang="ko-KR" altLang="en-US" smtClean="0"/>
-              <a:t>2024-01-06</a:t>
+              <a:t>2024-01-07</a:t>
             </a:fld>
             <a:endParaRPr lang="ko-KR" altLang="en-US"/>
           </a:p>
@@ -4053,10 +4054,10 @@
       </p:sp>
       <p:grpSp>
         <p:nvGrpSpPr>
-          <p:cNvPr id="18" name="그룹 17">
+          <p:cNvPr id="5" name="그룹 4">
             <a:extLst>
               <a:ext uri="{FF2B5EF4-FFF2-40B4-BE49-F238E27FC236}">
-                <a16:creationId xmlns:a16="http://schemas.microsoft.com/office/drawing/2014/main" id="{2ABB5941-19ED-A19A-CBDA-64CD5E6E8F07}"/>
+                <a16:creationId xmlns:a16="http://schemas.microsoft.com/office/drawing/2014/main" id="{CCBE3000-BBB8-6FCA-2B0C-ADA7FB68F266}"/>
               </a:ext>
             </a:extLst>
           </p:cNvPr>
@@ -5453,10 +5454,10 @@
       </p:sp>
       <p:grpSp>
         <p:nvGrpSpPr>
-          <p:cNvPr id="17" name="그룹 16">
+          <p:cNvPr id="4" name="그룹 3">
             <a:extLst>
               <a:ext uri="{FF2B5EF4-FFF2-40B4-BE49-F238E27FC236}">
-                <a16:creationId xmlns:a16="http://schemas.microsoft.com/office/drawing/2014/main" id="{EB25DA85-FA78-38FC-AA94-8EF230DDE516}"/>
+                <a16:creationId xmlns:a16="http://schemas.microsoft.com/office/drawing/2014/main" id="{A44F3AFC-8CBC-6858-5209-5AF033728971}"/>
               </a:ext>
             </a:extLst>
           </p:cNvPr>
@@ -7780,10 +7781,10 @@
       </p:sp>
       <p:grpSp>
         <p:nvGrpSpPr>
-          <p:cNvPr id="16" name="그룹 15">
+          <p:cNvPr id="3" name="그룹 2">
             <a:extLst>
               <a:ext uri="{FF2B5EF4-FFF2-40B4-BE49-F238E27FC236}">
-                <a16:creationId xmlns:a16="http://schemas.microsoft.com/office/drawing/2014/main" id="{5096CF01-3616-9E94-5037-A1B6A57EE851}"/>
+                <a16:creationId xmlns:a16="http://schemas.microsoft.com/office/drawing/2014/main" id="{559B561B-B73D-802B-266B-A12CD128F383}"/>
               </a:ext>
             </a:extLst>
           </p:cNvPr>
@@ -8954,10 +8955,10 @@
       </p:sp>
       <p:grpSp>
         <p:nvGrpSpPr>
-          <p:cNvPr id="21" name="그룹 20">
+          <p:cNvPr id="17" name="그룹 16">
             <a:extLst>
               <a:ext uri="{FF2B5EF4-FFF2-40B4-BE49-F238E27FC236}">
-                <a16:creationId xmlns:a16="http://schemas.microsoft.com/office/drawing/2014/main" id="{FDD65E47-C46C-9328-EE23-3CA70257E56A}"/>
+                <a16:creationId xmlns:a16="http://schemas.microsoft.com/office/drawing/2014/main" id="{79ECCD60-34E0-CE7A-D2AE-31E4B1AFD640}"/>
               </a:ext>
             </a:extLst>
           </p:cNvPr>
@@ -9731,6 +9732,3178 @@
     <p:extLst>
       <p:ext uri="{BB962C8B-B14F-4D97-AF65-F5344CB8AC3E}">
         <p14:creationId xmlns:p14="http://schemas.microsoft.com/office/powerpoint/2010/main" val="3348884962"/>
+      </p:ext>
+    </p:extLst>
+  </p:cSld>
+  <p:clrMapOvr>
+    <a:masterClrMapping/>
+  </p:clrMapOvr>
+</p:sld>
+</file>
+
+<file path=ppt/slides/slide12.xml><?xml version="1.0" encoding="utf-8"?>
+<p:sld xmlns:a="http://schemas.openxmlformats.org/drawingml/2006/main" xmlns:r="http://schemas.openxmlformats.org/officeDocument/2006/relationships" xmlns:p="http://schemas.openxmlformats.org/presentationml/2006/main">
+  <p:cSld>
+    <p:bg>
+      <p:bgPr>
+        <a:solidFill>
+          <a:srgbClr val="2F4F4F"/>
+        </a:solidFill>
+        <a:effectLst/>
+      </p:bgPr>
+    </p:bg>
+    <p:spTree>
+      <p:nvGrpSpPr>
+        <p:cNvPr id="1" name=""/>
+        <p:cNvGrpSpPr/>
+        <p:nvPr/>
+      </p:nvGrpSpPr>
+      <p:grpSpPr>
+        <a:xfrm>
+          <a:off x="0" y="0"/>
+          <a:ext cx="0" cy="0"/>
+          <a:chOff x="0" y="0"/>
+          <a:chExt cx="0" cy="0"/>
+        </a:xfrm>
+      </p:grpSpPr>
+      <p:sp>
+        <p:nvSpPr>
+          <p:cNvPr id="2" name="TextBox 1">
+            <a:extLst>
+              <a:ext uri="{FF2B5EF4-FFF2-40B4-BE49-F238E27FC236}">
+                <a16:creationId xmlns:a16="http://schemas.microsoft.com/office/drawing/2014/main" id="{83B7434B-4C6F-7821-D5D2-CE3DBB8661DE}"/>
+              </a:ext>
+            </a:extLst>
+          </p:cNvPr>
+          <p:cNvSpPr txBox="1"/>
+          <p:nvPr/>
+        </p:nvSpPr>
+        <p:spPr>
+          <a:xfrm>
+            <a:off x="254000" y="254000"/>
+            <a:ext cx="3810000" cy="646331"/>
+          </a:xfrm>
+          <a:prstGeom prst="rect">
+            <a:avLst/>
+          </a:prstGeom>
+          <a:noFill/>
+        </p:spPr>
+        <p:txBody>
+          <a:bodyPr vert="horz" rtlCol="0">
+            <a:spAutoFit/>
+          </a:bodyPr>
+          <a:lstStyle/>
+          <a:p>
+            <a:r>
+              <a:rPr lang="en-US" altLang="ko-KR"/>
+              <a:t>Time Chart Flow KIT1 </a:t>
+            </a:r>
+            <a:br>
+              <a:rPr lang="en-US" altLang="ko-KR"/>
+            </a:br>
+            <a:r>
+              <a:rPr lang="en-US" altLang="ko-KR"/>
+              <a:t>(Work : 1Work)</a:t>
+            </a:r>
+            <a:endParaRPr lang="ko-KR" altLang="en-US"/>
+          </a:p>
+        </p:txBody>
+      </p:sp>
+      <p:sp>
+        <p:nvSpPr>
+          <p:cNvPr id="3" name="TextBox 2">
+            <a:extLst>
+              <a:ext uri="{FF2B5EF4-FFF2-40B4-BE49-F238E27FC236}">
+                <a16:creationId xmlns:a16="http://schemas.microsoft.com/office/drawing/2014/main" id="{6E130DBA-9BE7-6A93-720C-C1E85F835F17}"/>
+              </a:ext>
+            </a:extLst>
+          </p:cNvPr>
+          <p:cNvSpPr txBox="1"/>
+          <p:nvPr/>
+        </p:nvSpPr>
+        <p:spPr>
+          <a:xfrm>
+            <a:off x="9652000" y="254000"/>
+            <a:ext cx="2540000" cy="381000"/>
+          </a:xfrm>
+          <a:prstGeom prst="rect">
+            <a:avLst/>
+          </a:prstGeom>
+          <a:noFill/>
+        </p:spPr>
+        <p:txBody>
+          <a:bodyPr vert="horz" rtlCol="0">
+            <a:spAutoFit/>
+          </a:bodyPr>
+          <a:lstStyle/>
+          <a:p>
+            <a:r>
+              <a:rPr lang="en-US" altLang="ko-KR"/>
+              <a:t>Device </a:t>
+            </a:r>
+            <a:r>
+              <a:rPr lang="ko-KR" altLang="en-US"/>
+              <a:t>일반 표시</a:t>
+            </a:r>
+          </a:p>
+        </p:txBody>
+      </p:sp>
+      <p:sp>
+        <p:nvSpPr>
+          <p:cNvPr id="4" name="TextBox 3">
+            <a:extLst>
+              <a:ext uri="{FF2B5EF4-FFF2-40B4-BE49-F238E27FC236}">
+                <a16:creationId xmlns:a16="http://schemas.microsoft.com/office/drawing/2014/main" id="{D6624C21-F7E6-EDF8-4126-5A074ADCD93E}"/>
+              </a:ext>
+            </a:extLst>
+          </p:cNvPr>
+          <p:cNvSpPr txBox="1"/>
+          <p:nvPr/>
+        </p:nvSpPr>
+        <p:spPr>
+          <a:xfrm>
+            <a:off x="9652000" y="635000"/>
+            <a:ext cx="2540000" cy="381000"/>
+          </a:xfrm>
+          <a:prstGeom prst="rect">
+            <a:avLst/>
+          </a:prstGeom>
+          <a:noFill/>
+        </p:spPr>
+        <p:txBody>
+          <a:bodyPr vert="horz" rtlCol="0">
+            <a:spAutoFit/>
+          </a:bodyPr>
+          <a:lstStyle/>
+          <a:p>
+            <a:r>
+              <a:rPr lang="en-US" altLang="ko-KR">
+                <a:solidFill>
+                  <a:srgbClr val="00FFFF"/>
+                </a:solidFill>
+              </a:rPr>
+              <a:t>Device </a:t>
+            </a:r>
+            <a:r>
+              <a:rPr lang="ko-KR" altLang="en-US">
+                <a:solidFill>
+                  <a:srgbClr val="00FFFF"/>
+                </a:solidFill>
+              </a:rPr>
+              <a:t>원위치 표시</a:t>
+            </a:r>
+          </a:p>
+        </p:txBody>
+      </p:sp>
+      <p:grpSp>
+        <p:nvGrpSpPr>
+          <p:cNvPr id="67" name="그룹 66">
+            <a:extLst>
+              <a:ext uri="{FF2B5EF4-FFF2-40B4-BE49-F238E27FC236}">
+                <a16:creationId xmlns:a16="http://schemas.microsoft.com/office/drawing/2014/main" id="{33185E7F-BE27-D674-97F2-EC76C74ECBBA}"/>
+              </a:ext>
+            </a:extLst>
+          </p:cNvPr>
+          <p:cNvGrpSpPr/>
+          <p:nvPr/>
+        </p:nvGrpSpPr>
+        <p:grpSpPr>
+          <a:xfrm>
+            <a:off x="952500" y="1079500"/>
+            <a:ext cx="10287001" cy="5334000"/>
+            <a:chOff x="952500" y="1079500"/>
+            <a:chExt cx="10287001" cy="5334000"/>
+          </a:xfrm>
+        </p:grpSpPr>
+        <p:sp>
+          <p:nvSpPr>
+            <p:cNvPr id="5" name="TextBox 4">
+              <a:extLst>
+                <a:ext uri="{FF2B5EF4-FFF2-40B4-BE49-F238E27FC236}">
+                  <a16:creationId xmlns:a16="http://schemas.microsoft.com/office/drawing/2014/main" id="{4A942959-A9F6-0E5C-9ED9-B541ECB3B9DC}"/>
+                </a:ext>
+              </a:extLst>
+            </p:cNvPr>
+            <p:cNvSpPr txBox="1"/>
+            <p:nvPr/>
+          </p:nvSpPr>
+          <p:spPr>
+            <a:xfrm>
+              <a:off x="952500" y="1079500"/>
+              <a:ext cx="1773621" cy="269304"/>
+            </a:xfrm>
+            <a:prstGeom prst="rect">
+              <a:avLst/>
+            </a:prstGeom>
+            <a:noFill/>
+          </p:spPr>
+          <p:txBody>
+            <a:bodyPr vert="horz" rtlCol="0">
+              <a:spAutoFit/>
+            </a:bodyPr>
+            <a:lstStyle/>
+            <a:p>
+              <a:pPr algn="r"/>
+              <a:r>
+                <a:rPr lang="en-US" altLang="ko-KR" sz="900"/>
+                <a:t>Cv_Frt.MOVE</a:t>
+              </a:r>
+              <a:endParaRPr lang="ko-KR" altLang="en-US" sz="900"/>
+            </a:p>
+          </p:txBody>
+        </p:sp>
+        <p:sp>
+          <p:nvSpPr>
+            <p:cNvPr id="6" name="TextBox 5">
+              <a:extLst>
+                <a:ext uri="{FF2B5EF4-FFF2-40B4-BE49-F238E27FC236}">
+                  <a16:creationId xmlns:a16="http://schemas.microsoft.com/office/drawing/2014/main" id="{3304A975-D425-E12D-C213-C6838A5CD443}"/>
+                </a:ext>
+              </a:extLst>
+            </p:cNvPr>
+            <p:cNvSpPr txBox="1"/>
+            <p:nvPr/>
+          </p:nvSpPr>
+          <p:spPr>
+            <a:xfrm>
+              <a:off x="952500" y="1375833"/>
+              <a:ext cx="1773621" cy="269304"/>
+            </a:xfrm>
+            <a:prstGeom prst="rect">
+              <a:avLst/>
+            </a:prstGeom>
+            <a:noFill/>
+          </p:spPr>
+          <p:txBody>
+            <a:bodyPr vert="horz" rtlCol="0">
+              <a:spAutoFit/>
+            </a:bodyPr>
+            <a:lstStyle/>
+            <a:p>
+              <a:pPr algn="r"/>
+              <a:r>
+                <a:rPr lang="en-US" altLang="ko-KR" sz="900"/>
+                <a:t>Cv_Frt.REMOVE</a:t>
+              </a:r>
+              <a:endParaRPr lang="ko-KR" altLang="en-US" sz="900"/>
+            </a:p>
+          </p:txBody>
+        </p:sp>
+        <p:sp>
+          <p:nvSpPr>
+            <p:cNvPr id="7" name="TextBox 6">
+              <a:extLst>
+                <a:ext uri="{FF2B5EF4-FFF2-40B4-BE49-F238E27FC236}">
+                  <a16:creationId xmlns:a16="http://schemas.microsoft.com/office/drawing/2014/main" id="{760B9950-05B7-C975-98B8-A23DACC47A2E}"/>
+                </a:ext>
+              </a:extLst>
+            </p:cNvPr>
+            <p:cNvSpPr txBox="1"/>
+            <p:nvPr/>
+          </p:nvSpPr>
+          <p:spPr>
+            <a:xfrm>
+              <a:off x="952500" y="1672167"/>
+              <a:ext cx="1773621" cy="269304"/>
+            </a:xfrm>
+            <a:prstGeom prst="rect">
+              <a:avLst/>
+            </a:prstGeom>
+            <a:noFill/>
+          </p:spPr>
+          <p:txBody>
+            <a:bodyPr vert="horz" rtlCol="0">
+              <a:spAutoFit/>
+            </a:bodyPr>
+            <a:lstStyle/>
+            <a:p>
+              <a:pPr algn="r"/>
+              <a:r>
+                <a:rPr lang="en-US" altLang="ko-KR" sz="900"/>
+                <a:t>1st_usb.ADV</a:t>
+              </a:r>
+              <a:endParaRPr lang="ko-KR" altLang="en-US" sz="900"/>
+            </a:p>
+          </p:txBody>
+        </p:sp>
+        <p:sp>
+          <p:nvSpPr>
+            <p:cNvPr id="8" name="TextBox 7">
+              <a:extLst>
+                <a:ext uri="{FF2B5EF4-FFF2-40B4-BE49-F238E27FC236}">
+                  <a16:creationId xmlns:a16="http://schemas.microsoft.com/office/drawing/2014/main" id="{55A97619-EE3C-C372-DB34-CFAD1601497E}"/>
+                </a:ext>
+              </a:extLst>
+            </p:cNvPr>
+            <p:cNvSpPr txBox="1"/>
+            <p:nvPr/>
+          </p:nvSpPr>
+          <p:spPr>
+            <a:xfrm>
+              <a:off x="952500" y="1968500"/>
+              <a:ext cx="1773621" cy="269304"/>
+            </a:xfrm>
+            <a:prstGeom prst="rect">
+              <a:avLst/>
+            </a:prstGeom>
+            <a:noFill/>
+          </p:spPr>
+          <p:txBody>
+            <a:bodyPr vert="horz" rtlCol="0">
+              <a:spAutoFit/>
+            </a:bodyPr>
+            <a:lstStyle/>
+            <a:p>
+              <a:pPr algn="r"/>
+              <a:r>
+                <a:rPr lang="en-US" altLang="ko-KR" sz="900">
+                  <a:solidFill>
+                    <a:srgbClr val="00FFFF"/>
+                  </a:solidFill>
+                </a:rPr>
+                <a:t>1st_usb.RET</a:t>
+              </a:r>
+              <a:endParaRPr lang="ko-KR" altLang="en-US" sz="900">
+                <a:solidFill>
+                  <a:srgbClr val="00FFFF"/>
+                </a:solidFill>
+              </a:endParaRPr>
+            </a:p>
+          </p:txBody>
+        </p:sp>
+        <p:sp>
+          <p:nvSpPr>
+            <p:cNvPr id="9" name="TextBox 8">
+              <a:extLst>
+                <a:ext uri="{FF2B5EF4-FFF2-40B4-BE49-F238E27FC236}">
+                  <a16:creationId xmlns:a16="http://schemas.microsoft.com/office/drawing/2014/main" id="{7647CBC2-1D78-C684-2815-506EBDACED6F}"/>
+                </a:ext>
+              </a:extLst>
+            </p:cNvPr>
+            <p:cNvSpPr txBox="1"/>
+            <p:nvPr/>
+          </p:nvSpPr>
+          <p:spPr>
+            <a:xfrm>
+              <a:off x="952500" y="2264833"/>
+              <a:ext cx="1773621" cy="269304"/>
+            </a:xfrm>
+            <a:prstGeom prst="rect">
+              <a:avLst/>
+            </a:prstGeom>
+            <a:noFill/>
+          </p:spPr>
+          <p:txBody>
+            <a:bodyPr vert="horz" rtlCol="0">
+              <a:spAutoFit/>
+            </a:bodyPr>
+            <a:lstStyle/>
+            <a:p>
+              <a:pPr algn="r"/>
+              <a:r>
+                <a:rPr lang="en-US" altLang="ko-KR" sz="900"/>
+                <a:t>2nd_usb.ADV</a:t>
+              </a:r>
+              <a:endParaRPr lang="ko-KR" altLang="en-US" sz="900"/>
+            </a:p>
+          </p:txBody>
+        </p:sp>
+        <p:sp>
+          <p:nvSpPr>
+            <p:cNvPr id="10" name="TextBox 9">
+              <a:extLst>
+                <a:ext uri="{FF2B5EF4-FFF2-40B4-BE49-F238E27FC236}">
+                  <a16:creationId xmlns:a16="http://schemas.microsoft.com/office/drawing/2014/main" id="{00486E6B-B5F3-BE1E-19BD-96F136EB3EE9}"/>
+                </a:ext>
+              </a:extLst>
+            </p:cNvPr>
+            <p:cNvSpPr txBox="1"/>
+            <p:nvPr/>
+          </p:nvSpPr>
+          <p:spPr>
+            <a:xfrm>
+              <a:off x="952500" y="2561167"/>
+              <a:ext cx="1773621" cy="269304"/>
+            </a:xfrm>
+            <a:prstGeom prst="rect">
+              <a:avLst/>
+            </a:prstGeom>
+            <a:noFill/>
+          </p:spPr>
+          <p:txBody>
+            <a:bodyPr vert="horz" rtlCol="0">
+              <a:spAutoFit/>
+            </a:bodyPr>
+            <a:lstStyle/>
+            <a:p>
+              <a:pPr algn="r"/>
+              <a:r>
+                <a:rPr lang="en-US" altLang="ko-KR" sz="900">
+                  <a:solidFill>
+                    <a:srgbClr val="00FFFF"/>
+                  </a:solidFill>
+                </a:rPr>
+                <a:t>2nd_usb.RET</a:t>
+              </a:r>
+              <a:endParaRPr lang="ko-KR" altLang="en-US" sz="900">
+                <a:solidFill>
+                  <a:srgbClr val="00FFFF"/>
+                </a:solidFill>
+              </a:endParaRPr>
+            </a:p>
+          </p:txBody>
+        </p:sp>
+        <p:sp>
+          <p:nvSpPr>
+            <p:cNvPr id="11" name="TextBox 10">
+              <a:extLst>
+                <a:ext uri="{FF2B5EF4-FFF2-40B4-BE49-F238E27FC236}">
+                  <a16:creationId xmlns:a16="http://schemas.microsoft.com/office/drawing/2014/main" id="{2DAEB6A6-F8EE-81F6-2731-21843A66E0E6}"/>
+                </a:ext>
+              </a:extLst>
+            </p:cNvPr>
+            <p:cNvSpPr txBox="1"/>
+            <p:nvPr/>
+          </p:nvSpPr>
+          <p:spPr>
+            <a:xfrm>
+              <a:off x="952500" y="2857500"/>
+              <a:ext cx="1773621" cy="269304"/>
+            </a:xfrm>
+            <a:prstGeom prst="rect">
+              <a:avLst/>
+            </a:prstGeom>
+            <a:noFill/>
+          </p:spPr>
+          <p:txBody>
+            <a:bodyPr vert="horz" rtlCol="0">
+              <a:spAutoFit/>
+            </a:bodyPr>
+            <a:lstStyle/>
+            <a:p>
+              <a:pPr algn="r"/>
+              <a:r>
+                <a:rPr lang="en-US" altLang="ko-KR" sz="900"/>
+                <a:t>3rd_usb.ADV</a:t>
+              </a:r>
+              <a:endParaRPr lang="ko-KR" altLang="en-US" sz="900"/>
+            </a:p>
+          </p:txBody>
+        </p:sp>
+        <p:sp>
+          <p:nvSpPr>
+            <p:cNvPr id="12" name="TextBox 11">
+              <a:extLst>
+                <a:ext uri="{FF2B5EF4-FFF2-40B4-BE49-F238E27FC236}">
+                  <a16:creationId xmlns:a16="http://schemas.microsoft.com/office/drawing/2014/main" id="{76FF6FB6-849D-A126-A84C-26181009A191}"/>
+                </a:ext>
+              </a:extLst>
+            </p:cNvPr>
+            <p:cNvSpPr txBox="1"/>
+            <p:nvPr/>
+          </p:nvSpPr>
+          <p:spPr>
+            <a:xfrm>
+              <a:off x="952500" y="3153833"/>
+              <a:ext cx="1773621" cy="269304"/>
+            </a:xfrm>
+            <a:prstGeom prst="rect">
+              <a:avLst/>
+            </a:prstGeom>
+            <a:noFill/>
+          </p:spPr>
+          <p:txBody>
+            <a:bodyPr vert="horz" rtlCol="0">
+              <a:spAutoFit/>
+            </a:bodyPr>
+            <a:lstStyle/>
+            <a:p>
+              <a:pPr algn="r"/>
+              <a:r>
+                <a:rPr lang="en-US" altLang="ko-KR" sz="900">
+                  <a:solidFill>
+                    <a:srgbClr val="00FFFF"/>
+                  </a:solidFill>
+                </a:rPr>
+                <a:t>3rd_usb.RET</a:t>
+              </a:r>
+              <a:endParaRPr lang="ko-KR" altLang="en-US" sz="900">
+                <a:solidFill>
+                  <a:srgbClr val="00FFFF"/>
+                </a:solidFill>
+              </a:endParaRPr>
+            </a:p>
+          </p:txBody>
+        </p:sp>
+        <p:sp>
+          <p:nvSpPr>
+            <p:cNvPr id="13" name="TextBox 12">
+              <a:extLst>
+                <a:ext uri="{FF2B5EF4-FFF2-40B4-BE49-F238E27FC236}">
+                  <a16:creationId xmlns:a16="http://schemas.microsoft.com/office/drawing/2014/main" id="{8305F638-D103-57C0-5CD3-88057B54A5D9}"/>
+                </a:ext>
+              </a:extLst>
+            </p:cNvPr>
+            <p:cNvSpPr txBox="1"/>
+            <p:nvPr/>
+          </p:nvSpPr>
+          <p:spPr>
+            <a:xfrm>
+              <a:off x="952500" y="3450167"/>
+              <a:ext cx="1773621" cy="269304"/>
+            </a:xfrm>
+            <a:prstGeom prst="rect">
+              <a:avLst/>
+            </a:prstGeom>
+            <a:noFill/>
+          </p:spPr>
+          <p:txBody>
+            <a:bodyPr vert="horz" rtlCol="0">
+              <a:spAutoFit/>
+            </a:bodyPr>
+            <a:lstStyle/>
+            <a:p>
+              <a:pPr algn="r"/>
+              <a:r>
+                <a:rPr lang="en-US" altLang="ko-KR" sz="900"/>
+                <a:t>4th_usb.ADV</a:t>
+              </a:r>
+              <a:endParaRPr lang="ko-KR" altLang="en-US" sz="900"/>
+            </a:p>
+          </p:txBody>
+        </p:sp>
+        <p:sp>
+          <p:nvSpPr>
+            <p:cNvPr id="14" name="TextBox 13">
+              <a:extLst>
+                <a:ext uri="{FF2B5EF4-FFF2-40B4-BE49-F238E27FC236}">
+                  <a16:creationId xmlns:a16="http://schemas.microsoft.com/office/drawing/2014/main" id="{ACE4135F-9E9C-F013-3299-2C8C26B8E888}"/>
+                </a:ext>
+              </a:extLst>
+            </p:cNvPr>
+            <p:cNvSpPr txBox="1"/>
+            <p:nvPr/>
+          </p:nvSpPr>
+          <p:spPr>
+            <a:xfrm>
+              <a:off x="952500" y="3746500"/>
+              <a:ext cx="1773621" cy="269304"/>
+            </a:xfrm>
+            <a:prstGeom prst="rect">
+              <a:avLst/>
+            </a:prstGeom>
+            <a:noFill/>
+          </p:spPr>
+          <p:txBody>
+            <a:bodyPr vert="horz" rtlCol="0">
+              <a:spAutoFit/>
+            </a:bodyPr>
+            <a:lstStyle/>
+            <a:p>
+              <a:pPr algn="r"/>
+              <a:r>
+                <a:rPr lang="en-US" altLang="ko-KR" sz="900">
+                  <a:solidFill>
+                    <a:srgbClr val="00FFFF"/>
+                  </a:solidFill>
+                </a:rPr>
+                <a:t>4th_usb.RET</a:t>
+              </a:r>
+              <a:endParaRPr lang="ko-KR" altLang="en-US" sz="900">
+                <a:solidFill>
+                  <a:srgbClr val="00FFFF"/>
+                </a:solidFill>
+              </a:endParaRPr>
+            </a:p>
+          </p:txBody>
+        </p:sp>
+        <p:sp>
+          <p:nvSpPr>
+            <p:cNvPr id="15" name="TextBox 14">
+              <a:extLst>
+                <a:ext uri="{FF2B5EF4-FFF2-40B4-BE49-F238E27FC236}">
+                  <a16:creationId xmlns:a16="http://schemas.microsoft.com/office/drawing/2014/main" id="{2674C8F9-751B-D62A-D6B3-73E06A8F7EF5}"/>
+                </a:ext>
+              </a:extLst>
+            </p:cNvPr>
+            <p:cNvSpPr txBox="1"/>
+            <p:nvPr/>
+          </p:nvSpPr>
+          <p:spPr>
+            <a:xfrm>
+              <a:off x="952500" y="4042833"/>
+              <a:ext cx="1773621" cy="269304"/>
+            </a:xfrm>
+            <a:prstGeom prst="rect">
+              <a:avLst/>
+            </a:prstGeom>
+            <a:noFill/>
+          </p:spPr>
+          <p:txBody>
+            <a:bodyPr vert="horz" rtlCol="0">
+              <a:spAutoFit/>
+            </a:bodyPr>
+            <a:lstStyle/>
+            <a:p>
+              <a:pPr algn="r"/>
+              <a:r>
+                <a:rPr lang="en-US" altLang="ko-KR" sz="900"/>
+                <a:t>3rd_stp.RET</a:t>
+              </a:r>
+              <a:endParaRPr lang="ko-KR" altLang="en-US" sz="900"/>
+            </a:p>
+          </p:txBody>
+        </p:sp>
+        <p:sp>
+          <p:nvSpPr>
+            <p:cNvPr id="16" name="TextBox 15">
+              <a:extLst>
+                <a:ext uri="{FF2B5EF4-FFF2-40B4-BE49-F238E27FC236}">
+                  <a16:creationId xmlns:a16="http://schemas.microsoft.com/office/drawing/2014/main" id="{2E8C3843-211B-AF1A-EC85-327CF951BEBF}"/>
+                </a:ext>
+              </a:extLst>
+            </p:cNvPr>
+            <p:cNvSpPr txBox="1"/>
+            <p:nvPr/>
+          </p:nvSpPr>
+          <p:spPr>
+            <a:xfrm>
+              <a:off x="952500" y="4339167"/>
+              <a:ext cx="1773621" cy="269304"/>
+            </a:xfrm>
+            <a:prstGeom prst="rect">
+              <a:avLst/>
+            </a:prstGeom>
+            <a:noFill/>
+          </p:spPr>
+          <p:txBody>
+            <a:bodyPr vert="horz" rtlCol="0">
+              <a:spAutoFit/>
+            </a:bodyPr>
+            <a:lstStyle/>
+            <a:p>
+              <a:pPr algn="r"/>
+              <a:r>
+                <a:rPr lang="en-US" altLang="ko-KR" sz="900">
+                  <a:solidFill>
+                    <a:srgbClr val="00FFFF"/>
+                  </a:solidFill>
+                </a:rPr>
+                <a:t>3rd_stp.ADV</a:t>
+              </a:r>
+              <a:endParaRPr lang="ko-KR" altLang="en-US" sz="900">
+                <a:solidFill>
+                  <a:srgbClr val="00FFFF"/>
+                </a:solidFill>
+              </a:endParaRPr>
+            </a:p>
+          </p:txBody>
+        </p:sp>
+        <p:sp>
+          <p:nvSpPr>
+            <p:cNvPr id="17" name="TextBox 16">
+              <a:extLst>
+                <a:ext uri="{FF2B5EF4-FFF2-40B4-BE49-F238E27FC236}">
+                  <a16:creationId xmlns:a16="http://schemas.microsoft.com/office/drawing/2014/main" id="{46D711FC-06D5-6A37-C866-E5EA50B0A039}"/>
+                </a:ext>
+              </a:extLst>
+            </p:cNvPr>
+            <p:cNvSpPr txBox="1"/>
+            <p:nvPr/>
+          </p:nvSpPr>
+          <p:spPr>
+            <a:xfrm>
+              <a:off x="952500" y="4635500"/>
+              <a:ext cx="1773621" cy="269304"/>
+            </a:xfrm>
+            <a:prstGeom prst="rect">
+              <a:avLst/>
+            </a:prstGeom>
+            <a:noFill/>
+          </p:spPr>
+          <p:txBody>
+            <a:bodyPr vert="horz" rtlCol="0">
+              <a:spAutoFit/>
+            </a:bodyPr>
+            <a:lstStyle/>
+            <a:p>
+              <a:pPr algn="r"/>
+              <a:r>
+                <a:rPr lang="en-US" altLang="ko-KR" sz="900"/>
+                <a:t>4th_stp.RET</a:t>
+              </a:r>
+              <a:endParaRPr lang="ko-KR" altLang="en-US" sz="900"/>
+            </a:p>
+          </p:txBody>
+        </p:sp>
+        <p:sp>
+          <p:nvSpPr>
+            <p:cNvPr id="18" name="TextBox 17">
+              <a:extLst>
+                <a:ext uri="{FF2B5EF4-FFF2-40B4-BE49-F238E27FC236}">
+                  <a16:creationId xmlns:a16="http://schemas.microsoft.com/office/drawing/2014/main" id="{FACA739A-884A-67BD-C72F-69DFB5DBCFF0}"/>
+                </a:ext>
+              </a:extLst>
+            </p:cNvPr>
+            <p:cNvSpPr txBox="1"/>
+            <p:nvPr/>
+          </p:nvSpPr>
+          <p:spPr>
+            <a:xfrm>
+              <a:off x="952500" y="4931833"/>
+              <a:ext cx="1773621" cy="269304"/>
+            </a:xfrm>
+            <a:prstGeom prst="rect">
+              <a:avLst/>
+            </a:prstGeom>
+            <a:noFill/>
+          </p:spPr>
+          <p:txBody>
+            <a:bodyPr vert="horz" rtlCol="0">
+              <a:spAutoFit/>
+            </a:bodyPr>
+            <a:lstStyle/>
+            <a:p>
+              <a:pPr algn="r"/>
+              <a:r>
+                <a:rPr lang="en-US" altLang="ko-KR" sz="900">
+                  <a:solidFill>
+                    <a:srgbClr val="00FFFF"/>
+                  </a:solidFill>
+                </a:rPr>
+                <a:t>4th_stp.ADV</a:t>
+              </a:r>
+              <a:endParaRPr lang="ko-KR" altLang="en-US" sz="900">
+                <a:solidFill>
+                  <a:srgbClr val="00FFFF"/>
+                </a:solidFill>
+              </a:endParaRPr>
+            </a:p>
+          </p:txBody>
+        </p:sp>
+        <p:sp>
+          <p:nvSpPr>
+            <p:cNvPr id="19" name="TextBox 18">
+              <a:extLst>
+                <a:ext uri="{FF2B5EF4-FFF2-40B4-BE49-F238E27FC236}">
+                  <a16:creationId xmlns:a16="http://schemas.microsoft.com/office/drawing/2014/main" id="{4FDFA200-1654-6734-3A1C-7EBD8EED77BA}"/>
+                </a:ext>
+              </a:extLst>
+            </p:cNvPr>
+            <p:cNvSpPr txBox="1"/>
+            <p:nvPr/>
+          </p:nvSpPr>
+          <p:spPr>
+            <a:xfrm>
+              <a:off x="952500" y="5228167"/>
+              <a:ext cx="1773621" cy="269304"/>
+            </a:xfrm>
+            <a:prstGeom prst="rect">
+              <a:avLst/>
+            </a:prstGeom>
+            <a:noFill/>
+          </p:spPr>
+          <p:txBody>
+            <a:bodyPr vert="horz" rtlCol="0">
+              <a:spAutoFit/>
+            </a:bodyPr>
+            <a:lstStyle/>
+            <a:p>
+              <a:pPr algn="r"/>
+              <a:r>
+                <a:rPr lang="en-US" altLang="ko-KR" sz="900"/>
+                <a:t>2nd_stp.RET</a:t>
+              </a:r>
+              <a:endParaRPr lang="ko-KR" altLang="en-US" sz="900"/>
+            </a:p>
+          </p:txBody>
+        </p:sp>
+        <p:sp>
+          <p:nvSpPr>
+            <p:cNvPr id="20" name="TextBox 19">
+              <a:extLst>
+                <a:ext uri="{FF2B5EF4-FFF2-40B4-BE49-F238E27FC236}">
+                  <a16:creationId xmlns:a16="http://schemas.microsoft.com/office/drawing/2014/main" id="{AD3DC3EB-A2C2-3E90-182D-924B7BC42335}"/>
+                </a:ext>
+              </a:extLst>
+            </p:cNvPr>
+            <p:cNvSpPr txBox="1"/>
+            <p:nvPr/>
+          </p:nvSpPr>
+          <p:spPr>
+            <a:xfrm>
+              <a:off x="952500" y="5524500"/>
+              <a:ext cx="1773621" cy="269304"/>
+            </a:xfrm>
+            <a:prstGeom prst="rect">
+              <a:avLst/>
+            </a:prstGeom>
+            <a:noFill/>
+          </p:spPr>
+          <p:txBody>
+            <a:bodyPr vert="horz" rtlCol="0">
+              <a:spAutoFit/>
+            </a:bodyPr>
+            <a:lstStyle/>
+            <a:p>
+              <a:pPr algn="r"/>
+              <a:r>
+                <a:rPr lang="en-US" altLang="ko-KR" sz="900">
+                  <a:solidFill>
+                    <a:srgbClr val="00FFFF"/>
+                  </a:solidFill>
+                </a:rPr>
+                <a:t>2nd_stp.ADV</a:t>
+              </a:r>
+              <a:endParaRPr lang="ko-KR" altLang="en-US" sz="900">
+                <a:solidFill>
+                  <a:srgbClr val="00FFFF"/>
+                </a:solidFill>
+              </a:endParaRPr>
+            </a:p>
+          </p:txBody>
+        </p:sp>
+        <p:sp>
+          <p:nvSpPr>
+            <p:cNvPr id="21" name="TextBox 20">
+              <a:extLst>
+                <a:ext uri="{FF2B5EF4-FFF2-40B4-BE49-F238E27FC236}">
+                  <a16:creationId xmlns:a16="http://schemas.microsoft.com/office/drawing/2014/main" id="{EB44BB22-9DB0-58D7-55CF-0B524213E0A6}"/>
+                </a:ext>
+              </a:extLst>
+            </p:cNvPr>
+            <p:cNvSpPr txBox="1"/>
+            <p:nvPr/>
+          </p:nvSpPr>
+          <p:spPr>
+            <a:xfrm>
+              <a:off x="952500" y="5820833"/>
+              <a:ext cx="1773621" cy="269304"/>
+            </a:xfrm>
+            <a:prstGeom prst="rect">
+              <a:avLst/>
+            </a:prstGeom>
+            <a:noFill/>
+          </p:spPr>
+          <p:txBody>
+            <a:bodyPr vert="horz" rtlCol="0">
+              <a:spAutoFit/>
+            </a:bodyPr>
+            <a:lstStyle/>
+            <a:p>
+              <a:pPr algn="r"/>
+              <a:r>
+                <a:rPr lang="en-US" altLang="ko-KR" sz="900"/>
+                <a:t>1st_stp.RET</a:t>
+              </a:r>
+              <a:endParaRPr lang="ko-KR" altLang="en-US" sz="900"/>
+            </a:p>
+          </p:txBody>
+        </p:sp>
+        <p:sp>
+          <p:nvSpPr>
+            <p:cNvPr id="22" name="TextBox 21">
+              <a:extLst>
+                <a:ext uri="{FF2B5EF4-FFF2-40B4-BE49-F238E27FC236}">
+                  <a16:creationId xmlns:a16="http://schemas.microsoft.com/office/drawing/2014/main" id="{7F74BC99-DC05-C4F9-5070-E8E3351A5BA4}"/>
+                </a:ext>
+              </a:extLst>
+            </p:cNvPr>
+            <p:cNvSpPr txBox="1"/>
+            <p:nvPr/>
+          </p:nvSpPr>
+          <p:spPr>
+            <a:xfrm>
+              <a:off x="952500" y="6117167"/>
+              <a:ext cx="1773621" cy="269304"/>
+            </a:xfrm>
+            <a:prstGeom prst="rect">
+              <a:avLst/>
+            </a:prstGeom>
+            <a:noFill/>
+          </p:spPr>
+          <p:txBody>
+            <a:bodyPr vert="horz" rtlCol="0">
+              <a:spAutoFit/>
+            </a:bodyPr>
+            <a:lstStyle/>
+            <a:p>
+              <a:pPr algn="r"/>
+              <a:r>
+                <a:rPr lang="en-US" altLang="ko-KR" sz="900">
+                  <a:solidFill>
+                    <a:srgbClr val="00FFFF"/>
+                  </a:solidFill>
+                </a:rPr>
+                <a:t>1st_stp.ADV</a:t>
+              </a:r>
+              <a:endParaRPr lang="ko-KR" altLang="en-US" sz="900">
+                <a:solidFill>
+                  <a:srgbClr val="00FFFF"/>
+                </a:solidFill>
+              </a:endParaRPr>
+            </a:p>
+          </p:txBody>
+        </p:sp>
+        <p:sp>
+          <p:nvSpPr>
+            <p:cNvPr id="23" name="직사각형 22">
+              <a:extLst>
+                <a:ext uri="{FF2B5EF4-FFF2-40B4-BE49-F238E27FC236}">
+                  <a16:creationId xmlns:a16="http://schemas.microsoft.com/office/drawing/2014/main" id="{C2B7938D-D0DD-6262-30CE-84CC2119F1EA}"/>
+                </a:ext>
+              </a:extLst>
+            </p:cNvPr>
+            <p:cNvSpPr/>
+            <p:nvPr/>
+          </p:nvSpPr>
+          <p:spPr>
+            <a:xfrm>
+              <a:off x="2726121" y="1079500"/>
+              <a:ext cx="1418897" cy="296333"/>
+            </a:xfrm>
+            <a:prstGeom prst="rect">
+              <a:avLst/>
+            </a:prstGeom>
+            <a:solidFill>
+              <a:srgbClr val="000000"/>
+            </a:solidFill>
+            <a:ln w="12700" cap="flat" cmpd="sng" algn="ctr">
+              <a:noFill/>
+              <a:prstDash val="solid"/>
+              <a:miter lim="800000"/>
+            </a:ln>
+            <a:effectLst/>
+          </p:spPr>
+          <p:style>
+            <a:lnRef idx="2">
+              <a:schemeClr val="accent1">
+                <a:shade val="15000"/>
+              </a:schemeClr>
+            </a:lnRef>
+            <a:fillRef idx="1">
+              <a:schemeClr val="accent1"/>
+            </a:fillRef>
+            <a:effectRef idx="0">
+              <a:schemeClr val="accent1"/>
+            </a:effectRef>
+            <a:fontRef idx="minor">
+              <a:schemeClr val="lt1"/>
+            </a:fontRef>
+          </p:style>
+          <p:txBody>
+            <a:bodyPr rtlCol="0" anchor="ctr"/>
+            <a:lstStyle/>
+            <a:p>
+              <a:pPr algn="ctr"/>
+              <a:r>
+                <a:rPr lang="en-US" altLang="ko-KR" sz="700"/>
+                <a:t>Cv_Frt</a:t>
+              </a:r>
+              <a:br>
+                <a:rPr lang="en-US" altLang="ko-KR" sz="700"/>
+              </a:br>
+              <a:r>
+                <a:rPr lang="en-US" altLang="ko-KR" sz="700"/>
+                <a:t>MOVE</a:t>
+              </a:r>
+              <a:endParaRPr lang="ko-KR" altLang="en-US" sz="700"/>
+            </a:p>
+          </p:txBody>
+        </p:sp>
+        <p:sp>
+          <p:nvSpPr>
+            <p:cNvPr id="24" name="직사각형 23">
+              <a:extLst>
+                <a:ext uri="{FF2B5EF4-FFF2-40B4-BE49-F238E27FC236}">
+                  <a16:creationId xmlns:a16="http://schemas.microsoft.com/office/drawing/2014/main" id="{CCCBE268-E5B4-71BA-D451-7D1CAE0CDF2C}"/>
+                </a:ext>
+              </a:extLst>
+            </p:cNvPr>
+            <p:cNvSpPr/>
+            <p:nvPr/>
+          </p:nvSpPr>
+          <p:spPr>
+            <a:xfrm>
+              <a:off x="4145018" y="1672167"/>
+              <a:ext cx="1418897" cy="296333"/>
+            </a:xfrm>
+            <a:prstGeom prst="rect">
+              <a:avLst/>
+            </a:prstGeom>
+            <a:solidFill>
+              <a:srgbClr val="000000"/>
+            </a:solidFill>
+            <a:ln w="12700" cap="flat" cmpd="sng" algn="ctr">
+              <a:noFill/>
+              <a:prstDash val="solid"/>
+              <a:miter lim="800000"/>
+            </a:ln>
+            <a:effectLst/>
+          </p:spPr>
+          <p:style>
+            <a:lnRef idx="2">
+              <a:schemeClr val="accent1">
+                <a:shade val="15000"/>
+              </a:schemeClr>
+            </a:lnRef>
+            <a:fillRef idx="1">
+              <a:schemeClr val="accent1"/>
+            </a:fillRef>
+            <a:effectRef idx="0">
+              <a:schemeClr val="accent1"/>
+            </a:effectRef>
+            <a:fontRef idx="minor">
+              <a:schemeClr val="lt1"/>
+            </a:fontRef>
+          </p:style>
+          <p:txBody>
+            <a:bodyPr rtlCol="0" anchor="ctr"/>
+            <a:lstStyle/>
+            <a:p>
+              <a:pPr algn="ctr"/>
+              <a:r>
+                <a:rPr lang="en-US" altLang="ko-KR" sz="700"/>
+                <a:t>1st_usb</a:t>
+              </a:r>
+              <a:br>
+                <a:rPr lang="en-US" altLang="ko-KR" sz="700"/>
+              </a:br>
+              <a:r>
+                <a:rPr lang="en-US" altLang="ko-KR" sz="700"/>
+                <a:t>ADV</a:t>
+              </a:r>
+              <a:endParaRPr lang="ko-KR" altLang="en-US" sz="700"/>
+            </a:p>
+          </p:txBody>
+        </p:sp>
+        <p:sp>
+          <p:nvSpPr>
+            <p:cNvPr id="25" name="직사각형 24">
+              <a:extLst>
+                <a:ext uri="{FF2B5EF4-FFF2-40B4-BE49-F238E27FC236}">
+                  <a16:creationId xmlns:a16="http://schemas.microsoft.com/office/drawing/2014/main" id="{242C7ABB-11D3-6C10-0C14-6ECB38CEE9E9}"/>
+                </a:ext>
+              </a:extLst>
+            </p:cNvPr>
+            <p:cNvSpPr/>
+            <p:nvPr/>
+          </p:nvSpPr>
+          <p:spPr>
+            <a:xfrm>
+              <a:off x="4145018" y="2264833"/>
+              <a:ext cx="1418897" cy="296333"/>
+            </a:xfrm>
+            <a:prstGeom prst="rect">
+              <a:avLst/>
+            </a:prstGeom>
+            <a:solidFill>
+              <a:srgbClr val="000000"/>
+            </a:solidFill>
+            <a:ln w="12700" cap="flat" cmpd="sng" algn="ctr">
+              <a:noFill/>
+              <a:prstDash val="solid"/>
+              <a:miter lim="800000"/>
+            </a:ln>
+            <a:effectLst/>
+          </p:spPr>
+          <p:style>
+            <a:lnRef idx="2">
+              <a:schemeClr val="accent1">
+                <a:shade val="15000"/>
+              </a:schemeClr>
+            </a:lnRef>
+            <a:fillRef idx="1">
+              <a:schemeClr val="accent1"/>
+            </a:fillRef>
+            <a:effectRef idx="0">
+              <a:schemeClr val="accent1"/>
+            </a:effectRef>
+            <a:fontRef idx="minor">
+              <a:schemeClr val="lt1"/>
+            </a:fontRef>
+          </p:style>
+          <p:txBody>
+            <a:bodyPr rtlCol="0" anchor="ctr"/>
+            <a:lstStyle/>
+            <a:p>
+              <a:pPr algn="ctr"/>
+              <a:r>
+                <a:rPr lang="en-US" altLang="ko-KR" sz="700"/>
+                <a:t>2nd_usb</a:t>
+              </a:r>
+              <a:br>
+                <a:rPr lang="en-US" altLang="ko-KR" sz="700"/>
+              </a:br>
+              <a:r>
+                <a:rPr lang="en-US" altLang="ko-KR" sz="700"/>
+                <a:t>ADV</a:t>
+              </a:r>
+              <a:endParaRPr lang="ko-KR" altLang="en-US" sz="700"/>
+            </a:p>
+          </p:txBody>
+        </p:sp>
+        <p:sp>
+          <p:nvSpPr>
+            <p:cNvPr id="26" name="직사각형 25">
+              <a:extLst>
+                <a:ext uri="{FF2B5EF4-FFF2-40B4-BE49-F238E27FC236}">
+                  <a16:creationId xmlns:a16="http://schemas.microsoft.com/office/drawing/2014/main" id="{33E71866-3785-C179-70CD-A04B292B987C}"/>
+                </a:ext>
+              </a:extLst>
+            </p:cNvPr>
+            <p:cNvSpPr/>
+            <p:nvPr/>
+          </p:nvSpPr>
+          <p:spPr>
+            <a:xfrm>
+              <a:off x="4145018" y="2857500"/>
+              <a:ext cx="1418897" cy="296333"/>
+            </a:xfrm>
+            <a:prstGeom prst="rect">
+              <a:avLst/>
+            </a:prstGeom>
+            <a:solidFill>
+              <a:srgbClr val="000000"/>
+            </a:solidFill>
+            <a:ln w="12700" cap="flat" cmpd="sng" algn="ctr">
+              <a:noFill/>
+              <a:prstDash val="solid"/>
+              <a:miter lim="800000"/>
+            </a:ln>
+            <a:effectLst/>
+          </p:spPr>
+          <p:style>
+            <a:lnRef idx="2">
+              <a:schemeClr val="accent1">
+                <a:shade val="15000"/>
+              </a:schemeClr>
+            </a:lnRef>
+            <a:fillRef idx="1">
+              <a:schemeClr val="accent1"/>
+            </a:fillRef>
+            <a:effectRef idx="0">
+              <a:schemeClr val="accent1"/>
+            </a:effectRef>
+            <a:fontRef idx="minor">
+              <a:schemeClr val="lt1"/>
+            </a:fontRef>
+          </p:style>
+          <p:txBody>
+            <a:bodyPr rtlCol="0" anchor="ctr"/>
+            <a:lstStyle/>
+            <a:p>
+              <a:pPr algn="ctr"/>
+              <a:r>
+                <a:rPr lang="en-US" altLang="ko-KR" sz="700"/>
+                <a:t>3rd_usb</a:t>
+              </a:r>
+              <a:br>
+                <a:rPr lang="en-US" altLang="ko-KR" sz="700"/>
+              </a:br>
+              <a:r>
+                <a:rPr lang="en-US" altLang="ko-KR" sz="700"/>
+                <a:t>ADV</a:t>
+              </a:r>
+              <a:endParaRPr lang="ko-KR" altLang="en-US" sz="700"/>
+            </a:p>
+          </p:txBody>
+        </p:sp>
+        <p:sp>
+          <p:nvSpPr>
+            <p:cNvPr id="27" name="직사각형 26">
+              <a:extLst>
+                <a:ext uri="{FF2B5EF4-FFF2-40B4-BE49-F238E27FC236}">
+                  <a16:creationId xmlns:a16="http://schemas.microsoft.com/office/drawing/2014/main" id="{0EA8ADD9-3862-FC8A-5BF2-DDC21746C3D5}"/>
+                </a:ext>
+              </a:extLst>
+            </p:cNvPr>
+            <p:cNvSpPr/>
+            <p:nvPr/>
+          </p:nvSpPr>
+          <p:spPr>
+            <a:xfrm>
+              <a:off x="4145018" y="3450167"/>
+              <a:ext cx="1418897" cy="296333"/>
+            </a:xfrm>
+            <a:prstGeom prst="rect">
+              <a:avLst/>
+            </a:prstGeom>
+            <a:solidFill>
+              <a:srgbClr val="000000"/>
+            </a:solidFill>
+            <a:ln w="12700" cap="flat" cmpd="sng" algn="ctr">
+              <a:noFill/>
+              <a:prstDash val="solid"/>
+              <a:miter lim="800000"/>
+            </a:ln>
+            <a:effectLst/>
+          </p:spPr>
+          <p:style>
+            <a:lnRef idx="2">
+              <a:schemeClr val="accent1">
+                <a:shade val="15000"/>
+              </a:schemeClr>
+            </a:lnRef>
+            <a:fillRef idx="1">
+              <a:schemeClr val="accent1"/>
+            </a:fillRef>
+            <a:effectRef idx="0">
+              <a:schemeClr val="accent1"/>
+            </a:effectRef>
+            <a:fontRef idx="minor">
+              <a:schemeClr val="lt1"/>
+            </a:fontRef>
+          </p:style>
+          <p:txBody>
+            <a:bodyPr rtlCol="0" anchor="ctr"/>
+            <a:lstStyle/>
+            <a:p>
+              <a:pPr algn="ctr"/>
+              <a:r>
+                <a:rPr lang="en-US" altLang="ko-KR" sz="700"/>
+                <a:t>4th_usb</a:t>
+              </a:r>
+              <a:br>
+                <a:rPr lang="en-US" altLang="ko-KR" sz="700"/>
+              </a:br>
+              <a:r>
+                <a:rPr lang="en-US" altLang="ko-KR" sz="700"/>
+                <a:t>ADV</a:t>
+              </a:r>
+              <a:endParaRPr lang="ko-KR" altLang="en-US" sz="700"/>
+            </a:p>
+          </p:txBody>
+        </p:sp>
+        <p:sp>
+          <p:nvSpPr>
+            <p:cNvPr id="28" name="직사각형 27">
+              <a:extLst>
+                <a:ext uri="{FF2B5EF4-FFF2-40B4-BE49-F238E27FC236}">
+                  <a16:creationId xmlns:a16="http://schemas.microsoft.com/office/drawing/2014/main" id="{55D84312-89B2-850B-EAC1-333CD4B0AEF1}"/>
+                </a:ext>
+              </a:extLst>
+            </p:cNvPr>
+            <p:cNvSpPr/>
+            <p:nvPr/>
+          </p:nvSpPr>
+          <p:spPr>
+            <a:xfrm>
+              <a:off x="5563914" y="1968500"/>
+              <a:ext cx="1418897" cy="296333"/>
+            </a:xfrm>
+            <a:prstGeom prst="rect">
+              <a:avLst/>
+            </a:prstGeom>
+            <a:solidFill>
+              <a:srgbClr val="000000"/>
+            </a:solidFill>
+            <a:ln w="12700" cap="flat" cmpd="sng" algn="ctr">
+              <a:noFill/>
+              <a:prstDash val="solid"/>
+              <a:miter lim="800000"/>
+            </a:ln>
+            <a:effectLst/>
+          </p:spPr>
+          <p:style>
+            <a:lnRef idx="2">
+              <a:schemeClr val="accent1">
+                <a:shade val="15000"/>
+              </a:schemeClr>
+            </a:lnRef>
+            <a:fillRef idx="1">
+              <a:schemeClr val="accent1"/>
+            </a:fillRef>
+            <a:effectRef idx="0">
+              <a:schemeClr val="accent1"/>
+            </a:effectRef>
+            <a:fontRef idx="minor">
+              <a:schemeClr val="lt1"/>
+            </a:fontRef>
+          </p:style>
+          <p:txBody>
+            <a:bodyPr rtlCol="0" anchor="ctr"/>
+            <a:lstStyle/>
+            <a:p>
+              <a:pPr algn="ctr"/>
+              <a:r>
+                <a:rPr lang="en-US" altLang="ko-KR" sz="700"/>
+                <a:t>1st_usb</a:t>
+              </a:r>
+              <a:br>
+                <a:rPr lang="en-US" altLang="ko-KR" sz="700"/>
+              </a:br>
+              <a:r>
+                <a:rPr lang="en-US" altLang="ko-KR" sz="700"/>
+                <a:t>RET</a:t>
+              </a:r>
+              <a:endParaRPr lang="ko-KR" altLang="en-US" sz="700"/>
+            </a:p>
+          </p:txBody>
+        </p:sp>
+        <p:sp>
+          <p:nvSpPr>
+            <p:cNvPr id="29" name="직사각형 28">
+              <a:extLst>
+                <a:ext uri="{FF2B5EF4-FFF2-40B4-BE49-F238E27FC236}">
+                  <a16:creationId xmlns:a16="http://schemas.microsoft.com/office/drawing/2014/main" id="{DA6C0BB0-DEAD-B453-2211-B96D969864F5}"/>
+                </a:ext>
+              </a:extLst>
+            </p:cNvPr>
+            <p:cNvSpPr/>
+            <p:nvPr/>
+          </p:nvSpPr>
+          <p:spPr>
+            <a:xfrm>
+              <a:off x="5563914" y="2561167"/>
+              <a:ext cx="1418897" cy="296333"/>
+            </a:xfrm>
+            <a:prstGeom prst="rect">
+              <a:avLst/>
+            </a:prstGeom>
+            <a:solidFill>
+              <a:srgbClr val="000000"/>
+            </a:solidFill>
+            <a:ln w="12700" cap="flat" cmpd="sng" algn="ctr">
+              <a:noFill/>
+              <a:prstDash val="solid"/>
+              <a:miter lim="800000"/>
+            </a:ln>
+            <a:effectLst/>
+          </p:spPr>
+          <p:style>
+            <a:lnRef idx="2">
+              <a:schemeClr val="accent1">
+                <a:shade val="15000"/>
+              </a:schemeClr>
+            </a:lnRef>
+            <a:fillRef idx="1">
+              <a:schemeClr val="accent1"/>
+            </a:fillRef>
+            <a:effectRef idx="0">
+              <a:schemeClr val="accent1"/>
+            </a:effectRef>
+            <a:fontRef idx="minor">
+              <a:schemeClr val="lt1"/>
+            </a:fontRef>
+          </p:style>
+          <p:txBody>
+            <a:bodyPr rtlCol="0" anchor="ctr"/>
+            <a:lstStyle/>
+            <a:p>
+              <a:pPr algn="ctr"/>
+              <a:r>
+                <a:rPr lang="en-US" altLang="ko-KR" sz="700"/>
+                <a:t>2nd_usb</a:t>
+              </a:r>
+              <a:br>
+                <a:rPr lang="en-US" altLang="ko-KR" sz="700"/>
+              </a:br>
+              <a:r>
+                <a:rPr lang="en-US" altLang="ko-KR" sz="700"/>
+                <a:t>RET</a:t>
+              </a:r>
+              <a:endParaRPr lang="ko-KR" altLang="en-US" sz="700"/>
+            </a:p>
+          </p:txBody>
+        </p:sp>
+        <p:sp>
+          <p:nvSpPr>
+            <p:cNvPr id="30" name="직사각형 29">
+              <a:extLst>
+                <a:ext uri="{FF2B5EF4-FFF2-40B4-BE49-F238E27FC236}">
+                  <a16:creationId xmlns:a16="http://schemas.microsoft.com/office/drawing/2014/main" id="{378EDD41-07B3-3B80-65A1-44F46C2894DC}"/>
+                </a:ext>
+              </a:extLst>
+            </p:cNvPr>
+            <p:cNvSpPr/>
+            <p:nvPr/>
+          </p:nvSpPr>
+          <p:spPr>
+            <a:xfrm>
+              <a:off x="5563914" y="3153833"/>
+              <a:ext cx="1418897" cy="296333"/>
+            </a:xfrm>
+            <a:prstGeom prst="rect">
+              <a:avLst/>
+            </a:prstGeom>
+            <a:solidFill>
+              <a:srgbClr val="000000"/>
+            </a:solidFill>
+            <a:ln w="12700" cap="flat" cmpd="sng" algn="ctr">
+              <a:noFill/>
+              <a:prstDash val="solid"/>
+              <a:miter lim="800000"/>
+            </a:ln>
+            <a:effectLst/>
+          </p:spPr>
+          <p:style>
+            <a:lnRef idx="2">
+              <a:schemeClr val="accent1">
+                <a:shade val="15000"/>
+              </a:schemeClr>
+            </a:lnRef>
+            <a:fillRef idx="1">
+              <a:schemeClr val="accent1"/>
+            </a:fillRef>
+            <a:effectRef idx="0">
+              <a:schemeClr val="accent1"/>
+            </a:effectRef>
+            <a:fontRef idx="minor">
+              <a:schemeClr val="lt1"/>
+            </a:fontRef>
+          </p:style>
+          <p:txBody>
+            <a:bodyPr rtlCol="0" anchor="ctr"/>
+            <a:lstStyle/>
+            <a:p>
+              <a:pPr algn="ctr"/>
+              <a:r>
+                <a:rPr lang="en-US" altLang="ko-KR" sz="700"/>
+                <a:t>3rd_usb</a:t>
+              </a:r>
+              <a:br>
+                <a:rPr lang="en-US" altLang="ko-KR" sz="700"/>
+              </a:br>
+              <a:r>
+                <a:rPr lang="en-US" altLang="ko-KR" sz="700"/>
+                <a:t>RET</a:t>
+              </a:r>
+              <a:endParaRPr lang="ko-KR" altLang="en-US" sz="700"/>
+            </a:p>
+          </p:txBody>
+        </p:sp>
+        <p:sp>
+          <p:nvSpPr>
+            <p:cNvPr id="31" name="직사각형 30">
+              <a:extLst>
+                <a:ext uri="{FF2B5EF4-FFF2-40B4-BE49-F238E27FC236}">
+                  <a16:creationId xmlns:a16="http://schemas.microsoft.com/office/drawing/2014/main" id="{00BAA47A-A774-99AE-A1A5-98A294905D6D}"/>
+                </a:ext>
+              </a:extLst>
+            </p:cNvPr>
+            <p:cNvSpPr/>
+            <p:nvPr/>
+          </p:nvSpPr>
+          <p:spPr>
+            <a:xfrm>
+              <a:off x="5563914" y="3746500"/>
+              <a:ext cx="1418897" cy="296333"/>
+            </a:xfrm>
+            <a:prstGeom prst="rect">
+              <a:avLst/>
+            </a:prstGeom>
+            <a:solidFill>
+              <a:srgbClr val="000000"/>
+            </a:solidFill>
+            <a:ln w="12700" cap="flat" cmpd="sng" algn="ctr">
+              <a:noFill/>
+              <a:prstDash val="solid"/>
+              <a:miter lim="800000"/>
+            </a:ln>
+            <a:effectLst/>
+          </p:spPr>
+          <p:style>
+            <a:lnRef idx="2">
+              <a:schemeClr val="accent1">
+                <a:shade val="15000"/>
+              </a:schemeClr>
+            </a:lnRef>
+            <a:fillRef idx="1">
+              <a:schemeClr val="accent1"/>
+            </a:fillRef>
+            <a:effectRef idx="0">
+              <a:schemeClr val="accent1"/>
+            </a:effectRef>
+            <a:fontRef idx="minor">
+              <a:schemeClr val="lt1"/>
+            </a:fontRef>
+          </p:style>
+          <p:txBody>
+            <a:bodyPr rtlCol="0" anchor="ctr"/>
+            <a:lstStyle/>
+            <a:p>
+              <a:pPr algn="ctr"/>
+              <a:r>
+                <a:rPr lang="en-US" altLang="ko-KR" sz="700"/>
+                <a:t>4th_usb</a:t>
+              </a:r>
+              <a:br>
+                <a:rPr lang="en-US" altLang="ko-KR" sz="700"/>
+              </a:br>
+              <a:r>
+                <a:rPr lang="en-US" altLang="ko-KR" sz="700"/>
+                <a:t>RET</a:t>
+              </a:r>
+              <a:endParaRPr lang="ko-KR" altLang="en-US" sz="700"/>
+            </a:p>
+          </p:txBody>
+        </p:sp>
+        <p:sp>
+          <p:nvSpPr>
+            <p:cNvPr id="32" name="직사각형 31">
+              <a:extLst>
+                <a:ext uri="{FF2B5EF4-FFF2-40B4-BE49-F238E27FC236}">
+                  <a16:creationId xmlns:a16="http://schemas.microsoft.com/office/drawing/2014/main" id="{A5BB43FF-F7B6-E451-9247-044B75204C55}"/>
+                </a:ext>
+              </a:extLst>
+            </p:cNvPr>
+            <p:cNvSpPr/>
+            <p:nvPr/>
+          </p:nvSpPr>
+          <p:spPr>
+            <a:xfrm>
+              <a:off x="6982811" y="4042833"/>
+              <a:ext cx="1418897" cy="296333"/>
+            </a:xfrm>
+            <a:prstGeom prst="rect">
+              <a:avLst/>
+            </a:prstGeom>
+            <a:solidFill>
+              <a:srgbClr val="000000"/>
+            </a:solidFill>
+            <a:ln w="12700" cap="flat" cmpd="sng" algn="ctr">
+              <a:noFill/>
+              <a:prstDash val="solid"/>
+              <a:miter lim="800000"/>
+            </a:ln>
+            <a:effectLst/>
+          </p:spPr>
+          <p:style>
+            <a:lnRef idx="2">
+              <a:schemeClr val="accent1">
+                <a:shade val="15000"/>
+              </a:schemeClr>
+            </a:lnRef>
+            <a:fillRef idx="1">
+              <a:schemeClr val="accent1"/>
+            </a:fillRef>
+            <a:effectRef idx="0">
+              <a:schemeClr val="accent1"/>
+            </a:effectRef>
+            <a:fontRef idx="minor">
+              <a:schemeClr val="lt1"/>
+            </a:fontRef>
+          </p:style>
+          <p:txBody>
+            <a:bodyPr rtlCol="0" anchor="ctr"/>
+            <a:lstStyle/>
+            <a:p>
+              <a:pPr algn="ctr"/>
+              <a:r>
+                <a:rPr lang="en-US" altLang="ko-KR" sz="700"/>
+                <a:t>3rd_stp</a:t>
+              </a:r>
+              <a:br>
+                <a:rPr lang="en-US" altLang="ko-KR" sz="700"/>
+              </a:br>
+              <a:r>
+                <a:rPr lang="en-US" altLang="ko-KR" sz="700"/>
+                <a:t>RET</a:t>
+              </a:r>
+              <a:endParaRPr lang="ko-KR" altLang="en-US" sz="700"/>
+            </a:p>
+          </p:txBody>
+        </p:sp>
+        <p:sp>
+          <p:nvSpPr>
+            <p:cNvPr id="33" name="직사각형 32">
+              <a:extLst>
+                <a:ext uri="{FF2B5EF4-FFF2-40B4-BE49-F238E27FC236}">
+                  <a16:creationId xmlns:a16="http://schemas.microsoft.com/office/drawing/2014/main" id="{2E603297-293A-05CA-9A2D-E881005BE087}"/>
+                </a:ext>
+              </a:extLst>
+            </p:cNvPr>
+            <p:cNvSpPr/>
+            <p:nvPr/>
+          </p:nvSpPr>
+          <p:spPr>
+            <a:xfrm>
+              <a:off x="6982811" y="4635500"/>
+              <a:ext cx="1418897" cy="296333"/>
+            </a:xfrm>
+            <a:prstGeom prst="rect">
+              <a:avLst/>
+            </a:prstGeom>
+            <a:solidFill>
+              <a:srgbClr val="000000"/>
+            </a:solidFill>
+            <a:ln w="12700" cap="flat" cmpd="sng" algn="ctr">
+              <a:noFill/>
+              <a:prstDash val="solid"/>
+              <a:miter lim="800000"/>
+            </a:ln>
+            <a:effectLst/>
+          </p:spPr>
+          <p:style>
+            <a:lnRef idx="2">
+              <a:schemeClr val="accent1">
+                <a:shade val="15000"/>
+              </a:schemeClr>
+            </a:lnRef>
+            <a:fillRef idx="1">
+              <a:schemeClr val="accent1"/>
+            </a:fillRef>
+            <a:effectRef idx="0">
+              <a:schemeClr val="accent1"/>
+            </a:effectRef>
+            <a:fontRef idx="minor">
+              <a:schemeClr val="lt1"/>
+            </a:fontRef>
+          </p:style>
+          <p:txBody>
+            <a:bodyPr rtlCol="0" anchor="ctr"/>
+            <a:lstStyle/>
+            <a:p>
+              <a:pPr algn="ctr"/>
+              <a:r>
+                <a:rPr lang="en-US" altLang="ko-KR" sz="700"/>
+                <a:t>4th_stp</a:t>
+              </a:r>
+              <a:br>
+                <a:rPr lang="en-US" altLang="ko-KR" sz="700"/>
+              </a:br>
+              <a:r>
+                <a:rPr lang="en-US" altLang="ko-KR" sz="700"/>
+                <a:t>RET</a:t>
+              </a:r>
+              <a:endParaRPr lang="ko-KR" altLang="en-US" sz="700"/>
+            </a:p>
+          </p:txBody>
+        </p:sp>
+        <p:sp>
+          <p:nvSpPr>
+            <p:cNvPr id="34" name="직사각형 33">
+              <a:extLst>
+                <a:ext uri="{FF2B5EF4-FFF2-40B4-BE49-F238E27FC236}">
+                  <a16:creationId xmlns:a16="http://schemas.microsoft.com/office/drawing/2014/main" id="{17E3E59A-5693-5C9F-3044-3891A894359B}"/>
+                </a:ext>
+              </a:extLst>
+            </p:cNvPr>
+            <p:cNvSpPr/>
+            <p:nvPr/>
+          </p:nvSpPr>
+          <p:spPr>
+            <a:xfrm>
+              <a:off x="6982811" y="5228167"/>
+              <a:ext cx="1418897" cy="296333"/>
+            </a:xfrm>
+            <a:prstGeom prst="rect">
+              <a:avLst/>
+            </a:prstGeom>
+            <a:solidFill>
+              <a:srgbClr val="000000"/>
+            </a:solidFill>
+            <a:ln w="12700" cap="flat" cmpd="sng" algn="ctr">
+              <a:noFill/>
+              <a:prstDash val="solid"/>
+              <a:miter lim="800000"/>
+            </a:ln>
+            <a:effectLst/>
+          </p:spPr>
+          <p:style>
+            <a:lnRef idx="2">
+              <a:schemeClr val="accent1">
+                <a:shade val="15000"/>
+              </a:schemeClr>
+            </a:lnRef>
+            <a:fillRef idx="1">
+              <a:schemeClr val="accent1"/>
+            </a:fillRef>
+            <a:effectRef idx="0">
+              <a:schemeClr val="accent1"/>
+            </a:effectRef>
+            <a:fontRef idx="minor">
+              <a:schemeClr val="lt1"/>
+            </a:fontRef>
+          </p:style>
+          <p:txBody>
+            <a:bodyPr rtlCol="0" anchor="ctr"/>
+            <a:lstStyle/>
+            <a:p>
+              <a:pPr algn="ctr"/>
+              <a:r>
+                <a:rPr lang="en-US" altLang="ko-KR" sz="700"/>
+                <a:t>2nd_stp</a:t>
+              </a:r>
+              <a:br>
+                <a:rPr lang="en-US" altLang="ko-KR" sz="700"/>
+              </a:br>
+              <a:r>
+                <a:rPr lang="en-US" altLang="ko-KR" sz="700"/>
+                <a:t>RET</a:t>
+              </a:r>
+              <a:endParaRPr lang="ko-KR" altLang="en-US" sz="700"/>
+            </a:p>
+          </p:txBody>
+        </p:sp>
+        <p:sp>
+          <p:nvSpPr>
+            <p:cNvPr id="35" name="직사각형 34">
+              <a:extLst>
+                <a:ext uri="{FF2B5EF4-FFF2-40B4-BE49-F238E27FC236}">
+                  <a16:creationId xmlns:a16="http://schemas.microsoft.com/office/drawing/2014/main" id="{C3E498D9-D322-1DC1-0D10-BA4192F72BA8}"/>
+                </a:ext>
+              </a:extLst>
+            </p:cNvPr>
+            <p:cNvSpPr/>
+            <p:nvPr/>
+          </p:nvSpPr>
+          <p:spPr>
+            <a:xfrm>
+              <a:off x="6982811" y="5820833"/>
+              <a:ext cx="1418897" cy="296333"/>
+            </a:xfrm>
+            <a:prstGeom prst="rect">
+              <a:avLst/>
+            </a:prstGeom>
+            <a:solidFill>
+              <a:srgbClr val="000000"/>
+            </a:solidFill>
+            <a:ln w="12700" cap="flat" cmpd="sng" algn="ctr">
+              <a:noFill/>
+              <a:prstDash val="solid"/>
+              <a:miter lim="800000"/>
+            </a:ln>
+            <a:effectLst/>
+          </p:spPr>
+          <p:style>
+            <a:lnRef idx="2">
+              <a:schemeClr val="accent1">
+                <a:shade val="15000"/>
+              </a:schemeClr>
+            </a:lnRef>
+            <a:fillRef idx="1">
+              <a:schemeClr val="accent1"/>
+            </a:fillRef>
+            <a:effectRef idx="0">
+              <a:schemeClr val="accent1"/>
+            </a:effectRef>
+            <a:fontRef idx="minor">
+              <a:schemeClr val="lt1"/>
+            </a:fontRef>
+          </p:style>
+          <p:txBody>
+            <a:bodyPr rtlCol="0" anchor="ctr"/>
+            <a:lstStyle/>
+            <a:p>
+              <a:pPr algn="ctr"/>
+              <a:r>
+                <a:rPr lang="en-US" altLang="ko-KR" sz="700"/>
+                <a:t>1st_stp</a:t>
+              </a:r>
+              <a:br>
+                <a:rPr lang="en-US" altLang="ko-KR" sz="700"/>
+              </a:br>
+              <a:r>
+                <a:rPr lang="en-US" altLang="ko-KR" sz="700"/>
+                <a:t>RET</a:t>
+              </a:r>
+              <a:endParaRPr lang="ko-KR" altLang="en-US" sz="700"/>
+            </a:p>
+          </p:txBody>
+        </p:sp>
+        <p:sp>
+          <p:nvSpPr>
+            <p:cNvPr id="36" name="직사각형 35">
+              <a:extLst>
+                <a:ext uri="{FF2B5EF4-FFF2-40B4-BE49-F238E27FC236}">
+                  <a16:creationId xmlns:a16="http://schemas.microsoft.com/office/drawing/2014/main" id="{FF455934-03AD-BEAA-3426-D8A1A46CE62F}"/>
+                </a:ext>
+              </a:extLst>
+            </p:cNvPr>
+            <p:cNvSpPr/>
+            <p:nvPr/>
+          </p:nvSpPr>
+          <p:spPr>
+            <a:xfrm>
+              <a:off x="8401708" y="1375833"/>
+              <a:ext cx="1418897" cy="296333"/>
+            </a:xfrm>
+            <a:prstGeom prst="rect">
+              <a:avLst/>
+            </a:prstGeom>
+            <a:solidFill>
+              <a:srgbClr val="000000"/>
+            </a:solidFill>
+            <a:ln w="12700" cap="flat" cmpd="sng" algn="ctr">
+              <a:noFill/>
+              <a:prstDash val="solid"/>
+              <a:miter lim="800000"/>
+            </a:ln>
+            <a:effectLst/>
+          </p:spPr>
+          <p:style>
+            <a:lnRef idx="2">
+              <a:schemeClr val="accent1">
+                <a:shade val="15000"/>
+              </a:schemeClr>
+            </a:lnRef>
+            <a:fillRef idx="1">
+              <a:schemeClr val="accent1"/>
+            </a:fillRef>
+            <a:effectRef idx="0">
+              <a:schemeClr val="accent1"/>
+            </a:effectRef>
+            <a:fontRef idx="minor">
+              <a:schemeClr val="lt1"/>
+            </a:fontRef>
+          </p:style>
+          <p:txBody>
+            <a:bodyPr rtlCol="0" anchor="ctr"/>
+            <a:lstStyle/>
+            <a:p>
+              <a:pPr algn="ctr"/>
+              <a:r>
+                <a:rPr lang="en-US" altLang="ko-KR" sz="700"/>
+                <a:t>Cv_Frt</a:t>
+              </a:r>
+              <a:br>
+                <a:rPr lang="en-US" altLang="ko-KR" sz="700"/>
+              </a:br>
+              <a:r>
+                <a:rPr lang="en-US" altLang="ko-KR" sz="700"/>
+                <a:t>REMOVE</a:t>
+              </a:r>
+              <a:endParaRPr lang="ko-KR" altLang="en-US" sz="700"/>
+            </a:p>
+          </p:txBody>
+        </p:sp>
+        <p:sp>
+          <p:nvSpPr>
+            <p:cNvPr id="37" name="직사각형 36">
+              <a:extLst>
+                <a:ext uri="{FF2B5EF4-FFF2-40B4-BE49-F238E27FC236}">
+                  <a16:creationId xmlns:a16="http://schemas.microsoft.com/office/drawing/2014/main" id="{15D3E57A-6573-9EBB-9CA2-67523FEC7561}"/>
+                </a:ext>
+              </a:extLst>
+            </p:cNvPr>
+            <p:cNvSpPr/>
+            <p:nvPr/>
+          </p:nvSpPr>
+          <p:spPr>
+            <a:xfrm>
+              <a:off x="9820604" y="6117167"/>
+              <a:ext cx="1418897" cy="296333"/>
+            </a:xfrm>
+            <a:prstGeom prst="rect">
+              <a:avLst/>
+            </a:prstGeom>
+            <a:solidFill>
+              <a:srgbClr val="000000"/>
+            </a:solidFill>
+            <a:ln w="12700" cap="flat" cmpd="sng" algn="ctr">
+              <a:noFill/>
+              <a:prstDash val="solid"/>
+              <a:miter lim="800000"/>
+            </a:ln>
+            <a:effectLst/>
+          </p:spPr>
+          <p:style>
+            <a:lnRef idx="2">
+              <a:schemeClr val="accent1">
+                <a:shade val="15000"/>
+              </a:schemeClr>
+            </a:lnRef>
+            <a:fillRef idx="1">
+              <a:schemeClr val="accent1"/>
+            </a:fillRef>
+            <a:effectRef idx="0">
+              <a:schemeClr val="accent1"/>
+            </a:effectRef>
+            <a:fontRef idx="minor">
+              <a:schemeClr val="lt1"/>
+            </a:fontRef>
+          </p:style>
+          <p:txBody>
+            <a:bodyPr rtlCol="0" anchor="ctr"/>
+            <a:lstStyle/>
+            <a:p>
+              <a:pPr algn="ctr"/>
+              <a:r>
+                <a:rPr lang="en-US" altLang="ko-KR" sz="700"/>
+                <a:t>1st_stp</a:t>
+              </a:r>
+              <a:br>
+                <a:rPr lang="en-US" altLang="ko-KR" sz="700"/>
+              </a:br>
+              <a:r>
+                <a:rPr lang="en-US" altLang="ko-KR" sz="700"/>
+                <a:t>ADV</a:t>
+              </a:r>
+              <a:endParaRPr lang="ko-KR" altLang="en-US" sz="700"/>
+            </a:p>
+          </p:txBody>
+        </p:sp>
+        <p:sp>
+          <p:nvSpPr>
+            <p:cNvPr id="38" name="직사각형 37">
+              <a:extLst>
+                <a:ext uri="{FF2B5EF4-FFF2-40B4-BE49-F238E27FC236}">
+                  <a16:creationId xmlns:a16="http://schemas.microsoft.com/office/drawing/2014/main" id="{C388C004-E356-E25B-5D54-48DC5A8C6DC1}"/>
+                </a:ext>
+              </a:extLst>
+            </p:cNvPr>
+            <p:cNvSpPr/>
+            <p:nvPr/>
+          </p:nvSpPr>
+          <p:spPr>
+            <a:xfrm>
+              <a:off x="9820604" y="5524500"/>
+              <a:ext cx="1418897" cy="296333"/>
+            </a:xfrm>
+            <a:prstGeom prst="rect">
+              <a:avLst/>
+            </a:prstGeom>
+            <a:solidFill>
+              <a:srgbClr val="000000"/>
+            </a:solidFill>
+            <a:ln w="12700" cap="flat" cmpd="sng" algn="ctr">
+              <a:noFill/>
+              <a:prstDash val="solid"/>
+              <a:miter lim="800000"/>
+            </a:ln>
+            <a:effectLst/>
+          </p:spPr>
+          <p:style>
+            <a:lnRef idx="2">
+              <a:schemeClr val="accent1">
+                <a:shade val="15000"/>
+              </a:schemeClr>
+            </a:lnRef>
+            <a:fillRef idx="1">
+              <a:schemeClr val="accent1"/>
+            </a:fillRef>
+            <a:effectRef idx="0">
+              <a:schemeClr val="accent1"/>
+            </a:effectRef>
+            <a:fontRef idx="minor">
+              <a:schemeClr val="lt1"/>
+            </a:fontRef>
+          </p:style>
+          <p:txBody>
+            <a:bodyPr rtlCol="0" anchor="ctr"/>
+            <a:lstStyle/>
+            <a:p>
+              <a:pPr algn="ctr"/>
+              <a:r>
+                <a:rPr lang="en-US" altLang="ko-KR" sz="700"/>
+                <a:t>2nd_stp</a:t>
+              </a:r>
+              <a:br>
+                <a:rPr lang="en-US" altLang="ko-KR" sz="700"/>
+              </a:br>
+              <a:r>
+                <a:rPr lang="en-US" altLang="ko-KR" sz="700"/>
+                <a:t>ADV</a:t>
+              </a:r>
+              <a:endParaRPr lang="ko-KR" altLang="en-US" sz="700"/>
+            </a:p>
+          </p:txBody>
+        </p:sp>
+        <p:sp>
+          <p:nvSpPr>
+            <p:cNvPr id="39" name="직사각형 38">
+              <a:extLst>
+                <a:ext uri="{FF2B5EF4-FFF2-40B4-BE49-F238E27FC236}">
+                  <a16:creationId xmlns:a16="http://schemas.microsoft.com/office/drawing/2014/main" id="{499B07B3-2E63-C000-A219-C48F8D94DA1F}"/>
+                </a:ext>
+              </a:extLst>
+            </p:cNvPr>
+            <p:cNvSpPr/>
+            <p:nvPr/>
+          </p:nvSpPr>
+          <p:spPr>
+            <a:xfrm>
+              <a:off x="9820604" y="4339167"/>
+              <a:ext cx="1418897" cy="296333"/>
+            </a:xfrm>
+            <a:prstGeom prst="rect">
+              <a:avLst/>
+            </a:prstGeom>
+            <a:solidFill>
+              <a:srgbClr val="000000"/>
+            </a:solidFill>
+            <a:ln w="12700" cap="flat" cmpd="sng" algn="ctr">
+              <a:noFill/>
+              <a:prstDash val="solid"/>
+              <a:miter lim="800000"/>
+            </a:ln>
+            <a:effectLst/>
+          </p:spPr>
+          <p:style>
+            <a:lnRef idx="2">
+              <a:schemeClr val="accent1">
+                <a:shade val="15000"/>
+              </a:schemeClr>
+            </a:lnRef>
+            <a:fillRef idx="1">
+              <a:schemeClr val="accent1"/>
+            </a:fillRef>
+            <a:effectRef idx="0">
+              <a:schemeClr val="accent1"/>
+            </a:effectRef>
+            <a:fontRef idx="minor">
+              <a:schemeClr val="lt1"/>
+            </a:fontRef>
+          </p:style>
+          <p:txBody>
+            <a:bodyPr rtlCol="0" anchor="ctr"/>
+            <a:lstStyle/>
+            <a:p>
+              <a:pPr algn="ctr"/>
+              <a:r>
+                <a:rPr lang="en-US" altLang="ko-KR" sz="700"/>
+                <a:t>3rd_stp</a:t>
+              </a:r>
+              <a:br>
+                <a:rPr lang="en-US" altLang="ko-KR" sz="700"/>
+              </a:br>
+              <a:r>
+                <a:rPr lang="en-US" altLang="ko-KR" sz="700"/>
+                <a:t>ADV</a:t>
+              </a:r>
+              <a:endParaRPr lang="ko-KR" altLang="en-US" sz="700"/>
+            </a:p>
+          </p:txBody>
+        </p:sp>
+        <p:sp>
+          <p:nvSpPr>
+            <p:cNvPr id="40" name="직사각형 39">
+              <a:extLst>
+                <a:ext uri="{FF2B5EF4-FFF2-40B4-BE49-F238E27FC236}">
+                  <a16:creationId xmlns:a16="http://schemas.microsoft.com/office/drawing/2014/main" id="{B15C895C-3084-DAB5-BFE2-1CB46831663F}"/>
+                </a:ext>
+              </a:extLst>
+            </p:cNvPr>
+            <p:cNvSpPr/>
+            <p:nvPr/>
+          </p:nvSpPr>
+          <p:spPr>
+            <a:xfrm>
+              <a:off x="9820604" y="4931833"/>
+              <a:ext cx="1418897" cy="296333"/>
+            </a:xfrm>
+            <a:prstGeom prst="rect">
+              <a:avLst/>
+            </a:prstGeom>
+            <a:solidFill>
+              <a:srgbClr val="000000"/>
+            </a:solidFill>
+            <a:ln w="12700" cap="flat" cmpd="sng" algn="ctr">
+              <a:noFill/>
+              <a:prstDash val="solid"/>
+              <a:miter lim="800000"/>
+            </a:ln>
+            <a:effectLst/>
+          </p:spPr>
+          <p:style>
+            <a:lnRef idx="2">
+              <a:schemeClr val="accent1">
+                <a:shade val="15000"/>
+              </a:schemeClr>
+            </a:lnRef>
+            <a:fillRef idx="1">
+              <a:schemeClr val="accent1"/>
+            </a:fillRef>
+            <a:effectRef idx="0">
+              <a:schemeClr val="accent1"/>
+            </a:effectRef>
+            <a:fontRef idx="minor">
+              <a:schemeClr val="lt1"/>
+            </a:fontRef>
+          </p:style>
+          <p:txBody>
+            <a:bodyPr rtlCol="0" anchor="ctr"/>
+            <a:lstStyle/>
+            <a:p>
+              <a:pPr algn="ctr"/>
+              <a:r>
+                <a:rPr lang="en-US" altLang="ko-KR" sz="700"/>
+                <a:t>4th_stp</a:t>
+              </a:r>
+              <a:br>
+                <a:rPr lang="en-US" altLang="ko-KR" sz="700"/>
+              </a:br>
+              <a:r>
+                <a:rPr lang="en-US" altLang="ko-KR" sz="700"/>
+                <a:t>ADV</a:t>
+              </a:r>
+              <a:endParaRPr lang="ko-KR" altLang="en-US" sz="700"/>
+            </a:p>
+          </p:txBody>
+        </p:sp>
+        <p:cxnSp>
+          <p:nvCxnSpPr>
+            <p:cNvPr id="41" name="직선 연결선 40">
+              <a:extLst>
+                <a:ext uri="{FF2B5EF4-FFF2-40B4-BE49-F238E27FC236}">
+                  <a16:creationId xmlns:a16="http://schemas.microsoft.com/office/drawing/2014/main" id="{2FCBBB48-CE18-492A-8B61-0128EBBEC76B}"/>
+                </a:ext>
+              </a:extLst>
+            </p:cNvPr>
+            <p:cNvCxnSpPr/>
+            <p:nvPr/>
+          </p:nvCxnSpPr>
+          <p:spPr>
+            <a:xfrm>
+              <a:off x="2726121" y="1079500"/>
+              <a:ext cx="8513380" cy="0"/>
+            </a:xfrm>
+            <a:prstGeom prst="line">
+              <a:avLst/>
+            </a:prstGeom>
+            <a:ln>
+              <a:solidFill>
+                <a:srgbClr val="000000"/>
+              </a:solidFill>
+            </a:ln>
+          </p:spPr>
+          <p:style>
+            <a:lnRef idx="1">
+              <a:schemeClr val="accent1"/>
+            </a:lnRef>
+            <a:fillRef idx="0">
+              <a:schemeClr val="accent1"/>
+            </a:fillRef>
+            <a:effectRef idx="0">
+              <a:schemeClr val="accent1"/>
+            </a:effectRef>
+            <a:fontRef idx="minor">
+              <a:schemeClr val="tx1"/>
+            </a:fontRef>
+          </p:style>
+        </p:cxnSp>
+        <p:cxnSp>
+          <p:nvCxnSpPr>
+            <p:cNvPr id="42" name="직선 연결선 41">
+              <a:extLst>
+                <a:ext uri="{FF2B5EF4-FFF2-40B4-BE49-F238E27FC236}">
+                  <a16:creationId xmlns:a16="http://schemas.microsoft.com/office/drawing/2014/main" id="{395F4D94-79B2-6039-484E-BEABB23548B9}"/>
+                </a:ext>
+              </a:extLst>
+            </p:cNvPr>
+            <p:cNvCxnSpPr/>
+            <p:nvPr/>
+          </p:nvCxnSpPr>
+          <p:spPr>
+            <a:xfrm>
+              <a:off x="2726121" y="1375833"/>
+              <a:ext cx="8513380" cy="0"/>
+            </a:xfrm>
+            <a:prstGeom prst="line">
+              <a:avLst/>
+            </a:prstGeom>
+            <a:ln>
+              <a:solidFill>
+                <a:srgbClr val="000000"/>
+              </a:solidFill>
+            </a:ln>
+          </p:spPr>
+          <p:style>
+            <a:lnRef idx="1">
+              <a:schemeClr val="accent1"/>
+            </a:lnRef>
+            <a:fillRef idx="0">
+              <a:schemeClr val="accent1"/>
+            </a:fillRef>
+            <a:effectRef idx="0">
+              <a:schemeClr val="accent1"/>
+            </a:effectRef>
+            <a:fontRef idx="minor">
+              <a:schemeClr val="tx1"/>
+            </a:fontRef>
+          </p:style>
+        </p:cxnSp>
+        <p:cxnSp>
+          <p:nvCxnSpPr>
+            <p:cNvPr id="43" name="직선 연결선 42">
+              <a:extLst>
+                <a:ext uri="{FF2B5EF4-FFF2-40B4-BE49-F238E27FC236}">
+                  <a16:creationId xmlns:a16="http://schemas.microsoft.com/office/drawing/2014/main" id="{4D94E696-04A2-DEF4-5214-CA18141A2274}"/>
+                </a:ext>
+              </a:extLst>
+            </p:cNvPr>
+            <p:cNvCxnSpPr/>
+            <p:nvPr/>
+          </p:nvCxnSpPr>
+          <p:spPr>
+            <a:xfrm>
+              <a:off x="2726121" y="1672167"/>
+              <a:ext cx="8513380" cy="0"/>
+            </a:xfrm>
+            <a:prstGeom prst="line">
+              <a:avLst/>
+            </a:prstGeom>
+            <a:ln>
+              <a:solidFill>
+                <a:srgbClr val="000000"/>
+              </a:solidFill>
+            </a:ln>
+          </p:spPr>
+          <p:style>
+            <a:lnRef idx="1">
+              <a:schemeClr val="accent1"/>
+            </a:lnRef>
+            <a:fillRef idx="0">
+              <a:schemeClr val="accent1"/>
+            </a:fillRef>
+            <a:effectRef idx="0">
+              <a:schemeClr val="accent1"/>
+            </a:effectRef>
+            <a:fontRef idx="minor">
+              <a:schemeClr val="tx1"/>
+            </a:fontRef>
+          </p:style>
+        </p:cxnSp>
+        <p:cxnSp>
+          <p:nvCxnSpPr>
+            <p:cNvPr id="44" name="직선 연결선 43">
+              <a:extLst>
+                <a:ext uri="{FF2B5EF4-FFF2-40B4-BE49-F238E27FC236}">
+                  <a16:creationId xmlns:a16="http://schemas.microsoft.com/office/drawing/2014/main" id="{022F314F-8772-0112-813C-42030C52A77B}"/>
+                </a:ext>
+              </a:extLst>
+            </p:cNvPr>
+            <p:cNvCxnSpPr/>
+            <p:nvPr/>
+          </p:nvCxnSpPr>
+          <p:spPr>
+            <a:xfrm>
+              <a:off x="2726121" y="1968500"/>
+              <a:ext cx="8513380" cy="0"/>
+            </a:xfrm>
+            <a:prstGeom prst="line">
+              <a:avLst/>
+            </a:prstGeom>
+            <a:ln>
+              <a:solidFill>
+                <a:srgbClr val="000000"/>
+              </a:solidFill>
+            </a:ln>
+          </p:spPr>
+          <p:style>
+            <a:lnRef idx="1">
+              <a:schemeClr val="accent1"/>
+            </a:lnRef>
+            <a:fillRef idx="0">
+              <a:schemeClr val="accent1"/>
+            </a:fillRef>
+            <a:effectRef idx="0">
+              <a:schemeClr val="accent1"/>
+            </a:effectRef>
+            <a:fontRef idx="minor">
+              <a:schemeClr val="tx1"/>
+            </a:fontRef>
+          </p:style>
+        </p:cxnSp>
+        <p:cxnSp>
+          <p:nvCxnSpPr>
+            <p:cNvPr id="45" name="직선 연결선 44">
+              <a:extLst>
+                <a:ext uri="{FF2B5EF4-FFF2-40B4-BE49-F238E27FC236}">
+                  <a16:creationId xmlns:a16="http://schemas.microsoft.com/office/drawing/2014/main" id="{F6B13664-23BC-2EE0-B571-739FB5065589}"/>
+                </a:ext>
+              </a:extLst>
+            </p:cNvPr>
+            <p:cNvCxnSpPr/>
+            <p:nvPr/>
+          </p:nvCxnSpPr>
+          <p:spPr>
+            <a:xfrm>
+              <a:off x="2726121" y="2264833"/>
+              <a:ext cx="8513380" cy="0"/>
+            </a:xfrm>
+            <a:prstGeom prst="line">
+              <a:avLst/>
+            </a:prstGeom>
+            <a:ln>
+              <a:solidFill>
+                <a:srgbClr val="000000"/>
+              </a:solidFill>
+            </a:ln>
+          </p:spPr>
+          <p:style>
+            <a:lnRef idx="1">
+              <a:schemeClr val="accent1"/>
+            </a:lnRef>
+            <a:fillRef idx="0">
+              <a:schemeClr val="accent1"/>
+            </a:fillRef>
+            <a:effectRef idx="0">
+              <a:schemeClr val="accent1"/>
+            </a:effectRef>
+            <a:fontRef idx="minor">
+              <a:schemeClr val="tx1"/>
+            </a:fontRef>
+          </p:style>
+        </p:cxnSp>
+        <p:cxnSp>
+          <p:nvCxnSpPr>
+            <p:cNvPr id="46" name="직선 연결선 45">
+              <a:extLst>
+                <a:ext uri="{FF2B5EF4-FFF2-40B4-BE49-F238E27FC236}">
+                  <a16:creationId xmlns:a16="http://schemas.microsoft.com/office/drawing/2014/main" id="{FBFC07B3-D147-9696-3188-F38A921A316E}"/>
+                </a:ext>
+              </a:extLst>
+            </p:cNvPr>
+            <p:cNvCxnSpPr/>
+            <p:nvPr/>
+          </p:nvCxnSpPr>
+          <p:spPr>
+            <a:xfrm>
+              <a:off x="2726121" y="2561167"/>
+              <a:ext cx="8513380" cy="0"/>
+            </a:xfrm>
+            <a:prstGeom prst="line">
+              <a:avLst/>
+            </a:prstGeom>
+            <a:ln>
+              <a:solidFill>
+                <a:srgbClr val="000000"/>
+              </a:solidFill>
+            </a:ln>
+          </p:spPr>
+          <p:style>
+            <a:lnRef idx="1">
+              <a:schemeClr val="accent1"/>
+            </a:lnRef>
+            <a:fillRef idx="0">
+              <a:schemeClr val="accent1"/>
+            </a:fillRef>
+            <a:effectRef idx="0">
+              <a:schemeClr val="accent1"/>
+            </a:effectRef>
+            <a:fontRef idx="minor">
+              <a:schemeClr val="tx1"/>
+            </a:fontRef>
+          </p:style>
+        </p:cxnSp>
+        <p:cxnSp>
+          <p:nvCxnSpPr>
+            <p:cNvPr id="47" name="직선 연결선 46">
+              <a:extLst>
+                <a:ext uri="{FF2B5EF4-FFF2-40B4-BE49-F238E27FC236}">
+                  <a16:creationId xmlns:a16="http://schemas.microsoft.com/office/drawing/2014/main" id="{FCC95DAC-061D-874F-E971-505E2D2822DC}"/>
+                </a:ext>
+              </a:extLst>
+            </p:cNvPr>
+            <p:cNvCxnSpPr/>
+            <p:nvPr/>
+          </p:nvCxnSpPr>
+          <p:spPr>
+            <a:xfrm>
+              <a:off x="2726121" y="2857500"/>
+              <a:ext cx="8513380" cy="0"/>
+            </a:xfrm>
+            <a:prstGeom prst="line">
+              <a:avLst/>
+            </a:prstGeom>
+            <a:ln>
+              <a:solidFill>
+                <a:srgbClr val="000000"/>
+              </a:solidFill>
+            </a:ln>
+          </p:spPr>
+          <p:style>
+            <a:lnRef idx="1">
+              <a:schemeClr val="accent1"/>
+            </a:lnRef>
+            <a:fillRef idx="0">
+              <a:schemeClr val="accent1"/>
+            </a:fillRef>
+            <a:effectRef idx="0">
+              <a:schemeClr val="accent1"/>
+            </a:effectRef>
+            <a:fontRef idx="minor">
+              <a:schemeClr val="tx1"/>
+            </a:fontRef>
+          </p:style>
+        </p:cxnSp>
+        <p:cxnSp>
+          <p:nvCxnSpPr>
+            <p:cNvPr id="48" name="직선 연결선 47">
+              <a:extLst>
+                <a:ext uri="{FF2B5EF4-FFF2-40B4-BE49-F238E27FC236}">
+                  <a16:creationId xmlns:a16="http://schemas.microsoft.com/office/drawing/2014/main" id="{0937AE09-984D-937E-3406-B0D92F59210C}"/>
+                </a:ext>
+              </a:extLst>
+            </p:cNvPr>
+            <p:cNvCxnSpPr/>
+            <p:nvPr/>
+          </p:nvCxnSpPr>
+          <p:spPr>
+            <a:xfrm>
+              <a:off x="2726121" y="3153833"/>
+              <a:ext cx="8513380" cy="0"/>
+            </a:xfrm>
+            <a:prstGeom prst="line">
+              <a:avLst/>
+            </a:prstGeom>
+            <a:ln>
+              <a:solidFill>
+                <a:srgbClr val="000000"/>
+              </a:solidFill>
+            </a:ln>
+          </p:spPr>
+          <p:style>
+            <a:lnRef idx="1">
+              <a:schemeClr val="accent1"/>
+            </a:lnRef>
+            <a:fillRef idx="0">
+              <a:schemeClr val="accent1"/>
+            </a:fillRef>
+            <a:effectRef idx="0">
+              <a:schemeClr val="accent1"/>
+            </a:effectRef>
+            <a:fontRef idx="minor">
+              <a:schemeClr val="tx1"/>
+            </a:fontRef>
+          </p:style>
+        </p:cxnSp>
+        <p:cxnSp>
+          <p:nvCxnSpPr>
+            <p:cNvPr id="49" name="직선 연결선 48">
+              <a:extLst>
+                <a:ext uri="{FF2B5EF4-FFF2-40B4-BE49-F238E27FC236}">
+                  <a16:creationId xmlns:a16="http://schemas.microsoft.com/office/drawing/2014/main" id="{8FE203FE-0EB1-A1FC-54E8-3640C2F1821A}"/>
+                </a:ext>
+              </a:extLst>
+            </p:cNvPr>
+            <p:cNvCxnSpPr/>
+            <p:nvPr/>
+          </p:nvCxnSpPr>
+          <p:spPr>
+            <a:xfrm>
+              <a:off x="2726121" y="3450167"/>
+              <a:ext cx="8513380" cy="0"/>
+            </a:xfrm>
+            <a:prstGeom prst="line">
+              <a:avLst/>
+            </a:prstGeom>
+            <a:ln>
+              <a:solidFill>
+                <a:srgbClr val="000000"/>
+              </a:solidFill>
+            </a:ln>
+          </p:spPr>
+          <p:style>
+            <a:lnRef idx="1">
+              <a:schemeClr val="accent1"/>
+            </a:lnRef>
+            <a:fillRef idx="0">
+              <a:schemeClr val="accent1"/>
+            </a:fillRef>
+            <a:effectRef idx="0">
+              <a:schemeClr val="accent1"/>
+            </a:effectRef>
+            <a:fontRef idx="minor">
+              <a:schemeClr val="tx1"/>
+            </a:fontRef>
+          </p:style>
+        </p:cxnSp>
+        <p:cxnSp>
+          <p:nvCxnSpPr>
+            <p:cNvPr id="50" name="직선 연결선 49">
+              <a:extLst>
+                <a:ext uri="{FF2B5EF4-FFF2-40B4-BE49-F238E27FC236}">
+                  <a16:creationId xmlns:a16="http://schemas.microsoft.com/office/drawing/2014/main" id="{C406D27B-3108-D573-D911-D4C40E5AA2BA}"/>
+                </a:ext>
+              </a:extLst>
+            </p:cNvPr>
+            <p:cNvCxnSpPr/>
+            <p:nvPr/>
+          </p:nvCxnSpPr>
+          <p:spPr>
+            <a:xfrm>
+              <a:off x="2726121" y="3746500"/>
+              <a:ext cx="8513380" cy="0"/>
+            </a:xfrm>
+            <a:prstGeom prst="line">
+              <a:avLst/>
+            </a:prstGeom>
+            <a:ln>
+              <a:solidFill>
+                <a:srgbClr val="000000"/>
+              </a:solidFill>
+            </a:ln>
+          </p:spPr>
+          <p:style>
+            <a:lnRef idx="1">
+              <a:schemeClr val="accent1"/>
+            </a:lnRef>
+            <a:fillRef idx="0">
+              <a:schemeClr val="accent1"/>
+            </a:fillRef>
+            <a:effectRef idx="0">
+              <a:schemeClr val="accent1"/>
+            </a:effectRef>
+            <a:fontRef idx="minor">
+              <a:schemeClr val="tx1"/>
+            </a:fontRef>
+          </p:style>
+        </p:cxnSp>
+        <p:cxnSp>
+          <p:nvCxnSpPr>
+            <p:cNvPr id="51" name="직선 연결선 50">
+              <a:extLst>
+                <a:ext uri="{FF2B5EF4-FFF2-40B4-BE49-F238E27FC236}">
+                  <a16:creationId xmlns:a16="http://schemas.microsoft.com/office/drawing/2014/main" id="{158F7C33-E9D1-3562-CF26-B237A7AE21BA}"/>
+                </a:ext>
+              </a:extLst>
+            </p:cNvPr>
+            <p:cNvCxnSpPr/>
+            <p:nvPr/>
+          </p:nvCxnSpPr>
+          <p:spPr>
+            <a:xfrm>
+              <a:off x="2726121" y="4042833"/>
+              <a:ext cx="8513380" cy="0"/>
+            </a:xfrm>
+            <a:prstGeom prst="line">
+              <a:avLst/>
+            </a:prstGeom>
+            <a:ln>
+              <a:solidFill>
+                <a:srgbClr val="000000"/>
+              </a:solidFill>
+            </a:ln>
+          </p:spPr>
+          <p:style>
+            <a:lnRef idx="1">
+              <a:schemeClr val="accent1"/>
+            </a:lnRef>
+            <a:fillRef idx="0">
+              <a:schemeClr val="accent1"/>
+            </a:fillRef>
+            <a:effectRef idx="0">
+              <a:schemeClr val="accent1"/>
+            </a:effectRef>
+            <a:fontRef idx="minor">
+              <a:schemeClr val="tx1"/>
+            </a:fontRef>
+          </p:style>
+        </p:cxnSp>
+        <p:cxnSp>
+          <p:nvCxnSpPr>
+            <p:cNvPr id="52" name="직선 연결선 51">
+              <a:extLst>
+                <a:ext uri="{FF2B5EF4-FFF2-40B4-BE49-F238E27FC236}">
+                  <a16:creationId xmlns:a16="http://schemas.microsoft.com/office/drawing/2014/main" id="{8E0D06D7-576F-F9F3-279D-161D058AB8DE}"/>
+                </a:ext>
+              </a:extLst>
+            </p:cNvPr>
+            <p:cNvCxnSpPr/>
+            <p:nvPr/>
+          </p:nvCxnSpPr>
+          <p:spPr>
+            <a:xfrm>
+              <a:off x="2726121" y="4339167"/>
+              <a:ext cx="8513380" cy="0"/>
+            </a:xfrm>
+            <a:prstGeom prst="line">
+              <a:avLst/>
+            </a:prstGeom>
+            <a:ln>
+              <a:solidFill>
+                <a:srgbClr val="000000"/>
+              </a:solidFill>
+            </a:ln>
+          </p:spPr>
+          <p:style>
+            <a:lnRef idx="1">
+              <a:schemeClr val="accent1"/>
+            </a:lnRef>
+            <a:fillRef idx="0">
+              <a:schemeClr val="accent1"/>
+            </a:fillRef>
+            <a:effectRef idx="0">
+              <a:schemeClr val="accent1"/>
+            </a:effectRef>
+            <a:fontRef idx="minor">
+              <a:schemeClr val="tx1"/>
+            </a:fontRef>
+          </p:style>
+        </p:cxnSp>
+        <p:cxnSp>
+          <p:nvCxnSpPr>
+            <p:cNvPr id="53" name="직선 연결선 52">
+              <a:extLst>
+                <a:ext uri="{FF2B5EF4-FFF2-40B4-BE49-F238E27FC236}">
+                  <a16:creationId xmlns:a16="http://schemas.microsoft.com/office/drawing/2014/main" id="{5EC835F0-BDDE-04EA-101B-56AC90CBABEA}"/>
+                </a:ext>
+              </a:extLst>
+            </p:cNvPr>
+            <p:cNvCxnSpPr/>
+            <p:nvPr/>
+          </p:nvCxnSpPr>
+          <p:spPr>
+            <a:xfrm>
+              <a:off x="2726121" y="4635500"/>
+              <a:ext cx="8513380" cy="0"/>
+            </a:xfrm>
+            <a:prstGeom prst="line">
+              <a:avLst/>
+            </a:prstGeom>
+            <a:ln>
+              <a:solidFill>
+                <a:srgbClr val="000000"/>
+              </a:solidFill>
+            </a:ln>
+          </p:spPr>
+          <p:style>
+            <a:lnRef idx="1">
+              <a:schemeClr val="accent1"/>
+            </a:lnRef>
+            <a:fillRef idx="0">
+              <a:schemeClr val="accent1"/>
+            </a:fillRef>
+            <a:effectRef idx="0">
+              <a:schemeClr val="accent1"/>
+            </a:effectRef>
+            <a:fontRef idx="minor">
+              <a:schemeClr val="tx1"/>
+            </a:fontRef>
+          </p:style>
+        </p:cxnSp>
+        <p:cxnSp>
+          <p:nvCxnSpPr>
+            <p:cNvPr id="54" name="직선 연결선 53">
+              <a:extLst>
+                <a:ext uri="{FF2B5EF4-FFF2-40B4-BE49-F238E27FC236}">
+                  <a16:creationId xmlns:a16="http://schemas.microsoft.com/office/drawing/2014/main" id="{336C4B76-0B38-F8EA-825D-A034D30954F4}"/>
+                </a:ext>
+              </a:extLst>
+            </p:cNvPr>
+            <p:cNvCxnSpPr/>
+            <p:nvPr/>
+          </p:nvCxnSpPr>
+          <p:spPr>
+            <a:xfrm>
+              <a:off x="2726121" y="4931833"/>
+              <a:ext cx="8513380" cy="0"/>
+            </a:xfrm>
+            <a:prstGeom prst="line">
+              <a:avLst/>
+            </a:prstGeom>
+            <a:ln>
+              <a:solidFill>
+                <a:srgbClr val="000000"/>
+              </a:solidFill>
+            </a:ln>
+          </p:spPr>
+          <p:style>
+            <a:lnRef idx="1">
+              <a:schemeClr val="accent1"/>
+            </a:lnRef>
+            <a:fillRef idx="0">
+              <a:schemeClr val="accent1"/>
+            </a:fillRef>
+            <a:effectRef idx="0">
+              <a:schemeClr val="accent1"/>
+            </a:effectRef>
+            <a:fontRef idx="minor">
+              <a:schemeClr val="tx1"/>
+            </a:fontRef>
+          </p:style>
+        </p:cxnSp>
+        <p:cxnSp>
+          <p:nvCxnSpPr>
+            <p:cNvPr id="55" name="직선 연결선 54">
+              <a:extLst>
+                <a:ext uri="{FF2B5EF4-FFF2-40B4-BE49-F238E27FC236}">
+                  <a16:creationId xmlns:a16="http://schemas.microsoft.com/office/drawing/2014/main" id="{30A2D645-1AC7-F173-73F6-3DC8531B481F}"/>
+                </a:ext>
+              </a:extLst>
+            </p:cNvPr>
+            <p:cNvCxnSpPr/>
+            <p:nvPr/>
+          </p:nvCxnSpPr>
+          <p:spPr>
+            <a:xfrm>
+              <a:off x="2726121" y="5228167"/>
+              <a:ext cx="8513380" cy="0"/>
+            </a:xfrm>
+            <a:prstGeom prst="line">
+              <a:avLst/>
+            </a:prstGeom>
+            <a:ln>
+              <a:solidFill>
+                <a:srgbClr val="000000"/>
+              </a:solidFill>
+            </a:ln>
+          </p:spPr>
+          <p:style>
+            <a:lnRef idx="1">
+              <a:schemeClr val="accent1"/>
+            </a:lnRef>
+            <a:fillRef idx="0">
+              <a:schemeClr val="accent1"/>
+            </a:fillRef>
+            <a:effectRef idx="0">
+              <a:schemeClr val="accent1"/>
+            </a:effectRef>
+            <a:fontRef idx="minor">
+              <a:schemeClr val="tx1"/>
+            </a:fontRef>
+          </p:style>
+        </p:cxnSp>
+        <p:cxnSp>
+          <p:nvCxnSpPr>
+            <p:cNvPr id="56" name="직선 연결선 55">
+              <a:extLst>
+                <a:ext uri="{FF2B5EF4-FFF2-40B4-BE49-F238E27FC236}">
+                  <a16:creationId xmlns:a16="http://schemas.microsoft.com/office/drawing/2014/main" id="{65DDD739-EDAB-189D-1C41-0DEDBFB790AE}"/>
+                </a:ext>
+              </a:extLst>
+            </p:cNvPr>
+            <p:cNvCxnSpPr/>
+            <p:nvPr/>
+          </p:nvCxnSpPr>
+          <p:spPr>
+            <a:xfrm>
+              <a:off x="2726121" y="5524500"/>
+              <a:ext cx="8513380" cy="0"/>
+            </a:xfrm>
+            <a:prstGeom prst="line">
+              <a:avLst/>
+            </a:prstGeom>
+            <a:ln>
+              <a:solidFill>
+                <a:srgbClr val="000000"/>
+              </a:solidFill>
+            </a:ln>
+          </p:spPr>
+          <p:style>
+            <a:lnRef idx="1">
+              <a:schemeClr val="accent1"/>
+            </a:lnRef>
+            <a:fillRef idx="0">
+              <a:schemeClr val="accent1"/>
+            </a:fillRef>
+            <a:effectRef idx="0">
+              <a:schemeClr val="accent1"/>
+            </a:effectRef>
+            <a:fontRef idx="minor">
+              <a:schemeClr val="tx1"/>
+            </a:fontRef>
+          </p:style>
+        </p:cxnSp>
+        <p:cxnSp>
+          <p:nvCxnSpPr>
+            <p:cNvPr id="57" name="직선 연결선 56">
+              <a:extLst>
+                <a:ext uri="{FF2B5EF4-FFF2-40B4-BE49-F238E27FC236}">
+                  <a16:creationId xmlns:a16="http://schemas.microsoft.com/office/drawing/2014/main" id="{85E49239-2C6C-B1D1-5A31-EA9D8DED012C}"/>
+                </a:ext>
+              </a:extLst>
+            </p:cNvPr>
+            <p:cNvCxnSpPr/>
+            <p:nvPr/>
+          </p:nvCxnSpPr>
+          <p:spPr>
+            <a:xfrm>
+              <a:off x="2726121" y="5820833"/>
+              <a:ext cx="8513380" cy="0"/>
+            </a:xfrm>
+            <a:prstGeom prst="line">
+              <a:avLst/>
+            </a:prstGeom>
+            <a:ln>
+              <a:solidFill>
+                <a:srgbClr val="000000"/>
+              </a:solidFill>
+            </a:ln>
+          </p:spPr>
+          <p:style>
+            <a:lnRef idx="1">
+              <a:schemeClr val="accent1"/>
+            </a:lnRef>
+            <a:fillRef idx="0">
+              <a:schemeClr val="accent1"/>
+            </a:fillRef>
+            <a:effectRef idx="0">
+              <a:schemeClr val="accent1"/>
+            </a:effectRef>
+            <a:fontRef idx="minor">
+              <a:schemeClr val="tx1"/>
+            </a:fontRef>
+          </p:style>
+        </p:cxnSp>
+        <p:cxnSp>
+          <p:nvCxnSpPr>
+            <p:cNvPr id="58" name="직선 연결선 57">
+              <a:extLst>
+                <a:ext uri="{FF2B5EF4-FFF2-40B4-BE49-F238E27FC236}">
+                  <a16:creationId xmlns:a16="http://schemas.microsoft.com/office/drawing/2014/main" id="{353C0A64-7C73-18B2-B0B0-90110127834F}"/>
+                </a:ext>
+              </a:extLst>
+            </p:cNvPr>
+            <p:cNvCxnSpPr/>
+            <p:nvPr/>
+          </p:nvCxnSpPr>
+          <p:spPr>
+            <a:xfrm>
+              <a:off x="2726121" y="6117167"/>
+              <a:ext cx="8513380" cy="0"/>
+            </a:xfrm>
+            <a:prstGeom prst="line">
+              <a:avLst/>
+            </a:prstGeom>
+            <a:ln>
+              <a:solidFill>
+                <a:srgbClr val="000000"/>
+              </a:solidFill>
+            </a:ln>
+          </p:spPr>
+          <p:style>
+            <a:lnRef idx="1">
+              <a:schemeClr val="accent1"/>
+            </a:lnRef>
+            <a:fillRef idx="0">
+              <a:schemeClr val="accent1"/>
+            </a:fillRef>
+            <a:effectRef idx="0">
+              <a:schemeClr val="accent1"/>
+            </a:effectRef>
+            <a:fontRef idx="minor">
+              <a:schemeClr val="tx1"/>
+            </a:fontRef>
+          </p:style>
+        </p:cxnSp>
+        <p:cxnSp>
+          <p:nvCxnSpPr>
+            <p:cNvPr id="59" name="직선 연결선 58">
+              <a:extLst>
+                <a:ext uri="{FF2B5EF4-FFF2-40B4-BE49-F238E27FC236}">
+                  <a16:creationId xmlns:a16="http://schemas.microsoft.com/office/drawing/2014/main" id="{8AA26414-74D9-882C-2A57-C5F297182298}"/>
+                </a:ext>
+              </a:extLst>
+            </p:cNvPr>
+            <p:cNvCxnSpPr/>
+            <p:nvPr/>
+          </p:nvCxnSpPr>
+          <p:spPr>
+            <a:xfrm>
+              <a:off x="2726121" y="6413500"/>
+              <a:ext cx="8513380" cy="0"/>
+            </a:xfrm>
+            <a:prstGeom prst="line">
+              <a:avLst/>
+            </a:prstGeom>
+            <a:ln>
+              <a:solidFill>
+                <a:srgbClr val="000000"/>
+              </a:solidFill>
+            </a:ln>
+          </p:spPr>
+          <p:style>
+            <a:lnRef idx="1">
+              <a:schemeClr val="accent1"/>
+            </a:lnRef>
+            <a:fillRef idx="0">
+              <a:schemeClr val="accent1"/>
+            </a:fillRef>
+            <a:effectRef idx="0">
+              <a:schemeClr val="accent1"/>
+            </a:effectRef>
+            <a:fontRef idx="minor">
+              <a:schemeClr val="tx1"/>
+            </a:fontRef>
+          </p:style>
+        </p:cxnSp>
+        <p:cxnSp>
+          <p:nvCxnSpPr>
+            <p:cNvPr id="60" name="직선 연결선 59">
+              <a:extLst>
+                <a:ext uri="{FF2B5EF4-FFF2-40B4-BE49-F238E27FC236}">
+                  <a16:creationId xmlns:a16="http://schemas.microsoft.com/office/drawing/2014/main" id="{017B1CAB-67C2-F5E2-EDDA-9E0302690086}"/>
+                </a:ext>
+              </a:extLst>
+            </p:cNvPr>
+            <p:cNvCxnSpPr/>
+            <p:nvPr/>
+          </p:nvCxnSpPr>
+          <p:spPr>
+            <a:xfrm>
+              <a:off x="2726121" y="1079500"/>
+              <a:ext cx="0" cy="5334000"/>
+            </a:xfrm>
+            <a:prstGeom prst="line">
+              <a:avLst/>
+            </a:prstGeom>
+            <a:ln>
+              <a:solidFill>
+                <a:srgbClr val="000000"/>
+              </a:solidFill>
+            </a:ln>
+          </p:spPr>
+          <p:style>
+            <a:lnRef idx="1">
+              <a:schemeClr val="accent1"/>
+            </a:lnRef>
+            <a:fillRef idx="0">
+              <a:schemeClr val="accent1"/>
+            </a:fillRef>
+            <a:effectRef idx="0">
+              <a:schemeClr val="accent1"/>
+            </a:effectRef>
+            <a:fontRef idx="minor">
+              <a:schemeClr val="tx1"/>
+            </a:fontRef>
+          </p:style>
+        </p:cxnSp>
+        <p:cxnSp>
+          <p:nvCxnSpPr>
+            <p:cNvPr id="61" name="직선 연결선 60">
+              <a:extLst>
+                <a:ext uri="{FF2B5EF4-FFF2-40B4-BE49-F238E27FC236}">
+                  <a16:creationId xmlns:a16="http://schemas.microsoft.com/office/drawing/2014/main" id="{459548E8-43C7-2700-7AE2-0512CE55E292}"/>
+                </a:ext>
+              </a:extLst>
+            </p:cNvPr>
+            <p:cNvCxnSpPr/>
+            <p:nvPr/>
+          </p:nvCxnSpPr>
+          <p:spPr>
+            <a:xfrm>
+              <a:off x="4145018" y="1079500"/>
+              <a:ext cx="0" cy="5334000"/>
+            </a:xfrm>
+            <a:prstGeom prst="line">
+              <a:avLst/>
+            </a:prstGeom>
+            <a:ln>
+              <a:solidFill>
+                <a:srgbClr val="000000"/>
+              </a:solidFill>
+            </a:ln>
+          </p:spPr>
+          <p:style>
+            <a:lnRef idx="1">
+              <a:schemeClr val="accent1"/>
+            </a:lnRef>
+            <a:fillRef idx="0">
+              <a:schemeClr val="accent1"/>
+            </a:fillRef>
+            <a:effectRef idx="0">
+              <a:schemeClr val="accent1"/>
+            </a:effectRef>
+            <a:fontRef idx="minor">
+              <a:schemeClr val="tx1"/>
+            </a:fontRef>
+          </p:style>
+        </p:cxnSp>
+        <p:cxnSp>
+          <p:nvCxnSpPr>
+            <p:cNvPr id="62" name="직선 연결선 61">
+              <a:extLst>
+                <a:ext uri="{FF2B5EF4-FFF2-40B4-BE49-F238E27FC236}">
+                  <a16:creationId xmlns:a16="http://schemas.microsoft.com/office/drawing/2014/main" id="{D5D9C7EB-A78F-785A-00A3-B54BA60983CD}"/>
+                </a:ext>
+              </a:extLst>
+            </p:cNvPr>
+            <p:cNvCxnSpPr/>
+            <p:nvPr/>
+          </p:nvCxnSpPr>
+          <p:spPr>
+            <a:xfrm>
+              <a:off x="5563914" y="1079500"/>
+              <a:ext cx="0" cy="5334000"/>
+            </a:xfrm>
+            <a:prstGeom prst="line">
+              <a:avLst/>
+            </a:prstGeom>
+            <a:ln>
+              <a:solidFill>
+                <a:srgbClr val="000000"/>
+              </a:solidFill>
+            </a:ln>
+          </p:spPr>
+          <p:style>
+            <a:lnRef idx="1">
+              <a:schemeClr val="accent1"/>
+            </a:lnRef>
+            <a:fillRef idx="0">
+              <a:schemeClr val="accent1"/>
+            </a:fillRef>
+            <a:effectRef idx="0">
+              <a:schemeClr val="accent1"/>
+            </a:effectRef>
+            <a:fontRef idx="minor">
+              <a:schemeClr val="tx1"/>
+            </a:fontRef>
+          </p:style>
+        </p:cxnSp>
+        <p:cxnSp>
+          <p:nvCxnSpPr>
+            <p:cNvPr id="63" name="직선 연결선 62">
+              <a:extLst>
+                <a:ext uri="{FF2B5EF4-FFF2-40B4-BE49-F238E27FC236}">
+                  <a16:creationId xmlns:a16="http://schemas.microsoft.com/office/drawing/2014/main" id="{50B0FBF2-C8EF-271C-26CD-F1FE0722F08E}"/>
+                </a:ext>
+              </a:extLst>
+            </p:cNvPr>
+            <p:cNvCxnSpPr/>
+            <p:nvPr/>
+          </p:nvCxnSpPr>
+          <p:spPr>
+            <a:xfrm>
+              <a:off x="6982811" y="1079500"/>
+              <a:ext cx="0" cy="5334000"/>
+            </a:xfrm>
+            <a:prstGeom prst="line">
+              <a:avLst/>
+            </a:prstGeom>
+            <a:ln>
+              <a:solidFill>
+                <a:srgbClr val="000000"/>
+              </a:solidFill>
+            </a:ln>
+          </p:spPr>
+          <p:style>
+            <a:lnRef idx="1">
+              <a:schemeClr val="accent1"/>
+            </a:lnRef>
+            <a:fillRef idx="0">
+              <a:schemeClr val="accent1"/>
+            </a:fillRef>
+            <a:effectRef idx="0">
+              <a:schemeClr val="accent1"/>
+            </a:effectRef>
+            <a:fontRef idx="minor">
+              <a:schemeClr val="tx1"/>
+            </a:fontRef>
+          </p:style>
+        </p:cxnSp>
+        <p:cxnSp>
+          <p:nvCxnSpPr>
+            <p:cNvPr id="64" name="직선 연결선 63">
+              <a:extLst>
+                <a:ext uri="{FF2B5EF4-FFF2-40B4-BE49-F238E27FC236}">
+                  <a16:creationId xmlns:a16="http://schemas.microsoft.com/office/drawing/2014/main" id="{562F63A4-F255-B3C2-24B9-515897B95966}"/>
+                </a:ext>
+              </a:extLst>
+            </p:cNvPr>
+            <p:cNvCxnSpPr/>
+            <p:nvPr/>
+          </p:nvCxnSpPr>
+          <p:spPr>
+            <a:xfrm>
+              <a:off x="8401708" y="1079500"/>
+              <a:ext cx="0" cy="5334000"/>
+            </a:xfrm>
+            <a:prstGeom prst="line">
+              <a:avLst/>
+            </a:prstGeom>
+            <a:ln>
+              <a:solidFill>
+                <a:srgbClr val="000000"/>
+              </a:solidFill>
+            </a:ln>
+          </p:spPr>
+          <p:style>
+            <a:lnRef idx="1">
+              <a:schemeClr val="accent1"/>
+            </a:lnRef>
+            <a:fillRef idx="0">
+              <a:schemeClr val="accent1"/>
+            </a:fillRef>
+            <a:effectRef idx="0">
+              <a:schemeClr val="accent1"/>
+            </a:effectRef>
+            <a:fontRef idx="minor">
+              <a:schemeClr val="tx1"/>
+            </a:fontRef>
+          </p:style>
+        </p:cxnSp>
+        <p:cxnSp>
+          <p:nvCxnSpPr>
+            <p:cNvPr id="65" name="직선 연결선 64">
+              <a:extLst>
+                <a:ext uri="{FF2B5EF4-FFF2-40B4-BE49-F238E27FC236}">
+                  <a16:creationId xmlns:a16="http://schemas.microsoft.com/office/drawing/2014/main" id="{A9C5F626-1C71-256A-198E-4928768DA2F6}"/>
+                </a:ext>
+              </a:extLst>
+            </p:cNvPr>
+            <p:cNvCxnSpPr/>
+            <p:nvPr/>
+          </p:nvCxnSpPr>
+          <p:spPr>
+            <a:xfrm>
+              <a:off x="9820604" y="1079500"/>
+              <a:ext cx="0" cy="5334000"/>
+            </a:xfrm>
+            <a:prstGeom prst="line">
+              <a:avLst/>
+            </a:prstGeom>
+            <a:ln>
+              <a:solidFill>
+                <a:srgbClr val="000000"/>
+              </a:solidFill>
+            </a:ln>
+          </p:spPr>
+          <p:style>
+            <a:lnRef idx="1">
+              <a:schemeClr val="accent1"/>
+            </a:lnRef>
+            <a:fillRef idx="0">
+              <a:schemeClr val="accent1"/>
+            </a:fillRef>
+            <a:effectRef idx="0">
+              <a:schemeClr val="accent1"/>
+            </a:effectRef>
+            <a:fontRef idx="minor">
+              <a:schemeClr val="tx1"/>
+            </a:fontRef>
+          </p:style>
+        </p:cxnSp>
+        <p:cxnSp>
+          <p:nvCxnSpPr>
+            <p:cNvPr id="66" name="직선 연결선 65">
+              <a:extLst>
+                <a:ext uri="{FF2B5EF4-FFF2-40B4-BE49-F238E27FC236}">
+                  <a16:creationId xmlns:a16="http://schemas.microsoft.com/office/drawing/2014/main" id="{9F993E05-174A-3B98-428C-156F4A429FE6}"/>
+                </a:ext>
+              </a:extLst>
+            </p:cNvPr>
+            <p:cNvCxnSpPr/>
+            <p:nvPr/>
+          </p:nvCxnSpPr>
+          <p:spPr>
+            <a:xfrm>
+              <a:off x="11239501" y="1079500"/>
+              <a:ext cx="0" cy="5334000"/>
+            </a:xfrm>
+            <a:prstGeom prst="line">
+              <a:avLst/>
+            </a:prstGeom>
+            <a:ln>
+              <a:solidFill>
+                <a:srgbClr val="000000"/>
+              </a:solidFill>
+            </a:ln>
+          </p:spPr>
+          <p:style>
+            <a:lnRef idx="1">
+              <a:schemeClr val="accent1"/>
+            </a:lnRef>
+            <a:fillRef idx="0">
+              <a:schemeClr val="accent1"/>
+            </a:fillRef>
+            <a:effectRef idx="0">
+              <a:schemeClr val="accent1"/>
+            </a:effectRef>
+            <a:fontRef idx="minor">
+              <a:schemeClr val="tx1"/>
+            </a:fontRef>
+          </p:style>
+        </p:cxnSp>
+      </p:grpSp>
+    </p:spTree>
+    <p:extLst>
+      <p:ext uri="{BB962C8B-B14F-4D97-AF65-F5344CB8AC3E}">
+        <p14:creationId xmlns:p14="http://schemas.microsoft.com/office/powerpoint/2010/main" val="3909377473"/>
       </p:ext>
     </p:extLst>
   </p:cSld>
@@ -9793,10 +12966,10 @@
       </p:sp>
       <p:grpSp>
         <p:nvGrpSpPr>
-          <p:cNvPr id="29" name="그룹 28">
+          <p:cNvPr id="4" name="그룹 3">
             <a:extLst>
               <a:ext uri="{FF2B5EF4-FFF2-40B4-BE49-F238E27FC236}">
-                <a16:creationId xmlns:a16="http://schemas.microsoft.com/office/drawing/2014/main" id="{B209E5F0-F6B9-2AA6-5413-CA349C378BD6}"/>
+                <a16:creationId xmlns:a16="http://schemas.microsoft.com/office/drawing/2014/main" id="{42A738DF-2586-A1F9-6EB4-765FAEAD058C}"/>
               </a:ext>
             </a:extLst>
           </p:cNvPr>
@@ -10239,10 +13412,10 @@
       </p:grpSp>
       <p:grpSp>
         <p:nvGrpSpPr>
-          <p:cNvPr id="28" name="그룹 27">
+          <p:cNvPr id="3" name="그룹 2">
             <a:extLst>
               <a:ext uri="{FF2B5EF4-FFF2-40B4-BE49-F238E27FC236}">
-                <a16:creationId xmlns:a16="http://schemas.microsoft.com/office/drawing/2014/main" id="{AAC4ACBD-E596-7E2F-43B1-04EB5E4D07A0}"/>
+                <a16:creationId xmlns:a16="http://schemas.microsoft.com/office/drawing/2014/main" id="{2B82B612-BC4B-9A05-2230-2B8BC40A6EE2}"/>
               </a:ext>
             </a:extLst>
           </p:cNvPr>
@@ -10840,10 +14013,10 @@
       </p:sp>
       <p:grpSp>
         <p:nvGrpSpPr>
-          <p:cNvPr id="8" name="그룹 7">
+          <p:cNvPr id="3" name="그룹 2">
             <a:extLst>
               <a:ext uri="{FF2B5EF4-FFF2-40B4-BE49-F238E27FC236}">
-                <a16:creationId xmlns:a16="http://schemas.microsoft.com/office/drawing/2014/main" id="{D7A1A40E-91DE-A4F8-83D5-08E4C304C78F}"/>
+                <a16:creationId xmlns:a16="http://schemas.microsoft.com/office/drawing/2014/main" id="{07FBFED3-13A5-F5F4-E185-3DBB8FF55CEF}"/>
               </a:ext>
             </a:extLst>
           </p:cNvPr>
@@ -11917,10 +15090,10 @@
       </p:sp>
       <p:grpSp>
         <p:nvGrpSpPr>
-          <p:cNvPr id="8" name="그룹 7">
+          <p:cNvPr id="3" name="그룹 2">
             <a:extLst>
               <a:ext uri="{FF2B5EF4-FFF2-40B4-BE49-F238E27FC236}">
-                <a16:creationId xmlns:a16="http://schemas.microsoft.com/office/drawing/2014/main" id="{29F10551-785C-9B54-01B0-DB0F913619FE}"/>
+                <a16:creationId xmlns:a16="http://schemas.microsoft.com/office/drawing/2014/main" id="{E4DE64BF-E66D-B7BC-2D8A-766234323950}"/>
               </a:ext>
             </a:extLst>
           </p:cNvPr>
@@ -12508,10 +15681,10 @@
       </p:sp>
       <p:grpSp>
         <p:nvGrpSpPr>
-          <p:cNvPr id="8" name="그룹 7">
+          <p:cNvPr id="3" name="그룹 2">
             <a:extLst>
               <a:ext uri="{FF2B5EF4-FFF2-40B4-BE49-F238E27FC236}">
-                <a16:creationId xmlns:a16="http://schemas.microsoft.com/office/drawing/2014/main" id="{69D0153F-1AAD-7D0E-385D-36DA69921721}"/>
+                <a16:creationId xmlns:a16="http://schemas.microsoft.com/office/drawing/2014/main" id="{4A068B6F-D57A-00D2-C46A-DF12212EFF09}"/>
               </a:ext>
             </a:extLst>
           </p:cNvPr>
@@ -13099,10 +16272,10 @@
       </p:sp>
       <p:grpSp>
         <p:nvGrpSpPr>
-          <p:cNvPr id="8" name="그룹 7">
+          <p:cNvPr id="3" name="그룹 2">
             <a:extLst>
               <a:ext uri="{FF2B5EF4-FFF2-40B4-BE49-F238E27FC236}">
-                <a16:creationId xmlns:a16="http://schemas.microsoft.com/office/drawing/2014/main" id="{8CBDADFA-600E-19CC-391D-238C94DDE2E8}"/>
+                <a16:creationId xmlns:a16="http://schemas.microsoft.com/office/drawing/2014/main" id="{E89BEB1A-A2E2-A2B2-F9B6-F344DBD9B0B2}"/>
               </a:ext>
             </a:extLst>
           </p:cNvPr>
@@ -13453,10 +16626,10 @@
       </p:sp>
       <p:grpSp>
         <p:nvGrpSpPr>
-          <p:cNvPr id="18" name="그룹 17">
+          <p:cNvPr id="5" name="그룹 4">
             <a:extLst>
               <a:ext uri="{FF2B5EF4-FFF2-40B4-BE49-F238E27FC236}">
-                <a16:creationId xmlns:a16="http://schemas.microsoft.com/office/drawing/2014/main" id="{F63E5630-E7BC-711B-90D2-1F92E2F661B1}"/>
+                <a16:creationId xmlns:a16="http://schemas.microsoft.com/office/drawing/2014/main" id="{D7EFFE04-813D-433E-66F8-86D47690BE36}"/>
               </a:ext>
             </a:extLst>
           </p:cNvPr>
@@ -14853,10 +18026,10 @@
       </p:sp>
       <p:grpSp>
         <p:nvGrpSpPr>
-          <p:cNvPr id="17" name="그룹 16">
+          <p:cNvPr id="4" name="그룹 3">
             <a:extLst>
               <a:ext uri="{FF2B5EF4-FFF2-40B4-BE49-F238E27FC236}">
-                <a16:creationId xmlns:a16="http://schemas.microsoft.com/office/drawing/2014/main" id="{9EFBE2B7-C46A-1327-3FFC-96446EE89DDA}"/>
+                <a16:creationId xmlns:a16="http://schemas.microsoft.com/office/drawing/2014/main" id="{3B9E143B-05E8-E9A8-AB73-D9EEDAC81D3D}"/>
               </a:ext>
             </a:extLst>
           </p:cNvPr>
@@ -17180,10 +20353,10 @@
       </p:sp>
       <p:grpSp>
         <p:nvGrpSpPr>
-          <p:cNvPr id="16" name="그룹 15">
+          <p:cNvPr id="3" name="그룹 2">
             <a:extLst>
               <a:ext uri="{FF2B5EF4-FFF2-40B4-BE49-F238E27FC236}">
-                <a16:creationId xmlns:a16="http://schemas.microsoft.com/office/drawing/2014/main" id="{75079497-F2C4-F793-B5E9-9CECAD910550}"/>
+                <a16:creationId xmlns:a16="http://schemas.microsoft.com/office/drawing/2014/main" id="{71B403A9-FE14-F062-9AB4-65F67C9A18F3}"/>
               </a:ext>
             </a:extLst>
           </p:cNvPr>
@@ -19274,10 +22447,10 @@
       </p:sp>
       <p:grpSp>
         <p:nvGrpSpPr>
-          <p:cNvPr id="21" name="그룹 20">
+          <p:cNvPr id="17" name="그룹 16">
             <a:extLst>
               <a:ext uri="{FF2B5EF4-FFF2-40B4-BE49-F238E27FC236}">
-                <a16:creationId xmlns:a16="http://schemas.microsoft.com/office/drawing/2014/main" id="{58E41976-2680-753A-2D8B-E37223625410}"/>
+                <a16:creationId xmlns:a16="http://schemas.microsoft.com/office/drawing/2014/main" id="{71853407-DDF4-5BCF-F088-B4C896A2E3B4}"/>
               </a:ext>
             </a:extLst>
           </p:cNvPr>

--- a/DsDotNet/src/UnitTest/UnitTest.Model/ImportOfficeExample/exportDS/testA/testMy/my.pptx
+++ b/DsDotNet/src/UnitTest/UnitTest.Model/ImportOfficeExample/exportDS/testA/testMy/my.pptx
@@ -4057,7 +4057,7 @@
           <p:cNvPr id="5" name="그룹 4">
             <a:extLst>
               <a:ext uri="{FF2B5EF4-FFF2-40B4-BE49-F238E27FC236}">
-                <a16:creationId xmlns:a16="http://schemas.microsoft.com/office/drawing/2014/main" id="{CCBE3000-BBB8-6FCA-2B0C-ADA7FB68F266}"/>
+                <a16:creationId xmlns:a16="http://schemas.microsoft.com/office/drawing/2014/main" id="{22B2E562-9C36-C5C0-967D-CA9EE64B9089}"/>
               </a:ext>
             </a:extLst>
           </p:cNvPr>
@@ -5457,7 +5457,7 @@
           <p:cNvPr id="4" name="그룹 3">
             <a:extLst>
               <a:ext uri="{FF2B5EF4-FFF2-40B4-BE49-F238E27FC236}">
-                <a16:creationId xmlns:a16="http://schemas.microsoft.com/office/drawing/2014/main" id="{A44F3AFC-8CBC-6858-5209-5AF033728971}"/>
+                <a16:creationId xmlns:a16="http://schemas.microsoft.com/office/drawing/2014/main" id="{3D21AE60-58B9-960A-B68F-343A5F255C8D}"/>
               </a:ext>
             </a:extLst>
           </p:cNvPr>
@@ -7784,7 +7784,7 @@
           <p:cNvPr id="3" name="그룹 2">
             <a:extLst>
               <a:ext uri="{FF2B5EF4-FFF2-40B4-BE49-F238E27FC236}">
-                <a16:creationId xmlns:a16="http://schemas.microsoft.com/office/drawing/2014/main" id="{559B561B-B73D-802B-266B-A12CD128F383}"/>
+                <a16:creationId xmlns:a16="http://schemas.microsoft.com/office/drawing/2014/main" id="{F47496D1-7613-1DBF-5716-7873C1D255D0}"/>
               </a:ext>
             </a:extLst>
           </p:cNvPr>
@@ -8958,7 +8958,7 @@
           <p:cNvPr id="17" name="그룹 16">
             <a:extLst>
               <a:ext uri="{FF2B5EF4-FFF2-40B4-BE49-F238E27FC236}">
-                <a16:creationId xmlns:a16="http://schemas.microsoft.com/office/drawing/2014/main" id="{79ECCD60-34E0-CE7A-D2AE-31E4B1AFD640}"/>
+                <a16:creationId xmlns:a16="http://schemas.microsoft.com/office/drawing/2014/main" id="{9414635B-6CF7-9A1C-D4A5-2C0927B7448B}"/>
               </a:ext>
             </a:extLst>
           </p:cNvPr>
@@ -9900,7 +9900,7 @@
           <p:cNvPr id="67" name="그룹 66">
             <a:extLst>
               <a:ext uri="{FF2B5EF4-FFF2-40B4-BE49-F238E27FC236}">
-                <a16:creationId xmlns:a16="http://schemas.microsoft.com/office/drawing/2014/main" id="{33185E7F-BE27-D674-97F2-EC76C74ECBBA}"/>
+                <a16:creationId xmlns:a16="http://schemas.microsoft.com/office/drawing/2014/main" id="{38C13B10-0488-AE10-9453-947E2EACEF3D}"/>
               </a:ext>
             </a:extLst>
           </p:cNvPr>
@@ -12969,7 +12969,7 @@
           <p:cNvPr id="4" name="그룹 3">
             <a:extLst>
               <a:ext uri="{FF2B5EF4-FFF2-40B4-BE49-F238E27FC236}">
-                <a16:creationId xmlns:a16="http://schemas.microsoft.com/office/drawing/2014/main" id="{42A738DF-2586-A1F9-6EB4-765FAEAD058C}"/>
+                <a16:creationId xmlns:a16="http://schemas.microsoft.com/office/drawing/2014/main" id="{D943CC7D-2C7B-1FE5-BF5E-C20F00DE10EB}"/>
               </a:ext>
             </a:extLst>
           </p:cNvPr>
@@ -13415,7 +13415,7 @@
           <p:cNvPr id="3" name="그룹 2">
             <a:extLst>
               <a:ext uri="{FF2B5EF4-FFF2-40B4-BE49-F238E27FC236}">
-                <a16:creationId xmlns:a16="http://schemas.microsoft.com/office/drawing/2014/main" id="{2B82B612-BC4B-9A05-2230-2B8BC40A6EE2}"/>
+                <a16:creationId xmlns:a16="http://schemas.microsoft.com/office/drawing/2014/main" id="{E5DA7063-4A87-7183-93A4-85B554FFCFED}"/>
               </a:ext>
             </a:extLst>
           </p:cNvPr>
@@ -14016,7 +14016,7 @@
           <p:cNvPr id="3" name="그룹 2">
             <a:extLst>
               <a:ext uri="{FF2B5EF4-FFF2-40B4-BE49-F238E27FC236}">
-                <a16:creationId xmlns:a16="http://schemas.microsoft.com/office/drawing/2014/main" id="{07FBFED3-13A5-F5F4-E185-3DBB8FF55CEF}"/>
+                <a16:creationId xmlns:a16="http://schemas.microsoft.com/office/drawing/2014/main" id="{4D6CA878-A986-36C5-ED7E-5502EF49E2F7}"/>
               </a:ext>
             </a:extLst>
           </p:cNvPr>
@@ -15093,7 +15093,7 @@
           <p:cNvPr id="3" name="그룹 2">
             <a:extLst>
               <a:ext uri="{FF2B5EF4-FFF2-40B4-BE49-F238E27FC236}">
-                <a16:creationId xmlns:a16="http://schemas.microsoft.com/office/drawing/2014/main" id="{E4DE64BF-E66D-B7BC-2D8A-766234323950}"/>
+                <a16:creationId xmlns:a16="http://schemas.microsoft.com/office/drawing/2014/main" id="{A8F3FC50-D94E-F621-5806-80E716727283}"/>
               </a:ext>
             </a:extLst>
           </p:cNvPr>
@@ -15684,7 +15684,7 @@
           <p:cNvPr id="3" name="그룹 2">
             <a:extLst>
               <a:ext uri="{FF2B5EF4-FFF2-40B4-BE49-F238E27FC236}">
-                <a16:creationId xmlns:a16="http://schemas.microsoft.com/office/drawing/2014/main" id="{4A068B6F-D57A-00D2-C46A-DF12212EFF09}"/>
+                <a16:creationId xmlns:a16="http://schemas.microsoft.com/office/drawing/2014/main" id="{3CA866C4-A4A4-41FC-C008-7AF47C161CA0}"/>
               </a:ext>
             </a:extLst>
           </p:cNvPr>
@@ -16275,7 +16275,7 @@
           <p:cNvPr id="3" name="그룹 2">
             <a:extLst>
               <a:ext uri="{FF2B5EF4-FFF2-40B4-BE49-F238E27FC236}">
-                <a16:creationId xmlns:a16="http://schemas.microsoft.com/office/drawing/2014/main" id="{E89BEB1A-A2E2-A2B2-F9B6-F344DBD9B0B2}"/>
+                <a16:creationId xmlns:a16="http://schemas.microsoft.com/office/drawing/2014/main" id="{3E5C06F1-2719-D448-E427-B544D07ED836}"/>
               </a:ext>
             </a:extLst>
           </p:cNvPr>
@@ -16629,7 +16629,7 @@
           <p:cNvPr id="5" name="그룹 4">
             <a:extLst>
               <a:ext uri="{FF2B5EF4-FFF2-40B4-BE49-F238E27FC236}">
-                <a16:creationId xmlns:a16="http://schemas.microsoft.com/office/drawing/2014/main" id="{D7EFFE04-813D-433E-66F8-86D47690BE36}"/>
+                <a16:creationId xmlns:a16="http://schemas.microsoft.com/office/drawing/2014/main" id="{9531E8CC-8D86-E217-7F66-8D49E54853D3}"/>
               </a:ext>
             </a:extLst>
           </p:cNvPr>
@@ -18029,7 +18029,7 @@
           <p:cNvPr id="4" name="그룹 3">
             <a:extLst>
               <a:ext uri="{FF2B5EF4-FFF2-40B4-BE49-F238E27FC236}">
-                <a16:creationId xmlns:a16="http://schemas.microsoft.com/office/drawing/2014/main" id="{3B9E143B-05E8-E9A8-AB73-D9EEDAC81D3D}"/>
+                <a16:creationId xmlns:a16="http://schemas.microsoft.com/office/drawing/2014/main" id="{70F80B49-917A-6439-81B5-E2149D010629}"/>
               </a:ext>
             </a:extLst>
           </p:cNvPr>
@@ -20356,7 +20356,7 @@
           <p:cNvPr id="3" name="그룹 2">
             <a:extLst>
               <a:ext uri="{FF2B5EF4-FFF2-40B4-BE49-F238E27FC236}">
-                <a16:creationId xmlns:a16="http://schemas.microsoft.com/office/drawing/2014/main" id="{71B403A9-FE14-F062-9AB4-65F67C9A18F3}"/>
+                <a16:creationId xmlns:a16="http://schemas.microsoft.com/office/drawing/2014/main" id="{D7E0A6FA-02B6-91A1-8EEC-CAF5516B0664}"/>
               </a:ext>
             </a:extLst>
           </p:cNvPr>
@@ -22450,7 +22450,7 @@
           <p:cNvPr id="17" name="그룹 16">
             <a:extLst>
               <a:ext uri="{FF2B5EF4-FFF2-40B4-BE49-F238E27FC236}">
-                <a16:creationId xmlns:a16="http://schemas.microsoft.com/office/drawing/2014/main" id="{71853407-DDF4-5BCF-F088-B4C896A2E3B4}"/>
+                <a16:creationId xmlns:a16="http://schemas.microsoft.com/office/drawing/2014/main" id="{A80FD0BB-7A51-015B-DDA5-BA2CE1BF9972}"/>
               </a:ext>
             </a:extLst>
           </p:cNvPr>

--- a/DsDotNet/src/UnitTest/UnitTest.Model/ImportOfficeExample/exportDS/testA/testMy/my.pptx
+++ b/DsDotNet/src/UnitTest/UnitTest.Model/ImportOfficeExample/exportDS/testA/testMy/my.pptx
@@ -5,7 +5,7 @@
     <p:sldMasterId id="2147483648" r:id="rId1"/>
   </p:sldMasterIdLst>
   <p:notesMasterIdLst>
-    <p:notesMasterId r:id="rId14"/>
+    <p:notesMasterId r:id="rId15"/>
   </p:notesMasterIdLst>
   <p:sldIdLst>
     <p:sldId id="258" r:id="rId2"/>
@@ -17,9 +17,10 @@
     <p:sldId id="733" r:id="rId8"/>
     <p:sldId id="736" r:id="rId9"/>
     <p:sldId id="737" r:id="rId10"/>
-    <p:sldId id="734" r:id="rId11"/>
-    <p:sldId id="735" r:id="rId12"/>
-    <p:sldId id="738" r:id="rId13"/>
+    <p:sldId id="739" r:id="rId11"/>
+    <p:sldId id="740" r:id="rId12"/>
+    <p:sldId id="734" r:id="rId13"/>
+    <p:sldId id="738" r:id="rId14"/>
   </p:sldIdLst>
   <p:sldSz cx="12192000" cy="6858000"/>
   <p:notesSz cx="6858000" cy="9144000"/>
@@ -624,7 +625,7 @@
           <a:p>
             <a:fld id="{2978587B-688C-4F1D-9D92-1BF3667CE9B1}" type="slidenum">
               <a:rPr lang="ko-KR" altLang="en-US" smtClean="0"/>
-              <a:t>10</a:t>
+              <a:t>12</a:t>
             </a:fld>
             <a:endParaRPr lang="ko-KR" altLang="en-US" dirty="0"/>
           </a:p>
@@ -3927,6 +3928,2428 @@
 <file path=ppt/slides/slide10.xml><?xml version="1.0" encoding="utf-8"?>
 <p:sld xmlns:a="http://schemas.openxmlformats.org/drawingml/2006/main" xmlns:r="http://schemas.openxmlformats.org/officeDocument/2006/relationships" xmlns:p="http://schemas.openxmlformats.org/presentationml/2006/main">
   <p:cSld>
+    <p:bg>
+      <p:bgPr>
+        <a:solidFill>
+          <a:srgbClr val="696969"/>
+        </a:solidFill>
+        <a:effectLst/>
+      </p:bgPr>
+    </p:bg>
+    <p:spTree>
+      <p:nvGrpSpPr>
+        <p:cNvPr id="1" name=""/>
+        <p:cNvGrpSpPr/>
+        <p:nvPr/>
+      </p:nvGrpSpPr>
+      <p:grpSpPr>
+        <a:xfrm>
+          <a:off x="0" y="0"/>
+          <a:ext cx="0" cy="0"/>
+          <a:chOff x="0" y="0"/>
+          <a:chExt cx="0" cy="0"/>
+        </a:xfrm>
+      </p:grpSpPr>
+      <p:pic>
+        <p:nvPicPr>
+          <p:cNvPr id="34" name="그림 33">
+            <a:extLst>
+              <a:ext uri="{FF2B5EF4-FFF2-40B4-BE49-F238E27FC236}">
+                <a16:creationId xmlns:a16="http://schemas.microsoft.com/office/drawing/2014/main" id="{0D7688CC-F8FD-71C9-20B3-D428FE6EC7EA}"/>
+              </a:ext>
+            </a:extLst>
+          </p:cNvPr>
+          <p:cNvPicPr>
+            <a:picLocks noChangeAspect="1"/>
+          </p:cNvPicPr>
+          <p:nvPr/>
+        </p:nvPicPr>
+        <p:blipFill>
+          <a:blip r:embed="rId2">
+            <a:extLst>
+              <a:ext uri="{28A0092B-C50C-407E-A947-70E740481C1C}">
+                <a14:useLocalDpi xmlns:a14="http://schemas.microsoft.com/office/drawing/2010/main" val="0"/>
+              </a:ext>
+            </a:extLst>
+          </a:blip>
+          <a:stretch>
+            <a:fillRect/>
+          </a:stretch>
+        </p:blipFill>
+        <p:spPr>
+          <a:xfrm>
+            <a:off x="-1" y="0"/>
+            <a:ext cx="12192001" cy="7000157"/>
+          </a:xfrm>
+          <a:prstGeom prst="rect">
+            <a:avLst/>
+          </a:prstGeom>
+        </p:spPr>
+      </p:pic>
+      <p:sp>
+        <p:nvSpPr>
+          <p:cNvPr id="2" name="TextBox 1">
+            <a:extLst>
+              <a:ext uri="{FF2B5EF4-FFF2-40B4-BE49-F238E27FC236}">
+                <a16:creationId xmlns:a16="http://schemas.microsoft.com/office/drawing/2014/main" id="{5E7A2C8F-2ECC-F733-AB3A-C75AF50B5CF0}"/>
+              </a:ext>
+            </a:extLst>
+          </p:cNvPr>
+          <p:cNvSpPr txBox="1"/>
+          <p:nvPr/>
+        </p:nvSpPr>
+        <p:spPr>
+          <a:xfrm>
+            <a:off x="254000" y="127000"/>
+            <a:ext cx="15240000" cy="381000"/>
+          </a:xfrm>
+          <a:prstGeom prst="rect">
+            <a:avLst/>
+          </a:prstGeom>
+          <a:noFill/>
+        </p:spPr>
+        <p:txBody>
+          <a:bodyPr vert="horz" rtlCol="0">
+            <a:spAutoFit/>
+          </a:bodyPr>
+          <a:lstStyle/>
+          <a:p>
+            <a:r>
+              <a:rPr lang="en-US" altLang="ko-KR" dirty="0"/>
+              <a:t>[Layout]STN02, STN03, KIT1, KIT2</a:t>
+            </a:r>
+            <a:endParaRPr lang="ko-KR" altLang="en-US" dirty="0"/>
+          </a:p>
+        </p:txBody>
+      </p:sp>
+      <p:sp>
+        <p:nvSpPr>
+          <p:cNvPr id="3" name="TextBox 2">
+            <a:extLst>
+              <a:ext uri="{FF2B5EF4-FFF2-40B4-BE49-F238E27FC236}">
+                <a16:creationId xmlns:a16="http://schemas.microsoft.com/office/drawing/2014/main" id="{18C61E0B-5486-EA5F-7405-CBA41391C270}"/>
+              </a:ext>
+            </a:extLst>
+          </p:cNvPr>
+          <p:cNvSpPr txBox="1"/>
+          <p:nvPr/>
+        </p:nvSpPr>
+        <p:spPr>
+          <a:xfrm>
+            <a:off x="254000" y="508000"/>
+            <a:ext cx="15240000" cy="381000"/>
+          </a:xfrm>
+          <a:prstGeom prst="rect">
+            <a:avLst/>
+          </a:prstGeom>
+          <a:noFill/>
+        </p:spPr>
+        <p:txBody>
+          <a:bodyPr vert="horz" rtlCol="0">
+            <a:spAutoFit/>
+          </a:bodyPr>
+          <a:lstStyle/>
+          <a:p>
+            <a:r>
+              <a:rPr lang="en-US" altLang="ko-KR" dirty="0"/>
+              <a:t>[Path]</a:t>
+            </a:r>
+            <a:r>
+              <a:rPr lang="en-US" altLang="ko-KR" dirty="0" err="1"/>
+              <a:t>SlideImage</a:t>
+            </a:r>
+            <a:endParaRPr lang="ko-KR" altLang="en-US" dirty="0"/>
+          </a:p>
+        </p:txBody>
+      </p:sp>
+      <p:sp>
+        <p:nvSpPr>
+          <p:cNvPr id="4" name="액자 3">
+            <a:extLst>
+              <a:ext uri="{FF2B5EF4-FFF2-40B4-BE49-F238E27FC236}">
+                <a16:creationId xmlns:a16="http://schemas.microsoft.com/office/drawing/2014/main" id="{ECF3A51C-9F7F-8F59-D84F-7B9C3E41D259}"/>
+              </a:ext>
+            </a:extLst>
+          </p:cNvPr>
+          <p:cNvSpPr/>
+          <p:nvPr/>
+        </p:nvSpPr>
+        <p:spPr>
+          <a:xfrm>
+            <a:off x="406774" y="1682750"/>
+            <a:ext cx="1498600" cy="939800"/>
+          </a:xfrm>
+          <a:prstGeom prst="frame">
+            <a:avLst/>
+          </a:prstGeom>
+        </p:spPr>
+        <p:style>
+          <a:lnRef idx="2">
+            <a:schemeClr val="accent1">
+              <a:shade val="15000"/>
+            </a:schemeClr>
+          </a:lnRef>
+          <a:fillRef idx="1">
+            <a:schemeClr val="accent1"/>
+          </a:fillRef>
+          <a:effectRef idx="0">
+            <a:schemeClr val="accent1"/>
+          </a:effectRef>
+          <a:fontRef idx="minor">
+            <a:schemeClr val="lt1"/>
+          </a:fontRef>
+        </p:style>
+        <p:txBody>
+          <a:bodyPr rtlCol="0" anchor="ctr"/>
+          <a:lstStyle/>
+          <a:p>
+            <a:pPr algn="ctr"/>
+            <a:r>
+              <a:rPr lang="en-US" altLang="ko-KR" sz="900">
+                <a:solidFill>
+                  <a:schemeClr val="tx1"/>
+                </a:solidFill>
+              </a:rPr>
+              <a:t>STN02_Pin</a:t>
+            </a:r>
+            <a:endParaRPr lang="ko-KR" altLang="en-US" sz="900">
+              <a:solidFill>
+                <a:schemeClr val="tx1"/>
+              </a:solidFill>
+            </a:endParaRPr>
+          </a:p>
+        </p:txBody>
+      </p:sp>
+      <p:sp>
+        <p:nvSpPr>
+          <p:cNvPr id="5" name="액자 4">
+            <a:extLst>
+              <a:ext uri="{FF2B5EF4-FFF2-40B4-BE49-F238E27FC236}">
+                <a16:creationId xmlns:a16="http://schemas.microsoft.com/office/drawing/2014/main" id="{B823F640-589C-6670-DA5D-0B42026420D3}"/>
+              </a:ext>
+            </a:extLst>
+          </p:cNvPr>
+          <p:cNvSpPr/>
+          <p:nvPr/>
+        </p:nvSpPr>
+        <p:spPr>
+          <a:xfrm>
+            <a:off x="571500" y="3629212"/>
+            <a:ext cx="1498600" cy="939800"/>
+          </a:xfrm>
+          <a:prstGeom prst="frame">
+            <a:avLst/>
+          </a:prstGeom>
+        </p:spPr>
+        <p:style>
+          <a:lnRef idx="2">
+            <a:schemeClr val="accent1">
+              <a:shade val="15000"/>
+            </a:schemeClr>
+          </a:lnRef>
+          <a:fillRef idx="1">
+            <a:schemeClr val="accent1"/>
+          </a:fillRef>
+          <a:effectRef idx="0">
+            <a:schemeClr val="accent1"/>
+          </a:effectRef>
+          <a:fontRef idx="minor">
+            <a:schemeClr val="lt1"/>
+          </a:fontRef>
+        </p:style>
+        <p:txBody>
+          <a:bodyPr rtlCol="0" anchor="ctr"/>
+          <a:lstStyle/>
+          <a:p>
+            <a:pPr algn="ctr"/>
+            <a:r>
+              <a:rPr lang="en-US" altLang="ko-KR" sz="900">
+                <a:solidFill>
+                  <a:schemeClr val="tx1"/>
+                </a:solidFill>
+              </a:rPr>
+              <a:t>STN03_Pin</a:t>
+            </a:r>
+            <a:endParaRPr lang="ko-KR" altLang="en-US" sz="900">
+              <a:solidFill>
+                <a:schemeClr val="tx1"/>
+              </a:solidFill>
+            </a:endParaRPr>
+          </a:p>
+        </p:txBody>
+      </p:sp>
+      <p:grpSp>
+        <p:nvGrpSpPr>
+          <p:cNvPr id="36" name="그룹 35">
+            <a:extLst>
+              <a:ext uri="{FF2B5EF4-FFF2-40B4-BE49-F238E27FC236}">
+                <a16:creationId xmlns:a16="http://schemas.microsoft.com/office/drawing/2014/main" id="{845DE6C0-087E-A3A2-CE6B-A4DD21CEE8F6}"/>
+              </a:ext>
+            </a:extLst>
+          </p:cNvPr>
+          <p:cNvGrpSpPr/>
+          <p:nvPr/>
+        </p:nvGrpSpPr>
+        <p:grpSpPr>
+          <a:xfrm>
+            <a:off x="2413000" y="127000"/>
+            <a:ext cx="8686800" cy="5600700"/>
+            <a:chOff x="2413000" y="127000"/>
+            <a:chExt cx="8686800" cy="5600700"/>
+          </a:xfrm>
+        </p:grpSpPr>
+        <p:sp>
+          <p:nvSpPr>
+            <p:cNvPr id="6" name="액자 5">
+              <a:extLst>
+                <a:ext uri="{FF2B5EF4-FFF2-40B4-BE49-F238E27FC236}">
+                  <a16:creationId xmlns:a16="http://schemas.microsoft.com/office/drawing/2014/main" id="{56BFA609-81AC-31B5-C615-FD139942562E}"/>
+                </a:ext>
+              </a:extLst>
+            </p:cNvPr>
+            <p:cNvSpPr/>
+            <p:nvPr/>
+          </p:nvSpPr>
+          <p:spPr>
+            <a:xfrm>
+              <a:off x="10083800" y="127000"/>
+              <a:ext cx="838200" cy="279400"/>
+            </a:xfrm>
+            <a:prstGeom prst="frame">
+              <a:avLst/>
+            </a:prstGeom>
+          </p:spPr>
+          <p:style>
+            <a:lnRef idx="2">
+              <a:schemeClr val="accent1">
+                <a:shade val="15000"/>
+              </a:schemeClr>
+            </a:lnRef>
+            <a:fillRef idx="1">
+              <a:schemeClr val="accent1"/>
+            </a:fillRef>
+            <a:effectRef idx="0">
+              <a:schemeClr val="accent1"/>
+            </a:effectRef>
+            <a:fontRef idx="minor">
+              <a:schemeClr val="lt1"/>
+            </a:fontRef>
+          </p:style>
+          <p:txBody>
+            <a:bodyPr rtlCol="0" anchor="ctr"/>
+            <a:lstStyle/>
+            <a:p>
+              <a:pPr algn="ctr"/>
+              <a:r>
+                <a:rPr lang="en-US" altLang="ko-KR" sz="900">
+                  <a:solidFill>
+                    <a:schemeClr val="tx1"/>
+                  </a:solidFill>
+                </a:rPr>
+                <a:t>KIT1_Cv_RR</a:t>
+              </a:r>
+              <a:endParaRPr lang="ko-KR" altLang="en-US" sz="900">
+                <a:solidFill>
+                  <a:schemeClr val="tx1"/>
+                </a:solidFill>
+              </a:endParaRPr>
+            </a:p>
+          </p:txBody>
+        </p:sp>
+        <p:sp>
+          <p:nvSpPr>
+            <p:cNvPr id="7" name="액자 6">
+              <a:extLst>
+                <a:ext uri="{FF2B5EF4-FFF2-40B4-BE49-F238E27FC236}">
+                  <a16:creationId xmlns:a16="http://schemas.microsoft.com/office/drawing/2014/main" id="{C70466E0-8369-E7B7-CFC8-3EE890642CE3}"/>
+                </a:ext>
+              </a:extLst>
+            </p:cNvPr>
+            <p:cNvSpPr/>
+            <p:nvPr/>
+          </p:nvSpPr>
+          <p:spPr>
+            <a:xfrm>
+              <a:off x="10414000" y="901700"/>
+              <a:ext cx="685800" cy="279400"/>
+            </a:xfrm>
+            <a:prstGeom prst="frame">
+              <a:avLst/>
+            </a:prstGeom>
+          </p:spPr>
+          <p:style>
+            <a:lnRef idx="2">
+              <a:schemeClr val="accent1">
+                <a:shade val="15000"/>
+              </a:schemeClr>
+            </a:lnRef>
+            <a:fillRef idx="1">
+              <a:schemeClr val="accent1"/>
+            </a:fillRef>
+            <a:effectRef idx="0">
+              <a:schemeClr val="accent1"/>
+            </a:effectRef>
+            <a:fontRef idx="minor">
+              <a:schemeClr val="lt1"/>
+            </a:fontRef>
+          </p:style>
+          <p:txBody>
+            <a:bodyPr rtlCol="0" anchor="ctr"/>
+            <a:lstStyle/>
+            <a:p>
+              <a:pPr algn="ctr"/>
+              <a:r>
+                <a:rPr lang="en-US" altLang="ko-KR" sz="900">
+                  <a:solidFill>
+                    <a:schemeClr val="tx1"/>
+                  </a:solidFill>
+                </a:rPr>
+                <a:t>KIT1_In</a:t>
+              </a:r>
+              <a:endParaRPr lang="ko-KR" altLang="en-US" sz="900">
+                <a:solidFill>
+                  <a:schemeClr val="tx1"/>
+                </a:solidFill>
+              </a:endParaRPr>
+            </a:p>
+          </p:txBody>
+        </p:sp>
+        <p:sp>
+          <p:nvSpPr>
+            <p:cNvPr id="8" name="액자 7">
+              <a:extLst>
+                <a:ext uri="{FF2B5EF4-FFF2-40B4-BE49-F238E27FC236}">
+                  <a16:creationId xmlns:a16="http://schemas.microsoft.com/office/drawing/2014/main" id="{A178B27C-67EF-D959-1C07-BA061FBA2E18}"/>
+                </a:ext>
+              </a:extLst>
+            </p:cNvPr>
+            <p:cNvSpPr/>
+            <p:nvPr/>
+          </p:nvSpPr>
+          <p:spPr>
+            <a:xfrm>
+              <a:off x="2413000" y="2628900"/>
+              <a:ext cx="901700" cy="520700"/>
+            </a:xfrm>
+            <a:prstGeom prst="frame">
+              <a:avLst/>
+            </a:prstGeom>
+          </p:spPr>
+          <p:style>
+            <a:lnRef idx="2">
+              <a:schemeClr val="accent1">
+                <a:shade val="15000"/>
+              </a:schemeClr>
+            </a:lnRef>
+            <a:fillRef idx="1">
+              <a:schemeClr val="accent1"/>
+            </a:fillRef>
+            <a:effectRef idx="0">
+              <a:schemeClr val="accent1"/>
+            </a:effectRef>
+            <a:fontRef idx="minor">
+              <a:schemeClr val="lt1"/>
+            </a:fontRef>
+          </p:style>
+          <p:txBody>
+            <a:bodyPr rtlCol="0" anchor="ctr"/>
+            <a:lstStyle/>
+            <a:p>
+              <a:pPr algn="ctr"/>
+              <a:r>
+                <a:rPr lang="en-US" altLang="ko-KR" sz="900">
+                  <a:solidFill>
+                    <a:schemeClr val="tx1"/>
+                  </a:solidFill>
+                </a:rPr>
+                <a:t>KIT1_Cv_Frt</a:t>
+              </a:r>
+              <a:endParaRPr lang="ko-KR" altLang="en-US" sz="900">
+                <a:solidFill>
+                  <a:schemeClr val="tx1"/>
+                </a:solidFill>
+              </a:endParaRPr>
+            </a:p>
+          </p:txBody>
+        </p:sp>
+        <p:sp>
+          <p:nvSpPr>
+            <p:cNvPr id="9" name="액자 8">
+              <a:extLst>
+                <a:ext uri="{FF2B5EF4-FFF2-40B4-BE49-F238E27FC236}">
+                  <a16:creationId xmlns:a16="http://schemas.microsoft.com/office/drawing/2014/main" id="{AF1E729A-8EAC-A5C2-ACA5-AF92DD24EEE3}"/>
+                </a:ext>
+              </a:extLst>
+            </p:cNvPr>
+            <p:cNvSpPr/>
+            <p:nvPr/>
+          </p:nvSpPr>
+          <p:spPr>
+            <a:xfrm>
+              <a:off x="3581400" y="1600200"/>
+              <a:ext cx="901700" cy="355600"/>
+            </a:xfrm>
+            <a:prstGeom prst="frame">
+              <a:avLst/>
+            </a:prstGeom>
+          </p:spPr>
+          <p:style>
+            <a:lnRef idx="2">
+              <a:schemeClr val="accent1">
+                <a:shade val="15000"/>
+              </a:schemeClr>
+            </a:lnRef>
+            <a:fillRef idx="1">
+              <a:schemeClr val="accent1"/>
+            </a:fillRef>
+            <a:effectRef idx="0">
+              <a:schemeClr val="accent1"/>
+            </a:effectRef>
+            <a:fontRef idx="minor">
+              <a:schemeClr val="lt1"/>
+            </a:fontRef>
+          </p:style>
+          <p:txBody>
+            <a:bodyPr rtlCol="0" anchor="ctr"/>
+            <a:lstStyle/>
+            <a:p>
+              <a:pPr algn="ctr"/>
+              <a:r>
+                <a:rPr lang="en-US" altLang="ko-KR" sz="900">
+                  <a:solidFill>
+                    <a:schemeClr val="tx1"/>
+                  </a:solidFill>
+                </a:rPr>
+                <a:t>KIT1_1st_usb</a:t>
+              </a:r>
+              <a:endParaRPr lang="ko-KR" altLang="en-US" sz="900">
+                <a:solidFill>
+                  <a:schemeClr val="tx1"/>
+                </a:solidFill>
+              </a:endParaRPr>
+            </a:p>
+          </p:txBody>
+        </p:sp>
+        <p:sp>
+          <p:nvSpPr>
+            <p:cNvPr id="10" name="액자 9">
+              <a:extLst>
+                <a:ext uri="{FF2B5EF4-FFF2-40B4-BE49-F238E27FC236}">
+                  <a16:creationId xmlns:a16="http://schemas.microsoft.com/office/drawing/2014/main" id="{51C74716-C2C4-E9DF-3278-F64CD73D6509}"/>
+                </a:ext>
+              </a:extLst>
+            </p:cNvPr>
+            <p:cNvSpPr/>
+            <p:nvPr/>
+          </p:nvSpPr>
+          <p:spPr>
+            <a:xfrm>
+              <a:off x="3556000" y="2171700"/>
+              <a:ext cx="901700" cy="355600"/>
+            </a:xfrm>
+            <a:prstGeom prst="frame">
+              <a:avLst/>
+            </a:prstGeom>
+          </p:spPr>
+          <p:style>
+            <a:lnRef idx="2">
+              <a:schemeClr val="accent1">
+                <a:shade val="15000"/>
+              </a:schemeClr>
+            </a:lnRef>
+            <a:fillRef idx="1">
+              <a:schemeClr val="accent1"/>
+            </a:fillRef>
+            <a:effectRef idx="0">
+              <a:schemeClr val="accent1"/>
+            </a:effectRef>
+            <a:fontRef idx="minor">
+              <a:schemeClr val="lt1"/>
+            </a:fontRef>
+          </p:style>
+          <p:txBody>
+            <a:bodyPr rtlCol="0" anchor="ctr"/>
+            <a:lstStyle/>
+            <a:p>
+              <a:pPr algn="ctr"/>
+              <a:r>
+                <a:rPr lang="en-US" altLang="ko-KR" sz="900">
+                  <a:solidFill>
+                    <a:schemeClr val="tx1"/>
+                  </a:solidFill>
+                </a:rPr>
+                <a:t>KIT1_2nd_usb</a:t>
+              </a:r>
+              <a:endParaRPr lang="ko-KR" altLang="en-US" sz="900">
+                <a:solidFill>
+                  <a:schemeClr val="tx1"/>
+                </a:solidFill>
+              </a:endParaRPr>
+            </a:p>
+          </p:txBody>
+        </p:sp>
+        <p:sp>
+          <p:nvSpPr>
+            <p:cNvPr id="11" name="액자 10">
+              <a:extLst>
+                <a:ext uri="{FF2B5EF4-FFF2-40B4-BE49-F238E27FC236}">
+                  <a16:creationId xmlns:a16="http://schemas.microsoft.com/office/drawing/2014/main" id="{04A0D8C0-0B95-6CB0-819C-9CA2B9E942CD}"/>
+                </a:ext>
+              </a:extLst>
+            </p:cNvPr>
+            <p:cNvSpPr/>
+            <p:nvPr/>
+          </p:nvSpPr>
+          <p:spPr>
+            <a:xfrm>
+              <a:off x="3556000" y="2794000"/>
+              <a:ext cx="901700" cy="355600"/>
+            </a:xfrm>
+            <a:prstGeom prst="frame">
+              <a:avLst/>
+            </a:prstGeom>
+          </p:spPr>
+          <p:style>
+            <a:lnRef idx="2">
+              <a:schemeClr val="accent1">
+                <a:shade val="15000"/>
+              </a:schemeClr>
+            </a:lnRef>
+            <a:fillRef idx="1">
+              <a:schemeClr val="accent1"/>
+            </a:fillRef>
+            <a:effectRef idx="0">
+              <a:schemeClr val="accent1"/>
+            </a:effectRef>
+            <a:fontRef idx="minor">
+              <a:schemeClr val="lt1"/>
+            </a:fontRef>
+          </p:style>
+          <p:txBody>
+            <a:bodyPr rtlCol="0" anchor="ctr"/>
+            <a:lstStyle/>
+            <a:p>
+              <a:pPr algn="ctr"/>
+              <a:r>
+                <a:rPr lang="en-US" altLang="ko-KR" sz="900">
+                  <a:solidFill>
+                    <a:schemeClr val="tx1"/>
+                  </a:solidFill>
+                </a:rPr>
+                <a:t>KIT1_3rd_usb</a:t>
+              </a:r>
+              <a:endParaRPr lang="ko-KR" altLang="en-US" sz="900">
+                <a:solidFill>
+                  <a:schemeClr val="tx1"/>
+                </a:solidFill>
+              </a:endParaRPr>
+            </a:p>
+          </p:txBody>
+        </p:sp>
+        <p:sp>
+          <p:nvSpPr>
+            <p:cNvPr id="12" name="액자 11">
+              <a:extLst>
+                <a:ext uri="{FF2B5EF4-FFF2-40B4-BE49-F238E27FC236}">
+                  <a16:creationId xmlns:a16="http://schemas.microsoft.com/office/drawing/2014/main" id="{685189F0-589E-5F63-47D7-BBCB9AAED000}"/>
+                </a:ext>
+              </a:extLst>
+            </p:cNvPr>
+            <p:cNvSpPr/>
+            <p:nvPr/>
+          </p:nvSpPr>
+          <p:spPr>
+            <a:xfrm>
+              <a:off x="3543300" y="3454400"/>
+              <a:ext cx="901700" cy="355600"/>
+            </a:xfrm>
+            <a:prstGeom prst="frame">
+              <a:avLst/>
+            </a:prstGeom>
+          </p:spPr>
+          <p:style>
+            <a:lnRef idx="2">
+              <a:schemeClr val="accent1">
+                <a:shade val="15000"/>
+              </a:schemeClr>
+            </a:lnRef>
+            <a:fillRef idx="1">
+              <a:schemeClr val="accent1"/>
+            </a:fillRef>
+            <a:effectRef idx="0">
+              <a:schemeClr val="accent1"/>
+            </a:effectRef>
+            <a:fontRef idx="minor">
+              <a:schemeClr val="lt1"/>
+            </a:fontRef>
+          </p:style>
+          <p:txBody>
+            <a:bodyPr rtlCol="0" anchor="ctr"/>
+            <a:lstStyle/>
+            <a:p>
+              <a:pPr algn="ctr"/>
+              <a:r>
+                <a:rPr lang="en-US" altLang="ko-KR" sz="900">
+                  <a:solidFill>
+                    <a:schemeClr val="tx1"/>
+                  </a:solidFill>
+                </a:rPr>
+                <a:t>KIT1_4th_usb</a:t>
+              </a:r>
+              <a:endParaRPr lang="ko-KR" altLang="en-US" sz="900">
+                <a:solidFill>
+                  <a:schemeClr val="tx1"/>
+                </a:solidFill>
+              </a:endParaRPr>
+            </a:p>
+          </p:txBody>
+        </p:sp>
+        <p:sp>
+          <p:nvSpPr>
+            <p:cNvPr id="13" name="액자 12">
+              <a:extLst>
+                <a:ext uri="{FF2B5EF4-FFF2-40B4-BE49-F238E27FC236}">
+                  <a16:creationId xmlns:a16="http://schemas.microsoft.com/office/drawing/2014/main" id="{E81478EB-E2A9-B700-7168-3A5BEC8BD431}"/>
+                </a:ext>
+              </a:extLst>
+            </p:cNvPr>
+            <p:cNvSpPr/>
+            <p:nvPr/>
+          </p:nvSpPr>
+          <p:spPr>
+            <a:xfrm>
+              <a:off x="6273800" y="2794000"/>
+              <a:ext cx="901700" cy="355600"/>
+            </a:xfrm>
+            <a:prstGeom prst="frame">
+              <a:avLst/>
+            </a:prstGeom>
+          </p:spPr>
+          <p:style>
+            <a:lnRef idx="2">
+              <a:schemeClr val="accent1">
+                <a:shade val="15000"/>
+              </a:schemeClr>
+            </a:lnRef>
+            <a:fillRef idx="1">
+              <a:schemeClr val="accent1"/>
+            </a:fillRef>
+            <a:effectRef idx="0">
+              <a:schemeClr val="accent1"/>
+            </a:effectRef>
+            <a:fontRef idx="minor">
+              <a:schemeClr val="lt1"/>
+            </a:fontRef>
+          </p:style>
+          <p:txBody>
+            <a:bodyPr rtlCol="0" anchor="ctr"/>
+            <a:lstStyle/>
+            <a:p>
+              <a:pPr algn="ctr"/>
+              <a:r>
+                <a:rPr lang="en-US" altLang="ko-KR" sz="900">
+                  <a:solidFill>
+                    <a:schemeClr val="tx1"/>
+                  </a:solidFill>
+                </a:rPr>
+                <a:t>KIT1_3rd_stp</a:t>
+              </a:r>
+              <a:endParaRPr lang="ko-KR" altLang="en-US" sz="900">
+                <a:solidFill>
+                  <a:schemeClr val="tx1"/>
+                </a:solidFill>
+              </a:endParaRPr>
+            </a:p>
+          </p:txBody>
+        </p:sp>
+        <p:sp>
+          <p:nvSpPr>
+            <p:cNvPr id="14" name="액자 13">
+              <a:extLst>
+                <a:ext uri="{FF2B5EF4-FFF2-40B4-BE49-F238E27FC236}">
+                  <a16:creationId xmlns:a16="http://schemas.microsoft.com/office/drawing/2014/main" id="{49D18646-D68E-F272-8285-94576ECE5687}"/>
+                </a:ext>
+              </a:extLst>
+            </p:cNvPr>
+            <p:cNvSpPr/>
+            <p:nvPr/>
+          </p:nvSpPr>
+          <p:spPr>
+            <a:xfrm>
+              <a:off x="6311900" y="3429000"/>
+              <a:ext cx="901700" cy="355600"/>
+            </a:xfrm>
+            <a:prstGeom prst="frame">
+              <a:avLst/>
+            </a:prstGeom>
+          </p:spPr>
+          <p:style>
+            <a:lnRef idx="2">
+              <a:schemeClr val="accent1">
+                <a:shade val="15000"/>
+              </a:schemeClr>
+            </a:lnRef>
+            <a:fillRef idx="1">
+              <a:schemeClr val="accent1"/>
+            </a:fillRef>
+            <a:effectRef idx="0">
+              <a:schemeClr val="accent1"/>
+            </a:effectRef>
+            <a:fontRef idx="minor">
+              <a:schemeClr val="lt1"/>
+            </a:fontRef>
+          </p:style>
+          <p:txBody>
+            <a:bodyPr rtlCol="0" anchor="ctr"/>
+            <a:lstStyle/>
+            <a:p>
+              <a:pPr algn="ctr"/>
+              <a:r>
+                <a:rPr lang="en-US" altLang="ko-KR" sz="900">
+                  <a:solidFill>
+                    <a:schemeClr val="tx1"/>
+                  </a:solidFill>
+                </a:rPr>
+                <a:t>KIT1_4th_stp</a:t>
+              </a:r>
+              <a:endParaRPr lang="ko-KR" altLang="en-US" sz="900">
+                <a:solidFill>
+                  <a:schemeClr val="tx1"/>
+                </a:solidFill>
+              </a:endParaRPr>
+            </a:p>
+          </p:txBody>
+        </p:sp>
+        <p:sp>
+          <p:nvSpPr>
+            <p:cNvPr id="15" name="액자 14">
+              <a:extLst>
+                <a:ext uri="{FF2B5EF4-FFF2-40B4-BE49-F238E27FC236}">
+                  <a16:creationId xmlns:a16="http://schemas.microsoft.com/office/drawing/2014/main" id="{07FAD09A-E40B-F19F-ABAF-76A1BBCF0E27}"/>
+                </a:ext>
+              </a:extLst>
+            </p:cNvPr>
+            <p:cNvSpPr/>
+            <p:nvPr/>
+          </p:nvSpPr>
+          <p:spPr>
+            <a:xfrm>
+              <a:off x="6337300" y="2222500"/>
+              <a:ext cx="901700" cy="355600"/>
+            </a:xfrm>
+            <a:prstGeom prst="frame">
+              <a:avLst/>
+            </a:prstGeom>
+          </p:spPr>
+          <p:style>
+            <a:lnRef idx="2">
+              <a:schemeClr val="accent1">
+                <a:shade val="15000"/>
+              </a:schemeClr>
+            </a:lnRef>
+            <a:fillRef idx="1">
+              <a:schemeClr val="accent1"/>
+            </a:fillRef>
+            <a:effectRef idx="0">
+              <a:schemeClr val="accent1"/>
+            </a:effectRef>
+            <a:fontRef idx="minor">
+              <a:schemeClr val="lt1"/>
+            </a:fontRef>
+          </p:style>
+          <p:txBody>
+            <a:bodyPr rtlCol="0" anchor="ctr"/>
+            <a:lstStyle/>
+            <a:p>
+              <a:pPr algn="ctr"/>
+              <a:r>
+                <a:rPr lang="en-US" altLang="ko-KR" sz="900">
+                  <a:solidFill>
+                    <a:schemeClr val="tx1"/>
+                  </a:solidFill>
+                </a:rPr>
+                <a:t>KIT1_2nd_stp</a:t>
+              </a:r>
+              <a:endParaRPr lang="ko-KR" altLang="en-US" sz="900">
+                <a:solidFill>
+                  <a:schemeClr val="tx1"/>
+                </a:solidFill>
+              </a:endParaRPr>
+            </a:p>
+          </p:txBody>
+        </p:sp>
+        <p:sp>
+          <p:nvSpPr>
+            <p:cNvPr id="16" name="액자 15">
+              <a:extLst>
+                <a:ext uri="{FF2B5EF4-FFF2-40B4-BE49-F238E27FC236}">
+                  <a16:creationId xmlns:a16="http://schemas.microsoft.com/office/drawing/2014/main" id="{59EC9282-D14E-1439-2CC8-FF5B093FFCCD}"/>
+                </a:ext>
+              </a:extLst>
+            </p:cNvPr>
+            <p:cNvSpPr/>
+            <p:nvPr/>
+          </p:nvSpPr>
+          <p:spPr>
+            <a:xfrm>
+              <a:off x="6337300" y="1574800"/>
+              <a:ext cx="901700" cy="355600"/>
+            </a:xfrm>
+            <a:prstGeom prst="frame">
+              <a:avLst/>
+            </a:prstGeom>
+          </p:spPr>
+          <p:style>
+            <a:lnRef idx="2">
+              <a:schemeClr val="accent1">
+                <a:shade val="15000"/>
+              </a:schemeClr>
+            </a:lnRef>
+            <a:fillRef idx="1">
+              <a:schemeClr val="accent1"/>
+            </a:fillRef>
+            <a:effectRef idx="0">
+              <a:schemeClr val="accent1"/>
+            </a:effectRef>
+            <a:fontRef idx="minor">
+              <a:schemeClr val="lt1"/>
+            </a:fontRef>
+          </p:style>
+          <p:txBody>
+            <a:bodyPr rtlCol="0" anchor="ctr"/>
+            <a:lstStyle/>
+            <a:p>
+              <a:pPr algn="ctr"/>
+              <a:r>
+                <a:rPr lang="en-US" altLang="ko-KR" sz="900">
+                  <a:solidFill>
+                    <a:schemeClr val="tx1"/>
+                  </a:solidFill>
+                </a:rPr>
+                <a:t>KIT1_1st_stp</a:t>
+              </a:r>
+              <a:endParaRPr lang="ko-KR" altLang="en-US" sz="900">
+                <a:solidFill>
+                  <a:schemeClr val="tx1"/>
+                </a:solidFill>
+              </a:endParaRPr>
+            </a:p>
+          </p:txBody>
+        </p:sp>
+        <p:sp>
+          <p:nvSpPr>
+            <p:cNvPr id="17" name="액자 16">
+              <a:extLst>
+                <a:ext uri="{FF2B5EF4-FFF2-40B4-BE49-F238E27FC236}">
+                  <a16:creationId xmlns:a16="http://schemas.microsoft.com/office/drawing/2014/main" id="{49034455-4199-C57C-B8A0-B56370F5292D}"/>
+                </a:ext>
+              </a:extLst>
+            </p:cNvPr>
+            <p:cNvSpPr/>
+            <p:nvPr/>
+          </p:nvSpPr>
+          <p:spPr>
+            <a:xfrm>
+              <a:off x="2590800" y="5372100"/>
+              <a:ext cx="660400" cy="355600"/>
+            </a:xfrm>
+            <a:prstGeom prst="frame">
+              <a:avLst/>
+            </a:prstGeom>
+          </p:spPr>
+          <p:style>
+            <a:lnRef idx="2">
+              <a:schemeClr val="accent1">
+                <a:shade val="15000"/>
+              </a:schemeClr>
+            </a:lnRef>
+            <a:fillRef idx="1">
+              <a:schemeClr val="accent1"/>
+            </a:fillRef>
+            <a:effectRef idx="0">
+              <a:schemeClr val="accent1"/>
+            </a:effectRef>
+            <a:fontRef idx="minor">
+              <a:schemeClr val="lt1"/>
+            </a:fontRef>
+          </p:style>
+          <p:txBody>
+            <a:bodyPr rtlCol="0" anchor="ctr"/>
+            <a:lstStyle/>
+            <a:p>
+              <a:pPr algn="ctr"/>
+              <a:r>
+                <a:rPr lang="en-US" altLang="ko-KR" sz="900">
+                  <a:solidFill>
+                    <a:schemeClr val="tx1"/>
+                  </a:solidFill>
+                </a:rPr>
+                <a:t>KIT1_Out</a:t>
+              </a:r>
+              <a:endParaRPr lang="ko-KR" altLang="en-US" sz="900">
+                <a:solidFill>
+                  <a:schemeClr val="tx1"/>
+                </a:solidFill>
+              </a:endParaRPr>
+            </a:p>
+          </p:txBody>
+        </p:sp>
+        <p:sp>
+          <p:nvSpPr>
+            <p:cNvPr id="18" name="액자 17">
+              <a:extLst>
+                <a:ext uri="{FF2B5EF4-FFF2-40B4-BE49-F238E27FC236}">
+                  <a16:creationId xmlns:a16="http://schemas.microsoft.com/office/drawing/2014/main" id="{782579BF-4EE9-27BD-176F-EEA1C9D08F01}"/>
+                </a:ext>
+              </a:extLst>
+            </p:cNvPr>
+            <p:cNvSpPr/>
+            <p:nvPr/>
+          </p:nvSpPr>
+          <p:spPr>
+            <a:xfrm>
+              <a:off x="4851400" y="4356100"/>
+              <a:ext cx="1016000" cy="355600"/>
+            </a:xfrm>
+            <a:prstGeom prst="frame">
+              <a:avLst/>
+            </a:prstGeom>
+          </p:spPr>
+          <p:style>
+            <a:lnRef idx="2">
+              <a:schemeClr val="accent1">
+                <a:shade val="15000"/>
+              </a:schemeClr>
+            </a:lnRef>
+            <a:fillRef idx="1">
+              <a:schemeClr val="accent1"/>
+            </a:fillRef>
+            <a:effectRef idx="0">
+              <a:schemeClr val="accent1"/>
+            </a:effectRef>
+            <a:fontRef idx="minor">
+              <a:schemeClr val="lt1"/>
+            </a:fontRef>
+          </p:style>
+          <p:txBody>
+            <a:bodyPr rtlCol="0" anchor="ctr"/>
+            <a:lstStyle/>
+            <a:p>
+              <a:pPr algn="ctr"/>
+              <a:r>
+                <a:rPr lang="en-US" altLang="ko-KR" sz="900">
+                  <a:solidFill>
+                    <a:schemeClr val="tx1"/>
+                  </a:solidFill>
+                </a:rPr>
+                <a:t>KIT1_Part</a:t>
+              </a:r>
+              <a:endParaRPr lang="ko-KR" altLang="en-US" sz="900">
+                <a:solidFill>
+                  <a:schemeClr val="tx1"/>
+                </a:solidFill>
+              </a:endParaRPr>
+            </a:p>
+          </p:txBody>
+        </p:sp>
+      </p:grpSp>
+      <p:grpSp>
+        <p:nvGrpSpPr>
+          <p:cNvPr id="35" name="그룹 34">
+            <a:extLst>
+              <a:ext uri="{FF2B5EF4-FFF2-40B4-BE49-F238E27FC236}">
+                <a16:creationId xmlns:a16="http://schemas.microsoft.com/office/drawing/2014/main" id="{B2B6DDD5-4E2B-551C-C3F5-720964342C82}"/>
+              </a:ext>
+            </a:extLst>
+          </p:cNvPr>
+          <p:cNvGrpSpPr/>
+          <p:nvPr/>
+        </p:nvGrpSpPr>
+        <p:grpSpPr>
+          <a:xfrm>
+            <a:off x="2413000" y="127000"/>
+            <a:ext cx="8686800" cy="5600700"/>
+            <a:chOff x="2413000" y="127000"/>
+            <a:chExt cx="8686800" cy="5600700"/>
+          </a:xfrm>
+        </p:grpSpPr>
+        <p:sp>
+          <p:nvSpPr>
+            <p:cNvPr id="20" name="액자 19">
+              <a:extLst>
+                <a:ext uri="{FF2B5EF4-FFF2-40B4-BE49-F238E27FC236}">
+                  <a16:creationId xmlns:a16="http://schemas.microsoft.com/office/drawing/2014/main" id="{4CFA9F45-F3A4-BF42-BC00-89B2FD8910CD}"/>
+                </a:ext>
+              </a:extLst>
+            </p:cNvPr>
+            <p:cNvSpPr/>
+            <p:nvPr/>
+          </p:nvSpPr>
+          <p:spPr>
+            <a:xfrm>
+              <a:off x="10083800" y="127000"/>
+              <a:ext cx="838200" cy="279400"/>
+            </a:xfrm>
+            <a:prstGeom prst="frame">
+              <a:avLst/>
+            </a:prstGeom>
+          </p:spPr>
+          <p:style>
+            <a:lnRef idx="2">
+              <a:schemeClr val="accent1">
+                <a:shade val="15000"/>
+              </a:schemeClr>
+            </a:lnRef>
+            <a:fillRef idx="1">
+              <a:schemeClr val="accent1"/>
+            </a:fillRef>
+            <a:effectRef idx="0">
+              <a:schemeClr val="accent1"/>
+            </a:effectRef>
+            <a:fontRef idx="minor">
+              <a:schemeClr val="lt1"/>
+            </a:fontRef>
+          </p:style>
+          <p:txBody>
+            <a:bodyPr rtlCol="0" anchor="ctr"/>
+            <a:lstStyle/>
+            <a:p>
+              <a:pPr algn="ctr"/>
+              <a:r>
+                <a:rPr lang="en-US" altLang="ko-KR" sz="900">
+                  <a:solidFill>
+                    <a:schemeClr val="tx1"/>
+                  </a:solidFill>
+                </a:rPr>
+                <a:t>KIT2_Cv_RR</a:t>
+              </a:r>
+              <a:endParaRPr lang="ko-KR" altLang="en-US" sz="900">
+                <a:solidFill>
+                  <a:schemeClr val="tx1"/>
+                </a:solidFill>
+              </a:endParaRPr>
+            </a:p>
+          </p:txBody>
+        </p:sp>
+        <p:sp>
+          <p:nvSpPr>
+            <p:cNvPr id="21" name="액자 20">
+              <a:extLst>
+                <a:ext uri="{FF2B5EF4-FFF2-40B4-BE49-F238E27FC236}">
+                  <a16:creationId xmlns:a16="http://schemas.microsoft.com/office/drawing/2014/main" id="{86A59026-CB81-052A-2469-8F5EACF435EA}"/>
+                </a:ext>
+              </a:extLst>
+            </p:cNvPr>
+            <p:cNvSpPr/>
+            <p:nvPr/>
+          </p:nvSpPr>
+          <p:spPr>
+            <a:xfrm>
+              <a:off x="10414000" y="901700"/>
+              <a:ext cx="685800" cy="279400"/>
+            </a:xfrm>
+            <a:prstGeom prst="frame">
+              <a:avLst/>
+            </a:prstGeom>
+          </p:spPr>
+          <p:style>
+            <a:lnRef idx="2">
+              <a:schemeClr val="accent1">
+                <a:shade val="15000"/>
+              </a:schemeClr>
+            </a:lnRef>
+            <a:fillRef idx="1">
+              <a:schemeClr val="accent1"/>
+            </a:fillRef>
+            <a:effectRef idx="0">
+              <a:schemeClr val="accent1"/>
+            </a:effectRef>
+            <a:fontRef idx="minor">
+              <a:schemeClr val="lt1"/>
+            </a:fontRef>
+          </p:style>
+          <p:txBody>
+            <a:bodyPr rtlCol="0" anchor="ctr"/>
+            <a:lstStyle/>
+            <a:p>
+              <a:pPr algn="ctr"/>
+              <a:r>
+                <a:rPr lang="en-US" altLang="ko-KR" sz="900">
+                  <a:solidFill>
+                    <a:schemeClr val="tx1"/>
+                  </a:solidFill>
+                </a:rPr>
+                <a:t>KIT2_In</a:t>
+              </a:r>
+              <a:endParaRPr lang="ko-KR" altLang="en-US" sz="900">
+                <a:solidFill>
+                  <a:schemeClr val="tx1"/>
+                </a:solidFill>
+              </a:endParaRPr>
+            </a:p>
+          </p:txBody>
+        </p:sp>
+        <p:sp>
+          <p:nvSpPr>
+            <p:cNvPr id="22" name="액자 21">
+              <a:extLst>
+                <a:ext uri="{FF2B5EF4-FFF2-40B4-BE49-F238E27FC236}">
+                  <a16:creationId xmlns:a16="http://schemas.microsoft.com/office/drawing/2014/main" id="{9DA5F32B-2AA7-C3F0-FEF2-28E132FD43D7}"/>
+                </a:ext>
+              </a:extLst>
+            </p:cNvPr>
+            <p:cNvSpPr/>
+            <p:nvPr/>
+          </p:nvSpPr>
+          <p:spPr>
+            <a:xfrm>
+              <a:off x="2413000" y="2628900"/>
+              <a:ext cx="901700" cy="520700"/>
+            </a:xfrm>
+            <a:prstGeom prst="frame">
+              <a:avLst/>
+            </a:prstGeom>
+          </p:spPr>
+          <p:style>
+            <a:lnRef idx="2">
+              <a:schemeClr val="accent1">
+                <a:shade val="15000"/>
+              </a:schemeClr>
+            </a:lnRef>
+            <a:fillRef idx="1">
+              <a:schemeClr val="accent1"/>
+            </a:fillRef>
+            <a:effectRef idx="0">
+              <a:schemeClr val="accent1"/>
+            </a:effectRef>
+            <a:fontRef idx="minor">
+              <a:schemeClr val="lt1"/>
+            </a:fontRef>
+          </p:style>
+          <p:txBody>
+            <a:bodyPr rtlCol="0" anchor="ctr"/>
+            <a:lstStyle/>
+            <a:p>
+              <a:pPr algn="ctr"/>
+              <a:r>
+                <a:rPr lang="en-US" altLang="ko-KR" sz="900">
+                  <a:solidFill>
+                    <a:schemeClr val="tx1"/>
+                  </a:solidFill>
+                </a:rPr>
+                <a:t>KIT2_Cv_Frt</a:t>
+              </a:r>
+              <a:endParaRPr lang="ko-KR" altLang="en-US" sz="900">
+                <a:solidFill>
+                  <a:schemeClr val="tx1"/>
+                </a:solidFill>
+              </a:endParaRPr>
+            </a:p>
+          </p:txBody>
+        </p:sp>
+        <p:sp>
+          <p:nvSpPr>
+            <p:cNvPr id="23" name="액자 22">
+              <a:extLst>
+                <a:ext uri="{FF2B5EF4-FFF2-40B4-BE49-F238E27FC236}">
+                  <a16:creationId xmlns:a16="http://schemas.microsoft.com/office/drawing/2014/main" id="{2C8276B4-EA7B-C580-098D-C724FA9482A0}"/>
+                </a:ext>
+              </a:extLst>
+            </p:cNvPr>
+            <p:cNvSpPr/>
+            <p:nvPr/>
+          </p:nvSpPr>
+          <p:spPr>
+            <a:xfrm>
+              <a:off x="3581400" y="1600200"/>
+              <a:ext cx="901700" cy="355600"/>
+            </a:xfrm>
+            <a:prstGeom prst="frame">
+              <a:avLst/>
+            </a:prstGeom>
+          </p:spPr>
+          <p:style>
+            <a:lnRef idx="2">
+              <a:schemeClr val="accent1">
+                <a:shade val="15000"/>
+              </a:schemeClr>
+            </a:lnRef>
+            <a:fillRef idx="1">
+              <a:schemeClr val="accent1"/>
+            </a:fillRef>
+            <a:effectRef idx="0">
+              <a:schemeClr val="accent1"/>
+            </a:effectRef>
+            <a:fontRef idx="minor">
+              <a:schemeClr val="lt1"/>
+            </a:fontRef>
+          </p:style>
+          <p:txBody>
+            <a:bodyPr rtlCol="0" anchor="ctr"/>
+            <a:lstStyle/>
+            <a:p>
+              <a:pPr algn="ctr"/>
+              <a:r>
+                <a:rPr lang="en-US" altLang="ko-KR" sz="900">
+                  <a:solidFill>
+                    <a:schemeClr val="tx1"/>
+                  </a:solidFill>
+                </a:rPr>
+                <a:t>KIT2_1st_usb</a:t>
+              </a:r>
+              <a:endParaRPr lang="ko-KR" altLang="en-US" sz="900">
+                <a:solidFill>
+                  <a:schemeClr val="tx1"/>
+                </a:solidFill>
+              </a:endParaRPr>
+            </a:p>
+          </p:txBody>
+        </p:sp>
+        <p:sp>
+          <p:nvSpPr>
+            <p:cNvPr id="24" name="액자 23">
+              <a:extLst>
+                <a:ext uri="{FF2B5EF4-FFF2-40B4-BE49-F238E27FC236}">
+                  <a16:creationId xmlns:a16="http://schemas.microsoft.com/office/drawing/2014/main" id="{B317E974-35A4-DB7A-C176-C848A0DAFE71}"/>
+                </a:ext>
+              </a:extLst>
+            </p:cNvPr>
+            <p:cNvSpPr/>
+            <p:nvPr/>
+          </p:nvSpPr>
+          <p:spPr>
+            <a:xfrm>
+              <a:off x="3556000" y="2171700"/>
+              <a:ext cx="901700" cy="355600"/>
+            </a:xfrm>
+            <a:prstGeom prst="frame">
+              <a:avLst/>
+            </a:prstGeom>
+          </p:spPr>
+          <p:style>
+            <a:lnRef idx="2">
+              <a:schemeClr val="accent1">
+                <a:shade val="15000"/>
+              </a:schemeClr>
+            </a:lnRef>
+            <a:fillRef idx="1">
+              <a:schemeClr val="accent1"/>
+            </a:fillRef>
+            <a:effectRef idx="0">
+              <a:schemeClr val="accent1"/>
+            </a:effectRef>
+            <a:fontRef idx="minor">
+              <a:schemeClr val="lt1"/>
+            </a:fontRef>
+          </p:style>
+          <p:txBody>
+            <a:bodyPr rtlCol="0" anchor="ctr"/>
+            <a:lstStyle/>
+            <a:p>
+              <a:pPr algn="ctr"/>
+              <a:r>
+                <a:rPr lang="en-US" altLang="ko-KR" sz="900">
+                  <a:solidFill>
+                    <a:schemeClr val="tx1"/>
+                  </a:solidFill>
+                </a:rPr>
+                <a:t>KIT2_2nd_usb</a:t>
+              </a:r>
+              <a:endParaRPr lang="ko-KR" altLang="en-US" sz="900">
+                <a:solidFill>
+                  <a:schemeClr val="tx1"/>
+                </a:solidFill>
+              </a:endParaRPr>
+            </a:p>
+          </p:txBody>
+        </p:sp>
+        <p:sp>
+          <p:nvSpPr>
+            <p:cNvPr id="25" name="액자 24">
+              <a:extLst>
+                <a:ext uri="{FF2B5EF4-FFF2-40B4-BE49-F238E27FC236}">
+                  <a16:creationId xmlns:a16="http://schemas.microsoft.com/office/drawing/2014/main" id="{B9D356A4-4A15-5094-D72C-77703454453B}"/>
+                </a:ext>
+              </a:extLst>
+            </p:cNvPr>
+            <p:cNvSpPr/>
+            <p:nvPr/>
+          </p:nvSpPr>
+          <p:spPr>
+            <a:xfrm>
+              <a:off x="3556000" y="2794000"/>
+              <a:ext cx="901700" cy="355600"/>
+            </a:xfrm>
+            <a:prstGeom prst="frame">
+              <a:avLst/>
+            </a:prstGeom>
+          </p:spPr>
+          <p:style>
+            <a:lnRef idx="2">
+              <a:schemeClr val="accent1">
+                <a:shade val="15000"/>
+              </a:schemeClr>
+            </a:lnRef>
+            <a:fillRef idx="1">
+              <a:schemeClr val="accent1"/>
+            </a:fillRef>
+            <a:effectRef idx="0">
+              <a:schemeClr val="accent1"/>
+            </a:effectRef>
+            <a:fontRef idx="minor">
+              <a:schemeClr val="lt1"/>
+            </a:fontRef>
+          </p:style>
+          <p:txBody>
+            <a:bodyPr rtlCol="0" anchor="ctr"/>
+            <a:lstStyle/>
+            <a:p>
+              <a:pPr algn="ctr"/>
+              <a:r>
+                <a:rPr lang="en-US" altLang="ko-KR" sz="900">
+                  <a:solidFill>
+                    <a:schemeClr val="tx1"/>
+                  </a:solidFill>
+                </a:rPr>
+                <a:t>KIT2_3rd_usb</a:t>
+              </a:r>
+              <a:endParaRPr lang="ko-KR" altLang="en-US" sz="900">
+                <a:solidFill>
+                  <a:schemeClr val="tx1"/>
+                </a:solidFill>
+              </a:endParaRPr>
+            </a:p>
+          </p:txBody>
+        </p:sp>
+        <p:sp>
+          <p:nvSpPr>
+            <p:cNvPr id="26" name="액자 25">
+              <a:extLst>
+                <a:ext uri="{FF2B5EF4-FFF2-40B4-BE49-F238E27FC236}">
+                  <a16:creationId xmlns:a16="http://schemas.microsoft.com/office/drawing/2014/main" id="{EF14C056-184C-1213-37BD-CEF77E1966CF}"/>
+                </a:ext>
+              </a:extLst>
+            </p:cNvPr>
+            <p:cNvSpPr/>
+            <p:nvPr/>
+          </p:nvSpPr>
+          <p:spPr>
+            <a:xfrm>
+              <a:off x="3543300" y="3454400"/>
+              <a:ext cx="901700" cy="355600"/>
+            </a:xfrm>
+            <a:prstGeom prst="frame">
+              <a:avLst/>
+            </a:prstGeom>
+          </p:spPr>
+          <p:style>
+            <a:lnRef idx="2">
+              <a:schemeClr val="accent1">
+                <a:shade val="15000"/>
+              </a:schemeClr>
+            </a:lnRef>
+            <a:fillRef idx="1">
+              <a:schemeClr val="accent1"/>
+            </a:fillRef>
+            <a:effectRef idx="0">
+              <a:schemeClr val="accent1"/>
+            </a:effectRef>
+            <a:fontRef idx="minor">
+              <a:schemeClr val="lt1"/>
+            </a:fontRef>
+          </p:style>
+          <p:txBody>
+            <a:bodyPr rtlCol="0" anchor="ctr"/>
+            <a:lstStyle/>
+            <a:p>
+              <a:pPr algn="ctr"/>
+              <a:r>
+                <a:rPr lang="en-US" altLang="ko-KR" sz="900">
+                  <a:solidFill>
+                    <a:schemeClr val="tx1"/>
+                  </a:solidFill>
+                </a:rPr>
+                <a:t>KIT2_4th_usb</a:t>
+              </a:r>
+              <a:endParaRPr lang="ko-KR" altLang="en-US" sz="900">
+                <a:solidFill>
+                  <a:schemeClr val="tx1"/>
+                </a:solidFill>
+              </a:endParaRPr>
+            </a:p>
+          </p:txBody>
+        </p:sp>
+        <p:sp>
+          <p:nvSpPr>
+            <p:cNvPr id="27" name="액자 26">
+              <a:extLst>
+                <a:ext uri="{FF2B5EF4-FFF2-40B4-BE49-F238E27FC236}">
+                  <a16:creationId xmlns:a16="http://schemas.microsoft.com/office/drawing/2014/main" id="{4F70A2D8-7BE3-7B63-D871-EE5347A18DB1}"/>
+                </a:ext>
+              </a:extLst>
+            </p:cNvPr>
+            <p:cNvSpPr/>
+            <p:nvPr/>
+          </p:nvSpPr>
+          <p:spPr>
+            <a:xfrm>
+              <a:off x="6273800" y="2794000"/>
+              <a:ext cx="901700" cy="355600"/>
+            </a:xfrm>
+            <a:prstGeom prst="frame">
+              <a:avLst/>
+            </a:prstGeom>
+          </p:spPr>
+          <p:style>
+            <a:lnRef idx="2">
+              <a:schemeClr val="accent1">
+                <a:shade val="15000"/>
+              </a:schemeClr>
+            </a:lnRef>
+            <a:fillRef idx="1">
+              <a:schemeClr val="accent1"/>
+            </a:fillRef>
+            <a:effectRef idx="0">
+              <a:schemeClr val="accent1"/>
+            </a:effectRef>
+            <a:fontRef idx="minor">
+              <a:schemeClr val="lt1"/>
+            </a:fontRef>
+          </p:style>
+          <p:txBody>
+            <a:bodyPr rtlCol="0" anchor="ctr"/>
+            <a:lstStyle/>
+            <a:p>
+              <a:pPr algn="ctr"/>
+              <a:r>
+                <a:rPr lang="en-US" altLang="ko-KR" sz="900">
+                  <a:solidFill>
+                    <a:schemeClr val="tx1"/>
+                  </a:solidFill>
+                </a:rPr>
+                <a:t>KIT2_3rd_stp</a:t>
+              </a:r>
+              <a:endParaRPr lang="ko-KR" altLang="en-US" sz="900">
+                <a:solidFill>
+                  <a:schemeClr val="tx1"/>
+                </a:solidFill>
+              </a:endParaRPr>
+            </a:p>
+          </p:txBody>
+        </p:sp>
+        <p:sp>
+          <p:nvSpPr>
+            <p:cNvPr id="28" name="액자 27">
+              <a:extLst>
+                <a:ext uri="{FF2B5EF4-FFF2-40B4-BE49-F238E27FC236}">
+                  <a16:creationId xmlns:a16="http://schemas.microsoft.com/office/drawing/2014/main" id="{AF047275-919C-5763-FAC6-7BE55BB25026}"/>
+                </a:ext>
+              </a:extLst>
+            </p:cNvPr>
+            <p:cNvSpPr/>
+            <p:nvPr/>
+          </p:nvSpPr>
+          <p:spPr>
+            <a:xfrm>
+              <a:off x="6311900" y="3429000"/>
+              <a:ext cx="901700" cy="355600"/>
+            </a:xfrm>
+            <a:prstGeom prst="frame">
+              <a:avLst/>
+            </a:prstGeom>
+          </p:spPr>
+          <p:style>
+            <a:lnRef idx="2">
+              <a:schemeClr val="accent1">
+                <a:shade val="15000"/>
+              </a:schemeClr>
+            </a:lnRef>
+            <a:fillRef idx="1">
+              <a:schemeClr val="accent1"/>
+            </a:fillRef>
+            <a:effectRef idx="0">
+              <a:schemeClr val="accent1"/>
+            </a:effectRef>
+            <a:fontRef idx="minor">
+              <a:schemeClr val="lt1"/>
+            </a:fontRef>
+          </p:style>
+          <p:txBody>
+            <a:bodyPr rtlCol="0" anchor="ctr"/>
+            <a:lstStyle/>
+            <a:p>
+              <a:pPr algn="ctr"/>
+              <a:r>
+                <a:rPr lang="en-US" altLang="ko-KR" sz="900">
+                  <a:solidFill>
+                    <a:schemeClr val="tx1"/>
+                  </a:solidFill>
+                </a:rPr>
+                <a:t>KIT2_4th_stp</a:t>
+              </a:r>
+              <a:endParaRPr lang="ko-KR" altLang="en-US" sz="900">
+                <a:solidFill>
+                  <a:schemeClr val="tx1"/>
+                </a:solidFill>
+              </a:endParaRPr>
+            </a:p>
+          </p:txBody>
+        </p:sp>
+        <p:sp>
+          <p:nvSpPr>
+            <p:cNvPr id="29" name="액자 28">
+              <a:extLst>
+                <a:ext uri="{FF2B5EF4-FFF2-40B4-BE49-F238E27FC236}">
+                  <a16:creationId xmlns:a16="http://schemas.microsoft.com/office/drawing/2014/main" id="{5B6D1310-65F1-3CB1-7641-B8239AA7DF02}"/>
+                </a:ext>
+              </a:extLst>
+            </p:cNvPr>
+            <p:cNvSpPr/>
+            <p:nvPr/>
+          </p:nvSpPr>
+          <p:spPr>
+            <a:xfrm>
+              <a:off x="6337300" y="2222500"/>
+              <a:ext cx="901700" cy="355600"/>
+            </a:xfrm>
+            <a:prstGeom prst="frame">
+              <a:avLst/>
+            </a:prstGeom>
+          </p:spPr>
+          <p:style>
+            <a:lnRef idx="2">
+              <a:schemeClr val="accent1">
+                <a:shade val="15000"/>
+              </a:schemeClr>
+            </a:lnRef>
+            <a:fillRef idx="1">
+              <a:schemeClr val="accent1"/>
+            </a:fillRef>
+            <a:effectRef idx="0">
+              <a:schemeClr val="accent1"/>
+            </a:effectRef>
+            <a:fontRef idx="minor">
+              <a:schemeClr val="lt1"/>
+            </a:fontRef>
+          </p:style>
+          <p:txBody>
+            <a:bodyPr rtlCol="0" anchor="ctr"/>
+            <a:lstStyle/>
+            <a:p>
+              <a:pPr algn="ctr"/>
+              <a:r>
+                <a:rPr lang="en-US" altLang="ko-KR" sz="900">
+                  <a:solidFill>
+                    <a:schemeClr val="tx1"/>
+                  </a:solidFill>
+                </a:rPr>
+                <a:t>KIT2_2nd_stp</a:t>
+              </a:r>
+              <a:endParaRPr lang="ko-KR" altLang="en-US" sz="900">
+                <a:solidFill>
+                  <a:schemeClr val="tx1"/>
+                </a:solidFill>
+              </a:endParaRPr>
+            </a:p>
+          </p:txBody>
+        </p:sp>
+        <p:sp>
+          <p:nvSpPr>
+            <p:cNvPr id="30" name="액자 29">
+              <a:extLst>
+                <a:ext uri="{FF2B5EF4-FFF2-40B4-BE49-F238E27FC236}">
+                  <a16:creationId xmlns:a16="http://schemas.microsoft.com/office/drawing/2014/main" id="{5D93E957-9B09-1F7A-B579-77B4F7DA9260}"/>
+                </a:ext>
+              </a:extLst>
+            </p:cNvPr>
+            <p:cNvSpPr/>
+            <p:nvPr/>
+          </p:nvSpPr>
+          <p:spPr>
+            <a:xfrm>
+              <a:off x="6337300" y="1574800"/>
+              <a:ext cx="901700" cy="355600"/>
+            </a:xfrm>
+            <a:prstGeom prst="frame">
+              <a:avLst/>
+            </a:prstGeom>
+          </p:spPr>
+          <p:style>
+            <a:lnRef idx="2">
+              <a:schemeClr val="accent1">
+                <a:shade val="15000"/>
+              </a:schemeClr>
+            </a:lnRef>
+            <a:fillRef idx="1">
+              <a:schemeClr val="accent1"/>
+            </a:fillRef>
+            <a:effectRef idx="0">
+              <a:schemeClr val="accent1"/>
+            </a:effectRef>
+            <a:fontRef idx="minor">
+              <a:schemeClr val="lt1"/>
+            </a:fontRef>
+          </p:style>
+          <p:txBody>
+            <a:bodyPr rtlCol="0" anchor="ctr"/>
+            <a:lstStyle/>
+            <a:p>
+              <a:pPr algn="ctr"/>
+              <a:r>
+                <a:rPr lang="en-US" altLang="ko-KR" sz="900">
+                  <a:solidFill>
+                    <a:schemeClr val="tx1"/>
+                  </a:solidFill>
+                </a:rPr>
+                <a:t>KIT2_1st_stp</a:t>
+              </a:r>
+              <a:endParaRPr lang="ko-KR" altLang="en-US" sz="900">
+                <a:solidFill>
+                  <a:schemeClr val="tx1"/>
+                </a:solidFill>
+              </a:endParaRPr>
+            </a:p>
+          </p:txBody>
+        </p:sp>
+        <p:sp>
+          <p:nvSpPr>
+            <p:cNvPr id="31" name="액자 30">
+              <a:extLst>
+                <a:ext uri="{FF2B5EF4-FFF2-40B4-BE49-F238E27FC236}">
+                  <a16:creationId xmlns:a16="http://schemas.microsoft.com/office/drawing/2014/main" id="{E280F49D-52D3-7411-4847-906F01DCFEA8}"/>
+                </a:ext>
+              </a:extLst>
+            </p:cNvPr>
+            <p:cNvSpPr/>
+            <p:nvPr/>
+          </p:nvSpPr>
+          <p:spPr>
+            <a:xfrm>
+              <a:off x="2590800" y="5372100"/>
+              <a:ext cx="660400" cy="355600"/>
+            </a:xfrm>
+            <a:prstGeom prst="frame">
+              <a:avLst/>
+            </a:prstGeom>
+          </p:spPr>
+          <p:style>
+            <a:lnRef idx="2">
+              <a:schemeClr val="accent1">
+                <a:shade val="15000"/>
+              </a:schemeClr>
+            </a:lnRef>
+            <a:fillRef idx="1">
+              <a:schemeClr val="accent1"/>
+            </a:fillRef>
+            <a:effectRef idx="0">
+              <a:schemeClr val="accent1"/>
+            </a:effectRef>
+            <a:fontRef idx="minor">
+              <a:schemeClr val="lt1"/>
+            </a:fontRef>
+          </p:style>
+          <p:txBody>
+            <a:bodyPr rtlCol="0" anchor="ctr"/>
+            <a:lstStyle/>
+            <a:p>
+              <a:pPr algn="ctr"/>
+              <a:r>
+                <a:rPr lang="en-US" altLang="ko-KR" sz="900">
+                  <a:solidFill>
+                    <a:schemeClr val="tx1"/>
+                  </a:solidFill>
+                </a:rPr>
+                <a:t>KIT2_Out</a:t>
+              </a:r>
+              <a:endParaRPr lang="ko-KR" altLang="en-US" sz="900">
+                <a:solidFill>
+                  <a:schemeClr val="tx1"/>
+                </a:solidFill>
+              </a:endParaRPr>
+            </a:p>
+          </p:txBody>
+        </p:sp>
+        <p:sp>
+          <p:nvSpPr>
+            <p:cNvPr id="32" name="액자 31">
+              <a:extLst>
+                <a:ext uri="{FF2B5EF4-FFF2-40B4-BE49-F238E27FC236}">
+                  <a16:creationId xmlns:a16="http://schemas.microsoft.com/office/drawing/2014/main" id="{6004449F-56DE-8869-4F8B-04B76F9B7282}"/>
+                </a:ext>
+              </a:extLst>
+            </p:cNvPr>
+            <p:cNvSpPr/>
+            <p:nvPr/>
+          </p:nvSpPr>
+          <p:spPr>
+            <a:xfrm>
+              <a:off x="4851400" y="4356100"/>
+              <a:ext cx="1016000" cy="355600"/>
+            </a:xfrm>
+            <a:prstGeom prst="frame">
+              <a:avLst/>
+            </a:prstGeom>
+          </p:spPr>
+          <p:style>
+            <a:lnRef idx="2">
+              <a:schemeClr val="accent1">
+                <a:shade val="15000"/>
+              </a:schemeClr>
+            </a:lnRef>
+            <a:fillRef idx="1">
+              <a:schemeClr val="accent1"/>
+            </a:fillRef>
+            <a:effectRef idx="0">
+              <a:schemeClr val="accent1"/>
+            </a:effectRef>
+            <a:fontRef idx="minor">
+              <a:schemeClr val="lt1"/>
+            </a:fontRef>
+          </p:style>
+          <p:txBody>
+            <a:bodyPr rtlCol="0" anchor="ctr"/>
+            <a:lstStyle/>
+            <a:p>
+              <a:pPr algn="ctr"/>
+              <a:r>
+                <a:rPr lang="en-US" altLang="ko-KR" sz="900">
+                  <a:solidFill>
+                    <a:schemeClr val="tx1"/>
+                  </a:solidFill>
+                </a:rPr>
+                <a:t>KIT2_Part</a:t>
+              </a:r>
+              <a:endParaRPr lang="ko-KR" altLang="en-US" sz="900">
+                <a:solidFill>
+                  <a:schemeClr val="tx1"/>
+                </a:solidFill>
+              </a:endParaRPr>
+            </a:p>
+          </p:txBody>
+        </p:sp>
+      </p:grpSp>
+    </p:spTree>
+    <p:extLst>
+      <p:ext uri="{BB962C8B-B14F-4D97-AF65-F5344CB8AC3E}">
+        <p14:creationId xmlns:p14="http://schemas.microsoft.com/office/powerpoint/2010/main" val="4136678323"/>
+      </p:ext>
+    </p:extLst>
+  </p:cSld>
+  <p:clrMapOvr>
+    <a:masterClrMapping/>
+  </p:clrMapOvr>
+</p:sld>
+</file>
+
+<file path=ppt/slides/slide11.xml><?xml version="1.0" encoding="utf-8"?>
+<p:sld xmlns:a="http://schemas.openxmlformats.org/drawingml/2006/main" xmlns:r="http://schemas.openxmlformats.org/officeDocument/2006/relationships" xmlns:p="http://schemas.openxmlformats.org/presentationml/2006/main">
+  <p:cSld>
+    <p:spTree>
+      <p:nvGrpSpPr>
+        <p:cNvPr id="1" name=""/>
+        <p:cNvGrpSpPr/>
+        <p:nvPr/>
+      </p:nvGrpSpPr>
+      <p:grpSpPr>
+        <a:xfrm>
+          <a:off x="0" y="0"/>
+          <a:ext cx="0" cy="0"/>
+          <a:chOff x="0" y="0"/>
+          <a:chExt cx="0" cy="0"/>
+        </a:xfrm>
+      </p:grpSpPr>
+      <p:pic>
+        <p:nvPicPr>
+          <p:cNvPr id="3" name="그림 2">
+            <a:extLst>
+              <a:ext uri="{FF2B5EF4-FFF2-40B4-BE49-F238E27FC236}">
+                <a16:creationId xmlns:a16="http://schemas.microsoft.com/office/drawing/2014/main" id="{50704FE1-2FB6-626B-9C25-5F494237FF04}"/>
+              </a:ext>
+            </a:extLst>
+          </p:cNvPr>
+          <p:cNvPicPr>
+            <a:picLocks noChangeAspect="1"/>
+          </p:cNvPicPr>
+          <p:nvPr/>
+        </p:nvPicPr>
+        <p:blipFill>
+          <a:blip r:embed="rId2">
+            <a:extLst>
+              <a:ext uri="{28A0092B-C50C-407E-A947-70E740481C1C}">
+                <a14:useLocalDpi xmlns:a14="http://schemas.microsoft.com/office/drawing/2010/main" val="0"/>
+              </a:ext>
+            </a:extLst>
+          </a:blip>
+          <a:stretch>
+            <a:fillRect/>
+          </a:stretch>
+        </p:blipFill>
+        <p:spPr>
+          <a:xfrm>
+            <a:off x="0" y="0"/>
+            <a:ext cx="12192000" cy="6856032"/>
+          </a:xfrm>
+          <a:prstGeom prst="rect">
+            <a:avLst/>
+          </a:prstGeom>
+        </p:spPr>
+      </p:pic>
+      <p:sp>
+        <p:nvSpPr>
+          <p:cNvPr id="34" name="TextBox 33">
+            <a:extLst>
+              <a:ext uri="{FF2B5EF4-FFF2-40B4-BE49-F238E27FC236}">
+                <a16:creationId xmlns:a16="http://schemas.microsoft.com/office/drawing/2014/main" id="{15DF3683-37B6-859D-555F-F0371F353151}"/>
+              </a:ext>
+            </a:extLst>
+          </p:cNvPr>
+          <p:cNvSpPr txBox="1"/>
+          <p:nvPr/>
+        </p:nvSpPr>
+        <p:spPr>
+          <a:xfrm>
+            <a:off x="254000" y="127000"/>
+            <a:ext cx="15240000" cy="381000"/>
+          </a:xfrm>
+          <a:prstGeom prst="rect">
+            <a:avLst/>
+          </a:prstGeom>
+          <a:noFill/>
+        </p:spPr>
+        <p:txBody>
+          <a:bodyPr vert="horz" rtlCol="0">
+            <a:spAutoFit/>
+          </a:bodyPr>
+          <a:lstStyle/>
+          <a:p>
+            <a:r>
+              <a:rPr lang="en-US" altLang="ko-KR" dirty="0"/>
+              <a:t>[Layout]STN55</a:t>
+            </a:r>
+            <a:endParaRPr lang="ko-KR" altLang="en-US" dirty="0"/>
+          </a:p>
+        </p:txBody>
+      </p:sp>
+      <p:sp>
+        <p:nvSpPr>
+          <p:cNvPr id="35" name="TextBox 34">
+            <a:extLst>
+              <a:ext uri="{FF2B5EF4-FFF2-40B4-BE49-F238E27FC236}">
+                <a16:creationId xmlns:a16="http://schemas.microsoft.com/office/drawing/2014/main" id="{C6DE771D-B54A-1DD5-7FAB-81A2E0A29C65}"/>
+              </a:ext>
+            </a:extLst>
+          </p:cNvPr>
+          <p:cNvSpPr txBox="1"/>
+          <p:nvPr/>
+        </p:nvSpPr>
+        <p:spPr>
+          <a:xfrm>
+            <a:off x="254000" y="508000"/>
+            <a:ext cx="15240000" cy="381000"/>
+          </a:xfrm>
+          <a:prstGeom prst="rect">
+            <a:avLst/>
+          </a:prstGeom>
+          <a:noFill/>
+        </p:spPr>
+        <p:txBody>
+          <a:bodyPr vert="horz" rtlCol="0">
+            <a:spAutoFit/>
+          </a:bodyPr>
+          <a:lstStyle/>
+          <a:p>
+            <a:r>
+              <a:rPr lang="en-US" altLang="ko-KR" dirty="0"/>
+              <a:t>[Path]</a:t>
+            </a:r>
+            <a:r>
+              <a:rPr lang="en-US" altLang="ko-KR" dirty="0" err="1"/>
+              <a:t>SlideImage</a:t>
+            </a:r>
+            <a:endParaRPr lang="ko-KR" altLang="en-US" dirty="0"/>
+          </a:p>
+        </p:txBody>
+      </p:sp>
+      <p:sp>
+        <p:nvSpPr>
+          <p:cNvPr id="38" name="액자 37">
+            <a:extLst>
+              <a:ext uri="{FF2B5EF4-FFF2-40B4-BE49-F238E27FC236}">
+                <a16:creationId xmlns:a16="http://schemas.microsoft.com/office/drawing/2014/main" id="{650B743C-8912-E8F4-D8EF-84DAEFA0E485}"/>
+              </a:ext>
+            </a:extLst>
+          </p:cNvPr>
+          <p:cNvSpPr/>
+          <p:nvPr/>
+        </p:nvSpPr>
+        <p:spPr>
+          <a:xfrm flipH="1">
+            <a:off x="9806869" y="3922766"/>
+            <a:ext cx="2295878" cy="1747860"/>
+          </a:xfrm>
+          <a:prstGeom prst="frame">
+            <a:avLst/>
+          </a:prstGeom>
+        </p:spPr>
+        <p:style>
+          <a:lnRef idx="2">
+            <a:schemeClr val="accent1">
+              <a:shade val="15000"/>
+            </a:schemeClr>
+          </a:lnRef>
+          <a:fillRef idx="1">
+            <a:schemeClr val="accent1"/>
+          </a:fillRef>
+          <a:effectRef idx="0">
+            <a:schemeClr val="accent1"/>
+          </a:effectRef>
+          <a:fontRef idx="minor">
+            <a:schemeClr val="lt1"/>
+          </a:fontRef>
+        </p:style>
+        <p:txBody>
+          <a:bodyPr rtlCol="0" anchor="ctr"/>
+          <a:lstStyle/>
+          <a:p>
+            <a:pPr algn="ctr"/>
+            <a:r>
+              <a:rPr lang="en-US" altLang="ko-KR" sz="900">
+                <a:solidFill>
+                  <a:schemeClr val="tx1"/>
+                </a:solidFill>
+              </a:rPr>
+              <a:t>KIT1_1st_usb</a:t>
+            </a:r>
+            <a:endParaRPr lang="ko-KR" altLang="en-US" sz="900">
+              <a:solidFill>
+                <a:schemeClr val="tx1"/>
+              </a:solidFill>
+            </a:endParaRPr>
+          </a:p>
+        </p:txBody>
+      </p:sp>
+      <p:sp>
+        <p:nvSpPr>
+          <p:cNvPr id="39" name="액자 38">
+            <a:extLst>
+              <a:ext uri="{FF2B5EF4-FFF2-40B4-BE49-F238E27FC236}">
+                <a16:creationId xmlns:a16="http://schemas.microsoft.com/office/drawing/2014/main" id="{FA4A85A9-D98E-726F-9174-FF4E1F56BBAD}"/>
+              </a:ext>
+            </a:extLst>
+          </p:cNvPr>
+          <p:cNvSpPr/>
+          <p:nvPr/>
+        </p:nvSpPr>
+        <p:spPr>
+          <a:xfrm flipH="1">
+            <a:off x="4049183" y="3922766"/>
+            <a:ext cx="2295878" cy="1747860"/>
+          </a:xfrm>
+          <a:prstGeom prst="frame">
+            <a:avLst/>
+          </a:prstGeom>
+        </p:spPr>
+        <p:style>
+          <a:lnRef idx="2">
+            <a:schemeClr val="accent1">
+              <a:shade val="15000"/>
+            </a:schemeClr>
+          </a:lnRef>
+          <a:fillRef idx="1">
+            <a:schemeClr val="accent1"/>
+          </a:fillRef>
+          <a:effectRef idx="0">
+            <a:schemeClr val="accent1"/>
+          </a:effectRef>
+          <a:fontRef idx="minor">
+            <a:schemeClr val="lt1"/>
+          </a:fontRef>
+        </p:style>
+        <p:txBody>
+          <a:bodyPr rtlCol="0" anchor="ctr"/>
+          <a:lstStyle/>
+          <a:p>
+            <a:pPr algn="ctr"/>
+            <a:r>
+              <a:rPr lang="en-US" altLang="ko-KR" sz="900">
+                <a:solidFill>
+                  <a:schemeClr val="tx1"/>
+                </a:solidFill>
+              </a:rPr>
+              <a:t>KIT1_2nd_usb</a:t>
+            </a:r>
+            <a:endParaRPr lang="ko-KR" altLang="en-US" sz="900">
+              <a:solidFill>
+                <a:schemeClr val="tx1"/>
+              </a:solidFill>
+            </a:endParaRPr>
+          </a:p>
+        </p:txBody>
+      </p:sp>
+      <p:sp>
+        <p:nvSpPr>
+          <p:cNvPr id="40" name="액자 39">
+            <a:extLst>
+              <a:ext uri="{FF2B5EF4-FFF2-40B4-BE49-F238E27FC236}">
+                <a16:creationId xmlns:a16="http://schemas.microsoft.com/office/drawing/2014/main" id="{E4FA290E-5A23-14EC-E413-2A66B302B251}"/>
+              </a:ext>
+            </a:extLst>
+          </p:cNvPr>
+          <p:cNvSpPr/>
+          <p:nvPr/>
+        </p:nvSpPr>
+        <p:spPr>
+          <a:xfrm flipH="1">
+            <a:off x="6972652" y="3922766"/>
+            <a:ext cx="2295878" cy="1747860"/>
+          </a:xfrm>
+          <a:prstGeom prst="frame">
+            <a:avLst/>
+          </a:prstGeom>
+        </p:spPr>
+        <p:style>
+          <a:lnRef idx="2">
+            <a:schemeClr val="accent1">
+              <a:shade val="15000"/>
+            </a:schemeClr>
+          </a:lnRef>
+          <a:fillRef idx="1">
+            <a:schemeClr val="accent1"/>
+          </a:fillRef>
+          <a:effectRef idx="0">
+            <a:schemeClr val="accent1"/>
+          </a:effectRef>
+          <a:fontRef idx="minor">
+            <a:schemeClr val="lt1"/>
+          </a:fontRef>
+        </p:style>
+        <p:txBody>
+          <a:bodyPr rtlCol="0" anchor="ctr"/>
+          <a:lstStyle/>
+          <a:p>
+            <a:pPr algn="ctr"/>
+            <a:r>
+              <a:rPr lang="en-US" altLang="ko-KR" sz="900">
+                <a:solidFill>
+                  <a:schemeClr val="tx1"/>
+                </a:solidFill>
+              </a:rPr>
+              <a:t>KIT1_3rd_usb</a:t>
+            </a:r>
+            <a:endParaRPr lang="ko-KR" altLang="en-US" sz="900">
+              <a:solidFill>
+                <a:schemeClr val="tx1"/>
+              </a:solidFill>
+            </a:endParaRPr>
+          </a:p>
+        </p:txBody>
+      </p:sp>
+      <p:sp>
+        <p:nvSpPr>
+          <p:cNvPr id="41" name="액자 40">
+            <a:extLst>
+              <a:ext uri="{FF2B5EF4-FFF2-40B4-BE49-F238E27FC236}">
+                <a16:creationId xmlns:a16="http://schemas.microsoft.com/office/drawing/2014/main" id="{A3841FBB-D6E3-2D03-324D-86A9CA34F4F8}"/>
+              </a:ext>
+            </a:extLst>
+          </p:cNvPr>
+          <p:cNvSpPr/>
+          <p:nvPr/>
+        </p:nvSpPr>
+        <p:spPr>
+          <a:xfrm flipH="1">
+            <a:off x="599722" y="3922766"/>
+            <a:ext cx="2295878" cy="1747860"/>
+          </a:xfrm>
+          <a:prstGeom prst="frame">
+            <a:avLst/>
+          </a:prstGeom>
+        </p:spPr>
+        <p:style>
+          <a:lnRef idx="2">
+            <a:schemeClr val="accent1">
+              <a:shade val="15000"/>
+            </a:schemeClr>
+          </a:lnRef>
+          <a:fillRef idx="1">
+            <a:schemeClr val="accent1"/>
+          </a:fillRef>
+          <a:effectRef idx="0">
+            <a:schemeClr val="accent1"/>
+          </a:effectRef>
+          <a:fontRef idx="minor">
+            <a:schemeClr val="lt1"/>
+          </a:fontRef>
+        </p:style>
+        <p:txBody>
+          <a:bodyPr rtlCol="0" anchor="ctr"/>
+          <a:lstStyle/>
+          <a:p>
+            <a:pPr algn="ctr"/>
+            <a:r>
+              <a:rPr lang="en-US" altLang="ko-KR" sz="900">
+                <a:solidFill>
+                  <a:schemeClr val="tx1"/>
+                </a:solidFill>
+              </a:rPr>
+              <a:t>KIT1_4th_usb</a:t>
+            </a:r>
+            <a:endParaRPr lang="ko-KR" altLang="en-US" sz="900">
+              <a:solidFill>
+                <a:schemeClr val="tx1"/>
+              </a:solidFill>
+            </a:endParaRPr>
+          </a:p>
+        </p:txBody>
+      </p:sp>
+      <p:sp>
+        <p:nvSpPr>
+          <p:cNvPr id="42" name="액자 41">
+            <a:extLst>
+              <a:ext uri="{FF2B5EF4-FFF2-40B4-BE49-F238E27FC236}">
+                <a16:creationId xmlns:a16="http://schemas.microsoft.com/office/drawing/2014/main" id="{01456D9F-E19C-1684-620C-AB7127E90FA5}"/>
+              </a:ext>
+            </a:extLst>
+          </p:cNvPr>
+          <p:cNvSpPr/>
+          <p:nvPr/>
+        </p:nvSpPr>
+        <p:spPr>
+          <a:xfrm flipH="1">
+            <a:off x="6573661" y="1680156"/>
+            <a:ext cx="2295878" cy="1747860"/>
+          </a:xfrm>
+          <a:prstGeom prst="frame">
+            <a:avLst/>
+          </a:prstGeom>
+        </p:spPr>
+        <p:style>
+          <a:lnRef idx="2">
+            <a:schemeClr val="accent1">
+              <a:shade val="15000"/>
+            </a:schemeClr>
+          </a:lnRef>
+          <a:fillRef idx="1">
+            <a:schemeClr val="accent1"/>
+          </a:fillRef>
+          <a:effectRef idx="0">
+            <a:schemeClr val="accent1"/>
+          </a:effectRef>
+          <a:fontRef idx="minor">
+            <a:schemeClr val="lt1"/>
+          </a:fontRef>
+        </p:style>
+        <p:txBody>
+          <a:bodyPr rtlCol="0" anchor="ctr"/>
+          <a:lstStyle/>
+          <a:p>
+            <a:pPr algn="ctr"/>
+            <a:r>
+              <a:rPr lang="en-US" altLang="ko-KR" sz="900">
+                <a:solidFill>
+                  <a:schemeClr val="tx1"/>
+                </a:solidFill>
+              </a:rPr>
+              <a:t>KIT1_3rd_stp</a:t>
+            </a:r>
+            <a:endParaRPr lang="ko-KR" altLang="en-US" sz="900">
+              <a:solidFill>
+                <a:schemeClr val="tx1"/>
+              </a:solidFill>
+            </a:endParaRPr>
+          </a:p>
+        </p:txBody>
+      </p:sp>
+      <p:sp>
+        <p:nvSpPr>
+          <p:cNvPr id="43" name="액자 42">
+            <a:extLst>
+              <a:ext uri="{FF2B5EF4-FFF2-40B4-BE49-F238E27FC236}">
+                <a16:creationId xmlns:a16="http://schemas.microsoft.com/office/drawing/2014/main" id="{05F14544-AE53-BB47-59CC-370CF0538FED}"/>
+              </a:ext>
+            </a:extLst>
+          </p:cNvPr>
+          <p:cNvSpPr/>
+          <p:nvPr/>
+        </p:nvSpPr>
+        <p:spPr>
+          <a:xfrm flipH="1">
+            <a:off x="9206089" y="1863430"/>
+            <a:ext cx="2295878" cy="1747860"/>
+          </a:xfrm>
+          <a:prstGeom prst="frame">
+            <a:avLst/>
+          </a:prstGeom>
+        </p:spPr>
+        <p:style>
+          <a:lnRef idx="2">
+            <a:schemeClr val="accent1">
+              <a:shade val="15000"/>
+            </a:schemeClr>
+          </a:lnRef>
+          <a:fillRef idx="1">
+            <a:schemeClr val="accent1"/>
+          </a:fillRef>
+          <a:effectRef idx="0">
+            <a:schemeClr val="accent1"/>
+          </a:effectRef>
+          <a:fontRef idx="minor">
+            <a:schemeClr val="lt1"/>
+          </a:fontRef>
+        </p:style>
+        <p:txBody>
+          <a:bodyPr rtlCol="0" anchor="ctr"/>
+          <a:lstStyle/>
+          <a:p>
+            <a:pPr algn="ctr"/>
+            <a:r>
+              <a:rPr lang="en-US" altLang="ko-KR" sz="900">
+                <a:solidFill>
+                  <a:schemeClr val="tx1"/>
+                </a:solidFill>
+              </a:rPr>
+              <a:t>KIT1_4th_stp</a:t>
+            </a:r>
+            <a:endParaRPr lang="ko-KR" altLang="en-US" sz="900">
+              <a:solidFill>
+                <a:schemeClr val="tx1"/>
+              </a:solidFill>
+            </a:endParaRPr>
+          </a:p>
+        </p:txBody>
+      </p:sp>
+      <p:sp>
+        <p:nvSpPr>
+          <p:cNvPr id="44" name="액자 43">
+            <a:extLst>
+              <a:ext uri="{FF2B5EF4-FFF2-40B4-BE49-F238E27FC236}">
+                <a16:creationId xmlns:a16="http://schemas.microsoft.com/office/drawing/2014/main" id="{DB9D5715-E6BC-2E54-C7B8-23FCCE338DF5}"/>
+              </a:ext>
+            </a:extLst>
+          </p:cNvPr>
+          <p:cNvSpPr/>
+          <p:nvPr/>
+        </p:nvSpPr>
+        <p:spPr>
+          <a:xfrm flipH="1">
+            <a:off x="3641372" y="1558175"/>
+            <a:ext cx="2295878" cy="1747860"/>
+          </a:xfrm>
+          <a:prstGeom prst="frame">
+            <a:avLst/>
+          </a:prstGeom>
+        </p:spPr>
+        <p:style>
+          <a:lnRef idx="2">
+            <a:schemeClr val="accent1">
+              <a:shade val="15000"/>
+            </a:schemeClr>
+          </a:lnRef>
+          <a:fillRef idx="1">
+            <a:schemeClr val="accent1"/>
+          </a:fillRef>
+          <a:effectRef idx="0">
+            <a:schemeClr val="accent1"/>
+          </a:effectRef>
+          <a:fontRef idx="minor">
+            <a:schemeClr val="lt1"/>
+          </a:fontRef>
+        </p:style>
+        <p:txBody>
+          <a:bodyPr rtlCol="0" anchor="ctr"/>
+          <a:lstStyle/>
+          <a:p>
+            <a:pPr algn="ctr"/>
+            <a:r>
+              <a:rPr lang="en-US" altLang="ko-KR" sz="900">
+                <a:solidFill>
+                  <a:schemeClr val="tx1"/>
+                </a:solidFill>
+              </a:rPr>
+              <a:t>KIT1_2nd_stp</a:t>
+            </a:r>
+            <a:endParaRPr lang="ko-KR" altLang="en-US" sz="900">
+              <a:solidFill>
+                <a:schemeClr val="tx1"/>
+              </a:solidFill>
+            </a:endParaRPr>
+          </a:p>
+        </p:txBody>
+      </p:sp>
+      <p:sp>
+        <p:nvSpPr>
+          <p:cNvPr id="45" name="액자 44">
+            <a:extLst>
+              <a:ext uri="{FF2B5EF4-FFF2-40B4-BE49-F238E27FC236}">
+                <a16:creationId xmlns:a16="http://schemas.microsoft.com/office/drawing/2014/main" id="{F2592B67-0328-60DD-B777-5E229AD50357}"/>
+              </a:ext>
+            </a:extLst>
+          </p:cNvPr>
+          <p:cNvSpPr/>
+          <p:nvPr/>
+        </p:nvSpPr>
+        <p:spPr>
+          <a:xfrm flipH="1">
+            <a:off x="131233" y="1295324"/>
+            <a:ext cx="2295878" cy="1747860"/>
+          </a:xfrm>
+          <a:prstGeom prst="frame">
+            <a:avLst/>
+          </a:prstGeom>
+        </p:spPr>
+        <p:style>
+          <a:lnRef idx="2">
+            <a:schemeClr val="accent1">
+              <a:shade val="15000"/>
+            </a:schemeClr>
+          </a:lnRef>
+          <a:fillRef idx="1">
+            <a:schemeClr val="accent1"/>
+          </a:fillRef>
+          <a:effectRef idx="0">
+            <a:schemeClr val="accent1"/>
+          </a:effectRef>
+          <a:fontRef idx="minor">
+            <a:schemeClr val="lt1"/>
+          </a:fontRef>
+        </p:style>
+        <p:txBody>
+          <a:bodyPr rtlCol="0" anchor="ctr"/>
+          <a:lstStyle/>
+          <a:p>
+            <a:pPr algn="ctr"/>
+            <a:r>
+              <a:rPr lang="en-US" altLang="ko-KR" sz="900">
+                <a:solidFill>
+                  <a:schemeClr val="tx1"/>
+                </a:solidFill>
+              </a:rPr>
+              <a:t>KIT1_1st_stp</a:t>
+            </a:r>
+            <a:endParaRPr lang="ko-KR" altLang="en-US" sz="900">
+              <a:solidFill>
+                <a:schemeClr val="tx1"/>
+              </a:solidFill>
+            </a:endParaRPr>
+          </a:p>
+        </p:txBody>
+      </p:sp>
+    </p:spTree>
+    <p:extLst>
+      <p:ext uri="{BB962C8B-B14F-4D97-AF65-F5344CB8AC3E}">
+        <p14:creationId xmlns:p14="http://schemas.microsoft.com/office/powerpoint/2010/main" val="3657349851"/>
+      </p:ext>
+    </p:extLst>
+  </p:cSld>
+  <p:clrMapOvr>
+    <a:masterClrMapping/>
+  </p:clrMapOvr>
+</p:sld>
+</file>
+
+<file path=ppt/slides/slide12.xml><?xml version="1.0" encoding="utf-8"?>
+<p:sld xmlns:a="http://schemas.openxmlformats.org/drawingml/2006/main" xmlns:r="http://schemas.openxmlformats.org/officeDocument/2006/relationships" xmlns:p="http://schemas.openxmlformats.org/presentationml/2006/main">
+  <p:cSld>
     <p:spTree>
       <p:nvGrpSpPr>
         <p:cNvPr id="1" name=""/>
@@ -4054,10 +6477,10 @@
       </p:sp>
       <p:grpSp>
         <p:nvGrpSpPr>
-          <p:cNvPr id="5" name="그룹 4">
+          <p:cNvPr id="9" name="그룹 8">
             <a:extLst>
               <a:ext uri="{FF2B5EF4-FFF2-40B4-BE49-F238E27FC236}">
-                <a16:creationId xmlns:a16="http://schemas.microsoft.com/office/drawing/2014/main" id="{22B2E562-9C36-C5C0-967D-CA9EE64B9089}"/>
+                <a16:creationId xmlns:a16="http://schemas.microsoft.com/office/drawing/2014/main" id="{86EF63F2-44C5-C11D-7412-F51BEF1EBC46}"/>
               </a:ext>
             </a:extLst>
           </p:cNvPr>
@@ -5454,10 +7877,10 @@
       </p:sp>
       <p:grpSp>
         <p:nvGrpSpPr>
-          <p:cNvPr id="4" name="그룹 3">
+          <p:cNvPr id="8" name="그룹 7">
             <a:extLst>
               <a:ext uri="{FF2B5EF4-FFF2-40B4-BE49-F238E27FC236}">
-                <a16:creationId xmlns:a16="http://schemas.microsoft.com/office/drawing/2014/main" id="{3D21AE60-58B9-960A-B68F-343A5F255C8D}"/>
+                <a16:creationId xmlns:a16="http://schemas.microsoft.com/office/drawing/2014/main" id="{031A68E3-D96D-D49C-162F-C3E319EC5A09}"/>
               </a:ext>
             </a:extLst>
           </p:cNvPr>
@@ -7781,10 +10204,10 @@
       </p:sp>
       <p:grpSp>
         <p:nvGrpSpPr>
-          <p:cNvPr id="3" name="그룹 2">
+          <p:cNvPr id="6" name="그룹 5">
             <a:extLst>
               <a:ext uri="{FF2B5EF4-FFF2-40B4-BE49-F238E27FC236}">
-                <a16:creationId xmlns:a16="http://schemas.microsoft.com/office/drawing/2014/main" id="{F47496D1-7613-1DBF-5716-7873C1D255D0}"/>
+                <a16:creationId xmlns:a16="http://schemas.microsoft.com/office/drawing/2014/main" id="{76D82938-A8A4-620D-F2BD-E4DD3750A1F5}"/>
               </a:ext>
             </a:extLst>
           </p:cNvPr>
@@ -8852,896 +11275,7 @@
 </p:sld>
 </file>
 
-<file path=ppt/slides/slide11.xml><?xml version="1.0" encoding="utf-8"?>
-<p:sld xmlns:a="http://schemas.openxmlformats.org/drawingml/2006/main" xmlns:r="http://schemas.openxmlformats.org/officeDocument/2006/relationships" xmlns:p="http://schemas.openxmlformats.org/presentationml/2006/main">
-  <p:cSld>
-    <p:bg>
-      <p:bgPr>
-        <a:solidFill>
-          <a:srgbClr val="696969"/>
-        </a:solidFill>
-        <a:effectLst/>
-      </p:bgPr>
-    </p:bg>
-    <p:spTree>
-      <p:nvGrpSpPr>
-        <p:cNvPr id="1" name=""/>
-        <p:cNvGrpSpPr/>
-        <p:nvPr/>
-      </p:nvGrpSpPr>
-      <p:grpSpPr>
-        <a:xfrm>
-          <a:off x="0" y="0"/>
-          <a:ext cx="0" cy="0"/>
-          <a:chOff x="0" y="0"/>
-          <a:chExt cx="0" cy="0"/>
-        </a:xfrm>
-      </p:grpSpPr>
-      <p:sp>
-        <p:nvSpPr>
-          <p:cNvPr id="2" name="TextBox 1">
-            <a:extLst>
-              <a:ext uri="{FF2B5EF4-FFF2-40B4-BE49-F238E27FC236}">
-                <a16:creationId xmlns:a16="http://schemas.microsoft.com/office/drawing/2014/main" id="{7581056C-AAC4-7088-9F7D-894593DA92D1}"/>
-              </a:ext>
-            </a:extLst>
-          </p:cNvPr>
-          <p:cNvSpPr txBox="1"/>
-          <p:nvPr/>
-        </p:nvSpPr>
-        <p:spPr>
-          <a:xfrm>
-            <a:off x="254000" y="127000"/>
-            <a:ext cx="15240000" cy="381000"/>
-          </a:xfrm>
-          <a:prstGeom prst="rect">
-            <a:avLst/>
-          </a:prstGeom>
-          <a:noFill/>
-        </p:spPr>
-        <p:txBody>
-          <a:bodyPr vert="horz" rtlCol="0">
-            <a:spAutoFit/>
-          </a:bodyPr>
-          <a:lstStyle/>
-          <a:p>
-            <a:r>
-              <a:rPr lang="en-US" altLang="ko-KR"/>
-              <a:t>Layout : KIT2</a:t>
-            </a:r>
-            <a:endParaRPr lang="ko-KR" altLang="en-US"/>
-          </a:p>
-        </p:txBody>
-      </p:sp>
-      <p:sp>
-        <p:nvSpPr>
-          <p:cNvPr id="3" name="TextBox 2">
-            <a:extLst>
-              <a:ext uri="{FF2B5EF4-FFF2-40B4-BE49-F238E27FC236}">
-                <a16:creationId xmlns:a16="http://schemas.microsoft.com/office/drawing/2014/main" id="{1A515477-3039-21E8-84C1-B3EE6586BCD1}"/>
-              </a:ext>
-            </a:extLst>
-          </p:cNvPr>
-          <p:cNvSpPr txBox="1"/>
-          <p:nvPr/>
-        </p:nvSpPr>
-        <p:spPr>
-          <a:xfrm>
-            <a:off x="254000" y="508000"/>
-            <a:ext cx="15240000" cy="381000"/>
-          </a:xfrm>
-          <a:prstGeom prst="rect">
-            <a:avLst/>
-          </a:prstGeom>
-          <a:noFill/>
-        </p:spPr>
-        <p:txBody>
-          <a:bodyPr vert="horz" rtlCol="0">
-            <a:spAutoFit/>
-          </a:bodyPr>
-          <a:lstStyle/>
-          <a:p>
-            <a:r>
-              <a:rPr lang="en-US" altLang="ko-KR" dirty="0"/>
-              <a:t>[Path]C:/Windows/Web/Wallpaper/Windows/</a:t>
-            </a:r>
-            <a:r>
-              <a:rPr lang="en-US" altLang="ko-KR" dirty="0" err="1"/>
-              <a:t>img1.jpg</a:t>
-            </a:r>
-            <a:endParaRPr lang="ko-KR" altLang="en-US" dirty="0"/>
-          </a:p>
-        </p:txBody>
-      </p:sp>
-      <p:grpSp>
-        <p:nvGrpSpPr>
-          <p:cNvPr id="17" name="그룹 16">
-            <a:extLst>
-              <a:ext uri="{FF2B5EF4-FFF2-40B4-BE49-F238E27FC236}">
-                <a16:creationId xmlns:a16="http://schemas.microsoft.com/office/drawing/2014/main" id="{9414635B-6CF7-9A1C-D4A5-2C0927B7448B}"/>
-              </a:ext>
-            </a:extLst>
-          </p:cNvPr>
-          <p:cNvGrpSpPr/>
-          <p:nvPr/>
-        </p:nvGrpSpPr>
-        <p:grpSpPr>
-          <a:xfrm>
-            <a:off x="781170" y="317500"/>
-            <a:ext cx="10972800" cy="6261100"/>
-            <a:chOff x="781170" y="317500"/>
-            <a:chExt cx="10972800" cy="6261100"/>
-          </a:xfrm>
-        </p:grpSpPr>
-        <p:sp>
-          <p:nvSpPr>
-            <p:cNvPr id="4" name="액자 3">
-              <a:extLst>
-                <a:ext uri="{FF2B5EF4-FFF2-40B4-BE49-F238E27FC236}">
-                  <a16:creationId xmlns:a16="http://schemas.microsoft.com/office/drawing/2014/main" id="{B0F94BC9-2359-9160-1134-3896B3F04112}"/>
-                </a:ext>
-              </a:extLst>
-            </p:cNvPr>
-            <p:cNvSpPr/>
-            <p:nvPr/>
-          </p:nvSpPr>
-          <p:spPr>
-            <a:xfrm>
-              <a:off x="9747370" y="317500"/>
-              <a:ext cx="838200" cy="279400"/>
-            </a:xfrm>
-            <a:prstGeom prst="frame">
-              <a:avLst/>
-            </a:prstGeom>
-          </p:spPr>
-          <p:style>
-            <a:lnRef idx="2">
-              <a:schemeClr val="accent1">
-                <a:shade val="15000"/>
-              </a:schemeClr>
-            </a:lnRef>
-            <a:fillRef idx="1">
-              <a:schemeClr val="accent1"/>
-            </a:fillRef>
-            <a:effectRef idx="0">
-              <a:schemeClr val="accent1"/>
-            </a:effectRef>
-            <a:fontRef idx="minor">
-              <a:schemeClr val="lt1"/>
-            </a:fontRef>
-          </p:style>
-          <p:txBody>
-            <a:bodyPr rtlCol="0" anchor="ctr"/>
-            <a:lstStyle/>
-            <a:p>
-              <a:pPr algn="ctr"/>
-              <a:r>
-                <a:rPr lang="en-US" altLang="ko-KR" sz="900">
-                  <a:solidFill>
-                    <a:schemeClr val="tx1"/>
-                  </a:solidFill>
-                </a:rPr>
-                <a:t>KIT2_Cv_RR</a:t>
-              </a:r>
-              <a:endParaRPr lang="ko-KR" altLang="en-US" sz="900">
-                <a:solidFill>
-                  <a:schemeClr val="tx1"/>
-                </a:solidFill>
-              </a:endParaRPr>
-            </a:p>
-          </p:txBody>
-        </p:sp>
-        <p:sp>
-          <p:nvSpPr>
-            <p:cNvPr id="5" name="액자 4">
-              <a:extLst>
-                <a:ext uri="{FF2B5EF4-FFF2-40B4-BE49-F238E27FC236}">
-                  <a16:creationId xmlns:a16="http://schemas.microsoft.com/office/drawing/2014/main" id="{7D9E82D6-379E-907B-53F4-2B2256530D7A}"/>
-                </a:ext>
-              </a:extLst>
-            </p:cNvPr>
-            <p:cNvSpPr/>
-            <p:nvPr/>
-          </p:nvSpPr>
-          <p:spPr>
-            <a:xfrm>
-              <a:off x="11068170" y="1066800"/>
-              <a:ext cx="685800" cy="279400"/>
-            </a:xfrm>
-            <a:prstGeom prst="frame">
-              <a:avLst/>
-            </a:prstGeom>
-          </p:spPr>
-          <p:style>
-            <a:lnRef idx="2">
-              <a:schemeClr val="accent1">
-                <a:shade val="15000"/>
-              </a:schemeClr>
-            </a:lnRef>
-            <a:fillRef idx="1">
-              <a:schemeClr val="accent1"/>
-            </a:fillRef>
-            <a:effectRef idx="0">
-              <a:schemeClr val="accent1"/>
-            </a:effectRef>
-            <a:fontRef idx="minor">
-              <a:schemeClr val="lt1"/>
-            </a:fontRef>
-          </p:style>
-          <p:txBody>
-            <a:bodyPr rtlCol="0" anchor="ctr"/>
-            <a:lstStyle/>
-            <a:p>
-              <a:pPr algn="ctr"/>
-              <a:r>
-                <a:rPr lang="en-US" altLang="ko-KR" sz="900">
-                  <a:solidFill>
-                    <a:schemeClr val="tx1"/>
-                  </a:solidFill>
-                </a:rPr>
-                <a:t>KIT2_In</a:t>
-              </a:r>
-              <a:endParaRPr lang="ko-KR" altLang="en-US" sz="900">
-                <a:solidFill>
-                  <a:schemeClr val="tx1"/>
-                </a:solidFill>
-              </a:endParaRPr>
-            </a:p>
-          </p:txBody>
-        </p:sp>
-        <p:sp>
-          <p:nvSpPr>
-            <p:cNvPr id="6" name="액자 5">
-              <a:extLst>
-                <a:ext uri="{FF2B5EF4-FFF2-40B4-BE49-F238E27FC236}">
-                  <a16:creationId xmlns:a16="http://schemas.microsoft.com/office/drawing/2014/main" id="{BF059A6C-9EC9-B703-9A90-8959C806CB21}"/>
-                </a:ext>
-              </a:extLst>
-            </p:cNvPr>
-            <p:cNvSpPr/>
-            <p:nvPr/>
-          </p:nvSpPr>
-          <p:spPr>
-            <a:xfrm>
-              <a:off x="781170" y="5219700"/>
-              <a:ext cx="1270000" cy="355600"/>
-            </a:xfrm>
-            <a:prstGeom prst="frame">
-              <a:avLst/>
-            </a:prstGeom>
-          </p:spPr>
-          <p:style>
-            <a:lnRef idx="2">
-              <a:schemeClr val="accent1">
-                <a:shade val="15000"/>
-              </a:schemeClr>
-            </a:lnRef>
-            <a:fillRef idx="1">
-              <a:schemeClr val="accent1"/>
-            </a:fillRef>
-            <a:effectRef idx="0">
-              <a:schemeClr val="accent1"/>
-            </a:effectRef>
-            <a:fontRef idx="minor">
-              <a:schemeClr val="lt1"/>
-            </a:fontRef>
-          </p:style>
-          <p:txBody>
-            <a:bodyPr rtlCol="0" anchor="ctr"/>
-            <a:lstStyle/>
-            <a:p>
-              <a:pPr algn="ctr"/>
-              <a:r>
-                <a:rPr lang="en-US" altLang="ko-KR" sz="900">
-                  <a:solidFill>
-                    <a:schemeClr val="tx1"/>
-                  </a:solidFill>
-                </a:rPr>
-                <a:t>KIT2_Cv_Frt</a:t>
-              </a:r>
-              <a:endParaRPr lang="ko-KR" altLang="en-US" sz="900">
-                <a:solidFill>
-                  <a:schemeClr val="tx1"/>
-                </a:solidFill>
-              </a:endParaRPr>
-            </a:p>
-          </p:txBody>
-        </p:sp>
-        <p:sp>
-          <p:nvSpPr>
-            <p:cNvPr id="7" name="액자 6">
-              <a:extLst>
-                <a:ext uri="{FF2B5EF4-FFF2-40B4-BE49-F238E27FC236}">
-                  <a16:creationId xmlns:a16="http://schemas.microsoft.com/office/drawing/2014/main" id="{CAC771BD-F084-3E9B-3A94-0EDB9959CD43}"/>
-                </a:ext>
-              </a:extLst>
-            </p:cNvPr>
-            <p:cNvSpPr/>
-            <p:nvPr/>
-          </p:nvSpPr>
-          <p:spPr>
-            <a:xfrm>
-              <a:off x="3244970" y="1790700"/>
-              <a:ext cx="901700" cy="355600"/>
-            </a:xfrm>
-            <a:prstGeom prst="frame">
-              <a:avLst/>
-            </a:prstGeom>
-          </p:spPr>
-          <p:style>
-            <a:lnRef idx="2">
-              <a:schemeClr val="accent1">
-                <a:shade val="15000"/>
-              </a:schemeClr>
-            </a:lnRef>
-            <a:fillRef idx="1">
-              <a:schemeClr val="accent1"/>
-            </a:fillRef>
-            <a:effectRef idx="0">
-              <a:schemeClr val="accent1"/>
-            </a:effectRef>
-            <a:fontRef idx="minor">
-              <a:schemeClr val="lt1"/>
-            </a:fontRef>
-          </p:style>
-          <p:txBody>
-            <a:bodyPr rtlCol="0" anchor="ctr"/>
-            <a:lstStyle/>
-            <a:p>
-              <a:pPr algn="ctr"/>
-              <a:r>
-                <a:rPr lang="en-US" altLang="ko-KR" sz="900">
-                  <a:solidFill>
-                    <a:schemeClr val="tx1"/>
-                  </a:solidFill>
-                </a:rPr>
-                <a:t>KIT2_1st_usb</a:t>
-              </a:r>
-              <a:endParaRPr lang="ko-KR" altLang="en-US" sz="900">
-                <a:solidFill>
-                  <a:schemeClr val="tx1"/>
-                </a:solidFill>
-              </a:endParaRPr>
-            </a:p>
-          </p:txBody>
-        </p:sp>
-        <p:sp>
-          <p:nvSpPr>
-            <p:cNvPr id="8" name="액자 7">
-              <a:extLst>
-                <a:ext uri="{FF2B5EF4-FFF2-40B4-BE49-F238E27FC236}">
-                  <a16:creationId xmlns:a16="http://schemas.microsoft.com/office/drawing/2014/main" id="{99387EFE-8231-4C53-DE66-2F29B88158E0}"/>
-                </a:ext>
-              </a:extLst>
-            </p:cNvPr>
-            <p:cNvSpPr/>
-            <p:nvPr/>
-          </p:nvSpPr>
-          <p:spPr>
-            <a:xfrm>
-              <a:off x="3219570" y="2362200"/>
-              <a:ext cx="901700" cy="355600"/>
-            </a:xfrm>
-            <a:prstGeom prst="frame">
-              <a:avLst/>
-            </a:prstGeom>
-          </p:spPr>
-          <p:style>
-            <a:lnRef idx="2">
-              <a:schemeClr val="accent1">
-                <a:shade val="15000"/>
-              </a:schemeClr>
-            </a:lnRef>
-            <a:fillRef idx="1">
-              <a:schemeClr val="accent1"/>
-            </a:fillRef>
-            <a:effectRef idx="0">
-              <a:schemeClr val="accent1"/>
-            </a:effectRef>
-            <a:fontRef idx="minor">
-              <a:schemeClr val="lt1"/>
-            </a:fontRef>
-          </p:style>
-          <p:txBody>
-            <a:bodyPr rtlCol="0" anchor="ctr"/>
-            <a:lstStyle/>
-            <a:p>
-              <a:pPr algn="ctr"/>
-              <a:r>
-                <a:rPr lang="en-US" altLang="ko-KR" sz="900">
-                  <a:solidFill>
-                    <a:schemeClr val="tx1"/>
-                  </a:solidFill>
-                </a:rPr>
-                <a:t>KIT2_2nd_usb</a:t>
-              </a:r>
-              <a:endParaRPr lang="ko-KR" altLang="en-US" sz="900">
-                <a:solidFill>
-                  <a:schemeClr val="tx1"/>
-                </a:solidFill>
-              </a:endParaRPr>
-            </a:p>
-          </p:txBody>
-        </p:sp>
-        <p:sp>
-          <p:nvSpPr>
-            <p:cNvPr id="9" name="액자 8">
-              <a:extLst>
-                <a:ext uri="{FF2B5EF4-FFF2-40B4-BE49-F238E27FC236}">
-                  <a16:creationId xmlns:a16="http://schemas.microsoft.com/office/drawing/2014/main" id="{7722DD94-FC2F-7EE4-53CB-67D0E0DBDB75}"/>
-                </a:ext>
-              </a:extLst>
-            </p:cNvPr>
-            <p:cNvSpPr/>
-            <p:nvPr/>
-          </p:nvSpPr>
-          <p:spPr>
-            <a:xfrm>
-              <a:off x="3219570" y="2984500"/>
-              <a:ext cx="901700" cy="355600"/>
-            </a:xfrm>
-            <a:prstGeom prst="frame">
-              <a:avLst/>
-            </a:prstGeom>
-          </p:spPr>
-          <p:style>
-            <a:lnRef idx="2">
-              <a:schemeClr val="accent1">
-                <a:shade val="15000"/>
-              </a:schemeClr>
-            </a:lnRef>
-            <a:fillRef idx="1">
-              <a:schemeClr val="accent1"/>
-            </a:fillRef>
-            <a:effectRef idx="0">
-              <a:schemeClr val="accent1"/>
-            </a:effectRef>
-            <a:fontRef idx="minor">
-              <a:schemeClr val="lt1"/>
-            </a:fontRef>
-          </p:style>
-          <p:txBody>
-            <a:bodyPr rtlCol="0" anchor="ctr"/>
-            <a:lstStyle/>
-            <a:p>
-              <a:pPr algn="ctr"/>
-              <a:r>
-                <a:rPr lang="en-US" altLang="ko-KR" sz="900">
-                  <a:solidFill>
-                    <a:schemeClr val="tx1"/>
-                  </a:solidFill>
-                </a:rPr>
-                <a:t>KIT2_3rd_usb</a:t>
-              </a:r>
-              <a:endParaRPr lang="ko-KR" altLang="en-US" sz="900">
-                <a:solidFill>
-                  <a:schemeClr val="tx1"/>
-                </a:solidFill>
-              </a:endParaRPr>
-            </a:p>
-          </p:txBody>
-        </p:sp>
-        <p:sp>
-          <p:nvSpPr>
-            <p:cNvPr id="10" name="액자 9">
-              <a:extLst>
-                <a:ext uri="{FF2B5EF4-FFF2-40B4-BE49-F238E27FC236}">
-                  <a16:creationId xmlns:a16="http://schemas.microsoft.com/office/drawing/2014/main" id="{F3F2A677-CD94-3ED1-B953-590BF3593379}"/>
-                </a:ext>
-              </a:extLst>
-            </p:cNvPr>
-            <p:cNvSpPr/>
-            <p:nvPr/>
-          </p:nvSpPr>
-          <p:spPr>
-            <a:xfrm>
-              <a:off x="3206870" y="3644900"/>
-              <a:ext cx="901700" cy="355600"/>
-            </a:xfrm>
-            <a:prstGeom prst="frame">
-              <a:avLst/>
-            </a:prstGeom>
-          </p:spPr>
-          <p:style>
-            <a:lnRef idx="2">
-              <a:schemeClr val="accent1">
-                <a:shade val="15000"/>
-              </a:schemeClr>
-            </a:lnRef>
-            <a:fillRef idx="1">
-              <a:schemeClr val="accent1"/>
-            </a:fillRef>
-            <a:effectRef idx="0">
-              <a:schemeClr val="accent1"/>
-            </a:effectRef>
-            <a:fontRef idx="minor">
-              <a:schemeClr val="lt1"/>
-            </a:fontRef>
-          </p:style>
-          <p:txBody>
-            <a:bodyPr rtlCol="0" anchor="ctr"/>
-            <a:lstStyle/>
-            <a:p>
-              <a:pPr algn="ctr"/>
-              <a:r>
-                <a:rPr lang="en-US" altLang="ko-KR" sz="900">
-                  <a:solidFill>
-                    <a:schemeClr val="tx1"/>
-                  </a:solidFill>
-                </a:rPr>
-                <a:t>KIT2_4th_usb</a:t>
-              </a:r>
-              <a:endParaRPr lang="ko-KR" altLang="en-US" sz="900">
-                <a:solidFill>
-                  <a:schemeClr val="tx1"/>
-                </a:solidFill>
-              </a:endParaRPr>
-            </a:p>
-          </p:txBody>
-        </p:sp>
-        <p:sp>
-          <p:nvSpPr>
-            <p:cNvPr id="11" name="액자 10">
-              <a:extLst>
-                <a:ext uri="{FF2B5EF4-FFF2-40B4-BE49-F238E27FC236}">
-                  <a16:creationId xmlns:a16="http://schemas.microsoft.com/office/drawing/2014/main" id="{26D52992-4A90-0205-8B69-AB87A16EF97E}"/>
-                </a:ext>
-              </a:extLst>
-            </p:cNvPr>
-            <p:cNvSpPr/>
-            <p:nvPr/>
-          </p:nvSpPr>
-          <p:spPr>
-            <a:xfrm>
-              <a:off x="5937370" y="2984500"/>
-              <a:ext cx="901700" cy="355600"/>
-            </a:xfrm>
-            <a:prstGeom prst="frame">
-              <a:avLst/>
-            </a:prstGeom>
-          </p:spPr>
-          <p:style>
-            <a:lnRef idx="2">
-              <a:schemeClr val="accent1">
-                <a:shade val="15000"/>
-              </a:schemeClr>
-            </a:lnRef>
-            <a:fillRef idx="1">
-              <a:schemeClr val="accent1"/>
-            </a:fillRef>
-            <a:effectRef idx="0">
-              <a:schemeClr val="accent1"/>
-            </a:effectRef>
-            <a:fontRef idx="minor">
-              <a:schemeClr val="lt1"/>
-            </a:fontRef>
-          </p:style>
-          <p:txBody>
-            <a:bodyPr rtlCol="0" anchor="ctr"/>
-            <a:lstStyle/>
-            <a:p>
-              <a:pPr algn="ctr"/>
-              <a:r>
-                <a:rPr lang="en-US" altLang="ko-KR" sz="900">
-                  <a:solidFill>
-                    <a:schemeClr val="tx1"/>
-                  </a:solidFill>
-                </a:rPr>
-                <a:t>KIT2_3rd_stp</a:t>
-              </a:r>
-              <a:endParaRPr lang="ko-KR" altLang="en-US" sz="900">
-                <a:solidFill>
-                  <a:schemeClr val="tx1"/>
-                </a:solidFill>
-              </a:endParaRPr>
-            </a:p>
-          </p:txBody>
-        </p:sp>
-        <p:sp>
-          <p:nvSpPr>
-            <p:cNvPr id="12" name="액자 11">
-              <a:extLst>
-                <a:ext uri="{FF2B5EF4-FFF2-40B4-BE49-F238E27FC236}">
-                  <a16:creationId xmlns:a16="http://schemas.microsoft.com/office/drawing/2014/main" id="{C81361FF-B929-0248-9A50-6A4629C1A8AA}"/>
-                </a:ext>
-              </a:extLst>
-            </p:cNvPr>
-            <p:cNvSpPr/>
-            <p:nvPr/>
-          </p:nvSpPr>
-          <p:spPr>
-            <a:xfrm>
-              <a:off x="5975470" y="3619500"/>
-              <a:ext cx="901700" cy="355600"/>
-            </a:xfrm>
-            <a:prstGeom prst="frame">
-              <a:avLst/>
-            </a:prstGeom>
-          </p:spPr>
-          <p:style>
-            <a:lnRef idx="2">
-              <a:schemeClr val="accent1">
-                <a:shade val="15000"/>
-              </a:schemeClr>
-            </a:lnRef>
-            <a:fillRef idx="1">
-              <a:schemeClr val="accent1"/>
-            </a:fillRef>
-            <a:effectRef idx="0">
-              <a:schemeClr val="accent1"/>
-            </a:effectRef>
-            <a:fontRef idx="minor">
-              <a:schemeClr val="lt1"/>
-            </a:fontRef>
-          </p:style>
-          <p:txBody>
-            <a:bodyPr rtlCol="0" anchor="ctr"/>
-            <a:lstStyle/>
-            <a:p>
-              <a:pPr algn="ctr"/>
-              <a:r>
-                <a:rPr lang="en-US" altLang="ko-KR" sz="900">
-                  <a:solidFill>
-                    <a:schemeClr val="tx1"/>
-                  </a:solidFill>
-                </a:rPr>
-                <a:t>KIT2_4th_stp</a:t>
-              </a:r>
-              <a:endParaRPr lang="ko-KR" altLang="en-US" sz="900">
-                <a:solidFill>
-                  <a:schemeClr val="tx1"/>
-                </a:solidFill>
-              </a:endParaRPr>
-            </a:p>
-          </p:txBody>
-        </p:sp>
-        <p:sp>
-          <p:nvSpPr>
-            <p:cNvPr id="13" name="액자 12">
-              <a:extLst>
-                <a:ext uri="{FF2B5EF4-FFF2-40B4-BE49-F238E27FC236}">
-                  <a16:creationId xmlns:a16="http://schemas.microsoft.com/office/drawing/2014/main" id="{6D60948B-49DA-D70E-8519-98A49F9253FE}"/>
-                </a:ext>
-              </a:extLst>
-            </p:cNvPr>
-            <p:cNvSpPr/>
-            <p:nvPr/>
-          </p:nvSpPr>
-          <p:spPr>
-            <a:xfrm>
-              <a:off x="6000870" y="2413000"/>
-              <a:ext cx="901700" cy="355600"/>
-            </a:xfrm>
-            <a:prstGeom prst="frame">
-              <a:avLst/>
-            </a:prstGeom>
-          </p:spPr>
-          <p:style>
-            <a:lnRef idx="2">
-              <a:schemeClr val="accent1">
-                <a:shade val="15000"/>
-              </a:schemeClr>
-            </a:lnRef>
-            <a:fillRef idx="1">
-              <a:schemeClr val="accent1"/>
-            </a:fillRef>
-            <a:effectRef idx="0">
-              <a:schemeClr val="accent1"/>
-            </a:effectRef>
-            <a:fontRef idx="minor">
-              <a:schemeClr val="lt1"/>
-            </a:fontRef>
-          </p:style>
-          <p:txBody>
-            <a:bodyPr rtlCol="0" anchor="ctr"/>
-            <a:lstStyle/>
-            <a:p>
-              <a:pPr algn="ctr"/>
-              <a:r>
-                <a:rPr lang="en-US" altLang="ko-KR" sz="900">
-                  <a:solidFill>
-                    <a:schemeClr val="tx1"/>
-                  </a:solidFill>
-                </a:rPr>
-                <a:t>KIT2_2nd_stp</a:t>
-              </a:r>
-              <a:endParaRPr lang="ko-KR" altLang="en-US" sz="900">
-                <a:solidFill>
-                  <a:schemeClr val="tx1"/>
-                </a:solidFill>
-              </a:endParaRPr>
-            </a:p>
-          </p:txBody>
-        </p:sp>
-        <p:sp>
-          <p:nvSpPr>
-            <p:cNvPr id="14" name="액자 13">
-              <a:extLst>
-                <a:ext uri="{FF2B5EF4-FFF2-40B4-BE49-F238E27FC236}">
-                  <a16:creationId xmlns:a16="http://schemas.microsoft.com/office/drawing/2014/main" id="{AABEC37B-5C7B-1E9B-089B-DEA47E332312}"/>
-                </a:ext>
-              </a:extLst>
-            </p:cNvPr>
-            <p:cNvSpPr/>
-            <p:nvPr/>
-          </p:nvSpPr>
-          <p:spPr>
-            <a:xfrm>
-              <a:off x="6000870" y="1765300"/>
-              <a:ext cx="901700" cy="355600"/>
-            </a:xfrm>
-            <a:prstGeom prst="frame">
-              <a:avLst/>
-            </a:prstGeom>
-          </p:spPr>
-          <p:style>
-            <a:lnRef idx="2">
-              <a:schemeClr val="accent1">
-                <a:shade val="15000"/>
-              </a:schemeClr>
-            </a:lnRef>
-            <a:fillRef idx="1">
-              <a:schemeClr val="accent1"/>
-            </a:fillRef>
-            <a:effectRef idx="0">
-              <a:schemeClr val="accent1"/>
-            </a:effectRef>
-            <a:fontRef idx="minor">
-              <a:schemeClr val="lt1"/>
-            </a:fontRef>
-          </p:style>
-          <p:txBody>
-            <a:bodyPr rtlCol="0" anchor="ctr"/>
-            <a:lstStyle/>
-            <a:p>
-              <a:pPr algn="ctr"/>
-              <a:r>
-                <a:rPr lang="en-US" altLang="ko-KR" sz="900">
-                  <a:solidFill>
-                    <a:schemeClr val="tx1"/>
-                  </a:solidFill>
-                </a:rPr>
-                <a:t>KIT2_1st_stp</a:t>
-              </a:r>
-              <a:endParaRPr lang="ko-KR" altLang="en-US" sz="900">
-                <a:solidFill>
-                  <a:schemeClr val="tx1"/>
-                </a:solidFill>
-              </a:endParaRPr>
-            </a:p>
-          </p:txBody>
-        </p:sp>
-        <p:sp>
-          <p:nvSpPr>
-            <p:cNvPr id="15" name="액자 14">
-              <a:extLst>
-                <a:ext uri="{FF2B5EF4-FFF2-40B4-BE49-F238E27FC236}">
-                  <a16:creationId xmlns:a16="http://schemas.microsoft.com/office/drawing/2014/main" id="{4ADFCEC3-6652-79F2-C677-07C708CD5562}"/>
-                </a:ext>
-              </a:extLst>
-            </p:cNvPr>
-            <p:cNvSpPr/>
-            <p:nvPr/>
-          </p:nvSpPr>
-          <p:spPr>
-            <a:xfrm>
-              <a:off x="2330570" y="4940300"/>
-              <a:ext cx="660400" cy="355600"/>
-            </a:xfrm>
-            <a:prstGeom prst="frame">
-              <a:avLst/>
-            </a:prstGeom>
-          </p:spPr>
-          <p:style>
-            <a:lnRef idx="2">
-              <a:schemeClr val="accent1">
-                <a:shade val="15000"/>
-              </a:schemeClr>
-            </a:lnRef>
-            <a:fillRef idx="1">
-              <a:schemeClr val="accent1"/>
-            </a:fillRef>
-            <a:effectRef idx="0">
-              <a:schemeClr val="accent1"/>
-            </a:effectRef>
-            <a:fontRef idx="minor">
-              <a:schemeClr val="lt1"/>
-            </a:fontRef>
-          </p:style>
-          <p:txBody>
-            <a:bodyPr rtlCol="0" anchor="ctr"/>
-            <a:lstStyle/>
-            <a:p>
-              <a:pPr algn="ctr"/>
-              <a:r>
-                <a:rPr lang="en-US" altLang="ko-KR" sz="900">
-                  <a:solidFill>
-                    <a:schemeClr val="tx1"/>
-                  </a:solidFill>
-                </a:rPr>
-                <a:t>KIT2_Out</a:t>
-              </a:r>
-              <a:endParaRPr lang="ko-KR" altLang="en-US" sz="900">
-                <a:solidFill>
-                  <a:schemeClr val="tx1"/>
-                </a:solidFill>
-              </a:endParaRPr>
-            </a:p>
-          </p:txBody>
-        </p:sp>
-        <p:sp>
-          <p:nvSpPr>
-            <p:cNvPr id="16" name="액자 15">
-              <a:extLst>
-                <a:ext uri="{FF2B5EF4-FFF2-40B4-BE49-F238E27FC236}">
-                  <a16:creationId xmlns:a16="http://schemas.microsoft.com/office/drawing/2014/main" id="{B4C384C8-33A0-8FC6-1549-9A94C2504CAC}"/>
-                </a:ext>
-              </a:extLst>
-            </p:cNvPr>
-            <p:cNvSpPr/>
-            <p:nvPr/>
-          </p:nvSpPr>
-          <p:spPr>
-            <a:xfrm>
-              <a:off x="8680570" y="6223000"/>
-              <a:ext cx="1016000" cy="355600"/>
-            </a:xfrm>
-            <a:prstGeom prst="frame">
-              <a:avLst/>
-            </a:prstGeom>
-          </p:spPr>
-          <p:style>
-            <a:lnRef idx="2">
-              <a:schemeClr val="accent1">
-                <a:shade val="15000"/>
-              </a:schemeClr>
-            </a:lnRef>
-            <a:fillRef idx="1">
-              <a:schemeClr val="accent1"/>
-            </a:fillRef>
-            <a:effectRef idx="0">
-              <a:schemeClr val="accent1"/>
-            </a:effectRef>
-            <a:fontRef idx="minor">
-              <a:schemeClr val="lt1"/>
-            </a:fontRef>
-          </p:style>
-          <p:txBody>
-            <a:bodyPr rtlCol="0" anchor="ctr"/>
-            <a:lstStyle/>
-            <a:p>
-              <a:pPr algn="ctr"/>
-              <a:r>
-                <a:rPr lang="en-US" altLang="ko-KR" sz="900">
-                  <a:solidFill>
-                    <a:schemeClr val="tx1"/>
-                  </a:solidFill>
-                </a:rPr>
-                <a:t>KIT2_Part</a:t>
-              </a:r>
-              <a:endParaRPr lang="ko-KR" altLang="en-US" sz="900">
-                <a:solidFill>
-                  <a:schemeClr val="tx1"/>
-                </a:solidFill>
-              </a:endParaRPr>
-            </a:p>
-          </p:txBody>
-        </p:sp>
-      </p:grpSp>
-    </p:spTree>
-    <p:extLst>
-      <p:ext uri="{BB962C8B-B14F-4D97-AF65-F5344CB8AC3E}">
-        <p14:creationId xmlns:p14="http://schemas.microsoft.com/office/powerpoint/2010/main" val="3348884962"/>
-      </p:ext>
-    </p:extLst>
-  </p:cSld>
-  <p:clrMapOvr>
-    <a:masterClrMapping/>
-  </p:clrMapOvr>
-</p:sld>
-</file>
-
-<file path=ppt/slides/slide12.xml><?xml version="1.0" encoding="utf-8"?>
+<file path=ppt/slides/slide13.xml><?xml version="1.0" encoding="utf-8"?>
 <p:sld xmlns:a="http://schemas.openxmlformats.org/drawingml/2006/main" xmlns:r="http://schemas.openxmlformats.org/officeDocument/2006/relationships" xmlns:p="http://schemas.openxmlformats.org/presentationml/2006/main">
   <p:cSld>
     <p:bg>
@@ -9897,10 +11431,10 @@
       </p:sp>
       <p:grpSp>
         <p:nvGrpSpPr>
-          <p:cNvPr id="67" name="그룹 66">
+          <p:cNvPr id="68" name="그룹 67">
             <a:extLst>
               <a:ext uri="{FF2B5EF4-FFF2-40B4-BE49-F238E27FC236}">
-                <a16:creationId xmlns:a16="http://schemas.microsoft.com/office/drawing/2014/main" id="{38C13B10-0488-AE10-9453-947E2EACEF3D}"/>
+                <a16:creationId xmlns:a16="http://schemas.microsoft.com/office/drawing/2014/main" id="{91672615-1AAC-2EA1-DCE8-448AA98B9CC3}"/>
               </a:ext>
             </a:extLst>
           </p:cNvPr>
@@ -12966,10 +14500,10 @@
       </p:sp>
       <p:grpSp>
         <p:nvGrpSpPr>
-          <p:cNvPr id="4" name="그룹 3">
+          <p:cNvPr id="23" name="그룹 22">
             <a:extLst>
               <a:ext uri="{FF2B5EF4-FFF2-40B4-BE49-F238E27FC236}">
-                <a16:creationId xmlns:a16="http://schemas.microsoft.com/office/drawing/2014/main" id="{D943CC7D-2C7B-1FE5-BF5E-C20F00DE10EB}"/>
+                <a16:creationId xmlns:a16="http://schemas.microsoft.com/office/drawing/2014/main" id="{E5297F9C-63CC-014D-2A39-F740ACA40989}"/>
               </a:ext>
             </a:extLst>
           </p:cNvPr>
@@ -13412,10 +14946,10 @@
       </p:grpSp>
       <p:grpSp>
         <p:nvGrpSpPr>
-          <p:cNvPr id="3" name="그룹 2">
+          <p:cNvPr id="18" name="그룹 17">
             <a:extLst>
               <a:ext uri="{FF2B5EF4-FFF2-40B4-BE49-F238E27FC236}">
-                <a16:creationId xmlns:a16="http://schemas.microsoft.com/office/drawing/2014/main" id="{E5DA7063-4A87-7183-93A4-85B554FFCFED}"/>
+                <a16:creationId xmlns:a16="http://schemas.microsoft.com/office/drawing/2014/main" id="{857A0E75-1640-A2FD-F200-5BB9D806DE14}"/>
               </a:ext>
             </a:extLst>
           </p:cNvPr>
@@ -14013,10 +15547,10 @@
       </p:sp>
       <p:grpSp>
         <p:nvGrpSpPr>
-          <p:cNvPr id="3" name="그룹 2">
+          <p:cNvPr id="5" name="그룹 4">
             <a:extLst>
               <a:ext uri="{FF2B5EF4-FFF2-40B4-BE49-F238E27FC236}">
-                <a16:creationId xmlns:a16="http://schemas.microsoft.com/office/drawing/2014/main" id="{4D6CA878-A986-36C5-ED7E-5502EF49E2F7}"/>
+                <a16:creationId xmlns:a16="http://schemas.microsoft.com/office/drawing/2014/main" id="{E3A81073-FE7C-390C-AEA6-13B2BB989657}"/>
               </a:ext>
             </a:extLst>
           </p:cNvPr>
@@ -15090,10 +16624,10 @@
       </p:sp>
       <p:grpSp>
         <p:nvGrpSpPr>
-          <p:cNvPr id="3" name="그룹 2">
+          <p:cNvPr id="5" name="그룹 4">
             <a:extLst>
               <a:ext uri="{FF2B5EF4-FFF2-40B4-BE49-F238E27FC236}">
-                <a16:creationId xmlns:a16="http://schemas.microsoft.com/office/drawing/2014/main" id="{A8F3FC50-D94E-F621-5806-80E716727283}"/>
+                <a16:creationId xmlns:a16="http://schemas.microsoft.com/office/drawing/2014/main" id="{BE1465F0-47CE-525B-5637-1A540E627E86}"/>
               </a:ext>
             </a:extLst>
           </p:cNvPr>
@@ -15681,10 +17215,10 @@
       </p:sp>
       <p:grpSp>
         <p:nvGrpSpPr>
-          <p:cNvPr id="3" name="그룹 2">
+          <p:cNvPr id="5" name="그룹 4">
             <a:extLst>
               <a:ext uri="{FF2B5EF4-FFF2-40B4-BE49-F238E27FC236}">
-                <a16:creationId xmlns:a16="http://schemas.microsoft.com/office/drawing/2014/main" id="{3CA866C4-A4A4-41FC-C008-7AF47C161CA0}"/>
+                <a16:creationId xmlns:a16="http://schemas.microsoft.com/office/drawing/2014/main" id="{C22E4A41-63D7-D303-DEE3-CBAE39376784}"/>
               </a:ext>
             </a:extLst>
           </p:cNvPr>
@@ -16272,10 +17806,10 @@
       </p:sp>
       <p:grpSp>
         <p:nvGrpSpPr>
-          <p:cNvPr id="3" name="그룹 2">
+          <p:cNvPr id="5" name="그룹 4">
             <a:extLst>
               <a:ext uri="{FF2B5EF4-FFF2-40B4-BE49-F238E27FC236}">
-                <a16:creationId xmlns:a16="http://schemas.microsoft.com/office/drawing/2014/main" id="{3E5C06F1-2719-D448-E427-B544D07ED836}"/>
+                <a16:creationId xmlns:a16="http://schemas.microsoft.com/office/drawing/2014/main" id="{F611675E-E133-0CE3-C251-82B3516B5AC4}"/>
               </a:ext>
             </a:extLst>
           </p:cNvPr>
@@ -16626,10 +18160,10 @@
       </p:sp>
       <p:grpSp>
         <p:nvGrpSpPr>
-          <p:cNvPr id="5" name="그룹 4">
+          <p:cNvPr id="9" name="그룹 8">
             <a:extLst>
               <a:ext uri="{FF2B5EF4-FFF2-40B4-BE49-F238E27FC236}">
-                <a16:creationId xmlns:a16="http://schemas.microsoft.com/office/drawing/2014/main" id="{9531E8CC-8D86-E217-7F66-8D49E54853D3}"/>
+                <a16:creationId xmlns:a16="http://schemas.microsoft.com/office/drawing/2014/main" id="{0C68E500-5AB2-9A81-D8AD-20B02BAAB4AB}"/>
               </a:ext>
             </a:extLst>
           </p:cNvPr>
@@ -18026,10 +19560,10 @@
       </p:sp>
       <p:grpSp>
         <p:nvGrpSpPr>
-          <p:cNvPr id="4" name="그룹 3">
+          <p:cNvPr id="8" name="그룹 7">
             <a:extLst>
               <a:ext uri="{FF2B5EF4-FFF2-40B4-BE49-F238E27FC236}">
-                <a16:creationId xmlns:a16="http://schemas.microsoft.com/office/drawing/2014/main" id="{70F80B49-917A-6439-81B5-E2149D010629}"/>
+                <a16:creationId xmlns:a16="http://schemas.microsoft.com/office/drawing/2014/main" id="{52E93B81-1115-12F7-2DB2-640663674BE4}"/>
               </a:ext>
             </a:extLst>
           </p:cNvPr>
@@ -20353,10 +21887,10 @@
       </p:sp>
       <p:grpSp>
         <p:nvGrpSpPr>
-          <p:cNvPr id="3" name="그룹 2">
+          <p:cNvPr id="6" name="그룹 5">
             <a:extLst>
               <a:ext uri="{FF2B5EF4-FFF2-40B4-BE49-F238E27FC236}">
-                <a16:creationId xmlns:a16="http://schemas.microsoft.com/office/drawing/2014/main" id="{D7E0A6FA-02B6-91A1-8EEC-CAF5516B0664}"/>
+                <a16:creationId xmlns:a16="http://schemas.microsoft.com/office/drawing/2014/main" id="{606E4C8F-A210-5D87-AC29-DAEA1F07B9EA}"/>
               </a:ext>
             </a:extLst>
           </p:cNvPr>
@@ -21449,6 +22983,42 @@
           <a:chExt cx="0" cy="0"/>
         </a:xfrm>
       </p:grpSpPr>
+      <p:pic>
+        <p:nvPicPr>
+          <p:cNvPr id="18" name="그림 17">
+            <a:extLst>
+              <a:ext uri="{FF2B5EF4-FFF2-40B4-BE49-F238E27FC236}">
+                <a16:creationId xmlns:a16="http://schemas.microsoft.com/office/drawing/2014/main" id="{3476C454-DD17-2A50-7C82-925023E22E14}"/>
+              </a:ext>
+            </a:extLst>
+          </p:cNvPr>
+          <p:cNvPicPr>
+            <a:picLocks noChangeAspect="1"/>
+          </p:cNvPicPr>
+          <p:nvPr/>
+        </p:nvPicPr>
+        <p:blipFill>
+          <a:blip r:embed="rId2">
+            <a:extLst>
+              <a:ext uri="{28A0092B-C50C-407E-A947-70E740481C1C}">
+                <a14:useLocalDpi xmlns:a14="http://schemas.microsoft.com/office/drawing/2010/main" val="0"/>
+              </a:ext>
+            </a:extLst>
+          </a:blip>
+          <a:stretch>
+            <a:fillRect/>
+          </a:stretch>
+        </p:blipFill>
+        <p:spPr>
+          <a:xfrm>
+            <a:off x="-1" y="0"/>
+            <a:ext cx="12192001" cy="6864724"/>
+          </a:xfrm>
+          <a:prstGeom prst="rect">
+            <a:avLst/>
+          </a:prstGeom>
+        </p:spPr>
+      </p:pic>
       <p:sp>
         <p:nvSpPr>
           <p:cNvPr id="2" name="TextBox 1">
@@ -21478,10 +23048,10 @@
           <a:lstStyle/>
           <a:p>
             <a:r>
-              <a:rPr lang="en-US" altLang="ko-KR"/>
-              <a:t>Layout : KIT1</a:t>
+              <a:rPr lang="en-US" altLang="ko-KR" dirty="0"/>
+              <a:t>[Layout]KIT1</a:t>
             </a:r>
-            <a:endParaRPr lang="ko-KR" altLang="en-US"/>
+            <a:endParaRPr lang="ko-KR" altLang="en-US" dirty="0"/>
           </a:p>
         </p:txBody>
       </p:sp>
@@ -22337,6 +23907,42 @@
           <a:chExt cx="0" cy="0"/>
         </a:xfrm>
       </p:grpSpPr>
+      <p:pic>
+        <p:nvPicPr>
+          <p:cNvPr id="17" name="그림 16">
+            <a:extLst>
+              <a:ext uri="{FF2B5EF4-FFF2-40B4-BE49-F238E27FC236}">
+                <a16:creationId xmlns:a16="http://schemas.microsoft.com/office/drawing/2014/main" id="{3F2D9B9E-593A-8A42-67AF-46EBA8A1822A}"/>
+              </a:ext>
+            </a:extLst>
+          </p:cNvPr>
+          <p:cNvPicPr>
+            <a:picLocks noChangeAspect="1"/>
+          </p:cNvPicPr>
+          <p:nvPr/>
+        </p:nvPicPr>
+        <p:blipFill>
+          <a:blip r:embed="rId2">
+            <a:extLst>
+              <a:ext uri="{28A0092B-C50C-407E-A947-70E740481C1C}">
+                <a14:useLocalDpi xmlns:a14="http://schemas.microsoft.com/office/drawing/2010/main" val="0"/>
+              </a:ext>
+            </a:extLst>
+          </a:blip>
+          <a:stretch>
+            <a:fillRect/>
+          </a:stretch>
+        </p:blipFill>
+        <p:spPr>
+          <a:xfrm>
+            <a:off x="-1" y="0"/>
+            <a:ext cx="12192001" cy="6864724"/>
+          </a:xfrm>
+          <a:prstGeom prst="rect">
+            <a:avLst/>
+          </a:prstGeom>
+        </p:spPr>
+      </p:pic>
       <p:sp>
         <p:nvSpPr>
           <p:cNvPr id="2" name="TextBox 1">
@@ -22367,11 +23973,11 @@
           <a:p>
             <a:r>
               <a:rPr lang="en-US" altLang="ko-KR" dirty="0"/>
-              <a:t>Layout : </a:t>
+              <a:t>[Layout</a:t>
             </a:r>
             <a:r>
-              <a:rPr lang="en-US" altLang="ko-KR" dirty="0" err="1"/>
-              <a:t>KIT2</a:t>
+              <a:rPr lang="en-US" altLang="ko-KR"/>
+              <a:t>]KIT2</a:t>
             </a:r>
             <a:endParaRPr lang="ko-KR" altLang="en-US" dirty="0"/>
           </a:p>
@@ -22445,781 +24051,760 @@
           </a:p>
         </p:txBody>
       </p:sp>
-      <p:grpSp>
-        <p:nvGrpSpPr>
-          <p:cNvPr id="17" name="그룹 16">
+      <p:sp>
+        <p:nvSpPr>
+          <p:cNvPr id="4" name="액자 3">
             <a:extLst>
               <a:ext uri="{FF2B5EF4-FFF2-40B4-BE49-F238E27FC236}">
-                <a16:creationId xmlns:a16="http://schemas.microsoft.com/office/drawing/2014/main" id="{A80FD0BB-7A51-015B-DDA5-BA2CE1BF9972}"/>
+                <a16:creationId xmlns:a16="http://schemas.microsoft.com/office/drawing/2014/main" id="{A7831BBB-C685-9CCC-3CCC-03B330E3D6D6}"/>
               </a:ext>
             </a:extLst>
           </p:cNvPr>
-          <p:cNvGrpSpPr/>
+          <p:cNvSpPr/>
           <p:nvPr/>
-        </p:nvGrpSpPr>
-        <p:grpSpPr>
-          <a:xfrm>
-            <a:off x="1828800" y="2171700"/>
-            <a:ext cx="9550400" cy="4216400"/>
-            <a:chOff x="1828800" y="2171700"/>
-            <a:chExt cx="9550400" cy="4216400"/>
+        </p:nvSpPr>
+        <p:spPr>
+          <a:xfrm flipH="1">
+            <a:off x="2845741" y="2171700"/>
+            <a:ext cx="729544" cy="188156"/>
           </a:xfrm>
-        </p:grpSpPr>
-        <p:sp>
-          <p:nvSpPr>
-            <p:cNvPr id="4" name="액자 3">
-              <a:extLst>
-                <a:ext uri="{FF2B5EF4-FFF2-40B4-BE49-F238E27FC236}">
-                  <a16:creationId xmlns:a16="http://schemas.microsoft.com/office/drawing/2014/main" id="{A7831BBB-C685-9CCC-3CCC-03B330E3D6D6}"/>
-                </a:ext>
-              </a:extLst>
-            </p:cNvPr>
-            <p:cNvSpPr/>
-            <p:nvPr/>
-          </p:nvSpPr>
-          <p:spPr>
-            <a:xfrm flipH="1">
-              <a:off x="2845741" y="2171700"/>
-              <a:ext cx="729544" cy="188156"/>
-            </a:xfrm>
-            <a:prstGeom prst="frame">
-              <a:avLst/>
-            </a:prstGeom>
-          </p:spPr>
-          <p:style>
-            <a:lnRef idx="2">
-              <a:schemeClr val="accent1">
-                <a:shade val="15000"/>
-              </a:schemeClr>
-            </a:lnRef>
-            <a:fillRef idx="1">
-              <a:schemeClr val="accent1"/>
-            </a:fillRef>
-            <a:effectRef idx="0">
-              <a:schemeClr val="accent1"/>
-            </a:effectRef>
-            <a:fontRef idx="minor">
-              <a:schemeClr val="lt1"/>
-            </a:fontRef>
-          </p:style>
-          <p:txBody>
-            <a:bodyPr rtlCol="0" anchor="ctr"/>
-            <a:lstStyle/>
-            <a:p>
-              <a:pPr algn="ctr"/>
-              <a:r>
-                <a:rPr lang="en-US" altLang="ko-KR" sz="900">
-                  <a:solidFill>
-                    <a:schemeClr val="tx1"/>
-                  </a:solidFill>
-                </a:rPr>
-                <a:t>KIT1_Cv_RR</a:t>
-              </a:r>
-              <a:endParaRPr lang="ko-KR" altLang="en-US" sz="900">
+          <a:prstGeom prst="frame">
+            <a:avLst/>
+          </a:prstGeom>
+        </p:spPr>
+        <p:style>
+          <a:lnRef idx="2">
+            <a:schemeClr val="accent1">
+              <a:shade val="15000"/>
+            </a:schemeClr>
+          </a:lnRef>
+          <a:fillRef idx="1">
+            <a:schemeClr val="accent1"/>
+          </a:fillRef>
+          <a:effectRef idx="0">
+            <a:schemeClr val="accent1"/>
+          </a:effectRef>
+          <a:fontRef idx="minor">
+            <a:schemeClr val="lt1"/>
+          </a:fontRef>
+        </p:style>
+        <p:txBody>
+          <a:bodyPr rtlCol="0" anchor="ctr"/>
+          <a:lstStyle/>
+          <a:p>
+            <a:pPr algn="ctr"/>
+            <a:r>
+              <a:rPr lang="en-US" altLang="ko-KR" sz="900">
                 <a:solidFill>
                   <a:schemeClr val="tx1"/>
                 </a:solidFill>
-              </a:endParaRPr>
-            </a:p>
-          </p:txBody>
-        </p:sp>
-        <p:sp>
-          <p:nvSpPr>
-            <p:cNvPr id="5" name="액자 4">
-              <a:extLst>
-                <a:ext uri="{FF2B5EF4-FFF2-40B4-BE49-F238E27FC236}">
-                  <a16:creationId xmlns:a16="http://schemas.microsoft.com/office/drawing/2014/main" id="{6C2FE58A-C5C0-7ECA-38BE-1F5ED493939C}"/>
-                </a:ext>
-              </a:extLst>
-            </p:cNvPr>
-            <p:cNvSpPr/>
-            <p:nvPr/>
-          </p:nvSpPr>
-          <p:spPr>
-            <a:xfrm flipH="1">
-              <a:off x="1828800" y="2676300"/>
-              <a:ext cx="596900" cy="188156"/>
-            </a:xfrm>
-            <a:prstGeom prst="frame">
-              <a:avLst/>
-            </a:prstGeom>
-          </p:spPr>
-          <p:style>
-            <a:lnRef idx="2">
-              <a:schemeClr val="accent1">
-                <a:shade val="15000"/>
-              </a:schemeClr>
-            </a:lnRef>
-            <a:fillRef idx="1">
-              <a:schemeClr val="accent1"/>
-            </a:fillRef>
-            <a:effectRef idx="0">
-              <a:schemeClr val="accent1"/>
-            </a:effectRef>
-            <a:fontRef idx="minor">
-              <a:schemeClr val="lt1"/>
-            </a:fontRef>
-          </p:style>
-          <p:txBody>
-            <a:bodyPr rtlCol="0" anchor="ctr"/>
-            <a:lstStyle/>
-            <a:p>
-              <a:pPr algn="ctr"/>
-              <a:r>
-                <a:rPr lang="en-US" altLang="ko-KR" sz="900">
-                  <a:solidFill>
-                    <a:schemeClr val="tx1"/>
-                  </a:solidFill>
-                </a:rPr>
-                <a:t>KIT1_In</a:t>
-              </a:r>
-              <a:endParaRPr lang="ko-KR" altLang="en-US" sz="900">
+              </a:rPr>
+              <a:t>KIT1_Cv_RR</a:t>
+            </a:r>
+            <a:endParaRPr lang="ko-KR" altLang="en-US" sz="900">
+              <a:solidFill>
+                <a:schemeClr val="tx1"/>
+              </a:solidFill>
+            </a:endParaRPr>
+          </a:p>
+        </p:txBody>
+      </p:sp>
+      <p:sp>
+        <p:nvSpPr>
+          <p:cNvPr id="5" name="액자 4">
+            <a:extLst>
+              <a:ext uri="{FF2B5EF4-FFF2-40B4-BE49-F238E27FC236}">
+                <a16:creationId xmlns:a16="http://schemas.microsoft.com/office/drawing/2014/main" id="{6C2FE58A-C5C0-7ECA-38BE-1F5ED493939C}"/>
+              </a:ext>
+            </a:extLst>
+          </p:cNvPr>
+          <p:cNvSpPr/>
+          <p:nvPr/>
+        </p:nvSpPr>
+        <p:spPr>
+          <a:xfrm flipH="1">
+            <a:off x="1828800" y="2676300"/>
+            <a:ext cx="596900" cy="188156"/>
+          </a:xfrm>
+          <a:prstGeom prst="frame">
+            <a:avLst/>
+          </a:prstGeom>
+        </p:spPr>
+        <p:style>
+          <a:lnRef idx="2">
+            <a:schemeClr val="accent1">
+              <a:shade val="15000"/>
+            </a:schemeClr>
+          </a:lnRef>
+          <a:fillRef idx="1">
+            <a:schemeClr val="accent1"/>
+          </a:fillRef>
+          <a:effectRef idx="0">
+            <a:schemeClr val="accent1"/>
+          </a:effectRef>
+          <a:fontRef idx="minor">
+            <a:schemeClr val="lt1"/>
+          </a:fontRef>
+        </p:style>
+        <p:txBody>
+          <a:bodyPr rtlCol="0" anchor="ctr"/>
+          <a:lstStyle/>
+          <a:p>
+            <a:pPr algn="ctr"/>
+            <a:r>
+              <a:rPr lang="en-US" altLang="ko-KR" sz="900">
                 <a:solidFill>
                   <a:schemeClr val="tx1"/>
                 </a:solidFill>
-              </a:endParaRPr>
-            </a:p>
-          </p:txBody>
-        </p:sp>
-        <p:sp>
-          <p:nvSpPr>
-            <p:cNvPr id="6" name="액자 5">
-              <a:extLst>
-                <a:ext uri="{FF2B5EF4-FFF2-40B4-BE49-F238E27FC236}">
-                  <a16:creationId xmlns:a16="http://schemas.microsoft.com/office/drawing/2014/main" id="{D70C0531-4373-BF5B-B4EF-64706F8C87AD}"/>
-                </a:ext>
-              </a:extLst>
-            </p:cNvPr>
-            <p:cNvSpPr/>
-            <p:nvPr/>
-          </p:nvSpPr>
-          <p:spPr>
-            <a:xfrm flipH="1">
-              <a:off x="10273830" y="5472979"/>
-              <a:ext cx="1105370" cy="239471"/>
-            </a:xfrm>
-            <a:prstGeom prst="frame">
-              <a:avLst/>
-            </a:prstGeom>
-          </p:spPr>
-          <p:style>
-            <a:lnRef idx="2">
-              <a:schemeClr val="accent1">
-                <a:shade val="15000"/>
-              </a:schemeClr>
-            </a:lnRef>
-            <a:fillRef idx="1">
-              <a:schemeClr val="accent1"/>
-            </a:fillRef>
-            <a:effectRef idx="0">
-              <a:schemeClr val="accent1"/>
-            </a:effectRef>
-            <a:fontRef idx="minor">
-              <a:schemeClr val="lt1"/>
-            </a:fontRef>
-          </p:style>
-          <p:txBody>
-            <a:bodyPr rtlCol="0" anchor="ctr"/>
-            <a:lstStyle/>
-            <a:p>
-              <a:pPr algn="ctr"/>
-              <a:r>
-                <a:rPr lang="en-US" altLang="ko-KR" sz="900">
-                  <a:solidFill>
-                    <a:schemeClr val="tx1"/>
-                  </a:solidFill>
-                </a:rPr>
-                <a:t>KIT1_Cv_Frt</a:t>
-              </a:r>
-              <a:endParaRPr lang="ko-KR" altLang="en-US" sz="900">
+              </a:rPr>
+              <a:t>KIT1_In</a:t>
+            </a:r>
+            <a:endParaRPr lang="ko-KR" altLang="en-US" sz="900">
+              <a:solidFill>
+                <a:schemeClr val="tx1"/>
+              </a:solidFill>
+            </a:endParaRPr>
+          </a:p>
+        </p:txBody>
+      </p:sp>
+      <p:sp>
+        <p:nvSpPr>
+          <p:cNvPr id="6" name="액자 5">
+            <a:extLst>
+              <a:ext uri="{FF2B5EF4-FFF2-40B4-BE49-F238E27FC236}">
+                <a16:creationId xmlns:a16="http://schemas.microsoft.com/office/drawing/2014/main" id="{D70C0531-4373-BF5B-B4EF-64706F8C87AD}"/>
+              </a:ext>
+            </a:extLst>
+          </p:cNvPr>
+          <p:cNvSpPr/>
+          <p:nvPr/>
+        </p:nvSpPr>
+        <p:spPr>
+          <a:xfrm flipH="1">
+            <a:off x="10273830" y="5472979"/>
+            <a:ext cx="1105370" cy="239471"/>
+          </a:xfrm>
+          <a:prstGeom prst="frame">
+            <a:avLst/>
+          </a:prstGeom>
+        </p:spPr>
+        <p:style>
+          <a:lnRef idx="2">
+            <a:schemeClr val="accent1">
+              <a:shade val="15000"/>
+            </a:schemeClr>
+          </a:lnRef>
+          <a:fillRef idx="1">
+            <a:schemeClr val="accent1"/>
+          </a:fillRef>
+          <a:effectRef idx="0">
+            <a:schemeClr val="accent1"/>
+          </a:effectRef>
+          <a:fontRef idx="minor">
+            <a:schemeClr val="lt1"/>
+          </a:fontRef>
+        </p:style>
+        <p:txBody>
+          <a:bodyPr rtlCol="0" anchor="ctr"/>
+          <a:lstStyle/>
+          <a:p>
+            <a:pPr algn="ctr"/>
+            <a:r>
+              <a:rPr lang="en-US" altLang="ko-KR" sz="900">
                 <a:solidFill>
                   <a:schemeClr val="tx1"/>
                 </a:solidFill>
-              </a:endParaRPr>
-            </a:p>
-          </p:txBody>
-        </p:sp>
-        <p:sp>
-          <p:nvSpPr>
-            <p:cNvPr id="7" name="액자 6">
-              <a:extLst>
-                <a:ext uri="{FF2B5EF4-FFF2-40B4-BE49-F238E27FC236}">
-                  <a16:creationId xmlns:a16="http://schemas.microsoft.com/office/drawing/2014/main" id="{676F164D-3E1E-F9D5-1499-C7BA34A6676E}"/>
-                </a:ext>
-              </a:extLst>
-            </p:cNvPr>
-            <p:cNvSpPr/>
-            <p:nvPr/>
-          </p:nvSpPr>
-          <p:spPr>
-            <a:xfrm flipH="1">
-              <a:off x="8449969" y="3163794"/>
-              <a:ext cx="784813" cy="239471"/>
-            </a:xfrm>
-            <a:prstGeom prst="frame">
-              <a:avLst/>
-            </a:prstGeom>
-          </p:spPr>
-          <p:style>
-            <a:lnRef idx="2">
-              <a:schemeClr val="accent1">
-                <a:shade val="15000"/>
-              </a:schemeClr>
-            </a:lnRef>
-            <a:fillRef idx="1">
-              <a:schemeClr val="accent1"/>
-            </a:fillRef>
-            <a:effectRef idx="0">
-              <a:schemeClr val="accent1"/>
-            </a:effectRef>
-            <a:fontRef idx="minor">
-              <a:schemeClr val="lt1"/>
-            </a:fontRef>
-          </p:style>
-          <p:txBody>
-            <a:bodyPr rtlCol="0" anchor="ctr"/>
-            <a:lstStyle/>
-            <a:p>
-              <a:pPr algn="ctr"/>
-              <a:r>
-                <a:rPr lang="en-US" altLang="ko-KR" sz="900">
-                  <a:solidFill>
-                    <a:schemeClr val="tx1"/>
-                  </a:solidFill>
-                </a:rPr>
-                <a:t>KIT1_1st_usb</a:t>
-              </a:r>
-              <a:endParaRPr lang="ko-KR" altLang="en-US" sz="900">
+              </a:rPr>
+              <a:t>KIT1_Cv_Frt</a:t>
+            </a:r>
+            <a:endParaRPr lang="ko-KR" altLang="en-US" sz="900">
+              <a:solidFill>
+                <a:schemeClr val="tx1"/>
+              </a:solidFill>
+            </a:endParaRPr>
+          </a:p>
+        </p:txBody>
+      </p:sp>
+      <p:sp>
+        <p:nvSpPr>
+          <p:cNvPr id="7" name="액자 6">
+            <a:extLst>
+              <a:ext uri="{FF2B5EF4-FFF2-40B4-BE49-F238E27FC236}">
+                <a16:creationId xmlns:a16="http://schemas.microsoft.com/office/drawing/2014/main" id="{676F164D-3E1E-F9D5-1499-C7BA34A6676E}"/>
+              </a:ext>
+            </a:extLst>
+          </p:cNvPr>
+          <p:cNvSpPr/>
+          <p:nvPr/>
+        </p:nvSpPr>
+        <p:spPr>
+          <a:xfrm flipH="1">
+            <a:off x="8449969" y="3163794"/>
+            <a:ext cx="784813" cy="239471"/>
+          </a:xfrm>
+          <a:prstGeom prst="frame">
+            <a:avLst/>
+          </a:prstGeom>
+        </p:spPr>
+        <p:style>
+          <a:lnRef idx="2">
+            <a:schemeClr val="accent1">
+              <a:shade val="15000"/>
+            </a:schemeClr>
+          </a:lnRef>
+          <a:fillRef idx="1">
+            <a:schemeClr val="accent1"/>
+          </a:fillRef>
+          <a:effectRef idx="0">
+            <a:schemeClr val="accent1"/>
+          </a:effectRef>
+          <a:fontRef idx="minor">
+            <a:schemeClr val="lt1"/>
+          </a:fontRef>
+        </p:style>
+        <p:txBody>
+          <a:bodyPr rtlCol="0" anchor="ctr"/>
+          <a:lstStyle/>
+          <a:p>
+            <a:pPr algn="ctr"/>
+            <a:r>
+              <a:rPr lang="en-US" altLang="ko-KR" sz="900">
                 <a:solidFill>
                   <a:schemeClr val="tx1"/>
                 </a:solidFill>
-              </a:endParaRPr>
-            </a:p>
-          </p:txBody>
-        </p:sp>
-        <p:sp>
-          <p:nvSpPr>
-            <p:cNvPr id="8" name="액자 7">
-              <a:extLst>
-                <a:ext uri="{FF2B5EF4-FFF2-40B4-BE49-F238E27FC236}">
-                  <a16:creationId xmlns:a16="http://schemas.microsoft.com/office/drawing/2014/main" id="{34A2F90D-0F1E-C272-FE8D-232D8848DA6A}"/>
-                </a:ext>
-              </a:extLst>
-            </p:cNvPr>
-            <p:cNvSpPr/>
-            <p:nvPr/>
-          </p:nvSpPr>
-          <p:spPr>
-            <a:xfrm flipH="1">
-              <a:off x="8472076" y="3548658"/>
-              <a:ext cx="784813" cy="239471"/>
-            </a:xfrm>
-            <a:prstGeom prst="frame">
-              <a:avLst/>
-            </a:prstGeom>
-          </p:spPr>
-          <p:style>
-            <a:lnRef idx="2">
-              <a:schemeClr val="accent1">
-                <a:shade val="15000"/>
-              </a:schemeClr>
-            </a:lnRef>
-            <a:fillRef idx="1">
-              <a:schemeClr val="accent1"/>
-            </a:fillRef>
-            <a:effectRef idx="0">
-              <a:schemeClr val="accent1"/>
-            </a:effectRef>
-            <a:fontRef idx="minor">
-              <a:schemeClr val="lt1"/>
-            </a:fontRef>
-          </p:style>
-          <p:txBody>
-            <a:bodyPr rtlCol="0" anchor="ctr"/>
-            <a:lstStyle/>
-            <a:p>
-              <a:pPr algn="ctr"/>
-              <a:r>
-                <a:rPr lang="en-US" altLang="ko-KR" sz="900">
-                  <a:solidFill>
-                    <a:schemeClr val="tx1"/>
-                  </a:solidFill>
-                </a:rPr>
-                <a:t>KIT1_2nd_usb</a:t>
-              </a:r>
-              <a:endParaRPr lang="ko-KR" altLang="en-US" sz="900">
+              </a:rPr>
+              <a:t>KIT1_1st_usb</a:t>
+            </a:r>
+            <a:endParaRPr lang="ko-KR" altLang="en-US" sz="900">
+              <a:solidFill>
+                <a:schemeClr val="tx1"/>
+              </a:solidFill>
+            </a:endParaRPr>
+          </a:p>
+        </p:txBody>
+      </p:sp>
+      <p:sp>
+        <p:nvSpPr>
+          <p:cNvPr id="8" name="액자 7">
+            <a:extLst>
+              <a:ext uri="{FF2B5EF4-FFF2-40B4-BE49-F238E27FC236}">
+                <a16:creationId xmlns:a16="http://schemas.microsoft.com/office/drawing/2014/main" id="{34A2F90D-0F1E-C272-FE8D-232D8848DA6A}"/>
+              </a:ext>
+            </a:extLst>
+          </p:cNvPr>
+          <p:cNvSpPr/>
+          <p:nvPr/>
+        </p:nvSpPr>
+        <p:spPr>
+          <a:xfrm flipH="1">
+            <a:off x="8472076" y="3548658"/>
+            <a:ext cx="784813" cy="239471"/>
+          </a:xfrm>
+          <a:prstGeom prst="frame">
+            <a:avLst/>
+          </a:prstGeom>
+        </p:spPr>
+        <p:style>
+          <a:lnRef idx="2">
+            <a:schemeClr val="accent1">
+              <a:shade val="15000"/>
+            </a:schemeClr>
+          </a:lnRef>
+          <a:fillRef idx="1">
+            <a:schemeClr val="accent1"/>
+          </a:fillRef>
+          <a:effectRef idx="0">
+            <a:schemeClr val="accent1"/>
+          </a:effectRef>
+          <a:fontRef idx="minor">
+            <a:schemeClr val="lt1"/>
+          </a:fontRef>
+        </p:style>
+        <p:txBody>
+          <a:bodyPr rtlCol="0" anchor="ctr"/>
+          <a:lstStyle/>
+          <a:p>
+            <a:pPr algn="ctr"/>
+            <a:r>
+              <a:rPr lang="en-US" altLang="ko-KR" sz="900">
                 <a:solidFill>
                   <a:schemeClr val="tx1"/>
                 </a:solidFill>
-              </a:endParaRPr>
-            </a:p>
-          </p:txBody>
-        </p:sp>
-        <p:sp>
-          <p:nvSpPr>
-            <p:cNvPr id="9" name="액자 8">
-              <a:extLst>
-                <a:ext uri="{FF2B5EF4-FFF2-40B4-BE49-F238E27FC236}">
-                  <a16:creationId xmlns:a16="http://schemas.microsoft.com/office/drawing/2014/main" id="{D0D073DA-9E34-348F-ACC4-F155601ED6F2}"/>
-                </a:ext>
-              </a:extLst>
-            </p:cNvPr>
-            <p:cNvSpPr/>
-            <p:nvPr/>
-          </p:nvSpPr>
-          <p:spPr>
-            <a:xfrm flipH="1">
-              <a:off x="8472076" y="3967732"/>
-              <a:ext cx="784813" cy="239471"/>
-            </a:xfrm>
-            <a:prstGeom prst="frame">
-              <a:avLst/>
-            </a:prstGeom>
-          </p:spPr>
-          <p:style>
-            <a:lnRef idx="2">
-              <a:schemeClr val="accent1">
-                <a:shade val="15000"/>
-              </a:schemeClr>
-            </a:lnRef>
-            <a:fillRef idx="1">
-              <a:schemeClr val="accent1"/>
-            </a:fillRef>
-            <a:effectRef idx="0">
-              <a:schemeClr val="accent1"/>
-            </a:effectRef>
-            <a:fontRef idx="minor">
-              <a:schemeClr val="lt1"/>
-            </a:fontRef>
-          </p:style>
-          <p:txBody>
-            <a:bodyPr rtlCol="0" anchor="ctr"/>
-            <a:lstStyle/>
-            <a:p>
-              <a:pPr algn="ctr"/>
-              <a:r>
-                <a:rPr lang="en-US" altLang="ko-KR" sz="900">
-                  <a:solidFill>
-                    <a:schemeClr val="tx1"/>
-                  </a:solidFill>
-                </a:rPr>
-                <a:t>KIT1_3rd_usb</a:t>
-              </a:r>
-              <a:endParaRPr lang="ko-KR" altLang="en-US" sz="900">
+              </a:rPr>
+              <a:t>KIT1_2nd_usb</a:t>
+            </a:r>
+            <a:endParaRPr lang="ko-KR" altLang="en-US" sz="900">
+              <a:solidFill>
+                <a:schemeClr val="tx1"/>
+              </a:solidFill>
+            </a:endParaRPr>
+          </a:p>
+        </p:txBody>
+      </p:sp>
+      <p:sp>
+        <p:nvSpPr>
+          <p:cNvPr id="9" name="액자 8">
+            <a:extLst>
+              <a:ext uri="{FF2B5EF4-FFF2-40B4-BE49-F238E27FC236}">
+                <a16:creationId xmlns:a16="http://schemas.microsoft.com/office/drawing/2014/main" id="{D0D073DA-9E34-348F-ACC4-F155601ED6F2}"/>
+              </a:ext>
+            </a:extLst>
+          </p:cNvPr>
+          <p:cNvSpPr/>
+          <p:nvPr/>
+        </p:nvSpPr>
+        <p:spPr>
+          <a:xfrm flipH="1">
+            <a:off x="8472076" y="3967732"/>
+            <a:ext cx="784813" cy="239471"/>
+          </a:xfrm>
+          <a:prstGeom prst="frame">
+            <a:avLst/>
+          </a:prstGeom>
+        </p:spPr>
+        <p:style>
+          <a:lnRef idx="2">
+            <a:schemeClr val="accent1">
+              <a:shade val="15000"/>
+            </a:schemeClr>
+          </a:lnRef>
+          <a:fillRef idx="1">
+            <a:schemeClr val="accent1"/>
+          </a:fillRef>
+          <a:effectRef idx="0">
+            <a:schemeClr val="accent1"/>
+          </a:effectRef>
+          <a:fontRef idx="minor">
+            <a:schemeClr val="lt1"/>
+          </a:fontRef>
+        </p:style>
+        <p:txBody>
+          <a:bodyPr rtlCol="0" anchor="ctr"/>
+          <a:lstStyle/>
+          <a:p>
+            <a:pPr algn="ctr"/>
+            <a:r>
+              <a:rPr lang="en-US" altLang="ko-KR" sz="900">
                 <a:solidFill>
                   <a:schemeClr val="tx1"/>
                 </a:solidFill>
-              </a:endParaRPr>
-            </a:p>
-          </p:txBody>
-        </p:sp>
-        <p:sp>
-          <p:nvSpPr>
-            <p:cNvPr id="10" name="액자 9">
-              <a:extLst>
-                <a:ext uri="{FF2B5EF4-FFF2-40B4-BE49-F238E27FC236}">
-                  <a16:creationId xmlns:a16="http://schemas.microsoft.com/office/drawing/2014/main" id="{19582EB3-0B0C-5F18-83EC-1D961B4DD2F5}"/>
-                </a:ext>
-              </a:extLst>
-            </p:cNvPr>
-            <p:cNvSpPr/>
-            <p:nvPr/>
-          </p:nvSpPr>
-          <p:spPr>
-            <a:xfrm flipH="1">
-              <a:off x="8483130" y="4412464"/>
-              <a:ext cx="784813" cy="239471"/>
-            </a:xfrm>
-            <a:prstGeom prst="frame">
-              <a:avLst/>
-            </a:prstGeom>
-          </p:spPr>
-          <p:style>
-            <a:lnRef idx="2">
-              <a:schemeClr val="accent1">
-                <a:shade val="15000"/>
-              </a:schemeClr>
-            </a:lnRef>
-            <a:fillRef idx="1">
-              <a:schemeClr val="accent1"/>
-            </a:fillRef>
-            <a:effectRef idx="0">
-              <a:schemeClr val="accent1"/>
-            </a:effectRef>
-            <a:fontRef idx="minor">
-              <a:schemeClr val="lt1"/>
-            </a:fontRef>
-          </p:style>
-          <p:txBody>
-            <a:bodyPr rtlCol="0" anchor="ctr"/>
-            <a:lstStyle/>
-            <a:p>
-              <a:pPr algn="ctr"/>
-              <a:r>
-                <a:rPr lang="en-US" altLang="ko-KR" sz="900">
-                  <a:solidFill>
-                    <a:schemeClr val="tx1"/>
-                  </a:solidFill>
-                </a:rPr>
-                <a:t>KIT1_4th_usb</a:t>
-              </a:r>
-              <a:endParaRPr lang="ko-KR" altLang="en-US" sz="900">
+              </a:rPr>
+              <a:t>KIT1_3rd_usb</a:t>
+            </a:r>
+            <a:endParaRPr lang="ko-KR" altLang="en-US" sz="900">
+              <a:solidFill>
+                <a:schemeClr val="tx1"/>
+              </a:solidFill>
+            </a:endParaRPr>
+          </a:p>
+        </p:txBody>
+      </p:sp>
+      <p:sp>
+        <p:nvSpPr>
+          <p:cNvPr id="10" name="액자 9">
+            <a:extLst>
+              <a:ext uri="{FF2B5EF4-FFF2-40B4-BE49-F238E27FC236}">
+                <a16:creationId xmlns:a16="http://schemas.microsoft.com/office/drawing/2014/main" id="{19582EB3-0B0C-5F18-83EC-1D961B4DD2F5}"/>
+              </a:ext>
+            </a:extLst>
+          </p:cNvPr>
+          <p:cNvSpPr/>
+          <p:nvPr/>
+        </p:nvSpPr>
+        <p:spPr>
+          <a:xfrm flipH="1">
+            <a:off x="8483130" y="4412464"/>
+            <a:ext cx="784813" cy="239471"/>
+          </a:xfrm>
+          <a:prstGeom prst="frame">
+            <a:avLst/>
+          </a:prstGeom>
+        </p:spPr>
+        <p:style>
+          <a:lnRef idx="2">
+            <a:schemeClr val="accent1">
+              <a:shade val="15000"/>
+            </a:schemeClr>
+          </a:lnRef>
+          <a:fillRef idx="1">
+            <a:schemeClr val="accent1"/>
+          </a:fillRef>
+          <a:effectRef idx="0">
+            <a:schemeClr val="accent1"/>
+          </a:effectRef>
+          <a:fontRef idx="minor">
+            <a:schemeClr val="lt1"/>
+          </a:fontRef>
+        </p:style>
+        <p:txBody>
+          <a:bodyPr rtlCol="0" anchor="ctr"/>
+          <a:lstStyle/>
+          <a:p>
+            <a:pPr algn="ctr"/>
+            <a:r>
+              <a:rPr lang="en-US" altLang="ko-KR" sz="900">
                 <a:solidFill>
                   <a:schemeClr val="tx1"/>
                 </a:solidFill>
-              </a:endParaRPr>
-            </a:p>
-          </p:txBody>
-        </p:sp>
-        <p:sp>
-          <p:nvSpPr>
-            <p:cNvPr id="11" name="액자 10">
-              <a:extLst>
-                <a:ext uri="{FF2B5EF4-FFF2-40B4-BE49-F238E27FC236}">
-                  <a16:creationId xmlns:a16="http://schemas.microsoft.com/office/drawing/2014/main" id="{BB2A45CF-B3D4-8E46-6B7E-15C177D13A51}"/>
-                </a:ext>
-              </a:extLst>
-            </p:cNvPr>
-            <p:cNvSpPr/>
-            <p:nvPr/>
-          </p:nvSpPr>
-          <p:spPr>
-            <a:xfrm flipH="1">
-              <a:off x="6106583" y="3967732"/>
-              <a:ext cx="784813" cy="239471"/>
-            </a:xfrm>
-            <a:prstGeom prst="frame">
-              <a:avLst/>
-            </a:prstGeom>
-          </p:spPr>
-          <p:style>
-            <a:lnRef idx="2">
-              <a:schemeClr val="accent1">
-                <a:shade val="15000"/>
-              </a:schemeClr>
-            </a:lnRef>
-            <a:fillRef idx="1">
-              <a:schemeClr val="accent1"/>
-            </a:fillRef>
-            <a:effectRef idx="0">
-              <a:schemeClr val="accent1"/>
-            </a:effectRef>
-            <a:fontRef idx="minor">
-              <a:schemeClr val="lt1"/>
-            </a:fontRef>
-          </p:style>
-          <p:txBody>
-            <a:bodyPr rtlCol="0" anchor="ctr"/>
-            <a:lstStyle/>
-            <a:p>
-              <a:pPr algn="ctr"/>
-              <a:r>
-                <a:rPr lang="en-US" altLang="ko-KR" sz="900">
-                  <a:solidFill>
-                    <a:schemeClr val="tx1"/>
-                  </a:solidFill>
-                </a:rPr>
-                <a:t>KIT1_3rd_stp</a:t>
-              </a:r>
-              <a:endParaRPr lang="ko-KR" altLang="en-US" sz="900">
+              </a:rPr>
+              <a:t>KIT1_4th_usb</a:t>
+            </a:r>
+            <a:endParaRPr lang="ko-KR" altLang="en-US" sz="900">
+              <a:solidFill>
+                <a:schemeClr val="tx1"/>
+              </a:solidFill>
+            </a:endParaRPr>
+          </a:p>
+        </p:txBody>
+      </p:sp>
+      <p:sp>
+        <p:nvSpPr>
+          <p:cNvPr id="11" name="액자 10">
+            <a:extLst>
+              <a:ext uri="{FF2B5EF4-FFF2-40B4-BE49-F238E27FC236}">
+                <a16:creationId xmlns:a16="http://schemas.microsoft.com/office/drawing/2014/main" id="{BB2A45CF-B3D4-8E46-6B7E-15C177D13A51}"/>
+              </a:ext>
+            </a:extLst>
+          </p:cNvPr>
+          <p:cNvSpPr/>
+          <p:nvPr/>
+        </p:nvSpPr>
+        <p:spPr>
+          <a:xfrm flipH="1">
+            <a:off x="6106583" y="3967732"/>
+            <a:ext cx="784813" cy="239471"/>
+          </a:xfrm>
+          <a:prstGeom prst="frame">
+            <a:avLst/>
+          </a:prstGeom>
+        </p:spPr>
+        <p:style>
+          <a:lnRef idx="2">
+            <a:schemeClr val="accent1">
+              <a:shade val="15000"/>
+            </a:schemeClr>
+          </a:lnRef>
+          <a:fillRef idx="1">
+            <a:schemeClr val="accent1"/>
+          </a:fillRef>
+          <a:effectRef idx="0">
+            <a:schemeClr val="accent1"/>
+          </a:effectRef>
+          <a:fontRef idx="minor">
+            <a:schemeClr val="lt1"/>
+          </a:fontRef>
+        </p:style>
+        <p:txBody>
+          <a:bodyPr rtlCol="0" anchor="ctr"/>
+          <a:lstStyle/>
+          <a:p>
+            <a:pPr algn="ctr"/>
+            <a:r>
+              <a:rPr lang="en-US" altLang="ko-KR" sz="900">
                 <a:solidFill>
                   <a:schemeClr val="tx1"/>
                 </a:solidFill>
-              </a:endParaRPr>
-            </a:p>
-          </p:txBody>
-        </p:sp>
-        <p:sp>
-          <p:nvSpPr>
-            <p:cNvPr id="12" name="액자 11">
-              <a:extLst>
-                <a:ext uri="{FF2B5EF4-FFF2-40B4-BE49-F238E27FC236}">
-                  <a16:creationId xmlns:a16="http://schemas.microsoft.com/office/drawing/2014/main" id="{5155572F-3CB0-F234-052E-E486E6F86A0E}"/>
-                </a:ext>
-              </a:extLst>
-            </p:cNvPr>
-            <p:cNvSpPr/>
-            <p:nvPr/>
-          </p:nvSpPr>
-          <p:spPr>
-            <a:xfrm flipH="1">
-              <a:off x="6073422" y="4395359"/>
-              <a:ext cx="784813" cy="239471"/>
-            </a:xfrm>
-            <a:prstGeom prst="frame">
-              <a:avLst/>
-            </a:prstGeom>
-          </p:spPr>
-          <p:style>
-            <a:lnRef idx="2">
-              <a:schemeClr val="accent1">
-                <a:shade val="15000"/>
-              </a:schemeClr>
-            </a:lnRef>
-            <a:fillRef idx="1">
-              <a:schemeClr val="accent1"/>
-            </a:fillRef>
-            <a:effectRef idx="0">
-              <a:schemeClr val="accent1"/>
-            </a:effectRef>
-            <a:fontRef idx="minor">
-              <a:schemeClr val="lt1"/>
-            </a:fontRef>
-          </p:style>
-          <p:txBody>
-            <a:bodyPr rtlCol="0" anchor="ctr"/>
-            <a:lstStyle/>
-            <a:p>
-              <a:pPr algn="ctr"/>
-              <a:r>
-                <a:rPr lang="en-US" altLang="ko-KR" sz="900">
-                  <a:solidFill>
-                    <a:schemeClr val="tx1"/>
-                  </a:solidFill>
-                </a:rPr>
-                <a:t>KIT1_4th_stp</a:t>
-              </a:r>
-              <a:endParaRPr lang="ko-KR" altLang="en-US" sz="900">
+              </a:rPr>
+              <a:t>KIT1_3rd_stp</a:t>
+            </a:r>
+            <a:endParaRPr lang="ko-KR" altLang="en-US" sz="900">
+              <a:solidFill>
+                <a:schemeClr val="tx1"/>
+              </a:solidFill>
+            </a:endParaRPr>
+          </a:p>
+        </p:txBody>
+      </p:sp>
+      <p:sp>
+        <p:nvSpPr>
+          <p:cNvPr id="12" name="액자 11">
+            <a:extLst>
+              <a:ext uri="{FF2B5EF4-FFF2-40B4-BE49-F238E27FC236}">
+                <a16:creationId xmlns:a16="http://schemas.microsoft.com/office/drawing/2014/main" id="{5155572F-3CB0-F234-052E-E486E6F86A0E}"/>
+              </a:ext>
+            </a:extLst>
+          </p:cNvPr>
+          <p:cNvSpPr/>
+          <p:nvPr/>
+        </p:nvSpPr>
+        <p:spPr>
+          <a:xfrm flipH="1">
+            <a:off x="6073422" y="4395359"/>
+            <a:ext cx="784813" cy="239471"/>
+          </a:xfrm>
+          <a:prstGeom prst="frame">
+            <a:avLst/>
+          </a:prstGeom>
+        </p:spPr>
+        <p:style>
+          <a:lnRef idx="2">
+            <a:schemeClr val="accent1">
+              <a:shade val="15000"/>
+            </a:schemeClr>
+          </a:lnRef>
+          <a:fillRef idx="1">
+            <a:schemeClr val="accent1"/>
+          </a:fillRef>
+          <a:effectRef idx="0">
+            <a:schemeClr val="accent1"/>
+          </a:effectRef>
+          <a:fontRef idx="minor">
+            <a:schemeClr val="lt1"/>
+          </a:fontRef>
+        </p:style>
+        <p:txBody>
+          <a:bodyPr rtlCol="0" anchor="ctr"/>
+          <a:lstStyle/>
+          <a:p>
+            <a:pPr algn="ctr"/>
+            <a:r>
+              <a:rPr lang="en-US" altLang="ko-KR" sz="900">
                 <a:solidFill>
                   <a:schemeClr val="tx1"/>
                 </a:solidFill>
-              </a:endParaRPr>
-            </a:p>
-          </p:txBody>
-        </p:sp>
-        <p:sp>
-          <p:nvSpPr>
-            <p:cNvPr id="13" name="액자 12">
-              <a:extLst>
-                <a:ext uri="{FF2B5EF4-FFF2-40B4-BE49-F238E27FC236}">
-                  <a16:creationId xmlns:a16="http://schemas.microsoft.com/office/drawing/2014/main" id="{04228984-95CF-43C5-46B3-686D5AC4EB97}"/>
-                </a:ext>
-              </a:extLst>
-            </p:cNvPr>
-            <p:cNvSpPr/>
-            <p:nvPr/>
-          </p:nvSpPr>
-          <p:spPr>
-            <a:xfrm flipH="1">
-              <a:off x="6051315" y="3582868"/>
-              <a:ext cx="784813" cy="239471"/>
-            </a:xfrm>
-            <a:prstGeom prst="frame">
-              <a:avLst/>
-            </a:prstGeom>
-          </p:spPr>
-          <p:style>
-            <a:lnRef idx="2">
-              <a:schemeClr val="accent1">
-                <a:shade val="15000"/>
-              </a:schemeClr>
-            </a:lnRef>
-            <a:fillRef idx="1">
-              <a:schemeClr val="accent1"/>
-            </a:fillRef>
-            <a:effectRef idx="0">
-              <a:schemeClr val="accent1"/>
-            </a:effectRef>
-            <a:fontRef idx="minor">
-              <a:schemeClr val="lt1"/>
-            </a:fontRef>
-          </p:style>
-          <p:txBody>
-            <a:bodyPr rtlCol="0" anchor="ctr"/>
-            <a:lstStyle/>
-            <a:p>
-              <a:pPr algn="ctr"/>
-              <a:r>
-                <a:rPr lang="en-US" altLang="ko-KR" sz="900">
-                  <a:solidFill>
-                    <a:schemeClr val="tx1"/>
-                  </a:solidFill>
-                </a:rPr>
-                <a:t>KIT1_2nd_stp</a:t>
-              </a:r>
-              <a:endParaRPr lang="ko-KR" altLang="en-US" sz="900">
+              </a:rPr>
+              <a:t>KIT1_4th_stp</a:t>
+            </a:r>
+            <a:endParaRPr lang="ko-KR" altLang="en-US" sz="900">
+              <a:solidFill>
+                <a:schemeClr val="tx1"/>
+              </a:solidFill>
+            </a:endParaRPr>
+          </a:p>
+        </p:txBody>
+      </p:sp>
+      <p:sp>
+        <p:nvSpPr>
+          <p:cNvPr id="13" name="액자 12">
+            <a:extLst>
+              <a:ext uri="{FF2B5EF4-FFF2-40B4-BE49-F238E27FC236}">
+                <a16:creationId xmlns:a16="http://schemas.microsoft.com/office/drawing/2014/main" id="{04228984-95CF-43C5-46B3-686D5AC4EB97}"/>
+              </a:ext>
+            </a:extLst>
+          </p:cNvPr>
+          <p:cNvSpPr/>
+          <p:nvPr/>
+        </p:nvSpPr>
+        <p:spPr>
+          <a:xfrm flipH="1">
+            <a:off x="6051315" y="3582868"/>
+            <a:ext cx="784813" cy="239471"/>
+          </a:xfrm>
+          <a:prstGeom prst="frame">
+            <a:avLst/>
+          </a:prstGeom>
+        </p:spPr>
+        <p:style>
+          <a:lnRef idx="2">
+            <a:schemeClr val="accent1">
+              <a:shade val="15000"/>
+            </a:schemeClr>
+          </a:lnRef>
+          <a:fillRef idx="1">
+            <a:schemeClr val="accent1"/>
+          </a:fillRef>
+          <a:effectRef idx="0">
+            <a:schemeClr val="accent1"/>
+          </a:effectRef>
+          <a:fontRef idx="minor">
+            <a:schemeClr val="lt1"/>
+          </a:fontRef>
+        </p:style>
+        <p:txBody>
+          <a:bodyPr rtlCol="0" anchor="ctr"/>
+          <a:lstStyle/>
+          <a:p>
+            <a:pPr algn="ctr"/>
+            <a:r>
+              <a:rPr lang="en-US" altLang="ko-KR" sz="900">
                 <a:solidFill>
                   <a:schemeClr val="tx1"/>
                 </a:solidFill>
-              </a:endParaRPr>
-            </a:p>
-          </p:txBody>
-        </p:sp>
-        <p:sp>
-          <p:nvSpPr>
-            <p:cNvPr id="14" name="액자 13">
-              <a:extLst>
-                <a:ext uri="{FF2B5EF4-FFF2-40B4-BE49-F238E27FC236}">
-                  <a16:creationId xmlns:a16="http://schemas.microsoft.com/office/drawing/2014/main" id="{CFC40BD9-229D-811D-756A-40661EF0FA6C}"/>
-                </a:ext>
-              </a:extLst>
-            </p:cNvPr>
-            <p:cNvSpPr/>
-            <p:nvPr/>
-          </p:nvSpPr>
-          <p:spPr>
-            <a:xfrm flipH="1">
-              <a:off x="6051315" y="3146689"/>
-              <a:ext cx="784813" cy="239471"/>
-            </a:xfrm>
-            <a:prstGeom prst="frame">
-              <a:avLst/>
-            </a:prstGeom>
-          </p:spPr>
-          <p:style>
-            <a:lnRef idx="2">
-              <a:schemeClr val="accent1">
-                <a:shade val="15000"/>
-              </a:schemeClr>
-            </a:lnRef>
-            <a:fillRef idx="1">
-              <a:schemeClr val="accent1"/>
-            </a:fillRef>
-            <a:effectRef idx="0">
-              <a:schemeClr val="accent1"/>
-            </a:effectRef>
-            <a:fontRef idx="minor">
-              <a:schemeClr val="lt1"/>
-            </a:fontRef>
-          </p:style>
-          <p:txBody>
-            <a:bodyPr rtlCol="0" anchor="ctr"/>
-            <a:lstStyle/>
-            <a:p>
-              <a:pPr algn="ctr"/>
-              <a:r>
-                <a:rPr lang="en-US" altLang="ko-KR" sz="900">
-                  <a:solidFill>
-                    <a:schemeClr val="tx1"/>
-                  </a:solidFill>
-                </a:rPr>
-                <a:t>KIT1_1st_stp</a:t>
-              </a:r>
-              <a:endParaRPr lang="ko-KR" altLang="en-US" sz="900">
+              </a:rPr>
+              <a:t>KIT1_2nd_stp</a:t>
+            </a:r>
+            <a:endParaRPr lang="ko-KR" altLang="en-US" sz="900">
+              <a:solidFill>
+                <a:schemeClr val="tx1"/>
+              </a:solidFill>
+            </a:endParaRPr>
+          </a:p>
+        </p:txBody>
+      </p:sp>
+      <p:sp>
+        <p:nvSpPr>
+          <p:cNvPr id="14" name="액자 13">
+            <a:extLst>
+              <a:ext uri="{FF2B5EF4-FFF2-40B4-BE49-F238E27FC236}">
+                <a16:creationId xmlns:a16="http://schemas.microsoft.com/office/drawing/2014/main" id="{CFC40BD9-229D-811D-756A-40661EF0FA6C}"/>
+              </a:ext>
+            </a:extLst>
+          </p:cNvPr>
+          <p:cNvSpPr/>
+          <p:nvPr/>
+        </p:nvSpPr>
+        <p:spPr>
+          <a:xfrm flipH="1">
+            <a:off x="6051315" y="3146689"/>
+            <a:ext cx="784813" cy="239471"/>
+          </a:xfrm>
+          <a:prstGeom prst="frame">
+            <a:avLst/>
+          </a:prstGeom>
+        </p:spPr>
+        <p:style>
+          <a:lnRef idx="2">
+            <a:schemeClr val="accent1">
+              <a:shade val="15000"/>
+            </a:schemeClr>
+          </a:lnRef>
+          <a:fillRef idx="1">
+            <a:schemeClr val="accent1"/>
+          </a:fillRef>
+          <a:effectRef idx="0">
+            <a:schemeClr val="accent1"/>
+          </a:effectRef>
+          <a:fontRef idx="minor">
+            <a:schemeClr val="lt1"/>
+          </a:fontRef>
+        </p:style>
+        <p:txBody>
+          <a:bodyPr rtlCol="0" anchor="ctr"/>
+          <a:lstStyle/>
+          <a:p>
+            <a:pPr algn="ctr"/>
+            <a:r>
+              <a:rPr lang="en-US" altLang="ko-KR" sz="900">
                 <a:solidFill>
                   <a:schemeClr val="tx1"/>
                 </a:solidFill>
-              </a:endParaRPr>
-            </a:p>
-          </p:txBody>
-        </p:sp>
-        <p:sp>
-          <p:nvSpPr>
-            <p:cNvPr id="15" name="액자 14">
-              <a:extLst>
-                <a:ext uri="{FF2B5EF4-FFF2-40B4-BE49-F238E27FC236}">
-                  <a16:creationId xmlns:a16="http://schemas.microsoft.com/office/drawing/2014/main" id="{39C5F9C7-3EE5-9F3A-876F-2D4414915EB5}"/>
-                </a:ext>
-              </a:extLst>
-            </p:cNvPr>
-            <p:cNvSpPr/>
-            <p:nvPr/>
-          </p:nvSpPr>
-          <p:spPr>
-            <a:xfrm flipH="1">
-              <a:off x="9455856" y="5284823"/>
-              <a:ext cx="574793" cy="239471"/>
-            </a:xfrm>
-            <a:prstGeom prst="frame">
-              <a:avLst/>
-            </a:prstGeom>
-          </p:spPr>
-          <p:style>
-            <a:lnRef idx="2">
-              <a:schemeClr val="accent1">
-                <a:shade val="15000"/>
-              </a:schemeClr>
-            </a:lnRef>
-            <a:fillRef idx="1">
-              <a:schemeClr val="accent1"/>
-            </a:fillRef>
-            <a:effectRef idx="0">
-              <a:schemeClr val="accent1"/>
-            </a:effectRef>
-            <a:fontRef idx="minor">
-              <a:schemeClr val="lt1"/>
-            </a:fontRef>
-          </p:style>
-          <p:txBody>
-            <a:bodyPr rtlCol="0" anchor="ctr"/>
-            <a:lstStyle/>
-            <a:p>
-              <a:pPr algn="ctr"/>
-              <a:r>
-                <a:rPr lang="en-US" altLang="ko-KR" sz="900">
-                  <a:solidFill>
-                    <a:schemeClr val="tx1"/>
-                  </a:solidFill>
-                </a:rPr>
-                <a:t>KIT1_Out</a:t>
-              </a:r>
-              <a:endParaRPr lang="ko-KR" altLang="en-US" sz="900">
+              </a:rPr>
+              <a:t>KIT1_1st_stp</a:t>
+            </a:r>
+            <a:endParaRPr lang="ko-KR" altLang="en-US" sz="900">
+              <a:solidFill>
+                <a:schemeClr val="tx1"/>
+              </a:solidFill>
+            </a:endParaRPr>
+          </a:p>
+        </p:txBody>
+      </p:sp>
+      <p:sp>
+        <p:nvSpPr>
+          <p:cNvPr id="15" name="액자 14">
+            <a:extLst>
+              <a:ext uri="{FF2B5EF4-FFF2-40B4-BE49-F238E27FC236}">
+                <a16:creationId xmlns:a16="http://schemas.microsoft.com/office/drawing/2014/main" id="{39C5F9C7-3EE5-9F3A-876F-2D4414915EB5}"/>
+              </a:ext>
+            </a:extLst>
+          </p:cNvPr>
+          <p:cNvSpPr/>
+          <p:nvPr/>
+        </p:nvSpPr>
+        <p:spPr>
+          <a:xfrm flipH="1">
+            <a:off x="9455856" y="5284823"/>
+            <a:ext cx="574793" cy="239471"/>
+          </a:xfrm>
+          <a:prstGeom prst="frame">
+            <a:avLst/>
+          </a:prstGeom>
+        </p:spPr>
+        <p:style>
+          <a:lnRef idx="2">
+            <a:schemeClr val="accent1">
+              <a:shade val="15000"/>
+            </a:schemeClr>
+          </a:lnRef>
+          <a:fillRef idx="1">
+            <a:schemeClr val="accent1"/>
+          </a:fillRef>
+          <a:effectRef idx="0">
+            <a:schemeClr val="accent1"/>
+          </a:effectRef>
+          <a:fontRef idx="minor">
+            <a:schemeClr val="lt1"/>
+          </a:fontRef>
+        </p:style>
+        <p:txBody>
+          <a:bodyPr rtlCol="0" anchor="ctr"/>
+          <a:lstStyle/>
+          <a:p>
+            <a:pPr algn="ctr"/>
+            <a:r>
+              <a:rPr lang="en-US" altLang="ko-KR" sz="900">
                 <a:solidFill>
                   <a:schemeClr val="tx1"/>
                 </a:solidFill>
-              </a:endParaRPr>
-            </a:p>
-          </p:txBody>
-        </p:sp>
-        <p:sp>
-          <p:nvSpPr>
-            <p:cNvPr id="16" name="액자 15">
-              <a:extLst>
-                <a:ext uri="{FF2B5EF4-FFF2-40B4-BE49-F238E27FC236}">
-                  <a16:creationId xmlns:a16="http://schemas.microsoft.com/office/drawing/2014/main" id="{92E47098-C59D-4EC7-157A-8C102210B148}"/>
-                </a:ext>
-              </a:extLst>
-            </p:cNvPr>
-            <p:cNvSpPr/>
-            <p:nvPr/>
-          </p:nvSpPr>
-          <p:spPr>
-            <a:xfrm flipH="1">
-              <a:off x="3619500" y="6148629"/>
-              <a:ext cx="884296" cy="239471"/>
-            </a:xfrm>
-            <a:prstGeom prst="frame">
-              <a:avLst/>
-            </a:prstGeom>
-          </p:spPr>
-          <p:style>
-            <a:lnRef idx="2">
-              <a:schemeClr val="accent1">
-                <a:shade val="15000"/>
-              </a:schemeClr>
-            </a:lnRef>
-            <a:fillRef idx="1">
-              <a:schemeClr val="accent1"/>
-            </a:fillRef>
-            <a:effectRef idx="0">
-              <a:schemeClr val="accent1"/>
-            </a:effectRef>
-            <a:fontRef idx="minor">
-              <a:schemeClr val="lt1"/>
-            </a:fontRef>
-          </p:style>
-          <p:txBody>
-            <a:bodyPr rtlCol="0" anchor="ctr"/>
-            <a:lstStyle/>
-            <a:p>
-              <a:pPr algn="ctr"/>
-              <a:r>
-                <a:rPr lang="en-US" altLang="ko-KR" sz="900">
-                  <a:solidFill>
-                    <a:schemeClr val="tx1"/>
-                  </a:solidFill>
-                </a:rPr>
-                <a:t>KIT1_Part</a:t>
-              </a:r>
-              <a:endParaRPr lang="ko-KR" altLang="en-US" sz="900">
+              </a:rPr>
+              <a:t>KIT1_Out</a:t>
+            </a:r>
+            <a:endParaRPr lang="ko-KR" altLang="en-US" sz="900">
+              <a:solidFill>
+                <a:schemeClr val="tx1"/>
+              </a:solidFill>
+            </a:endParaRPr>
+          </a:p>
+        </p:txBody>
+      </p:sp>
+      <p:sp>
+        <p:nvSpPr>
+          <p:cNvPr id="16" name="액자 15">
+            <a:extLst>
+              <a:ext uri="{FF2B5EF4-FFF2-40B4-BE49-F238E27FC236}">
+                <a16:creationId xmlns:a16="http://schemas.microsoft.com/office/drawing/2014/main" id="{92E47098-C59D-4EC7-157A-8C102210B148}"/>
+              </a:ext>
+            </a:extLst>
+          </p:cNvPr>
+          <p:cNvSpPr/>
+          <p:nvPr/>
+        </p:nvSpPr>
+        <p:spPr>
+          <a:xfrm flipH="1">
+            <a:off x="3619500" y="6148629"/>
+            <a:ext cx="884296" cy="239471"/>
+          </a:xfrm>
+          <a:prstGeom prst="frame">
+            <a:avLst/>
+          </a:prstGeom>
+        </p:spPr>
+        <p:style>
+          <a:lnRef idx="2">
+            <a:schemeClr val="accent1">
+              <a:shade val="15000"/>
+            </a:schemeClr>
+          </a:lnRef>
+          <a:fillRef idx="1">
+            <a:schemeClr val="accent1"/>
+          </a:fillRef>
+          <a:effectRef idx="0">
+            <a:schemeClr val="accent1"/>
+          </a:effectRef>
+          <a:fontRef idx="minor">
+            <a:schemeClr val="lt1"/>
+          </a:fontRef>
+        </p:style>
+        <p:txBody>
+          <a:bodyPr rtlCol="0" anchor="ctr"/>
+          <a:lstStyle/>
+          <a:p>
+            <a:pPr algn="ctr"/>
+            <a:r>
+              <a:rPr lang="en-US" altLang="ko-KR" sz="900">
                 <a:solidFill>
                   <a:schemeClr val="tx1"/>
                 </a:solidFill>
-              </a:endParaRPr>
-            </a:p>
-          </p:txBody>
-        </p:sp>
-      </p:grpSp>
+              </a:rPr>
+              <a:t>KIT1_Part</a:t>
+            </a:r>
+            <a:endParaRPr lang="ko-KR" altLang="en-US" sz="900">
+              <a:solidFill>
+                <a:schemeClr val="tx1"/>
+              </a:solidFill>
+            </a:endParaRPr>
+          </a:p>
+        </p:txBody>
+      </p:sp>
     </p:spTree>
     <p:extLst>
       <p:ext uri="{BB962C8B-B14F-4D97-AF65-F5344CB8AC3E}">

--- a/DsDotNet/src/UnitTest/UnitTest.Model/ImportOfficeExample/exportDS/testA/testMy/my.pptx
+++ b/DsDotNet/src/UnitTest/UnitTest.Model/ImportOfficeExample/exportDS/testA/testMy/my.pptx
@@ -9,8 +9,8 @@
   </p:notesMasterIdLst>
   <p:sldIdLst>
     <p:sldId id="258" r:id="rId2"/>
-    <p:sldId id="261" r:id="rId3"/>
-    <p:sldId id="259" r:id="rId4"/>
+    <p:sldId id="259" r:id="rId3"/>
+    <p:sldId id="261" r:id="rId4"/>
     <p:sldId id="257" r:id="rId5"/>
     <p:sldId id="262" r:id="rId6"/>
     <p:sldId id="263" r:id="rId7"/>
@@ -209,7 +209,7 @@
           <a:p>
             <a:fld id="{42AE086C-D417-4A5A-8992-3959005D13E6}" type="datetimeFigureOut">
               <a:rPr lang="ko-KR" altLang="en-US" smtClean="0"/>
-              <a:t>2024-01-07</a:t>
+              <a:t>2024-01-08</a:t>
             </a:fld>
             <a:endParaRPr lang="ko-KR" altLang="en-US"/>
           </a:p>
@@ -791,7 +791,7 @@
           <a:p>
             <a:fld id="{E31A602F-9409-4B9A-9D14-798E704D8577}" type="datetimeFigureOut">
               <a:rPr lang="ko-KR" altLang="en-US" smtClean="0"/>
-              <a:t>2024-01-07</a:t>
+              <a:t>2024-01-08</a:t>
             </a:fld>
             <a:endParaRPr lang="ko-KR" altLang="en-US"/>
           </a:p>
@@ -989,7 +989,7 @@
           <a:p>
             <a:fld id="{E31A602F-9409-4B9A-9D14-798E704D8577}" type="datetimeFigureOut">
               <a:rPr lang="ko-KR" altLang="en-US" smtClean="0"/>
-              <a:t>2024-01-07</a:t>
+              <a:t>2024-01-08</a:t>
             </a:fld>
             <a:endParaRPr lang="ko-KR" altLang="en-US"/>
           </a:p>
@@ -1197,7 +1197,7 @@
           <a:p>
             <a:fld id="{E31A602F-9409-4B9A-9D14-798E704D8577}" type="datetimeFigureOut">
               <a:rPr lang="ko-KR" altLang="en-US" smtClean="0"/>
-              <a:t>2024-01-07</a:t>
+              <a:t>2024-01-08</a:t>
             </a:fld>
             <a:endParaRPr lang="ko-KR" altLang="en-US"/>
           </a:p>
@@ -1395,7 +1395,7 @@
           <a:p>
             <a:fld id="{E31A602F-9409-4B9A-9D14-798E704D8577}" type="datetimeFigureOut">
               <a:rPr lang="ko-KR" altLang="en-US" smtClean="0"/>
-              <a:t>2024-01-07</a:t>
+              <a:t>2024-01-08</a:t>
             </a:fld>
             <a:endParaRPr lang="ko-KR" altLang="en-US"/>
           </a:p>
@@ -1670,7 +1670,7 @@
           <a:p>
             <a:fld id="{E31A602F-9409-4B9A-9D14-798E704D8577}" type="datetimeFigureOut">
               <a:rPr lang="ko-KR" altLang="en-US" smtClean="0"/>
-              <a:t>2024-01-07</a:t>
+              <a:t>2024-01-08</a:t>
             </a:fld>
             <a:endParaRPr lang="ko-KR" altLang="en-US"/>
           </a:p>
@@ -1935,7 +1935,7 @@
           <a:p>
             <a:fld id="{E31A602F-9409-4B9A-9D14-798E704D8577}" type="datetimeFigureOut">
               <a:rPr lang="ko-KR" altLang="en-US" smtClean="0"/>
-              <a:t>2024-01-07</a:t>
+              <a:t>2024-01-08</a:t>
             </a:fld>
             <a:endParaRPr lang="ko-KR" altLang="en-US"/>
           </a:p>
@@ -2347,7 +2347,7 @@
           <a:p>
             <a:fld id="{E31A602F-9409-4B9A-9D14-798E704D8577}" type="datetimeFigureOut">
               <a:rPr lang="ko-KR" altLang="en-US" smtClean="0"/>
-              <a:t>2024-01-07</a:t>
+              <a:t>2024-01-08</a:t>
             </a:fld>
             <a:endParaRPr lang="ko-KR" altLang="en-US"/>
           </a:p>
@@ -2488,7 +2488,7 @@
           <a:p>
             <a:fld id="{E31A602F-9409-4B9A-9D14-798E704D8577}" type="datetimeFigureOut">
               <a:rPr lang="ko-KR" altLang="en-US" smtClean="0"/>
-              <a:t>2024-01-07</a:t>
+              <a:t>2024-01-08</a:t>
             </a:fld>
             <a:endParaRPr lang="ko-KR" altLang="en-US"/>
           </a:p>
@@ -2601,7 +2601,7 @@
           <a:p>
             <a:fld id="{E31A602F-9409-4B9A-9D14-798E704D8577}" type="datetimeFigureOut">
               <a:rPr lang="ko-KR" altLang="en-US" smtClean="0"/>
-              <a:t>2024-01-07</a:t>
+              <a:t>2024-01-08</a:t>
             </a:fld>
             <a:endParaRPr lang="ko-KR" altLang="en-US"/>
           </a:p>
@@ -2912,7 +2912,7 @@
           <a:p>
             <a:fld id="{E31A602F-9409-4B9A-9D14-798E704D8577}" type="datetimeFigureOut">
               <a:rPr lang="ko-KR" altLang="en-US" smtClean="0"/>
-              <a:t>2024-01-07</a:t>
+              <a:t>2024-01-08</a:t>
             </a:fld>
             <a:endParaRPr lang="ko-KR" altLang="en-US"/>
           </a:p>
@@ -3200,7 +3200,7 @@
           <a:p>
             <a:fld id="{E31A602F-9409-4B9A-9D14-798E704D8577}" type="datetimeFigureOut">
               <a:rPr lang="ko-KR" altLang="en-US" smtClean="0"/>
-              <a:t>2024-01-07</a:t>
+              <a:t>2024-01-08</a:t>
             </a:fld>
             <a:endParaRPr lang="ko-KR" altLang="en-US"/>
           </a:p>
@@ -3441,7 +3441,7 @@
           <a:p>
             <a:fld id="{E31A602F-9409-4B9A-9D14-798E704D8577}" type="datetimeFigureOut">
               <a:rPr lang="ko-KR" altLang="en-US" smtClean="0"/>
-              <a:t>2024-01-07</a:t>
+              <a:t>2024-01-08</a:t>
             </a:fld>
             <a:endParaRPr lang="ko-KR" altLang="en-US"/>
           </a:p>
@@ -4180,10 +4180,10 @@
       </p:sp>
       <p:grpSp>
         <p:nvGrpSpPr>
-          <p:cNvPr id="36" name="그룹 35">
+          <p:cNvPr id="33" name="그룹 32">
             <a:extLst>
               <a:ext uri="{FF2B5EF4-FFF2-40B4-BE49-F238E27FC236}">
-                <a16:creationId xmlns:a16="http://schemas.microsoft.com/office/drawing/2014/main" id="{845DE6C0-087E-A3A2-CE6B-A4DD21CEE8F6}"/>
+                <a16:creationId xmlns:a16="http://schemas.microsoft.com/office/drawing/2014/main" id="{E483F1CD-688B-EA13-E0A4-7AE888E77672}"/>
               </a:ext>
             </a:extLst>
           </p:cNvPr>
@@ -4955,10 +4955,10 @@
       </p:grpSp>
       <p:grpSp>
         <p:nvGrpSpPr>
-          <p:cNvPr id="35" name="그룹 34">
+          <p:cNvPr id="19" name="그룹 18">
             <a:extLst>
               <a:ext uri="{FF2B5EF4-FFF2-40B4-BE49-F238E27FC236}">
-                <a16:creationId xmlns:a16="http://schemas.microsoft.com/office/drawing/2014/main" id="{B2B6DDD5-4E2B-551C-C3F5-720964342C82}"/>
+                <a16:creationId xmlns:a16="http://schemas.microsoft.com/office/drawing/2014/main" id="{17F537E2-0015-77B4-C3AC-B58E8C9BA04B}"/>
               </a:ext>
             </a:extLst>
           </p:cNvPr>
@@ -6477,10 +6477,10 @@
       </p:sp>
       <p:grpSp>
         <p:nvGrpSpPr>
-          <p:cNvPr id="9" name="그룹 8">
+          <p:cNvPr id="5" name="그룹 4">
             <a:extLst>
               <a:ext uri="{FF2B5EF4-FFF2-40B4-BE49-F238E27FC236}">
-                <a16:creationId xmlns:a16="http://schemas.microsoft.com/office/drawing/2014/main" id="{86EF63F2-44C5-C11D-7412-F51BEF1EBC46}"/>
+                <a16:creationId xmlns:a16="http://schemas.microsoft.com/office/drawing/2014/main" id="{BF7241DB-BE77-6C6B-2FB0-BBF7E3C90372}"/>
               </a:ext>
             </a:extLst>
           </p:cNvPr>
@@ -7877,10 +7877,10 @@
       </p:sp>
       <p:grpSp>
         <p:nvGrpSpPr>
-          <p:cNvPr id="8" name="그룹 7">
+          <p:cNvPr id="4" name="그룹 3">
             <a:extLst>
               <a:ext uri="{FF2B5EF4-FFF2-40B4-BE49-F238E27FC236}">
-                <a16:creationId xmlns:a16="http://schemas.microsoft.com/office/drawing/2014/main" id="{031A68E3-D96D-D49C-162F-C3E319EC5A09}"/>
+                <a16:creationId xmlns:a16="http://schemas.microsoft.com/office/drawing/2014/main" id="{A531C86A-57E3-9F82-0B07-919B960960F7}"/>
               </a:ext>
             </a:extLst>
           </p:cNvPr>
@@ -10204,10 +10204,10 @@
       </p:sp>
       <p:grpSp>
         <p:nvGrpSpPr>
-          <p:cNvPr id="6" name="그룹 5">
+          <p:cNvPr id="3" name="그룹 2">
             <a:extLst>
               <a:ext uri="{FF2B5EF4-FFF2-40B4-BE49-F238E27FC236}">
-                <a16:creationId xmlns:a16="http://schemas.microsoft.com/office/drawing/2014/main" id="{76D82938-A8A4-620D-F2BD-E4DD3750A1F5}"/>
+                <a16:creationId xmlns:a16="http://schemas.microsoft.com/office/drawing/2014/main" id="{0B239484-651E-0723-3A8E-0028F2E6974C}"/>
               </a:ext>
             </a:extLst>
           </p:cNvPr>
@@ -11431,10 +11431,10 @@
       </p:sp>
       <p:grpSp>
         <p:nvGrpSpPr>
-          <p:cNvPr id="68" name="그룹 67">
+          <p:cNvPr id="67" name="그룹 66">
             <a:extLst>
               <a:ext uri="{FF2B5EF4-FFF2-40B4-BE49-F238E27FC236}">
-                <a16:creationId xmlns:a16="http://schemas.microsoft.com/office/drawing/2014/main" id="{91672615-1AAC-2EA1-DCE8-448AA98B9CC3}"/>
+                <a16:creationId xmlns:a16="http://schemas.microsoft.com/office/drawing/2014/main" id="{8043ACEA-1B88-9294-CDDF-DAF534AEB559}"/>
               </a:ext>
             </a:extLst>
           </p:cNvPr>
@@ -14498,12 +14498,520 @@
           </a:p>
         </p:txBody>
       </p:sp>
+      <p:sp>
+        <p:nvSpPr>
+          <p:cNvPr id="4" name="사각형: 빗면 3">
+            <a:extLst>
+              <a:ext uri="{FF2B5EF4-FFF2-40B4-BE49-F238E27FC236}">
+                <a16:creationId xmlns:a16="http://schemas.microsoft.com/office/drawing/2014/main" id="{08E12982-EC35-05A3-E0B2-35103A61E666}"/>
+              </a:ext>
+            </a:extLst>
+          </p:cNvPr>
+          <p:cNvSpPr/>
+          <p:nvPr/>
+        </p:nvSpPr>
+        <p:spPr>
+          <a:xfrm>
+            <a:off x="7174086" y="821833"/>
+            <a:ext cx="3831194" cy="2489903"/>
+          </a:xfrm>
+          <a:prstGeom prst="bevel">
+            <a:avLst>
+              <a:gd name="adj" fmla="val 0"/>
+            </a:avLst>
+          </a:prstGeom>
+          <a:ln>
+            <a:solidFill>
+              <a:schemeClr val="tx1"/>
+            </a:solidFill>
+          </a:ln>
+        </p:spPr>
+        <p:style>
+          <a:lnRef idx="2">
+            <a:schemeClr val="accent1">
+              <a:shade val="50000"/>
+            </a:schemeClr>
+          </a:lnRef>
+          <a:fillRef idx="1">
+            <a:schemeClr val="accent1"/>
+          </a:fillRef>
+          <a:effectRef idx="0">
+            <a:schemeClr val="accent1"/>
+          </a:effectRef>
+          <a:fontRef idx="minor">
+            <a:schemeClr val="lt1"/>
+          </a:fontRef>
+        </p:style>
+        <p:txBody>
+          <a:bodyPr rtlCol="0" anchor="ctr"/>
+          <a:lstStyle/>
+          <a:p>
+            <a:pPr algn="ctr"/>
+            <a:r>
+              <a:rPr lang="en-US" altLang="ko-KR" dirty="0">
+                <a:solidFill>
+                  <a:schemeClr val="bg2"/>
+                </a:solidFill>
+              </a:rPr>
+              <a:t>[A] </a:t>
+            </a:r>
+            <a:r>
+              <a:rPr lang="en-US" altLang="ko-KR" dirty="0" err="1">
+                <a:solidFill>
+                  <a:schemeClr val="bg2"/>
+                </a:solidFill>
+              </a:rPr>
+              <a:t>autoLamp</a:t>
+            </a:r>
+            <a:endParaRPr lang="en-US" altLang="ko-KR" dirty="0">
+              <a:solidFill>
+                <a:schemeClr val="bg2"/>
+              </a:solidFill>
+            </a:endParaRPr>
+          </a:p>
+          <a:p>
+            <a:pPr algn="ctr"/>
+            <a:r>
+              <a:rPr lang="en-US" altLang="ko-KR" dirty="0">
+                <a:solidFill>
+                  <a:schemeClr val="bg2"/>
+                </a:solidFill>
+              </a:rPr>
+              <a:t>[M] </a:t>
+            </a:r>
+            <a:r>
+              <a:rPr lang="en-US" altLang="ko-KR" dirty="0" err="1">
+                <a:solidFill>
+                  <a:schemeClr val="bg2"/>
+                </a:solidFill>
+              </a:rPr>
+              <a:t>manualLamp</a:t>
+            </a:r>
+            <a:endParaRPr lang="en-US" altLang="ko-KR" dirty="0">
+              <a:solidFill>
+                <a:schemeClr val="bg2"/>
+              </a:solidFill>
+            </a:endParaRPr>
+          </a:p>
+          <a:p>
+            <a:pPr algn="ctr"/>
+            <a:r>
+              <a:rPr lang="en-US" altLang="ko-KR" dirty="0">
+                <a:solidFill>
+                  <a:schemeClr val="bg2"/>
+                </a:solidFill>
+              </a:rPr>
+              <a:t>[D] </a:t>
+            </a:r>
+            <a:r>
+              <a:rPr lang="en-US" altLang="ko-KR" dirty="0" err="1">
+                <a:solidFill>
+                  <a:schemeClr val="bg2"/>
+                </a:solidFill>
+              </a:rPr>
+              <a:t>driveLamp</a:t>
+            </a:r>
+            <a:endParaRPr lang="en-US" altLang="ko-KR" dirty="0">
+              <a:solidFill>
+                <a:schemeClr val="bg2"/>
+              </a:solidFill>
+            </a:endParaRPr>
+          </a:p>
+          <a:p>
+            <a:pPr algn="ctr"/>
+            <a:r>
+              <a:rPr lang="en-US" altLang="ko-KR" dirty="0">
+                <a:solidFill>
+                  <a:schemeClr val="bg2"/>
+                </a:solidFill>
+              </a:rPr>
+              <a:t>[S] </a:t>
+            </a:r>
+            <a:r>
+              <a:rPr lang="en-US" altLang="ko-KR" dirty="0" err="1">
+                <a:solidFill>
+                  <a:schemeClr val="bg2"/>
+                </a:solidFill>
+              </a:rPr>
+              <a:t>stopLamp</a:t>
+            </a:r>
+            <a:r>
+              <a:rPr lang="en-US" altLang="ko-KR" dirty="0">
+                <a:solidFill>
+                  <a:schemeClr val="bg2"/>
+                </a:solidFill>
+              </a:rPr>
+              <a:t> </a:t>
+            </a:r>
+          </a:p>
+          <a:p>
+            <a:pPr algn="ctr"/>
+            <a:r>
+              <a:rPr lang="en-US" altLang="ko-KR" dirty="0">
+                <a:solidFill>
+                  <a:schemeClr val="bg2"/>
+                </a:solidFill>
+              </a:rPr>
+              <a:t>[E] </a:t>
+            </a:r>
+            <a:r>
+              <a:rPr lang="en-US" altLang="ko-KR" dirty="0" err="1">
+                <a:solidFill>
+                  <a:schemeClr val="bg2"/>
+                </a:solidFill>
+              </a:rPr>
+              <a:t>emgLamp</a:t>
+            </a:r>
+            <a:endParaRPr lang="en-US" altLang="ko-KR" dirty="0">
+              <a:solidFill>
+                <a:schemeClr val="bg2"/>
+              </a:solidFill>
+            </a:endParaRPr>
+          </a:p>
+          <a:p>
+            <a:pPr algn="ctr"/>
+            <a:r>
+              <a:rPr lang="en-US" altLang="ko-KR" dirty="0">
+                <a:solidFill>
+                  <a:schemeClr val="bg2"/>
+                </a:solidFill>
+              </a:rPr>
+              <a:t>[T] </a:t>
+            </a:r>
+            <a:r>
+              <a:rPr lang="en-US" altLang="ko-KR" dirty="0" err="1">
+                <a:solidFill>
+                  <a:schemeClr val="bg2"/>
+                </a:solidFill>
+              </a:rPr>
+              <a:t>testrunLamp</a:t>
+            </a:r>
+            <a:endParaRPr lang="en-US" altLang="ko-KR" dirty="0">
+              <a:solidFill>
+                <a:schemeClr val="bg2"/>
+              </a:solidFill>
+            </a:endParaRPr>
+          </a:p>
+          <a:p>
+            <a:pPr algn="ctr"/>
+            <a:r>
+              <a:rPr lang="en-US" altLang="ko-KR" dirty="0">
+                <a:solidFill>
+                  <a:schemeClr val="bg2"/>
+                </a:solidFill>
+              </a:rPr>
+              <a:t>[R] </a:t>
+            </a:r>
+            <a:r>
+              <a:rPr lang="en-US" altLang="ko-KR" dirty="0" err="1">
+                <a:solidFill>
+                  <a:schemeClr val="bg2"/>
+                </a:solidFill>
+              </a:rPr>
+              <a:t>readyLamp</a:t>
+            </a:r>
+            <a:endParaRPr lang="en-US" altLang="ko-KR" dirty="0">
+              <a:solidFill>
+                <a:schemeClr val="bg2"/>
+              </a:solidFill>
+            </a:endParaRPr>
+          </a:p>
+          <a:p>
+            <a:pPr algn="ctr"/>
+            <a:r>
+              <a:rPr lang="en-US" altLang="ko-KR" dirty="0">
+                <a:solidFill>
+                  <a:schemeClr val="bg2"/>
+                </a:solidFill>
+              </a:rPr>
+              <a:t>[I] </a:t>
+            </a:r>
+            <a:r>
+              <a:rPr lang="en-US" altLang="ko-KR" dirty="0" err="1">
+                <a:solidFill>
+                  <a:schemeClr val="bg2"/>
+                </a:solidFill>
+              </a:rPr>
+              <a:t>idleLamp</a:t>
+            </a:r>
+            <a:endParaRPr lang="en-US" altLang="ko-KR" dirty="0">
+              <a:solidFill>
+                <a:schemeClr val="bg2"/>
+              </a:solidFill>
+            </a:endParaRPr>
+          </a:p>
+          <a:p>
+            <a:pPr algn="ctr"/>
+            <a:endParaRPr lang="en-US" altLang="ko-KR" dirty="0">
+              <a:solidFill>
+                <a:schemeClr val="bg2"/>
+              </a:solidFill>
+            </a:endParaRPr>
+          </a:p>
+        </p:txBody>
+      </p:sp>
+      <p:sp>
+        <p:nvSpPr>
+          <p:cNvPr id="7" name="직사각형 6">
+            <a:extLst>
+              <a:ext uri="{FF2B5EF4-FFF2-40B4-BE49-F238E27FC236}">
+                <a16:creationId xmlns:a16="http://schemas.microsoft.com/office/drawing/2014/main" id="{C6E4C75C-0B49-3E32-F3B7-9B0EC876415F}"/>
+              </a:ext>
+            </a:extLst>
+          </p:cNvPr>
+          <p:cNvSpPr/>
+          <p:nvPr/>
+        </p:nvSpPr>
+        <p:spPr>
+          <a:xfrm>
+            <a:off x="8040658" y="4022630"/>
+            <a:ext cx="3016149" cy="2013537"/>
+          </a:xfrm>
+          <a:prstGeom prst="rect">
+            <a:avLst/>
+          </a:prstGeom>
+        </p:spPr>
+        <p:style>
+          <a:lnRef idx="2">
+            <a:schemeClr val="accent5">
+              <a:shade val="15000"/>
+            </a:schemeClr>
+          </a:lnRef>
+          <a:fillRef idx="1">
+            <a:schemeClr val="accent5"/>
+          </a:fillRef>
+          <a:effectRef idx="0">
+            <a:schemeClr val="accent5"/>
+          </a:effectRef>
+          <a:fontRef idx="minor">
+            <a:schemeClr val="lt1"/>
+          </a:fontRef>
+        </p:style>
+        <p:txBody>
+          <a:bodyPr rtlCol="0" anchor="ctr"/>
+          <a:lstStyle/>
+          <a:p>
+            <a:pPr algn="ctr"/>
+            <a:r>
+              <a:rPr lang="en-US" altLang="ko-KR" dirty="0"/>
+              <a:t>WORK2</a:t>
+            </a:r>
+            <a:endParaRPr lang="ko-KR" altLang="en-US" dirty="0"/>
+          </a:p>
+        </p:txBody>
+      </p:sp>
+      <p:sp>
+        <p:nvSpPr>
+          <p:cNvPr id="22" name="직사각형 21">
+            <a:extLst>
+              <a:ext uri="{FF2B5EF4-FFF2-40B4-BE49-F238E27FC236}">
+                <a16:creationId xmlns:a16="http://schemas.microsoft.com/office/drawing/2014/main" id="{ADC94203-A510-99F1-A28D-9329C7C92760}"/>
+              </a:ext>
+            </a:extLst>
+          </p:cNvPr>
+          <p:cNvSpPr/>
+          <p:nvPr/>
+        </p:nvSpPr>
+        <p:spPr>
+          <a:xfrm>
+            <a:off x="890330" y="2783103"/>
+            <a:ext cx="3016149" cy="2013537"/>
+          </a:xfrm>
+          <a:prstGeom prst="rect">
+            <a:avLst/>
+          </a:prstGeom>
+        </p:spPr>
+        <p:style>
+          <a:lnRef idx="2">
+            <a:schemeClr val="accent5">
+              <a:shade val="15000"/>
+            </a:schemeClr>
+          </a:lnRef>
+          <a:fillRef idx="1">
+            <a:schemeClr val="accent5"/>
+          </a:fillRef>
+          <a:effectRef idx="0">
+            <a:schemeClr val="accent5"/>
+          </a:effectRef>
+          <a:fontRef idx="minor">
+            <a:schemeClr val="lt1"/>
+          </a:fontRef>
+        </p:style>
+        <p:txBody>
+          <a:bodyPr rtlCol="0" anchor="ctr"/>
+          <a:lstStyle/>
+          <a:p>
+            <a:pPr algn="ctr"/>
+            <a:r>
+              <a:rPr lang="en-US" altLang="ko-KR" dirty="0" err="1"/>
+              <a:t>WORK1</a:t>
+            </a:r>
+            <a:endParaRPr lang="ko-KR" altLang="en-US" dirty="0"/>
+          </a:p>
+        </p:txBody>
+      </p:sp>
+      <p:cxnSp>
+        <p:nvCxnSpPr>
+          <p:cNvPr id="23" name="연결선: 꺾임 22">
+            <a:extLst>
+              <a:ext uri="{FF2B5EF4-FFF2-40B4-BE49-F238E27FC236}">
+                <a16:creationId xmlns:a16="http://schemas.microsoft.com/office/drawing/2014/main" id="{E100C4EC-D917-B9BC-8BE1-81D27EC6D7EE}"/>
+              </a:ext>
+            </a:extLst>
+          </p:cNvPr>
+          <p:cNvCxnSpPr>
+            <a:cxnSpLocks/>
+            <a:stCxn id="22" idx="3"/>
+            <a:endCxn id="7" idx="1"/>
+          </p:cNvCxnSpPr>
+          <p:nvPr/>
+        </p:nvCxnSpPr>
+        <p:spPr>
+          <a:xfrm>
+            <a:off x="3906479" y="3789872"/>
+            <a:ext cx="4134179" cy="1239527"/>
+          </a:xfrm>
+          <a:prstGeom prst="bentConnector3">
+            <a:avLst>
+              <a:gd name="adj1" fmla="val 50000"/>
+            </a:avLst>
+          </a:prstGeom>
+          <a:ln>
+            <a:headEnd type="diamond" w="med" len="med"/>
+            <a:tailEnd type="triangle" w="med" len="med"/>
+          </a:ln>
+        </p:spPr>
+        <p:style>
+          <a:lnRef idx="1">
+            <a:schemeClr val="accent1"/>
+          </a:lnRef>
+          <a:fillRef idx="0">
+            <a:schemeClr val="accent1"/>
+          </a:fillRef>
+          <a:effectRef idx="0">
+            <a:schemeClr val="accent1"/>
+          </a:effectRef>
+          <a:fontRef idx="minor">
+            <a:schemeClr val="tx1"/>
+          </a:fontRef>
+        </p:style>
+      </p:cxnSp>
+      <p:cxnSp>
+        <p:nvCxnSpPr>
+          <p:cNvPr id="24" name="연결선: 꺾임 23">
+            <a:extLst>
+              <a:ext uri="{FF2B5EF4-FFF2-40B4-BE49-F238E27FC236}">
+                <a16:creationId xmlns:a16="http://schemas.microsoft.com/office/drawing/2014/main" id="{BB5B8502-1ACA-D8FB-58DF-FA49B69F361E}"/>
+              </a:ext>
+            </a:extLst>
+          </p:cNvPr>
+          <p:cNvCxnSpPr>
+            <a:cxnSpLocks/>
+            <a:stCxn id="7" idx="2"/>
+            <a:endCxn id="22" idx="2"/>
+          </p:cNvCxnSpPr>
+          <p:nvPr/>
+        </p:nvCxnSpPr>
+        <p:spPr>
+          <a:xfrm rot="5400000" flipH="1">
+            <a:off x="5353805" y="1841240"/>
+            <a:ext cx="1239527" cy="7150328"/>
+          </a:xfrm>
+          <a:prstGeom prst="bentConnector3">
+            <a:avLst>
+              <a:gd name="adj1" fmla="val -18443"/>
+            </a:avLst>
+          </a:prstGeom>
+          <a:ln>
+            <a:headEnd type="diamond" w="med" len="med"/>
+            <a:tailEnd type="triangle" w="med" len="med"/>
+          </a:ln>
+        </p:spPr>
+        <p:style>
+          <a:lnRef idx="1">
+            <a:schemeClr val="accent1"/>
+          </a:lnRef>
+          <a:fillRef idx="0">
+            <a:schemeClr val="accent1"/>
+          </a:fillRef>
+          <a:effectRef idx="0">
+            <a:schemeClr val="accent1"/>
+          </a:effectRef>
+          <a:fontRef idx="minor">
+            <a:schemeClr val="tx1"/>
+          </a:fontRef>
+        </p:style>
+      </p:cxnSp>
+    </p:spTree>
+    <p:extLst>
+      <p:ext uri="{BB962C8B-B14F-4D97-AF65-F5344CB8AC3E}">
+        <p14:creationId xmlns:p14="http://schemas.microsoft.com/office/powerpoint/2010/main" val="480906109"/>
+      </p:ext>
+    </p:extLst>
+  </p:cSld>
+  <p:clrMapOvr>
+    <a:masterClrMapping/>
+  </p:clrMapOvr>
+</p:sld>
+</file>
+
+<file path=ppt/slides/slide3.xml><?xml version="1.0" encoding="utf-8"?>
+<p:sld xmlns:a="http://schemas.openxmlformats.org/drawingml/2006/main" xmlns:r="http://schemas.openxmlformats.org/officeDocument/2006/relationships" xmlns:p="http://schemas.openxmlformats.org/presentationml/2006/main">
+  <p:cSld>
+    <p:spTree>
+      <p:nvGrpSpPr>
+        <p:cNvPr id="1" name=""/>
+        <p:cNvGrpSpPr/>
+        <p:nvPr/>
+      </p:nvGrpSpPr>
+      <p:grpSpPr>
+        <a:xfrm>
+          <a:off x="0" y="0"/>
+          <a:ext cx="0" cy="0"/>
+          <a:chOff x="0" y="0"/>
+          <a:chExt cx="0" cy="0"/>
+        </a:xfrm>
+      </p:grpSpPr>
+      <p:sp>
+        <p:nvSpPr>
+          <p:cNvPr id="2" name="제목 1">
+            <a:extLst>
+              <a:ext uri="{FF2B5EF4-FFF2-40B4-BE49-F238E27FC236}">
+                <a16:creationId xmlns:a16="http://schemas.microsoft.com/office/drawing/2014/main" id="{1A69DDD8-5545-A829-82DF-051DB1771928}"/>
+              </a:ext>
+            </a:extLst>
+          </p:cNvPr>
+          <p:cNvSpPr>
+            <a:spLocks noGrp="1"/>
+          </p:cNvSpPr>
+          <p:nvPr>
+            <p:ph type="title"/>
+          </p:nvPr>
+        </p:nvSpPr>
+        <p:spPr>
+          <a:xfrm>
+            <a:off x="838200" y="365125"/>
+            <a:ext cx="10515600" cy="1325563"/>
+          </a:xfrm>
+        </p:spPr>
+        <p:txBody>
+          <a:bodyPr/>
+          <a:lstStyle/>
+          <a:p>
+            <a:r>
+              <a:rPr lang="en-US" altLang="ko-KR" dirty="0" err="1"/>
+              <a:t>STN01_UsingLIB2</a:t>
+            </a:r>
+            <a:endParaRPr lang="ko-KR" altLang="en-US" dirty="0"/>
+          </a:p>
+        </p:txBody>
+      </p:sp>
       <p:grpSp>
         <p:nvGrpSpPr>
-          <p:cNvPr id="23" name="그룹 22">
+          <p:cNvPr id="4" name="그룹 3">
             <a:extLst>
               <a:ext uri="{FF2B5EF4-FFF2-40B4-BE49-F238E27FC236}">
-                <a16:creationId xmlns:a16="http://schemas.microsoft.com/office/drawing/2014/main" id="{E5297F9C-63CC-014D-2A39-F740ACA40989}"/>
+                <a16:creationId xmlns:a16="http://schemas.microsoft.com/office/drawing/2014/main" id="{A260195C-E569-44C9-1664-0D2F297A6380}"/>
               </a:ext>
             </a:extLst>
           </p:cNvPr>
@@ -14946,10 +15454,10 @@
       </p:grpSp>
       <p:grpSp>
         <p:nvGrpSpPr>
-          <p:cNvPr id="18" name="그룹 17">
+          <p:cNvPr id="3" name="그룹 2">
             <a:extLst>
               <a:ext uri="{FF2B5EF4-FFF2-40B4-BE49-F238E27FC236}">
-                <a16:creationId xmlns:a16="http://schemas.microsoft.com/office/drawing/2014/main" id="{857A0E75-1640-A2FD-F200-5BB9D806DE14}"/>
+                <a16:creationId xmlns:a16="http://schemas.microsoft.com/office/drawing/2014/main" id="{35FABB12-871F-2422-FFA0-9FE28A63BFFD}"/>
               </a:ext>
             </a:extLst>
           </p:cNvPr>
@@ -15485,769 +15993,6 @@
     <p:extLst>
       <p:ext uri="{BB962C8B-B14F-4D97-AF65-F5344CB8AC3E}">
         <p14:creationId xmlns:p14="http://schemas.microsoft.com/office/powerpoint/2010/main" val="1990064271"/>
-      </p:ext>
-    </p:extLst>
-  </p:cSld>
-  <p:clrMapOvr>
-    <a:masterClrMapping/>
-  </p:clrMapOvr>
-</p:sld>
-</file>
-
-<file path=ppt/slides/slide3.xml><?xml version="1.0" encoding="utf-8"?>
-<p:sld xmlns:a="http://schemas.openxmlformats.org/drawingml/2006/main" xmlns:r="http://schemas.openxmlformats.org/officeDocument/2006/relationships" xmlns:p="http://schemas.openxmlformats.org/presentationml/2006/main">
-  <p:cSld>
-    <p:spTree>
-      <p:nvGrpSpPr>
-        <p:cNvPr id="1" name=""/>
-        <p:cNvGrpSpPr/>
-        <p:nvPr/>
-      </p:nvGrpSpPr>
-      <p:grpSpPr>
-        <a:xfrm>
-          <a:off x="0" y="0"/>
-          <a:ext cx="0" cy="0"/>
-          <a:chOff x="0" y="0"/>
-          <a:chExt cx="0" cy="0"/>
-        </a:xfrm>
-      </p:grpSpPr>
-      <p:sp>
-        <p:nvSpPr>
-          <p:cNvPr id="2" name="제목 1">
-            <a:extLst>
-              <a:ext uri="{FF2B5EF4-FFF2-40B4-BE49-F238E27FC236}">
-                <a16:creationId xmlns:a16="http://schemas.microsoft.com/office/drawing/2014/main" id="{1A69DDD8-5545-A829-82DF-051DB1771928}"/>
-              </a:ext>
-            </a:extLst>
-          </p:cNvPr>
-          <p:cNvSpPr>
-            <a:spLocks noGrp="1"/>
-          </p:cNvSpPr>
-          <p:nvPr>
-            <p:ph type="title"/>
-          </p:nvPr>
-        </p:nvSpPr>
-        <p:spPr>
-          <a:xfrm>
-            <a:off x="838200" y="365125"/>
-            <a:ext cx="10515600" cy="1325563"/>
-          </a:xfrm>
-        </p:spPr>
-        <p:txBody>
-          <a:bodyPr/>
-          <a:lstStyle/>
-          <a:p>
-            <a:r>
-              <a:rPr lang="en-US" altLang="ko-KR" dirty="0" err="1"/>
-              <a:t>STN01_UsingLIB2</a:t>
-            </a:r>
-            <a:endParaRPr lang="ko-KR" altLang="en-US" dirty="0"/>
-          </a:p>
-        </p:txBody>
-      </p:sp>
-      <p:grpSp>
-        <p:nvGrpSpPr>
-          <p:cNvPr id="5" name="그룹 4">
-            <a:extLst>
-              <a:ext uri="{FF2B5EF4-FFF2-40B4-BE49-F238E27FC236}">
-                <a16:creationId xmlns:a16="http://schemas.microsoft.com/office/drawing/2014/main" id="{E3A81073-FE7C-390C-AEA6-13B2BB989657}"/>
-              </a:ext>
-            </a:extLst>
-          </p:cNvPr>
-          <p:cNvGrpSpPr/>
-          <p:nvPr/>
-        </p:nvGrpSpPr>
-        <p:grpSpPr>
-          <a:xfrm>
-            <a:off x="1041400" y="1919288"/>
-            <a:ext cx="5994400" cy="4116879"/>
-            <a:chOff x="1041400" y="1919288"/>
-            <a:chExt cx="5994400" cy="4116879"/>
-          </a:xfrm>
-        </p:grpSpPr>
-        <p:sp>
-          <p:nvSpPr>
-            <p:cNvPr id="13" name="직사각형 12">
-              <a:extLst>
-                <a:ext uri="{FF2B5EF4-FFF2-40B4-BE49-F238E27FC236}">
-                  <a16:creationId xmlns:a16="http://schemas.microsoft.com/office/drawing/2014/main" id="{5EC5A213-423F-05C3-41B1-56752BB443E3}"/>
-                </a:ext>
-              </a:extLst>
-            </p:cNvPr>
-            <p:cNvSpPr/>
-            <p:nvPr/>
-          </p:nvSpPr>
-          <p:spPr>
-            <a:xfrm>
-              <a:off x="1041400" y="1919288"/>
-              <a:ext cx="5994400" cy="4116879"/>
-            </a:xfrm>
-            <a:prstGeom prst="rect">
-              <a:avLst/>
-            </a:prstGeom>
-          </p:spPr>
-          <p:style>
-            <a:lnRef idx="2">
-              <a:schemeClr val="accent5">
-                <a:shade val="15000"/>
-              </a:schemeClr>
-            </a:lnRef>
-            <a:fillRef idx="1">
-              <a:schemeClr val="accent5"/>
-            </a:fillRef>
-            <a:effectRef idx="0">
-              <a:schemeClr val="accent5"/>
-            </a:effectRef>
-            <a:fontRef idx="minor">
-              <a:schemeClr val="lt1"/>
-            </a:fontRef>
-          </p:style>
-          <p:txBody>
-            <a:bodyPr rtlCol="0" anchor="ctr"/>
-            <a:lstStyle/>
-            <a:p>
-              <a:pPr algn="ctr"/>
-              <a:r>
-                <a:rPr lang="en-US" altLang="ko-KR" dirty="0"/>
-                <a:t>WORK1</a:t>
-              </a:r>
-              <a:endParaRPr lang="ko-KR" altLang="en-US" dirty="0"/>
-            </a:p>
-          </p:txBody>
-        </p:sp>
-        <p:sp>
-          <p:nvSpPr>
-            <p:cNvPr id="46" name="타원 45">
-              <a:extLst>
-                <a:ext uri="{FF2B5EF4-FFF2-40B4-BE49-F238E27FC236}">
-                  <a16:creationId xmlns:a16="http://schemas.microsoft.com/office/drawing/2014/main" id="{372359AD-9A8C-5210-B8A4-166BAF7C4BFC}"/>
-                </a:ext>
-              </a:extLst>
-            </p:cNvPr>
-            <p:cNvSpPr/>
-            <p:nvPr/>
-          </p:nvSpPr>
-          <p:spPr>
-            <a:xfrm>
-              <a:off x="1251448" y="2247708"/>
-              <a:ext cx="1958634" cy="938775"/>
-            </a:xfrm>
-            <a:prstGeom prst="ellipse">
-              <a:avLst/>
-            </a:prstGeom>
-          </p:spPr>
-          <p:style>
-            <a:lnRef idx="2">
-              <a:schemeClr val="accent1">
-                <a:shade val="15000"/>
-              </a:schemeClr>
-            </a:lnRef>
-            <a:fillRef idx="1">
-              <a:schemeClr val="accent1"/>
-            </a:fillRef>
-            <a:effectRef idx="0">
-              <a:schemeClr val="accent1"/>
-            </a:effectRef>
-            <a:fontRef idx="minor">
-              <a:schemeClr val="lt1"/>
-            </a:fontRef>
-          </p:style>
-          <p:txBody>
-            <a:bodyPr rtlCol="0" anchor="ctr"/>
-            <a:lstStyle/>
-            <a:p>
-              <a:pPr algn="ctr"/>
-              <a:r>
-                <a:rPr lang="en-US" altLang="ko-KR" dirty="0"/>
-                <a:t>1.FWD[P]</a:t>
-              </a:r>
-              <a:endParaRPr lang="ko-KR" altLang="en-US" dirty="0"/>
-            </a:p>
-          </p:txBody>
-        </p:sp>
-        <p:sp>
-          <p:nvSpPr>
-            <p:cNvPr id="47" name="타원 46">
-              <a:extLst>
-                <a:ext uri="{FF2B5EF4-FFF2-40B4-BE49-F238E27FC236}">
-                  <a16:creationId xmlns:a16="http://schemas.microsoft.com/office/drawing/2014/main" id="{1379FCA7-DCCD-3FEB-40C4-10D7022062C7}"/>
-                </a:ext>
-              </a:extLst>
-            </p:cNvPr>
-            <p:cNvSpPr/>
-            <p:nvPr/>
-          </p:nvSpPr>
-          <p:spPr>
-            <a:xfrm>
-              <a:off x="3780976" y="2476659"/>
-              <a:ext cx="1236940" cy="938775"/>
-            </a:xfrm>
-            <a:prstGeom prst="ellipse">
-              <a:avLst/>
-            </a:prstGeom>
-          </p:spPr>
-          <p:style>
-            <a:lnRef idx="2">
-              <a:schemeClr val="accent1">
-                <a:shade val="15000"/>
-              </a:schemeClr>
-            </a:lnRef>
-            <a:fillRef idx="1">
-              <a:schemeClr val="accent1"/>
-            </a:fillRef>
-            <a:effectRef idx="0">
-              <a:schemeClr val="accent1"/>
-            </a:effectRef>
-            <a:fontRef idx="minor">
-              <a:schemeClr val="lt1"/>
-            </a:fontRef>
-          </p:style>
-          <p:txBody>
-            <a:bodyPr rtlCol="0" anchor="ctr"/>
-            <a:lstStyle/>
-            <a:p>
-              <a:pPr algn="ctr"/>
-              <a:r>
-                <a:rPr lang="en-US" altLang="ko-KR" dirty="0"/>
-                <a:t>1.-</a:t>
-              </a:r>
-              <a:endParaRPr lang="ko-KR" altLang="en-US" dirty="0"/>
-            </a:p>
-          </p:txBody>
-        </p:sp>
-        <p:cxnSp>
-          <p:nvCxnSpPr>
-            <p:cNvPr id="49" name="연결선: 꺾임 48">
-              <a:extLst>
-                <a:ext uri="{FF2B5EF4-FFF2-40B4-BE49-F238E27FC236}">
-                  <a16:creationId xmlns:a16="http://schemas.microsoft.com/office/drawing/2014/main" id="{061DF60F-9629-5C85-3C1D-9477895782B3}"/>
-                </a:ext>
-              </a:extLst>
-            </p:cNvPr>
-            <p:cNvCxnSpPr>
-              <a:cxnSpLocks/>
-              <a:stCxn id="46" idx="6"/>
-              <a:endCxn id="47" idx="2"/>
-            </p:cNvCxnSpPr>
-            <p:nvPr/>
-          </p:nvCxnSpPr>
-          <p:spPr>
-            <a:xfrm>
-              <a:off x="3210082" y="2717096"/>
-              <a:ext cx="570894" cy="228951"/>
-            </a:xfrm>
-            <a:prstGeom prst="bentConnector3">
-              <a:avLst>
-                <a:gd name="adj1" fmla="val 50000"/>
-              </a:avLst>
-            </a:prstGeom>
-            <a:ln>
-              <a:tailEnd type="triangle"/>
-            </a:ln>
-          </p:spPr>
-          <p:style>
-            <a:lnRef idx="1">
-              <a:schemeClr val="accent1"/>
-            </a:lnRef>
-            <a:fillRef idx="0">
-              <a:schemeClr val="accent1"/>
-            </a:fillRef>
-            <a:effectRef idx="0">
-              <a:schemeClr val="accent1"/>
-            </a:effectRef>
-            <a:fontRef idx="minor">
-              <a:schemeClr val="tx1"/>
-            </a:fontRef>
-          </p:style>
-        </p:cxnSp>
-        <p:sp>
-          <p:nvSpPr>
-            <p:cNvPr id="9" name="타원 8">
-              <a:extLst>
-                <a:ext uri="{FF2B5EF4-FFF2-40B4-BE49-F238E27FC236}">
-                  <a16:creationId xmlns:a16="http://schemas.microsoft.com/office/drawing/2014/main" id="{46888E4C-42DB-ABC9-C132-71CA4AD80CEE}"/>
-                </a:ext>
-              </a:extLst>
-            </p:cNvPr>
-            <p:cNvSpPr/>
-            <p:nvPr/>
-          </p:nvSpPr>
-          <p:spPr>
-            <a:xfrm>
-              <a:off x="3293130" y="4119515"/>
-              <a:ext cx="1236940" cy="938775"/>
-            </a:xfrm>
-            <a:prstGeom prst="ellipse">
-              <a:avLst/>
-            </a:prstGeom>
-          </p:spPr>
-          <p:style>
-            <a:lnRef idx="2">
-              <a:schemeClr val="accent1">
-                <a:shade val="15000"/>
-              </a:schemeClr>
-            </a:lnRef>
-            <a:fillRef idx="1">
-              <a:schemeClr val="accent1"/>
-            </a:fillRef>
-            <a:effectRef idx="0">
-              <a:schemeClr val="accent1"/>
-            </a:effectRef>
-            <a:fontRef idx="minor">
-              <a:schemeClr val="lt1"/>
-            </a:fontRef>
-          </p:style>
-          <p:txBody>
-            <a:bodyPr rtlCol="0" anchor="ctr"/>
-            <a:lstStyle/>
-            <a:p>
-              <a:pPr algn="ctr"/>
-              <a:r>
-                <a:rPr lang="en-US" altLang="ko-KR"/>
-                <a:t>2.+</a:t>
-              </a:r>
-              <a:endParaRPr lang="ko-KR" altLang="en-US" dirty="0"/>
-            </a:p>
-          </p:txBody>
-        </p:sp>
-        <p:sp>
-          <p:nvSpPr>
-            <p:cNvPr id="10" name="타원 9">
-              <a:extLst>
-                <a:ext uri="{FF2B5EF4-FFF2-40B4-BE49-F238E27FC236}">
-                  <a16:creationId xmlns:a16="http://schemas.microsoft.com/office/drawing/2014/main" id="{41DDADBD-54A9-2989-E4C9-30546B088469}"/>
-                </a:ext>
-              </a:extLst>
-            </p:cNvPr>
-            <p:cNvSpPr/>
-            <p:nvPr/>
-          </p:nvSpPr>
-          <p:spPr>
-            <a:xfrm>
-              <a:off x="5062260" y="4588902"/>
-              <a:ext cx="1236940" cy="938775"/>
-            </a:xfrm>
-            <a:prstGeom prst="ellipse">
-              <a:avLst/>
-            </a:prstGeom>
-          </p:spPr>
-          <p:style>
-            <a:lnRef idx="2">
-              <a:schemeClr val="accent1">
-                <a:shade val="15000"/>
-              </a:schemeClr>
-            </a:lnRef>
-            <a:fillRef idx="1">
-              <a:schemeClr val="accent1"/>
-            </a:fillRef>
-            <a:effectRef idx="0">
-              <a:schemeClr val="accent1"/>
-            </a:effectRef>
-            <a:fontRef idx="minor">
-              <a:schemeClr val="lt1"/>
-            </a:fontRef>
-          </p:style>
-          <p:txBody>
-            <a:bodyPr rtlCol="0" anchor="ctr"/>
-            <a:lstStyle/>
-            <a:p>
-              <a:pPr algn="ctr"/>
-              <a:r>
-                <a:rPr lang="en-US" altLang="ko-KR" dirty="0"/>
-                <a:t>2.-</a:t>
-              </a:r>
-              <a:endParaRPr lang="ko-KR" altLang="en-US" dirty="0"/>
-            </a:p>
-          </p:txBody>
-        </p:sp>
-        <p:cxnSp>
-          <p:nvCxnSpPr>
-            <p:cNvPr id="11" name="연결선: 꺾임 10">
-              <a:extLst>
-                <a:ext uri="{FF2B5EF4-FFF2-40B4-BE49-F238E27FC236}">
-                  <a16:creationId xmlns:a16="http://schemas.microsoft.com/office/drawing/2014/main" id="{D2D1A329-ABA6-73C1-36EB-C59DE4C8ADBA}"/>
-                </a:ext>
-              </a:extLst>
-            </p:cNvPr>
-            <p:cNvCxnSpPr>
-              <a:cxnSpLocks/>
-              <a:stCxn id="46" idx="4"/>
-              <a:endCxn id="9" idx="2"/>
-            </p:cNvCxnSpPr>
-            <p:nvPr/>
-          </p:nvCxnSpPr>
-          <p:spPr>
-            <a:xfrm rot="16200000" flipH="1">
-              <a:off x="2060737" y="3356510"/>
-              <a:ext cx="1402420" cy="1062365"/>
-            </a:xfrm>
-            <a:prstGeom prst="bentConnector2">
-              <a:avLst/>
-            </a:prstGeom>
-            <a:ln>
-              <a:tailEnd type="triangle"/>
-            </a:ln>
-          </p:spPr>
-          <p:style>
-            <a:lnRef idx="1">
-              <a:schemeClr val="accent1"/>
-            </a:lnRef>
-            <a:fillRef idx="0">
-              <a:schemeClr val="accent1"/>
-            </a:fillRef>
-            <a:effectRef idx="0">
-              <a:schemeClr val="accent1"/>
-            </a:effectRef>
-            <a:fontRef idx="minor">
-              <a:schemeClr val="tx1"/>
-            </a:fontRef>
-          </p:style>
-        </p:cxnSp>
-        <p:cxnSp>
-          <p:nvCxnSpPr>
-            <p:cNvPr id="20" name="연결선: 꺾임 19">
-              <a:extLst>
-                <a:ext uri="{FF2B5EF4-FFF2-40B4-BE49-F238E27FC236}">
-                  <a16:creationId xmlns:a16="http://schemas.microsoft.com/office/drawing/2014/main" id="{842E0B22-6800-3D03-85EE-B99A55FC321E}"/>
-                </a:ext>
-              </a:extLst>
-            </p:cNvPr>
-            <p:cNvCxnSpPr>
-              <a:cxnSpLocks/>
-              <a:stCxn id="47" idx="6"/>
-              <a:endCxn id="10" idx="0"/>
-            </p:cNvCxnSpPr>
-            <p:nvPr/>
-          </p:nvCxnSpPr>
-          <p:spPr>
-            <a:xfrm>
-              <a:off x="5017916" y="2946047"/>
-              <a:ext cx="662814" cy="1642855"/>
-            </a:xfrm>
-            <a:prstGeom prst="bentConnector2">
-              <a:avLst/>
-            </a:prstGeom>
-            <a:ln>
-              <a:tailEnd type="triangle"/>
-            </a:ln>
-          </p:spPr>
-          <p:style>
-            <a:lnRef idx="1">
-              <a:schemeClr val="accent1"/>
-            </a:lnRef>
-            <a:fillRef idx="0">
-              <a:schemeClr val="accent1"/>
-            </a:fillRef>
-            <a:effectRef idx="0">
-              <a:schemeClr val="accent1"/>
-            </a:effectRef>
-            <a:fontRef idx="minor">
-              <a:schemeClr val="tx1"/>
-            </a:fontRef>
-          </p:style>
-        </p:cxnSp>
-        <p:cxnSp>
-          <p:nvCxnSpPr>
-            <p:cNvPr id="21" name="연결선: 꺾임 20">
-              <a:extLst>
-                <a:ext uri="{FF2B5EF4-FFF2-40B4-BE49-F238E27FC236}">
-                  <a16:creationId xmlns:a16="http://schemas.microsoft.com/office/drawing/2014/main" id="{2D69A2BA-A12B-066A-E9D0-7D0EA79EBCBC}"/>
-                </a:ext>
-              </a:extLst>
-            </p:cNvPr>
-            <p:cNvCxnSpPr>
-              <a:cxnSpLocks/>
-              <a:stCxn id="9" idx="6"/>
-              <a:endCxn id="10" idx="2"/>
-            </p:cNvCxnSpPr>
-            <p:nvPr/>
-          </p:nvCxnSpPr>
-          <p:spPr>
-            <a:xfrm>
-              <a:off x="4530070" y="4588903"/>
-              <a:ext cx="532190" cy="469387"/>
-            </a:xfrm>
-            <a:prstGeom prst="bentConnector3">
-              <a:avLst>
-                <a:gd name="adj1" fmla="val 50000"/>
-              </a:avLst>
-            </a:prstGeom>
-            <a:ln>
-              <a:tailEnd type="triangle"/>
-            </a:ln>
-          </p:spPr>
-          <p:style>
-            <a:lnRef idx="1">
-              <a:schemeClr val="accent1"/>
-            </a:lnRef>
-            <a:fillRef idx="0">
-              <a:schemeClr val="accent1"/>
-            </a:fillRef>
-            <a:effectRef idx="0">
-              <a:schemeClr val="accent1"/>
-            </a:effectRef>
-            <a:fontRef idx="minor">
-              <a:schemeClr val="tx1"/>
-            </a:fontRef>
-          </p:style>
-        </p:cxnSp>
-      </p:grpSp>
-      <p:sp>
-        <p:nvSpPr>
-          <p:cNvPr id="4" name="사각형: 빗면 3">
-            <a:extLst>
-              <a:ext uri="{FF2B5EF4-FFF2-40B4-BE49-F238E27FC236}">
-                <a16:creationId xmlns:a16="http://schemas.microsoft.com/office/drawing/2014/main" id="{08E12982-EC35-05A3-E0B2-35103A61E666}"/>
-              </a:ext>
-            </a:extLst>
-          </p:cNvPr>
-          <p:cNvSpPr/>
-          <p:nvPr/>
-        </p:nvSpPr>
-        <p:spPr>
-          <a:xfrm>
-            <a:off x="7174086" y="821833"/>
-            <a:ext cx="3831194" cy="2489903"/>
-          </a:xfrm>
-          <a:prstGeom prst="bevel">
-            <a:avLst>
-              <a:gd name="adj" fmla="val 0"/>
-            </a:avLst>
-          </a:prstGeom>
-          <a:ln>
-            <a:solidFill>
-              <a:schemeClr val="tx1"/>
-            </a:solidFill>
-          </a:ln>
-        </p:spPr>
-        <p:style>
-          <a:lnRef idx="2">
-            <a:schemeClr val="accent1">
-              <a:shade val="50000"/>
-            </a:schemeClr>
-          </a:lnRef>
-          <a:fillRef idx="1">
-            <a:schemeClr val="accent1"/>
-          </a:fillRef>
-          <a:effectRef idx="0">
-            <a:schemeClr val="accent1"/>
-          </a:effectRef>
-          <a:fontRef idx="minor">
-            <a:schemeClr val="lt1"/>
-          </a:fontRef>
-        </p:style>
-        <p:txBody>
-          <a:bodyPr rtlCol="0" anchor="ctr"/>
-          <a:lstStyle/>
-          <a:p>
-            <a:pPr algn="ctr"/>
-            <a:r>
-              <a:rPr lang="en-US" altLang="ko-KR" dirty="0">
-                <a:solidFill>
-                  <a:schemeClr val="bg2"/>
-                </a:solidFill>
-              </a:rPr>
-              <a:t>[A] </a:t>
-            </a:r>
-            <a:r>
-              <a:rPr lang="en-US" altLang="ko-KR" dirty="0" err="1">
-                <a:solidFill>
-                  <a:schemeClr val="bg2"/>
-                </a:solidFill>
-              </a:rPr>
-              <a:t>autoLamp</a:t>
-            </a:r>
-            <a:endParaRPr lang="en-US" altLang="ko-KR" dirty="0">
-              <a:solidFill>
-                <a:schemeClr val="bg2"/>
-              </a:solidFill>
-            </a:endParaRPr>
-          </a:p>
-          <a:p>
-            <a:pPr algn="ctr"/>
-            <a:r>
-              <a:rPr lang="en-US" altLang="ko-KR" dirty="0">
-                <a:solidFill>
-                  <a:schemeClr val="bg2"/>
-                </a:solidFill>
-              </a:rPr>
-              <a:t>[M] </a:t>
-            </a:r>
-            <a:r>
-              <a:rPr lang="en-US" altLang="ko-KR" dirty="0" err="1">
-                <a:solidFill>
-                  <a:schemeClr val="bg2"/>
-                </a:solidFill>
-              </a:rPr>
-              <a:t>manualLamp</a:t>
-            </a:r>
-            <a:endParaRPr lang="en-US" altLang="ko-KR" dirty="0">
-              <a:solidFill>
-                <a:schemeClr val="bg2"/>
-              </a:solidFill>
-            </a:endParaRPr>
-          </a:p>
-          <a:p>
-            <a:pPr algn="ctr"/>
-            <a:r>
-              <a:rPr lang="en-US" altLang="ko-KR" dirty="0">
-                <a:solidFill>
-                  <a:schemeClr val="bg2"/>
-                </a:solidFill>
-              </a:rPr>
-              <a:t>[D] </a:t>
-            </a:r>
-            <a:r>
-              <a:rPr lang="en-US" altLang="ko-KR" dirty="0" err="1">
-                <a:solidFill>
-                  <a:schemeClr val="bg2"/>
-                </a:solidFill>
-              </a:rPr>
-              <a:t>driveLamp</a:t>
-            </a:r>
-            <a:endParaRPr lang="en-US" altLang="ko-KR" dirty="0">
-              <a:solidFill>
-                <a:schemeClr val="bg2"/>
-              </a:solidFill>
-            </a:endParaRPr>
-          </a:p>
-          <a:p>
-            <a:pPr algn="ctr"/>
-            <a:r>
-              <a:rPr lang="en-US" altLang="ko-KR" dirty="0">
-                <a:solidFill>
-                  <a:schemeClr val="bg2"/>
-                </a:solidFill>
-              </a:rPr>
-              <a:t>[S] </a:t>
-            </a:r>
-            <a:r>
-              <a:rPr lang="en-US" altLang="ko-KR" dirty="0" err="1">
-                <a:solidFill>
-                  <a:schemeClr val="bg2"/>
-                </a:solidFill>
-              </a:rPr>
-              <a:t>stopLamp</a:t>
-            </a:r>
-            <a:r>
-              <a:rPr lang="en-US" altLang="ko-KR" dirty="0">
-                <a:solidFill>
-                  <a:schemeClr val="bg2"/>
-                </a:solidFill>
-              </a:rPr>
-              <a:t> </a:t>
-            </a:r>
-          </a:p>
-          <a:p>
-            <a:pPr algn="ctr"/>
-            <a:r>
-              <a:rPr lang="en-US" altLang="ko-KR" dirty="0">
-                <a:solidFill>
-                  <a:schemeClr val="bg2"/>
-                </a:solidFill>
-              </a:rPr>
-              <a:t>[E] </a:t>
-            </a:r>
-            <a:r>
-              <a:rPr lang="en-US" altLang="ko-KR" dirty="0" err="1">
-                <a:solidFill>
-                  <a:schemeClr val="bg2"/>
-                </a:solidFill>
-              </a:rPr>
-              <a:t>emgLamp</a:t>
-            </a:r>
-            <a:endParaRPr lang="en-US" altLang="ko-KR" dirty="0">
-              <a:solidFill>
-                <a:schemeClr val="bg2"/>
-              </a:solidFill>
-            </a:endParaRPr>
-          </a:p>
-          <a:p>
-            <a:pPr algn="ctr"/>
-            <a:r>
-              <a:rPr lang="en-US" altLang="ko-KR" dirty="0">
-                <a:solidFill>
-                  <a:schemeClr val="bg2"/>
-                </a:solidFill>
-              </a:rPr>
-              <a:t>[T] </a:t>
-            </a:r>
-            <a:r>
-              <a:rPr lang="en-US" altLang="ko-KR" dirty="0" err="1">
-                <a:solidFill>
-                  <a:schemeClr val="bg2"/>
-                </a:solidFill>
-              </a:rPr>
-              <a:t>testrunLamp</a:t>
-            </a:r>
-            <a:endParaRPr lang="en-US" altLang="ko-KR" dirty="0">
-              <a:solidFill>
-                <a:schemeClr val="bg2"/>
-              </a:solidFill>
-            </a:endParaRPr>
-          </a:p>
-          <a:p>
-            <a:pPr algn="ctr"/>
-            <a:r>
-              <a:rPr lang="en-US" altLang="ko-KR" dirty="0">
-                <a:solidFill>
-                  <a:schemeClr val="bg2"/>
-                </a:solidFill>
-              </a:rPr>
-              <a:t>[R] </a:t>
-            </a:r>
-            <a:r>
-              <a:rPr lang="en-US" altLang="ko-KR" dirty="0" err="1">
-                <a:solidFill>
-                  <a:schemeClr val="bg2"/>
-                </a:solidFill>
-              </a:rPr>
-              <a:t>readyLamp</a:t>
-            </a:r>
-            <a:endParaRPr lang="en-US" altLang="ko-KR" dirty="0">
-              <a:solidFill>
-                <a:schemeClr val="bg2"/>
-              </a:solidFill>
-            </a:endParaRPr>
-          </a:p>
-          <a:p>
-            <a:pPr algn="ctr"/>
-            <a:r>
-              <a:rPr lang="en-US" altLang="ko-KR" dirty="0">
-                <a:solidFill>
-                  <a:schemeClr val="bg2"/>
-                </a:solidFill>
-              </a:rPr>
-              <a:t>[I] </a:t>
-            </a:r>
-            <a:r>
-              <a:rPr lang="en-US" altLang="ko-KR" dirty="0" err="1">
-                <a:solidFill>
-                  <a:schemeClr val="bg2"/>
-                </a:solidFill>
-              </a:rPr>
-              <a:t>idleLamp</a:t>
-            </a:r>
-            <a:endParaRPr lang="en-US" altLang="ko-KR" dirty="0">
-              <a:solidFill>
-                <a:schemeClr val="bg2"/>
-              </a:solidFill>
-            </a:endParaRPr>
-          </a:p>
-          <a:p>
-            <a:pPr algn="ctr"/>
-            <a:endParaRPr lang="en-US" altLang="ko-KR" dirty="0">
-              <a:solidFill>
-                <a:schemeClr val="bg2"/>
-              </a:solidFill>
-            </a:endParaRPr>
-          </a:p>
-        </p:txBody>
-      </p:sp>
-    </p:spTree>
-    <p:extLst>
-      <p:ext uri="{BB962C8B-B14F-4D97-AF65-F5344CB8AC3E}">
-        <p14:creationId xmlns:p14="http://schemas.microsoft.com/office/powerpoint/2010/main" val="480906109"/>
       </p:ext>
     </p:extLst>
   </p:cSld>
@@ -16624,10 +16369,10 @@
       </p:sp>
       <p:grpSp>
         <p:nvGrpSpPr>
-          <p:cNvPr id="5" name="그룹 4">
+          <p:cNvPr id="3" name="그룹 2">
             <a:extLst>
               <a:ext uri="{FF2B5EF4-FFF2-40B4-BE49-F238E27FC236}">
-                <a16:creationId xmlns:a16="http://schemas.microsoft.com/office/drawing/2014/main" id="{BE1465F0-47CE-525B-5637-1A540E627E86}"/>
+                <a16:creationId xmlns:a16="http://schemas.microsoft.com/office/drawing/2014/main" id="{5522AE1E-E338-2C58-4478-9C4653F52F0C}"/>
               </a:ext>
             </a:extLst>
           </p:cNvPr>
@@ -17215,10 +16960,10 @@
       </p:sp>
       <p:grpSp>
         <p:nvGrpSpPr>
-          <p:cNvPr id="5" name="그룹 4">
+          <p:cNvPr id="3" name="그룹 2">
             <a:extLst>
               <a:ext uri="{FF2B5EF4-FFF2-40B4-BE49-F238E27FC236}">
-                <a16:creationId xmlns:a16="http://schemas.microsoft.com/office/drawing/2014/main" id="{C22E4A41-63D7-D303-DEE3-CBAE39376784}"/>
+                <a16:creationId xmlns:a16="http://schemas.microsoft.com/office/drawing/2014/main" id="{8638F660-1E9F-616E-1316-7605FF47560F}"/>
               </a:ext>
             </a:extLst>
           </p:cNvPr>
@@ -17806,10 +17551,10 @@
       </p:sp>
       <p:grpSp>
         <p:nvGrpSpPr>
-          <p:cNvPr id="5" name="그룹 4">
+          <p:cNvPr id="3" name="그룹 2">
             <a:extLst>
               <a:ext uri="{FF2B5EF4-FFF2-40B4-BE49-F238E27FC236}">
-                <a16:creationId xmlns:a16="http://schemas.microsoft.com/office/drawing/2014/main" id="{F611675E-E133-0CE3-C251-82B3516B5AC4}"/>
+                <a16:creationId xmlns:a16="http://schemas.microsoft.com/office/drawing/2014/main" id="{BA9DE170-0F76-EDDE-07D9-40D1D9119A64}"/>
               </a:ext>
             </a:extLst>
           </p:cNvPr>
@@ -18160,10 +17905,10 @@
       </p:sp>
       <p:grpSp>
         <p:nvGrpSpPr>
-          <p:cNvPr id="9" name="그룹 8">
+          <p:cNvPr id="5" name="그룹 4">
             <a:extLst>
               <a:ext uri="{FF2B5EF4-FFF2-40B4-BE49-F238E27FC236}">
-                <a16:creationId xmlns:a16="http://schemas.microsoft.com/office/drawing/2014/main" id="{0C68E500-5AB2-9A81-D8AD-20B02BAAB4AB}"/>
+                <a16:creationId xmlns:a16="http://schemas.microsoft.com/office/drawing/2014/main" id="{2C63D641-B257-2DB8-1447-461C39E70996}"/>
               </a:ext>
             </a:extLst>
           </p:cNvPr>
@@ -19560,10 +19305,10 @@
       </p:sp>
       <p:grpSp>
         <p:nvGrpSpPr>
-          <p:cNvPr id="8" name="그룹 7">
+          <p:cNvPr id="4" name="그룹 3">
             <a:extLst>
               <a:ext uri="{FF2B5EF4-FFF2-40B4-BE49-F238E27FC236}">
-                <a16:creationId xmlns:a16="http://schemas.microsoft.com/office/drawing/2014/main" id="{52E93B81-1115-12F7-2DB2-640663674BE4}"/>
+                <a16:creationId xmlns:a16="http://schemas.microsoft.com/office/drawing/2014/main" id="{4442CC1D-7542-A436-99CC-721B43010482}"/>
               </a:ext>
             </a:extLst>
           </p:cNvPr>
@@ -21887,10 +21632,10 @@
       </p:sp>
       <p:grpSp>
         <p:nvGrpSpPr>
-          <p:cNvPr id="6" name="그룹 5">
+          <p:cNvPr id="3" name="그룹 2">
             <a:extLst>
               <a:ext uri="{FF2B5EF4-FFF2-40B4-BE49-F238E27FC236}">
-                <a16:creationId xmlns:a16="http://schemas.microsoft.com/office/drawing/2014/main" id="{606E4C8F-A210-5D87-AC29-DAEA1F07B9EA}"/>
+                <a16:creationId xmlns:a16="http://schemas.microsoft.com/office/drawing/2014/main" id="{7A88D247-BBBB-1F4B-D97B-55764A803454}"/>
               </a:ext>
             </a:extLst>
           </p:cNvPr>
